--- a/src/main/resources/slides.pptx
+++ b/src/main/resources/slides.pptx
@@ -5,24 +5,27 @@
     <p:sldMasterId id="2147483684" r:id="rId5"/>
   </p:sldMasterIdLst>
   <p:notesMasterIdLst>
-    <p:notesMasterId r:id="rId18"/>
+    <p:notesMasterId r:id="rId21"/>
   </p:notesMasterIdLst>
   <p:handoutMasterIdLst>
-    <p:handoutMasterId r:id="rId19"/>
+    <p:handoutMasterId r:id="rId22"/>
   </p:handoutMasterIdLst>
   <p:sldIdLst>
     <p:sldId id="258" r:id="rId6"/>
     <p:sldId id="273" r:id="rId7"/>
     <p:sldId id="277" r:id="rId8"/>
     <p:sldId id="278" r:id="rId9"/>
-    <p:sldId id="279" r:id="rId10"/>
-    <p:sldId id="276" r:id="rId11"/>
-    <p:sldId id="281" r:id="rId12"/>
-    <p:sldId id="282" r:id="rId13"/>
-    <p:sldId id="280" r:id="rId14"/>
-    <p:sldId id="274" r:id="rId15"/>
-    <p:sldId id="275" r:id="rId16"/>
-    <p:sldId id="272" r:id="rId17"/>
+    <p:sldId id="276" r:id="rId10"/>
+    <p:sldId id="281" r:id="rId11"/>
+    <p:sldId id="282" r:id="rId12"/>
+    <p:sldId id="284" r:id="rId13"/>
+    <p:sldId id="279" r:id="rId14"/>
+    <p:sldId id="283" r:id="rId15"/>
+    <p:sldId id="285" r:id="rId16"/>
+    <p:sldId id="280" r:id="rId17"/>
+    <p:sldId id="274" r:id="rId18"/>
+    <p:sldId id="275" r:id="rId19"/>
+    <p:sldId id="272" r:id="rId20"/>
   </p:sldIdLst>
   <p:sldSz cx="9144000" cy="5143500" type="screen16x9"/>
   <p:notesSz cx="6858000" cy="9144000"/>
@@ -957,55 +960,14 @@
           <a:bodyPr/>
           <a:lstStyle/>
           <a:p>
-            <a:r>
-              <a:rPr lang="pl-PL" dirty="0"/>
-              <a:t>Scala/Java/C# bardziej dla software </a:t>
-            </a:r>
-            <a:r>
-              <a:rPr lang="pl-PL" dirty="0" err="1"/>
-              <a:t>engineerów</a:t>
-            </a:r>
-            <a:r>
-              <a:rPr lang="pl-PL" dirty="0"/>
-              <a:t>. </a:t>
-            </a:r>
-            <a:r>
-              <a:rPr lang="pl-PL" dirty="0" err="1"/>
-              <a:t>Python</a:t>
-            </a:r>
-            <a:r>
-              <a:rPr lang="pl-PL" dirty="0"/>
-              <a:t>/R bardziej dla data </a:t>
-            </a:r>
-            <a:r>
-              <a:rPr lang="pl-PL" dirty="0" err="1"/>
-              <a:t>scientistów</a:t>
-            </a:r>
-            <a:r>
-              <a:rPr lang="pl-PL" dirty="0"/>
-              <a:t>. SQL to DBA. </a:t>
-            </a:r>
-          </a:p>
-          <a:p>
-            <a:r>
-              <a:rPr lang="pl-PL" dirty="0"/>
-              <a:t>Obecnie najbardziej rozwijane to Scala i </a:t>
-            </a:r>
-            <a:r>
-              <a:rPr lang="pl-PL" dirty="0" err="1"/>
-              <a:t>Python</a:t>
-            </a:r>
-            <a:r>
-              <a:rPr lang="pl-PL" dirty="0"/>
-              <a:t>.</a:t>
-            </a:r>
+            <a:endParaRPr lang="pl-PL" dirty="0"/>
           </a:p>
         </p:txBody>
       </p:sp>
     </p:spTree>
     <p:extLst>
       <p:ext uri="{BB962C8B-B14F-4D97-AF65-F5344CB8AC3E}">
-        <p14:creationId xmlns:p14="http://schemas.microsoft.com/office/powerpoint/2010/main" val="329979926"/>
+        <p14:creationId xmlns:p14="http://schemas.microsoft.com/office/powerpoint/2010/main" val="4005616737"/>
       </p:ext>
     </p:extLst>
   </p:cSld>
@@ -1059,14 +1021,39 @@
           <a:bodyPr/>
           <a:lstStyle/>
           <a:p>
-            <a:endParaRPr lang="pl-PL" dirty="0"/>
+            <a:r>
+              <a:rPr lang="pl-PL" dirty="0"/>
+              <a:t>Driver proces jest odpowiedziany za wykonanie naszego programu na wszystkich </a:t>
+            </a:r>
+            <a:r>
+              <a:rPr lang="pl-PL" dirty="0" err="1"/>
+              <a:t>executorach</a:t>
+            </a:r>
+            <a:r>
+              <a:rPr lang="pl-PL" dirty="0"/>
+              <a:t>. W tym celu wykorzystuje </a:t>
+            </a:r>
+            <a:r>
+              <a:rPr lang="pl-PL" dirty="0" err="1"/>
+              <a:t>cluster</a:t>
+            </a:r>
+            <a:r>
+              <a:rPr lang="pl-PL" dirty="0"/>
+              <a:t> managera aby wiedzieć które zasoby są dostępne.</a:t>
+            </a:r>
+          </a:p>
+          <a:p>
+            <a:r>
+              <a:rPr lang="pl-PL" dirty="0"/>
+              <a:t>Cluster managerem może być np. YARN, MESOS czy KUBERNETES.</a:t>
+            </a:r>
           </a:p>
         </p:txBody>
       </p:sp>
     </p:spTree>
     <p:extLst>
       <p:ext uri="{BB962C8B-B14F-4D97-AF65-F5344CB8AC3E}">
-        <p14:creationId xmlns:p14="http://schemas.microsoft.com/office/powerpoint/2010/main" val="4005616737"/>
+        <p14:creationId xmlns:p14="http://schemas.microsoft.com/office/powerpoint/2010/main" val="3532789281"/>
       </p:ext>
     </p:extLst>
   </p:cSld>
@@ -1077,6 +1064,463 @@
 </file>
 
 <file path=ppt/notesSlides/notesSlide5.xml><?xml version="1.0" encoding="utf-8"?>
+<p:notes xmlns:a="http://schemas.openxmlformats.org/drawingml/2006/main" xmlns:r="http://schemas.openxmlformats.org/officeDocument/2006/relationships" xmlns:p="http://schemas.openxmlformats.org/presentationml/2006/main">
+  <p:cSld>
+    <p:spTree>
+      <p:nvGrpSpPr>
+        <p:cNvPr id="1" name=""/>
+        <p:cNvGrpSpPr/>
+        <p:nvPr/>
+      </p:nvGrpSpPr>
+      <p:grpSpPr>
+        <a:xfrm>
+          <a:off x="0" y="0"/>
+          <a:ext cx="0" cy="0"/>
+          <a:chOff x="0" y="0"/>
+          <a:chExt cx="0" cy="0"/>
+        </a:xfrm>
+      </p:grpSpPr>
+      <p:sp>
+        <p:nvSpPr>
+          <p:cNvPr id="2" name="Slide Image Placeholder 1"/>
+          <p:cNvSpPr>
+            <a:spLocks noGrp="1" noRot="1" noChangeAspect="1"/>
+          </p:cNvSpPr>
+          <p:nvPr>
+            <p:ph type="sldImg"/>
+          </p:nvPr>
+        </p:nvSpPr>
+        <p:spPr/>
+      </p:sp>
+      <p:sp>
+        <p:nvSpPr>
+          <p:cNvPr id="3" name="Notes Placeholder 2"/>
+          <p:cNvSpPr>
+            <a:spLocks noGrp="1"/>
+          </p:cNvSpPr>
+          <p:nvPr>
+            <p:ph type="body" idx="1"/>
+          </p:nvPr>
+        </p:nvSpPr>
+        <p:spPr/>
+        <p:txBody>
+          <a:bodyPr/>
+          <a:lstStyle/>
+          <a:p>
+            <a:r>
+              <a:rPr lang="pl-PL" dirty="0"/>
+              <a:t>Scala/Java/C# bardziej dla software </a:t>
+            </a:r>
+            <a:r>
+              <a:rPr lang="pl-PL" dirty="0" err="1"/>
+              <a:t>engineerów</a:t>
+            </a:r>
+            <a:r>
+              <a:rPr lang="pl-PL" dirty="0"/>
+              <a:t>. </a:t>
+            </a:r>
+            <a:r>
+              <a:rPr lang="pl-PL" dirty="0" err="1"/>
+              <a:t>Python</a:t>
+            </a:r>
+            <a:r>
+              <a:rPr lang="pl-PL" dirty="0"/>
+              <a:t>/R bardziej dla data </a:t>
+            </a:r>
+            <a:r>
+              <a:rPr lang="pl-PL" dirty="0" err="1"/>
+              <a:t>scientistów</a:t>
+            </a:r>
+            <a:r>
+              <a:rPr lang="pl-PL" dirty="0"/>
+              <a:t>. SQL to DBA. </a:t>
+            </a:r>
+          </a:p>
+          <a:p>
+            <a:r>
+              <a:rPr lang="pl-PL" dirty="0"/>
+              <a:t>Obecnie najbardziej rozwijane to Scala i </a:t>
+            </a:r>
+            <a:r>
+              <a:rPr lang="pl-PL" dirty="0" err="1"/>
+              <a:t>Python</a:t>
+            </a:r>
+            <a:r>
+              <a:rPr lang="pl-PL" dirty="0"/>
+              <a:t>.</a:t>
+            </a:r>
+          </a:p>
+          <a:p>
+            <a:r>
+              <a:rPr lang="pl-PL" dirty="0"/>
+              <a:t>Z racji że Spark jest napisany w Scali, jest ona obecnie najpowszechniej używanym językiem Big Data.</a:t>
+            </a:r>
+          </a:p>
+          <a:p>
+            <a:r>
+              <a:rPr lang="pl-PL" dirty="0"/>
+              <a:t>Sam Spark mocno się przyczynił to popularyzacji Scali.</a:t>
+            </a:r>
+          </a:p>
+        </p:txBody>
+      </p:sp>
+    </p:spTree>
+    <p:extLst>
+      <p:ext uri="{BB962C8B-B14F-4D97-AF65-F5344CB8AC3E}">
+        <p14:creationId xmlns:p14="http://schemas.microsoft.com/office/powerpoint/2010/main" val="329979926"/>
+      </p:ext>
+    </p:extLst>
+  </p:cSld>
+  <p:clrMapOvr>
+    <a:masterClrMapping/>
+  </p:clrMapOvr>
+</p:notes>
+</file>
+
+<file path=ppt/notesSlides/notesSlide6.xml><?xml version="1.0" encoding="utf-8"?>
+<p:notes xmlns:a="http://schemas.openxmlformats.org/drawingml/2006/main" xmlns:r="http://schemas.openxmlformats.org/officeDocument/2006/relationships" xmlns:p="http://schemas.openxmlformats.org/presentationml/2006/main">
+  <p:cSld>
+    <p:spTree>
+      <p:nvGrpSpPr>
+        <p:cNvPr id="1" name=""/>
+        <p:cNvGrpSpPr/>
+        <p:nvPr/>
+      </p:nvGrpSpPr>
+      <p:grpSpPr>
+        <a:xfrm>
+          <a:off x="0" y="0"/>
+          <a:ext cx="0" cy="0"/>
+          <a:chOff x="0" y="0"/>
+          <a:chExt cx="0" cy="0"/>
+        </a:xfrm>
+      </p:grpSpPr>
+      <p:sp>
+        <p:nvSpPr>
+          <p:cNvPr id="2" name="Slide Image Placeholder 1"/>
+          <p:cNvSpPr>
+            <a:spLocks noGrp="1" noRot="1" noChangeAspect="1"/>
+          </p:cNvSpPr>
+          <p:nvPr>
+            <p:ph type="sldImg"/>
+          </p:nvPr>
+        </p:nvSpPr>
+        <p:spPr/>
+      </p:sp>
+      <p:sp>
+        <p:nvSpPr>
+          <p:cNvPr id="3" name="Notes Placeholder 2"/>
+          <p:cNvSpPr>
+            <a:spLocks noGrp="1"/>
+          </p:cNvSpPr>
+          <p:nvPr>
+            <p:ph type="body" idx="1"/>
+          </p:nvPr>
+        </p:nvSpPr>
+        <p:spPr/>
+        <p:txBody>
+          <a:bodyPr/>
+          <a:lstStyle/>
+          <a:p>
+            <a:r>
+              <a:rPr lang="pl-PL" dirty="0" err="1"/>
+              <a:t>HISpark</a:t>
+            </a:r>
+            <a:r>
+              <a:rPr lang="pl-PL" dirty="0"/>
+              <a:t> (jak każdy </a:t>
+            </a:r>
+            <a:r>
+              <a:rPr lang="pl-PL" dirty="0" err="1"/>
+              <a:t>framework</a:t>
+            </a:r>
+            <a:r>
+              <a:rPr lang="pl-PL" dirty="0"/>
+              <a:t>) wprowadza kilka abstrakcji. Każda z tych abstrakcji w zasadzie reprezentuje rozporoszoną (</a:t>
+            </a:r>
+            <a:r>
+              <a:rPr lang="pl-PL" dirty="0" err="1"/>
+              <a:t>distributed</a:t>
+            </a:r>
+            <a:r>
+              <a:rPr lang="pl-PL" dirty="0"/>
+              <a:t>) kolekcję danych.</a:t>
+            </a:r>
+          </a:p>
+          <a:p>
+            <a:r>
+              <a:rPr lang="pl-PL" dirty="0"/>
+              <a:t>- RDD (</a:t>
+            </a:r>
+            <a:r>
+              <a:rPr lang="pl-PL" dirty="0" err="1"/>
+              <a:t>Resilient</a:t>
+            </a:r>
+            <a:r>
+              <a:rPr lang="pl-PL" dirty="0"/>
+              <a:t> Distributed </a:t>
+            </a:r>
+            <a:r>
+              <a:rPr lang="pl-PL" dirty="0" err="1"/>
+              <a:t>Datasets</a:t>
+            </a:r>
+            <a:r>
+              <a:rPr lang="pl-PL" dirty="0"/>
+              <a:t>)– podstawowa abstrakcja Sparka w wersja od 1 do 2, bez względu jaki typ kolekcji użyjemy, ostatecznie Spark kompiluje do RDD.  RDD to </a:t>
+            </a:r>
+            <a:r>
+              <a:rPr lang="pl-PL" dirty="0" err="1"/>
+              <a:t>niemienna</a:t>
+            </a:r>
+            <a:r>
+              <a:rPr lang="pl-PL" dirty="0"/>
+              <a:t> (</a:t>
+            </a:r>
+            <a:r>
+              <a:rPr lang="pl-PL" dirty="0" err="1"/>
+              <a:t>immutable</a:t>
+            </a:r>
+            <a:r>
+              <a:rPr lang="pl-PL" dirty="0"/>
+              <a:t>) kolekcja danych, partycjonowana na całym klastrze, dzięki czemu może być równolegle </a:t>
+            </a:r>
+            <a:r>
+              <a:rPr lang="pl-PL" dirty="0" err="1"/>
+              <a:t>przetwrzana</a:t>
+            </a:r>
+            <a:r>
+              <a:rPr lang="pl-PL" dirty="0"/>
+              <a:t> (in </a:t>
+            </a:r>
+            <a:r>
+              <a:rPr lang="pl-PL" dirty="0" err="1"/>
+              <a:t>parallel</a:t>
+            </a:r>
+            <a:r>
+              <a:rPr lang="pl-PL" dirty="0"/>
+              <a:t>). Wierszem w takiej kolekcji jest po prostu jakiś obiekt w języku programowania który używasz. Dzięki temu mamy pełną kontrolę na przechowywanymi obiektami, ale nie bez kompromisów. Każda manipulacja na swoich obiektach, zmusza Cię do wynalezienia na nowo koła (np. </a:t>
+            </a:r>
+            <a:r>
+              <a:rPr lang="pl-PL" dirty="0" err="1"/>
+              <a:t>serliazacja</a:t>
+            </a:r>
+            <a:r>
+              <a:rPr lang="pl-PL" dirty="0"/>
+              <a:t>). </a:t>
+            </a:r>
+            <a:r>
+              <a:rPr lang="pl-PL" dirty="0" err="1"/>
+              <a:t>Resilient</a:t>
+            </a:r>
+            <a:r>
+              <a:rPr lang="pl-PL" dirty="0"/>
+              <a:t> oznacza </a:t>
+            </a:r>
+            <a:r>
+              <a:rPr lang="pl-PL" dirty="0" err="1"/>
+              <a:t>fault</a:t>
+            </a:r>
+            <a:r>
+              <a:rPr lang="pl-PL" dirty="0"/>
+              <a:t>-tolerant, czyli jeśli jakaś partycja z powodu awarii </a:t>
+            </a:r>
+            <a:r>
+              <a:rPr lang="pl-PL" dirty="0" err="1"/>
+              <a:t>noda</a:t>
+            </a:r>
+            <a:r>
+              <a:rPr lang="pl-PL" dirty="0"/>
+              <a:t> w </a:t>
+            </a:r>
+            <a:r>
+              <a:rPr lang="pl-PL" dirty="0" err="1"/>
+              <a:t>clustrze</a:t>
+            </a:r>
+            <a:r>
+              <a:rPr lang="pl-PL" dirty="0"/>
+              <a:t> </a:t>
+            </a:r>
+            <a:r>
+              <a:rPr lang="pl-PL" dirty="0" err="1"/>
+              <a:t>nię</a:t>
+            </a:r>
+            <a:r>
+              <a:rPr lang="pl-PL" dirty="0"/>
+              <a:t> będzie </a:t>
+            </a:r>
+            <a:r>
+              <a:rPr lang="pl-PL" dirty="0" err="1"/>
+              <a:t>dostepna</a:t>
+            </a:r>
+            <a:r>
+              <a:rPr lang="pl-PL" dirty="0"/>
+              <a:t>, Spark jest w stanie ją ponownie odbudować (dzięki RDD </a:t>
+            </a:r>
+            <a:r>
+              <a:rPr lang="pl-PL" dirty="0" err="1"/>
+              <a:t>lineage</a:t>
+            </a:r>
+            <a:r>
+              <a:rPr lang="pl-PL" dirty="0"/>
+              <a:t>).</a:t>
+            </a:r>
+          </a:p>
+        </p:txBody>
+      </p:sp>
+    </p:spTree>
+    <p:extLst>
+      <p:ext uri="{BB962C8B-B14F-4D97-AF65-F5344CB8AC3E}">
+        <p14:creationId xmlns:p14="http://schemas.microsoft.com/office/powerpoint/2010/main" val="1396449375"/>
+      </p:ext>
+    </p:extLst>
+  </p:cSld>
+  <p:clrMapOvr>
+    <a:masterClrMapping/>
+  </p:clrMapOvr>
+</p:notes>
+</file>
+
+<file path=ppt/notesSlides/notesSlide7.xml><?xml version="1.0" encoding="utf-8"?>
+<p:notes xmlns:a="http://schemas.openxmlformats.org/drawingml/2006/main" xmlns:r="http://schemas.openxmlformats.org/officeDocument/2006/relationships" xmlns:p="http://schemas.openxmlformats.org/presentationml/2006/main">
+  <p:cSld>
+    <p:spTree>
+      <p:nvGrpSpPr>
+        <p:cNvPr id="1" name=""/>
+        <p:cNvGrpSpPr/>
+        <p:nvPr/>
+      </p:nvGrpSpPr>
+      <p:grpSpPr>
+        <a:xfrm>
+          <a:off x="0" y="0"/>
+          <a:ext cx="0" cy="0"/>
+          <a:chOff x="0" y="0"/>
+          <a:chExt cx="0" cy="0"/>
+        </a:xfrm>
+      </p:grpSpPr>
+      <p:sp>
+        <p:nvSpPr>
+          <p:cNvPr id="2" name="Slide Image Placeholder 1"/>
+          <p:cNvSpPr>
+            <a:spLocks noGrp="1" noRot="1" noChangeAspect="1"/>
+          </p:cNvSpPr>
+          <p:nvPr>
+            <p:ph type="sldImg"/>
+          </p:nvPr>
+        </p:nvSpPr>
+        <p:spPr/>
+      </p:sp>
+      <p:sp>
+        <p:nvSpPr>
+          <p:cNvPr id="3" name="Notes Placeholder 2"/>
+          <p:cNvSpPr>
+            <a:spLocks noGrp="1"/>
+          </p:cNvSpPr>
+          <p:nvPr>
+            <p:ph type="body" idx="1"/>
+          </p:nvPr>
+        </p:nvSpPr>
+        <p:spPr/>
+        <p:txBody>
+          <a:bodyPr/>
+          <a:lstStyle/>
+          <a:p>
+            <a:r>
+              <a:rPr lang="pl-PL" dirty="0"/>
+              <a:t>RDD oferuje 2 typy operacji: </a:t>
+            </a:r>
+            <a:r>
+              <a:rPr lang="pl-PL" dirty="0" err="1"/>
+              <a:t>tranformacje</a:t>
+            </a:r>
+            <a:r>
+              <a:rPr lang="pl-PL" dirty="0"/>
+              <a:t> i akcje.</a:t>
+            </a:r>
+          </a:p>
+          <a:p>
+            <a:r>
+              <a:rPr lang="pl-PL" dirty="0"/>
+              <a:t>Transformacje – ponieważ RDD jest </a:t>
+            </a:r>
+            <a:r>
+              <a:rPr lang="pl-PL" dirty="0" err="1"/>
+              <a:t>immutable</a:t>
+            </a:r>
+            <a:r>
+              <a:rPr lang="pl-PL" dirty="0"/>
+              <a:t> </a:t>
+            </a:r>
+            <a:r>
+              <a:rPr lang="pl-PL" dirty="0" err="1"/>
+              <a:t>kazda</a:t>
+            </a:r>
+            <a:r>
+              <a:rPr lang="pl-PL" dirty="0"/>
+              <a:t> transformacja tworzy nowe RDD z </a:t>
+            </a:r>
+            <a:r>
+              <a:rPr lang="pl-PL" dirty="0" err="1"/>
+              <a:t>poprzeniego</a:t>
+            </a:r>
+            <a:r>
+              <a:rPr lang="pl-PL" dirty="0"/>
+              <a:t>.</a:t>
+            </a:r>
+          </a:p>
+          <a:p>
+            <a:r>
+              <a:rPr lang="pl-PL" dirty="0"/>
+              <a:t>Akcje – wyliczają ostateczny </a:t>
+            </a:r>
+            <a:r>
+              <a:rPr lang="pl-PL" dirty="0" err="1"/>
+              <a:t>resultat</a:t>
+            </a:r>
+            <a:r>
+              <a:rPr lang="pl-PL" dirty="0"/>
+              <a:t> obliczeń zwracając go do </a:t>
+            </a:r>
+            <a:r>
+              <a:rPr lang="pl-PL" dirty="0" err="1"/>
+              <a:t>divera</a:t>
+            </a:r>
+            <a:r>
+              <a:rPr lang="pl-PL" dirty="0"/>
+              <a:t> bądź zapisują w </a:t>
+            </a:r>
+            <a:r>
+              <a:rPr lang="pl-PL" dirty="0" err="1"/>
+              <a:t>external</a:t>
+            </a:r>
+            <a:r>
+              <a:rPr lang="pl-PL" dirty="0"/>
+              <a:t> </a:t>
+            </a:r>
+            <a:r>
+              <a:rPr lang="pl-PL" dirty="0" err="1"/>
+              <a:t>storage</a:t>
+            </a:r>
+            <a:r>
+              <a:rPr lang="pl-PL"/>
+              <a:t> system.</a:t>
+            </a:r>
+            <a:endParaRPr lang="pl-PL" dirty="0"/>
+          </a:p>
+        </p:txBody>
+      </p:sp>
+    </p:spTree>
+    <p:extLst>
+      <p:ext uri="{BB962C8B-B14F-4D97-AF65-F5344CB8AC3E}">
+        <p14:creationId xmlns:p14="http://schemas.microsoft.com/office/powerpoint/2010/main" val="1276424123"/>
+      </p:ext>
+    </p:extLst>
+  </p:cSld>
+  <p:clrMapOvr>
+    <a:masterClrMapping/>
+  </p:clrMapOvr>
+</p:notes>
+</file>
+
+<file path=ppt/notesSlides/notesSlide8.xml><?xml version="1.0" encoding="utf-8"?>
 <p:notes xmlns:a="http://schemas.openxmlformats.org/drawingml/2006/main" xmlns:r="http://schemas.openxmlformats.org/officeDocument/2006/relationships" xmlns:p="http://schemas.openxmlformats.org/presentationml/2006/main">
   <p:cSld>
     <p:spTree>
@@ -4523,6 +4967,529 @@
           <a:bodyPr/>
           <a:lstStyle/>
           <a:p>
+            <a:br>
+              <a:rPr lang="pl-PL" dirty="0"/>
+            </a:br>
+            <a:r>
+              <a:rPr lang="pl-PL" dirty="0"/>
+              <a:t>Apache Spark </a:t>
+            </a:r>
+            <a:r>
+              <a:rPr lang="pl-PL" dirty="0" err="1"/>
+              <a:t>APIs</a:t>
+            </a:r>
+            <a:endParaRPr lang="en-US" dirty="0"/>
+          </a:p>
+        </p:txBody>
+      </p:sp>
+      <p:sp>
+        <p:nvSpPr>
+          <p:cNvPr id="3" name="Footer Placeholder 2"/>
+          <p:cNvSpPr>
+            <a:spLocks noGrp="1"/>
+          </p:cNvSpPr>
+          <p:nvPr>
+            <p:ph type="ftr" sz="quarter" idx="16"/>
+          </p:nvPr>
+        </p:nvSpPr>
+        <p:spPr/>
+        <p:txBody>
+          <a:bodyPr/>
+          <a:lstStyle/>
+          <a:p>
+            <a:endParaRPr lang="pl-PL" dirty="0"/>
+          </a:p>
+        </p:txBody>
+      </p:sp>
+      <p:sp>
+        <p:nvSpPr>
+          <p:cNvPr id="4" name="Date Placeholder 3"/>
+          <p:cNvSpPr>
+            <a:spLocks noGrp="1"/>
+          </p:cNvSpPr>
+          <p:nvPr>
+            <p:ph type="dt" sz="half" idx="15"/>
+          </p:nvPr>
+        </p:nvSpPr>
+        <p:spPr/>
+        <p:txBody>
+          <a:bodyPr/>
+          <a:lstStyle/>
+          <a:p>
+            <a:endParaRPr lang="pl-PL" dirty="0"/>
+          </a:p>
+        </p:txBody>
+      </p:sp>
+      <p:sp>
+        <p:nvSpPr>
+          <p:cNvPr id="7" name="TextBox 6"/>
+          <p:cNvSpPr txBox="1"/>
+          <p:nvPr/>
+        </p:nvSpPr>
+        <p:spPr>
+          <a:xfrm>
+            <a:off x="8859520" y="1198880"/>
+            <a:ext cx="914400" cy="914400"/>
+          </a:xfrm>
+          <a:prstGeom prst="rect">
+            <a:avLst/>
+          </a:prstGeom>
+          <a:noFill/>
+        </p:spPr>
+        <p:txBody>
+          <a:bodyPr wrap="none" lIns="0" tIns="0" rIns="0" bIns="0" rtlCol="0">
+            <a:noAutofit/>
+          </a:bodyPr>
+          <a:lstStyle/>
+          <a:p>
+            <a:pPr>
+              <a:lnSpc>
+                <a:spcPct val="140000"/>
+              </a:lnSpc>
+            </a:pPr>
+            <a:endParaRPr lang="en-US" dirty="0" err="1">
+              <a:solidFill>
+                <a:schemeClr val="tx1"/>
+              </a:solidFill>
+            </a:endParaRPr>
+          </a:p>
+        </p:txBody>
+      </p:sp>
+      <p:sp>
+        <p:nvSpPr>
+          <p:cNvPr id="11" name="TextBox 10"/>
+          <p:cNvSpPr txBox="1"/>
+          <p:nvPr/>
+        </p:nvSpPr>
+        <p:spPr>
+          <a:xfrm>
+            <a:off x="8524240" y="975360"/>
+            <a:ext cx="914400" cy="914400"/>
+          </a:xfrm>
+          <a:prstGeom prst="rect">
+            <a:avLst/>
+          </a:prstGeom>
+          <a:noFill/>
+        </p:spPr>
+        <p:txBody>
+          <a:bodyPr wrap="none" lIns="0" tIns="0" rIns="0" bIns="0" rtlCol="0">
+            <a:noAutofit/>
+          </a:bodyPr>
+          <a:lstStyle/>
+          <a:p>
+            <a:pPr>
+              <a:lnSpc>
+                <a:spcPct val="140000"/>
+              </a:lnSpc>
+            </a:pPr>
+            <a:endParaRPr lang="en-US" dirty="0" err="1">
+              <a:solidFill>
+                <a:schemeClr val="tx1"/>
+              </a:solidFill>
+            </a:endParaRPr>
+          </a:p>
+        </p:txBody>
+      </p:sp>
+      <p:pic>
+        <p:nvPicPr>
+          <p:cNvPr id="8" name="Picture 7">
+            <a:extLst>
+              <a:ext uri="{FF2B5EF4-FFF2-40B4-BE49-F238E27FC236}">
+                <a16:creationId xmlns:a16="http://schemas.microsoft.com/office/drawing/2014/main" id="{AE13E914-2E72-4257-A276-A23EC8662AFE}"/>
+              </a:ext>
+            </a:extLst>
+          </p:cNvPr>
+          <p:cNvPicPr>
+            <a:picLocks noChangeAspect="1"/>
+          </p:cNvPicPr>
+          <p:nvPr/>
+        </p:nvPicPr>
+        <p:blipFill>
+          <a:blip r:embed="rId3"/>
+          <a:stretch>
+            <a:fillRect/>
+          </a:stretch>
+        </p:blipFill>
+        <p:spPr>
+          <a:xfrm>
+            <a:off x="1999210" y="987574"/>
+            <a:ext cx="5145580" cy="3468502"/>
+          </a:xfrm>
+          <a:prstGeom prst="rect">
+            <a:avLst/>
+          </a:prstGeom>
+        </p:spPr>
+      </p:pic>
+    </p:spTree>
+    <p:extLst>
+      <p:ext uri="{BB962C8B-B14F-4D97-AF65-F5344CB8AC3E}">
+        <p14:creationId xmlns:p14="http://schemas.microsoft.com/office/powerpoint/2010/main" val="2390931764"/>
+      </p:ext>
+    </p:extLst>
+  </p:cSld>
+  <p:clrMapOvr>
+    <a:masterClrMapping/>
+  </p:clrMapOvr>
+</p:sld>
+</file>
+
+<file path=ppt/slides/slide11.xml><?xml version="1.0" encoding="utf-8"?>
+<p:sld xmlns:a="http://schemas.openxmlformats.org/drawingml/2006/main" xmlns:r="http://schemas.openxmlformats.org/officeDocument/2006/relationships" xmlns:p="http://schemas.openxmlformats.org/presentationml/2006/main">
+  <p:cSld>
+    <p:spTree>
+      <p:nvGrpSpPr>
+        <p:cNvPr id="1" name=""/>
+        <p:cNvGrpSpPr/>
+        <p:nvPr/>
+      </p:nvGrpSpPr>
+      <p:grpSpPr>
+        <a:xfrm>
+          <a:off x="0" y="0"/>
+          <a:ext cx="0" cy="0"/>
+          <a:chOff x="0" y="0"/>
+          <a:chExt cx="0" cy="0"/>
+        </a:xfrm>
+      </p:grpSpPr>
+      <p:sp>
+        <p:nvSpPr>
+          <p:cNvPr id="2" name="Title 1"/>
+          <p:cNvSpPr>
+            <a:spLocks noGrp="1"/>
+          </p:cNvSpPr>
+          <p:nvPr>
+            <p:ph type="title"/>
+          </p:nvPr>
+        </p:nvSpPr>
+        <p:spPr>
+          <a:xfrm>
+            <a:off x="755650" y="413693"/>
+            <a:ext cx="7632700" cy="357857"/>
+          </a:xfrm>
+        </p:spPr>
+        <p:txBody>
+          <a:bodyPr/>
+          <a:lstStyle/>
+          <a:p>
+            <a:br>
+              <a:rPr lang="pl-PL" dirty="0"/>
+            </a:br>
+            <a:r>
+              <a:rPr lang="pl-PL" dirty="0"/>
+              <a:t>RDD: </a:t>
+            </a:r>
+            <a:r>
+              <a:rPr lang="pl-PL" dirty="0" err="1"/>
+              <a:t>Transformations</a:t>
+            </a:r>
+            <a:r>
+              <a:rPr lang="pl-PL" dirty="0"/>
+              <a:t> and </a:t>
+            </a:r>
+            <a:r>
+              <a:rPr lang="pl-PL" dirty="0" err="1"/>
+              <a:t>Actions</a:t>
+            </a:r>
+            <a:endParaRPr lang="en-US" dirty="0"/>
+          </a:p>
+        </p:txBody>
+      </p:sp>
+      <p:sp>
+        <p:nvSpPr>
+          <p:cNvPr id="3" name="Footer Placeholder 2"/>
+          <p:cNvSpPr>
+            <a:spLocks noGrp="1"/>
+          </p:cNvSpPr>
+          <p:nvPr>
+            <p:ph type="ftr" sz="quarter" idx="16"/>
+          </p:nvPr>
+        </p:nvSpPr>
+        <p:spPr/>
+        <p:txBody>
+          <a:bodyPr/>
+          <a:lstStyle/>
+          <a:p>
+            <a:endParaRPr lang="pl-PL" dirty="0"/>
+          </a:p>
+        </p:txBody>
+      </p:sp>
+      <p:sp>
+        <p:nvSpPr>
+          <p:cNvPr id="4" name="Date Placeholder 3"/>
+          <p:cNvSpPr>
+            <a:spLocks noGrp="1"/>
+          </p:cNvSpPr>
+          <p:nvPr>
+            <p:ph type="dt" sz="half" idx="15"/>
+          </p:nvPr>
+        </p:nvSpPr>
+        <p:spPr/>
+        <p:txBody>
+          <a:bodyPr/>
+          <a:lstStyle/>
+          <a:p>
+            <a:endParaRPr lang="pl-PL" dirty="0"/>
+          </a:p>
+        </p:txBody>
+      </p:sp>
+      <p:sp>
+        <p:nvSpPr>
+          <p:cNvPr id="7" name="TextBox 6"/>
+          <p:cNvSpPr txBox="1"/>
+          <p:nvPr/>
+        </p:nvSpPr>
+        <p:spPr>
+          <a:xfrm>
+            <a:off x="8859520" y="1198880"/>
+            <a:ext cx="914400" cy="914400"/>
+          </a:xfrm>
+          <a:prstGeom prst="rect">
+            <a:avLst/>
+          </a:prstGeom>
+          <a:noFill/>
+        </p:spPr>
+        <p:txBody>
+          <a:bodyPr wrap="none" lIns="0" tIns="0" rIns="0" bIns="0" rtlCol="0">
+            <a:noAutofit/>
+          </a:bodyPr>
+          <a:lstStyle/>
+          <a:p>
+            <a:pPr>
+              <a:lnSpc>
+                <a:spcPct val="140000"/>
+              </a:lnSpc>
+            </a:pPr>
+            <a:endParaRPr lang="en-US" dirty="0" err="1">
+              <a:solidFill>
+                <a:schemeClr val="tx1"/>
+              </a:solidFill>
+            </a:endParaRPr>
+          </a:p>
+        </p:txBody>
+      </p:sp>
+      <p:sp>
+        <p:nvSpPr>
+          <p:cNvPr id="11" name="TextBox 10"/>
+          <p:cNvSpPr txBox="1"/>
+          <p:nvPr/>
+        </p:nvSpPr>
+        <p:spPr>
+          <a:xfrm>
+            <a:off x="8524240" y="975360"/>
+            <a:ext cx="914400" cy="914400"/>
+          </a:xfrm>
+          <a:prstGeom prst="rect">
+            <a:avLst/>
+          </a:prstGeom>
+          <a:noFill/>
+        </p:spPr>
+        <p:txBody>
+          <a:bodyPr wrap="none" lIns="0" tIns="0" rIns="0" bIns="0" rtlCol="0">
+            <a:noAutofit/>
+          </a:bodyPr>
+          <a:lstStyle/>
+          <a:p>
+            <a:pPr>
+              <a:lnSpc>
+                <a:spcPct val="140000"/>
+              </a:lnSpc>
+            </a:pPr>
+            <a:endParaRPr lang="en-US" dirty="0" err="1">
+              <a:solidFill>
+                <a:schemeClr val="tx1"/>
+              </a:solidFill>
+            </a:endParaRPr>
+          </a:p>
+        </p:txBody>
+      </p:sp>
+      <p:pic>
+        <p:nvPicPr>
+          <p:cNvPr id="6146" name="Picture 2" descr="Znalezione obrazy dla zapytania spark transformations and actions">
+            <a:extLst>
+              <a:ext uri="{FF2B5EF4-FFF2-40B4-BE49-F238E27FC236}">
+                <a16:creationId xmlns:a16="http://schemas.microsoft.com/office/drawing/2014/main" id="{30D33B1F-3F29-4A92-9592-1EEF066A0C93}"/>
+              </a:ext>
+            </a:extLst>
+          </p:cNvPr>
+          <p:cNvPicPr>
+            <a:picLocks noChangeAspect="1" noChangeArrowheads="1"/>
+          </p:cNvPicPr>
+          <p:nvPr/>
+        </p:nvPicPr>
+        <p:blipFill>
+          <a:blip r:embed="rId3">
+            <a:extLst>
+              <a:ext uri="{28A0092B-C50C-407E-A947-70E740481C1C}">
+                <a14:useLocalDpi xmlns:a14="http://schemas.microsoft.com/office/drawing/2010/main" val="0"/>
+              </a:ext>
+            </a:extLst>
+          </a:blip>
+          <a:srcRect/>
+          <a:stretch>
+            <a:fillRect/>
+          </a:stretch>
+        </p:blipFill>
+        <p:spPr bwMode="auto">
+          <a:xfrm>
+            <a:off x="1835696" y="789501"/>
+            <a:ext cx="4981104" cy="4218185"/>
+          </a:xfrm>
+          <a:prstGeom prst="rect">
+            <a:avLst/>
+          </a:prstGeom>
+          <a:noFill/>
+          <a:extLst>
+            <a:ext uri="{909E8E84-426E-40DD-AFC4-6F175D3DCCD1}">
+              <a14:hiddenFill xmlns:a14="http://schemas.microsoft.com/office/drawing/2010/main">
+                <a:solidFill>
+                  <a:srgbClr val="FFFFFF"/>
+                </a:solidFill>
+              </a14:hiddenFill>
+            </a:ext>
+          </a:extLst>
+        </p:spPr>
+      </p:pic>
+    </p:spTree>
+    <p:extLst>
+      <p:ext uri="{BB962C8B-B14F-4D97-AF65-F5344CB8AC3E}">
+        <p14:creationId xmlns:p14="http://schemas.microsoft.com/office/powerpoint/2010/main" val="1181690349"/>
+      </p:ext>
+    </p:extLst>
+  </p:cSld>
+  <p:clrMapOvr>
+    <a:masterClrMapping/>
+  </p:clrMapOvr>
+</p:sld>
+</file>
+
+<file path=ppt/slides/slide12.xml><?xml version="1.0" encoding="utf-8"?>
+<p:sld xmlns:a="http://schemas.openxmlformats.org/drawingml/2006/main" xmlns:r="http://schemas.openxmlformats.org/officeDocument/2006/relationships" xmlns:p="http://schemas.openxmlformats.org/presentationml/2006/main">
+  <p:cSld>
+    <p:spTree>
+      <p:nvGrpSpPr>
+        <p:cNvPr id="1" name=""/>
+        <p:cNvGrpSpPr/>
+        <p:nvPr/>
+      </p:nvGrpSpPr>
+      <p:grpSpPr>
+        <a:xfrm>
+          <a:off x="0" y="0"/>
+          <a:ext cx="0" cy="0"/>
+          <a:chOff x="0" y="0"/>
+          <a:chExt cx="0" cy="0"/>
+        </a:xfrm>
+      </p:grpSpPr>
+      <p:sp>
+        <p:nvSpPr>
+          <p:cNvPr id="2" name="Title 1"/>
+          <p:cNvSpPr>
+            <a:spLocks noGrp="1"/>
+          </p:cNvSpPr>
+          <p:nvPr>
+            <p:ph type="title"/>
+          </p:nvPr>
+        </p:nvSpPr>
+        <p:spPr>
+          <a:xfrm>
+            <a:off x="755650" y="413693"/>
+            <a:ext cx="7632700" cy="357857"/>
+          </a:xfrm>
+        </p:spPr>
+        <p:txBody>
+          <a:bodyPr/>
+          <a:lstStyle/>
+          <a:p>
+            <a:endParaRPr lang="pl-PL" dirty="0"/>
+          </a:p>
+        </p:txBody>
+      </p:sp>
+      <p:sp>
+        <p:nvSpPr>
+          <p:cNvPr id="3" name="Footer Placeholder 2"/>
+          <p:cNvSpPr>
+            <a:spLocks noGrp="1"/>
+          </p:cNvSpPr>
+          <p:nvPr>
+            <p:ph type="ftr" sz="quarter" idx="16"/>
+          </p:nvPr>
+        </p:nvSpPr>
+        <p:spPr/>
+        <p:txBody>
+          <a:bodyPr/>
+          <a:lstStyle/>
+          <a:p>
+            <a:endParaRPr lang="pl-PL" dirty="0"/>
+          </a:p>
+        </p:txBody>
+      </p:sp>
+      <p:sp>
+        <p:nvSpPr>
+          <p:cNvPr id="4" name="Date Placeholder 3"/>
+          <p:cNvSpPr>
+            <a:spLocks noGrp="1"/>
+          </p:cNvSpPr>
+          <p:nvPr>
+            <p:ph type="dt" sz="half" idx="15"/>
+          </p:nvPr>
+        </p:nvSpPr>
+        <p:spPr/>
+        <p:txBody>
+          <a:bodyPr/>
+          <a:lstStyle/>
+          <a:p>
+            <a:endParaRPr lang="pl-PL" dirty="0"/>
+          </a:p>
+        </p:txBody>
+      </p:sp>
+    </p:spTree>
+    <p:extLst>
+      <p:ext uri="{BB962C8B-B14F-4D97-AF65-F5344CB8AC3E}">
+        <p14:creationId xmlns:p14="http://schemas.microsoft.com/office/powerpoint/2010/main" val="3876043310"/>
+      </p:ext>
+    </p:extLst>
+  </p:cSld>
+  <p:clrMapOvr>
+    <a:masterClrMapping/>
+  </p:clrMapOvr>
+</p:sld>
+</file>
+
+<file path=ppt/slides/slide13.xml><?xml version="1.0" encoding="utf-8"?>
+<p:sld xmlns:a="http://schemas.openxmlformats.org/drawingml/2006/main" xmlns:r="http://schemas.openxmlformats.org/officeDocument/2006/relationships" xmlns:p="http://schemas.openxmlformats.org/presentationml/2006/main">
+  <p:cSld>
+    <p:spTree>
+      <p:nvGrpSpPr>
+        <p:cNvPr id="1" name=""/>
+        <p:cNvGrpSpPr/>
+        <p:nvPr/>
+      </p:nvGrpSpPr>
+      <p:grpSpPr>
+        <a:xfrm>
+          <a:off x="0" y="0"/>
+          <a:ext cx="0" cy="0"/>
+          <a:chOff x="0" y="0"/>
+          <a:chExt cx="0" cy="0"/>
+        </a:xfrm>
+      </p:grpSpPr>
+      <p:sp>
+        <p:nvSpPr>
+          <p:cNvPr id="2" name="Title 1"/>
+          <p:cNvSpPr>
+            <a:spLocks noGrp="1"/>
+          </p:cNvSpPr>
+          <p:nvPr>
+            <p:ph type="title"/>
+          </p:nvPr>
+        </p:nvSpPr>
+        <p:spPr>
+          <a:xfrm>
+            <a:off x="755650" y="413693"/>
+            <a:ext cx="7632700" cy="357857"/>
+          </a:xfrm>
+        </p:spPr>
+        <p:txBody>
+          <a:bodyPr/>
+          <a:lstStyle/>
+          <a:p>
             <a:r>
               <a:rPr lang="en-US" dirty="0"/>
               <a:t>Bulleted and numbered lists</a:t>
@@ -4765,7 +5732,7 @@
 </p:sld>
 </file>
 
-<file path=ppt/slides/slide11.xml><?xml version="1.0" encoding="utf-8"?>
+<file path=ppt/slides/slide14.xml><?xml version="1.0" encoding="utf-8"?>
 <p:sld xmlns:a="http://schemas.openxmlformats.org/drawingml/2006/main" xmlns:r="http://schemas.openxmlformats.org/officeDocument/2006/relationships" xmlns:p="http://schemas.openxmlformats.org/presentationml/2006/main">
   <p:cSld>
     <p:spTree>
@@ -4941,7 +5908,7 @@
 </p:sld>
 </file>
 
-<file path=ppt/slides/slide12.xml><?xml version="1.0" encoding="utf-8"?>
+<file path=ppt/slides/slide15.xml><?xml version="1.0" encoding="utf-8"?>
 <p:sld xmlns:a="http://schemas.openxmlformats.org/drawingml/2006/main" xmlns:r="http://schemas.openxmlformats.org/officeDocument/2006/relationships" xmlns:p="http://schemas.openxmlformats.org/presentationml/2006/main">
   <p:cSld>
     <p:spTree>
@@ -8262,6 +9229,1185 @@
           <a:bodyPr/>
           <a:lstStyle/>
           <a:p>
+            <a:r>
+              <a:rPr lang="pl-PL" dirty="0" err="1"/>
+              <a:t>Stack</a:t>
+            </a:r>
+            <a:r>
+              <a:rPr lang="pl-PL" dirty="0"/>
+              <a:t> </a:t>
+            </a:r>
+            <a:r>
+              <a:rPr lang="pl-PL" dirty="0" err="1"/>
+              <a:t>Overflow</a:t>
+            </a:r>
+            <a:r>
+              <a:rPr lang="pl-PL" dirty="0"/>
+              <a:t> </a:t>
+            </a:r>
+            <a:r>
+              <a:rPr lang="pl-PL" dirty="0" err="1"/>
+              <a:t>Survey</a:t>
+            </a:r>
+            <a:r>
+              <a:rPr lang="pl-PL" dirty="0"/>
+              <a:t> 2018</a:t>
+            </a:r>
+            <a:endParaRPr lang="en-US" dirty="0"/>
+          </a:p>
+        </p:txBody>
+      </p:sp>
+      <p:sp>
+        <p:nvSpPr>
+          <p:cNvPr id="3" name="Footer Placeholder 2"/>
+          <p:cNvSpPr>
+            <a:spLocks noGrp="1"/>
+          </p:cNvSpPr>
+          <p:nvPr>
+            <p:ph type="ftr" sz="quarter" idx="16"/>
+          </p:nvPr>
+        </p:nvSpPr>
+        <p:spPr/>
+        <p:txBody>
+          <a:bodyPr/>
+          <a:lstStyle/>
+          <a:p>
+            <a:endParaRPr lang="pl-PL" dirty="0"/>
+          </a:p>
+        </p:txBody>
+      </p:sp>
+      <p:sp>
+        <p:nvSpPr>
+          <p:cNvPr id="4" name="Date Placeholder 3"/>
+          <p:cNvSpPr>
+            <a:spLocks noGrp="1"/>
+          </p:cNvSpPr>
+          <p:nvPr>
+            <p:ph type="dt" sz="half" idx="15"/>
+          </p:nvPr>
+        </p:nvSpPr>
+        <p:spPr/>
+        <p:txBody>
+          <a:bodyPr/>
+          <a:lstStyle/>
+          <a:p>
+            <a:endParaRPr lang="pl-PL" dirty="0"/>
+          </a:p>
+        </p:txBody>
+      </p:sp>
+      <p:pic>
+        <p:nvPicPr>
+          <p:cNvPr id="6" name="Picture 5">
+            <a:extLst>
+              <a:ext uri="{FF2B5EF4-FFF2-40B4-BE49-F238E27FC236}">
+                <a16:creationId xmlns:a16="http://schemas.microsoft.com/office/drawing/2014/main" id="{804CBCF8-6E92-461C-9677-30FBE98A78D7}"/>
+              </a:ext>
+            </a:extLst>
+          </p:cNvPr>
+          <p:cNvPicPr>
+            <a:picLocks noChangeAspect="1"/>
+          </p:cNvPicPr>
+          <p:nvPr/>
+        </p:nvPicPr>
+        <p:blipFill>
+          <a:blip r:embed="rId3"/>
+          <a:stretch>
+            <a:fillRect/>
+          </a:stretch>
+        </p:blipFill>
+        <p:spPr>
+          <a:xfrm>
+            <a:off x="2123728" y="843558"/>
+            <a:ext cx="3852093" cy="4220794"/>
+          </a:xfrm>
+          <a:prstGeom prst="rect">
+            <a:avLst/>
+          </a:prstGeom>
+        </p:spPr>
+      </p:pic>
+    </p:spTree>
+    <p:extLst>
+      <p:ext uri="{BB962C8B-B14F-4D97-AF65-F5344CB8AC3E}">
+        <p14:creationId xmlns:p14="http://schemas.microsoft.com/office/powerpoint/2010/main" val="2503745226"/>
+      </p:ext>
+    </p:extLst>
+  </p:cSld>
+  <p:clrMapOvr>
+    <a:masterClrMapping/>
+  </p:clrMapOvr>
+</p:sld>
+</file>
+
+<file path=ppt/slides/slide6.xml><?xml version="1.0" encoding="utf-8"?>
+<p:sld xmlns:a="http://schemas.openxmlformats.org/drawingml/2006/main" xmlns:r="http://schemas.openxmlformats.org/officeDocument/2006/relationships" xmlns:p="http://schemas.openxmlformats.org/presentationml/2006/main">
+  <p:cSld>
+    <p:spTree>
+      <p:nvGrpSpPr>
+        <p:cNvPr id="1" name=""/>
+        <p:cNvGrpSpPr/>
+        <p:nvPr/>
+      </p:nvGrpSpPr>
+      <p:grpSpPr>
+        <a:xfrm>
+          <a:off x="0" y="0"/>
+          <a:ext cx="0" cy="0"/>
+          <a:chOff x="0" y="0"/>
+          <a:chExt cx="0" cy="0"/>
+        </a:xfrm>
+      </p:grpSpPr>
+      <p:sp>
+        <p:nvSpPr>
+          <p:cNvPr id="2" name="Title 1"/>
+          <p:cNvSpPr>
+            <a:spLocks noGrp="1"/>
+          </p:cNvSpPr>
+          <p:nvPr>
+            <p:ph type="title"/>
+          </p:nvPr>
+        </p:nvSpPr>
+        <p:spPr>
+          <a:xfrm>
+            <a:off x="755650" y="413693"/>
+            <a:ext cx="7632700" cy="357857"/>
+          </a:xfrm>
+        </p:spPr>
+        <p:txBody>
+          <a:bodyPr/>
+          <a:lstStyle/>
+          <a:p>
+            <a:r>
+              <a:rPr lang="pl-PL" dirty="0" err="1"/>
+              <a:t>Runs</a:t>
+            </a:r>
+            <a:r>
+              <a:rPr lang="pl-PL" dirty="0"/>
+              <a:t> (</a:t>
+            </a:r>
+            <a:r>
+              <a:rPr lang="pl-PL" dirty="0" err="1"/>
+              <a:t>almost</a:t>
+            </a:r>
+            <a:r>
+              <a:rPr lang="pl-PL" dirty="0"/>
+              <a:t>) </a:t>
+            </a:r>
+            <a:r>
+              <a:rPr lang="pl-PL" dirty="0" err="1"/>
+              <a:t>everywhere</a:t>
+            </a:r>
+            <a:endParaRPr lang="pl-PL" dirty="0"/>
+          </a:p>
+        </p:txBody>
+      </p:sp>
+      <p:sp>
+        <p:nvSpPr>
+          <p:cNvPr id="3" name="Footer Placeholder 2"/>
+          <p:cNvSpPr>
+            <a:spLocks noGrp="1"/>
+          </p:cNvSpPr>
+          <p:nvPr>
+            <p:ph type="ftr" sz="quarter" idx="16"/>
+          </p:nvPr>
+        </p:nvSpPr>
+        <p:spPr/>
+        <p:txBody>
+          <a:bodyPr/>
+          <a:lstStyle/>
+          <a:p>
+            <a:endParaRPr lang="pl-PL" dirty="0"/>
+          </a:p>
+        </p:txBody>
+      </p:sp>
+      <p:sp>
+        <p:nvSpPr>
+          <p:cNvPr id="4" name="Date Placeholder 3"/>
+          <p:cNvSpPr>
+            <a:spLocks noGrp="1"/>
+          </p:cNvSpPr>
+          <p:nvPr>
+            <p:ph type="dt" sz="half" idx="15"/>
+          </p:nvPr>
+        </p:nvSpPr>
+        <p:spPr/>
+        <p:txBody>
+          <a:bodyPr/>
+          <a:lstStyle/>
+          <a:p>
+            <a:endParaRPr lang="pl-PL" dirty="0"/>
+          </a:p>
+        </p:txBody>
+      </p:sp>
+      <p:sp>
+        <p:nvSpPr>
+          <p:cNvPr id="6" name="Text Placeholder 4"/>
+          <p:cNvSpPr txBox="1">
+            <a:spLocks/>
+          </p:cNvSpPr>
+          <p:nvPr/>
+        </p:nvSpPr>
+        <p:spPr>
+          <a:xfrm>
+            <a:off x="3347864" y="915566"/>
+            <a:ext cx="5040486" cy="3797624"/>
+          </a:xfrm>
+          <a:prstGeom prst="rect">
+            <a:avLst/>
+          </a:prstGeom>
+        </p:spPr>
+        <p:txBody>
+          <a:bodyPr vert="horz" lIns="0" tIns="0" rIns="0" bIns="0" anchor="t"/>
+          <a:lstStyle>
+            <a:lvl1pPr marL="165100" indent="-165100" algn="l" defTabSz="914400" rtl="0" eaLnBrk="1" latinLnBrk="0" hangingPunct="1">
+              <a:lnSpc>
+                <a:spcPct val="140000"/>
+              </a:lnSpc>
+              <a:spcBef>
+                <a:spcPts val="0"/>
+              </a:spcBef>
+              <a:buClr>
+                <a:schemeClr val="accent1"/>
+              </a:buClr>
+              <a:buSzPct val="75000"/>
+              <a:buFont typeface="Wingdings" charset="2"/>
+              <a:buChar char="§"/>
+              <a:defRPr sz="1300" kern="1200">
+                <a:solidFill>
+                  <a:schemeClr val="tx1"/>
+                </a:solidFill>
+                <a:latin typeface="+mn-lt"/>
+                <a:ea typeface="+mn-ea"/>
+                <a:cs typeface="+mn-cs"/>
+              </a:defRPr>
+            </a:lvl1pPr>
+            <a:lvl2pPr marL="330200" indent="-165100" algn="l" defTabSz="914400" rtl="0" eaLnBrk="1" latinLnBrk="0" hangingPunct="1">
+              <a:lnSpc>
+                <a:spcPct val="140000"/>
+              </a:lnSpc>
+              <a:spcBef>
+                <a:spcPts val="0"/>
+              </a:spcBef>
+              <a:buClr>
+                <a:schemeClr val="bg2"/>
+              </a:buClr>
+              <a:buSzPct val="75000"/>
+              <a:buFont typeface="Wingdings" charset="2"/>
+              <a:buChar char="§"/>
+              <a:defRPr sz="1300" kern="1200">
+                <a:solidFill>
+                  <a:schemeClr val="tx1"/>
+                </a:solidFill>
+                <a:latin typeface="+mn-lt"/>
+                <a:ea typeface="+mn-ea"/>
+                <a:cs typeface="+mn-cs"/>
+              </a:defRPr>
+            </a:lvl2pPr>
+            <a:lvl3pPr marL="495300" indent="-165100" algn="l" defTabSz="914400" rtl="0" eaLnBrk="1" latinLnBrk="0" hangingPunct="1">
+              <a:lnSpc>
+                <a:spcPct val="140000"/>
+              </a:lnSpc>
+              <a:spcBef>
+                <a:spcPts val="0"/>
+              </a:spcBef>
+              <a:buClr>
+                <a:schemeClr val="bg2"/>
+              </a:buClr>
+              <a:buSzPct val="75000"/>
+              <a:buFont typeface="Wingdings" charset="2"/>
+              <a:buChar char="§"/>
+              <a:defRPr sz="1300" kern="1200">
+                <a:solidFill>
+                  <a:schemeClr val="tx1"/>
+                </a:solidFill>
+                <a:latin typeface="+mn-lt"/>
+                <a:ea typeface="+mn-ea"/>
+                <a:cs typeface="+mn-cs"/>
+              </a:defRPr>
+            </a:lvl3pPr>
+            <a:lvl4pPr marL="660400" indent="-165100" algn="l" defTabSz="914400" rtl="0" eaLnBrk="1" latinLnBrk="0" hangingPunct="1">
+              <a:lnSpc>
+                <a:spcPct val="140000"/>
+              </a:lnSpc>
+              <a:spcBef>
+                <a:spcPts val="0"/>
+              </a:spcBef>
+              <a:buClr>
+                <a:schemeClr val="bg2"/>
+              </a:buClr>
+              <a:buSzPct val="75000"/>
+              <a:buFont typeface="Wingdings" charset="2"/>
+              <a:buChar char="§"/>
+              <a:defRPr sz="1300" kern="1200">
+                <a:solidFill>
+                  <a:schemeClr val="tx1"/>
+                </a:solidFill>
+                <a:latin typeface="+mn-lt"/>
+                <a:ea typeface="+mn-ea"/>
+                <a:cs typeface="+mn-cs"/>
+              </a:defRPr>
+            </a:lvl4pPr>
+            <a:lvl5pPr marL="825500" indent="-165100" algn="l" defTabSz="914400" rtl="0" eaLnBrk="1" latinLnBrk="0" hangingPunct="1">
+              <a:lnSpc>
+                <a:spcPct val="140000"/>
+              </a:lnSpc>
+              <a:spcBef>
+                <a:spcPts val="0"/>
+              </a:spcBef>
+              <a:buClr>
+                <a:schemeClr val="bg2"/>
+              </a:buClr>
+              <a:buSzPct val="75000"/>
+              <a:buFont typeface="Wingdings" charset="2"/>
+              <a:buChar char="§"/>
+              <a:defRPr sz="1300" kern="1200">
+                <a:solidFill>
+                  <a:schemeClr val="tx1"/>
+                </a:solidFill>
+                <a:latin typeface="+mn-lt"/>
+                <a:ea typeface="+mn-ea"/>
+                <a:cs typeface="+mn-cs"/>
+              </a:defRPr>
+            </a:lvl5pPr>
+            <a:lvl6pPr marL="2514600" indent="-228600" algn="l" defTabSz="914400" rtl="0" eaLnBrk="1" latinLnBrk="0" hangingPunct="1">
+              <a:spcBef>
+                <a:spcPct val="20000"/>
+              </a:spcBef>
+              <a:buFont typeface="Arial" pitchFamily="34" charset="0"/>
+              <a:buChar char="•"/>
+              <a:defRPr sz="2000" kern="1200">
+                <a:solidFill>
+                  <a:schemeClr val="tx1"/>
+                </a:solidFill>
+                <a:latin typeface="+mn-lt"/>
+                <a:ea typeface="+mn-ea"/>
+                <a:cs typeface="+mn-cs"/>
+              </a:defRPr>
+            </a:lvl6pPr>
+            <a:lvl7pPr marL="2971800" indent="-228600" algn="l" defTabSz="914400" rtl="0" eaLnBrk="1" latinLnBrk="0" hangingPunct="1">
+              <a:spcBef>
+                <a:spcPct val="20000"/>
+              </a:spcBef>
+              <a:buFont typeface="Arial" pitchFamily="34" charset="0"/>
+              <a:buChar char="•"/>
+              <a:defRPr sz="2000" kern="1200">
+                <a:solidFill>
+                  <a:schemeClr val="tx1"/>
+                </a:solidFill>
+                <a:latin typeface="+mn-lt"/>
+                <a:ea typeface="+mn-ea"/>
+                <a:cs typeface="+mn-cs"/>
+              </a:defRPr>
+            </a:lvl7pPr>
+            <a:lvl8pPr marL="3429000" indent="-228600" algn="l" defTabSz="914400" rtl="0" eaLnBrk="1" latinLnBrk="0" hangingPunct="1">
+              <a:spcBef>
+                <a:spcPct val="20000"/>
+              </a:spcBef>
+              <a:buFont typeface="Arial" pitchFamily="34" charset="0"/>
+              <a:buChar char="•"/>
+              <a:defRPr sz="2000" kern="1200">
+                <a:solidFill>
+                  <a:schemeClr val="tx1"/>
+                </a:solidFill>
+                <a:latin typeface="+mn-lt"/>
+                <a:ea typeface="+mn-ea"/>
+                <a:cs typeface="+mn-cs"/>
+              </a:defRPr>
+            </a:lvl8pPr>
+            <a:lvl9pPr marL="3886200" indent="-228600" algn="l" defTabSz="914400" rtl="0" eaLnBrk="1" latinLnBrk="0" hangingPunct="1">
+              <a:spcBef>
+                <a:spcPct val="20000"/>
+              </a:spcBef>
+              <a:buFont typeface="Arial" pitchFamily="34" charset="0"/>
+              <a:buChar char="•"/>
+              <a:defRPr sz="2000" kern="1200">
+                <a:solidFill>
+                  <a:schemeClr val="tx1"/>
+                </a:solidFill>
+                <a:latin typeface="+mn-lt"/>
+                <a:ea typeface="+mn-ea"/>
+                <a:cs typeface="+mn-cs"/>
+              </a:defRPr>
+            </a:lvl9pPr>
+          </a:lstStyle>
+          <a:p>
+            <a:r>
+              <a:rPr lang="pl-PL" sz="2000" dirty="0" err="1"/>
+              <a:t>Runs</a:t>
+            </a:r>
+            <a:r>
+              <a:rPr lang="pl-PL" sz="2000" dirty="0"/>
+              <a:t> on </a:t>
+            </a:r>
+            <a:r>
+              <a:rPr lang="pl-PL" sz="2000" dirty="0" err="1"/>
+              <a:t>Hadoop</a:t>
+            </a:r>
+            <a:r>
+              <a:rPr lang="pl-PL" sz="2000" dirty="0"/>
+              <a:t> </a:t>
+            </a:r>
+            <a:r>
+              <a:rPr lang="pl-PL" sz="2000" dirty="0" err="1"/>
+              <a:t>clusters</a:t>
+            </a:r>
+            <a:endParaRPr lang="pl-PL" sz="2000" dirty="0"/>
+          </a:p>
+          <a:p>
+            <a:r>
+              <a:rPr lang="pl-PL" sz="2000" dirty="0" err="1"/>
+              <a:t>Can</a:t>
+            </a:r>
+            <a:r>
+              <a:rPr lang="pl-PL" sz="2000" dirty="0"/>
+              <a:t> </a:t>
+            </a:r>
+            <a:r>
+              <a:rPr lang="pl-PL" sz="2000" dirty="0" err="1"/>
+              <a:t>read</a:t>
+            </a:r>
+            <a:r>
+              <a:rPr lang="pl-PL" sz="2000" dirty="0"/>
+              <a:t> HDFS and </a:t>
+            </a:r>
+            <a:r>
+              <a:rPr lang="pl-PL" sz="2000" dirty="0" err="1"/>
+              <a:t>Hbase</a:t>
+            </a:r>
+            <a:r>
+              <a:rPr lang="pl-PL" sz="2000" dirty="0"/>
+              <a:t>, </a:t>
+            </a:r>
+            <a:r>
+              <a:rPr lang="pl-PL" sz="2000" dirty="0" err="1"/>
+              <a:t>integrate</a:t>
+            </a:r>
+            <a:r>
+              <a:rPr lang="pl-PL" sz="2000" dirty="0"/>
+              <a:t> </a:t>
+            </a:r>
+            <a:r>
+              <a:rPr lang="pl-PL" sz="2000" dirty="0" err="1"/>
+              <a:t>nicely</a:t>
+            </a:r>
+            <a:r>
+              <a:rPr lang="pl-PL" sz="2000" dirty="0"/>
+              <a:t> with </a:t>
+            </a:r>
+            <a:r>
+              <a:rPr lang="pl-PL" sz="2000" dirty="0" err="1"/>
+              <a:t>noSQL</a:t>
+            </a:r>
+            <a:endParaRPr lang="pl-PL" sz="2000" dirty="0"/>
+          </a:p>
+          <a:p>
+            <a:r>
+              <a:rPr lang="pl-PL" sz="2000" dirty="0" err="1"/>
+              <a:t>Supports</a:t>
+            </a:r>
+            <a:r>
+              <a:rPr lang="pl-PL" sz="2000" dirty="0"/>
+              <a:t> </a:t>
+            </a:r>
+            <a:r>
+              <a:rPr lang="pl-PL" sz="2000" dirty="0" err="1"/>
+              <a:t>multiple</a:t>
+            </a:r>
+            <a:r>
+              <a:rPr lang="pl-PL" sz="2000" dirty="0"/>
+              <a:t> data </a:t>
+            </a:r>
+            <a:r>
+              <a:rPr lang="pl-PL" sz="2000" dirty="0" err="1"/>
+              <a:t>formats</a:t>
+            </a:r>
+            <a:r>
+              <a:rPr lang="pl-PL" sz="2000" dirty="0"/>
+              <a:t>, </a:t>
+            </a:r>
+            <a:r>
+              <a:rPr lang="pl-PL" sz="2000" dirty="0" err="1"/>
+              <a:t>starting</a:t>
+            </a:r>
+            <a:r>
+              <a:rPr lang="pl-PL" sz="2000" dirty="0"/>
+              <a:t> from CSV to </a:t>
+            </a:r>
+            <a:r>
+              <a:rPr lang="pl-PL" sz="2000" dirty="0" err="1"/>
+              <a:t>Avro</a:t>
+            </a:r>
+            <a:r>
+              <a:rPr lang="pl-PL" sz="2000" dirty="0"/>
+              <a:t> and </a:t>
+            </a:r>
+            <a:r>
+              <a:rPr lang="pl-PL" sz="2000" dirty="0" err="1"/>
+              <a:t>Parquet</a:t>
+            </a:r>
+            <a:endParaRPr lang="pl-PL" sz="2000" dirty="0"/>
+          </a:p>
+          <a:p>
+            <a:r>
+              <a:rPr lang="en-US" sz="2000" dirty="0"/>
+              <a:t>Deployed on </a:t>
+            </a:r>
+            <a:r>
+              <a:rPr lang="pl-PL" sz="2000" dirty="0"/>
+              <a:t>YARN/</a:t>
+            </a:r>
+            <a:r>
+              <a:rPr lang="en-US" sz="2000" dirty="0"/>
+              <a:t>Mesos</a:t>
+            </a:r>
+            <a:r>
+              <a:rPr lang="pl-PL" sz="2000" dirty="0"/>
+              <a:t> and </a:t>
+            </a:r>
+            <a:r>
+              <a:rPr lang="en-US" sz="2000" dirty="0"/>
+              <a:t>Docker</a:t>
+            </a:r>
+            <a:r>
+              <a:rPr lang="pl-PL" sz="2000" dirty="0"/>
+              <a:t>/</a:t>
+            </a:r>
+            <a:r>
+              <a:rPr lang="pl-PL" sz="2000" dirty="0" err="1"/>
+              <a:t>Kubernetes</a:t>
+            </a:r>
+            <a:r>
+              <a:rPr lang="en-US" sz="2000" dirty="0"/>
+              <a:t> across AWS and Azure</a:t>
+            </a:r>
+            <a:endParaRPr lang="pl-PL" sz="2000" dirty="0"/>
+          </a:p>
+          <a:p>
+            <a:r>
+              <a:rPr lang="pl-PL" sz="2000" dirty="0" err="1"/>
+              <a:t>Can</a:t>
+            </a:r>
+            <a:r>
+              <a:rPr lang="pl-PL" sz="2000" dirty="0"/>
+              <a:t> be </a:t>
+            </a:r>
+            <a:r>
+              <a:rPr lang="pl-PL" sz="2000" dirty="0" err="1"/>
+              <a:t>hosted</a:t>
+            </a:r>
+            <a:r>
+              <a:rPr lang="pl-PL" sz="2000" dirty="0"/>
+              <a:t> on Linux and Win in </a:t>
+            </a:r>
+            <a:r>
+              <a:rPr lang="pl-PL" sz="2000" dirty="0" err="1"/>
+              <a:t>standalone</a:t>
+            </a:r>
+            <a:r>
+              <a:rPr lang="pl-PL" sz="2000" dirty="0"/>
+              <a:t> </a:t>
+            </a:r>
+            <a:r>
+              <a:rPr lang="pl-PL" sz="2000" dirty="0" err="1"/>
+              <a:t>mode</a:t>
+            </a:r>
+            <a:r>
+              <a:rPr lang="pl-PL" sz="2000" dirty="0"/>
+              <a:t> (</a:t>
+            </a:r>
+            <a:r>
+              <a:rPr lang="pl-PL" sz="2000" dirty="0" err="1"/>
+              <a:t>e.g</a:t>
+            </a:r>
+            <a:r>
+              <a:rPr lang="pl-PL" sz="2000" dirty="0"/>
+              <a:t> for </a:t>
+            </a:r>
+            <a:r>
+              <a:rPr lang="pl-PL" sz="2000" dirty="0" err="1"/>
+              <a:t>dev</a:t>
+            </a:r>
+            <a:r>
+              <a:rPr lang="pl-PL" sz="2000" dirty="0"/>
+              <a:t> </a:t>
+            </a:r>
+            <a:r>
+              <a:rPr lang="pl-PL" sz="2000" dirty="0" err="1"/>
+              <a:t>purposes</a:t>
+            </a:r>
+            <a:r>
+              <a:rPr lang="pl-PL" sz="2000" dirty="0"/>
+              <a:t>)</a:t>
+            </a:r>
+          </a:p>
+          <a:p>
+            <a:endParaRPr lang="pl-PL" sz="2000" dirty="0"/>
+          </a:p>
+          <a:p>
+            <a:endParaRPr lang="pl-PL" sz="2000" dirty="0"/>
+          </a:p>
+        </p:txBody>
+      </p:sp>
+      <p:sp>
+        <p:nvSpPr>
+          <p:cNvPr id="7" name="TextBox 6"/>
+          <p:cNvSpPr txBox="1"/>
+          <p:nvPr/>
+        </p:nvSpPr>
+        <p:spPr>
+          <a:xfrm>
+            <a:off x="8859520" y="1198880"/>
+            <a:ext cx="914400" cy="914400"/>
+          </a:xfrm>
+          <a:prstGeom prst="rect">
+            <a:avLst/>
+          </a:prstGeom>
+          <a:noFill/>
+        </p:spPr>
+        <p:txBody>
+          <a:bodyPr wrap="none" lIns="0" tIns="0" rIns="0" bIns="0" rtlCol="0">
+            <a:noAutofit/>
+          </a:bodyPr>
+          <a:lstStyle/>
+          <a:p>
+            <a:pPr>
+              <a:lnSpc>
+                <a:spcPct val="140000"/>
+              </a:lnSpc>
+            </a:pPr>
+            <a:endParaRPr lang="en-US" dirty="0" err="1">
+              <a:solidFill>
+                <a:schemeClr val="tx1"/>
+              </a:solidFill>
+            </a:endParaRPr>
+          </a:p>
+        </p:txBody>
+      </p:sp>
+      <p:sp>
+        <p:nvSpPr>
+          <p:cNvPr id="11" name="TextBox 10"/>
+          <p:cNvSpPr txBox="1"/>
+          <p:nvPr/>
+        </p:nvSpPr>
+        <p:spPr>
+          <a:xfrm>
+            <a:off x="8524240" y="975360"/>
+            <a:ext cx="914400" cy="914400"/>
+          </a:xfrm>
+          <a:prstGeom prst="rect">
+            <a:avLst/>
+          </a:prstGeom>
+          <a:noFill/>
+        </p:spPr>
+        <p:txBody>
+          <a:bodyPr wrap="none" lIns="0" tIns="0" rIns="0" bIns="0" rtlCol="0">
+            <a:noAutofit/>
+          </a:bodyPr>
+          <a:lstStyle/>
+          <a:p>
+            <a:pPr>
+              <a:lnSpc>
+                <a:spcPct val="140000"/>
+              </a:lnSpc>
+            </a:pPr>
+            <a:endParaRPr lang="en-US" dirty="0" err="1">
+              <a:solidFill>
+                <a:schemeClr val="tx1"/>
+              </a:solidFill>
+            </a:endParaRPr>
+          </a:p>
+        </p:txBody>
+      </p:sp>
+      <p:pic>
+        <p:nvPicPr>
+          <p:cNvPr id="5122" name="Picture 2" descr="https://spark.apache.org/images/spark-runs-everywhere.png">
+            <a:extLst>
+              <a:ext uri="{FF2B5EF4-FFF2-40B4-BE49-F238E27FC236}">
+                <a16:creationId xmlns:a16="http://schemas.microsoft.com/office/drawing/2014/main" id="{253339E8-24D2-409C-A5E7-EFD28F4FE520}"/>
+              </a:ext>
+            </a:extLst>
+          </p:cNvPr>
+          <p:cNvPicPr>
+            <a:picLocks noChangeAspect="1" noChangeArrowheads="1"/>
+          </p:cNvPicPr>
+          <p:nvPr/>
+        </p:nvPicPr>
+        <p:blipFill>
+          <a:blip r:embed="rId2">
+            <a:extLst>
+              <a:ext uri="{28A0092B-C50C-407E-A947-70E740481C1C}">
+                <a14:useLocalDpi xmlns:a14="http://schemas.microsoft.com/office/drawing/2010/main" val="0"/>
+              </a:ext>
+            </a:extLst>
+          </a:blip>
+          <a:srcRect/>
+          <a:stretch>
+            <a:fillRect/>
+          </a:stretch>
+        </p:blipFill>
+        <p:spPr bwMode="auto">
+          <a:xfrm>
+            <a:off x="355960" y="1071383"/>
+            <a:ext cx="2991904" cy="3156551"/>
+          </a:xfrm>
+          <a:prstGeom prst="rect">
+            <a:avLst/>
+          </a:prstGeom>
+          <a:noFill/>
+          <a:extLst>
+            <a:ext uri="{909E8E84-426E-40DD-AFC4-6F175D3DCCD1}">
+              <a14:hiddenFill xmlns:a14="http://schemas.microsoft.com/office/drawing/2010/main">
+                <a:solidFill>
+                  <a:srgbClr val="FFFFFF"/>
+                </a:solidFill>
+              </a14:hiddenFill>
+            </a:ext>
+          </a:extLst>
+        </p:spPr>
+      </p:pic>
+    </p:spTree>
+    <p:extLst>
+      <p:ext uri="{BB962C8B-B14F-4D97-AF65-F5344CB8AC3E}">
+        <p14:creationId xmlns:p14="http://schemas.microsoft.com/office/powerpoint/2010/main" val="72280921"/>
+      </p:ext>
+    </p:extLst>
+  </p:cSld>
+  <p:clrMapOvr>
+    <a:masterClrMapping/>
+  </p:clrMapOvr>
+</p:sld>
+</file>
+
+<file path=ppt/slides/slide7.xml><?xml version="1.0" encoding="utf-8"?>
+<p:sld xmlns:a="http://schemas.openxmlformats.org/drawingml/2006/main" xmlns:r="http://schemas.openxmlformats.org/officeDocument/2006/relationships" xmlns:p="http://schemas.openxmlformats.org/presentationml/2006/main">
+  <p:cSld>
+    <p:spTree>
+      <p:nvGrpSpPr>
+        <p:cNvPr id="1" name=""/>
+        <p:cNvGrpSpPr/>
+        <p:nvPr/>
+      </p:nvGrpSpPr>
+      <p:grpSpPr>
+        <a:xfrm>
+          <a:off x="0" y="0"/>
+          <a:ext cx="0" cy="0"/>
+          <a:chOff x="0" y="0"/>
+          <a:chExt cx="0" cy="0"/>
+        </a:xfrm>
+      </p:grpSpPr>
+      <p:sp>
+        <p:nvSpPr>
+          <p:cNvPr id="2" name="Title 1"/>
+          <p:cNvSpPr>
+            <a:spLocks noGrp="1"/>
+          </p:cNvSpPr>
+          <p:nvPr>
+            <p:ph type="title"/>
+          </p:nvPr>
+        </p:nvSpPr>
+        <p:spPr>
+          <a:xfrm>
+            <a:off x="755650" y="413693"/>
+            <a:ext cx="7632700" cy="357857"/>
+          </a:xfrm>
+        </p:spPr>
+        <p:txBody>
+          <a:bodyPr/>
+          <a:lstStyle/>
+          <a:p>
+            <a:r>
+              <a:rPr lang="pl-PL" dirty="0" err="1"/>
+              <a:t>Generality</a:t>
+            </a:r>
+            <a:endParaRPr lang="pl-PL" dirty="0"/>
+          </a:p>
+        </p:txBody>
+      </p:sp>
+      <p:sp>
+        <p:nvSpPr>
+          <p:cNvPr id="3" name="Footer Placeholder 2"/>
+          <p:cNvSpPr>
+            <a:spLocks noGrp="1"/>
+          </p:cNvSpPr>
+          <p:nvPr>
+            <p:ph type="ftr" sz="quarter" idx="16"/>
+          </p:nvPr>
+        </p:nvSpPr>
+        <p:spPr/>
+        <p:txBody>
+          <a:bodyPr/>
+          <a:lstStyle/>
+          <a:p>
+            <a:endParaRPr lang="pl-PL" dirty="0"/>
+          </a:p>
+        </p:txBody>
+      </p:sp>
+      <p:sp>
+        <p:nvSpPr>
+          <p:cNvPr id="4" name="Date Placeholder 3"/>
+          <p:cNvSpPr>
+            <a:spLocks noGrp="1"/>
+          </p:cNvSpPr>
+          <p:nvPr>
+            <p:ph type="dt" sz="half" idx="15"/>
+          </p:nvPr>
+        </p:nvSpPr>
+        <p:spPr/>
+        <p:txBody>
+          <a:bodyPr/>
+          <a:lstStyle/>
+          <a:p>
+            <a:endParaRPr lang="pl-PL" dirty="0"/>
+          </a:p>
+        </p:txBody>
+      </p:sp>
+      <p:sp>
+        <p:nvSpPr>
+          <p:cNvPr id="7" name="TextBox 6"/>
+          <p:cNvSpPr txBox="1"/>
+          <p:nvPr/>
+        </p:nvSpPr>
+        <p:spPr>
+          <a:xfrm>
+            <a:off x="8859520" y="1198880"/>
+            <a:ext cx="914400" cy="914400"/>
+          </a:xfrm>
+          <a:prstGeom prst="rect">
+            <a:avLst/>
+          </a:prstGeom>
+          <a:noFill/>
+        </p:spPr>
+        <p:txBody>
+          <a:bodyPr wrap="none" lIns="0" tIns="0" rIns="0" bIns="0" rtlCol="0">
+            <a:noAutofit/>
+          </a:bodyPr>
+          <a:lstStyle/>
+          <a:p>
+            <a:pPr>
+              <a:lnSpc>
+                <a:spcPct val="140000"/>
+              </a:lnSpc>
+            </a:pPr>
+            <a:endParaRPr lang="en-US" dirty="0" err="1">
+              <a:solidFill>
+                <a:schemeClr val="tx1"/>
+              </a:solidFill>
+            </a:endParaRPr>
+          </a:p>
+        </p:txBody>
+      </p:sp>
+      <p:sp>
+        <p:nvSpPr>
+          <p:cNvPr id="11" name="TextBox 10"/>
+          <p:cNvSpPr txBox="1"/>
+          <p:nvPr/>
+        </p:nvSpPr>
+        <p:spPr>
+          <a:xfrm>
+            <a:off x="8524240" y="975360"/>
+            <a:ext cx="914400" cy="914400"/>
+          </a:xfrm>
+          <a:prstGeom prst="rect">
+            <a:avLst/>
+          </a:prstGeom>
+          <a:noFill/>
+        </p:spPr>
+        <p:txBody>
+          <a:bodyPr wrap="none" lIns="0" tIns="0" rIns="0" bIns="0" rtlCol="0">
+            <a:noAutofit/>
+          </a:bodyPr>
+          <a:lstStyle/>
+          <a:p>
+            <a:pPr>
+              <a:lnSpc>
+                <a:spcPct val="140000"/>
+              </a:lnSpc>
+            </a:pPr>
+            <a:endParaRPr lang="en-US" dirty="0" err="1">
+              <a:solidFill>
+                <a:schemeClr val="tx1"/>
+              </a:solidFill>
+            </a:endParaRPr>
+          </a:p>
+        </p:txBody>
+      </p:sp>
+      <p:pic>
+        <p:nvPicPr>
+          <p:cNvPr id="5" name="Picture 4">
+            <a:extLst>
+              <a:ext uri="{FF2B5EF4-FFF2-40B4-BE49-F238E27FC236}">
+                <a16:creationId xmlns:a16="http://schemas.microsoft.com/office/drawing/2014/main" id="{8A46501B-7203-4C5E-B187-C4BF90279956}"/>
+              </a:ext>
+            </a:extLst>
+          </p:cNvPr>
+          <p:cNvPicPr>
+            <a:picLocks noChangeAspect="1"/>
+          </p:cNvPicPr>
+          <p:nvPr/>
+        </p:nvPicPr>
+        <p:blipFill>
+          <a:blip r:embed="rId2"/>
+          <a:stretch>
+            <a:fillRect/>
+          </a:stretch>
+        </p:blipFill>
+        <p:spPr>
+          <a:xfrm>
+            <a:off x="2661405" y="1563638"/>
+            <a:ext cx="3960440" cy="1865976"/>
+          </a:xfrm>
+          <a:prstGeom prst="rect">
+            <a:avLst/>
+          </a:prstGeom>
+        </p:spPr>
+      </p:pic>
+    </p:spTree>
+    <p:extLst>
+      <p:ext uri="{BB962C8B-B14F-4D97-AF65-F5344CB8AC3E}">
+        <p14:creationId xmlns:p14="http://schemas.microsoft.com/office/powerpoint/2010/main" val="1049252869"/>
+      </p:ext>
+    </p:extLst>
+  </p:cSld>
+  <p:clrMapOvr>
+    <a:masterClrMapping/>
+  </p:clrMapOvr>
+</p:sld>
+</file>
+
+<file path=ppt/slides/slide8.xml><?xml version="1.0" encoding="utf-8"?>
+<p:sld xmlns:a="http://schemas.openxmlformats.org/drawingml/2006/main" xmlns:r="http://schemas.openxmlformats.org/officeDocument/2006/relationships" xmlns:p="http://schemas.openxmlformats.org/presentationml/2006/main">
+  <p:cSld>
+    <p:spTree>
+      <p:nvGrpSpPr>
+        <p:cNvPr id="1" name=""/>
+        <p:cNvGrpSpPr/>
+        <p:nvPr/>
+      </p:nvGrpSpPr>
+      <p:grpSpPr>
+        <a:xfrm>
+          <a:off x="0" y="0"/>
+          <a:ext cx="0" cy="0"/>
+          <a:chOff x="0" y="0"/>
+          <a:chExt cx="0" cy="0"/>
+        </a:xfrm>
+      </p:grpSpPr>
+      <p:sp>
+        <p:nvSpPr>
+          <p:cNvPr id="2" name="Title 1"/>
+          <p:cNvSpPr>
+            <a:spLocks noGrp="1"/>
+          </p:cNvSpPr>
+          <p:nvPr>
+            <p:ph type="title"/>
+          </p:nvPr>
+        </p:nvSpPr>
+        <p:spPr>
+          <a:xfrm>
+            <a:off x="755650" y="413693"/>
+            <a:ext cx="7632700" cy="357857"/>
+          </a:xfrm>
+        </p:spPr>
+        <p:txBody>
+          <a:bodyPr/>
+          <a:lstStyle/>
+          <a:p>
+            <a:br>
+              <a:rPr lang="pl-PL" dirty="0"/>
+            </a:br>
+            <a:r>
+              <a:rPr lang="pl-PL" dirty="0"/>
+              <a:t>Apache Spark Architecture</a:t>
+            </a:r>
+            <a:endParaRPr lang="en-US" dirty="0"/>
+          </a:p>
+        </p:txBody>
+      </p:sp>
+      <p:sp>
+        <p:nvSpPr>
+          <p:cNvPr id="3" name="Footer Placeholder 2"/>
+          <p:cNvSpPr>
+            <a:spLocks noGrp="1"/>
+          </p:cNvSpPr>
+          <p:nvPr>
+            <p:ph type="ftr" sz="quarter" idx="16"/>
+          </p:nvPr>
+        </p:nvSpPr>
+        <p:spPr/>
+        <p:txBody>
+          <a:bodyPr/>
+          <a:lstStyle/>
+          <a:p>
+            <a:endParaRPr lang="pl-PL" dirty="0"/>
+          </a:p>
+        </p:txBody>
+      </p:sp>
+      <p:sp>
+        <p:nvSpPr>
+          <p:cNvPr id="4" name="Date Placeholder 3"/>
+          <p:cNvSpPr>
+            <a:spLocks noGrp="1"/>
+          </p:cNvSpPr>
+          <p:nvPr>
+            <p:ph type="dt" sz="half" idx="15"/>
+          </p:nvPr>
+        </p:nvSpPr>
+        <p:spPr/>
+        <p:txBody>
+          <a:bodyPr/>
+          <a:lstStyle/>
+          <a:p>
+            <a:endParaRPr lang="pl-PL" dirty="0"/>
+          </a:p>
+        </p:txBody>
+      </p:sp>
+      <p:sp>
+        <p:nvSpPr>
+          <p:cNvPr id="7" name="TextBox 6"/>
+          <p:cNvSpPr txBox="1"/>
+          <p:nvPr/>
+        </p:nvSpPr>
+        <p:spPr>
+          <a:xfrm>
+            <a:off x="8859520" y="1198880"/>
+            <a:ext cx="914400" cy="914400"/>
+          </a:xfrm>
+          <a:prstGeom prst="rect">
+            <a:avLst/>
+          </a:prstGeom>
+          <a:noFill/>
+        </p:spPr>
+        <p:txBody>
+          <a:bodyPr wrap="none" lIns="0" tIns="0" rIns="0" bIns="0" rtlCol="0">
+            <a:noAutofit/>
+          </a:bodyPr>
+          <a:lstStyle/>
+          <a:p>
+            <a:pPr>
+              <a:lnSpc>
+                <a:spcPct val="140000"/>
+              </a:lnSpc>
+            </a:pPr>
+            <a:endParaRPr lang="en-US" dirty="0" err="1">
+              <a:solidFill>
+                <a:schemeClr val="tx1"/>
+              </a:solidFill>
+            </a:endParaRPr>
+          </a:p>
+        </p:txBody>
+      </p:sp>
+      <p:sp>
+        <p:nvSpPr>
+          <p:cNvPr id="11" name="TextBox 10"/>
+          <p:cNvSpPr txBox="1"/>
+          <p:nvPr/>
+        </p:nvSpPr>
+        <p:spPr>
+          <a:xfrm>
+            <a:off x="8524240" y="975360"/>
+            <a:ext cx="914400" cy="914400"/>
+          </a:xfrm>
+          <a:prstGeom prst="rect">
+            <a:avLst/>
+          </a:prstGeom>
+          <a:noFill/>
+        </p:spPr>
+        <p:txBody>
+          <a:bodyPr wrap="none" lIns="0" tIns="0" rIns="0" bIns="0" rtlCol="0">
+            <a:noAutofit/>
+          </a:bodyPr>
+          <a:lstStyle/>
+          <a:p>
+            <a:pPr>
+              <a:lnSpc>
+                <a:spcPct val="140000"/>
+              </a:lnSpc>
+            </a:pPr>
+            <a:endParaRPr lang="en-US" dirty="0" err="1">
+              <a:solidFill>
+                <a:schemeClr val="tx1"/>
+              </a:solidFill>
+            </a:endParaRPr>
+          </a:p>
+        </p:txBody>
+      </p:sp>
+      <p:pic>
+        <p:nvPicPr>
+          <p:cNvPr id="6" name="Picture 5">
+            <a:extLst>
+              <a:ext uri="{FF2B5EF4-FFF2-40B4-BE49-F238E27FC236}">
+                <a16:creationId xmlns:a16="http://schemas.microsoft.com/office/drawing/2014/main" id="{E56C735E-26BD-4FF5-92B6-016E4ACB8DB5}"/>
+              </a:ext>
+            </a:extLst>
+          </p:cNvPr>
+          <p:cNvPicPr>
+            <a:picLocks noChangeAspect="1"/>
+          </p:cNvPicPr>
+          <p:nvPr/>
+        </p:nvPicPr>
+        <p:blipFill>
+          <a:blip r:embed="rId3"/>
+          <a:stretch>
+            <a:fillRect/>
+          </a:stretch>
+        </p:blipFill>
+        <p:spPr>
+          <a:xfrm>
+            <a:off x="1619672" y="926072"/>
+            <a:ext cx="5602965" cy="3592377"/>
+          </a:xfrm>
+          <a:prstGeom prst="rect">
+            <a:avLst/>
+          </a:prstGeom>
+        </p:spPr>
+      </p:pic>
+    </p:spTree>
+    <p:extLst>
+      <p:ext uri="{BB962C8B-B14F-4D97-AF65-F5344CB8AC3E}">
+        <p14:creationId xmlns:p14="http://schemas.microsoft.com/office/powerpoint/2010/main" val="1727686954"/>
+      </p:ext>
+    </p:extLst>
+  </p:cSld>
+  <p:clrMapOvr>
+    <a:masterClrMapping/>
+  </p:clrMapOvr>
+</p:sld>
+</file>
+
+<file path=ppt/slides/slide9.xml><?xml version="1.0" encoding="utf-8"?>
+<p:sld xmlns:a="http://schemas.openxmlformats.org/drawingml/2006/main" xmlns:r="http://schemas.openxmlformats.org/officeDocument/2006/relationships" xmlns:p="http://schemas.openxmlformats.org/presentationml/2006/main">
+  <p:cSld>
+    <p:spTree>
+      <p:nvGrpSpPr>
+        <p:cNvPr id="1" name=""/>
+        <p:cNvGrpSpPr/>
+        <p:nvPr/>
+      </p:nvGrpSpPr>
+      <p:grpSpPr>
+        <a:xfrm>
+          <a:off x="0" y="0"/>
+          <a:ext cx="0" cy="0"/>
+          <a:chOff x="0" y="0"/>
+          <a:chExt cx="0" cy="0"/>
+        </a:xfrm>
+      </p:grpSpPr>
+      <p:sp>
+        <p:nvSpPr>
+          <p:cNvPr id="2" name="Title 1"/>
+          <p:cNvSpPr>
+            <a:spLocks noGrp="1"/>
+          </p:cNvSpPr>
+          <p:nvPr>
+            <p:ph type="title"/>
+          </p:nvPr>
+        </p:nvSpPr>
+        <p:spPr>
+          <a:xfrm>
+            <a:off x="755650" y="413693"/>
+            <a:ext cx="7632700" cy="357857"/>
+          </a:xfrm>
+        </p:spPr>
+        <p:txBody>
+          <a:bodyPr/>
+          <a:lstStyle/>
+          <a:p>
             <a:br>
               <a:rPr lang="pl-PL" dirty="0"/>
             </a:br>
@@ -8481,1078 +10627,6 @@
     <p:extLst>
       <p:ext uri="{BB962C8B-B14F-4D97-AF65-F5344CB8AC3E}">
         <p14:creationId xmlns:p14="http://schemas.microsoft.com/office/powerpoint/2010/main" val="2826400824"/>
-      </p:ext>
-    </p:extLst>
-  </p:cSld>
-  <p:clrMapOvr>
-    <a:masterClrMapping/>
-  </p:clrMapOvr>
-</p:sld>
-</file>
-
-<file path=ppt/slides/slide6.xml><?xml version="1.0" encoding="utf-8"?>
-<p:sld xmlns:a="http://schemas.openxmlformats.org/drawingml/2006/main" xmlns:r="http://schemas.openxmlformats.org/officeDocument/2006/relationships" xmlns:p="http://schemas.openxmlformats.org/presentationml/2006/main">
-  <p:cSld>
-    <p:spTree>
-      <p:nvGrpSpPr>
-        <p:cNvPr id="1" name=""/>
-        <p:cNvGrpSpPr/>
-        <p:nvPr/>
-      </p:nvGrpSpPr>
-      <p:grpSpPr>
-        <a:xfrm>
-          <a:off x="0" y="0"/>
-          <a:ext cx="0" cy="0"/>
-          <a:chOff x="0" y="0"/>
-          <a:chExt cx="0" cy="0"/>
-        </a:xfrm>
-      </p:grpSpPr>
-      <p:sp>
-        <p:nvSpPr>
-          <p:cNvPr id="2" name="Title 1"/>
-          <p:cNvSpPr>
-            <a:spLocks noGrp="1"/>
-          </p:cNvSpPr>
-          <p:nvPr>
-            <p:ph type="title"/>
-          </p:nvPr>
-        </p:nvSpPr>
-        <p:spPr>
-          <a:xfrm>
-            <a:off x="755650" y="413693"/>
-            <a:ext cx="7632700" cy="357857"/>
-          </a:xfrm>
-        </p:spPr>
-        <p:txBody>
-          <a:bodyPr/>
-          <a:lstStyle/>
-          <a:p>
-            <a:r>
-              <a:rPr lang="pl-PL" dirty="0" err="1"/>
-              <a:t>Stack</a:t>
-            </a:r>
-            <a:r>
-              <a:rPr lang="pl-PL" dirty="0"/>
-              <a:t> </a:t>
-            </a:r>
-            <a:r>
-              <a:rPr lang="pl-PL" dirty="0" err="1"/>
-              <a:t>Overflow</a:t>
-            </a:r>
-            <a:r>
-              <a:rPr lang="pl-PL" dirty="0"/>
-              <a:t> </a:t>
-            </a:r>
-            <a:r>
-              <a:rPr lang="pl-PL" dirty="0" err="1"/>
-              <a:t>Survey</a:t>
-            </a:r>
-            <a:r>
-              <a:rPr lang="pl-PL" dirty="0"/>
-              <a:t> 2018</a:t>
-            </a:r>
-            <a:endParaRPr lang="en-US" dirty="0"/>
-          </a:p>
-        </p:txBody>
-      </p:sp>
-      <p:sp>
-        <p:nvSpPr>
-          <p:cNvPr id="3" name="Footer Placeholder 2"/>
-          <p:cNvSpPr>
-            <a:spLocks noGrp="1"/>
-          </p:cNvSpPr>
-          <p:nvPr>
-            <p:ph type="ftr" sz="quarter" idx="16"/>
-          </p:nvPr>
-        </p:nvSpPr>
-        <p:spPr/>
-        <p:txBody>
-          <a:bodyPr/>
-          <a:lstStyle/>
-          <a:p>
-            <a:endParaRPr lang="pl-PL" dirty="0"/>
-          </a:p>
-        </p:txBody>
-      </p:sp>
-      <p:sp>
-        <p:nvSpPr>
-          <p:cNvPr id="4" name="Date Placeholder 3"/>
-          <p:cNvSpPr>
-            <a:spLocks noGrp="1"/>
-          </p:cNvSpPr>
-          <p:nvPr>
-            <p:ph type="dt" sz="half" idx="15"/>
-          </p:nvPr>
-        </p:nvSpPr>
-        <p:spPr/>
-        <p:txBody>
-          <a:bodyPr/>
-          <a:lstStyle/>
-          <a:p>
-            <a:endParaRPr lang="pl-PL" dirty="0"/>
-          </a:p>
-        </p:txBody>
-      </p:sp>
-      <p:pic>
-        <p:nvPicPr>
-          <p:cNvPr id="6" name="Picture 5">
-            <a:extLst>
-              <a:ext uri="{FF2B5EF4-FFF2-40B4-BE49-F238E27FC236}">
-                <a16:creationId xmlns:a16="http://schemas.microsoft.com/office/drawing/2014/main" id="{804CBCF8-6E92-461C-9677-30FBE98A78D7}"/>
-              </a:ext>
-            </a:extLst>
-          </p:cNvPr>
-          <p:cNvPicPr>
-            <a:picLocks noChangeAspect="1"/>
-          </p:cNvPicPr>
-          <p:nvPr/>
-        </p:nvPicPr>
-        <p:blipFill>
-          <a:blip r:embed="rId3"/>
-          <a:stretch>
-            <a:fillRect/>
-          </a:stretch>
-        </p:blipFill>
-        <p:spPr>
-          <a:xfrm>
-            <a:off x="2123728" y="843558"/>
-            <a:ext cx="3852093" cy="4220794"/>
-          </a:xfrm>
-          <a:prstGeom prst="rect">
-            <a:avLst/>
-          </a:prstGeom>
-        </p:spPr>
-      </p:pic>
-    </p:spTree>
-    <p:extLst>
-      <p:ext uri="{BB962C8B-B14F-4D97-AF65-F5344CB8AC3E}">
-        <p14:creationId xmlns:p14="http://schemas.microsoft.com/office/powerpoint/2010/main" val="2503745226"/>
-      </p:ext>
-    </p:extLst>
-  </p:cSld>
-  <p:clrMapOvr>
-    <a:masterClrMapping/>
-  </p:clrMapOvr>
-</p:sld>
-</file>
-
-<file path=ppt/slides/slide7.xml><?xml version="1.0" encoding="utf-8"?>
-<p:sld xmlns:a="http://schemas.openxmlformats.org/drawingml/2006/main" xmlns:r="http://schemas.openxmlformats.org/officeDocument/2006/relationships" xmlns:p="http://schemas.openxmlformats.org/presentationml/2006/main">
-  <p:cSld>
-    <p:spTree>
-      <p:nvGrpSpPr>
-        <p:cNvPr id="1" name=""/>
-        <p:cNvGrpSpPr/>
-        <p:nvPr/>
-      </p:nvGrpSpPr>
-      <p:grpSpPr>
-        <a:xfrm>
-          <a:off x="0" y="0"/>
-          <a:ext cx="0" cy="0"/>
-          <a:chOff x="0" y="0"/>
-          <a:chExt cx="0" cy="0"/>
-        </a:xfrm>
-      </p:grpSpPr>
-      <p:sp>
-        <p:nvSpPr>
-          <p:cNvPr id="2" name="Title 1"/>
-          <p:cNvSpPr>
-            <a:spLocks noGrp="1"/>
-          </p:cNvSpPr>
-          <p:nvPr>
-            <p:ph type="title"/>
-          </p:nvPr>
-        </p:nvSpPr>
-        <p:spPr>
-          <a:xfrm>
-            <a:off x="755650" y="413693"/>
-            <a:ext cx="7632700" cy="357857"/>
-          </a:xfrm>
-        </p:spPr>
-        <p:txBody>
-          <a:bodyPr/>
-          <a:lstStyle/>
-          <a:p>
-            <a:r>
-              <a:rPr lang="pl-PL" dirty="0" err="1"/>
-              <a:t>Runs</a:t>
-            </a:r>
-            <a:r>
-              <a:rPr lang="pl-PL" dirty="0"/>
-              <a:t> (</a:t>
-            </a:r>
-            <a:r>
-              <a:rPr lang="pl-PL" dirty="0" err="1"/>
-              <a:t>almost</a:t>
-            </a:r>
-            <a:r>
-              <a:rPr lang="pl-PL" dirty="0"/>
-              <a:t>) </a:t>
-            </a:r>
-            <a:r>
-              <a:rPr lang="pl-PL" dirty="0" err="1"/>
-              <a:t>everywhere</a:t>
-            </a:r>
-            <a:endParaRPr lang="pl-PL" dirty="0"/>
-          </a:p>
-        </p:txBody>
-      </p:sp>
-      <p:sp>
-        <p:nvSpPr>
-          <p:cNvPr id="3" name="Footer Placeholder 2"/>
-          <p:cNvSpPr>
-            <a:spLocks noGrp="1"/>
-          </p:cNvSpPr>
-          <p:nvPr>
-            <p:ph type="ftr" sz="quarter" idx="16"/>
-          </p:nvPr>
-        </p:nvSpPr>
-        <p:spPr/>
-        <p:txBody>
-          <a:bodyPr/>
-          <a:lstStyle/>
-          <a:p>
-            <a:endParaRPr lang="pl-PL" dirty="0"/>
-          </a:p>
-        </p:txBody>
-      </p:sp>
-      <p:sp>
-        <p:nvSpPr>
-          <p:cNvPr id="4" name="Date Placeholder 3"/>
-          <p:cNvSpPr>
-            <a:spLocks noGrp="1"/>
-          </p:cNvSpPr>
-          <p:nvPr>
-            <p:ph type="dt" sz="half" idx="15"/>
-          </p:nvPr>
-        </p:nvSpPr>
-        <p:spPr/>
-        <p:txBody>
-          <a:bodyPr/>
-          <a:lstStyle/>
-          <a:p>
-            <a:endParaRPr lang="pl-PL" dirty="0"/>
-          </a:p>
-        </p:txBody>
-      </p:sp>
-      <p:sp>
-        <p:nvSpPr>
-          <p:cNvPr id="6" name="Text Placeholder 4"/>
-          <p:cNvSpPr txBox="1">
-            <a:spLocks/>
-          </p:cNvSpPr>
-          <p:nvPr/>
-        </p:nvSpPr>
-        <p:spPr>
-          <a:xfrm>
-            <a:off x="3347864" y="915566"/>
-            <a:ext cx="5040486" cy="3797624"/>
-          </a:xfrm>
-          <a:prstGeom prst="rect">
-            <a:avLst/>
-          </a:prstGeom>
-        </p:spPr>
-        <p:txBody>
-          <a:bodyPr vert="horz" lIns="0" tIns="0" rIns="0" bIns="0" anchor="t"/>
-          <a:lstStyle>
-            <a:lvl1pPr marL="165100" indent="-165100" algn="l" defTabSz="914400" rtl="0" eaLnBrk="1" latinLnBrk="0" hangingPunct="1">
-              <a:lnSpc>
-                <a:spcPct val="140000"/>
-              </a:lnSpc>
-              <a:spcBef>
-                <a:spcPts val="0"/>
-              </a:spcBef>
-              <a:buClr>
-                <a:schemeClr val="accent1"/>
-              </a:buClr>
-              <a:buSzPct val="75000"/>
-              <a:buFont typeface="Wingdings" charset="2"/>
-              <a:buChar char="§"/>
-              <a:defRPr sz="1300" kern="1200">
-                <a:solidFill>
-                  <a:schemeClr val="tx1"/>
-                </a:solidFill>
-                <a:latin typeface="+mn-lt"/>
-                <a:ea typeface="+mn-ea"/>
-                <a:cs typeface="+mn-cs"/>
-              </a:defRPr>
-            </a:lvl1pPr>
-            <a:lvl2pPr marL="330200" indent="-165100" algn="l" defTabSz="914400" rtl="0" eaLnBrk="1" latinLnBrk="0" hangingPunct="1">
-              <a:lnSpc>
-                <a:spcPct val="140000"/>
-              </a:lnSpc>
-              <a:spcBef>
-                <a:spcPts val="0"/>
-              </a:spcBef>
-              <a:buClr>
-                <a:schemeClr val="bg2"/>
-              </a:buClr>
-              <a:buSzPct val="75000"/>
-              <a:buFont typeface="Wingdings" charset="2"/>
-              <a:buChar char="§"/>
-              <a:defRPr sz="1300" kern="1200">
-                <a:solidFill>
-                  <a:schemeClr val="tx1"/>
-                </a:solidFill>
-                <a:latin typeface="+mn-lt"/>
-                <a:ea typeface="+mn-ea"/>
-                <a:cs typeface="+mn-cs"/>
-              </a:defRPr>
-            </a:lvl2pPr>
-            <a:lvl3pPr marL="495300" indent="-165100" algn="l" defTabSz="914400" rtl="0" eaLnBrk="1" latinLnBrk="0" hangingPunct="1">
-              <a:lnSpc>
-                <a:spcPct val="140000"/>
-              </a:lnSpc>
-              <a:spcBef>
-                <a:spcPts val="0"/>
-              </a:spcBef>
-              <a:buClr>
-                <a:schemeClr val="bg2"/>
-              </a:buClr>
-              <a:buSzPct val="75000"/>
-              <a:buFont typeface="Wingdings" charset="2"/>
-              <a:buChar char="§"/>
-              <a:defRPr sz="1300" kern="1200">
-                <a:solidFill>
-                  <a:schemeClr val="tx1"/>
-                </a:solidFill>
-                <a:latin typeface="+mn-lt"/>
-                <a:ea typeface="+mn-ea"/>
-                <a:cs typeface="+mn-cs"/>
-              </a:defRPr>
-            </a:lvl3pPr>
-            <a:lvl4pPr marL="660400" indent="-165100" algn="l" defTabSz="914400" rtl="0" eaLnBrk="1" latinLnBrk="0" hangingPunct="1">
-              <a:lnSpc>
-                <a:spcPct val="140000"/>
-              </a:lnSpc>
-              <a:spcBef>
-                <a:spcPts val="0"/>
-              </a:spcBef>
-              <a:buClr>
-                <a:schemeClr val="bg2"/>
-              </a:buClr>
-              <a:buSzPct val="75000"/>
-              <a:buFont typeface="Wingdings" charset="2"/>
-              <a:buChar char="§"/>
-              <a:defRPr sz="1300" kern="1200">
-                <a:solidFill>
-                  <a:schemeClr val="tx1"/>
-                </a:solidFill>
-                <a:latin typeface="+mn-lt"/>
-                <a:ea typeface="+mn-ea"/>
-                <a:cs typeface="+mn-cs"/>
-              </a:defRPr>
-            </a:lvl4pPr>
-            <a:lvl5pPr marL="825500" indent="-165100" algn="l" defTabSz="914400" rtl="0" eaLnBrk="1" latinLnBrk="0" hangingPunct="1">
-              <a:lnSpc>
-                <a:spcPct val="140000"/>
-              </a:lnSpc>
-              <a:spcBef>
-                <a:spcPts val="0"/>
-              </a:spcBef>
-              <a:buClr>
-                <a:schemeClr val="bg2"/>
-              </a:buClr>
-              <a:buSzPct val="75000"/>
-              <a:buFont typeface="Wingdings" charset="2"/>
-              <a:buChar char="§"/>
-              <a:defRPr sz="1300" kern="1200">
-                <a:solidFill>
-                  <a:schemeClr val="tx1"/>
-                </a:solidFill>
-                <a:latin typeface="+mn-lt"/>
-                <a:ea typeface="+mn-ea"/>
-                <a:cs typeface="+mn-cs"/>
-              </a:defRPr>
-            </a:lvl5pPr>
-            <a:lvl6pPr marL="2514600" indent="-228600" algn="l" defTabSz="914400" rtl="0" eaLnBrk="1" latinLnBrk="0" hangingPunct="1">
-              <a:spcBef>
-                <a:spcPct val="20000"/>
-              </a:spcBef>
-              <a:buFont typeface="Arial" pitchFamily="34" charset="0"/>
-              <a:buChar char="•"/>
-              <a:defRPr sz="2000" kern="1200">
-                <a:solidFill>
-                  <a:schemeClr val="tx1"/>
-                </a:solidFill>
-                <a:latin typeface="+mn-lt"/>
-                <a:ea typeface="+mn-ea"/>
-                <a:cs typeface="+mn-cs"/>
-              </a:defRPr>
-            </a:lvl6pPr>
-            <a:lvl7pPr marL="2971800" indent="-228600" algn="l" defTabSz="914400" rtl="0" eaLnBrk="1" latinLnBrk="0" hangingPunct="1">
-              <a:spcBef>
-                <a:spcPct val="20000"/>
-              </a:spcBef>
-              <a:buFont typeface="Arial" pitchFamily="34" charset="0"/>
-              <a:buChar char="•"/>
-              <a:defRPr sz="2000" kern="1200">
-                <a:solidFill>
-                  <a:schemeClr val="tx1"/>
-                </a:solidFill>
-                <a:latin typeface="+mn-lt"/>
-                <a:ea typeface="+mn-ea"/>
-                <a:cs typeface="+mn-cs"/>
-              </a:defRPr>
-            </a:lvl7pPr>
-            <a:lvl8pPr marL="3429000" indent="-228600" algn="l" defTabSz="914400" rtl="0" eaLnBrk="1" latinLnBrk="0" hangingPunct="1">
-              <a:spcBef>
-                <a:spcPct val="20000"/>
-              </a:spcBef>
-              <a:buFont typeface="Arial" pitchFamily="34" charset="0"/>
-              <a:buChar char="•"/>
-              <a:defRPr sz="2000" kern="1200">
-                <a:solidFill>
-                  <a:schemeClr val="tx1"/>
-                </a:solidFill>
-                <a:latin typeface="+mn-lt"/>
-                <a:ea typeface="+mn-ea"/>
-                <a:cs typeface="+mn-cs"/>
-              </a:defRPr>
-            </a:lvl8pPr>
-            <a:lvl9pPr marL="3886200" indent="-228600" algn="l" defTabSz="914400" rtl="0" eaLnBrk="1" latinLnBrk="0" hangingPunct="1">
-              <a:spcBef>
-                <a:spcPct val="20000"/>
-              </a:spcBef>
-              <a:buFont typeface="Arial" pitchFamily="34" charset="0"/>
-              <a:buChar char="•"/>
-              <a:defRPr sz="2000" kern="1200">
-                <a:solidFill>
-                  <a:schemeClr val="tx1"/>
-                </a:solidFill>
-                <a:latin typeface="+mn-lt"/>
-                <a:ea typeface="+mn-ea"/>
-                <a:cs typeface="+mn-cs"/>
-              </a:defRPr>
-            </a:lvl9pPr>
-          </a:lstStyle>
-          <a:p>
-            <a:r>
-              <a:rPr lang="pl-PL" sz="2000" dirty="0" err="1"/>
-              <a:t>Runs</a:t>
-            </a:r>
-            <a:r>
-              <a:rPr lang="pl-PL" sz="2000" dirty="0"/>
-              <a:t> on </a:t>
-            </a:r>
-            <a:r>
-              <a:rPr lang="pl-PL" sz="2000" dirty="0" err="1"/>
-              <a:t>Hadoop</a:t>
-            </a:r>
-            <a:r>
-              <a:rPr lang="pl-PL" sz="2000" dirty="0"/>
-              <a:t> </a:t>
-            </a:r>
-            <a:r>
-              <a:rPr lang="pl-PL" sz="2000" dirty="0" err="1"/>
-              <a:t>clusters</a:t>
-            </a:r>
-            <a:endParaRPr lang="pl-PL" sz="2000" dirty="0"/>
-          </a:p>
-          <a:p>
-            <a:r>
-              <a:rPr lang="pl-PL" sz="2000" dirty="0" err="1"/>
-              <a:t>Can</a:t>
-            </a:r>
-            <a:r>
-              <a:rPr lang="pl-PL" sz="2000" dirty="0"/>
-              <a:t> </a:t>
-            </a:r>
-            <a:r>
-              <a:rPr lang="pl-PL" sz="2000" dirty="0" err="1"/>
-              <a:t>read</a:t>
-            </a:r>
-            <a:r>
-              <a:rPr lang="pl-PL" sz="2000" dirty="0"/>
-              <a:t> HDFS and </a:t>
-            </a:r>
-            <a:r>
-              <a:rPr lang="pl-PL" sz="2000" dirty="0" err="1"/>
-              <a:t>Hbase</a:t>
-            </a:r>
-            <a:r>
-              <a:rPr lang="pl-PL" sz="2000" dirty="0"/>
-              <a:t>, </a:t>
-            </a:r>
-            <a:r>
-              <a:rPr lang="pl-PL" sz="2000" dirty="0" err="1"/>
-              <a:t>integrate</a:t>
-            </a:r>
-            <a:r>
-              <a:rPr lang="pl-PL" sz="2000" dirty="0"/>
-              <a:t> </a:t>
-            </a:r>
-            <a:r>
-              <a:rPr lang="pl-PL" sz="2000" dirty="0" err="1"/>
-              <a:t>nicely</a:t>
-            </a:r>
-            <a:r>
-              <a:rPr lang="pl-PL" sz="2000" dirty="0"/>
-              <a:t> with </a:t>
-            </a:r>
-            <a:r>
-              <a:rPr lang="pl-PL" sz="2000" dirty="0" err="1"/>
-              <a:t>noSQL</a:t>
-            </a:r>
-            <a:endParaRPr lang="pl-PL" sz="2000" dirty="0"/>
-          </a:p>
-          <a:p>
-            <a:r>
-              <a:rPr lang="pl-PL" sz="2000" dirty="0" err="1"/>
-              <a:t>Supports</a:t>
-            </a:r>
-            <a:r>
-              <a:rPr lang="pl-PL" sz="2000" dirty="0"/>
-              <a:t> </a:t>
-            </a:r>
-            <a:r>
-              <a:rPr lang="pl-PL" sz="2000" dirty="0" err="1"/>
-              <a:t>multiple</a:t>
-            </a:r>
-            <a:r>
-              <a:rPr lang="pl-PL" sz="2000" dirty="0"/>
-              <a:t> data </a:t>
-            </a:r>
-            <a:r>
-              <a:rPr lang="pl-PL" sz="2000" dirty="0" err="1"/>
-              <a:t>formats</a:t>
-            </a:r>
-            <a:r>
-              <a:rPr lang="pl-PL" sz="2000" dirty="0"/>
-              <a:t>, </a:t>
-            </a:r>
-            <a:r>
-              <a:rPr lang="pl-PL" sz="2000" dirty="0" err="1"/>
-              <a:t>starting</a:t>
-            </a:r>
-            <a:r>
-              <a:rPr lang="pl-PL" sz="2000" dirty="0"/>
-              <a:t> from CSV to </a:t>
-            </a:r>
-            <a:r>
-              <a:rPr lang="pl-PL" sz="2000" dirty="0" err="1"/>
-              <a:t>Avro</a:t>
-            </a:r>
-            <a:r>
-              <a:rPr lang="pl-PL" sz="2000" dirty="0"/>
-              <a:t> and </a:t>
-            </a:r>
-            <a:r>
-              <a:rPr lang="pl-PL" sz="2000" dirty="0" err="1"/>
-              <a:t>Parquet</a:t>
-            </a:r>
-            <a:endParaRPr lang="pl-PL" sz="2000" dirty="0"/>
-          </a:p>
-          <a:p>
-            <a:r>
-              <a:rPr lang="en-US" sz="2000" dirty="0"/>
-              <a:t>Deployed on </a:t>
-            </a:r>
-            <a:r>
-              <a:rPr lang="pl-PL" sz="2000" dirty="0"/>
-              <a:t>YARN/</a:t>
-            </a:r>
-            <a:r>
-              <a:rPr lang="en-US" sz="2000" dirty="0"/>
-              <a:t>Mesos</a:t>
-            </a:r>
-            <a:r>
-              <a:rPr lang="pl-PL" sz="2000" dirty="0"/>
-              <a:t> and </a:t>
-            </a:r>
-            <a:r>
-              <a:rPr lang="en-US" sz="2000" dirty="0"/>
-              <a:t>Docker</a:t>
-            </a:r>
-            <a:r>
-              <a:rPr lang="pl-PL" sz="2000" dirty="0"/>
-              <a:t>/</a:t>
-            </a:r>
-            <a:r>
-              <a:rPr lang="pl-PL" sz="2000" dirty="0" err="1"/>
-              <a:t>Kubernetes</a:t>
-            </a:r>
-            <a:r>
-              <a:rPr lang="en-US" sz="2000" dirty="0"/>
-              <a:t> across AWS and Azure</a:t>
-            </a:r>
-            <a:endParaRPr lang="pl-PL" sz="2000" dirty="0"/>
-          </a:p>
-          <a:p>
-            <a:r>
-              <a:rPr lang="pl-PL" sz="2000" dirty="0" err="1"/>
-              <a:t>Can</a:t>
-            </a:r>
-            <a:r>
-              <a:rPr lang="pl-PL" sz="2000" dirty="0"/>
-              <a:t> be </a:t>
-            </a:r>
-            <a:r>
-              <a:rPr lang="pl-PL" sz="2000" dirty="0" err="1"/>
-              <a:t>hosted</a:t>
-            </a:r>
-            <a:r>
-              <a:rPr lang="pl-PL" sz="2000" dirty="0"/>
-              <a:t> on Linux and Win in </a:t>
-            </a:r>
-            <a:r>
-              <a:rPr lang="pl-PL" sz="2000" dirty="0" err="1"/>
-              <a:t>standalone</a:t>
-            </a:r>
-            <a:r>
-              <a:rPr lang="pl-PL" sz="2000" dirty="0"/>
-              <a:t> </a:t>
-            </a:r>
-            <a:r>
-              <a:rPr lang="pl-PL" sz="2000" dirty="0" err="1"/>
-              <a:t>mode</a:t>
-            </a:r>
-            <a:r>
-              <a:rPr lang="pl-PL" sz="2000" dirty="0"/>
-              <a:t> (</a:t>
-            </a:r>
-            <a:r>
-              <a:rPr lang="pl-PL" sz="2000" dirty="0" err="1"/>
-              <a:t>e.g</a:t>
-            </a:r>
-            <a:r>
-              <a:rPr lang="pl-PL" sz="2000" dirty="0"/>
-              <a:t> for </a:t>
-            </a:r>
-            <a:r>
-              <a:rPr lang="pl-PL" sz="2000" dirty="0" err="1"/>
-              <a:t>dev</a:t>
-            </a:r>
-            <a:r>
-              <a:rPr lang="pl-PL" sz="2000" dirty="0"/>
-              <a:t> </a:t>
-            </a:r>
-            <a:r>
-              <a:rPr lang="pl-PL" sz="2000" dirty="0" err="1"/>
-              <a:t>purposes</a:t>
-            </a:r>
-            <a:r>
-              <a:rPr lang="pl-PL" sz="2000" dirty="0"/>
-              <a:t>)</a:t>
-            </a:r>
-          </a:p>
-          <a:p>
-            <a:endParaRPr lang="pl-PL" sz="2000" dirty="0"/>
-          </a:p>
-          <a:p>
-            <a:endParaRPr lang="pl-PL" sz="2000" dirty="0"/>
-          </a:p>
-        </p:txBody>
-      </p:sp>
-      <p:sp>
-        <p:nvSpPr>
-          <p:cNvPr id="7" name="TextBox 6"/>
-          <p:cNvSpPr txBox="1"/>
-          <p:nvPr/>
-        </p:nvSpPr>
-        <p:spPr>
-          <a:xfrm>
-            <a:off x="8859520" y="1198880"/>
-            <a:ext cx="914400" cy="914400"/>
-          </a:xfrm>
-          <a:prstGeom prst="rect">
-            <a:avLst/>
-          </a:prstGeom>
-          <a:noFill/>
-        </p:spPr>
-        <p:txBody>
-          <a:bodyPr wrap="none" lIns="0" tIns="0" rIns="0" bIns="0" rtlCol="0">
-            <a:noAutofit/>
-          </a:bodyPr>
-          <a:lstStyle/>
-          <a:p>
-            <a:pPr>
-              <a:lnSpc>
-                <a:spcPct val="140000"/>
-              </a:lnSpc>
-            </a:pPr>
-            <a:endParaRPr lang="en-US" dirty="0" err="1">
-              <a:solidFill>
-                <a:schemeClr val="tx1"/>
-              </a:solidFill>
-            </a:endParaRPr>
-          </a:p>
-        </p:txBody>
-      </p:sp>
-      <p:sp>
-        <p:nvSpPr>
-          <p:cNvPr id="11" name="TextBox 10"/>
-          <p:cNvSpPr txBox="1"/>
-          <p:nvPr/>
-        </p:nvSpPr>
-        <p:spPr>
-          <a:xfrm>
-            <a:off x="8524240" y="975360"/>
-            <a:ext cx="914400" cy="914400"/>
-          </a:xfrm>
-          <a:prstGeom prst="rect">
-            <a:avLst/>
-          </a:prstGeom>
-          <a:noFill/>
-        </p:spPr>
-        <p:txBody>
-          <a:bodyPr wrap="none" lIns="0" tIns="0" rIns="0" bIns="0" rtlCol="0">
-            <a:noAutofit/>
-          </a:bodyPr>
-          <a:lstStyle/>
-          <a:p>
-            <a:pPr>
-              <a:lnSpc>
-                <a:spcPct val="140000"/>
-              </a:lnSpc>
-            </a:pPr>
-            <a:endParaRPr lang="en-US" dirty="0" err="1">
-              <a:solidFill>
-                <a:schemeClr val="tx1"/>
-              </a:solidFill>
-            </a:endParaRPr>
-          </a:p>
-        </p:txBody>
-      </p:sp>
-      <p:pic>
-        <p:nvPicPr>
-          <p:cNvPr id="5122" name="Picture 2" descr="https://spark.apache.org/images/spark-runs-everywhere.png">
-            <a:extLst>
-              <a:ext uri="{FF2B5EF4-FFF2-40B4-BE49-F238E27FC236}">
-                <a16:creationId xmlns:a16="http://schemas.microsoft.com/office/drawing/2014/main" id="{253339E8-24D2-409C-A5E7-EFD28F4FE520}"/>
-              </a:ext>
-            </a:extLst>
-          </p:cNvPr>
-          <p:cNvPicPr>
-            <a:picLocks noChangeAspect="1" noChangeArrowheads="1"/>
-          </p:cNvPicPr>
-          <p:nvPr/>
-        </p:nvPicPr>
-        <p:blipFill>
-          <a:blip r:embed="rId2">
-            <a:extLst>
-              <a:ext uri="{28A0092B-C50C-407E-A947-70E740481C1C}">
-                <a14:useLocalDpi xmlns:a14="http://schemas.microsoft.com/office/drawing/2010/main" val="0"/>
-              </a:ext>
-            </a:extLst>
-          </a:blip>
-          <a:srcRect/>
-          <a:stretch>
-            <a:fillRect/>
-          </a:stretch>
-        </p:blipFill>
-        <p:spPr bwMode="auto">
-          <a:xfrm>
-            <a:off x="355960" y="1071383"/>
-            <a:ext cx="2991904" cy="3156551"/>
-          </a:xfrm>
-          <a:prstGeom prst="rect">
-            <a:avLst/>
-          </a:prstGeom>
-          <a:noFill/>
-          <a:extLst>
-            <a:ext uri="{909E8E84-426E-40DD-AFC4-6F175D3DCCD1}">
-              <a14:hiddenFill xmlns:a14="http://schemas.microsoft.com/office/drawing/2010/main">
-                <a:solidFill>
-                  <a:srgbClr val="FFFFFF"/>
-                </a:solidFill>
-              </a14:hiddenFill>
-            </a:ext>
-          </a:extLst>
-        </p:spPr>
-      </p:pic>
-    </p:spTree>
-    <p:extLst>
-      <p:ext uri="{BB962C8B-B14F-4D97-AF65-F5344CB8AC3E}">
-        <p14:creationId xmlns:p14="http://schemas.microsoft.com/office/powerpoint/2010/main" val="72280921"/>
-      </p:ext>
-    </p:extLst>
-  </p:cSld>
-  <p:clrMapOvr>
-    <a:masterClrMapping/>
-  </p:clrMapOvr>
-</p:sld>
-</file>
-
-<file path=ppt/slides/slide8.xml><?xml version="1.0" encoding="utf-8"?>
-<p:sld xmlns:a="http://schemas.openxmlformats.org/drawingml/2006/main" xmlns:r="http://schemas.openxmlformats.org/officeDocument/2006/relationships" xmlns:p="http://schemas.openxmlformats.org/presentationml/2006/main">
-  <p:cSld>
-    <p:spTree>
-      <p:nvGrpSpPr>
-        <p:cNvPr id="1" name=""/>
-        <p:cNvGrpSpPr/>
-        <p:nvPr/>
-      </p:nvGrpSpPr>
-      <p:grpSpPr>
-        <a:xfrm>
-          <a:off x="0" y="0"/>
-          <a:ext cx="0" cy="0"/>
-          <a:chOff x="0" y="0"/>
-          <a:chExt cx="0" cy="0"/>
-        </a:xfrm>
-      </p:grpSpPr>
-      <p:sp>
-        <p:nvSpPr>
-          <p:cNvPr id="2" name="Title 1"/>
-          <p:cNvSpPr>
-            <a:spLocks noGrp="1"/>
-          </p:cNvSpPr>
-          <p:nvPr>
-            <p:ph type="title"/>
-          </p:nvPr>
-        </p:nvSpPr>
-        <p:spPr>
-          <a:xfrm>
-            <a:off x="755650" y="413693"/>
-            <a:ext cx="7632700" cy="357857"/>
-          </a:xfrm>
-        </p:spPr>
-        <p:txBody>
-          <a:bodyPr/>
-          <a:lstStyle/>
-          <a:p>
-            <a:r>
-              <a:rPr lang="pl-PL" dirty="0" err="1"/>
-              <a:t>Generality</a:t>
-            </a:r>
-            <a:endParaRPr lang="pl-PL" dirty="0"/>
-          </a:p>
-        </p:txBody>
-      </p:sp>
-      <p:sp>
-        <p:nvSpPr>
-          <p:cNvPr id="3" name="Footer Placeholder 2"/>
-          <p:cNvSpPr>
-            <a:spLocks noGrp="1"/>
-          </p:cNvSpPr>
-          <p:nvPr>
-            <p:ph type="ftr" sz="quarter" idx="16"/>
-          </p:nvPr>
-        </p:nvSpPr>
-        <p:spPr/>
-        <p:txBody>
-          <a:bodyPr/>
-          <a:lstStyle/>
-          <a:p>
-            <a:endParaRPr lang="pl-PL" dirty="0"/>
-          </a:p>
-        </p:txBody>
-      </p:sp>
-      <p:sp>
-        <p:nvSpPr>
-          <p:cNvPr id="4" name="Date Placeholder 3"/>
-          <p:cNvSpPr>
-            <a:spLocks noGrp="1"/>
-          </p:cNvSpPr>
-          <p:nvPr>
-            <p:ph type="dt" sz="half" idx="15"/>
-          </p:nvPr>
-        </p:nvSpPr>
-        <p:spPr/>
-        <p:txBody>
-          <a:bodyPr/>
-          <a:lstStyle/>
-          <a:p>
-            <a:endParaRPr lang="pl-PL" dirty="0"/>
-          </a:p>
-        </p:txBody>
-      </p:sp>
-      <p:sp>
-        <p:nvSpPr>
-          <p:cNvPr id="7" name="TextBox 6"/>
-          <p:cNvSpPr txBox="1"/>
-          <p:nvPr/>
-        </p:nvSpPr>
-        <p:spPr>
-          <a:xfrm>
-            <a:off x="8859520" y="1198880"/>
-            <a:ext cx="914400" cy="914400"/>
-          </a:xfrm>
-          <a:prstGeom prst="rect">
-            <a:avLst/>
-          </a:prstGeom>
-          <a:noFill/>
-        </p:spPr>
-        <p:txBody>
-          <a:bodyPr wrap="none" lIns="0" tIns="0" rIns="0" bIns="0" rtlCol="0">
-            <a:noAutofit/>
-          </a:bodyPr>
-          <a:lstStyle/>
-          <a:p>
-            <a:pPr>
-              <a:lnSpc>
-                <a:spcPct val="140000"/>
-              </a:lnSpc>
-            </a:pPr>
-            <a:endParaRPr lang="en-US" dirty="0" err="1">
-              <a:solidFill>
-                <a:schemeClr val="tx1"/>
-              </a:solidFill>
-            </a:endParaRPr>
-          </a:p>
-        </p:txBody>
-      </p:sp>
-      <p:sp>
-        <p:nvSpPr>
-          <p:cNvPr id="11" name="TextBox 10"/>
-          <p:cNvSpPr txBox="1"/>
-          <p:nvPr/>
-        </p:nvSpPr>
-        <p:spPr>
-          <a:xfrm>
-            <a:off x="8524240" y="975360"/>
-            <a:ext cx="914400" cy="914400"/>
-          </a:xfrm>
-          <a:prstGeom prst="rect">
-            <a:avLst/>
-          </a:prstGeom>
-          <a:noFill/>
-        </p:spPr>
-        <p:txBody>
-          <a:bodyPr wrap="none" lIns="0" tIns="0" rIns="0" bIns="0" rtlCol="0">
-            <a:noAutofit/>
-          </a:bodyPr>
-          <a:lstStyle/>
-          <a:p>
-            <a:pPr>
-              <a:lnSpc>
-                <a:spcPct val="140000"/>
-              </a:lnSpc>
-            </a:pPr>
-            <a:endParaRPr lang="en-US" dirty="0" err="1">
-              <a:solidFill>
-                <a:schemeClr val="tx1"/>
-              </a:solidFill>
-            </a:endParaRPr>
-          </a:p>
-        </p:txBody>
-      </p:sp>
-      <p:pic>
-        <p:nvPicPr>
-          <p:cNvPr id="5" name="Picture 4">
-            <a:extLst>
-              <a:ext uri="{FF2B5EF4-FFF2-40B4-BE49-F238E27FC236}">
-                <a16:creationId xmlns:a16="http://schemas.microsoft.com/office/drawing/2014/main" id="{8A46501B-7203-4C5E-B187-C4BF90279956}"/>
-              </a:ext>
-            </a:extLst>
-          </p:cNvPr>
-          <p:cNvPicPr>
-            <a:picLocks noChangeAspect="1"/>
-          </p:cNvPicPr>
-          <p:nvPr/>
-        </p:nvPicPr>
-        <p:blipFill>
-          <a:blip r:embed="rId2"/>
-          <a:stretch>
-            <a:fillRect/>
-          </a:stretch>
-        </p:blipFill>
-        <p:spPr>
-          <a:xfrm>
-            <a:off x="2661405" y="1563638"/>
-            <a:ext cx="3960440" cy="1865976"/>
-          </a:xfrm>
-          <a:prstGeom prst="rect">
-            <a:avLst/>
-          </a:prstGeom>
-        </p:spPr>
-      </p:pic>
-    </p:spTree>
-    <p:extLst>
-      <p:ext uri="{BB962C8B-B14F-4D97-AF65-F5344CB8AC3E}">
-        <p14:creationId xmlns:p14="http://schemas.microsoft.com/office/powerpoint/2010/main" val="1049252869"/>
-      </p:ext>
-    </p:extLst>
-  </p:cSld>
-  <p:clrMapOvr>
-    <a:masterClrMapping/>
-  </p:clrMapOvr>
-</p:sld>
-</file>
-
-<file path=ppt/slides/slide9.xml><?xml version="1.0" encoding="utf-8"?>
-<p:sld xmlns:a="http://schemas.openxmlformats.org/drawingml/2006/main" xmlns:r="http://schemas.openxmlformats.org/officeDocument/2006/relationships" xmlns:p="http://schemas.openxmlformats.org/presentationml/2006/main">
-  <p:cSld>
-    <p:spTree>
-      <p:nvGrpSpPr>
-        <p:cNvPr id="1" name=""/>
-        <p:cNvGrpSpPr/>
-        <p:nvPr/>
-      </p:nvGrpSpPr>
-      <p:grpSpPr>
-        <a:xfrm>
-          <a:off x="0" y="0"/>
-          <a:ext cx="0" cy="0"/>
-          <a:chOff x="0" y="0"/>
-          <a:chExt cx="0" cy="0"/>
-        </a:xfrm>
-      </p:grpSpPr>
-      <p:sp>
-        <p:nvSpPr>
-          <p:cNvPr id="2" name="Title 1"/>
-          <p:cNvSpPr>
-            <a:spLocks noGrp="1"/>
-          </p:cNvSpPr>
-          <p:nvPr>
-            <p:ph type="title"/>
-          </p:nvPr>
-        </p:nvSpPr>
-        <p:spPr>
-          <a:xfrm>
-            <a:off x="755650" y="413693"/>
-            <a:ext cx="7632700" cy="357857"/>
-          </a:xfrm>
-        </p:spPr>
-        <p:txBody>
-          <a:bodyPr/>
-          <a:lstStyle/>
-          <a:p>
-            <a:endParaRPr lang="pl-PL" dirty="0"/>
-          </a:p>
-        </p:txBody>
-      </p:sp>
-      <p:sp>
-        <p:nvSpPr>
-          <p:cNvPr id="3" name="Footer Placeholder 2"/>
-          <p:cNvSpPr>
-            <a:spLocks noGrp="1"/>
-          </p:cNvSpPr>
-          <p:nvPr>
-            <p:ph type="ftr" sz="quarter" idx="16"/>
-          </p:nvPr>
-        </p:nvSpPr>
-        <p:spPr/>
-        <p:txBody>
-          <a:bodyPr/>
-          <a:lstStyle/>
-          <a:p>
-            <a:endParaRPr lang="pl-PL" dirty="0"/>
-          </a:p>
-        </p:txBody>
-      </p:sp>
-      <p:sp>
-        <p:nvSpPr>
-          <p:cNvPr id="4" name="Date Placeholder 3"/>
-          <p:cNvSpPr>
-            <a:spLocks noGrp="1"/>
-          </p:cNvSpPr>
-          <p:nvPr>
-            <p:ph type="dt" sz="half" idx="15"/>
-          </p:nvPr>
-        </p:nvSpPr>
-        <p:spPr/>
-        <p:txBody>
-          <a:bodyPr/>
-          <a:lstStyle/>
-          <a:p>
-            <a:endParaRPr lang="pl-PL" dirty="0"/>
-          </a:p>
-        </p:txBody>
-      </p:sp>
-    </p:spTree>
-    <p:extLst>
-      <p:ext uri="{BB962C8B-B14F-4D97-AF65-F5344CB8AC3E}">
-        <p14:creationId xmlns:p14="http://schemas.microsoft.com/office/powerpoint/2010/main" val="3876043310"/>
       </p:ext>
     </p:extLst>
   </p:cSld>

--- a/src/main/resources/slides.pptx
+++ b/src/main/resources/slides.pptx
@@ -5,10 +5,10 @@
     <p:sldMasterId id="2147483684" r:id="rId5"/>
   </p:sldMasterIdLst>
   <p:notesMasterIdLst>
-    <p:notesMasterId r:id="rId21"/>
+    <p:notesMasterId r:id="rId23"/>
   </p:notesMasterIdLst>
   <p:handoutMasterIdLst>
-    <p:handoutMasterId r:id="rId22"/>
+    <p:handoutMasterId r:id="rId24"/>
   </p:handoutMasterIdLst>
   <p:sldIdLst>
     <p:sldId id="258" r:id="rId6"/>
@@ -22,10 +22,12 @@
     <p:sldId id="279" r:id="rId14"/>
     <p:sldId id="283" r:id="rId15"/>
     <p:sldId id="285" r:id="rId16"/>
-    <p:sldId id="280" r:id="rId17"/>
-    <p:sldId id="274" r:id="rId18"/>
-    <p:sldId id="275" r:id="rId19"/>
-    <p:sldId id="272" r:id="rId20"/>
+    <p:sldId id="286" r:id="rId17"/>
+    <p:sldId id="287" r:id="rId18"/>
+    <p:sldId id="288" r:id="rId19"/>
+    <p:sldId id="289" r:id="rId20"/>
+    <p:sldId id="290" r:id="rId21"/>
+    <p:sldId id="275" r:id="rId22"/>
   </p:sldIdLst>
   <p:sldSz cx="9144000" cy="5143500" type="screen16x9"/>
   <p:notesSz cx="6858000" cy="9144000"/>
@@ -278,7 +280,7 @@
           <a:p>
             <a:fld id="{D767EAEA-49F6-47D1-81B5-6AE13276E2F7}" type="datetimeFigureOut">
               <a:rPr lang="pl-PL" smtClean="0"/>
-              <a:t>21.01.2019</a:t>
+              <a:t>22.01.2019</a:t>
             </a:fld>
             <a:endParaRPr lang="pl-PL"/>
           </a:p>
@@ -447,7 +449,7 @@
           <a:p>
             <a:fld id="{153FA37D-DE2B-47E9-A168-88AE1559A114}" type="datetimeFigureOut">
               <a:rPr lang="pl-PL" smtClean="0"/>
-              <a:t>21.01.2019</a:t>
+              <a:t>22.01.2019</a:t>
             </a:fld>
             <a:endParaRPr lang="pl-PL"/>
           </a:p>
@@ -828,6 +830,564 @@
 </p:notes>
 </file>
 
+<file path=ppt/notesSlides/notesSlide10.xml><?xml version="1.0" encoding="utf-8"?>
+<p:notes xmlns:a="http://schemas.openxmlformats.org/drawingml/2006/main" xmlns:r="http://schemas.openxmlformats.org/officeDocument/2006/relationships" xmlns:p="http://schemas.openxmlformats.org/presentationml/2006/main">
+  <p:cSld>
+    <p:spTree>
+      <p:nvGrpSpPr>
+        <p:cNvPr id="1" name=""/>
+        <p:cNvGrpSpPr/>
+        <p:nvPr/>
+      </p:nvGrpSpPr>
+      <p:grpSpPr>
+        <a:xfrm>
+          <a:off x="0" y="0"/>
+          <a:ext cx="0" cy="0"/>
+          <a:chOff x="0" y="0"/>
+          <a:chExt cx="0" cy="0"/>
+        </a:xfrm>
+      </p:grpSpPr>
+      <p:sp>
+        <p:nvSpPr>
+          <p:cNvPr id="2" name="Slide Image Placeholder 1"/>
+          <p:cNvSpPr>
+            <a:spLocks noGrp="1" noRot="1" noChangeAspect="1"/>
+          </p:cNvSpPr>
+          <p:nvPr>
+            <p:ph type="sldImg"/>
+          </p:nvPr>
+        </p:nvSpPr>
+        <p:spPr/>
+      </p:sp>
+      <p:sp>
+        <p:nvSpPr>
+          <p:cNvPr id="3" name="Notes Placeholder 2"/>
+          <p:cNvSpPr>
+            <a:spLocks noGrp="1"/>
+          </p:cNvSpPr>
+          <p:nvPr>
+            <p:ph type="body" idx="1"/>
+          </p:nvPr>
+        </p:nvSpPr>
+        <p:spPr/>
+        <p:txBody>
+          <a:bodyPr/>
+          <a:lstStyle/>
+          <a:p>
+            <a:r>
+              <a:rPr lang="en-US" dirty="0"/>
+              <a:t>Why Not Scala?</a:t>
+            </a:r>
+          </a:p>
+          <a:p>
+            <a:r>
+              <a:rPr lang="en-US" dirty="0"/>
+              <a:t>Scala isn't perfect. There are two disadvantages compared to Python and R:</a:t>
+            </a:r>
+          </a:p>
+          <a:p>
+            <a:pPr marL="171450" indent="-171450">
+              <a:buFont typeface="Arial" panose="020B0604020202020204" pitchFamily="34" charset="0"/>
+              <a:buChar char="•"/>
+            </a:pPr>
+            <a:r>
+              <a:rPr lang="en-US" dirty="0"/>
+              <a:t>Libraries</a:t>
+            </a:r>
+            <a:r>
+              <a:rPr lang="pl-PL" dirty="0"/>
+              <a:t> - </a:t>
+            </a:r>
+            <a:r>
+              <a:rPr lang="en-US" dirty="0"/>
+              <a:t>Python </a:t>
+            </a:r>
+            <a:r>
+              <a:rPr lang="pl-PL" dirty="0"/>
+              <a:t>i</a:t>
+            </a:r>
+            <a:r>
+              <a:rPr lang="en-US" dirty="0"/>
+              <a:t> R </a:t>
+            </a:r>
+            <a:r>
+              <a:rPr lang="pl-PL" dirty="0"/>
+              <a:t> posiada bogaty </a:t>
+            </a:r>
+            <a:r>
+              <a:rPr lang="pl-PL" dirty="0" err="1"/>
+              <a:t>echosytem</a:t>
+            </a:r>
+            <a:r>
+              <a:rPr lang="pl-PL" dirty="0"/>
+              <a:t> bibliotek i duże </a:t>
+            </a:r>
+            <a:r>
+              <a:rPr lang="pl-PL" dirty="0" err="1"/>
+              <a:t>community</a:t>
+            </a:r>
+            <a:r>
+              <a:rPr lang="pl-PL" dirty="0"/>
+              <a:t>. Scala stara się gonić </a:t>
+            </a:r>
+            <a:r>
+              <a:rPr lang="pl-PL" dirty="0" err="1"/>
+              <a:t>Pythona</a:t>
+            </a:r>
+            <a:r>
+              <a:rPr lang="pl-PL" dirty="0"/>
+              <a:t>, ale to jak z analogią psa i uciekającego </a:t>
+            </a:r>
+            <a:r>
+              <a:rPr lang="pl-PL" dirty="0" err="1"/>
+              <a:t>któlika</a:t>
+            </a:r>
+            <a:r>
+              <a:rPr lang="pl-PL" dirty="0"/>
+              <a:t>. </a:t>
+            </a:r>
+          </a:p>
+          <a:p>
+            <a:pPr marL="171450" indent="-171450">
+              <a:buFont typeface="Arial" panose="020B0604020202020204" pitchFamily="34" charset="0"/>
+              <a:buChar char="•"/>
+            </a:pPr>
+            <a:r>
+              <a:rPr lang="en-US" dirty="0"/>
+              <a:t>Advanced Language Features:</a:t>
+            </a:r>
+            <a:r>
+              <a:rPr lang="pl-PL" dirty="0"/>
+              <a:t> - opanowanie API Scali to nie </a:t>
+            </a:r>
+            <a:r>
+              <a:rPr lang="pl-PL" dirty="0" err="1"/>
+              <a:t>laday</a:t>
+            </a:r>
+            <a:r>
+              <a:rPr lang="pl-PL" dirty="0"/>
+              <a:t> wyczyn. Jeśli jednak nie rozumiesz jak działa bardziej wyszukane konstrukcje jak </a:t>
+            </a:r>
+            <a:r>
+              <a:rPr lang="pl-PL" dirty="0" err="1"/>
+              <a:t>patter</a:t>
+            </a:r>
+            <a:r>
+              <a:rPr lang="pl-PL" dirty="0"/>
+              <a:t> </a:t>
+            </a:r>
+            <a:r>
+              <a:rPr lang="pl-PL" dirty="0" err="1"/>
+              <a:t>matching</a:t>
+            </a:r>
+            <a:r>
+              <a:rPr lang="pl-PL" dirty="0"/>
+              <a:t>, </a:t>
+            </a:r>
+            <a:r>
+              <a:rPr lang="pl-PL" dirty="0" err="1"/>
+              <a:t>implicits</a:t>
+            </a:r>
+            <a:r>
+              <a:rPr lang="pl-PL" dirty="0"/>
+              <a:t>, można się </a:t>
+            </a:r>
+            <a:r>
+              <a:rPr lang="pl-PL" dirty="0" err="1"/>
+              <a:t>zfrsutrować</a:t>
+            </a:r>
+            <a:r>
+              <a:rPr lang="pl-PL" dirty="0"/>
+              <a:t>. Całe szczęście Spark ukrywa większość zaawansowanych konstrukcji Scali przed nami.</a:t>
+            </a:r>
+          </a:p>
+        </p:txBody>
+      </p:sp>
+    </p:spTree>
+    <p:extLst>
+      <p:ext uri="{BB962C8B-B14F-4D97-AF65-F5344CB8AC3E}">
+        <p14:creationId xmlns:p14="http://schemas.microsoft.com/office/powerpoint/2010/main" val="1147915891"/>
+      </p:ext>
+    </p:extLst>
+  </p:cSld>
+  <p:clrMapOvr>
+    <a:masterClrMapping/>
+  </p:clrMapOvr>
+</p:notes>
+</file>
+
+<file path=ppt/notesSlides/notesSlide11.xml><?xml version="1.0" encoding="utf-8"?>
+<p:notes xmlns:a="http://schemas.openxmlformats.org/drawingml/2006/main" xmlns:r="http://schemas.openxmlformats.org/officeDocument/2006/relationships" xmlns:p="http://schemas.openxmlformats.org/presentationml/2006/main">
+  <p:cSld>
+    <p:spTree>
+      <p:nvGrpSpPr>
+        <p:cNvPr id="1" name=""/>
+        <p:cNvGrpSpPr/>
+        <p:nvPr/>
+      </p:nvGrpSpPr>
+      <p:grpSpPr>
+        <a:xfrm>
+          <a:off x="0" y="0"/>
+          <a:ext cx="0" cy="0"/>
+          <a:chOff x="0" y="0"/>
+          <a:chExt cx="0" cy="0"/>
+        </a:xfrm>
+      </p:grpSpPr>
+      <p:sp>
+        <p:nvSpPr>
+          <p:cNvPr id="2" name="Slide Image Placeholder 1"/>
+          <p:cNvSpPr>
+            <a:spLocks noGrp="1" noRot="1" noChangeAspect="1"/>
+          </p:cNvSpPr>
+          <p:nvPr>
+            <p:ph type="sldImg"/>
+          </p:nvPr>
+        </p:nvSpPr>
+        <p:spPr/>
+      </p:sp>
+      <p:sp>
+        <p:nvSpPr>
+          <p:cNvPr id="3" name="Notes Placeholder 2"/>
+          <p:cNvSpPr>
+            <a:spLocks noGrp="1"/>
+          </p:cNvSpPr>
+          <p:nvPr>
+            <p:ph type="body" idx="1"/>
+          </p:nvPr>
+        </p:nvSpPr>
+        <p:spPr/>
+        <p:txBody>
+          <a:bodyPr/>
+          <a:lstStyle/>
+          <a:p>
+            <a:r>
+              <a:rPr lang="en-US" dirty="0"/>
+              <a:t>Why Not Scala?</a:t>
+            </a:r>
+          </a:p>
+          <a:p>
+            <a:r>
+              <a:rPr lang="en-US" dirty="0"/>
+              <a:t>Scala isn't perfect. There are two disadvantages compared to Python and R:</a:t>
+            </a:r>
+          </a:p>
+          <a:p>
+            <a:pPr marL="171450" indent="-171450">
+              <a:buFont typeface="Arial" panose="020B0604020202020204" pitchFamily="34" charset="0"/>
+              <a:buChar char="•"/>
+            </a:pPr>
+            <a:r>
+              <a:rPr lang="en-US" dirty="0"/>
+              <a:t>Libraries</a:t>
+            </a:r>
+            <a:r>
+              <a:rPr lang="pl-PL" dirty="0"/>
+              <a:t> - </a:t>
+            </a:r>
+            <a:r>
+              <a:rPr lang="en-US" dirty="0"/>
+              <a:t>Python </a:t>
+            </a:r>
+            <a:r>
+              <a:rPr lang="pl-PL" dirty="0"/>
+              <a:t>i</a:t>
+            </a:r>
+            <a:r>
+              <a:rPr lang="en-US" dirty="0"/>
+              <a:t> R </a:t>
+            </a:r>
+            <a:r>
+              <a:rPr lang="pl-PL" dirty="0"/>
+              <a:t> posiada bogaty </a:t>
+            </a:r>
+            <a:r>
+              <a:rPr lang="pl-PL" dirty="0" err="1"/>
+              <a:t>echosytem</a:t>
+            </a:r>
+            <a:r>
+              <a:rPr lang="pl-PL" dirty="0"/>
+              <a:t> bibliotek i duże </a:t>
+            </a:r>
+            <a:r>
+              <a:rPr lang="pl-PL" dirty="0" err="1"/>
+              <a:t>community</a:t>
+            </a:r>
+            <a:r>
+              <a:rPr lang="pl-PL" dirty="0"/>
+              <a:t>. Scala stara się gonić </a:t>
+            </a:r>
+            <a:r>
+              <a:rPr lang="pl-PL" dirty="0" err="1"/>
+              <a:t>Pythona</a:t>
+            </a:r>
+            <a:r>
+              <a:rPr lang="pl-PL" dirty="0"/>
+              <a:t>, ale to jak z analogią psa i uciekającego </a:t>
+            </a:r>
+            <a:r>
+              <a:rPr lang="pl-PL" dirty="0" err="1"/>
+              <a:t>któlika</a:t>
+            </a:r>
+            <a:r>
+              <a:rPr lang="pl-PL" dirty="0"/>
+              <a:t>. </a:t>
+            </a:r>
+          </a:p>
+          <a:p>
+            <a:pPr marL="171450" indent="-171450">
+              <a:buFont typeface="Arial" panose="020B0604020202020204" pitchFamily="34" charset="0"/>
+              <a:buChar char="•"/>
+            </a:pPr>
+            <a:r>
+              <a:rPr lang="en-US" dirty="0"/>
+              <a:t>Advanced Language Features:</a:t>
+            </a:r>
+            <a:r>
+              <a:rPr lang="pl-PL" dirty="0"/>
+              <a:t> - opanowanie API Scali to nie </a:t>
+            </a:r>
+            <a:r>
+              <a:rPr lang="pl-PL" dirty="0" err="1"/>
+              <a:t>laday</a:t>
+            </a:r>
+            <a:r>
+              <a:rPr lang="pl-PL" dirty="0"/>
+              <a:t> wyczyn. Jeśli jednak nie rozumiesz jak działa bardziej wyszukane konstrukcje jak </a:t>
+            </a:r>
+            <a:r>
+              <a:rPr lang="pl-PL" dirty="0" err="1"/>
+              <a:t>patter</a:t>
+            </a:r>
+            <a:r>
+              <a:rPr lang="pl-PL" dirty="0"/>
+              <a:t> </a:t>
+            </a:r>
+            <a:r>
+              <a:rPr lang="pl-PL" dirty="0" err="1"/>
+              <a:t>matching</a:t>
+            </a:r>
+            <a:r>
+              <a:rPr lang="pl-PL" dirty="0"/>
+              <a:t>, </a:t>
+            </a:r>
+            <a:r>
+              <a:rPr lang="pl-PL" dirty="0" err="1"/>
+              <a:t>implicits</a:t>
+            </a:r>
+            <a:r>
+              <a:rPr lang="pl-PL" dirty="0"/>
+              <a:t>, można się </a:t>
+            </a:r>
+            <a:r>
+              <a:rPr lang="pl-PL" dirty="0" err="1"/>
+              <a:t>zfrsutrować</a:t>
+            </a:r>
+            <a:r>
+              <a:rPr lang="pl-PL" dirty="0"/>
+              <a:t>. Całe szczęście Spark ukrywa większość zaawansowanych konstrukcji Scali przed nami.</a:t>
+            </a:r>
+          </a:p>
+        </p:txBody>
+      </p:sp>
+    </p:spTree>
+    <p:extLst>
+      <p:ext uri="{BB962C8B-B14F-4D97-AF65-F5344CB8AC3E}">
+        <p14:creationId xmlns:p14="http://schemas.microsoft.com/office/powerpoint/2010/main" val="730357486"/>
+      </p:ext>
+    </p:extLst>
+  </p:cSld>
+  <p:clrMapOvr>
+    <a:masterClrMapping/>
+  </p:clrMapOvr>
+</p:notes>
+</file>
+
+<file path=ppt/notesSlides/notesSlide12.xml><?xml version="1.0" encoding="utf-8"?>
+<p:notes xmlns:a="http://schemas.openxmlformats.org/drawingml/2006/main" xmlns:r="http://schemas.openxmlformats.org/officeDocument/2006/relationships" xmlns:p="http://schemas.openxmlformats.org/presentationml/2006/main">
+  <p:cSld>
+    <p:spTree>
+      <p:nvGrpSpPr>
+        <p:cNvPr id="1" name=""/>
+        <p:cNvGrpSpPr/>
+        <p:nvPr/>
+      </p:nvGrpSpPr>
+      <p:grpSpPr>
+        <a:xfrm>
+          <a:off x="0" y="0"/>
+          <a:ext cx="0" cy="0"/>
+          <a:chOff x="0" y="0"/>
+          <a:chExt cx="0" cy="0"/>
+        </a:xfrm>
+      </p:grpSpPr>
+      <p:sp>
+        <p:nvSpPr>
+          <p:cNvPr id="2" name="Slide Image Placeholder 1"/>
+          <p:cNvSpPr>
+            <a:spLocks noGrp="1" noRot="1" noChangeAspect="1"/>
+          </p:cNvSpPr>
+          <p:nvPr>
+            <p:ph type="sldImg"/>
+          </p:nvPr>
+        </p:nvSpPr>
+        <p:spPr/>
+      </p:sp>
+      <p:sp>
+        <p:nvSpPr>
+          <p:cNvPr id="3" name="Notes Placeholder 2"/>
+          <p:cNvSpPr>
+            <a:spLocks noGrp="1"/>
+          </p:cNvSpPr>
+          <p:nvPr>
+            <p:ph type="body" idx="1"/>
+          </p:nvPr>
+        </p:nvSpPr>
+        <p:spPr/>
+        <p:txBody>
+          <a:bodyPr/>
+          <a:lstStyle/>
+          <a:p>
+            <a:r>
+              <a:rPr lang="en-US" dirty="0"/>
+              <a:t>Why Not Scala?</a:t>
+            </a:r>
+          </a:p>
+          <a:p>
+            <a:r>
+              <a:rPr lang="en-US" dirty="0"/>
+              <a:t>Scala isn't perfect. There are two disadvantages compared to Python and R:</a:t>
+            </a:r>
+          </a:p>
+          <a:p>
+            <a:pPr marL="171450" indent="-171450">
+              <a:buFont typeface="Arial" panose="020B0604020202020204" pitchFamily="34" charset="0"/>
+              <a:buChar char="•"/>
+            </a:pPr>
+            <a:r>
+              <a:rPr lang="en-US" dirty="0"/>
+              <a:t>Libraries</a:t>
+            </a:r>
+            <a:r>
+              <a:rPr lang="pl-PL" dirty="0"/>
+              <a:t> - </a:t>
+            </a:r>
+            <a:r>
+              <a:rPr lang="en-US" dirty="0"/>
+              <a:t>Python </a:t>
+            </a:r>
+            <a:r>
+              <a:rPr lang="pl-PL" dirty="0"/>
+              <a:t>i</a:t>
+            </a:r>
+            <a:r>
+              <a:rPr lang="en-US" dirty="0"/>
+              <a:t> R </a:t>
+            </a:r>
+            <a:r>
+              <a:rPr lang="pl-PL" dirty="0"/>
+              <a:t> posiada bogaty </a:t>
+            </a:r>
+            <a:r>
+              <a:rPr lang="pl-PL" dirty="0" err="1"/>
+              <a:t>echosytem</a:t>
+            </a:r>
+            <a:r>
+              <a:rPr lang="pl-PL" dirty="0"/>
+              <a:t> bibliotek i duże </a:t>
+            </a:r>
+            <a:r>
+              <a:rPr lang="pl-PL" dirty="0" err="1"/>
+              <a:t>community</a:t>
+            </a:r>
+            <a:r>
+              <a:rPr lang="pl-PL" dirty="0"/>
+              <a:t>. Scala stara się gonić </a:t>
+            </a:r>
+            <a:r>
+              <a:rPr lang="pl-PL" dirty="0" err="1"/>
+              <a:t>Pythona</a:t>
+            </a:r>
+            <a:r>
+              <a:rPr lang="pl-PL" dirty="0"/>
+              <a:t>, ale to jak z analogią psa i uciekającego </a:t>
+            </a:r>
+            <a:r>
+              <a:rPr lang="pl-PL" dirty="0" err="1"/>
+              <a:t>któlika</a:t>
+            </a:r>
+            <a:r>
+              <a:rPr lang="pl-PL" dirty="0"/>
+              <a:t>. </a:t>
+            </a:r>
+          </a:p>
+          <a:p>
+            <a:pPr marL="171450" indent="-171450">
+              <a:buFont typeface="Arial" panose="020B0604020202020204" pitchFamily="34" charset="0"/>
+              <a:buChar char="•"/>
+            </a:pPr>
+            <a:r>
+              <a:rPr lang="en-US" dirty="0"/>
+              <a:t>Advanced Language Features:</a:t>
+            </a:r>
+            <a:r>
+              <a:rPr lang="pl-PL" dirty="0"/>
+              <a:t> - opanowanie API Scali to nie </a:t>
+            </a:r>
+            <a:r>
+              <a:rPr lang="pl-PL" dirty="0" err="1"/>
+              <a:t>laday</a:t>
+            </a:r>
+            <a:r>
+              <a:rPr lang="pl-PL" dirty="0"/>
+              <a:t> wyczyn. Jeśli jednak nie rozumiesz jak działa bardziej wyszukane konstrukcje jak </a:t>
+            </a:r>
+            <a:r>
+              <a:rPr lang="pl-PL" dirty="0" err="1"/>
+              <a:t>patter</a:t>
+            </a:r>
+            <a:r>
+              <a:rPr lang="pl-PL" dirty="0"/>
+              <a:t> </a:t>
+            </a:r>
+            <a:r>
+              <a:rPr lang="pl-PL" dirty="0" err="1"/>
+              <a:t>matching</a:t>
+            </a:r>
+            <a:r>
+              <a:rPr lang="pl-PL" dirty="0"/>
+              <a:t>, </a:t>
+            </a:r>
+            <a:r>
+              <a:rPr lang="pl-PL" dirty="0" err="1"/>
+              <a:t>implicits</a:t>
+            </a:r>
+            <a:r>
+              <a:rPr lang="pl-PL" dirty="0"/>
+              <a:t>, można się </a:t>
+            </a:r>
+            <a:r>
+              <a:rPr lang="pl-PL" dirty="0" err="1"/>
+              <a:t>zfrsutrować</a:t>
+            </a:r>
+            <a:r>
+              <a:rPr lang="pl-PL" dirty="0"/>
+              <a:t>. Całe szczęście Spark ukrywa większość zaawansowanych konstrukcji Scali przed nami.</a:t>
+            </a:r>
+          </a:p>
+        </p:txBody>
+      </p:sp>
+    </p:spTree>
+    <p:extLst>
+      <p:ext uri="{BB962C8B-B14F-4D97-AF65-F5344CB8AC3E}">
+        <p14:creationId xmlns:p14="http://schemas.microsoft.com/office/powerpoint/2010/main" val="204777013"/>
+      </p:ext>
+    </p:extLst>
+  </p:cSld>
+  <p:clrMapOvr>
+    <a:masterClrMapping/>
+  </p:clrMapOvr>
+</p:notes>
+</file>
+
 <file path=ppt/notesSlides/notesSlide2.xml><?xml version="1.0" encoding="utf-8"?>
 <p:notes xmlns:a="http://schemas.openxmlformats.org/drawingml/2006/main" xmlns:r="http://schemas.openxmlformats.org/officeDocument/2006/relationships" xmlns:p="http://schemas.openxmlformats.org/presentationml/2006/main">
   <p:cSld>
@@ -1247,9 +1807,13 @@
             </a:r>
           </a:p>
           <a:p>
-            <a:r>
-              <a:rPr lang="pl-PL" dirty="0"/>
-              <a:t>- RDD (</a:t>
+            <a:pPr marL="171450" indent="-171450">
+              <a:buFontTx/>
+              <a:buChar char="-"/>
+            </a:pPr>
+            <a:r>
+              <a:rPr lang="pl-PL" dirty="0"/>
+              <a:t>RDD (</a:t>
             </a:r>
             <a:r>
               <a:rPr lang="pl-PL" dirty="0" err="1"/>
@@ -1281,7 +1845,23 @@
             </a:r>
             <a:r>
               <a:rPr lang="pl-PL" dirty="0"/>
-              <a:t>) kolekcja danych, partycjonowana na całym klastrze, dzięki czemu może być równolegle </a:t>
+              <a:t>) kolekcja danych, partycjonowana (dzielona na </a:t>
+            </a:r>
+            <a:r>
+              <a:rPr lang="pl-PL" dirty="0" err="1"/>
+              <a:t>chunki</a:t>
+            </a:r>
+            <a:r>
+              <a:rPr lang="pl-PL" dirty="0"/>
+              <a:t> aby móc wykorzystać cały potencjał </a:t>
+            </a:r>
+            <a:r>
+              <a:rPr lang="pl-PL" dirty="0" err="1"/>
+              <a:t>zasówb</a:t>
+            </a:r>
+            <a:r>
+              <a:rPr lang="pl-PL" dirty="0"/>
+              <a:t> maszyn ma klastrze) na całym klastrze, dzięki czemu może być równolegle </a:t>
             </a:r>
             <a:r>
               <a:rPr lang="pl-PL" dirty="0" err="1"/>
@@ -1362,6 +1942,164 @@
             <a:r>
               <a:rPr lang="pl-PL" dirty="0"/>
               <a:t>).</a:t>
+            </a:r>
+          </a:p>
+          <a:p>
+            <a:pPr marL="171450" indent="-171450">
+              <a:buFontTx/>
+              <a:buChar char="-"/>
+            </a:pPr>
+            <a:r>
+              <a:rPr lang="pl-PL" dirty="0" err="1"/>
+              <a:t>Ditributet</a:t>
+            </a:r>
+            <a:r>
+              <a:rPr lang="pl-PL" dirty="0"/>
+              <a:t> </a:t>
+            </a:r>
+            <a:r>
+              <a:rPr lang="pl-PL" dirty="0" err="1"/>
+              <a:t>values</a:t>
+            </a:r>
+            <a:r>
+              <a:rPr lang="pl-PL" dirty="0"/>
+              <a:t> (broadcast) – pozwala na </a:t>
+            </a:r>
+            <a:r>
+              <a:rPr lang="pl-PL" dirty="0" err="1"/>
+              <a:t>wyslanie</a:t>
+            </a:r>
+            <a:r>
+              <a:rPr lang="pl-PL" dirty="0"/>
+              <a:t> stosukowo dużych ale tylko do odczytu </a:t>
+            </a:r>
+            <a:r>
+              <a:rPr lang="pl-PL" dirty="0" err="1"/>
+              <a:t>datasetów</a:t>
+            </a:r>
+            <a:r>
+              <a:rPr lang="pl-PL" dirty="0"/>
+              <a:t> do </a:t>
+            </a:r>
+            <a:r>
+              <a:rPr lang="pl-PL" dirty="0" err="1"/>
+              <a:t>worker</a:t>
+            </a:r>
+            <a:r>
+              <a:rPr lang="pl-PL" dirty="0"/>
+              <a:t> </a:t>
+            </a:r>
+            <a:r>
+              <a:rPr lang="pl-PL" dirty="0" err="1"/>
+              <a:t>nodów</a:t>
+            </a:r>
+            <a:r>
+              <a:rPr lang="pl-PL" dirty="0"/>
+              <a:t> (</a:t>
+            </a:r>
+            <a:r>
+              <a:rPr lang="pl-PL" dirty="0" err="1"/>
+              <a:t>executorów</a:t>
+            </a:r>
+            <a:r>
+              <a:rPr lang="pl-PL" dirty="0"/>
+              <a:t>). Znacznie redukuje </a:t>
+            </a:r>
+            <a:r>
+              <a:rPr lang="pl-PL" dirty="0" err="1"/>
+              <a:t>netwokr</a:t>
+            </a:r>
+            <a:r>
+              <a:rPr lang="pl-PL" dirty="0"/>
+              <a:t> transfer. Domyślnie bowiem Spark </a:t>
+            </a:r>
+            <a:r>
+              <a:rPr lang="pl-PL" dirty="0" err="1"/>
+              <a:t>wysyała</a:t>
+            </a:r>
+            <a:r>
+              <a:rPr lang="pl-PL" dirty="0"/>
+              <a:t> każdą zmienna do </a:t>
+            </a:r>
+            <a:r>
+              <a:rPr lang="pl-PL" dirty="0" err="1"/>
+              <a:t>worker</a:t>
+            </a:r>
+            <a:r>
+              <a:rPr lang="pl-PL" dirty="0"/>
+              <a:t> </a:t>
+            </a:r>
+            <a:r>
+              <a:rPr lang="pl-PL" dirty="0" err="1"/>
+              <a:t>nodów</a:t>
+            </a:r>
+            <a:r>
+              <a:rPr lang="pl-PL" dirty="0"/>
+              <a:t> dla każdej operacji </a:t>
+            </a:r>
+            <a:r>
+              <a:rPr lang="pl-PL" dirty="0" err="1"/>
+              <a:t>mna</a:t>
+            </a:r>
+            <a:r>
+              <a:rPr lang="pl-PL" dirty="0"/>
+              <a:t> danych.</a:t>
+            </a:r>
+          </a:p>
+          <a:p>
+            <a:pPr marL="171450" indent="-171450">
+              <a:buFontTx/>
+              <a:buChar char="-"/>
+            </a:pPr>
+            <a:r>
+              <a:rPr lang="pl-PL" dirty="0" err="1"/>
+              <a:t>DataFramne</a:t>
+            </a:r>
+            <a:r>
+              <a:rPr lang="pl-PL" dirty="0"/>
+              <a:t> – najprościej to tabela z kolumnami i wierszami, jak arkusz kalkulacyjny w Excelu. </a:t>
+            </a:r>
+            <a:r>
+              <a:rPr lang="pl-PL" dirty="0" err="1"/>
+              <a:t>Dataframe</a:t>
+            </a:r>
+            <a:r>
+              <a:rPr lang="pl-PL" dirty="0"/>
+              <a:t> jest jednak rozproszony na całym klastrze, gdyż po pierwsze mógłby nie zmieścić się na jednej maszynie, lub ta maszyna nie byłaby w stanie go przetworzyć albo trwałoby to bardzo długo. </a:t>
+            </a:r>
+          </a:p>
+          <a:p>
+            <a:pPr marL="0" indent="0">
+              <a:buFontTx/>
+              <a:buNone/>
+            </a:pPr>
+            <a:r>
+              <a:rPr lang="pl-PL" dirty="0"/>
+              <a:t>- </a:t>
+            </a:r>
+            <a:r>
+              <a:rPr lang="pl-PL" dirty="0" err="1"/>
+              <a:t>Dataset</a:t>
+            </a:r>
+            <a:r>
+              <a:rPr lang="pl-PL" dirty="0"/>
+              <a:t> – </a:t>
+            </a:r>
+            <a:r>
+              <a:rPr lang="pl-PL" dirty="0" err="1"/>
+              <a:t>strongly-typed</a:t>
+            </a:r>
+            <a:r>
+              <a:rPr lang="pl-PL" dirty="0"/>
+              <a:t> </a:t>
+            </a:r>
+            <a:r>
+              <a:rPr lang="pl-PL" dirty="0" err="1"/>
+              <a:t>dafaframe</a:t>
+            </a:r>
+            <a:r>
+              <a:rPr lang="pl-PL" dirty="0"/>
+              <a:t>. Zamiast </a:t>
             </a:r>
           </a:p>
         </p:txBody>
@@ -1500,10 +2238,40 @@
               <a:t>storage</a:t>
             </a:r>
             <a:r>
-              <a:rPr lang="pl-PL"/>
+              <a:rPr lang="pl-PL" dirty="0"/>
               <a:t> system.</a:t>
             </a:r>
+          </a:p>
+          <a:p>
             <a:endParaRPr lang="pl-PL" dirty="0"/>
+          </a:p>
+          <a:p>
+            <a:r>
+              <a:rPr lang="pl-PL" dirty="0"/>
+              <a:t>Transformacje są </a:t>
+            </a:r>
+            <a:r>
+              <a:rPr lang="pl-PL" dirty="0" err="1"/>
+              <a:t>lazy</a:t>
+            </a:r>
+            <a:r>
+              <a:rPr lang="pl-PL" dirty="0"/>
+              <a:t>! Oznacza, że Spark poczeka możliwe jak najdłużej do wykonania </a:t>
+            </a:r>
+            <a:r>
+              <a:rPr lang="pl-PL" dirty="0" err="1"/>
+              <a:t>transfotmacji</a:t>
+            </a:r>
+            <a:r>
+              <a:rPr lang="pl-PL" dirty="0"/>
+              <a:t>. Zostanie ona wywołana przez akcję.</a:t>
+            </a:r>
+          </a:p>
+          <a:p>
+            <a:r>
+              <a:rPr lang="pl-PL" dirty="0"/>
+              <a:t>Zaleta takiego podejścia jest taka, że Spark może zbudować sobie bardziej efektywny plan zapytania niż wynikałoby to z naszego kodu.</a:t>
+            </a:r>
           </a:p>
         </p:txBody>
       </p:sp>
@@ -1564,14 +2332,264 @@
           <a:bodyPr/>
           <a:lstStyle/>
           <a:p>
-            <a:endParaRPr lang="pl-PL" dirty="0"/>
+            <a:r>
+              <a:rPr lang="pl-PL" dirty="0"/>
+              <a:t>Spark jest w zasadzie dzisiaj standardem jeśli chodzi o przetwarzanie danych, od małych zbiorów aż po PETA-</a:t>
+            </a:r>
+            <a:r>
+              <a:rPr lang="pl-PL" dirty="0" err="1"/>
+              <a:t>byte</a:t>
+            </a:r>
+            <a:r>
+              <a:rPr lang="pl-PL" dirty="0"/>
+              <a:t> </a:t>
+            </a:r>
+            <a:r>
+              <a:rPr lang="pl-PL" dirty="0" err="1"/>
+              <a:t>size</a:t>
+            </a:r>
+            <a:r>
+              <a:rPr lang="pl-PL" dirty="0"/>
+              <a:t> „data </a:t>
+            </a:r>
+            <a:r>
+              <a:rPr lang="pl-PL" dirty="0" err="1"/>
+              <a:t>lake’i</a:t>
+            </a:r>
+            <a:r>
+              <a:rPr lang="pl-PL" dirty="0"/>
+              <a:t>”</a:t>
+            </a:r>
           </a:p>
         </p:txBody>
       </p:sp>
     </p:spTree>
     <p:extLst>
       <p:ext uri="{BB962C8B-B14F-4D97-AF65-F5344CB8AC3E}">
-        <p14:creationId xmlns:p14="http://schemas.microsoft.com/office/powerpoint/2010/main" val="1790885805"/>
+        <p14:creationId xmlns:p14="http://schemas.microsoft.com/office/powerpoint/2010/main" val="4043919891"/>
+      </p:ext>
+    </p:extLst>
+  </p:cSld>
+  <p:clrMapOvr>
+    <a:masterClrMapping/>
+  </p:clrMapOvr>
+</p:notes>
+</file>
+
+<file path=ppt/notesSlides/notesSlide9.xml><?xml version="1.0" encoding="utf-8"?>
+<p:notes xmlns:a="http://schemas.openxmlformats.org/drawingml/2006/main" xmlns:r="http://schemas.openxmlformats.org/officeDocument/2006/relationships" xmlns:p="http://schemas.openxmlformats.org/presentationml/2006/main">
+  <p:cSld>
+    <p:spTree>
+      <p:nvGrpSpPr>
+        <p:cNvPr id="1" name=""/>
+        <p:cNvGrpSpPr/>
+        <p:nvPr/>
+      </p:nvGrpSpPr>
+      <p:grpSpPr>
+        <a:xfrm>
+          <a:off x="0" y="0"/>
+          <a:ext cx="0" cy="0"/>
+          <a:chOff x="0" y="0"/>
+          <a:chExt cx="0" cy="0"/>
+        </a:xfrm>
+      </p:grpSpPr>
+      <p:sp>
+        <p:nvSpPr>
+          <p:cNvPr id="2" name="Slide Image Placeholder 1"/>
+          <p:cNvSpPr>
+            <a:spLocks noGrp="1" noRot="1" noChangeAspect="1"/>
+          </p:cNvSpPr>
+          <p:nvPr>
+            <p:ph type="sldImg"/>
+          </p:nvPr>
+        </p:nvSpPr>
+        <p:spPr/>
+      </p:sp>
+      <p:sp>
+        <p:nvSpPr>
+          <p:cNvPr id="3" name="Notes Placeholder 2"/>
+          <p:cNvSpPr>
+            <a:spLocks noGrp="1"/>
+          </p:cNvSpPr>
+          <p:nvPr>
+            <p:ph type="body" idx="1"/>
+          </p:nvPr>
+        </p:nvSpPr>
+        <p:spPr/>
+        <p:txBody>
+          <a:bodyPr/>
+          <a:lstStyle/>
+          <a:p>
+            <a:r>
+              <a:rPr lang="en-US" dirty="0"/>
+              <a:t>Performance</a:t>
+            </a:r>
+            <a:r>
+              <a:rPr lang="pl-PL" dirty="0"/>
+              <a:t> - Spark jest napisany w Scali, dzięki czemu uzyskujemy najlepszą wydajność i największą spójność i pokrycie między API Scali i API Sparka.</a:t>
+            </a:r>
+          </a:p>
+          <a:p>
+            <a:r>
+              <a:rPr lang="en-US" dirty="0"/>
+              <a:t>Type Safety</a:t>
+            </a:r>
+            <a:r>
+              <a:rPr lang="pl-PL" dirty="0"/>
+              <a:t> – w </a:t>
+            </a:r>
+            <a:r>
+              <a:rPr lang="pl-PL" dirty="0" err="1"/>
+              <a:t>prówaniu</a:t>
+            </a:r>
+            <a:r>
+              <a:rPr lang="pl-PL" dirty="0"/>
+              <a:t> do </a:t>
+            </a:r>
+            <a:r>
+              <a:rPr lang="pl-PL" dirty="0" err="1"/>
+              <a:t>Pythona</a:t>
+            </a:r>
+            <a:r>
+              <a:rPr lang="pl-PL" dirty="0"/>
+              <a:t> i R, korzyści ze Scali to  </a:t>
+            </a:r>
+            <a:r>
+              <a:rPr lang="pl-PL" dirty="0" err="1"/>
+              <a:t>statycze</a:t>
+            </a:r>
+            <a:r>
+              <a:rPr lang="pl-PL" dirty="0"/>
+              <a:t> </a:t>
+            </a:r>
+            <a:r>
+              <a:rPr lang="pl-PL" dirty="0" err="1"/>
+              <a:t>typowajie</a:t>
+            </a:r>
+            <a:r>
+              <a:rPr lang="pl-PL" dirty="0"/>
+              <a:t> (</a:t>
+            </a:r>
+            <a:r>
+              <a:rPr lang="en-US" dirty="0"/>
+              <a:t>static typing</a:t>
+            </a:r>
+            <a:r>
+              <a:rPr lang="pl-PL" dirty="0"/>
+              <a:t>) i  </a:t>
+            </a:r>
+            <a:r>
+              <a:rPr lang="en-US" dirty="0"/>
+              <a:t>type inference</a:t>
+            </a:r>
+            <a:r>
+              <a:rPr lang="pl-PL" dirty="0"/>
+              <a:t>.</a:t>
+            </a:r>
+          </a:p>
+          <a:p>
+            <a:r>
+              <a:rPr lang="pl-PL" dirty="0" err="1"/>
+              <a:t>Immutable</a:t>
+            </a:r>
+            <a:r>
+              <a:rPr lang="pl-PL" dirty="0"/>
+              <a:t> data </a:t>
+            </a:r>
+            <a:r>
+              <a:rPr lang="pl-PL" dirty="0" err="1"/>
+              <a:t>striuctrues</a:t>
+            </a:r>
+            <a:r>
+              <a:rPr lang="pl-PL" dirty="0"/>
+              <a:t> - </a:t>
+            </a:r>
+            <a:r>
+              <a:rPr lang="en-US" sz="1200" dirty="0"/>
+              <a:t>allowing for parallel, lock-free data processing,</a:t>
+            </a:r>
+            <a:endParaRPr lang="pl-PL" dirty="0"/>
+          </a:p>
+          <a:p>
+            <a:r>
+              <a:rPr lang="en-US" dirty="0"/>
+              <a:t>Concise, Expressive Code</a:t>
+            </a:r>
+            <a:r>
+              <a:rPr lang="pl-PL" dirty="0"/>
+              <a:t> –  w </a:t>
+            </a:r>
+            <a:r>
+              <a:rPr lang="pl-PL" dirty="0" err="1"/>
+              <a:t>porównianiu</a:t>
+            </a:r>
+            <a:r>
+              <a:rPr lang="pl-PL" dirty="0"/>
+              <a:t> do Javy, kod jest bardziej zwięzły (</a:t>
+            </a:r>
+            <a:r>
+              <a:rPr lang="pl-PL" dirty="0" err="1"/>
+              <a:t>concise</a:t>
+            </a:r>
+            <a:r>
+              <a:rPr lang="pl-PL" dirty="0"/>
+              <a:t>) dzięki czumu zwiększa Twoją produktywność. </a:t>
+            </a:r>
+            <a:r>
+              <a:rPr lang="en-US" dirty="0"/>
+              <a:t>and several features of Scala make your code even more concise. This elevates your productivity and makes it easier to imagine a design approach and then write it down without having to translate the idea to a less flexible API that reflects idiomatic language constraints. (You'll see this in action as we go.)</a:t>
+            </a:r>
+            <a:endParaRPr lang="pl-PL" dirty="0"/>
+          </a:p>
+          <a:p>
+            <a:r>
+              <a:rPr lang="pl-PL" dirty="0"/>
+              <a:t>Debugging – kiedy pojawiają się problemy z kodem, zrozumie </a:t>
+            </a:r>
+            <a:r>
+              <a:rPr lang="pl-PL" dirty="0" err="1"/>
+              <a:t>exception</a:t>
+            </a:r>
+            <a:r>
+              <a:rPr lang="pl-PL" dirty="0"/>
+              <a:t> </a:t>
+            </a:r>
+            <a:r>
+              <a:rPr lang="pl-PL" dirty="0" err="1"/>
+              <a:t>stack</a:t>
+            </a:r>
+            <a:r>
+              <a:rPr lang="pl-PL" dirty="0"/>
+              <a:t> </a:t>
+            </a:r>
+            <a:r>
+              <a:rPr lang="pl-PL" dirty="0" err="1"/>
+              <a:t>trace</a:t>
+            </a:r>
+            <a:r>
+              <a:rPr lang="pl-PL" dirty="0"/>
+              <a:t> jest prostsze jeśli znasz </a:t>
+            </a:r>
+            <a:r>
+              <a:rPr lang="pl-PL" dirty="0" err="1"/>
+              <a:t>Scale</a:t>
+            </a:r>
+            <a:r>
+              <a:rPr lang="pl-PL" dirty="0"/>
+              <a:t>. </a:t>
+            </a:r>
+            <a:r>
+              <a:rPr lang="en-US" dirty="0"/>
+              <a:t>Unfortunately, the "abstraction leaks" when problems occur.</a:t>
+            </a:r>
+            <a:endParaRPr lang="pl-PL" dirty="0"/>
+          </a:p>
+        </p:txBody>
+      </p:sp>
+    </p:spTree>
+    <p:extLst>
+      <p:ext uri="{BB962C8B-B14F-4D97-AF65-F5344CB8AC3E}">
+        <p14:creationId xmlns:p14="http://schemas.microsoft.com/office/powerpoint/2010/main" val="3904810144"/>
       </p:ext>
     </p:extLst>
   </p:cSld>
@@ -5398,7 +6416,11 @@
           <a:bodyPr/>
           <a:lstStyle/>
           <a:p>
-            <a:endParaRPr lang="pl-PL" dirty="0"/>
+            <a:r>
+              <a:rPr lang="pl-PL" dirty="0"/>
+              <a:t>Scala</a:t>
+            </a:r>
+            <a:endParaRPr lang="en-US" dirty="0"/>
           </a:p>
         </p:txBody>
       </p:sp>
@@ -5440,10 +6462,408 @@
           </a:p>
         </p:txBody>
       </p:sp>
+      <p:sp>
+        <p:nvSpPr>
+          <p:cNvPr id="6" name="Text Placeholder 4"/>
+          <p:cNvSpPr txBox="1">
+            <a:spLocks/>
+          </p:cNvSpPr>
+          <p:nvPr/>
+        </p:nvSpPr>
+        <p:spPr>
+          <a:xfrm>
+            <a:off x="755650" y="915566"/>
+            <a:ext cx="7632700" cy="3797624"/>
+          </a:xfrm>
+          <a:prstGeom prst="rect">
+            <a:avLst/>
+          </a:prstGeom>
+        </p:spPr>
+        <p:txBody>
+          <a:bodyPr vert="horz" lIns="0" tIns="0" rIns="0" bIns="0" anchor="t"/>
+          <a:lstStyle>
+            <a:lvl1pPr marL="165100" indent="-165100" algn="l" defTabSz="914400" rtl="0" eaLnBrk="1" latinLnBrk="0" hangingPunct="1">
+              <a:lnSpc>
+                <a:spcPct val="140000"/>
+              </a:lnSpc>
+              <a:spcBef>
+                <a:spcPts val="0"/>
+              </a:spcBef>
+              <a:buClr>
+                <a:schemeClr val="accent1"/>
+              </a:buClr>
+              <a:buSzPct val="75000"/>
+              <a:buFont typeface="Wingdings" charset="2"/>
+              <a:buChar char="§"/>
+              <a:defRPr sz="1300" kern="1200">
+                <a:solidFill>
+                  <a:schemeClr val="tx1"/>
+                </a:solidFill>
+                <a:latin typeface="+mn-lt"/>
+                <a:ea typeface="+mn-ea"/>
+                <a:cs typeface="+mn-cs"/>
+              </a:defRPr>
+            </a:lvl1pPr>
+            <a:lvl2pPr marL="330200" indent="-165100" algn="l" defTabSz="914400" rtl="0" eaLnBrk="1" latinLnBrk="0" hangingPunct="1">
+              <a:lnSpc>
+                <a:spcPct val="140000"/>
+              </a:lnSpc>
+              <a:spcBef>
+                <a:spcPts val="0"/>
+              </a:spcBef>
+              <a:buClr>
+                <a:schemeClr val="bg2"/>
+              </a:buClr>
+              <a:buSzPct val="75000"/>
+              <a:buFont typeface="Wingdings" charset="2"/>
+              <a:buChar char="§"/>
+              <a:defRPr sz="1300" kern="1200">
+                <a:solidFill>
+                  <a:schemeClr val="tx1"/>
+                </a:solidFill>
+                <a:latin typeface="+mn-lt"/>
+                <a:ea typeface="+mn-ea"/>
+                <a:cs typeface="+mn-cs"/>
+              </a:defRPr>
+            </a:lvl2pPr>
+            <a:lvl3pPr marL="495300" indent="-165100" algn="l" defTabSz="914400" rtl="0" eaLnBrk="1" latinLnBrk="0" hangingPunct="1">
+              <a:lnSpc>
+                <a:spcPct val="140000"/>
+              </a:lnSpc>
+              <a:spcBef>
+                <a:spcPts val="0"/>
+              </a:spcBef>
+              <a:buClr>
+                <a:schemeClr val="bg2"/>
+              </a:buClr>
+              <a:buSzPct val="75000"/>
+              <a:buFont typeface="Wingdings" charset="2"/>
+              <a:buChar char="§"/>
+              <a:defRPr sz="1300" kern="1200">
+                <a:solidFill>
+                  <a:schemeClr val="tx1"/>
+                </a:solidFill>
+                <a:latin typeface="+mn-lt"/>
+                <a:ea typeface="+mn-ea"/>
+                <a:cs typeface="+mn-cs"/>
+              </a:defRPr>
+            </a:lvl3pPr>
+            <a:lvl4pPr marL="660400" indent="-165100" algn="l" defTabSz="914400" rtl="0" eaLnBrk="1" latinLnBrk="0" hangingPunct="1">
+              <a:lnSpc>
+                <a:spcPct val="140000"/>
+              </a:lnSpc>
+              <a:spcBef>
+                <a:spcPts val="0"/>
+              </a:spcBef>
+              <a:buClr>
+                <a:schemeClr val="bg2"/>
+              </a:buClr>
+              <a:buSzPct val="75000"/>
+              <a:buFont typeface="Wingdings" charset="2"/>
+              <a:buChar char="§"/>
+              <a:defRPr sz="1300" kern="1200">
+                <a:solidFill>
+                  <a:schemeClr val="tx1"/>
+                </a:solidFill>
+                <a:latin typeface="+mn-lt"/>
+                <a:ea typeface="+mn-ea"/>
+                <a:cs typeface="+mn-cs"/>
+              </a:defRPr>
+            </a:lvl4pPr>
+            <a:lvl5pPr marL="825500" indent="-165100" algn="l" defTabSz="914400" rtl="0" eaLnBrk="1" latinLnBrk="0" hangingPunct="1">
+              <a:lnSpc>
+                <a:spcPct val="140000"/>
+              </a:lnSpc>
+              <a:spcBef>
+                <a:spcPts val="0"/>
+              </a:spcBef>
+              <a:buClr>
+                <a:schemeClr val="bg2"/>
+              </a:buClr>
+              <a:buSzPct val="75000"/>
+              <a:buFont typeface="Wingdings" charset="2"/>
+              <a:buChar char="§"/>
+              <a:defRPr sz="1300" kern="1200">
+                <a:solidFill>
+                  <a:schemeClr val="tx1"/>
+                </a:solidFill>
+                <a:latin typeface="+mn-lt"/>
+                <a:ea typeface="+mn-ea"/>
+                <a:cs typeface="+mn-cs"/>
+              </a:defRPr>
+            </a:lvl5pPr>
+            <a:lvl6pPr marL="2514600" indent="-228600" algn="l" defTabSz="914400" rtl="0" eaLnBrk="1" latinLnBrk="0" hangingPunct="1">
+              <a:spcBef>
+                <a:spcPct val="20000"/>
+              </a:spcBef>
+              <a:buFont typeface="Arial" pitchFamily="34" charset="0"/>
+              <a:buChar char="•"/>
+              <a:defRPr sz="2000" kern="1200">
+                <a:solidFill>
+                  <a:schemeClr val="tx1"/>
+                </a:solidFill>
+                <a:latin typeface="+mn-lt"/>
+                <a:ea typeface="+mn-ea"/>
+                <a:cs typeface="+mn-cs"/>
+              </a:defRPr>
+            </a:lvl6pPr>
+            <a:lvl7pPr marL="2971800" indent="-228600" algn="l" defTabSz="914400" rtl="0" eaLnBrk="1" latinLnBrk="0" hangingPunct="1">
+              <a:spcBef>
+                <a:spcPct val="20000"/>
+              </a:spcBef>
+              <a:buFont typeface="Arial" pitchFamily="34" charset="0"/>
+              <a:buChar char="•"/>
+              <a:defRPr sz="2000" kern="1200">
+                <a:solidFill>
+                  <a:schemeClr val="tx1"/>
+                </a:solidFill>
+                <a:latin typeface="+mn-lt"/>
+                <a:ea typeface="+mn-ea"/>
+                <a:cs typeface="+mn-cs"/>
+              </a:defRPr>
+            </a:lvl7pPr>
+            <a:lvl8pPr marL="3429000" indent="-228600" algn="l" defTabSz="914400" rtl="0" eaLnBrk="1" latinLnBrk="0" hangingPunct="1">
+              <a:spcBef>
+                <a:spcPct val="20000"/>
+              </a:spcBef>
+              <a:buFont typeface="Arial" pitchFamily="34" charset="0"/>
+              <a:buChar char="•"/>
+              <a:defRPr sz="2000" kern="1200">
+                <a:solidFill>
+                  <a:schemeClr val="tx1"/>
+                </a:solidFill>
+                <a:latin typeface="+mn-lt"/>
+                <a:ea typeface="+mn-ea"/>
+                <a:cs typeface="+mn-cs"/>
+              </a:defRPr>
+            </a:lvl8pPr>
+            <a:lvl9pPr marL="3886200" indent="-228600" algn="l" defTabSz="914400" rtl="0" eaLnBrk="1" latinLnBrk="0" hangingPunct="1">
+              <a:spcBef>
+                <a:spcPct val="20000"/>
+              </a:spcBef>
+              <a:buFont typeface="Arial" pitchFamily="34" charset="0"/>
+              <a:buChar char="•"/>
+              <a:defRPr sz="2000" kern="1200">
+                <a:solidFill>
+                  <a:schemeClr val="tx1"/>
+                </a:solidFill>
+                <a:latin typeface="+mn-lt"/>
+                <a:ea typeface="+mn-ea"/>
+                <a:cs typeface="+mn-cs"/>
+              </a:defRPr>
+            </a:lvl9pPr>
+          </a:lstStyle>
+          <a:p>
+            <a:pPr marL="0" indent="0">
+              <a:buNone/>
+            </a:pPr>
+            <a:endParaRPr lang="pl-PL" sz="1800" dirty="0">
+              <a:solidFill>
+                <a:srgbClr val="4D4D4D"/>
+              </a:solidFill>
+            </a:endParaRPr>
+          </a:p>
+          <a:p>
+            <a:pPr marL="0" indent="0">
+              <a:buNone/>
+            </a:pPr>
+            <a:r>
+              <a:rPr lang="pl-PL" sz="1800" dirty="0">
+                <a:solidFill>
+                  <a:srgbClr val="4D4D4D"/>
+                </a:solidFill>
+              </a:rPr>
+              <a:t>Object-</a:t>
+            </a:r>
+            <a:r>
+              <a:rPr lang="pl-PL" sz="1800" dirty="0" err="1">
+                <a:solidFill>
+                  <a:srgbClr val="4D4D4D"/>
+                </a:solidFill>
+              </a:rPr>
+              <a:t>Oriented</a:t>
+            </a:r>
+            <a:r>
+              <a:rPr lang="pl-PL" sz="1800" dirty="0">
+                <a:solidFill>
+                  <a:srgbClr val="4D4D4D"/>
+                </a:solidFill>
+              </a:rPr>
+              <a:t> </a:t>
+            </a:r>
+            <a:r>
+              <a:rPr lang="pl-PL" sz="1800" dirty="0" err="1">
+                <a:solidFill>
+                  <a:srgbClr val="4D4D4D"/>
+                </a:solidFill>
+              </a:rPr>
+              <a:t>Meets</a:t>
+            </a:r>
+            <a:r>
+              <a:rPr lang="pl-PL" sz="1800" dirty="0">
+                <a:solidFill>
+                  <a:srgbClr val="4D4D4D"/>
+                </a:solidFill>
+              </a:rPr>
+              <a:t> </a:t>
+            </a:r>
+            <a:r>
+              <a:rPr lang="pl-PL" sz="1800" dirty="0" err="1">
+                <a:solidFill>
+                  <a:srgbClr val="4D4D4D"/>
+                </a:solidFill>
+              </a:rPr>
+              <a:t>Functional</a:t>
+            </a:r>
+            <a:endParaRPr lang="pl-PL" sz="1800" dirty="0">
+              <a:solidFill>
+                <a:srgbClr val="4D4D4D"/>
+              </a:solidFill>
+            </a:endParaRPr>
+          </a:p>
+          <a:p>
+            <a:pPr marL="0" indent="0">
+              <a:buNone/>
+            </a:pPr>
+            <a:endParaRPr lang="pl-PL" sz="1800" dirty="0">
+              <a:solidFill>
+                <a:srgbClr val="4D4D4D"/>
+              </a:solidFill>
+            </a:endParaRPr>
+          </a:p>
+          <a:p>
+            <a:pPr marL="0" indent="0">
+              <a:buNone/>
+            </a:pPr>
+            <a:endParaRPr lang="en-US" sz="1800" dirty="0">
+              <a:solidFill>
+                <a:srgbClr val="4D4D4D"/>
+              </a:solidFill>
+            </a:endParaRPr>
+          </a:p>
+        </p:txBody>
+      </p:sp>
+      <p:sp>
+        <p:nvSpPr>
+          <p:cNvPr id="7" name="TextBox 6"/>
+          <p:cNvSpPr txBox="1"/>
+          <p:nvPr/>
+        </p:nvSpPr>
+        <p:spPr>
+          <a:xfrm>
+            <a:off x="8859520" y="1198880"/>
+            <a:ext cx="914400" cy="914400"/>
+          </a:xfrm>
+          <a:prstGeom prst="rect">
+            <a:avLst/>
+          </a:prstGeom>
+          <a:noFill/>
+        </p:spPr>
+        <p:txBody>
+          <a:bodyPr wrap="none" lIns="0" tIns="0" rIns="0" bIns="0" rtlCol="0">
+            <a:noAutofit/>
+          </a:bodyPr>
+          <a:lstStyle/>
+          <a:p>
+            <a:pPr>
+              <a:lnSpc>
+                <a:spcPct val="140000"/>
+              </a:lnSpc>
+            </a:pPr>
+            <a:endParaRPr lang="en-US" dirty="0" err="1">
+              <a:solidFill>
+                <a:schemeClr val="tx1"/>
+              </a:solidFill>
+            </a:endParaRPr>
+          </a:p>
+        </p:txBody>
+      </p:sp>
+      <p:sp>
+        <p:nvSpPr>
+          <p:cNvPr id="11" name="TextBox 10"/>
+          <p:cNvSpPr txBox="1"/>
+          <p:nvPr/>
+        </p:nvSpPr>
+        <p:spPr>
+          <a:xfrm>
+            <a:off x="8524240" y="975360"/>
+            <a:ext cx="914400" cy="914400"/>
+          </a:xfrm>
+          <a:prstGeom prst="rect">
+            <a:avLst/>
+          </a:prstGeom>
+          <a:noFill/>
+        </p:spPr>
+        <p:txBody>
+          <a:bodyPr wrap="none" lIns="0" tIns="0" rIns="0" bIns="0" rtlCol="0">
+            <a:noAutofit/>
+          </a:bodyPr>
+          <a:lstStyle/>
+          <a:p>
+            <a:pPr>
+              <a:lnSpc>
+                <a:spcPct val="140000"/>
+              </a:lnSpc>
+            </a:pPr>
+            <a:endParaRPr lang="en-US" dirty="0" err="1">
+              <a:solidFill>
+                <a:schemeClr val="tx1"/>
+              </a:solidFill>
+            </a:endParaRPr>
+          </a:p>
+        </p:txBody>
+      </p:sp>
+      <p:pic>
+        <p:nvPicPr>
+          <p:cNvPr id="2050" name="Picture 2" descr="Znalezione obrazy dla zapytania scala">
+            <a:extLst>
+              <a:ext uri="{FF2B5EF4-FFF2-40B4-BE49-F238E27FC236}">
+                <a16:creationId xmlns:a16="http://schemas.microsoft.com/office/drawing/2014/main" id="{8CF1BFC6-C24C-454B-B38B-DE1B0D37A210}"/>
+              </a:ext>
+            </a:extLst>
+          </p:cNvPr>
+          <p:cNvPicPr>
+            <a:picLocks noChangeAspect="1" noChangeArrowheads="1"/>
+          </p:cNvPicPr>
+          <p:nvPr/>
+        </p:nvPicPr>
+        <p:blipFill>
+          <a:blip r:embed="rId3">
+            <a:extLst>
+              <a:ext uri="{28A0092B-C50C-407E-A947-70E740481C1C}">
+                <a14:useLocalDpi xmlns:a14="http://schemas.microsoft.com/office/drawing/2010/main" val="0"/>
+              </a:ext>
+            </a:extLst>
+          </a:blip>
+          <a:srcRect/>
+          <a:stretch>
+            <a:fillRect/>
+          </a:stretch>
+        </p:blipFill>
+        <p:spPr bwMode="auto">
+          <a:xfrm>
+            <a:off x="2814637" y="2088534"/>
+            <a:ext cx="3514725" cy="1295400"/>
+          </a:xfrm>
+          <a:prstGeom prst="rect">
+            <a:avLst/>
+          </a:prstGeom>
+          <a:noFill/>
+          <a:extLst>
+            <a:ext uri="{909E8E84-426E-40DD-AFC4-6F175D3DCCD1}">
+              <a14:hiddenFill xmlns:a14="http://schemas.microsoft.com/office/drawing/2010/main">
+                <a:solidFill>
+                  <a:srgbClr val="FFFFFF"/>
+                </a:solidFill>
+              </a14:hiddenFill>
+            </a:ext>
+          </a:extLst>
+        </p:spPr>
+      </p:pic>
     </p:spTree>
     <p:extLst>
       <p:ext uri="{BB962C8B-B14F-4D97-AF65-F5344CB8AC3E}">
-        <p14:creationId xmlns:p14="http://schemas.microsoft.com/office/powerpoint/2010/main" val="3876043310"/>
+        <p14:creationId xmlns:p14="http://schemas.microsoft.com/office/powerpoint/2010/main" val="2999202682"/>
       </p:ext>
     </p:extLst>
   </p:cSld>
@@ -5491,9 +6911,14 @@
           <a:lstStyle/>
           <a:p>
             <a:r>
-              <a:rPr lang="en-US" dirty="0"/>
-              <a:t>Bulleted and numbered lists</a:t>
-            </a:r>
+              <a:rPr lang="pl-PL" dirty="0" err="1"/>
+              <a:t>Why</a:t>
+            </a:r>
+            <a:r>
+              <a:rPr lang="pl-PL" dirty="0"/>
+              <a:t> Scala?</a:t>
+            </a:r>
+            <a:endParaRPr lang="en-US" dirty="0"/>
           </a:p>
         </p:txBody>
       </p:sp>
@@ -5537,192 +6962,319 @@
       </p:sp>
       <p:sp>
         <p:nvSpPr>
-          <p:cNvPr id="5" name="Content Placeholder 4"/>
-          <p:cNvSpPr>
-            <a:spLocks noGrp="1"/>
+          <p:cNvPr id="6" name="Text Placeholder 4"/>
+          <p:cNvSpPr txBox="1">
+            <a:spLocks/>
           </p:cNvSpPr>
-          <p:nvPr>
-            <p:ph idx="1"/>
-          </p:nvPr>
+          <p:nvPr/>
         </p:nvSpPr>
         <p:spPr>
           <a:xfrm>
-            <a:off x="755650" y="915543"/>
-            <a:ext cx="3671888" cy="3816795"/>
+            <a:off x="755650" y="915566"/>
+            <a:ext cx="7632700" cy="3797624"/>
           </a:xfrm>
+          <a:prstGeom prst="rect">
+            <a:avLst/>
+          </a:prstGeom>
         </p:spPr>
         <p:txBody>
-          <a:bodyPr/>
-          <a:lstStyle/>
-          <a:p>
-            <a:pPr marL="0" indent="0">
-              <a:buNone/>
-            </a:pPr>
-            <a:r>
-              <a:rPr lang="en-US" dirty="0"/>
-              <a:t>By focusing on long term engagements, we </a:t>
-            </a:r>
-            <a:r>
-              <a:rPr lang="en-US" dirty="0" err="1"/>
-              <a:t>maximise</a:t>
-            </a:r>
-            <a:r>
-              <a:rPr lang="en-US" dirty="0"/>
-              <a:t> value for our clients:</a:t>
-            </a:r>
-          </a:p>
-          <a:p>
-            <a:r>
-              <a:rPr lang="en-US" dirty="0"/>
-              <a:t>Individuals and teams build strong domain knowledge across a number of dimensions: business operation, </a:t>
-            </a:r>
-            <a:r>
-              <a:rPr lang="en-US" dirty="0" err="1"/>
-              <a:t>organisational</a:t>
-            </a:r>
-            <a:r>
-              <a:rPr lang="en-US" dirty="0"/>
-              <a:t>, technical architecture to name a few</a:t>
-            </a:r>
-          </a:p>
-          <a:p>
-            <a:r>
-              <a:rPr lang="en-US" dirty="0"/>
-              <a:t>We believe in our values</a:t>
-            </a:r>
-          </a:p>
-          <a:p>
-            <a:pPr lvl="1"/>
-            <a:r>
-              <a:rPr lang="en-US" dirty="0"/>
-              <a:t>People</a:t>
-            </a:r>
-          </a:p>
-          <a:p>
-            <a:pPr lvl="1"/>
-            <a:r>
-              <a:rPr lang="en-US" dirty="0"/>
-              <a:t>Integrity</a:t>
-            </a:r>
-          </a:p>
-          <a:p>
-            <a:pPr lvl="1"/>
-            <a:r>
-              <a:rPr lang="en-US" dirty="0"/>
-              <a:t>Excellence</a:t>
-            </a:r>
-          </a:p>
-          <a:p>
-            <a:pPr lvl="1"/>
-            <a:r>
-              <a:rPr lang="en-US" dirty="0"/>
-              <a:t>Agility</a:t>
-            </a:r>
-          </a:p>
-          <a:p>
-            <a:r>
-              <a:rPr lang="en-US" dirty="0"/>
-              <a:t>When we create long term relationships, the risks on us and our clients reduces; </a:t>
+          <a:bodyPr vert="horz" lIns="0" tIns="0" rIns="0" bIns="0" anchor="t"/>
+          <a:lstStyle>
+            <a:lvl1pPr marL="165100" indent="-165100" algn="l" defTabSz="914400" rtl="0" eaLnBrk="1" latinLnBrk="0" hangingPunct="1">
+              <a:lnSpc>
+                <a:spcPct val="140000"/>
+              </a:lnSpc>
+              <a:spcBef>
+                <a:spcPts val="0"/>
+              </a:spcBef>
+              <a:buClr>
+                <a:schemeClr val="accent1"/>
+              </a:buClr>
+              <a:buSzPct val="75000"/>
+              <a:buFont typeface="Wingdings" charset="2"/>
+              <a:buChar char="§"/>
+              <a:defRPr sz="1300" kern="1200">
+                <a:solidFill>
+                  <a:schemeClr val="tx1"/>
+                </a:solidFill>
+                <a:latin typeface="+mn-lt"/>
+                <a:ea typeface="+mn-ea"/>
+                <a:cs typeface="+mn-cs"/>
+              </a:defRPr>
+            </a:lvl1pPr>
+            <a:lvl2pPr marL="330200" indent="-165100" algn="l" defTabSz="914400" rtl="0" eaLnBrk="1" latinLnBrk="0" hangingPunct="1">
+              <a:lnSpc>
+                <a:spcPct val="140000"/>
+              </a:lnSpc>
+              <a:spcBef>
+                <a:spcPts val="0"/>
+              </a:spcBef>
+              <a:buClr>
+                <a:schemeClr val="bg2"/>
+              </a:buClr>
+              <a:buSzPct val="75000"/>
+              <a:buFont typeface="Wingdings" charset="2"/>
+              <a:buChar char="§"/>
+              <a:defRPr sz="1300" kern="1200">
+                <a:solidFill>
+                  <a:schemeClr val="tx1"/>
+                </a:solidFill>
+                <a:latin typeface="+mn-lt"/>
+                <a:ea typeface="+mn-ea"/>
+                <a:cs typeface="+mn-cs"/>
+              </a:defRPr>
+            </a:lvl2pPr>
+            <a:lvl3pPr marL="495300" indent="-165100" algn="l" defTabSz="914400" rtl="0" eaLnBrk="1" latinLnBrk="0" hangingPunct="1">
+              <a:lnSpc>
+                <a:spcPct val="140000"/>
+              </a:lnSpc>
+              <a:spcBef>
+                <a:spcPts val="0"/>
+              </a:spcBef>
+              <a:buClr>
+                <a:schemeClr val="bg2"/>
+              </a:buClr>
+              <a:buSzPct val="75000"/>
+              <a:buFont typeface="Wingdings" charset="2"/>
+              <a:buChar char="§"/>
+              <a:defRPr sz="1300" kern="1200">
+                <a:solidFill>
+                  <a:schemeClr val="tx1"/>
+                </a:solidFill>
+                <a:latin typeface="+mn-lt"/>
+                <a:ea typeface="+mn-ea"/>
+                <a:cs typeface="+mn-cs"/>
+              </a:defRPr>
+            </a:lvl3pPr>
+            <a:lvl4pPr marL="660400" indent="-165100" algn="l" defTabSz="914400" rtl="0" eaLnBrk="1" latinLnBrk="0" hangingPunct="1">
+              <a:lnSpc>
+                <a:spcPct val="140000"/>
+              </a:lnSpc>
+              <a:spcBef>
+                <a:spcPts val="0"/>
+              </a:spcBef>
+              <a:buClr>
+                <a:schemeClr val="bg2"/>
+              </a:buClr>
+              <a:buSzPct val="75000"/>
+              <a:buFont typeface="Wingdings" charset="2"/>
+              <a:buChar char="§"/>
+              <a:defRPr sz="1300" kern="1200">
+                <a:solidFill>
+                  <a:schemeClr val="tx1"/>
+                </a:solidFill>
+                <a:latin typeface="+mn-lt"/>
+                <a:ea typeface="+mn-ea"/>
+                <a:cs typeface="+mn-cs"/>
+              </a:defRPr>
+            </a:lvl4pPr>
+            <a:lvl5pPr marL="825500" indent="-165100" algn="l" defTabSz="914400" rtl="0" eaLnBrk="1" latinLnBrk="0" hangingPunct="1">
+              <a:lnSpc>
+                <a:spcPct val="140000"/>
+              </a:lnSpc>
+              <a:spcBef>
+                <a:spcPts val="0"/>
+              </a:spcBef>
+              <a:buClr>
+                <a:schemeClr val="bg2"/>
+              </a:buClr>
+              <a:buSzPct val="75000"/>
+              <a:buFont typeface="Wingdings" charset="2"/>
+              <a:buChar char="§"/>
+              <a:defRPr sz="1300" kern="1200">
+                <a:solidFill>
+                  <a:schemeClr val="tx1"/>
+                </a:solidFill>
+                <a:latin typeface="+mn-lt"/>
+                <a:ea typeface="+mn-ea"/>
+                <a:cs typeface="+mn-cs"/>
+              </a:defRPr>
+            </a:lvl5pPr>
+            <a:lvl6pPr marL="2514600" indent="-228600" algn="l" defTabSz="914400" rtl="0" eaLnBrk="1" latinLnBrk="0" hangingPunct="1">
+              <a:spcBef>
+                <a:spcPct val="20000"/>
+              </a:spcBef>
+              <a:buFont typeface="Arial" pitchFamily="34" charset="0"/>
+              <a:buChar char="•"/>
+              <a:defRPr sz="2000" kern="1200">
+                <a:solidFill>
+                  <a:schemeClr val="tx1"/>
+                </a:solidFill>
+                <a:latin typeface="+mn-lt"/>
+                <a:ea typeface="+mn-ea"/>
+                <a:cs typeface="+mn-cs"/>
+              </a:defRPr>
+            </a:lvl6pPr>
+            <a:lvl7pPr marL="2971800" indent="-228600" algn="l" defTabSz="914400" rtl="0" eaLnBrk="1" latinLnBrk="0" hangingPunct="1">
+              <a:spcBef>
+                <a:spcPct val="20000"/>
+              </a:spcBef>
+              <a:buFont typeface="Arial" pitchFamily="34" charset="0"/>
+              <a:buChar char="•"/>
+              <a:defRPr sz="2000" kern="1200">
+                <a:solidFill>
+                  <a:schemeClr val="tx1"/>
+                </a:solidFill>
+                <a:latin typeface="+mn-lt"/>
+                <a:ea typeface="+mn-ea"/>
+                <a:cs typeface="+mn-cs"/>
+              </a:defRPr>
+            </a:lvl7pPr>
+            <a:lvl8pPr marL="3429000" indent="-228600" algn="l" defTabSz="914400" rtl="0" eaLnBrk="1" latinLnBrk="0" hangingPunct="1">
+              <a:spcBef>
+                <a:spcPct val="20000"/>
+              </a:spcBef>
+              <a:buFont typeface="Arial" pitchFamily="34" charset="0"/>
+              <a:buChar char="•"/>
+              <a:defRPr sz="2000" kern="1200">
+                <a:solidFill>
+                  <a:schemeClr val="tx1"/>
+                </a:solidFill>
+                <a:latin typeface="+mn-lt"/>
+                <a:ea typeface="+mn-ea"/>
+                <a:cs typeface="+mn-cs"/>
+              </a:defRPr>
+            </a:lvl8pPr>
+            <a:lvl9pPr marL="3886200" indent="-228600" algn="l" defTabSz="914400" rtl="0" eaLnBrk="1" latinLnBrk="0" hangingPunct="1">
+              <a:spcBef>
+                <a:spcPct val="20000"/>
+              </a:spcBef>
+              <a:buFont typeface="Arial" pitchFamily="34" charset="0"/>
+              <a:buChar char="•"/>
+              <a:defRPr sz="2000" kern="1200">
+                <a:solidFill>
+                  <a:schemeClr val="tx1"/>
+                </a:solidFill>
+                <a:latin typeface="+mn-lt"/>
+                <a:ea typeface="+mn-ea"/>
+                <a:cs typeface="+mn-cs"/>
+              </a:defRPr>
+            </a:lvl9pPr>
+          </a:lstStyle>
+          <a:p>
+            <a:r>
+              <a:rPr lang="pl-PL" sz="2000" dirty="0"/>
+              <a:t>Performance</a:t>
+            </a:r>
+          </a:p>
+          <a:p>
+            <a:r>
+              <a:rPr lang="pl-PL" sz="2000" dirty="0" err="1"/>
+              <a:t>Type</a:t>
+            </a:r>
+            <a:r>
+              <a:rPr lang="pl-PL" sz="2000" dirty="0"/>
+              <a:t> </a:t>
+            </a:r>
+            <a:r>
+              <a:rPr lang="pl-PL" sz="2000" dirty="0" err="1"/>
+              <a:t>safety</a:t>
+            </a:r>
+            <a:endParaRPr lang="pl-PL" sz="2000" dirty="0"/>
+          </a:p>
+          <a:p>
+            <a:r>
+              <a:rPr lang="pl-PL" sz="2000" dirty="0"/>
+              <a:t>I</a:t>
+            </a:r>
+            <a:r>
+              <a:rPr lang="en-US" sz="2000" dirty="0" err="1"/>
+              <a:t>mmutable</a:t>
+            </a:r>
+            <a:r>
+              <a:rPr lang="en-US" sz="2000" dirty="0"/>
+              <a:t> data structures</a:t>
+            </a:r>
+          </a:p>
+          <a:p>
+            <a:r>
+              <a:rPr lang="en-US" sz="2000" dirty="0"/>
+              <a:t>Concise, Expressive Code</a:t>
+            </a:r>
+            <a:endParaRPr lang="pl-PL" sz="2000" dirty="0"/>
+          </a:p>
+          <a:p>
+            <a:r>
+              <a:rPr lang="pl-PL" sz="2000" dirty="0"/>
+              <a:t>Debugging</a:t>
             </a:r>
           </a:p>
         </p:txBody>
       </p:sp>
       <p:sp>
         <p:nvSpPr>
-          <p:cNvPr id="6" name="Content Placeholder 5"/>
-          <p:cNvSpPr>
-            <a:spLocks noGrp="1"/>
-          </p:cNvSpPr>
-          <p:nvPr>
-            <p:ph idx="18"/>
-          </p:nvPr>
+          <p:cNvPr id="7" name="TextBox 6"/>
+          <p:cNvSpPr txBox="1"/>
+          <p:nvPr/>
         </p:nvSpPr>
         <p:spPr>
           <a:xfrm>
-            <a:off x="4714875" y="915543"/>
-            <a:ext cx="3673475" cy="3816795"/>
+            <a:off x="8859520" y="1198880"/>
+            <a:ext cx="914400" cy="914400"/>
           </a:xfrm>
+          <a:prstGeom prst="rect">
+            <a:avLst/>
+          </a:prstGeom>
+          <a:noFill/>
         </p:spPr>
         <p:txBody>
-          <a:bodyPr/>
+          <a:bodyPr wrap="none" lIns="0" tIns="0" rIns="0" bIns="0" rtlCol="0">
+            <a:noAutofit/>
+          </a:bodyPr>
           <a:lstStyle/>
           <a:p>
-            <a:pPr marL="0" indent="0">
-              <a:buNone/>
+            <a:pPr>
+              <a:lnSpc>
+                <a:spcPct val="140000"/>
+              </a:lnSpc>
             </a:pPr>
-            <a:r>
-              <a:rPr lang="en-US" dirty="0"/>
-              <a:t>By focusing on long term engagements, we </a:t>
-            </a:r>
-            <a:r>
-              <a:rPr lang="en-US" dirty="0" err="1"/>
-              <a:t>maximise</a:t>
-            </a:r>
-            <a:r>
-              <a:rPr lang="en-US" dirty="0"/>
-              <a:t> value for our clients:</a:t>
-            </a:r>
-          </a:p>
-          <a:p>
-            <a:r>
-              <a:rPr lang="en-US" dirty="0"/>
-              <a:t>Individuals and teams build strong domain knowledge across a number of dimensions: business operation, </a:t>
-            </a:r>
-            <a:r>
-              <a:rPr lang="en-US" dirty="0" err="1"/>
-              <a:t>organisational</a:t>
-            </a:r>
-            <a:r>
-              <a:rPr lang="en-US" dirty="0"/>
-              <a:t>, technical architecture to name a few</a:t>
-            </a:r>
-          </a:p>
-          <a:p>
-            <a:r>
-              <a:rPr lang="en-US" dirty="0"/>
-              <a:t>We believe in our values</a:t>
-            </a:r>
-          </a:p>
-          <a:p>
-            <a:pPr lvl="1"/>
-            <a:r>
-              <a:rPr lang="en-US" dirty="0"/>
-              <a:t>People</a:t>
-            </a:r>
-          </a:p>
-          <a:p>
-            <a:pPr lvl="1"/>
-            <a:r>
-              <a:rPr lang="en-US" dirty="0"/>
-              <a:t>Integrity</a:t>
-            </a:r>
-          </a:p>
-          <a:p>
-            <a:pPr lvl="1"/>
-            <a:r>
-              <a:rPr lang="en-US" dirty="0"/>
-              <a:t>Excellence</a:t>
-            </a:r>
-          </a:p>
-          <a:p>
-            <a:pPr lvl="1"/>
-            <a:r>
-              <a:rPr lang="en-US" dirty="0"/>
-              <a:t>Agility</a:t>
-            </a:r>
-          </a:p>
-          <a:p>
-            <a:r>
-              <a:rPr lang="en-US" dirty="0"/>
-              <a:t>When we create long term relationships, the risks on us and our clients reduces; </a:t>
-            </a:r>
+            <a:endParaRPr lang="en-US" dirty="0" err="1">
+              <a:solidFill>
+                <a:schemeClr val="tx1"/>
+              </a:solidFill>
+            </a:endParaRPr>
+          </a:p>
+        </p:txBody>
+      </p:sp>
+      <p:sp>
+        <p:nvSpPr>
+          <p:cNvPr id="11" name="TextBox 10"/>
+          <p:cNvSpPr txBox="1"/>
+          <p:nvPr/>
+        </p:nvSpPr>
+        <p:spPr>
+          <a:xfrm>
+            <a:off x="8524240" y="975360"/>
+            <a:ext cx="914400" cy="914400"/>
+          </a:xfrm>
+          <a:prstGeom prst="rect">
+            <a:avLst/>
+          </a:prstGeom>
+          <a:noFill/>
+        </p:spPr>
+        <p:txBody>
+          <a:bodyPr wrap="none" lIns="0" tIns="0" rIns="0" bIns="0" rtlCol="0">
+            <a:noAutofit/>
+          </a:bodyPr>
+          <a:lstStyle/>
+          <a:p>
+            <a:pPr>
+              <a:lnSpc>
+                <a:spcPct val="140000"/>
+              </a:lnSpc>
+            </a:pPr>
+            <a:endParaRPr lang="en-US" dirty="0" err="1">
+              <a:solidFill>
+                <a:schemeClr val="tx1"/>
+              </a:solidFill>
+            </a:endParaRPr>
           </a:p>
         </p:txBody>
       </p:sp>
     </p:spTree>
     <p:extLst>
       <p:ext uri="{BB962C8B-B14F-4D97-AF65-F5344CB8AC3E}">
-        <p14:creationId xmlns:p14="http://schemas.microsoft.com/office/powerpoint/2010/main" val="4004673914"/>
+        <p14:creationId xmlns:p14="http://schemas.microsoft.com/office/powerpoint/2010/main" val="3284585724"/>
       </p:ext>
     </p:extLst>
   </p:cSld>
@@ -5733,6 +7285,1269 @@
 </file>
 
 <file path=ppt/slides/slide14.xml><?xml version="1.0" encoding="utf-8"?>
+<p:sld xmlns:a="http://schemas.openxmlformats.org/drawingml/2006/main" xmlns:r="http://schemas.openxmlformats.org/officeDocument/2006/relationships" xmlns:p="http://schemas.openxmlformats.org/presentationml/2006/main">
+  <p:cSld>
+    <p:spTree>
+      <p:nvGrpSpPr>
+        <p:cNvPr id="1" name=""/>
+        <p:cNvGrpSpPr/>
+        <p:nvPr/>
+      </p:nvGrpSpPr>
+      <p:grpSpPr>
+        <a:xfrm>
+          <a:off x="0" y="0"/>
+          <a:ext cx="0" cy="0"/>
+          <a:chOff x="0" y="0"/>
+          <a:chExt cx="0" cy="0"/>
+        </a:xfrm>
+      </p:grpSpPr>
+      <p:sp>
+        <p:nvSpPr>
+          <p:cNvPr id="2" name="Title 1"/>
+          <p:cNvSpPr>
+            <a:spLocks noGrp="1"/>
+          </p:cNvSpPr>
+          <p:nvPr>
+            <p:ph type="title"/>
+          </p:nvPr>
+        </p:nvSpPr>
+        <p:spPr>
+          <a:xfrm>
+            <a:off x="755650" y="413693"/>
+            <a:ext cx="7632700" cy="357857"/>
+          </a:xfrm>
+        </p:spPr>
+        <p:txBody>
+          <a:bodyPr/>
+          <a:lstStyle/>
+          <a:p>
+            <a:r>
+              <a:rPr lang="pl-PL" dirty="0" err="1"/>
+              <a:t>Why</a:t>
+            </a:r>
+            <a:r>
+              <a:rPr lang="pl-PL" dirty="0"/>
+              <a:t> not Scala?</a:t>
+            </a:r>
+            <a:endParaRPr lang="en-US" dirty="0"/>
+          </a:p>
+        </p:txBody>
+      </p:sp>
+      <p:sp>
+        <p:nvSpPr>
+          <p:cNvPr id="3" name="Footer Placeholder 2"/>
+          <p:cNvSpPr>
+            <a:spLocks noGrp="1"/>
+          </p:cNvSpPr>
+          <p:nvPr>
+            <p:ph type="ftr" sz="quarter" idx="16"/>
+          </p:nvPr>
+        </p:nvSpPr>
+        <p:spPr/>
+        <p:txBody>
+          <a:bodyPr/>
+          <a:lstStyle/>
+          <a:p>
+            <a:endParaRPr lang="pl-PL" dirty="0"/>
+          </a:p>
+        </p:txBody>
+      </p:sp>
+      <p:sp>
+        <p:nvSpPr>
+          <p:cNvPr id="4" name="Date Placeholder 3"/>
+          <p:cNvSpPr>
+            <a:spLocks noGrp="1"/>
+          </p:cNvSpPr>
+          <p:nvPr>
+            <p:ph type="dt" sz="half" idx="15"/>
+          </p:nvPr>
+        </p:nvSpPr>
+        <p:spPr/>
+        <p:txBody>
+          <a:bodyPr/>
+          <a:lstStyle/>
+          <a:p>
+            <a:endParaRPr lang="pl-PL" dirty="0"/>
+          </a:p>
+        </p:txBody>
+      </p:sp>
+      <p:sp>
+        <p:nvSpPr>
+          <p:cNvPr id="6" name="Text Placeholder 4"/>
+          <p:cNvSpPr txBox="1">
+            <a:spLocks/>
+          </p:cNvSpPr>
+          <p:nvPr/>
+        </p:nvSpPr>
+        <p:spPr>
+          <a:xfrm>
+            <a:off x="755650" y="915566"/>
+            <a:ext cx="7632700" cy="3797624"/>
+          </a:xfrm>
+          <a:prstGeom prst="rect">
+            <a:avLst/>
+          </a:prstGeom>
+        </p:spPr>
+        <p:txBody>
+          <a:bodyPr vert="horz" lIns="0" tIns="0" rIns="0" bIns="0" anchor="t"/>
+          <a:lstStyle>
+            <a:lvl1pPr marL="165100" indent="-165100" algn="l" defTabSz="914400" rtl="0" eaLnBrk="1" latinLnBrk="0" hangingPunct="1">
+              <a:lnSpc>
+                <a:spcPct val="140000"/>
+              </a:lnSpc>
+              <a:spcBef>
+                <a:spcPts val="0"/>
+              </a:spcBef>
+              <a:buClr>
+                <a:schemeClr val="accent1"/>
+              </a:buClr>
+              <a:buSzPct val="75000"/>
+              <a:buFont typeface="Wingdings" charset="2"/>
+              <a:buChar char="§"/>
+              <a:defRPr sz="1300" kern="1200">
+                <a:solidFill>
+                  <a:schemeClr val="tx1"/>
+                </a:solidFill>
+                <a:latin typeface="+mn-lt"/>
+                <a:ea typeface="+mn-ea"/>
+                <a:cs typeface="+mn-cs"/>
+              </a:defRPr>
+            </a:lvl1pPr>
+            <a:lvl2pPr marL="330200" indent="-165100" algn="l" defTabSz="914400" rtl="0" eaLnBrk="1" latinLnBrk="0" hangingPunct="1">
+              <a:lnSpc>
+                <a:spcPct val="140000"/>
+              </a:lnSpc>
+              <a:spcBef>
+                <a:spcPts val="0"/>
+              </a:spcBef>
+              <a:buClr>
+                <a:schemeClr val="bg2"/>
+              </a:buClr>
+              <a:buSzPct val="75000"/>
+              <a:buFont typeface="Wingdings" charset="2"/>
+              <a:buChar char="§"/>
+              <a:defRPr sz="1300" kern="1200">
+                <a:solidFill>
+                  <a:schemeClr val="tx1"/>
+                </a:solidFill>
+                <a:latin typeface="+mn-lt"/>
+                <a:ea typeface="+mn-ea"/>
+                <a:cs typeface="+mn-cs"/>
+              </a:defRPr>
+            </a:lvl2pPr>
+            <a:lvl3pPr marL="495300" indent="-165100" algn="l" defTabSz="914400" rtl="0" eaLnBrk="1" latinLnBrk="0" hangingPunct="1">
+              <a:lnSpc>
+                <a:spcPct val="140000"/>
+              </a:lnSpc>
+              <a:spcBef>
+                <a:spcPts val="0"/>
+              </a:spcBef>
+              <a:buClr>
+                <a:schemeClr val="bg2"/>
+              </a:buClr>
+              <a:buSzPct val="75000"/>
+              <a:buFont typeface="Wingdings" charset="2"/>
+              <a:buChar char="§"/>
+              <a:defRPr sz="1300" kern="1200">
+                <a:solidFill>
+                  <a:schemeClr val="tx1"/>
+                </a:solidFill>
+                <a:latin typeface="+mn-lt"/>
+                <a:ea typeface="+mn-ea"/>
+                <a:cs typeface="+mn-cs"/>
+              </a:defRPr>
+            </a:lvl3pPr>
+            <a:lvl4pPr marL="660400" indent="-165100" algn="l" defTabSz="914400" rtl="0" eaLnBrk="1" latinLnBrk="0" hangingPunct="1">
+              <a:lnSpc>
+                <a:spcPct val="140000"/>
+              </a:lnSpc>
+              <a:spcBef>
+                <a:spcPts val="0"/>
+              </a:spcBef>
+              <a:buClr>
+                <a:schemeClr val="bg2"/>
+              </a:buClr>
+              <a:buSzPct val="75000"/>
+              <a:buFont typeface="Wingdings" charset="2"/>
+              <a:buChar char="§"/>
+              <a:defRPr sz="1300" kern="1200">
+                <a:solidFill>
+                  <a:schemeClr val="tx1"/>
+                </a:solidFill>
+                <a:latin typeface="+mn-lt"/>
+                <a:ea typeface="+mn-ea"/>
+                <a:cs typeface="+mn-cs"/>
+              </a:defRPr>
+            </a:lvl4pPr>
+            <a:lvl5pPr marL="825500" indent="-165100" algn="l" defTabSz="914400" rtl="0" eaLnBrk="1" latinLnBrk="0" hangingPunct="1">
+              <a:lnSpc>
+                <a:spcPct val="140000"/>
+              </a:lnSpc>
+              <a:spcBef>
+                <a:spcPts val="0"/>
+              </a:spcBef>
+              <a:buClr>
+                <a:schemeClr val="bg2"/>
+              </a:buClr>
+              <a:buSzPct val="75000"/>
+              <a:buFont typeface="Wingdings" charset="2"/>
+              <a:buChar char="§"/>
+              <a:defRPr sz="1300" kern="1200">
+                <a:solidFill>
+                  <a:schemeClr val="tx1"/>
+                </a:solidFill>
+                <a:latin typeface="+mn-lt"/>
+                <a:ea typeface="+mn-ea"/>
+                <a:cs typeface="+mn-cs"/>
+              </a:defRPr>
+            </a:lvl5pPr>
+            <a:lvl6pPr marL="2514600" indent="-228600" algn="l" defTabSz="914400" rtl="0" eaLnBrk="1" latinLnBrk="0" hangingPunct="1">
+              <a:spcBef>
+                <a:spcPct val="20000"/>
+              </a:spcBef>
+              <a:buFont typeface="Arial" pitchFamily="34" charset="0"/>
+              <a:buChar char="•"/>
+              <a:defRPr sz="2000" kern="1200">
+                <a:solidFill>
+                  <a:schemeClr val="tx1"/>
+                </a:solidFill>
+                <a:latin typeface="+mn-lt"/>
+                <a:ea typeface="+mn-ea"/>
+                <a:cs typeface="+mn-cs"/>
+              </a:defRPr>
+            </a:lvl6pPr>
+            <a:lvl7pPr marL="2971800" indent="-228600" algn="l" defTabSz="914400" rtl="0" eaLnBrk="1" latinLnBrk="0" hangingPunct="1">
+              <a:spcBef>
+                <a:spcPct val="20000"/>
+              </a:spcBef>
+              <a:buFont typeface="Arial" pitchFamily="34" charset="0"/>
+              <a:buChar char="•"/>
+              <a:defRPr sz="2000" kern="1200">
+                <a:solidFill>
+                  <a:schemeClr val="tx1"/>
+                </a:solidFill>
+                <a:latin typeface="+mn-lt"/>
+                <a:ea typeface="+mn-ea"/>
+                <a:cs typeface="+mn-cs"/>
+              </a:defRPr>
+            </a:lvl7pPr>
+            <a:lvl8pPr marL="3429000" indent="-228600" algn="l" defTabSz="914400" rtl="0" eaLnBrk="1" latinLnBrk="0" hangingPunct="1">
+              <a:spcBef>
+                <a:spcPct val="20000"/>
+              </a:spcBef>
+              <a:buFont typeface="Arial" pitchFamily="34" charset="0"/>
+              <a:buChar char="•"/>
+              <a:defRPr sz="2000" kern="1200">
+                <a:solidFill>
+                  <a:schemeClr val="tx1"/>
+                </a:solidFill>
+                <a:latin typeface="+mn-lt"/>
+                <a:ea typeface="+mn-ea"/>
+                <a:cs typeface="+mn-cs"/>
+              </a:defRPr>
+            </a:lvl8pPr>
+            <a:lvl9pPr marL="3886200" indent="-228600" algn="l" defTabSz="914400" rtl="0" eaLnBrk="1" latinLnBrk="0" hangingPunct="1">
+              <a:spcBef>
+                <a:spcPct val="20000"/>
+              </a:spcBef>
+              <a:buFont typeface="Arial" pitchFamily="34" charset="0"/>
+              <a:buChar char="•"/>
+              <a:defRPr sz="2000" kern="1200">
+                <a:solidFill>
+                  <a:schemeClr val="tx1"/>
+                </a:solidFill>
+                <a:latin typeface="+mn-lt"/>
+                <a:ea typeface="+mn-ea"/>
+                <a:cs typeface="+mn-cs"/>
+              </a:defRPr>
+            </a:lvl9pPr>
+          </a:lstStyle>
+          <a:p>
+            <a:r>
+              <a:rPr lang="pl-PL" sz="2000" dirty="0"/>
+              <a:t>Libraries</a:t>
+            </a:r>
+          </a:p>
+          <a:p>
+            <a:r>
+              <a:rPr lang="pl-PL" sz="2000" dirty="0" err="1"/>
+              <a:t>Niche</a:t>
+            </a:r>
+            <a:r>
+              <a:rPr lang="pl-PL" sz="2000" dirty="0"/>
+              <a:t> </a:t>
+            </a:r>
+            <a:r>
+              <a:rPr lang="pl-PL" sz="2000" dirty="0" err="1"/>
+              <a:t>language</a:t>
+            </a:r>
+            <a:endParaRPr lang="pl-PL" sz="2000" dirty="0"/>
+          </a:p>
+          <a:p>
+            <a:r>
+              <a:rPr lang="en-US" sz="2000" dirty="0"/>
+              <a:t>Advanced Language Features</a:t>
+            </a:r>
+          </a:p>
+          <a:p>
+            <a:pPr marL="0" indent="0">
+              <a:buNone/>
+            </a:pPr>
+            <a:endParaRPr lang="pl-PL" sz="2000" dirty="0"/>
+          </a:p>
+        </p:txBody>
+      </p:sp>
+      <p:sp>
+        <p:nvSpPr>
+          <p:cNvPr id="7" name="TextBox 6"/>
+          <p:cNvSpPr txBox="1"/>
+          <p:nvPr/>
+        </p:nvSpPr>
+        <p:spPr>
+          <a:xfrm>
+            <a:off x="8859520" y="1198880"/>
+            <a:ext cx="914400" cy="914400"/>
+          </a:xfrm>
+          <a:prstGeom prst="rect">
+            <a:avLst/>
+          </a:prstGeom>
+          <a:noFill/>
+        </p:spPr>
+        <p:txBody>
+          <a:bodyPr wrap="none" lIns="0" tIns="0" rIns="0" bIns="0" rtlCol="0">
+            <a:noAutofit/>
+          </a:bodyPr>
+          <a:lstStyle/>
+          <a:p>
+            <a:pPr>
+              <a:lnSpc>
+                <a:spcPct val="140000"/>
+              </a:lnSpc>
+            </a:pPr>
+            <a:endParaRPr lang="en-US" dirty="0" err="1">
+              <a:solidFill>
+                <a:schemeClr val="tx1"/>
+              </a:solidFill>
+            </a:endParaRPr>
+          </a:p>
+        </p:txBody>
+      </p:sp>
+      <p:sp>
+        <p:nvSpPr>
+          <p:cNvPr id="11" name="TextBox 10"/>
+          <p:cNvSpPr txBox="1"/>
+          <p:nvPr/>
+        </p:nvSpPr>
+        <p:spPr>
+          <a:xfrm>
+            <a:off x="8524240" y="975360"/>
+            <a:ext cx="914400" cy="914400"/>
+          </a:xfrm>
+          <a:prstGeom prst="rect">
+            <a:avLst/>
+          </a:prstGeom>
+          <a:noFill/>
+        </p:spPr>
+        <p:txBody>
+          <a:bodyPr wrap="none" lIns="0" tIns="0" rIns="0" bIns="0" rtlCol="0">
+            <a:noAutofit/>
+          </a:bodyPr>
+          <a:lstStyle/>
+          <a:p>
+            <a:pPr>
+              <a:lnSpc>
+                <a:spcPct val="140000"/>
+              </a:lnSpc>
+            </a:pPr>
+            <a:endParaRPr lang="en-US" dirty="0" err="1">
+              <a:solidFill>
+                <a:schemeClr val="tx1"/>
+              </a:solidFill>
+            </a:endParaRPr>
+          </a:p>
+        </p:txBody>
+      </p:sp>
+    </p:spTree>
+    <p:extLst>
+      <p:ext uri="{BB962C8B-B14F-4D97-AF65-F5344CB8AC3E}">
+        <p14:creationId xmlns:p14="http://schemas.microsoft.com/office/powerpoint/2010/main" val="2790678728"/>
+      </p:ext>
+    </p:extLst>
+  </p:cSld>
+  <p:clrMapOvr>
+    <a:masterClrMapping/>
+  </p:clrMapOvr>
+</p:sld>
+</file>
+
+<file path=ppt/slides/slide15.xml><?xml version="1.0" encoding="utf-8"?>
+<p:sld xmlns:a="http://schemas.openxmlformats.org/drawingml/2006/main" xmlns:r="http://schemas.openxmlformats.org/officeDocument/2006/relationships" xmlns:p="http://schemas.openxmlformats.org/presentationml/2006/main">
+  <p:cSld>
+    <p:spTree>
+      <p:nvGrpSpPr>
+        <p:cNvPr id="1" name=""/>
+        <p:cNvGrpSpPr/>
+        <p:nvPr/>
+      </p:nvGrpSpPr>
+      <p:grpSpPr>
+        <a:xfrm>
+          <a:off x="0" y="0"/>
+          <a:ext cx="0" cy="0"/>
+          <a:chOff x="0" y="0"/>
+          <a:chExt cx="0" cy="0"/>
+        </a:xfrm>
+      </p:grpSpPr>
+      <p:sp>
+        <p:nvSpPr>
+          <p:cNvPr id="2" name="Title 1"/>
+          <p:cNvSpPr>
+            <a:spLocks noGrp="1"/>
+          </p:cNvSpPr>
+          <p:nvPr>
+            <p:ph type="title"/>
+          </p:nvPr>
+        </p:nvSpPr>
+        <p:spPr>
+          <a:xfrm>
+            <a:off x="755650" y="413693"/>
+            <a:ext cx="7632700" cy="357857"/>
+          </a:xfrm>
+        </p:spPr>
+        <p:txBody>
+          <a:bodyPr/>
+          <a:lstStyle/>
+          <a:p>
+            <a:r>
+              <a:rPr lang="pl-PL" dirty="0"/>
+              <a:t>Just </a:t>
+            </a:r>
+            <a:r>
+              <a:rPr lang="pl-PL" dirty="0" err="1"/>
+              <a:t>enough</a:t>
+            </a:r>
+            <a:r>
+              <a:rPr lang="pl-PL" dirty="0"/>
+              <a:t> Scala for Spark</a:t>
+            </a:r>
+            <a:endParaRPr lang="en-US" dirty="0"/>
+          </a:p>
+        </p:txBody>
+      </p:sp>
+      <p:sp>
+        <p:nvSpPr>
+          <p:cNvPr id="3" name="Footer Placeholder 2"/>
+          <p:cNvSpPr>
+            <a:spLocks noGrp="1"/>
+          </p:cNvSpPr>
+          <p:nvPr>
+            <p:ph type="ftr" sz="quarter" idx="16"/>
+          </p:nvPr>
+        </p:nvSpPr>
+        <p:spPr/>
+        <p:txBody>
+          <a:bodyPr/>
+          <a:lstStyle/>
+          <a:p>
+            <a:endParaRPr lang="pl-PL" dirty="0"/>
+          </a:p>
+        </p:txBody>
+      </p:sp>
+      <p:sp>
+        <p:nvSpPr>
+          <p:cNvPr id="4" name="Date Placeholder 3"/>
+          <p:cNvSpPr>
+            <a:spLocks noGrp="1"/>
+          </p:cNvSpPr>
+          <p:nvPr>
+            <p:ph type="dt" sz="half" idx="15"/>
+          </p:nvPr>
+        </p:nvSpPr>
+        <p:spPr/>
+        <p:txBody>
+          <a:bodyPr/>
+          <a:lstStyle/>
+          <a:p>
+            <a:endParaRPr lang="pl-PL" dirty="0"/>
+          </a:p>
+        </p:txBody>
+      </p:sp>
+      <p:sp>
+        <p:nvSpPr>
+          <p:cNvPr id="6" name="Text Placeholder 4"/>
+          <p:cNvSpPr txBox="1">
+            <a:spLocks/>
+          </p:cNvSpPr>
+          <p:nvPr/>
+        </p:nvSpPr>
+        <p:spPr>
+          <a:xfrm>
+            <a:off x="755650" y="915566"/>
+            <a:ext cx="7632700" cy="3797624"/>
+          </a:xfrm>
+          <a:prstGeom prst="rect">
+            <a:avLst/>
+          </a:prstGeom>
+        </p:spPr>
+        <p:txBody>
+          <a:bodyPr vert="horz" lIns="0" tIns="0" rIns="0" bIns="0" anchor="t"/>
+          <a:lstStyle>
+            <a:lvl1pPr marL="165100" indent="-165100" algn="l" defTabSz="914400" rtl="0" eaLnBrk="1" latinLnBrk="0" hangingPunct="1">
+              <a:lnSpc>
+                <a:spcPct val="140000"/>
+              </a:lnSpc>
+              <a:spcBef>
+                <a:spcPts val="0"/>
+              </a:spcBef>
+              <a:buClr>
+                <a:schemeClr val="accent1"/>
+              </a:buClr>
+              <a:buSzPct val="75000"/>
+              <a:buFont typeface="Wingdings" charset="2"/>
+              <a:buChar char="§"/>
+              <a:defRPr sz="1300" kern="1200">
+                <a:solidFill>
+                  <a:schemeClr val="tx1"/>
+                </a:solidFill>
+                <a:latin typeface="+mn-lt"/>
+                <a:ea typeface="+mn-ea"/>
+                <a:cs typeface="+mn-cs"/>
+              </a:defRPr>
+            </a:lvl1pPr>
+            <a:lvl2pPr marL="330200" indent="-165100" algn="l" defTabSz="914400" rtl="0" eaLnBrk="1" latinLnBrk="0" hangingPunct="1">
+              <a:lnSpc>
+                <a:spcPct val="140000"/>
+              </a:lnSpc>
+              <a:spcBef>
+                <a:spcPts val="0"/>
+              </a:spcBef>
+              <a:buClr>
+                <a:schemeClr val="bg2"/>
+              </a:buClr>
+              <a:buSzPct val="75000"/>
+              <a:buFont typeface="Wingdings" charset="2"/>
+              <a:buChar char="§"/>
+              <a:defRPr sz="1300" kern="1200">
+                <a:solidFill>
+                  <a:schemeClr val="tx1"/>
+                </a:solidFill>
+                <a:latin typeface="+mn-lt"/>
+                <a:ea typeface="+mn-ea"/>
+                <a:cs typeface="+mn-cs"/>
+              </a:defRPr>
+            </a:lvl2pPr>
+            <a:lvl3pPr marL="495300" indent="-165100" algn="l" defTabSz="914400" rtl="0" eaLnBrk="1" latinLnBrk="0" hangingPunct="1">
+              <a:lnSpc>
+                <a:spcPct val="140000"/>
+              </a:lnSpc>
+              <a:spcBef>
+                <a:spcPts val="0"/>
+              </a:spcBef>
+              <a:buClr>
+                <a:schemeClr val="bg2"/>
+              </a:buClr>
+              <a:buSzPct val="75000"/>
+              <a:buFont typeface="Wingdings" charset="2"/>
+              <a:buChar char="§"/>
+              <a:defRPr sz="1300" kern="1200">
+                <a:solidFill>
+                  <a:schemeClr val="tx1"/>
+                </a:solidFill>
+                <a:latin typeface="+mn-lt"/>
+                <a:ea typeface="+mn-ea"/>
+                <a:cs typeface="+mn-cs"/>
+              </a:defRPr>
+            </a:lvl3pPr>
+            <a:lvl4pPr marL="660400" indent="-165100" algn="l" defTabSz="914400" rtl="0" eaLnBrk="1" latinLnBrk="0" hangingPunct="1">
+              <a:lnSpc>
+                <a:spcPct val="140000"/>
+              </a:lnSpc>
+              <a:spcBef>
+                <a:spcPts val="0"/>
+              </a:spcBef>
+              <a:buClr>
+                <a:schemeClr val="bg2"/>
+              </a:buClr>
+              <a:buSzPct val="75000"/>
+              <a:buFont typeface="Wingdings" charset="2"/>
+              <a:buChar char="§"/>
+              <a:defRPr sz="1300" kern="1200">
+                <a:solidFill>
+                  <a:schemeClr val="tx1"/>
+                </a:solidFill>
+                <a:latin typeface="+mn-lt"/>
+                <a:ea typeface="+mn-ea"/>
+                <a:cs typeface="+mn-cs"/>
+              </a:defRPr>
+            </a:lvl4pPr>
+            <a:lvl5pPr marL="825500" indent="-165100" algn="l" defTabSz="914400" rtl="0" eaLnBrk="1" latinLnBrk="0" hangingPunct="1">
+              <a:lnSpc>
+                <a:spcPct val="140000"/>
+              </a:lnSpc>
+              <a:spcBef>
+                <a:spcPts val="0"/>
+              </a:spcBef>
+              <a:buClr>
+                <a:schemeClr val="bg2"/>
+              </a:buClr>
+              <a:buSzPct val="75000"/>
+              <a:buFont typeface="Wingdings" charset="2"/>
+              <a:buChar char="§"/>
+              <a:defRPr sz="1300" kern="1200">
+                <a:solidFill>
+                  <a:schemeClr val="tx1"/>
+                </a:solidFill>
+                <a:latin typeface="+mn-lt"/>
+                <a:ea typeface="+mn-ea"/>
+                <a:cs typeface="+mn-cs"/>
+              </a:defRPr>
+            </a:lvl5pPr>
+            <a:lvl6pPr marL="2514600" indent="-228600" algn="l" defTabSz="914400" rtl="0" eaLnBrk="1" latinLnBrk="0" hangingPunct="1">
+              <a:spcBef>
+                <a:spcPct val="20000"/>
+              </a:spcBef>
+              <a:buFont typeface="Arial" pitchFamily="34" charset="0"/>
+              <a:buChar char="•"/>
+              <a:defRPr sz="2000" kern="1200">
+                <a:solidFill>
+                  <a:schemeClr val="tx1"/>
+                </a:solidFill>
+                <a:latin typeface="+mn-lt"/>
+                <a:ea typeface="+mn-ea"/>
+                <a:cs typeface="+mn-cs"/>
+              </a:defRPr>
+            </a:lvl6pPr>
+            <a:lvl7pPr marL="2971800" indent="-228600" algn="l" defTabSz="914400" rtl="0" eaLnBrk="1" latinLnBrk="0" hangingPunct="1">
+              <a:spcBef>
+                <a:spcPct val="20000"/>
+              </a:spcBef>
+              <a:buFont typeface="Arial" pitchFamily="34" charset="0"/>
+              <a:buChar char="•"/>
+              <a:defRPr sz="2000" kern="1200">
+                <a:solidFill>
+                  <a:schemeClr val="tx1"/>
+                </a:solidFill>
+                <a:latin typeface="+mn-lt"/>
+                <a:ea typeface="+mn-ea"/>
+                <a:cs typeface="+mn-cs"/>
+              </a:defRPr>
+            </a:lvl7pPr>
+            <a:lvl8pPr marL="3429000" indent="-228600" algn="l" defTabSz="914400" rtl="0" eaLnBrk="1" latinLnBrk="0" hangingPunct="1">
+              <a:spcBef>
+                <a:spcPct val="20000"/>
+              </a:spcBef>
+              <a:buFont typeface="Arial" pitchFamily="34" charset="0"/>
+              <a:buChar char="•"/>
+              <a:defRPr sz="2000" kern="1200">
+                <a:solidFill>
+                  <a:schemeClr val="tx1"/>
+                </a:solidFill>
+                <a:latin typeface="+mn-lt"/>
+                <a:ea typeface="+mn-ea"/>
+                <a:cs typeface="+mn-cs"/>
+              </a:defRPr>
+            </a:lvl8pPr>
+            <a:lvl9pPr marL="3886200" indent="-228600" algn="l" defTabSz="914400" rtl="0" eaLnBrk="1" latinLnBrk="0" hangingPunct="1">
+              <a:spcBef>
+                <a:spcPct val="20000"/>
+              </a:spcBef>
+              <a:buFont typeface="Arial" pitchFamily="34" charset="0"/>
+              <a:buChar char="•"/>
+              <a:defRPr sz="2000" kern="1200">
+                <a:solidFill>
+                  <a:schemeClr val="tx1"/>
+                </a:solidFill>
+                <a:latin typeface="+mn-lt"/>
+                <a:ea typeface="+mn-ea"/>
+                <a:cs typeface="+mn-cs"/>
+              </a:defRPr>
+            </a:lvl9pPr>
+          </a:lstStyle>
+          <a:p>
+            <a:r>
+              <a:rPr lang="pl-PL" sz="2000" dirty="0"/>
+              <a:t>Case </a:t>
+            </a:r>
+            <a:r>
+              <a:rPr lang="pl-PL" sz="2000" dirty="0" err="1"/>
+              <a:t>clases</a:t>
+            </a:r>
+            <a:endParaRPr lang="pl-PL" sz="2000" dirty="0"/>
+          </a:p>
+          <a:p>
+            <a:r>
+              <a:rPr lang="pl-PL" sz="2000" dirty="0" err="1"/>
+              <a:t>Pattern</a:t>
+            </a:r>
+            <a:r>
+              <a:rPr lang="pl-PL" sz="2000" dirty="0"/>
+              <a:t> </a:t>
+            </a:r>
+            <a:r>
+              <a:rPr lang="pl-PL" sz="2000" dirty="0" err="1"/>
+              <a:t>matching</a:t>
+            </a:r>
+            <a:endParaRPr lang="pl-PL" sz="2000" dirty="0"/>
+          </a:p>
+          <a:p>
+            <a:r>
+              <a:rPr lang="pl-PL" sz="2000" dirty="0" err="1"/>
+              <a:t>Higher</a:t>
+            </a:r>
+            <a:r>
+              <a:rPr lang="pl-PL" sz="2000" dirty="0"/>
+              <a:t>-Order </a:t>
+            </a:r>
+            <a:r>
+              <a:rPr lang="pl-PL" sz="2000" dirty="0" err="1"/>
+              <a:t>Functions</a:t>
+            </a:r>
+            <a:endParaRPr lang="pl-PL" sz="2000" dirty="0"/>
+          </a:p>
+          <a:p>
+            <a:r>
+              <a:rPr lang="en-US" sz="2000" dirty="0"/>
+              <a:t>Advanced </a:t>
+            </a:r>
+            <a:r>
+              <a:rPr lang="pl-PL" sz="2000" dirty="0" err="1"/>
+              <a:t>collections</a:t>
+            </a:r>
+            <a:endParaRPr lang="en-US" sz="2000" dirty="0"/>
+          </a:p>
+          <a:p>
+            <a:pPr marL="0" indent="0">
+              <a:buNone/>
+            </a:pPr>
+            <a:endParaRPr lang="pl-PL" sz="2000" dirty="0"/>
+          </a:p>
+        </p:txBody>
+      </p:sp>
+      <p:sp>
+        <p:nvSpPr>
+          <p:cNvPr id="7" name="TextBox 6"/>
+          <p:cNvSpPr txBox="1"/>
+          <p:nvPr/>
+        </p:nvSpPr>
+        <p:spPr>
+          <a:xfrm>
+            <a:off x="8891051" y="1198880"/>
+            <a:ext cx="914400" cy="914400"/>
+          </a:xfrm>
+          <a:prstGeom prst="rect">
+            <a:avLst/>
+          </a:prstGeom>
+          <a:noFill/>
+        </p:spPr>
+        <p:txBody>
+          <a:bodyPr wrap="none" lIns="0" tIns="0" rIns="0" bIns="0" rtlCol="0">
+            <a:noAutofit/>
+          </a:bodyPr>
+          <a:lstStyle/>
+          <a:p>
+            <a:pPr>
+              <a:lnSpc>
+                <a:spcPct val="140000"/>
+              </a:lnSpc>
+            </a:pPr>
+            <a:endParaRPr lang="en-US" dirty="0" err="1">
+              <a:solidFill>
+                <a:schemeClr val="tx1"/>
+              </a:solidFill>
+            </a:endParaRPr>
+          </a:p>
+        </p:txBody>
+      </p:sp>
+    </p:spTree>
+    <p:extLst>
+      <p:ext uri="{BB962C8B-B14F-4D97-AF65-F5344CB8AC3E}">
+        <p14:creationId xmlns:p14="http://schemas.microsoft.com/office/powerpoint/2010/main" val="3776656830"/>
+      </p:ext>
+    </p:extLst>
+  </p:cSld>
+  <p:clrMapOvr>
+    <a:masterClrMapping/>
+  </p:clrMapOvr>
+</p:sld>
+</file>
+
+<file path=ppt/slides/slide16.xml><?xml version="1.0" encoding="utf-8"?>
+<p:sld xmlns:a="http://schemas.openxmlformats.org/drawingml/2006/main" xmlns:r="http://schemas.openxmlformats.org/officeDocument/2006/relationships" xmlns:p="http://schemas.openxmlformats.org/presentationml/2006/main">
+  <p:cSld>
+    <p:spTree>
+      <p:nvGrpSpPr>
+        <p:cNvPr id="1" name=""/>
+        <p:cNvGrpSpPr/>
+        <p:nvPr/>
+      </p:nvGrpSpPr>
+      <p:grpSpPr>
+        <a:xfrm>
+          <a:off x="0" y="0"/>
+          <a:ext cx="0" cy="0"/>
+          <a:chOff x="0" y="0"/>
+          <a:chExt cx="0" cy="0"/>
+        </a:xfrm>
+      </p:grpSpPr>
+      <p:sp>
+        <p:nvSpPr>
+          <p:cNvPr id="2" name="Title 1"/>
+          <p:cNvSpPr>
+            <a:spLocks noGrp="1"/>
+          </p:cNvSpPr>
+          <p:nvPr>
+            <p:ph type="title"/>
+          </p:nvPr>
+        </p:nvSpPr>
+        <p:spPr>
+          <a:xfrm>
+            <a:off x="755650" y="413693"/>
+            <a:ext cx="7632700" cy="357857"/>
+          </a:xfrm>
+        </p:spPr>
+        <p:txBody>
+          <a:bodyPr/>
+          <a:lstStyle/>
+          <a:p>
+            <a:r>
+              <a:rPr lang="pl-PL" dirty="0" err="1"/>
+              <a:t>Next</a:t>
+            </a:r>
+            <a:r>
+              <a:rPr lang="pl-PL" dirty="0"/>
+              <a:t>-gen ETL?	</a:t>
+            </a:r>
+            <a:endParaRPr lang="en-US" dirty="0"/>
+          </a:p>
+        </p:txBody>
+      </p:sp>
+      <p:sp>
+        <p:nvSpPr>
+          <p:cNvPr id="3" name="Footer Placeholder 2"/>
+          <p:cNvSpPr>
+            <a:spLocks noGrp="1"/>
+          </p:cNvSpPr>
+          <p:nvPr>
+            <p:ph type="ftr" sz="quarter" idx="16"/>
+          </p:nvPr>
+        </p:nvSpPr>
+        <p:spPr/>
+        <p:txBody>
+          <a:bodyPr/>
+          <a:lstStyle/>
+          <a:p>
+            <a:endParaRPr lang="pl-PL" dirty="0"/>
+          </a:p>
+        </p:txBody>
+      </p:sp>
+      <p:sp>
+        <p:nvSpPr>
+          <p:cNvPr id="4" name="Date Placeholder 3"/>
+          <p:cNvSpPr>
+            <a:spLocks noGrp="1"/>
+          </p:cNvSpPr>
+          <p:nvPr>
+            <p:ph type="dt" sz="half" idx="15"/>
+          </p:nvPr>
+        </p:nvSpPr>
+        <p:spPr/>
+        <p:txBody>
+          <a:bodyPr/>
+          <a:lstStyle/>
+          <a:p>
+            <a:endParaRPr lang="pl-PL" dirty="0"/>
+          </a:p>
+        </p:txBody>
+      </p:sp>
+      <p:sp>
+        <p:nvSpPr>
+          <p:cNvPr id="6" name="Text Placeholder 4"/>
+          <p:cNvSpPr txBox="1">
+            <a:spLocks/>
+          </p:cNvSpPr>
+          <p:nvPr/>
+        </p:nvSpPr>
+        <p:spPr>
+          <a:xfrm>
+            <a:off x="755650" y="915566"/>
+            <a:ext cx="7632700" cy="3797624"/>
+          </a:xfrm>
+          <a:prstGeom prst="rect">
+            <a:avLst/>
+          </a:prstGeom>
+        </p:spPr>
+        <p:txBody>
+          <a:bodyPr vert="horz" lIns="0" tIns="0" rIns="0" bIns="0" anchor="t"/>
+          <a:lstStyle>
+            <a:lvl1pPr marL="165100" indent="-165100" algn="l" defTabSz="914400" rtl="0" eaLnBrk="1" latinLnBrk="0" hangingPunct="1">
+              <a:lnSpc>
+                <a:spcPct val="140000"/>
+              </a:lnSpc>
+              <a:spcBef>
+                <a:spcPts val="0"/>
+              </a:spcBef>
+              <a:buClr>
+                <a:schemeClr val="accent1"/>
+              </a:buClr>
+              <a:buSzPct val="75000"/>
+              <a:buFont typeface="Wingdings" charset="2"/>
+              <a:buChar char="§"/>
+              <a:defRPr sz="1300" kern="1200">
+                <a:solidFill>
+                  <a:schemeClr val="tx1"/>
+                </a:solidFill>
+                <a:latin typeface="+mn-lt"/>
+                <a:ea typeface="+mn-ea"/>
+                <a:cs typeface="+mn-cs"/>
+              </a:defRPr>
+            </a:lvl1pPr>
+            <a:lvl2pPr marL="330200" indent="-165100" algn="l" defTabSz="914400" rtl="0" eaLnBrk="1" latinLnBrk="0" hangingPunct="1">
+              <a:lnSpc>
+                <a:spcPct val="140000"/>
+              </a:lnSpc>
+              <a:spcBef>
+                <a:spcPts val="0"/>
+              </a:spcBef>
+              <a:buClr>
+                <a:schemeClr val="bg2"/>
+              </a:buClr>
+              <a:buSzPct val="75000"/>
+              <a:buFont typeface="Wingdings" charset="2"/>
+              <a:buChar char="§"/>
+              <a:defRPr sz="1300" kern="1200">
+                <a:solidFill>
+                  <a:schemeClr val="tx1"/>
+                </a:solidFill>
+                <a:latin typeface="+mn-lt"/>
+                <a:ea typeface="+mn-ea"/>
+                <a:cs typeface="+mn-cs"/>
+              </a:defRPr>
+            </a:lvl2pPr>
+            <a:lvl3pPr marL="495300" indent="-165100" algn="l" defTabSz="914400" rtl="0" eaLnBrk="1" latinLnBrk="0" hangingPunct="1">
+              <a:lnSpc>
+                <a:spcPct val="140000"/>
+              </a:lnSpc>
+              <a:spcBef>
+                <a:spcPts val="0"/>
+              </a:spcBef>
+              <a:buClr>
+                <a:schemeClr val="bg2"/>
+              </a:buClr>
+              <a:buSzPct val="75000"/>
+              <a:buFont typeface="Wingdings" charset="2"/>
+              <a:buChar char="§"/>
+              <a:defRPr sz="1300" kern="1200">
+                <a:solidFill>
+                  <a:schemeClr val="tx1"/>
+                </a:solidFill>
+                <a:latin typeface="+mn-lt"/>
+                <a:ea typeface="+mn-ea"/>
+                <a:cs typeface="+mn-cs"/>
+              </a:defRPr>
+            </a:lvl3pPr>
+            <a:lvl4pPr marL="660400" indent="-165100" algn="l" defTabSz="914400" rtl="0" eaLnBrk="1" latinLnBrk="0" hangingPunct="1">
+              <a:lnSpc>
+                <a:spcPct val="140000"/>
+              </a:lnSpc>
+              <a:spcBef>
+                <a:spcPts val="0"/>
+              </a:spcBef>
+              <a:buClr>
+                <a:schemeClr val="bg2"/>
+              </a:buClr>
+              <a:buSzPct val="75000"/>
+              <a:buFont typeface="Wingdings" charset="2"/>
+              <a:buChar char="§"/>
+              <a:defRPr sz="1300" kern="1200">
+                <a:solidFill>
+                  <a:schemeClr val="tx1"/>
+                </a:solidFill>
+                <a:latin typeface="+mn-lt"/>
+                <a:ea typeface="+mn-ea"/>
+                <a:cs typeface="+mn-cs"/>
+              </a:defRPr>
+            </a:lvl4pPr>
+            <a:lvl5pPr marL="825500" indent="-165100" algn="l" defTabSz="914400" rtl="0" eaLnBrk="1" latinLnBrk="0" hangingPunct="1">
+              <a:lnSpc>
+                <a:spcPct val="140000"/>
+              </a:lnSpc>
+              <a:spcBef>
+                <a:spcPts val="0"/>
+              </a:spcBef>
+              <a:buClr>
+                <a:schemeClr val="bg2"/>
+              </a:buClr>
+              <a:buSzPct val="75000"/>
+              <a:buFont typeface="Wingdings" charset="2"/>
+              <a:buChar char="§"/>
+              <a:defRPr sz="1300" kern="1200">
+                <a:solidFill>
+                  <a:schemeClr val="tx1"/>
+                </a:solidFill>
+                <a:latin typeface="+mn-lt"/>
+                <a:ea typeface="+mn-ea"/>
+                <a:cs typeface="+mn-cs"/>
+              </a:defRPr>
+            </a:lvl5pPr>
+            <a:lvl6pPr marL="2514600" indent="-228600" algn="l" defTabSz="914400" rtl="0" eaLnBrk="1" latinLnBrk="0" hangingPunct="1">
+              <a:spcBef>
+                <a:spcPct val="20000"/>
+              </a:spcBef>
+              <a:buFont typeface="Arial" pitchFamily="34" charset="0"/>
+              <a:buChar char="•"/>
+              <a:defRPr sz="2000" kern="1200">
+                <a:solidFill>
+                  <a:schemeClr val="tx1"/>
+                </a:solidFill>
+                <a:latin typeface="+mn-lt"/>
+                <a:ea typeface="+mn-ea"/>
+                <a:cs typeface="+mn-cs"/>
+              </a:defRPr>
+            </a:lvl6pPr>
+            <a:lvl7pPr marL="2971800" indent="-228600" algn="l" defTabSz="914400" rtl="0" eaLnBrk="1" latinLnBrk="0" hangingPunct="1">
+              <a:spcBef>
+                <a:spcPct val="20000"/>
+              </a:spcBef>
+              <a:buFont typeface="Arial" pitchFamily="34" charset="0"/>
+              <a:buChar char="•"/>
+              <a:defRPr sz="2000" kern="1200">
+                <a:solidFill>
+                  <a:schemeClr val="tx1"/>
+                </a:solidFill>
+                <a:latin typeface="+mn-lt"/>
+                <a:ea typeface="+mn-ea"/>
+                <a:cs typeface="+mn-cs"/>
+              </a:defRPr>
+            </a:lvl7pPr>
+            <a:lvl8pPr marL="3429000" indent="-228600" algn="l" defTabSz="914400" rtl="0" eaLnBrk="1" latinLnBrk="0" hangingPunct="1">
+              <a:spcBef>
+                <a:spcPct val="20000"/>
+              </a:spcBef>
+              <a:buFont typeface="Arial" pitchFamily="34" charset="0"/>
+              <a:buChar char="•"/>
+              <a:defRPr sz="2000" kern="1200">
+                <a:solidFill>
+                  <a:schemeClr val="tx1"/>
+                </a:solidFill>
+                <a:latin typeface="+mn-lt"/>
+                <a:ea typeface="+mn-ea"/>
+                <a:cs typeface="+mn-cs"/>
+              </a:defRPr>
+            </a:lvl8pPr>
+            <a:lvl9pPr marL="3886200" indent="-228600" algn="l" defTabSz="914400" rtl="0" eaLnBrk="1" latinLnBrk="0" hangingPunct="1">
+              <a:spcBef>
+                <a:spcPct val="20000"/>
+              </a:spcBef>
+              <a:buFont typeface="Arial" pitchFamily="34" charset="0"/>
+              <a:buChar char="•"/>
+              <a:defRPr sz="2000" kern="1200">
+                <a:solidFill>
+                  <a:schemeClr val="tx1"/>
+                </a:solidFill>
+                <a:latin typeface="+mn-lt"/>
+                <a:ea typeface="+mn-ea"/>
+                <a:cs typeface="+mn-cs"/>
+              </a:defRPr>
+            </a:lvl9pPr>
+          </a:lstStyle>
+          <a:p>
+            <a:r>
+              <a:rPr lang="pl-PL" sz="2000" dirty="0" err="1"/>
+              <a:t>Comparison</a:t>
+            </a:r>
+            <a:r>
+              <a:rPr lang="pl-PL" sz="2000" dirty="0"/>
+              <a:t> to GUI </a:t>
+            </a:r>
+            <a:r>
+              <a:rPr lang="pl-PL" sz="2000" dirty="0" err="1"/>
+              <a:t>based</a:t>
+            </a:r>
+            <a:r>
+              <a:rPr lang="pl-PL" sz="2000" dirty="0"/>
+              <a:t> ETL</a:t>
+            </a:r>
+          </a:p>
+          <a:p>
+            <a:r>
+              <a:rPr lang="pl-PL" sz="2000" dirty="0" err="1"/>
+              <a:t>Code</a:t>
+            </a:r>
+            <a:r>
+              <a:rPr lang="pl-PL" sz="2000" dirty="0"/>
+              <a:t> </a:t>
+            </a:r>
+            <a:r>
+              <a:rPr lang="pl-PL" sz="2000" dirty="0" err="1"/>
+              <a:t>driven</a:t>
+            </a:r>
+            <a:r>
+              <a:rPr lang="pl-PL" sz="2000" dirty="0"/>
+              <a:t> </a:t>
+            </a:r>
+            <a:r>
+              <a:rPr lang="pl-PL" sz="2000" dirty="0" err="1"/>
+              <a:t>App</a:t>
+            </a:r>
+            <a:r>
+              <a:rPr lang="pl-PL" sz="2000" dirty="0"/>
+              <a:t> (no </a:t>
+            </a:r>
+            <a:r>
+              <a:rPr lang="pl-PL" sz="2000" dirty="0" err="1"/>
+              <a:t>more</a:t>
+            </a:r>
+            <a:r>
+              <a:rPr lang="pl-PL" sz="2000" dirty="0"/>
+              <a:t> </a:t>
+            </a:r>
+            <a:r>
+              <a:rPr lang="pl-PL" sz="2000" dirty="0" err="1"/>
+              <a:t>Wizard</a:t>
+            </a:r>
+            <a:r>
+              <a:rPr lang="pl-PL" sz="2000" dirty="0"/>
+              <a:t> </a:t>
+            </a:r>
+            <a:r>
+              <a:rPr lang="pl-PL" sz="2000" dirty="0" err="1"/>
+              <a:t>Hell</a:t>
+            </a:r>
+            <a:r>
+              <a:rPr lang="pl-PL" sz="2000" dirty="0"/>
+              <a:t>!)</a:t>
+            </a:r>
+          </a:p>
+          <a:p>
+            <a:r>
+              <a:rPr lang="pl-PL" sz="2000" dirty="0" err="1"/>
+              <a:t>Better</a:t>
+            </a:r>
+            <a:r>
+              <a:rPr lang="pl-PL" sz="2000" dirty="0"/>
+              <a:t> team-</a:t>
+            </a:r>
+            <a:r>
+              <a:rPr lang="pl-PL" sz="2000" dirty="0" err="1"/>
+              <a:t>based</a:t>
+            </a:r>
+            <a:r>
+              <a:rPr lang="pl-PL" sz="2000" dirty="0"/>
+              <a:t> development</a:t>
+            </a:r>
+          </a:p>
+          <a:p>
+            <a:r>
+              <a:rPr lang="pl-PL" sz="2000" dirty="0"/>
+              <a:t>Unit </a:t>
+            </a:r>
+            <a:r>
+              <a:rPr lang="pl-PL" sz="2000"/>
+              <a:t>tests</a:t>
+            </a:r>
+            <a:endParaRPr lang="pl-PL" sz="2000" dirty="0"/>
+          </a:p>
+          <a:p>
+            <a:r>
+              <a:rPr lang="pl-PL" sz="2000" dirty="0"/>
+              <a:t>Source </a:t>
+            </a:r>
+            <a:r>
+              <a:rPr lang="pl-PL" sz="2000" dirty="0" err="1"/>
+              <a:t>control</a:t>
+            </a:r>
+            <a:endParaRPr lang="en-US" sz="2000" dirty="0"/>
+          </a:p>
+          <a:p>
+            <a:pPr marL="0" indent="0">
+              <a:buNone/>
+            </a:pPr>
+            <a:endParaRPr lang="pl-PL" sz="2000" dirty="0"/>
+          </a:p>
+        </p:txBody>
+      </p:sp>
+      <p:sp>
+        <p:nvSpPr>
+          <p:cNvPr id="7" name="TextBox 6"/>
+          <p:cNvSpPr txBox="1"/>
+          <p:nvPr/>
+        </p:nvSpPr>
+        <p:spPr>
+          <a:xfrm>
+            <a:off x="8891051" y="1198880"/>
+            <a:ext cx="914400" cy="914400"/>
+          </a:xfrm>
+          <a:prstGeom prst="rect">
+            <a:avLst/>
+          </a:prstGeom>
+          <a:noFill/>
+        </p:spPr>
+        <p:txBody>
+          <a:bodyPr wrap="none" lIns="0" tIns="0" rIns="0" bIns="0" rtlCol="0">
+            <a:noAutofit/>
+          </a:bodyPr>
+          <a:lstStyle/>
+          <a:p>
+            <a:pPr>
+              <a:lnSpc>
+                <a:spcPct val="140000"/>
+              </a:lnSpc>
+            </a:pPr>
+            <a:endParaRPr lang="en-US" dirty="0" err="1">
+              <a:solidFill>
+                <a:schemeClr val="tx1"/>
+              </a:solidFill>
+            </a:endParaRPr>
+          </a:p>
+        </p:txBody>
+      </p:sp>
+      <p:sp>
+        <p:nvSpPr>
+          <p:cNvPr id="5" name="Rectangle 4">
+            <a:hlinkClick r:id="rId3"/>
+            <a:extLst>
+              <a:ext uri="{FF2B5EF4-FFF2-40B4-BE49-F238E27FC236}">
+                <a16:creationId xmlns:a16="http://schemas.microsoft.com/office/drawing/2014/main" id="{E2235CDF-EF62-486E-8EBB-310A2294A914}"/>
+              </a:ext>
+            </a:extLst>
+          </p:cNvPr>
+          <p:cNvSpPr/>
+          <p:nvPr/>
+        </p:nvSpPr>
+        <p:spPr>
+          <a:xfrm>
+            <a:off x="647601" y="3219822"/>
+            <a:ext cx="7848798" cy="253916"/>
+          </a:xfrm>
+          <a:prstGeom prst="rect">
+            <a:avLst/>
+          </a:prstGeom>
+        </p:spPr>
+        <p:txBody>
+          <a:bodyPr wrap="square">
+            <a:spAutoFit/>
+          </a:bodyPr>
+          <a:lstStyle/>
+          <a:p>
+            <a:r>
+              <a:rPr lang="pl-PL" sz="1050" dirty="0"/>
+              <a:t>https://www.red-gate.com/simple-talk/sql/bi/scala-apache-spark-tandem-next-generation-etl-framework/</a:t>
+            </a:r>
+          </a:p>
+        </p:txBody>
+      </p:sp>
+    </p:spTree>
+    <p:extLst>
+      <p:ext uri="{BB962C8B-B14F-4D97-AF65-F5344CB8AC3E}">
+        <p14:creationId xmlns:p14="http://schemas.microsoft.com/office/powerpoint/2010/main" val="1537144674"/>
+      </p:ext>
+    </p:extLst>
+  </p:cSld>
+  <p:clrMapOvr>
+    <a:masterClrMapping/>
+  </p:clrMapOvr>
+</p:sld>
+</file>
+
+<file path=ppt/slides/slide17.xml><?xml version="1.0" encoding="utf-8"?>
 <p:sld xmlns:a="http://schemas.openxmlformats.org/drawingml/2006/main" xmlns:r="http://schemas.openxmlformats.org/officeDocument/2006/relationships" xmlns:p="http://schemas.openxmlformats.org/presentationml/2006/main">
   <p:cSld>
     <p:spTree>
@@ -5899,473 +8714,6 @@
     <p:extLst>
       <p:ext uri="{BB962C8B-B14F-4D97-AF65-F5344CB8AC3E}">
         <p14:creationId xmlns:p14="http://schemas.microsoft.com/office/powerpoint/2010/main" val="1044518702"/>
-      </p:ext>
-    </p:extLst>
-  </p:cSld>
-  <p:clrMapOvr>
-    <a:masterClrMapping/>
-  </p:clrMapOvr>
-</p:sld>
-</file>
-
-<file path=ppt/slides/slide15.xml><?xml version="1.0" encoding="utf-8"?>
-<p:sld xmlns:a="http://schemas.openxmlformats.org/drawingml/2006/main" xmlns:r="http://schemas.openxmlformats.org/officeDocument/2006/relationships" xmlns:p="http://schemas.openxmlformats.org/presentationml/2006/main">
-  <p:cSld>
-    <p:spTree>
-      <p:nvGrpSpPr>
-        <p:cNvPr id="1" name=""/>
-        <p:cNvGrpSpPr/>
-        <p:nvPr/>
-      </p:nvGrpSpPr>
-      <p:grpSpPr>
-        <a:xfrm>
-          <a:off x="0" y="0"/>
-          <a:ext cx="0" cy="0"/>
-          <a:chOff x="0" y="0"/>
-          <a:chExt cx="0" cy="0"/>
-        </a:xfrm>
-      </p:grpSpPr>
-      <p:sp>
-        <p:nvSpPr>
-          <p:cNvPr id="2" name="Title 1"/>
-          <p:cNvSpPr>
-            <a:spLocks noGrp="1"/>
-          </p:cNvSpPr>
-          <p:nvPr>
-            <p:ph type="title"/>
-          </p:nvPr>
-        </p:nvSpPr>
-        <p:spPr>
-          <a:xfrm>
-            <a:off x="755650" y="413693"/>
-            <a:ext cx="7632700" cy="357857"/>
-          </a:xfrm>
-        </p:spPr>
-        <p:txBody>
-          <a:bodyPr/>
-          <a:lstStyle/>
-          <a:p>
-            <a:r>
-              <a:rPr lang="en-US" dirty="0"/>
-              <a:t>Basic rules</a:t>
-            </a:r>
-          </a:p>
-        </p:txBody>
-      </p:sp>
-      <p:sp>
-        <p:nvSpPr>
-          <p:cNvPr id="3" name="Footer Placeholder 2"/>
-          <p:cNvSpPr>
-            <a:spLocks noGrp="1"/>
-          </p:cNvSpPr>
-          <p:nvPr>
-            <p:ph type="ftr" sz="quarter" idx="16"/>
-          </p:nvPr>
-        </p:nvSpPr>
-        <p:spPr/>
-        <p:txBody>
-          <a:bodyPr/>
-          <a:lstStyle/>
-          <a:p>
-            <a:endParaRPr lang="pl-PL" dirty="0"/>
-          </a:p>
-        </p:txBody>
-      </p:sp>
-      <p:sp>
-        <p:nvSpPr>
-          <p:cNvPr id="4" name="Date Placeholder 3"/>
-          <p:cNvSpPr>
-            <a:spLocks noGrp="1"/>
-          </p:cNvSpPr>
-          <p:nvPr>
-            <p:ph type="dt" sz="half" idx="15"/>
-          </p:nvPr>
-        </p:nvSpPr>
-        <p:spPr/>
-        <p:txBody>
-          <a:bodyPr/>
-          <a:lstStyle/>
-          <a:p>
-            <a:endParaRPr lang="pl-PL" dirty="0"/>
-          </a:p>
-        </p:txBody>
-      </p:sp>
-      <p:sp>
-        <p:nvSpPr>
-          <p:cNvPr id="5" name="Text Placeholder 4"/>
-          <p:cNvSpPr>
-            <a:spLocks noGrp="1"/>
-          </p:cNvSpPr>
-          <p:nvPr>
-            <p:ph type="body" sz="quarter" idx="17"/>
-          </p:nvPr>
-        </p:nvSpPr>
-        <p:spPr>
-          <a:xfrm>
-            <a:off x="755651" y="915543"/>
-            <a:ext cx="3671888" cy="3816795"/>
-          </a:xfrm>
-        </p:spPr>
-        <p:txBody>
-          <a:bodyPr/>
-          <a:lstStyle/>
-          <a:p>
-            <a:r>
-              <a:rPr lang="en-US" dirty="0"/>
-              <a:t>Install PT Sans – </a:t>
-            </a:r>
-            <a:r>
-              <a:rPr lang="en-US" dirty="0">
-                <a:hlinkClick r:id="rId2"/>
-              </a:rPr>
-              <a:t>download here</a:t>
-            </a:r>
-            <a:endParaRPr lang="en-US" dirty="0"/>
-          </a:p>
-          <a:p>
-            <a:r>
-              <a:rPr lang="en-US" dirty="0"/>
-              <a:t>Use slide templates according to their purpose </a:t>
-            </a:r>
-            <a:r>
-              <a:rPr lang="en-US" dirty="0">
-                <a:solidFill>
-                  <a:schemeClr val="bg2"/>
-                </a:solidFill>
-              </a:rPr>
-              <a:t>(see image on the right)</a:t>
-            </a:r>
-          </a:p>
-          <a:p>
-            <a:r>
-              <a:rPr lang="en-US" dirty="0"/>
-              <a:t>Use consistent style of all diagrams, charts and pictures</a:t>
-            </a:r>
-          </a:p>
-          <a:p>
-            <a:r>
-              <a:rPr lang="en-US" dirty="0"/>
-              <a:t>Do not use </a:t>
-            </a:r>
-            <a:r>
-              <a:rPr lang="en-US" strike="sngStrike" dirty="0"/>
-              <a:t>UPPERCASE</a:t>
-            </a:r>
-          </a:p>
-          <a:p>
-            <a:r>
-              <a:rPr lang="en-US" dirty="0"/>
-              <a:t>Do not rescale images</a:t>
-            </a:r>
-          </a:p>
-          <a:p>
-            <a:r>
-              <a:rPr lang="en-US" dirty="0"/>
-              <a:t>Do not place content outside margin</a:t>
-            </a:r>
-          </a:p>
-          <a:p>
-            <a:pPr marL="165600" indent="-165600">
-              <a:buClr>
-                <a:srgbClr val="1895D3"/>
-              </a:buClr>
-            </a:pPr>
-            <a:r>
-              <a:rPr lang="en-US" sz="1400" dirty="0"/>
-              <a:t>Do not use effects like shadows </a:t>
-            </a:r>
-          </a:p>
-          <a:p>
-            <a:pPr marL="0" indent="0">
-              <a:buClr>
-                <a:srgbClr val="1895D3"/>
-              </a:buClr>
-              <a:buNone/>
-            </a:pPr>
-            <a:r>
-              <a:rPr lang="en-US" sz="1400" dirty="0"/>
-              <a:t>   and so one</a:t>
-            </a:r>
-            <a:r>
-              <a:rPr lang="is-IS" sz="1400" dirty="0"/>
-              <a:t>…</a:t>
-            </a:r>
-            <a:endParaRPr lang="en-US" sz="1400" dirty="0"/>
-          </a:p>
-          <a:p>
-            <a:pPr marL="165600" indent="-165600">
-              <a:buClr>
-                <a:srgbClr val="1895D3"/>
-              </a:buClr>
-            </a:pPr>
-            <a:r>
-              <a:rPr lang="en-US" sz="1400" dirty="0"/>
-              <a:t>Do not justify text</a:t>
-            </a:r>
-          </a:p>
-          <a:p>
-            <a:endParaRPr lang="en-US" dirty="0"/>
-          </a:p>
-        </p:txBody>
-      </p:sp>
-      <p:sp>
-        <p:nvSpPr>
-          <p:cNvPr id="8" name="Text Placeholder 1"/>
-          <p:cNvSpPr txBox="1">
-            <a:spLocks/>
-          </p:cNvSpPr>
-          <p:nvPr/>
-        </p:nvSpPr>
-        <p:spPr>
-          <a:xfrm>
-            <a:off x="755650" y="4299942"/>
-            <a:ext cx="3671888" cy="428908"/>
-          </a:xfrm>
-          <a:prstGeom prst="rect">
-            <a:avLst/>
-          </a:prstGeom>
-        </p:spPr>
-        <p:txBody>
-          <a:bodyPr lIns="0" tIns="0" rIns="0" bIns="0" anchor="b"/>
-          <a:lstStyle>
-            <a:lvl1pPr marL="342900" indent="-342900" algn="l" defTabSz="914400" rtl="0" eaLnBrk="1" latinLnBrk="0" hangingPunct="1">
-              <a:spcBef>
-                <a:spcPct val="20000"/>
-              </a:spcBef>
-              <a:buFont typeface="Arial" pitchFamily="34" charset="0"/>
-              <a:buChar char="•"/>
-              <a:defRPr sz="3200" kern="1200">
-                <a:solidFill>
-                  <a:schemeClr val="tx1"/>
-                </a:solidFill>
-                <a:latin typeface="+mn-lt"/>
-                <a:ea typeface="+mn-ea"/>
-                <a:cs typeface="+mn-cs"/>
-              </a:defRPr>
-            </a:lvl1pPr>
-            <a:lvl2pPr marL="742950" indent="-285750" algn="l" defTabSz="914400" rtl="0" eaLnBrk="1" latinLnBrk="0" hangingPunct="1">
-              <a:spcBef>
-                <a:spcPct val="20000"/>
-              </a:spcBef>
-              <a:buFont typeface="Arial" pitchFamily="34" charset="0"/>
-              <a:buChar char="–"/>
-              <a:defRPr sz="2800" kern="1200">
-                <a:solidFill>
-                  <a:schemeClr val="tx1"/>
-                </a:solidFill>
-                <a:latin typeface="+mn-lt"/>
-                <a:ea typeface="+mn-ea"/>
-                <a:cs typeface="+mn-cs"/>
-              </a:defRPr>
-            </a:lvl2pPr>
-            <a:lvl3pPr marL="1143000" indent="-228600" algn="l" defTabSz="914400" rtl="0" eaLnBrk="1" latinLnBrk="0" hangingPunct="1">
-              <a:spcBef>
-                <a:spcPct val="20000"/>
-              </a:spcBef>
-              <a:buFont typeface="Arial" pitchFamily="34" charset="0"/>
-              <a:buChar char="•"/>
-              <a:defRPr sz="2400" kern="1200">
-                <a:solidFill>
-                  <a:schemeClr val="tx1"/>
-                </a:solidFill>
-                <a:latin typeface="+mn-lt"/>
-                <a:ea typeface="+mn-ea"/>
-                <a:cs typeface="+mn-cs"/>
-              </a:defRPr>
-            </a:lvl3pPr>
-            <a:lvl4pPr marL="1600200" indent="-228600" algn="l" defTabSz="914400" rtl="0" eaLnBrk="1" latinLnBrk="0" hangingPunct="1">
-              <a:spcBef>
-                <a:spcPct val="20000"/>
-              </a:spcBef>
-              <a:buFont typeface="Arial" pitchFamily="34" charset="0"/>
-              <a:buChar char="–"/>
-              <a:defRPr sz="2000" kern="1200">
-                <a:solidFill>
-                  <a:schemeClr val="tx1"/>
-                </a:solidFill>
-                <a:latin typeface="+mn-lt"/>
-                <a:ea typeface="+mn-ea"/>
-                <a:cs typeface="+mn-cs"/>
-              </a:defRPr>
-            </a:lvl4pPr>
-            <a:lvl5pPr marL="2057400" indent="-228600" algn="l" defTabSz="914400" rtl="0" eaLnBrk="1" latinLnBrk="0" hangingPunct="1">
-              <a:spcBef>
-                <a:spcPct val="20000"/>
-              </a:spcBef>
-              <a:buFont typeface="Arial" pitchFamily="34" charset="0"/>
-              <a:buChar char="»"/>
-              <a:defRPr sz="2000" kern="1200">
-                <a:solidFill>
-                  <a:schemeClr val="tx1"/>
-                </a:solidFill>
-                <a:latin typeface="+mn-lt"/>
-                <a:ea typeface="+mn-ea"/>
-                <a:cs typeface="+mn-cs"/>
-              </a:defRPr>
-            </a:lvl5pPr>
-            <a:lvl6pPr marL="2514600" indent="-228600" algn="l" defTabSz="914400" rtl="0" eaLnBrk="1" latinLnBrk="0" hangingPunct="1">
-              <a:spcBef>
-                <a:spcPct val="20000"/>
-              </a:spcBef>
-              <a:buFont typeface="Arial" pitchFamily="34" charset="0"/>
-              <a:buChar char="•"/>
-              <a:defRPr sz="2000" kern="1200">
-                <a:solidFill>
-                  <a:schemeClr val="tx1"/>
-                </a:solidFill>
-                <a:latin typeface="+mn-lt"/>
-                <a:ea typeface="+mn-ea"/>
-                <a:cs typeface="+mn-cs"/>
-              </a:defRPr>
-            </a:lvl6pPr>
-            <a:lvl7pPr marL="2971800" indent="-228600" algn="l" defTabSz="914400" rtl="0" eaLnBrk="1" latinLnBrk="0" hangingPunct="1">
-              <a:spcBef>
-                <a:spcPct val="20000"/>
-              </a:spcBef>
-              <a:buFont typeface="Arial" pitchFamily="34" charset="0"/>
-              <a:buChar char="•"/>
-              <a:defRPr sz="2000" kern="1200">
-                <a:solidFill>
-                  <a:schemeClr val="tx1"/>
-                </a:solidFill>
-                <a:latin typeface="+mn-lt"/>
-                <a:ea typeface="+mn-ea"/>
-                <a:cs typeface="+mn-cs"/>
-              </a:defRPr>
-            </a:lvl7pPr>
-            <a:lvl8pPr marL="3429000" indent="-228600" algn="l" defTabSz="914400" rtl="0" eaLnBrk="1" latinLnBrk="0" hangingPunct="1">
-              <a:spcBef>
-                <a:spcPct val="20000"/>
-              </a:spcBef>
-              <a:buFont typeface="Arial" pitchFamily="34" charset="0"/>
-              <a:buChar char="•"/>
-              <a:defRPr sz="2000" kern="1200">
-                <a:solidFill>
-                  <a:schemeClr val="tx1"/>
-                </a:solidFill>
-                <a:latin typeface="+mn-lt"/>
-                <a:ea typeface="+mn-ea"/>
-                <a:cs typeface="+mn-cs"/>
-              </a:defRPr>
-            </a:lvl8pPr>
-            <a:lvl9pPr marL="3886200" indent="-228600" algn="l" defTabSz="914400" rtl="0" eaLnBrk="1" latinLnBrk="0" hangingPunct="1">
-              <a:spcBef>
-                <a:spcPct val="20000"/>
-              </a:spcBef>
-              <a:buFont typeface="Arial" pitchFamily="34" charset="0"/>
-              <a:buChar char="•"/>
-              <a:defRPr sz="2000" kern="1200">
-                <a:solidFill>
-                  <a:schemeClr val="tx1"/>
-                </a:solidFill>
-                <a:latin typeface="+mn-lt"/>
-                <a:ea typeface="+mn-ea"/>
-                <a:cs typeface="+mn-cs"/>
-              </a:defRPr>
-            </a:lvl9pPr>
-          </a:lstStyle>
-          <a:p>
-            <a:pPr marL="0" indent="0">
-              <a:buNone/>
-            </a:pPr>
-            <a:r>
-              <a:rPr lang="en-US" sz="900" dirty="0">
-                <a:solidFill>
-                  <a:schemeClr val="bg2"/>
-                </a:solidFill>
-              </a:rPr>
-              <a:t>You can put i.e. Presentation Title instead of “Date” and Confidentiality level in “Footer” frame.</a:t>
-            </a:r>
-          </a:p>
-          <a:p>
-            <a:pPr marL="0" indent="0">
-              <a:buNone/>
-            </a:pPr>
-            <a:r>
-              <a:rPr lang="en-US" sz="900" u="sng" dirty="0">
-                <a:solidFill>
-                  <a:schemeClr val="bg2"/>
-                </a:solidFill>
-              </a:rPr>
-              <a:t>File</a:t>
-            </a:r>
-            <a:r>
-              <a:rPr lang="en-US" sz="900" dirty="0">
-                <a:solidFill>
-                  <a:schemeClr val="bg2"/>
-                </a:solidFill>
-              </a:rPr>
-              <a:t> &gt; </a:t>
-            </a:r>
-            <a:r>
-              <a:rPr lang="en-US" sz="900" u="sng" dirty="0">
-                <a:solidFill>
-                  <a:schemeClr val="bg2"/>
-                </a:solidFill>
-              </a:rPr>
-              <a:t>Page Setup</a:t>
-            </a:r>
-            <a:r>
-              <a:rPr lang="en-US" sz="900" dirty="0">
-                <a:solidFill>
-                  <a:schemeClr val="bg2"/>
-                </a:solidFill>
-              </a:rPr>
-              <a:t> &gt; </a:t>
-            </a:r>
-            <a:r>
-              <a:rPr lang="en-US" sz="900" u="sng" dirty="0">
-                <a:solidFill>
-                  <a:schemeClr val="bg2"/>
-                </a:solidFill>
-              </a:rPr>
-              <a:t>Header/Footer</a:t>
-            </a:r>
-            <a:r>
-              <a:rPr lang="en-US" sz="900" dirty="0">
-                <a:solidFill>
-                  <a:schemeClr val="bg2"/>
-                </a:solidFill>
-              </a:rPr>
-              <a:t>  </a:t>
-            </a:r>
-          </a:p>
-        </p:txBody>
-      </p:sp>
-      <p:pic>
-        <p:nvPicPr>
-          <p:cNvPr id="9" name="Picture 8" descr="tabs.png"/>
-          <p:cNvPicPr>
-            <a:picLocks noChangeAspect="1"/>
-          </p:cNvPicPr>
-          <p:nvPr/>
-        </p:nvPicPr>
-        <p:blipFill>
-          <a:blip r:embed="rId3">
-            <a:extLst>
-              <a:ext uri="{28A0092B-C50C-407E-A947-70E740481C1C}">
-                <a14:useLocalDpi xmlns:a14="http://schemas.microsoft.com/office/drawing/2010/main" val="0"/>
-              </a:ext>
-            </a:extLst>
-          </a:blip>
-          <a:stretch>
-            <a:fillRect/>
-          </a:stretch>
-        </p:blipFill>
-        <p:spPr>
-          <a:xfrm>
-            <a:off x="4714874" y="690932"/>
-            <a:ext cx="2593429" cy="3897042"/>
-          </a:xfrm>
-          <a:prstGeom prst="rect">
-            <a:avLst/>
-          </a:prstGeom>
-        </p:spPr>
-      </p:pic>
-    </p:spTree>
-    <p:extLst>
-      <p:ext uri="{BB962C8B-B14F-4D97-AF65-F5344CB8AC3E}">
-        <p14:creationId xmlns:p14="http://schemas.microsoft.com/office/powerpoint/2010/main" val="3964332974"/>
       </p:ext>
     </p:extLst>
   </p:cSld>
@@ -11410,22 +13758,6 @@
 </file>
 
 <file path=customXml/item1.xml><?xml version="1.0" encoding="utf-8"?>
-<p:properties xmlns:p="http://schemas.microsoft.com/office/2006/metadata/properties" xmlns:xsi="http://www.w3.org/2001/XMLSchema-instance" xmlns:pc="http://schemas.microsoft.com/office/infopath/2007/PartnerControls">
-  <documentManagement>
-    <PublishingExpirationDate xmlns="http://schemas.microsoft.com/sharepoint/v3" xsi:nil="true"/>
-    <PublishingStartDate xmlns="http://schemas.microsoft.com/sharepoint/v3" xsi:nil="true"/>
-    <_dlc_DocId xmlns="3708c738-35ee-46ab-80c7-a8ab2419782e">OBSS-2049071821-626200</_dlc_DocId>
-    <_dlc_DocIdUrl xmlns="3708c738-35ee-46ab-80c7-a8ab2419782e">
-      <Url>https://obss.sharepoint.com/guilds/bids/_layouts/15/DocIdRedir.aspx?ID=OBSS-2049071821-626200</Url>
-      <Description>OBSS-2049071821-626200</Description>
-    </_dlc_DocIdUrl>
-    <TaxCatchAll xmlns="3708c738-35ee-46ab-80c7-a8ab2419782e"/>
-    <Tags xmlns="cb0eccee-0f77-49ec-991a-9389dd455cd9"/>
-  </documentManagement>
-</p:properties>
-</file>
-
-<file path=customXml/item2.xml><?xml version="1.0" encoding="utf-8"?>
 <ct:contentTypeSchema xmlns:ct="http://schemas.microsoft.com/office/2006/metadata/contentType" xmlns:ma="http://schemas.microsoft.com/office/2006/metadata/properties/metaAttributes" ct:_="" ma:_="" ma:contentTypeName="Document" ma:contentTypeID="0x0101004C5700F8113EE4489F80B9033377C718" ma:contentTypeVersion="19" ma:contentTypeDescription="Create a new document." ma:contentTypeScope="" ma:versionID="8d67101e943c232340b05bc442984c99">
   <xsd:schema xmlns:xsd="http://www.w3.org/2001/XMLSchema" xmlns:xs="http://www.w3.org/2001/XMLSchema" xmlns:p="http://schemas.microsoft.com/office/2006/metadata/properties" xmlns:ns1="http://schemas.microsoft.com/sharepoint/v3" xmlns:ns2="3708c738-35ee-46ab-80c7-a8ab2419782e" xmlns:ns3="b6c8aff7-8255-4849-b8e8-fa486e1a95ad" xmlns:ns4="cb0eccee-0f77-49ec-991a-9389dd455cd9" targetNamespace="http://schemas.microsoft.com/office/2006/metadata/properties" ma:root="true" ma:fieldsID="9ddce169edf252f70c1f33ba5a2d8d15" ns1:_="" ns2:_="" ns3:_="" ns4:_="">
     <xsd:import namespace="http://schemas.microsoft.com/sharepoint/v3"/>
@@ -11686,7 +14018,32 @@
 </ct:contentTypeSchema>
 </file>
 
+<file path=customXml/item2.xml><?xml version="1.0" encoding="utf-8"?>
+<p:properties xmlns:p="http://schemas.microsoft.com/office/2006/metadata/properties" xmlns:xsi="http://www.w3.org/2001/XMLSchema-instance" xmlns:pc="http://schemas.microsoft.com/office/infopath/2007/PartnerControls">
+  <documentManagement>
+    <PublishingExpirationDate xmlns="http://schemas.microsoft.com/sharepoint/v3" xsi:nil="true"/>
+    <PublishingStartDate xmlns="http://schemas.microsoft.com/sharepoint/v3" xsi:nil="true"/>
+    <_dlc_DocId xmlns="3708c738-35ee-46ab-80c7-a8ab2419782e">OBSS-2049071821-626200</_dlc_DocId>
+    <_dlc_DocIdUrl xmlns="3708c738-35ee-46ab-80c7-a8ab2419782e">
+      <Url>https://obss.sharepoint.com/guilds/bids/_layouts/15/DocIdRedir.aspx?ID=OBSS-2049071821-626200</Url>
+      <Description>OBSS-2049071821-626200</Description>
+    </_dlc_DocIdUrl>
+    <TaxCatchAll xmlns="3708c738-35ee-46ab-80c7-a8ab2419782e"/>
+    <Tags xmlns="cb0eccee-0f77-49ec-991a-9389dd455cd9"/>
+  </documentManagement>
+</p:properties>
+</file>
+
 <file path=customXml/item3.xml><?xml version="1.0" encoding="utf-8"?>
+<?mso-contentType ?>
+<FormTemplates xmlns="http://schemas.microsoft.com/sharepoint/v3/contenttype/forms">
+  <Display>DocumentLibraryForm</Display>
+  <Edit>DocumentLibraryForm</Edit>
+  <New>DocumentLibraryForm</New>
+</FormTemplates>
+</file>
+
+<file path=customXml/item4.xml><?xml version="1.0" encoding="utf-8"?>
 <?mso-contentType ?>
 <spe:Receivers xmlns:spe="http://schemas.microsoft.com/sharepoint/events">
   <Receiver>
@@ -11736,28 +14093,7 @@
 </spe:Receivers>
 </file>
 
-<file path=customXml/item4.xml><?xml version="1.0" encoding="utf-8"?>
-<?mso-contentType ?>
-<FormTemplates xmlns="http://schemas.microsoft.com/sharepoint/v3/contenttype/forms">
-  <Display>DocumentLibraryForm</Display>
-  <Edit>DocumentLibraryForm</Edit>
-  <New>DocumentLibraryForm</New>
-</FormTemplates>
-</file>
-
 <file path=customXml/itemProps1.xml><?xml version="1.0" encoding="utf-8"?>
-<ds:datastoreItem xmlns:ds="http://schemas.openxmlformats.org/officeDocument/2006/customXml" ds:itemID="{C053F735-BAB9-4147-90B7-05A702639313}">
-  <ds:schemaRefs>
-    <ds:schemaRef ds:uri="http://schemas.microsoft.com/office/2006/metadata/properties"/>
-    <ds:schemaRef ds:uri="http://schemas.microsoft.com/office/infopath/2007/PartnerControls"/>
-    <ds:schemaRef ds:uri="http://schemas.microsoft.com/sharepoint/v3"/>
-    <ds:schemaRef ds:uri="3708c738-35ee-46ab-80c7-a8ab2419782e"/>
-    <ds:schemaRef ds:uri="cb0eccee-0f77-49ec-991a-9389dd455cd9"/>
-  </ds:schemaRefs>
-</ds:datastoreItem>
-</file>
-
-<file path=customXml/itemProps2.xml><?xml version="1.0" encoding="utf-8"?>
 <ds:datastoreItem xmlns:ds="http://schemas.openxmlformats.org/officeDocument/2006/customXml" ds:itemID="{09C3D11A-0D75-4D0F-B6FB-7E9079733382}">
   <ds:schemaRefs>
     <ds:schemaRef ds:uri="http://schemas.microsoft.com/office/2006/metadata/contentType"/>
@@ -11778,18 +14114,30 @@
 </ds:datastoreItem>
 </file>
 
+<file path=customXml/itemProps2.xml><?xml version="1.0" encoding="utf-8"?>
+<ds:datastoreItem xmlns:ds="http://schemas.openxmlformats.org/officeDocument/2006/customXml" ds:itemID="{C053F735-BAB9-4147-90B7-05A702639313}">
+  <ds:schemaRefs>
+    <ds:schemaRef ds:uri="http://schemas.microsoft.com/office/2006/metadata/properties"/>
+    <ds:schemaRef ds:uri="http://schemas.microsoft.com/office/infopath/2007/PartnerControls"/>
+    <ds:schemaRef ds:uri="http://schemas.microsoft.com/sharepoint/v3"/>
+    <ds:schemaRef ds:uri="3708c738-35ee-46ab-80c7-a8ab2419782e"/>
+    <ds:schemaRef ds:uri="cb0eccee-0f77-49ec-991a-9389dd455cd9"/>
+  </ds:schemaRefs>
+</ds:datastoreItem>
+</file>
+
 <file path=customXml/itemProps3.xml><?xml version="1.0" encoding="utf-8"?>
+<ds:datastoreItem xmlns:ds="http://schemas.openxmlformats.org/officeDocument/2006/customXml" ds:itemID="{47D6E47B-A0F9-4A9A-A856-AFB8DF7B2758}">
+  <ds:schemaRefs>
+    <ds:schemaRef ds:uri="http://schemas.microsoft.com/sharepoint/v3/contenttype/forms"/>
+  </ds:schemaRefs>
+</ds:datastoreItem>
+</file>
+
+<file path=customXml/itemProps4.xml><?xml version="1.0" encoding="utf-8"?>
 <ds:datastoreItem xmlns:ds="http://schemas.openxmlformats.org/officeDocument/2006/customXml" ds:itemID="{0971A6D6-1C30-4849-8471-7486F20BE09D}">
   <ds:schemaRefs>
     <ds:schemaRef ds:uri="http://schemas.microsoft.com/sharepoint/events"/>
   </ds:schemaRefs>
 </ds:datastoreItem>
-</file>
-
-<file path=customXml/itemProps4.xml><?xml version="1.0" encoding="utf-8"?>
-<ds:datastoreItem xmlns:ds="http://schemas.openxmlformats.org/officeDocument/2006/customXml" ds:itemID="{47D6E47B-A0F9-4A9A-A856-AFB8DF7B2758}">
-  <ds:schemaRefs>
-    <ds:schemaRef ds:uri="http://schemas.microsoft.com/sharepoint/v3/contenttype/forms"/>
-  </ds:schemaRefs>
-</ds:datastoreItem>
 </file>
--- a/src/main/resources/slides.pptx
+++ b/src/main/resources/slides.pptx
@@ -5,10 +5,10 @@
     <p:sldMasterId id="2147483684" r:id="rId5"/>
   </p:sldMasterIdLst>
   <p:notesMasterIdLst>
-    <p:notesMasterId r:id="rId23"/>
+    <p:notesMasterId r:id="rId28"/>
   </p:notesMasterIdLst>
   <p:handoutMasterIdLst>
-    <p:handoutMasterId r:id="rId24"/>
+    <p:handoutMasterId r:id="rId29"/>
   </p:handoutMasterIdLst>
   <p:sldIdLst>
     <p:sldId id="258" r:id="rId6"/>
@@ -26,8 +26,13 @@
     <p:sldId id="287" r:id="rId18"/>
     <p:sldId id="288" r:id="rId19"/>
     <p:sldId id="289" r:id="rId20"/>
-    <p:sldId id="290" r:id="rId21"/>
-    <p:sldId id="275" r:id="rId22"/>
+    <p:sldId id="291" r:id="rId21"/>
+    <p:sldId id="292" r:id="rId22"/>
+    <p:sldId id="293" r:id="rId23"/>
+    <p:sldId id="294" r:id="rId24"/>
+    <p:sldId id="295" r:id="rId25"/>
+    <p:sldId id="290" r:id="rId26"/>
+    <p:sldId id="275" r:id="rId27"/>
   </p:sldIdLst>
   <p:sldSz cx="9144000" cy="5143500" type="screen16x9"/>
   <p:notesSz cx="6858000" cy="9144000"/>
@@ -1060,132 +1065,7 @@
           <a:bodyPr/>
           <a:lstStyle/>
           <a:p>
-            <a:r>
-              <a:rPr lang="en-US" dirty="0"/>
-              <a:t>Why Not Scala?</a:t>
-            </a:r>
-          </a:p>
-          <a:p>
-            <a:r>
-              <a:rPr lang="en-US" dirty="0"/>
-              <a:t>Scala isn't perfect. There are two disadvantages compared to Python and R:</a:t>
-            </a:r>
-          </a:p>
-          <a:p>
-            <a:pPr marL="171450" indent="-171450">
-              <a:buFont typeface="Arial" panose="020B0604020202020204" pitchFamily="34" charset="0"/>
-              <a:buChar char="•"/>
-            </a:pPr>
-            <a:r>
-              <a:rPr lang="en-US" dirty="0"/>
-              <a:t>Libraries</a:t>
-            </a:r>
-            <a:r>
-              <a:rPr lang="pl-PL" dirty="0"/>
-              <a:t> - </a:t>
-            </a:r>
-            <a:r>
-              <a:rPr lang="en-US" dirty="0"/>
-              <a:t>Python </a:t>
-            </a:r>
-            <a:r>
-              <a:rPr lang="pl-PL" dirty="0"/>
-              <a:t>i</a:t>
-            </a:r>
-            <a:r>
-              <a:rPr lang="en-US" dirty="0"/>
-              <a:t> R </a:t>
-            </a:r>
-            <a:r>
-              <a:rPr lang="pl-PL" dirty="0"/>
-              <a:t> posiada bogaty </a:t>
-            </a:r>
-            <a:r>
-              <a:rPr lang="pl-PL" dirty="0" err="1"/>
-              <a:t>echosytem</a:t>
-            </a:r>
-            <a:r>
-              <a:rPr lang="pl-PL" dirty="0"/>
-              <a:t> bibliotek i duże </a:t>
-            </a:r>
-            <a:r>
-              <a:rPr lang="pl-PL" dirty="0" err="1"/>
-              <a:t>community</a:t>
-            </a:r>
-            <a:r>
-              <a:rPr lang="pl-PL" dirty="0"/>
-              <a:t>. Scala stara się gonić </a:t>
-            </a:r>
-            <a:r>
-              <a:rPr lang="pl-PL" dirty="0" err="1"/>
-              <a:t>Pythona</a:t>
-            </a:r>
-            <a:r>
-              <a:rPr lang="pl-PL" dirty="0"/>
-              <a:t>, ale to jak z analogią psa i uciekającego </a:t>
-            </a:r>
-            <a:r>
-              <a:rPr lang="pl-PL" dirty="0" err="1"/>
-              <a:t>któlika</a:t>
-            </a:r>
-            <a:r>
-              <a:rPr lang="pl-PL" dirty="0"/>
-              <a:t>. </a:t>
-            </a:r>
-          </a:p>
-          <a:p>
-            <a:pPr marL="171450" indent="-171450">
-              <a:buFont typeface="Arial" panose="020B0604020202020204" pitchFamily="34" charset="0"/>
-              <a:buChar char="•"/>
-            </a:pPr>
-            <a:r>
-              <a:rPr lang="en-US" dirty="0"/>
-              <a:t>Advanced Language Features:</a:t>
-            </a:r>
-            <a:r>
-              <a:rPr lang="pl-PL" dirty="0"/>
-              <a:t> - opanowanie API Scali to nie </a:t>
-            </a:r>
-            <a:r>
-              <a:rPr lang="pl-PL" dirty="0" err="1"/>
-              <a:t>laday</a:t>
-            </a:r>
-            <a:r>
-              <a:rPr lang="pl-PL" dirty="0"/>
-              <a:t> wyczyn. Jeśli jednak nie rozumiesz jak działa bardziej wyszukane konstrukcje jak </a:t>
-            </a:r>
-            <a:r>
-              <a:rPr lang="pl-PL" dirty="0" err="1"/>
-              <a:t>patter</a:t>
-            </a:r>
-            <a:r>
-              <a:rPr lang="pl-PL" dirty="0"/>
-              <a:t> </a:t>
-            </a:r>
-            <a:r>
-              <a:rPr lang="pl-PL" dirty="0" err="1"/>
-              <a:t>matching</a:t>
-            </a:r>
-            <a:r>
-              <a:rPr lang="pl-PL" dirty="0"/>
-              <a:t>, </a:t>
-            </a:r>
-            <a:r>
-              <a:rPr lang="pl-PL" dirty="0" err="1"/>
-              <a:t>implicits</a:t>
-            </a:r>
-            <a:r>
-              <a:rPr lang="pl-PL" dirty="0"/>
-              <a:t>, można się </a:t>
-            </a:r>
-            <a:r>
-              <a:rPr lang="pl-PL" dirty="0" err="1"/>
-              <a:t>zfrsutrować</a:t>
-            </a:r>
-            <a:r>
-              <a:rPr lang="pl-PL" dirty="0"/>
-              <a:t>. Całe szczęście Spark ukrywa większość zaawansowanych konstrukcji Scali przed nami.</a:t>
-            </a:r>
+            <a:endParaRPr lang="pl-PL" dirty="0"/>
           </a:p>
         </p:txBody>
       </p:sp>
@@ -1203,6 +1083,311 @@
 </file>
 
 <file path=ppt/notesSlides/notesSlide12.xml><?xml version="1.0" encoding="utf-8"?>
+<p:notes xmlns:a="http://schemas.openxmlformats.org/drawingml/2006/main" xmlns:r="http://schemas.openxmlformats.org/officeDocument/2006/relationships" xmlns:p="http://schemas.openxmlformats.org/presentationml/2006/main">
+  <p:cSld>
+    <p:spTree>
+      <p:nvGrpSpPr>
+        <p:cNvPr id="1" name=""/>
+        <p:cNvGrpSpPr/>
+        <p:nvPr/>
+      </p:nvGrpSpPr>
+      <p:grpSpPr>
+        <a:xfrm>
+          <a:off x="0" y="0"/>
+          <a:ext cx="0" cy="0"/>
+          <a:chOff x="0" y="0"/>
+          <a:chExt cx="0" cy="0"/>
+        </a:xfrm>
+      </p:grpSpPr>
+      <p:sp>
+        <p:nvSpPr>
+          <p:cNvPr id="2" name="Slide Image Placeholder 1"/>
+          <p:cNvSpPr>
+            <a:spLocks noGrp="1" noRot="1" noChangeAspect="1"/>
+          </p:cNvSpPr>
+          <p:nvPr>
+            <p:ph type="sldImg"/>
+          </p:nvPr>
+        </p:nvSpPr>
+        <p:spPr/>
+      </p:sp>
+      <p:sp>
+        <p:nvSpPr>
+          <p:cNvPr id="3" name="Notes Placeholder 2"/>
+          <p:cNvSpPr>
+            <a:spLocks noGrp="1"/>
+          </p:cNvSpPr>
+          <p:nvPr>
+            <p:ph type="body" idx="1"/>
+          </p:nvPr>
+        </p:nvSpPr>
+        <p:spPr/>
+        <p:txBody>
+          <a:bodyPr/>
+          <a:lstStyle/>
+          <a:p>
+            <a:endParaRPr lang="pl-PL" dirty="0"/>
+          </a:p>
+        </p:txBody>
+      </p:sp>
+    </p:spTree>
+    <p:extLst>
+      <p:ext uri="{BB962C8B-B14F-4D97-AF65-F5344CB8AC3E}">
+        <p14:creationId xmlns:p14="http://schemas.microsoft.com/office/powerpoint/2010/main" val="3267287691"/>
+      </p:ext>
+    </p:extLst>
+  </p:cSld>
+  <p:clrMapOvr>
+    <a:masterClrMapping/>
+  </p:clrMapOvr>
+</p:notes>
+</file>
+
+<file path=ppt/notesSlides/notesSlide13.xml><?xml version="1.0" encoding="utf-8"?>
+<p:notes xmlns:a="http://schemas.openxmlformats.org/drawingml/2006/main" xmlns:r="http://schemas.openxmlformats.org/officeDocument/2006/relationships" xmlns:p="http://schemas.openxmlformats.org/presentationml/2006/main">
+  <p:cSld>
+    <p:spTree>
+      <p:nvGrpSpPr>
+        <p:cNvPr id="1" name=""/>
+        <p:cNvGrpSpPr/>
+        <p:nvPr/>
+      </p:nvGrpSpPr>
+      <p:grpSpPr>
+        <a:xfrm>
+          <a:off x="0" y="0"/>
+          <a:ext cx="0" cy="0"/>
+          <a:chOff x="0" y="0"/>
+          <a:chExt cx="0" cy="0"/>
+        </a:xfrm>
+      </p:grpSpPr>
+      <p:sp>
+        <p:nvSpPr>
+          <p:cNvPr id="2" name="Slide Image Placeholder 1"/>
+          <p:cNvSpPr>
+            <a:spLocks noGrp="1" noRot="1" noChangeAspect="1"/>
+          </p:cNvSpPr>
+          <p:nvPr>
+            <p:ph type="sldImg"/>
+          </p:nvPr>
+        </p:nvSpPr>
+        <p:spPr/>
+      </p:sp>
+      <p:sp>
+        <p:nvSpPr>
+          <p:cNvPr id="3" name="Notes Placeholder 2"/>
+          <p:cNvSpPr>
+            <a:spLocks noGrp="1"/>
+          </p:cNvSpPr>
+          <p:nvPr>
+            <p:ph type="body" idx="1"/>
+          </p:nvPr>
+        </p:nvSpPr>
+        <p:spPr/>
+        <p:txBody>
+          <a:bodyPr/>
+          <a:lstStyle/>
+          <a:p>
+            <a:endParaRPr lang="pl-PL" dirty="0"/>
+          </a:p>
+        </p:txBody>
+      </p:sp>
+    </p:spTree>
+    <p:extLst>
+      <p:ext uri="{BB962C8B-B14F-4D97-AF65-F5344CB8AC3E}">
+        <p14:creationId xmlns:p14="http://schemas.microsoft.com/office/powerpoint/2010/main" val="1359792266"/>
+      </p:ext>
+    </p:extLst>
+  </p:cSld>
+  <p:clrMapOvr>
+    <a:masterClrMapping/>
+  </p:clrMapOvr>
+</p:notes>
+</file>
+
+<file path=ppt/notesSlides/notesSlide14.xml><?xml version="1.0" encoding="utf-8"?>
+<p:notes xmlns:a="http://schemas.openxmlformats.org/drawingml/2006/main" xmlns:r="http://schemas.openxmlformats.org/officeDocument/2006/relationships" xmlns:p="http://schemas.openxmlformats.org/presentationml/2006/main">
+  <p:cSld>
+    <p:spTree>
+      <p:nvGrpSpPr>
+        <p:cNvPr id="1" name=""/>
+        <p:cNvGrpSpPr/>
+        <p:nvPr/>
+      </p:nvGrpSpPr>
+      <p:grpSpPr>
+        <a:xfrm>
+          <a:off x="0" y="0"/>
+          <a:ext cx="0" cy="0"/>
+          <a:chOff x="0" y="0"/>
+          <a:chExt cx="0" cy="0"/>
+        </a:xfrm>
+      </p:grpSpPr>
+      <p:sp>
+        <p:nvSpPr>
+          <p:cNvPr id="2" name="Slide Image Placeholder 1"/>
+          <p:cNvSpPr>
+            <a:spLocks noGrp="1" noRot="1" noChangeAspect="1"/>
+          </p:cNvSpPr>
+          <p:nvPr>
+            <p:ph type="sldImg"/>
+          </p:nvPr>
+        </p:nvSpPr>
+        <p:spPr/>
+      </p:sp>
+      <p:sp>
+        <p:nvSpPr>
+          <p:cNvPr id="3" name="Notes Placeholder 2"/>
+          <p:cNvSpPr>
+            <a:spLocks noGrp="1"/>
+          </p:cNvSpPr>
+          <p:nvPr>
+            <p:ph type="body" idx="1"/>
+          </p:nvPr>
+        </p:nvSpPr>
+        <p:spPr/>
+        <p:txBody>
+          <a:bodyPr/>
+          <a:lstStyle/>
+          <a:p>
+            <a:endParaRPr lang="pl-PL" dirty="0"/>
+          </a:p>
+        </p:txBody>
+      </p:sp>
+    </p:spTree>
+    <p:extLst>
+      <p:ext uri="{BB962C8B-B14F-4D97-AF65-F5344CB8AC3E}">
+        <p14:creationId xmlns:p14="http://schemas.microsoft.com/office/powerpoint/2010/main" val="3272114557"/>
+      </p:ext>
+    </p:extLst>
+  </p:cSld>
+  <p:clrMapOvr>
+    <a:masterClrMapping/>
+  </p:clrMapOvr>
+</p:notes>
+</file>
+
+<file path=ppt/notesSlides/notesSlide15.xml><?xml version="1.0" encoding="utf-8"?>
+<p:notes xmlns:a="http://schemas.openxmlformats.org/drawingml/2006/main" xmlns:r="http://schemas.openxmlformats.org/officeDocument/2006/relationships" xmlns:p="http://schemas.openxmlformats.org/presentationml/2006/main">
+  <p:cSld>
+    <p:spTree>
+      <p:nvGrpSpPr>
+        <p:cNvPr id="1" name=""/>
+        <p:cNvGrpSpPr/>
+        <p:nvPr/>
+      </p:nvGrpSpPr>
+      <p:grpSpPr>
+        <a:xfrm>
+          <a:off x="0" y="0"/>
+          <a:ext cx="0" cy="0"/>
+          <a:chOff x="0" y="0"/>
+          <a:chExt cx="0" cy="0"/>
+        </a:xfrm>
+      </p:grpSpPr>
+      <p:sp>
+        <p:nvSpPr>
+          <p:cNvPr id="2" name="Slide Image Placeholder 1"/>
+          <p:cNvSpPr>
+            <a:spLocks noGrp="1" noRot="1" noChangeAspect="1"/>
+          </p:cNvSpPr>
+          <p:nvPr>
+            <p:ph type="sldImg"/>
+          </p:nvPr>
+        </p:nvSpPr>
+        <p:spPr/>
+      </p:sp>
+      <p:sp>
+        <p:nvSpPr>
+          <p:cNvPr id="3" name="Notes Placeholder 2"/>
+          <p:cNvSpPr>
+            <a:spLocks noGrp="1"/>
+          </p:cNvSpPr>
+          <p:nvPr>
+            <p:ph type="body" idx="1"/>
+          </p:nvPr>
+        </p:nvSpPr>
+        <p:spPr/>
+        <p:txBody>
+          <a:bodyPr/>
+          <a:lstStyle/>
+          <a:p>
+            <a:endParaRPr lang="pl-PL" dirty="0"/>
+          </a:p>
+        </p:txBody>
+      </p:sp>
+    </p:spTree>
+    <p:extLst>
+      <p:ext uri="{BB962C8B-B14F-4D97-AF65-F5344CB8AC3E}">
+        <p14:creationId xmlns:p14="http://schemas.microsoft.com/office/powerpoint/2010/main" val="2988260470"/>
+      </p:ext>
+    </p:extLst>
+  </p:cSld>
+  <p:clrMapOvr>
+    <a:masterClrMapping/>
+  </p:clrMapOvr>
+</p:notes>
+</file>
+
+<file path=ppt/notesSlides/notesSlide16.xml><?xml version="1.0" encoding="utf-8"?>
+<p:notes xmlns:a="http://schemas.openxmlformats.org/drawingml/2006/main" xmlns:r="http://schemas.openxmlformats.org/officeDocument/2006/relationships" xmlns:p="http://schemas.openxmlformats.org/presentationml/2006/main">
+  <p:cSld>
+    <p:spTree>
+      <p:nvGrpSpPr>
+        <p:cNvPr id="1" name=""/>
+        <p:cNvGrpSpPr/>
+        <p:nvPr/>
+      </p:nvGrpSpPr>
+      <p:grpSpPr>
+        <a:xfrm>
+          <a:off x="0" y="0"/>
+          <a:ext cx="0" cy="0"/>
+          <a:chOff x="0" y="0"/>
+          <a:chExt cx="0" cy="0"/>
+        </a:xfrm>
+      </p:grpSpPr>
+      <p:sp>
+        <p:nvSpPr>
+          <p:cNvPr id="2" name="Slide Image Placeholder 1"/>
+          <p:cNvSpPr>
+            <a:spLocks noGrp="1" noRot="1" noChangeAspect="1"/>
+          </p:cNvSpPr>
+          <p:nvPr>
+            <p:ph type="sldImg"/>
+          </p:nvPr>
+        </p:nvSpPr>
+        <p:spPr/>
+      </p:sp>
+      <p:sp>
+        <p:nvSpPr>
+          <p:cNvPr id="3" name="Notes Placeholder 2"/>
+          <p:cNvSpPr>
+            <a:spLocks noGrp="1"/>
+          </p:cNvSpPr>
+          <p:nvPr>
+            <p:ph type="body" idx="1"/>
+          </p:nvPr>
+        </p:nvSpPr>
+        <p:spPr/>
+        <p:txBody>
+          <a:bodyPr/>
+          <a:lstStyle/>
+          <a:p>
+            <a:endParaRPr lang="pl-PL" dirty="0"/>
+          </a:p>
+        </p:txBody>
+      </p:sp>
+    </p:spTree>
+    <p:extLst>
+      <p:ext uri="{BB962C8B-B14F-4D97-AF65-F5344CB8AC3E}">
+        <p14:creationId xmlns:p14="http://schemas.microsoft.com/office/powerpoint/2010/main" val="3376764379"/>
+      </p:ext>
+    </p:extLst>
+  </p:cSld>
+  <p:clrMapOvr>
+    <a:masterClrMapping/>
+  </p:clrMapOvr>
+</p:notes>
+</file>
+
+<file path=ppt/notesSlides/notesSlide17.xml><?xml version="1.0" encoding="utf-8"?>
 <p:notes xmlns:a="http://schemas.openxmlformats.org/drawingml/2006/main" xmlns:r="http://schemas.openxmlformats.org/officeDocument/2006/relationships" xmlns:p="http://schemas.openxmlformats.org/presentationml/2006/main">
   <p:cSld>
     <p:spTree>
@@ -7964,6 +8149,21 @@
           </a:lstStyle>
           <a:p>
             <a:r>
+              <a:rPr lang="pl-PL" sz="2000" dirty="0" err="1"/>
+              <a:t>Immutable</a:t>
+            </a:r>
+            <a:r>
+              <a:rPr lang="pl-PL" sz="2000" dirty="0"/>
+              <a:t> </a:t>
+            </a:r>
+            <a:r>
+              <a:rPr lang="pl-PL" sz="2000" dirty="0" err="1"/>
+              <a:t>variables</a:t>
+            </a:r>
+            <a:endParaRPr lang="pl-PL" sz="2000" dirty="0"/>
+          </a:p>
+          <a:p>
+            <a:r>
               <a:rPr lang="pl-PL" sz="2000" dirty="0"/>
               <a:t>Case </a:t>
             </a:r>
@@ -7971,6 +8171,14 @@
               <a:rPr lang="pl-PL" sz="2000" dirty="0" err="1"/>
               <a:t>clases</a:t>
             </a:r>
+            <a:r>
+              <a:rPr lang="pl-PL" sz="2000" dirty="0"/>
+              <a:t> and </a:t>
+            </a:r>
+            <a:r>
+              <a:rPr lang="pl-PL" sz="2000" dirty="0" err="1"/>
+              <a:t>tuples</a:t>
+            </a:r>
             <a:endParaRPr lang="pl-PL" sz="2000" dirty="0"/>
           </a:p>
           <a:p>
@@ -8005,12 +8213,8 @@
           </a:p>
           <a:p>
             <a:r>
-              <a:rPr lang="en-US" sz="2000" dirty="0"/>
-              <a:t>Advanced </a:t>
-            </a:r>
-            <a:r>
               <a:rPr lang="pl-PL" sz="2000" dirty="0" err="1"/>
-              <a:t>collections</a:t>
+              <a:t>Collections</a:t>
             </a:r>
             <a:endParaRPr lang="en-US" sz="2000" dirty="0"/>
           </a:p>
@@ -8108,12 +8312,20 @@
           <a:lstStyle/>
           <a:p>
             <a:r>
-              <a:rPr lang="pl-PL" dirty="0" err="1"/>
-              <a:t>Next</a:t>
-            </a:r>
-            <a:r>
-              <a:rPr lang="pl-PL" dirty="0"/>
-              <a:t>-gen ETL?	</a:t>
+              <a:rPr lang="pl-PL" dirty="0"/>
+              <a:t>Scala: </a:t>
+            </a:r>
+            <a:r>
+              <a:rPr lang="pl-PL" dirty="0" err="1"/>
+              <a:t>case</a:t>
+            </a:r>
+            <a:r>
+              <a:rPr lang="pl-PL" dirty="0"/>
+              <a:t> </a:t>
+            </a:r>
+            <a:r>
+              <a:rPr lang="pl-PL" dirty="0" err="1"/>
+              <a:t>class</a:t>
             </a:r>
             <a:endParaRPr lang="en-US" dirty="0"/>
           </a:p>
@@ -8350,6 +8562,2642 @@
           </a:lstStyle>
           <a:p>
             <a:r>
+              <a:rPr lang="pl-PL" sz="2000" dirty="0"/>
+              <a:t>I</a:t>
+            </a:r>
+            <a:r>
+              <a:rPr lang="en-US" sz="2000" dirty="0" err="1"/>
+              <a:t>mplicitly</a:t>
+            </a:r>
+            <a:r>
+              <a:rPr lang="en-US" sz="2000" dirty="0"/>
+              <a:t> equip the class with meaningful </a:t>
+            </a:r>
+            <a:r>
+              <a:rPr lang="en-US" sz="2000" dirty="0" err="1"/>
+              <a:t>toString</a:t>
+            </a:r>
+            <a:r>
+              <a:rPr lang="en-US" sz="2000" dirty="0"/>
+              <a:t>, equals and </a:t>
+            </a:r>
+            <a:r>
+              <a:rPr lang="en-US" sz="2000" dirty="0" err="1"/>
+              <a:t>hashCode</a:t>
+            </a:r>
+            <a:endParaRPr lang="pl-PL" sz="2000" dirty="0"/>
+          </a:p>
+          <a:p>
+            <a:r>
+              <a:rPr lang="pl-PL" sz="2000" dirty="0"/>
+              <a:t>A</a:t>
+            </a:r>
+            <a:r>
+              <a:rPr lang="en-US" sz="2000" dirty="0" err="1"/>
+              <a:t>bility</a:t>
+            </a:r>
+            <a:r>
+              <a:rPr lang="en-US" sz="2000" dirty="0"/>
+              <a:t> to be deconstructed with pattern matching.</a:t>
+            </a:r>
+          </a:p>
+          <a:p>
+            <a:r>
+              <a:rPr lang="pl-PL" sz="2000" dirty="0" err="1">
+                <a:highlight>
+                  <a:srgbClr val="FFFF00"/>
+                </a:highlight>
+              </a:rPr>
+              <a:t>Immutable</a:t>
+            </a:r>
+            <a:r>
+              <a:rPr lang="pl-PL" sz="2000" dirty="0">
+                <a:highlight>
+                  <a:srgbClr val="FFFF00"/>
+                </a:highlight>
+              </a:rPr>
+              <a:t> out of the </a:t>
+            </a:r>
+            <a:r>
+              <a:rPr lang="pl-PL" sz="2000" dirty="0" err="1">
+                <a:highlight>
+                  <a:srgbClr val="FFFF00"/>
+                </a:highlight>
+              </a:rPr>
+              <a:t>box</a:t>
+            </a:r>
+            <a:endParaRPr lang="pl-PL" sz="2000" dirty="0">
+              <a:highlight>
+                <a:srgbClr val="FFFF00"/>
+              </a:highlight>
+            </a:endParaRPr>
+          </a:p>
+          <a:p>
+            <a:r>
+              <a:rPr lang="pl-PL" sz="2000" dirty="0"/>
+              <a:t>Perfect for </a:t>
+            </a:r>
+            <a:r>
+              <a:rPr lang="pl-PL" sz="2000" dirty="0" err="1"/>
+              <a:t>structural</a:t>
+            </a:r>
+            <a:r>
+              <a:rPr lang="pl-PL" sz="2000" dirty="0"/>
+              <a:t> data </a:t>
+            </a:r>
+            <a:r>
+              <a:rPr lang="pl-PL" sz="2000" dirty="0" err="1"/>
+              <a:t>types</a:t>
+            </a:r>
+            <a:endParaRPr lang="pl-PL" sz="2000" dirty="0"/>
+          </a:p>
+          <a:p>
+            <a:r>
+              <a:rPr lang="pl-PL" sz="2000" dirty="0" err="1"/>
+              <a:t>Nicely</a:t>
+            </a:r>
+            <a:r>
+              <a:rPr lang="pl-PL" sz="2000" dirty="0"/>
+              <a:t> </a:t>
+            </a:r>
+            <a:r>
+              <a:rPr lang="pl-PL" sz="2000" dirty="0" err="1"/>
+              <a:t>intergrate</a:t>
+            </a:r>
+            <a:r>
+              <a:rPr lang="pl-PL" sz="2000" dirty="0"/>
+              <a:t> with Spark </a:t>
+            </a:r>
+            <a:r>
+              <a:rPr lang="pl-PL" sz="2000" dirty="0" err="1"/>
+              <a:t>DataSet</a:t>
+            </a:r>
+            <a:endParaRPr lang="pl-PL" sz="2000" dirty="0"/>
+          </a:p>
+          <a:p>
+            <a:endParaRPr lang="pl-PL" sz="2000" dirty="0"/>
+          </a:p>
+          <a:p>
+            <a:endParaRPr lang="pl-PL" sz="2000" dirty="0"/>
+          </a:p>
+          <a:p>
+            <a:endParaRPr lang="en-US" sz="2000" dirty="0"/>
+          </a:p>
+          <a:p>
+            <a:pPr marL="0" indent="0">
+              <a:buNone/>
+            </a:pPr>
+            <a:endParaRPr lang="pl-PL" sz="2000" dirty="0"/>
+          </a:p>
+        </p:txBody>
+      </p:sp>
+      <p:sp>
+        <p:nvSpPr>
+          <p:cNvPr id="7" name="TextBox 6"/>
+          <p:cNvSpPr txBox="1"/>
+          <p:nvPr/>
+        </p:nvSpPr>
+        <p:spPr>
+          <a:xfrm>
+            <a:off x="8891051" y="1198880"/>
+            <a:ext cx="914400" cy="914400"/>
+          </a:xfrm>
+          <a:prstGeom prst="rect">
+            <a:avLst/>
+          </a:prstGeom>
+          <a:noFill/>
+        </p:spPr>
+        <p:txBody>
+          <a:bodyPr wrap="none" lIns="0" tIns="0" rIns="0" bIns="0" rtlCol="0">
+            <a:noAutofit/>
+          </a:bodyPr>
+          <a:lstStyle/>
+          <a:p>
+            <a:pPr>
+              <a:lnSpc>
+                <a:spcPct val="140000"/>
+              </a:lnSpc>
+            </a:pPr>
+            <a:endParaRPr lang="en-US" dirty="0" err="1">
+              <a:solidFill>
+                <a:schemeClr val="tx1"/>
+              </a:solidFill>
+            </a:endParaRPr>
+          </a:p>
+        </p:txBody>
+      </p:sp>
+      <p:sp>
+        <p:nvSpPr>
+          <p:cNvPr id="9" name="Rectangle 3">
+            <a:extLst>
+              <a:ext uri="{FF2B5EF4-FFF2-40B4-BE49-F238E27FC236}">
+                <a16:creationId xmlns:a16="http://schemas.microsoft.com/office/drawing/2014/main" id="{26CF9A5A-F107-4354-AF52-F3C9461448C8}"/>
+              </a:ext>
+            </a:extLst>
+          </p:cNvPr>
+          <p:cNvSpPr>
+            <a:spLocks noChangeArrowheads="1"/>
+          </p:cNvSpPr>
+          <p:nvPr/>
+        </p:nvSpPr>
+        <p:spPr bwMode="auto">
+          <a:xfrm>
+            <a:off x="734028" y="3928933"/>
+            <a:ext cx="7776790" cy="523220"/>
+          </a:xfrm>
+          <a:prstGeom prst="rect">
+            <a:avLst/>
+          </a:prstGeom>
+          <a:solidFill>
+            <a:srgbClr val="2B2B2B"/>
+          </a:solidFill>
+          <a:ln>
+            <a:noFill/>
+          </a:ln>
+          <a:effectLst/>
+          <a:extLst>
+            <a:ext uri="{91240B29-F687-4F45-9708-019B960494DF}">
+              <a14:hiddenLine xmlns:a14="http://schemas.microsoft.com/office/drawing/2010/main" w="9525">
+                <a:solidFill>
+                  <a:schemeClr val="tx1"/>
+                </a:solidFill>
+                <a:miter lim="800000"/>
+                <a:headEnd/>
+                <a:tailEnd/>
+              </a14:hiddenLine>
+            </a:ext>
+            <a:ext uri="{AF507438-7753-43E0-B8FC-AC1667EBCBE1}">
+              <a14:hiddenEffects xmlns:a14="http://schemas.microsoft.com/office/drawing/2010/main">
+                <a:effectLst>
+                  <a:outerShdw dist="35921" dir="2700000" algn="ctr" rotWithShape="0">
+                    <a:schemeClr val="bg2"/>
+                  </a:outerShdw>
+                </a:effectLst>
+              </a14:hiddenEffects>
+            </a:ext>
+          </a:extLst>
+        </p:spPr>
+        <p:txBody>
+          <a:bodyPr vert="horz" wrap="square" lIns="91440" tIns="45720" rIns="91440" bIns="45720" numCol="1" anchor="ctr" anchorCtr="0" compatLnSpc="1">
+            <a:prstTxWarp prst="textNoShape">
+              <a:avLst/>
+            </a:prstTxWarp>
+            <a:spAutoFit/>
+          </a:bodyPr>
+          <a:lstStyle/>
+          <a:p>
+            <a:pPr marL="0" marR="0" lvl="0" indent="0" algn="l" defTabSz="914400" rtl="0" eaLnBrk="0" fontAlgn="base" latinLnBrk="0" hangingPunct="0">
+              <a:lnSpc>
+                <a:spcPct val="100000"/>
+              </a:lnSpc>
+              <a:spcBef>
+                <a:spcPct val="0"/>
+              </a:spcBef>
+              <a:spcAft>
+                <a:spcPct val="0"/>
+              </a:spcAft>
+              <a:buClrTx/>
+              <a:buSzTx/>
+              <a:buFontTx/>
+              <a:buNone/>
+              <a:tabLst/>
+            </a:pPr>
+            <a:r>
+              <a:rPr kumimoji="0" lang="pl-PL" altLang="pl-PL" sz="1400" b="1" i="0" u="none" strike="noStrike" cap="none" normalizeH="0" baseline="0" dirty="0" err="1">
+                <a:ln>
+                  <a:noFill/>
+                </a:ln>
+                <a:solidFill>
+                  <a:srgbClr val="CC7832"/>
+                </a:solidFill>
+                <a:effectLst/>
+                <a:latin typeface="Courier New" panose="02070309020205020404" pitchFamily="49" charset="0"/>
+                <a:cs typeface="Courier New" panose="02070309020205020404" pitchFamily="49" charset="0"/>
+              </a:rPr>
+              <a:t>final</a:t>
+            </a:r>
+            <a:r>
+              <a:rPr kumimoji="0" lang="pl-PL" altLang="pl-PL" sz="1400" b="1" i="0" u="none" strike="noStrike" cap="none" normalizeH="0" baseline="0" dirty="0">
+                <a:ln>
+                  <a:noFill/>
+                </a:ln>
+                <a:solidFill>
+                  <a:srgbClr val="CC7832"/>
+                </a:solidFill>
+                <a:effectLst/>
+                <a:latin typeface="Courier New" panose="02070309020205020404" pitchFamily="49" charset="0"/>
+                <a:cs typeface="Courier New" panose="02070309020205020404" pitchFamily="49" charset="0"/>
+              </a:rPr>
+              <a:t> </a:t>
+            </a:r>
+            <a:r>
+              <a:rPr kumimoji="0" lang="pl-PL" altLang="pl-PL" sz="1400" b="1" i="0" u="none" strike="noStrike" cap="none" normalizeH="0" baseline="0" dirty="0" err="1">
+                <a:ln>
+                  <a:noFill/>
+                </a:ln>
+                <a:solidFill>
+                  <a:srgbClr val="CC7832"/>
+                </a:solidFill>
+                <a:effectLst/>
+                <a:latin typeface="Courier New" panose="02070309020205020404" pitchFamily="49" charset="0"/>
+                <a:cs typeface="Courier New" panose="02070309020205020404" pitchFamily="49" charset="0"/>
+              </a:rPr>
+              <a:t>case</a:t>
+            </a:r>
+            <a:r>
+              <a:rPr kumimoji="0" lang="pl-PL" altLang="pl-PL" sz="1400" b="1" i="0" u="none" strike="noStrike" cap="none" normalizeH="0" baseline="0" dirty="0">
+                <a:ln>
+                  <a:noFill/>
+                </a:ln>
+                <a:solidFill>
+                  <a:srgbClr val="CC7832"/>
+                </a:solidFill>
+                <a:effectLst/>
+                <a:latin typeface="Courier New" panose="02070309020205020404" pitchFamily="49" charset="0"/>
+                <a:cs typeface="Courier New" panose="02070309020205020404" pitchFamily="49" charset="0"/>
+              </a:rPr>
+              <a:t> </a:t>
+            </a:r>
+            <a:r>
+              <a:rPr kumimoji="0" lang="pl-PL" altLang="pl-PL" sz="1400" b="1" i="0" u="none" strike="noStrike" cap="none" normalizeH="0" baseline="0" dirty="0" err="1">
+                <a:ln>
+                  <a:noFill/>
+                </a:ln>
+                <a:solidFill>
+                  <a:srgbClr val="CC7832"/>
+                </a:solidFill>
+                <a:effectLst/>
+                <a:latin typeface="Courier New" panose="02070309020205020404" pitchFamily="49" charset="0"/>
+                <a:cs typeface="Courier New" panose="02070309020205020404" pitchFamily="49" charset="0"/>
+              </a:rPr>
+              <a:t>class</a:t>
+            </a:r>
+            <a:r>
+              <a:rPr kumimoji="0" lang="pl-PL" altLang="pl-PL" sz="1400" b="1" i="0" u="none" strike="noStrike" cap="none" normalizeH="0" baseline="0" dirty="0">
+                <a:ln>
+                  <a:noFill/>
+                </a:ln>
+                <a:solidFill>
+                  <a:srgbClr val="CC7832"/>
+                </a:solidFill>
+                <a:effectLst/>
+                <a:latin typeface="Courier New" panose="02070309020205020404" pitchFamily="49" charset="0"/>
+                <a:cs typeface="Courier New" panose="02070309020205020404" pitchFamily="49" charset="0"/>
+              </a:rPr>
+              <a:t> </a:t>
+            </a:r>
+            <a:r>
+              <a:rPr kumimoji="0" lang="pl-PL" altLang="pl-PL" sz="1400" b="0" i="0" u="none" strike="noStrike" cap="none" normalizeH="0" baseline="0" dirty="0" err="1">
+                <a:ln>
+                  <a:noFill/>
+                </a:ln>
+                <a:solidFill>
+                  <a:srgbClr val="A9B7C6"/>
+                </a:solidFill>
+                <a:effectLst/>
+                <a:latin typeface="Courier New" panose="02070309020205020404" pitchFamily="49" charset="0"/>
+                <a:cs typeface="Courier New" panose="02070309020205020404" pitchFamily="49" charset="0"/>
+              </a:rPr>
+              <a:t>Character</a:t>
+            </a:r>
+            <a:r>
+              <a:rPr kumimoji="0" lang="pl-PL" altLang="pl-PL" sz="1400" b="0" i="0" u="none" strike="noStrike" cap="none" normalizeH="0" baseline="0" dirty="0">
+                <a:ln>
+                  <a:noFill/>
+                </a:ln>
+                <a:solidFill>
+                  <a:srgbClr val="A9B7C6"/>
+                </a:solidFill>
+                <a:effectLst/>
+                <a:latin typeface="Courier New" panose="02070309020205020404" pitchFamily="49" charset="0"/>
+                <a:cs typeface="Courier New" panose="02070309020205020404" pitchFamily="49" charset="0"/>
+              </a:rPr>
+              <a:t>(Id: </a:t>
+            </a:r>
+            <a:r>
+              <a:rPr kumimoji="0" lang="pl-PL" altLang="pl-PL" sz="1400" b="0" i="0" u="none" strike="noStrike" cap="none" normalizeH="0" baseline="0" dirty="0">
+                <a:ln>
+                  <a:noFill/>
+                </a:ln>
+                <a:solidFill>
+                  <a:srgbClr val="4E807D"/>
+                </a:solidFill>
+                <a:effectLst/>
+                <a:latin typeface="Courier New" panose="02070309020205020404" pitchFamily="49" charset="0"/>
+                <a:cs typeface="Courier New" panose="02070309020205020404" pitchFamily="49" charset="0"/>
+              </a:rPr>
+              <a:t>String</a:t>
+            </a:r>
+            <a:r>
+              <a:rPr kumimoji="0" lang="pl-PL" altLang="pl-PL" sz="1400" b="0" i="0" u="none" strike="noStrike" cap="none" normalizeH="0" baseline="0" dirty="0">
+                <a:ln>
+                  <a:noFill/>
+                </a:ln>
+                <a:solidFill>
+                  <a:srgbClr val="CC7832"/>
+                </a:solidFill>
+                <a:effectLst/>
+                <a:latin typeface="Courier New" panose="02070309020205020404" pitchFamily="49" charset="0"/>
+                <a:cs typeface="Courier New" panose="02070309020205020404" pitchFamily="49" charset="0"/>
+              </a:rPr>
+              <a:t>, </a:t>
+            </a:r>
+            <a:r>
+              <a:rPr kumimoji="0" lang="pl-PL" altLang="pl-PL" sz="1400" b="0" i="0" u="none" strike="noStrike" cap="none" normalizeH="0" baseline="0" dirty="0" err="1">
+                <a:ln>
+                  <a:noFill/>
+                </a:ln>
+                <a:solidFill>
+                  <a:srgbClr val="A9B7C6"/>
+                </a:solidFill>
+                <a:effectLst/>
+                <a:latin typeface="Courier New" panose="02070309020205020404" pitchFamily="49" charset="0"/>
+                <a:cs typeface="Courier New" panose="02070309020205020404" pitchFamily="49" charset="0"/>
+              </a:rPr>
+              <a:t>PrimaryName</a:t>
+            </a:r>
+            <a:r>
+              <a:rPr kumimoji="0" lang="pl-PL" altLang="pl-PL" sz="1400" b="0" i="0" u="none" strike="noStrike" cap="none" normalizeH="0" baseline="0" dirty="0">
+                <a:ln>
+                  <a:noFill/>
+                </a:ln>
+                <a:solidFill>
+                  <a:srgbClr val="A9B7C6"/>
+                </a:solidFill>
+                <a:effectLst/>
+                <a:latin typeface="Courier New" panose="02070309020205020404" pitchFamily="49" charset="0"/>
+                <a:cs typeface="Courier New" panose="02070309020205020404" pitchFamily="49" charset="0"/>
+              </a:rPr>
+              <a:t>: </a:t>
+            </a:r>
+            <a:r>
+              <a:rPr kumimoji="0" lang="pl-PL" altLang="pl-PL" sz="1400" b="0" i="0" u="none" strike="noStrike" cap="none" normalizeH="0" baseline="0" dirty="0">
+                <a:ln>
+                  <a:noFill/>
+                </a:ln>
+                <a:solidFill>
+                  <a:srgbClr val="4E807D"/>
+                </a:solidFill>
+                <a:effectLst/>
+                <a:latin typeface="Courier New" panose="02070309020205020404" pitchFamily="49" charset="0"/>
+                <a:cs typeface="Courier New" panose="02070309020205020404" pitchFamily="49" charset="0"/>
+              </a:rPr>
+              <a:t>String</a:t>
+            </a:r>
+            <a:r>
+              <a:rPr kumimoji="0" lang="pl-PL" altLang="pl-PL" sz="1400" b="0" i="0" u="none" strike="noStrike" cap="none" normalizeH="0" baseline="0" dirty="0">
+                <a:ln>
+                  <a:noFill/>
+                </a:ln>
+                <a:solidFill>
+                  <a:srgbClr val="A9B7C6"/>
+                </a:solidFill>
+                <a:effectLst/>
+                <a:latin typeface="Courier New" panose="02070309020205020404" pitchFamily="49" charset="0"/>
+                <a:cs typeface="Courier New" panose="02070309020205020404" pitchFamily="49" charset="0"/>
+              </a:rPr>
+              <a:t>) {</a:t>
+            </a:r>
+            <a:br>
+              <a:rPr kumimoji="0" lang="pl-PL" altLang="pl-PL" sz="1400" b="0" i="0" u="none" strike="noStrike" cap="none" normalizeH="0" baseline="0" dirty="0">
+                <a:ln>
+                  <a:noFill/>
+                </a:ln>
+                <a:solidFill>
+                  <a:srgbClr val="A9B7C6"/>
+                </a:solidFill>
+                <a:effectLst/>
+                <a:latin typeface="Courier New" panose="02070309020205020404" pitchFamily="49" charset="0"/>
+                <a:cs typeface="Courier New" panose="02070309020205020404" pitchFamily="49" charset="0"/>
+              </a:rPr>
+            </a:br>
+            <a:r>
+              <a:rPr kumimoji="0" lang="pl-PL" altLang="pl-PL" sz="1400" b="0" i="0" u="none" strike="noStrike" cap="none" normalizeH="0" baseline="0" dirty="0">
+                <a:ln>
+                  <a:noFill/>
+                </a:ln>
+                <a:solidFill>
+                  <a:srgbClr val="A9B7C6"/>
+                </a:solidFill>
+                <a:effectLst/>
+                <a:latin typeface="Courier New" panose="02070309020205020404" pitchFamily="49" charset="0"/>
+                <a:cs typeface="Courier New" panose="02070309020205020404" pitchFamily="49" charset="0"/>
+              </a:rPr>
+              <a:t>}</a:t>
+            </a:r>
+            <a:endParaRPr kumimoji="0" lang="pl-PL" altLang="pl-PL" sz="3200" b="0" i="0" u="none" strike="noStrike" cap="none" normalizeH="0" baseline="0" dirty="0">
+              <a:ln>
+                <a:noFill/>
+              </a:ln>
+              <a:solidFill>
+                <a:schemeClr val="tx1"/>
+              </a:solidFill>
+              <a:effectLst/>
+              <a:latin typeface="Arial" panose="020B0604020202020204" pitchFamily="34" charset="0"/>
+            </a:endParaRPr>
+          </a:p>
+        </p:txBody>
+      </p:sp>
+    </p:spTree>
+    <p:extLst>
+      <p:ext uri="{BB962C8B-B14F-4D97-AF65-F5344CB8AC3E}">
+        <p14:creationId xmlns:p14="http://schemas.microsoft.com/office/powerpoint/2010/main" val="4240594428"/>
+      </p:ext>
+    </p:extLst>
+  </p:cSld>
+  <p:clrMapOvr>
+    <a:masterClrMapping/>
+  </p:clrMapOvr>
+</p:sld>
+</file>
+
+<file path=ppt/slides/slide17.xml><?xml version="1.0" encoding="utf-8"?>
+<p:sld xmlns:a="http://schemas.openxmlformats.org/drawingml/2006/main" xmlns:r="http://schemas.openxmlformats.org/officeDocument/2006/relationships" xmlns:p="http://schemas.openxmlformats.org/presentationml/2006/main">
+  <p:cSld>
+    <p:spTree>
+      <p:nvGrpSpPr>
+        <p:cNvPr id="1" name=""/>
+        <p:cNvGrpSpPr/>
+        <p:nvPr/>
+      </p:nvGrpSpPr>
+      <p:grpSpPr>
+        <a:xfrm>
+          <a:off x="0" y="0"/>
+          <a:ext cx="0" cy="0"/>
+          <a:chOff x="0" y="0"/>
+          <a:chExt cx="0" cy="0"/>
+        </a:xfrm>
+      </p:grpSpPr>
+      <p:sp>
+        <p:nvSpPr>
+          <p:cNvPr id="2" name="Title 1"/>
+          <p:cNvSpPr>
+            <a:spLocks noGrp="1"/>
+          </p:cNvSpPr>
+          <p:nvPr>
+            <p:ph type="title"/>
+          </p:nvPr>
+        </p:nvSpPr>
+        <p:spPr>
+          <a:xfrm>
+            <a:off x="755650" y="413693"/>
+            <a:ext cx="7632700" cy="357857"/>
+          </a:xfrm>
+        </p:spPr>
+        <p:txBody>
+          <a:bodyPr/>
+          <a:lstStyle/>
+          <a:p>
+            <a:r>
+              <a:rPr lang="pl-PL" dirty="0"/>
+              <a:t>Scala: </a:t>
+            </a:r>
+            <a:r>
+              <a:rPr lang="pl-PL" dirty="0" err="1"/>
+              <a:t>Higher</a:t>
+            </a:r>
+            <a:r>
+              <a:rPr lang="pl-PL" dirty="0"/>
+              <a:t>-Order </a:t>
+            </a:r>
+            <a:r>
+              <a:rPr lang="pl-PL" dirty="0" err="1"/>
+              <a:t>Functions</a:t>
+            </a:r>
+            <a:endParaRPr lang="en-US" dirty="0"/>
+          </a:p>
+        </p:txBody>
+      </p:sp>
+      <p:sp>
+        <p:nvSpPr>
+          <p:cNvPr id="3" name="Footer Placeholder 2"/>
+          <p:cNvSpPr>
+            <a:spLocks noGrp="1"/>
+          </p:cNvSpPr>
+          <p:nvPr>
+            <p:ph type="ftr" sz="quarter" idx="16"/>
+          </p:nvPr>
+        </p:nvSpPr>
+        <p:spPr/>
+        <p:txBody>
+          <a:bodyPr/>
+          <a:lstStyle/>
+          <a:p>
+            <a:endParaRPr lang="pl-PL" dirty="0"/>
+          </a:p>
+        </p:txBody>
+      </p:sp>
+      <p:sp>
+        <p:nvSpPr>
+          <p:cNvPr id="4" name="Date Placeholder 3"/>
+          <p:cNvSpPr>
+            <a:spLocks noGrp="1"/>
+          </p:cNvSpPr>
+          <p:nvPr>
+            <p:ph type="dt" sz="half" idx="15"/>
+          </p:nvPr>
+        </p:nvSpPr>
+        <p:spPr/>
+        <p:txBody>
+          <a:bodyPr/>
+          <a:lstStyle/>
+          <a:p>
+            <a:endParaRPr lang="pl-PL" dirty="0"/>
+          </a:p>
+        </p:txBody>
+      </p:sp>
+      <p:sp>
+        <p:nvSpPr>
+          <p:cNvPr id="6" name="Text Placeholder 4"/>
+          <p:cNvSpPr txBox="1">
+            <a:spLocks/>
+          </p:cNvSpPr>
+          <p:nvPr/>
+        </p:nvSpPr>
+        <p:spPr>
+          <a:xfrm>
+            <a:off x="755650" y="915566"/>
+            <a:ext cx="7632700" cy="3797624"/>
+          </a:xfrm>
+          <a:prstGeom prst="rect">
+            <a:avLst/>
+          </a:prstGeom>
+        </p:spPr>
+        <p:txBody>
+          <a:bodyPr vert="horz" lIns="0" tIns="0" rIns="0" bIns="0" anchor="t"/>
+          <a:lstStyle>
+            <a:lvl1pPr marL="165100" indent="-165100" algn="l" defTabSz="914400" rtl="0" eaLnBrk="1" latinLnBrk="0" hangingPunct="1">
+              <a:lnSpc>
+                <a:spcPct val="140000"/>
+              </a:lnSpc>
+              <a:spcBef>
+                <a:spcPts val="0"/>
+              </a:spcBef>
+              <a:buClr>
+                <a:schemeClr val="accent1"/>
+              </a:buClr>
+              <a:buSzPct val="75000"/>
+              <a:buFont typeface="Wingdings" charset="2"/>
+              <a:buChar char="§"/>
+              <a:defRPr sz="1300" kern="1200">
+                <a:solidFill>
+                  <a:schemeClr val="tx1"/>
+                </a:solidFill>
+                <a:latin typeface="+mn-lt"/>
+                <a:ea typeface="+mn-ea"/>
+                <a:cs typeface="+mn-cs"/>
+              </a:defRPr>
+            </a:lvl1pPr>
+            <a:lvl2pPr marL="330200" indent="-165100" algn="l" defTabSz="914400" rtl="0" eaLnBrk="1" latinLnBrk="0" hangingPunct="1">
+              <a:lnSpc>
+                <a:spcPct val="140000"/>
+              </a:lnSpc>
+              <a:spcBef>
+                <a:spcPts val="0"/>
+              </a:spcBef>
+              <a:buClr>
+                <a:schemeClr val="bg2"/>
+              </a:buClr>
+              <a:buSzPct val="75000"/>
+              <a:buFont typeface="Wingdings" charset="2"/>
+              <a:buChar char="§"/>
+              <a:defRPr sz="1300" kern="1200">
+                <a:solidFill>
+                  <a:schemeClr val="tx1"/>
+                </a:solidFill>
+                <a:latin typeface="+mn-lt"/>
+                <a:ea typeface="+mn-ea"/>
+                <a:cs typeface="+mn-cs"/>
+              </a:defRPr>
+            </a:lvl2pPr>
+            <a:lvl3pPr marL="495300" indent="-165100" algn="l" defTabSz="914400" rtl="0" eaLnBrk="1" latinLnBrk="0" hangingPunct="1">
+              <a:lnSpc>
+                <a:spcPct val="140000"/>
+              </a:lnSpc>
+              <a:spcBef>
+                <a:spcPts val="0"/>
+              </a:spcBef>
+              <a:buClr>
+                <a:schemeClr val="bg2"/>
+              </a:buClr>
+              <a:buSzPct val="75000"/>
+              <a:buFont typeface="Wingdings" charset="2"/>
+              <a:buChar char="§"/>
+              <a:defRPr sz="1300" kern="1200">
+                <a:solidFill>
+                  <a:schemeClr val="tx1"/>
+                </a:solidFill>
+                <a:latin typeface="+mn-lt"/>
+                <a:ea typeface="+mn-ea"/>
+                <a:cs typeface="+mn-cs"/>
+              </a:defRPr>
+            </a:lvl3pPr>
+            <a:lvl4pPr marL="660400" indent="-165100" algn="l" defTabSz="914400" rtl="0" eaLnBrk="1" latinLnBrk="0" hangingPunct="1">
+              <a:lnSpc>
+                <a:spcPct val="140000"/>
+              </a:lnSpc>
+              <a:spcBef>
+                <a:spcPts val="0"/>
+              </a:spcBef>
+              <a:buClr>
+                <a:schemeClr val="bg2"/>
+              </a:buClr>
+              <a:buSzPct val="75000"/>
+              <a:buFont typeface="Wingdings" charset="2"/>
+              <a:buChar char="§"/>
+              <a:defRPr sz="1300" kern="1200">
+                <a:solidFill>
+                  <a:schemeClr val="tx1"/>
+                </a:solidFill>
+                <a:latin typeface="+mn-lt"/>
+                <a:ea typeface="+mn-ea"/>
+                <a:cs typeface="+mn-cs"/>
+              </a:defRPr>
+            </a:lvl4pPr>
+            <a:lvl5pPr marL="825500" indent="-165100" algn="l" defTabSz="914400" rtl="0" eaLnBrk="1" latinLnBrk="0" hangingPunct="1">
+              <a:lnSpc>
+                <a:spcPct val="140000"/>
+              </a:lnSpc>
+              <a:spcBef>
+                <a:spcPts val="0"/>
+              </a:spcBef>
+              <a:buClr>
+                <a:schemeClr val="bg2"/>
+              </a:buClr>
+              <a:buSzPct val="75000"/>
+              <a:buFont typeface="Wingdings" charset="2"/>
+              <a:buChar char="§"/>
+              <a:defRPr sz="1300" kern="1200">
+                <a:solidFill>
+                  <a:schemeClr val="tx1"/>
+                </a:solidFill>
+                <a:latin typeface="+mn-lt"/>
+                <a:ea typeface="+mn-ea"/>
+                <a:cs typeface="+mn-cs"/>
+              </a:defRPr>
+            </a:lvl5pPr>
+            <a:lvl6pPr marL="2514600" indent="-228600" algn="l" defTabSz="914400" rtl="0" eaLnBrk="1" latinLnBrk="0" hangingPunct="1">
+              <a:spcBef>
+                <a:spcPct val="20000"/>
+              </a:spcBef>
+              <a:buFont typeface="Arial" pitchFamily="34" charset="0"/>
+              <a:buChar char="•"/>
+              <a:defRPr sz="2000" kern="1200">
+                <a:solidFill>
+                  <a:schemeClr val="tx1"/>
+                </a:solidFill>
+                <a:latin typeface="+mn-lt"/>
+                <a:ea typeface="+mn-ea"/>
+                <a:cs typeface="+mn-cs"/>
+              </a:defRPr>
+            </a:lvl6pPr>
+            <a:lvl7pPr marL="2971800" indent="-228600" algn="l" defTabSz="914400" rtl="0" eaLnBrk="1" latinLnBrk="0" hangingPunct="1">
+              <a:spcBef>
+                <a:spcPct val="20000"/>
+              </a:spcBef>
+              <a:buFont typeface="Arial" pitchFamily="34" charset="0"/>
+              <a:buChar char="•"/>
+              <a:defRPr sz="2000" kern="1200">
+                <a:solidFill>
+                  <a:schemeClr val="tx1"/>
+                </a:solidFill>
+                <a:latin typeface="+mn-lt"/>
+                <a:ea typeface="+mn-ea"/>
+                <a:cs typeface="+mn-cs"/>
+              </a:defRPr>
+            </a:lvl7pPr>
+            <a:lvl8pPr marL="3429000" indent="-228600" algn="l" defTabSz="914400" rtl="0" eaLnBrk="1" latinLnBrk="0" hangingPunct="1">
+              <a:spcBef>
+                <a:spcPct val="20000"/>
+              </a:spcBef>
+              <a:buFont typeface="Arial" pitchFamily="34" charset="0"/>
+              <a:buChar char="•"/>
+              <a:defRPr sz="2000" kern="1200">
+                <a:solidFill>
+                  <a:schemeClr val="tx1"/>
+                </a:solidFill>
+                <a:latin typeface="+mn-lt"/>
+                <a:ea typeface="+mn-ea"/>
+                <a:cs typeface="+mn-cs"/>
+              </a:defRPr>
+            </a:lvl8pPr>
+            <a:lvl9pPr marL="3886200" indent="-228600" algn="l" defTabSz="914400" rtl="0" eaLnBrk="1" latinLnBrk="0" hangingPunct="1">
+              <a:spcBef>
+                <a:spcPct val="20000"/>
+              </a:spcBef>
+              <a:buFont typeface="Arial" pitchFamily="34" charset="0"/>
+              <a:buChar char="•"/>
+              <a:defRPr sz="2000" kern="1200">
+                <a:solidFill>
+                  <a:schemeClr val="tx1"/>
+                </a:solidFill>
+                <a:latin typeface="+mn-lt"/>
+                <a:ea typeface="+mn-ea"/>
+                <a:cs typeface="+mn-cs"/>
+              </a:defRPr>
+            </a:lvl9pPr>
+          </a:lstStyle>
+          <a:p>
+            <a:r>
+              <a:rPr lang="pl-PL" sz="2000" dirty="0"/>
+              <a:t>First </a:t>
+            </a:r>
+            <a:r>
+              <a:rPr lang="pl-PL" sz="2000" dirty="0" err="1"/>
+              <a:t>class</a:t>
+            </a:r>
+            <a:r>
+              <a:rPr lang="pl-PL" sz="2000" dirty="0"/>
+              <a:t> </a:t>
+            </a:r>
+            <a:r>
+              <a:rPr lang="pl-PL" sz="2000" dirty="0" err="1"/>
+              <a:t>citiziens</a:t>
+            </a:r>
+            <a:endParaRPr lang="pl-PL" sz="2000" dirty="0"/>
+          </a:p>
+          <a:p>
+            <a:r>
+              <a:rPr lang="pl-PL" sz="2000" dirty="0" err="1"/>
+              <a:t>Functions</a:t>
+            </a:r>
+            <a:r>
+              <a:rPr lang="pl-PL" sz="2000" dirty="0"/>
+              <a:t> </a:t>
+            </a:r>
+            <a:r>
+              <a:rPr lang="pl-PL" sz="2000" dirty="0" err="1"/>
+              <a:t>are</a:t>
+            </a:r>
+            <a:r>
+              <a:rPr lang="pl-PL" sz="2000" dirty="0"/>
+              <a:t> </a:t>
+            </a:r>
+            <a:r>
+              <a:rPr lang="pl-PL" sz="2000" dirty="0" err="1"/>
+              <a:t>just</a:t>
+            </a:r>
+            <a:r>
+              <a:rPr lang="pl-PL" sz="2000" dirty="0"/>
+              <a:t> </a:t>
+            </a:r>
+            <a:r>
+              <a:rPr lang="pl-PL" sz="2000" dirty="0" err="1"/>
+              <a:t>values</a:t>
+            </a:r>
+            <a:endParaRPr lang="pl-PL" sz="2000" dirty="0"/>
+          </a:p>
+          <a:p>
+            <a:r>
+              <a:rPr lang="pl-PL" sz="2000" dirty="0" err="1"/>
+              <a:t>Passed</a:t>
+            </a:r>
+            <a:r>
+              <a:rPr lang="pl-PL" sz="2000" dirty="0"/>
+              <a:t> as a argument to </a:t>
+            </a:r>
+            <a:r>
+              <a:rPr lang="pl-PL" sz="2000" dirty="0" err="1"/>
+              <a:t>another</a:t>
+            </a:r>
+            <a:r>
+              <a:rPr lang="pl-PL" sz="2000" dirty="0"/>
+              <a:t> </a:t>
+            </a:r>
+            <a:r>
+              <a:rPr lang="pl-PL" sz="2000" dirty="0" err="1"/>
+              <a:t>functions</a:t>
+            </a:r>
+            <a:endParaRPr lang="pl-PL" sz="2000" dirty="0"/>
+          </a:p>
+          <a:p>
+            <a:r>
+              <a:rPr lang="pl-PL" sz="2000" dirty="0" err="1"/>
+              <a:t>Very</a:t>
+            </a:r>
+            <a:r>
+              <a:rPr lang="pl-PL" sz="2000" dirty="0"/>
+              <a:t> </a:t>
+            </a:r>
+            <a:r>
+              <a:rPr lang="pl-PL" sz="2000" dirty="0" err="1"/>
+              <a:t>powerful</a:t>
+            </a:r>
+            <a:r>
+              <a:rPr lang="pl-PL" sz="2000" dirty="0"/>
+              <a:t> in Spark </a:t>
+            </a:r>
+            <a:r>
+              <a:rPr lang="pl-PL" sz="2000" dirty="0" err="1"/>
+              <a:t>transformations</a:t>
+            </a:r>
+            <a:endParaRPr lang="pl-PL" sz="2000" dirty="0"/>
+          </a:p>
+          <a:p>
+            <a:endParaRPr lang="pl-PL" sz="2000" dirty="0"/>
+          </a:p>
+          <a:p>
+            <a:endParaRPr lang="pl-PL" sz="2000" dirty="0"/>
+          </a:p>
+          <a:p>
+            <a:endParaRPr lang="en-US" sz="2000" dirty="0"/>
+          </a:p>
+          <a:p>
+            <a:pPr marL="0" indent="0">
+              <a:buNone/>
+            </a:pPr>
+            <a:endParaRPr lang="pl-PL" sz="2000" dirty="0"/>
+          </a:p>
+        </p:txBody>
+      </p:sp>
+      <p:sp>
+        <p:nvSpPr>
+          <p:cNvPr id="7" name="TextBox 6"/>
+          <p:cNvSpPr txBox="1"/>
+          <p:nvPr/>
+        </p:nvSpPr>
+        <p:spPr>
+          <a:xfrm>
+            <a:off x="8891051" y="1198880"/>
+            <a:ext cx="914400" cy="914400"/>
+          </a:xfrm>
+          <a:prstGeom prst="rect">
+            <a:avLst/>
+          </a:prstGeom>
+          <a:noFill/>
+        </p:spPr>
+        <p:txBody>
+          <a:bodyPr wrap="none" lIns="0" tIns="0" rIns="0" bIns="0" rtlCol="0">
+            <a:noAutofit/>
+          </a:bodyPr>
+          <a:lstStyle/>
+          <a:p>
+            <a:pPr>
+              <a:lnSpc>
+                <a:spcPct val="140000"/>
+              </a:lnSpc>
+            </a:pPr>
+            <a:endParaRPr lang="en-US" dirty="0" err="1">
+              <a:solidFill>
+                <a:schemeClr val="tx1"/>
+              </a:solidFill>
+            </a:endParaRPr>
+          </a:p>
+        </p:txBody>
+      </p:sp>
+    </p:spTree>
+    <p:extLst>
+      <p:ext uri="{BB962C8B-B14F-4D97-AF65-F5344CB8AC3E}">
+        <p14:creationId xmlns:p14="http://schemas.microsoft.com/office/powerpoint/2010/main" val="2199849601"/>
+      </p:ext>
+    </p:extLst>
+  </p:cSld>
+  <p:clrMapOvr>
+    <a:masterClrMapping/>
+  </p:clrMapOvr>
+</p:sld>
+</file>
+
+<file path=ppt/slides/slide18.xml><?xml version="1.0" encoding="utf-8"?>
+<p:sld xmlns:a="http://schemas.openxmlformats.org/drawingml/2006/main" xmlns:r="http://schemas.openxmlformats.org/officeDocument/2006/relationships" xmlns:p="http://schemas.openxmlformats.org/presentationml/2006/main">
+  <p:cSld>
+    <p:spTree>
+      <p:nvGrpSpPr>
+        <p:cNvPr id="1" name=""/>
+        <p:cNvGrpSpPr/>
+        <p:nvPr/>
+      </p:nvGrpSpPr>
+      <p:grpSpPr>
+        <a:xfrm>
+          <a:off x="0" y="0"/>
+          <a:ext cx="0" cy="0"/>
+          <a:chOff x="0" y="0"/>
+          <a:chExt cx="0" cy="0"/>
+        </a:xfrm>
+      </p:grpSpPr>
+      <p:sp>
+        <p:nvSpPr>
+          <p:cNvPr id="2" name="Title 1"/>
+          <p:cNvSpPr>
+            <a:spLocks noGrp="1"/>
+          </p:cNvSpPr>
+          <p:nvPr>
+            <p:ph type="title"/>
+          </p:nvPr>
+        </p:nvSpPr>
+        <p:spPr>
+          <a:xfrm>
+            <a:off x="755650" y="413693"/>
+            <a:ext cx="7632700" cy="357857"/>
+          </a:xfrm>
+        </p:spPr>
+        <p:txBody>
+          <a:bodyPr/>
+          <a:lstStyle/>
+          <a:p>
+            <a:r>
+              <a:rPr lang="pl-PL" dirty="0"/>
+              <a:t>Scala: </a:t>
+            </a:r>
+            <a:r>
+              <a:rPr lang="pl-PL" dirty="0" err="1"/>
+              <a:t>Pattern</a:t>
+            </a:r>
+            <a:r>
+              <a:rPr lang="pl-PL" dirty="0"/>
+              <a:t> </a:t>
+            </a:r>
+            <a:r>
+              <a:rPr lang="pl-PL" dirty="0" err="1"/>
+              <a:t>matching</a:t>
+            </a:r>
+            <a:endParaRPr lang="en-US" dirty="0"/>
+          </a:p>
+        </p:txBody>
+      </p:sp>
+      <p:sp>
+        <p:nvSpPr>
+          <p:cNvPr id="3" name="Footer Placeholder 2"/>
+          <p:cNvSpPr>
+            <a:spLocks noGrp="1"/>
+          </p:cNvSpPr>
+          <p:nvPr>
+            <p:ph type="ftr" sz="quarter" idx="16"/>
+          </p:nvPr>
+        </p:nvSpPr>
+        <p:spPr/>
+        <p:txBody>
+          <a:bodyPr/>
+          <a:lstStyle/>
+          <a:p>
+            <a:endParaRPr lang="pl-PL" dirty="0"/>
+          </a:p>
+        </p:txBody>
+      </p:sp>
+      <p:sp>
+        <p:nvSpPr>
+          <p:cNvPr id="4" name="Date Placeholder 3"/>
+          <p:cNvSpPr>
+            <a:spLocks noGrp="1"/>
+          </p:cNvSpPr>
+          <p:nvPr>
+            <p:ph type="dt" sz="half" idx="15"/>
+          </p:nvPr>
+        </p:nvSpPr>
+        <p:spPr/>
+        <p:txBody>
+          <a:bodyPr/>
+          <a:lstStyle/>
+          <a:p>
+            <a:endParaRPr lang="pl-PL" dirty="0"/>
+          </a:p>
+        </p:txBody>
+      </p:sp>
+      <p:sp>
+        <p:nvSpPr>
+          <p:cNvPr id="6" name="Text Placeholder 4"/>
+          <p:cNvSpPr txBox="1">
+            <a:spLocks/>
+          </p:cNvSpPr>
+          <p:nvPr/>
+        </p:nvSpPr>
+        <p:spPr>
+          <a:xfrm>
+            <a:off x="755650" y="915566"/>
+            <a:ext cx="7632700" cy="3797624"/>
+          </a:xfrm>
+          <a:prstGeom prst="rect">
+            <a:avLst/>
+          </a:prstGeom>
+        </p:spPr>
+        <p:txBody>
+          <a:bodyPr vert="horz" lIns="0" tIns="0" rIns="0" bIns="0" anchor="t"/>
+          <a:lstStyle>
+            <a:lvl1pPr marL="165100" indent="-165100" algn="l" defTabSz="914400" rtl="0" eaLnBrk="1" latinLnBrk="0" hangingPunct="1">
+              <a:lnSpc>
+                <a:spcPct val="140000"/>
+              </a:lnSpc>
+              <a:spcBef>
+                <a:spcPts val="0"/>
+              </a:spcBef>
+              <a:buClr>
+                <a:schemeClr val="accent1"/>
+              </a:buClr>
+              <a:buSzPct val="75000"/>
+              <a:buFont typeface="Wingdings" charset="2"/>
+              <a:buChar char="§"/>
+              <a:defRPr sz="1300" kern="1200">
+                <a:solidFill>
+                  <a:schemeClr val="tx1"/>
+                </a:solidFill>
+                <a:latin typeface="+mn-lt"/>
+                <a:ea typeface="+mn-ea"/>
+                <a:cs typeface="+mn-cs"/>
+              </a:defRPr>
+            </a:lvl1pPr>
+            <a:lvl2pPr marL="330200" indent="-165100" algn="l" defTabSz="914400" rtl="0" eaLnBrk="1" latinLnBrk="0" hangingPunct="1">
+              <a:lnSpc>
+                <a:spcPct val="140000"/>
+              </a:lnSpc>
+              <a:spcBef>
+                <a:spcPts val="0"/>
+              </a:spcBef>
+              <a:buClr>
+                <a:schemeClr val="bg2"/>
+              </a:buClr>
+              <a:buSzPct val="75000"/>
+              <a:buFont typeface="Wingdings" charset="2"/>
+              <a:buChar char="§"/>
+              <a:defRPr sz="1300" kern="1200">
+                <a:solidFill>
+                  <a:schemeClr val="tx1"/>
+                </a:solidFill>
+                <a:latin typeface="+mn-lt"/>
+                <a:ea typeface="+mn-ea"/>
+                <a:cs typeface="+mn-cs"/>
+              </a:defRPr>
+            </a:lvl2pPr>
+            <a:lvl3pPr marL="495300" indent="-165100" algn="l" defTabSz="914400" rtl="0" eaLnBrk="1" latinLnBrk="0" hangingPunct="1">
+              <a:lnSpc>
+                <a:spcPct val="140000"/>
+              </a:lnSpc>
+              <a:spcBef>
+                <a:spcPts val="0"/>
+              </a:spcBef>
+              <a:buClr>
+                <a:schemeClr val="bg2"/>
+              </a:buClr>
+              <a:buSzPct val="75000"/>
+              <a:buFont typeface="Wingdings" charset="2"/>
+              <a:buChar char="§"/>
+              <a:defRPr sz="1300" kern="1200">
+                <a:solidFill>
+                  <a:schemeClr val="tx1"/>
+                </a:solidFill>
+                <a:latin typeface="+mn-lt"/>
+                <a:ea typeface="+mn-ea"/>
+                <a:cs typeface="+mn-cs"/>
+              </a:defRPr>
+            </a:lvl3pPr>
+            <a:lvl4pPr marL="660400" indent="-165100" algn="l" defTabSz="914400" rtl="0" eaLnBrk="1" latinLnBrk="0" hangingPunct="1">
+              <a:lnSpc>
+                <a:spcPct val="140000"/>
+              </a:lnSpc>
+              <a:spcBef>
+                <a:spcPts val="0"/>
+              </a:spcBef>
+              <a:buClr>
+                <a:schemeClr val="bg2"/>
+              </a:buClr>
+              <a:buSzPct val="75000"/>
+              <a:buFont typeface="Wingdings" charset="2"/>
+              <a:buChar char="§"/>
+              <a:defRPr sz="1300" kern="1200">
+                <a:solidFill>
+                  <a:schemeClr val="tx1"/>
+                </a:solidFill>
+                <a:latin typeface="+mn-lt"/>
+                <a:ea typeface="+mn-ea"/>
+                <a:cs typeface="+mn-cs"/>
+              </a:defRPr>
+            </a:lvl4pPr>
+            <a:lvl5pPr marL="825500" indent="-165100" algn="l" defTabSz="914400" rtl="0" eaLnBrk="1" latinLnBrk="0" hangingPunct="1">
+              <a:lnSpc>
+                <a:spcPct val="140000"/>
+              </a:lnSpc>
+              <a:spcBef>
+                <a:spcPts val="0"/>
+              </a:spcBef>
+              <a:buClr>
+                <a:schemeClr val="bg2"/>
+              </a:buClr>
+              <a:buSzPct val="75000"/>
+              <a:buFont typeface="Wingdings" charset="2"/>
+              <a:buChar char="§"/>
+              <a:defRPr sz="1300" kern="1200">
+                <a:solidFill>
+                  <a:schemeClr val="tx1"/>
+                </a:solidFill>
+                <a:latin typeface="+mn-lt"/>
+                <a:ea typeface="+mn-ea"/>
+                <a:cs typeface="+mn-cs"/>
+              </a:defRPr>
+            </a:lvl5pPr>
+            <a:lvl6pPr marL="2514600" indent="-228600" algn="l" defTabSz="914400" rtl="0" eaLnBrk="1" latinLnBrk="0" hangingPunct="1">
+              <a:spcBef>
+                <a:spcPct val="20000"/>
+              </a:spcBef>
+              <a:buFont typeface="Arial" pitchFamily="34" charset="0"/>
+              <a:buChar char="•"/>
+              <a:defRPr sz="2000" kern="1200">
+                <a:solidFill>
+                  <a:schemeClr val="tx1"/>
+                </a:solidFill>
+                <a:latin typeface="+mn-lt"/>
+                <a:ea typeface="+mn-ea"/>
+                <a:cs typeface="+mn-cs"/>
+              </a:defRPr>
+            </a:lvl6pPr>
+            <a:lvl7pPr marL="2971800" indent="-228600" algn="l" defTabSz="914400" rtl="0" eaLnBrk="1" latinLnBrk="0" hangingPunct="1">
+              <a:spcBef>
+                <a:spcPct val="20000"/>
+              </a:spcBef>
+              <a:buFont typeface="Arial" pitchFamily="34" charset="0"/>
+              <a:buChar char="•"/>
+              <a:defRPr sz="2000" kern="1200">
+                <a:solidFill>
+                  <a:schemeClr val="tx1"/>
+                </a:solidFill>
+                <a:latin typeface="+mn-lt"/>
+                <a:ea typeface="+mn-ea"/>
+                <a:cs typeface="+mn-cs"/>
+              </a:defRPr>
+            </a:lvl7pPr>
+            <a:lvl8pPr marL="3429000" indent="-228600" algn="l" defTabSz="914400" rtl="0" eaLnBrk="1" latinLnBrk="0" hangingPunct="1">
+              <a:spcBef>
+                <a:spcPct val="20000"/>
+              </a:spcBef>
+              <a:buFont typeface="Arial" pitchFamily="34" charset="0"/>
+              <a:buChar char="•"/>
+              <a:defRPr sz="2000" kern="1200">
+                <a:solidFill>
+                  <a:schemeClr val="tx1"/>
+                </a:solidFill>
+                <a:latin typeface="+mn-lt"/>
+                <a:ea typeface="+mn-ea"/>
+                <a:cs typeface="+mn-cs"/>
+              </a:defRPr>
+            </a:lvl8pPr>
+            <a:lvl9pPr marL="3886200" indent="-228600" algn="l" defTabSz="914400" rtl="0" eaLnBrk="1" latinLnBrk="0" hangingPunct="1">
+              <a:spcBef>
+                <a:spcPct val="20000"/>
+              </a:spcBef>
+              <a:buFont typeface="Arial" pitchFamily="34" charset="0"/>
+              <a:buChar char="•"/>
+              <a:defRPr sz="2000" kern="1200">
+                <a:solidFill>
+                  <a:schemeClr val="tx1"/>
+                </a:solidFill>
+                <a:latin typeface="+mn-lt"/>
+                <a:ea typeface="+mn-ea"/>
+                <a:cs typeface="+mn-cs"/>
+              </a:defRPr>
+            </a:lvl9pPr>
+          </a:lstStyle>
+          <a:p>
+            <a:r>
+              <a:rPr lang="pl-PL" sz="2000" dirty="0"/>
+              <a:t>„</a:t>
+            </a:r>
+            <a:r>
+              <a:rPr lang="pl-PL" sz="2000" dirty="0" err="1"/>
+              <a:t>switch</a:t>
+            </a:r>
+            <a:r>
+              <a:rPr lang="pl-PL" sz="2000" dirty="0"/>
+              <a:t>” on </a:t>
+            </a:r>
+            <a:r>
+              <a:rPr lang="pl-PL" sz="2000" dirty="0" err="1"/>
+              <a:t>steroids</a:t>
+            </a:r>
+            <a:endParaRPr lang="pl-PL" sz="2000" dirty="0"/>
+          </a:p>
+          <a:p>
+            <a:r>
+              <a:rPr lang="en-US" sz="2000" dirty="0"/>
+              <a:t>Match against class hierarchies, sequences, and</a:t>
+            </a:r>
+            <a:r>
+              <a:rPr lang="pl-PL" sz="2000" dirty="0"/>
+              <a:t> </a:t>
+            </a:r>
+            <a:r>
+              <a:rPr lang="pl-PL" sz="2000" dirty="0" err="1"/>
+              <a:t>more</a:t>
+            </a:r>
+            <a:endParaRPr lang="pl-PL" sz="2000" dirty="0"/>
+          </a:p>
+          <a:p>
+            <a:r>
+              <a:rPr lang="pl-PL" sz="2000" dirty="0" err="1"/>
+              <a:t>Very</a:t>
+            </a:r>
+            <a:r>
+              <a:rPr lang="pl-PL" sz="2000" dirty="0"/>
+              <a:t> </a:t>
+            </a:r>
+            <a:r>
+              <a:rPr lang="pl-PL" sz="2000" dirty="0" err="1"/>
+              <a:t>powerful</a:t>
+            </a:r>
+            <a:r>
+              <a:rPr lang="pl-PL" sz="2000" dirty="0"/>
+              <a:t> in Spark </a:t>
+            </a:r>
+            <a:r>
+              <a:rPr lang="pl-PL" sz="2000" dirty="0" err="1"/>
+              <a:t>transformations</a:t>
+            </a:r>
+            <a:endParaRPr lang="pl-PL" sz="2000" dirty="0"/>
+          </a:p>
+          <a:p>
+            <a:endParaRPr lang="pl-PL" sz="2000" dirty="0"/>
+          </a:p>
+          <a:p>
+            <a:endParaRPr lang="pl-PL" sz="2000" dirty="0"/>
+          </a:p>
+          <a:p>
+            <a:endParaRPr lang="en-US" sz="2000" dirty="0"/>
+          </a:p>
+          <a:p>
+            <a:pPr marL="0" indent="0">
+              <a:buNone/>
+            </a:pPr>
+            <a:endParaRPr lang="pl-PL" sz="2000" dirty="0"/>
+          </a:p>
+        </p:txBody>
+      </p:sp>
+      <p:sp>
+        <p:nvSpPr>
+          <p:cNvPr id="7" name="TextBox 6"/>
+          <p:cNvSpPr txBox="1"/>
+          <p:nvPr/>
+        </p:nvSpPr>
+        <p:spPr>
+          <a:xfrm>
+            <a:off x="8891051" y="1198880"/>
+            <a:ext cx="914400" cy="914400"/>
+          </a:xfrm>
+          <a:prstGeom prst="rect">
+            <a:avLst/>
+          </a:prstGeom>
+          <a:noFill/>
+        </p:spPr>
+        <p:txBody>
+          <a:bodyPr wrap="none" lIns="0" tIns="0" rIns="0" bIns="0" rtlCol="0">
+            <a:noAutofit/>
+          </a:bodyPr>
+          <a:lstStyle/>
+          <a:p>
+            <a:pPr>
+              <a:lnSpc>
+                <a:spcPct val="140000"/>
+              </a:lnSpc>
+            </a:pPr>
+            <a:endParaRPr lang="en-US" dirty="0" err="1">
+              <a:solidFill>
+                <a:schemeClr val="tx1"/>
+              </a:solidFill>
+            </a:endParaRPr>
+          </a:p>
+        </p:txBody>
+      </p:sp>
+    </p:spTree>
+    <p:extLst>
+      <p:ext uri="{BB962C8B-B14F-4D97-AF65-F5344CB8AC3E}">
+        <p14:creationId xmlns:p14="http://schemas.microsoft.com/office/powerpoint/2010/main" val="3173888047"/>
+      </p:ext>
+    </p:extLst>
+  </p:cSld>
+  <p:clrMapOvr>
+    <a:masterClrMapping/>
+  </p:clrMapOvr>
+</p:sld>
+</file>
+
+<file path=ppt/slides/slide19.xml><?xml version="1.0" encoding="utf-8"?>
+<p:sld xmlns:a="http://schemas.openxmlformats.org/drawingml/2006/main" xmlns:r="http://schemas.openxmlformats.org/officeDocument/2006/relationships" xmlns:p="http://schemas.openxmlformats.org/presentationml/2006/main">
+  <p:cSld>
+    <p:spTree>
+      <p:nvGrpSpPr>
+        <p:cNvPr id="1" name=""/>
+        <p:cNvGrpSpPr/>
+        <p:nvPr/>
+      </p:nvGrpSpPr>
+      <p:grpSpPr>
+        <a:xfrm>
+          <a:off x="0" y="0"/>
+          <a:ext cx="0" cy="0"/>
+          <a:chOff x="0" y="0"/>
+          <a:chExt cx="0" cy="0"/>
+        </a:xfrm>
+      </p:grpSpPr>
+      <p:sp>
+        <p:nvSpPr>
+          <p:cNvPr id="2" name="Title 1"/>
+          <p:cNvSpPr>
+            <a:spLocks noGrp="1"/>
+          </p:cNvSpPr>
+          <p:nvPr>
+            <p:ph type="title"/>
+          </p:nvPr>
+        </p:nvSpPr>
+        <p:spPr>
+          <a:xfrm>
+            <a:off x="755650" y="413693"/>
+            <a:ext cx="7632700" cy="357857"/>
+          </a:xfrm>
+        </p:spPr>
+        <p:txBody>
+          <a:bodyPr/>
+          <a:lstStyle/>
+          <a:p>
+            <a:r>
+              <a:rPr lang="pl-PL" dirty="0"/>
+              <a:t>Scala: </a:t>
+            </a:r>
+            <a:r>
+              <a:rPr lang="pl-PL" dirty="0" err="1"/>
+              <a:t>collections</a:t>
+            </a:r>
+            <a:endParaRPr lang="en-US" dirty="0"/>
+          </a:p>
+        </p:txBody>
+      </p:sp>
+      <p:sp>
+        <p:nvSpPr>
+          <p:cNvPr id="3" name="Footer Placeholder 2"/>
+          <p:cNvSpPr>
+            <a:spLocks noGrp="1"/>
+          </p:cNvSpPr>
+          <p:nvPr>
+            <p:ph type="ftr" sz="quarter" idx="16"/>
+          </p:nvPr>
+        </p:nvSpPr>
+        <p:spPr/>
+        <p:txBody>
+          <a:bodyPr/>
+          <a:lstStyle/>
+          <a:p>
+            <a:endParaRPr lang="pl-PL" dirty="0"/>
+          </a:p>
+        </p:txBody>
+      </p:sp>
+      <p:sp>
+        <p:nvSpPr>
+          <p:cNvPr id="4" name="Date Placeholder 3"/>
+          <p:cNvSpPr>
+            <a:spLocks noGrp="1"/>
+          </p:cNvSpPr>
+          <p:nvPr>
+            <p:ph type="dt" sz="half" idx="15"/>
+          </p:nvPr>
+        </p:nvSpPr>
+        <p:spPr/>
+        <p:txBody>
+          <a:bodyPr/>
+          <a:lstStyle/>
+          <a:p>
+            <a:endParaRPr lang="pl-PL" dirty="0"/>
+          </a:p>
+        </p:txBody>
+      </p:sp>
+      <p:sp>
+        <p:nvSpPr>
+          <p:cNvPr id="6" name="Text Placeholder 4"/>
+          <p:cNvSpPr txBox="1">
+            <a:spLocks/>
+          </p:cNvSpPr>
+          <p:nvPr/>
+        </p:nvSpPr>
+        <p:spPr>
+          <a:xfrm>
+            <a:off x="755650" y="915566"/>
+            <a:ext cx="7632700" cy="3797624"/>
+          </a:xfrm>
+          <a:prstGeom prst="rect">
+            <a:avLst/>
+          </a:prstGeom>
+        </p:spPr>
+        <p:txBody>
+          <a:bodyPr vert="horz" lIns="0" tIns="0" rIns="0" bIns="0" anchor="t"/>
+          <a:lstStyle>
+            <a:lvl1pPr marL="165100" indent="-165100" algn="l" defTabSz="914400" rtl="0" eaLnBrk="1" latinLnBrk="0" hangingPunct="1">
+              <a:lnSpc>
+                <a:spcPct val="140000"/>
+              </a:lnSpc>
+              <a:spcBef>
+                <a:spcPts val="0"/>
+              </a:spcBef>
+              <a:buClr>
+                <a:schemeClr val="accent1"/>
+              </a:buClr>
+              <a:buSzPct val="75000"/>
+              <a:buFont typeface="Wingdings" charset="2"/>
+              <a:buChar char="§"/>
+              <a:defRPr sz="1300" kern="1200">
+                <a:solidFill>
+                  <a:schemeClr val="tx1"/>
+                </a:solidFill>
+                <a:latin typeface="+mn-lt"/>
+                <a:ea typeface="+mn-ea"/>
+                <a:cs typeface="+mn-cs"/>
+              </a:defRPr>
+            </a:lvl1pPr>
+            <a:lvl2pPr marL="330200" indent="-165100" algn="l" defTabSz="914400" rtl="0" eaLnBrk="1" latinLnBrk="0" hangingPunct="1">
+              <a:lnSpc>
+                <a:spcPct val="140000"/>
+              </a:lnSpc>
+              <a:spcBef>
+                <a:spcPts val="0"/>
+              </a:spcBef>
+              <a:buClr>
+                <a:schemeClr val="bg2"/>
+              </a:buClr>
+              <a:buSzPct val="75000"/>
+              <a:buFont typeface="Wingdings" charset="2"/>
+              <a:buChar char="§"/>
+              <a:defRPr sz="1300" kern="1200">
+                <a:solidFill>
+                  <a:schemeClr val="tx1"/>
+                </a:solidFill>
+                <a:latin typeface="+mn-lt"/>
+                <a:ea typeface="+mn-ea"/>
+                <a:cs typeface="+mn-cs"/>
+              </a:defRPr>
+            </a:lvl2pPr>
+            <a:lvl3pPr marL="495300" indent="-165100" algn="l" defTabSz="914400" rtl="0" eaLnBrk="1" latinLnBrk="0" hangingPunct="1">
+              <a:lnSpc>
+                <a:spcPct val="140000"/>
+              </a:lnSpc>
+              <a:spcBef>
+                <a:spcPts val="0"/>
+              </a:spcBef>
+              <a:buClr>
+                <a:schemeClr val="bg2"/>
+              </a:buClr>
+              <a:buSzPct val="75000"/>
+              <a:buFont typeface="Wingdings" charset="2"/>
+              <a:buChar char="§"/>
+              <a:defRPr sz="1300" kern="1200">
+                <a:solidFill>
+                  <a:schemeClr val="tx1"/>
+                </a:solidFill>
+                <a:latin typeface="+mn-lt"/>
+                <a:ea typeface="+mn-ea"/>
+                <a:cs typeface="+mn-cs"/>
+              </a:defRPr>
+            </a:lvl3pPr>
+            <a:lvl4pPr marL="660400" indent="-165100" algn="l" defTabSz="914400" rtl="0" eaLnBrk="1" latinLnBrk="0" hangingPunct="1">
+              <a:lnSpc>
+                <a:spcPct val="140000"/>
+              </a:lnSpc>
+              <a:spcBef>
+                <a:spcPts val="0"/>
+              </a:spcBef>
+              <a:buClr>
+                <a:schemeClr val="bg2"/>
+              </a:buClr>
+              <a:buSzPct val="75000"/>
+              <a:buFont typeface="Wingdings" charset="2"/>
+              <a:buChar char="§"/>
+              <a:defRPr sz="1300" kern="1200">
+                <a:solidFill>
+                  <a:schemeClr val="tx1"/>
+                </a:solidFill>
+                <a:latin typeface="+mn-lt"/>
+                <a:ea typeface="+mn-ea"/>
+                <a:cs typeface="+mn-cs"/>
+              </a:defRPr>
+            </a:lvl4pPr>
+            <a:lvl5pPr marL="825500" indent="-165100" algn="l" defTabSz="914400" rtl="0" eaLnBrk="1" latinLnBrk="0" hangingPunct="1">
+              <a:lnSpc>
+                <a:spcPct val="140000"/>
+              </a:lnSpc>
+              <a:spcBef>
+                <a:spcPts val="0"/>
+              </a:spcBef>
+              <a:buClr>
+                <a:schemeClr val="bg2"/>
+              </a:buClr>
+              <a:buSzPct val="75000"/>
+              <a:buFont typeface="Wingdings" charset="2"/>
+              <a:buChar char="§"/>
+              <a:defRPr sz="1300" kern="1200">
+                <a:solidFill>
+                  <a:schemeClr val="tx1"/>
+                </a:solidFill>
+                <a:latin typeface="+mn-lt"/>
+                <a:ea typeface="+mn-ea"/>
+                <a:cs typeface="+mn-cs"/>
+              </a:defRPr>
+            </a:lvl5pPr>
+            <a:lvl6pPr marL="2514600" indent="-228600" algn="l" defTabSz="914400" rtl="0" eaLnBrk="1" latinLnBrk="0" hangingPunct="1">
+              <a:spcBef>
+                <a:spcPct val="20000"/>
+              </a:spcBef>
+              <a:buFont typeface="Arial" pitchFamily="34" charset="0"/>
+              <a:buChar char="•"/>
+              <a:defRPr sz="2000" kern="1200">
+                <a:solidFill>
+                  <a:schemeClr val="tx1"/>
+                </a:solidFill>
+                <a:latin typeface="+mn-lt"/>
+                <a:ea typeface="+mn-ea"/>
+                <a:cs typeface="+mn-cs"/>
+              </a:defRPr>
+            </a:lvl6pPr>
+            <a:lvl7pPr marL="2971800" indent="-228600" algn="l" defTabSz="914400" rtl="0" eaLnBrk="1" latinLnBrk="0" hangingPunct="1">
+              <a:spcBef>
+                <a:spcPct val="20000"/>
+              </a:spcBef>
+              <a:buFont typeface="Arial" pitchFamily="34" charset="0"/>
+              <a:buChar char="•"/>
+              <a:defRPr sz="2000" kern="1200">
+                <a:solidFill>
+                  <a:schemeClr val="tx1"/>
+                </a:solidFill>
+                <a:latin typeface="+mn-lt"/>
+                <a:ea typeface="+mn-ea"/>
+                <a:cs typeface="+mn-cs"/>
+              </a:defRPr>
+            </a:lvl7pPr>
+            <a:lvl8pPr marL="3429000" indent="-228600" algn="l" defTabSz="914400" rtl="0" eaLnBrk="1" latinLnBrk="0" hangingPunct="1">
+              <a:spcBef>
+                <a:spcPct val="20000"/>
+              </a:spcBef>
+              <a:buFont typeface="Arial" pitchFamily="34" charset="0"/>
+              <a:buChar char="•"/>
+              <a:defRPr sz="2000" kern="1200">
+                <a:solidFill>
+                  <a:schemeClr val="tx1"/>
+                </a:solidFill>
+                <a:latin typeface="+mn-lt"/>
+                <a:ea typeface="+mn-ea"/>
+                <a:cs typeface="+mn-cs"/>
+              </a:defRPr>
+            </a:lvl8pPr>
+            <a:lvl9pPr marL="3886200" indent="-228600" algn="l" defTabSz="914400" rtl="0" eaLnBrk="1" latinLnBrk="0" hangingPunct="1">
+              <a:spcBef>
+                <a:spcPct val="20000"/>
+              </a:spcBef>
+              <a:buFont typeface="Arial" pitchFamily="34" charset="0"/>
+              <a:buChar char="•"/>
+              <a:defRPr sz="2000" kern="1200">
+                <a:solidFill>
+                  <a:schemeClr val="tx1"/>
+                </a:solidFill>
+                <a:latin typeface="+mn-lt"/>
+                <a:ea typeface="+mn-ea"/>
+                <a:cs typeface="+mn-cs"/>
+              </a:defRPr>
+            </a:lvl9pPr>
+          </a:lstStyle>
+          <a:p>
+            <a:r>
+              <a:rPr lang="pl-PL" sz="2000" dirty="0" err="1"/>
+              <a:t>Plethore</a:t>
+            </a:r>
+            <a:r>
+              <a:rPr lang="pl-PL" sz="2000" dirty="0"/>
+              <a:t> of </a:t>
+            </a:r>
+            <a:r>
+              <a:rPr lang="pl-PL" sz="2000" dirty="0" err="1"/>
+              <a:t>types</a:t>
+            </a:r>
+            <a:r>
+              <a:rPr lang="pl-PL" sz="2000" dirty="0"/>
+              <a:t>: </a:t>
+            </a:r>
+            <a:r>
+              <a:rPr lang="pl-PL" sz="2000" dirty="0" err="1"/>
+              <a:t>immutable</a:t>
+            </a:r>
+            <a:r>
+              <a:rPr lang="pl-PL" sz="2000" dirty="0"/>
+              <a:t> and </a:t>
+            </a:r>
+            <a:r>
+              <a:rPr lang="pl-PL" sz="2000" dirty="0" err="1"/>
+              <a:t>mutable</a:t>
+            </a:r>
+            <a:endParaRPr lang="pl-PL" sz="2000" dirty="0"/>
+          </a:p>
+          <a:p>
+            <a:r>
+              <a:rPr lang="pl-PL" sz="2000" dirty="0" err="1"/>
+              <a:t>Nicley</a:t>
+            </a:r>
+            <a:r>
+              <a:rPr lang="pl-PL" sz="2000" dirty="0"/>
+              <a:t> </a:t>
+            </a:r>
+            <a:r>
+              <a:rPr lang="pl-PL" sz="2000" dirty="0" err="1"/>
+              <a:t>mixes</a:t>
+            </a:r>
+            <a:r>
+              <a:rPr lang="pl-PL" sz="2000" dirty="0"/>
+              <a:t> with Spark </a:t>
+            </a:r>
+            <a:r>
+              <a:rPr lang="pl-PL" sz="2000" dirty="0" err="1"/>
+              <a:t>thanks</a:t>
+            </a:r>
+            <a:r>
+              <a:rPr lang="pl-PL" sz="2000" dirty="0"/>
+              <a:t> to </a:t>
+            </a:r>
+            <a:r>
+              <a:rPr lang="pl-PL" sz="2000" dirty="0" err="1"/>
+              <a:t>implicits</a:t>
+            </a:r>
+            <a:endParaRPr lang="pl-PL" sz="2000" dirty="0"/>
+          </a:p>
+          <a:p>
+            <a:r>
+              <a:rPr lang="pl-PL" sz="2000" dirty="0" err="1"/>
+              <a:t>Extrenly</a:t>
+            </a:r>
+            <a:r>
+              <a:rPr lang="pl-PL" sz="2000" dirty="0"/>
+              <a:t> </a:t>
+            </a:r>
+            <a:r>
+              <a:rPr lang="pl-PL" sz="2000" dirty="0" err="1"/>
+              <a:t>utilized</a:t>
+            </a:r>
+            <a:r>
+              <a:rPr lang="pl-PL" sz="2000" dirty="0"/>
+              <a:t> by Spark </a:t>
+            </a:r>
+            <a:r>
+              <a:rPr lang="pl-PL" sz="2000" dirty="0" err="1"/>
+              <a:t>internal</a:t>
+            </a:r>
+            <a:endParaRPr lang="pl-PL" sz="2000" dirty="0"/>
+          </a:p>
+          <a:p>
+            <a:endParaRPr lang="pl-PL" sz="2000" dirty="0"/>
+          </a:p>
+          <a:p>
+            <a:endParaRPr lang="pl-PL" sz="2000" dirty="0"/>
+          </a:p>
+          <a:p>
+            <a:endParaRPr lang="en-US" sz="2000" dirty="0"/>
+          </a:p>
+          <a:p>
+            <a:pPr marL="0" indent="0">
+              <a:buNone/>
+            </a:pPr>
+            <a:endParaRPr lang="pl-PL" sz="2000" dirty="0"/>
+          </a:p>
+        </p:txBody>
+      </p:sp>
+      <p:sp>
+        <p:nvSpPr>
+          <p:cNvPr id="7" name="TextBox 6"/>
+          <p:cNvSpPr txBox="1"/>
+          <p:nvPr/>
+        </p:nvSpPr>
+        <p:spPr>
+          <a:xfrm>
+            <a:off x="8891051" y="1198880"/>
+            <a:ext cx="914400" cy="914400"/>
+          </a:xfrm>
+          <a:prstGeom prst="rect">
+            <a:avLst/>
+          </a:prstGeom>
+          <a:noFill/>
+        </p:spPr>
+        <p:txBody>
+          <a:bodyPr wrap="none" lIns="0" tIns="0" rIns="0" bIns="0" rtlCol="0">
+            <a:noAutofit/>
+          </a:bodyPr>
+          <a:lstStyle/>
+          <a:p>
+            <a:pPr>
+              <a:lnSpc>
+                <a:spcPct val="140000"/>
+              </a:lnSpc>
+            </a:pPr>
+            <a:endParaRPr lang="en-US" dirty="0" err="1">
+              <a:solidFill>
+                <a:schemeClr val="tx1"/>
+              </a:solidFill>
+            </a:endParaRPr>
+          </a:p>
+        </p:txBody>
+      </p:sp>
+    </p:spTree>
+    <p:extLst>
+      <p:ext uri="{BB962C8B-B14F-4D97-AF65-F5344CB8AC3E}">
+        <p14:creationId xmlns:p14="http://schemas.microsoft.com/office/powerpoint/2010/main" val="4029362264"/>
+      </p:ext>
+    </p:extLst>
+  </p:cSld>
+  <p:clrMapOvr>
+    <a:masterClrMapping/>
+  </p:clrMapOvr>
+</p:sld>
+</file>
+
+<file path=ppt/slides/slide2.xml><?xml version="1.0" encoding="utf-8"?>
+<p:sld xmlns:a="http://schemas.openxmlformats.org/drawingml/2006/main" xmlns:r="http://schemas.openxmlformats.org/officeDocument/2006/relationships" xmlns:p="http://schemas.openxmlformats.org/presentationml/2006/main">
+  <p:cSld>
+    <p:spTree>
+      <p:nvGrpSpPr>
+        <p:cNvPr id="1" name=""/>
+        <p:cNvGrpSpPr/>
+        <p:nvPr/>
+      </p:nvGrpSpPr>
+      <p:grpSpPr>
+        <a:xfrm>
+          <a:off x="0" y="0"/>
+          <a:ext cx="0" cy="0"/>
+          <a:chOff x="0" y="0"/>
+          <a:chExt cx="0" cy="0"/>
+        </a:xfrm>
+      </p:grpSpPr>
+      <p:sp>
+        <p:nvSpPr>
+          <p:cNvPr id="2" name="Title 1"/>
+          <p:cNvSpPr>
+            <a:spLocks noGrp="1"/>
+          </p:cNvSpPr>
+          <p:nvPr>
+            <p:ph type="title"/>
+          </p:nvPr>
+        </p:nvSpPr>
+        <p:spPr>
+          <a:xfrm>
+            <a:off x="755650" y="413693"/>
+            <a:ext cx="7632700" cy="357857"/>
+          </a:xfrm>
+        </p:spPr>
+        <p:txBody>
+          <a:bodyPr/>
+          <a:lstStyle/>
+          <a:p>
+            <a:r>
+              <a:rPr lang="pl-PL" dirty="0"/>
+              <a:t>Apache Spark</a:t>
+            </a:r>
+            <a:endParaRPr lang="en-US" dirty="0"/>
+          </a:p>
+        </p:txBody>
+      </p:sp>
+      <p:sp>
+        <p:nvSpPr>
+          <p:cNvPr id="3" name="Footer Placeholder 2"/>
+          <p:cNvSpPr>
+            <a:spLocks noGrp="1"/>
+          </p:cNvSpPr>
+          <p:nvPr>
+            <p:ph type="ftr" sz="quarter" idx="16"/>
+          </p:nvPr>
+        </p:nvSpPr>
+        <p:spPr/>
+        <p:txBody>
+          <a:bodyPr/>
+          <a:lstStyle/>
+          <a:p>
+            <a:endParaRPr lang="pl-PL" dirty="0"/>
+          </a:p>
+        </p:txBody>
+      </p:sp>
+      <p:sp>
+        <p:nvSpPr>
+          <p:cNvPr id="4" name="Date Placeholder 3"/>
+          <p:cNvSpPr>
+            <a:spLocks noGrp="1"/>
+          </p:cNvSpPr>
+          <p:nvPr>
+            <p:ph type="dt" sz="half" idx="15"/>
+          </p:nvPr>
+        </p:nvSpPr>
+        <p:spPr/>
+        <p:txBody>
+          <a:bodyPr/>
+          <a:lstStyle/>
+          <a:p>
+            <a:endParaRPr lang="pl-PL" dirty="0"/>
+          </a:p>
+        </p:txBody>
+      </p:sp>
+      <p:sp>
+        <p:nvSpPr>
+          <p:cNvPr id="6" name="Text Placeholder 4"/>
+          <p:cNvSpPr txBox="1">
+            <a:spLocks/>
+          </p:cNvSpPr>
+          <p:nvPr/>
+        </p:nvSpPr>
+        <p:spPr>
+          <a:xfrm>
+            <a:off x="755650" y="915566"/>
+            <a:ext cx="7632700" cy="3797624"/>
+          </a:xfrm>
+          <a:prstGeom prst="rect">
+            <a:avLst/>
+          </a:prstGeom>
+        </p:spPr>
+        <p:txBody>
+          <a:bodyPr vert="horz" lIns="0" tIns="0" rIns="0" bIns="0" anchor="t"/>
+          <a:lstStyle>
+            <a:lvl1pPr marL="165100" indent="-165100" algn="l" defTabSz="914400" rtl="0" eaLnBrk="1" latinLnBrk="0" hangingPunct="1">
+              <a:lnSpc>
+                <a:spcPct val="140000"/>
+              </a:lnSpc>
+              <a:spcBef>
+                <a:spcPts val="0"/>
+              </a:spcBef>
+              <a:buClr>
+                <a:schemeClr val="accent1"/>
+              </a:buClr>
+              <a:buSzPct val="75000"/>
+              <a:buFont typeface="Wingdings" charset="2"/>
+              <a:buChar char="§"/>
+              <a:defRPr sz="1300" kern="1200">
+                <a:solidFill>
+                  <a:schemeClr val="tx1"/>
+                </a:solidFill>
+                <a:latin typeface="+mn-lt"/>
+                <a:ea typeface="+mn-ea"/>
+                <a:cs typeface="+mn-cs"/>
+              </a:defRPr>
+            </a:lvl1pPr>
+            <a:lvl2pPr marL="330200" indent="-165100" algn="l" defTabSz="914400" rtl="0" eaLnBrk="1" latinLnBrk="0" hangingPunct="1">
+              <a:lnSpc>
+                <a:spcPct val="140000"/>
+              </a:lnSpc>
+              <a:spcBef>
+                <a:spcPts val="0"/>
+              </a:spcBef>
+              <a:buClr>
+                <a:schemeClr val="bg2"/>
+              </a:buClr>
+              <a:buSzPct val="75000"/>
+              <a:buFont typeface="Wingdings" charset="2"/>
+              <a:buChar char="§"/>
+              <a:defRPr sz="1300" kern="1200">
+                <a:solidFill>
+                  <a:schemeClr val="tx1"/>
+                </a:solidFill>
+                <a:latin typeface="+mn-lt"/>
+                <a:ea typeface="+mn-ea"/>
+                <a:cs typeface="+mn-cs"/>
+              </a:defRPr>
+            </a:lvl2pPr>
+            <a:lvl3pPr marL="495300" indent="-165100" algn="l" defTabSz="914400" rtl="0" eaLnBrk="1" latinLnBrk="0" hangingPunct="1">
+              <a:lnSpc>
+                <a:spcPct val="140000"/>
+              </a:lnSpc>
+              <a:spcBef>
+                <a:spcPts val="0"/>
+              </a:spcBef>
+              <a:buClr>
+                <a:schemeClr val="bg2"/>
+              </a:buClr>
+              <a:buSzPct val="75000"/>
+              <a:buFont typeface="Wingdings" charset="2"/>
+              <a:buChar char="§"/>
+              <a:defRPr sz="1300" kern="1200">
+                <a:solidFill>
+                  <a:schemeClr val="tx1"/>
+                </a:solidFill>
+                <a:latin typeface="+mn-lt"/>
+                <a:ea typeface="+mn-ea"/>
+                <a:cs typeface="+mn-cs"/>
+              </a:defRPr>
+            </a:lvl3pPr>
+            <a:lvl4pPr marL="660400" indent="-165100" algn="l" defTabSz="914400" rtl="0" eaLnBrk="1" latinLnBrk="0" hangingPunct="1">
+              <a:lnSpc>
+                <a:spcPct val="140000"/>
+              </a:lnSpc>
+              <a:spcBef>
+                <a:spcPts val="0"/>
+              </a:spcBef>
+              <a:buClr>
+                <a:schemeClr val="bg2"/>
+              </a:buClr>
+              <a:buSzPct val="75000"/>
+              <a:buFont typeface="Wingdings" charset="2"/>
+              <a:buChar char="§"/>
+              <a:defRPr sz="1300" kern="1200">
+                <a:solidFill>
+                  <a:schemeClr val="tx1"/>
+                </a:solidFill>
+                <a:latin typeface="+mn-lt"/>
+                <a:ea typeface="+mn-ea"/>
+                <a:cs typeface="+mn-cs"/>
+              </a:defRPr>
+            </a:lvl4pPr>
+            <a:lvl5pPr marL="825500" indent="-165100" algn="l" defTabSz="914400" rtl="0" eaLnBrk="1" latinLnBrk="0" hangingPunct="1">
+              <a:lnSpc>
+                <a:spcPct val="140000"/>
+              </a:lnSpc>
+              <a:spcBef>
+                <a:spcPts val="0"/>
+              </a:spcBef>
+              <a:buClr>
+                <a:schemeClr val="bg2"/>
+              </a:buClr>
+              <a:buSzPct val="75000"/>
+              <a:buFont typeface="Wingdings" charset="2"/>
+              <a:buChar char="§"/>
+              <a:defRPr sz="1300" kern="1200">
+                <a:solidFill>
+                  <a:schemeClr val="tx1"/>
+                </a:solidFill>
+                <a:latin typeface="+mn-lt"/>
+                <a:ea typeface="+mn-ea"/>
+                <a:cs typeface="+mn-cs"/>
+              </a:defRPr>
+            </a:lvl5pPr>
+            <a:lvl6pPr marL="2514600" indent="-228600" algn="l" defTabSz="914400" rtl="0" eaLnBrk="1" latinLnBrk="0" hangingPunct="1">
+              <a:spcBef>
+                <a:spcPct val="20000"/>
+              </a:spcBef>
+              <a:buFont typeface="Arial" pitchFamily="34" charset="0"/>
+              <a:buChar char="•"/>
+              <a:defRPr sz="2000" kern="1200">
+                <a:solidFill>
+                  <a:schemeClr val="tx1"/>
+                </a:solidFill>
+                <a:latin typeface="+mn-lt"/>
+                <a:ea typeface="+mn-ea"/>
+                <a:cs typeface="+mn-cs"/>
+              </a:defRPr>
+            </a:lvl6pPr>
+            <a:lvl7pPr marL="2971800" indent="-228600" algn="l" defTabSz="914400" rtl="0" eaLnBrk="1" latinLnBrk="0" hangingPunct="1">
+              <a:spcBef>
+                <a:spcPct val="20000"/>
+              </a:spcBef>
+              <a:buFont typeface="Arial" pitchFamily="34" charset="0"/>
+              <a:buChar char="•"/>
+              <a:defRPr sz="2000" kern="1200">
+                <a:solidFill>
+                  <a:schemeClr val="tx1"/>
+                </a:solidFill>
+                <a:latin typeface="+mn-lt"/>
+                <a:ea typeface="+mn-ea"/>
+                <a:cs typeface="+mn-cs"/>
+              </a:defRPr>
+            </a:lvl7pPr>
+            <a:lvl8pPr marL="3429000" indent="-228600" algn="l" defTabSz="914400" rtl="0" eaLnBrk="1" latinLnBrk="0" hangingPunct="1">
+              <a:spcBef>
+                <a:spcPct val="20000"/>
+              </a:spcBef>
+              <a:buFont typeface="Arial" pitchFamily="34" charset="0"/>
+              <a:buChar char="•"/>
+              <a:defRPr sz="2000" kern="1200">
+                <a:solidFill>
+                  <a:schemeClr val="tx1"/>
+                </a:solidFill>
+                <a:latin typeface="+mn-lt"/>
+                <a:ea typeface="+mn-ea"/>
+                <a:cs typeface="+mn-cs"/>
+              </a:defRPr>
+            </a:lvl8pPr>
+            <a:lvl9pPr marL="3886200" indent="-228600" algn="l" defTabSz="914400" rtl="0" eaLnBrk="1" latinLnBrk="0" hangingPunct="1">
+              <a:spcBef>
+                <a:spcPct val="20000"/>
+              </a:spcBef>
+              <a:buFont typeface="Arial" pitchFamily="34" charset="0"/>
+              <a:buChar char="•"/>
+              <a:defRPr sz="2000" kern="1200">
+                <a:solidFill>
+                  <a:schemeClr val="tx1"/>
+                </a:solidFill>
+                <a:latin typeface="+mn-lt"/>
+                <a:ea typeface="+mn-ea"/>
+                <a:cs typeface="+mn-cs"/>
+              </a:defRPr>
+            </a:lvl9pPr>
+          </a:lstStyle>
+          <a:p>
+            <a:pPr marL="0" indent="0">
+              <a:buNone/>
+            </a:pPr>
+            <a:endParaRPr lang="pl-PL" sz="1800" dirty="0">
+              <a:solidFill>
+                <a:srgbClr val="4D4D4D"/>
+              </a:solidFill>
+            </a:endParaRPr>
+          </a:p>
+          <a:p>
+            <a:pPr marL="0" indent="0">
+              <a:buNone/>
+            </a:pPr>
+            <a:r>
+              <a:rPr lang="en-US" sz="1800" dirty="0">
+                <a:solidFill>
+                  <a:srgbClr val="4D4D4D"/>
+                </a:solidFill>
+              </a:rPr>
+              <a:t>A fast and general engine for large-scale data processing</a:t>
+            </a:r>
+            <a:endParaRPr lang="pl-PL" sz="1800" dirty="0">
+              <a:solidFill>
+                <a:srgbClr val="4D4D4D"/>
+              </a:solidFill>
+            </a:endParaRPr>
+          </a:p>
+          <a:p>
+            <a:pPr marL="0" indent="0">
+              <a:buNone/>
+            </a:pPr>
+            <a:endParaRPr lang="pl-PL" sz="1800" dirty="0">
+              <a:solidFill>
+                <a:srgbClr val="4D4D4D"/>
+              </a:solidFill>
+            </a:endParaRPr>
+          </a:p>
+          <a:p>
+            <a:pPr marL="0" indent="0">
+              <a:buNone/>
+            </a:pPr>
+            <a:endParaRPr lang="en-US" sz="1800" dirty="0">
+              <a:solidFill>
+                <a:srgbClr val="4D4D4D"/>
+              </a:solidFill>
+            </a:endParaRPr>
+          </a:p>
+        </p:txBody>
+      </p:sp>
+      <p:sp>
+        <p:nvSpPr>
+          <p:cNvPr id="7" name="TextBox 6"/>
+          <p:cNvSpPr txBox="1"/>
+          <p:nvPr/>
+        </p:nvSpPr>
+        <p:spPr>
+          <a:xfrm>
+            <a:off x="8859520" y="1198880"/>
+            <a:ext cx="914400" cy="914400"/>
+          </a:xfrm>
+          <a:prstGeom prst="rect">
+            <a:avLst/>
+          </a:prstGeom>
+          <a:noFill/>
+        </p:spPr>
+        <p:txBody>
+          <a:bodyPr wrap="none" lIns="0" tIns="0" rIns="0" bIns="0" rtlCol="0">
+            <a:noAutofit/>
+          </a:bodyPr>
+          <a:lstStyle/>
+          <a:p>
+            <a:pPr>
+              <a:lnSpc>
+                <a:spcPct val="140000"/>
+              </a:lnSpc>
+            </a:pPr>
+            <a:endParaRPr lang="en-US" dirty="0" err="1">
+              <a:solidFill>
+                <a:schemeClr val="tx1"/>
+              </a:solidFill>
+            </a:endParaRPr>
+          </a:p>
+        </p:txBody>
+      </p:sp>
+      <p:sp>
+        <p:nvSpPr>
+          <p:cNvPr id="11" name="TextBox 10"/>
+          <p:cNvSpPr txBox="1"/>
+          <p:nvPr/>
+        </p:nvSpPr>
+        <p:spPr>
+          <a:xfrm>
+            <a:off x="8524240" y="975360"/>
+            <a:ext cx="914400" cy="914400"/>
+          </a:xfrm>
+          <a:prstGeom prst="rect">
+            <a:avLst/>
+          </a:prstGeom>
+          <a:noFill/>
+        </p:spPr>
+        <p:txBody>
+          <a:bodyPr wrap="none" lIns="0" tIns="0" rIns="0" bIns="0" rtlCol="0">
+            <a:noAutofit/>
+          </a:bodyPr>
+          <a:lstStyle/>
+          <a:p>
+            <a:pPr>
+              <a:lnSpc>
+                <a:spcPct val="140000"/>
+              </a:lnSpc>
+            </a:pPr>
+            <a:endParaRPr lang="en-US" dirty="0" err="1">
+              <a:solidFill>
+                <a:schemeClr val="tx1"/>
+              </a:solidFill>
+            </a:endParaRPr>
+          </a:p>
+        </p:txBody>
+      </p:sp>
+      <p:pic>
+        <p:nvPicPr>
+          <p:cNvPr id="1026" name="Picture 2" descr="https://spark.apache.org/images/spark-logo-trademark.png">
+            <a:extLst>
+              <a:ext uri="{FF2B5EF4-FFF2-40B4-BE49-F238E27FC236}">
+                <a16:creationId xmlns:a16="http://schemas.microsoft.com/office/drawing/2014/main" id="{972086B1-27A5-47E7-9782-D07219A5886F}"/>
+              </a:ext>
+            </a:extLst>
+          </p:cNvPr>
+          <p:cNvPicPr>
+            <a:picLocks noChangeAspect="1" noChangeArrowheads="1"/>
+          </p:cNvPicPr>
+          <p:nvPr/>
+        </p:nvPicPr>
+        <p:blipFill>
+          <a:blip r:embed="rId3">
+            <a:extLst>
+              <a:ext uri="{28A0092B-C50C-407E-A947-70E740481C1C}">
+                <a14:useLocalDpi xmlns:a14="http://schemas.microsoft.com/office/drawing/2010/main" val="0"/>
+              </a:ext>
+            </a:extLst>
+          </a:blip>
+          <a:srcRect/>
+          <a:stretch>
+            <a:fillRect/>
+          </a:stretch>
+        </p:blipFill>
+        <p:spPr bwMode="auto">
+          <a:xfrm>
+            <a:off x="2718400" y="1962894"/>
+            <a:ext cx="3581400" cy="1905000"/>
+          </a:xfrm>
+          <a:prstGeom prst="rect">
+            <a:avLst/>
+          </a:prstGeom>
+          <a:noFill/>
+          <a:extLst>
+            <a:ext uri="{909E8E84-426E-40DD-AFC4-6F175D3DCCD1}">
+              <a14:hiddenFill xmlns:a14="http://schemas.microsoft.com/office/drawing/2010/main">
+                <a:solidFill>
+                  <a:srgbClr val="FFFFFF"/>
+                </a:solidFill>
+              </a14:hiddenFill>
+            </a:ext>
+          </a:extLst>
+        </p:spPr>
+      </p:pic>
+    </p:spTree>
+    <p:extLst>
+      <p:ext uri="{BB962C8B-B14F-4D97-AF65-F5344CB8AC3E}">
+        <p14:creationId xmlns:p14="http://schemas.microsoft.com/office/powerpoint/2010/main" val="607998509"/>
+      </p:ext>
+    </p:extLst>
+  </p:cSld>
+  <p:clrMapOvr>
+    <a:masterClrMapping/>
+  </p:clrMapOvr>
+</p:sld>
+</file>
+
+<file path=ppt/slides/slide20.xml><?xml version="1.0" encoding="utf-8"?>
+<p:sld xmlns:a="http://schemas.openxmlformats.org/drawingml/2006/main" xmlns:r="http://schemas.openxmlformats.org/officeDocument/2006/relationships" xmlns:p="http://schemas.openxmlformats.org/presentationml/2006/main">
+  <p:cSld>
+    <p:spTree>
+      <p:nvGrpSpPr>
+        <p:cNvPr id="1" name=""/>
+        <p:cNvGrpSpPr/>
+        <p:nvPr/>
+      </p:nvGrpSpPr>
+      <p:grpSpPr>
+        <a:xfrm>
+          <a:off x="0" y="0"/>
+          <a:ext cx="0" cy="0"/>
+          <a:chOff x="0" y="0"/>
+          <a:chExt cx="0" cy="0"/>
+        </a:xfrm>
+      </p:grpSpPr>
+      <p:sp>
+        <p:nvSpPr>
+          <p:cNvPr id="2" name="Title 1"/>
+          <p:cNvSpPr>
+            <a:spLocks noGrp="1"/>
+          </p:cNvSpPr>
+          <p:nvPr>
+            <p:ph type="title"/>
+          </p:nvPr>
+        </p:nvSpPr>
+        <p:spPr>
+          <a:xfrm>
+            <a:off x="755650" y="413693"/>
+            <a:ext cx="7632700" cy="357857"/>
+          </a:xfrm>
+        </p:spPr>
+        <p:txBody>
+          <a:bodyPr/>
+          <a:lstStyle/>
+          <a:p>
+            <a:r>
+              <a:rPr lang="pl-PL" dirty="0"/>
+              <a:t>Scala: </a:t>
+            </a:r>
+            <a:r>
+              <a:rPr lang="pl-PL" dirty="0" err="1"/>
+              <a:t>collections</a:t>
+            </a:r>
+            <a:endParaRPr lang="en-US" dirty="0"/>
+          </a:p>
+        </p:txBody>
+      </p:sp>
+      <p:sp>
+        <p:nvSpPr>
+          <p:cNvPr id="3" name="Footer Placeholder 2"/>
+          <p:cNvSpPr>
+            <a:spLocks noGrp="1"/>
+          </p:cNvSpPr>
+          <p:nvPr>
+            <p:ph type="ftr" sz="quarter" idx="16"/>
+          </p:nvPr>
+        </p:nvSpPr>
+        <p:spPr/>
+        <p:txBody>
+          <a:bodyPr/>
+          <a:lstStyle/>
+          <a:p>
+            <a:endParaRPr lang="pl-PL" dirty="0"/>
+          </a:p>
+        </p:txBody>
+      </p:sp>
+      <p:sp>
+        <p:nvSpPr>
+          <p:cNvPr id="4" name="Date Placeholder 3"/>
+          <p:cNvSpPr>
+            <a:spLocks noGrp="1"/>
+          </p:cNvSpPr>
+          <p:nvPr>
+            <p:ph type="dt" sz="half" idx="15"/>
+          </p:nvPr>
+        </p:nvSpPr>
+        <p:spPr/>
+        <p:txBody>
+          <a:bodyPr/>
+          <a:lstStyle/>
+          <a:p>
+            <a:endParaRPr lang="pl-PL" dirty="0"/>
+          </a:p>
+        </p:txBody>
+      </p:sp>
+      <p:pic>
+        <p:nvPicPr>
+          <p:cNvPr id="8" name="Picture 7">
+            <a:extLst>
+              <a:ext uri="{FF2B5EF4-FFF2-40B4-BE49-F238E27FC236}">
+                <a16:creationId xmlns:a16="http://schemas.microsoft.com/office/drawing/2014/main" id="{DB232E9D-EB12-4AC2-8FAE-28F6486007D3}"/>
+              </a:ext>
+            </a:extLst>
+          </p:cNvPr>
+          <p:cNvPicPr>
+            <a:picLocks noChangeAspect="1"/>
+          </p:cNvPicPr>
+          <p:nvPr/>
+        </p:nvPicPr>
+        <p:blipFill>
+          <a:blip r:embed="rId3"/>
+          <a:stretch>
+            <a:fillRect/>
+          </a:stretch>
+        </p:blipFill>
+        <p:spPr>
+          <a:xfrm>
+            <a:off x="23896" y="771550"/>
+            <a:ext cx="9144000" cy="4324759"/>
+          </a:xfrm>
+          <a:prstGeom prst="rect">
+            <a:avLst/>
+          </a:prstGeom>
+        </p:spPr>
+      </p:pic>
+    </p:spTree>
+    <p:extLst>
+      <p:ext uri="{BB962C8B-B14F-4D97-AF65-F5344CB8AC3E}">
+        <p14:creationId xmlns:p14="http://schemas.microsoft.com/office/powerpoint/2010/main" val="2036887496"/>
+      </p:ext>
+    </p:extLst>
+  </p:cSld>
+  <p:clrMapOvr>
+    <a:masterClrMapping/>
+  </p:clrMapOvr>
+</p:sld>
+</file>
+
+<file path=ppt/slides/slide21.xml><?xml version="1.0" encoding="utf-8"?>
+<p:sld xmlns:a="http://schemas.openxmlformats.org/drawingml/2006/main" xmlns:r="http://schemas.openxmlformats.org/officeDocument/2006/relationships" xmlns:p="http://schemas.openxmlformats.org/presentationml/2006/main">
+  <p:cSld>
+    <p:spTree>
+      <p:nvGrpSpPr>
+        <p:cNvPr id="1" name=""/>
+        <p:cNvGrpSpPr/>
+        <p:nvPr/>
+      </p:nvGrpSpPr>
+      <p:grpSpPr>
+        <a:xfrm>
+          <a:off x="0" y="0"/>
+          <a:ext cx="0" cy="0"/>
+          <a:chOff x="0" y="0"/>
+          <a:chExt cx="0" cy="0"/>
+        </a:xfrm>
+      </p:grpSpPr>
+      <p:sp>
+        <p:nvSpPr>
+          <p:cNvPr id="2" name="Title 1"/>
+          <p:cNvSpPr>
+            <a:spLocks noGrp="1"/>
+          </p:cNvSpPr>
+          <p:nvPr>
+            <p:ph type="title"/>
+          </p:nvPr>
+        </p:nvSpPr>
+        <p:spPr>
+          <a:xfrm>
+            <a:off x="755650" y="413693"/>
+            <a:ext cx="7632700" cy="357857"/>
+          </a:xfrm>
+        </p:spPr>
+        <p:txBody>
+          <a:bodyPr/>
+          <a:lstStyle/>
+          <a:p>
+            <a:r>
+              <a:rPr lang="pl-PL" dirty="0" err="1"/>
+              <a:t>Next</a:t>
+            </a:r>
+            <a:r>
+              <a:rPr lang="pl-PL" dirty="0"/>
+              <a:t>-gen ETL?	</a:t>
+            </a:r>
+            <a:endParaRPr lang="en-US" dirty="0"/>
+          </a:p>
+        </p:txBody>
+      </p:sp>
+      <p:sp>
+        <p:nvSpPr>
+          <p:cNvPr id="3" name="Footer Placeholder 2"/>
+          <p:cNvSpPr>
+            <a:spLocks noGrp="1"/>
+          </p:cNvSpPr>
+          <p:nvPr>
+            <p:ph type="ftr" sz="quarter" idx="16"/>
+          </p:nvPr>
+        </p:nvSpPr>
+        <p:spPr/>
+        <p:txBody>
+          <a:bodyPr/>
+          <a:lstStyle/>
+          <a:p>
+            <a:endParaRPr lang="pl-PL" dirty="0"/>
+          </a:p>
+        </p:txBody>
+      </p:sp>
+      <p:sp>
+        <p:nvSpPr>
+          <p:cNvPr id="4" name="Date Placeholder 3"/>
+          <p:cNvSpPr>
+            <a:spLocks noGrp="1"/>
+          </p:cNvSpPr>
+          <p:nvPr>
+            <p:ph type="dt" sz="half" idx="15"/>
+          </p:nvPr>
+        </p:nvSpPr>
+        <p:spPr/>
+        <p:txBody>
+          <a:bodyPr/>
+          <a:lstStyle/>
+          <a:p>
+            <a:endParaRPr lang="pl-PL" dirty="0"/>
+          </a:p>
+        </p:txBody>
+      </p:sp>
+      <p:sp>
+        <p:nvSpPr>
+          <p:cNvPr id="6" name="Text Placeholder 4"/>
+          <p:cNvSpPr txBox="1">
+            <a:spLocks/>
+          </p:cNvSpPr>
+          <p:nvPr/>
+        </p:nvSpPr>
+        <p:spPr>
+          <a:xfrm>
+            <a:off x="755650" y="915566"/>
+            <a:ext cx="7632700" cy="3797624"/>
+          </a:xfrm>
+          <a:prstGeom prst="rect">
+            <a:avLst/>
+          </a:prstGeom>
+        </p:spPr>
+        <p:txBody>
+          <a:bodyPr vert="horz" lIns="0" tIns="0" rIns="0" bIns="0" anchor="t"/>
+          <a:lstStyle>
+            <a:lvl1pPr marL="165100" indent="-165100" algn="l" defTabSz="914400" rtl="0" eaLnBrk="1" latinLnBrk="0" hangingPunct="1">
+              <a:lnSpc>
+                <a:spcPct val="140000"/>
+              </a:lnSpc>
+              <a:spcBef>
+                <a:spcPts val="0"/>
+              </a:spcBef>
+              <a:buClr>
+                <a:schemeClr val="accent1"/>
+              </a:buClr>
+              <a:buSzPct val="75000"/>
+              <a:buFont typeface="Wingdings" charset="2"/>
+              <a:buChar char="§"/>
+              <a:defRPr sz="1300" kern="1200">
+                <a:solidFill>
+                  <a:schemeClr val="tx1"/>
+                </a:solidFill>
+                <a:latin typeface="+mn-lt"/>
+                <a:ea typeface="+mn-ea"/>
+                <a:cs typeface="+mn-cs"/>
+              </a:defRPr>
+            </a:lvl1pPr>
+            <a:lvl2pPr marL="330200" indent="-165100" algn="l" defTabSz="914400" rtl="0" eaLnBrk="1" latinLnBrk="0" hangingPunct="1">
+              <a:lnSpc>
+                <a:spcPct val="140000"/>
+              </a:lnSpc>
+              <a:spcBef>
+                <a:spcPts val="0"/>
+              </a:spcBef>
+              <a:buClr>
+                <a:schemeClr val="bg2"/>
+              </a:buClr>
+              <a:buSzPct val="75000"/>
+              <a:buFont typeface="Wingdings" charset="2"/>
+              <a:buChar char="§"/>
+              <a:defRPr sz="1300" kern="1200">
+                <a:solidFill>
+                  <a:schemeClr val="tx1"/>
+                </a:solidFill>
+                <a:latin typeface="+mn-lt"/>
+                <a:ea typeface="+mn-ea"/>
+                <a:cs typeface="+mn-cs"/>
+              </a:defRPr>
+            </a:lvl2pPr>
+            <a:lvl3pPr marL="495300" indent="-165100" algn="l" defTabSz="914400" rtl="0" eaLnBrk="1" latinLnBrk="0" hangingPunct="1">
+              <a:lnSpc>
+                <a:spcPct val="140000"/>
+              </a:lnSpc>
+              <a:spcBef>
+                <a:spcPts val="0"/>
+              </a:spcBef>
+              <a:buClr>
+                <a:schemeClr val="bg2"/>
+              </a:buClr>
+              <a:buSzPct val="75000"/>
+              <a:buFont typeface="Wingdings" charset="2"/>
+              <a:buChar char="§"/>
+              <a:defRPr sz="1300" kern="1200">
+                <a:solidFill>
+                  <a:schemeClr val="tx1"/>
+                </a:solidFill>
+                <a:latin typeface="+mn-lt"/>
+                <a:ea typeface="+mn-ea"/>
+                <a:cs typeface="+mn-cs"/>
+              </a:defRPr>
+            </a:lvl3pPr>
+            <a:lvl4pPr marL="660400" indent="-165100" algn="l" defTabSz="914400" rtl="0" eaLnBrk="1" latinLnBrk="0" hangingPunct="1">
+              <a:lnSpc>
+                <a:spcPct val="140000"/>
+              </a:lnSpc>
+              <a:spcBef>
+                <a:spcPts val="0"/>
+              </a:spcBef>
+              <a:buClr>
+                <a:schemeClr val="bg2"/>
+              </a:buClr>
+              <a:buSzPct val="75000"/>
+              <a:buFont typeface="Wingdings" charset="2"/>
+              <a:buChar char="§"/>
+              <a:defRPr sz="1300" kern="1200">
+                <a:solidFill>
+                  <a:schemeClr val="tx1"/>
+                </a:solidFill>
+                <a:latin typeface="+mn-lt"/>
+                <a:ea typeface="+mn-ea"/>
+                <a:cs typeface="+mn-cs"/>
+              </a:defRPr>
+            </a:lvl4pPr>
+            <a:lvl5pPr marL="825500" indent="-165100" algn="l" defTabSz="914400" rtl="0" eaLnBrk="1" latinLnBrk="0" hangingPunct="1">
+              <a:lnSpc>
+                <a:spcPct val="140000"/>
+              </a:lnSpc>
+              <a:spcBef>
+                <a:spcPts val="0"/>
+              </a:spcBef>
+              <a:buClr>
+                <a:schemeClr val="bg2"/>
+              </a:buClr>
+              <a:buSzPct val="75000"/>
+              <a:buFont typeface="Wingdings" charset="2"/>
+              <a:buChar char="§"/>
+              <a:defRPr sz="1300" kern="1200">
+                <a:solidFill>
+                  <a:schemeClr val="tx1"/>
+                </a:solidFill>
+                <a:latin typeface="+mn-lt"/>
+                <a:ea typeface="+mn-ea"/>
+                <a:cs typeface="+mn-cs"/>
+              </a:defRPr>
+            </a:lvl5pPr>
+            <a:lvl6pPr marL="2514600" indent="-228600" algn="l" defTabSz="914400" rtl="0" eaLnBrk="1" latinLnBrk="0" hangingPunct="1">
+              <a:spcBef>
+                <a:spcPct val="20000"/>
+              </a:spcBef>
+              <a:buFont typeface="Arial" pitchFamily="34" charset="0"/>
+              <a:buChar char="•"/>
+              <a:defRPr sz="2000" kern="1200">
+                <a:solidFill>
+                  <a:schemeClr val="tx1"/>
+                </a:solidFill>
+                <a:latin typeface="+mn-lt"/>
+                <a:ea typeface="+mn-ea"/>
+                <a:cs typeface="+mn-cs"/>
+              </a:defRPr>
+            </a:lvl6pPr>
+            <a:lvl7pPr marL="2971800" indent="-228600" algn="l" defTabSz="914400" rtl="0" eaLnBrk="1" latinLnBrk="0" hangingPunct="1">
+              <a:spcBef>
+                <a:spcPct val="20000"/>
+              </a:spcBef>
+              <a:buFont typeface="Arial" pitchFamily="34" charset="0"/>
+              <a:buChar char="•"/>
+              <a:defRPr sz="2000" kern="1200">
+                <a:solidFill>
+                  <a:schemeClr val="tx1"/>
+                </a:solidFill>
+                <a:latin typeface="+mn-lt"/>
+                <a:ea typeface="+mn-ea"/>
+                <a:cs typeface="+mn-cs"/>
+              </a:defRPr>
+            </a:lvl7pPr>
+            <a:lvl8pPr marL="3429000" indent="-228600" algn="l" defTabSz="914400" rtl="0" eaLnBrk="1" latinLnBrk="0" hangingPunct="1">
+              <a:spcBef>
+                <a:spcPct val="20000"/>
+              </a:spcBef>
+              <a:buFont typeface="Arial" pitchFamily="34" charset="0"/>
+              <a:buChar char="•"/>
+              <a:defRPr sz="2000" kern="1200">
+                <a:solidFill>
+                  <a:schemeClr val="tx1"/>
+                </a:solidFill>
+                <a:latin typeface="+mn-lt"/>
+                <a:ea typeface="+mn-ea"/>
+                <a:cs typeface="+mn-cs"/>
+              </a:defRPr>
+            </a:lvl8pPr>
+            <a:lvl9pPr marL="3886200" indent="-228600" algn="l" defTabSz="914400" rtl="0" eaLnBrk="1" latinLnBrk="0" hangingPunct="1">
+              <a:spcBef>
+                <a:spcPct val="20000"/>
+              </a:spcBef>
+              <a:buFont typeface="Arial" pitchFamily="34" charset="0"/>
+              <a:buChar char="•"/>
+              <a:defRPr sz="2000" kern="1200">
+                <a:solidFill>
+                  <a:schemeClr val="tx1"/>
+                </a:solidFill>
+                <a:latin typeface="+mn-lt"/>
+                <a:ea typeface="+mn-ea"/>
+                <a:cs typeface="+mn-cs"/>
+              </a:defRPr>
+            </a:lvl9pPr>
+          </a:lstStyle>
+          <a:p>
+            <a:r>
               <a:rPr lang="pl-PL" sz="2000" dirty="0" err="1"/>
               <a:t>Comparison</a:t>
             </a:r>
@@ -8440,7 +11288,7 @@
               <a:t>Unit </a:t>
             </a:r>
             <a:r>
-              <a:rPr lang="pl-PL" sz="2000"/>
+              <a:rPr lang="pl-PL" sz="2000" dirty="0" err="1"/>
               <a:t>tests</a:t>
             </a:r>
             <a:endParaRPr lang="pl-PL" sz="2000" dirty="0"/>
@@ -8547,7 +11395,7 @@
 </p:sld>
 </file>
 
-<file path=ppt/slides/slide17.xml><?xml version="1.0" encoding="utf-8"?>
+<file path=ppt/slides/slide22.xml><?xml version="1.0" encoding="utf-8"?>
 <p:sld xmlns:a="http://schemas.openxmlformats.org/drawingml/2006/main" xmlns:r="http://schemas.openxmlformats.org/officeDocument/2006/relationships" xmlns:p="http://schemas.openxmlformats.org/presentationml/2006/main">
   <p:cSld>
     <p:spTree>
@@ -8714,460 +11562,6 @@
     <p:extLst>
       <p:ext uri="{BB962C8B-B14F-4D97-AF65-F5344CB8AC3E}">
         <p14:creationId xmlns:p14="http://schemas.microsoft.com/office/powerpoint/2010/main" val="1044518702"/>
-      </p:ext>
-    </p:extLst>
-  </p:cSld>
-  <p:clrMapOvr>
-    <a:masterClrMapping/>
-  </p:clrMapOvr>
-</p:sld>
-</file>
-
-<file path=ppt/slides/slide2.xml><?xml version="1.0" encoding="utf-8"?>
-<p:sld xmlns:a="http://schemas.openxmlformats.org/drawingml/2006/main" xmlns:r="http://schemas.openxmlformats.org/officeDocument/2006/relationships" xmlns:p="http://schemas.openxmlformats.org/presentationml/2006/main">
-  <p:cSld>
-    <p:spTree>
-      <p:nvGrpSpPr>
-        <p:cNvPr id="1" name=""/>
-        <p:cNvGrpSpPr/>
-        <p:nvPr/>
-      </p:nvGrpSpPr>
-      <p:grpSpPr>
-        <a:xfrm>
-          <a:off x="0" y="0"/>
-          <a:ext cx="0" cy="0"/>
-          <a:chOff x="0" y="0"/>
-          <a:chExt cx="0" cy="0"/>
-        </a:xfrm>
-      </p:grpSpPr>
-      <p:sp>
-        <p:nvSpPr>
-          <p:cNvPr id="2" name="Title 1"/>
-          <p:cNvSpPr>
-            <a:spLocks noGrp="1"/>
-          </p:cNvSpPr>
-          <p:nvPr>
-            <p:ph type="title"/>
-          </p:nvPr>
-        </p:nvSpPr>
-        <p:spPr>
-          <a:xfrm>
-            <a:off x="755650" y="413693"/>
-            <a:ext cx="7632700" cy="357857"/>
-          </a:xfrm>
-        </p:spPr>
-        <p:txBody>
-          <a:bodyPr/>
-          <a:lstStyle/>
-          <a:p>
-            <a:r>
-              <a:rPr lang="pl-PL" dirty="0"/>
-              <a:t>Apache Spark</a:t>
-            </a:r>
-            <a:endParaRPr lang="en-US" dirty="0"/>
-          </a:p>
-        </p:txBody>
-      </p:sp>
-      <p:sp>
-        <p:nvSpPr>
-          <p:cNvPr id="3" name="Footer Placeholder 2"/>
-          <p:cNvSpPr>
-            <a:spLocks noGrp="1"/>
-          </p:cNvSpPr>
-          <p:nvPr>
-            <p:ph type="ftr" sz="quarter" idx="16"/>
-          </p:nvPr>
-        </p:nvSpPr>
-        <p:spPr/>
-        <p:txBody>
-          <a:bodyPr/>
-          <a:lstStyle/>
-          <a:p>
-            <a:endParaRPr lang="pl-PL" dirty="0"/>
-          </a:p>
-        </p:txBody>
-      </p:sp>
-      <p:sp>
-        <p:nvSpPr>
-          <p:cNvPr id="4" name="Date Placeholder 3"/>
-          <p:cNvSpPr>
-            <a:spLocks noGrp="1"/>
-          </p:cNvSpPr>
-          <p:nvPr>
-            <p:ph type="dt" sz="half" idx="15"/>
-          </p:nvPr>
-        </p:nvSpPr>
-        <p:spPr/>
-        <p:txBody>
-          <a:bodyPr/>
-          <a:lstStyle/>
-          <a:p>
-            <a:endParaRPr lang="pl-PL" dirty="0"/>
-          </a:p>
-        </p:txBody>
-      </p:sp>
-      <p:sp>
-        <p:nvSpPr>
-          <p:cNvPr id="6" name="Text Placeholder 4"/>
-          <p:cNvSpPr txBox="1">
-            <a:spLocks/>
-          </p:cNvSpPr>
-          <p:nvPr/>
-        </p:nvSpPr>
-        <p:spPr>
-          <a:xfrm>
-            <a:off x="755650" y="915566"/>
-            <a:ext cx="7632700" cy="3797624"/>
-          </a:xfrm>
-          <a:prstGeom prst="rect">
-            <a:avLst/>
-          </a:prstGeom>
-        </p:spPr>
-        <p:txBody>
-          <a:bodyPr vert="horz" lIns="0" tIns="0" rIns="0" bIns="0" anchor="t"/>
-          <a:lstStyle>
-            <a:lvl1pPr marL="165100" indent="-165100" algn="l" defTabSz="914400" rtl="0" eaLnBrk="1" latinLnBrk="0" hangingPunct="1">
-              <a:lnSpc>
-                <a:spcPct val="140000"/>
-              </a:lnSpc>
-              <a:spcBef>
-                <a:spcPts val="0"/>
-              </a:spcBef>
-              <a:buClr>
-                <a:schemeClr val="accent1"/>
-              </a:buClr>
-              <a:buSzPct val="75000"/>
-              <a:buFont typeface="Wingdings" charset="2"/>
-              <a:buChar char="§"/>
-              <a:defRPr sz="1300" kern="1200">
-                <a:solidFill>
-                  <a:schemeClr val="tx1"/>
-                </a:solidFill>
-                <a:latin typeface="+mn-lt"/>
-                <a:ea typeface="+mn-ea"/>
-                <a:cs typeface="+mn-cs"/>
-              </a:defRPr>
-            </a:lvl1pPr>
-            <a:lvl2pPr marL="330200" indent="-165100" algn="l" defTabSz="914400" rtl="0" eaLnBrk="1" latinLnBrk="0" hangingPunct="1">
-              <a:lnSpc>
-                <a:spcPct val="140000"/>
-              </a:lnSpc>
-              <a:spcBef>
-                <a:spcPts val="0"/>
-              </a:spcBef>
-              <a:buClr>
-                <a:schemeClr val="bg2"/>
-              </a:buClr>
-              <a:buSzPct val="75000"/>
-              <a:buFont typeface="Wingdings" charset="2"/>
-              <a:buChar char="§"/>
-              <a:defRPr sz="1300" kern="1200">
-                <a:solidFill>
-                  <a:schemeClr val="tx1"/>
-                </a:solidFill>
-                <a:latin typeface="+mn-lt"/>
-                <a:ea typeface="+mn-ea"/>
-                <a:cs typeface="+mn-cs"/>
-              </a:defRPr>
-            </a:lvl2pPr>
-            <a:lvl3pPr marL="495300" indent="-165100" algn="l" defTabSz="914400" rtl="0" eaLnBrk="1" latinLnBrk="0" hangingPunct="1">
-              <a:lnSpc>
-                <a:spcPct val="140000"/>
-              </a:lnSpc>
-              <a:spcBef>
-                <a:spcPts val="0"/>
-              </a:spcBef>
-              <a:buClr>
-                <a:schemeClr val="bg2"/>
-              </a:buClr>
-              <a:buSzPct val="75000"/>
-              <a:buFont typeface="Wingdings" charset="2"/>
-              <a:buChar char="§"/>
-              <a:defRPr sz="1300" kern="1200">
-                <a:solidFill>
-                  <a:schemeClr val="tx1"/>
-                </a:solidFill>
-                <a:latin typeface="+mn-lt"/>
-                <a:ea typeface="+mn-ea"/>
-                <a:cs typeface="+mn-cs"/>
-              </a:defRPr>
-            </a:lvl3pPr>
-            <a:lvl4pPr marL="660400" indent="-165100" algn="l" defTabSz="914400" rtl="0" eaLnBrk="1" latinLnBrk="0" hangingPunct="1">
-              <a:lnSpc>
-                <a:spcPct val="140000"/>
-              </a:lnSpc>
-              <a:spcBef>
-                <a:spcPts val="0"/>
-              </a:spcBef>
-              <a:buClr>
-                <a:schemeClr val="bg2"/>
-              </a:buClr>
-              <a:buSzPct val="75000"/>
-              <a:buFont typeface="Wingdings" charset="2"/>
-              <a:buChar char="§"/>
-              <a:defRPr sz="1300" kern="1200">
-                <a:solidFill>
-                  <a:schemeClr val="tx1"/>
-                </a:solidFill>
-                <a:latin typeface="+mn-lt"/>
-                <a:ea typeface="+mn-ea"/>
-                <a:cs typeface="+mn-cs"/>
-              </a:defRPr>
-            </a:lvl4pPr>
-            <a:lvl5pPr marL="825500" indent="-165100" algn="l" defTabSz="914400" rtl="0" eaLnBrk="1" latinLnBrk="0" hangingPunct="1">
-              <a:lnSpc>
-                <a:spcPct val="140000"/>
-              </a:lnSpc>
-              <a:spcBef>
-                <a:spcPts val="0"/>
-              </a:spcBef>
-              <a:buClr>
-                <a:schemeClr val="bg2"/>
-              </a:buClr>
-              <a:buSzPct val="75000"/>
-              <a:buFont typeface="Wingdings" charset="2"/>
-              <a:buChar char="§"/>
-              <a:defRPr sz="1300" kern="1200">
-                <a:solidFill>
-                  <a:schemeClr val="tx1"/>
-                </a:solidFill>
-                <a:latin typeface="+mn-lt"/>
-                <a:ea typeface="+mn-ea"/>
-                <a:cs typeface="+mn-cs"/>
-              </a:defRPr>
-            </a:lvl5pPr>
-            <a:lvl6pPr marL="2514600" indent="-228600" algn="l" defTabSz="914400" rtl="0" eaLnBrk="1" latinLnBrk="0" hangingPunct="1">
-              <a:spcBef>
-                <a:spcPct val="20000"/>
-              </a:spcBef>
-              <a:buFont typeface="Arial" pitchFamily="34" charset="0"/>
-              <a:buChar char="•"/>
-              <a:defRPr sz="2000" kern="1200">
-                <a:solidFill>
-                  <a:schemeClr val="tx1"/>
-                </a:solidFill>
-                <a:latin typeface="+mn-lt"/>
-                <a:ea typeface="+mn-ea"/>
-                <a:cs typeface="+mn-cs"/>
-              </a:defRPr>
-            </a:lvl6pPr>
-            <a:lvl7pPr marL="2971800" indent="-228600" algn="l" defTabSz="914400" rtl="0" eaLnBrk="1" latinLnBrk="0" hangingPunct="1">
-              <a:spcBef>
-                <a:spcPct val="20000"/>
-              </a:spcBef>
-              <a:buFont typeface="Arial" pitchFamily="34" charset="0"/>
-              <a:buChar char="•"/>
-              <a:defRPr sz="2000" kern="1200">
-                <a:solidFill>
-                  <a:schemeClr val="tx1"/>
-                </a:solidFill>
-                <a:latin typeface="+mn-lt"/>
-                <a:ea typeface="+mn-ea"/>
-                <a:cs typeface="+mn-cs"/>
-              </a:defRPr>
-            </a:lvl7pPr>
-            <a:lvl8pPr marL="3429000" indent="-228600" algn="l" defTabSz="914400" rtl="0" eaLnBrk="1" latinLnBrk="0" hangingPunct="1">
-              <a:spcBef>
-                <a:spcPct val="20000"/>
-              </a:spcBef>
-              <a:buFont typeface="Arial" pitchFamily="34" charset="0"/>
-              <a:buChar char="•"/>
-              <a:defRPr sz="2000" kern="1200">
-                <a:solidFill>
-                  <a:schemeClr val="tx1"/>
-                </a:solidFill>
-                <a:latin typeface="+mn-lt"/>
-                <a:ea typeface="+mn-ea"/>
-                <a:cs typeface="+mn-cs"/>
-              </a:defRPr>
-            </a:lvl8pPr>
-            <a:lvl9pPr marL="3886200" indent="-228600" algn="l" defTabSz="914400" rtl="0" eaLnBrk="1" latinLnBrk="0" hangingPunct="1">
-              <a:spcBef>
-                <a:spcPct val="20000"/>
-              </a:spcBef>
-              <a:buFont typeface="Arial" pitchFamily="34" charset="0"/>
-              <a:buChar char="•"/>
-              <a:defRPr sz="2000" kern="1200">
-                <a:solidFill>
-                  <a:schemeClr val="tx1"/>
-                </a:solidFill>
-                <a:latin typeface="+mn-lt"/>
-                <a:ea typeface="+mn-ea"/>
-                <a:cs typeface="+mn-cs"/>
-              </a:defRPr>
-            </a:lvl9pPr>
-          </a:lstStyle>
-          <a:p>
-            <a:pPr marL="0" indent="0">
-              <a:buNone/>
-            </a:pPr>
-            <a:endParaRPr lang="pl-PL" sz="1800" dirty="0">
-              <a:solidFill>
-                <a:srgbClr val="4D4D4D"/>
-              </a:solidFill>
-            </a:endParaRPr>
-          </a:p>
-          <a:p>
-            <a:pPr marL="0" indent="0">
-              <a:buNone/>
-            </a:pPr>
-            <a:r>
-              <a:rPr lang="en-US" sz="1800" dirty="0">
-                <a:solidFill>
-                  <a:srgbClr val="4D4D4D"/>
-                </a:solidFill>
-              </a:rPr>
-              <a:t>A fast and general engine for large-scale data processing</a:t>
-            </a:r>
-            <a:endParaRPr lang="pl-PL" sz="1800" dirty="0">
-              <a:solidFill>
-                <a:srgbClr val="4D4D4D"/>
-              </a:solidFill>
-            </a:endParaRPr>
-          </a:p>
-          <a:p>
-            <a:pPr marL="0" indent="0">
-              <a:buNone/>
-            </a:pPr>
-            <a:endParaRPr lang="pl-PL" sz="1800" dirty="0">
-              <a:solidFill>
-                <a:srgbClr val="4D4D4D"/>
-              </a:solidFill>
-            </a:endParaRPr>
-          </a:p>
-          <a:p>
-            <a:pPr marL="0" indent="0">
-              <a:buNone/>
-            </a:pPr>
-            <a:endParaRPr lang="en-US" sz="1800" dirty="0">
-              <a:solidFill>
-                <a:srgbClr val="4D4D4D"/>
-              </a:solidFill>
-            </a:endParaRPr>
-          </a:p>
-        </p:txBody>
-      </p:sp>
-      <p:sp>
-        <p:nvSpPr>
-          <p:cNvPr id="7" name="TextBox 6"/>
-          <p:cNvSpPr txBox="1"/>
-          <p:nvPr/>
-        </p:nvSpPr>
-        <p:spPr>
-          <a:xfrm>
-            <a:off x="8859520" y="1198880"/>
-            <a:ext cx="914400" cy="914400"/>
-          </a:xfrm>
-          <a:prstGeom prst="rect">
-            <a:avLst/>
-          </a:prstGeom>
-          <a:noFill/>
-        </p:spPr>
-        <p:txBody>
-          <a:bodyPr wrap="none" lIns="0" tIns="0" rIns="0" bIns="0" rtlCol="0">
-            <a:noAutofit/>
-          </a:bodyPr>
-          <a:lstStyle/>
-          <a:p>
-            <a:pPr>
-              <a:lnSpc>
-                <a:spcPct val="140000"/>
-              </a:lnSpc>
-            </a:pPr>
-            <a:endParaRPr lang="en-US" dirty="0" err="1">
-              <a:solidFill>
-                <a:schemeClr val="tx1"/>
-              </a:solidFill>
-            </a:endParaRPr>
-          </a:p>
-        </p:txBody>
-      </p:sp>
-      <p:sp>
-        <p:nvSpPr>
-          <p:cNvPr id="11" name="TextBox 10"/>
-          <p:cNvSpPr txBox="1"/>
-          <p:nvPr/>
-        </p:nvSpPr>
-        <p:spPr>
-          <a:xfrm>
-            <a:off x="8524240" y="975360"/>
-            <a:ext cx="914400" cy="914400"/>
-          </a:xfrm>
-          <a:prstGeom prst="rect">
-            <a:avLst/>
-          </a:prstGeom>
-          <a:noFill/>
-        </p:spPr>
-        <p:txBody>
-          <a:bodyPr wrap="none" lIns="0" tIns="0" rIns="0" bIns="0" rtlCol="0">
-            <a:noAutofit/>
-          </a:bodyPr>
-          <a:lstStyle/>
-          <a:p>
-            <a:pPr>
-              <a:lnSpc>
-                <a:spcPct val="140000"/>
-              </a:lnSpc>
-            </a:pPr>
-            <a:endParaRPr lang="en-US" dirty="0" err="1">
-              <a:solidFill>
-                <a:schemeClr val="tx1"/>
-              </a:solidFill>
-            </a:endParaRPr>
-          </a:p>
-        </p:txBody>
-      </p:sp>
-      <p:pic>
-        <p:nvPicPr>
-          <p:cNvPr id="1026" name="Picture 2" descr="https://spark.apache.org/images/spark-logo-trademark.png">
-            <a:extLst>
-              <a:ext uri="{FF2B5EF4-FFF2-40B4-BE49-F238E27FC236}">
-                <a16:creationId xmlns:a16="http://schemas.microsoft.com/office/drawing/2014/main" id="{972086B1-27A5-47E7-9782-D07219A5886F}"/>
-              </a:ext>
-            </a:extLst>
-          </p:cNvPr>
-          <p:cNvPicPr>
-            <a:picLocks noChangeAspect="1" noChangeArrowheads="1"/>
-          </p:cNvPicPr>
-          <p:nvPr/>
-        </p:nvPicPr>
-        <p:blipFill>
-          <a:blip r:embed="rId3">
-            <a:extLst>
-              <a:ext uri="{28A0092B-C50C-407E-A947-70E740481C1C}">
-                <a14:useLocalDpi xmlns:a14="http://schemas.microsoft.com/office/drawing/2010/main" val="0"/>
-              </a:ext>
-            </a:extLst>
-          </a:blip>
-          <a:srcRect/>
-          <a:stretch>
-            <a:fillRect/>
-          </a:stretch>
-        </p:blipFill>
-        <p:spPr bwMode="auto">
-          <a:xfrm>
-            <a:off x="2718400" y="1962894"/>
-            <a:ext cx="3581400" cy="1905000"/>
-          </a:xfrm>
-          <a:prstGeom prst="rect">
-            <a:avLst/>
-          </a:prstGeom>
-          <a:noFill/>
-          <a:extLst>
-            <a:ext uri="{909E8E84-426E-40DD-AFC4-6F175D3DCCD1}">
-              <a14:hiddenFill xmlns:a14="http://schemas.microsoft.com/office/drawing/2010/main">
-                <a:solidFill>
-                  <a:srgbClr val="FFFFFF"/>
-                </a:solidFill>
-              </a14:hiddenFill>
-            </a:ext>
-          </a:extLst>
-        </p:spPr>
-      </p:pic>
-    </p:spTree>
-    <p:extLst>
-      <p:ext uri="{BB962C8B-B14F-4D97-AF65-F5344CB8AC3E}">
-        <p14:creationId xmlns:p14="http://schemas.microsoft.com/office/powerpoint/2010/main" val="607998509"/>
       </p:ext>
     </p:extLst>
   </p:cSld>

--- a/src/main/resources/slides.pptx
+++ b/src/main/resources/slides.pptx
@@ -5,10 +5,10 @@
     <p:sldMasterId id="2147483684" r:id="rId5"/>
   </p:sldMasterIdLst>
   <p:notesMasterIdLst>
-    <p:notesMasterId r:id="rId28"/>
+    <p:notesMasterId r:id="rId29"/>
   </p:notesMasterIdLst>
   <p:handoutMasterIdLst>
-    <p:handoutMasterId r:id="rId29"/>
+    <p:handoutMasterId r:id="rId30"/>
   </p:handoutMasterIdLst>
   <p:sldIdLst>
     <p:sldId id="258" r:id="rId6"/>
@@ -32,7 +32,8 @@
     <p:sldId id="294" r:id="rId24"/>
     <p:sldId id="295" r:id="rId25"/>
     <p:sldId id="290" r:id="rId26"/>
-    <p:sldId id="275" r:id="rId27"/>
+    <p:sldId id="296" r:id="rId27"/>
+    <p:sldId id="275" r:id="rId28"/>
   </p:sldIdLst>
   <p:sldSz cx="9144000" cy="5143500" type="screen16x9"/>
   <p:notesSz cx="6858000" cy="9144000"/>
@@ -1187,7 +1188,111 @@
           <a:bodyPr/>
           <a:lstStyle/>
           <a:p>
+            <a:r>
+              <a:rPr lang="pl-PL" dirty="0"/>
+              <a:t>First </a:t>
+            </a:r>
+            <a:r>
+              <a:rPr lang="pl-PL" dirty="0" err="1"/>
+              <a:t>class</a:t>
+            </a:r>
+            <a:r>
+              <a:rPr lang="pl-PL" dirty="0"/>
+              <a:t> </a:t>
+            </a:r>
+            <a:r>
+              <a:rPr lang="pl-PL" dirty="0" err="1"/>
+              <a:t>citizien</a:t>
+            </a:r>
+            <a:r>
+              <a:rPr lang="pl-PL" dirty="0"/>
+              <a:t> – </a:t>
+            </a:r>
+            <a:r>
+              <a:rPr lang="pl-PL" dirty="0" err="1"/>
+              <a:t>sa</a:t>
+            </a:r>
+            <a:r>
+              <a:rPr lang="pl-PL" dirty="0"/>
+              <a:t> wszechobecne i mogą być definiowane w klasie jako </a:t>
+            </a:r>
+            <a:r>
+              <a:rPr lang="pl-PL" dirty="0" err="1"/>
+              <a:t>zmiannna</a:t>
+            </a:r>
+            <a:r>
+              <a:rPr lang="pl-PL" dirty="0"/>
+              <a:t> (</a:t>
+            </a:r>
+            <a:r>
+              <a:rPr lang="pl-PL" dirty="0" err="1"/>
+              <a:t>val</a:t>
+            </a:r>
+            <a:r>
+              <a:rPr lang="pl-PL" dirty="0"/>
+              <a:t>/</a:t>
+            </a:r>
+            <a:r>
+              <a:rPr lang="pl-PL" dirty="0" err="1"/>
+              <a:t>var</a:t>
+            </a:r>
+            <a:r>
+              <a:rPr lang="pl-PL" dirty="0"/>
+              <a:t>) a nawet jako </a:t>
+            </a:r>
+          </a:p>
+          <a:p>
+            <a:r>
+              <a:rPr lang="pl-PL" dirty="0" err="1"/>
+              <a:t>Pure</a:t>
+            </a:r>
+            <a:r>
+              <a:rPr lang="pl-PL" dirty="0"/>
+              <a:t> </a:t>
+            </a:r>
+            <a:r>
+              <a:rPr lang="pl-PL" dirty="0" err="1"/>
+              <a:t>functions</a:t>
+            </a:r>
+            <a:r>
+              <a:rPr lang="pl-PL" dirty="0"/>
+              <a:t> – nie maja </a:t>
+            </a:r>
+            <a:r>
+              <a:rPr lang="pl-PL" dirty="0" err="1"/>
+              <a:t>side</a:t>
+            </a:r>
+            <a:r>
+              <a:rPr lang="pl-PL" dirty="0"/>
+              <a:t> </a:t>
+            </a:r>
+            <a:r>
+              <a:rPr lang="pl-PL" dirty="0" err="1"/>
+              <a:t>effectów</a:t>
+            </a:r>
+            <a:r>
+              <a:rPr lang="pl-PL" dirty="0"/>
+              <a:t>, czyli nie modyfikują stanu, są </a:t>
+            </a:r>
+            <a:r>
+              <a:rPr lang="pl-PL" dirty="0" err="1"/>
+              <a:t>stateless</a:t>
+            </a:r>
             <a:endParaRPr lang="pl-PL" dirty="0"/>
+          </a:p>
+          <a:p>
+            <a:r>
+              <a:rPr lang="pl-PL" dirty="0"/>
+              <a:t>High-order </a:t>
+            </a:r>
+            <a:r>
+              <a:rPr lang="pl-PL" dirty="0" err="1"/>
+              <a:t>funcions</a:t>
+            </a:r>
+            <a:r>
+              <a:rPr lang="pl-PL" dirty="0"/>
+              <a:t> – przyjmują w argumencie inna funkcje bądź zwracają funkcje</a:t>
+            </a:r>
           </a:p>
         </p:txBody>
       </p:sp>
@@ -1248,6 +1353,17 @@
           <a:bodyPr/>
           <a:lstStyle/>
           <a:p>
+            <a:r>
+              <a:rPr lang="en-US" sz="1200" b="0" i="0" u="none" strike="noStrike" kern="1200" baseline="0" dirty="0">
+                <a:solidFill>
+                  <a:schemeClr val="tx1"/>
+                </a:solidFill>
+                <a:latin typeface="+mn-lt"/>
+                <a:ea typeface="+mn-ea"/>
+                <a:cs typeface="+mn-cs"/>
+              </a:rPr>
+              <a:t>types, regular expressions, numeric ranges, and data structure contents</a:t>
+            </a:r>
             <a:endParaRPr lang="pl-PL" dirty="0"/>
           </a:p>
         </p:txBody>
@@ -1431,132 +1547,7 @@
           <a:bodyPr/>
           <a:lstStyle/>
           <a:p>
-            <a:r>
-              <a:rPr lang="en-US" dirty="0"/>
-              <a:t>Why Not Scala?</a:t>
-            </a:r>
-          </a:p>
-          <a:p>
-            <a:r>
-              <a:rPr lang="en-US" dirty="0"/>
-              <a:t>Scala isn't perfect. There are two disadvantages compared to Python and R:</a:t>
-            </a:r>
-          </a:p>
-          <a:p>
-            <a:pPr marL="171450" indent="-171450">
-              <a:buFont typeface="Arial" panose="020B0604020202020204" pitchFamily="34" charset="0"/>
-              <a:buChar char="•"/>
-            </a:pPr>
-            <a:r>
-              <a:rPr lang="en-US" dirty="0"/>
-              <a:t>Libraries</a:t>
-            </a:r>
-            <a:r>
-              <a:rPr lang="pl-PL" dirty="0"/>
-              <a:t> - </a:t>
-            </a:r>
-            <a:r>
-              <a:rPr lang="en-US" dirty="0"/>
-              <a:t>Python </a:t>
-            </a:r>
-            <a:r>
-              <a:rPr lang="pl-PL" dirty="0"/>
-              <a:t>i</a:t>
-            </a:r>
-            <a:r>
-              <a:rPr lang="en-US" dirty="0"/>
-              <a:t> R </a:t>
-            </a:r>
-            <a:r>
-              <a:rPr lang="pl-PL" dirty="0"/>
-              <a:t> posiada bogaty </a:t>
-            </a:r>
-            <a:r>
-              <a:rPr lang="pl-PL" dirty="0" err="1"/>
-              <a:t>echosytem</a:t>
-            </a:r>
-            <a:r>
-              <a:rPr lang="pl-PL" dirty="0"/>
-              <a:t> bibliotek i duże </a:t>
-            </a:r>
-            <a:r>
-              <a:rPr lang="pl-PL" dirty="0" err="1"/>
-              <a:t>community</a:t>
-            </a:r>
-            <a:r>
-              <a:rPr lang="pl-PL" dirty="0"/>
-              <a:t>. Scala stara się gonić </a:t>
-            </a:r>
-            <a:r>
-              <a:rPr lang="pl-PL" dirty="0" err="1"/>
-              <a:t>Pythona</a:t>
-            </a:r>
-            <a:r>
-              <a:rPr lang="pl-PL" dirty="0"/>
-              <a:t>, ale to jak z analogią psa i uciekającego </a:t>
-            </a:r>
-            <a:r>
-              <a:rPr lang="pl-PL" dirty="0" err="1"/>
-              <a:t>któlika</a:t>
-            </a:r>
-            <a:r>
-              <a:rPr lang="pl-PL" dirty="0"/>
-              <a:t>. </a:t>
-            </a:r>
-          </a:p>
-          <a:p>
-            <a:pPr marL="171450" indent="-171450">
-              <a:buFont typeface="Arial" panose="020B0604020202020204" pitchFamily="34" charset="0"/>
-              <a:buChar char="•"/>
-            </a:pPr>
-            <a:r>
-              <a:rPr lang="en-US" dirty="0"/>
-              <a:t>Advanced Language Features:</a:t>
-            </a:r>
-            <a:r>
-              <a:rPr lang="pl-PL" dirty="0"/>
-              <a:t> - opanowanie API Scali to nie </a:t>
-            </a:r>
-            <a:r>
-              <a:rPr lang="pl-PL" dirty="0" err="1"/>
-              <a:t>laday</a:t>
-            </a:r>
-            <a:r>
-              <a:rPr lang="pl-PL" dirty="0"/>
-              <a:t> wyczyn. Jeśli jednak nie rozumiesz jak działa bardziej wyszukane konstrukcje jak </a:t>
-            </a:r>
-            <a:r>
-              <a:rPr lang="pl-PL" dirty="0" err="1"/>
-              <a:t>patter</a:t>
-            </a:r>
-            <a:r>
-              <a:rPr lang="pl-PL" dirty="0"/>
-              <a:t> </a:t>
-            </a:r>
-            <a:r>
-              <a:rPr lang="pl-PL" dirty="0" err="1"/>
-              <a:t>matching</a:t>
-            </a:r>
-            <a:r>
-              <a:rPr lang="pl-PL" dirty="0"/>
-              <a:t>, </a:t>
-            </a:r>
-            <a:r>
-              <a:rPr lang="pl-PL" dirty="0" err="1"/>
-              <a:t>implicits</a:t>
-            </a:r>
-            <a:r>
-              <a:rPr lang="pl-PL" dirty="0"/>
-              <a:t>, można się </a:t>
-            </a:r>
-            <a:r>
-              <a:rPr lang="pl-PL" dirty="0" err="1"/>
-              <a:t>zfrsutrować</a:t>
-            </a:r>
-            <a:r>
-              <a:rPr lang="pl-PL" dirty="0"/>
-              <a:t>. Całe szczęście Spark ukrywa większość zaawansowanych konstrukcji Scali przed nami.</a:t>
-            </a:r>
+            <a:endParaRPr lang="pl-PL" dirty="0"/>
           </a:p>
         </p:txBody>
       </p:sp>
@@ -1564,6 +1555,67 @@
     <p:extLst>
       <p:ext uri="{BB962C8B-B14F-4D97-AF65-F5344CB8AC3E}">
         <p14:creationId xmlns:p14="http://schemas.microsoft.com/office/powerpoint/2010/main" val="204777013"/>
+      </p:ext>
+    </p:extLst>
+  </p:cSld>
+  <p:clrMapOvr>
+    <a:masterClrMapping/>
+  </p:clrMapOvr>
+</p:notes>
+</file>
+
+<file path=ppt/notesSlides/notesSlide18.xml><?xml version="1.0" encoding="utf-8"?>
+<p:notes xmlns:a="http://schemas.openxmlformats.org/drawingml/2006/main" xmlns:r="http://schemas.openxmlformats.org/officeDocument/2006/relationships" xmlns:p="http://schemas.openxmlformats.org/presentationml/2006/main">
+  <p:cSld>
+    <p:spTree>
+      <p:nvGrpSpPr>
+        <p:cNvPr id="1" name=""/>
+        <p:cNvGrpSpPr/>
+        <p:nvPr/>
+      </p:nvGrpSpPr>
+      <p:grpSpPr>
+        <a:xfrm>
+          <a:off x="0" y="0"/>
+          <a:ext cx="0" cy="0"/>
+          <a:chOff x="0" y="0"/>
+          <a:chExt cx="0" cy="0"/>
+        </a:xfrm>
+      </p:grpSpPr>
+      <p:sp>
+        <p:nvSpPr>
+          <p:cNvPr id="2" name="Slide Image Placeholder 1"/>
+          <p:cNvSpPr>
+            <a:spLocks noGrp="1" noRot="1" noChangeAspect="1"/>
+          </p:cNvSpPr>
+          <p:nvPr>
+            <p:ph type="sldImg"/>
+          </p:nvPr>
+        </p:nvSpPr>
+        <p:spPr/>
+      </p:sp>
+      <p:sp>
+        <p:nvSpPr>
+          <p:cNvPr id="3" name="Notes Placeholder 2"/>
+          <p:cNvSpPr>
+            <a:spLocks noGrp="1"/>
+          </p:cNvSpPr>
+          <p:nvPr>
+            <p:ph type="body" idx="1"/>
+          </p:nvPr>
+        </p:nvSpPr>
+        <p:spPr/>
+        <p:txBody>
+          <a:bodyPr/>
+          <a:lstStyle/>
+          <a:p>
+            <a:endParaRPr lang="pl-PL" dirty="0"/>
+          </a:p>
+        </p:txBody>
+      </p:sp>
+    </p:spTree>
+    <p:extLst>
+      <p:ext uri="{BB962C8B-B14F-4D97-AF65-F5344CB8AC3E}">
+        <p14:creationId xmlns:p14="http://schemas.microsoft.com/office/powerpoint/2010/main" val="1578492328"/>
       </p:ext>
     </p:extLst>
   </p:cSld>
@@ -2517,34 +2569,7 @@
           <a:bodyPr/>
           <a:lstStyle/>
           <a:p>
-            <a:r>
-              <a:rPr lang="pl-PL" dirty="0"/>
-              <a:t>Spark jest w zasadzie dzisiaj standardem jeśli chodzi o przetwarzanie danych, od małych zbiorów aż po PETA-</a:t>
-            </a:r>
-            <a:r>
-              <a:rPr lang="pl-PL" dirty="0" err="1"/>
-              <a:t>byte</a:t>
-            </a:r>
-            <a:r>
-              <a:rPr lang="pl-PL" dirty="0"/>
-              <a:t> </a:t>
-            </a:r>
-            <a:r>
-              <a:rPr lang="pl-PL" dirty="0" err="1"/>
-              <a:t>size</a:t>
-            </a:r>
-            <a:r>
-              <a:rPr lang="pl-PL" dirty="0"/>
-              <a:t> „data </a:t>
-            </a:r>
-            <a:r>
-              <a:rPr lang="pl-PL" dirty="0" err="1"/>
-              <a:t>lake’i</a:t>
-            </a:r>
-            <a:r>
-              <a:rPr lang="pl-PL" dirty="0"/>
-              <a:t>”</a:t>
-            </a:r>
+            <a:endParaRPr lang="pl-PL" dirty="0"/>
           </a:p>
         </p:txBody>
       </p:sp>
@@ -2611,7 +2636,7 @@
             </a:r>
             <a:r>
               <a:rPr lang="pl-PL" dirty="0"/>
-              <a:t> - Spark jest napisany w Scali, dzięki czemu uzyskujemy najlepszą wydajność i największą spójność i pokrycie między API Scali i API Sparka.</a:t>
+              <a:t> - Spark jest napisany w Scali, dzięki czemu uzyskujemy najlepszą (native) wydajność i największą spójność i pokrycie między API Scali i API Sparka.</a:t>
             </a:r>
           </a:p>
           <a:p>
@@ -7101,7 +7126,7 @@
             </a:r>
             <a:r>
               <a:rPr lang="pl-PL" dirty="0"/>
-              <a:t> Scala?</a:t>
+              <a:t> Scala for Spark?</a:t>
             </a:r>
             <a:endParaRPr lang="en-US" dirty="0"/>
           </a:p>
@@ -7383,6 +7408,21 @@
               <a:rPr lang="pl-PL" sz="2000" dirty="0"/>
               <a:t>Debugging</a:t>
             </a:r>
+          </a:p>
+          <a:p>
+            <a:r>
+              <a:rPr lang="pl-PL" sz="2000" dirty="0"/>
+              <a:t>A</a:t>
+            </a:r>
+            <a:r>
+              <a:rPr lang="en-US" sz="2000" dirty="0" err="1"/>
+              <a:t>ccess</a:t>
+            </a:r>
+            <a:r>
+              <a:rPr lang="en-US" sz="2000" dirty="0"/>
+              <a:t> to the latest and greatest features of Spark</a:t>
+            </a:r>
+            <a:endParaRPr lang="pl-PL" sz="2000" dirty="0"/>
           </a:p>
         </p:txBody>
       </p:sp>
@@ -7512,7 +7552,7 @@
             </a:r>
             <a:r>
               <a:rPr lang="pl-PL" dirty="0"/>
-              <a:t> not Scala?</a:t>
+              <a:t> not Scala for Spark?</a:t>
             </a:r>
             <a:endParaRPr lang="en-US" dirty="0"/>
           </a:p>
@@ -9094,14 +9134,6 @@
             </a:r>
             <a:r>
               <a:rPr lang="pl-PL" dirty="0" err="1"/>
-              <a:t>Higher</a:t>
-            </a:r>
-            <a:r>
-              <a:rPr lang="pl-PL" dirty="0"/>
-              <a:t>-Order </a:t>
-            </a:r>
-            <a:r>
-              <a:rPr lang="pl-PL" dirty="0" err="1"/>
               <a:t>Functions</a:t>
             </a:r>
             <a:endParaRPr lang="en-US" dirty="0"/>
@@ -9354,12 +9386,23 @@
               <a:rPr lang="pl-PL" sz="2000" dirty="0" err="1"/>
               <a:t>citiziens</a:t>
             </a:r>
-            <a:endParaRPr lang="pl-PL" sz="2000" dirty="0"/>
+            <a:r>
+              <a:rPr lang="pl-PL" sz="2000" dirty="0"/>
+              <a:t>	</a:t>
+            </a:r>
           </a:p>
           <a:p>
             <a:r>
               <a:rPr lang="pl-PL" sz="2000" dirty="0" err="1"/>
-              <a:t>Functions</a:t>
+              <a:t>Pure</a:t>
+            </a:r>
+            <a:r>
+              <a:rPr lang="pl-PL" sz="2000" dirty="0"/>
+              <a:t> – no </a:t>
+            </a:r>
+            <a:r>
+              <a:rPr lang="pl-PL" sz="2000" dirty="0" err="1"/>
+              <a:t>side</a:t>
             </a:r>
             <a:r>
               <a:rPr lang="pl-PL" sz="2000" dirty="0"/>
@@ -9367,7 +9410,18 @@
             </a:r>
             <a:r>
               <a:rPr lang="pl-PL" sz="2000" dirty="0" err="1"/>
-              <a:t>are</a:t>
+              <a:t>effects</a:t>
+            </a:r>
+            <a:endParaRPr lang="pl-PL" sz="2000" dirty="0"/>
+          </a:p>
+          <a:p>
+            <a:r>
+              <a:rPr lang="pl-PL" sz="2000" dirty="0"/>
+              <a:t>High-Order – </a:t>
+            </a:r>
+            <a:r>
+              <a:rPr lang="pl-PL" sz="2000" dirty="0" err="1"/>
+              <a:t>can</a:t>
             </a:r>
             <a:r>
               <a:rPr lang="pl-PL" sz="2000" dirty="0"/>
@@ -9375,7 +9429,15 @@
             </a:r>
             <a:r>
               <a:rPr lang="pl-PL" sz="2000" dirty="0" err="1"/>
-              <a:t>just</a:t>
+              <a:t>accpet</a:t>
+            </a:r>
+            <a:r>
+              <a:rPr lang="pl-PL" sz="2000" dirty="0"/>
+              <a:t> as a argument </a:t>
+            </a:r>
+            <a:r>
+              <a:rPr lang="pl-PL" sz="2000" dirty="0" err="1"/>
+              <a:t>or</a:t>
             </a:r>
             <a:r>
               <a:rPr lang="pl-PL" sz="2000" dirty="0"/>
@@ -9383,18 +9445,11 @@
             </a:r>
             <a:r>
               <a:rPr lang="pl-PL" sz="2000" dirty="0" err="1"/>
-              <a:t>values</a:t>
-            </a:r>
-            <a:endParaRPr lang="pl-PL" sz="2000" dirty="0"/>
-          </a:p>
-          <a:p>
-            <a:r>
-              <a:rPr lang="pl-PL" sz="2000" dirty="0" err="1"/>
-              <a:t>Passed</a:t>
+              <a:t>reurn</a:t>
             </a:r>
             <a:r>
               <a:rPr lang="pl-PL" sz="2000" dirty="0"/>
-              <a:t> as a argument to </a:t>
+              <a:t> </a:t>
             </a:r>
             <a:r>
               <a:rPr lang="pl-PL" sz="2000" dirty="0" err="1"/>
@@ -9406,7 +9461,7 @@
             </a:r>
             <a:r>
               <a:rPr lang="pl-PL" sz="2000" dirty="0" err="1"/>
-              <a:t>functions</a:t>
+              <a:t>function</a:t>
             </a:r>
             <a:endParaRPr lang="pl-PL" sz="2000" dirty="0"/>
           </a:p>
@@ -9814,7 +9869,15 @@
             </a:r>
             <a:r>
               <a:rPr lang="pl-PL" sz="2000" dirty="0" err="1"/>
-              <a:t>more</a:t>
+              <a:t>case</a:t>
+            </a:r>
+            <a:r>
+              <a:rPr lang="pl-PL" sz="2000" dirty="0"/>
+              <a:t> </a:t>
+            </a:r>
+            <a:r>
+              <a:rPr lang="pl-PL" sz="2000" dirty="0" err="1"/>
+              <a:t>classes</a:t>
             </a:r>
             <a:endParaRPr lang="pl-PL" sz="2000" dirty="0"/>
           </a:p>
@@ -9845,7 +9908,147 @@
             <a:endParaRPr lang="pl-PL" sz="2000" dirty="0"/>
           </a:p>
           <a:p>
-            <a:endParaRPr lang="pl-PL" sz="2000" dirty="0"/>
+            <a:pPr marL="0" indent="0">
+              <a:buNone/>
+            </a:pPr>
+            <a:r>
+              <a:rPr lang="pl-PL" sz="1800" dirty="0">
+                <a:latin typeface="Courier New" panose="02070309020205020404" pitchFamily="49" charset="0"/>
+                <a:cs typeface="Courier New" panose="02070309020205020404" pitchFamily="49" charset="0"/>
+              </a:rPr>
+              <a:t>&lt;</a:t>
+            </a:r>
+            <a:r>
+              <a:rPr lang="pl-PL" sz="1800" dirty="0" err="1">
+                <a:latin typeface="Courier New" panose="02070309020205020404" pitchFamily="49" charset="0"/>
+                <a:cs typeface="Courier New" panose="02070309020205020404" pitchFamily="49" charset="0"/>
+              </a:rPr>
+              <a:t>expression</a:t>
+            </a:r>
+            <a:r>
+              <a:rPr lang="pl-PL" sz="1800" dirty="0">
+                <a:latin typeface="Courier New" panose="02070309020205020404" pitchFamily="49" charset="0"/>
+                <a:cs typeface="Courier New" panose="02070309020205020404" pitchFamily="49" charset="0"/>
+              </a:rPr>
+              <a:t>&gt; </a:t>
+            </a:r>
+            <a:r>
+              <a:rPr lang="pl-PL" sz="1800" dirty="0" err="1">
+                <a:latin typeface="Courier New" panose="02070309020205020404" pitchFamily="49" charset="0"/>
+                <a:cs typeface="Courier New" panose="02070309020205020404" pitchFamily="49" charset="0"/>
+              </a:rPr>
+              <a:t>match</a:t>
+            </a:r>
+            <a:r>
+              <a:rPr lang="pl-PL" sz="1800" dirty="0">
+                <a:latin typeface="Courier New" panose="02070309020205020404" pitchFamily="49" charset="0"/>
+                <a:cs typeface="Courier New" panose="02070309020205020404" pitchFamily="49" charset="0"/>
+              </a:rPr>
+              <a:t> {</a:t>
+            </a:r>
+          </a:p>
+          <a:p>
+            <a:pPr marL="0" indent="0">
+              <a:buNone/>
+            </a:pPr>
+            <a:r>
+              <a:rPr lang="pl-PL" sz="1800" dirty="0" err="1">
+                <a:latin typeface="Courier New" panose="02070309020205020404" pitchFamily="49" charset="0"/>
+                <a:cs typeface="Courier New" panose="02070309020205020404" pitchFamily="49" charset="0"/>
+              </a:rPr>
+              <a:t>case</a:t>
+            </a:r>
+            <a:r>
+              <a:rPr lang="pl-PL" sz="1800" dirty="0">
+                <a:latin typeface="Courier New" panose="02070309020205020404" pitchFamily="49" charset="0"/>
+                <a:cs typeface="Courier New" panose="02070309020205020404" pitchFamily="49" charset="0"/>
+              </a:rPr>
+              <a:t> &lt;</a:t>
+            </a:r>
+            <a:r>
+              <a:rPr lang="pl-PL" sz="1800" dirty="0" err="1">
+                <a:latin typeface="Courier New" panose="02070309020205020404" pitchFamily="49" charset="0"/>
+                <a:cs typeface="Courier New" panose="02070309020205020404" pitchFamily="49" charset="0"/>
+              </a:rPr>
+              <a:t>pattern</a:t>
+            </a:r>
+            <a:r>
+              <a:rPr lang="pl-PL" sz="1800" dirty="0">
+                <a:latin typeface="Courier New" panose="02070309020205020404" pitchFamily="49" charset="0"/>
+                <a:cs typeface="Courier New" panose="02070309020205020404" pitchFamily="49" charset="0"/>
+              </a:rPr>
+              <a:t> </a:t>
+            </a:r>
+            <a:r>
+              <a:rPr lang="pl-PL" sz="1800" dirty="0" err="1">
+                <a:latin typeface="Courier New" panose="02070309020205020404" pitchFamily="49" charset="0"/>
+                <a:cs typeface="Courier New" panose="02070309020205020404" pitchFamily="49" charset="0"/>
+              </a:rPr>
+              <a:t>match</a:t>
+            </a:r>
+            <a:r>
+              <a:rPr lang="pl-PL" sz="1800" dirty="0">
+                <a:latin typeface="Courier New" panose="02070309020205020404" pitchFamily="49" charset="0"/>
+                <a:cs typeface="Courier New" panose="02070309020205020404" pitchFamily="49" charset="0"/>
+              </a:rPr>
+              <a:t>&gt; =&gt; &lt;</a:t>
+            </a:r>
+            <a:r>
+              <a:rPr lang="pl-PL" sz="1800" dirty="0" err="1">
+                <a:latin typeface="Courier New" panose="02070309020205020404" pitchFamily="49" charset="0"/>
+                <a:cs typeface="Courier New" panose="02070309020205020404" pitchFamily="49" charset="0"/>
+              </a:rPr>
+              <a:t>expression</a:t>
+            </a:r>
+            <a:r>
+              <a:rPr lang="pl-PL" sz="1800" dirty="0">
+                <a:latin typeface="Courier New" panose="02070309020205020404" pitchFamily="49" charset="0"/>
+                <a:cs typeface="Courier New" panose="02070309020205020404" pitchFamily="49" charset="0"/>
+              </a:rPr>
+              <a:t>&gt;</a:t>
+            </a:r>
+          </a:p>
+          <a:p>
+            <a:pPr marL="0" indent="0">
+              <a:buNone/>
+            </a:pPr>
+            <a:r>
+              <a:rPr lang="pl-PL" sz="1800" dirty="0">
+                <a:latin typeface="Courier New" panose="02070309020205020404" pitchFamily="49" charset="0"/>
+                <a:cs typeface="Courier New" panose="02070309020205020404" pitchFamily="49" charset="0"/>
+              </a:rPr>
+              <a:t>[</a:t>
+            </a:r>
+            <a:r>
+              <a:rPr lang="pl-PL" sz="1800" dirty="0" err="1">
+                <a:latin typeface="Courier New" panose="02070309020205020404" pitchFamily="49" charset="0"/>
+                <a:cs typeface="Courier New" panose="02070309020205020404" pitchFamily="49" charset="0"/>
+              </a:rPr>
+              <a:t>case</a:t>
+            </a:r>
+            <a:r>
+              <a:rPr lang="pl-PL" sz="1800" dirty="0">
+                <a:latin typeface="Courier New" panose="02070309020205020404" pitchFamily="49" charset="0"/>
+                <a:cs typeface="Courier New" panose="02070309020205020404" pitchFamily="49" charset="0"/>
+              </a:rPr>
+              <a:t>...]</a:t>
+            </a:r>
+          </a:p>
+          <a:p>
+            <a:pPr marL="0" indent="0">
+              <a:buNone/>
+            </a:pPr>
+            <a:r>
+              <a:rPr lang="pl-PL" sz="1800" dirty="0">
+                <a:latin typeface="Courier New" panose="02070309020205020404" pitchFamily="49" charset="0"/>
+                <a:cs typeface="Courier New" panose="02070309020205020404" pitchFamily="49" charset="0"/>
+              </a:rPr>
+              <a:t>}</a:t>
+            </a:r>
+            <a:endParaRPr lang="pl-PL" sz="3200" dirty="0">
+              <a:latin typeface="Courier New" panose="02070309020205020404" pitchFamily="49" charset="0"/>
+              <a:cs typeface="Courier New" panose="02070309020205020404" pitchFamily="49" charset="0"/>
+            </a:endParaRPr>
           </a:p>
           <a:p>
             <a:endParaRPr lang="en-US" sz="2000" dirty="0"/>
@@ -9855,41 +10058,6 @@
               <a:buNone/>
             </a:pPr>
             <a:endParaRPr lang="pl-PL" sz="2000" dirty="0"/>
-          </a:p>
-        </p:txBody>
-      </p:sp>
-      <p:sp>
-        <p:nvSpPr>
-          <p:cNvPr id="7" name="TextBox 6"/>
-          <p:cNvSpPr txBox="1"/>
-          <p:nvPr/>
-        </p:nvSpPr>
-        <p:spPr>
-          <a:xfrm>
-            <a:off x="8891051" y="1198880"/>
-            <a:ext cx="914400" cy="914400"/>
-          </a:xfrm>
-          <a:prstGeom prst="rect">
-            <a:avLst/>
-          </a:prstGeom>
-          <a:noFill/>
-        </p:spPr>
-        <p:txBody>
-          <a:bodyPr wrap="none" lIns="0" tIns="0" rIns="0" bIns="0" rtlCol="0">
-            <a:noAutofit/>
-          </a:bodyPr>
-          <a:lstStyle/>
-          <a:p>
-            <a:pPr>
-              <a:lnSpc>
-                <a:spcPct val="140000"/>
-              </a:lnSpc>
-            </a:pPr>
-            <a:endParaRPr lang="en-US" dirty="0" err="1">
-              <a:solidFill>
-                <a:schemeClr val="tx1"/>
-              </a:solidFill>
-            </a:endParaRPr>
           </a:p>
         </p:txBody>
       </p:sp>
@@ -10187,7 +10355,7 @@
           <a:p>
             <a:r>
               <a:rPr lang="pl-PL" sz="2000" dirty="0" err="1"/>
-              <a:t>Plethore</a:t>
+              <a:t>Plethora</a:t>
             </a:r>
             <a:r>
               <a:rPr lang="pl-PL" sz="2000" dirty="0"/>
@@ -10213,6 +10381,37 @@
               <a:rPr lang="pl-PL" sz="2000" dirty="0" err="1"/>
               <a:t>mutable</a:t>
             </a:r>
+            <a:r>
+              <a:rPr lang="pl-PL" sz="2000" dirty="0"/>
+              <a:t> </a:t>
+            </a:r>
+            <a:r>
+              <a:rPr lang="pl-PL" sz="2000" dirty="0" err="1"/>
+              <a:t>types</a:t>
+            </a:r>
+            <a:endParaRPr lang="pl-PL" sz="2000" dirty="0"/>
+          </a:p>
+          <a:p>
+            <a:r>
+              <a:rPr lang="pl-PL" sz="2000" dirty="0"/>
+              <a:t>W</a:t>
+            </a:r>
+            <a:r>
+              <a:rPr lang="en-US" sz="2000" dirty="0"/>
+              <a:t>ide range of operations</a:t>
+            </a:r>
+            <a:r>
+              <a:rPr lang="pl-PL" sz="2000" dirty="0"/>
+              <a:t> </a:t>
+            </a:r>
+            <a:r>
+              <a:rPr lang="pl-PL" sz="2000" dirty="0" err="1"/>
+              <a:t>making</a:t>
+            </a:r>
+            <a:r>
+              <a:rPr lang="en-US" sz="2000" dirty="0"/>
+              <a:t> your life easy dealing with any kind of data.</a:t>
+            </a:r>
             <a:endParaRPr lang="pl-PL" sz="2000" dirty="0"/>
           </a:p>
           <a:p>
@@ -10249,7 +10448,7 @@
           <a:p>
             <a:r>
               <a:rPr lang="pl-PL" sz="2000" dirty="0" err="1"/>
-              <a:t>Extrenly</a:t>
+              <a:t>Extremely</a:t>
             </a:r>
             <a:r>
               <a:rPr lang="pl-PL" sz="2000" dirty="0"/>
@@ -10265,7 +10464,26 @@
             </a:r>
             <a:r>
               <a:rPr lang="pl-PL" sz="2000" dirty="0" err="1"/>
-              <a:t>internal</a:t>
+              <a:t>internals</a:t>
+            </a:r>
+            <a:endParaRPr lang="pl-PL" sz="2000" dirty="0"/>
+          </a:p>
+          <a:p>
+            <a:r>
+              <a:rPr lang="pl-PL" sz="2000" dirty="0"/>
+              <a:t>„Spark - The Ultimate Scala </a:t>
+            </a:r>
+            <a:r>
+              <a:rPr lang="pl-PL" sz="2000" dirty="0" err="1"/>
+              <a:t>Collections</a:t>
+            </a:r>
+            <a:r>
+              <a:rPr lang="pl-PL" sz="2000" dirty="0"/>
+              <a:t>” – Martin </a:t>
+            </a:r>
+            <a:r>
+              <a:rPr lang="pl-PL" sz="2000" dirty="0" err="1"/>
+              <a:t>Odersky</a:t>
             </a:r>
             <a:endParaRPr lang="pl-PL" sz="2000" dirty="0"/>
           </a:p>
@@ -11396,6 +11614,220 @@
 </file>
 
 <file path=ppt/slides/slide22.xml><?xml version="1.0" encoding="utf-8"?>
+<p:sld xmlns:a="http://schemas.openxmlformats.org/drawingml/2006/main" xmlns:r="http://schemas.openxmlformats.org/officeDocument/2006/relationships" xmlns:p="http://schemas.openxmlformats.org/presentationml/2006/main">
+  <p:cSld>
+    <p:spTree>
+      <p:nvGrpSpPr>
+        <p:cNvPr id="1" name=""/>
+        <p:cNvGrpSpPr/>
+        <p:nvPr/>
+      </p:nvGrpSpPr>
+      <p:grpSpPr>
+        <a:xfrm>
+          <a:off x="0" y="0"/>
+          <a:ext cx="0" cy="0"/>
+          <a:chOff x="0" y="0"/>
+          <a:chExt cx="0" cy="0"/>
+        </a:xfrm>
+      </p:grpSpPr>
+      <p:sp>
+        <p:nvSpPr>
+          <p:cNvPr id="2" name="Title 1"/>
+          <p:cNvSpPr>
+            <a:spLocks noGrp="1"/>
+          </p:cNvSpPr>
+          <p:nvPr>
+            <p:ph type="title"/>
+          </p:nvPr>
+        </p:nvSpPr>
+        <p:spPr>
+          <a:xfrm>
+            <a:off x="755650" y="413693"/>
+            <a:ext cx="7632700" cy="357857"/>
+          </a:xfrm>
+        </p:spPr>
+        <p:txBody>
+          <a:bodyPr/>
+          <a:lstStyle/>
+          <a:p>
+            <a:r>
+              <a:rPr lang="pl-PL" dirty="0" err="1"/>
+              <a:t>Instead</a:t>
+            </a:r>
+            <a:r>
+              <a:rPr lang="pl-PL" dirty="0"/>
+              <a:t> of </a:t>
+            </a:r>
+            <a:r>
+              <a:rPr lang="pl-PL" dirty="0" err="1"/>
+              <a:t>summary</a:t>
+            </a:r>
+            <a:r>
+              <a:rPr lang="pl-PL" dirty="0"/>
+              <a:t>	</a:t>
+            </a:r>
+            <a:endParaRPr lang="en-US" dirty="0"/>
+          </a:p>
+        </p:txBody>
+      </p:sp>
+      <p:sp>
+        <p:nvSpPr>
+          <p:cNvPr id="3" name="Footer Placeholder 2"/>
+          <p:cNvSpPr>
+            <a:spLocks noGrp="1"/>
+          </p:cNvSpPr>
+          <p:nvPr>
+            <p:ph type="ftr" sz="quarter" idx="16"/>
+          </p:nvPr>
+        </p:nvSpPr>
+        <p:spPr/>
+        <p:txBody>
+          <a:bodyPr/>
+          <a:lstStyle/>
+          <a:p>
+            <a:endParaRPr lang="pl-PL" dirty="0"/>
+          </a:p>
+        </p:txBody>
+      </p:sp>
+      <p:sp>
+        <p:nvSpPr>
+          <p:cNvPr id="4" name="Date Placeholder 3"/>
+          <p:cNvSpPr>
+            <a:spLocks noGrp="1"/>
+          </p:cNvSpPr>
+          <p:nvPr>
+            <p:ph type="dt" sz="half" idx="15"/>
+          </p:nvPr>
+        </p:nvSpPr>
+        <p:spPr/>
+        <p:txBody>
+          <a:bodyPr/>
+          <a:lstStyle/>
+          <a:p>
+            <a:endParaRPr lang="pl-PL" dirty="0"/>
+          </a:p>
+        </p:txBody>
+      </p:sp>
+      <p:sp>
+        <p:nvSpPr>
+          <p:cNvPr id="7" name="TextBox 6"/>
+          <p:cNvSpPr txBox="1"/>
+          <p:nvPr/>
+        </p:nvSpPr>
+        <p:spPr>
+          <a:xfrm>
+            <a:off x="8891051" y="1198880"/>
+            <a:ext cx="914400" cy="914400"/>
+          </a:xfrm>
+          <a:prstGeom prst="rect">
+            <a:avLst/>
+          </a:prstGeom>
+          <a:noFill/>
+        </p:spPr>
+        <p:txBody>
+          <a:bodyPr wrap="none" lIns="0" tIns="0" rIns="0" bIns="0" rtlCol="0">
+            <a:noAutofit/>
+          </a:bodyPr>
+          <a:lstStyle/>
+          <a:p>
+            <a:pPr>
+              <a:lnSpc>
+                <a:spcPct val="140000"/>
+              </a:lnSpc>
+            </a:pPr>
+            <a:endParaRPr lang="en-US" dirty="0" err="1">
+              <a:solidFill>
+                <a:schemeClr val="tx1"/>
+              </a:solidFill>
+            </a:endParaRPr>
+          </a:p>
+        </p:txBody>
+      </p:sp>
+      <p:sp>
+        <p:nvSpPr>
+          <p:cNvPr id="5" name="Rectangle 4">
+            <a:hlinkClick r:id="rId3"/>
+            <a:extLst>
+              <a:ext uri="{FF2B5EF4-FFF2-40B4-BE49-F238E27FC236}">
+                <a16:creationId xmlns:a16="http://schemas.microsoft.com/office/drawing/2014/main" id="{E2235CDF-EF62-486E-8EBB-310A2294A914}"/>
+              </a:ext>
+            </a:extLst>
+          </p:cNvPr>
+          <p:cNvSpPr/>
+          <p:nvPr/>
+        </p:nvSpPr>
+        <p:spPr>
+          <a:xfrm>
+            <a:off x="1728030" y="3219822"/>
+            <a:ext cx="5535870" cy="338554"/>
+          </a:xfrm>
+          <a:prstGeom prst="rect">
+            <a:avLst/>
+          </a:prstGeom>
+        </p:spPr>
+        <p:txBody>
+          <a:bodyPr wrap="square">
+            <a:spAutoFit/>
+          </a:bodyPr>
+          <a:lstStyle/>
+          <a:p>
+            <a:pPr algn="r"/>
+            <a:r>
+              <a:rPr lang="pl-PL" sz="1600" dirty="0"/>
+              <a:t>Martin </a:t>
+            </a:r>
+            <a:r>
+              <a:rPr lang="pl-PL" sz="1600" dirty="0" err="1"/>
+              <a:t>Odersky</a:t>
+            </a:r>
+            <a:endParaRPr lang="pl-PL" sz="1600" dirty="0"/>
+          </a:p>
+        </p:txBody>
+      </p:sp>
+      <p:pic>
+        <p:nvPicPr>
+          <p:cNvPr id="8" name="Picture 7">
+            <a:extLst>
+              <a:ext uri="{FF2B5EF4-FFF2-40B4-BE49-F238E27FC236}">
+                <a16:creationId xmlns:a16="http://schemas.microsoft.com/office/drawing/2014/main" id="{DC3AEB1F-85ED-4AF8-94B1-B9110E38D0C5}"/>
+              </a:ext>
+            </a:extLst>
+          </p:cNvPr>
+          <p:cNvPicPr>
+            <a:picLocks noChangeAspect="1"/>
+          </p:cNvPicPr>
+          <p:nvPr/>
+        </p:nvPicPr>
+        <p:blipFill>
+          <a:blip r:embed="rId4"/>
+          <a:stretch>
+            <a:fillRect/>
+          </a:stretch>
+        </p:blipFill>
+        <p:spPr>
+          <a:xfrm>
+            <a:off x="1880099" y="1089903"/>
+            <a:ext cx="5383801" cy="1667549"/>
+          </a:xfrm>
+          <a:prstGeom prst="rect">
+            <a:avLst/>
+          </a:prstGeom>
+        </p:spPr>
+      </p:pic>
+    </p:spTree>
+    <p:extLst>
+      <p:ext uri="{BB962C8B-B14F-4D97-AF65-F5344CB8AC3E}">
+        <p14:creationId xmlns:p14="http://schemas.microsoft.com/office/powerpoint/2010/main" val="3117407274"/>
+      </p:ext>
+    </p:extLst>
+  </p:cSld>
+  <p:clrMapOvr>
+    <a:masterClrMapping/>
+  </p:clrMapOvr>
+</p:sld>
+</file>
+
+<file path=ppt/slides/slide23.xml><?xml version="1.0" encoding="utf-8"?>
 <p:sld xmlns:a="http://schemas.openxmlformats.org/drawingml/2006/main" xmlns:r="http://schemas.openxmlformats.org/officeDocument/2006/relationships" xmlns:p="http://schemas.openxmlformats.org/presentationml/2006/main">
   <p:cSld>
     <p:spTree>

--- a/src/main/resources/slides.pptx
+++ b/src/main/resources/slides.pptx
@@ -1214,31 +1214,101 @@
             </a:r>
             <a:r>
               <a:rPr lang="pl-PL" dirty="0"/>
-              <a:t> wszechobecne i mogą być definiowane w klasie jako </a:t>
-            </a:r>
-            <a:r>
-              <a:rPr lang="pl-PL" dirty="0" err="1"/>
-              <a:t>zmiannna</a:t>
-            </a:r>
-            <a:r>
-              <a:rPr lang="pl-PL" dirty="0"/>
-              <a:t> (</a:t>
-            </a:r>
-            <a:r>
-              <a:rPr lang="pl-PL" dirty="0" err="1"/>
-              <a:t>val</a:t>
-            </a:r>
-            <a:r>
-              <a:rPr lang="pl-PL" dirty="0"/>
-              <a:t>/</a:t>
-            </a:r>
-            <a:r>
-              <a:rPr lang="pl-PL" dirty="0" err="1"/>
-              <a:t>var</a:t>
-            </a:r>
-            <a:r>
-              <a:rPr lang="pl-PL" dirty="0"/>
-              <a:t>) a nawet jako </a:t>
+              <a:t> wszechobecne, nie są tylko </a:t>
+            </a:r>
+            <a:r>
+              <a:rPr lang="pl-PL" dirty="0" err="1"/>
+              <a:t>delarowane</a:t>
+            </a:r>
+            <a:r>
+              <a:rPr lang="pl-PL" dirty="0"/>
+              <a:t> i wykonywane ale mogą być </a:t>
+            </a:r>
+            <a:r>
+              <a:rPr lang="pl-PL" dirty="0" err="1"/>
+              <a:t>uzyte</a:t>
+            </a:r>
+            <a:r>
+              <a:rPr lang="pl-PL" dirty="0"/>
+              <a:t> jako po </a:t>
+            </a:r>
+            <a:r>
+              <a:rPr lang="pl-PL" dirty="0" err="1"/>
+              <a:t>prstu</a:t>
+            </a:r>
+            <a:r>
+              <a:rPr lang="pl-PL" dirty="0"/>
+              <a:t> typ danych.</a:t>
+            </a:r>
+          </a:p>
+          <a:p>
+            <a:r>
+              <a:rPr lang="pl-PL" dirty="0"/>
+              <a:t>Mogą wiec być </a:t>
+            </a:r>
+            <a:r>
+              <a:rPr lang="pl-PL" dirty="0" err="1"/>
+              <a:t>zdefinowane</a:t>
+            </a:r>
+            <a:r>
+              <a:rPr lang="pl-PL" dirty="0"/>
+              <a:t> jako literał, jako literał bez nazwy (czyli to co znamy z </a:t>
+            </a:r>
+            <a:r>
+              <a:rPr lang="pl-PL" dirty="0" err="1"/>
+              <a:t>javy</a:t>
+            </a:r>
+            <a:r>
+              <a:rPr lang="pl-PL" dirty="0"/>
+              <a:t> </a:t>
+            </a:r>
+            <a:r>
+              <a:rPr lang="pl-PL" dirty="0" err="1"/>
+              <a:t>javascirpt</a:t>
+            </a:r>
+            <a:r>
+              <a:rPr lang="pl-PL" dirty="0"/>
+              <a:t> jako </a:t>
+            </a:r>
+            <a:r>
+              <a:rPr lang="pl-PL" dirty="0" err="1"/>
+              <a:t>lampda</a:t>
+            </a:r>
+            <a:r>
+              <a:rPr lang="pl-PL" dirty="0"/>
+              <a:t>, bądź anonimowa funkcja), mogą być zapisane jako </a:t>
+            </a:r>
+            <a:r>
+              <a:rPr lang="pl-PL" dirty="0" err="1"/>
+              <a:t>value</a:t>
+            </a:r>
+            <a:r>
+              <a:rPr lang="pl-PL" dirty="0"/>
+              <a:t> bądź </a:t>
+            </a:r>
+            <a:r>
+              <a:rPr lang="pl-PL" dirty="0" err="1"/>
+              <a:t>variable</a:t>
+            </a:r>
+            <a:r>
+              <a:rPr lang="pl-PL" dirty="0"/>
+              <a:t> oraz </a:t>
+            </a:r>
+            <a:r>
+              <a:rPr lang="pl-PL" dirty="0" err="1"/>
+              <a:t>uzyte</a:t>
+            </a:r>
+            <a:r>
+              <a:rPr lang="pl-PL" dirty="0"/>
+              <a:t> jako </a:t>
+            </a:r>
+            <a:r>
+              <a:rPr lang="pl-PL" dirty="0" err="1"/>
+              <a:t>paramter</a:t>
+            </a:r>
+            <a:r>
+              <a:rPr lang="pl-PL" dirty="0"/>
+              <a:t> do innej funkcji bądź nawet zwrócone z innej funkcji.</a:t>
             </a:r>
           </a:p>
           <a:p>
@@ -1291,8 +1361,242 @@
             </a:r>
             <a:r>
               <a:rPr lang="pl-PL" dirty="0"/>
-              <a:t> – przyjmują w argumencie inna funkcje bądź zwracają funkcje</a:t>
-            </a:r>
+              <a:t> – przyjmują w argumencie inna funkcje bądź zwracają funkcje. Najbardziej znane to </a:t>
+            </a:r>
+            <a:r>
+              <a:rPr lang="pl-PL" sz="1200" b="0" i="0" u="none" strike="noStrike" kern="1200" baseline="0" dirty="0">
+                <a:solidFill>
+                  <a:schemeClr val="tx1"/>
+                </a:solidFill>
+                <a:latin typeface="+mn-lt"/>
+                <a:ea typeface="+mn-ea"/>
+                <a:cs typeface="+mn-cs"/>
+              </a:rPr>
+              <a:t>map() i </a:t>
+            </a:r>
+            <a:r>
+              <a:rPr lang="pl-PL" sz="1200" b="0" i="0" u="none" strike="noStrike" kern="1200" baseline="0" dirty="0" err="1">
+                <a:solidFill>
+                  <a:schemeClr val="tx1"/>
+                </a:solidFill>
+                <a:latin typeface="+mn-lt"/>
+                <a:ea typeface="+mn-ea"/>
+                <a:cs typeface="+mn-cs"/>
+              </a:rPr>
+              <a:t>reduce</a:t>
+            </a:r>
+            <a:r>
+              <a:rPr lang="pl-PL" sz="1200" b="0" i="0" u="none" strike="noStrike" kern="1200" baseline="0" dirty="0">
+                <a:solidFill>
+                  <a:schemeClr val="tx1"/>
+                </a:solidFill>
+                <a:latin typeface="+mn-lt"/>
+                <a:ea typeface="+mn-ea"/>
+                <a:cs typeface="+mn-cs"/>
+              </a:rPr>
+              <a:t>().</a:t>
+            </a:r>
+          </a:p>
+          <a:p>
+            <a:endParaRPr lang="pl-PL" sz="1200" b="0" i="0" u="none" strike="noStrike" kern="1200" baseline="0" dirty="0">
+              <a:solidFill>
+                <a:schemeClr val="tx1"/>
+              </a:solidFill>
+              <a:latin typeface="+mn-lt"/>
+              <a:ea typeface="+mn-ea"/>
+              <a:cs typeface="+mn-cs"/>
+            </a:endParaRPr>
+          </a:p>
+          <a:p>
+            <a:r>
+              <a:rPr lang="pl-PL" sz="1200" b="0" i="0" u="none" strike="noStrike" kern="1200" baseline="0" dirty="0">
+                <a:solidFill>
+                  <a:schemeClr val="tx1"/>
+                </a:solidFill>
+                <a:latin typeface="+mn-lt"/>
+                <a:ea typeface="+mn-ea"/>
+                <a:cs typeface="+mn-cs"/>
+              </a:rPr>
+              <a:t>The map() </a:t>
+            </a:r>
+            <a:r>
+              <a:rPr lang="pl-PL" sz="1200" b="0" i="0" u="none" strike="noStrike" kern="1200" baseline="0" dirty="0" err="1">
+                <a:solidFill>
+                  <a:schemeClr val="tx1"/>
+                </a:solidFill>
+                <a:latin typeface="+mn-lt"/>
+                <a:ea typeface="+mn-ea"/>
+                <a:cs typeface="+mn-cs"/>
+              </a:rPr>
+              <a:t>higher</a:t>
+            </a:r>
+            <a:r>
+              <a:rPr lang="pl-PL" sz="1200" b="0" i="0" u="none" strike="noStrike" kern="1200" baseline="0" dirty="0">
+                <a:solidFill>
+                  <a:schemeClr val="tx1"/>
+                </a:solidFill>
+                <a:latin typeface="+mn-lt"/>
+                <a:ea typeface="+mn-ea"/>
+                <a:cs typeface="+mn-cs"/>
+              </a:rPr>
+              <a:t>-order </a:t>
+            </a:r>
+            <a:r>
+              <a:rPr lang="pl-PL" sz="1200" b="0" i="0" u="none" strike="noStrike" kern="1200" baseline="0" dirty="0" err="1">
+                <a:solidFill>
+                  <a:schemeClr val="tx1"/>
+                </a:solidFill>
+                <a:latin typeface="+mn-lt"/>
+                <a:ea typeface="+mn-ea"/>
+                <a:cs typeface="+mn-cs"/>
+              </a:rPr>
+              <a:t>function</a:t>
+            </a:r>
+            <a:r>
+              <a:rPr lang="pl-PL" sz="1200" b="0" i="0" u="none" strike="noStrike" kern="1200" baseline="0" dirty="0">
+                <a:solidFill>
+                  <a:schemeClr val="tx1"/>
+                </a:solidFill>
+                <a:latin typeface="+mn-lt"/>
+                <a:ea typeface="+mn-ea"/>
+                <a:cs typeface="+mn-cs"/>
+              </a:rPr>
+              <a:t> </a:t>
+            </a:r>
+            <a:r>
+              <a:rPr lang="en-US" sz="1200" b="0" i="0" u="none" strike="noStrike" kern="1200" baseline="0" dirty="0">
+                <a:solidFill>
+                  <a:schemeClr val="tx1"/>
+                </a:solidFill>
+                <a:latin typeface="+mn-lt"/>
+                <a:ea typeface="+mn-ea"/>
+                <a:cs typeface="+mn-cs"/>
+              </a:rPr>
+              <a:t>takes a function parameter and uses it to convert one or more items to a new value</a:t>
+            </a:r>
+          </a:p>
+          <a:p>
+            <a:r>
+              <a:rPr lang="en-US" sz="1200" b="0" i="0" u="none" strike="noStrike" kern="1200" baseline="0" dirty="0">
+                <a:solidFill>
+                  <a:schemeClr val="tx1"/>
+                </a:solidFill>
+                <a:latin typeface="+mn-lt"/>
+                <a:ea typeface="+mn-ea"/>
+                <a:cs typeface="+mn-cs"/>
+              </a:rPr>
+              <a:t>and/or type. </a:t>
+            </a:r>
+            <a:endParaRPr lang="pl-PL" sz="1200" b="0" i="0" u="none" strike="noStrike" kern="1200" baseline="0" dirty="0">
+              <a:solidFill>
+                <a:schemeClr val="tx1"/>
+              </a:solidFill>
+              <a:latin typeface="+mn-lt"/>
+              <a:ea typeface="+mn-ea"/>
+              <a:cs typeface="+mn-cs"/>
+            </a:endParaRPr>
+          </a:p>
+          <a:p>
+            <a:r>
+              <a:rPr lang="en-US" sz="1200" b="0" i="0" u="none" strike="noStrike" kern="1200" baseline="0" dirty="0">
+                <a:solidFill>
+                  <a:schemeClr val="tx1"/>
+                </a:solidFill>
+                <a:latin typeface="+mn-lt"/>
+                <a:ea typeface="+mn-ea"/>
+                <a:cs typeface="+mn-cs"/>
+              </a:rPr>
+              <a:t>The reduce() higher-order function takes a function parameter and uses</a:t>
+            </a:r>
+            <a:r>
+              <a:rPr lang="pl-PL" sz="1200" b="0" i="0" u="none" strike="noStrike" kern="1200" baseline="0" dirty="0">
+                <a:solidFill>
+                  <a:schemeClr val="tx1"/>
+                </a:solidFill>
+                <a:latin typeface="+mn-lt"/>
+                <a:ea typeface="+mn-ea"/>
+                <a:cs typeface="+mn-cs"/>
+              </a:rPr>
+              <a:t> </a:t>
+            </a:r>
+            <a:r>
+              <a:rPr lang="en-US" sz="1200" b="0" i="0" u="none" strike="noStrike" kern="1200" baseline="0" dirty="0">
+                <a:solidFill>
+                  <a:schemeClr val="tx1"/>
+                </a:solidFill>
+                <a:latin typeface="+mn-lt"/>
+                <a:ea typeface="+mn-ea"/>
+                <a:cs typeface="+mn-cs"/>
+              </a:rPr>
+              <a:t>it to reduce a collection of multiple items down to a single item.</a:t>
+            </a:r>
+            <a:endParaRPr lang="pl-PL" sz="1200" b="0" i="0" u="none" strike="noStrike" kern="1200" baseline="0" dirty="0">
+              <a:solidFill>
+                <a:schemeClr val="tx1"/>
+              </a:solidFill>
+              <a:latin typeface="+mn-lt"/>
+              <a:ea typeface="+mn-ea"/>
+              <a:cs typeface="+mn-cs"/>
+            </a:endParaRPr>
+          </a:p>
+          <a:p>
+            <a:endParaRPr lang="pl-PL" sz="1200" b="0" i="0" u="none" strike="noStrike" kern="1200" baseline="0" dirty="0">
+              <a:solidFill>
+                <a:schemeClr val="tx1"/>
+              </a:solidFill>
+              <a:latin typeface="+mn-lt"/>
+              <a:ea typeface="+mn-ea"/>
+              <a:cs typeface="+mn-cs"/>
+            </a:endParaRPr>
+          </a:p>
+          <a:p>
+            <a:r>
+              <a:rPr lang="en-US" sz="1200" b="0" i="0" u="none" strike="noStrike" kern="1200" baseline="0" dirty="0">
+                <a:solidFill>
+                  <a:schemeClr val="tx1"/>
+                </a:solidFill>
+                <a:latin typeface="+mn-lt"/>
+                <a:ea typeface="+mn-ea"/>
+                <a:cs typeface="+mn-cs"/>
+              </a:rPr>
+              <a:t>The popular Map/Reduce computing paradigm uses this concept to tackle large computing challenges, by</a:t>
+            </a:r>
+          </a:p>
+          <a:p>
+            <a:r>
+              <a:rPr lang="en-US" sz="1200" b="0" i="0" u="none" strike="noStrike" kern="1200" baseline="0" dirty="0">
+                <a:solidFill>
+                  <a:schemeClr val="tx1"/>
+                </a:solidFill>
+                <a:latin typeface="+mn-lt"/>
+                <a:ea typeface="+mn-ea"/>
+                <a:cs typeface="+mn-cs"/>
+              </a:rPr>
+              <a:t>mapping the computation across a range of distributed nodes and reducing their results</a:t>
+            </a:r>
+            <a:r>
+              <a:rPr lang="pl-PL" sz="1200" b="0" i="0" u="none" strike="noStrike" kern="1200" baseline="0" dirty="0">
+                <a:solidFill>
+                  <a:schemeClr val="tx1"/>
+                </a:solidFill>
+                <a:latin typeface="+mn-lt"/>
+                <a:ea typeface="+mn-ea"/>
+                <a:cs typeface="+mn-cs"/>
+              </a:rPr>
+              <a:t> </a:t>
+            </a:r>
+            <a:r>
+              <a:rPr lang="en-US" sz="1200" b="0" i="0" u="none" strike="noStrike" kern="1200" baseline="0" dirty="0">
+                <a:solidFill>
+                  <a:schemeClr val="tx1"/>
+                </a:solidFill>
+                <a:latin typeface="+mn-lt"/>
+                <a:ea typeface="+mn-ea"/>
+                <a:cs typeface="+mn-cs"/>
+              </a:rPr>
+              <a:t>back to a meaningful size.</a:t>
+            </a:r>
+            <a:endParaRPr lang="pl-PL" dirty="0"/>
           </a:p>
         </p:txBody>
       </p:sp>
@@ -7053,7 +7357,7 @@
         <p:spPr bwMode="auto">
           <a:xfrm>
             <a:off x="2814637" y="2088534"/>
-            <a:ext cx="3514725" cy="1295400"/>
+            <a:ext cx="3053507" cy="1125412"/>
           </a:xfrm>
           <a:prstGeom prst="rect">
             <a:avLst/>
@@ -8204,20 +8508,22 @@
           </a:p>
           <a:p>
             <a:r>
+              <a:rPr lang="pl-PL" sz="2000" dirty="0" err="1"/>
+              <a:t>Tuples</a:t>
+            </a:r>
+            <a:r>
+              <a:rPr lang="pl-PL" sz="2000" dirty="0"/>
+              <a:t> </a:t>
+            </a:r>
+          </a:p>
+          <a:p>
+            <a:r>
               <a:rPr lang="pl-PL" sz="2000" dirty="0"/>
               <a:t>Case </a:t>
             </a:r>
             <a:r>
               <a:rPr lang="pl-PL" sz="2000" dirty="0" err="1"/>
-              <a:t>clases</a:t>
-            </a:r>
-            <a:r>
-              <a:rPr lang="pl-PL" sz="2000" dirty="0"/>
-              <a:t> and </a:t>
-            </a:r>
-            <a:r>
-              <a:rPr lang="pl-PL" sz="2000" dirty="0" err="1"/>
-              <a:t>tuples</a:t>
+              <a:t>classes</a:t>
             </a:r>
             <a:endParaRPr lang="pl-PL" sz="2000" dirty="0"/>
           </a:p>
@@ -8239,22 +8545,57 @@
           <a:p>
             <a:r>
               <a:rPr lang="pl-PL" sz="2000" dirty="0" err="1"/>
-              <a:t>Higher</a:t>
+              <a:t>Function</a:t>
             </a:r>
             <a:r>
               <a:rPr lang="pl-PL" sz="2000" dirty="0"/>
-              <a:t>-Order </a:t>
+              <a:t> as a </a:t>
             </a:r>
             <a:r>
               <a:rPr lang="pl-PL" sz="2000" dirty="0" err="1"/>
-              <a:t>Functions</a:t>
-            </a:r>
-            <a:endParaRPr lang="pl-PL" sz="2000" dirty="0"/>
-          </a:p>
-          <a:p>
+              <a:t>first</a:t>
+            </a:r>
+            <a:r>
+              <a:rPr lang="pl-PL" sz="2000" dirty="0"/>
+              <a:t> </a:t>
+            </a:r>
             <a:r>
               <a:rPr lang="pl-PL" sz="2000" dirty="0" err="1"/>
-              <a:t>Collections</a:t>
+              <a:t>class</a:t>
+            </a:r>
+            <a:r>
+              <a:rPr lang="pl-PL" sz="2000" dirty="0"/>
+              <a:t> </a:t>
+            </a:r>
+            <a:r>
+              <a:rPr lang="pl-PL" sz="2000" dirty="0" err="1"/>
+              <a:t>citizien</a:t>
+            </a:r>
+            <a:r>
+              <a:rPr lang="pl-PL" sz="2000" dirty="0"/>
+              <a:t> </a:t>
+            </a:r>
+          </a:p>
+          <a:p>
+            <a:r>
+              <a:rPr lang="pl-PL" sz="2000" dirty="0" err="1"/>
+              <a:t>Rich</a:t>
+            </a:r>
+            <a:r>
+              <a:rPr lang="pl-PL" sz="2000" dirty="0"/>
+              <a:t> </a:t>
+            </a:r>
+            <a:r>
+              <a:rPr lang="pl-PL" sz="2000" dirty="0" err="1"/>
+              <a:t>collection</a:t>
+            </a:r>
+            <a:r>
+              <a:rPr lang="pl-PL" sz="2000" dirty="0"/>
+              <a:t> API and </a:t>
+            </a:r>
+            <a:r>
+              <a:rPr lang="pl-PL" sz="2000" dirty="0" err="1"/>
+              <a:t>implictis</a:t>
             </a:r>
             <a:endParaRPr lang="en-US" sz="2000" dirty="0"/>
           </a:p>
@@ -9134,7 +9475,31 @@
             </a:r>
             <a:r>
               <a:rPr lang="pl-PL" dirty="0" err="1"/>
-              <a:t>Functions</a:t>
+              <a:t>function</a:t>
+            </a:r>
+            <a:r>
+              <a:rPr lang="pl-PL" dirty="0"/>
+              <a:t> as a </a:t>
+            </a:r>
+            <a:r>
+              <a:rPr lang="pl-PL" dirty="0" err="1"/>
+              <a:t>first</a:t>
+            </a:r>
+            <a:r>
+              <a:rPr lang="pl-PL" dirty="0"/>
+              <a:t> </a:t>
+            </a:r>
+            <a:r>
+              <a:rPr lang="pl-PL" dirty="0" err="1"/>
+              <a:t>class</a:t>
+            </a:r>
+            <a:r>
+              <a:rPr lang="pl-PL" dirty="0"/>
+              <a:t> </a:t>
+            </a:r>
+            <a:r>
+              <a:rPr lang="pl-PL" dirty="0" err="1"/>
+              <a:t>citizien</a:t>
             </a:r>
             <a:endParaRPr lang="en-US" dirty="0"/>
           </a:p>
@@ -9371,28 +9736,6 @@
           </a:lstStyle>
           <a:p>
             <a:r>
-              <a:rPr lang="pl-PL" sz="2000" dirty="0"/>
-              <a:t>First </a:t>
-            </a:r>
-            <a:r>
-              <a:rPr lang="pl-PL" sz="2000" dirty="0" err="1"/>
-              <a:t>class</a:t>
-            </a:r>
-            <a:r>
-              <a:rPr lang="pl-PL" sz="2000" dirty="0"/>
-              <a:t> </a:t>
-            </a:r>
-            <a:r>
-              <a:rPr lang="pl-PL" sz="2000" dirty="0" err="1"/>
-              <a:t>citiziens</a:t>
-            </a:r>
-            <a:r>
-              <a:rPr lang="pl-PL" sz="2000" dirty="0"/>
-              <a:t>	</a:t>
-            </a:r>
-          </a:p>
-          <a:p>
-            <a:r>
               <a:rPr lang="pl-PL" sz="2000" dirty="0" err="1"/>
               <a:t>Pure</a:t>
             </a:r>
@@ -9502,41 +9845,6 @@
               <a:buNone/>
             </a:pPr>
             <a:endParaRPr lang="pl-PL" sz="2000" dirty="0"/>
-          </a:p>
-        </p:txBody>
-      </p:sp>
-      <p:sp>
-        <p:nvSpPr>
-          <p:cNvPr id="7" name="TextBox 6"/>
-          <p:cNvSpPr txBox="1"/>
-          <p:nvPr/>
-        </p:nvSpPr>
-        <p:spPr>
-          <a:xfrm>
-            <a:off x="8891051" y="1198880"/>
-            <a:ext cx="914400" cy="914400"/>
-          </a:xfrm>
-          <a:prstGeom prst="rect">
-            <a:avLst/>
-          </a:prstGeom>
-          <a:noFill/>
-        </p:spPr>
-        <p:txBody>
-          <a:bodyPr wrap="none" lIns="0" tIns="0" rIns="0" bIns="0" rtlCol="0">
-            <a:noAutofit/>
-          </a:bodyPr>
-          <a:lstStyle/>
-          <a:p>
-            <a:pPr>
-              <a:lnSpc>
-                <a:spcPct val="140000"/>
-              </a:lnSpc>
-            </a:pPr>
-            <a:endParaRPr lang="en-US" dirty="0" err="1">
-              <a:solidFill>
-                <a:schemeClr val="tx1"/>
-              </a:solidFill>
-            </a:endParaRPr>
           </a:p>
         </p:txBody>
       </p:sp>
@@ -10976,7 +11284,7 @@
         <p:spPr bwMode="auto">
           <a:xfrm>
             <a:off x="2718400" y="1962894"/>
-            <a:ext cx="3581400" cy="1905000"/>
+            <a:ext cx="3005728" cy="1598791"/>
           </a:xfrm>
           <a:prstGeom prst="rect">
             <a:avLst/>

--- a/src/main/resources/slides.pptx
+++ b/src/main/resources/slides.pptx
@@ -17,9 +17,9 @@
     <p:sldId id="278" r:id="rId9"/>
     <p:sldId id="276" r:id="rId10"/>
     <p:sldId id="281" r:id="rId11"/>
-    <p:sldId id="282" r:id="rId12"/>
-    <p:sldId id="284" r:id="rId13"/>
-    <p:sldId id="279" r:id="rId14"/>
+    <p:sldId id="279" r:id="rId12"/>
+    <p:sldId id="282" r:id="rId13"/>
+    <p:sldId id="284" r:id="rId14"/>
     <p:sldId id="283" r:id="rId15"/>
     <p:sldId id="285" r:id="rId16"/>
     <p:sldId id="286" r:id="rId17"/>
@@ -882,137 +882,174 @@
           <a:p>
             <a:r>
               <a:rPr lang="en-US" dirty="0"/>
-              <a:t>Why Not Scala?</a:t>
+              <a:t>Performance</a:t>
+            </a:r>
+            <a:r>
+              <a:rPr lang="pl-PL" dirty="0"/>
+              <a:t> - Spark jest napisany w Scali, dzięki czemu uzyskujemy najlepszą (native) wydajność i największą spójność i pokrycie między API Scali i API Sparka.</a:t>
             </a:r>
           </a:p>
           <a:p>
             <a:r>
               <a:rPr lang="en-US" dirty="0"/>
-              <a:t>Scala isn't perfect. There are two disadvantages compared to Python and R:</a:t>
-            </a:r>
-          </a:p>
-          <a:p>
-            <a:pPr marL="171450" indent="-171450">
-              <a:buFont typeface="Arial" panose="020B0604020202020204" pitchFamily="34" charset="0"/>
-              <a:buChar char="•"/>
-            </a:pPr>
+              <a:t>Type Safety</a:t>
+            </a:r>
+            <a:r>
+              <a:rPr lang="pl-PL" dirty="0"/>
+              <a:t> – w </a:t>
+            </a:r>
+            <a:r>
+              <a:rPr lang="pl-PL" dirty="0" err="1"/>
+              <a:t>prówaniu</a:t>
+            </a:r>
+            <a:r>
+              <a:rPr lang="pl-PL" dirty="0"/>
+              <a:t> do </a:t>
+            </a:r>
+            <a:r>
+              <a:rPr lang="pl-PL" dirty="0" err="1"/>
+              <a:t>Pythona</a:t>
+            </a:r>
+            <a:r>
+              <a:rPr lang="pl-PL" dirty="0"/>
+              <a:t> i R, korzyści ze Scali to  </a:t>
+            </a:r>
+            <a:r>
+              <a:rPr lang="pl-PL" dirty="0" err="1"/>
+              <a:t>statycze</a:t>
+            </a:r>
+            <a:r>
+              <a:rPr lang="pl-PL" dirty="0"/>
+              <a:t> </a:t>
+            </a:r>
+            <a:r>
+              <a:rPr lang="pl-PL" dirty="0" err="1"/>
+              <a:t>typowajie</a:t>
+            </a:r>
+            <a:r>
+              <a:rPr lang="pl-PL" dirty="0"/>
+              <a:t> (</a:t>
+            </a:r>
             <a:r>
               <a:rPr lang="en-US" dirty="0"/>
-              <a:t>Libraries</a:t>
+              <a:t>static typing</a:t>
+            </a:r>
+            <a:r>
+              <a:rPr lang="pl-PL" dirty="0"/>
+              <a:t>) i  </a:t>
+            </a:r>
+            <a:r>
+              <a:rPr lang="en-US" dirty="0"/>
+              <a:t>type inference</a:t>
+            </a:r>
+            <a:r>
+              <a:rPr lang="pl-PL" dirty="0"/>
+              <a:t>.</a:t>
+            </a:r>
+          </a:p>
+          <a:p>
+            <a:r>
+              <a:rPr lang="pl-PL" dirty="0" err="1"/>
+              <a:t>Immutable</a:t>
+            </a:r>
+            <a:r>
+              <a:rPr lang="pl-PL" dirty="0"/>
+              <a:t> data </a:t>
+            </a:r>
+            <a:r>
+              <a:rPr lang="pl-PL" dirty="0" err="1"/>
+              <a:t>striuctrues</a:t>
             </a:r>
             <a:r>
               <a:rPr lang="pl-PL" dirty="0"/>
               <a:t> - </a:t>
             </a:r>
             <a:r>
+              <a:rPr lang="en-US" sz="1200" dirty="0"/>
+              <a:t>allowing for parallel, lock-free data processing,</a:t>
+            </a:r>
+            <a:endParaRPr lang="pl-PL" dirty="0"/>
+          </a:p>
+          <a:p>
+            <a:r>
               <a:rPr lang="en-US" dirty="0"/>
-              <a:t>Python </a:t>
-            </a:r>
-            <a:r>
-              <a:rPr lang="pl-PL" dirty="0"/>
-              <a:t>i</a:t>
+              <a:t>Concise, Expressive Code</a:t>
+            </a:r>
+            <a:r>
+              <a:rPr lang="pl-PL" dirty="0"/>
+              <a:t> –  w </a:t>
+            </a:r>
+            <a:r>
+              <a:rPr lang="pl-PL" dirty="0" err="1"/>
+              <a:t>porównianiu</a:t>
+            </a:r>
+            <a:r>
+              <a:rPr lang="pl-PL" dirty="0"/>
+              <a:t> do Javy, kod jest bardziej zwięzły (</a:t>
+            </a:r>
+            <a:r>
+              <a:rPr lang="pl-PL" dirty="0" err="1"/>
+              <a:t>concise</a:t>
+            </a:r>
+            <a:r>
+              <a:rPr lang="pl-PL" dirty="0"/>
+              <a:t>) dzięki czumu zwiększa Twoją produktywność. </a:t>
             </a:r>
             <a:r>
               <a:rPr lang="en-US" dirty="0"/>
-              <a:t> R </a:t>
-            </a:r>
-            <a:r>
-              <a:rPr lang="pl-PL" dirty="0"/>
-              <a:t> posiada bogaty </a:t>
-            </a:r>
-            <a:r>
-              <a:rPr lang="pl-PL" dirty="0" err="1"/>
-              <a:t>echosytem</a:t>
-            </a:r>
-            <a:r>
-              <a:rPr lang="pl-PL" dirty="0"/>
-              <a:t> bibliotek i duże </a:t>
-            </a:r>
-            <a:r>
-              <a:rPr lang="pl-PL" dirty="0" err="1"/>
-              <a:t>community</a:t>
-            </a:r>
-            <a:r>
-              <a:rPr lang="pl-PL" dirty="0"/>
-              <a:t>. Scala stara się gonić </a:t>
-            </a:r>
-            <a:r>
-              <a:rPr lang="pl-PL" dirty="0" err="1"/>
-              <a:t>Pythona</a:t>
-            </a:r>
-            <a:r>
-              <a:rPr lang="pl-PL" dirty="0"/>
-              <a:t>, ale to jak z analogią psa i uciekającego </a:t>
-            </a:r>
-            <a:r>
-              <a:rPr lang="pl-PL" dirty="0" err="1"/>
-              <a:t>któlika</a:t>
+              <a:t>and several features of Scala make your code even more concise. This elevates your productivity and makes it easier to imagine a design approach and then write it down without having to translate the idea to a less flexible API that reflects idiomatic language constraints. (You'll see this in action as we go.)</a:t>
+            </a:r>
+            <a:endParaRPr lang="pl-PL" dirty="0"/>
+          </a:p>
+          <a:p>
+            <a:r>
+              <a:rPr lang="pl-PL" dirty="0"/>
+              <a:t>Debugging – kiedy pojawiają się problemy z kodem, zrozumie </a:t>
+            </a:r>
+            <a:r>
+              <a:rPr lang="pl-PL" dirty="0" err="1"/>
+              <a:t>exception</a:t>
+            </a:r>
+            <a:r>
+              <a:rPr lang="pl-PL" dirty="0"/>
+              <a:t> </a:t>
+            </a:r>
+            <a:r>
+              <a:rPr lang="pl-PL" dirty="0" err="1"/>
+              <a:t>stack</a:t>
+            </a:r>
+            <a:r>
+              <a:rPr lang="pl-PL" dirty="0"/>
+              <a:t> </a:t>
+            </a:r>
+            <a:r>
+              <a:rPr lang="pl-PL" dirty="0" err="1"/>
+              <a:t>trace</a:t>
+            </a:r>
+            <a:r>
+              <a:rPr lang="pl-PL" dirty="0"/>
+              <a:t> jest prostsze jeśli znasz </a:t>
+            </a:r>
+            <a:r>
+              <a:rPr lang="pl-PL" dirty="0" err="1"/>
+              <a:t>Scale</a:t>
             </a:r>
             <a:r>
               <a:rPr lang="pl-PL" dirty="0"/>
               <a:t>. </a:t>
             </a:r>
-          </a:p>
-          <a:p>
-            <a:pPr marL="171450" indent="-171450">
-              <a:buFont typeface="Arial" panose="020B0604020202020204" pitchFamily="34" charset="0"/>
-              <a:buChar char="•"/>
-            </a:pPr>
             <a:r>
               <a:rPr lang="en-US" dirty="0"/>
-              <a:t>Advanced Language Features:</a:t>
-            </a:r>
-            <a:r>
-              <a:rPr lang="pl-PL" dirty="0"/>
-              <a:t> - opanowanie API Scali to nie </a:t>
-            </a:r>
-            <a:r>
-              <a:rPr lang="pl-PL" dirty="0" err="1"/>
-              <a:t>laday</a:t>
-            </a:r>
-            <a:r>
-              <a:rPr lang="pl-PL" dirty="0"/>
-              <a:t> wyczyn. Jeśli jednak nie rozumiesz jak działa bardziej wyszukane konstrukcje jak </a:t>
-            </a:r>
-            <a:r>
-              <a:rPr lang="pl-PL" dirty="0" err="1"/>
-              <a:t>patter</a:t>
-            </a:r>
-            <a:r>
-              <a:rPr lang="pl-PL" dirty="0"/>
-              <a:t> </a:t>
-            </a:r>
-            <a:r>
-              <a:rPr lang="pl-PL" dirty="0" err="1"/>
-              <a:t>matching</a:t>
-            </a:r>
-            <a:r>
-              <a:rPr lang="pl-PL" dirty="0"/>
-              <a:t>, </a:t>
-            </a:r>
-            <a:r>
-              <a:rPr lang="pl-PL" dirty="0" err="1"/>
-              <a:t>implicits</a:t>
-            </a:r>
-            <a:r>
-              <a:rPr lang="pl-PL" dirty="0"/>
-              <a:t>, można się </a:t>
-            </a:r>
-            <a:r>
-              <a:rPr lang="pl-PL" dirty="0" err="1"/>
-              <a:t>zfrsutrować</a:t>
-            </a:r>
-            <a:r>
-              <a:rPr lang="pl-PL" dirty="0"/>
-              <a:t>. Całe szczęście Spark ukrywa większość zaawansowanych konstrukcji Scali przed nami.</a:t>
-            </a:r>
+              <a:t>Unfortunately, the "abstraction leaks" when problems occur.</a:t>
+            </a:r>
+            <a:endParaRPr lang="pl-PL" dirty="0"/>
           </a:p>
         </p:txBody>
       </p:sp>
     </p:spTree>
     <p:extLst>
       <p:ext uri="{BB962C8B-B14F-4D97-AF65-F5344CB8AC3E}">
-        <p14:creationId xmlns:p14="http://schemas.microsoft.com/office/powerpoint/2010/main" val="1147915891"/>
+        <p14:creationId xmlns:p14="http://schemas.microsoft.com/office/powerpoint/2010/main" val="3904810144"/>
       </p:ext>
     </p:extLst>
   </p:cSld>
@@ -1066,14 +1103,139 @@
           <a:bodyPr/>
           <a:lstStyle/>
           <a:p>
-            <a:endParaRPr lang="pl-PL" dirty="0"/>
+            <a:r>
+              <a:rPr lang="en-US" dirty="0"/>
+              <a:t>Why Not Scala?</a:t>
+            </a:r>
+          </a:p>
+          <a:p>
+            <a:r>
+              <a:rPr lang="en-US" dirty="0"/>
+              <a:t>Scala isn't perfect. There are two disadvantages compared to Python and R:</a:t>
+            </a:r>
+          </a:p>
+          <a:p>
+            <a:pPr marL="171450" indent="-171450">
+              <a:buFont typeface="Arial" panose="020B0604020202020204" pitchFamily="34" charset="0"/>
+              <a:buChar char="•"/>
+            </a:pPr>
+            <a:r>
+              <a:rPr lang="en-US" dirty="0"/>
+              <a:t>Libraries</a:t>
+            </a:r>
+            <a:r>
+              <a:rPr lang="pl-PL" dirty="0"/>
+              <a:t> - </a:t>
+            </a:r>
+            <a:r>
+              <a:rPr lang="en-US" dirty="0"/>
+              <a:t>Python </a:t>
+            </a:r>
+            <a:r>
+              <a:rPr lang="pl-PL" dirty="0"/>
+              <a:t>i</a:t>
+            </a:r>
+            <a:r>
+              <a:rPr lang="en-US" dirty="0"/>
+              <a:t> R </a:t>
+            </a:r>
+            <a:r>
+              <a:rPr lang="pl-PL" dirty="0"/>
+              <a:t> posiada bogaty </a:t>
+            </a:r>
+            <a:r>
+              <a:rPr lang="pl-PL" dirty="0" err="1"/>
+              <a:t>echosytem</a:t>
+            </a:r>
+            <a:r>
+              <a:rPr lang="pl-PL" dirty="0"/>
+              <a:t> bibliotek i duże </a:t>
+            </a:r>
+            <a:r>
+              <a:rPr lang="pl-PL" dirty="0" err="1"/>
+              <a:t>community</a:t>
+            </a:r>
+            <a:r>
+              <a:rPr lang="pl-PL" dirty="0"/>
+              <a:t>. Scala stara się gonić </a:t>
+            </a:r>
+            <a:r>
+              <a:rPr lang="pl-PL" dirty="0" err="1"/>
+              <a:t>Pythona</a:t>
+            </a:r>
+            <a:r>
+              <a:rPr lang="pl-PL" dirty="0"/>
+              <a:t>, ale to jak z analogią psa i uciekającego </a:t>
+            </a:r>
+            <a:r>
+              <a:rPr lang="pl-PL" dirty="0" err="1"/>
+              <a:t>któlika</a:t>
+            </a:r>
+            <a:r>
+              <a:rPr lang="pl-PL" dirty="0"/>
+              <a:t>. </a:t>
+            </a:r>
+          </a:p>
+          <a:p>
+            <a:pPr marL="171450" indent="-171450">
+              <a:buFont typeface="Arial" panose="020B0604020202020204" pitchFamily="34" charset="0"/>
+              <a:buChar char="•"/>
+            </a:pPr>
+            <a:r>
+              <a:rPr lang="en-US" dirty="0"/>
+              <a:t>Advanced Language Features:</a:t>
+            </a:r>
+            <a:r>
+              <a:rPr lang="pl-PL" dirty="0"/>
+              <a:t> - opanowanie API Scali to nie </a:t>
+            </a:r>
+            <a:r>
+              <a:rPr lang="pl-PL" dirty="0" err="1"/>
+              <a:t>laday</a:t>
+            </a:r>
+            <a:r>
+              <a:rPr lang="pl-PL" dirty="0"/>
+              <a:t> wyczyn. Jeśli jednak nie rozumiesz jak działa bardziej wyszukane konstrukcje jak </a:t>
+            </a:r>
+            <a:r>
+              <a:rPr lang="pl-PL" dirty="0" err="1"/>
+              <a:t>patter</a:t>
+            </a:r>
+            <a:r>
+              <a:rPr lang="pl-PL" dirty="0"/>
+              <a:t> </a:t>
+            </a:r>
+            <a:r>
+              <a:rPr lang="pl-PL" dirty="0" err="1"/>
+              <a:t>matching</a:t>
+            </a:r>
+            <a:r>
+              <a:rPr lang="pl-PL" dirty="0"/>
+              <a:t>, </a:t>
+            </a:r>
+            <a:r>
+              <a:rPr lang="pl-PL" dirty="0" err="1"/>
+              <a:t>implicits</a:t>
+            </a:r>
+            <a:r>
+              <a:rPr lang="pl-PL" dirty="0"/>
+              <a:t>, można się </a:t>
+            </a:r>
+            <a:r>
+              <a:rPr lang="pl-PL" dirty="0" err="1"/>
+              <a:t>zfrsutrować</a:t>
+            </a:r>
+            <a:r>
+              <a:rPr lang="pl-PL" dirty="0"/>
+              <a:t>. Całe szczęście Spark ukrywa większość zaawansowanych konstrukcji Scali przed nami.</a:t>
+            </a:r>
           </a:p>
         </p:txBody>
       </p:sp>
     </p:spTree>
     <p:extLst>
       <p:ext uri="{BB962C8B-B14F-4D97-AF65-F5344CB8AC3E}">
-        <p14:creationId xmlns:p14="http://schemas.microsoft.com/office/powerpoint/2010/main" val="730357486"/>
+        <p14:creationId xmlns:p14="http://schemas.microsoft.com/office/powerpoint/2010/main" val="1147915891"/>
       </p:ext>
     </p:extLst>
   </p:cSld>
@@ -1134,7 +1296,7 @@
     </p:spTree>
     <p:extLst>
       <p:ext uri="{BB962C8B-B14F-4D97-AF65-F5344CB8AC3E}">
-        <p14:creationId xmlns:p14="http://schemas.microsoft.com/office/powerpoint/2010/main" val="3267287691"/>
+        <p14:creationId xmlns:p14="http://schemas.microsoft.com/office/powerpoint/2010/main" val="730357486"/>
       </p:ext>
     </p:extLst>
   </p:cSld>
@@ -1188,414 +1350,6 @@
           <a:bodyPr/>
           <a:lstStyle/>
           <a:p>
-            <a:r>
-              <a:rPr lang="pl-PL" dirty="0"/>
-              <a:t>First </a:t>
-            </a:r>
-            <a:r>
-              <a:rPr lang="pl-PL" dirty="0" err="1"/>
-              <a:t>class</a:t>
-            </a:r>
-            <a:r>
-              <a:rPr lang="pl-PL" dirty="0"/>
-              <a:t> </a:t>
-            </a:r>
-            <a:r>
-              <a:rPr lang="pl-PL" dirty="0" err="1"/>
-              <a:t>citizien</a:t>
-            </a:r>
-            <a:r>
-              <a:rPr lang="pl-PL" dirty="0"/>
-              <a:t> – </a:t>
-            </a:r>
-            <a:r>
-              <a:rPr lang="pl-PL" dirty="0" err="1"/>
-              <a:t>sa</a:t>
-            </a:r>
-            <a:r>
-              <a:rPr lang="pl-PL" dirty="0"/>
-              <a:t> wszechobecne, nie są tylko </a:t>
-            </a:r>
-            <a:r>
-              <a:rPr lang="pl-PL" dirty="0" err="1"/>
-              <a:t>delarowane</a:t>
-            </a:r>
-            <a:r>
-              <a:rPr lang="pl-PL" dirty="0"/>
-              <a:t> i wykonywane ale mogą być </a:t>
-            </a:r>
-            <a:r>
-              <a:rPr lang="pl-PL" dirty="0" err="1"/>
-              <a:t>uzyte</a:t>
-            </a:r>
-            <a:r>
-              <a:rPr lang="pl-PL" dirty="0"/>
-              <a:t> jako po </a:t>
-            </a:r>
-            <a:r>
-              <a:rPr lang="pl-PL" dirty="0" err="1"/>
-              <a:t>prstu</a:t>
-            </a:r>
-            <a:r>
-              <a:rPr lang="pl-PL" dirty="0"/>
-              <a:t> typ danych.</a:t>
-            </a:r>
-          </a:p>
-          <a:p>
-            <a:r>
-              <a:rPr lang="pl-PL" dirty="0"/>
-              <a:t>Mogą wiec być </a:t>
-            </a:r>
-            <a:r>
-              <a:rPr lang="pl-PL" dirty="0" err="1"/>
-              <a:t>zdefinowane</a:t>
-            </a:r>
-            <a:r>
-              <a:rPr lang="pl-PL" dirty="0"/>
-              <a:t> jako literał, jako literał bez nazwy (czyli to co znamy z </a:t>
-            </a:r>
-            <a:r>
-              <a:rPr lang="pl-PL" dirty="0" err="1"/>
-              <a:t>javy</a:t>
-            </a:r>
-            <a:r>
-              <a:rPr lang="pl-PL" dirty="0"/>
-              <a:t> </a:t>
-            </a:r>
-            <a:r>
-              <a:rPr lang="pl-PL" dirty="0" err="1"/>
-              <a:t>javascirpt</a:t>
-            </a:r>
-            <a:r>
-              <a:rPr lang="pl-PL" dirty="0"/>
-              <a:t> jako </a:t>
-            </a:r>
-            <a:r>
-              <a:rPr lang="pl-PL" dirty="0" err="1"/>
-              <a:t>lampda</a:t>
-            </a:r>
-            <a:r>
-              <a:rPr lang="pl-PL" dirty="0"/>
-              <a:t>, bądź anonimowa funkcja), mogą być zapisane jako </a:t>
-            </a:r>
-            <a:r>
-              <a:rPr lang="pl-PL" dirty="0" err="1"/>
-              <a:t>value</a:t>
-            </a:r>
-            <a:r>
-              <a:rPr lang="pl-PL" dirty="0"/>
-              <a:t> bądź </a:t>
-            </a:r>
-            <a:r>
-              <a:rPr lang="pl-PL" dirty="0" err="1"/>
-              <a:t>variable</a:t>
-            </a:r>
-            <a:r>
-              <a:rPr lang="pl-PL" dirty="0"/>
-              <a:t> oraz </a:t>
-            </a:r>
-            <a:r>
-              <a:rPr lang="pl-PL" dirty="0" err="1"/>
-              <a:t>uzyte</a:t>
-            </a:r>
-            <a:r>
-              <a:rPr lang="pl-PL" dirty="0"/>
-              <a:t> jako </a:t>
-            </a:r>
-            <a:r>
-              <a:rPr lang="pl-PL" dirty="0" err="1"/>
-              <a:t>paramter</a:t>
-            </a:r>
-            <a:r>
-              <a:rPr lang="pl-PL" dirty="0"/>
-              <a:t> do innej funkcji bądź nawet zwrócone z innej funkcji.</a:t>
-            </a:r>
-          </a:p>
-          <a:p>
-            <a:r>
-              <a:rPr lang="pl-PL" dirty="0" err="1"/>
-              <a:t>Pure</a:t>
-            </a:r>
-            <a:r>
-              <a:rPr lang="pl-PL" dirty="0"/>
-              <a:t> </a:t>
-            </a:r>
-            <a:r>
-              <a:rPr lang="pl-PL" dirty="0" err="1"/>
-              <a:t>functions</a:t>
-            </a:r>
-            <a:r>
-              <a:rPr lang="pl-PL" dirty="0"/>
-              <a:t> – nie maja </a:t>
-            </a:r>
-            <a:r>
-              <a:rPr lang="pl-PL" dirty="0" err="1"/>
-              <a:t>side</a:t>
-            </a:r>
-            <a:r>
-              <a:rPr lang="pl-PL" dirty="0"/>
-              <a:t> </a:t>
-            </a:r>
-            <a:r>
-              <a:rPr lang="pl-PL" dirty="0" err="1"/>
-              <a:t>effectów</a:t>
-            </a:r>
-            <a:r>
-              <a:rPr lang="pl-PL" dirty="0"/>
-              <a:t>, czyli nie modyfikują stanu, są </a:t>
-            </a:r>
-            <a:r>
-              <a:rPr lang="pl-PL" dirty="0" err="1"/>
-              <a:t>stateless</a:t>
-            </a:r>
-            <a:endParaRPr lang="pl-PL" dirty="0"/>
-          </a:p>
-          <a:p>
-            <a:r>
-              <a:rPr lang="pl-PL" dirty="0"/>
-              <a:t>High-order </a:t>
-            </a:r>
-            <a:r>
-              <a:rPr lang="pl-PL" dirty="0" err="1"/>
-              <a:t>funcions</a:t>
-            </a:r>
-            <a:r>
-              <a:rPr lang="pl-PL" dirty="0"/>
-              <a:t> – przyjmują w argumencie inna funkcje bądź zwracają funkcje. Najbardziej znane to </a:t>
-            </a:r>
-            <a:r>
-              <a:rPr lang="pl-PL" sz="1200" b="0" i="0" u="none" strike="noStrike" kern="1200" baseline="0" dirty="0">
-                <a:solidFill>
-                  <a:schemeClr val="tx1"/>
-                </a:solidFill>
-                <a:latin typeface="+mn-lt"/>
-                <a:ea typeface="+mn-ea"/>
-                <a:cs typeface="+mn-cs"/>
-              </a:rPr>
-              <a:t>map() i </a:t>
-            </a:r>
-            <a:r>
-              <a:rPr lang="pl-PL" sz="1200" b="0" i="0" u="none" strike="noStrike" kern="1200" baseline="0" dirty="0" err="1">
-                <a:solidFill>
-                  <a:schemeClr val="tx1"/>
-                </a:solidFill>
-                <a:latin typeface="+mn-lt"/>
-                <a:ea typeface="+mn-ea"/>
-                <a:cs typeface="+mn-cs"/>
-              </a:rPr>
-              <a:t>reduce</a:t>
-            </a:r>
-            <a:r>
-              <a:rPr lang="pl-PL" sz="1200" b="0" i="0" u="none" strike="noStrike" kern="1200" baseline="0" dirty="0">
-                <a:solidFill>
-                  <a:schemeClr val="tx1"/>
-                </a:solidFill>
-                <a:latin typeface="+mn-lt"/>
-                <a:ea typeface="+mn-ea"/>
-                <a:cs typeface="+mn-cs"/>
-              </a:rPr>
-              <a:t>().</a:t>
-            </a:r>
-          </a:p>
-          <a:p>
-            <a:endParaRPr lang="pl-PL" sz="1200" b="0" i="0" u="none" strike="noStrike" kern="1200" baseline="0" dirty="0">
-              <a:solidFill>
-                <a:schemeClr val="tx1"/>
-              </a:solidFill>
-              <a:latin typeface="+mn-lt"/>
-              <a:ea typeface="+mn-ea"/>
-              <a:cs typeface="+mn-cs"/>
-            </a:endParaRPr>
-          </a:p>
-          <a:p>
-            <a:r>
-              <a:rPr lang="pl-PL" sz="1200" b="0" i="0" u="none" strike="noStrike" kern="1200" baseline="0" dirty="0">
-                <a:solidFill>
-                  <a:schemeClr val="tx1"/>
-                </a:solidFill>
-                <a:latin typeface="+mn-lt"/>
-                <a:ea typeface="+mn-ea"/>
-                <a:cs typeface="+mn-cs"/>
-              </a:rPr>
-              <a:t>The map() </a:t>
-            </a:r>
-            <a:r>
-              <a:rPr lang="pl-PL" sz="1200" b="0" i="0" u="none" strike="noStrike" kern="1200" baseline="0" dirty="0" err="1">
-                <a:solidFill>
-                  <a:schemeClr val="tx1"/>
-                </a:solidFill>
-                <a:latin typeface="+mn-lt"/>
-                <a:ea typeface="+mn-ea"/>
-                <a:cs typeface="+mn-cs"/>
-              </a:rPr>
-              <a:t>higher</a:t>
-            </a:r>
-            <a:r>
-              <a:rPr lang="pl-PL" sz="1200" b="0" i="0" u="none" strike="noStrike" kern="1200" baseline="0" dirty="0">
-                <a:solidFill>
-                  <a:schemeClr val="tx1"/>
-                </a:solidFill>
-                <a:latin typeface="+mn-lt"/>
-                <a:ea typeface="+mn-ea"/>
-                <a:cs typeface="+mn-cs"/>
-              </a:rPr>
-              <a:t>-order </a:t>
-            </a:r>
-            <a:r>
-              <a:rPr lang="pl-PL" sz="1200" b="0" i="0" u="none" strike="noStrike" kern="1200" baseline="0" dirty="0" err="1">
-                <a:solidFill>
-                  <a:schemeClr val="tx1"/>
-                </a:solidFill>
-                <a:latin typeface="+mn-lt"/>
-                <a:ea typeface="+mn-ea"/>
-                <a:cs typeface="+mn-cs"/>
-              </a:rPr>
-              <a:t>function</a:t>
-            </a:r>
-            <a:r>
-              <a:rPr lang="pl-PL" sz="1200" b="0" i="0" u="none" strike="noStrike" kern="1200" baseline="0" dirty="0">
-                <a:solidFill>
-                  <a:schemeClr val="tx1"/>
-                </a:solidFill>
-                <a:latin typeface="+mn-lt"/>
-                <a:ea typeface="+mn-ea"/>
-                <a:cs typeface="+mn-cs"/>
-              </a:rPr>
-              <a:t> </a:t>
-            </a:r>
-            <a:r>
-              <a:rPr lang="en-US" sz="1200" b="0" i="0" u="none" strike="noStrike" kern="1200" baseline="0" dirty="0">
-                <a:solidFill>
-                  <a:schemeClr val="tx1"/>
-                </a:solidFill>
-                <a:latin typeface="+mn-lt"/>
-                <a:ea typeface="+mn-ea"/>
-                <a:cs typeface="+mn-cs"/>
-              </a:rPr>
-              <a:t>takes a function parameter and uses it to convert one or more items to a new value</a:t>
-            </a:r>
-          </a:p>
-          <a:p>
-            <a:r>
-              <a:rPr lang="en-US" sz="1200" b="0" i="0" u="none" strike="noStrike" kern="1200" baseline="0" dirty="0">
-                <a:solidFill>
-                  <a:schemeClr val="tx1"/>
-                </a:solidFill>
-                <a:latin typeface="+mn-lt"/>
-                <a:ea typeface="+mn-ea"/>
-                <a:cs typeface="+mn-cs"/>
-              </a:rPr>
-              <a:t>and/or type. </a:t>
-            </a:r>
-            <a:endParaRPr lang="pl-PL" sz="1200" b="0" i="0" u="none" strike="noStrike" kern="1200" baseline="0" dirty="0">
-              <a:solidFill>
-                <a:schemeClr val="tx1"/>
-              </a:solidFill>
-              <a:latin typeface="+mn-lt"/>
-              <a:ea typeface="+mn-ea"/>
-              <a:cs typeface="+mn-cs"/>
-            </a:endParaRPr>
-          </a:p>
-          <a:p>
-            <a:r>
-              <a:rPr lang="en-US" sz="1200" b="0" i="0" u="none" strike="noStrike" kern="1200" baseline="0" dirty="0">
-                <a:solidFill>
-                  <a:schemeClr val="tx1"/>
-                </a:solidFill>
-                <a:latin typeface="+mn-lt"/>
-                <a:ea typeface="+mn-ea"/>
-                <a:cs typeface="+mn-cs"/>
-              </a:rPr>
-              <a:t>The reduce() higher-order function takes a function parameter and uses</a:t>
-            </a:r>
-            <a:r>
-              <a:rPr lang="pl-PL" sz="1200" b="0" i="0" u="none" strike="noStrike" kern="1200" baseline="0" dirty="0">
-                <a:solidFill>
-                  <a:schemeClr val="tx1"/>
-                </a:solidFill>
-                <a:latin typeface="+mn-lt"/>
-                <a:ea typeface="+mn-ea"/>
-                <a:cs typeface="+mn-cs"/>
-              </a:rPr>
-              <a:t> </a:t>
-            </a:r>
-            <a:r>
-              <a:rPr lang="en-US" sz="1200" b="0" i="0" u="none" strike="noStrike" kern="1200" baseline="0" dirty="0">
-                <a:solidFill>
-                  <a:schemeClr val="tx1"/>
-                </a:solidFill>
-                <a:latin typeface="+mn-lt"/>
-                <a:ea typeface="+mn-ea"/>
-                <a:cs typeface="+mn-cs"/>
-              </a:rPr>
-              <a:t>it to reduce a collection of multiple items down to a single item.</a:t>
-            </a:r>
-            <a:endParaRPr lang="pl-PL" sz="1200" b="0" i="0" u="none" strike="noStrike" kern="1200" baseline="0" dirty="0">
-              <a:solidFill>
-                <a:schemeClr val="tx1"/>
-              </a:solidFill>
-              <a:latin typeface="+mn-lt"/>
-              <a:ea typeface="+mn-ea"/>
-              <a:cs typeface="+mn-cs"/>
-            </a:endParaRPr>
-          </a:p>
-          <a:p>
-            <a:endParaRPr lang="pl-PL" sz="1200" b="0" i="0" u="none" strike="noStrike" kern="1200" baseline="0" dirty="0">
-              <a:solidFill>
-                <a:schemeClr val="tx1"/>
-              </a:solidFill>
-              <a:latin typeface="+mn-lt"/>
-              <a:ea typeface="+mn-ea"/>
-              <a:cs typeface="+mn-cs"/>
-            </a:endParaRPr>
-          </a:p>
-          <a:p>
-            <a:r>
-              <a:rPr lang="en-US" sz="1200" b="0" i="0" u="none" strike="noStrike" kern="1200" baseline="0" dirty="0">
-                <a:solidFill>
-                  <a:schemeClr val="tx1"/>
-                </a:solidFill>
-                <a:latin typeface="+mn-lt"/>
-                <a:ea typeface="+mn-ea"/>
-                <a:cs typeface="+mn-cs"/>
-              </a:rPr>
-              <a:t>The popular Map/Reduce computing paradigm uses this concept to tackle large computing challenges, by</a:t>
-            </a:r>
-          </a:p>
-          <a:p>
-            <a:r>
-              <a:rPr lang="en-US" sz="1200" b="0" i="0" u="none" strike="noStrike" kern="1200" baseline="0" dirty="0">
-                <a:solidFill>
-                  <a:schemeClr val="tx1"/>
-                </a:solidFill>
-                <a:latin typeface="+mn-lt"/>
-                <a:ea typeface="+mn-ea"/>
-                <a:cs typeface="+mn-cs"/>
-              </a:rPr>
-              <a:t>mapping the computation across a range of distributed nodes and reducing their results</a:t>
-            </a:r>
-            <a:r>
-              <a:rPr lang="pl-PL" sz="1200" b="0" i="0" u="none" strike="noStrike" kern="1200" baseline="0" dirty="0">
-                <a:solidFill>
-                  <a:schemeClr val="tx1"/>
-                </a:solidFill>
-                <a:latin typeface="+mn-lt"/>
-                <a:ea typeface="+mn-ea"/>
-                <a:cs typeface="+mn-cs"/>
-              </a:rPr>
-              <a:t> </a:t>
-            </a:r>
-            <a:r>
-              <a:rPr lang="en-US" sz="1200" b="0" i="0" u="none" strike="noStrike" kern="1200" baseline="0" dirty="0">
-                <a:solidFill>
-                  <a:schemeClr val="tx1"/>
-                </a:solidFill>
-                <a:latin typeface="+mn-lt"/>
-                <a:ea typeface="+mn-ea"/>
-                <a:cs typeface="+mn-cs"/>
-              </a:rPr>
-              <a:t>back to a meaningful size.</a:t>
-            </a:r>
             <a:endParaRPr lang="pl-PL" dirty="0"/>
           </a:p>
         </p:txBody>
@@ -1603,7 +1357,7 @@
     </p:spTree>
     <p:extLst>
       <p:ext uri="{BB962C8B-B14F-4D97-AF65-F5344CB8AC3E}">
-        <p14:creationId xmlns:p14="http://schemas.microsoft.com/office/powerpoint/2010/main" val="1359792266"/>
+        <p14:creationId xmlns:p14="http://schemas.microsoft.com/office/powerpoint/2010/main" val="3267287691"/>
       </p:ext>
     </p:extLst>
   </p:cSld>
@@ -1658,7 +1412,182 @@
           <a:lstStyle/>
           <a:p>
             <a:r>
-              <a:rPr lang="en-US" sz="1200" b="0" i="0" u="none" strike="noStrike" kern="1200" baseline="0" dirty="0">
+              <a:rPr lang="pl-PL" dirty="0"/>
+              <a:t>First </a:t>
+            </a:r>
+            <a:r>
+              <a:rPr lang="pl-PL" dirty="0" err="1"/>
+              <a:t>class</a:t>
+            </a:r>
+            <a:r>
+              <a:rPr lang="pl-PL" dirty="0"/>
+              <a:t> </a:t>
+            </a:r>
+            <a:r>
+              <a:rPr lang="pl-PL" dirty="0" err="1"/>
+              <a:t>citizien</a:t>
+            </a:r>
+            <a:r>
+              <a:rPr lang="pl-PL" dirty="0"/>
+              <a:t> – </a:t>
+            </a:r>
+            <a:r>
+              <a:rPr lang="pl-PL" dirty="0" err="1"/>
+              <a:t>sa</a:t>
+            </a:r>
+            <a:r>
+              <a:rPr lang="pl-PL" dirty="0"/>
+              <a:t> wszechobecne, nie są tylko </a:t>
+            </a:r>
+            <a:r>
+              <a:rPr lang="pl-PL" dirty="0" err="1"/>
+              <a:t>delarowane</a:t>
+            </a:r>
+            <a:r>
+              <a:rPr lang="pl-PL" dirty="0"/>
+              <a:t> i wykonywane ale mogą być </a:t>
+            </a:r>
+            <a:r>
+              <a:rPr lang="pl-PL" dirty="0" err="1"/>
+              <a:t>uzyte</a:t>
+            </a:r>
+            <a:r>
+              <a:rPr lang="pl-PL" dirty="0"/>
+              <a:t> jako po </a:t>
+            </a:r>
+            <a:r>
+              <a:rPr lang="pl-PL" dirty="0" err="1"/>
+              <a:t>prstu</a:t>
+            </a:r>
+            <a:r>
+              <a:rPr lang="pl-PL" dirty="0"/>
+              <a:t> typ danych.</a:t>
+            </a:r>
+          </a:p>
+          <a:p>
+            <a:r>
+              <a:rPr lang="pl-PL" dirty="0"/>
+              <a:t>Mogą wiec być </a:t>
+            </a:r>
+            <a:r>
+              <a:rPr lang="pl-PL" dirty="0" err="1"/>
+              <a:t>zdefinowane</a:t>
+            </a:r>
+            <a:r>
+              <a:rPr lang="pl-PL" dirty="0"/>
+              <a:t> jako literał, jako literał bez nazwy (czyli to co znamy z </a:t>
+            </a:r>
+            <a:r>
+              <a:rPr lang="pl-PL" dirty="0" err="1"/>
+              <a:t>javy</a:t>
+            </a:r>
+            <a:r>
+              <a:rPr lang="pl-PL" dirty="0"/>
+              <a:t> </a:t>
+            </a:r>
+            <a:r>
+              <a:rPr lang="pl-PL" dirty="0" err="1"/>
+              <a:t>javascirpt</a:t>
+            </a:r>
+            <a:r>
+              <a:rPr lang="pl-PL" dirty="0"/>
+              <a:t> jako </a:t>
+            </a:r>
+            <a:r>
+              <a:rPr lang="pl-PL" dirty="0" err="1"/>
+              <a:t>lampda</a:t>
+            </a:r>
+            <a:r>
+              <a:rPr lang="pl-PL" dirty="0"/>
+              <a:t>, bądź anonimowa funkcja), mogą być zapisane jako </a:t>
+            </a:r>
+            <a:r>
+              <a:rPr lang="pl-PL" dirty="0" err="1"/>
+              <a:t>value</a:t>
+            </a:r>
+            <a:r>
+              <a:rPr lang="pl-PL" dirty="0"/>
+              <a:t> bądź </a:t>
+            </a:r>
+            <a:r>
+              <a:rPr lang="pl-PL" dirty="0" err="1"/>
+              <a:t>variable</a:t>
+            </a:r>
+            <a:r>
+              <a:rPr lang="pl-PL" dirty="0"/>
+              <a:t> oraz </a:t>
+            </a:r>
+            <a:r>
+              <a:rPr lang="pl-PL" dirty="0" err="1"/>
+              <a:t>uzyte</a:t>
+            </a:r>
+            <a:r>
+              <a:rPr lang="pl-PL" dirty="0"/>
+              <a:t> jako </a:t>
+            </a:r>
+            <a:r>
+              <a:rPr lang="pl-PL" dirty="0" err="1"/>
+              <a:t>paramter</a:t>
+            </a:r>
+            <a:r>
+              <a:rPr lang="pl-PL" dirty="0"/>
+              <a:t> do innej funkcji bądź nawet zwrócone z innej funkcji.</a:t>
+            </a:r>
+          </a:p>
+          <a:p>
+            <a:r>
+              <a:rPr lang="pl-PL" dirty="0" err="1"/>
+              <a:t>Pure</a:t>
+            </a:r>
+            <a:r>
+              <a:rPr lang="pl-PL" dirty="0"/>
+              <a:t> </a:t>
+            </a:r>
+            <a:r>
+              <a:rPr lang="pl-PL" dirty="0" err="1"/>
+              <a:t>functions</a:t>
+            </a:r>
+            <a:r>
+              <a:rPr lang="pl-PL" dirty="0"/>
+              <a:t> – nie maja </a:t>
+            </a:r>
+            <a:r>
+              <a:rPr lang="pl-PL" dirty="0" err="1"/>
+              <a:t>side</a:t>
+            </a:r>
+            <a:r>
+              <a:rPr lang="pl-PL" dirty="0"/>
+              <a:t> </a:t>
+            </a:r>
+            <a:r>
+              <a:rPr lang="pl-PL" dirty="0" err="1"/>
+              <a:t>effectów</a:t>
+            </a:r>
+            <a:r>
+              <a:rPr lang="pl-PL" dirty="0"/>
+              <a:t>, czyli nie modyfikują stanu, są </a:t>
+            </a:r>
+            <a:r>
+              <a:rPr lang="pl-PL" dirty="0" err="1"/>
+              <a:t>stateless</a:t>
+            </a:r>
+            <a:endParaRPr lang="pl-PL" dirty="0"/>
+          </a:p>
+          <a:p>
+            <a:r>
+              <a:rPr lang="pl-PL" dirty="0"/>
+              <a:t>High-order </a:t>
+            </a:r>
+            <a:r>
+              <a:rPr lang="pl-PL" dirty="0" err="1"/>
+              <a:t>funcions</a:t>
+            </a:r>
+            <a:r>
+              <a:rPr lang="pl-PL" dirty="0"/>
+              <a:t> – przyjmują w argumencie inna funkcje bądź zwracają funkcje. Najbardziej znane to </a:t>
+            </a:r>
+            <a:r>
+              <a:rPr lang="pl-PL" sz="1200" b="0" i="0" u="none" strike="noStrike" kern="1200" baseline="0" dirty="0">
                 <a:solidFill>
                   <a:schemeClr val="tx1"/>
                 </a:solidFill>
@@ -1666,7 +1595,229 @@
                 <a:ea typeface="+mn-ea"/>
                 <a:cs typeface="+mn-cs"/>
               </a:rPr>
-              <a:t>types, regular expressions, numeric ranges, and data structure contents</a:t>
+              <a:t>map() i </a:t>
+            </a:r>
+            <a:r>
+              <a:rPr lang="pl-PL" sz="1200" b="0" i="0" u="none" strike="noStrike" kern="1200" baseline="0" dirty="0" err="1">
+                <a:solidFill>
+                  <a:schemeClr val="tx1"/>
+                </a:solidFill>
+                <a:latin typeface="+mn-lt"/>
+                <a:ea typeface="+mn-ea"/>
+                <a:cs typeface="+mn-cs"/>
+              </a:rPr>
+              <a:t>reduce</a:t>
+            </a:r>
+            <a:r>
+              <a:rPr lang="pl-PL" sz="1200" b="0" i="0" u="none" strike="noStrike" kern="1200" baseline="0" dirty="0">
+                <a:solidFill>
+                  <a:schemeClr val="tx1"/>
+                </a:solidFill>
+                <a:latin typeface="+mn-lt"/>
+                <a:ea typeface="+mn-ea"/>
+                <a:cs typeface="+mn-cs"/>
+              </a:rPr>
+              <a:t>().</a:t>
+            </a:r>
+          </a:p>
+          <a:p>
+            <a:endParaRPr lang="pl-PL" sz="1200" b="0" i="0" u="none" strike="noStrike" kern="1200" baseline="0" dirty="0">
+              <a:solidFill>
+                <a:schemeClr val="tx1"/>
+              </a:solidFill>
+              <a:latin typeface="+mn-lt"/>
+              <a:ea typeface="+mn-ea"/>
+              <a:cs typeface="+mn-cs"/>
+            </a:endParaRPr>
+          </a:p>
+          <a:p>
+            <a:r>
+              <a:rPr lang="pl-PL" sz="1200" b="0" i="0" u="none" strike="noStrike" kern="1200" baseline="0" dirty="0">
+                <a:solidFill>
+                  <a:schemeClr val="tx1"/>
+                </a:solidFill>
+                <a:latin typeface="+mn-lt"/>
+                <a:ea typeface="+mn-ea"/>
+                <a:cs typeface="+mn-cs"/>
+              </a:rPr>
+              <a:t>The map() </a:t>
+            </a:r>
+            <a:r>
+              <a:rPr lang="pl-PL" sz="1200" b="0" i="0" u="none" strike="noStrike" kern="1200" baseline="0" dirty="0" err="1">
+                <a:solidFill>
+                  <a:schemeClr val="tx1"/>
+                </a:solidFill>
+                <a:latin typeface="+mn-lt"/>
+                <a:ea typeface="+mn-ea"/>
+                <a:cs typeface="+mn-cs"/>
+              </a:rPr>
+              <a:t>higher</a:t>
+            </a:r>
+            <a:r>
+              <a:rPr lang="pl-PL" sz="1200" b="0" i="0" u="none" strike="noStrike" kern="1200" baseline="0" dirty="0">
+                <a:solidFill>
+                  <a:schemeClr val="tx1"/>
+                </a:solidFill>
+                <a:latin typeface="+mn-lt"/>
+                <a:ea typeface="+mn-ea"/>
+                <a:cs typeface="+mn-cs"/>
+              </a:rPr>
+              <a:t>-order </a:t>
+            </a:r>
+            <a:r>
+              <a:rPr lang="pl-PL" sz="1200" b="0" i="0" u="none" strike="noStrike" kern="1200" baseline="0" dirty="0" err="1">
+                <a:solidFill>
+                  <a:schemeClr val="tx1"/>
+                </a:solidFill>
+                <a:latin typeface="+mn-lt"/>
+                <a:ea typeface="+mn-ea"/>
+                <a:cs typeface="+mn-cs"/>
+              </a:rPr>
+              <a:t>function</a:t>
+            </a:r>
+            <a:r>
+              <a:rPr lang="pl-PL" sz="1200" b="0" i="0" u="none" strike="noStrike" kern="1200" baseline="0" dirty="0">
+                <a:solidFill>
+                  <a:schemeClr val="tx1"/>
+                </a:solidFill>
+                <a:latin typeface="+mn-lt"/>
+                <a:ea typeface="+mn-ea"/>
+                <a:cs typeface="+mn-cs"/>
+              </a:rPr>
+              <a:t> </a:t>
+            </a:r>
+            <a:r>
+              <a:rPr lang="en-US" sz="1200" b="0" i="0" u="none" strike="noStrike" kern="1200" baseline="0" dirty="0">
+                <a:solidFill>
+                  <a:schemeClr val="tx1"/>
+                </a:solidFill>
+                <a:latin typeface="+mn-lt"/>
+                <a:ea typeface="+mn-ea"/>
+                <a:cs typeface="+mn-cs"/>
+              </a:rPr>
+              <a:t>takes a function parameter and uses it to convert one or more items to a new value</a:t>
+            </a:r>
+          </a:p>
+          <a:p>
+            <a:r>
+              <a:rPr lang="en-US" sz="1200" b="0" i="0" u="none" strike="noStrike" kern="1200" baseline="0" dirty="0">
+                <a:solidFill>
+                  <a:schemeClr val="tx1"/>
+                </a:solidFill>
+                <a:latin typeface="+mn-lt"/>
+                <a:ea typeface="+mn-ea"/>
+                <a:cs typeface="+mn-cs"/>
+              </a:rPr>
+              <a:t>and/or type. </a:t>
+            </a:r>
+            <a:endParaRPr lang="pl-PL" sz="1200" b="0" i="0" u="none" strike="noStrike" kern="1200" baseline="0" dirty="0">
+              <a:solidFill>
+                <a:schemeClr val="tx1"/>
+              </a:solidFill>
+              <a:latin typeface="+mn-lt"/>
+              <a:ea typeface="+mn-ea"/>
+              <a:cs typeface="+mn-cs"/>
+            </a:endParaRPr>
+          </a:p>
+          <a:p>
+            <a:r>
+              <a:rPr lang="en-US" sz="1200" b="0" i="0" u="none" strike="noStrike" kern="1200" baseline="0" dirty="0">
+                <a:solidFill>
+                  <a:schemeClr val="tx1"/>
+                </a:solidFill>
+                <a:latin typeface="+mn-lt"/>
+                <a:ea typeface="+mn-ea"/>
+                <a:cs typeface="+mn-cs"/>
+              </a:rPr>
+              <a:t>The reduce() higher-order function takes a function parameter and uses</a:t>
+            </a:r>
+            <a:r>
+              <a:rPr lang="pl-PL" sz="1200" b="0" i="0" u="none" strike="noStrike" kern="1200" baseline="0" dirty="0">
+                <a:solidFill>
+                  <a:schemeClr val="tx1"/>
+                </a:solidFill>
+                <a:latin typeface="+mn-lt"/>
+                <a:ea typeface="+mn-ea"/>
+                <a:cs typeface="+mn-cs"/>
+              </a:rPr>
+              <a:t> </a:t>
+            </a:r>
+            <a:r>
+              <a:rPr lang="en-US" sz="1200" b="0" i="0" u="none" strike="noStrike" kern="1200" baseline="0" dirty="0">
+                <a:solidFill>
+                  <a:schemeClr val="tx1"/>
+                </a:solidFill>
+                <a:latin typeface="+mn-lt"/>
+                <a:ea typeface="+mn-ea"/>
+                <a:cs typeface="+mn-cs"/>
+              </a:rPr>
+              <a:t>it to reduce a collection of multiple items down to a single item.</a:t>
+            </a:r>
+            <a:endParaRPr lang="pl-PL" sz="1200" b="0" i="0" u="none" strike="noStrike" kern="1200" baseline="0" dirty="0">
+              <a:solidFill>
+                <a:schemeClr val="tx1"/>
+              </a:solidFill>
+              <a:latin typeface="+mn-lt"/>
+              <a:ea typeface="+mn-ea"/>
+              <a:cs typeface="+mn-cs"/>
+            </a:endParaRPr>
+          </a:p>
+          <a:p>
+            <a:endParaRPr lang="pl-PL" sz="1200" b="0" i="0" u="none" strike="noStrike" kern="1200" baseline="0" dirty="0">
+              <a:solidFill>
+                <a:schemeClr val="tx1"/>
+              </a:solidFill>
+              <a:latin typeface="+mn-lt"/>
+              <a:ea typeface="+mn-ea"/>
+              <a:cs typeface="+mn-cs"/>
+            </a:endParaRPr>
+          </a:p>
+          <a:p>
+            <a:r>
+              <a:rPr lang="en-US" sz="1200" b="0" i="0" u="none" strike="noStrike" kern="1200" baseline="0" dirty="0">
+                <a:solidFill>
+                  <a:schemeClr val="tx1"/>
+                </a:solidFill>
+                <a:latin typeface="+mn-lt"/>
+                <a:ea typeface="+mn-ea"/>
+                <a:cs typeface="+mn-cs"/>
+              </a:rPr>
+              <a:t>The popular Map/Reduce computing paradigm uses this concept to tackle large computing challenges, by</a:t>
+            </a:r>
+          </a:p>
+          <a:p>
+            <a:r>
+              <a:rPr lang="en-US" sz="1200" b="0" i="0" u="none" strike="noStrike" kern="1200" baseline="0" dirty="0">
+                <a:solidFill>
+                  <a:schemeClr val="tx1"/>
+                </a:solidFill>
+                <a:latin typeface="+mn-lt"/>
+                <a:ea typeface="+mn-ea"/>
+                <a:cs typeface="+mn-cs"/>
+              </a:rPr>
+              <a:t>mapping the computation across a range of distributed nodes and reducing their results</a:t>
+            </a:r>
+            <a:r>
+              <a:rPr lang="pl-PL" sz="1200" b="0" i="0" u="none" strike="noStrike" kern="1200" baseline="0" dirty="0">
+                <a:solidFill>
+                  <a:schemeClr val="tx1"/>
+                </a:solidFill>
+                <a:latin typeface="+mn-lt"/>
+                <a:ea typeface="+mn-ea"/>
+                <a:cs typeface="+mn-cs"/>
+              </a:rPr>
+              <a:t> </a:t>
+            </a:r>
+            <a:r>
+              <a:rPr lang="en-US" sz="1200" b="0" i="0" u="none" strike="noStrike" kern="1200" baseline="0" dirty="0">
+                <a:solidFill>
+                  <a:schemeClr val="tx1"/>
+                </a:solidFill>
+                <a:latin typeface="+mn-lt"/>
+                <a:ea typeface="+mn-ea"/>
+                <a:cs typeface="+mn-cs"/>
+              </a:rPr>
+              <a:t>back to a meaningful size.</a:t>
             </a:r>
             <a:endParaRPr lang="pl-PL" dirty="0"/>
           </a:p>
@@ -1675,7 +1826,7 @@
     </p:spTree>
     <p:extLst>
       <p:ext uri="{BB962C8B-B14F-4D97-AF65-F5344CB8AC3E}">
-        <p14:creationId xmlns:p14="http://schemas.microsoft.com/office/powerpoint/2010/main" val="3272114557"/>
+        <p14:creationId xmlns:p14="http://schemas.microsoft.com/office/powerpoint/2010/main" val="1359792266"/>
       </p:ext>
     </p:extLst>
   </p:cSld>
@@ -1729,6 +1880,17 @@
           <a:bodyPr/>
           <a:lstStyle/>
           <a:p>
+            <a:r>
+              <a:rPr lang="en-US" sz="1200" b="0" i="0" u="none" strike="noStrike" kern="1200" baseline="0" dirty="0">
+                <a:solidFill>
+                  <a:schemeClr val="tx1"/>
+                </a:solidFill>
+                <a:latin typeface="+mn-lt"/>
+                <a:ea typeface="+mn-ea"/>
+                <a:cs typeface="+mn-cs"/>
+              </a:rPr>
+              <a:t>types, regular expressions, numeric ranges, and data structure contents</a:t>
+            </a:r>
             <a:endParaRPr lang="pl-PL" dirty="0"/>
           </a:p>
         </p:txBody>
@@ -1736,7 +1898,7 @@
     </p:spTree>
     <p:extLst>
       <p:ext uri="{BB962C8B-B14F-4D97-AF65-F5344CB8AC3E}">
-        <p14:creationId xmlns:p14="http://schemas.microsoft.com/office/powerpoint/2010/main" val="2988260470"/>
+        <p14:creationId xmlns:p14="http://schemas.microsoft.com/office/powerpoint/2010/main" val="3272114557"/>
       </p:ext>
     </p:extLst>
   </p:cSld>
@@ -1797,7 +1959,7 @@
     </p:spTree>
     <p:extLst>
       <p:ext uri="{BB962C8B-B14F-4D97-AF65-F5344CB8AC3E}">
-        <p14:creationId xmlns:p14="http://schemas.microsoft.com/office/powerpoint/2010/main" val="3376764379"/>
+        <p14:creationId xmlns:p14="http://schemas.microsoft.com/office/powerpoint/2010/main" val="2988260470"/>
       </p:ext>
     </p:extLst>
   </p:cSld>
@@ -1858,6 +2020,67 @@
     </p:spTree>
     <p:extLst>
       <p:ext uri="{BB962C8B-B14F-4D97-AF65-F5344CB8AC3E}">
+        <p14:creationId xmlns:p14="http://schemas.microsoft.com/office/powerpoint/2010/main" val="3376764379"/>
+      </p:ext>
+    </p:extLst>
+  </p:cSld>
+  <p:clrMapOvr>
+    <a:masterClrMapping/>
+  </p:clrMapOvr>
+</p:notes>
+</file>
+
+<file path=ppt/notesSlides/notesSlide18.xml><?xml version="1.0" encoding="utf-8"?>
+<p:notes xmlns:a="http://schemas.openxmlformats.org/drawingml/2006/main" xmlns:r="http://schemas.openxmlformats.org/officeDocument/2006/relationships" xmlns:p="http://schemas.openxmlformats.org/presentationml/2006/main">
+  <p:cSld>
+    <p:spTree>
+      <p:nvGrpSpPr>
+        <p:cNvPr id="1" name=""/>
+        <p:cNvGrpSpPr/>
+        <p:nvPr/>
+      </p:nvGrpSpPr>
+      <p:grpSpPr>
+        <a:xfrm>
+          <a:off x="0" y="0"/>
+          <a:ext cx="0" cy="0"/>
+          <a:chOff x="0" y="0"/>
+          <a:chExt cx="0" cy="0"/>
+        </a:xfrm>
+      </p:grpSpPr>
+      <p:sp>
+        <p:nvSpPr>
+          <p:cNvPr id="2" name="Slide Image Placeholder 1"/>
+          <p:cNvSpPr>
+            <a:spLocks noGrp="1" noRot="1" noChangeAspect="1"/>
+          </p:cNvSpPr>
+          <p:nvPr>
+            <p:ph type="sldImg"/>
+          </p:nvPr>
+        </p:nvSpPr>
+        <p:spPr/>
+      </p:sp>
+      <p:sp>
+        <p:nvSpPr>
+          <p:cNvPr id="3" name="Notes Placeholder 2"/>
+          <p:cNvSpPr>
+            <a:spLocks noGrp="1"/>
+          </p:cNvSpPr>
+          <p:nvPr>
+            <p:ph type="body" idx="1"/>
+          </p:nvPr>
+        </p:nvSpPr>
+        <p:spPr/>
+        <p:txBody>
+          <a:bodyPr/>
+          <a:lstStyle/>
+          <a:p>
+            <a:endParaRPr lang="pl-PL" dirty="0"/>
+          </a:p>
+        </p:txBody>
+      </p:sp>
+    </p:spTree>
+    <p:extLst>
+      <p:ext uri="{BB962C8B-B14F-4D97-AF65-F5344CB8AC3E}">
         <p14:creationId xmlns:p14="http://schemas.microsoft.com/office/powerpoint/2010/main" val="204777013"/>
       </p:ext>
     </p:extLst>
@@ -1868,7 +2091,7 @@
 </p:notes>
 </file>
 
-<file path=ppt/notesSlides/notesSlide18.xml><?xml version="1.0" encoding="utf-8"?>
+<file path=ppt/notesSlides/notesSlide19.xml><?xml version="1.0" encoding="utf-8"?>
 <p:notes xmlns:a="http://schemas.openxmlformats.org/drawingml/2006/main" xmlns:r="http://schemas.openxmlformats.org/officeDocument/2006/relationships" xmlns:p="http://schemas.openxmlformats.org/presentationml/2006/main">
   <p:cSld>
     <p:spTree>
@@ -2123,38 +2346,223 @@
           <a:lstStyle/>
           <a:p>
             <a:r>
-              <a:rPr lang="pl-PL" dirty="0"/>
-              <a:t>Driver proces jest odpowiedziany za wykonanie naszego programu na wszystkich </a:t>
-            </a:r>
-            <a:r>
-              <a:rPr lang="pl-PL" dirty="0" err="1"/>
-              <a:t>executorach</a:t>
-            </a:r>
-            <a:r>
-              <a:rPr lang="pl-PL" dirty="0"/>
-              <a:t>. W tym celu wykorzystuje </a:t>
-            </a:r>
-            <a:r>
-              <a:rPr lang="pl-PL" dirty="0" err="1"/>
-              <a:t>cluster</a:t>
-            </a:r>
-            <a:r>
-              <a:rPr lang="pl-PL" dirty="0"/>
-              <a:t> managera aby wiedzieć które zasoby są dostępne.</a:t>
-            </a:r>
-          </a:p>
-          <a:p>
-            <a:r>
-              <a:rPr lang="pl-PL" dirty="0"/>
-              <a:t>Cluster managerem może być np. YARN, MESOS czy KUBERNETES.</a:t>
-            </a:r>
+              <a:rPr lang="pl-PL" sz="1200" dirty="0" err="1"/>
+              <a:t>Runs</a:t>
+            </a:r>
+            <a:r>
+              <a:rPr lang="pl-PL" sz="1200" dirty="0"/>
+              <a:t> on </a:t>
+            </a:r>
+            <a:r>
+              <a:rPr lang="pl-PL" sz="1200" dirty="0" err="1"/>
+              <a:t>Hadoop</a:t>
+            </a:r>
+            <a:r>
+              <a:rPr lang="pl-PL" sz="1200" dirty="0"/>
+              <a:t> </a:t>
+            </a:r>
+            <a:r>
+              <a:rPr lang="pl-PL" sz="1200" dirty="0" err="1"/>
+              <a:t>clusters</a:t>
+            </a:r>
+            <a:endParaRPr lang="pl-PL" sz="1200" dirty="0"/>
+          </a:p>
+          <a:p>
+            <a:r>
+              <a:rPr lang="pl-PL" sz="1200" dirty="0" err="1"/>
+              <a:t>Can</a:t>
+            </a:r>
+            <a:r>
+              <a:rPr lang="pl-PL" sz="1200" dirty="0"/>
+              <a:t> </a:t>
+            </a:r>
+            <a:r>
+              <a:rPr lang="pl-PL" sz="1200" dirty="0" err="1"/>
+              <a:t>read</a:t>
+            </a:r>
+            <a:r>
+              <a:rPr lang="pl-PL" sz="1200" dirty="0"/>
+              <a:t> HDFS and </a:t>
+            </a:r>
+            <a:r>
+              <a:rPr lang="pl-PL" sz="1200" dirty="0" err="1"/>
+              <a:t>Hbase</a:t>
+            </a:r>
+            <a:r>
+              <a:rPr lang="pl-PL" sz="1200" dirty="0"/>
+              <a:t>, </a:t>
+            </a:r>
+            <a:r>
+              <a:rPr lang="pl-PL" sz="1200" dirty="0" err="1"/>
+              <a:t>integrate</a:t>
+            </a:r>
+            <a:r>
+              <a:rPr lang="pl-PL" sz="1200" dirty="0"/>
+              <a:t> </a:t>
+            </a:r>
+            <a:r>
+              <a:rPr lang="pl-PL" sz="1200" dirty="0" err="1"/>
+              <a:t>nicely</a:t>
+            </a:r>
+            <a:r>
+              <a:rPr lang="pl-PL" sz="1200" dirty="0"/>
+              <a:t> with </a:t>
+            </a:r>
+            <a:r>
+              <a:rPr lang="pl-PL" sz="1200" dirty="0" err="1"/>
+              <a:t>noSQL</a:t>
+            </a:r>
+            <a:endParaRPr lang="pl-PL" sz="1200" dirty="0"/>
+          </a:p>
+          <a:p>
+            <a:r>
+              <a:rPr lang="pl-PL" sz="1200" dirty="0" err="1"/>
+              <a:t>Supports</a:t>
+            </a:r>
+            <a:r>
+              <a:rPr lang="pl-PL" sz="1200" dirty="0"/>
+              <a:t> </a:t>
+            </a:r>
+            <a:r>
+              <a:rPr lang="pl-PL" sz="1200" dirty="0" err="1"/>
+              <a:t>multiple</a:t>
+            </a:r>
+            <a:r>
+              <a:rPr lang="pl-PL" sz="1200" dirty="0"/>
+              <a:t> data </a:t>
+            </a:r>
+            <a:r>
+              <a:rPr lang="pl-PL" sz="1200" dirty="0" err="1"/>
+              <a:t>formats</a:t>
+            </a:r>
+            <a:r>
+              <a:rPr lang="pl-PL" sz="1200" dirty="0"/>
+              <a:t>, </a:t>
+            </a:r>
+            <a:r>
+              <a:rPr lang="pl-PL" sz="1200" dirty="0" err="1"/>
+              <a:t>starting</a:t>
+            </a:r>
+            <a:r>
+              <a:rPr lang="pl-PL" sz="1200" dirty="0"/>
+              <a:t> from CSV to </a:t>
+            </a:r>
+            <a:r>
+              <a:rPr lang="pl-PL" sz="1200" dirty="0" err="1"/>
+              <a:t>Avro</a:t>
+            </a:r>
+            <a:r>
+              <a:rPr lang="pl-PL" sz="1200" dirty="0"/>
+              <a:t> and </a:t>
+            </a:r>
+            <a:r>
+              <a:rPr lang="pl-PL" sz="1200" dirty="0" err="1"/>
+              <a:t>Parquet</a:t>
+            </a:r>
+            <a:endParaRPr lang="pl-PL" sz="1200" dirty="0"/>
+          </a:p>
+          <a:p>
+            <a:r>
+              <a:rPr lang="en-US" sz="1200" dirty="0"/>
+              <a:t>Deployed on </a:t>
+            </a:r>
+            <a:r>
+              <a:rPr lang="pl-PL" sz="1200" dirty="0"/>
+              <a:t>YARN/</a:t>
+            </a:r>
+            <a:r>
+              <a:rPr lang="en-US" sz="1200" dirty="0"/>
+              <a:t>Mesos</a:t>
+            </a:r>
+            <a:r>
+              <a:rPr lang="pl-PL" sz="1200" dirty="0"/>
+              <a:t> and </a:t>
+            </a:r>
+            <a:r>
+              <a:rPr lang="en-US" sz="1200" dirty="0"/>
+              <a:t>Docker</a:t>
+            </a:r>
+            <a:r>
+              <a:rPr lang="pl-PL" sz="1200" dirty="0"/>
+              <a:t>/</a:t>
+            </a:r>
+            <a:r>
+              <a:rPr lang="pl-PL" sz="1200" dirty="0" err="1"/>
+              <a:t>Kubernetes</a:t>
+            </a:r>
+            <a:r>
+              <a:rPr lang="en-US" sz="1200" dirty="0"/>
+              <a:t> across AWS and Azure</a:t>
+            </a:r>
+            <a:endParaRPr lang="pl-PL" sz="1200" dirty="0"/>
+          </a:p>
+          <a:p>
+            <a:r>
+              <a:rPr lang="pl-PL" sz="1200" dirty="0" err="1"/>
+              <a:t>Can</a:t>
+            </a:r>
+            <a:r>
+              <a:rPr lang="pl-PL" sz="1200" dirty="0"/>
+              <a:t> be </a:t>
+            </a:r>
+            <a:r>
+              <a:rPr lang="pl-PL" sz="1200" dirty="0" err="1"/>
+              <a:t>hosted</a:t>
+            </a:r>
+            <a:r>
+              <a:rPr lang="pl-PL" sz="1200" dirty="0"/>
+              <a:t> on Linux and Win in </a:t>
+            </a:r>
+            <a:r>
+              <a:rPr lang="pl-PL" sz="1200" dirty="0" err="1"/>
+              <a:t>standalone</a:t>
+            </a:r>
+            <a:r>
+              <a:rPr lang="pl-PL" sz="1200" dirty="0"/>
+              <a:t> </a:t>
+            </a:r>
+            <a:r>
+              <a:rPr lang="pl-PL" sz="1200" dirty="0" err="1"/>
+              <a:t>mode</a:t>
+            </a:r>
+            <a:r>
+              <a:rPr lang="pl-PL" sz="1200" dirty="0"/>
+              <a:t> (</a:t>
+            </a:r>
+            <a:r>
+              <a:rPr lang="pl-PL" sz="1200" dirty="0" err="1"/>
+              <a:t>e.g</a:t>
+            </a:r>
+            <a:r>
+              <a:rPr lang="pl-PL" sz="1200" dirty="0"/>
+              <a:t> for </a:t>
+            </a:r>
+            <a:r>
+              <a:rPr lang="pl-PL" sz="1200" dirty="0" err="1"/>
+              <a:t>dev</a:t>
+            </a:r>
+            <a:r>
+              <a:rPr lang="pl-PL" sz="1200" dirty="0"/>
+              <a:t> </a:t>
+            </a:r>
+            <a:r>
+              <a:rPr lang="pl-PL" sz="1200" dirty="0" err="1"/>
+              <a:t>purposes</a:t>
+            </a:r>
+            <a:r>
+              <a:rPr lang="pl-PL" sz="1200" dirty="0"/>
+              <a:t>)</a:t>
+            </a:r>
+          </a:p>
+          <a:p>
+            <a:endParaRPr lang="pl-PL" dirty="0"/>
           </a:p>
         </p:txBody>
       </p:sp>
     </p:spTree>
     <p:extLst>
       <p:ext uri="{BB962C8B-B14F-4D97-AF65-F5344CB8AC3E}">
-        <p14:creationId xmlns:p14="http://schemas.microsoft.com/office/powerpoint/2010/main" val="3532789281"/>
+        <p14:creationId xmlns:p14="http://schemas.microsoft.com/office/powerpoint/2010/main" val="407116076"/>
       </p:ext>
     </p:extLst>
   </p:cSld>
@@ -2323,324 +2731,30 @@
           <a:lstStyle/>
           <a:p>
             <a:r>
-              <a:rPr lang="pl-PL" dirty="0" err="1"/>
-              <a:t>HISpark</a:t>
-            </a:r>
-            <a:r>
-              <a:rPr lang="pl-PL" dirty="0"/>
-              <a:t> (jak każdy </a:t>
-            </a:r>
-            <a:r>
-              <a:rPr lang="pl-PL" dirty="0" err="1"/>
-              <a:t>framework</a:t>
-            </a:r>
-            <a:r>
-              <a:rPr lang="pl-PL" dirty="0"/>
-              <a:t>) wprowadza kilka abstrakcji. Każda z tych abstrakcji w zasadzie reprezentuje rozporoszoną (</a:t>
-            </a:r>
-            <a:r>
-              <a:rPr lang="pl-PL" dirty="0" err="1"/>
-              <a:t>distributed</a:t>
-            </a:r>
-            <a:r>
-              <a:rPr lang="pl-PL" dirty="0"/>
-              <a:t>) kolekcję danych.</a:t>
-            </a:r>
-          </a:p>
-          <a:p>
-            <a:pPr marL="171450" indent="-171450">
-              <a:buFontTx/>
-              <a:buChar char="-"/>
-            </a:pPr>
-            <a:r>
-              <a:rPr lang="pl-PL" dirty="0"/>
-              <a:t>RDD (</a:t>
-            </a:r>
-            <a:r>
-              <a:rPr lang="pl-PL" dirty="0" err="1"/>
-              <a:t>Resilient</a:t>
-            </a:r>
-            <a:r>
-              <a:rPr lang="pl-PL" dirty="0"/>
-              <a:t> Distributed </a:t>
-            </a:r>
-            <a:r>
-              <a:rPr lang="pl-PL" dirty="0" err="1"/>
-              <a:t>Datasets</a:t>
-            </a:r>
-            <a:r>
-              <a:rPr lang="pl-PL" dirty="0"/>
-              <a:t>)– podstawowa abstrakcja Sparka w wersja od 1 do 2, bez względu jaki typ kolekcji użyjemy, ostatecznie Spark kompiluje do RDD.  RDD to </a:t>
-            </a:r>
-            <a:r>
-              <a:rPr lang="pl-PL" dirty="0" err="1"/>
-              <a:t>niemienna</a:t>
-            </a:r>
-            <a:r>
-              <a:rPr lang="pl-PL" dirty="0"/>
-              <a:t> (</a:t>
-            </a:r>
-            <a:r>
-              <a:rPr lang="pl-PL" dirty="0" err="1"/>
-              <a:t>immutable</a:t>
-            </a:r>
-            <a:r>
-              <a:rPr lang="pl-PL" dirty="0"/>
-              <a:t>) kolekcja danych, partycjonowana (dzielona na </a:t>
-            </a:r>
-            <a:r>
-              <a:rPr lang="pl-PL" dirty="0" err="1"/>
-              <a:t>chunki</a:t>
-            </a:r>
-            <a:r>
-              <a:rPr lang="pl-PL" dirty="0"/>
-              <a:t> aby móc wykorzystać cały potencjał </a:t>
-            </a:r>
-            <a:r>
-              <a:rPr lang="pl-PL" dirty="0" err="1"/>
-              <a:t>zasówb</a:t>
-            </a:r>
-            <a:r>
-              <a:rPr lang="pl-PL" dirty="0"/>
-              <a:t> maszyn ma klastrze) na całym klastrze, dzięki czemu może być równolegle </a:t>
-            </a:r>
-            <a:r>
-              <a:rPr lang="pl-PL" dirty="0" err="1"/>
-              <a:t>przetwrzana</a:t>
-            </a:r>
-            <a:r>
-              <a:rPr lang="pl-PL" dirty="0"/>
-              <a:t> (in </a:t>
-            </a:r>
-            <a:r>
-              <a:rPr lang="pl-PL" dirty="0" err="1"/>
-              <a:t>parallel</a:t>
-            </a:r>
-            <a:r>
-              <a:rPr lang="pl-PL" dirty="0"/>
-              <a:t>). Wierszem w takiej kolekcji jest po prostu jakiś obiekt w języku programowania który używasz. Dzięki temu mamy pełną kontrolę na przechowywanymi obiektami, ale nie bez kompromisów. Każda manipulacja na swoich obiektach, zmusza Cię do wynalezienia na nowo koła (np. </a:t>
-            </a:r>
-            <a:r>
-              <a:rPr lang="pl-PL" dirty="0" err="1"/>
-              <a:t>serliazacja</a:t>
-            </a:r>
-            <a:r>
-              <a:rPr lang="pl-PL" dirty="0"/>
-              <a:t>). </a:t>
-            </a:r>
-            <a:r>
-              <a:rPr lang="pl-PL" dirty="0" err="1"/>
-              <a:t>Resilient</a:t>
-            </a:r>
-            <a:r>
-              <a:rPr lang="pl-PL" dirty="0"/>
-              <a:t> oznacza </a:t>
-            </a:r>
-            <a:r>
-              <a:rPr lang="pl-PL" dirty="0" err="1"/>
-              <a:t>fault</a:t>
-            </a:r>
-            <a:r>
-              <a:rPr lang="pl-PL" dirty="0"/>
-              <a:t>-tolerant, czyli jeśli jakaś partycja z powodu awarii </a:t>
-            </a:r>
-            <a:r>
-              <a:rPr lang="pl-PL" dirty="0" err="1"/>
-              <a:t>noda</a:t>
-            </a:r>
-            <a:r>
-              <a:rPr lang="pl-PL" dirty="0"/>
-              <a:t> w </a:t>
-            </a:r>
-            <a:r>
-              <a:rPr lang="pl-PL" dirty="0" err="1"/>
-              <a:t>clustrze</a:t>
-            </a:r>
-            <a:r>
-              <a:rPr lang="pl-PL" dirty="0"/>
-              <a:t> </a:t>
-            </a:r>
-            <a:r>
-              <a:rPr lang="pl-PL" dirty="0" err="1"/>
-              <a:t>nię</a:t>
-            </a:r>
-            <a:r>
-              <a:rPr lang="pl-PL" dirty="0"/>
-              <a:t> będzie </a:t>
-            </a:r>
-            <a:r>
-              <a:rPr lang="pl-PL" dirty="0" err="1"/>
-              <a:t>dostepna</a:t>
-            </a:r>
-            <a:r>
-              <a:rPr lang="pl-PL" dirty="0"/>
-              <a:t>, Spark jest w stanie ją ponownie odbudować (dzięki RDD </a:t>
-            </a:r>
-            <a:r>
-              <a:rPr lang="pl-PL" dirty="0" err="1"/>
-              <a:t>lineage</a:t>
-            </a:r>
-            <a:r>
-              <a:rPr lang="pl-PL" dirty="0"/>
-              <a:t>).</a:t>
-            </a:r>
-          </a:p>
-          <a:p>
-            <a:pPr marL="171450" indent="-171450">
-              <a:buFontTx/>
-              <a:buChar char="-"/>
-            </a:pPr>
-            <a:r>
-              <a:rPr lang="pl-PL" dirty="0" err="1"/>
-              <a:t>Ditributet</a:t>
-            </a:r>
-            <a:r>
-              <a:rPr lang="pl-PL" dirty="0"/>
-              <a:t> </a:t>
-            </a:r>
-            <a:r>
-              <a:rPr lang="pl-PL" dirty="0" err="1"/>
-              <a:t>values</a:t>
-            </a:r>
-            <a:r>
-              <a:rPr lang="pl-PL" dirty="0"/>
-              <a:t> (broadcast) – pozwala na </a:t>
-            </a:r>
-            <a:r>
-              <a:rPr lang="pl-PL" dirty="0" err="1"/>
-              <a:t>wyslanie</a:t>
-            </a:r>
-            <a:r>
-              <a:rPr lang="pl-PL" dirty="0"/>
-              <a:t> stosukowo dużych ale tylko do odczytu </a:t>
-            </a:r>
-            <a:r>
-              <a:rPr lang="pl-PL" dirty="0" err="1"/>
-              <a:t>datasetów</a:t>
-            </a:r>
-            <a:r>
-              <a:rPr lang="pl-PL" dirty="0"/>
-              <a:t> do </a:t>
-            </a:r>
-            <a:r>
-              <a:rPr lang="pl-PL" dirty="0" err="1"/>
-              <a:t>worker</a:t>
-            </a:r>
-            <a:r>
-              <a:rPr lang="pl-PL" dirty="0"/>
-              <a:t> </a:t>
-            </a:r>
-            <a:r>
-              <a:rPr lang="pl-PL" dirty="0" err="1"/>
-              <a:t>nodów</a:t>
-            </a:r>
-            <a:r>
-              <a:rPr lang="pl-PL" dirty="0"/>
-              <a:t> (</a:t>
-            </a:r>
-            <a:r>
-              <a:rPr lang="pl-PL" dirty="0" err="1"/>
-              <a:t>executorów</a:t>
-            </a:r>
-            <a:r>
-              <a:rPr lang="pl-PL" dirty="0"/>
-              <a:t>). Znacznie redukuje </a:t>
-            </a:r>
-            <a:r>
-              <a:rPr lang="pl-PL" dirty="0" err="1"/>
-              <a:t>netwokr</a:t>
-            </a:r>
-            <a:r>
-              <a:rPr lang="pl-PL" dirty="0"/>
-              <a:t> transfer. Domyślnie bowiem Spark </a:t>
-            </a:r>
-            <a:r>
-              <a:rPr lang="pl-PL" dirty="0" err="1"/>
-              <a:t>wysyała</a:t>
-            </a:r>
-            <a:r>
-              <a:rPr lang="pl-PL" dirty="0"/>
-              <a:t> każdą zmienna do </a:t>
-            </a:r>
-            <a:r>
-              <a:rPr lang="pl-PL" dirty="0" err="1"/>
-              <a:t>worker</a:t>
-            </a:r>
-            <a:r>
-              <a:rPr lang="pl-PL" dirty="0"/>
-              <a:t> </a:t>
-            </a:r>
-            <a:r>
-              <a:rPr lang="pl-PL" dirty="0" err="1"/>
-              <a:t>nodów</a:t>
-            </a:r>
-            <a:r>
-              <a:rPr lang="pl-PL" dirty="0"/>
-              <a:t> dla każdej operacji </a:t>
-            </a:r>
-            <a:r>
-              <a:rPr lang="pl-PL" dirty="0" err="1"/>
-              <a:t>mna</a:t>
-            </a:r>
-            <a:r>
-              <a:rPr lang="pl-PL" dirty="0"/>
-              <a:t> danych.</a:t>
-            </a:r>
-          </a:p>
-          <a:p>
-            <a:pPr marL="171450" indent="-171450">
-              <a:buFontTx/>
-              <a:buChar char="-"/>
-            </a:pPr>
-            <a:r>
-              <a:rPr lang="pl-PL" dirty="0" err="1"/>
-              <a:t>DataFramne</a:t>
-            </a:r>
-            <a:r>
-              <a:rPr lang="pl-PL" dirty="0"/>
-              <a:t> – najprościej to tabela z kolumnami i wierszami, jak arkusz kalkulacyjny w Excelu. </a:t>
-            </a:r>
-            <a:r>
-              <a:rPr lang="pl-PL" dirty="0" err="1"/>
-              <a:t>Dataframe</a:t>
-            </a:r>
-            <a:r>
-              <a:rPr lang="pl-PL" dirty="0"/>
-              <a:t> jest jednak rozproszony na całym klastrze, gdyż po pierwsze mógłby nie zmieścić się na jednej maszynie, lub ta maszyna nie byłaby w stanie go przetworzyć albo trwałoby to bardzo długo. </a:t>
-            </a:r>
-          </a:p>
-          <a:p>
-            <a:pPr marL="0" indent="0">
-              <a:buFontTx/>
-              <a:buNone/>
-            </a:pPr>
-            <a:r>
-              <a:rPr lang="pl-PL" dirty="0"/>
-              <a:t>- </a:t>
-            </a:r>
-            <a:r>
-              <a:rPr lang="pl-PL" dirty="0" err="1"/>
-              <a:t>Dataset</a:t>
-            </a:r>
-            <a:r>
-              <a:rPr lang="pl-PL" dirty="0"/>
-              <a:t> – </a:t>
-            </a:r>
-            <a:r>
-              <a:rPr lang="pl-PL" dirty="0" err="1"/>
-              <a:t>strongly-typed</a:t>
-            </a:r>
-            <a:r>
-              <a:rPr lang="pl-PL" dirty="0"/>
-              <a:t> </a:t>
-            </a:r>
-            <a:r>
-              <a:rPr lang="pl-PL" dirty="0" err="1"/>
-              <a:t>dafaframe</a:t>
-            </a:r>
-            <a:r>
-              <a:rPr lang="pl-PL" dirty="0"/>
-              <a:t>. Zamiast </a:t>
+              <a:rPr lang="pl-PL" dirty="0"/>
+              <a:t>Driver proces jest odpowiedziany za wykonanie naszego programu na wszystkich </a:t>
+            </a:r>
+            <a:r>
+              <a:rPr lang="pl-PL" dirty="0" err="1"/>
+              <a:t>executorach</a:t>
+            </a:r>
+            <a:r>
+              <a:rPr lang="pl-PL" dirty="0"/>
+              <a:t>. W tym celu wykorzystuje </a:t>
+            </a:r>
+            <a:r>
+              <a:rPr lang="pl-PL" dirty="0" err="1"/>
+              <a:t>cluster</a:t>
+            </a:r>
+            <a:r>
+              <a:rPr lang="pl-PL" dirty="0"/>
+              <a:t> managera aby wiedzieć które zasoby są dostępne.</a:t>
+            </a:r>
+          </a:p>
+          <a:p>
+            <a:r>
+              <a:rPr lang="pl-PL" dirty="0"/>
+              <a:t>Cluster managerem może być np. YARN, MESOS czy KUBERNETES.</a:t>
             </a:r>
           </a:p>
         </p:txBody>
@@ -2648,7 +2762,7 @@
     </p:spTree>
     <p:extLst>
       <p:ext uri="{BB962C8B-B14F-4D97-AF65-F5344CB8AC3E}">
-        <p14:creationId xmlns:p14="http://schemas.microsoft.com/office/powerpoint/2010/main" val="1396449375"/>
+        <p14:creationId xmlns:p14="http://schemas.microsoft.com/office/powerpoint/2010/main" val="3532789281"/>
       </p:ext>
     </p:extLst>
   </p:cSld>
@@ -2703,22 +2817,62 @@
           <a:lstStyle/>
           <a:p>
             <a:r>
-              <a:rPr lang="pl-PL" dirty="0"/>
-              <a:t>RDD oferuje 2 typy operacji: </a:t>
-            </a:r>
-            <a:r>
-              <a:rPr lang="pl-PL" dirty="0" err="1"/>
-              <a:t>tranformacje</a:t>
-            </a:r>
-            <a:r>
-              <a:rPr lang="pl-PL" dirty="0"/>
-              <a:t> i akcje.</a:t>
-            </a:r>
-          </a:p>
-          <a:p>
-            <a:r>
-              <a:rPr lang="pl-PL" dirty="0"/>
-              <a:t>Transformacje – ponieważ RDD jest </a:t>
+              <a:rPr lang="pl-PL" dirty="0" err="1"/>
+              <a:t>HISpark</a:t>
+            </a:r>
+            <a:r>
+              <a:rPr lang="pl-PL" dirty="0"/>
+              <a:t> (jak każdy </a:t>
+            </a:r>
+            <a:r>
+              <a:rPr lang="pl-PL" dirty="0" err="1"/>
+              <a:t>framework</a:t>
+            </a:r>
+            <a:r>
+              <a:rPr lang="pl-PL" dirty="0"/>
+              <a:t>) wprowadza kilka abstrakcji. Każda z tych abstrakcji w zasadzie reprezentuje rozporoszoną (</a:t>
+            </a:r>
+            <a:r>
+              <a:rPr lang="pl-PL" dirty="0" err="1"/>
+              <a:t>distributed</a:t>
+            </a:r>
+            <a:r>
+              <a:rPr lang="pl-PL" dirty="0"/>
+              <a:t>) kolekcję danych.</a:t>
+            </a:r>
+          </a:p>
+          <a:p>
+            <a:pPr marL="171450" indent="-171450">
+              <a:buFontTx/>
+              <a:buChar char="-"/>
+            </a:pPr>
+            <a:r>
+              <a:rPr lang="pl-PL" dirty="0"/>
+              <a:t>RDD (</a:t>
+            </a:r>
+            <a:r>
+              <a:rPr lang="pl-PL" dirty="0" err="1"/>
+              <a:t>Resilient</a:t>
+            </a:r>
+            <a:r>
+              <a:rPr lang="pl-PL" dirty="0"/>
+              <a:t> Distributed </a:t>
+            </a:r>
+            <a:r>
+              <a:rPr lang="pl-PL" dirty="0" err="1"/>
+              <a:t>Datasets</a:t>
+            </a:r>
+            <a:r>
+              <a:rPr lang="pl-PL" dirty="0"/>
+              <a:t>)– podstawowa abstrakcja Sparka w wersja od 1 do 2, bez względu jaki typ kolekcji użyjemy, ostatecznie Spark kompiluje do RDD.  RDD to </a:t>
+            </a:r>
+            <a:r>
+              <a:rPr lang="pl-PL" dirty="0" err="1"/>
+              <a:t>niemienna</a:t>
+            </a:r>
+            <a:r>
+              <a:rPr lang="pl-PL" dirty="0"/>
+              <a:t> (</a:t>
             </a:r>
             <a:r>
               <a:rPr lang="pl-PL" dirty="0" err="1"/>
@@ -2726,49 +2880,113 @@
             </a:r>
             <a:r>
               <a:rPr lang="pl-PL" dirty="0"/>
+              <a:t>) kolekcja danych, partycjonowana (dzielona na </a:t>
+            </a:r>
+            <a:r>
+              <a:rPr lang="pl-PL" dirty="0" err="1"/>
+              <a:t>chunki</a:t>
+            </a:r>
+            <a:r>
+              <a:rPr lang="pl-PL" dirty="0"/>
+              <a:t> aby móc wykorzystać cały potencjał </a:t>
+            </a:r>
+            <a:r>
+              <a:rPr lang="pl-PL" dirty="0" err="1"/>
+              <a:t>zasówb</a:t>
+            </a:r>
+            <a:r>
+              <a:rPr lang="pl-PL" dirty="0"/>
+              <a:t> maszyn ma klastrze) na całym klastrze, dzięki czemu może być równolegle </a:t>
+            </a:r>
+            <a:r>
+              <a:rPr lang="pl-PL" dirty="0" err="1"/>
+              <a:t>przetwrzana</a:t>
+            </a:r>
+            <a:r>
+              <a:rPr lang="pl-PL" dirty="0"/>
+              <a:t> (in </a:t>
+            </a:r>
+            <a:r>
+              <a:rPr lang="pl-PL" dirty="0" err="1"/>
+              <a:t>parallel</a:t>
+            </a:r>
+            <a:r>
+              <a:rPr lang="pl-PL" dirty="0"/>
+              <a:t>). Wierszem w takiej kolekcji jest po prostu jakiś obiekt w języku programowania który używasz. Dzięki temu mamy pełną kontrolę na przechowywanymi obiektami, ale nie bez kompromisów. Każda manipulacja na swoich obiektach, zmusza Cię do wynalezienia na nowo koła (np. </a:t>
+            </a:r>
+            <a:r>
+              <a:rPr lang="pl-PL" dirty="0" err="1"/>
+              <a:t>serliazacja</a:t>
+            </a:r>
+            <a:r>
+              <a:rPr lang="pl-PL" dirty="0"/>
+              <a:t>). </a:t>
+            </a:r>
+            <a:r>
+              <a:rPr lang="pl-PL" dirty="0" err="1"/>
+              <a:t>Resilient</a:t>
+            </a:r>
+            <a:r>
+              <a:rPr lang="pl-PL" dirty="0"/>
+              <a:t> oznacza </a:t>
+            </a:r>
+            <a:r>
+              <a:rPr lang="pl-PL" dirty="0" err="1"/>
+              <a:t>fault</a:t>
+            </a:r>
+            <a:r>
+              <a:rPr lang="pl-PL" dirty="0"/>
+              <a:t>-tolerant, czyli jeśli jakaś partycja z powodu awarii </a:t>
+            </a:r>
+            <a:r>
+              <a:rPr lang="pl-PL" dirty="0" err="1"/>
+              <a:t>noda</a:t>
+            </a:r>
+            <a:r>
+              <a:rPr lang="pl-PL" dirty="0"/>
+              <a:t> w </a:t>
+            </a:r>
+            <a:r>
+              <a:rPr lang="pl-PL" dirty="0" err="1"/>
+              <a:t>clustrze</a:t>
+            </a:r>
+            <a:r>
+              <a:rPr lang="pl-PL" dirty="0"/>
               <a:t> </a:t>
             </a:r>
             <a:r>
               <a:rPr lang="pl-PL" dirty="0" err="1"/>
-              <a:t>kazda</a:t>
-            </a:r>
-            <a:r>
-              <a:rPr lang="pl-PL" dirty="0"/>
-              <a:t> transformacja tworzy nowe RDD z </a:t>
-            </a:r>
-            <a:r>
-              <a:rPr lang="pl-PL" dirty="0" err="1"/>
-              <a:t>poprzeniego</a:t>
-            </a:r>
-            <a:r>
-              <a:rPr lang="pl-PL" dirty="0"/>
-              <a:t>.</a:t>
-            </a:r>
-          </a:p>
-          <a:p>
-            <a:r>
-              <a:rPr lang="pl-PL" dirty="0"/>
-              <a:t>Akcje – wyliczają ostateczny </a:t>
-            </a:r>
-            <a:r>
-              <a:rPr lang="pl-PL" dirty="0" err="1"/>
-              <a:t>resultat</a:t>
-            </a:r>
-            <a:r>
-              <a:rPr lang="pl-PL" dirty="0"/>
-              <a:t> obliczeń zwracając go do </a:t>
-            </a:r>
-            <a:r>
-              <a:rPr lang="pl-PL" dirty="0" err="1"/>
-              <a:t>divera</a:t>
-            </a:r>
-            <a:r>
-              <a:rPr lang="pl-PL" dirty="0"/>
-              <a:t> bądź zapisują w </a:t>
-            </a:r>
-            <a:r>
-              <a:rPr lang="pl-PL" dirty="0" err="1"/>
-              <a:t>external</a:t>
+              <a:t>nię</a:t>
+            </a:r>
+            <a:r>
+              <a:rPr lang="pl-PL" dirty="0"/>
+              <a:t> będzie </a:t>
+            </a:r>
+            <a:r>
+              <a:rPr lang="pl-PL" dirty="0" err="1"/>
+              <a:t>dostepna</a:t>
+            </a:r>
+            <a:r>
+              <a:rPr lang="pl-PL" dirty="0"/>
+              <a:t>, Spark jest w stanie ją ponownie odbudować (dzięki RDD </a:t>
+            </a:r>
+            <a:r>
+              <a:rPr lang="pl-PL" dirty="0" err="1"/>
+              <a:t>lineage</a:t>
+            </a:r>
+            <a:r>
+              <a:rPr lang="pl-PL" dirty="0"/>
+              <a:t>).</a:t>
+            </a:r>
+          </a:p>
+          <a:p>
+            <a:pPr marL="171450" indent="-171450">
+              <a:buFontTx/>
+              <a:buChar char="-"/>
+            </a:pPr>
+            <a:r>
+              <a:rPr lang="pl-PL" dirty="0" err="1"/>
+              <a:t>Ditributet</a:t>
             </a:r>
             <a:r>
               <a:rPr lang="pl-PL" dirty="0"/>
@@ -2776,42 +2994,147 @@
             </a:r>
             <a:r>
               <a:rPr lang="pl-PL" dirty="0" err="1"/>
-              <a:t>storage</a:t>
-            </a:r>
-            <a:r>
-              <a:rPr lang="pl-PL" dirty="0"/>
-              <a:t> system.</a:t>
-            </a:r>
-          </a:p>
-          <a:p>
-            <a:endParaRPr lang="pl-PL" dirty="0"/>
-          </a:p>
-          <a:p>
-            <a:r>
-              <a:rPr lang="pl-PL" dirty="0"/>
-              <a:t>Transformacje są </a:t>
-            </a:r>
-            <a:r>
-              <a:rPr lang="pl-PL" dirty="0" err="1"/>
-              <a:t>lazy</a:t>
-            </a:r>
-            <a:r>
-              <a:rPr lang="pl-PL" dirty="0"/>
-              <a:t>! Oznacza, że Spark poczeka możliwe jak najdłużej do wykonania </a:t>
-            </a:r>
-            <a:r>
-              <a:rPr lang="pl-PL" dirty="0" err="1"/>
-              <a:t>transfotmacji</a:t>
-            </a:r>
-            <a:r>
-              <a:rPr lang="pl-PL" dirty="0"/>
-              <a:t>. Zostanie ona wywołana przez akcję.</a:t>
-            </a:r>
-          </a:p>
-          <a:p>
-            <a:r>
-              <a:rPr lang="pl-PL" dirty="0"/>
-              <a:t>Zaleta takiego podejścia jest taka, że Spark może zbudować sobie bardziej efektywny plan zapytania niż wynikałoby to z naszego kodu.</a:t>
+              <a:t>values</a:t>
+            </a:r>
+            <a:r>
+              <a:rPr lang="pl-PL" dirty="0"/>
+              <a:t> (broadcast) – pozwala na </a:t>
+            </a:r>
+            <a:r>
+              <a:rPr lang="pl-PL" dirty="0" err="1"/>
+              <a:t>wyslanie</a:t>
+            </a:r>
+            <a:r>
+              <a:rPr lang="pl-PL" dirty="0"/>
+              <a:t> stosukowo dużych ale tylko do odczytu </a:t>
+            </a:r>
+            <a:r>
+              <a:rPr lang="pl-PL" dirty="0" err="1"/>
+              <a:t>datasetów</a:t>
+            </a:r>
+            <a:r>
+              <a:rPr lang="pl-PL" dirty="0"/>
+              <a:t> do </a:t>
+            </a:r>
+            <a:r>
+              <a:rPr lang="pl-PL" dirty="0" err="1"/>
+              <a:t>worker</a:t>
+            </a:r>
+            <a:r>
+              <a:rPr lang="pl-PL" dirty="0"/>
+              <a:t> </a:t>
+            </a:r>
+            <a:r>
+              <a:rPr lang="pl-PL" dirty="0" err="1"/>
+              <a:t>nodów</a:t>
+            </a:r>
+            <a:r>
+              <a:rPr lang="pl-PL" dirty="0"/>
+              <a:t> (</a:t>
+            </a:r>
+            <a:r>
+              <a:rPr lang="pl-PL" dirty="0" err="1"/>
+              <a:t>executorów</a:t>
+            </a:r>
+            <a:r>
+              <a:rPr lang="pl-PL" dirty="0"/>
+              <a:t>). Znacznie redukuje </a:t>
+            </a:r>
+            <a:r>
+              <a:rPr lang="pl-PL" dirty="0" err="1"/>
+              <a:t>netwokr</a:t>
+            </a:r>
+            <a:r>
+              <a:rPr lang="pl-PL" dirty="0"/>
+              <a:t> transfer. Domyślnie bowiem Spark </a:t>
+            </a:r>
+            <a:r>
+              <a:rPr lang="pl-PL" dirty="0" err="1"/>
+              <a:t>wysyała</a:t>
+            </a:r>
+            <a:r>
+              <a:rPr lang="pl-PL" dirty="0"/>
+              <a:t> każdą zmienna do </a:t>
+            </a:r>
+            <a:r>
+              <a:rPr lang="pl-PL" dirty="0" err="1"/>
+              <a:t>worker</a:t>
+            </a:r>
+            <a:r>
+              <a:rPr lang="pl-PL" dirty="0"/>
+              <a:t> </a:t>
+            </a:r>
+            <a:r>
+              <a:rPr lang="pl-PL" dirty="0" err="1"/>
+              <a:t>nodów</a:t>
+            </a:r>
+            <a:r>
+              <a:rPr lang="pl-PL" dirty="0"/>
+              <a:t> dla każdej operacji </a:t>
+            </a:r>
+            <a:r>
+              <a:rPr lang="pl-PL" dirty="0" err="1"/>
+              <a:t>mna</a:t>
+            </a:r>
+            <a:r>
+              <a:rPr lang="pl-PL" dirty="0"/>
+              <a:t> danych.</a:t>
+            </a:r>
+          </a:p>
+          <a:p>
+            <a:pPr marL="171450" indent="-171450">
+              <a:buFontTx/>
+              <a:buChar char="-"/>
+            </a:pPr>
+            <a:r>
+              <a:rPr lang="pl-PL" dirty="0" err="1"/>
+              <a:t>DataFramne</a:t>
+            </a:r>
+            <a:r>
+              <a:rPr lang="pl-PL" dirty="0"/>
+              <a:t> – najprościej to tabela z kolumnami i wierszami, jak arkusz kalkulacyjny w Excelu. </a:t>
+            </a:r>
+            <a:r>
+              <a:rPr lang="pl-PL" dirty="0" err="1"/>
+              <a:t>Dataframe</a:t>
+            </a:r>
+            <a:r>
+              <a:rPr lang="pl-PL" dirty="0"/>
+              <a:t> jest jednak rozproszony na całym klastrze, gdyż po pierwsze mógłby nie zmieścić się na jednej maszynie, lub ta maszyna nie byłaby w stanie go przetworzyć albo trwałoby to bardzo długo. </a:t>
+            </a:r>
+          </a:p>
+          <a:p>
+            <a:pPr marL="0" indent="0">
+              <a:buFontTx/>
+              <a:buNone/>
+            </a:pPr>
+            <a:r>
+              <a:rPr lang="pl-PL" dirty="0"/>
+              <a:t>- </a:t>
+            </a:r>
+            <a:r>
+              <a:rPr lang="pl-PL" dirty="0" err="1"/>
+              <a:t>Dataset</a:t>
+            </a:r>
+            <a:r>
+              <a:rPr lang="pl-PL" dirty="0"/>
+              <a:t> – </a:t>
+            </a:r>
+            <a:r>
+              <a:rPr lang="pl-PL" dirty="0" err="1"/>
+              <a:t>strongly-typed</a:t>
+            </a:r>
+            <a:r>
+              <a:rPr lang="pl-PL" dirty="0"/>
+              <a:t> </a:t>
+            </a:r>
+            <a:r>
+              <a:rPr lang="pl-PL" dirty="0" err="1"/>
+              <a:t>dafaframe</a:t>
+            </a:r>
+            <a:r>
+              <a:rPr lang="pl-PL" dirty="0"/>
+              <a:t>. Zamiast </a:t>
             </a:r>
           </a:p>
         </p:txBody>
@@ -2819,7 +3142,7 @@
     </p:spTree>
     <p:extLst>
       <p:ext uri="{BB962C8B-B14F-4D97-AF65-F5344CB8AC3E}">
-        <p14:creationId xmlns:p14="http://schemas.microsoft.com/office/powerpoint/2010/main" val="1276424123"/>
+        <p14:creationId xmlns:p14="http://schemas.microsoft.com/office/powerpoint/2010/main" val="1396449375"/>
       </p:ext>
     </p:extLst>
   </p:cSld>
@@ -2873,14 +3196,124 @@
           <a:bodyPr/>
           <a:lstStyle/>
           <a:p>
+            <a:r>
+              <a:rPr lang="pl-PL" dirty="0"/>
+              <a:t>RDD oferuje 2 typy operacji: </a:t>
+            </a:r>
+            <a:r>
+              <a:rPr lang="pl-PL" dirty="0" err="1"/>
+              <a:t>tranformacje</a:t>
+            </a:r>
+            <a:r>
+              <a:rPr lang="pl-PL" dirty="0"/>
+              <a:t> i akcje.</a:t>
+            </a:r>
+          </a:p>
+          <a:p>
+            <a:r>
+              <a:rPr lang="pl-PL" dirty="0"/>
+              <a:t>Transformacje – ponieważ RDD jest </a:t>
+            </a:r>
+            <a:r>
+              <a:rPr lang="pl-PL" dirty="0" err="1"/>
+              <a:t>immutable</a:t>
+            </a:r>
+            <a:r>
+              <a:rPr lang="pl-PL" dirty="0"/>
+              <a:t> </a:t>
+            </a:r>
+            <a:r>
+              <a:rPr lang="pl-PL" dirty="0" err="1"/>
+              <a:t>kazda</a:t>
+            </a:r>
+            <a:r>
+              <a:rPr lang="pl-PL" dirty="0"/>
+              <a:t> transformacja tworzy nowe RDD z </a:t>
+            </a:r>
+            <a:r>
+              <a:rPr lang="pl-PL" dirty="0" err="1"/>
+              <a:t>poprzeniego</a:t>
+            </a:r>
+            <a:r>
+              <a:rPr lang="pl-PL" dirty="0"/>
+              <a:t>.</a:t>
+            </a:r>
+          </a:p>
+          <a:p>
+            <a:r>
+              <a:rPr lang="pl-PL" dirty="0"/>
+              <a:t>Akcje – wyliczają ostateczny </a:t>
+            </a:r>
+            <a:r>
+              <a:rPr lang="pl-PL" dirty="0" err="1"/>
+              <a:t>resultat</a:t>
+            </a:r>
+            <a:r>
+              <a:rPr lang="pl-PL" dirty="0"/>
+              <a:t> obliczeń zwracając go do </a:t>
+            </a:r>
+            <a:r>
+              <a:rPr lang="pl-PL" dirty="0" err="1"/>
+              <a:t>divera</a:t>
+            </a:r>
+            <a:r>
+              <a:rPr lang="pl-PL" dirty="0"/>
+              <a:t> bądź zapisują w </a:t>
+            </a:r>
+            <a:r>
+              <a:rPr lang="pl-PL" dirty="0" err="1"/>
+              <a:t>external</a:t>
+            </a:r>
+            <a:r>
+              <a:rPr lang="pl-PL" dirty="0"/>
+              <a:t> </a:t>
+            </a:r>
+            <a:r>
+              <a:rPr lang="pl-PL" dirty="0" err="1"/>
+              <a:t>storage</a:t>
+            </a:r>
+            <a:r>
+              <a:rPr lang="pl-PL" dirty="0"/>
+              <a:t> system.</a:t>
+            </a:r>
+          </a:p>
+          <a:p>
             <a:endParaRPr lang="pl-PL" dirty="0"/>
+          </a:p>
+          <a:p>
+            <a:r>
+              <a:rPr lang="pl-PL" dirty="0"/>
+              <a:t>Transformacje są </a:t>
+            </a:r>
+            <a:r>
+              <a:rPr lang="pl-PL" dirty="0" err="1"/>
+              <a:t>lazy</a:t>
+            </a:r>
+            <a:r>
+              <a:rPr lang="pl-PL" dirty="0"/>
+              <a:t>! Oznacza, że Spark poczeka możliwe jak najdłużej do wykonania </a:t>
+            </a:r>
+            <a:r>
+              <a:rPr lang="pl-PL" dirty="0" err="1"/>
+              <a:t>transfotmacji</a:t>
+            </a:r>
+            <a:r>
+              <a:rPr lang="pl-PL" dirty="0"/>
+              <a:t>. Zostanie ona wywołana przez akcję.</a:t>
+            </a:r>
+          </a:p>
+          <a:p>
+            <a:r>
+              <a:rPr lang="pl-PL" dirty="0"/>
+              <a:t>Zaleta takiego podejścia jest taka, że Spark może zbudować sobie bardziej efektywny plan zapytania niż wynikałoby to z naszego kodu.</a:t>
+            </a:r>
           </a:p>
         </p:txBody>
       </p:sp>
     </p:spTree>
     <p:extLst>
       <p:ext uri="{BB962C8B-B14F-4D97-AF65-F5344CB8AC3E}">
-        <p14:creationId xmlns:p14="http://schemas.microsoft.com/office/powerpoint/2010/main" val="4043919891"/>
+        <p14:creationId xmlns:p14="http://schemas.microsoft.com/office/powerpoint/2010/main" val="1276424123"/>
       </p:ext>
     </p:extLst>
   </p:cSld>
@@ -2934,168 +3367,6 @@
           <a:bodyPr/>
           <a:lstStyle/>
           <a:p>
-            <a:r>
-              <a:rPr lang="en-US" dirty="0"/>
-              <a:t>Performance</a:t>
-            </a:r>
-            <a:r>
-              <a:rPr lang="pl-PL" dirty="0"/>
-              <a:t> - Spark jest napisany w Scali, dzięki czemu uzyskujemy najlepszą (native) wydajność i największą spójność i pokrycie między API Scali i API Sparka.</a:t>
-            </a:r>
-          </a:p>
-          <a:p>
-            <a:r>
-              <a:rPr lang="en-US" dirty="0"/>
-              <a:t>Type Safety</a:t>
-            </a:r>
-            <a:r>
-              <a:rPr lang="pl-PL" dirty="0"/>
-              <a:t> – w </a:t>
-            </a:r>
-            <a:r>
-              <a:rPr lang="pl-PL" dirty="0" err="1"/>
-              <a:t>prówaniu</a:t>
-            </a:r>
-            <a:r>
-              <a:rPr lang="pl-PL" dirty="0"/>
-              <a:t> do </a:t>
-            </a:r>
-            <a:r>
-              <a:rPr lang="pl-PL" dirty="0" err="1"/>
-              <a:t>Pythona</a:t>
-            </a:r>
-            <a:r>
-              <a:rPr lang="pl-PL" dirty="0"/>
-              <a:t> i R, korzyści ze Scali to  </a:t>
-            </a:r>
-            <a:r>
-              <a:rPr lang="pl-PL" dirty="0" err="1"/>
-              <a:t>statycze</a:t>
-            </a:r>
-            <a:r>
-              <a:rPr lang="pl-PL" dirty="0"/>
-              <a:t> </a:t>
-            </a:r>
-            <a:r>
-              <a:rPr lang="pl-PL" dirty="0" err="1"/>
-              <a:t>typowajie</a:t>
-            </a:r>
-            <a:r>
-              <a:rPr lang="pl-PL" dirty="0"/>
-              <a:t> (</a:t>
-            </a:r>
-            <a:r>
-              <a:rPr lang="en-US" dirty="0"/>
-              <a:t>static typing</a:t>
-            </a:r>
-            <a:r>
-              <a:rPr lang="pl-PL" dirty="0"/>
-              <a:t>) i  </a:t>
-            </a:r>
-            <a:r>
-              <a:rPr lang="en-US" dirty="0"/>
-              <a:t>type inference</a:t>
-            </a:r>
-            <a:r>
-              <a:rPr lang="pl-PL" dirty="0"/>
-              <a:t>.</a:t>
-            </a:r>
-          </a:p>
-          <a:p>
-            <a:r>
-              <a:rPr lang="pl-PL" dirty="0" err="1"/>
-              <a:t>Immutable</a:t>
-            </a:r>
-            <a:r>
-              <a:rPr lang="pl-PL" dirty="0"/>
-              <a:t> data </a:t>
-            </a:r>
-            <a:r>
-              <a:rPr lang="pl-PL" dirty="0" err="1"/>
-              <a:t>striuctrues</a:t>
-            </a:r>
-            <a:r>
-              <a:rPr lang="pl-PL" dirty="0"/>
-              <a:t> - </a:t>
-            </a:r>
-            <a:r>
-              <a:rPr lang="en-US" sz="1200" dirty="0"/>
-              <a:t>allowing for parallel, lock-free data processing,</a:t>
-            </a:r>
-            <a:endParaRPr lang="pl-PL" dirty="0"/>
-          </a:p>
-          <a:p>
-            <a:r>
-              <a:rPr lang="en-US" dirty="0"/>
-              <a:t>Concise, Expressive Code</a:t>
-            </a:r>
-            <a:r>
-              <a:rPr lang="pl-PL" dirty="0"/>
-              <a:t> –  w </a:t>
-            </a:r>
-            <a:r>
-              <a:rPr lang="pl-PL" dirty="0" err="1"/>
-              <a:t>porównianiu</a:t>
-            </a:r>
-            <a:r>
-              <a:rPr lang="pl-PL" dirty="0"/>
-              <a:t> do Javy, kod jest bardziej zwięzły (</a:t>
-            </a:r>
-            <a:r>
-              <a:rPr lang="pl-PL" dirty="0" err="1"/>
-              <a:t>concise</a:t>
-            </a:r>
-            <a:r>
-              <a:rPr lang="pl-PL" dirty="0"/>
-              <a:t>) dzięki czumu zwiększa Twoją produktywność. </a:t>
-            </a:r>
-            <a:r>
-              <a:rPr lang="en-US" dirty="0"/>
-              <a:t>and several features of Scala make your code even more concise. This elevates your productivity and makes it easier to imagine a design approach and then write it down without having to translate the idea to a less flexible API that reflects idiomatic language constraints. (You'll see this in action as we go.)</a:t>
-            </a:r>
-            <a:endParaRPr lang="pl-PL" dirty="0"/>
-          </a:p>
-          <a:p>
-            <a:r>
-              <a:rPr lang="pl-PL" dirty="0"/>
-              <a:t>Debugging – kiedy pojawiają się problemy z kodem, zrozumie </a:t>
-            </a:r>
-            <a:r>
-              <a:rPr lang="pl-PL" dirty="0" err="1"/>
-              <a:t>exception</a:t>
-            </a:r>
-            <a:r>
-              <a:rPr lang="pl-PL" dirty="0"/>
-              <a:t> </a:t>
-            </a:r>
-            <a:r>
-              <a:rPr lang="pl-PL" dirty="0" err="1"/>
-              <a:t>stack</a:t>
-            </a:r>
-            <a:r>
-              <a:rPr lang="pl-PL" dirty="0"/>
-              <a:t> </a:t>
-            </a:r>
-            <a:r>
-              <a:rPr lang="pl-PL" dirty="0" err="1"/>
-              <a:t>trace</a:t>
-            </a:r>
-            <a:r>
-              <a:rPr lang="pl-PL" dirty="0"/>
-              <a:t> jest prostsze jeśli znasz </a:t>
-            </a:r>
-            <a:r>
-              <a:rPr lang="pl-PL" dirty="0" err="1"/>
-              <a:t>Scale</a:t>
-            </a:r>
-            <a:r>
-              <a:rPr lang="pl-PL" dirty="0"/>
-              <a:t>. </a:t>
-            </a:r>
-            <a:r>
-              <a:rPr lang="en-US" dirty="0"/>
-              <a:t>Unfortunately, the "abstraction leaks" when problems occur.</a:t>
-            </a:r>
             <a:endParaRPr lang="pl-PL" dirty="0"/>
           </a:p>
         </p:txBody>
@@ -3103,7 +3374,7 @@
     </p:spTree>
     <p:extLst>
       <p:ext uri="{BB962C8B-B14F-4D97-AF65-F5344CB8AC3E}">
-        <p14:creationId xmlns:p14="http://schemas.microsoft.com/office/powerpoint/2010/main" val="3904810144"/>
+        <p14:creationId xmlns:p14="http://schemas.microsoft.com/office/powerpoint/2010/main" val="4043919891"/>
       </p:ext>
     </p:extLst>
   </p:cSld>
@@ -6706,10 +6977,6 @@
               <a:rPr lang="pl-PL" dirty="0"/>
             </a:br>
             <a:r>
-              <a:rPr lang="pl-PL" dirty="0"/>
-              <a:t>RDD: </a:t>
-            </a:r>
-            <a:r>
               <a:rPr lang="pl-PL" dirty="0" err="1"/>
               <a:t>Transformations</a:t>
             </a:r>
@@ -13154,13 +13421,13 @@
           <p:nvPr>
             <p:extLst>
               <p:ext uri="{D42A27DB-BD31-4B8C-83A1-F6EECF244321}">
-                <p14:modId xmlns:p14="http://schemas.microsoft.com/office/powerpoint/2010/main" val="3556106992"/>
+                <p14:modId xmlns:p14="http://schemas.microsoft.com/office/powerpoint/2010/main" val="444104475"/>
               </p:ext>
             </p:extLst>
           </p:nvPr>
         </p:nvGraphicFramePr>
         <p:xfrm>
-          <a:off x="1668676" y="1141888"/>
+          <a:off x="755650" y="1039274"/>
           <a:ext cx="5803275" cy="2381250"/>
         </p:xfrm>
         <a:graphic>
@@ -14637,7 +14904,7 @@
         </p:nvSpPr>
         <p:spPr>
           <a:xfrm>
-            <a:off x="3532257" y="3731154"/>
+            <a:off x="2619231" y="3572054"/>
             <a:ext cx="3939694" cy="230832"/>
           </a:xfrm>
           <a:prstGeom prst="rect">
@@ -15113,15 +15380,30 @@
           <a:p>
             <a:r>
               <a:rPr lang="pl-PL" sz="2000" dirty="0" err="1"/>
-              <a:t>Runs</a:t>
+              <a:t>Hadoop</a:t>
             </a:r>
             <a:r>
               <a:rPr lang="pl-PL" sz="2000" dirty="0"/>
-              <a:t> on </a:t>
+              <a:t> (HDFS) </a:t>
             </a:r>
             <a:r>
               <a:rPr lang="pl-PL" sz="2000" dirty="0" err="1"/>
-              <a:t>Hadoop</a:t>
+              <a:t>clusters</a:t>
+            </a:r>
+            <a:endParaRPr lang="pl-PL" sz="2000" dirty="0"/>
+          </a:p>
+          <a:p>
+            <a:r>
+              <a:rPr lang="pl-PL" sz="2000" dirty="0" err="1"/>
+              <a:t>HBase</a:t>
+            </a:r>
+            <a:r>
+              <a:rPr lang="pl-PL" sz="2000" dirty="0"/>
+              <a:t>, </a:t>
+            </a:r>
+            <a:r>
+              <a:rPr lang="pl-PL" sz="2000" dirty="0" err="1"/>
+              <a:t>integrate</a:t>
             </a:r>
             <a:r>
               <a:rPr lang="pl-PL" sz="2000" dirty="0"/>
@@ -15129,45 +15411,6 @@
             </a:r>
             <a:r>
               <a:rPr lang="pl-PL" sz="2000" dirty="0" err="1"/>
-              <a:t>clusters</a:t>
-            </a:r>
-            <a:endParaRPr lang="pl-PL" sz="2000" dirty="0"/>
-          </a:p>
-          <a:p>
-            <a:r>
-              <a:rPr lang="pl-PL" sz="2000" dirty="0" err="1"/>
-              <a:t>Can</a:t>
-            </a:r>
-            <a:r>
-              <a:rPr lang="pl-PL" sz="2000" dirty="0"/>
-              <a:t> </a:t>
-            </a:r>
-            <a:r>
-              <a:rPr lang="pl-PL" sz="2000" dirty="0" err="1"/>
-              <a:t>read</a:t>
-            </a:r>
-            <a:r>
-              <a:rPr lang="pl-PL" sz="2000" dirty="0"/>
-              <a:t> HDFS and </a:t>
-            </a:r>
-            <a:r>
-              <a:rPr lang="pl-PL" sz="2000" dirty="0" err="1"/>
-              <a:t>Hbase</a:t>
-            </a:r>
-            <a:r>
-              <a:rPr lang="pl-PL" sz="2000" dirty="0"/>
-              <a:t>, </a:t>
-            </a:r>
-            <a:r>
-              <a:rPr lang="pl-PL" sz="2000" dirty="0" err="1"/>
-              <a:t>integrate</a:t>
-            </a:r>
-            <a:r>
-              <a:rPr lang="pl-PL" sz="2000" dirty="0"/>
-              <a:t> </a:t>
-            </a:r>
-            <a:r>
-              <a:rPr lang="pl-PL" sz="2000" dirty="0" err="1"/>
               <a:t>nicely</a:t>
             </a:r>
             <a:r>
@@ -15182,36 +15425,8 @@
           </a:p>
           <a:p>
             <a:r>
-              <a:rPr lang="pl-PL" sz="2000" dirty="0" err="1"/>
-              <a:t>Supports</a:t>
-            </a:r>
-            <a:r>
               <a:rPr lang="pl-PL" sz="2000" dirty="0"/>
-              <a:t> </a:t>
-            </a:r>
-            <a:r>
-              <a:rPr lang="pl-PL" sz="2000" dirty="0" err="1"/>
-              <a:t>multiple</a:t>
-            </a:r>
-            <a:r>
-              <a:rPr lang="pl-PL" sz="2000" dirty="0"/>
-              <a:t> data </a:t>
-            </a:r>
-            <a:r>
-              <a:rPr lang="pl-PL" sz="2000" dirty="0" err="1"/>
-              <a:t>formats</a:t>
-            </a:r>
-            <a:r>
-              <a:rPr lang="pl-PL" sz="2000" dirty="0"/>
-              <a:t>, </a:t>
-            </a:r>
-            <a:r>
-              <a:rPr lang="pl-PL" sz="2000" dirty="0" err="1"/>
-              <a:t>starting</a:t>
-            </a:r>
-            <a:r>
-              <a:rPr lang="pl-PL" sz="2000" dirty="0"/>
-              <a:t> from CSV to </a:t>
+              <a:t>From CSV to </a:t>
             </a:r>
             <a:r>
               <a:rPr lang="pl-PL" sz="2000" dirty="0" err="1"/>
@@ -15264,60 +15479,8 @@
           </a:p>
           <a:p>
             <a:r>
-              <a:rPr lang="pl-PL" sz="2000" dirty="0" err="1"/>
-              <a:t>Can</a:t>
-            </a:r>
-            <a:r>
               <a:rPr lang="pl-PL" sz="2000" dirty="0"/>
-              <a:t> be </a:t>
-            </a:r>
-            <a:r>
-              <a:rPr lang="pl-PL" sz="2000" dirty="0" err="1"/>
-              <a:t>hosted</a:t>
-            </a:r>
-            <a:r>
-              <a:rPr lang="pl-PL" sz="2000" dirty="0"/>
-              <a:t> on Linux and Win in </a:t>
-            </a:r>
-            <a:r>
-              <a:rPr lang="pl-PL" sz="2000" dirty="0" err="1"/>
-              <a:t>standalone</a:t>
-            </a:r>
-            <a:r>
-              <a:rPr lang="pl-PL" sz="2000" dirty="0"/>
-              <a:t> </a:t>
-            </a:r>
-            <a:r>
-              <a:rPr lang="pl-PL" sz="2000" dirty="0" err="1"/>
-              <a:t>mode</a:t>
-            </a:r>
-            <a:r>
-              <a:rPr lang="pl-PL" sz="2000" dirty="0"/>
-              <a:t> (</a:t>
-            </a:r>
-            <a:r>
-              <a:rPr lang="pl-PL" sz="2000" dirty="0" err="1"/>
-              <a:t>e.g</a:t>
-            </a:r>
-            <a:r>
-              <a:rPr lang="pl-PL" sz="2000" dirty="0"/>
-              <a:t> for </a:t>
-            </a:r>
-            <a:r>
-              <a:rPr lang="pl-PL" sz="2000" dirty="0" err="1"/>
-              <a:t>dev</a:t>
-            </a:r>
-            <a:r>
-              <a:rPr lang="pl-PL" sz="2000" dirty="0"/>
-              <a:t> </a:t>
-            </a:r>
-            <a:r>
-              <a:rPr lang="pl-PL" sz="2000" dirty="0" err="1"/>
-              <a:t>purposes</a:t>
-            </a:r>
-            <a:r>
-              <a:rPr lang="pl-PL" sz="2000" dirty="0"/>
-              <a:t>)</a:t>
+              <a:t>Development: Linux/Win/Mac</a:t>
             </a:r>
           </a:p>
           <a:p>
@@ -15413,7 +15576,7 @@
           <p:nvPr/>
         </p:nvPicPr>
         <p:blipFill>
-          <a:blip r:embed="rId2">
+          <a:blip r:embed="rId3">
             <a:extLst>
               <a:ext uri="{28A0092B-C50C-407E-A947-70E740481C1C}">
                 <a14:useLocalDpi xmlns:a14="http://schemas.microsoft.com/office/drawing/2010/main" val="0"/>
@@ -15459,401 +15622,6 @@
 </file>
 
 <file path=ppt/slides/slide7.xml><?xml version="1.0" encoding="utf-8"?>
-<p:sld xmlns:a="http://schemas.openxmlformats.org/drawingml/2006/main" xmlns:r="http://schemas.openxmlformats.org/officeDocument/2006/relationships" xmlns:p="http://schemas.openxmlformats.org/presentationml/2006/main">
-  <p:cSld>
-    <p:spTree>
-      <p:nvGrpSpPr>
-        <p:cNvPr id="1" name=""/>
-        <p:cNvGrpSpPr/>
-        <p:nvPr/>
-      </p:nvGrpSpPr>
-      <p:grpSpPr>
-        <a:xfrm>
-          <a:off x="0" y="0"/>
-          <a:ext cx="0" cy="0"/>
-          <a:chOff x="0" y="0"/>
-          <a:chExt cx="0" cy="0"/>
-        </a:xfrm>
-      </p:grpSpPr>
-      <p:sp>
-        <p:nvSpPr>
-          <p:cNvPr id="2" name="Title 1"/>
-          <p:cNvSpPr>
-            <a:spLocks noGrp="1"/>
-          </p:cNvSpPr>
-          <p:nvPr>
-            <p:ph type="title"/>
-          </p:nvPr>
-        </p:nvSpPr>
-        <p:spPr>
-          <a:xfrm>
-            <a:off x="755650" y="413693"/>
-            <a:ext cx="7632700" cy="357857"/>
-          </a:xfrm>
-        </p:spPr>
-        <p:txBody>
-          <a:bodyPr/>
-          <a:lstStyle/>
-          <a:p>
-            <a:r>
-              <a:rPr lang="pl-PL" dirty="0" err="1"/>
-              <a:t>Generality</a:t>
-            </a:r>
-            <a:endParaRPr lang="pl-PL" dirty="0"/>
-          </a:p>
-        </p:txBody>
-      </p:sp>
-      <p:sp>
-        <p:nvSpPr>
-          <p:cNvPr id="3" name="Footer Placeholder 2"/>
-          <p:cNvSpPr>
-            <a:spLocks noGrp="1"/>
-          </p:cNvSpPr>
-          <p:nvPr>
-            <p:ph type="ftr" sz="quarter" idx="16"/>
-          </p:nvPr>
-        </p:nvSpPr>
-        <p:spPr/>
-        <p:txBody>
-          <a:bodyPr/>
-          <a:lstStyle/>
-          <a:p>
-            <a:endParaRPr lang="pl-PL" dirty="0"/>
-          </a:p>
-        </p:txBody>
-      </p:sp>
-      <p:sp>
-        <p:nvSpPr>
-          <p:cNvPr id="4" name="Date Placeholder 3"/>
-          <p:cNvSpPr>
-            <a:spLocks noGrp="1"/>
-          </p:cNvSpPr>
-          <p:nvPr>
-            <p:ph type="dt" sz="half" idx="15"/>
-          </p:nvPr>
-        </p:nvSpPr>
-        <p:spPr/>
-        <p:txBody>
-          <a:bodyPr/>
-          <a:lstStyle/>
-          <a:p>
-            <a:endParaRPr lang="pl-PL" dirty="0"/>
-          </a:p>
-        </p:txBody>
-      </p:sp>
-      <p:sp>
-        <p:nvSpPr>
-          <p:cNvPr id="7" name="TextBox 6"/>
-          <p:cNvSpPr txBox="1"/>
-          <p:nvPr/>
-        </p:nvSpPr>
-        <p:spPr>
-          <a:xfrm>
-            <a:off x="8859520" y="1198880"/>
-            <a:ext cx="914400" cy="914400"/>
-          </a:xfrm>
-          <a:prstGeom prst="rect">
-            <a:avLst/>
-          </a:prstGeom>
-          <a:noFill/>
-        </p:spPr>
-        <p:txBody>
-          <a:bodyPr wrap="none" lIns="0" tIns="0" rIns="0" bIns="0" rtlCol="0">
-            <a:noAutofit/>
-          </a:bodyPr>
-          <a:lstStyle/>
-          <a:p>
-            <a:pPr>
-              <a:lnSpc>
-                <a:spcPct val="140000"/>
-              </a:lnSpc>
-            </a:pPr>
-            <a:endParaRPr lang="en-US" dirty="0" err="1">
-              <a:solidFill>
-                <a:schemeClr val="tx1"/>
-              </a:solidFill>
-            </a:endParaRPr>
-          </a:p>
-        </p:txBody>
-      </p:sp>
-      <p:sp>
-        <p:nvSpPr>
-          <p:cNvPr id="11" name="TextBox 10"/>
-          <p:cNvSpPr txBox="1"/>
-          <p:nvPr/>
-        </p:nvSpPr>
-        <p:spPr>
-          <a:xfrm>
-            <a:off x="8524240" y="975360"/>
-            <a:ext cx="914400" cy="914400"/>
-          </a:xfrm>
-          <a:prstGeom prst="rect">
-            <a:avLst/>
-          </a:prstGeom>
-          <a:noFill/>
-        </p:spPr>
-        <p:txBody>
-          <a:bodyPr wrap="none" lIns="0" tIns="0" rIns="0" bIns="0" rtlCol="0">
-            <a:noAutofit/>
-          </a:bodyPr>
-          <a:lstStyle/>
-          <a:p>
-            <a:pPr>
-              <a:lnSpc>
-                <a:spcPct val="140000"/>
-              </a:lnSpc>
-            </a:pPr>
-            <a:endParaRPr lang="en-US" dirty="0" err="1">
-              <a:solidFill>
-                <a:schemeClr val="tx1"/>
-              </a:solidFill>
-            </a:endParaRPr>
-          </a:p>
-        </p:txBody>
-      </p:sp>
-      <p:pic>
-        <p:nvPicPr>
-          <p:cNvPr id="5" name="Picture 4">
-            <a:extLst>
-              <a:ext uri="{FF2B5EF4-FFF2-40B4-BE49-F238E27FC236}">
-                <a16:creationId xmlns:a16="http://schemas.microsoft.com/office/drawing/2014/main" id="{8A46501B-7203-4C5E-B187-C4BF90279956}"/>
-              </a:ext>
-            </a:extLst>
-          </p:cNvPr>
-          <p:cNvPicPr>
-            <a:picLocks noChangeAspect="1"/>
-          </p:cNvPicPr>
-          <p:nvPr/>
-        </p:nvPicPr>
-        <p:blipFill>
-          <a:blip r:embed="rId2"/>
-          <a:stretch>
-            <a:fillRect/>
-          </a:stretch>
-        </p:blipFill>
-        <p:spPr>
-          <a:xfrm>
-            <a:off x="2661405" y="1563638"/>
-            <a:ext cx="3960440" cy="1865976"/>
-          </a:xfrm>
-          <a:prstGeom prst="rect">
-            <a:avLst/>
-          </a:prstGeom>
-        </p:spPr>
-      </p:pic>
-    </p:spTree>
-    <p:extLst>
-      <p:ext uri="{BB962C8B-B14F-4D97-AF65-F5344CB8AC3E}">
-        <p14:creationId xmlns:p14="http://schemas.microsoft.com/office/powerpoint/2010/main" val="1049252869"/>
-      </p:ext>
-    </p:extLst>
-  </p:cSld>
-  <p:clrMapOvr>
-    <a:masterClrMapping/>
-  </p:clrMapOvr>
-</p:sld>
-</file>
-
-<file path=ppt/slides/slide8.xml><?xml version="1.0" encoding="utf-8"?>
-<p:sld xmlns:a="http://schemas.openxmlformats.org/drawingml/2006/main" xmlns:r="http://schemas.openxmlformats.org/officeDocument/2006/relationships" xmlns:p="http://schemas.openxmlformats.org/presentationml/2006/main">
-  <p:cSld>
-    <p:spTree>
-      <p:nvGrpSpPr>
-        <p:cNvPr id="1" name=""/>
-        <p:cNvGrpSpPr/>
-        <p:nvPr/>
-      </p:nvGrpSpPr>
-      <p:grpSpPr>
-        <a:xfrm>
-          <a:off x="0" y="0"/>
-          <a:ext cx="0" cy="0"/>
-          <a:chOff x="0" y="0"/>
-          <a:chExt cx="0" cy="0"/>
-        </a:xfrm>
-      </p:grpSpPr>
-      <p:sp>
-        <p:nvSpPr>
-          <p:cNvPr id="2" name="Title 1"/>
-          <p:cNvSpPr>
-            <a:spLocks noGrp="1"/>
-          </p:cNvSpPr>
-          <p:nvPr>
-            <p:ph type="title"/>
-          </p:nvPr>
-        </p:nvSpPr>
-        <p:spPr>
-          <a:xfrm>
-            <a:off x="755650" y="413693"/>
-            <a:ext cx="7632700" cy="357857"/>
-          </a:xfrm>
-        </p:spPr>
-        <p:txBody>
-          <a:bodyPr/>
-          <a:lstStyle/>
-          <a:p>
-            <a:br>
-              <a:rPr lang="pl-PL" dirty="0"/>
-            </a:br>
-            <a:r>
-              <a:rPr lang="pl-PL" dirty="0"/>
-              <a:t>Apache Spark Architecture</a:t>
-            </a:r>
-            <a:endParaRPr lang="en-US" dirty="0"/>
-          </a:p>
-        </p:txBody>
-      </p:sp>
-      <p:sp>
-        <p:nvSpPr>
-          <p:cNvPr id="3" name="Footer Placeholder 2"/>
-          <p:cNvSpPr>
-            <a:spLocks noGrp="1"/>
-          </p:cNvSpPr>
-          <p:nvPr>
-            <p:ph type="ftr" sz="quarter" idx="16"/>
-          </p:nvPr>
-        </p:nvSpPr>
-        <p:spPr/>
-        <p:txBody>
-          <a:bodyPr/>
-          <a:lstStyle/>
-          <a:p>
-            <a:endParaRPr lang="pl-PL" dirty="0"/>
-          </a:p>
-        </p:txBody>
-      </p:sp>
-      <p:sp>
-        <p:nvSpPr>
-          <p:cNvPr id="4" name="Date Placeholder 3"/>
-          <p:cNvSpPr>
-            <a:spLocks noGrp="1"/>
-          </p:cNvSpPr>
-          <p:nvPr>
-            <p:ph type="dt" sz="half" idx="15"/>
-          </p:nvPr>
-        </p:nvSpPr>
-        <p:spPr/>
-        <p:txBody>
-          <a:bodyPr/>
-          <a:lstStyle/>
-          <a:p>
-            <a:endParaRPr lang="pl-PL" dirty="0"/>
-          </a:p>
-        </p:txBody>
-      </p:sp>
-      <p:sp>
-        <p:nvSpPr>
-          <p:cNvPr id="7" name="TextBox 6"/>
-          <p:cNvSpPr txBox="1"/>
-          <p:nvPr/>
-        </p:nvSpPr>
-        <p:spPr>
-          <a:xfrm>
-            <a:off x="8859520" y="1198880"/>
-            <a:ext cx="914400" cy="914400"/>
-          </a:xfrm>
-          <a:prstGeom prst="rect">
-            <a:avLst/>
-          </a:prstGeom>
-          <a:noFill/>
-        </p:spPr>
-        <p:txBody>
-          <a:bodyPr wrap="none" lIns="0" tIns="0" rIns="0" bIns="0" rtlCol="0">
-            <a:noAutofit/>
-          </a:bodyPr>
-          <a:lstStyle/>
-          <a:p>
-            <a:pPr>
-              <a:lnSpc>
-                <a:spcPct val="140000"/>
-              </a:lnSpc>
-            </a:pPr>
-            <a:endParaRPr lang="en-US" dirty="0" err="1">
-              <a:solidFill>
-                <a:schemeClr val="tx1"/>
-              </a:solidFill>
-            </a:endParaRPr>
-          </a:p>
-        </p:txBody>
-      </p:sp>
-      <p:sp>
-        <p:nvSpPr>
-          <p:cNvPr id="11" name="TextBox 10"/>
-          <p:cNvSpPr txBox="1"/>
-          <p:nvPr/>
-        </p:nvSpPr>
-        <p:spPr>
-          <a:xfrm>
-            <a:off x="8524240" y="975360"/>
-            <a:ext cx="914400" cy="914400"/>
-          </a:xfrm>
-          <a:prstGeom prst="rect">
-            <a:avLst/>
-          </a:prstGeom>
-          <a:noFill/>
-        </p:spPr>
-        <p:txBody>
-          <a:bodyPr wrap="none" lIns="0" tIns="0" rIns="0" bIns="0" rtlCol="0">
-            <a:noAutofit/>
-          </a:bodyPr>
-          <a:lstStyle/>
-          <a:p>
-            <a:pPr>
-              <a:lnSpc>
-                <a:spcPct val="140000"/>
-              </a:lnSpc>
-            </a:pPr>
-            <a:endParaRPr lang="en-US" dirty="0" err="1">
-              <a:solidFill>
-                <a:schemeClr val="tx1"/>
-              </a:solidFill>
-            </a:endParaRPr>
-          </a:p>
-        </p:txBody>
-      </p:sp>
-      <p:pic>
-        <p:nvPicPr>
-          <p:cNvPr id="6" name="Picture 5">
-            <a:extLst>
-              <a:ext uri="{FF2B5EF4-FFF2-40B4-BE49-F238E27FC236}">
-                <a16:creationId xmlns:a16="http://schemas.microsoft.com/office/drawing/2014/main" id="{E56C735E-26BD-4FF5-92B6-016E4ACB8DB5}"/>
-              </a:ext>
-            </a:extLst>
-          </p:cNvPr>
-          <p:cNvPicPr>
-            <a:picLocks noChangeAspect="1"/>
-          </p:cNvPicPr>
-          <p:nvPr/>
-        </p:nvPicPr>
-        <p:blipFill>
-          <a:blip r:embed="rId3"/>
-          <a:stretch>
-            <a:fillRect/>
-          </a:stretch>
-        </p:blipFill>
-        <p:spPr>
-          <a:xfrm>
-            <a:off x="1619672" y="926072"/>
-            <a:ext cx="5602965" cy="3592377"/>
-          </a:xfrm>
-          <a:prstGeom prst="rect">
-            <a:avLst/>
-          </a:prstGeom>
-        </p:spPr>
-      </p:pic>
-    </p:spTree>
-    <p:extLst>
-      <p:ext uri="{BB962C8B-B14F-4D97-AF65-F5344CB8AC3E}">
-        <p14:creationId xmlns:p14="http://schemas.microsoft.com/office/powerpoint/2010/main" val="1727686954"/>
-      </p:ext>
-    </p:extLst>
-  </p:cSld>
-  <p:clrMapOvr>
-    <a:masterClrMapping/>
-  </p:clrMapOvr>
-</p:sld>
-</file>
-
-<file path=ppt/slides/slide9.xml><?xml version="1.0" encoding="utf-8"?>
 <p:sld xmlns:a="http://schemas.openxmlformats.org/drawingml/2006/main" xmlns:r="http://schemas.openxmlformats.org/officeDocument/2006/relationships" xmlns:p="http://schemas.openxmlformats.org/presentationml/2006/main">
   <p:cSld>
     <p:spTree>
@@ -16109,6 +15877,401 @@
     <p:extLst>
       <p:ext uri="{BB962C8B-B14F-4D97-AF65-F5344CB8AC3E}">
         <p14:creationId xmlns:p14="http://schemas.microsoft.com/office/powerpoint/2010/main" val="2826400824"/>
+      </p:ext>
+    </p:extLst>
+  </p:cSld>
+  <p:clrMapOvr>
+    <a:masterClrMapping/>
+  </p:clrMapOvr>
+</p:sld>
+</file>
+
+<file path=ppt/slides/slide8.xml><?xml version="1.0" encoding="utf-8"?>
+<p:sld xmlns:a="http://schemas.openxmlformats.org/drawingml/2006/main" xmlns:r="http://schemas.openxmlformats.org/officeDocument/2006/relationships" xmlns:p="http://schemas.openxmlformats.org/presentationml/2006/main">
+  <p:cSld>
+    <p:spTree>
+      <p:nvGrpSpPr>
+        <p:cNvPr id="1" name=""/>
+        <p:cNvGrpSpPr/>
+        <p:nvPr/>
+      </p:nvGrpSpPr>
+      <p:grpSpPr>
+        <a:xfrm>
+          <a:off x="0" y="0"/>
+          <a:ext cx="0" cy="0"/>
+          <a:chOff x="0" y="0"/>
+          <a:chExt cx="0" cy="0"/>
+        </a:xfrm>
+      </p:grpSpPr>
+      <p:sp>
+        <p:nvSpPr>
+          <p:cNvPr id="2" name="Title 1"/>
+          <p:cNvSpPr>
+            <a:spLocks noGrp="1"/>
+          </p:cNvSpPr>
+          <p:nvPr>
+            <p:ph type="title"/>
+          </p:nvPr>
+        </p:nvSpPr>
+        <p:spPr>
+          <a:xfrm>
+            <a:off x="755650" y="413693"/>
+            <a:ext cx="7632700" cy="357857"/>
+          </a:xfrm>
+        </p:spPr>
+        <p:txBody>
+          <a:bodyPr/>
+          <a:lstStyle/>
+          <a:p>
+            <a:r>
+              <a:rPr lang="pl-PL" dirty="0" err="1"/>
+              <a:t>Generality</a:t>
+            </a:r>
+            <a:endParaRPr lang="pl-PL" dirty="0"/>
+          </a:p>
+        </p:txBody>
+      </p:sp>
+      <p:sp>
+        <p:nvSpPr>
+          <p:cNvPr id="3" name="Footer Placeholder 2"/>
+          <p:cNvSpPr>
+            <a:spLocks noGrp="1"/>
+          </p:cNvSpPr>
+          <p:nvPr>
+            <p:ph type="ftr" sz="quarter" idx="16"/>
+          </p:nvPr>
+        </p:nvSpPr>
+        <p:spPr/>
+        <p:txBody>
+          <a:bodyPr/>
+          <a:lstStyle/>
+          <a:p>
+            <a:endParaRPr lang="pl-PL" dirty="0"/>
+          </a:p>
+        </p:txBody>
+      </p:sp>
+      <p:sp>
+        <p:nvSpPr>
+          <p:cNvPr id="4" name="Date Placeholder 3"/>
+          <p:cNvSpPr>
+            <a:spLocks noGrp="1"/>
+          </p:cNvSpPr>
+          <p:nvPr>
+            <p:ph type="dt" sz="half" idx="15"/>
+          </p:nvPr>
+        </p:nvSpPr>
+        <p:spPr/>
+        <p:txBody>
+          <a:bodyPr/>
+          <a:lstStyle/>
+          <a:p>
+            <a:endParaRPr lang="pl-PL" dirty="0"/>
+          </a:p>
+        </p:txBody>
+      </p:sp>
+      <p:sp>
+        <p:nvSpPr>
+          <p:cNvPr id="7" name="TextBox 6"/>
+          <p:cNvSpPr txBox="1"/>
+          <p:nvPr/>
+        </p:nvSpPr>
+        <p:spPr>
+          <a:xfrm>
+            <a:off x="8859520" y="1198880"/>
+            <a:ext cx="914400" cy="914400"/>
+          </a:xfrm>
+          <a:prstGeom prst="rect">
+            <a:avLst/>
+          </a:prstGeom>
+          <a:noFill/>
+        </p:spPr>
+        <p:txBody>
+          <a:bodyPr wrap="none" lIns="0" tIns="0" rIns="0" bIns="0" rtlCol="0">
+            <a:noAutofit/>
+          </a:bodyPr>
+          <a:lstStyle/>
+          <a:p>
+            <a:pPr>
+              <a:lnSpc>
+                <a:spcPct val="140000"/>
+              </a:lnSpc>
+            </a:pPr>
+            <a:endParaRPr lang="en-US" dirty="0" err="1">
+              <a:solidFill>
+                <a:schemeClr val="tx1"/>
+              </a:solidFill>
+            </a:endParaRPr>
+          </a:p>
+        </p:txBody>
+      </p:sp>
+      <p:sp>
+        <p:nvSpPr>
+          <p:cNvPr id="11" name="TextBox 10"/>
+          <p:cNvSpPr txBox="1"/>
+          <p:nvPr/>
+        </p:nvSpPr>
+        <p:spPr>
+          <a:xfrm>
+            <a:off x="8524240" y="975360"/>
+            <a:ext cx="914400" cy="914400"/>
+          </a:xfrm>
+          <a:prstGeom prst="rect">
+            <a:avLst/>
+          </a:prstGeom>
+          <a:noFill/>
+        </p:spPr>
+        <p:txBody>
+          <a:bodyPr wrap="none" lIns="0" tIns="0" rIns="0" bIns="0" rtlCol="0">
+            <a:noAutofit/>
+          </a:bodyPr>
+          <a:lstStyle/>
+          <a:p>
+            <a:pPr>
+              <a:lnSpc>
+                <a:spcPct val="140000"/>
+              </a:lnSpc>
+            </a:pPr>
+            <a:endParaRPr lang="en-US" dirty="0" err="1">
+              <a:solidFill>
+                <a:schemeClr val="tx1"/>
+              </a:solidFill>
+            </a:endParaRPr>
+          </a:p>
+        </p:txBody>
+      </p:sp>
+      <p:pic>
+        <p:nvPicPr>
+          <p:cNvPr id="5" name="Picture 4">
+            <a:extLst>
+              <a:ext uri="{FF2B5EF4-FFF2-40B4-BE49-F238E27FC236}">
+                <a16:creationId xmlns:a16="http://schemas.microsoft.com/office/drawing/2014/main" id="{8A46501B-7203-4C5E-B187-C4BF90279956}"/>
+              </a:ext>
+            </a:extLst>
+          </p:cNvPr>
+          <p:cNvPicPr>
+            <a:picLocks noChangeAspect="1"/>
+          </p:cNvPicPr>
+          <p:nvPr/>
+        </p:nvPicPr>
+        <p:blipFill>
+          <a:blip r:embed="rId2"/>
+          <a:stretch>
+            <a:fillRect/>
+          </a:stretch>
+        </p:blipFill>
+        <p:spPr>
+          <a:xfrm>
+            <a:off x="2661405" y="1563638"/>
+            <a:ext cx="3960440" cy="1865976"/>
+          </a:xfrm>
+          <a:prstGeom prst="rect">
+            <a:avLst/>
+          </a:prstGeom>
+        </p:spPr>
+      </p:pic>
+    </p:spTree>
+    <p:extLst>
+      <p:ext uri="{BB962C8B-B14F-4D97-AF65-F5344CB8AC3E}">
+        <p14:creationId xmlns:p14="http://schemas.microsoft.com/office/powerpoint/2010/main" val="1049252869"/>
+      </p:ext>
+    </p:extLst>
+  </p:cSld>
+  <p:clrMapOvr>
+    <a:masterClrMapping/>
+  </p:clrMapOvr>
+</p:sld>
+</file>
+
+<file path=ppt/slides/slide9.xml><?xml version="1.0" encoding="utf-8"?>
+<p:sld xmlns:a="http://schemas.openxmlformats.org/drawingml/2006/main" xmlns:r="http://schemas.openxmlformats.org/officeDocument/2006/relationships" xmlns:p="http://schemas.openxmlformats.org/presentationml/2006/main">
+  <p:cSld>
+    <p:spTree>
+      <p:nvGrpSpPr>
+        <p:cNvPr id="1" name=""/>
+        <p:cNvGrpSpPr/>
+        <p:nvPr/>
+      </p:nvGrpSpPr>
+      <p:grpSpPr>
+        <a:xfrm>
+          <a:off x="0" y="0"/>
+          <a:ext cx="0" cy="0"/>
+          <a:chOff x="0" y="0"/>
+          <a:chExt cx="0" cy="0"/>
+        </a:xfrm>
+      </p:grpSpPr>
+      <p:sp>
+        <p:nvSpPr>
+          <p:cNvPr id="2" name="Title 1"/>
+          <p:cNvSpPr>
+            <a:spLocks noGrp="1"/>
+          </p:cNvSpPr>
+          <p:nvPr>
+            <p:ph type="title"/>
+          </p:nvPr>
+        </p:nvSpPr>
+        <p:spPr>
+          <a:xfrm>
+            <a:off x="755650" y="413693"/>
+            <a:ext cx="7632700" cy="357857"/>
+          </a:xfrm>
+        </p:spPr>
+        <p:txBody>
+          <a:bodyPr/>
+          <a:lstStyle/>
+          <a:p>
+            <a:br>
+              <a:rPr lang="pl-PL" dirty="0"/>
+            </a:br>
+            <a:r>
+              <a:rPr lang="pl-PL" dirty="0"/>
+              <a:t>Apache Spark Architecture</a:t>
+            </a:r>
+            <a:endParaRPr lang="en-US" dirty="0"/>
+          </a:p>
+        </p:txBody>
+      </p:sp>
+      <p:sp>
+        <p:nvSpPr>
+          <p:cNvPr id="3" name="Footer Placeholder 2"/>
+          <p:cNvSpPr>
+            <a:spLocks noGrp="1"/>
+          </p:cNvSpPr>
+          <p:nvPr>
+            <p:ph type="ftr" sz="quarter" idx="16"/>
+          </p:nvPr>
+        </p:nvSpPr>
+        <p:spPr/>
+        <p:txBody>
+          <a:bodyPr/>
+          <a:lstStyle/>
+          <a:p>
+            <a:endParaRPr lang="pl-PL" dirty="0"/>
+          </a:p>
+        </p:txBody>
+      </p:sp>
+      <p:sp>
+        <p:nvSpPr>
+          <p:cNvPr id="4" name="Date Placeholder 3"/>
+          <p:cNvSpPr>
+            <a:spLocks noGrp="1"/>
+          </p:cNvSpPr>
+          <p:nvPr>
+            <p:ph type="dt" sz="half" idx="15"/>
+          </p:nvPr>
+        </p:nvSpPr>
+        <p:spPr/>
+        <p:txBody>
+          <a:bodyPr/>
+          <a:lstStyle/>
+          <a:p>
+            <a:endParaRPr lang="pl-PL" dirty="0"/>
+          </a:p>
+        </p:txBody>
+      </p:sp>
+      <p:sp>
+        <p:nvSpPr>
+          <p:cNvPr id="7" name="TextBox 6"/>
+          <p:cNvSpPr txBox="1"/>
+          <p:nvPr/>
+        </p:nvSpPr>
+        <p:spPr>
+          <a:xfrm>
+            <a:off x="8859520" y="1198880"/>
+            <a:ext cx="914400" cy="914400"/>
+          </a:xfrm>
+          <a:prstGeom prst="rect">
+            <a:avLst/>
+          </a:prstGeom>
+          <a:noFill/>
+        </p:spPr>
+        <p:txBody>
+          <a:bodyPr wrap="none" lIns="0" tIns="0" rIns="0" bIns="0" rtlCol="0">
+            <a:noAutofit/>
+          </a:bodyPr>
+          <a:lstStyle/>
+          <a:p>
+            <a:pPr>
+              <a:lnSpc>
+                <a:spcPct val="140000"/>
+              </a:lnSpc>
+            </a:pPr>
+            <a:endParaRPr lang="en-US" dirty="0" err="1">
+              <a:solidFill>
+                <a:schemeClr val="tx1"/>
+              </a:solidFill>
+            </a:endParaRPr>
+          </a:p>
+        </p:txBody>
+      </p:sp>
+      <p:sp>
+        <p:nvSpPr>
+          <p:cNvPr id="11" name="TextBox 10"/>
+          <p:cNvSpPr txBox="1"/>
+          <p:nvPr/>
+        </p:nvSpPr>
+        <p:spPr>
+          <a:xfrm>
+            <a:off x="8524240" y="975360"/>
+            <a:ext cx="914400" cy="914400"/>
+          </a:xfrm>
+          <a:prstGeom prst="rect">
+            <a:avLst/>
+          </a:prstGeom>
+          <a:noFill/>
+        </p:spPr>
+        <p:txBody>
+          <a:bodyPr wrap="none" lIns="0" tIns="0" rIns="0" bIns="0" rtlCol="0">
+            <a:noAutofit/>
+          </a:bodyPr>
+          <a:lstStyle/>
+          <a:p>
+            <a:pPr>
+              <a:lnSpc>
+                <a:spcPct val="140000"/>
+              </a:lnSpc>
+            </a:pPr>
+            <a:endParaRPr lang="en-US" dirty="0" err="1">
+              <a:solidFill>
+                <a:schemeClr val="tx1"/>
+              </a:solidFill>
+            </a:endParaRPr>
+          </a:p>
+        </p:txBody>
+      </p:sp>
+      <p:pic>
+        <p:nvPicPr>
+          <p:cNvPr id="6" name="Picture 5">
+            <a:extLst>
+              <a:ext uri="{FF2B5EF4-FFF2-40B4-BE49-F238E27FC236}">
+                <a16:creationId xmlns:a16="http://schemas.microsoft.com/office/drawing/2014/main" id="{E56C735E-26BD-4FF5-92B6-016E4ACB8DB5}"/>
+              </a:ext>
+            </a:extLst>
+          </p:cNvPr>
+          <p:cNvPicPr>
+            <a:picLocks noChangeAspect="1"/>
+          </p:cNvPicPr>
+          <p:nvPr/>
+        </p:nvPicPr>
+        <p:blipFill>
+          <a:blip r:embed="rId3"/>
+          <a:stretch>
+            <a:fillRect/>
+          </a:stretch>
+        </p:blipFill>
+        <p:spPr>
+          <a:xfrm>
+            <a:off x="1619672" y="926072"/>
+            <a:ext cx="5602965" cy="3592377"/>
+          </a:xfrm>
+          <a:prstGeom prst="rect">
+            <a:avLst/>
+          </a:prstGeom>
+        </p:spPr>
+      </p:pic>
+    </p:spTree>
+    <p:extLst>
+      <p:ext uri="{BB962C8B-B14F-4D97-AF65-F5344CB8AC3E}">
+        <p14:creationId xmlns:p14="http://schemas.microsoft.com/office/powerpoint/2010/main" val="1727686954"/>
       </p:ext>
     </p:extLst>
   </p:cSld>

--- a/src/main/resources/slides.pptx
+++ b/src/main/resources/slides.pptx
@@ -19,16 +19,16 @@
     <p:sldId id="281" r:id="rId11"/>
     <p:sldId id="279" r:id="rId12"/>
     <p:sldId id="282" r:id="rId13"/>
-    <p:sldId id="284" r:id="rId14"/>
-    <p:sldId id="283" r:id="rId15"/>
+    <p:sldId id="283" r:id="rId14"/>
+    <p:sldId id="284" r:id="rId15"/>
     <p:sldId id="285" r:id="rId16"/>
     <p:sldId id="286" r:id="rId17"/>
     <p:sldId id="287" r:id="rId18"/>
     <p:sldId id="288" r:id="rId19"/>
     <p:sldId id="289" r:id="rId20"/>
     <p:sldId id="291" r:id="rId21"/>
-    <p:sldId id="292" r:id="rId22"/>
-    <p:sldId id="293" r:id="rId23"/>
+    <p:sldId id="293" r:id="rId22"/>
+    <p:sldId id="292" r:id="rId23"/>
     <p:sldId id="294" r:id="rId24"/>
     <p:sldId id="295" r:id="rId25"/>
     <p:sldId id="290" r:id="rId26"/>
@@ -286,7 +286,7 @@
           <a:p>
             <a:fld id="{D767EAEA-49F6-47D1-81B5-6AE13276E2F7}" type="datetimeFigureOut">
               <a:rPr lang="pl-PL" smtClean="0"/>
-              <a:t>22.01.2019</a:t>
+              <a:t>24.01.2019</a:t>
             </a:fld>
             <a:endParaRPr lang="pl-PL"/>
           </a:p>
@@ -455,7 +455,7 @@
           <a:p>
             <a:fld id="{153FA37D-DE2B-47E9-A168-88AE1559A114}" type="datetimeFigureOut">
               <a:rPr lang="pl-PL" smtClean="0"/>
-              <a:t>22.01.2019</a:t>
+              <a:t>24.01.2019</a:t>
             </a:fld>
             <a:endParaRPr lang="pl-PL"/>
           </a:p>
@@ -880,168 +880,6 @@
           <a:bodyPr/>
           <a:lstStyle/>
           <a:p>
-            <a:r>
-              <a:rPr lang="en-US" dirty="0"/>
-              <a:t>Performance</a:t>
-            </a:r>
-            <a:r>
-              <a:rPr lang="pl-PL" dirty="0"/>
-              <a:t> - Spark jest napisany w Scali, dzięki czemu uzyskujemy najlepszą (native) wydajność i największą spójność i pokrycie między API Scali i API Sparka.</a:t>
-            </a:r>
-          </a:p>
-          <a:p>
-            <a:r>
-              <a:rPr lang="en-US" dirty="0"/>
-              <a:t>Type Safety</a:t>
-            </a:r>
-            <a:r>
-              <a:rPr lang="pl-PL" dirty="0"/>
-              <a:t> – w </a:t>
-            </a:r>
-            <a:r>
-              <a:rPr lang="pl-PL" dirty="0" err="1"/>
-              <a:t>prówaniu</a:t>
-            </a:r>
-            <a:r>
-              <a:rPr lang="pl-PL" dirty="0"/>
-              <a:t> do </a:t>
-            </a:r>
-            <a:r>
-              <a:rPr lang="pl-PL" dirty="0" err="1"/>
-              <a:t>Pythona</a:t>
-            </a:r>
-            <a:r>
-              <a:rPr lang="pl-PL" dirty="0"/>
-              <a:t> i R, korzyści ze Scali to  </a:t>
-            </a:r>
-            <a:r>
-              <a:rPr lang="pl-PL" dirty="0" err="1"/>
-              <a:t>statycze</a:t>
-            </a:r>
-            <a:r>
-              <a:rPr lang="pl-PL" dirty="0"/>
-              <a:t> </a:t>
-            </a:r>
-            <a:r>
-              <a:rPr lang="pl-PL" dirty="0" err="1"/>
-              <a:t>typowajie</a:t>
-            </a:r>
-            <a:r>
-              <a:rPr lang="pl-PL" dirty="0"/>
-              <a:t> (</a:t>
-            </a:r>
-            <a:r>
-              <a:rPr lang="en-US" dirty="0"/>
-              <a:t>static typing</a:t>
-            </a:r>
-            <a:r>
-              <a:rPr lang="pl-PL" dirty="0"/>
-              <a:t>) i  </a:t>
-            </a:r>
-            <a:r>
-              <a:rPr lang="en-US" dirty="0"/>
-              <a:t>type inference</a:t>
-            </a:r>
-            <a:r>
-              <a:rPr lang="pl-PL" dirty="0"/>
-              <a:t>.</a:t>
-            </a:r>
-          </a:p>
-          <a:p>
-            <a:r>
-              <a:rPr lang="pl-PL" dirty="0" err="1"/>
-              <a:t>Immutable</a:t>
-            </a:r>
-            <a:r>
-              <a:rPr lang="pl-PL" dirty="0"/>
-              <a:t> data </a:t>
-            </a:r>
-            <a:r>
-              <a:rPr lang="pl-PL" dirty="0" err="1"/>
-              <a:t>striuctrues</a:t>
-            </a:r>
-            <a:r>
-              <a:rPr lang="pl-PL" dirty="0"/>
-              <a:t> - </a:t>
-            </a:r>
-            <a:r>
-              <a:rPr lang="en-US" sz="1200" dirty="0"/>
-              <a:t>allowing for parallel, lock-free data processing,</a:t>
-            </a:r>
-            <a:endParaRPr lang="pl-PL" dirty="0"/>
-          </a:p>
-          <a:p>
-            <a:r>
-              <a:rPr lang="en-US" dirty="0"/>
-              <a:t>Concise, Expressive Code</a:t>
-            </a:r>
-            <a:r>
-              <a:rPr lang="pl-PL" dirty="0"/>
-              <a:t> –  w </a:t>
-            </a:r>
-            <a:r>
-              <a:rPr lang="pl-PL" dirty="0" err="1"/>
-              <a:t>porównianiu</a:t>
-            </a:r>
-            <a:r>
-              <a:rPr lang="pl-PL" dirty="0"/>
-              <a:t> do Javy, kod jest bardziej zwięzły (</a:t>
-            </a:r>
-            <a:r>
-              <a:rPr lang="pl-PL" dirty="0" err="1"/>
-              <a:t>concise</a:t>
-            </a:r>
-            <a:r>
-              <a:rPr lang="pl-PL" dirty="0"/>
-              <a:t>) dzięki czumu zwiększa Twoją produktywność. </a:t>
-            </a:r>
-            <a:r>
-              <a:rPr lang="en-US" dirty="0"/>
-              <a:t>and several features of Scala make your code even more concise. This elevates your productivity and makes it easier to imagine a design approach and then write it down without having to translate the idea to a less flexible API that reflects idiomatic language constraints. (You'll see this in action as we go.)</a:t>
-            </a:r>
-            <a:endParaRPr lang="pl-PL" dirty="0"/>
-          </a:p>
-          <a:p>
-            <a:r>
-              <a:rPr lang="pl-PL" dirty="0"/>
-              <a:t>Debugging – kiedy pojawiają się problemy z kodem, zrozumie </a:t>
-            </a:r>
-            <a:r>
-              <a:rPr lang="pl-PL" dirty="0" err="1"/>
-              <a:t>exception</a:t>
-            </a:r>
-            <a:r>
-              <a:rPr lang="pl-PL" dirty="0"/>
-              <a:t> </a:t>
-            </a:r>
-            <a:r>
-              <a:rPr lang="pl-PL" dirty="0" err="1"/>
-              <a:t>stack</a:t>
-            </a:r>
-            <a:r>
-              <a:rPr lang="pl-PL" dirty="0"/>
-              <a:t> </a:t>
-            </a:r>
-            <a:r>
-              <a:rPr lang="pl-PL" dirty="0" err="1"/>
-              <a:t>trace</a:t>
-            </a:r>
-            <a:r>
-              <a:rPr lang="pl-PL" dirty="0"/>
-              <a:t> jest prostsze jeśli znasz </a:t>
-            </a:r>
-            <a:r>
-              <a:rPr lang="pl-PL" dirty="0" err="1"/>
-              <a:t>Scale</a:t>
-            </a:r>
-            <a:r>
-              <a:rPr lang="pl-PL" dirty="0"/>
-              <a:t>. </a:t>
-            </a:r>
-            <a:r>
-              <a:rPr lang="en-US" dirty="0"/>
-              <a:t>Unfortunately, the "abstraction leaks" when problems occur.</a:t>
-            </a:r>
             <a:endParaRPr lang="pl-PL" dirty="0"/>
           </a:p>
         </p:txBody>
@@ -1049,7 +887,7 @@
     </p:spTree>
     <p:extLst>
       <p:ext uri="{BB962C8B-B14F-4D97-AF65-F5344CB8AC3E}">
-        <p14:creationId xmlns:p14="http://schemas.microsoft.com/office/powerpoint/2010/main" val="3904810144"/>
+        <p14:creationId xmlns:p14="http://schemas.microsoft.com/office/powerpoint/2010/main" val="4043919891"/>
       </p:ext>
     </p:extLst>
   </p:cSld>
@@ -1104,138 +942,199 @@
           <a:lstStyle/>
           <a:p>
             <a:r>
+              <a:rPr lang="en-US" b="1" dirty="0"/>
+              <a:t>Performance</a:t>
+            </a:r>
+            <a:r>
+              <a:rPr lang="pl-PL" dirty="0"/>
+              <a:t> - Spark jest napisany w Scali, dzięki czemu uzyskujemy najlepszą (native) wydajność i największą spójność i pokrycie między API Scali i API Sparka.</a:t>
+            </a:r>
+          </a:p>
+          <a:p>
+            <a:r>
+              <a:rPr lang="en-US" b="1" dirty="0"/>
+              <a:t>Type Safety</a:t>
+            </a:r>
+            <a:r>
+              <a:rPr lang="pl-PL" b="1" dirty="0"/>
+              <a:t> </a:t>
+            </a:r>
+            <a:r>
+              <a:rPr lang="pl-PL" dirty="0"/>
+              <a:t>– w </a:t>
+            </a:r>
+            <a:r>
+              <a:rPr lang="pl-PL" dirty="0" err="1"/>
+              <a:t>prówaniu</a:t>
+            </a:r>
+            <a:r>
+              <a:rPr lang="pl-PL" dirty="0"/>
+              <a:t> do </a:t>
+            </a:r>
+            <a:r>
+              <a:rPr lang="pl-PL" dirty="0" err="1"/>
+              <a:t>Pythona</a:t>
+            </a:r>
+            <a:r>
+              <a:rPr lang="pl-PL" dirty="0"/>
+              <a:t> i R, korzyści ze Scali to </a:t>
+            </a:r>
+            <a:r>
+              <a:rPr lang="pl-PL" dirty="0" err="1"/>
+              <a:t>statycze</a:t>
+            </a:r>
+            <a:r>
+              <a:rPr lang="pl-PL" dirty="0"/>
+              <a:t> typowanie (</a:t>
+            </a:r>
+            <a:r>
               <a:rPr lang="en-US" dirty="0"/>
-              <a:t>Why Not Scala?</a:t>
-            </a:r>
-          </a:p>
-          <a:p>
+              <a:t>static typing</a:t>
+            </a:r>
+            <a:r>
+              <a:rPr lang="pl-PL" dirty="0"/>
+              <a:t>) i  </a:t>
+            </a:r>
             <a:r>
               <a:rPr lang="en-US" dirty="0"/>
-              <a:t>Scala isn't perfect. There are two disadvantages compared to Python and R:</a:t>
-            </a:r>
-          </a:p>
-          <a:p>
-            <a:pPr marL="171450" indent="-171450">
-              <a:buFont typeface="Arial" panose="020B0604020202020204" pitchFamily="34" charset="0"/>
-              <a:buChar char="•"/>
-            </a:pPr>
+              <a:t>type inference</a:t>
+            </a:r>
+            <a:r>
+              <a:rPr lang="pl-PL" dirty="0"/>
+              <a:t> </a:t>
+            </a:r>
+            <a:r>
+              <a:rPr lang="pl-PL" b="0" dirty="0"/>
+              <a:t>(</a:t>
+            </a:r>
+            <a:r>
+              <a:rPr lang="pl-PL" sz="1200" b="0" i="0" kern="1200" dirty="0">
+                <a:solidFill>
+                  <a:schemeClr val="tx1"/>
+                </a:solidFill>
+                <a:effectLst/>
+                <a:latin typeface="+mn-lt"/>
+                <a:ea typeface="+mn-ea"/>
+                <a:cs typeface="+mn-cs"/>
+              </a:rPr>
+              <a:t>wywodzenie typów)</a:t>
+            </a:r>
+            <a:r>
+              <a:rPr lang="pl-PL" dirty="0"/>
+              <a:t>. Wg Martina </a:t>
+            </a:r>
+            <a:r>
+              <a:rPr lang="pl-PL" dirty="0" err="1"/>
+              <a:t>Odersky’ego</a:t>
+            </a:r>
+            <a:r>
+              <a:rPr lang="pl-PL" dirty="0"/>
+              <a:t> większość logicznych błędów w aplikacji napisanych w Sparku wynika z błędnie zdefiniowanych czy tez w powstałych w wyniku transformacji błędów.  Statycznie typowanie kolekcji w Scali bardzo w tym pomaga.</a:t>
+            </a:r>
+          </a:p>
+          <a:p>
+            <a:r>
+              <a:rPr lang="pl-PL" b="1" dirty="0" err="1"/>
+              <a:t>Immutable</a:t>
+            </a:r>
+            <a:r>
+              <a:rPr lang="pl-PL" b="1" dirty="0"/>
+              <a:t> data </a:t>
+            </a:r>
+            <a:r>
+              <a:rPr lang="pl-PL" b="1" dirty="0" err="1"/>
+              <a:t>structrues</a:t>
+            </a:r>
+            <a:r>
+              <a:rPr lang="pl-PL" dirty="0"/>
+              <a:t> - </a:t>
+            </a:r>
+            <a:r>
+              <a:rPr lang="en-US" sz="1200" dirty="0"/>
+              <a:t>allowing for parallel, lock-free data processing,</a:t>
+            </a:r>
+            <a:endParaRPr lang="pl-PL" dirty="0"/>
+          </a:p>
+          <a:p>
+            <a:r>
+              <a:rPr lang="en-US" b="1" dirty="0"/>
+              <a:t>Concise, Expressive Code</a:t>
+            </a:r>
+            <a:r>
+              <a:rPr lang="pl-PL" b="1" dirty="0"/>
+              <a:t> </a:t>
+            </a:r>
+            <a:r>
+              <a:rPr lang="pl-PL" dirty="0"/>
+              <a:t>–  w porównaniu do Javy, kod jest bardziej zwięzły (</a:t>
+            </a:r>
+            <a:r>
+              <a:rPr lang="pl-PL" dirty="0" err="1"/>
+              <a:t>concise</a:t>
+            </a:r>
+            <a:r>
+              <a:rPr lang="pl-PL" dirty="0"/>
+              <a:t>) dzięki czumu zwiększa Twoją produktywność. </a:t>
+            </a:r>
             <a:r>
               <a:rPr lang="en-US" dirty="0"/>
-              <a:t>Libraries</a:t>
-            </a:r>
-            <a:r>
-              <a:rPr lang="pl-PL" dirty="0"/>
-              <a:t> - </a:t>
+              <a:t>and several features of Scala make your code even more concise. This elevates your productivity and makes it easier to imagine a design approach and then write it down without having to translate the idea to a less flexible API that reflects idiomatic language constraints. (You'll see this in action as we go.)</a:t>
+            </a:r>
+            <a:endParaRPr lang="pl-PL" dirty="0"/>
+          </a:p>
+          <a:p>
+            <a:r>
+              <a:rPr lang="pl-PL" b="1" dirty="0"/>
+              <a:t>Debugging</a:t>
+            </a:r>
+            <a:r>
+              <a:rPr lang="pl-PL" dirty="0"/>
+              <a:t> – kiedy pojawiają się problemy z kodem, zrozumie </a:t>
+            </a:r>
+            <a:r>
+              <a:rPr lang="pl-PL" dirty="0" err="1"/>
+              <a:t>exception</a:t>
+            </a:r>
+            <a:r>
+              <a:rPr lang="pl-PL" dirty="0"/>
+              <a:t> </a:t>
+            </a:r>
+            <a:r>
+              <a:rPr lang="pl-PL" dirty="0" err="1"/>
+              <a:t>stack</a:t>
+            </a:r>
+            <a:r>
+              <a:rPr lang="pl-PL" dirty="0"/>
+              <a:t> </a:t>
+            </a:r>
+            <a:r>
+              <a:rPr lang="pl-PL" dirty="0" err="1"/>
+              <a:t>trace</a:t>
+            </a:r>
+            <a:r>
+              <a:rPr lang="pl-PL" dirty="0"/>
+              <a:t> jest prostsze jeśli znasz </a:t>
+            </a:r>
+            <a:r>
+              <a:rPr lang="pl-PL" dirty="0" err="1"/>
+              <a:t>Scale</a:t>
+            </a:r>
+            <a:r>
+              <a:rPr lang="pl-PL" dirty="0"/>
+              <a:t>. </a:t>
             </a:r>
             <a:r>
               <a:rPr lang="en-US" dirty="0"/>
-              <a:t>Python </a:t>
-            </a:r>
-            <a:r>
-              <a:rPr lang="pl-PL" dirty="0"/>
-              <a:t>i</a:t>
-            </a:r>
-            <a:r>
-              <a:rPr lang="en-US" dirty="0"/>
-              <a:t> R </a:t>
-            </a:r>
-            <a:r>
-              <a:rPr lang="pl-PL" dirty="0"/>
-              <a:t> posiada bogaty </a:t>
-            </a:r>
-            <a:r>
-              <a:rPr lang="pl-PL" dirty="0" err="1"/>
-              <a:t>echosytem</a:t>
-            </a:r>
-            <a:r>
-              <a:rPr lang="pl-PL" dirty="0"/>
-              <a:t> bibliotek i duże </a:t>
-            </a:r>
-            <a:r>
-              <a:rPr lang="pl-PL" dirty="0" err="1"/>
-              <a:t>community</a:t>
-            </a:r>
-            <a:r>
-              <a:rPr lang="pl-PL" dirty="0"/>
-              <a:t>. Scala stara się gonić </a:t>
-            </a:r>
-            <a:r>
-              <a:rPr lang="pl-PL" dirty="0" err="1"/>
-              <a:t>Pythona</a:t>
-            </a:r>
-            <a:r>
-              <a:rPr lang="pl-PL" dirty="0"/>
-              <a:t>, ale to jak z analogią psa i uciekającego </a:t>
-            </a:r>
-            <a:r>
-              <a:rPr lang="pl-PL" dirty="0" err="1"/>
-              <a:t>któlika</a:t>
-            </a:r>
-            <a:r>
-              <a:rPr lang="pl-PL" dirty="0"/>
-              <a:t>. </a:t>
-            </a:r>
-          </a:p>
-          <a:p>
-            <a:pPr marL="171450" indent="-171450">
-              <a:buFont typeface="Arial" panose="020B0604020202020204" pitchFamily="34" charset="0"/>
-              <a:buChar char="•"/>
-            </a:pPr>
-            <a:r>
-              <a:rPr lang="en-US" dirty="0"/>
-              <a:t>Advanced Language Features:</a:t>
-            </a:r>
-            <a:r>
-              <a:rPr lang="pl-PL" dirty="0"/>
-              <a:t> - opanowanie API Scali to nie </a:t>
-            </a:r>
-            <a:r>
-              <a:rPr lang="pl-PL" dirty="0" err="1"/>
-              <a:t>laday</a:t>
-            </a:r>
-            <a:r>
-              <a:rPr lang="pl-PL" dirty="0"/>
-              <a:t> wyczyn. Jeśli jednak nie rozumiesz jak działa bardziej wyszukane konstrukcje jak </a:t>
-            </a:r>
-            <a:r>
-              <a:rPr lang="pl-PL" dirty="0" err="1"/>
-              <a:t>patter</a:t>
-            </a:r>
-            <a:r>
-              <a:rPr lang="pl-PL" dirty="0"/>
-              <a:t> </a:t>
-            </a:r>
-            <a:r>
-              <a:rPr lang="pl-PL" dirty="0" err="1"/>
-              <a:t>matching</a:t>
-            </a:r>
-            <a:r>
-              <a:rPr lang="pl-PL" dirty="0"/>
-              <a:t>, </a:t>
-            </a:r>
-            <a:r>
-              <a:rPr lang="pl-PL" dirty="0" err="1"/>
-              <a:t>implicits</a:t>
-            </a:r>
-            <a:r>
-              <a:rPr lang="pl-PL" dirty="0"/>
-              <a:t>, można się </a:t>
-            </a:r>
-            <a:r>
-              <a:rPr lang="pl-PL" dirty="0" err="1"/>
-              <a:t>zfrsutrować</a:t>
-            </a:r>
-            <a:r>
-              <a:rPr lang="pl-PL" dirty="0"/>
-              <a:t>. Całe szczęście Spark ukrywa większość zaawansowanych konstrukcji Scali przed nami.</a:t>
-            </a:r>
+              <a:t>Unfortunately, the "abstraction leaks" when problems occur.</a:t>
+            </a:r>
+            <a:endParaRPr lang="pl-PL" dirty="0"/>
           </a:p>
         </p:txBody>
       </p:sp>
     </p:spTree>
     <p:extLst>
       <p:ext uri="{BB962C8B-B14F-4D97-AF65-F5344CB8AC3E}">
-        <p14:creationId xmlns:p14="http://schemas.microsoft.com/office/powerpoint/2010/main" val="1147915891"/>
+        <p14:creationId xmlns:p14="http://schemas.microsoft.com/office/powerpoint/2010/main" val="3904810144"/>
       </p:ext>
     </p:extLst>
   </p:cSld>
@@ -1289,14 +1188,143 @@
           <a:bodyPr/>
           <a:lstStyle/>
           <a:p>
-            <a:endParaRPr lang="pl-PL" dirty="0"/>
+            <a:r>
+              <a:rPr lang="en-US" dirty="0"/>
+              <a:t>Why Not Scala?</a:t>
+            </a:r>
+          </a:p>
+          <a:p>
+            <a:r>
+              <a:rPr lang="en-US" dirty="0"/>
+              <a:t>Scala </a:t>
+            </a:r>
+            <a:r>
+              <a:rPr lang="pl-PL" dirty="0"/>
+              <a:t>nie jest doskonała, jak każdy język. Są dwie główne wady w porównaniu do </a:t>
+            </a:r>
+            <a:r>
+              <a:rPr lang="en-US" dirty="0"/>
+              <a:t>Python</a:t>
+            </a:r>
+            <a:r>
+              <a:rPr lang="pl-PL" dirty="0"/>
+              <a:t>a czy</a:t>
+            </a:r>
+            <a:r>
+              <a:rPr lang="en-US" dirty="0"/>
+              <a:t> R:</a:t>
+            </a:r>
+          </a:p>
+          <a:p>
+            <a:pPr marL="171450" indent="-171450">
+              <a:buFont typeface="Arial" panose="020B0604020202020204" pitchFamily="34" charset="0"/>
+              <a:buChar char="•"/>
+            </a:pPr>
+            <a:r>
+              <a:rPr lang="en-US" b="1" dirty="0"/>
+              <a:t>Libraries</a:t>
+            </a:r>
+            <a:r>
+              <a:rPr lang="pl-PL" dirty="0"/>
+              <a:t> - </a:t>
+            </a:r>
+            <a:r>
+              <a:rPr lang="en-US" dirty="0"/>
+              <a:t>Python </a:t>
+            </a:r>
+            <a:r>
+              <a:rPr lang="pl-PL" dirty="0"/>
+              <a:t>i</a:t>
+            </a:r>
+            <a:r>
+              <a:rPr lang="en-US" dirty="0"/>
+              <a:t> R </a:t>
+            </a:r>
+            <a:r>
+              <a:rPr lang="pl-PL" dirty="0"/>
+              <a:t> posiada bogaty </a:t>
+            </a:r>
+            <a:r>
+              <a:rPr lang="pl-PL" dirty="0" err="1"/>
+              <a:t>echosytem</a:t>
+            </a:r>
+            <a:r>
+              <a:rPr lang="pl-PL" dirty="0"/>
+              <a:t> bibliotek i duże </a:t>
+            </a:r>
+            <a:r>
+              <a:rPr lang="pl-PL" dirty="0" err="1"/>
+              <a:t>community</a:t>
+            </a:r>
+            <a:r>
+              <a:rPr lang="pl-PL" dirty="0"/>
+              <a:t>. Scala stara się gonić </a:t>
+            </a:r>
+            <a:r>
+              <a:rPr lang="pl-PL" dirty="0" err="1"/>
+              <a:t>Pythona</a:t>
+            </a:r>
+            <a:r>
+              <a:rPr lang="pl-PL" dirty="0"/>
+              <a:t>, ale to jak z analogią do „psa i uciekającego królika”. </a:t>
+            </a:r>
+          </a:p>
+          <a:p>
+            <a:pPr marL="171450" indent="-171450">
+              <a:buFont typeface="Arial" panose="020B0604020202020204" pitchFamily="34" charset="0"/>
+              <a:buChar char="•"/>
+            </a:pPr>
+            <a:r>
+              <a:rPr lang="en-US" b="1" dirty="0"/>
+              <a:t>Advanced Language Features:</a:t>
+            </a:r>
+            <a:r>
+              <a:rPr lang="pl-PL" b="1" dirty="0"/>
+              <a:t> </a:t>
+            </a:r>
+            <a:r>
+              <a:rPr lang="pl-PL" dirty="0"/>
+              <a:t>- opanowanie API Scali to nie lada wyczyn. Jeśli nie rozumiesz jak działa bardziej wyszukane konstrukcje jak </a:t>
+            </a:r>
+            <a:r>
+              <a:rPr lang="pl-PL" dirty="0" err="1"/>
+              <a:t>patter</a:t>
+            </a:r>
+            <a:r>
+              <a:rPr lang="pl-PL" dirty="0"/>
+              <a:t> </a:t>
+            </a:r>
+            <a:r>
+              <a:rPr lang="pl-PL" dirty="0" err="1"/>
+              <a:t>matching</a:t>
+            </a:r>
+            <a:r>
+              <a:rPr lang="pl-PL" dirty="0"/>
+              <a:t>, </a:t>
+            </a:r>
+            <a:r>
+              <a:rPr lang="pl-PL" dirty="0" err="1"/>
+              <a:t>implicits</a:t>
+            </a:r>
+            <a:r>
+              <a:rPr lang="pl-PL" dirty="0"/>
+              <a:t>, </a:t>
+            </a:r>
+            <a:r>
+              <a:rPr lang="pl-PL" dirty="0" err="1"/>
+              <a:t>lineralization</a:t>
+            </a:r>
+            <a:r>
+              <a:rPr lang="pl-PL" dirty="0"/>
+              <a:t> można się sfrustrować. Całe szczęście Spark ukrywa większość zaawansowanych konstrukcji Scali przed nami.</a:t>
+            </a:r>
           </a:p>
         </p:txBody>
       </p:sp>
     </p:spTree>
     <p:extLst>
       <p:ext uri="{BB962C8B-B14F-4D97-AF65-F5344CB8AC3E}">
-        <p14:creationId xmlns:p14="http://schemas.microsoft.com/office/powerpoint/2010/main" val="730357486"/>
+        <p14:creationId xmlns:p14="http://schemas.microsoft.com/office/powerpoint/2010/main" val="1147915891"/>
       </p:ext>
     </p:extLst>
   </p:cSld>
@@ -1350,14 +1378,75 @@
           <a:bodyPr/>
           <a:lstStyle/>
           <a:p>
-            <a:endParaRPr lang="pl-PL" dirty="0"/>
+            <a:r>
+              <a:rPr lang="pl-PL" b="1" dirty="0" err="1"/>
+              <a:t>Tuples</a:t>
+            </a:r>
+            <a:r>
+              <a:rPr lang="pl-PL" dirty="0"/>
+              <a:t> – podobno do kolekcji </a:t>
+            </a:r>
+            <a:r>
+              <a:rPr lang="pl-PL" dirty="0" err="1"/>
+              <a:t>niemutowalne</a:t>
+            </a:r>
+            <a:r>
+              <a:rPr lang="pl-PL" dirty="0"/>
+              <a:t> (</a:t>
+            </a:r>
+            <a:r>
+              <a:rPr lang="pl-PL" dirty="0" err="1"/>
+              <a:t>immutable</a:t>
+            </a:r>
+            <a:r>
+              <a:rPr lang="pl-PL" dirty="0"/>
+              <a:t>), ale w odróżnieniu od kolekcji mogą posiadać różne typy danych. Bardzo przydatne, np. jak chcesz zwrócić wiele obiektów z metody.</a:t>
+            </a:r>
+          </a:p>
+          <a:p>
+            <a:r>
+              <a:rPr lang="pl-PL" dirty="0"/>
+              <a:t>Po zdefiniowaniu, mamy dostęp do </a:t>
+            </a:r>
+            <a:r>
+              <a:rPr lang="pl-PL" dirty="0" err="1"/>
+              <a:t>elemtów</a:t>
+            </a:r>
+            <a:r>
+              <a:rPr lang="pl-PL" dirty="0"/>
+              <a:t> =&gt; kropka, </a:t>
+            </a:r>
+            <a:r>
+              <a:rPr lang="pl-PL" dirty="0" err="1"/>
+              <a:t>podkreślnik</a:t>
+            </a:r>
+            <a:r>
+              <a:rPr lang="pl-PL" dirty="0"/>
+              <a:t> oraz „one-</a:t>
+            </a:r>
+            <a:r>
+              <a:rPr lang="pl-PL" dirty="0" err="1"/>
+              <a:t>based</a:t>
+            </a:r>
+            <a:r>
+              <a:rPr lang="pl-PL" dirty="0"/>
+              <a:t> index” (tradycja z </a:t>
+            </a:r>
+            <a:r>
+              <a:rPr lang="pl-PL" dirty="0" err="1"/>
+              <a:t>Haskella</a:t>
+            </a:r>
+            <a:r>
+              <a:rPr lang="pl-PL" dirty="0"/>
+              <a:t>).</a:t>
+            </a:r>
           </a:p>
         </p:txBody>
       </p:sp>
     </p:spTree>
     <p:extLst>
       <p:ext uri="{BB962C8B-B14F-4D97-AF65-F5344CB8AC3E}">
-        <p14:creationId xmlns:p14="http://schemas.microsoft.com/office/powerpoint/2010/main" val="3267287691"/>
+        <p14:creationId xmlns:p14="http://schemas.microsoft.com/office/powerpoint/2010/main" val="730357486"/>
       </p:ext>
     </p:extLst>
   </p:cSld>
@@ -1412,182 +1501,29 @@
           <a:lstStyle/>
           <a:p>
             <a:r>
-              <a:rPr lang="pl-PL" dirty="0"/>
-              <a:t>First </a:t>
-            </a:r>
-            <a:r>
-              <a:rPr lang="pl-PL" dirty="0" err="1"/>
-              <a:t>class</a:t>
-            </a:r>
-            <a:r>
-              <a:rPr lang="pl-PL" dirty="0"/>
+              <a:rPr lang="en-US" sz="1200" b="0" i="0" u="none" strike="noStrike" kern="1200" baseline="0" dirty="0">
+                <a:solidFill>
+                  <a:schemeClr val="tx1"/>
+                </a:solidFill>
+                <a:latin typeface="+mn-lt"/>
+                <a:ea typeface="+mn-ea"/>
+                <a:cs typeface="+mn-cs"/>
+              </a:rPr>
+              <a:t>Case classes are Scala’s way to allow pattern matching on objects without</a:t>
+            </a:r>
+            <a:r>
+              <a:rPr lang="pl-PL" sz="1200" b="0" i="0" u="none" strike="noStrike" kern="1200" baseline="0" dirty="0">
+                <a:solidFill>
+                  <a:schemeClr val="tx1"/>
+                </a:solidFill>
+                <a:latin typeface="+mn-lt"/>
+                <a:ea typeface="+mn-ea"/>
+                <a:cs typeface="+mn-cs"/>
+              </a:rPr>
               <a:t> </a:t>
             </a:r>
             <a:r>
-              <a:rPr lang="pl-PL" dirty="0" err="1"/>
-              <a:t>citizien</a:t>
-            </a:r>
-            <a:r>
-              <a:rPr lang="pl-PL" dirty="0"/>
-              <a:t> – </a:t>
-            </a:r>
-            <a:r>
-              <a:rPr lang="pl-PL" dirty="0" err="1"/>
-              <a:t>sa</a:t>
-            </a:r>
-            <a:r>
-              <a:rPr lang="pl-PL" dirty="0"/>
-              <a:t> wszechobecne, nie są tylko </a:t>
-            </a:r>
-            <a:r>
-              <a:rPr lang="pl-PL" dirty="0" err="1"/>
-              <a:t>delarowane</a:t>
-            </a:r>
-            <a:r>
-              <a:rPr lang="pl-PL" dirty="0"/>
-              <a:t> i wykonywane ale mogą być </a:t>
-            </a:r>
-            <a:r>
-              <a:rPr lang="pl-PL" dirty="0" err="1"/>
-              <a:t>uzyte</a:t>
-            </a:r>
-            <a:r>
-              <a:rPr lang="pl-PL" dirty="0"/>
-              <a:t> jako po </a:t>
-            </a:r>
-            <a:r>
-              <a:rPr lang="pl-PL" dirty="0" err="1"/>
-              <a:t>prstu</a:t>
-            </a:r>
-            <a:r>
-              <a:rPr lang="pl-PL" dirty="0"/>
-              <a:t> typ danych.</a:t>
-            </a:r>
-          </a:p>
-          <a:p>
-            <a:r>
-              <a:rPr lang="pl-PL" dirty="0"/>
-              <a:t>Mogą wiec być </a:t>
-            </a:r>
-            <a:r>
-              <a:rPr lang="pl-PL" dirty="0" err="1"/>
-              <a:t>zdefinowane</a:t>
-            </a:r>
-            <a:r>
-              <a:rPr lang="pl-PL" dirty="0"/>
-              <a:t> jako literał, jako literał bez nazwy (czyli to co znamy z </a:t>
-            </a:r>
-            <a:r>
-              <a:rPr lang="pl-PL" dirty="0" err="1"/>
-              <a:t>javy</a:t>
-            </a:r>
-            <a:r>
-              <a:rPr lang="pl-PL" dirty="0"/>
-              <a:t> </a:t>
-            </a:r>
-            <a:r>
-              <a:rPr lang="pl-PL" dirty="0" err="1"/>
-              <a:t>javascirpt</a:t>
-            </a:r>
-            <a:r>
-              <a:rPr lang="pl-PL" dirty="0"/>
-              <a:t> jako </a:t>
-            </a:r>
-            <a:r>
-              <a:rPr lang="pl-PL" dirty="0" err="1"/>
-              <a:t>lampda</a:t>
-            </a:r>
-            <a:r>
-              <a:rPr lang="pl-PL" dirty="0"/>
-              <a:t>, bądź anonimowa funkcja), mogą być zapisane jako </a:t>
-            </a:r>
-            <a:r>
-              <a:rPr lang="pl-PL" dirty="0" err="1"/>
-              <a:t>value</a:t>
-            </a:r>
-            <a:r>
-              <a:rPr lang="pl-PL" dirty="0"/>
-              <a:t> bądź </a:t>
-            </a:r>
-            <a:r>
-              <a:rPr lang="pl-PL" dirty="0" err="1"/>
-              <a:t>variable</a:t>
-            </a:r>
-            <a:r>
-              <a:rPr lang="pl-PL" dirty="0"/>
-              <a:t> oraz </a:t>
-            </a:r>
-            <a:r>
-              <a:rPr lang="pl-PL" dirty="0" err="1"/>
-              <a:t>uzyte</a:t>
-            </a:r>
-            <a:r>
-              <a:rPr lang="pl-PL" dirty="0"/>
-              <a:t> jako </a:t>
-            </a:r>
-            <a:r>
-              <a:rPr lang="pl-PL" dirty="0" err="1"/>
-              <a:t>paramter</a:t>
-            </a:r>
-            <a:r>
-              <a:rPr lang="pl-PL" dirty="0"/>
-              <a:t> do innej funkcji bądź nawet zwrócone z innej funkcji.</a:t>
-            </a:r>
-          </a:p>
-          <a:p>
-            <a:r>
-              <a:rPr lang="pl-PL" dirty="0" err="1"/>
-              <a:t>Pure</a:t>
-            </a:r>
-            <a:r>
-              <a:rPr lang="pl-PL" dirty="0"/>
-              <a:t> </a:t>
-            </a:r>
-            <a:r>
-              <a:rPr lang="pl-PL" dirty="0" err="1"/>
-              <a:t>functions</a:t>
-            </a:r>
-            <a:r>
-              <a:rPr lang="pl-PL" dirty="0"/>
-              <a:t> – nie maja </a:t>
-            </a:r>
-            <a:r>
-              <a:rPr lang="pl-PL" dirty="0" err="1"/>
-              <a:t>side</a:t>
-            </a:r>
-            <a:r>
-              <a:rPr lang="pl-PL" dirty="0"/>
-              <a:t> </a:t>
-            </a:r>
-            <a:r>
-              <a:rPr lang="pl-PL" dirty="0" err="1"/>
-              <a:t>effectów</a:t>
-            </a:r>
-            <a:r>
-              <a:rPr lang="pl-PL" dirty="0"/>
-              <a:t>, czyli nie modyfikują stanu, są </a:t>
-            </a:r>
-            <a:r>
-              <a:rPr lang="pl-PL" dirty="0" err="1"/>
-              <a:t>stateless</a:t>
-            </a:r>
-            <a:endParaRPr lang="pl-PL" dirty="0"/>
-          </a:p>
-          <a:p>
-            <a:r>
-              <a:rPr lang="pl-PL" dirty="0"/>
-              <a:t>High-order </a:t>
-            </a:r>
-            <a:r>
-              <a:rPr lang="pl-PL" dirty="0" err="1"/>
-              <a:t>funcions</a:t>
-            </a:r>
-            <a:r>
-              <a:rPr lang="pl-PL" dirty="0"/>
-              <a:t> – przyjmują w argumencie inna funkcje bądź zwracają funkcje. Najbardziej znane to </a:t>
-            </a:r>
-            <a:r>
-              <a:rPr lang="pl-PL" sz="1200" b="0" i="0" u="none" strike="noStrike" kern="1200" baseline="0" dirty="0">
+              <a:rPr lang="en-US" sz="1200" b="0" i="0" u="none" strike="noStrike" kern="1200" baseline="0" dirty="0">
                 <a:solidFill>
                   <a:schemeClr val="tx1"/>
                 </a:solidFill>
@@ -1595,32 +1531,8 @@
                 <a:ea typeface="+mn-ea"/>
                 <a:cs typeface="+mn-cs"/>
               </a:rPr>
-              <a:t>map() i </a:t>
-            </a:r>
-            <a:r>
-              <a:rPr lang="pl-PL" sz="1200" b="0" i="0" u="none" strike="noStrike" kern="1200" baseline="0" dirty="0" err="1">
-                <a:solidFill>
-                  <a:schemeClr val="tx1"/>
-                </a:solidFill>
-                <a:latin typeface="+mn-lt"/>
-                <a:ea typeface="+mn-ea"/>
-                <a:cs typeface="+mn-cs"/>
-              </a:rPr>
-              <a:t>reduce</a:t>
-            </a:r>
-            <a:r>
-              <a:rPr lang="pl-PL" sz="1200" b="0" i="0" u="none" strike="noStrike" kern="1200" baseline="0" dirty="0">
-                <a:solidFill>
-                  <a:schemeClr val="tx1"/>
-                </a:solidFill>
-                <a:latin typeface="+mn-lt"/>
-                <a:ea typeface="+mn-ea"/>
-                <a:cs typeface="+mn-cs"/>
-              </a:rPr>
-              <a:t>().</a:t>
-            </a:r>
-          </a:p>
-          <a:p>
+              <a:t>requiring a large amount of boilerplate. </a:t>
+            </a:r>
             <a:endParaRPr lang="pl-PL" sz="1200" b="0" i="0" u="none" strike="noStrike" kern="1200" baseline="0" dirty="0">
               <a:solidFill>
                 <a:schemeClr val="tx1"/>
@@ -1632,7 +1544,7 @@
           </a:p>
           <a:p>
             <a:r>
-              <a:rPr lang="pl-PL" sz="1200" b="0" i="0" u="none" strike="noStrike" kern="1200" baseline="0" dirty="0">
+              <a:rPr lang="en-US" sz="1200" b="0" i="0" u="none" strike="noStrike" kern="1200" baseline="0" dirty="0">
                 <a:solidFill>
                   <a:schemeClr val="tx1"/>
                 </a:solidFill>
@@ -1640,40 +1552,7 @@
                 <a:ea typeface="+mn-ea"/>
                 <a:cs typeface="+mn-cs"/>
               </a:rPr>
-              <a:t>The map() </a:t>
-            </a:r>
-            <a:r>
-              <a:rPr lang="pl-PL" sz="1200" b="0" i="0" u="none" strike="noStrike" kern="1200" baseline="0" dirty="0" err="1">
-                <a:solidFill>
-                  <a:schemeClr val="tx1"/>
-                </a:solidFill>
-                <a:latin typeface="+mn-lt"/>
-                <a:ea typeface="+mn-ea"/>
-                <a:cs typeface="+mn-cs"/>
-              </a:rPr>
-              <a:t>higher</a:t>
-            </a:r>
-            <a:r>
-              <a:rPr lang="pl-PL" sz="1200" b="0" i="0" u="none" strike="noStrike" kern="1200" baseline="0" dirty="0">
-                <a:solidFill>
-                  <a:schemeClr val="tx1"/>
-                </a:solidFill>
-                <a:latin typeface="+mn-lt"/>
-                <a:ea typeface="+mn-ea"/>
-                <a:cs typeface="+mn-cs"/>
-              </a:rPr>
-              <a:t>-order </a:t>
-            </a:r>
-            <a:r>
-              <a:rPr lang="pl-PL" sz="1200" b="0" i="0" u="none" strike="noStrike" kern="1200" baseline="0" dirty="0" err="1">
-                <a:solidFill>
-                  <a:schemeClr val="tx1"/>
-                </a:solidFill>
-                <a:latin typeface="+mn-lt"/>
-                <a:ea typeface="+mn-ea"/>
-                <a:cs typeface="+mn-cs"/>
-              </a:rPr>
-              <a:t>function</a:t>
+              <a:t>Generally, all you need to do is add</a:t>
             </a:r>
             <a:r>
               <a:rPr lang="pl-PL" sz="1200" b="0" i="0" u="none" strike="noStrike" kern="1200" baseline="0" dirty="0">
@@ -1695,10 +1574,19 @@
                 <a:ea typeface="+mn-ea"/>
                 <a:cs typeface="+mn-cs"/>
               </a:rPr>
-              <a:t>takes a function parameter and uses it to convert one or more items to a new value</a:t>
-            </a:r>
-          </a:p>
-          <a:p>
+              <a:t>a single case keyword to each class that you want to be pattern </a:t>
+            </a:r>
+            <a:r>
+              <a:rPr lang="en-US" sz="1200" b="0" i="0" u="none" strike="noStrike" kern="1200" baseline="0" dirty="0" err="1">
+                <a:solidFill>
+                  <a:schemeClr val="tx1"/>
+                </a:solidFill>
+                <a:latin typeface="+mn-lt"/>
+                <a:ea typeface="+mn-ea"/>
+                <a:cs typeface="+mn-cs"/>
+              </a:rPr>
+              <a:t>matchable</a:t>
+            </a:r>
             <a:r>
               <a:rPr lang="en-US" sz="1200" b="0" i="0" u="none" strike="noStrike" kern="1200" baseline="0" dirty="0">
                 <a:solidFill>
@@ -1708,7 +1596,7 @@
                 <a:ea typeface="+mn-ea"/>
                 <a:cs typeface="+mn-cs"/>
               </a:rPr>
-              <a:t>and/or type. </a:t>
+              <a:t>.</a:t>
             </a:r>
             <a:endParaRPr lang="pl-PL" sz="1200" b="0" i="0" u="none" strike="noStrike" kern="1200" baseline="0" dirty="0">
               <a:solidFill>
@@ -1720,39 +1608,6 @@
             </a:endParaRPr>
           </a:p>
           <a:p>
-            <a:r>
-              <a:rPr lang="en-US" sz="1200" b="0" i="0" u="none" strike="noStrike" kern="1200" baseline="0" dirty="0">
-                <a:solidFill>
-                  <a:schemeClr val="tx1"/>
-                </a:solidFill>
-                <a:latin typeface="+mn-lt"/>
-                <a:ea typeface="+mn-ea"/>
-                <a:cs typeface="+mn-cs"/>
-              </a:rPr>
-              <a:t>The reduce() higher-order function takes a function parameter and uses</a:t>
-            </a:r>
-            <a:r>
-              <a:rPr lang="pl-PL" sz="1200" b="0" i="0" u="none" strike="noStrike" kern="1200" baseline="0" dirty="0">
-                <a:solidFill>
-                  <a:schemeClr val="tx1"/>
-                </a:solidFill>
-                <a:latin typeface="+mn-lt"/>
-                <a:ea typeface="+mn-ea"/>
-                <a:cs typeface="+mn-cs"/>
-              </a:rPr>
-              <a:t> </a:t>
-            </a:r>
-            <a:r>
-              <a:rPr lang="en-US" sz="1200" b="0" i="0" u="none" strike="noStrike" kern="1200" baseline="0" dirty="0">
-                <a:solidFill>
-                  <a:schemeClr val="tx1"/>
-                </a:solidFill>
-                <a:latin typeface="+mn-lt"/>
-                <a:ea typeface="+mn-ea"/>
-                <a:cs typeface="+mn-cs"/>
-              </a:rPr>
-              <a:t>it to reduce a collection of multiple items down to a single item.</a:t>
-            </a:r>
             <a:endParaRPr lang="pl-PL" sz="1200" b="0" i="0" u="none" strike="noStrike" kern="1200" baseline="0" dirty="0">
               <a:solidFill>
                 <a:schemeClr val="tx1"/>
@@ -1763,45 +1618,24 @@
             </a:endParaRPr>
           </a:p>
           <a:p>
-            <a:endParaRPr lang="pl-PL" sz="1200" b="0" i="0" u="none" strike="noStrike" kern="1200" baseline="0" dirty="0">
-              <a:solidFill>
-                <a:schemeClr val="tx1"/>
-              </a:solidFill>
-              <a:latin typeface="+mn-lt"/>
-              <a:ea typeface="+mn-ea"/>
-              <a:cs typeface="+mn-cs"/>
-            </a:endParaRPr>
-          </a:p>
-          <a:p>
-            <a:r>
-              <a:rPr lang="en-US" sz="1200" b="0" i="0" u="none" strike="noStrike" kern="1200" baseline="0" dirty="0">
-                <a:solidFill>
-                  <a:schemeClr val="tx1"/>
-                </a:solidFill>
+            <a:r>
+              <a:rPr lang="pl-PL" sz="1200" b="1" kern="1200" dirty="0" err="1">
+                <a:solidFill>
+                  <a:schemeClr val="tx1"/>
+                </a:solidFill>
+                <a:effectLst/>
                 <a:latin typeface="+mn-lt"/>
                 <a:ea typeface="+mn-ea"/>
                 <a:cs typeface="+mn-cs"/>
               </a:rPr>
-              <a:t>The popular Map/Reduce computing paradigm uses this concept to tackle large computing challenges, by</a:t>
-            </a:r>
-          </a:p>
-          <a:p>
-            <a:r>
-              <a:rPr lang="en-US" sz="1200" b="0" i="0" u="none" strike="noStrike" kern="1200" baseline="0" dirty="0">
-                <a:solidFill>
-                  <a:schemeClr val="tx1"/>
-                </a:solidFill>
-                <a:latin typeface="+mn-lt"/>
-                <a:ea typeface="+mn-ea"/>
-                <a:cs typeface="+mn-cs"/>
-              </a:rPr>
-              <a:t>mapping the computation across a range of distributed nodes and reducing their results</a:t>
-            </a:r>
-            <a:r>
-              <a:rPr lang="pl-PL" sz="1200" b="0" i="0" u="none" strike="noStrike" kern="1200" baseline="0" dirty="0">
-                <a:solidFill>
-                  <a:schemeClr val="tx1"/>
-                </a:solidFill>
+              <a:t>object</a:t>
+            </a:r>
+            <a:r>
+              <a:rPr lang="pl-PL" sz="1200" b="1" kern="1200" dirty="0">
+                <a:solidFill>
+                  <a:schemeClr val="tx1"/>
+                </a:solidFill>
+                <a:effectLst/>
                 <a:latin typeface="+mn-lt"/>
                 <a:ea typeface="+mn-ea"/>
                 <a:cs typeface="+mn-cs"/>
@@ -1809,16 +1643,803 @@
               <a:t> </a:t>
             </a:r>
             <a:r>
-              <a:rPr lang="en-US" sz="1200" b="0" i="0" u="none" strike="noStrike" kern="1200" baseline="0" dirty="0">
-                <a:solidFill>
-                  <a:schemeClr val="tx1"/>
-                </a:solidFill>
+              <a:rPr lang="pl-PL" dirty="0" err="1"/>
+              <a:t>CaseClasses</a:t>
+            </a:r>
+            <a:r>
+              <a:rPr lang="pl-PL" dirty="0"/>
+              <a:t> </a:t>
+            </a:r>
+            <a:r>
+              <a:rPr lang="pl-PL" sz="1200" b="1" kern="1200" dirty="0" err="1">
+                <a:solidFill>
+                  <a:schemeClr val="tx1"/>
+                </a:solidFill>
+                <a:effectLst/>
                 <a:latin typeface="+mn-lt"/>
                 <a:ea typeface="+mn-ea"/>
                 <a:cs typeface="+mn-cs"/>
               </a:rPr>
-              <a:t>back to a meaningful size.</a:t>
-            </a:r>
+              <a:t>extends</a:t>
+            </a:r>
+            <a:r>
+              <a:rPr lang="pl-PL" sz="1200" b="1" kern="1200" dirty="0">
+                <a:solidFill>
+                  <a:schemeClr val="tx1"/>
+                </a:solidFill>
+                <a:effectLst/>
+                <a:latin typeface="+mn-lt"/>
+                <a:ea typeface="+mn-ea"/>
+                <a:cs typeface="+mn-cs"/>
+              </a:rPr>
+              <a:t> </a:t>
+            </a:r>
+            <a:r>
+              <a:rPr lang="pl-PL" dirty="0" err="1"/>
+              <a:t>App</a:t>
+            </a:r>
+            <a:r>
+              <a:rPr lang="pl-PL" dirty="0"/>
+              <a:t> {</a:t>
+            </a:r>
+            <a:br>
+              <a:rPr lang="pl-PL" dirty="0"/>
+            </a:br>
+            <a:br>
+              <a:rPr lang="pl-PL" dirty="0"/>
+            </a:br>
+            <a:r>
+              <a:rPr lang="pl-PL" dirty="0"/>
+              <a:t>  </a:t>
+            </a:r>
+            <a:r>
+              <a:rPr lang="pl-PL" sz="1200" b="1" kern="1200" dirty="0" err="1">
+                <a:solidFill>
+                  <a:schemeClr val="tx1"/>
+                </a:solidFill>
+                <a:effectLst/>
+                <a:latin typeface="+mn-lt"/>
+                <a:ea typeface="+mn-ea"/>
+                <a:cs typeface="+mn-cs"/>
+              </a:rPr>
+              <a:t>case</a:t>
+            </a:r>
+            <a:r>
+              <a:rPr lang="pl-PL" sz="1200" b="1" kern="1200" dirty="0">
+                <a:solidFill>
+                  <a:schemeClr val="tx1"/>
+                </a:solidFill>
+                <a:effectLst/>
+                <a:latin typeface="+mn-lt"/>
+                <a:ea typeface="+mn-ea"/>
+                <a:cs typeface="+mn-cs"/>
+              </a:rPr>
+              <a:t> </a:t>
+            </a:r>
+            <a:r>
+              <a:rPr lang="pl-PL" sz="1200" b="1" kern="1200" dirty="0" err="1">
+                <a:solidFill>
+                  <a:schemeClr val="tx1"/>
+                </a:solidFill>
+                <a:effectLst/>
+                <a:latin typeface="+mn-lt"/>
+                <a:ea typeface="+mn-ea"/>
+                <a:cs typeface="+mn-cs"/>
+              </a:rPr>
+              <a:t>class</a:t>
+            </a:r>
+            <a:r>
+              <a:rPr lang="pl-PL" sz="1200" b="1" kern="1200" dirty="0">
+                <a:solidFill>
+                  <a:schemeClr val="tx1"/>
+                </a:solidFill>
+                <a:effectLst/>
+                <a:latin typeface="+mn-lt"/>
+                <a:ea typeface="+mn-ea"/>
+                <a:cs typeface="+mn-cs"/>
+              </a:rPr>
+              <a:t> </a:t>
+            </a:r>
+            <a:r>
+              <a:rPr lang="pl-PL" dirty="0" err="1"/>
+              <a:t>Character</a:t>
+            </a:r>
+            <a:r>
+              <a:rPr lang="pl-PL" dirty="0"/>
+              <a:t>(</a:t>
+            </a:r>
+            <a:r>
+              <a:rPr lang="pl-PL" dirty="0" err="1"/>
+              <a:t>PrimaryName</a:t>
+            </a:r>
+            <a:r>
+              <a:rPr lang="pl-PL" dirty="0"/>
+              <a:t>: </a:t>
+            </a:r>
+            <a:r>
+              <a:rPr lang="pl-PL" sz="1200" kern="1200" dirty="0">
+                <a:solidFill>
+                  <a:schemeClr val="tx1"/>
+                </a:solidFill>
+                <a:effectLst/>
+                <a:latin typeface="+mn-lt"/>
+                <a:ea typeface="+mn-ea"/>
+                <a:cs typeface="+mn-cs"/>
+              </a:rPr>
+              <a:t>String, </a:t>
+            </a:r>
+            <a:r>
+              <a:rPr lang="pl-PL" dirty="0" err="1"/>
+              <a:t>isbThief</a:t>
+            </a:r>
+            <a:r>
+              <a:rPr lang="pl-PL" dirty="0"/>
+              <a:t>: </a:t>
+            </a:r>
+            <a:r>
+              <a:rPr lang="pl-PL" sz="1200" kern="1200" dirty="0" err="1">
+                <a:solidFill>
+                  <a:schemeClr val="tx1"/>
+                </a:solidFill>
+                <a:effectLst/>
+                <a:latin typeface="+mn-lt"/>
+                <a:ea typeface="+mn-ea"/>
+                <a:cs typeface="+mn-cs"/>
+              </a:rPr>
+              <a:t>Boolean</a:t>
+            </a:r>
+            <a:r>
+              <a:rPr lang="pl-PL" dirty="0"/>
+              <a:t>) {</a:t>
+            </a:r>
+            <a:br>
+              <a:rPr lang="pl-PL" dirty="0"/>
+            </a:br>
+            <a:r>
+              <a:rPr lang="pl-PL" dirty="0"/>
+              <a:t>  }</a:t>
+            </a:r>
+            <a:br>
+              <a:rPr lang="pl-PL" dirty="0"/>
+            </a:br>
+            <a:br>
+              <a:rPr lang="pl-PL" dirty="0"/>
+            </a:br>
+            <a:r>
+              <a:rPr lang="pl-PL" dirty="0"/>
+              <a:t>  </a:t>
+            </a:r>
+            <a:r>
+              <a:rPr lang="pl-PL" sz="1200" b="1" kern="1200" dirty="0" err="1">
+                <a:solidFill>
+                  <a:schemeClr val="tx1"/>
+                </a:solidFill>
+                <a:effectLst/>
+                <a:latin typeface="+mn-lt"/>
+                <a:ea typeface="+mn-ea"/>
+                <a:cs typeface="+mn-cs"/>
+              </a:rPr>
+              <a:t>val</a:t>
+            </a:r>
+            <a:r>
+              <a:rPr lang="pl-PL" sz="1200" b="1" kern="1200" dirty="0">
+                <a:solidFill>
+                  <a:schemeClr val="tx1"/>
+                </a:solidFill>
+                <a:effectLst/>
+                <a:latin typeface="+mn-lt"/>
+                <a:ea typeface="+mn-ea"/>
+                <a:cs typeface="+mn-cs"/>
+              </a:rPr>
+              <a:t> </a:t>
+            </a:r>
+            <a:r>
+              <a:rPr lang="pl-PL" sz="1200" i="1" kern="1200" dirty="0">
+                <a:solidFill>
+                  <a:schemeClr val="tx1"/>
+                </a:solidFill>
+                <a:effectLst/>
+                <a:latin typeface="+mn-lt"/>
+                <a:ea typeface="+mn-ea"/>
+                <a:cs typeface="+mn-cs"/>
+              </a:rPr>
+              <a:t>h </a:t>
+            </a:r>
+            <a:r>
+              <a:rPr lang="pl-PL" dirty="0"/>
+              <a:t>= </a:t>
+            </a:r>
+            <a:r>
+              <a:rPr lang="pl-PL" i="1" dirty="0" err="1">
+                <a:effectLst/>
+              </a:rPr>
+              <a:t>Character</a:t>
+            </a:r>
+            <a:r>
+              <a:rPr lang="pl-PL" dirty="0"/>
+              <a:t>(</a:t>
+            </a:r>
+            <a:r>
+              <a:rPr lang="pl-PL" sz="1200" kern="1200" dirty="0">
+                <a:solidFill>
+                  <a:schemeClr val="tx1"/>
+                </a:solidFill>
+                <a:effectLst/>
+                <a:latin typeface="+mn-lt"/>
+                <a:ea typeface="+mn-ea"/>
+                <a:cs typeface="+mn-cs"/>
+              </a:rPr>
+              <a:t>"</a:t>
+            </a:r>
+            <a:r>
+              <a:rPr lang="pl-PL" sz="1200" kern="1200" dirty="0" err="1">
+                <a:solidFill>
+                  <a:schemeClr val="tx1"/>
+                </a:solidFill>
+                <a:effectLst/>
+                <a:latin typeface="+mn-lt"/>
+                <a:ea typeface="+mn-ea"/>
+                <a:cs typeface="+mn-cs"/>
+              </a:rPr>
+              <a:t>Frodo</a:t>
+            </a:r>
+            <a:r>
+              <a:rPr lang="pl-PL" sz="1200" kern="1200" dirty="0">
+                <a:solidFill>
+                  <a:schemeClr val="tx1"/>
+                </a:solidFill>
+                <a:effectLst/>
+                <a:latin typeface="+mn-lt"/>
+                <a:ea typeface="+mn-ea"/>
+                <a:cs typeface="+mn-cs"/>
+              </a:rPr>
+              <a:t> </a:t>
+            </a:r>
+            <a:r>
+              <a:rPr lang="pl-PL" sz="1200" kern="1200" dirty="0" err="1">
+                <a:solidFill>
+                  <a:schemeClr val="tx1"/>
+                </a:solidFill>
+                <a:effectLst/>
+                <a:latin typeface="+mn-lt"/>
+                <a:ea typeface="+mn-ea"/>
+                <a:cs typeface="+mn-cs"/>
+              </a:rPr>
+              <a:t>Baggins</a:t>
+            </a:r>
+            <a:r>
+              <a:rPr lang="pl-PL" sz="1200" kern="1200" dirty="0">
+                <a:solidFill>
+                  <a:schemeClr val="tx1"/>
+                </a:solidFill>
+                <a:effectLst/>
+                <a:latin typeface="+mn-lt"/>
+                <a:ea typeface="+mn-ea"/>
+                <a:cs typeface="+mn-cs"/>
+              </a:rPr>
+              <a:t>", </a:t>
+            </a:r>
+            <a:r>
+              <a:rPr lang="pl-PL" sz="1200" b="1" kern="1200" dirty="0" err="1">
+                <a:solidFill>
+                  <a:schemeClr val="tx1"/>
+                </a:solidFill>
+                <a:effectLst/>
+                <a:latin typeface="+mn-lt"/>
+                <a:ea typeface="+mn-ea"/>
+                <a:cs typeface="+mn-cs"/>
+              </a:rPr>
+              <a:t>false</a:t>
+            </a:r>
+            <a:r>
+              <a:rPr lang="pl-PL" dirty="0"/>
+              <a:t>)</a:t>
+            </a:r>
+            <a:br>
+              <a:rPr lang="pl-PL" dirty="0"/>
+            </a:br>
+            <a:br>
+              <a:rPr lang="pl-PL" dirty="0"/>
+            </a:br>
+            <a:r>
+              <a:rPr lang="pl-PL" dirty="0"/>
+              <a:t>  </a:t>
+            </a:r>
+            <a:r>
+              <a:rPr lang="pl-PL" sz="1200" b="1" kern="1200" dirty="0" err="1">
+                <a:solidFill>
+                  <a:schemeClr val="tx1"/>
+                </a:solidFill>
+                <a:effectLst/>
+                <a:latin typeface="+mn-lt"/>
+                <a:ea typeface="+mn-ea"/>
+                <a:cs typeface="+mn-cs"/>
+              </a:rPr>
+              <a:t>val</a:t>
+            </a:r>
+            <a:r>
+              <a:rPr lang="pl-PL" sz="1200" b="1" kern="1200" dirty="0">
+                <a:solidFill>
+                  <a:schemeClr val="tx1"/>
+                </a:solidFill>
+                <a:effectLst/>
+                <a:latin typeface="+mn-lt"/>
+                <a:ea typeface="+mn-ea"/>
+                <a:cs typeface="+mn-cs"/>
+              </a:rPr>
+              <a:t> </a:t>
+            </a:r>
+            <a:r>
+              <a:rPr lang="pl-PL" sz="1200" i="1" kern="1200" dirty="0" err="1">
+                <a:solidFill>
+                  <a:schemeClr val="tx1"/>
+                </a:solidFill>
+                <a:effectLst/>
+                <a:latin typeface="+mn-lt"/>
+                <a:ea typeface="+mn-ea"/>
+                <a:cs typeface="+mn-cs"/>
+              </a:rPr>
+              <a:t>resp</a:t>
+            </a:r>
+            <a:r>
+              <a:rPr lang="pl-PL" sz="1200" i="1" kern="1200" dirty="0">
+                <a:solidFill>
+                  <a:schemeClr val="tx1"/>
+                </a:solidFill>
+                <a:effectLst/>
+                <a:latin typeface="+mn-lt"/>
+                <a:ea typeface="+mn-ea"/>
+                <a:cs typeface="+mn-cs"/>
+              </a:rPr>
+              <a:t> </a:t>
+            </a:r>
+            <a:r>
+              <a:rPr lang="pl-PL" dirty="0"/>
+              <a:t>= </a:t>
+            </a:r>
+            <a:r>
+              <a:rPr lang="pl-PL" sz="1200" i="1" kern="1200" dirty="0">
+                <a:solidFill>
+                  <a:schemeClr val="tx1"/>
+                </a:solidFill>
+                <a:effectLst/>
+                <a:latin typeface="+mn-lt"/>
+                <a:ea typeface="+mn-ea"/>
+                <a:cs typeface="+mn-cs"/>
+              </a:rPr>
+              <a:t>h </a:t>
+            </a:r>
+            <a:r>
+              <a:rPr lang="pl-PL" sz="1200" b="1" kern="1200" dirty="0" err="1">
+                <a:solidFill>
+                  <a:schemeClr val="tx1"/>
+                </a:solidFill>
+                <a:effectLst/>
+                <a:latin typeface="+mn-lt"/>
+                <a:ea typeface="+mn-ea"/>
+                <a:cs typeface="+mn-cs"/>
+              </a:rPr>
+              <a:t>match</a:t>
+            </a:r>
+            <a:r>
+              <a:rPr lang="pl-PL" sz="1200" b="1" kern="1200" dirty="0">
+                <a:solidFill>
+                  <a:schemeClr val="tx1"/>
+                </a:solidFill>
+                <a:effectLst/>
+                <a:latin typeface="+mn-lt"/>
+                <a:ea typeface="+mn-ea"/>
+                <a:cs typeface="+mn-cs"/>
+              </a:rPr>
+              <a:t> </a:t>
+            </a:r>
+            <a:r>
+              <a:rPr lang="pl-PL" dirty="0"/>
+              <a:t>{</a:t>
+            </a:r>
+            <a:br>
+              <a:rPr lang="pl-PL" dirty="0"/>
+            </a:br>
+            <a:r>
+              <a:rPr lang="pl-PL" dirty="0"/>
+              <a:t>    </a:t>
+            </a:r>
+            <a:r>
+              <a:rPr lang="pl-PL" sz="1200" b="1" kern="1200" dirty="0" err="1">
+                <a:solidFill>
+                  <a:schemeClr val="tx1"/>
+                </a:solidFill>
+                <a:effectLst/>
+                <a:latin typeface="+mn-lt"/>
+                <a:ea typeface="+mn-ea"/>
+                <a:cs typeface="+mn-cs"/>
+              </a:rPr>
+              <a:t>case</a:t>
+            </a:r>
+            <a:r>
+              <a:rPr lang="pl-PL" sz="1200" b="1" kern="1200" dirty="0">
+                <a:solidFill>
+                  <a:schemeClr val="tx1"/>
+                </a:solidFill>
+                <a:effectLst/>
+                <a:latin typeface="+mn-lt"/>
+                <a:ea typeface="+mn-ea"/>
+                <a:cs typeface="+mn-cs"/>
+              </a:rPr>
+              <a:t> </a:t>
+            </a:r>
+            <a:r>
+              <a:rPr lang="pl-PL" i="1" dirty="0" err="1">
+                <a:effectLst/>
+              </a:rPr>
+              <a:t>Character</a:t>
+            </a:r>
+            <a:r>
+              <a:rPr lang="pl-PL" dirty="0"/>
+              <a:t>(x</a:t>
+            </a:r>
+            <a:r>
+              <a:rPr lang="pl-PL" sz="1200" kern="1200" dirty="0">
+                <a:solidFill>
+                  <a:schemeClr val="tx1"/>
+                </a:solidFill>
+                <a:effectLst/>
+                <a:latin typeface="+mn-lt"/>
+                <a:ea typeface="+mn-ea"/>
+                <a:cs typeface="+mn-cs"/>
+              </a:rPr>
+              <a:t>, </a:t>
+            </a:r>
+            <a:r>
+              <a:rPr lang="pl-PL" sz="1200" b="1" kern="1200" dirty="0" err="1">
+                <a:solidFill>
+                  <a:schemeClr val="tx1"/>
+                </a:solidFill>
+                <a:effectLst/>
+                <a:latin typeface="+mn-lt"/>
+                <a:ea typeface="+mn-ea"/>
+                <a:cs typeface="+mn-cs"/>
+              </a:rPr>
+              <a:t>true</a:t>
+            </a:r>
+            <a:r>
+              <a:rPr lang="pl-PL" dirty="0"/>
+              <a:t>) =&gt; </a:t>
+            </a:r>
+            <a:r>
+              <a:rPr lang="pl-PL" sz="1200" kern="1200" dirty="0" err="1">
+                <a:solidFill>
+                  <a:schemeClr val="tx1"/>
+                </a:solidFill>
+                <a:effectLst/>
+                <a:latin typeface="+mn-lt"/>
+                <a:ea typeface="+mn-ea"/>
+                <a:cs typeface="+mn-cs"/>
+              </a:rPr>
+              <a:t>s"</a:t>
+            </a:r>
+            <a:r>
+              <a:rPr lang="pl-PL" sz="1200" b="1" kern="1200" dirty="0" err="1">
+                <a:solidFill>
+                  <a:schemeClr val="tx1"/>
+                </a:solidFill>
+                <a:effectLst/>
+                <a:latin typeface="+mn-lt"/>
+                <a:ea typeface="+mn-ea"/>
+                <a:cs typeface="+mn-cs"/>
+              </a:rPr>
+              <a:t>$</a:t>
+            </a:r>
+            <a:r>
+              <a:rPr lang="pl-PL" dirty="0" err="1"/>
+              <a:t>x</a:t>
+            </a:r>
+            <a:r>
+              <a:rPr lang="pl-PL" sz="1200" kern="1200" dirty="0">
+                <a:solidFill>
+                  <a:schemeClr val="tx1"/>
+                </a:solidFill>
+                <a:effectLst/>
+                <a:latin typeface="+mn-lt"/>
+                <a:ea typeface="+mn-ea"/>
+                <a:cs typeface="+mn-cs"/>
+              </a:rPr>
+              <a:t> </a:t>
+            </a:r>
+            <a:r>
+              <a:rPr lang="pl-PL" sz="1200" kern="1200" dirty="0" err="1">
+                <a:solidFill>
+                  <a:schemeClr val="tx1"/>
+                </a:solidFill>
+                <a:effectLst/>
+                <a:latin typeface="+mn-lt"/>
+                <a:ea typeface="+mn-ea"/>
+                <a:cs typeface="+mn-cs"/>
+              </a:rPr>
+              <a:t>is</a:t>
+            </a:r>
+            <a:r>
+              <a:rPr lang="pl-PL" sz="1200" kern="1200" dirty="0">
+                <a:solidFill>
+                  <a:schemeClr val="tx1"/>
+                </a:solidFill>
+                <a:effectLst/>
+                <a:latin typeface="+mn-lt"/>
+                <a:ea typeface="+mn-ea"/>
+                <a:cs typeface="+mn-cs"/>
+              </a:rPr>
+              <a:t> a </a:t>
+            </a:r>
+            <a:r>
+              <a:rPr lang="pl-PL" sz="1200" kern="1200" dirty="0" err="1">
+                <a:solidFill>
+                  <a:schemeClr val="tx1"/>
+                </a:solidFill>
+                <a:effectLst/>
+                <a:latin typeface="+mn-lt"/>
+                <a:ea typeface="+mn-ea"/>
+                <a:cs typeface="+mn-cs"/>
+              </a:rPr>
+              <a:t>thief</a:t>
+            </a:r>
+            <a:r>
+              <a:rPr lang="pl-PL" sz="1200" kern="1200" dirty="0">
+                <a:solidFill>
+                  <a:schemeClr val="tx1"/>
+                </a:solidFill>
+                <a:effectLst/>
+                <a:latin typeface="+mn-lt"/>
+                <a:ea typeface="+mn-ea"/>
+                <a:cs typeface="+mn-cs"/>
+              </a:rPr>
+              <a:t>"</a:t>
+            </a:r>
+            <a:br>
+              <a:rPr lang="pl-PL" sz="1200" kern="1200" dirty="0">
+                <a:solidFill>
+                  <a:schemeClr val="tx1"/>
+                </a:solidFill>
+                <a:effectLst/>
+                <a:latin typeface="+mn-lt"/>
+                <a:ea typeface="+mn-ea"/>
+                <a:cs typeface="+mn-cs"/>
+              </a:rPr>
+            </a:br>
+            <a:r>
+              <a:rPr lang="pl-PL" sz="1200" kern="1200" dirty="0">
+                <a:solidFill>
+                  <a:schemeClr val="tx1"/>
+                </a:solidFill>
+                <a:effectLst/>
+                <a:latin typeface="+mn-lt"/>
+                <a:ea typeface="+mn-ea"/>
+                <a:cs typeface="+mn-cs"/>
+              </a:rPr>
+              <a:t>    </a:t>
+            </a:r>
+            <a:r>
+              <a:rPr lang="pl-PL" sz="1200" b="1" kern="1200" dirty="0" err="1">
+                <a:solidFill>
+                  <a:schemeClr val="tx1"/>
+                </a:solidFill>
+                <a:effectLst/>
+                <a:latin typeface="+mn-lt"/>
+                <a:ea typeface="+mn-ea"/>
+                <a:cs typeface="+mn-cs"/>
+              </a:rPr>
+              <a:t>case</a:t>
+            </a:r>
+            <a:r>
+              <a:rPr lang="pl-PL" sz="1200" b="1" kern="1200" dirty="0">
+                <a:solidFill>
+                  <a:schemeClr val="tx1"/>
+                </a:solidFill>
+                <a:effectLst/>
+                <a:latin typeface="+mn-lt"/>
+                <a:ea typeface="+mn-ea"/>
+                <a:cs typeface="+mn-cs"/>
+              </a:rPr>
+              <a:t> </a:t>
+            </a:r>
+            <a:r>
+              <a:rPr lang="pl-PL" i="1" dirty="0" err="1">
+                <a:effectLst/>
+              </a:rPr>
+              <a:t>Character</a:t>
+            </a:r>
+            <a:r>
+              <a:rPr lang="pl-PL" dirty="0"/>
+              <a:t>(x</a:t>
+            </a:r>
+            <a:r>
+              <a:rPr lang="pl-PL" sz="1200" kern="1200" dirty="0">
+                <a:solidFill>
+                  <a:schemeClr val="tx1"/>
+                </a:solidFill>
+                <a:effectLst/>
+                <a:latin typeface="+mn-lt"/>
+                <a:ea typeface="+mn-ea"/>
+                <a:cs typeface="+mn-cs"/>
+              </a:rPr>
+              <a:t>, </a:t>
+            </a:r>
+            <a:r>
+              <a:rPr lang="pl-PL" sz="1200" b="1" kern="1200" dirty="0" err="1">
+                <a:solidFill>
+                  <a:schemeClr val="tx1"/>
+                </a:solidFill>
+                <a:effectLst/>
+                <a:latin typeface="+mn-lt"/>
+                <a:ea typeface="+mn-ea"/>
+                <a:cs typeface="+mn-cs"/>
+              </a:rPr>
+              <a:t>false</a:t>
+            </a:r>
+            <a:r>
+              <a:rPr lang="pl-PL" dirty="0"/>
+              <a:t>) =&gt; </a:t>
+            </a:r>
+            <a:r>
+              <a:rPr lang="pl-PL" sz="1200" kern="1200" dirty="0" err="1">
+                <a:solidFill>
+                  <a:schemeClr val="tx1"/>
+                </a:solidFill>
+                <a:effectLst/>
+                <a:latin typeface="+mn-lt"/>
+                <a:ea typeface="+mn-ea"/>
+                <a:cs typeface="+mn-cs"/>
+              </a:rPr>
+              <a:t>s"</a:t>
+            </a:r>
+            <a:r>
+              <a:rPr lang="pl-PL" sz="1200" b="1" kern="1200" dirty="0" err="1">
+                <a:solidFill>
+                  <a:schemeClr val="tx1"/>
+                </a:solidFill>
+                <a:effectLst/>
+                <a:latin typeface="+mn-lt"/>
+                <a:ea typeface="+mn-ea"/>
+                <a:cs typeface="+mn-cs"/>
+              </a:rPr>
+              <a:t>$</a:t>
+            </a:r>
+            <a:r>
+              <a:rPr lang="pl-PL" dirty="0" err="1"/>
+              <a:t>x</a:t>
+            </a:r>
+            <a:r>
+              <a:rPr lang="pl-PL" sz="1200" kern="1200" dirty="0">
+                <a:solidFill>
+                  <a:schemeClr val="tx1"/>
+                </a:solidFill>
+                <a:effectLst/>
+                <a:latin typeface="+mn-lt"/>
+                <a:ea typeface="+mn-ea"/>
+                <a:cs typeface="+mn-cs"/>
+              </a:rPr>
+              <a:t> </a:t>
+            </a:r>
+            <a:r>
+              <a:rPr lang="pl-PL" sz="1200" kern="1200" dirty="0" err="1">
+                <a:solidFill>
+                  <a:schemeClr val="tx1"/>
+                </a:solidFill>
+                <a:effectLst/>
+                <a:latin typeface="+mn-lt"/>
+                <a:ea typeface="+mn-ea"/>
+                <a:cs typeface="+mn-cs"/>
+              </a:rPr>
+              <a:t>is</a:t>
+            </a:r>
+            <a:r>
+              <a:rPr lang="pl-PL" sz="1200" kern="1200" dirty="0">
+                <a:solidFill>
+                  <a:schemeClr val="tx1"/>
+                </a:solidFill>
+                <a:effectLst/>
+                <a:latin typeface="+mn-lt"/>
+                <a:ea typeface="+mn-ea"/>
+                <a:cs typeface="+mn-cs"/>
+              </a:rPr>
+              <a:t> not a </a:t>
+            </a:r>
+            <a:r>
+              <a:rPr lang="pl-PL" sz="1200" kern="1200" dirty="0" err="1">
+                <a:solidFill>
+                  <a:schemeClr val="tx1"/>
+                </a:solidFill>
+                <a:effectLst/>
+                <a:latin typeface="+mn-lt"/>
+                <a:ea typeface="+mn-ea"/>
+                <a:cs typeface="+mn-cs"/>
+              </a:rPr>
+              <a:t>thief</a:t>
+            </a:r>
+            <a:r>
+              <a:rPr lang="pl-PL" sz="1200" kern="1200" dirty="0">
+                <a:solidFill>
+                  <a:schemeClr val="tx1"/>
+                </a:solidFill>
+                <a:effectLst/>
+                <a:latin typeface="+mn-lt"/>
+                <a:ea typeface="+mn-ea"/>
+                <a:cs typeface="+mn-cs"/>
+              </a:rPr>
+              <a:t>"</a:t>
+            </a:r>
+            <a:br>
+              <a:rPr lang="pl-PL" sz="1200" kern="1200" dirty="0">
+                <a:solidFill>
+                  <a:schemeClr val="tx1"/>
+                </a:solidFill>
+                <a:effectLst/>
+                <a:latin typeface="+mn-lt"/>
+                <a:ea typeface="+mn-ea"/>
+                <a:cs typeface="+mn-cs"/>
+              </a:rPr>
+            </a:br>
+            <a:r>
+              <a:rPr lang="pl-PL" sz="1200" kern="1200" dirty="0">
+                <a:solidFill>
+                  <a:schemeClr val="tx1"/>
+                </a:solidFill>
+                <a:effectLst/>
+                <a:latin typeface="+mn-lt"/>
+                <a:ea typeface="+mn-ea"/>
+                <a:cs typeface="+mn-cs"/>
+              </a:rPr>
+              <a:t>  </a:t>
+            </a:r>
+            <a:r>
+              <a:rPr lang="pl-PL" dirty="0"/>
+              <a:t>}</a:t>
+            </a:r>
+            <a:br>
+              <a:rPr lang="pl-PL" dirty="0"/>
+            </a:br>
+            <a:br>
+              <a:rPr lang="pl-PL" dirty="0"/>
+            </a:br>
+            <a:r>
+              <a:rPr lang="pl-PL" dirty="0"/>
+              <a:t>  </a:t>
+            </a:r>
+            <a:r>
+              <a:rPr lang="pl-PL" i="1" dirty="0" err="1">
+                <a:effectLst/>
+              </a:rPr>
+              <a:t>println</a:t>
+            </a:r>
+            <a:r>
+              <a:rPr lang="pl-PL" dirty="0"/>
+              <a:t>(</a:t>
+            </a:r>
+            <a:r>
+              <a:rPr lang="pl-PL" sz="1200" i="1" kern="1200" dirty="0" err="1">
+                <a:solidFill>
+                  <a:schemeClr val="tx1"/>
+                </a:solidFill>
+                <a:effectLst/>
+                <a:latin typeface="+mn-lt"/>
+                <a:ea typeface="+mn-ea"/>
+                <a:cs typeface="+mn-cs"/>
+              </a:rPr>
+              <a:t>resp</a:t>
+            </a:r>
+            <a:r>
+              <a:rPr lang="pl-PL" dirty="0"/>
+              <a:t>)</a:t>
+            </a:r>
+            <a:br>
+              <a:rPr lang="pl-PL" dirty="0"/>
+            </a:br>
+            <a:r>
+              <a:rPr lang="pl-PL" dirty="0"/>
+              <a:t>}</a:t>
+            </a:r>
+            <a:br>
+              <a:rPr lang="pl-PL" dirty="0"/>
+            </a:br>
             <a:endParaRPr lang="pl-PL" dirty="0"/>
           </a:p>
         </p:txBody>
@@ -1826,7 +2447,7 @@
     </p:spTree>
     <p:extLst>
       <p:ext uri="{BB962C8B-B14F-4D97-AF65-F5344CB8AC3E}">
-        <p14:creationId xmlns:p14="http://schemas.microsoft.com/office/powerpoint/2010/main" val="1359792266"/>
+        <p14:creationId xmlns:p14="http://schemas.microsoft.com/office/powerpoint/2010/main" val="3267287691"/>
       </p:ext>
     </p:extLst>
   </p:cSld>
@@ -1880,17 +2501,149 @@
           <a:bodyPr/>
           <a:lstStyle/>
           <a:p>
-            <a:r>
-              <a:rPr lang="en-US" sz="1200" b="0" i="0" u="none" strike="noStrike" kern="1200" baseline="0" dirty="0">
-                <a:solidFill>
-                  <a:schemeClr val="tx1"/>
-                </a:solidFill>
-                <a:latin typeface="+mn-lt"/>
-                <a:ea typeface="+mn-ea"/>
-                <a:cs typeface="+mn-cs"/>
+            <a:pPr marL="0" indent="0">
+              <a:buNone/>
+            </a:pPr>
+            <a:r>
+              <a:rPr lang="pl-PL" sz="1200" dirty="0">
+                <a:latin typeface="Courier New" panose="02070309020205020404" pitchFamily="49" charset="0"/>
+                <a:cs typeface="Courier New" panose="02070309020205020404" pitchFamily="49" charset="0"/>
               </a:rPr>
-              <a:t>types, regular expressions, numeric ranges, and data structure contents</a:t>
-            </a:r>
+              <a:t>&lt;</a:t>
+            </a:r>
+            <a:r>
+              <a:rPr lang="pl-PL" sz="1200" dirty="0" err="1">
+                <a:latin typeface="Courier New" panose="02070309020205020404" pitchFamily="49" charset="0"/>
+                <a:cs typeface="Courier New" panose="02070309020205020404" pitchFamily="49" charset="0"/>
+              </a:rPr>
+              <a:t>expression</a:t>
+            </a:r>
+            <a:r>
+              <a:rPr lang="pl-PL" sz="1200" dirty="0">
+                <a:latin typeface="Courier New" panose="02070309020205020404" pitchFamily="49" charset="0"/>
+                <a:cs typeface="Courier New" panose="02070309020205020404" pitchFamily="49" charset="0"/>
+              </a:rPr>
+              <a:t>&gt; </a:t>
+            </a:r>
+            <a:r>
+              <a:rPr lang="pl-PL" sz="1200" dirty="0" err="1">
+                <a:latin typeface="Courier New" panose="02070309020205020404" pitchFamily="49" charset="0"/>
+                <a:cs typeface="Courier New" panose="02070309020205020404" pitchFamily="49" charset="0"/>
+              </a:rPr>
+              <a:t>match</a:t>
+            </a:r>
+            <a:r>
+              <a:rPr lang="pl-PL" sz="1200" dirty="0">
+                <a:latin typeface="Courier New" panose="02070309020205020404" pitchFamily="49" charset="0"/>
+                <a:cs typeface="Courier New" panose="02070309020205020404" pitchFamily="49" charset="0"/>
+              </a:rPr>
+              <a:t> {</a:t>
+            </a:r>
+          </a:p>
+          <a:p>
+            <a:pPr marL="0" indent="0">
+              <a:buNone/>
+            </a:pPr>
+            <a:r>
+              <a:rPr lang="pl-PL" sz="1200" dirty="0" err="1">
+                <a:latin typeface="Courier New" panose="02070309020205020404" pitchFamily="49" charset="0"/>
+                <a:cs typeface="Courier New" panose="02070309020205020404" pitchFamily="49" charset="0"/>
+              </a:rPr>
+              <a:t>case</a:t>
+            </a:r>
+            <a:r>
+              <a:rPr lang="pl-PL" sz="1200" dirty="0">
+                <a:latin typeface="Courier New" panose="02070309020205020404" pitchFamily="49" charset="0"/>
+                <a:cs typeface="Courier New" panose="02070309020205020404" pitchFamily="49" charset="0"/>
+              </a:rPr>
+              <a:t> &lt;</a:t>
+            </a:r>
+            <a:r>
+              <a:rPr lang="pl-PL" sz="1200" dirty="0" err="1">
+                <a:latin typeface="Courier New" panose="02070309020205020404" pitchFamily="49" charset="0"/>
+                <a:cs typeface="Courier New" panose="02070309020205020404" pitchFamily="49" charset="0"/>
+              </a:rPr>
+              <a:t>pattern</a:t>
+            </a:r>
+            <a:r>
+              <a:rPr lang="pl-PL" sz="1200" dirty="0">
+                <a:latin typeface="Courier New" panose="02070309020205020404" pitchFamily="49" charset="0"/>
+                <a:cs typeface="Courier New" panose="02070309020205020404" pitchFamily="49" charset="0"/>
+              </a:rPr>
+              <a:t> </a:t>
+            </a:r>
+            <a:r>
+              <a:rPr lang="pl-PL" sz="1200" dirty="0" err="1">
+                <a:latin typeface="Courier New" panose="02070309020205020404" pitchFamily="49" charset="0"/>
+                <a:cs typeface="Courier New" panose="02070309020205020404" pitchFamily="49" charset="0"/>
+              </a:rPr>
+              <a:t>match</a:t>
+            </a:r>
+            <a:r>
+              <a:rPr lang="pl-PL" sz="1200" dirty="0">
+                <a:latin typeface="Courier New" panose="02070309020205020404" pitchFamily="49" charset="0"/>
+                <a:cs typeface="Courier New" panose="02070309020205020404" pitchFamily="49" charset="0"/>
+              </a:rPr>
+              <a:t>&gt; =&gt; &lt;</a:t>
+            </a:r>
+            <a:r>
+              <a:rPr lang="pl-PL" sz="1200" dirty="0" err="1">
+                <a:latin typeface="Courier New" panose="02070309020205020404" pitchFamily="49" charset="0"/>
+                <a:cs typeface="Courier New" panose="02070309020205020404" pitchFamily="49" charset="0"/>
+              </a:rPr>
+              <a:t>expression</a:t>
+            </a:r>
+            <a:r>
+              <a:rPr lang="pl-PL" sz="1200" dirty="0">
+                <a:latin typeface="Courier New" panose="02070309020205020404" pitchFamily="49" charset="0"/>
+                <a:cs typeface="Courier New" panose="02070309020205020404" pitchFamily="49" charset="0"/>
+              </a:rPr>
+              <a:t>&gt;</a:t>
+            </a:r>
+          </a:p>
+          <a:p>
+            <a:pPr marL="0" indent="0">
+              <a:buNone/>
+            </a:pPr>
+            <a:r>
+              <a:rPr lang="pl-PL" sz="1200" dirty="0">
+                <a:latin typeface="Courier New" panose="02070309020205020404" pitchFamily="49" charset="0"/>
+                <a:cs typeface="Courier New" panose="02070309020205020404" pitchFamily="49" charset="0"/>
+              </a:rPr>
+              <a:t>[</a:t>
+            </a:r>
+            <a:r>
+              <a:rPr lang="pl-PL" sz="1200" dirty="0" err="1">
+                <a:latin typeface="Courier New" panose="02070309020205020404" pitchFamily="49" charset="0"/>
+                <a:cs typeface="Courier New" panose="02070309020205020404" pitchFamily="49" charset="0"/>
+              </a:rPr>
+              <a:t>case</a:t>
+            </a:r>
+            <a:r>
+              <a:rPr lang="pl-PL" sz="1200" dirty="0">
+                <a:latin typeface="Courier New" panose="02070309020205020404" pitchFamily="49" charset="0"/>
+                <a:cs typeface="Courier New" panose="02070309020205020404" pitchFamily="49" charset="0"/>
+              </a:rPr>
+              <a:t>...]</a:t>
+            </a:r>
+          </a:p>
+          <a:p>
+            <a:pPr marL="0" indent="0">
+              <a:buNone/>
+            </a:pPr>
+            <a:r>
+              <a:rPr lang="pl-PL" sz="1200" dirty="0">
+                <a:latin typeface="Courier New" panose="02070309020205020404" pitchFamily="49" charset="0"/>
+                <a:cs typeface="Courier New" panose="02070309020205020404" pitchFamily="49" charset="0"/>
+              </a:rPr>
+              <a:t>}</a:t>
+            </a:r>
+            <a:endParaRPr lang="pl-PL" sz="2000" dirty="0">
+              <a:latin typeface="Courier New" panose="02070309020205020404" pitchFamily="49" charset="0"/>
+              <a:cs typeface="Courier New" panose="02070309020205020404" pitchFamily="49" charset="0"/>
+            </a:endParaRPr>
+          </a:p>
+          <a:p>
             <a:endParaRPr lang="pl-PL" dirty="0"/>
           </a:p>
         </p:txBody>
@@ -1952,6 +2705,414 @@
           <a:bodyPr/>
           <a:lstStyle/>
           <a:p>
+            <a:r>
+              <a:rPr lang="pl-PL" dirty="0"/>
+              <a:t>First </a:t>
+            </a:r>
+            <a:r>
+              <a:rPr lang="pl-PL" dirty="0" err="1"/>
+              <a:t>class</a:t>
+            </a:r>
+            <a:r>
+              <a:rPr lang="pl-PL" dirty="0"/>
+              <a:t> </a:t>
+            </a:r>
+            <a:r>
+              <a:rPr lang="pl-PL" dirty="0" err="1"/>
+              <a:t>citizien</a:t>
+            </a:r>
+            <a:r>
+              <a:rPr lang="pl-PL" dirty="0"/>
+              <a:t> – </a:t>
+            </a:r>
+            <a:r>
+              <a:rPr lang="pl-PL" dirty="0" err="1"/>
+              <a:t>sa</a:t>
+            </a:r>
+            <a:r>
+              <a:rPr lang="pl-PL" dirty="0"/>
+              <a:t> wszechobecne, nie są tylko </a:t>
+            </a:r>
+            <a:r>
+              <a:rPr lang="pl-PL" dirty="0" err="1"/>
+              <a:t>delarowane</a:t>
+            </a:r>
+            <a:r>
+              <a:rPr lang="pl-PL" dirty="0"/>
+              <a:t> i wykonywane ale mogą być </a:t>
+            </a:r>
+            <a:r>
+              <a:rPr lang="pl-PL" dirty="0" err="1"/>
+              <a:t>uzyte</a:t>
+            </a:r>
+            <a:r>
+              <a:rPr lang="pl-PL" dirty="0"/>
+              <a:t> jako po </a:t>
+            </a:r>
+            <a:r>
+              <a:rPr lang="pl-PL" dirty="0" err="1"/>
+              <a:t>prstu</a:t>
+            </a:r>
+            <a:r>
+              <a:rPr lang="pl-PL" dirty="0"/>
+              <a:t> typ danych.</a:t>
+            </a:r>
+          </a:p>
+          <a:p>
+            <a:r>
+              <a:rPr lang="pl-PL" dirty="0"/>
+              <a:t>Mogą wiec być </a:t>
+            </a:r>
+            <a:r>
+              <a:rPr lang="pl-PL" dirty="0" err="1"/>
+              <a:t>zdefinowane</a:t>
+            </a:r>
+            <a:r>
+              <a:rPr lang="pl-PL" dirty="0"/>
+              <a:t> jako literał, jako literał bez nazwy (czyli to co znamy z </a:t>
+            </a:r>
+            <a:r>
+              <a:rPr lang="pl-PL" dirty="0" err="1"/>
+              <a:t>javy</a:t>
+            </a:r>
+            <a:r>
+              <a:rPr lang="pl-PL" dirty="0"/>
+              <a:t> </a:t>
+            </a:r>
+            <a:r>
+              <a:rPr lang="pl-PL" dirty="0" err="1"/>
+              <a:t>javascirpt</a:t>
+            </a:r>
+            <a:r>
+              <a:rPr lang="pl-PL" dirty="0"/>
+              <a:t> jako </a:t>
+            </a:r>
+            <a:r>
+              <a:rPr lang="pl-PL" dirty="0" err="1"/>
+              <a:t>lampda</a:t>
+            </a:r>
+            <a:r>
+              <a:rPr lang="pl-PL" dirty="0"/>
+              <a:t>, bądź anonimowa funkcja), mogą być zapisane jako </a:t>
+            </a:r>
+            <a:r>
+              <a:rPr lang="pl-PL" dirty="0" err="1"/>
+              <a:t>value</a:t>
+            </a:r>
+            <a:r>
+              <a:rPr lang="pl-PL" dirty="0"/>
+              <a:t> bądź </a:t>
+            </a:r>
+            <a:r>
+              <a:rPr lang="pl-PL" dirty="0" err="1"/>
+              <a:t>variable</a:t>
+            </a:r>
+            <a:r>
+              <a:rPr lang="pl-PL" dirty="0"/>
+              <a:t> oraz </a:t>
+            </a:r>
+            <a:r>
+              <a:rPr lang="pl-PL" dirty="0" err="1"/>
+              <a:t>uzyte</a:t>
+            </a:r>
+            <a:r>
+              <a:rPr lang="pl-PL" dirty="0"/>
+              <a:t> jako </a:t>
+            </a:r>
+            <a:r>
+              <a:rPr lang="pl-PL" dirty="0" err="1"/>
+              <a:t>paramter</a:t>
+            </a:r>
+            <a:r>
+              <a:rPr lang="pl-PL" dirty="0"/>
+              <a:t> do innej funkcji bądź nawet zwrócone z innej funkcji.</a:t>
+            </a:r>
+          </a:p>
+          <a:p>
+            <a:r>
+              <a:rPr lang="pl-PL" dirty="0" err="1"/>
+              <a:t>Pure</a:t>
+            </a:r>
+            <a:r>
+              <a:rPr lang="pl-PL" dirty="0"/>
+              <a:t> </a:t>
+            </a:r>
+            <a:r>
+              <a:rPr lang="pl-PL" dirty="0" err="1"/>
+              <a:t>functions</a:t>
+            </a:r>
+            <a:r>
+              <a:rPr lang="pl-PL" dirty="0"/>
+              <a:t> – nie maja </a:t>
+            </a:r>
+            <a:r>
+              <a:rPr lang="pl-PL" dirty="0" err="1"/>
+              <a:t>side</a:t>
+            </a:r>
+            <a:r>
+              <a:rPr lang="pl-PL" dirty="0"/>
+              <a:t> </a:t>
+            </a:r>
+            <a:r>
+              <a:rPr lang="pl-PL" dirty="0" err="1"/>
+              <a:t>effectów</a:t>
+            </a:r>
+            <a:r>
+              <a:rPr lang="pl-PL" dirty="0"/>
+              <a:t>, czyli nie modyfikują stanu, są </a:t>
+            </a:r>
+            <a:r>
+              <a:rPr lang="pl-PL" dirty="0" err="1"/>
+              <a:t>stateless</a:t>
+            </a:r>
+            <a:endParaRPr lang="pl-PL" dirty="0"/>
+          </a:p>
+          <a:p>
+            <a:r>
+              <a:rPr lang="pl-PL" dirty="0"/>
+              <a:t>High-order </a:t>
+            </a:r>
+            <a:r>
+              <a:rPr lang="pl-PL" dirty="0" err="1"/>
+              <a:t>funcions</a:t>
+            </a:r>
+            <a:r>
+              <a:rPr lang="pl-PL" dirty="0"/>
+              <a:t> – przyjmują w argumencie inna funkcje bądź zwracają funkcje. Najbardziej znane to </a:t>
+            </a:r>
+            <a:r>
+              <a:rPr lang="pl-PL" sz="1200" b="0" i="0" u="none" strike="noStrike" kern="1200" baseline="0" dirty="0">
+                <a:solidFill>
+                  <a:schemeClr val="tx1"/>
+                </a:solidFill>
+                <a:latin typeface="+mn-lt"/>
+                <a:ea typeface="+mn-ea"/>
+                <a:cs typeface="+mn-cs"/>
+              </a:rPr>
+              <a:t>map() i </a:t>
+            </a:r>
+            <a:r>
+              <a:rPr lang="pl-PL" sz="1200" b="0" i="0" u="none" strike="noStrike" kern="1200" baseline="0" dirty="0" err="1">
+                <a:solidFill>
+                  <a:schemeClr val="tx1"/>
+                </a:solidFill>
+                <a:latin typeface="+mn-lt"/>
+                <a:ea typeface="+mn-ea"/>
+                <a:cs typeface="+mn-cs"/>
+              </a:rPr>
+              <a:t>reduce</a:t>
+            </a:r>
+            <a:r>
+              <a:rPr lang="pl-PL" sz="1200" b="0" i="0" u="none" strike="noStrike" kern="1200" baseline="0" dirty="0">
+                <a:solidFill>
+                  <a:schemeClr val="tx1"/>
+                </a:solidFill>
+                <a:latin typeface="+mn-lt"/>
+                <a:ea typeface="+mn-ea"/>
+                <a:cs typeface="+mn-cs"/>
+              </a:rPr>
+              <a:t>().</a:t>
+            </a:r>
+          </a:p>
+          <a:p>
+            <a:endParaRPr lang="pl-PL" sz="1200" b="0" i="0" u="none" strike="noStrike" kern="1200" baseline="0" dirty="0">
+              <a:solidFill>
+                <a:schemeClr val="tx1"/>
+              </a:solidFill>
+              <a:latin typeface="+mn-lt"/>
+              <a:ea typeface="+mn-ea"/>
+              <a:cs typeface="+mn-cs"/>
+            </a:endParaRPr>
+          </a:p>
+          <a:p>
+            <a:r>
+              <a:rPr lang="pl-PL" sz="1200" b="0" i="0" u="none" strike="noStrike" kern="1200" baseline="0" dirty="0">
+                <a:solidFill>
+                  <a:schemeClr val="tx1"/>
+                </a:solidFill>
+                <a:latin typeface="+mn-lt"/>
+                <a:ea typeface="+mn-ea"/>
+                <a:cs typeface="+mn-cs"/>
+              </a:rPr>
+              <a:t>The map() </a:t>
+            </a:r>
+            <a:r>
+              <a:rPr lang="pl-PL" sz="1200" b="0" i="0" u="none" strike="noStrike" kern="1200" baseline="0" dirty="0" err="1">
+                <a:solidFill>
+                  <a:schemeClr val="tx1"/>
+                </a:solidFill>
+                <a:latin typeface="+mn-lt"/>
+                <a:ea typeface="+mn-ea"/>
+                <a:cs typeface="+mn-cs"/>
+              </a:rPr>
+              <a:t>higher</a:t>
+            </a:r>
+            <a:r>
+              <a:rPr lang="pl-PL" sz="1200" b="0" i="0" u="none" strike="noStrike" kern="1200" baseline="0" dirty="0">
+                <a:solidFill>
+                  <a:schemeClr val="tx1"/>
+                </a:solidFill>
+                <a:latin typeface="+mn-lt"/>
+                <a:ea typeface="+mn-ea"/>
+                <a:cs typeface="+mn-cs"/>
+              </a:rPr>
+              <a:t>-order </a:t>
+            </a:r>
+            <a:r>
+              <a:rPr lang="pl-PL" sz="1200" b="0" i="0" u="none" strike="noStrike" kern="1200" baseline="0" dirty="0" err="1">
+                <a:solidFill>
+                  <a:schemeClr val="tx1"/>
+                </a:solidFill>
+                <a:latin typeface="+mn-lt"/>
+                <a:ea typeface="+mn-ea"/>
+                <a:cs typeface="+mn-cs"/>
+              </a:rPr>
+              <a:t>function</a:t>
+            </a:r>
+            <a:r>
+              <a:rPr lang="pl-PL" sz="1200" b="0" i="0" u="none" strike="noStrike" kern="1200" baseline="0" dirty="0">
+                <a:solidFill>
+                  <a:schemeClr val="tx1"/>
+                </a:solidFill>
+                <a:latin typeface="+mn-lt"/>
+                <a:ea typeface="+mn-ea"/>
+                <a:cs typeface="+mn-cs"/>
+              </a:rPr>
+              <a:t> </a:t>
+            </a:r>
+            <a:r>
+              <a:rPr lang="en-US" sz="1200" b="0" i="0" u="none" strike="noStrike" kern="1200" baseline="0" dirty="0">
+                <a:solidFill>
+                  <a:schemeClr val="tx1"/>
+                </a:solidFill>
+                <a:latin typeface="+mn-lt"/>
+                <a:ea typeface="+mn-ea"/>
+                <a:cs typeface="+mn-cs"/>
+              </a:rPr>
+              <a:t>takes a function parameter and uses it to convert one or more items to a new value</a:t>
+            </a:r>
+          </a:p>
+          <a:p>
+            <a:r>
+              <a:rPr lang="en-US" sz="1200" b="0" i="0" u="none" strike="noStrike" kern="1200" baseline="0" dirty="0">
+                <a:solidFill>
+                  <a:schemeClr val="tx1"/>
+                </a:solidFill>
+                <a:latin typeface="+mn-lt"/>
+                <a:ea typeface="+mn-ea"/>
+                <a:cs typeface="+mn-cs"/>
+              </a:rPr>
+              <a:t>and/or type. </a:t>
+            </a:r>
+            <a:endParaRPr lang="pl-PL" sz="1200" b="0" i="0" u="none" strike="noStrike" kern="1200" baseline="0" dirty="0">
+              <a:solidFill>
+                <a:schemeClr val="tx1"/>
+              </a:solidFill>
+              <a:latin typeface="+mn-lt"/>
+              <a:ea typeface="+mn-ea"/>
+              <a:cs typeface="+mn-cs"/>
+            </a:endParaRPr>
+          </a:p>
+          <a:p>
+            <a:r>
+              <a:rPr lang="en-US" sz="1200" b="0" i="0" u="none" strike="noStrike" kern="1200" baseline="0" dirty="0">
+                <a:solidFill>
+                  <a:schemeClr val="tx1"/>
+                </a:solidFill>
+                <a:latin typeface="+mn-lt"/>
+                <a:ea typeface="+mn-ea"/>
+                <a:cs typeface="+mn-cs"/>
+              </a:rPr>
+              <a:t>The reduce() higher-order function takes a function parameter and uses</a:t>
+            </a:r>
+            <a:r>
+              <a:rPr lang="pl-PL" sz="1200" b="0" i="0" u="none" strike="noStrike" kern="1200" baseline="0" dirty="0">
+                <a:solidFill>
+                  <a:schemeClr val="tx1"/>
+                </a:solidFill>
+                <a:latin typeface="+mn-lt"/>
+                <a:ea typeface="+mn-ea"/>
+                <a:cs typeface="+mn-cs"/>
+              </a:rPr>
+              <a:t> </a:t>
+            </a:r>
+            <a:r>
+              <a:rPr lang="en-US" sz="1200" b="0" i="0" u="none" strike="noStrike" kern="1200" baseline="0" dirty="0">
+                <a:solidFill>
+                  <a:schemeClr val="tx1"/>
+                </a:solidFill>
+                <a:latin typeface="+mn-lt"/>
+                <a:ea typeface="+mn-ea"/>
+                <a:cs typeface="+mn-cs"/>
+              </a:rPr>
+              <a:t>it to reduce a collection of multiple items down to a single item.</a:t>
+            </a:r>
+            <a:endParaRPr lang="pl-PL" sz="1200" b="0" i="0" u="none" strike="noStrike" kern="1200" baseline="0" dirty="0">
+              <a:solidFill>
+                <a:schemeClr val="tx1"/>
+              </a:solidFill>
+              <a:latin typeface="+mn-lt"/>
+              <a:ea typeface="+mn-ea"/>
+              <a:cs typeface="+mn-cs"/>
+            </a:endParaRPr>
+          </a:p>
+          <a:p>
+            <a:endParaRPr lang="pl-PL" sz="1200" b="0" i="0" u="none" strike="noStrike" kern="1200" baseline="0" dirty="0">
+              <a:solidFill>
+                <a:schemeClr val="tx1"/>
+              </a:solidFill>
+              <a:latin typeface="+mn-lt"/>
+              <a:ea typeface="+mn-ea"/>
+              <a:cs typeface="+mn-cs"/>
+            </a:endParaRPr>
+          </a:p>
+          <a:p>
+            <a:r>
+              <a:rPr lang="en-US" sz="1200" b="0" i="0" u="none" strike="noStrike" kern="1200" baseline="0" dirty="0">
+                <a:solidFill>
+                  <a:schemeClr val="tx1"/>
+                </a:solidFill>
+                <a:latin typeface="+mn-lt"/>
+                <a:ea typeface="+mn-ea"/>
+                <a:cs typeface="+mn-cs"/>
+              </a:rPr>
+              <a:t>The popular Map/Reduce computing paradigm uses this concept to tackle large computing challenges, by</a:t>
+            </a:r>
+          </a:p>
+          <a:p>
+            <a:r>
+              <a:rPr lang="en-US" sz="1200" b="0" i="0" u="none" strike="noStrike" kern="1200" baseline="0" dirty="0">
+                <a:solidFill>
+                  <a:schemeClr val="tx1"/>
+                </a:solidFill>
+                <a:latin typeface="+mn-lt"/>
+                <a:ea typeface="+mn-ea"/>
+                <a:cs typeface="+mn-cs"/>
+              </a:rPr>
+              <a:t>mapping the computation across a range of distributed nodes and reducing their results</a:t>
+            </a:r>
+            <a:r>
+              <a:rPr lang="pl-PL" sz="1200" b="0" i="0" u="none" strike="noStrike" kern="1200" baseline="0" dirty="0">
+                <a:solidFill>
+                  <a:schemeClr val="tx1"/>
+                </a:solidFill>
+                <a:latin typeface="+mn-lt"/>
+                <a:ea typeface="+mn-ea"/>
+                <a:cs typeface="+mn-cs"/>
+              </a:rPr>
+              <a:t> </a:t>
+            </a:r>
+            <a:r>
+              <a:rPr lang="en-US" sz="1200" b="0" i="0" u="none" strike="noStrike" kern="1200" baseline="0" dirty="0">
+                <a:solidFill>
+                  <a:schemeClr val="tx1"/>
+                </a:solidFill>
+                <a:latin typeface="+mn-lt"/>
+                <a:ea typeface="+mn-ea"/>
+                <a:cs typeface="+mn-cs"/>
+              </a:rPr>
+              <a:t>back to a meaningful size.</a:t>
+            </a:r>
             <a:endParaRPr lang="pl-PL" dirty="0"/>
           </a:p>
         </p:txBody>
@@ -1959,7 +3120,7 @@
     </p:spTree>
     <p:extLst>
       <p:ext uri="{BB962C8B-B14F-4D97-AF65-F5344CB8AC3E}">
-        <p14:creationId xmlns:p14="http://schemas.microsoft.com/office/powerpoint/2010/main" val="2988260470"/>
+        <p14:creationId xmlns:p14="http://schemas.microsoft.com/office/powerpoint/2010/main" val="1359792266"/>
       </p:ext>
     </p:extLst>
   </p:cSld>
@@ -2020,7 +3181,7 @@
     </p:spTree>
     <p:extLst>
       <p:ext uri="{BB962C8B-B14F-4D97-AF65-F5344CB8AC3E}">
-        <p14:creationId xmlns:p14="http://schemas.microsoft.com/office/powerpoint/2010/main" val="3376764379"/>
+        <p14:creationId xmlns:p14="http://schemas.microsoft.com/office/powerpoint/2010/main" val="2988260470"/>
       </p:ext>
     </p:extLst>
   </p:cSld>
@@ -2081,7 +3242,7 @@
     </p:spTree>
     <p:extLst>
       <p:ext uri="{BB962C8B-B14F-4D97-AF65-F5344CB8AC3E}">
-        <p14:creationId xmlns:p14="http://schemas.microsoft.com/office/powerpoint/2010/main" val="204777013"/>
+        <p14:creationId xmlns:p14="http://schemas.microsoft.com/office/powerpoint/2010/main" val="3376764379"/>
       </p:ext>
     </p:extLst>
   </p:cSld>
@@ -2142,7 +3303,7 @@
     </p:spTree>
     <p:extLst>
       <p:ext uri="{BB962C8B-B14F-4D97-AF65-F5344CB8AC3E}">
-        <p14:creationId xmlns:p14="http://schemas.microsoft.com/office/powerpoint/2010/main" val="1578492328"/>
+        <p14:creationId xmlns:p14="http://schemas.microsoft.com/office/powerpoint/2010/main" val="204777013"/>
       </p:ext>
     </p:extLst>
   </p:cSld>
@@ -2231,6 +3392,67 @@
     <p:extLst>
       <p:ext uri="{BB962C8B-B14F-4D97-AF65-F5344CB8AC3E}">
         <p14:creationId xmlns:p14="http://schemas.microsoft.com/office/powerpoint/2010/main" val="1451485858"/>
+      </p:ext>
+    </p:extLst>
+  </p:cSld>
+  <p:clrMapOvr>
+    <a:masterClrMapping/>
+  </p:clrMapOvr>
+</p:notes>
+</file>
+
+<file path=ppt/notesSlides/notesSlide20.xml><?xml version="1.0" encoding="utf-8"?>
+<p:notes xmlns:a="http://schemas.openxmlformats.org/drawingml/2006/main" xmlns:r="http://schemas.openxmlformats.org/officeDocument/2006/relationships" xmlns:p="http://schemas.openxmlformats.org/presentationml/2006/main">
+  <p:cSld>
+    <p:spTree>
+      <p:nvGrpSpPr>
+        <p:cNvPr id="1" name=""/>
+        <p:cNvGrpSpPr/>
+        <p:nvPr/>
+      </p:nvGrpSpPr>
+      <p:grpSpPr>
+        <a:xfrm>
+          <a:off x="0" y="0"/>
+          <a:ext cx="0" cy="0"/>
+          <a:chOff x="0" y="0"/>
+          <a:chExt cx="0" cy="0"/>
+        </a:xfrm>
+      </p:grpSpPr>
+      <p:sp>
+        <p:nvSpPr>
+          <p:cNvPr id="2" name="Slide Image Placeholder 1"/>
+          <p:cNvSpPr>
+            <a:spLocks noGrp="1" noRot="1" noChangeAspect="1"/>
+          </p:cNvSpPr>
+          <p:nvPr>
+            <p:ph type="sldImg"/>
+          </p:nvPr>
+        </p:nvSpPr>
+        <p:spPr/>
+      </p:sp>
+      <p:sp>
+        <p:nvSpPr>
+          <p:cNvPr id="3" name="Notes Placeholder 2"/>
+          <p:cNvSpPr>
+            <a:spLocks noGrp="1"/>
+          </p:cNvSpPr>
+          <p:nvPr>
+            <p:ph type="body" idx="1"/>
+          </p:nvPr>
+        </p:nvSpPr>
+        <p:spPr/>
+        <p:txBody>
+          <a:bodyPr/>
+          <a:lstStyle/>
+          <a:p>
+            <a:endParaRPr lang="pl-PL" dirty="0"/>
+          </a:p>
+        </p:txBody>
+      </p:sp>
+    </p:spTree>
+    <p:extLst>
+      <p:ext uri="{BB962C8B-B14F-4D97-AF65-F5344CB8AC3E}">
+        <p14:creationId xmlns:p14="http://schemas.microsoft.com/office/powerpoint/2010/main" val="1578492328"/>
       </p:ext>
     </p:extLst>
   </p:cSld>
@@ -2731,38 +3953,484 @@
           <a:lstStyle/>
           <a:p>
             <a:r>
-              <a:rPr lang="pl-PL" dirty="0"/>
-              <a:t>Driver proces jest odpowiedziany za wykonanie naszego programu na wszystkich </a:t>
-            </a:r>
-            <a:r>
-              <a:rPr lang="pl-PL" dirty="0" err="1"/>
-              <a:t>executorach</a:t>
-            </a:r>
-            <a:r>
-              <a:rPr lang="pl-PL" dirty="0"/>
-              <a:t>. W tym celu wykorzystuje </a:t>
-            </a:r>
-            <a:r>
-              <a:rPr lang="pl-PL" dirty="0" err="1"/>
-              <a:t>cluster</a:t>
-            </a:r>
-            <a:r>
-              <a:rPr lang="pl-PL" dirty="0"/>
-              <a:t> managera aby wiedzieć które zasoby są dostępne.</a:t>
-            </a:r>
-          </a:p>
-          <a:p>
-            <a:r>
-              <a:rPr lang="pl-PL" dirty="0"/>
-              <a:t>Cluster managerem może być np. YARN, MESOS czy KUBERNETES.</a:t>
-            </a:r>
+              <a:rPr lang="pl-PL" sz="1200" b="0" i="0" u="none" strike="noStrike" kern="1200" baseline="0" dirty="0">
+                <a:solidFill>
+                  <a:schemeClr val="tx1"/>
+                </a:solidFill>
+                <a:latin typeface="+mn-lt"/>
+                <a:ea typeface="+mn-ea"/>
+                <a:cs typeface="+mn-cs"/>
+              </a:rPr>
+              <a:t>Spark zbudowany jest z kilku mocno zintegrowanych komponentów. Na samym spodzie mamy Spark </a:t>
+            </a:r>
+            <a:r>
+              <a:rPr lang="pl-PL" sz="1200" b="0" i="0" u="none" strike="noStrike" kern="1200" baseline="0" dirty="0" err="1">
+                <a:solidFill>
+                  <a:schemeClr val="tx1"/>
+                </a:solidFill>
+                <a:latin typeface="+mn-lt"/>
+                <a:ea typeface="+mn-ea"/>
+                <a:cs typeface="+mn-cs"/>
+              </a:rPr>
+              <a:t>Core</a:t>
+            </a:r>
+            <a:r>
+              <a:rPr lang="pl-PL" sz="1200" b="0" i="0" u="none" strike="noStrike" kern="1200" baseline="0" dirty="0">
+                <a:solidFill>
+                  <a:schemeClr val="tx1"/>
+                </a:solidFill>
+                <a:latin typeface="+mn-lt"/>
+                <a:ea typeface="+mn-ea"/>
+                <a:cs typeface="+mn-cs"/>
+              </a:rPr>
+              <a:t>, odpowiedzialny za </a:t>
+            </a:r>
+            <a:r>
+              <a:rPr lang="pl-PL" sz="1200" b="0" i="0" u="none" strike="noStrike" kern="1200" baseline="0" dirty="0" err="1">
+                <a:solidFill>
+                  <a:schemeClr val="tx1"/>
+                </a:solidFill>
+                <a:latin typeface="+mn-lt"/>
+                <a:ea typeface="+mn-ea"/>
+                <a:cs typeface="+mn-cs"/>
+              </a:rPr>
+              <a:t>shedulling</a:t>
+            </a:r>
+            <a:r>
+              <a:rPr lang="pl-PL" sz="1200" b="0" i="0" u="none" strike="noStrike" kern="1200" baseline="0" dirty="0">
+                <a:solidFill>
+                  <a:schemeClr val="tx1"/>
+                </a:solidFill>
+                <a:latin typeface="+mn-lt"/>
+                <a:ea typeface="+mn-ea"/>
+                <a:cs typeface="+mn-cs"/>
+              </a:rPr>
+              <a:t> i dystrybucje operacji na rozproszonym środowisku, jakimi jest klaster.</a:t>
+            </a:r>
+          </a:p>
+          <a:p>
+            <a:r>
+              <a:rPr lang="pl-PL" sz="1200" b="0" i="0" u="none" strike="noStrike" kern="1200" baseline="0" dirty="0">
+                <a:solidFill>
+                  <a:schemeClr val="tx1"/>
+                </a:solidFill>
+                <a:latin typeface="+mn-lt"/>
+                <a:ea typeface="+mn-ea"/>
+                <a:cs typeface="+mn-cs"/>
+              </a:rPr>
+              <a:t>Sama idea budowy </a:t>
+            </a:r>
+            <a:r>
+              <a:rPr lang="pl-PL" sz="1200" b="0" i="0" u="none" strike="noStrike" kern="1200" baseline="0" dirty="0" err="1">
+                <a:solidFill>
+                  <a:schemeClr val="tx1"/>
+                </a:solidFill>
+                <a:latin typeface="+mn-lt"/>
+                <a:ea typeface="+mn-ea"/>
+                <a:cs typeface="+mn-cs"/>
+              </a:rPr>
+              <a:t>frameworka</a:t>
+            </a:r>
+            <a:r>
+              <a:rPr lang="pl-PL" sz="1200" b="0" i="0" u="none" strike="noStrike" kern="1200" baseline="0" dirty="0">
+                <a:solidFill>
+                  <a:schemeClr val="tx1"/>
+                </a:solidFill>
+                <a:latin typeface="+mn-lt"/>
+                <a:ea typeface="+mn-ea"/>
+                <a:cs typeface="+mn-cs"/>
+              </a:rPr>
+              <a:t> i zależności między komponentami ma wiele zalet. </a:t>
+            </a:r>
+          </a:p>
+          <a:p>
+            <a:pPr marL="171450" indent="-171450">
+              <a:buFontTx/>
+              <a:buChar char="-"/>
+            </a:pPr>
+            <a:r>
+              <a:rPr lang="pl-PL" sz="1200" b="0" i="0" u="none" strike="noStrike" kern="1200" baseline="0" dirty="0">
+                <a:solidFill>
+                  <a:schemeClr val="tx1"/>
+                </a:solidFill>
+                <a:latin typeface="+mn-lt"/>
+                <a:ea typeface="+mn-ea"/>
+                <a:cs typeface="+mn-cs"/>
+              </a:rPr>
+              <a:t>Każda z bibliotek powyżej Spark </a:t>
+            </a:r>
+            <a:r>
+              <a:rPr lang="pl-PL" sz="1200" b="0" i="0" u="none" strike="noStrike" kern="1200" baseline="0" dirty="0" err="1">
+                <a:solidFill>
+                  <a:schemeClr val="tx1"/>
+                </a:solidFill>
+                <a:latin typeface="+mn-lt"/>
+                <a:ea typeface="+mn-ea"/>
+                <a:cs typeface="+mn-cs"/>
+              </a:rPr>
+              <a:t>Core</a:t>
+            </a:r>
+            <a:r>
+              <a:rPr lang="pl-PL" sz="1200" b="0" i="0" u="none" strike="noStrike" kern="1200" baseline="0" dirty="0">
+                <a:solidFill>
+                  <a:schemeClr val="tx1"/>
+                </a:solidFill>
+                <a:latin typeface="+mn-lt"/>
+                <a:ea typeface="+mn-ea"/>
+                <a:cs typeface="+mn-cs"/>
+              </a:rPr>
+              <a:t> otrzymuje korzyści z optymalizacji na niższym poziomie. Np. jeśli wprowadzana jest jakaś zmiana w Spark </a:t>
+            </a:r>
+            <a:r>
+              <a:rPr lang="pl-PL" sz="1200" b="0" i="0" u="none" strike="noStrike" kern="1200" baseline="0" dirty="0" err="1">
+                <a:solidFill>
+                  <a:schemeClr val="tx1"/>
+                </a:solidFill>
+                <a:latin typeface="+mn-lt"/>
+                <a:ea typeface="+mn-ea"/>
+                <a:cs typeface="+mn-cs"/>
+              </a:rPr>
+              <a:t>Core</a:t>
+            </a:r>
+            <a:r>
+              <a:rPr lang="pl-PL" sz="1200" b="0" i="0" u="none" strike="noStrike" kern="1200" baseline="0" dirty="0">
+                <a:solidFill>
+                  <a:schemeClr val="tx1"/>
+                </a:solidFill>
+                <a:latin typeface="+mn-lt"/>
+                <a:ea typeface="+mn-ea"/>
+                <a:cs typeface="+mn-cs"/>
+              </a:rPr>
+              <a:t>, Spark </a:t>
+            </a:r>
+            <a:r>
+              <a:rPr lang="pl-PL" sz="1200" b="0" i="0" u="none" strike="noStrike" kern="1200" baseline="0" dirty="0" err="1">
+                <a:solidFill>
+                  <a:schemeClr val="tx1"/>
+                </a:solidFill>
+                <a:latin typeface="+mn-lt"/>
+                <a:ea typeface="+mn-ea"/>
+                <a:cs typeface="+mn-cs"/>
+              </a:rPr>
+              <a:t>Steraming</a:t>
+            </a:r>
+            <a:r>
+              <a:rPr lang="pl-PL" sz="1200" b="0" i="0" u="none" strike="noStrike" kern="1200" baseline="0" dirty="0">
+                <a:solidFill>
+                  <a:schemeClr val="tx1"/>
+                </a:solidFill>
+                <a:latin typeface="+mn-lt"/>
+                <a:ea typeface="+mn-ea"/>
+                <a:cs typeface="+mn-cs"/>
+              </a:rPr>
+              <a:t> i ML automatycznie mogą ją wykorzystać.</a:t>
+            </a:r>
+          </a:p>
+          <a:p>
+            <a:pPr marL="171450" indent="-171450">
+              <a:buFontTx/>
+              <a:buChar char="-"/>
+            </a:pPr>
+            <a:r>
+              <a:rPr lang="pl-PL" sz="1200" b="0" i="0" u="none" strike="noStrike" kern="1200" baseline="0" dirty="0">
+                <a:solidFill>
+                  <a:schemeClr val="tx1"/>
+                </a:solidFill>
+                <a:latin typeface="+mn-lt"/>
+                <a:ea typeface="+mn-ea"/>
+                <a:cs typeface="+mn-cs"/>
+              </a:rPr>
+              <a:t>Koszty utrzymania jednego </a:t>
+            </a:r>
+            <a:r>
+              <a:rPr lang="pl-PL" sz="1200" b="0" i="0" u="none" strike="noStrike" kern="1200" baseline="0" dirty="0" err="1">
+                <a:solidFill>
+                  <a:schemeClr val="tx1"/>
+                </a:solidFill>
+                <a:latin typeface="+mn-lt"/>
+                <a:ea typeface="+mn-ea"/>
+                <a:cs typeface="+mn-cs"/>
+              </a:rPr>
+              <a:t>frameworka</a:t>
+            </a:r>
+            <a:r>
+              <a:rPr lang="pl-PL" sz="1200" b="0" i="0" u="none" strike="noStrike" kern="1200" baseline="0" dirty="0">
+                <a:solidFill>
+                  <a:schemeClr val="tx1"/>
+                </a:solidFill>
+                <a:latin typeface="+mn-lt"/>
+                <a:ea typeface="+mn-ea"/>
+                <a:cs typeface="+mn-cs"/>
+              </a:rPr>
+              <a:t> są znacznie niższe niż posiadanie dedykowanych </a:t>
+            </a:r>
+            <a:r>
+              <a:rPr lang="pl-PL" sz="1200" b="0" i="0" u="none" strike="noStrike" kern="1200" baseline="0" dirty="0" err="1">
+                <a:solidFill>
+                  <a:schemeClr val="tx1"/>
+                </a:solidFill>
+                <a:latin typeface="+mn-lt"/>
+                <a:ea typeface="+mn-ea"/>
+                <a:cs typeface="+mn-cs"/>
+              </a:rPr>
+              <a:t>frameworków</a:t>
+            </a:r>
+            <a:r>
+              <a:rPr lang="pl-PL" sz="1200" b="0" i="0" u="none" strike="noStrike" kern="1200" baseline="0" dirty="0">
+                <a:solidFill>
+                  <a:schemeClr val="tx1"/>
+                </a:solidFill>
+                <a:latin typeface="+mn-lt"/>
+                <a:ea typeface="+mn-ea"/>
+                <a:cs typeface="+mn-cs"/>
+              </a:rPr>
+              <a:t> do </a:t>
+            </a:r>
+            <a:r>
+              <a:rPr lang="pl-PL" sz="1200" b="0" i="0" u="none" strike="noStrike" kern="1200" baseline="0" dirty="0" err="1">
+                <a:solidFill>
+                  <a:schemeClr val="tx1"/>
+                </a:solidFill>
+                <a:latin typeface="+mn-lt"/>
+                <a:ea typeface="+mn-ea"/>
+                <a:cs typeface="+mn-cs"/>
+              </a:rPr>
+              <a:t>stareamingu</a:t>
+            </a:r>
+            <a:r>
+              <a:rPr lang="pl-PL" sz="1200" b="0" i="0" u="none" strike="noStrike" kern="1200" baseline="0" dirty="0">
+                <a:solidFill>
+                  <a:schemeClr val="tx1"/>
+                </a:solidFill>
+                <a:latin typeface="+mn-lt"/>
+                <a:ea typeface="+mn-ea"/>
+                <a:cs typeface="+mn-cs"/>
+              </a:rPr>
+              <a:t>, ML, baz </a:t>
+            </a:r>
+            <a:r>
+              <a:rPr lang="pl-PL" sz="1200" b="0" i="0" u="none" strike="noStrike" kern="1200" baseline="0" dirty="0" err="1">
+                <a:solidFill>
+                  <a:schemeClr val="tx1"/>
+                </a:solidFill>
+                <a:latin typeface="+mn-lt"/>
+                <a:ea typeface="+mn-ea"/>
+                <a:cs typeface="+mn-cs"/>
+              </a:rPr>
+              <a:t>graphowych</a:t>
+            </a:r>
+            <a:r>
+              <a:rPr lang="pl-PL" sz="1200" b="0" i="0" u="none" strike="noStrike" kern="1200" baseline="0" dirty="0">
+                <a:solidFill>
+                  <a:schemeClr val="tx1"/>
+                </a:solidFill>
+                <a:latin typeface="+mn-lt"/>
+                <a:ea typeface="+mn-ea"/>
+                <a:cs typeface="+mn-cs"/>
+              </a:rPr>
+              <a:t>. Te koszty to nie tylko licencje i hardware, ale również </a:t>
+            </a:r>
+            <a:r>
+              <a:rPr lang="pl-PL" sz="1200" b="0" i="0" u="none" strike="noStrike" kern="1200" baseline="0" dirty="0" err="1">
+                <a:solidFill>
+                  <a:schemeClr val="tx1"/>
+                </a:solidFill>
+                <a:latin typeface="+mn-lt"/>
+                <a:ea typeface="+mn-ea"/>
+                <a:cs typeface="+mn-cs"/>
+              </a:rPr>
+              <a:t>maintenenace</a:t>
+            </a:r>
+            <a:r>
+              <a:rPr lang="pl-PL" sz="1200" b="0" i="0" u="none" strike="noStrike" kern="1200" baseline="0" dirty="0">
+                <a:solidFill>
+                  <a:schemeClr val="tx1"/>
+                </a:solidFill>
+                <a:latin typeface="+mn-lt"/>
+                <a:ea typeface="+mn-ea"/>
+                <a:cs typeface="+mn-cs"/>
+              </a:rPr>
+              <a:t>, deployment, </a:t>
+            </a:r>
+            <a:r>
+              <a:rPr lang="pl-PL" sz="1200" b="0" i="0" u="none" strike="noStrike" kern="1200" baseline="0" dirty="0" err="1">
+                <a:solidFill>
+                  <a:schemeClr val="tx1"/>
+                </a:solidFill>
+                <a:latin typeface="+mn-lt"/>
+                <a:ea typeface="+mn-ea"/>
+                <a:cs typeface="+mn-cs"/>
+              </a:rPr>
+              <a:t>tesowanie</a:t>
+            </a:r>
+            <a:r>
+              <a:rPr lang="pl-PL" sz="1200" b="0" i="0" u="none" strike="noStrike" kern="1200" baseline="0" dirty="0">
+                <a:solidFill>
+                  <a:schemeClr val="tx1"/>
+                </a:solidFill>
+                <a:latin typeface="+mn-lt"/>
+                <a:ea typeface="+mn-ea"/>
+                <a:cs typeface="+mn-cs"/>
+              </a:rPr>
+              <a:t>, support.</a:t>
+            </a:r>
+          </a:p>
+          <a:p>
+            <a:pPr marL="0" indent="0">
+              <a:buFontTx/>
+              <a:buNone/>
+            </a:pPr>
+            <a:r>
+              <a:rPr lang="pl-PL" sz="1200" b="0" i="0" u="none" strike="noStrike" kern="1200" baseline="0" dirty="0">
+                <a:solidFill>
+                  <a:schemeClr val="tx1"/>
+                </a:solidFill>
+                <a:latin typeface="+mn-lt"/>
+                <a:ea typeface="+mn-ea"/>
+                <a:cs typeface="+mn-cs"/>
+              </a:rPr>
+              <a:t>-  Możliwość budowy aplikacji łączących różne modele przetwarzania danych. Możemy mieć np. jedną aplikację, gdzie będziemy </a:t>
+            </a:r>
+            <a:r>
+              <a:rPr lang="pl-PL" sz="1200" b="0" i="0" u="none" strike="noStrike" kern="1200" baseline="0" dirty="0" err="1">
+                <a:solidFill>
+                  <a:schemeClr val="tx1"/>
+                </a:solidFill>
+                <a:latin typeface="+mn-lt"/>
+                <a:ea typeface="+mn-ea"/>
+                <a:cs typeface="+mn-cs"/>
+              </a:rPr>
+              <a:t>streamować</a:t>
+            </a:r>
+            <a:r>
+              <a:rPr lang="pl-PL" sz="1200" b="0" i="0" u="none" strike="noStrike" kern="1200" baseline="0" dirty="0">
+                <a:solidFill>
+                  <a:schemeClr val="tx1"/>
+                </a:solidFill>
+                <a:latin typeface="+mn-lt"/>
+                <a:ea typeface="+mn-ea"/>
+                <a:cs typeface="+mn-cs"/>
+              </a:rPr>
+              <a:t> dane, następnie w tym samym </a:t>
+            </a:r>
+            <a:r>
+              <a:rPr lang="pl-PL" sz="1200" b="0" i="0" u="none" strike="noStrike" kern="1200" baseline="0" dirty="0" err="1">
+                <a:solidFill>
+                  <a:schemeClr val="tx1"/>
+                </a:solidFill>
+                <a:latin typeface="+mn-lt"/>
+                <a:ea typeface="+mn-ea"/>
+                <a:cs typeface="+mn-cs"/>
+              </a:rPr>
+              <a:t>pipelinie</a:t>
+            </a:r>
+            <a:r>
+              <a:rPr lang="pl-PL" sz="1200" b="0" i="0" u="none" strike="noStrike" kern="1200" baseline="0" dirty="0">
+                <a:solidFill>
+                  <a:schemeClr val="tx1"/>
+                </a:solidFill>
+                <a:latin typeface="+mn-lt"/>
+                <a:ea typeface="+mn-ea"/>
+                <a:cs typeface="+mn-cs"/>
+              </a:rPr>
+              <a:t> użyć ML to klasyfikacji danych czy umożliwić data </a:t>
+            </a:r>
+            <a:r>
+              <a:rPr lang="pl-PL" sz="1200" b="0" i="0" u="none" strike="noStrike" kern="1200" baseline="0" dirty="0" err="1">
+                <a:solidFill>
+                  <a:schemeClr val="tx1"/>
+                </a:solidFill>
+                <a:latin typeface="+mn-lt"/>
+                <a:ea typeface="+mn-ea"/>
+                <a:cs typeface="+mn-cs"/>
+              </a:rPr>
+              <a:t>scientistom</a:t>
+            </a:r>
+            <a:r>
+              <a:rPr lang="pl-PL" sz="1200" b="0" i="0" u="none" strike="noStrike" kern="1200" baseline="0" dirty="0">
+                <a:solidFill>
+                  <a:schemeClr val="tx1"/>
+                </a:solidFill>
+                <a:latin typeface="+mn-lt"/>
+                <a:ea typeface="+mn-ea"/>
+                <a:cs typeface="+mn-cs"/>
+              </a:rPr>
+              <a:t> i analitykom danych pisanie SQL na danych płynących w naszym </a:t>
+            </a:r>
+            <a:r>
+              <a:rPr lang="pl-PL" sz="1200" b="0" i="0" u="none" strike="noStrike" kern="1200" baseline="0" dirty="0" err="1">
+                <a:solidFill>
+                  <a:schemeClr val="tx1"/>
+                </a:solidFill>
+                <a:latin typeface="+mn-lt"/>
+                <a:ea typeface="+mn-ea"/>
+                <a:cs typeface="+mn-cs"/>
+              </a:rPr>
+              <a:t>streamie</a:t>
+            </a:r>
+            <a:r>
+              <a:rPr lang="pl-PL" sz="1200" b="0" i="0" u="none" strike="noStrike" kern="1200" baseline="0" dirty="0">
+                <a:solidFill>
+                  <a:schemeClr val="tx1"/>
+                </a:solidFill>
+                <a:latin typeface="+mn-lt"/>
+                <a:ea typeface="+mn-ea"/>
+                <a:cs typeface="+mn-cs"/>
+              </a:rPr>
+              <a:t> w czasie rzeczywistym. Aplikacja może też przetwarzać w tym samym czasie dane </a:t>
+            </a:r>
+            <a:r>
+              <a:rPr lang="pl-PL" sz="1200" b="0" i="0" u="none" strike="noStrike" kern="1200" baseline="0" dirty="0" err="1">
+                <a:solidFill>
+                  <a:schemeClr val="tx1"/>
+                </a:solidFill>
+                <a:latin typeface="+mn-lt"/>
+                <a:ea typeface="+mn-ea"/>
+                <a:cs typeface="+mn-cs"/>
+              </a:rPr>
+              <a:t>batchowo</a:t>
+            </a:r>
+            <a:r>
+              <a:rPr lang="pl-PL" sz="1200" b="0" i="0" u="none" strike="noStrike" kern="1200" baseline="0" dirty="0">
+                <a:solidFill>
+                  <a:schemeClr val="tx1"/>
+                </a:solidFill>
+                <a:latin typeface="+mn-lt"/>
+                <a:ea typeface="+mn-ea"/>
+                <a:cs typeface="+mn-cs"/>
+              </a:rPr>
+              <a:t>, wg określonego kalendarza. </a:t>
+            </a:r>
+            <a:r>
+              <a:rPr lang="pl-PL" sz="1200" b="0" i="0" u="none" strike="noStrike" kern="1200" baseline="0" dirty="0" err="1">
+                <a:solidFill>
+                  <a:schemeClr val="tx1"/>
+                </a:solidFill>
+                <a:latin typeface="+mn-lt"/>
+                <a:ea typeface="+mn-ea"/>
+                <a:cs typeface="+mn-cs"/>
+              </a:rPr>
+              <a:t>Wszytsko</a:t>
+            </a:r>
+            <a:r>
+              <a:rPr lang="pl-PL" sz="1200" b="0" i="0" u="none" strike="noStrike" kern="1200" baseline="0" dirty="0">
+                <a:solidFill>
+                  <a:schemeClr val="tx1"/>
+                </a:solidFill>
+                <a:latin typeface="+mn-lt"/>
+                <a:ea typeface="+mn-ea"/>
+                <a:cs typeface="+mn-cs"/>
+              </a:rPr>
+              <a:t> to może być zaimplementowane w jednej aplikacji.</a:t>
+            </a:r>
+            <a:endParaRPr lang="pl-PL" dirty="0"/>
           </a:p>
         </p:txBody>
       </p:sp>
     </p:spTree>
     <p:extLst>
       <p:ext uri="{BB962C8B-B14F-4D97-AF65-F5344CB8AC3E}">
-        <p14:creationId xmlns:p14="http://schemas.microsoft.com/office/powerpoint/2010/main" val="3532789281"/>
+        <p14:creationId xmlns:p14="http://schemas.microsoft.com/office/powerpoint/2010/main" val="2187535379"/>
       </p:ext>
     </p:extLst>
   </p:cSld>
@@ -2817,12 +4485,8 @@
           <a:lstStyle/>
           <a:p>
             <a:r>
-              <a:rPr lang="pl-PL" dirty="0" err="1"/>
-              <a:t>HISpark</a:t>
-            </a:r>
-            <a:r>
-              <a:rPr lang="pl-PL" dirty="0"/>
-              <a:t> (jak każdy </a:t>
+              <a:rPr lang="pl-PL" dirty="0"/>
+              <a:t>Spark (jak każdy </a:t>
             </a:r>
             <a:r>
               <a:rPr lang="pl-PL" dirty="0" err="1"/>
@@ -2847,24 +4511,28 @@
               <a:buChar char="-"/>
             </a:pPr>
             <a:r>
-              <a:rPr lang="pl-PL" dirty="0"/>
+              <a:rPr lang="pl-PL" b="1" dirty="0"/>
               <a:t>RDD (</a:t>
             </a:r>
             <a:r>
-              <a:rPr lang="pl-PL" dirty="0" err="1"/>
+              <a:rPr lang="pl-PL" b="1" dirty="0" err="1"/>
               <a:t>Resilient</a:t>
             </a:r>
             <a:r>
-              <a:rPr lang="pl-PL" dirty="0"/>
+              <a:rPr lang="pl-PL" b="1" dirty="0"/>
               <a:t> Distributed </a:t>
             </a:r>
             <a:r>
-              <a:rPr lang="pl-PL" dirty="0" err="1"/>
+              <a:rPr lang="pl-PL" b="1" dirty="0" err="1"/>
               <a:t>Datasets</a:t>
             </a:r>
             <a:r>
-              <a:rPr lang="pl-PL" dirty="0"/>
-              <a:t>)– podstawowa abstrakcja Sparka w wersja od 1 do 2, bez względu jaki typ kolekcji użyjemy, ostatecznie Spark kompiluje do RDD.  RDD to </a:t>
+              <a:rPr lang="pl-PL" b="1" dirty="0"/>
+              <a:t>)– </a:t>
+            </a:r>
+            <a:r>
+              <a:rPr lang="pl-PL" dirty="0"/>
+              <a:t>podstawowa abstrakcja Sparka w wersja od 1 do 2, bez względu jaki typ kolekcji użyjemy, ostatecznie Spark kompiluje do RDD.  RDD to </a:t>
             </a:r>
             <a:r>
               <a:rPr lang="pl-PL" dirty="0" err="1"/>
@@ -2985,20 +4653,24 @@
               <a:buChar char="-"/>
             </a:pPr>
             <a:r>
-              <a:rPr lang="pl-PL" dirty="0" err="1"/>
+              <a:rPr lang="pl-PL" b="1" dirty="0" err="1"/>
               <a:t>Ditributet</a:t>
             </a:r>
             <a:r>
-              <a:rPr lang="pl-PL" dirty="0"/>
+              <a:rPr lang="pl-PL" b="1" dirty="0"/>
               <a:t> </a:t>
             </a:r>
             <a:r>
-              <a:rPr lang="pl-PL" dirty="0" err="1"/>
+              <a:rPr lang="pl-PL" b="1" dirty="0" err="1"/>
               <a:t>values</a:t>
             </a:r>
             <a:r>
-              <a:rPr lang="pl-PL" dirty="0"/>
-              <a:t> (broadcast) – pozwala na </a:t>
+              <a:rPr lang="pl-PL" b="1" dirty="0"/>
+              <a:t> (broadcast) </a:t>
+            </a:r>
+            <a:r>
+              <a:rPr lang="pl-PL" dirty="0"/>
+              <a:t>– pozwala na </a:t>
             </a:r>
             <a:r>
               <a:rPr lang="pl-PL" dirty="0" err="1"/>
@@ -3087,7 +4759,7 @@
               <a:buChar char="-"/>
             </a:pPr>
             <a:r>
-              <a:rPr lang="pl-PL" dirty="0" err="1"/>
+              <a:rPr lang="pl-PL" b="1" dirty="0" err="1"/>
               <a:t>DataFramne</a:t>
             </a:r>
             <a:r>
@@ -3110,10 +4782,10 @@
             </a:pPr>
             <a:r>
               <a:rPr lang="pl-PL" dirty="0"/>
-              <a:t>- </a:t>
-            </a:r>
-            <a:r>
-              <a:rPr lang="pl-PL" dirty="0" err="1"/>
+              <a:t>-   </a:t>
+            </a:r>
+            <a:r>
+              <a:rPr lang="pl-PL" b="1" dirty="0" err="1"/>
               <a:t>Dataset</a:t>
             </a:r>
             <a:r>
@@ -3134,7 +4806,7 @@
             </a:r>
             <a:r>
               <a:rPr lang="pl-PL" dirty="0"/>
-              <a:t>. Zamiast </a:t>
+              <a:t>.</a:t>
             </a:r>
           </a:p>
         </p:txBody>
@@ -3198,114 +4870,29 @@
           <a:p>
             <a:r>
               <a:rPr lang="pl-PL" dirty="0"/>
-              <a:t>RDD oferuje 2 typy operacji: </a:t>
-            </a:r>
-            <a:r>
-              <a:rPr lang="pl-PL" dirty="0" err="1"/>
-              <a:t>tranformacje</a:t>
-            </a:r>
-            <a:r>
-              <a:rPr lang="pl-PL" dirty="0"/>
-              <a:t> i akcje.</a:t>
-            </a:r>
-          </a:p>
-          <a:p>
-            <a:r>
-              <a:rPr lang="pl-PL" dirty="0"/>
-              <a:t>Transformacje – ponieważ RDD jest </a:t>
-            </a:r>
-            <a:r>
-              <a:rPr lang="pl-PL" dirty="0" err="1"/>
-              <a:t>immutable</a:t>
-            </a:r>
-            <a:r>
-              <a:rPr lang="pl-PL" dirty="0"/>
-              <a:t> </a:t>
-            </a:r>
-            <a:r>
-              <a:rPr lang="pl-PL" dirty="0" err="1"/>
-              <a:t>kazda</a:t>
-            </a:r>
-            <a:r>
-              <a:rPr lang="pl-PL" dirty="0"/>
-              <a:t> transformacja tworzy nowe RDD z </a:t>
-            </a:r>
-            <a:r>
-              <a:rPr lang="pl-PL" dirty="0" err="1"/>
-              <a:t>poprzeniego</a:t>
-            </a:r>
-            <a:r>
-              <a:rPr lang="pl-PL" dirty="0"/>
-              <a:t>.</a:t>
-            </a:r>
-          </a:p>
-          <a:p>
-            <a:r>
-              <a:rPr lang="pl-PL" dirty="0"/>
-              <a:t>Akcje – wyliczają ostateczny </a:t>
-            </a:r>
-            <a:r>
-              <a:rPr lang="pl-PL" dirty="0" err="1"/>
-              <a:t>resultat</a:t>
-            </a:r>
-            <a:r>
-              <a:rPr lang="pl-PL" dirty="0"/>
-              <a:t> obliczeń zwracając go do </a:t>
-            </a:r>
-            <a:r>
-              <a:rPr lang="pl-PL" dirty="0" err="1"/>
-              <a:t>divera</a:t>
-            </a:r>
-            <a:r>
-              <a:rPr lang="pl-PL" dirty="0"/>
-              <a:t> bądź zapisują w </a:t>
-            </a:r>
-            <a:r>
-              <a:rPr lang="pl-PL" dirty="0" err="1"/>
-              <a:t>external</a:t>
-            </a:r>
-            <a:r>
-              <a:rPr lang="pl-PL" dirty="0"/>
-              <a:t> </a:t>
-            </a:r>
-            <a:r>
-              <a:rPr lang="pl-PL" dirty="0" err="1"/>
-              <a:t>storage</a:t>
-            </a:r>
-            <a:r>
-              <a:rPr lang="pl-PL" dirty="0"/>
-              <a:t> system.</a:t>
-            </a:r>
-          </a:p>
-          <a:p>
-            <a:endParaRPr lang="pl-PL" dirty="0"/>
-          </a:p>
-          <a:p>
-            <a:r>
-              <a:rPr lang="pl-PL" dirty="0"/>
-              <a:t>Transformacje są </a:t>
-            </a:r>
-            <a:r>
-              <a:rPr lang="pl-PL" dirty="0" err="1"/>
-              <a:t>lazy</a:t>
-            </a:r>
-            <a:r>
-              <a:rPr lang="pl-PL" dirty="0"/>
-              <a:t>! Oznacza, że Spark poczeka możliwe jak najdłużej do wykonania </a:t>
-            </a:r>
-            <a:r>
-              <a:rPr lang="pl-PL" dirty="0" err="1"/>
-              <a:t>transfotmacji</a:t>
-            </a:r>
-            <a:r>
-              <a:rPr lang="pl-PL" dirty="0"/>
-              <a:t>. Zostanie ona wywołana przez akcję.</a:t>
-            </a:r>
-          </a:p>
-          <a:p>
-            <a:r>
-              <a:rPr lang="pl-PL" dirty="0"/>
-              <a:t>Zaleta takiego podejścia jest taka, że Spark może zbudować sobie bardziej efektywny plan zapytania niż wynikałoby to z naszego kodu.</a:t>
+              <a:t>Driver proces jest odpowiedziany za wykonanie naszego programu na wszystkich </a:t>
+            </a:r>
+            <a:r>
+              <a:rPr lang="pl-PL" dirty="0" err="1"/>
+              <a:t>executorach</a:t>
+            </a:r>
+            <a:r>
+              <a:rPr lang="pl-PL" dirty="0"/>
+              <a:t>. W tym celu wykorzystuje </a:t>
+            </a:r>
+            <a:r>
+              <a:rPr lang="pl-PL" dirty="0" err="1"/>
+              <a:t>cluster</a:t>
+            </a:r>
+            <a:r>
+              <a:rPr lang="pl-PL" dirty="0"/>
+              <a:t> managera aby wiedzieć które zasoby są dostępne.</a:t>
+            </a:r>
+          </a:p>
+          <a:p>
+            <a:r>
+              <a:rPr lang="pl-PL" dirty="0"/>
+              <a:t>Cluster managerem może być np. YARN, MESOS czy KUBERNETES.</a:t>
             </a:r>
           </a:p>
         </p:txBody>
@@ -3313,7 +4900,7 @@
     </p:spTree>
     <p:extLst>
       <p:ext uri="{BB962C8B-B14F-4D97-AF65-F5344CB8AC3E}">
-        <p14:creationId xmlns:p14="http://schemas.microsoft.com/office/powerpoint/2010/main" val="1276424123"/>
+        <p14:creationId xmlns:p14="http://schemas.microsoft.com/office/powerpoint/2010/main" val="3532789281"/>
       </p:ext>
     </p:extLst>
   </p:cSld>
@@ -3367,14 +4954,116 @@
           <a:bodyPr/>
           <a:lstStyle/>
           <a:p>
+            <a:r>
+              <a:rPr lang="pl-PL" dirty="0"/>
+              <a:t>Spark oferuje 2 typy operacji na </a:t>
+            </a:r>
+            <a:r>
+              <a:rPr lang="pl-PL" dirty="0" err="1"/>
+              <a:t>dancyh</a:t>
+            </a:r>
+            <a:r>
+              <a:rPr lang="pl-PL" dirty="0"/>
+              <a:t>: </a:t>
+            </a:r>
+            <a:r>
+              <a:rPr lang="pl-PL" dirty="0" err="1"/>
+              <a:t>tranformacje</a:t>
+            </a:r>
+            <a:r>
+              <a:rPr lang="pl-PL" dirty="0"/>
+              <a:t> i akcje.</a:t>
+            </a:r>
+          </a:p>
+          <a:p>
+            <a:r>
+              <a:rPr lang="pl-PL" b="1" dirty="0"/>
+              <a:t>Transformacje</a:t>
+            </a:r>
+            <a:r>
+              <a:rPr lang="pl-PL" dirty="0"/>
+              <a:t> – ponieważ RDD jest </a:t>
+            </a:r>
+            <a:r>
+              <a:rPr lang="pl-PL" dirty="0" err="1"/>
+              <a:t>immutable</a:t>
+            </a:r>
+            <a:r>
+              <a:rPr lang="pl-PL" dirty="0"/>
+              <a:t> każda transformacja tworzy nowe RDD z poprzedniego.</a:t>
+            </a:r>
+          </a:p>
+          <a:p>
+            <a:r>
+              <a:rPr lang="pl-PL" b="1" dirty="0"/>
+              <a:t>Akcje</a:t>
+            </a:r>
+            <a:r>
+              <a:rPr lang="pl-PL" dirty="0"/>
+              <a:t> – wyliczają ostateczny rezultat obliczeń zwracając go do </a:t>
+            </a:r>
+            <a:r>
+              <a:rPr lang="pl-PL" dirty="0" err="1"/>
+              <a:t>divera</a:t>
+            </a:r>
+            <a:r>
+              <a:rPr lang="pl-PL" dirty="0"/>
+              <a:t> bądź zapisują w </a:t>
+            </a:r>
+            <a:r>
+              <a:rPr lang="pl-PL" dirty="0" err="1"/>
+              <a:t>external</a:t>
+            </a:r>
+            <a:r>
+              <a:rPr lang="pl-PL" dirty="0"/>
+              <a:t> </a:t>
+            </a:r>
+            <a:r>
+              <a:rPr lang="pl-PL" dirty="0" err="1"/>
+              <a:t>storage</a:t>
+            </a:r>
+            <a:r>
+              <a:rPr lang="pl-PL" dirty="0"/>
+              <a:t> system.</a:t>
+            </a:r>
+          </a:p>
+          <a:p>
             <a:endParaRPr lang="pl-PL" dirty="0"/>
+          </a:p>
+          <a:p>
+            <a:r>
+              <a:rPr lang="pl-PL" dirty="0"/>
+              <a:t>Transformacje są </a:t>
+            </a:r>
+            <a:r>
+              <a:rPr lang="pl-PL" b="1" dirty="0" err="1"/>
+              <a:t>lazy</a:t>
+            </a:r>
+            <a:r>
+              <a:rPr lang="pl-PL" dirty="0"/>
+              <a:t>! Oznacza, że Spark poczeka możliwe jak najdłużej do wykonania </a:t>
+            </a:r>
+            <a:r>
+              <a:rPr lang="pl-PL" dirty="0" err="1"/>
+              <a:t>transfotmacji</a:t>
+            </a:r>
+            <a:r>
+              <a:rPr lang="pl-PL" dirty="0"/>
+              <a:t>. Zostanie ona wywołana przez akcję.</a:t>
+            </a:r>
+          </a:p>
+          <a:p>
+            <a:r>
+              <a:rPr lang="pl-PL" dirty="0"/>
+              <a:t>Zaleta takiego podejścia jest taka, że Spark może zbudować sobie bardziej efektywny plan zapytania niż wynikałoby to z naszego kodu.</a:t>
+            </a:r>
           </a:p>
         </p:txBody>
       </p:sp>
     </p:spTree>
     <p:extLst>
       <p:ext uri="{BB962C8B-B14F-4D97-AF65-F5344CB8AC3E}">
-        <p14:creationId xmlns:p14="http://schemas.microsoft.com/office/powerpoint/2010/main" val="4043919891"/>
+        <p14:creationId xmlns:p14="http://schemas.microsoft.com/office/powerpoint/2010/main" val="1276424123"/>
       </p:ext>
     </p:extLst>
   </p:cSld>
@@ -6775,11 +8464,7 @@
             </a:br>
             <a:r>
               <a:rPr lang="pl-PL" dirty="0"/>
-              <a:t>Apache Spark </a:t>
-            </a:r>
-            <a:r>
-              <a:rPr lang="pl-PL" dirty="0" err="1"/>
-              <a:t>APIs</a:t>
+              <a:t>Apache Spark Architecture</a:t>
             </a:r>
             <a:endParaRPr lang="en-US" dirty="0"/>
           </a:p>
@@ -6895,10 +8580,10 @@
       </p:sp>
       <p:pic>
         <p:nvPicPr>
-          <p:cNvPr id="8" name="Picture 7">
+          <p:cNvPr id="6" name="Picture 5">
             <a:extLst>
               <a:ext uri="{FF2B5EF4-FFF2-40B4-BE49-F238E27FC236}">
-                <a16:creationId xmlns:a16="http://schemas.microsoft.com/office/drawing/2014/main" id="{AE13E914-2E72-4257-A276-A23EC8662AFE}"/>
+                <a16:creationId xmlns:a16="http://schemas.microsoft.com/office/drawing/2014/main" id="{E56C735E-26BD-4FF5-92B6-016E4ACB8DB5}"/>
               </a:ext>
             </a:extLst>
           </p:cNvPr>
@@ -6915,8 +8600,8 @@
         </p:blipFill>
         <p:spPr>
           <a:xfrm>
-            <a:off x="1999210" y="987574"/>
-            <a:ext cx="5145580" cy="3468502"/>
+            <a:off x="1619672" y="926072"/>
+            <a:ext cx="5602965" cy="3592377"/>
           </a:xfrm>
           <a:prstGeom prst="rect">
             <a:avLst/>
@@ -6926,7 +8611,7 @@
     </p:spTree>
     <p:extLst>
       <p:ext uri="{BB962C8B-B14F-4D97-AF65-F5344CB8AC3E}">
-        <p14:creationId xmlns:p14="http://schemas.microsoft.com/office/powerpoint/2010/main" val="2390931764"/>
+        <p14:creationId xmlns:p14="http://schemas.microsoft.com/office/powerpoint/2010/main" val="1727686954"/>
       </p:ext>
     </p:extLst>
   </p:cSld>
@@ -7951,6 +9636,14 @@
               <a:rPr lang="pl-PL" sz="2000" dirty="0" err="1"/>
               <a:t>safety</a:t>
             </a:r>
+            <a:r>
+              <a:rPr lang="pl-PL" sz="2000" dirty="0"/>
+              <a:t> and </a:t>
+            </a:r>
+            <a:r>
+              <a:rPr lang="pl-PL" sz="2000" dirty="0" err="1"/>
+              <a:t>inference</a:t>
+            </a:r>
             <a:endParaRPr lang="pl-PL" sz="2000" dirty="0"/>
           </a:p>
           <a:p>
@@ -8771,17 +10464,15 @@
               <a:rPr lang="pl-PL" sz="2000" dirty="0" err="1"/>
               <a:t>variables</a:t>
             </a:r>
+            <a:r>
+              <a:rPr lang="pl-PL" sz="2000" dirty="0"/>
+              <a:t> and </a:t>
+            </a:r>
+            <a:r>
+              <a:rPr lang="pl-PL" sz="2000" dirty="0" err="1"/>
+              <a:t>tuples</a:t>
+            </a:r>
             <a:endParaRPr lang="pl-PL" sz="2000" dirty="0"/>
-          </a:p>
-          <a:p>
-            <a:r>
-              <a:rPr lang="pl-PL" sz="2000" dirty="0" err="1"/>
-              <a:t>Tuples</a:t>
-            </a:r>
-            <a:r>
-              <a:rPr lang="pl-PL" sz="2000" dirty="0"/>
-              <a:t> </a:t>
-            </a:r>
           </a:p>
           <a:p>
             <a:r>
@@ -9211,6 +10902,25 @@
           <a:p>
             <a:r>
               <a:rPr lang="pl-PL" sz="2000" dirty="0"/>
+              <a:t>Companion </a:t>
+            </a:r>
+            <a:r>
+              <a:rPr lang="pl-PL" sz="2000" dirty="0" err="1"/>
+              <a:t>object</a:t>
+            </a:r>
+            <a:r>
+              <a:rPr lang="pl-PL" sz="2000" dirty="0"/>
+              <a:t> out of the </a:t>
+            </a:r>
+            <a:r>
+              <a:rPr lang="pl-PL" sz="2000" dirty="0" err="1"/>
+              <a:t>box</a:t>
+            </a:r>
+            <a:endParaRPr lang="pl-PL" sz="2000" dirty="0"/>
+          </a:p>
+          <a:p>
+            <a:r>
+              <a:rPr lang="pl-PL" sz="2000" dirty="0"/>
               <a:t>I</a:t>
             </a:r>
             <a:r>
@@ -9251,37 +10961,6 @@
           </a:p>
           <a:p>
             <a:r>
-              <a:rPr lang="pl-PL" sz="2000" dirty="0" err="1">
-                <a:highlight>
-                  <a:srgbClr val="FFFF00"/>
-                </a:highlight>
-              </a:rPr>
-              <a:t>Immutable</a:t>
-            </a:r>
-            <a:r>
-              <a:rPr lang="pl-PL" sz="2000" dirty="0">
-                <a:highlight>
-                  <a:srgbClr val="FFFF00"/>
-                </a:highlight>
-              </a:rPr>
-              <a:t> out of the </a:t>
-            </a:r>
-            <a:r>
-              <a:rPr lang="pl-PL" sz="2000" dirty="0" err="1">
-                <a:highlight>
-                  <a:srgbClr val="FFFF00"/>
-                </a:highlight>
-              </a:rPr>
-              <a:t>box</a:t>
-            </a:r>
-            <a:endParaRPr lang="pl-PL" sz="2000" dirty="0">
-              <a:highlight>
-                <a:srgbClr val="FFFF00"/>
-              </a:highlight>
-            </a:endParaRPr>
-          </a:p>
-          <a:p>
-            <a:r>
               <a:rPr lang="pl-PL" sz="2000" dirty="0"/>
               <a:t>Perfect for </a:t>
             </a:r>
@@ -9318,7 +10997,7 @@
             </a:r>
             <a:r>
               <a:rPr lang="pl-PL" sz="2000" dirty="0" err="1"/>
-              <a:t>DataSet</a:t>
+              <a:t>Dataset</a:t>
             </a:r>
             <a:endParaRPr lang="pl-PL" sz="2000" dirty="0"/>
           </a:p>
@@ -9370,318 +11049,6 @@
               <a:solidFill>
                 <a:schemeClr val="tx1"/>
               </a:solidFill>
-            </a:endParaRPr>
-          </a:p>
-        </p:txBody>
-      </p:sp>
-      <p:sp>
-        <p:nvSpPr>
-          <p:cNvPr id="9" name="Rectangle 3">
-            <a:extLst>
-              <a:ext uri="{FF2B5EF4-FFF2-40B4-BE49-F238E27FC236}">
-                <a16:creationId xmlns:a16="http://schemas.microsoft.com/office/drawing/2014/main" id="{26CF9A5A-F107-4354-AF52-F3C9461448C8}"/>
-              </a:ext>
-            </a:extLst>
-          </p:cNvPr>
-          <p:cNvSpPr>
-            <a:spLocks noChangeArrowheads="1"/>
-          </p:cNvSpPr>
-          <p:nvPr/>
-        </p:nvSpPr>
-        <p:spPr bwMode="auto">
-          <a:xfrm>
-            <a:off x="734028" y="3928933"/>
-            <a:ext cx="7776790" cy="523220"/>
-          </a:xfrm>
-          <a:prstGeom prst="rect">
-            <a:avLst/>
-          </a:prstGeom>
-          <a:solidFill>
-            <a:srgbClr val="2B2B2B"/>
-          </a:solidFill>
-          <a:ln>
-            <a:noFill/>
-          </a:ln>
-          <a:effectLst/>
-          <a:extLst>
-            <a:ext uri="{91240B29-F687-4F45-9708-019B960494DF}">
-              <a14:hiddenLine xmlns:a14="http://schemas.microsoft.com/office/drawing/2010/main" w="9525">
-                <a:solidFill>
-                  <a:schemeClr val="tx1"/>
-                </a:solidFill>
-                <a:miter lim="800000"/>
-                <a:headEnd/>
-                <a:tailEnd/>
-              </a14:hiddenLine>
-            </a:ext>
-            <a:ext uri="{AF507438-7753-43E0-B8FC-AC1667EBCBE1}">
-              <a14:hiddenEffects xmlns:a14="http://schemas.microsoft.com/office/drawing/2010/main">
-                <a:effectLst>
-                  <a:outerShdw dist="35921" dir="2700000" algn="ctr" rotWithShape="0">
-                    <a:schemeClr val="bg2"/>
-                  </a:outerShdw>
-                </a:effectLst>
-              </a14:hiddenEffects>
-            </a:ext>
-          </a:extLst>
-        </p:spPr>
-        <p:txBody>
-          <a:bodyPr vert="horz" wrap="square" lIns="91440" tIns="45720" rIns="91440" bIns="45720" numCol="1" anchor="ctr" anchorCtr="0" compatLnSpc="1">
-            <a:prstTxWarp prst="textNoShape">
-              <a:avLst/>
-            </a:prstTxWarp>
-            <a:spAutoFit/>
-          </a:bodyPr>
-          <a:lstStyle/>
-          <a:p>
-            <a:pPr marL="0" marR="0" lvl="0" indent="0" algn="l" defTabSz="914400" rtl="0" eaLnBrk="0" fontAlgn="base" latinLnBrk="0" hangingPunct="0">
-              <a:lnSpc>
-                <a:spcPct val="100000"/>
-              </a:lnSpc>
-              <a:spcBef>
-                <a:spcPct val="0"/>
-              </a:spcBef>
-              <a:spcAft>
-                <a:spcPct val="0"/>
-              </a:spcAft>
-              <a:buClrTx/>
-              <a:buSzTx/>
-              <a:buFontTx/>
-              <a:buNone/>
-              <a:tabLst/>
-            </a:pPr>
-            <a:r>
-              <a:rPr kumimoji="0" lang="pl-PL" altLang="pl-PL" sz="1400" b="1" i="0" u="none" strike="noStrike" cap="none" normalizeH="0" baseline="0" dirty="0" err="1">
-                <a:ln>
-                  <a:noFill/>
-                </a:ln>
-                <a:solidFill>
-                  <a:srgbClr val="CC7832"/>
-                </a:solidFill>
-                <a:effectLst/>
-                <a:latin typeface="Courier New" panose="02070309020205020404" pitchFamily="49" charset="0"/>
-                <a:cs typeface="Courier New" panose="02070309020205020404" pitchFamily="49" charset="0"/>
-              </a:rPr>
-              <a:t>final</a:t>
-            </a:r>
-            <a:r>
-              <a:rPr kumimoji="0" lang="pl-PL" altLang="pl-PL" sz="1400" b="1" i="0" u="none" strike="noStrike" cap="none" normalizeH="0" baseline="0" dirty="0">
-                <a:ln>
-                  <a:noFill/>
-                </a:ln>
-                <a:solidFill>
-                  <a:srgbClr val="CC7832"/>
-                </a:solidFill>
-                <a:effectLst/>
-                <a:latin typeface="Courier New" panose="02070309020205020404" pitchFamily="49" charset="0"/>
-                <a:cs typeface="Courier New" panose="02070309020205020404" pitchFamily="49" charset="0"/>
-              </a:rPr>
-              <a:t> </a:t>
-            </a:r>
-            <a:r>
-              <a:rPr kumimoji="0" lang="pl-PL" altLang="pl-PL" sz="1400" b="1" i="0" u="none" strike="noStrike" cap="none" normalizeH="0" baseline="0" dirty="0" err="1">
-                <a:ln>
-                  <a:noFill/>
-                </a:ln>
-                <a:solidFill>
-                  <a:srgbClr val="CC7832"/>
-                </a:solidFill>
-                <a:effectLst/>
-                <a:latin typeface="Courier New" panose="02070309020205020404" pitchFamily="49" charset="0"/>
-                <a:cs typeface="Courier New" panose="02070309020205020404" pitchFamily="49" charset="0"/>
-              </a:rPr>
-              <a:t>case</a:t>
-            </a:r>
-            <a:r>
-              <a:rPr kumimoji="0" lang="pl-PL" altLang="pl-PL" sz="1400" b="1" i="0" u="none" strike="noStrike" cap="none" normalizeH="0" baseline="0" dirty="0">
-                <a:ln>
-                  <a:noFill/>
-                </a:ln>
-                <a:solidFill>
-                  <a:srgbClr val="CC7832"/>
-                </a:solidFill>
-                <a:effectLst/>
-                <a:latin typeface="Courier New" panose="02070309020205020404" pitchFamily="49" charset="0"/>
-                <a:cs typeface="Courier New" panose="02070309020205020404" pitchFamily="49" charset="0"/>
-              </a:rPr>
-              <a:t> </a:t>
-            </a:r>
-            <a:r>
-              <a:rPr kumimoji="0" lang="pl-PL" altLang="pl-PL" sz="1400" b="1" i="0" u="none" strike="noStrike" cap="none" normalizeH="0" baseline="0" dirty="0" err="1">
-                <a:ln>
-                  <a:noFill/>
-                </a:ln>
-                <a:solidFill>
-                  <a:srgbClr val="CC7832"/>
-                </a:solidFill>
-                <a:effectLst/>
-                <a:latin typeface="Courier New" panose="02070309020205020404" pitchFamily="49" charset="0"/>
-                <a:cs typeface="Courier New" panose="02070309020205020404" pitchFamily="49" charset="0"/>
-              </a:rPr>
-              <a:t>class</a:t>
-            </a:r>
-            <a:r>
-              <a:rPr kumimoji="0" lang="pl-PL" altLang="pl-PL" sz="1400" b="1" i="0" u="none" strike="noStrike" cap="none" normalizeH="0" baseline="0" dirty="0">
-                <a:ln>
-                  <a:noFill/>
-                </a:ln>
-                <a:solidFill>
-                  <a:srgbClr val="CC7832"/>
-                </a:solidFill>
-                <a:effectLst/>
-                <a:latin typeface="Courier New" panose="02070309020205020404" pitchFamily="49" charset="0"/>
-                <a:cs typeface="Courier New" panose="02070309020205020404" pitchFamily="49" charset="0"/>
-              </a:rPr>
-              <a:t> </a:t>
-            </a:r>
-            <a:r>
-              <a:rPr kumimoji="0" lang="pl-PL" altLang="pl-PL" sz="1400" b="0" i="0" u="none" strike="noStrike" cap="none" normalizeH="0" baseline="0" dirty="0" err="1">
-                <a:ln>
-                  <a:noFill/>
-                </a:ln>
-                <a:solidFill>
-                  <a:srgbClr val="A9B7C6"/>
-                </a:solidFill>
-                <a:effectLst/>
-                <a:latin typeface="Courier New" panose="02070309020205020404" pitchFamily="49" charset="0"/>
-                <a:cs typeface="Courier New" panose="02070309020205020404" pitchFamily="49" charset="0"/>
-              </a:rPr>
-              <a:t>Character</a:t>
-            </a:r>
-            <a:r>
-              <a:rPr kumimoji="0" lang="pl-PL" altLang="pl-PL" sz="1400" b="0" i="0" u="none" strike="noStrike" cap="none" normalizeH="0" baseline="0" dirty="0">
-                <a:ln>
-                  <a:noFill/>
-                </a:ln>
-                <a:solidFill>
-                  <a:srgbClr val="A9B7C6"/>
-                </a:solidFill>
-                <a:effectLst/>
-                <a:latin typeface="Courier New" panose="02070309020205020404" pitchFamily="49" charset="0"/>
-                <a:cs typeface="Courier New" panose="02070309020205020404" pitchFamily="49" charset="0"/>
-              </a:rPr>
-              <a:t>(Id: </a:t>
-            </a:r>
-            <a:r>
-              <a:rPr kumimoji="0" lang="pl-PL" altLang="pl-PL" sz="1400" b="0" i="0" u="none" strike="noStrike" cap="none" normalizeH="0" baseline="0" dirty="0">
-                <a:ln>
-                  <a:noFill/>
-                </a:ln>
-                <a:solidFill>
-                  <a:srgbClr val="4E807D"/>
-                </a:solidFill>
-                <a:effectLst/>
-                <a:latin typeface="Courier New" panose="02070309020205020404" pitchFamily="49" charset="0"/>
-                <a:cs typeface="Courier New" panose="02070309020205020404" pitchFamily="49" charset="0"/>
-              </a:rPr>
-              <a:t>String</a:t>
-            </a:r>
-            <a:r>
-              <a:rPr kumimoji="0" lang="pl-PL" altLang="pl-PL" sz="1400" b="0" i="0" u="none" strike="noStrike" cap="none" normalizeH="0" baseline="0" dirty="0">
-                <a:ln>
-                  <a:noFill/>
-                </a:ln>
-                <a:solidFill>
-                  <a:srgbClr val="CC7832"/>
-                </a:solidFill>
-                <a:effectLst/>
-                <a:latin typeface="Courier New" panose="02070309020205020404" pitchFamily="49" charset="0"/>
-                <a:cs typeface="Courier New" panose="02070309020205020404" pitchFamily="49" charset="0"/>
-              </a:rPr>
-              <a:t>, </a:t>
-            </a:r>
-            <a:r>
-              <a:rPr kumimoji="0" lang="pl-PL" altLang="pl-PL" sz="1400" b="0" i="0" u="none" strike="noStrike" cap="none" normalizeH="0" baseline="0" dirty="0" err="1">
-                <a:ln>
-                  <a:noFill/>
-                </a:ln>
-                <a:solidFill>
-                  <a:srgbClr val="A9B7C6"/>
-                </a:solidFill>
-                <a:effectLst/>
-                <a:latin typeface="Courier New" panose="02070309020205020404" pitchFamily="49" charset="0"/>
-                <a:cs typeface="Courier New" panose="02070309020205020404" pitchFamily="49" charset="0"/>
-              </a:rPr>
-              <a:t>PrimaryName</a:t>
-            </a:r>
-            <a:r>
-              <a:rPr kumimoji="0" lang="pl-PL" altLang="pl-PL" sz="1400" b="0" i="0" u="none" strike="noStrike" cap="none" normalizeH="0" baseline="0" dirty="0">
-                <a:ln>
-                  <a:noFill/>
-                </a:ln>
-                <a:solidFill>
-                  <a:srgbClr val="A9B7C6"/>
-                </a:solidFill>
-                <a:effectLst/>
-                <a:latin typeface="Courier New" panose="02070309020205020404" pitchFamily="49" charset="0"/>
-                <a:cs typeface="Courier New" panose="02070309020205020404" pitchFamily="49" charset="0"/>
-              </a:rPr>
-              <a:t>: </a:t>
-            </a:r>
-            <a:r>
-              <a:rPr kumimoji="0" lang="pl-PL" altLang="pl-PL" sz="1400" b="0" i="0" u="none" strike="noStrike" cap="none" normalizeH="0" baseline="0" dirty="0">
-                <a:ln>
-                  <a:noFill/>
-                </a:ln>
-                <a:solidFill>
-                  <a:srgbClr val="4E807D"/>
-                </a:solidFill>
-                <a:effectLst/>
-                <a:latin typeface="Courier New" panose="02070309020205020404" pitchFamily="49" charset="0"/>
-                <a:cs typeface="Courier New" panose="02070309020205020404" pitchFamily="49" charset="0"/>
-              </a:rPr>
-              <a:t>String</a:t>
-            </a:r>
-            <a:r>
-              <a:rPr kumimoji="0" lang="pl-PL" altLang="pl-PL" sz="1400" b="0" i="0" u="none" strike="noStrike" cap="none" normalizeH="0" baseline="0" dirty="0">
-                <a:ln>
-                  <a:noFill/>
-                </a:ln>
-                <a:solidFill>
-                  <a:srgbClr val="A9B7C6"/>
-                </a:solidFill>
-                <a:effectLst/>
-                <a:latin typeface="Courier New" panose="02070309020205020404" pitchFamily="49" charset="0"/>
-                <a:cs typeface="Courier New" panose="02070309020205020404" pitchFamily="49" charset="0"/>
-              </a:rPr>
-              <a:t>) {</a:t>
-            </a:r>
-            <a:br>
-              <a:rPr kumimoji="0" lang="pl-PL" altLang="pl-PL" sz="1400" b="0" i="0" u="none" strike="noStrike" cap="none" normalizeH="0" baseline="0" dirty="0">
-                <a:ln>
-                  <a:noFill/>
-                </a:ln>
-                <a:solidFill>
-                  <a:srgbClr val="A9B7C6"/>
-                </a:solidFill>
-                <a:effectLst/>
-                <a:latin typeface="Courier New" panose="02070309020205020404" pitchFamily="49" charset="0"/>
-                <a:cs typeface="Courier New" panose="02070309020205020404" pitchFamily="49" charset="0"/>
-              </a:rPr>
-            </a:br>
-            <a:r>
-              <a:rPr kumimoji="0" lang="pl-PL" altLang="pl-PL" sz="1400" b="0" i="0" u="none" strike="noStrike" cap="none" normalizeH="0" baseline="0" dirty="0">
-                <a:ln>
-                  <a:noFill/>
-                </a:ln>
-                <a:solidFill>
-                  <a:srgbClr val="A9B7C6"/>
-                </a:solidFill>
-                <a:effectLst/>
-                <a:latin typeface="Courier New" panose="02070309020205020404" pitchFamily="49" charset="0"/>
-                <a:cs typeface="Courier New" panose="02070309020205020404" pitchFamily="49" charset="0"/>
-              </a:rPr>
-              <a:t>}</a:t>
-            </a:r>
-            <a:endParaRPr kumimoji="0" lang="pl-PL" altLang="pl-PL" sz="3200" b="0" i="0" u="none" strike="noStrike" cap="none" normalizeH="0" baseline="0" dirty="0">
-              <a:ln>
-                <a:noFill/>
-              </a:ln>
-              <a:solidFill>
-                <a:schemeClr val="tx1"/>
-              </a:solidFill>
-              <a:effectLst/>
-              <a:latin typeface="Arial" panose="020B0604020202020204" pitchFamily="34" charset="0"/>
             </a:endParaRPr>
           </a:p>
         </p:txBody>
@@ -9742,15 +11109,7 @@
             </a:r>
             <a:r>
               <a:rPr lang="pl-PL" dirty="0" err="1"/>
-              <a:t>function</a:t>
-            </a:r>
-            <a:r>
-              <a:rPr lang="pl-PL" dirty="0"/>
-              <a:t> as a </a:t>
-            </a:r>
-            <a:r>
-              <a:rPr lang="pl-PL" dirty="0" err="1"/>
-              <a:t>first</a:t>
+              <a:t>Pattern</a:t>
             </a:r>
             <a:r>
               <a:rPr lang="pl-PL" dirty="0"/>
@@ -9758,15 +11117,7 @@
             </a:r>
             <a:r>
               <a:rPr lang="pl-PL" dirty="0" err="1"/>
-              <a:t>class</a:t>
-            </a:r>
-            <a:r>
-              <a:rPr lang="pl-PL" dirty="0"/>
-              <a:t> </a:t>
-            </a:r>
-            <a:r>
-              <a:rPr lang="pl-PL" dirty="0" err="1"/>
-              <a:t>citizien</a:t>
+              <a:t>matching</a:t>
             </a:r>
             <a:endParaRPr lang="en-US" dirty="0"/>
           </a:p>
@@ -10003,16 +11354,27 @@
           </a:lstStyle>
           <a:p>
             <a:r>
+              <a:rPr lang="pl-PL" sz="2000" dirty="0"/>
+              <a:t>„</a:t>
+            </a:r>
+            <a:r>
               <a:rPr lang="pl-PL" sz="2000" dirty="0" err="1"/>
-              <a:t>Pure</a:t>
+              <a:t>switch</a:t>
             </a:r>
             <a:r>
               <a:rPr lang="pl-PL" sz="2000" dirty="0"/>
-              <a:t> – no </a:t>
+              <a:t>” on </a:t>
             </a:r>
             <a:r>
               <a:rPr lang="pl-PL" sz="2000" dirty="0" err="1"/>
-              <a:t>side</a:t>
+              <a:t>steroids</a:t>
+            </a:r>
+            <a:endParaRPr lang="pl-PL" sz="2000" dirty="0"/>
+          </a:p>
+          <a:p>
+            <a:r>
+              <a:rPr lang="en-US" sz="2000" dirty="0"/>
+              <a:t>Match against class hierarchies, sequences, and</a:t>
             </a:r>
             <a:r>
               <a:rPr lang="pl-PL" sz="2000" dirty="0"/>
@@ -10020,18 +11382,7 @@
             </a:r>
             <a:r>
               <a:rPr lang="pl-PL" sz="2000" dirty="0" err="1"/>
-              <a:t>effects</a:t>
-            </a:r>
-            <a:endParaRPr lang="pl-PL" sz="2000" dirty="0"/>
-          </a:p>
-          <a:p>
-            <a:r>
-              <a:rPr lang="pl-PL" sz="2000" dirty="0"/>
-              <a:t>High-Order – </a:t>
-            </a:r>
-            <a:r>
-              <a:rPr lang="pl-PL" sz="2000" dirty="0" err="1"/>
-              <a:t>can</a:t>
+              <a:t>case</a:t>
             </a:r>
             <a:r>
               <a:rPr lang="pl-PL" sz="2000" dirty="0"/>
@@ -10039,15 +11390,14 @@
             </a:r>
             <a:r>
               <a:rPr lang="pl-PL" sz="2000" dirty="0" err="1"/>
-              <a:t>accpet</a:t>
-            </a:r>
-            <a:r>
-              <a:rPr lang="pl-PL" sz="2000" dirty="0"/>
-              <a:t> as a argument </a:t>
-            </a:r>
+              <a:t>classes</a:t>
+            </a:r>
+            <a:endParaRPr lang="pl-PL" sz="2000" dirty="0"/>
+          </a:p>
+          <a:p>
             <a:r>
               <a:rPr lang="pl-PL" sz="2000" dirty="0" err="1"/>
-              <a:t>or</a:t>
+              <a:t>Very</a:t>
             </a:r>
             <a:r>
               <a:rPr lang="pl-PL" sz="2000" dirty="0"/>
@@ -10055,37 +11405,6 @@
             </a:r>
             <a:r>
               <a:rPr lang="pl-PL" sz="2000" dirty="0" err="1"/>
-              <a:t>reurn</a:t>
-            </a:r>
-            <a:r>
-              <a:rPr lang="pl-PL" sz="2000" dirty="0"/>
-              <a:t> </a:t>
-            </a:r>
-            <a:r>
-              <a:rPr lang="pl-PL" sz="2000" dirty="0" err="1"/>
-              <a:t>another</a:t>
-            </a:r>
-            <a:r>
-              <a:rPr lang="pl-PL" sz="2000" dirty="0"/>
-              <a:t> </a:t>
-            </a:r>
-            <a:r>
-              <a:rPr lang="pl-PL" sz="2000" dirty="0" err="1"/>
-              <a:t>function</a:t>
-            </a:r>
-            <a:endParaRPr lang="pl-PL" sz="2000" dirty="0"/>
-          </a:p>
-          <a:p>
-            <a:r>
-              <a:rPr lang="pl-PL" sz="2000" dirty="0" err="1"/>
-              <a:t>Very</a:t>
-            </a:r>
-            <a:r>
-              <a:rPr lang="pl-PL" sz="2000" dirty="0"/>
-              <a:t> </a:t>
-            </a:r>
-            <a:r>
-              <a:rPr lang="pl-PL" sz="2000" dirty="0" err="1"/>
               <a:t>powerful</a:t>
             </a:r>
             <a:r>
@@ -10099,12 +11418,9 @@
             <a:endParaRPr lang="pl-PL" sz="2000" dirty="0"/>
           </a:p>
           <a:p>
-            <a:endParaRPr lang="pl-PL" sz="2000" dirty="0"/>
-          </a:p>
-          <a:p>
-            <a:endParaRPr lang="pl-PL" sz="2000" dirty="0"/>
-          </a:p>
-          <a:p>
+            <a:pPr marL="0" indent="0">
+              <a:buNone/>
+            </a:pPr>
             <a:endParaRPr lang="en-US" sz="2000" dirty="0"/>
           </a:p>
           <a:p>
@@ -10118,7 +11434,7 @@
     </p:spTree>
     <p:extLst>
       <p:ext uri="{BB962C8B-B14F-4D97-AF65-F5344CB8AC3E}">
-        <p14:creationId xmlns:p14="http://schemas.microsoft.com/office/powerpoint/2010/main" val="2199849601"/>
+        <p14:creationId xmlns:p14="http://schemas.microsoft.com/office/powerpoint/2010/main" val="3173888047"/>
       </p:ext>
     </p:extLst>
   </p:cSld>
@@ -10171,7 +11487,15 @@
             </a:r>
             <a:r>
               <a:rPr lang="pl-PL" dirty="0" err="1"/>
-              <a:t>Pattern</a:t>
+              <a:t>function</a:t>
+            </a:r>
+            <a:r>
+              <a:rPr lang="pl-PL" dirty="0"/>
+              <a:t> as a </a:t>
+            </a:r>
+            <a:r>
+              <a:rPr lang="pl-PL" dirty="0" err="1"/>
+              <a:t>first</a:t>
             </a:r>
             <a:r>
               <a:rPr lang="pl-PL" dirty="0"/>
@@ -10179,7 +11503,15 @@
             </a:r>
             <a:r>
               <a:rPr lang="pl-PL" dirty="0" err="1"/>
-              <a:t>matching</a:t>
+              <a:t>class</a:t>
+            </a:r>
+            <a:r>
+              <a:rPr lang="pl-PL" dirty="0"/>
+              <a:t> </a:t>
+            </a:r>
+            <a:r>
+              <a:rPr lang="pl-PL" dirty="0" err="1"/>
+              <a:t>citizien</a:t>
             </a:r>
             <a:endParaRPr lang="en-US" dirty="0"/>
           </a:p>
@@ -10416,27 +11748,16 @@
           </a:lstStyle>
           <a:p>
             <a:r>
+              <a:rPr lang="pl-PL" sz="2000" dirty="0" err="1"/>
+              <a:t>Pure</a:t>
+            </a:r>
+            <a:r>
               <a:rPr lang="pl-PL" sz="2000" dirty="0"/>
-              <a:t>„</a:t>
+              <a:t> – no </a:t>
             </a:r>
             <a:r>
               <a:rPr lang="pl-PL" sz="2000" dirty="0" err="1"/>
-              <a:t>switch</a:t>
-            </a:r>
-            <a:r>
-              <a:rPr lang="pl-PL" sz="2000" dirty="0"/>
-              <a:t>” on </a:t>
-            </a:r>
-            <a:r>
-              <a:rPr lang="pl-PL" sz="2000" dirty="0" err="1"/>
-              <a:t>steroids</a:t>
-            </a:r>
-            <a:endParaRPr lang="pl-PL" sz="2000" dirty="0"/>
-          </a:p>
-          <a:p>
-            <a:r>
-              <a:rPr lang="en-US" sz="2000" dirty="0"/>
-              <a:t>Match against class hierarchies, sequences, and</a:t>
+              <a:t>side</a:t>
             </a:r>
             <a:r>
               <a:rPr lang="pl-PL" sz="2000" dirty="0"/>
@@ -10444,7 +11765,18 @@
             </a:r>
             <a:r>
               <a:rPr lang="pl-PL" sz="2000" dirty="0" err="1"/>
-              <a:t>case</a:t>
+              <a:t>effects</a:t>
+            </a:r>
+            <a:endParaRPr lang="pl-PL" sz="2000" dirty="0"/>
+          </a:p>
+          <a:p>
+            <a:r>
+              <a:rPr lang="pl-PL" sz="2000" dirty="0"/>
+              <a:t>High-Order – </a:t>
+            </a:r>
+            <a:r>
+              <a:rPr lang="pl-PL" sz="2000" dirty="0" err="1"/>
+              <a:t>can</a:t>
             </a:r>
             <a:r>
               <a:rPr lang="pl-PL" sz="2000" dirty="0"/>
@@ -10452,7 +11784,39 @@
             </a:r>
             <a:r>
               <a:rPr lang="pl-PL" sz="2000" dirty="0" err="1"/>
-              <a:t>classes</a:t>
+              <a:t>accpet</a:t>
+            </a:r>
+            <a:r>
+              <a:rPr lang="pl-PL" sz="2000" dirty="0"/>
+              <a:t> as a argument </a:t>
+            </a:r>
+            <a:r>
+              <a:rPr lang="pl-PL" sz="2000" dirty="0" err="1"/>
+              <a:t>or</a:t>
+            </a:r>
+            <a:r>
+              <a:rPr lang="pl-PL" sz="2000" dirty="0"/>
+              <a:t> </a:t>
+            </a:r>
+            <a:r>
+              <a:rPr lang="pl-PL" sz="2000" dirty="0" err="1"/>
+              <a:t>reurn</a:t>
+            </a:r>
+            <a:r>
+              <a:rPr lang="pl-PL" sz="2000" dirty="0"/>
+              <a:t> </a:t>
+            </a:r>
+            <a:r>
+              <a:rPr lang="pl-PL" sz="2000" dirty="0" err="1"/>
+              <a:t>another</a:t>
+            </a:r>
+            <a:r>
+              <a:rPr lang="pl-PL" sz="2000" dirty="0"/>
+              <a:t> </a:t>
+            </a:r>
+            <a:r>
+              <a:rPr lang="pl-PL" sz="2000" dirty="0" err="1"/>
+              <a:t>function</a:t>
             </a:r>
             <a:endParaRPr lang="pl-PL" sz="2000" dirty="0"/>
           </a:p>
@@ -10483,147 +11847,7 @@
             <a:endParaRPr lang="pl-PL" sz="2000" dirty="0"/>
           </a:p>
           <a:p>
-            <a:pPr marL="0" indent="0">
-              <a:buNone/>
-            </a:pPr>
-            <a:r>
-              <a:rPr lang="pl-PL" sz="1800" dirty="0">
-                <a:latin typeface="Courier New" panose="02070309020205020404" pitchFamily="49" charset="0"/>
-                <a:cs typeface="Courier New" panose="02070309020205020404" pitchFamily="49" charset="0"/>
-              </a:rPr>
-              <a:t>&lt;</a:t>
-            </a:r>
-            <a:r>
-              <a:rPr lang="pl-PL" sz="1800" dirty="0" err="1">
-                <a:latin typeface="Courier New" panose="02070309020205020404" pitchFamily="49" charset="0"/>
-                <a:cs typeface="Courier New" panose="02070309020205020404" pitchFamily="49" charset="0"/>
-              </a:rPr>
-              <a:t>expression</a:t>
-            </a:r>
-            <a:r>
-              <a:rPr lang="pl-PL" sz="1800" dirty="0">
-                <a:latin typeface="Courier New" panose="02070309020205020404" pitchFamily="49" charset="0"/>
-                <a:cs typeface="Courier New" panose="02070309020205020404" pitchFamily="49" charset="0"/>
-              </a:rPr>
-              <a:t>&gt; </a:t>
-            </a:r>
-            <a:r>
-              <a:rPr lang="pl-PL" sz="1800" dirty="0" err="1">
-                <a:latin typeface="Courier New" panose="02070309020205020404" pitchFamily="49" charset="0"/>
-                <a:cs typeface="Courier New" panose="02070309020205020404" pitchFamily="49" charset="0"/>
-              </a:rPr>
-              <a:t>match</a:t>
-            </a:r>
-            <a:r>
-              <a:rPr lang="pl-PL" sz="1800" dirty="0">
-                <a:latin typeface="Courier New" panose="02070309020205020404" pitchFamily="49" charset="0"/>
-                <a:cs typeface="Courier New" panose="02070309020205020404" pitchFamily="49" charset="0"/>
-              </a:rPr>
-              <a:t> {</a:t>
-            </a:r>
-          </a:p>
-          <a:p>
-            <a:pPr marL="0" indent="0">
-              <a:buNone/>
-            </a:pPr>
-            <a:r>
-              <a:rPr lang="pl-PL" sz="1800" dirty="0" err="1">
-                <a:latin typeface="Courier New" panose="02070309020205020404" pitchFamily="49" charset="0"/>
-                <a:cs typeface="Courier New" panose="02070309020205020404" pitchFamily="49" charset="0"/>
-              </a:rPr>
-              <a:t>case</a:t>
-            </a:r>
-            <a:r>
-              <a:rPr lang="pl-PL" sz="1800" dirty="0">
-                <a:latin typeface="Courier New" panose="02070309020205020404" pitchFamily="49" charset="0"/>
-                <a:cs typeface="Courier New" panose="02070309020205020404" pitchFamily="49" charset="0"/>
-              </a:rPr>
-              <a:t> &lt;</a:t>
-            </a:r>
-            <a:r>
-              <a:rPr lang="pl-PL" sz="1800" dirty="0" err="1">
-                <a:latin typeface="Courier New" panose="02070309020205020404" pitchFamily="49" charset="0"/>
-                <a:cs typeface="Courier New" panose="02070309020205020404" pitchFamily="49" charset="0"/>
-              </a:rPr>
-              <a:t>pattern</a:t>
-            </a:r>
-            <a:r>
-              <a:rPr lang="pl-PL" sz="1800" dirty="0">
-                <a:latin typeface="Courier New" panose="02070309020205020404" pitchFamily="49" charset="0"/>
-                <a:cs typeface="Courier New" panose="02070309020205020404" pitchFamily="49" charset="0"/>
-              </a:rPr>
-              <a:t> </a:t>
-            </a:r>
-            <a:r>
-              <a:rPr lang="pl-PL" sz="1800" dirty="0" err="1">
-                <a:latin typeface="Courier New" panose="02070309020205020404" pitchFamily="49" charset="0"/>
-                <a:cs typeface="Courier New" panose="02070309020205020404" pitchFamily="49" charset="0"/>
-              </a:rPr>
-              <a:t>match</a:t>
-            </a:r>
-            <a:r>
-              <a:rPr lang="pl-PL" sz="1800" dirty="0">
-                <a:latin typeface="Courier New" panose="02070309020205020404" pitchFamily="49" charset="0"/>
-                <a:cs typeface="Courier New" panose="02070309020205020404" pitchFamily="49" charset="0"/>
-              </a:rPr>
-              <a:t>&gt; =&gt; &lt;</a:t>
-            </a:r>
-            <a:r>
-              <a:rPr lang="pl-PL" sz="1800" dirty="0" err="1">
-                <a:latin typeface="Courier New" panose="02070309020205020404" pitchFamily="49" charset="0"/>
-                <a:cs typeface="Courier New" panose="02070309020205020404" pitchFamily="49" charset="0"/>
-              </a:rPr>
-              <a:t>expression</a:t>
-            </a:r>
-            <a:r>
-              <a:rPr lang="pl-PL" sz="1800" dirty="0">
-                <a:latin typeface="Courier New" panose="02070309020205020404" pitchFamily="49" charset="0"/>
-                <a:cs typeface="Courier New" panose="02070309020205020404" pitchFamily="49" charset="0"/>
-              </a:rPr>
-              <a:t>&gt;</a:t>
-            </a:r>
-          </a:p>
-          <a:p>
-            <a:pPr marL="0" indent="0">
-              <a:buNone/>
-            </a:pPr>
-            <a:r>
-              <a:rPr lang="pl-PL" sz="1800" dirty="0">
-                <a:latin typeface="Courier New" panose="02070309020205020404" pitchFamily="49" charset="0"/>
-                <a:cs typeface="Courier New" panose="02070309020205020404" pitchFamily="49" charset="0"/>
-              </a:rPr>
-              <a:t>[</a:t>
-            </a:r>
-            <a:r>
-              <a:rPr lang="pl-PL" sz="1800" dirty="0" err="1">
-                <a:latin typeface="Courier New" panose="02070309020205020404" pitchFamily="49" charset="0"/>
-                <a:cs typeface="Courier New" panose="02070309020205020404" pitchFamily="49" charset="0"/>
-              </a:rPr>
-              <a:t>case</a:t>
-            </a:r>
-            <a:r>
-              <a:rPr lang="pl-PL" sz="1800" dirty="0">
-                <a:latin typeface="Courier New" panose="02070309020205020404" pitchFamily="49" charset="0"/>
-                <a:cs typeface="Courier New" panose="02070309020205020404" pitchFamily="49" charset="0"/>
-              </a:rPr>
-              <a:t>...]</a:t>
-            </a:r>
-          </a:p>
-          <a:p>
-            <a:pPr marL="0" indent="0">
-              <a:buNone/>
-            </a:pPr>
-            <a:r>
-              <a:rPr lang="pl-PL" sz="1800" dirty="0">
-                <a:latin typeface="Courier New" panose="02070309020205020404" pitchFamily="49" charset="0"/>
-                <a:cs typeface="Courier New" panose="02070309020205020404" pitchFamily="49" charset="0"/>
-              </a:rPr>
-              <a:t>}</a:t>
-            </a:r>
-            <a:endParaRPr lang="pl-PL" sz="3200" dirty="0">
-              <a:latin typeface="Courier New" panose="02070309020205020404" pitchFamily="49" charset="0"/>
-              <a:cs typeface="Courier New" panose="02070309020205020404" pitchFamily="49" charset="0"/>
-            </a:endParaRPr>
+            <a:endParaRPr lang="pl-PL" sz="2000" dirty="0"/>
           </a:p>
           <a:p>
             <a:endParaRPr lang="en-US" sz="2000" dirty="0"/>
@@ -10639,7 +11863,7 @@
     </p:spTree>
     <p:extLst>
       <p:ext uri="{BB962C8B-B14F-4D97-AF65-F5344CB8AC3E}">
-        <p14:creationId xmlns:p14="http://schemas.microsoft.com/office/powerpoint/2010/main" val="3173888047"/>
+        <p14:creationId xmlns:p14="http://schemas.microsoft.com/office/powerpoint/2010/main" val="2199849601"/>
       </p:ext>
     </p:extLst>
   </p:cSld>
@@ -12931,6 +14155,10 @@
             <a:r>
               <a:rPr lang="en-US" sz="2000" dirty="0" err="1"/>
               <a:t>ombine</a:t>
+            </a:r>
+            <a:r>
+              <a:rPr lang="pl-PL" sz="2000" dirty="0"/>
+              <a:t>s</a:t>
             </a:r>
             <a:r>
               <a:rPr lang="en-US" sz="2000" dirty="0"/>
@@ -16041,10 +17269,10 @@
       </p:sp>
       <p:pic>
         <p:nvPicPr>
-          <p:cNvPr id="5" name="Picture 4">
+          <p:cNvPr id="6" name="Picture 5">
             <a:extLst>
               <a:ext uri="{FF2B5EF4-FFF2-40B4-BE49-F238E27FC236}">
-                <a16:creationId xmlns:a16="http://schemas.microsoft.com/office/drawing/2014/main" id="{8A46501B-7203-4C5E-B187-C4BF90279956}"/>
+                <a16:creationId xmlns:a16="http://schemas.microsoft.com/office/drawing/2014/main" id="{C189DE04-FD4D-4034-BF7B-21C9EFCDE8A0}"/>
               </a:ext>
             </a:extLst>
           </p:cNvPr>
@@ -16054,15 +17282,15 @@
           <p:nvPr/>
         </p:nvPicPr>
         <p:blipFill>
-          <a:blip r:embed="rId2"/>
+          <a:blip r:embed="rId3"/>
           <a:stretch>
             <a:fillRect/>
           </a:stretch>
         </p:blipFill>
         <p:spPr>
           <a:xfrm>
-            <a:off x="2661405" y="1563638"/>
-            <a:ext cx="3960440" cy="1865976"/>
+            <a:off x="1943708" y="1419622"/>
+            <a:ext cx="5256584" cy="1991848"/>
           </a:xfrm>
           <a:prstGeom prst="rect">
             <a:avLst/>
@@ -16124,7 +17352,11 @@
             </a:br>
             <a:r>
               <a:rPr lang="pl-PL" dirty="0"/>
-              <a:t>Apache Spark Architecture</a:t>
+              <a:t>Apache Spark </a:t>
+            </a:r>
+            <a:r>
+              <a:rPr lang="pl-PL" dirty="0" err="1"/>
+              <a:t>APIs</a:t>
             </a:r>
             <a:endParaRPr lang="en-US" dirty="0"/>
           </a:p>
@@ -16240,10 +17472,10 @@
       </p:sp>
       <p:pic>
         <p:nvPicPr>
-          <p:cNvPr id="6" name="Picture 5">
+          <p:cNvPr id="8" name="Picture 7">
             <a:extLst>
               <a:ext uri="{FF2B5EF4-FFF2-40B4-BE49-F238E27FC236}">
-                <a16:creationId xmlns:a16="http://schemas.microsoft.com/office/drawing/2014/main" id="{E56C735E-26BD-4FF5-92B6-016E4ACB8DB5}"/>
+                <a16:creationId xmlns:a16="http://schemas.microsoft.com/office/drawing/2014/main" id="{AE13E914-2E72-4257-A276-A23EC8662AFE}"/>
               </a:ext>
             </a:extLst>
           </p:cNvPr>
@@ -16260,8 +17492,8 @@
         </p:blipFill>
         <p:spPr>
           <a:xfrm>
-            <a:off x="1619672" y="926072"/>
-            <a:ext cx="5602965" cy="3592377"/>
+            <a:off x="1999210" y="987574"/>
+            <a:ext cx="5145580" cy="3468502"/>
           </a:xfrm>
           <a:prstGeom prst="rect">
             <a:avLst/>
@@ -16271,7 +17503,7 @@
     </p:spTree>
     <p:extLst>
       <p:ext uri="{BB962C8B-B14F-4D97-AF65-F5344CB8AC3E}">
-        <p14:creationId xmlns:p14="http://schemas.microsoft.com/office/powerpoint/2010/main" val="1727686954"/>
+        <p14:creationId xmlns:p14="http://schemas.microsoft.com/office/powerpoint/2010/main" val="2390931764"/>
       </p:ext>
     </p:extLst>
   </p:cSld>

--- a/src/main/resources/slides.pptx
+++ b/src/main/resources/slides.pptx
@@ -15,24 +15,24 @@
     <p:sldId id="273" r:id="rId7"/>
     <p:sldId id="277" r:id="rId8"/>
     <p:sldId id="278" r:id="rId9"/>
-    <p:sldId id="276" r:id="rId10"/>
-    <p:sldId id="281" r:id="rId11"/>
-    <p:sldId id="279" r:id="rId12"/>
-    <p:sldId id="282" r:id="rId13"/>
-    <p:sldId id="283" r:id="rId14"/>
-    <p:sldId id="284" r:id="rId15"/>
-    <p:sldId id="285" r:id="rId16"/>
-    <p:sldId id="286" r:id="rId17"/>
-    <p:sldId id="287" r:id="rId18"/>
-    <p:sldId id="288" r:id="rId19"/>
-    <p:sldId id="289" r:id="rId20"/>
+    <p:sldId id="281" r:id="rId10"/>
+    <p:sldId id="279" r:id="rId11"/>
+    <p:sldId id="282" r:id="rId12"/>
+    <p:sldId id="283" r:id="rId13"/>
+    <p:sldId id="284" r:id="rId14"/>
+    <p:sldId id="285" r:id="rId15"/>
+    <p:sldId id="286" r:id="rId16"/>
+    <p:sldId id="287" r:id="rId17"/>
+    <p:sldId id="288" r:id="rId18"/>
+    <p:sldId id="289" r:id="rId19"/>
+    <p:sldId id="293" r:id="rId20"/>
     <p:sldId id="291" r:id="rId21"/>
-    <p:sldId id="293" r:id="rId22"/>
-    <p:sldId id="292" r:id="rId23"/>
-    <p:sldId id="294" r:id="rId24"/>
-    <p:sldId id="295" r:id="rId25"/>
-    <p:sldId id="290" r:id="rId26"/>
-    <p:sldId id="296" r:id="rId27"/>
+    <p:sldId id="292" r:id="rId22"/>
+    <p:sldId id="294" r:id="rId23"/>
+    <p:sldId id="295" r:id="rId24"/>
+    <p:sldId id="290" r:id="rId25"/>
+    <p:sldId id="296" r:id="rId26"/>
+    <p:sldId id="276" r:id="rId27"/>
     <p:sldId id="275" r:id="rId28"/>
   </p:sldIdLst>
   <p:sldSz cx="9144000" cy="5143500" type="screen16x9"/>
@@ -880,6 +880,192 @@
           <a:bodyPr/>
           <a:lstStyle/>
           <a:p>
+            <a:r>
+              <a:rPr lang="en-US" b="1" dirty="0"/>
+              <a:t>Performance</a:t>
+            </a:r>
+            <a:r>
+              <a:rPr lang="pl-PL" dirty="0"/>
+              <a:t> - Spark jest napisany w Scali, dzięki czemu uzyskujemy najlepszą (native) wydajność i największą spójność i pokrycie między API Scali i API Sparka.</a:t>
+            </a:r>
+          </a:p>
+          <a:p>
+            <a:r>
+              <a:rPr lang="en-US" b="1" dirty="0"/>
+              <a:t>Type Safety</a:t>
+            </a:r>
+            <a:r>
+              <a:rPr lang="pl-PL" b="1" dirty="0"/>
+              <a:t> </a:t>
+            </a:r>
+            <a:r>
+              <a:rPr lang="pl-PL" dirty="0"/>
+              <a:t>– w </a:t>
+            </a:r>
+            <a:r>
+              <a:rPr lang="pl-PL" dirty="0" err="1"/>
+              <a:t>prówaniu</a:t>
+            </a:r>
+            <a:r>
+              <a:rPr lang="pl-PL" dirty="0"/>
+              <a:t> do </a:t>
+            </a:r>
+            <a:r>
+              <a:rPr lang="pl-PL" dirty="0" err="1"/>
+              <a:t>Pythona</a:t>
+            </a:r>
+            <a:r>
+              <a:rPr lang="pl-PL" dirty="0"/>
+              <a:t> i R, korzyści ze Scali to </a:t>
+            </a:r>
+            <a:r>
+              <a:rPr lang="pl-PL" dirty="0" err="1"/>
+              <a:t>statycze</a:t>
+            </a:r>
+            <a:r>
+              <a:rPr lang="pl-PL" dirty="0"/>
+              <a:t> typowanie (</a:t>
+            </a:r>
+            <a:r>
+              <a:rPr lang="en-US" dirty="0"/>
+              <a:t>static typing</a:t>
+            </a:r>
+            <a:r>
+              <a:rPr lang="pl-PL" dirty="0"/>
+              <a:t>) i  </a:t>
+            </a:r>
+            <a:r>
+              <a:rPr lang="en-US" dirty="0"/>
+              <a:t>type inference</a:t>
+            </a:r>
+            <a:r>
+              <a:rPr lang="pl-PL" dirty="0"/>
+              <a:t> </a:t>
+            </a:r>
+            <a:r>
+              <a:rPr lang="pl-PL" b="0" dirty="0"/>
+              <a:t>(</a:t>
+            </a:r>
+            <a:r>
+              <a:rPr lang="pl-PL" sz="1200" b="0" i="0" kern="1200" dirty="0">
+                <a:solidFill>
+                  <a:schemeClr val="tx1"/>
+                </a:solidFill>
+                <a:effectLst/>
+                <a:latin typeface="+mn-lt"/>
+                <a:ea typeface="+mn-ea"/>
+                <a:cs typeface="+mn-cs"/>
+              </a:rPr>
+              <a:t>wywodzenie typów)</a:t>
+            </a:r>
+            <a:r>
+              <a:rPr lang="pl-PL" dirty="0"/>
+              <a:t>. Wg Martina </a:t>
+            </a:r>
+            <a:r>
+              <a:rPr lang="pl-PL" dirty="0" err="1"/>
+              <a:t>Odersky’ego</a:t>
+            </a:r>
+            <a:r>
+              <a:rPr lang="pl-PL" dirty="0"/>
+              <a:t> większość logicznych błędów w aplikacji napisanych w Sparku wynika z błędnie zdefiniowanych czy tez w powstałych w wyniku transformacji błędów.  Statycznie typowanie kolekcji w Scali bardzo w tym pomaga.</a:t>
+            </a:r>
+          </a:p>
+          <a:p>
+            <a:r>
+              <a:rPr lang="pl-PL" b="1" dirty="0" err="1"/>
+              <a:t>Immutable</a:t>
+            </a:r>
+            <a:r>
+              <a:rPr lang="pl-PL" b="1" dirty="0"/>
+              <a:t> data </a:t>
+            </a:r>
+            <a:r>
+              <a:rPr lang="pl-PL" b="1" dirty="0" err="1"/>
+              <a:t>structrues</a:t>
+            </a:r>
+            <a:r>
+              <a:rPr lang="pl-PL" dirty="0"/>
+              <a:t> - </a:t>
+            </a:r>
+            <a:r>
+              <a:rPr lang="en-US" sz="1200" dirty="0"/>
+              <a:t>allowing for parallel, lock-free data processing,</a:t>
+            </a:r>
+            <a:endParaRPr lang="pl-PL" dirty="0"/>
+          </a:p>
+          <a:p>
+            <a:r>
+              <a:rPr lang="en-US" b="1" dirty="0"/>
+              <a:t>Concise, Expressive Code</a:t>
+            </a:r>
+            <a:r>
+              <a:rPr lang="pl-PL" b="1" dirty="0"/>
+              <a:t> </a:t>
+            </a:r>
+            <a:r>
+              <a:rPr lang="pl-PL" dirty="0"/>
+              <a:t>–  w porównaniu do Javy, kod jest bardziej zwięzły (</a:t>
+            </a:r>
+            <a:r>
+              <a:rPr lang="pl-PL" dirty="0" err="1"/>
+              <a:t>concise</a:t>
+            </a:r>
+            <a:r>
+              <a:rPr lang="pl-PL" dirty="0"/>
+              <a:t>) dzięki czumu zwiększa Twoją produktywność. </a:t>
+            </a:r>
+            <a:r>
+              <a:rPr lang="en-US" dirty="0"/>
+              <a:t>and several features of Scala make your code even more concise. This elevates your productivity and makes it easier to imagine a design approach and then write it down without having to translate the idea to a less flexible API that reflects idiomatic language constraints. (You'll see this in action as we go.)</a:t>
+            </a:r>
+            <a:endParaRPr lang="pl-PL" dirty="0"/>
+          </a:p>
+          <a:p>
+            <a:r>
+              <a:rPr lang="pl-PL" b="1" dirty="0"/>
+              <a:t>Debugging</a:t>
+            </a:r>
+            <a:r>
+              <a:rPr lang="pl-PL" dirty="0"/>
+              <a:t> – kiedy pojawiają się problemy z kodem, zrozumie </a:t>
+            </a:r>
+            <a:r>
+              <a:rPr lang="pl-PL" dirty="0" err="1"/>
+              <a:t>exception</a:t>
+            </a:r>
+            <a:r>
+              <a:rPr lang="pl-PL" dirty="0"/>
+              <a:t> </a:t>
+            </a:r>
+            <a:r>
+              <a:rPr lang="pl-PL" dirty="0" err="1"/>
+              <a:t>stack</a:t>
+            </a:r>
+            <a:r>
+              <a:rPr lang="pl-PL" dirty="0"/>
+              <a:t> </a:t>
+            </a:r>
+            <a:r>
+              <a:rPr lang="pl-PL" dirty="0" err="1"/>
+              <a:t>trace</a:t>
+            </a:r>
+            <a:r>
+              <a:rPr lang="pl-PL" dirty="0"/>
+              <a:t> jest prostsze jeśli znasz </a:t>
+            </a:r>
+            <a:r>
+              <a:rPr lang="pl-PL" dirty="0" err="1"/>
+              <a:t>Scale</a:t>
+            </a:r>
+            <a:r>
+              <a:rPr lang="pl-PL" dirty="0"/>
+              <a:t>. </a:t>
+            </a:r>
+            <a:r>
+              <a:rPr lang="en-US" dirty="0"/>
+              <a:t>Unfortunately, the "abstraction leaks" when problems occur.</a:t>
+            </a:r>
             <a:endParaRPr lang="pl-PL" dirty="0"/>
           </a:p>
         </p:txBody>
@@ -887,7 +1073,7 @@
     </p:spTree>
     <p:extLst>
       <p:ext uri="{BB962C8B-B14F-4D97-AF65-F5344CB8AC3E}">
-        <p14:creationId xmlns:p14="http://schemas.microsoft.com/office/powerpoint/2010/main" val="4043919891"/>
+        <p14:creationId xmlns:p14="http://schemas.microsoft.com/office/powerpoint/2010/main" val="3904810144"/>
       </p:ext>
     </p:extLst>
   </p:cSld>
@@ -942,18 +1128,94 @@
           <a:lstStyle/>
           <a:p>
             <a:r>
+              <a:rPr lang="en-US" dirty="0"/>
+              <a:t>Why Not Scala?</a:t>
+            </a:r>
+          </a:p>
+          <a:p>
+            <a:r>
+              <a:rPr lang="en-US" dirty="0"/>
+              <a:t>Scala </a:t>
+            </a:r>
+            <a:r>
+              <a:rPr lang="pl-PL" dirty="0"/>
+              <a:t>nie jest doskonała, jak każdy język. Są dwie główne wady w porównaniu do </a:t>
+            </a:r>
+            <a:r>
+              <a:rPr lang="en-US" dirty="0"/>
+              <a:t>Python</a:t>
+            </a:r>
+            <a:r>
+              <a:rPr lang="pl-PL" dirty="0"/>
+              <a:t>a czy</a:t>
+            </a:r>
+            <a:r>
+              <a:rPr lang="en-US" dirty="0"/>
+              <a:t> R:</a:t>
+            </a:r>
+          </a:p>
+          <a:p>
+            <a:pPr marL="171450" indent="-171450">
+              <a:buFont typeface="Arial" panose="020B0604020202020204" pitchFamily="34" charset="0"/>
+              <a:buChar char="•"/>
+            </a:pPr>
+            <a:r>
               <a:rPr lang="en-US" b="1" dirty="0"/>
-              <a:t>Performance</a:t>
-            </a:r>
-            <a:r>
-              <a:rPr lang="pl-PL" dirty="0"/>
-              <a:t> - Spark jest napisany w Scali, dzięki czemu uzyskujemy najlepszą (native) wydajność i największą spójność i pokrycie między API Scali i API Sparka.</a:t>
-            </a:r>
-          </a:p>
-          <a:p>
+              <a:t>Libraries</a:t>
+            </a:r>
+            <a:r>
+              <a:rPr lang="pl-PL" dirty="0"/>
+              <a:t> - </a:t>
+            </a:r>
+            <a:r>
+              <a:rPr lang="en-US" dirty="0"/>
+              <a:t>Python </a:t>
+            </a:r>
+            <a:r>
+              <a:rPr lang="pl-PL" dirty="0"/>
+              <a:t>i</a:t>
+            </a:r>
+            <a:r>
+              <a:rPr lang="en-US" dirty="0"/>
+              <a:t> R </a:t>
+            </a:r>
+            <a:r>
+              <a:rPr lang="pl-PL" dirty="0"/>
+              <a:t> posiada bogaty </a:t>
+            </a:r>
+            <a:r>
+              <a:rPr lang="pl-PL" dirty="0" err="1"/>
+              <a:t>echosytem</a:t>
+            </a:r>
+            <a:r>
+              <a:rPr lang="pl-PL" dirty="0"/>
+              <a:t> bibliotek i duże </a:t>
+            </a:r>
+            <a:r>
+              <a:rPr lang="pl-PL" dirty="0" err="1"/>
+              <a:t>community</a:t>
+            </a:r>
+            <a:r>
+              <a:rPr lang="pl-PL" dirty="0"/>
+              <a:t>. Scala stara się gonić </a:t>
+            </a:r>
+            <a:r>
+              <a:rPr lang="pl-PL" dirty="0" err="1"/>
+              <a:t>Pythona</a:t>
+            </a:r>
+            <a:r>
+              <a:rPr lang="pl-PL" dirty="0"/>
+              <a:t>, ale to jak z analogią do „psa i uciekającego królika”. </a:t>
+            </a:r>
+          </a:p>
+          <a:p>
+            <a:pPr marL="171450" indent="-171450">
+              <a:buFont typeface="Arial" panose="020B0604020202020204" pitchFamily="34" charset="0"/>
+              <a:buChar char="•"/>
+            </a:pPr>
             <a:r>
               <a:rPr lang="en-US" b="1" dirty="0"/>
-              <a:t>Type Safety</a:t>
+              <a:t>Advanced Language Features:</a:t>
             </a:r>
             <a:r>
               <a:rPr lang="pl-PL" b="1" dirty="0"/>
@@ -961,180 +1223,47 @@
             </a:r>
             <a:r>
               <a:rPr lang="pl-PL" dirty="0"/>
-              <a:t>– w </a:t>
-            </a:r>
-            <a:r>
-              <a:rPr lang="pl-PL" dirty="0" err="1"/>
-              <a:t>prówaniu</a:t>
-            </a:r>
-            <a:r>
-              <a:rPr lang="pl-PL" dirty="0"/>
-              <a:t> do </a:t>
-            </a:r>
-            <a:r>
-              <a:rPr lang="pl-PL" dirty="0" err="1"/>
-              <a:t>Pythona</a:t>
-            </a:r>
-            <a:r>
-              <a:rPr lang="pl-PL" dirty="0"/>
-              <a:t> i R, korzyści ze Scali to </a:t>
-            </a:r>
-            <a:r>
-              <a:rPr lang="pl-PL" dirty="0" err="1"/>
-              <a:t>statycze</a:t>
-            </a:r>
-            <a:r>
-              <a:rPr lang="pl-PL" dirty="0"/>
-              <a:t> typowanie (</a:t>
-            </a:r>
-            <a:r>
-              <a:rPr lang="en-US" dirty="0"/>
-              <a:t>static typing</a:t>
-            </a:r>
-            <a:r>
-              <a:rPr lang="pl-PL" dirty="0"/>
-              <a:t>) i  </a:t>
-            </a:r>
-            <a:r>
-              <a:rPr lang="en-US" dirty="0"/>
-              <a:t>type inference</a:t>
+              <a:t>- opanowanie API Scali to nie lada wyczyn. Jeśli nie rozumiesz jak działa bardziej wyszukane konstrukcje jak </a:t>
+            </a:r>
+            <a:r>
+              <a:rPr lang="pl-PL" dirty="0" err="1"/>
+              <a:t>patter</a:t>
             </a:r>
             <a:r>
               <a:rPr lang="pl-PL" dirty="0"/>
               <a:t> </a:t>
             </a:r>
             <a:r>
-              <a:rPr lang="pl-PL" b="0" dirty="0"/>
-              <a:t>(</a:t>
-            </a:r>
-            <a:r>
-              <a:rPr lang="pl-PL" sz="1200" b="0" i="0" kern="1200" dirty="0">
-                <a:solidFill>
-                  <a:schemeClr val="tx1"/>
-                </a:solidFill>
-                <a:effectLst/>
-                <a:latin typeface="+mn-lt"/>
-                <a:ea typeface="+mn-ea"/>
-                <a:cs typeface="+mn-cs"/>
-              </a:rPr>
-              <a:t>wywodzenie typów)</a:t>
-            </a:r>
-            <a:r>
-              <a:rPr lang="pl-PL" dirty="0"/>
-              <a:t>. Wg Martina </a:t>
-            </a:r>
-            <a:r>
-              <a:rPr lang="pl-PL" dirty="0" err="1"/>
-              <a:t>Odersky’ego</a:t>
-            </a:r>
-            <a:r>
-              <a:rPr lang="pl-PL" dirty="0"/>
-              <a:t> większość logicznych błędów w aplikacji napisanych w Sparku wynika z błędnie zdefiniowanych czy tez w powstałych w wyniku transformacji błędów.  Statycznie typowanie kolekcji w Scali bardzo w tym pomaga.</a:t>
-            </a:r>
-          </a:p>
-          <a:p>
-            <a:r>
-              <a:rPr lang="pl-PL" b="1" dirty="0" err="1"/>
-              <a:t>Immutable</a:t>
-            </a:r>
-            <a:r>
-              <a:rPr lang="pl-PL" b="1" dirty="0"/>
-              <a:t> data </a:t>
-            </a:r>
-            <a:r>
-              <a:rPr lang="pl-PL" b="1" dirty="0" err="1"/>
-              <a:t>structrues</a:t>
-            </a:r>
-            <a:r>
-              <a:rPr lang="pl-PL" dirty="0"/>
-              <a:t> - </a:t>
-            </a:r>
-            <a:r>
-              <a:rPr lang="en-US" sz="1200" dirty="0"/>
-              <a:t>allowing for parallel, lock-free data processing,</a:t>
-            </a:r>
-            <a:endParaRPr lang="pl-PL" dirty="0"/>
-          </a:p>
-          <a:p>
-            <a:r>
-              <a:rPr lang="en-US" b="1" dirty="0"/>
-              <a:t>Concise, Expressive Code</a:t>
-            </a:r>
-            <a:r>
-              <a:rPr lang="pl-PL" b="1" dirty="0"/>
-              <a:t> </a:t>
-            </a:r>
-            <a:r>
-              <a:rPr lang="pl-PL" dirty="0"/>
-              <a:t>–  w porównaniu do Javy, kod jest bardziej zwięzły (</a:t>
-            </a:r>
-            <a:r>
-              <a:rPr lang="pl-PL" dirty="0" err="1"/>
-              <a:t>concise</a:t>
-            </a:r>
-            <a:r>
-              <a:rPr lang="pl-PL" dirty="0"/>
-              <a:t>) dzięki czumu zwiększa Twoją produktywność. </a:t>
-            </a:r>
-            <a:r>
-              <a:rPr lang="en-US" dirty="0"/>
-              <a:t>and several features of Scala make your code even more concise. This elevates your productivity and makes it easier to imagine a design approach and then write it down without having to translate the idea to a less flexible API that reflects idiomatic language constraints. (You'll see this in action as we go.)</a:t>
-            </a:r>
-            <a:endParaRPr lang="pl-PL" dirty="0"/>
-          </a:p>
-          <a:p>
-            <a:r>
-              <a:rPr lang="pl-PL" b="1" dirty="0"/>
-              <a:t>Debugging</a:t>
-            </a:r>
-            <a:r>
-              <a:rPr lang="pl-PL" dirty="0"/>
-              <a:t> – kiedy pojawiają się problemy z kodem, zrozumie </a:t>
-            </a:r>
-            <a:r>
-              <a:rPr lang="pl-PL" dirty="0" err="1"/>
-              <a:t>exception</a:t>
-            </a:r>
-            <a:r>
-              <a:rPr lang="pl-PL" dirty="0"/>
-              <a:t> </a:t>
-            </a:r>
-            <a:r>
-              <a:rPr lang="pl-PL" dirty="0" err="1"/>
-              <a:t>stack</a:t>
-            </a:r>
-            <a:r>
-              <a:rPr lang="pl-PL" dirty="0"/>
-              <a:t> </a:t>
-            </a:r>
-            <a:r>
-              <a:rPr lang="pl-PL" dirty="0" err="1"/>
-              <a:t>trace</a:t>
-            </a:r>
-            <a:r>
-              <a:rPr lang="pl-PL" dirty="0"/>
-              <a:t> jest prostsze jeśli znasz </a:t>
-            </a:r>
-            <a:r>
-              <a:rPr lang="pl-PL" dirty="0" err="1"/>
-              <a:t>Scale</a:t>
-            </a:r>
-            <a:r>
-              <a:rPr lang="pl-PL" dirty="0"/>
-              <a:t>. </a:t>
-            </a:r>
-            <a:r>
-              <a:rPr lang="en-US" dirty="0"/>
-              <a:t>Unfortunately, the "abstraction leaks" when problems occur.</a:t>
-            </a:r>
-            <a:endParaRPr lang="pl-PL" dirty="0"/>
+              <a:rPr lang="pl-PL" dirty="0" err="1"/>
+              <a:t>matching</a:t>
+            </a:r>
+            <a:r>
+              <a:rPr lang="pl-PL" dirty="0"/>
+              <a:t>, </a:t>
+            </a:r>
+            <a:r>
+              <a:rPr lang="pl-PL" dirty="0" err="1"/>
+              <a:t>implicits</a:t>
+            </a:r>
+            <a:r>
+              <a:rPr lang="pl-PL" dirty="0"/>
+              <a:t>, </a:t>
+            </a:r>
+            <a:r>
+              <a:rPr lang="pl-PL" dirty="0" err="1"/>
+              <a:t>lineralization</a:t>
+            </a:r>
+            <a:r>
+              <a:rPr lang="pl-PL" dirty="0"/>
+              <a:t> można się sfrustrować. Całe szczęście Spark ukrywa większość zaawansowanych konstrukcji Scali przed nami.</a:t>
+            </a:r>
           </a:p>
         </p:txBody>
       </p:sp>
     </p:spTree>
     <p:extLst>
       <p:ext uri="{BB962C8B-B14F-4D97-AF65-F5344CB8AC3E}">
-        <p14:creationId xmlns:p14="http://schemas.microsoft.com/office/powerpoint/2010/main" val="3904810144"/>
+        <p14:creationId xmlns:p14="http://schemas.microsoft.com/office/powerpoint/2010/main" val="1147915891"/>
       </p:ext>
     </p:extLst>
   </p:cSld>
@@ -1189,134 +1318,58 @@
           <a:lstStyle/>
           <a:p>
             <a:r>
-              <a:rPr lang="en-US" dirty="0"/>
-              <a:t>Why Not Scala?</a:t>
-            </a:r>
-          </a:p>
-          <a:p>
-            <a:r>
-              <a:rPr lang="en-US" dirty="0"/>
-              <a:t>Scala </a:t>
-            </a:r>
-            <a:r>
-              <a:rPr lang="pl-PL" dirty="0"/>
-              <a:t>nie jest doskonała, jak każdy język. Są dwie główne wady w porównaniu do </a:t>
-            </a:r>
-            <a:r>
-              <a:rPr lang="en-US" dirty="0"/>
-              <a:t>Python</a:t>
-            </a:r>
-            <a:r>
-              <a:rPr lang="pl-PL" dirty="0"/>
-              <a:t>a czy</a:t>
-            </a:r>
-            <a:r>
-              <a:rPr lang="en-US" dirty="0"/>
-              <a:t> R:</a:t>
-            </a:r>
-          </a:p>
-          <a:p>
-            <a:pPr marL="171450" indent="-171450">
-              <a:buFont typeface="Arial" panose="020B0604020202020204" pitchFamily="34" charset="0"/>
-              <a:buChar char="•"/>
-            </a:pPr>
-            <a:r>
-              <a:rPr lang="en-US" b="1" dirty="0"/>
-              <a:t>Libraries</a:t>
-            </a:r>
-            <a:r>
-              <a:rPr lang="pl-PL" dirty="0"/>
-              <a:t> - </a:t>
-            </a:r>
-            <a:r>
-              <a:rPr lang="en-US" dirty="0"/>
-              <a:t>Python </a:t>
-            </a:r>
-            <a:r>
-              <a:rPr lang="pl-PL" dirty="0"/>
-              <a:t>i</a:t>
-            </a:r>
-            <a:r>
-              <a:rPr lang="en-US" dirty="0"/>
-              <a:t> R </a:t>
-            </a:r>
-            <a:r>
-              <a:rPr lang="pl-PL" dirty="0"/>
-              <a:t> posiada bogaty </a:t>
-            </a:r>
-            <a:r>
-              <a:rPr lang="pl-PL" dirty="0" err="1"/>
-              <a:t>echosytem</a:t>
-            </a:r>
-            <a:r>
-              <a:rPr lang="pl-PL" dirty="0"/>
-              <a:t> bibliotek i duże </a:t>
-            </a:r>
-            <a:r>
-              <a:rPr lang="pl-PL" dirty="0" err="1"/>
-              <a:t>community</a:t>
-            </a:r>
-            <a:r>
-              <a:rPr lang="pl-PL" dirty="0"/>
-              <a:t>. Scala stara się gonić </a:t>
-            </a:r>
-            <a:r>
-              <a:rPr lang="pl-PL" dirty="0" err="1"/>
-              <a:t>Pythona</a:t>
-            </a:r>
-            <a:r>
-              <a:rPr lang="pl-PL" dirty="0"/>
-              <a:t>, ale to jak z analogią do „psa i uciekającego królika”. </a:t>
-            </a:r>
-          </a:p>
-          <a:p>
-            <a:pPr marL="171450" indent="-171450">
-              <a:buFont typeface="Arial" panose="020B0604020202020204" pitchFamily="34" charset="0"/>
-              <a:buChar char="•"/>
-            </a:pPr>
-            <a:r>
-              <a:rPr lang="en-US" b="1" dirty="0"/>
-              <a:t>Advanced Language Features:</a:t>
-            </a:r>
-            <a:r>
-              <a:rPr lang="pl-PL" b="1" dirty="0"/>
-              <a:t> </a:t>
-            </a:r>
-            <a:r>
-              <a:rPr lang="pl-PL" dirty="0"/>
-              <a:t>- opanowanie API Scali to nie lada wyczyn. Jeśli nie rozumiesz jak działa bardziej wyszukane konstrukcje jak </a:t>
-            </a:r>
-            <a:r>
-              <a:rPr lang="pl-PL" dirty="0" err="1"/>
-              <a:t>patter</a:t>
-            </a:r>
-            <a:r>
-              <a:rPr lang="pl-PL" dirty="0"/>
-              <a:t> </a:t>
-            </a:r>
-            <a:r>
-              <a:rPr lang="pl-PL" dirty="0" err="1"/>
-              <a:t>matching</a:t>
-            </a:r>
-            <a:r>
-              <a:rPr lang="pl-PL" dirty="0"/>
-              <a:t>, </a:t>
-            </a:r>
-            <a:r>
-              <a:rPr lang="pl-PL" dirty="0" err="1"/>
-              <a:t>implicits</a:t>
-            </a:r>
-            <a:r>
-              <a:rPr lang="pl-PL" dirty="0"/>
-              <a:t>, </a:t>
-            </a:r>
-            <a:r>
-              <a:rPr lang="pl-PL" dirty="0" err="1"/>
-              <a:t>lineralization</a:t>
-            </a:r>
-            <a:r>
-              <a:rPr lang="pl-PL" dirty="0"/>
-              <a:t> można się sfrustrować. Całe szczęście Spark ukrywa większość zaawansowanych konstrukcji Scali przed nami.</a:t>
+              <a:rPr lang="pl-PL" b="1" dirty="0" err="1"/>
+              <a:t>Tuples</a:t>
+            </a:r>
+            <a:r>
+              <a:rPr lang="pl-PL" dirty="0"/>
+              <a:t> – podobno do kolekcji, </a:t>
+            </a:r>
+            <a:r>
+              <a:rPr lang="pl-PL" dirty="0" err="1"/>
+              <a:t>niemutowalne</a:t>
+            </a:r>
+            <a:r>
+              <a:rPr lang="pl-PL" dirty="0"/>
+              <a:t> (</a:t>
+            </a:r>
+            <a:r>
+              <a:rPr lang="pl-PL" dirty="0" err="1"/>
+              <a:t>immutable</a:t>
+            </a:r>
+            <a:r>
+              <a:rPr lang="pl-PL" dirty="0"/>
+              <a:t>), ale w odróżnieniu od kolekcji mogą posiadać różne typy danych. Bardzo przydatne, np. jak chcesz zwrócić wiele obiektów z metody.</a:t>
+            </a:r>
+          </a:p>
+          <a:p>
+            <a:r>
+              <a:rPr lang="pl-PL" dirty="0"/>
+              <a:t>Po zdefiniowaniu, mamy dostęp do elementów =&gt; kropka, </a:t>
+            </a:r>
+            <a:r>
+              <a:rPr lang="pl-PL" dirty="0" err="1"/>
+              <a:t>podkreślnik</a:t>
+            </a:r>
+            <a:r>
+              <a:rPr lang="pl-PL" dirty="0"/>
+              <a:t> oraz „one-</a:t>
+            </a:r>
+            <a:r>
+              <a:rPr lang="pl-PL" dirty="0" err="1"/>
+              <a:t>based</a:t>
+            </a:r>
+            <a:r>
+              <a:rPr lang="pl-PL" dirty="0"/>
+              <a:t> index” (tradycja z </a:t>
+            </a:r>
+            <a:r>
+              <a:rPr lang="pl-PL" dirty="0" err="1"/>
+              <a:t>Haskella</a:t>
+            </a:r>
+            <a:r>
+              <a:rPr lang="pl-PL" dirty="0"/>
+              <a:t>).</a:t>
             </a:r>
           </a:p>
         </p:txBody>
@@ -1324,7 +1377,7 @@
     </p:spTree>
     <p:extLst>
       <p:ext uri="{BB962C8B-B14F-4D97-AF65-F5344CB8AC3E}">
-        <p14:creationId xmlns:p14="http://schemas.microsoft.com/office/powerpoint/2010/main" val="1147915891"/>
+        <p14:creationId xmlns:p14="http://schemas.microsoft.com/office/powerpoint/2010/main" val="730357486"/>
       </p:ext>
     </p:extLst>
   </p:cSld>
@@ -1378,75 +1431,157 @@
           <a:bodyPr/>
           <a:lstStyle/>
           <a:p>
-            <a:r>
-              <a:rPr lang="pl-PL" b="1" dirty="0" err="1"/>
-              <a:t>Tuples</a:t>
-            </a:r>
-            <a:r>
-              <a:rPr lang="pl-PL" dirty="0"/>
-              <a:t> – podobno do kolekcji </a:t>
-            </a:r>
-            <a:r>
-              <a:rPr lang="pl-PL" dirty="0" err="1"/>
-              <a:t>niemutowalne</a:t>
-            </a:r>
-            <a:r>
-              <a:rPr lang="pl-PL" dirty="0"/>
-              <a:t> (</a:t>
-            </a:r>
-            <a:r>
-              <a:rPr lang="pl-PL" dirty="0" err="1"/>
-              <a:t>immutable</a:t>
-            </a:r>
-            <a:r>
-              <a:rPr lang="pl-PL" dirty="0"/>
-              <a:t>), ale w odróżnieniu od kolekcji mogą posiadać różne typy danych. Bardzo przydatne, np. jak chcesz zwrócić wiele obiektów z metody.</a:t>
-            </a:r>
-          </a:p>
-          <a:p>
-            <a:r>
-              <a:rPr lang="pl-PL" dirty="0"/>
-              <a:t>Po zdefiniowaniu, mamy dostęp do </a:t>
-            </a:r>
-            <a:r>
-              <a:rPr lang="pl-PL" dirty="0" err="1"/>
-              <a:t>elemtów</a:t>
-            </a:r>
-            <a:r>
-              <a:rPr lang="pl-PL" dirty="0"/>
-              <a:t> =&gt; kropka, </a:t>
-            </a:r>
-            <a:r>
-              <a:rPr lang="pl-PL" dirty="0" err="1"/>
-              <a:t>podkreślnik</a:t>
-            </a:r>
-            <a:r>
-              <a:rPr lang="pl-PL" dirty="0"/>
-              <a:t> oraz „one-</a:t>
-            </a:r>
-            <a:r>
-              <a:rPr lang="pl-PL" dirty="0" err="1"/>
-              <a:t>based</a:t>
-            </a:r>
-            <a:r>
-              <a:rPr lang="pl-PL" dirty="0"/>
-              <a:t> index” (tradycja z </a:t>
-            </a:r>
-            <a:r>
-              <a:rPr lang="pl-PL" dirty="0" err="1"/>
-              <a:t>Haskella</a:t>
-            </a:r>
-            <a:r>
-              <a:rPr lang="pl-PL" dirty="0"/>
-              <a:t>).</a:t>
-            </a:r>
+            <a:pPr marL="0" indent="0">
+              <a:buNone/>
+            </a:pPr>
+            <a:r>
+              <a:rPr lang="pl-PL" sz="1200" dirty="0">
+                <a:latin typeface="Courier New" panose="02070309020205020404" pitchFamily="49" charset="0"/>
+                <a:cs typeface="Courier New" panose="02070309020205020404" pitchFamily="49" charset="0"/>
+              </a:rPr>
+              <a:t>&lt;</a:t>
+            </a:r>
+            <a:r>
+              <a:rPr lang="pl-PL" sz="1200" dirty="0" err="1">
+                <a:latin typeface="Courier New" panose="02070309020205020404" pitchFamily="49" charset="0"/>
+                <a:cs typeface="Courier New" panose="02070309020205020404" pitchFamily="49" charset="0"/>
+              </a:rPr>
+              <a:t>expression</a:t>
+            </a:r>
+            <a:r>
+              <a:rPr lang="pl-PL" sz="1200" dirty="0">
+                <a:latin typeface="Courier New" panose="02070309020205020404" pitchFamily="49" charset="0"/>
+                <a:cs typeface="Courier New" panose="02070309020205020404" pitchFamily="49" charset="0"/>
+              </a:rPr>
+              <a:t>&gt; </a:t>
+            </a:r>
+            <a:r>
+              <a:rPr lang="pl-PL" sz="1200" dirty="0" err="1">
+                <a:latin typeface="Courier New" panose="02070309020205020404" pitchFamily="49" charset="0"/>
+                <a:cs typeface="Courier New" panose="02070309020205020404" pitchFamily="49" charset="0"/>
+              </a:rPr>
+              <a:t>match</a:t>
+            </a:r>
+            <a:r>
+              <a:rPr lang="pl-PL" sz="1200" dirty="0">
+                <a:latin typeface="Courier New" panose="02070309020205020404" pitchFamily="49" charset="0"/>
+                <a:cs typeface="Courier New" panose="02070309020205020404" pitchFamily="49" charset="0"/>
+              </a:rPr>
+              <a:t> {</a:t>
+            </a:r>
+          </a:p>
+          <a:p>
+            <a:pPr marL="0" indent="0">
+              <a:buNone/>
+            </a:pPr>
+            <a:r>
+              <a:rPr lang="pl-PL" sz="1200" dirty="0" err="1">
+                <a:latin typeface="Courier New" panose="02070309020205020404" pitchFamily="49" charset="0"/>
+                <a:cs typeface="Courier New" panose="02070309020205020404" pitchFamily="49" charset="0"/>
+              </a:rPr>
+              <a:t>case</a:t>
+            </a:r>
+            <a:r>
+              <a:rPr lang="pl-PL" sz="1200" dirty="0">
+                <a:latin typeface="Courier New" panose="02070309020205020404" pitchFamily="49" charset="0"/>
+                <a:cs typeface="Courier New" panose="02070309020205020404" pitchFamily="49" charset="0"/>
+              </a:rPr>
+              <a:t> &lt;</a:t>
+            </a:r>
+            <a:r>
+              <a:rPr lang="pl-PL" sz="1200" dirty="0" err="1">
+                <a:latin typeface="Courier New" panose="02070309020205020404" pitchFamily="49" charset="0"/>
+                <a:cs typeface="Courier New" panose="02070309020205020404" pitchFamily="49" charset="0"/>
+              </a:rPr>
+              <a:t>pattern</a:t>
+            </a:r>
+            <a:r>
+              <a:rPr lang="pl-PL" sz="1200" dirty="0">
+                <a:latin typeface="Courier New" panose="02070309020205020404" pitchFamily="49" charset="0"/>
+                <a:cs typeface="Courier New" panose="02070309020205020404" pitchFamily="49" charset="0"/>
+              </a:rPr>
+              <a:t> </a:t>
+            </a:r>
+            <a:r>
+              <a:rPr lang="pl-PL" sz="1200" dirty="0" err="1">
+                <a:latin typeface="Courier New" panose="02070309020205020404" pitchFamily="49" charset="0"/>
+                <a:cs typeface="Courier New" panose="02070309020205020404" pitchFamily="49" charset="0"/>
+              </a:rPr>
+              <a:t>match</a:t>
+            </a:r>
+            <a:r>
+              <a:rPr lang="pl-PL" sz="1200" dirty="0">
+                <a:latin typeface="Courier New" panose="02070309020205020404" pitchFamily="49" charset="0"/>
+                <a:cs typeface="Courier New" panose="02070309020205020404" pitchFamily="49" charset="0"/>
+              </a:rPr>
+              <a:t>&gt; =&gt; &lt;</a:t>
+            </a:r>
+            <a:r>
+              <a:rPr lang="pl-PL" sz="1200" dirty="0" err="1">
+                <a:latin typeface="Courier New" panose="02070309020205020404" pitchFamily="49" charset="0"/>
+                <a:cs typeface="Courier New" panose="02070309020205020404" pitchFamily="49" charset="0"/>
+              </a:rPr>
+              <a:t>expression</a:t>
+            </a:r>
+            <a:r>
+              <a:rPr lang="pl-PL" sz="1200" dirty="0">
+                <a:latin typeface="Courier New" panose="02070309020205020404" pitchFamily="49" charset="0"/>
+                <a:cs typeface="Courier New" panose="02070309020205020404" pitchFamily="49" charset="0"/>
+              </a:rPr>
+              <a:t>&gt;</a:t>
+            </a:r>
+          </a:p>
+          <a:p>
+            <a:pPr marL="0" indent="0">
+              <a:buNone/>
+            </a:pPr>
+            <a:r>
+              <a:rPr lang="pl-PL" sz="1200" dirty="0">
+                <a:latin typeface="Courier New" panose="02070309020205020404" pitchFamily="49" charset="0"/>
+                <a:cs typeface="Courier New" panose="02070309020205020404" pitchFamily="49" charset="0"/>
+              </a:rPr>
+              <a:t>[</a:t>
+            </a:r>
+            <a:r>
+              <a:rPr lang="pl-PL" sz="1200" dirty="0" err="1">
+                <a:latin typeface="Courier New" panose="02070309020205020404" pitchFamily="49" charset="0"/>
+                <a:cs typeface="Courier New" panose="02070309020205020404" pitchFamily="49" charset="0"/>
+              </a:rPr>
+              <a:t>case</a:t>
+            </a:r>
+            <a:r>
+              <a:rPr lang="pl-PL" sz="1200" dirty="0">
+                <a:latin typeface="Courier New" panose="02070309020205020404" pitchFamily="49" charset="0"/>
+                <a:cs typeface="Courier New" panose="02070309020205020404" pitchFamily="49" charset="0"/>
+              </a:rPr>
+              <a:t>...]</a:t>
+            </a:r>
+          </a:p>
+          <a:p>
+            <a:pPr marL="0" indent="0">
+              <a:buNone/>
+            </a:pPr>
+            <a:r>
+              <a:rPr lang="pl-PL" sz="1200" dirty="0">
+                <a:latin typeface="Courier New" panose="02070309020205020404" pitchFamily="49" charset="0"/>
+                <a:cs typeface="Courier New" panose="02070309020205020404" pitchFamily="49" charset="0"/>
+              </a:rPr>
+              <a:t>}</a:t>
+            </a:r>
+            <a:endParaRPr lang="pl-PL" sz="2000" dirty="0">
+              <a:latin typeface="Courier New" panose="02070309020205020404" pitchFamily="49" charset="0"/>
+              <a:cs typeface="Courier New" panose="02070309020205020404" pitchFamily="49" charset="0"/>
+            </a:endParaRPr>
+          </a:p>
+          <a:p>
+            <a:endParaRPr lang="pl-PL" dirty="0"/>
           </a:p>
         </p:txBody>
       </p:sp>
     </p:spTree>
     <p:extLst>
       <p:ext uri="{BB962C8B-B14F-4D97-AF65-F5344CB8AC3E}">
-        <p14:creationId xmlns:p14="http://schemas.microsoft.com/office/powerpoint/2010/main" val="730357486"/>
+        <p14:creationId xmlns:p14="http://schemas.microsoft.com/office/powerpoint/2010/main" val="3272114557"/>
       </p:ext>
     </p:extLst>
   </p:cSld>
@@ -2501,149 +2636,427 @@
           <a:bodyPr/>
           <a:lstStyle/>
           <a:p>
-            <a:pPr marL="0" indent="0">
-              <a:buNone/>
-            </a:pPr>
-            <a:r>
-              <a:rPr lang="pl-PL" sz="1200" dirty="0">
-                <a:latin typeface="Courier New" panose="02070309020205020404" pitchFamily="49" charset="0"/>
-                <a:cs typeface="Courier New" panose="02070309020205020404" pitchFamily="49" charset="0"/>
+            <a:r>
+              <a:rPr lang="pl-PL" b="1" dirty="0"/>
+              <a:t>First </a:t>
+            </a:r>
+            <a:r>
+              <a:rPr lang="pl-PL" b="1" dirty="0" err="1"/>
+              <a:t>class</a:t>
+            </a:r>
+            <a:r>
+              <a:rPr lang="pl-PL" b="1" dirty="0"/>
+              <a:t> </a:t>
+            </a:r>
+            <a:r>
+              <a:rPr lang="pl-PL" b="1" dirty="0" err="1"/>
+              <a:t>citizien</a:t>
+            </a:r>
+            <a:r>
+              <a:rPr lang="pl-PL" b="1" dirty="0"/>
+              <a:t> </a:t>
+            </a:r>
+            <a:r>
+              <a:rPr lang="pl-PL" dirty="0"/>
+              <a:t>– </a:t>
+            </a:r>
+            <a:r>
+              <a:rPr lang="pl-PL" dirty="0" err="1"/>
+              <a:t>sa</a:t>
+            </a:r>
+            <a:r>
+              <a:rPr lang="pl-PL" dirty="0"/>
+              <a:t> wszechobecne, nie są tylko deklarowane i wykonywane ale mogą być </a:t>
+            </a:r>
+            <a:r>
+              <a:rPr lang="pl-PL" dirty="0" err="1"/>
+              <a:t>uzyte</a:t>
+            </a:r>
+            <a:r>
+              <a:rPr lang="pl-PL" dirty="0"/>
+              <a:t> jako po </a:t>
+            </a:r>
+            <a:r>
+              <a:rPr lang="pl-PL" dirty="0" err="1"/>
+              <a:t>prstu</a:t>
+            </a:r>
+            <a:r>
+              <a:rPr lang="pl-PL" dirty="0"/>
+              <a:t> typ danych.</a:t>
+            </a:r>
+          </a:p>
+          <a:p>
+            <a:r>
+              <a:rPr lang="pl-PL" dirty="0"/>
+              <a:t>Mogą wiec być </a:t>
+            </a:r>
+            <a:r>
+              <a:rPr lang="pl-PL" dirty="0" err="1"/>
+              <a:t>zdefinowane</a:t>
+            </a:r>
+            <a:r>
+              <a:rPr lang="pl-PL" dirty="0"/>
+              <a:t> jako literał, jako literał bez nazwy (czyli to co znamy z </a:t>
+            </a:r>
+            <a:r>
+              <a:rPr lang="pl-PL" dirty="0" err="1"/>
+              <a:t>javy</a:t>
+            </a:r>
+            <a:r>
+              <a:rPr lang="pl-PL" dirty="0"/>
+              <a:t> </a:t>
+            </a:r>
+            <a:r>
+              <a:rPr lang="pl-PL" dirty="0" err="1"/>
+              <a:t>javascirpt</a:t>
+            </a:r>
+            <a:r>
+              <a:rPr lang="pl-PL" dirty="0"/>
+              <a:t> jako </a:t>
+            </a:r>
+            <a:r>
+              <a:rPr lang="pl-PL" dirty="0" err="1"/>
+              <a:t>lampda</a:t>
+            </a:r>
+            <a:r>
+              <a:rPr lang="pl-PL" dirty="0"/>
+              <a:t>, bądź anonimowa funkcja), mogą być zapisane jako </a:t>
+            </a:r>
+            <a:r>
+              <a:rPr lang="pl-PL" dirty="0" err="1"/>
+              <a:t>value</a:t>
+            </a:r>
+            <a:r>
+              <a:rPr lang="pl-PL" dirty="0"/>
+              <a:t> bądź </a:t>
+            </a:r>
+            <a:r>
+              <a:rPr lang="pl-PL" dirty="0" err="1"/>
+              <a:t>variable</a:t>
+            </a:r>
+            <a:r>
+              <a:rPr lang="pl-PL" dirty="0"/>
+              <a:t> oraz </a:t>
+            </a:r>
+            <a:r>
+              <a:rPr lang="pl-PL" dirty="0" err="1"/>
+              <a:t>uzyte</a:t>
+            </a:r>
+            <a:r>
+              <a:rPr lang="pl-PL" dirty="0"/>
+              <a:t> jako </a:t>
+            </a:r>
+            <a:r>
+              <a:rPr lang="pl-PL" dirty="0" err="1"/>
+              <a:t>paramter</a:t>
+            </a:r>
+            <a:r>
+              <a:rPr lang="pl-PL" dirty="0"/>
+              <a:t> do innej funkcji bądź nawet zwrócone z innej funkcji.</a:t>
+            </a:r>
+          </a:p>
+          <a:p>
+            <a:r>
+              <a:rPr lang="pl-PL" b="1" dirty="0" err="1"/>
+              <a:t>Pure</a:t>
+            </a:r>
+            <a:r>
+              <a:rPr lang="pl-PL" b="1" dirty="0"/>
+              <a:t> </a:t>
+            </a:r>
+            <a:r>
+              <a:rPr lang="pl-PL" b="1" dirty="0" err="1"/>
+              <a:t>functions</a:t>
+            </a:r>
+            <a:r>
+              <a:rPr lang="pl-PL" b="1" dirty="0"/>
+              <a:t> </a:t>
+            </a:r>
+            <a:r>
+              <a:rPr lang="pl-PL" dirty="0"/>
+              <a:t>– nie maja </a:t>
+            </a:r>
+            <a:r>
+              <a:rPr lang="pl-PL" dirty="0" err="1"/>
+              <a:t>side</a:t>
+            </a:r>
+            <a:r>
+              <a:rPr lang="pl-PL" dirty="0"/>
+              <a:t> </a:t>
+            </a:r>
+            <a:r>
+              <a:rPr lang="pl-PL" dirty="0" err="1"/>
+              <a:t>effectów</a:t>
+            </a:r>
+            <a:r>
+              <a:rPr lang="pl-PL" dirty="0"/>
+              <a:t>, czyli nie modyfikują stanu, są </a:t>
+            </a:r>
+            <a:r>
+              <a:rPr lang="pl-PL" dirty="0" err="1"/>
+              <a:t>stateless</a:t>
+            </a:r>
+            <a:endParaRPr lang="pl-PL" dirty="0"/>
+          </a:p>
+          <a:p>
+            <a:r>
+              <a:rPr lang="pl-PL" b="1" dirty="0"/>
+              <a:t>High-order </a:t>
+            </a:r>
+            <a:r>
+              <a:rPr lang="pl-PL" b="1" dirty="0" err="1"/>
+              <a:t>funcions</a:t>
+            </a:r>
+            <a:r>
+              <a:rPr lang="pl-PL" b="1" dirty="0"/>
+              <a:t> </a:t>
+            </a:r>
+            <a:r>
+              <a:rPr lang="pl-PL" dirty="0"/>
+              <a:t>– przyjmują w argumencie inna funkcje bądź zwracają funkcje. Najbardziej znane to </a:t>
+            </a:r>
+            <a:r>
+              <a:rPr lang="pl-PL" sz="1200" b="0" i="0" u="none" strike="noStrike" kern="1200" baseline="0" dirty="0">
+                <a:solidFill>
+                  <a:schemeClr val="tx1"/>
+                </a:solidFill>
+                <a:latin typeface="+mn-lt"/>
+                <a:ea typeface="+mn-ea"/>
+                <a:cs typeface="+mn-cs"/>
               </a:rPr>
-              <a:t>&lt;</a:t>
-            </a:r>
-            <a:r>
-              <a:rPr lang="pl-PL" sz="1200" dirty="0" err="1">
-                <a:latin typeface="Courier New" panose="02070309020205020404" pitchFamily="49" charset="0"/>
-                <a:cs typeface="Courier New" panose="02070309020205020404" pitchFamily="49" charset="0"/>
+              <a:t>map() i </a:t>
+            </a:r>
+            <a:r>
+              <a:rPr lang="pl-PL" sz="1200" b="0" i="0" u="none" strike="noStrike" kern="1200" baseline="0" dirty="0" err="1">
+                <a:solidFill>
+                  <a:schemeClr val="tx1"/>
+                </a:solidFill>
+                <a:latin typeface="+mn-lt"/>
+                <a:ea typeface="+mn-ea"/>
+                <a:cs typeface="+mn-cs"/>
               </a:rPr>
-              <a:t>expression</a:t>
-            </a:r>
-            <a:r>
-              <a:rPr lang="pl-PL" sz="1200" dirty="0">
-                <a:latin typeface="Courier New" panose="02070309020205020404" pitchFamily="49" charset="0"/>
-                <a:cs typeface="Courier New" panose="02070309020205020404" pitchFamily="49" charset="0"/>
+              <a:t>reduce</a:t>
+            </a:r>
+            <a:r>
+              <a:rPr lang="pl-PL" sz="1200" b="0" i="0" u="none" strike="noStrike" kern="1200" baseline="0" dirty="0">
+                <a:solidFill>
+                  <a:schemeClr val="tx1"/>
+                </a:solidFill>
+                <a:latin typeface="+mn-lt"/>
+                <a:ea typeface="+mn-ea"/>
+                <a:cs typeface="+mn-cs"/>
               </a:rPr>
-              <a:t>&gt; </a:t>
-            </a:r>
-            <a:r>
-              <a:rPr lang="pl-PL" sz="1200" dirty="0" err="1">
-                <a:latin typeface="Courier New" panose="02070309020205020404" pitchFamily="49" charset="0"/>
-                <a:cs typeface="Courier New" panose="02070309020205020404" pitchFamily="49" charset="0"/>
+              <a:t>().</a:t>
+            </a:r>
+          </a:p>
+          <a:p>
+            <a:endParaRPr lang="pl-PL" sz="1200" b="0" i="0" u="none" strike="noStrike" kern="1200" baseline="0" dirty="0">
+              <a:solidFill>
+                <a:schemeClr val="tx1"/>
+              </a:solidFill>
+              <a:latin typeface="+mn-lt"/>
+              <a:ea typeface="+mn-ea"/>
+              <a:cs typeface="+mn-cs"/>
+            </a:endParaRPr>
+          </a:p>
+          <a:p>
+            <a:r>
+              <a:rPr lang="pl-PL" sz="1200" b="0" i="0" u="none" strike="noStrike" kern="1200" baseline="0" dirty="0">
+                <a:solidFill>
+                  <a:schemeClr val="tx1"/>
+                </a:solidFill>
+                <a:latin typeface="+mn-lt"/>
+                <a:ea typeface="+mn-ea"/>
+                <a:cs typeface="+mn-cs"/>
               </a:rPr>
-              <a:t>match</a:t>
-            </a:r>
-            <a:r>
-              <a:rPr lang="pl-PL" sz="1200" dirty="0">
-                <a:latin typeface="Courier New" panose="02070309020205020404" pitchFamily="49" charset="0"/>
-                <a:cs typeface="Courier New" panose="02070309020205020404" pitchFamily="49" charset="0"/>
+              <a:t>The map() </a:t>
+            </a:r>
+            <a:r>
+              <a:rPr lang="pl-PL" sz="1200" b="0" i="0" u="none" strike="noStrike" kern="1200" baseline="0" dirty="0" err="1">
+                <a:solidFill>
+                  <a:schemeClr val="tx1"/>
+                </a:solidFill>
+                <a:latin typeface="+mn-lt"/>
+                <a:ea typeface="+mn-ea"/>
+                <a:cs typeface="+mn-cs"/>
               </a:rPr>
-              <a:t> {</a:t>
-            </a:r>
-          </a:p>
-          <a:p>
-            <a:pPr marL="0" indent="0">
-              <a:buNone/>
-            </a:pPr>
-            <a:r>
-              <a:rPr lang="pl-PL" sz="1200" dirty="0" err="1">
-                <a:latin typeface="Courier New" panose="02070309020205020404" pitchFamily="49" charset="0"/>
-                <a:cs typeface="Courier New" panose="02070309020205020404" pitchFamily="49" charset="0"/>
+              <a:t>higher</a:t>
+            </a:r>
+            <a:r>
+              <a:rPr lang="pl-PL" sz="1200" b="0" i="0" u="none" strike="noStrike" kern="1200" baseline="0" dirty="0">
+                <a:solidFill>
+                  <a:schemeClr val="tx1"/>
+                </a:solidFill>
+                <a:latin typeface="+mn-lt"/>
+                <a:ea typeface="+mn-ea"/>
+                <a:cs typeface="+mn-cs"/>
               </a:rPr>
-              <a:t>case</a:t>
-            </a:r>
-            <a:r>
-              <a:rPr lang="pl-PL" sz="1200" dirty="0">
-                <a:latin typeface="Courier New" panose="02070309020205020404" pitchFamily="49" charset="0"/>
-                <a:cs typeface="Courier New" panose="02070309020205020404" pitchFamily="49" charset="0"/>
+              <a:t>-order </a:t>
+            </a:r>
+            <a:r>
+              <a:rPr lang="pl-PL" sz="1200" b="0" i="0" u="none" strike="noStrike" kern="1200" baseline="0" dirty="0" err="1">
+                <a:solidFill>
+                  <a:schemeClr val="tx1"/>
+                </a:solidFill>
+                <a:latin typeface="+mn-lt"/>
+                <a:ea typeface="+mn-ea"/>
+                <a:cs typeface="+mn-cs"/>
               </a:rPr>
-              <a:t> &lt;</a:t>
-            </a:r>
-            <a:r>
-              <a:rPr lang="pl-PL" sz="1200" dirty="0" err="1">
-                <a:latin typeface="Courier New" panose="02070309020205020404" pitchFamily="49" charset="0"/>
-                <a:cs typeface="Courier New" panose="02070309020205020404" pitchFamily="49" charset="0"/>
-              </a:rPr>
-              <a:t>pattern</a:t>
-            </a:r>
-            <a:r>
-              <a:rPr lang="pl-PL" sz="1200" dirty="0">
-                <a:latin typeface="Courier New" panose="02070309020205020404" pitchFamily="49" charset="0"/>
-                <a:cs typeface="Courier New" panose="02070309020205020404" pitchFamily="49" charset="0"/>
+              <a:t>function</a:t>
+            </a:r>
+            <a:r>
+              <a:rPr lang="pl-PL" sz="1200" b="0" i="0" u="none" strike="noStrike" kern="1200" baseline="0" dirty="0">
+                <a:solidFill>
+                  <a:schemeClr val="tx1"/>
+                </a:solidFill>
+                <a:latin typeface="+mn-lt"/>
+                <a:ea typeface="+mn-ea"/>
+                <a:cs typeface="+mn-cs"/>
               </a:rPr>
               <a:t> </a:t>
             </a:r>
             <a:r>
-              <a:rPr lang="pl-PL" sz="1200" dirty="0" err="1">
-                <a:latin typeface="Courier New" panose="02070309020205020404" pitchFamily="49" charset="0"/>
-                <a:cs typeface="Courier New" panose="02070309020205020404" pitchFamily="49" charset="0"/>
+              <a:rPr lang="en-US" sz="1200" b="0" i="0" u="none" strike="noStrike" kern="1200" baseline="0" dirty="0">
+                <a:solidFill>
+                  <a:schemeClr val="tx1"/>
+                </a:solidFill>
+                <a:latin typeface="+mn-lt"/>
+                <a:ea typeface="+mn-ea"/>
+                <a:cs typeface="+mn-cs"/>
               </a:rPr>
-              <a:t>match</a:t>
-            </a:r>
-            <a:r>
-              <a:rPr lang="pl-PL" sz="1200" dirty="0">
-                <a:latin typeface="Courier New" panose="02070309020205020404" pitchFamily="49" charset="0"/>
-                <a:cs typeface="Courier New" panose="02070309020205020404" pitchFamily="49" charset="0"/>
+              <a:t>takes a function parameter and uses it to convert one or more items to a new value</a:t>
+            </a:r>
+            <a:r>
+              <a:rPr lang="pl-PL" sz="1200" b="0" i="0" u="none" strike="noStrike" kern="1200" baseline="0" dirty="0">
+                <a:solidFill>
+                  <a:schemeClr val="tx1"/>
+                </a:solidFill>
+                <a:latin typeface="+mn-lt"/>
+                <a:ea typeface="+mn-ea"/>
+                <a:cs typeface="+mn-cs"/>
               </a:rPr>
-              <a:t>&gt; =&gt; &lt;</a:t>
-            </a:r>
-            <a:r>
-              <a:rPr lang="pl-PL" sz="1200" dirty="0" err="1">
-                <a:latin typeface="Courier New" panose="02070309020205020404" pitchFamily="49" charset="0"/>
-                <a:cs typeface="Courier New" panose="02070309020205020404" pitchFamily="49" charset="0"/>
+              <a:t> </a:t>
+            </a:r>
+            <a:r>
+              <a:rPr lang="en-US" sz="1200" b="0" i="0" u="none" strike="noStrike" kern="1200" baseline="0" dirty="0">
+                <a:solidFill>
+                  <a:schemeClr val="tx1"/>
+                </a:solidFill>
+                <a:latin typeface="+mn-lt"/>
+                <a:ea typeface="+mn-ea"/>
+                <a:cs typeface="+mn-cs"/>
               </a:rPr>
-              <a:t>expression</a:t>
-            </a:r>
-            <a:r>
-              <a:rPr lang="pl-PL" sz="1200" dirty="0">
-                <a:latin typeface="Courier New" panose="02070309020205020404" pitchFamily="49" charset="0"/>
-                <a:cs typeface="Courier New" panose="02070309020205020404" pitchFamily="49" charset="0"/>
+              <a:t>and/or type. </a:t>
+            </a:r>
+            <a:endParaRPr lang="pl-PL" sz="1200" b="0" i="0" u="none" strike="noStrike" kern="1200" baseline="0" dirty="0">
+              <a:solidFill>
+                <a:schemeClr val="tx1"/>
+              </a:solidFill>
+              <a:latin typeface="+mn-lt"/>
+              <a:ea typeface="+mn-ea"/>
+              <a:cs typeface="+mn-cs"/>
+            </a:endParaRPr>
+          </a:p>
+          <a:p>
+            <a:r>
+              <a:rPr lang="en-US" sz="1200" b="0" i="0" u="none" strike="noStrike" kern="1200" baseline="0" dirty="0">
+                <a:solidFill>
+                  <a:schemeClr val="tx1"/>
+                </a:solidFill>
+                <a:latin typeface="+mn-lt"/>
+                <a:ea typeface="+mn-ea"/>
+                <a:cs typeface="+mn-cs"/>
               </a:rPr>
-              <a:t>&gt;</a:t>
-            </a:r>
-          </a:p>
-          <a:p>
-            <a:pPr marL="0" indent="0">
-              <a:buNone/>
-            </a:pPr>
-            <a:r>
-              <a:rPr lang="pl-PL" sz="1200" dirty="0">
-                <a:latin typeface="Courier New" panose="02070309020205020404" pitchFamily="49" charset="0"/>
-                <a:cs typeface="Courier New" panose="02070309020205020404" pitchFamily="49" charset="0"/>
+              <a:t>The reduce() higher-order function takes a function parameter and uses</a:t>
+            </a:r>
+            <a:r>
+              <a:rPr lang="pl-PL" sz="1200" b="0" i="0" u="none" strike="noStrike" kern="1200" baseline="0" dirty="0">
+                <a:solidFill>
+                  <a:schemeClr val="tx1"/>
+                </a:solidFill>
+                <a:latin typeface="+mn-lt"/>
+                <a:ea typeface="+mn-ea"/>
+                <a:cs typeface="+mn-cs"/>
               </a:rPr>
-              <a:t>[</a:t>
-            </a:r>
-            <a:r>
-              <a:rPr lang="pl-PL" sz="1200" dirty="0" err="1">
-                <a:latin typeface="Courier New" panose="02070309020205020404" pitchFamily="49" charset="0"/>
-                <a:cs typeface="Courier New" panose="02070309020205020404" pitchFamily="49" charset="0"/>
+              <a:t> </a:t>
+            </a:r>
+            <a:r>
+              <a:rPr lang="en-US" sz="1200" b="0" i="0" u="none" strike="noStrike" kern="1200" baseline="0" dirty="0">
+                <a:solidFill>
+                  <a:schemeClr val="tx1"/>
+                </a:solidFill>
+                <a:latin typeface="+mn-lt"/>
+                <a:ea typeface="+mn-ea"/>
+                <a:cs typeface="+mn-cs"/>
               </a:rPr>
-              <a:t>case</a:t>
-            </a:r>
-            <a:r>
-              <a:rPr lang="pl-PL" sz="1200" dirty="0">
-                <a:latin typeface="Courier New" panose="02070309020205020404" pitchFamily="49" charset="0"/>
-                <a:cs typeface="Courier New" panose="02070309020205020404" pitchFamily="49" charset="0"/>
+              <a:t>it to reduce a collection of multiple items down to a single item.</a:t>
+            </a:r>
+            <a:endParaRPr lang="pl-PL" sz="1200" b="0" i="0" u="none" strike="noStrike" kern="1200" baseline="0" dirty="0">
+              <a:solidFill>
+                <a:schemeClr val="tx1"/>
+              </a:solidFill>
+              <a:latin typeface="+mn-lt"/>
+              <a:ea typeface="+mn-ea"/>
+              <a:cs typeface="+mn-cs"/>
+            </a:endParaRPr>
+          </a:p>
+          <a:p>
+            <a:endParaRPr lang="pl-PL" sz="1200" b="0" i="0" u="none" strike="noStrike" kern="1200" baseline="0" dirty="0">
+              <a:solidFill>
+                <a:schemeClr val="tx1"/>
+              </a:solidFill>
+              <a:latin typeface="+mn-lt"/>
+              <a:ea typeface="+mn-ea"/>
+              <a:cs typeface="+mn-cs"/>
+            </a:endParaRPr>
+          </a:p>
+          <a:p>
+            <a:r>
+              <a:rPr lang="en-US" sz="1200" b="0" i="0" u="none" strike="noStrike" kern="1200" baseline="0" dirty="0">
+                <a:solidFill>
+                  <a:schemeClr val="tx1"/>
+                </a:solidFill>
+                <a:latin typeface="+mn-lt"/>
+                <a:ea typeface="+mn-ea"/>
+                <a:cs typeface="+mn-cs"/>
               </a:rPr>
-              <a:t>...]</a:t>
-            </a:r>
-          </a:p>
-          <a:p>
-            <a:pPr marL="0" indent="0">
-              <a:buNone/>
-            </a:pPr>
-            <a:r>
-              <a:rPr lang="pl-PL" sz="1200" dirty="0">
-                <a:latin typeface="Courier New" panose="02070309020205020404" pitchFamily="49" charset="0"/>
-                <a:cs typeface="Courier New" panose="02070309020205020404" pitchFamily="49" charset="0"/>
+              <a:t>The popular Map/Reduce computing paradigm uses this concept to tackle large computing challenges, by</a:t>
+            </a:r>
+          </a:p>
+          <a:p>
+            <a:r>
+              <a:rPr lang="en-US" sz="1200" b="0" i="0" u="none" strike="noStrike" kern="1200" baseline="0" dirty="0">
+                <a:solidFill>
+                  <a:schemeClr val="tx1"/>
+                </a:solidFill>
+                <a:latin typeface="+mn-lt"/>
+                <a:ea typeface="+mn-ea"/>
+                <a:cs typeface="+mn-cs"/>
               </a:rPr>
-              <a:t>}</a:t>
-            </a:r>
-            <a:endParaRPr lang="pl-PL" sz="2000" dirty="0">
-              <a:latin typeface="Courier New" panose="02070309020205020404" pitchFamily="49" charset="0"/>
-              <a:cs typeface="Courier New" panose="02070309020205020404" pitchFamily="49" charset="0"/>
-            </a:endParaRPr>
-          </a:p>
-          <a:p>
+              <a:t>mapping the computation across a range of distributed nodes and reducing their results</a:t>
+            </a:r>
+            <a:r>
+              <a:rPr lang="pl-PL" sz="1200" b="0" i="0" u="none" strike="noStrike" kern="1200" baseline="0" dirty="0">
+                <a:solidFill>
+                  <a:schemeClr val="tx1"/>
+                </a:solidFill>
+                <a:latin typeface="+mn-lt"/>
+                <a:ea typeface="+mn-ea"/>
+                <a:cs typeface="+mn-cs"/>
+              </a:rPr>
+              <a:t> </a:t>
+            </a:r>
+            <a:r>
+              <a:rPr lang="en-US" sz="1200" b="0" i="0" u="none" strike="noStrike" kern="1200" baseline="0" dirty="0">
+                <a:solidFill>
+                  <a:schemeClr val="tx1"/>
+                </a:solidFill>
+                <a:latin typeface="+mn-lt"/>
+                <a:ea typeface="+mn-ea"/>
+                <a:cs typeface="+mn-cs"/>
+              </a:rPr>
+              <a:t>back to a meaningful size.</a:t>
+            </a:r>
             <a:endParaRPr lang="pl-PL" dirty="0"/>
           </a:p>
         </p:txBody>
@@ -2651,7 +3064,7 @@
     </p:spTree>
     <p:extLst>
       <p:ext uri="{BB962C8B-B14F-4D97-AF65-F5344CB8AC3E}">
-        <p14:creationId xmlns:p14="http://schemas.microsoft.com/office/powerpoint/2010/main" val="3272114557"/>
+        <p14:creationId xmlns:p14="http://schemas.microsoft.com/office/powerpoint/2010/main" val="1359792266"/>
       </p:ext>
     </p:extLst>
   </p:cSld>
@@ -2705,414 +3118,6 @@
           <a:bodyPr/>
           <a:lstStyle/>
           <a:p>
-            <a:r>
-              <a:rPr lang="pl-PL" dirty="0"/>
-              <a:t>First </a:t>
-            </a:r>
-            <a:r>
-              <a:rPr lang="pl-PL" dirty="0" err="1"/>
-              <a:t>class</a:t>
-            </a:r>
-            <a:r>
-              <a:rPr lang="pl-PL" dirty="0"/>
-              <a:t> </a:t>
-            </a:r>
-            <a:r>
-              <a:rPr lang="pl-PL" dirty="0" err="1"/>
-              <a:t>citizien</a:t>
-            </a:r>
-            <a:r>
-              <a:rPr lang="pl-PL" dirty="0"/>
-              <a:t> – </a:t>
-            </a:r>
-            <a:r>
-              <a:rPr lang="pl-PL" dirty="0" err="1"/>
-              <a:t>sa</a:t>
-            </a:r>
-            <a:r>
-              <a:rPr lang="pl-PL" dirty="0"/>
-              <a:t> wszechobecne, nie są tylko </a:t>
-            </a:r>
-            <a:r>
-              <a:rPr lang="pl-PL" dirty="0" err="1"/>
-              <a:t>delarowane</a:t>
-            </a:r>
-            <a:r>
-              <a:rPr lang="pl-PL" dirty="0"/>
-              <a:t> i wykonywane ale mogą być </a:t>
-            </a:r>
-            <a:r>
-              <a:rPr lang="pl-PL" dirty="0" err="1"/>
-              <a:t>uzyte</a:t>
-            </a:r>
-            <a:r>
-              <a:rPr lang="pl-PL" dirty="0"/>
-              <a:t> jako po </a:t>
-            </a:r>
-            <a:r>
-              <a:rPr lang="pl-PL" dirty="0" err="1"/>
-              <a:t>prstu</a:t>
-            </a:r>
-            <a:r>
-              <a:rPr lang="pl-PL" dirty="0"/>
-              <a:t> typ danych.</a:t>
-            </a:r>
-          </a:p>
-          <a:p>
-            <a:r>
-              <a:rPr lang="pl-PL" dirty="0"/>
-              <a:t>Mogą wiec być </a:t>
-            </a:r>
-            <a:r>
-              <a:rPr lang="pl-PL" dirty="0" err="1"/>
-              <a:t>zdefinowane</a:t>
-            </a:r>
-            <a:r>
-              <a:rPr lang="pl-PL" dirty="0"/>
-              <a:t> jako literał, jako literał bez nazwy (czyli to co znamy z </a:t>
-            </a:r>
-            <a:r>
-              <a:rPr lang="pl-PL" dirty="0" err="1"/>
-              <a:t>javy</a:t>
-            </a:r>
-            <a:r>
-              <a:rPr lang="pl-PL" dirty="0"/>
-              <a:t> </a:t>
-            </a:r>
-            <a:r>
-              <a:rPr lang="pl-PL" dirty="0" err="1"/>
-              <a:t>javascirpt</a:t>
-            </a:r>
-            <a:r>
-              <a:rPr lang="pl-PL" dirty="0"/>
-              <a:t> jako </a:t>
-            </a:r>
-            <a:r>
-              <a:rPr lang="pl-PL" dirty="0" err="1"/>
-              <a:t>lampda</a:t>
-            </a:r>
-            <a:r>
-              <a:rPr lang="pl-PL" dirty="0"/>
-              <a:t>, bądź anonimowa funkcja), mogą być zapisane jako </a:t>
-            </a:r>
-            <a:r>
-              <a:rPr lang="pl-PL" dirty="0" err="1"/>
-              <a:t>value</a:t>
-            </a:r>
-            <a:r>
-              <a:rPr lang="pl-PL" dirty="0"/>
-              <a:t> bądź </a:t>
-            </a:r>
-            <a:r>
-              <a:rPr lang="pl-PL" dirty="0" err="1"/>
-              <a:t>variable</a:t>
-            </a:r>
-            <a:r>
-              <a:rPr lang="pl-PL" dirty="0"/>
-              <a:t> oraz </a:t>
-            </a:r>
-            <a:r>
-              <a:rPr lang="pl-PL" dirty="0" err="1"/>
-              <a:t>uzyte</a:t>
-            </a:r>
-            <a:r>
-              <a:rPr lang="pl-PL" dirty="0"/>
-              <a:t> jako </a:t>
-            </a:r>
-            <a:r>
-              <a:rPr lang="pl-PL" dirty="0" err="1"/>
-              <a:t>paramter</a:t>
-            </a:r>
-            <a:r>
-              <a:rPr lang="pl-PL" dirty="0"/>
-              <a:t> do innej funkcji bądź nawet zwrócone z innej funkcji.</a:t>
-            </a:r>
-          </a:p>
-          <a:p>
-            <a:r>
-              <a:rPr lang="pl-PL" dirty="0" err="1"/>
-              <a:t>Pure</a:t>
-            </a:r>
-            <a:r>
-              <a:rPr lang="pl-PL" dirty="0"/>
-              <a:t> </a:t>
-            </a:r>
-            <a:r>
-              <a:rPr lang="pl-PL" dirty="0" err="1"/>
-              <a:t>functions</a:t>
-            </a:r>
-            <a:r>
-              <a:rPr lang="pl-PL" dirty="0"/>
-              <a:t> – nie maja </a:t>
-            </a:r>
-            <a:r>
-              <a:rPr lang="pl-PL" dirty="0" err="1"/>
-              <a:t>side</a:t>
-            </a:r>
-            <a:r>
-              <a:rPr lang="pl-PL" dirty="0"/>
-              <a:t> </a:t>
-            </a:r>
-            <a:r>
-              <a:rPr lang="pl-PL" dirty="0" err="1"/>
-              <a:t>effectów</a:t>
-            </a:r>
-            <a:r>
-              <a:rPr lang="pl-PL" dirty="0"/>
-              <a:t>, czyli nie modyfikują stanu, są </a:t>
-            </a:r>
-            <a:r>
-              <a:rPr lang="pl-PL" dirty="0" err="1"/>
-              <a:t>stateless</a:t>
-            </a:r>
-            <a:endParaRPr lang="pl-PL" dirty="0"/>
-          </a:p>
-          <a:p>
-            <a:r>
-              <a:rPr lang="pl-PL" dirty="0"/>
-              <a:t>High-order </a:t>
-            </a:r>
-            <a:r>
-              <a:rPr lang="pl-PL" dirty="0" err="1"/>
-              <a:t>funcions</a:t>
-            </a:r>
-            <a:r>
-              <a:rPr lang="pl-PL" dirty="0"/>
-              <a:t> – przyjmują w argumencie inna funkcje bądź zwracają funkcje. Najbardziej znane to </a:t>
-            </a:r>
-            <a:r>
-              <a:rPr lang="pl-PL" sz="1200" b="0" i="0" u="none" strike="noStrike" kern="1200" baseline="0" dirty="0">
-                <a:solidFill>
-                  <a:schemeClr val="tx1"/>
-                </a:solidFill>
-                <a:latin typeface="+mn-lt"/>
-                <a:ea typeface="+mn-ea"/>
-                <a:cs typeface="+mn-cs"/>
-              </a:rPr>
-              <a:t>map() i </a:t>
-            </a:r>
-            <a:r>
-              <a:rPr lang="pl-PL" sz="1200" b="0" i="0" u="none" strike="noStrike" kern="1200" baseline="0" dirty="0" err="1">
-                <a:solidFill>
-                  <a:schemeClr val="tx1"/>
-                </a:solidFill>
-                <a:latin typeface="+mn-lt"/>
-                <a:ea typeface="+mn-ea"/>
-                <a:cs typeface="+mn-cs"/>
-              </a:rPr>
-              <a:t>reduce</a:t>
-            </a:r>
-            <a:r>
-              <a:rPr lang="pl-PL" sz="1200" b="0" i="0" u="none" strike="noStrike" kern="1200" baseline="0" dirty="0">
-                <a:solidFill>
-                  <a:schemeClr val="tx1"/>
-                </a:solidFill>
-                <a:latin typeface="+mn-lt"/>
-                <a:ea typeface="+mn-ea"/>
-                <a:cs typeface="+mn-cs"/>
-              </a:rPr>
-              <a:t>().</a:t>
-            </a:r>
-          </a:p>
-          <a:p>
-            <a:endParaRPr lang="pl-PL" sz="1200" b="0" i="0" u="none" strike="noStrike" kern="1200" baseline="0" dirty="0">
-              <a:solidFill>
-                <a:schemeClr val="tx1"/>
-              </a:solidFill>
-              <a:latin typeface="+mn-lt"/>
-              <a:ea typeface="+mn-ea"/>
-              <a:cs typeface="+mn-cs"/>
-            </a:endParaRPr>
-          </a:p>
-          <a:p>
-            <a:r>
-              <a:rPr lang="pl-PL" sz="1200" b="0" i="0" u="none" strike="noStrike" kern="1200" baseline="0" dirty="0">
-                <a:solidFill>
-                  <a:schemeClr val="tx1"/>
-                </a:solidFill>
-                <a:latin typeface="+mn-lt"/>
-                <a:ea typeface="+mn-ea"/>
-                <a:cs typeface="+mn-cs"/>
-              </a:rPr>
-              <a:t>The map() </a:t>
-            </a:r>
-            <a:r>
-              <a:rPr lang="pl-PL" sz="1200" b="0" i="0" u="none" strike="noStrike" kern="1200" baseline="0" dirty="0" err="1">
-                <a:solidFill>
-                  <a:schemeClr val="tx1"/>
-                </a:solidFill>
-                <a:latin typeface="+mn-lt"/>
-                <a:ea typeface="+mn-ea"/>
-                <a:cs typeface="+mn-cs"/>
-              </a:rPr>
-              <a:t>higher</a:t>
-            </a:r>
-            <a:r>
-              <a:rPr lang="pl-PL" sz="1200" b="0" i="0" u="none" strike="noStrike" kern="1200" baseline="0" dirty="0">
-                <a:solidFill>
-                  <a:schemeClr val="tx1"/>
-                </a:solidFill>
-                <a:latin typeface="+mn-lt"/>
-                <a:ea typeface="+mn-ea"/>
-                <a:cs typeface="+mn-cs"/>
-              </a:rPr>
-              <a:t>-order </a:t>
-            </a:r>
-            <a:r>
-              <a:rPr lang="pl-PL" sz="1200" b="0" i="0" u="none" strike="noStrike" kern="1200" baseline="0" dirty="0" err="1">
-                <a:solidFill>
-                  <a:schemeClr val="tx1"/>
-                </a:solidFill>
-                <a:latin typeface="+mn-lt"/>
-                <a:ea typeface="+mn-ea"/>
-                <a:cs typeface="+mn-cs"/>
-              </a:rPr>
-              <a:t>function</a:t>
-            </a:r>
-            <a:r>
-              <a:rPr lang="pl-PL" sz="1200" b="0" i="0" u="none" strike="noStrike" kern="1200" baseline="0" dirty="0">
-                <a:solidFill>
-                  <a:schemeClr val="tx1"/>
-                </a:solidFill>
-                <a:latin typeface="+mn-lt"/>
-                <a:ea typeface="+mn-ea"/>
-                <a:cs typeface="+mn-cs"/>
-              </a:rPr>
-              <a:t> </a:t>
-            </a:r>
-            <a:r>
-              <a:rPr lang="en-US" sz="1200" b="0" i="0" u="none" strike="noStrike" kern="1200" baseline="0" dirty="0">
-                <a:solidFill>
-                  <a:schemeClr val="tx1"/>
-                </a:solidFill>
-                <a:latin typeface="+mn-lt"/>
-                <a:ea typeface="+mn-ea"/>
-                <a:cs typeface="+mn-cs"/>
-              </a:rPr>
-              <a:t>takes a function parameter and uses it to convert one or more items to a new value</a:t>
-            </a:r>
-          </a:p>
-          <a:p>
-            <a:r>
-              <a:rPr lang="en-US" sz="1200" b="0" i="0" u="none" strike="noStrike" kern="1200" baseline="0" dirty="0">
-                <a:solidFill>
-                  <a:schemeClr val="tx1"/>
-                </a:solidFill>
-                <a:latin typeface="+mn-lt"/>
-                <a:ea typeface="+mn-ea"/>
-                <a:cs typeface="+mn-cs"/>
-              </a:rPr>
-              <a:t>and/or type. </a:t>
-            </a:r>
-            <a:endParaRPr lang="pl-PL" sz="1200" b="0" i="0" u="none" strike="noStrike" kern="1200" baseline="0" dirty="0">
-              <a:solidFill>
-                <a:schemeClr val="tx1"/>
-              </a:solidFill>
-              <a:latin typeface="+mn-lt"/>
-              <a:ea typeface="+mn-ea"/>
-              <a:cs typeface="+mn-cs"/>
-            </a:endParaRPr>
-          </a:p>
-          <a:p>
-            <a:r>
-              <a:rPr lang="en-US" sz="1200" b="0" i="0" u="none" strike="noStrike" kern="1200" baseline="0" dirty="0">
-                <a:solidFill>
-                  <a:schemeClr val="tx1"/>
-                </a:solidFill>
-                <a:latin typeface="+mn-lt"/>
-                <a:ea typeface="+mn-ea"/>
-                <a:cs typeface="+mn-cs"/>
-              </a:rPr>
-              <a:t>The reduce() higher-order function takes a function parameter and uses</a:t>
-            </a:r>
-            <a:r>
-              <a:rPr lang="pl-PL" sz="1200" b="0" i="0" u="none" strike="noStrike" kern="1200" baseline="0" dirty="0">
-                <a:solidFill>
-                  <a:schemeClr val="tx1"/>
-                </a:solidFill>
-                <a:latin typeface="+mn-lt"/>
-                <a:ea typeface="+mn-ea"/>
-                <a:cs typeface="+mn-cs"/>
-              </a:rPr>
-              <a:t> </a:t>
-            </a:r>
-            <a:r>
-              <a:rPr lang="en-US" sz="1200" b="0" i="0" u="none" strike="noStrike" kern="1200" baseline="0" dirty="0">
-                <a:solidFill>
-                  <a:schemeClr val="tx1"/>
-                </a:solidFill>
-                <a:latin typeface="+mn-lt"/>
-                <a:ea typeface="+mn-ea"/>
-                <a:cs typeface="+mn-cs"/>
-              </a:rPr>
-              <a:t>it to reduce a collection of multiple items down to a single item.</a:t>
-            </a:r>
-            <a:endParaRPr lang="pl-PL" sz="1200" b="0" i="0" u="none" strike="noStrike" kern="1200" baseline="0" dirty="0">
-              <a:solidFill>
-                <a:schemeClr val="tx1"/>
-              </a:solidFill>
-              <a:latin typeface="+mn-lt"/>
-              <a:ea typeface="+mn-ea"/>
-              <a:cs typeface="+mn-cs"/>
-            </a:endParaRPr>
-          </a:p>
-          <a:p>
-            <a:endParaRPr lang="pl-PL" sz="1200" b="0" i="0" u="none" strike="noStrike" kern="1200" baseline="0" dirty="0">
-              <a:solidFill>
-                <a:schemeClr val="tx1"/>
-              </a:solidFill>
-              <a:latin typeface="+mn-lt"/>
-              <a:ea typeface="+mn-ea"/>
-              <a:cs typeface="+mn-cs"/>
-            </a:endParaRPr>
-          </a:p>
-          <a:p>
-            <a:r>
-              <a:rPr lang="en-US" sz="1200" b="0" i="0" u="none" strike="noStrike" kern="1200" baseline="0" dirty="0">
-                <a:solidFill>
-                  <a:schemeClr val="tx1"/>
-                </a:solidFill>
-                <a:latin typeface="+mn-lt"/>
-                <a:ea typeface="+mn-ea"/>
-                <a:cs typeface="+mn-cs"/>
-              </a:rPr>
-              <a:t>The popular Map/Reduce computing paradigm uses this concept to tackle large computing challenges, by</a:t>
-            </a:r>
-          </a:p>
-          <a:p>
-            <a:r>
-              <a:rPr lang="en-US" sz="1200" b="0" i="0" u="none" strike="noStrike" kern="1200" baseline="0" dirty="0">
-                <a:solidFill>
-                  <a:schemeClr val="tx1"/>
-                </a:solidFill>
-                <a:latin typeface="+mn-lt"/>
-                <a:ea typeface="+mn-ea"/>
-                <a:cs typeface="+mn-cs"/>
-              </a:rPr>
-              <a:t>mapping the computation across a range of distributed nodes and reducing their results</a:t>
-            </a:r>
-            <a:r>
-              <a:rPr lang="pl-PL" sz="1200" b="0" i="0" u="none" strike="noStrike" kern="1200" baseline="0" dirty="0">
-                <a:solidFill>
-                  <a:schemeClr val="tx1"/>
-                </a:solidFill>
-                <a:latin typeface="+mn-lt"/>
-                <a:ea typeface="+mn-ea"/>
-                <a:cs typeface="+mn-cs"/>
-              </a:rPr>
-              <a:t> </a:t>
-            </a:r>
-            <a:r>
-              <a:rPr lang="en-US" sz="1200" b="0" i="0" u="none" strike="noStrike" kern="1200" baseline="0" dirty="0">
-                <a:solidFill>
-                  <a:schemeClr val="tx1"/>
-                </a:solidFill>
-                <a:latin typeface="+mn-lt"/>
-                <a:ea typeface="+mn-ea"/>
-                <a:cs typeface="+mn-cs"/>
-              </a:rPr>
-              <a:t>back to a meaningful size.</a:t>
-            </a:r>
             <a:endParaRPr lang="pl-PL" dirty="0"/>
           </a:p>
         </p:txBody>
@@ -3120,7 +3125,7 @@
     </p:spTree>
     <p:extLst>
       <p:ext uri="{BB962C8B-B14F-4D97-AF65-F5344CB8AC3E}">
-        <p14:creationId xmlns:p14="http://schemas.microsoft.com/office/powerpoint/2010/main" val="1359792266"/>
+        <p14:creationId xmlns:p14="http://schemas.microsoft.com/office/powerpoint/2010/main" val="2988260470"/>
       </p:ext>
     </p:extLst>
   </p:cSld>
@@ -3181,7 +3186,7 @@
     </p:spTree>
     <p:extLst>
       <p:ext uri="{BB962C8B-B14F-4D97-AF65-F5344CB8AC3E}">
-        <p14:creationId xmlns:p14="http://schemas.microsoft.com/office/powerpoint/2010/main" val="2988260470"/>
+        <p14:creationId xmlns:p14="http://schemas.microsoft.com/office/powerpoint/2010/main" val="3376764379"/>
       </p:ext>
     </p:extLst>
   </p:cSld>
@@ -3242,7 +3247,7 @@
     </p:spTree>
     <p:extLst>
       <p:ext uri="{BB962C8B-B14F-4D97-AF65-F5344CB8AC3E}">
-        <p14:creationId xmlns:p14="http://schemas.microsoft.com/office/powerpoint/2010/main" val="3376764379"/>
+        <p14:creationId xmlns:p14="http://schemas.microsoft.com/office/powerpoint/2010/main" val="204777013"/>
       </p:ext>
     </p:extLst>
   </p:cSld>
@@ -3303,7 +3308,7 @@
     </p:spTree>
     <p:extLst>
       <p:ext uri="{BB962C8B-B14F-4D97-AF65-F5344CB8AC3E}">
-        <p14:creationId xmlns:p14="http://schemas.microsoft.com/office/powerpoint/2010/main" val="204777013"/>
+        <p14:creationId xmlns:p14="http://schemas.microsoft.com/office/powerpoint/2010/main" val="1578492328"/>
       </p:ext>
     </p:extLst>
   </p:cSld>
@@ -3452,7 +3457,7 @@
     </p:spTree>
     <p:extLst>
       <p:ext uri="{BB962C8B-B14F-4D97-AF65-F5344CB8AC3E}">
-        <p14:creationId xmlns:p14="http://schemas.microsoft.com/office/powerpoint/2010/main" val="1578492328"/>
+        <p14:creationId xmlns:p14="http://schemas.microsoft.com/office/powerpoint/2010/main" val="4005616737"/>
       </p:ext>
     </p:extLst>
   </p:cSld>
@@ -3506,6 +3511,216 @@
           <a:bodyPr/>
           <a:lstStyle/>
           <a:p>
+            <a:r>
+              <a:rPr lang="pl-PL" sz="1200" dirty="0" err="1"/>
+              <a:t>Runs</a:t>
+            </a:r>
+            <a:r>
+              <a:rPr lang="pl-PL" sz="1200" dirty="0"/>
+              <a:t> on </a:t>
+            </a:r>
+            <a:r>
+              <a:rPr lang="pl-PL" sz="1200" dirty="0" err="1"/>
+              <a:t>Hadoop</a:t>
+            </a:r>
+            <a:r>
+              <a:rPr lang="pl-PL" sz="1200" dirty="0"/>
+              <a:t> </a:t>
+            </a:r>
+            <a:r>
+              <a:rPr lang="pl-PL" sz="1200" dirty="0" err="1"/>
+              <a:t>clusters</a:t>
+            </a:r>
+            <a:endParaRPr lang="pl-PL" sz="1200" dirty="0"/>
+          </a:p>
+          <a:p>
+            <a:r>
+              <a:rPr lang="pl-PL" sz="1200" dirty="0" err="1"/>
+              <a:t>Can</a:t>
+            </a:r>
+            <a:r>
+              <a:rPr lang="pl-PL" sz="1200" dirty="0"/>
+              <a:t> </a:t>
+            </a:r>
+            <a:r>
+              <a:rPr lang="pl-PL" sz="1200" dirty="0" err="1"/>
+              <a:t>read</a:t>
+            </a:r>
+            <a:r>
+              <a:rPr lang="pl-PL" sz="1200" dirty="0"/>
+              <a:t> HDFS and </a:t>
+            </a:r>
+            <a:r>
+              <a:rPr lang="pl-PL" sz="1200" dirty="0" err="1"/>
+              <a:t>Hbase</a:t>
+            </a:r>
+            <a:r>
+              <a:rPr lang="pl-PL" sz="1200" dirty="0"/>
+              <a:t>, </a:t>
+            </a:r>
+            <a:r>
+              <a:rPr lang="pl-PL" sz="1200" dirty="0" err="1"/>
+              <a:t>integrate</a:t>
+            </a:r>
+            <a:r>
+              <a:rPr lang="pl-PL" sz="1200" dirty="0"/>
+              <a:t> </a:t>
+            </a:r>
+            <a:r>
+              <a:rPr lang="pl-PL" sz="1200" dirty="0" err="1"/>
+              <a:t>nicely</a:t>
+            </a:r>
+            <a:r>
+              <a:rPr lang="pl-PL" sz="1200" dirty="0"/>
+              <a:t> with </a:t>
+            </a:r>
+            <a:r>
+              <a:rPr lang="pl-PL" sz="1200" dirty="0" err="1"/>
+              <a:t>noSQL</a:t>
+            </a:r>
+            <a:endParaRPr lang="pl-PL" sz="1200" dirty="0"/>
+          </a:p>
+          <a:p>
+            <a:r>
+              <a:rPr lang="pl-PL" sz="1200" dirty="0" err="1"/>
+              <a:t>Supports</a:t>
+            </a:r>
+            <a:r>
+              <a:rPr lang="pl-PL" sz="1200" dirty="0"/>
+              <a:t> </a:t>
+            </a:r>
+            <a:r>
+              <a:rPr lang="pl-PL" sz="1200" dirty="0" err="1"/>
+              <a:t>multiple</a:t>
+            </a:r>
+            <a:r>
+              <a:rPr lang="pl-PL" sz="1200" dirty="0"/>
+              <a:t> data </a:t>
+            </a:r>
+            <a:r>
+              <a:rPr lang="pl-PL" sz="1200" dirty="0" err="1"/>
+              <a:t>formats</a:t>
+            </a:r>
+            <a:r>
+              <a:rPr lang="pl-PL" sz="1200" dirty="0"/>
+              <a:t>, </a:t>
+            </a:r>
+            <a:r>
+              <a:rPr lang="pl-PL" sz="1200" dirty="0" err="1"/>
+              <a:t>starting</a:t>
+            </a:r>
+            <a:r>
+              <a:rPr lang="pl-PL" sz="1200" dirty="0"/>
+              <a:t> from CSV to </a:t>
+            </a:r>
+            <a:r>
+              <a:rPr lang="pl-PL" sz="1200" dirty="0" err="1"/>
+              <a:t>Avro</a:t>
+            </a:r>
+            <a:r>
+              <a:rPr lang="pl-PL" sz="1200" dirty="0"/>
+              <a:t> and </a:t>
+            </a:r>
+            <a:r>
+              <a:rPr lang="pl-PL" sz="1200" dirty="0" err="1"/>
+              <a:t>Parquet</a:t>
+            </a:r>
+            <a:endParaRPr lang="pl-PL" sz="1200" dirty="0"/>
+          </a:p>
+          <a:p>
+            <a:r>
+              <a:rPr lang="en-US" sz="1200" dirty="0"/>
+              <a:t>Deployed on </a:t>
+            </a:r>
+            <a:r>
+              <a:rPr lang="pl-PL" sz="1200" dirty="0"/>
+              <a:t>YARN/</a:t>
+            </a:r>
+            <a:r>
+              <a:rPr lang="en-US" sz="1200" dirty="0"/>
+              <a:t>Mesos</a:t>
+            </a:r>
+            <a:r>
+              <a:rPr lang="pl-PL" sz="1200" dirty="0"/>
+              <a:t> and </a:t>
+            </a:r>
+            <a:r>
+              <a:rPr lang="en-US" sz="1200" dirty="0"/>
+              <a:t>Docker</a:t>
+            </a:r>
+            <a:r>
+              <a:rPr lang="pl-PL" sz="1200" dirty="0"/>
+              <a:t>/</a:t>
+            </a:r>
+            <a:r>
+              <a:rPr lang="pl-PL" sz="1200" dirty="0" err="1"/>
+              <a:t>Kubernetes</a:t>
+            </a:r>
+            <a:r>
+              <a:rPr lang="en-US" sz="1200" dirty="0"/>
+              <a:t> across AWS and Azure</a:t>
+            </a:r>
+            <a:endParaRPr lang="pl-PL" sz="1200" dirty="0"/>
+          </a:p>
+          <a:p>
+            <a:r>
+              <a:rPr lang="pl-PL" sz="1200" dirty="0" err="1"/>
+              <a:t>Can</a:t>
+            </a:r>
+            <a:r>
+              <a:rPr lang="pl-PL" sz="1200" dirty="0"/>
+              <a:t> be </a:t>
+            </a:r>
+            <a:r>
+              <a:rPr lang="pl-PL" sz="1200" dirty="0" err="1"/>
+              <a:t>hosted</a:t>
+            </a:r>
+            <a:r>
+              <a:rPr lang="pl-PL" sz="1200" dirty="0"/>
+              <a:t> on Linux and Win in </a:t>
+            </a:r>
+            <a:r>
+              <a:rPr lang="pl-PL" sz="1200" dirty="0" err="1"/>
+              <a:t>standalone</a:t>
+            </a:r>
+            <a:r>
+              <a:rPr lang="pl-PL" sz="1200" dirty="0"/>
+              <a:t> </a:t>
+            </a:r>
+            <a:r>
+              <a:rPr lang="pl-PL" sz="1200" dirty="0" err="1"/>
+              <a:t>mode</a:t>
+            </a:r>
+            <a:r>
+              <a:rPr lang="pl-PL" sz="1200" dirty="0"/>
+              <a:t> (</a:t>
+            </a:r>
+            <a:r>
+              <a:rPr lang="pl-PL" sz="1200" dirty="0" err="1"/>
+              <a:t>e.g</a:t>
+            </a:r>
+            <a:r>
+              <a:rPr lang="pl-PL" sz="1200" dirty="0"/>
+              <a:t> for </a:t>
+            </a:r>
+            <a:r>
+              <a:rPr lang="pl-PL" sz="1200" dirty="0" err="1"/>
+              <a:t>dev</a:t>
+            </a:r>
+            <a:r>
+              <a:rPr lang="pl-PL" sz="1200" dirty="0"/>
+              <a:t> </a:t>
+            </a:r>
+            <a:r>
+              <a:rPr lang="pl-PL" sz="1200" dirty="0" err="1"/>
+              <a:t>purposes</a:t>
+            </a:r>
+            <a:r>
+              <a:rPr lang="pl-PL" sz="1200" dirty="0"/>
+              <a:t>)</a:t>
+            </a:r>
+          </a:p>
+          <a:p>
             <a:endParaRPr lang="pl-PL" dirty="0"/>
           </a:p>
         </p:txBody>
@@ -3513,7 +3728,7 @@
     </p:spTree>
     <p:extLst>
       <p:ext uri="{BB962C8B-B14F-4D97-AF65-F5344CB8AC3E}">
-        <p14:creationId xmlns:p14="http://schemas.microsoft.com/office/powerpoint/2010/main" val="4005616737"/>
+        <p14:creationId xmlns:p14="http://schemas.microsoft.com/office/powerpoint/2010/main" val="407116076"/>
       </p:ext>
     </p:extLst>
   </p:cSld>
@@ -3568,223 +3783,66 @@
           <a:lstStyle/>
           <a:p>
             <a:r>
-              <a:rPr lang="pl-PL" sz="1200" dirty="0" err="1"/>
-              <a:t>Runs</a:t>
-            </a:r>
-            <a:r>
-              <a:rPr lang="pl-PL" sz="1200" dirty="0"/>
-              <a:t> on </a:t>
-            </a:r>
-            <a:r>
-              <a:rPr lang="pl-PL" sz="1200" dirty="0" err="1"/>
-              <a:t>Hadoop</a:t>
-            </a:r>
-            <a:r>
-              <a:rPr lang="pl-PL" sz="1200" dirty="0"/>
-              <a:t> </a:t>
-            </a:r>
-            <a:r>
-              <a:rPr lang="pl-PL" sz="1200" dirty="0" err="1"/>
-              <a:t>clusters</a:t>
-            </a:r>
-            <a:endParaRPr lang="pl-PL" sz="1200" dirty="0"/>
-          </a:p>
-          <a:p>
-            <a:r>
-              <a:rPr lang="pl-PL" sz="1200" dirty="0" err="1"/>
-              <a:t>Can</a:t>
-            </a:r>
-            <a:r>
-              <a:rPr lang="pl-PL" sz="1200" dirty="0"/>
-              <a:t> </a:t>
-            </a:r>
-            <a:r>
-              <a:rPr lang="pl-PL" sz="1200" dirty="0" err="1"/>
-              <a:t>read</a:t>
-            </a:r>
-            <a:r>
-              <a:rPr lang="pl-PL" sz="1200" dirty="0"/>
-              <a:t> HDFS and </a:t>
-            </a:r>
-            <a:r>
-              <a:rPr lang="pl-PL" sz="1200" dirty="0" err="1"/>
-              <a:t>Hbase</a:t>
-            </a:r>
-            <a:r>
-              <a:rPr lang="pl-PL" sz="1200" dirty="0"/>
-              <a:t>, </a:t>
-            </a:r>
-            <a:r>
-              <a:rPr lang="pl-PL" sz="1200" dirty="0" err="1"/>
-              <a:t>integrate</a:t>
-            </a:r>
-            <a:r>
-              <a:rPr lang="pl-PL" sz="1200" dirty="0"/>
-              <a:t> </a:t>
-            </a:r>
-            <a:r>
-              <a:rPr lang="pl-PL" sz="1200" dirty="0" err="1"/>
-              <a:t>nicely</a:t>
-            </a:r>
-            <a:r>
-              <a:rPr lang="pl-PL" sz="1200" dirty="0"/>
-              <a:t> with </a:t>
-            </a:r>
-            <a:r>
-              <a:rPr lang="pl-PL" sz="1200" dirty="0" err="1"/>
-              <a:t>noSQL</a:t>
-            </a:r>
-            <a:endParaRPr lang="pl-PL" sz="1200" dirty="0"/>
-          </a:p>
-          <a:p>
-            <a:r>
-              <a:rPr lang="pl-PL" sz="1200" dirty="0" err="1"/>
-              <a:t>Supports</a:t>
-            </a:r>
-            <a:r>
-              <a:rPr lang="pl-PL" sz="1200" dirty="0"/>
-              <a:t> </a:t>
-            </a:r>
-            <a:r>
-              <a:rPr lang="pl-PL" sz="1200" dirty="0" err="1"/>
-              <a:t>multiple</a:t>
-            </a:r>
-            <a:r>
-              <a:rPr lang="pl-PL" sz="1200" dirty="0"/>
-              <a:t> data </a:t>
-            </a:r>
-            <a:r>
-              <a:rPr lang="pl-PL" sz="1200" dirty="0" err="1"/>
-              <a:t>formats</a:t>
-            </a:r>
-            <a:r>
-              <a:rPr lang="pl-PL" sz="1200" dirty="0"/>
-              <a:t>, </a:t>
-            </a:r>
-            <a:r>
-              <a:rPr lang="pl-PL" sz="1200" dirty="0" err="1"/>
-              <a:t>starting</a:t>
-            </a:r>
-            <a:r>
-              <a:rPr lang="pl-PL" sz="1200" dirty="0"/>
-              <a:t> from CSV to </a:t>
-            </a:r>
-            <a:r>
-              <a:rPr lang="pl-PL" sz="1200" dirty="0" err="1"/>
-              <a:t>Avro</a:t>
-            </a:r>
-            <a:r>
-              <a:rPr lang="pl-PL" sz="1200" dirty="0"/>
-              <a:t> and </a:t>
-            </a:r>
-            <a:r>
-              <a:rPr lang="pl-PL" sz="1200" dirty="0" err="1"/>
-              <a:t>Parquet</a:t>
-            </a:r>
-            <a:endParaRPr lang="pl-PL" sz="1200" dirty="0"/>
-          </a:p>
-          <a:p>
-            <a:r>
-              <a:rPr lang="en-US" sz="1200" dirty="0"/>
-              <a:t>Deployed on </a:t>
-            </a:r>
-            <a:r>
-              <a:rPr lang="pl-PL" sz="1200" dirty="0"/>
-              <a:t>YARN/</a:t>
-            </a:r>
-            <a:r>
-              <a:rPr lang="en-US" sz="1200" dirty="0"/>
-              <a:t>Mesos</a:t>
-            </a:r>
-            <a:r>
-              <a:rPr lang="pl-PL" sz="1200" dirty="0"/>
-              <a:t> and </a:t>
-            </a:r>
-            <a:r>
-              <a:rPr lang="en-US" sz="1200" dirty="0"/>
-              <a:t>Docker</a:t>
-            </a:r>
-            <a:r>
-              <a:rPr lang="pl-PL" sz="1200" dirty="0"/>
-              <a:t>/</a:t>
-            </a:r>
-            <a:r>
-              <a:rPr lang="pl-PL" sz="1200" dirty="0" err="1"/>
-              <a:t>Kubernetes</a:t>
-            </a:r>
-            <a:r>
-              <a:rPr lang="en-US" sz="1200" dirty="0"/>
-              <a:t> across AWS and Azure</a:t>
-            </a:r>
-            <a:endParaRPr lang="pl-PL" sz="1200" dirty="0"/>
-          </a:p>
-          <a:p>
-            <a:r>
-              <a:rPr lang="pl-PL" sz="1200" dirty="0" err="1"/>
-              <a:t>Can</a:t>
-            </a:r>
-            <a:r>
-              <a:rPr lang="pl-PL" sz="1200" dirty="0"/>
-              <a:t> be </a:t>
-            </a:r>
-            <a:r>
-              <a:rPr lang="pl-PL" sz="1200" dirty="0" err="1"/>
-              <a:t>hosted</a:t>
-            </a:r>
-            <a:r>
-              <a:rPr lang="pl-PL" sz="1200" dirty="0"/>
-              <a:t> on Linux and Win in </a:t>
-            </a:r>
-            <a:r>
-              <a:rPr lang="pl-PL" sz="1200" dirty="0" err="1"/>
-              <a:t>standalone</a:t>
-            </a:r>
-            <a:r>
-              <a:rPr lang="pl-PL" sz="1200" dirty="0"/>
-              <a:t> </a:t>
-            </a:r>
-            <a:r>
-              <a:rPr lang="pl-PL" sz="1200" dirty="0" err="1"/>
-              <a:t>mode</a:t>
-            </a:r>
-            <a:r>
-              <a:rPr lang="pl-PL" sz="1200" dirty="0"/>
-              <a:t> (</a:t>
-            </a:r>
-            <a:r>
-              <a:rPr lang="pl-PL" sz="1200" dirty="0" err="1"/>
-              <a:t>e.g</a:t>
-            </a:r>
-            <a:r>
-              <a:rPr lang="pl-PL" sz="1200" dirty="0"/>
-              <a:t> for </a:t>
-            </a:r>
-            <a:r>
-              <a:rPr lang="pl-PL" sz="1200" dirty="0" err="1"/>
-              <a:t>dev</a:t>
-            </a:r>
-            <a:r>
-              <a:rPr lang="pl-PL" sz="1200" dirty="0"/>
-              <a:t> </a:t>
-            </a:r>
-            <a:r>
-              <a:rPr lang="pl-PL" sz="1200" dirty="0" err="1"/>
-              <a:t>purposes</a:t>
-            </a:r>
-            <a:r>
-              <a:rPr lang="pl-PL" sz="1200" dirty="0"/>
-              <a:t>)</a:t>
-            </a:r>
-          </a:p>
-          <a:p>
-            <a:endParaRPr lang="pl-PL" dirty="0"/>
+              <a:rPr lang="pl-PL" dirty="0"/>
+              <a:t>Scala/Java/C# bardziej dla software </a:t>
+            </a:r>
+            <a:r>
+              <a:rPr lang="pl-PL" dirty="0" err="1"/>
+              <a:t>engineerów</a:t>
+            </a:r>
+            <a:r>
+              <a:rPr lang="pl-PL" dirty="0"/>
+              <a:t>. </a:t>
+            </a:r>
+            <a:r>
+              <a:rPr lang="pl-PL" dirty="0" err="1"/>
+              <a:t>Python</a:t>
+            </a:r>
+            <a:r>
+              <a:rPr lang="pl-PL" dirty="0"/>
+              <a:t>/R bardziej dla data </a:t>
+            </a:r>
+            <a:r>
+              <a:rPr lang="pl-PL" dirty="0" err="1"/>
+              <a:t>scientistów</a:t>
+            </a:r>
+            <a:r>
+              <a:rPr lang="pl-PL" dirty="0"/>
+              <a:t>. SQL to DBA. </a:t>
+            </a:r>
+          </a:p>
+          <a:p>
+            <a:r>
+              <a:rPr lang="pl-PL" dirty="0"/>
+              <a:t>Obecnie najbardziej rozwijane to Scala i </a:t>
+            </a:r>
+            <a:r>
+              <a:rPr lang="pl-PL" dirty="0" err="1"/>
+              <a:t>Python</a:t>
+            </a:r>
+            <a:r>
+              <a:rPr lang="pl-PL" dirty="0"/>
+              <a:t>.</a:t>
+            </a:r>
+          </a:p>
+          <a:p>
+            <a:r>
+              <a:rPr lang="pl-PL" dirty="0"/>
+              <a:t>Z racji że Spark jest napisany w Scali, jest ona obecnie najpowszechniej używanym językiem Big Data.</a:t>
+            </a:r>
+          </a:p>
+          <a:p>
+            <a:r>
+              <a:rPr lang="pl-PL" dirty="0"/>
+              <a:t>Sam Spark mocno się przyczynił to popularyzacji Scali.</a:t>
+            </a:r>
           </a:p>
         </p:txBody>
       </p:sp>
     </p:spTree>
     <p:extLst>
       <p:ext uri="{BB962C8B-B14F-4D97-AF65-F5344CB8AC3E}">
-        <p14:creationId xmlns:p14="http://schemas.microsoft.com/office/powerpoint/2010/main" val="407116076"/>
+        <p14:creationId xmlns:p14="http://schemas.microsoft.com/office/powerpoint/2010/main" val="329979926"/>
       </p:ext>
     </p:extLst>
   </p:cSld>
@@ -3839,66 +3897,484 @@
           <a:lstStyle/>
           <a:p>
             <a:r>
-              <a:rPr lang="pl-PL" dirty="0"/>
-              <a:t>Scala/Java/C# bardziej dla software </a:t>
-            </a:r>
-            <a:r>
-              <a:rPr lang="pl-PL" dirty="0" err="1"/>
-              <a:t>engineerów</a:t>
-            </a:r>
-            <a:r>
-              <a:rPr lang="pl-PL" dirty="0"/>
-              <a:t>. </a:t>
-            </a:r>
-            <a:r>
-              <a:rPr lang="pl-PL" dirty="0" err="1"/>
-              <a:t>Python</a:t>
-            </a:r>
-            <a:r>
-              <a:rPr lang="pl-PL" dirty="0"/>
-              <a:t>/R bardziej dla data </a:t>
-            </a:r>
-            <a:r>
-              <a:rPr lang="pl-PL" dirty="0" err="1"/>
-              <a:t>scientistów</a:t>
-            </a:r>
-            <a:r>
-              <a:rPr lang="pl-PL" dirty="0"/>
-              <a:t>. SQL to DBA. </a:t>
-            </a:r>
-          </a:p>
-          <a:p>
-            <a:r>
-              <a:rPr lang="pl-PL" dirty="0"/>
-              <a:t>Obecnie najbardziej rozwijane to Scala i </a:t>
-            </a:r>
-            <a:r>
-              <a:rPr lang="pl-PL" dirty="0" err="1"/>
-              <a:t>Python</a:t>
-            </a:r>
-            <a:r>
-              <a:rPr lang="pl-PL" dirty="0"/>
-              <a:t>.</a:t>
-            </a:r>
-          </a:p>
-          <a:p>
-            <a:r>
-              <a:rPr lang="pl-PL" dirty="0"/>
-              <a:t>Z racji że Spark jest napisany w Scali, jest ona obecnie najpowszechniej używanym językiem Big Data.</a:t>
-            </a:r>
-          </a:p>
-          <a:p>
-            <a:r>
-              <a:rPr lang="pl-PL" dirty="0"/>
-              <a:t>Sam Spark mocno się przyczynił to popularyzacji Scali.</a:t>
-            </a:r>
+              <a:rPr lang="pl-PL" sz="1200" b="0" i="0" u="none" strike="noStrike" kern="1200" baseline="0" dirty="0">
+                <a:solidFill>
+                  <a:schemeClr val="tx1"/>
+                </a:solidFill>
+                <a:latin typeface="+mn-lt"/>
+                <a:ea typeface="+mn-ea"/>
+                <a:cs typeface="+mn-cs"/>
+              </a:rPr>
+              <a:t>Spark zbudowany jest z kilku mocno zintegrowanych komponentów. Na samym spodzie mamy Spark </a:t>
+            </a:r>
+            <a:r>
+              <a:rPr lang="pl-PL" sz="1200" b="0" i="0" u="none" strike="noStrike" kern="1200" baseline="0" dirty="0" err="1">
+                <a:solidFill>
+                  <a:schemeClr val="tx1"/>
+                </a:solidFill>
+                <a:latin typeface="+mn-lt"/>
+                <a:ea typeface="+mn-ea"/>
+                <a:cs typeface="+mn-cs"/>
+              </a:rPr>
+              <a:t>Core</a:t>
+            </a:r>
+            <a:r>
+              <a:rPr lang="pl-PL" sz="1200" b="0" i="0" u="none" strike="noStrike" kern="1200" baseline="0" dirty="0">
+                <a:solidFill>
+                  <a:schemeClr val="tx1"/>
+                </a:solidFill>
+                <a:latin typeface="+mn-lt"/>
+                <a:ea typeface="+mn-ea"/>
+                <a:cs typeface="+mn-cs"/>
+              </a:rPr>
+              <a:t>, odpowiedzialny za </a:t>
+            </a:r>
+            <a:r>
+              <a:rPr lang="pl-PL" sz="1200" b="0" i="0" u="none" strike="noStrike" kern="1200" baseline="0" dirty="0" err="1">
+                <a:solidFill>
+                  <a:schemeClr val="tx1"/>
+                </a:solidFill>
+                <a:latin typeface="+mn-lt"/>
+                <a:ea typeface="+mn-ea"/>
+                <a:cs typeface="+mn-cs"/>
+              </a:rPr>
+              <a:t>shedulling</a:t>
+            </a:r>
+            <a:r>
+              <a:rPr lang="pl-PL" sz="1200" b="0" i="0" u="none" strike="noStrike" kern="1200" baseline="0" dirty="0">
+                <a:solidFill>
+                  <a:schemeClr val="tx1"/>
+                </a:solidFill>
+                <a:latin typeface="+mn-lt"/>
+                <a:ea typeface="+mn-ea"/>
+                <a:cs typeface="+mn-cs"/>
+              </a:rPr>
+              <a:t> i dystrybucje operacji na rozproszonym środowisku, jakimi jest klaster.</a:t>
+            </a:r>
+          </a:p>
+          <a:p>
+            <a:r>
+              <a:rPr lang="pl-PL" sz="1200" b="0" i="0" u="none" strike="noStrike" kern="1200" baseline="0" dirty="0">
+                <a:solidFill>
+                  <a:schemeClr val="tx1"/>
+                </a:solidFill>
+                <a:latin typeface="+mn-lt"/>
+                <a:ea typeface="+mn-ea"/>
+                <a:cs typeface="+mn-cs"/>
+              </a:rPr>
+              <a:t>Sama idea budowy </a:t>
+            </a:r>
+            <a:r>
+              <a:rPr lang="pl-PL" sz="1200" b="0" i="0" u="none" strike="noStrike" kern="1200" baseline="0" dirty="0" err="1">
+                <a:solidFill>
+                  <a:schemeClr val="tx1"/>
+                </a:solidFill>
+                <a:latin typeface="+mn-lt"/>
+                <a:ea typeface="+mn-ea"/>
+                <a:cs typeface="+mn-cs"/>
+              </a:rPr>
+              <a:t>frameworka</a:t>
+            </a:r>
+            <a:r>
+              <a:rPr lang="pl-PL" sz="1200" b="0" i="0" u="none" strike="noStrike" kern="1200" baseline="0" dirty="0">
+                <a:solidFill>
+                  <a:schemeClr val="tx1"/>
+                </a:solidFill>
+                <a:latin typeface="+mn-lt"/>
+                <a:ea typeface="+mn-ea"/>
+                <a:cs typeface="+mn-cs"/>
+              </a:rPr>
+              <a:t> i zależności między komponentami ma wiele zalet. </a:t>
+            </a:r>
+          </a:p>
+          <a:p>
+            <a:pPr marL="171450" indent="-171450">
+              <a:buFontTx/>
+              <a:buChar char="-"/>
+            </a:pPr>
+            <a:r>
+              <a:rPr lang="pl-PL" sz="1200" b="0" i="0" u="none" strike="noStrike" kern="1200" baseline="0" dirty="0">
+                <a:solidFill>
+                  <a:schemeClr val="tx1"/>
+                </a:solidFill>
+                <a:latin typeface="+mn-lt"/>
+                <a:ea typeface="+mn-ea"/>
+                <a:cs typeface="+mn-cs"/>
+              </a:rPr>
+              <a:t>Każda z bibliotek powyżej Spark </a:t>
+            </a:r>
+            <a:r>
+              <a:rPr lang="pl-PL" sz="1200" b="0" i="0" u="none" strike="noStrike" kern="1200" baseline="0" dirty="0" err="1">
+                <a:solidFill>
+                  <a:schemeClr val="tx1"/>
+                </a:solidFill>
+                <a:latin typeface="+mn-lt"/>
+                <a:ea typeface="+mn-ea"/>
+                <a:cs typeface="+mn-cs"/>
+              </a:rPr>
+              <a:t>Core</a:t>
+            </a:r>
+            <a:r>
+              <a:rPr lang="pl-PL" sz="1200" b="0" i="0" u="none" strike="noStrike" kern="1200" baseline="0" dirty="0">
+                <a:solidFill>
+                  <a:schemeClr val="tx1"/>
+                </a:solidFill>
+                <a:latin typeface="+mn-lt"/>
+                <a:ea typeface="+mn-ea"/>
+                <a:cs typeface="+mn-cs"/>
+              </a:rPr>
+              <a:t> otrzymuje korzyści z optymalizacji na niższym poziomie. Np. jeśli wprowadzana jest jakaś zmiana w Spark </a:t>
+            </a:r>
+            <a:r>
+              <a:rPr lang="pl-PL" sz="1200" b="0" i="0" u="none" strike="noStrike" kern="1200" baseline="0" dirty="0" err="1">
+                <a:solidFill>
+                  <a:schemeClr val="tx1"/>
+                </a:solidFill>
+                <a:latin typeface="+mn-lt"/>
+                <a:ea typeface="+mn-ea"/>
+                <a:cs typeface="+mn-cs"/>
+              </a:rPr>
+              <a:t>Core</a:t>
+            </a:r>
+            <a:r>
+              <a:rPr lang="pl-PL" sz="1200" b="0" i="0" u="none" strike="noStrike" kern="1200" baseline="0" dirty="0">
+                <a:solidFill>
+                  <a:schemeClr val="tx1"/>
+                </a:solidFill>
+                <a:latin typeface="+mn-lt"/>
+                <a:ea typeface="+mn-ea"/>
+                <a:cs typeface="+mn-cs"/>
+              </a:rPr>
+              <a:t>, Spark </a:t>
+            </a:r>
+            <a:r>
+              <a:rPr lang="pl-PL" sz="1200" b="0" i="0" u="none" strike="noStrike" kern="1200" baseline="0" dirty="0" err="1">
+                <a:solidFill>
+                  <a:schemeClr val="tx1"/>
+                </a:solidFill>
+                <a:latin typeface="+mn-lt"/>
+                <a:ea typeface="+mn-ea"/>
+                <a:cs typeface="+mn-cs"/>
+              </a:rPr>
+              <a:t>Steraming</a:t>
+            </a:r>
+            <a:r>
+              <a:rPr lang="pl-PL" sz="1200" b="0" i="0" u="none" strike="noStrike" kern="1200" baseline="0" dirty="0">
+                <a:solidFill>
+                  <a:schemeClr val="tx1"/>
+                </a:solidFill>
+                <a:latin typeface="+mn-lt"/>
+                <a:ea typeface="+mn-ea"/>
+                <a:cs typeface="+mn-cs"/>
+              </a:rPr>
+              <a:t> i ML automatycznie mogą ją wykorzystać.</a:t>
+            </a:r>
+          </a:p>
+          <a:p>
+            <a:pPr marL="171450" indent="-171450">
+              <a:buFontTx/>
+              <a:buChar char="-"/>
+            </a:pPr>
+            <a:r>
+              <a:rPr lang="pl-PL" sz="1200" b="0" i="0" u="none" strike="noStrike" kern="1200" baseline="0" dirty="0">
+                <a:solidFill>
+                  <a:schemeClr val="tx1"/>
+                </a:solidFill>
+                <a:latin typeface="+mn-lt"/>
+                <a:ea typeface="+mn-ea"/>
+                <a:cs typeface="+mn-cs"/>
+              </a:rPr>
+              <a:t>Koszty utrzymania jednego </a:t>
+            </a:r>
+            <a:r>
+              <a:rPr lang="pl-PL" sz="1200" b="0" i="0" u="none" strike="noStrike" kern="1200" baseline="0" dirty="0" err="1">
+                <a:solidFill>
+                  <a:schemeClr val="tx1"/>
+                </a:solidFill>
+                <a:latin typeface="+mn-lt"/>
+                <a:ea typeface="+mn-ea"/>
+                <a:cs typeface="+mn-cs"/>
+              </a:rPr>
+              <a:t>frameworka</a:t>
+            </a:r>
+            <a:r>
+              <a:rPr lang="pl-PL" sz="1200" b="0" i="0" u="none" strike="noStrike" kern="1200" baseline="0" dirty="0">
+                <a:solidFill>
+                  <a:schemeClr val="tx1"/>
+                </a:solidFill>
+                <a:latin typeface="+mn-lt"/>
+                <a:ea typeface="+mn-ea"/>
+                <a:cs typeface="+mn-cs"/>
+              </a:rPr>
+              <a:t> są znacznie niższe niż posiadanie dedykowanych </a:t>
+            </a:r>
+            <a:r>
+              <a:rPr lang="pl-PL" sz="1200" b="0" i="0" u="none" strike="noStrike" kern="1200" baseline="0" dirty="0" err="1">
+                <a:solidFill>
+                  <a:schemeClr val="tx1"/>
+                </a:solidFill>
+                <a:latin typeface="+mn-lt"/>
+                <a:ea typeface="+mn-ea"/>
+                <a:cs typeface="+mn-cs"/>
+              </a:rPr>
+              <a:t>frameworków</a:t>
+            </a:r>
+            <a:r>
+              <a:rPr lang="pl-PL" sz="1200" b="0" i="0" u="none" strike="noStrike" kern="1200" baseline="0" dirty="0">
+                <a:solidFill>
+                  <a:schemeClr val="tx1"/>
+                </a:solidFill>
+                <a:latin typeface="+mn-lt"/>
+                <a:ea typeface="+mn-ea"/>
+                <a:cs typeface="+mn-cs"/>
+              </a:rPr>
+              <a:t> do </a:t>
+            </a:r>
+            <a:r>
+              <a:rPr lang="pl-PL" sz="1200" b="0" i="0" u="none" strike="noStrike" kern="1200" baseline="0" dirty="0" err="1">
+                <a:solidFill>
+                  <a:schemeClr val="tx1"/>
+                </a:solidFill>
+                <a:latin typeface="+mn-lt"/>
+                <a:ea typeface="+mn-ea"/>
+                <a:cs typeface="+mn-cs"/>
+              </a:rPr>
+              <a:t>stareamingu</a:t>
+            </a:r>
+            <a:r>
+              <a:rPr lang="pl-PL" sz="1200" b="0" i="0" u="none" strike="noStrike" kern="1200" baseline="0" dirty="0">
+                <a:solidFill>
+                  <a:schemeClr val="tx1"/>
+                </a:solidFill>
+                <a:latin typeface="+mn-lt"/>
+                <a:ea typeface="+mn-ea"/>
+                <a:cs typeface="+mn-cs"/>
+              </a:rPr>
+              <a:t>, ML, baz </a:t>
+            </a:r>
+            <a:r>
+              <a:rPr lang="pl-PL" sz="1200" b="0" i="0" u="none" strike="noStrike" kern="1200" baseline="0" dirty="0" err="1">
+                <a:solidFill>
+                  <a:schemeClr val="tx1"/>
+                </a:solidFill>
+                <a:latin typeface="+mn-lt"/>
+                <a:ea typeface="+mn-ea"/>
+                <a:cs typeface="+mn-cs"/>
+              </a:rPr>
+              <a:t>graphowych</a:t>
+            </a:r>
+            <a:r>
+              <a:rPr lang="pl-PL" sz="1200" b="0" i="0" u="none" strike="noStrike" kern="1200" baseline="0" dirty="0">
+                <a:solidFill>
+                  <a:schemeClr val="tx1"/>
+                </a:solidFill>
+                <a:latin typeface="+mn-lt"/>
+                <a:ea typeface="+mn-ea"/>
+                <a:cs typeface="+mn-cs"/>
+              </a:rPr>
+              <a:t>. Te koszty to nie tylko licencje i hardware, ale również </a:t>
+            </a:r>
+            <a:r>
+              <a:rPr lang="pl-PL" sz="1200" b="0" i="0" u="none" strike="noStrike" kern="1200" baseline="0" dirty="0" err="1">
+                <a:solidFill>
+                  <a:schemeClr val="tx1"/>
+                </a:solidFill>
+                <a:latin typeface="+mn-lt"/>
+                <a:ea typeface="+mn-ea"/>
+                <a:cs typeface="+mn-cs"/>
+              </a:rPr>
+              <a:t>maintenenace</a:t>
+            </a:r>
+            <a:r>
+              <a:rPr lang="pl-PL" sz="1200" b="0" i="0" u="none" strike="noStrike" kern="1200" baseline="0" dirty="0">
+                <a:solidFill>
+                  <a:schemeClr val="tx1"/>
+                </a:solidFill>
+                <a:latin typeface="+mn-lt"/>
+                <a:ea typeface="+mn-ea"/>
+                <a:cs typeface="+mn-cs"/>
+              </a:rPr>
+              <a:t>, deployment, </a:t>
+            </a:r>
+            <a:r>
+              <a:rPr lang="pl-PL" sz="1200" b="0" i="0" u="none" strike="noStrike" kern="1200" baseline="0" dirty="0" err="1">
+                <a:solidFill>
+                  <a:schemeClr val="tx1"/>
+                </a:solidFill>
+                <a:latin typeface="+mn-lt"/>
+                <a:ea typeface="+mn-ea"/>
+                <a:cs typeface="+mn-cs"/>
+              </a:rPr>
+              <a:t>tesowanie</a:t>
+            </a:r>
+            <a:r>
+              <a:rPr lang="pl-PL" sz="1200" b="0" i="0" u="none" strike="noStrike" kern="1200" baseline="0" dirty="0">
+                <a:solidFill>
+                  <a:schemeClr val="tx1"/>
+                </a:solidFill>
+                <a:latin typeface="+mn-lt"/>
+                <a:ea typeface="+mn-ea"/>
+                <a:cs typeface="+mn-cs"/>
+              </a:rPr>
+              <a:t>, support.</a:t>
+            </a:r>
+          </a:p>
+          <a:p>
+            <a:pPr marL="0" indent="0">
+              <a:buFontTx/>
+              <a:buNone/>
+            </a:pPr>
+            <a:r>
+              <a:rPr lang="pl-PL" sz="1200" b="0" i="0" u="none" strike="noStrike" kern="1200" baseline="0" dirty="0">
+                <a:solidFill>
+                  <a:schemeClr val="tx1"/>
+                </a:solidFill>
+                <a:latin typeface="+mn-lt"/>
+                <a:ea typeface="+mn-ea"/>
+                <a:cs typeface="+mn-cs"/>
+              </a:rPr>
+              <a:t>-  Możliwość budowy aplikacji łączących różne modele przetwarzania danych. Możemy mieć np. jedną aplikację, gdzie będziemy </a:t>
+            </a:r>
+            <a:r>
+              <a:rPr lang="pl-PL" sz="1200" b="0" i="0" u="none" strike="noStrike" kern="1200" baseline="0" dirty="0" err="1">
+                <a:solidFill>
+                  <a:schemeClr val="tx1"/>
+                </a:solidFill>
+                <a:latin typeface="+mn-lt"/>
+                <a:ea typeface="+mn-ea"/>
+                <a:cs typeface="+mn-cs"/>
+              </a:rPr>
+              <a:t>streamować</a:t>
+            </a:r>
+            <a:r>
+              <a:rPr lang="pl-PL" sz="1200" b="0" i="0" u="none" strike="noStrike" kern="1200" baseline="0" dirty="0">
+                <a:solidFill>
+                  <a:schemeClr val="tx1"/>
+                </a:solidFill>
+                <a:latin typeface="+mn-lt"/>
+                <a:ea typeface="+mn-ea"/>
+                <a:cs typeface="+mn-cs"/>
+              </a:rPr>
+              <a:t> dane, następnie w tym samym </a:t>
+            </a:r>
+            <a:r>
+              <a:rPr lang="pl-PL" sz="1200" b="0" i="0" u="none" strike="noStrike" kern="1200" baseline="0" dirty="0" err="1">
+                <a:solidFill>
+                  <a:schemeClr val="tx1"/>
+                </a:solidFill>
+                <a:latin typeface="+mn-lt"/>
+                <a:ea typeface="+mn-ea"/>
+                <a:cs typeface="+mn-cs"/>
+              </a:rPr>
+              <a:t>pipelinie</a:t>
+            </a:r>
+            <a:r>
+              <a:rPr lang="pl-PL" sz="1200" b="0" i="0" u="none" strike="noStrike" kern="1200" baseline="0" dirty="0">
+                <a:solidFill>
+                  <a:schemeClr val="tx1"/>
+                </a:solidFill>
+                <a:latin typeface="+mn-lt"/>
+                <a:ea typeface="+mn-ea"/>
+                <a:cs typeface="+mn-cs"/>
+              </a:rPr>
+              <a:t> użyć ML to klasyfikacji danych czy umożliwić data </a:t>
+            </a:r>
+            <a:r>
+              <a:rPr lang="pl-PL" sz="1200" b="0" i="0" u="none" strike="noStrike" kern="1200" baseline="0" dirty="0" err="1">
+                <a:solidFill>
+                  <a:schemeClr val="tx1"/>
+                </a:solidFill>
+                <a:latin typeface="+mn-lt"/>
+                <a:ea typeface="+mn-ea"/>
+                <a:cs typeface="+mn-cs"/>
+              </a:rPr>
+              <a:t>scientistom</a:t>
+            </a:r>
+            <a:r>
+              <a:rPr lang="pl-PL" sz="1200" b="0" i="0" u="none" strike="noStrike" kern="1200" baseline="0" dirty="0">
+                <a:solidFill>
+                  <a:schemeClr val="tx1"/>
+                </a:solidFill>
+                <a:latin typeface="+mn-lt"/>
+                <a:ea typeface="+mn-ea"/>
+                <a:cs typeface="+mn-cs"/>
+              </a:rPr>
+              <a:t> i analitykom danych pisanie SQL na danych płynących w naszym </a:t>
+            </a:r>
+            <a:r>
+              <a:rPr lang="pl-PL" sz="1200" b="0" i="0" u="none" strike="noStrike" kern="1200" baseline="0" dirty="0" err="1">
+                <a:solidFill>
+                  <a:schemeClr val="tx1"/>
+                </a:solidFill>
+                <a:latin typeface="+mn-lt"/>
+                <a:ea typeface="+mn-ea"/>
+                <a:cs typeface="+mn-cs"/>
+              </a:rPr>
+              <a:t>streamie</a:t>
+            </a:r>
+            <a:r>
+              <a:rPr lang="pl-PL" sz="1200" b="0" i="0" u="none" strike="noStrike" kern="1200" baseline="0" dirty="0">
+                <a:solidFill>
+                  <a:schemeClr val="tx1"/>
+                </a:solidFill>
+                <a:latin typeface="+mn-lt"/>
+                <a:ea typeface="+mn-ea"/>
+                <a:cs typeface="+mn-cs"/>
+              </a:rPr>
+              <a:t> w czasie rzeczywistym. Aplikacja może też przetwarzać w tym samym czasie dane </a:t>
+            </a:r>
+            <a:r>
+              <a:rPr lang="pl-PL" sz="1200" b="0" i="0" u="none" strike="noStrike" kern="1200" baseline="0" dirty="0" err="1">
+                <a:solidFill>
+                  <a:schemeClr val="tx1"/>
+                </a:solidFill>
+                <a:latin typeface="+mn-lt"/>
+                <a:ea typeface="+mn-ea"/>
+                <a:cs typeface="+mn-cs"/>
+              </a:rPr>
+              <a:t>batchowo</a:t>
+            </a:r>
+            <a:r>
+              <a:rPr lang="pl-PL" sz="1200" b="0" i="0" u="none" strike="noStrike" kern="1200" baseline="0" dirty="0">
+                <a:solidFill>
+                  <a:schemeClr val="tx1"/>
+                </a:solidFill>
+                <a:latin typeface="+mn-lt"/>
+                <a:ea typeface="+mn-ea"/>
+                <a:cs typeface="+mn-cs"/>
+              </a:rPr>
+              <a:t>, wg określonego kalendarza. </a:t>
+            </a:r>
+            <a:r>
+              <a:rPr lang="pl-PL" sz="1200" b="0" i="0" u="none" strike="noStrike" kern="1200" baseline="0" dirty="0" err="1">
+                <a:solidFill>
+                  <a:schemeClr val="tx1"/>
+                </a:solidFill>
+                <a:latin typeface="+mn-lt"/>
+                <a:ea typeface="+mn-ea"/>
+                <a:cs typeface="+mn-cs"/>
+              </a:rPr>
+              <a:t>Wszytsko</a:t>
+            </a:r>
+            <a:r>
+              <a:rPr lang="pl-PL" sz="1200" b="0" i="0" u="none" strike="noStrike" kern="1200" baseline="0" dirty="0">
+                <a:solidFill>
+                  <a:schemeClr val="tx1"/>
+                </a:solidFill>
+                <a:latin typeface="+mn-lt"/>
+                <a:ea typeface="+mn-ea"/>
+                <a:cs typeface="+mn-cs"/>
+              </a:rPr>
+              <a:t> to może być zaimplementowane w jednej aplikacji.</a:t>
+            </a:r>
+            <a:endParaRPr lang="pl-PL" dirty="0"/>
           </a:p>
         </p:txBody>
       </p:sp>
     </p:spTree>
     <p:extLst>
       <p:ext uri="{BB962C8B-B14F-4D97-AF65-F5344CB8AC3E}">
-        <p14:creationId xmlns:p14="http://schemas.microsoft.com/office/powerpoint/2010/main" val="329979926"/>
+        <p14:creationId xmlns:p14="http://schemas.microsoft.com/office/powerpoint/2010/main" val="2187535379"/>
       </p:ext>
     </p:extLst>
   </p:cSld>
@@ -3953,94 +4429,24 @@
           <a:lstStyle/>
           <a:p>
             <a:r>
-              <a:rPr lang="pl-PL" sz="1200" b="0" i="0" u="none" strike="noStrike" kern="1200" baseline="0" dirty="0">
-                <a:solidFill>
-                  <a:schemeClr val="tx1"/>
-                </a:solidFill>
-                <a:latin typeface="+mn-lt"/>
-                <a:ea typeface="+mn-ea"/>
-                <a:cs typeface="+mn-cs"/>
-              </a:rPr>
-              <a:t>Spark zbudowany jest z kilku mocno zintegrowanych komponentów. Na samym spodzie mamy Spark </a:t>
-            </a:r>
-            <a:r>
-              <a:rPr lang="pl-PL" sz="1200" b="0" i="0" u="none" strike="noStrike" kern="1200" baseline="0" dirty="0" err="1">
-                <a:solidFill>
-                  <a:schemeClr val="tx1"/>
-                </a:solidFill>
-                <a:latin typeface="+mn-lt"/>
-                <a:ea typeface="+mn-ea"/>
-                <a:cs typeface="+mn-cs"/>
-              </a:rPr>
-              <a:t>Core</a:t>
-            </a:r>
-            <a:r>
-              <a:rPr lang="pl-PL" sz="1200" b="0" i="0" u="none" strike="noStrike" kern="1200" baseline="0" dirty="0">
-                <a:solidFill>
-                  <a:schemeClr val="tx1"/>
-                </a:solidFill>
-                <a:latin typeface="+mn-lt"/>
-                <a:ea typeface="+mn-ea"/>
-                <a:cs typeface="+mn-cs"/>
-              </a:rPr>
-              <a:t>, odpowiedzialny za </a:t>
-            </a:r>
-            <a:r>
-              <a:rPr lang="pl-PL" sz="1200" b="0" i="0" u="none" strike="noStrike" kern="1200" baseline="0" dirty="0" err="1">
-                <a:solidFill>
-                  <a:schemeClr val="tx1"/>
-                </a:solidFill>
-                <a:latin typeface="+mn-lt"/>
-                <a:ea typeface="+mn-ea"/>
-                <a:cs typeface="+mn-cs"/>
-              </a:rPr>
-              <a:t>shedulling</a:t>
-            </a:r>
-            <a:r>
-              <a:rPr lang="pl-PL" sz="1200" b="0" i="0" u="none" strike="noStrike" kern="1200" baseline="0" dirty="0">
-                <a:solidFill>
-                  <a:schemeClr val="tx1"/>
-                </a:solidFill>
-                <a:latin typeface="+mn-lt"/>
-                <a:ea typeface="+mn-ea"/>
-                <a:cs typeface="+mn-cs"/>
-              </a:rPr>
-              <a:t> i dystrybucje operacji na rozproszonym środowisku, jakimi jest klaster.</a:t>
-            </a:r>
-          </a:p>
-          <a:p>
-            <a:r>
-              <a:rPr lang="pl-PL" sz="1200" b="0" i="0" u="none" strike="noStrike" kern="1200" baseline="0" dirty="0">
-                <a:solidFill>
-                  <a:schemeClr val="tx1"/>
-                </a:solidFill>
-                <a:latin typeface="+mn-lt"/>
-                <a:ea typeface="+mn-ea"/>
-                <a:cs typeface="+mn-cs"/>
-              </a:rPr>
-              <a:t>Sama idea budowy </a:t>
-            </a:r>
-            <a:r>
-              <a:rPr lang="pl-PL" sz="1200" b="0" i="0" u="none" strike="noStrike" kern="1200" baseline="0" dirty="0" err="1">
-                <a:solidFill>
-                  <a:schemeClr val="tx1"/>
-                </a:solidFill>
-                <a:latin typeface="+mn-lt"/>
-                <a:ea typeface="+mn-ea"/>
-                <a:cs typeface="+mn-cs"/>
-              </a:rPr>
-              <a:t>frameworka</a:t>
-            </a:r>
-            <a:r>
-              <a:rPr lang="pl-PL" sz="1200" b="0" i="0" u="none" strike="noStrike" kern="1200" baseline="0" dirty="0">
-                <a:solidFill>
-                  <a:schemeClr val="tx1"/>
-                </a:solidFill>
-                <a:latin typeface="+mn-lt"/>
-                <a:ea typeface="+mn-ea"/>
-                <a:cs typeface="+mn-cs"/>
-              </a:rPr>
-              <a:t> i zależności między komponentami ma wiele zalet. </a:t>
+              <a:rPr lang="pl-PL" dirty="0"/>
+              <a:t>Spark (jak każdy </a:t>
+            </a:r>
+            <a:r>
+              <a:rPr lang="pl-PL" dirty="0" err="1"/>
+              <a:t>framework</a:t>
+            </a:r>
+            <a:r>
+              <a:rPr lang="pl-PL" dirty="0"/>
+              <a:t>) wprowadza kilka abstrakcji. Każda z tych abstrakcji w zasadzie reprezentuje rozporoszoną (</a:t>
+            </a:r>
+            <a:r>
+              <a:rPr lang="pl-PL" dirty="0" err="1"/>
+              <a:t>distributed</a:t>
+            </a:r>
+            <a:r>
+              <a:rPr lang="pl-PL" dirty="0"/>
+              <a:t>) kolekcję danych.</a:t>
             </a:r>
           </a:p>
           <a:p>
@@ -4049,81 +4455,140 @@
               <a:buChar char="-"/>
             </a:pPr>
             <a:r>
-              <a:rPr lang="pl-PL" sz="1200" b="0" i="0" u="none" strike="noStrike" kern="1200" baseline="0" dirty="0">
-                <a:solidFill>
-                  <a:schemeClr val="tx1"/>
-                </a:solidFill>
-                <a:latin typeface="+mn-lt"/>
-                <a:ea typeface="+mn-ea"/>
-                <a:cs typeface="+mn-cs"/>
-              </a:rPr>
-              <a:t>Każda z bibliotek powyżej Spark </a:t>
-            </a:r>
-            <a:r>
-              <a:rPr lang="pl-PL" sz="1200" b="0" i="0" u="none" strike="noStrike" kern="1200" baseline="0" dirty="0" err="1">
-                <a:solidFill>
-                  <a:schemeClr val="tx1"/>
-                </a:solidFill>
-                <a:latin typeface="+mn-lt"/>
-                <a:ea typeface="+mn-ea"/>
-                <a:cs typeface="+mn-cs"/>
-              </a:rPr>
-              <a:t>Core</a:t>
-            </a:r>
-            <a:r>
-              <a:rPr lang="pl-PL" sz="1200" b="0" i="0" u="none" strike="noStrike" kern="1200" baseline="0" dirty="0">
-                <a:solidFill>
-                  <a:schemeClr val="tx1"/>
-                </a:solidFill>
-                <a:latin typeface="+mn-lt"/>
-                <a:ea typeface="+mn-ea"/>
-                <a:cs typeface="+mn-cs"/>
-              </a:rPr>
-              <a:t> otrzymuje korzyści z optymalizacji na niższym poziomie. Np. jeśli wprowadzana jest jakaś zmiana w Spark </a:t>
-            </a:r>
-            <a:r>
-              <a:rPr lang="pl-PL" sz="1200" b="0" i="0" u="none" strike="noStrike" kern="1200" baseline="0" dirty="0" err="1">
-                <a:solidFill>
-                  <a:schemeClr val="tx1"/>
-                </a:solidFill>
-                <a:latin typeface="+mn-lt"/>
-                <a:ea typeface="+mn-ea"/>
-                <a:cs typeface="+mn-cs"/>
-              </a:rPr>
-              <a:t>Core</a:t>
-            </a:r>
-            <a:r>
-              <a:rPr lang="pl-PL" sz="1200" b="0" i="0" u="none" strike="noStrike" kern="1200" baseline="0" dirty="0">
-                <a:solidFill>
-                  <a:schemeClr val="tx1"/>
-                </a:solidFill>
-                <a:latin typeface="+mn-lt"/>
-                <a:ea typeface="+mn-ea"/>
-                <a:cs typeface="+mn-cs"/>
-              </a:rPr>
-              <a:t>, Spark </a:t>
-            </a:r>
-            <a:r>
-              <a:rPr lang="pl-PL" sz="1200" b="0" i="0" u="none" strike="noStrike" kern="1200" baseline="0" dirty="0" err="1">
-                <a:solidFill>
-                  <a:schemeClr val="tx1"/>
-                </a:solidFill>
-                <a:latin typeface="+mn-lt"/>
-                <a:ea typeface="+mn-ea"/>
-                <a:cs typeface="+mn-cs"/>
-              </a:rPr>
-              <a:t>Steraming</a:t>
-            </a:r>
-            <a:r>
-              <a:rPr lang="pl-PL" sz="1200" b="0" i="0" u="none" strike="noStrike" kern="1200" baseline="0" dirty="0">
-                <a:solidFill>
-                  <a:schemeClr val="tx1"/>
-                </a:solidFill>
-                <a:latin typeface="+mn-lt"/>
-                <a:ea typeface="+mn-ea"/>
-                <a:cs typeface="+mn-cs"/>
-              </a:rPr>
-              <a:t> i ML automatycznie mogą ją wykorzystać.</a:t>
+              <a:rPr lang="pl-PL" b="1" dirty="0"/>
+              <a:t>RDD (</a:t>
+            </a:r>
+            <a:r>
+              <a:rPr lang="pl-PL" b="1" dirty="0" err="1"/>
+              <a:t>Resilient</a:t>
+            </a:r>
+            <a:r>
+              <a:rPr lang="pl-PL" b="1" dirty="0"/>
+              <a:t> Distributed </a:t>
+            </a:r>
+            <a:r>
+              <a:rPr lang="pl-PL" b="1" dirty="0" err="1"/>
+              <a:t>Datasets</a:t>
+            </a:r>
+            <a:r>
+              <a:rPr lang="pl-PL" b="1" dirty="0"/>
+              <a:t>)– </a:t>
+            </a:r>
+            <a:r>
+              <a:rPr lang="pl-PL" dirty="0"/>
+              <a:t>podstawowa abstrakcja Sparka w wersja od 1 do 2, bez względu jaki typ kolekcji użyjemy, ostatecznie Spark kompiluje do RDD.  RDD to </a:t>
+            </a:r>
+            <a:r>
+              <a:rPr lang="pl-PL" dirty="0" err="1"/>
+              <a:t>niemienna</a:t>
+            </a:r>
+            <a:r>
+              <a:rPr lang="pl-PL" dirty="0"/>
+              <a:t> (</a:t>
+            </a:r>
+            <a:r>
+              <a:rPr lang="pl-PL" dirty="0" err="1"/>
+              <a:t>immutable</a:t>
+            </a:r>
+            <a:r>
+              <a:rPr lang="pl-PL" dirty="0"/>
+              <a:t>) kolekcja danych, partycjonowana (dzielona na </a:t>
+            </a:r>
+            <a:r>
+              <a:rPr lang="pl-PL" dirty="0" err="1"/>
+              <a:t>chunki</a:t>
+            </a:r>
+            <a:r>
+              <a:rPr lang="pl-PL" dirty="0"/>
+              <a:t> aby móc wykorzystać cały potencjał </a:t>
+            </a:r>
+            <a:r>
+              <a:rPr lang="pl-PL" dirty="0" err="1"/>
+              <a:t>zasówb</a:t>
+            </a:r>
+            <a:r>
+              <a:rPr lang="pl-PL" dirty="0"/>
+              <a:t> maszyn ma klastrze) na całym klastrze, dzięki czemu może być równolegle </a:t>
+            </a:r>
+            <a:r>
+              <a:rPr lang="pl-PL" dirty="0" err="1"/>
+              <a:t>przetwrzana</a:t>
+            </a:r>
+            <a:r>
+              <a:rPr lang="pl-PL" dirty="0"/>
+              <a:t> (in </a:t>
+            </a:r>
+            <a:r>
+              <a:rPr lang="pl-PL" dirty="0" err="1"/>
+              <a:t>parallel</a:t>
+            </a:r>
+            <a:r>
+              <a:rPr lang="pl-PL" dirty="0"/>
+              <a:t>). Wierszem w takiej kolekcji jest po prostu jakiś obiekt w języku programowania który używasz. Dzięki temu mamy pełną kontrolę na przechowywanymi obiektami, ale nie bez kompromisów. Każda manipulacja na swoich obiektach, zmusza Cię do wynalezienia na nowo koła (np. </a:t>
+            </a:r>
+            <a:r>
+              <a:rPr lang="pl-PL" dirty="0" err="1"/>
+              <a:t>serliazacja</a:t>
+            </a:r>
+            <a:r>
+              <a:rPr lang="pl-PL" dirty="0"/>
+              <a:t>). </a:t>
+            </a:r>
+            <a:r>
+              <a:rPr lang="pl-PL" dirty="0" err="1"/>
+              <a:t>Resilient</a:t>
+            </a:r>
+            <a:r>
+              <a:rPr lang="pl-PL" dirty="0"/>
+              <a:t> oznacza </a:t>
+            </a:r>
+            <a:r>
+              <a:rPr lang="pl-PL" dirty="0" err="1"/>
+              <a:t>fault</a:t>
+            </a:r>
+            <a:r>
+              <a:rPr lang="pl-PL" dirty="0"/>
+              <a:t>-tolerant, czyli jeśli jakaś partycja z powodu awarii </a:t>
+            </a:r>
+            <a:r>
+              <a:rPr lang="pl-PL" dirty="0" err="1"/>
+              <a:t>noda</a:t>
+            </a:r>
+            <a:r>
+              <a:rPr lang="pl-PL" dirty="0"/>
+              <a:t> w </a:t>
+            </a:r>
+            <a:r>
+              <a:rPr lang="pl-PL" dirty="0" err="1"/>
+              <a:t>clustrze</a:t>
+            </a:r>
+            <a:r>
+              <a:rPr lang="pl-PL" dirty="0"/>
+              <a:t> </a:t>
+            </a:r>
+            <a:r>
+              <a:rPr lang="pl-PL" dirty="0" err="1"/>
+              <a:t>nię</a:t>
+            </a:r>
+            <a:r>
+              <a:rPr lang="pl-PL" dirty="0"/>
+              <a:t> będzie </a:t>
+            </a:r>
+            <a:r>
+              <a:rPr lang="pl-PL" dirty="0" err="1"/>
+              <a:t>dostepna</a:t>
+            </a:r>
+            <a:r>
+              <a:rPr lang="pl-PL" dirty="0"/>
+              <a:t>, Spark jest w stanie ją ponownie odbudować (dzięki RDD </a:t>
+            </a:r>
+            <a:r>
+              <a:rPr lang="pl-PL" dirty="0" err="1"/>
+              <a:t>lineage</a:t>
+            </a:r>
+            <a:r>
+              <a:rPr lang="pl-PL" dirty="0"/>
+              <a:t>).</a:t>
             </a:r>
           </a:p>
           <a:p>
@@ -4132,147 +4597,126 @@
               <a:buChar char="-"/>
             </a:pPr>
             <a:r>
-              <a:rPr lang="pl-PL" sz="1200" b="0" i="0" u="none" strike="noStrike" kern="1200" baseline="0" dirty="0">
-                <a:solidFill>
-                  <a:schemeClr val="tx1"/>
-                </a:solidFill>
-                <a:latin typeface="+mn-lt"/>
-                <a:ea typeface="+mn-ea"/>
-                <a:cs typeface="+mn-cs"/>
-              </a:rPr>
-              <a:t>Koszty utrzymania jednego </a:t>
-            </a:r>
-            <a:r>
-              <a:rPr lang="pl-PL" sz="1200" b="0" i="0" u="none" strike="noStrike" kern="1200" baseline="0" dirty="0" err="1">
-                <a:solidFill>
-                  <a:schemeClr val="tx1"/>
-                </a:solidFill>
-                <a:latin typeface="+mn-lt"/>
-                <a:ea typeface="+mn-ea"/>
-                <a:cs typeface="+mn-cs"/>
-              </a:rPr>
-              <a:t>frameworka</a:t>
-            </a:r>
-            <a:r>
-              <a:rPr lang="pl-PL" sz="1200" b="0" i="0" u="none" strike="noStrike" kern="1200" baseline="0" dirty="0">
-                <a:solidFill>
-                  <a:schemeClr val="tx1"/>
-                </a:solidFill>
-                <a:latin typeface="+mn-lt"/>
-                <a:ea typeface="+mn-ea"/>
-                <a:cs typeface="+mn-cs"/>
-              </a:rPr>
-              <a:t> są znacznie niższe niż posiadanie dedykowanych </a:t>
-            </a:r>
-            <a:r>
-              <a:rPr lang="pl-PL" sz="1200" b="0" i="0" u="none" strike="noStrike" kern="1200" baseline="0" dirty="0" err="1">
-                <a:solidFill>
-                  <a:schemeClr val="tx1"/>
-                </a:solidFill>
-                <a:latin typeface="+mn-lt"/>
-                <a:ea typeface="+mn-ea"/>
-                <a:cs typeface="+mn-cs"/>
-              </a:rPr>
-              <a:t>frameworków</a:t>
-            </a:r>
-            <a:r>
-              <a:rPr lang="pl-PL" sz="1200" b="0" i="0" u="none" strike="noStrike" kern="1200" baseline="0" dirty="0">
-                <a:solidFill>
-                  <a:schemeClr val="tx1"/>
-                </a:solidFill>
-                <a:latin typeface="+mn-lt"/>
-                <a:ea typeface="+mn-ea"/>
-                <a:cs typeface="+mn-cs"/>
-              </a:rPr>
+              <a:rPr lang="pl-PL" b="1" dirty="0" err="1"/>
+              <a:t>Ditributet</a:t>
+            </a:r>
+            <a:r>
+              <a:rPr lang="pl-PL" b="1" dirty="0"/>
+              <a:t> </a:t>
+            </a:r>
+            <a:r>
+              <a:rPr lang="pl-PL" b="1" dirty="0" err="1"/>
+              <a:t>values</a:t>
+            </a:r>
+            <a:r>
+              <a:rPr lang="pl-PL" b="1" dirty="0"/>
+              <a:t> (broadcast) </a:t>
+            </a:r>
+            <a:r>
+              <a:rPr lang="pl-PL" dirty="0"/>
+              <a:t>– pozwala na </a:t>
+            </a:r>
+            <a:r>
+              <a:rPr lang="pl-PL" dirty="0" err="1"/>
+              <a:t>wyslanie</a:t>
+            </a:r>
+            <a:r>
+              <a:rPr lang="pl-PL" dirty="0"/>
+              <a:t> stosukowo dużych ale tylko do odczytu </a:t>
+            </a:r>
+            <a:r>
+              <a:rPr lang="pl-PL" dirty="0" err="1"/>
+              <a:t>datasetów</a:t>
+            </a:r>
+            <a:r>
+              <a:rPr lang="pl-PL" dirty="0"/>
               <a:t> do </a:t>
             </a:r>
             <a:r>
-              <a:rPr lang="pl-PL" sz="1200" b="0" i="0" u="none" strike="noStrike" kern="1200" baseline="0" dirty="0" err="1">
-                <a:solidFill>
-                  <a:schemeClr val="tx1"/>
-                </a:solidFill>
-                <a:latin typeface="+mn-lt"/>
-                <a:ea typeface="+mn-ea"/>
-                <a:cs typeface="+mn-cs"/>
-              </a:rPr>
-              <a:t>stareamingu</a:t>
-            </a:r>
-            <a:r>
-              <a:rPr lang="pl-PL" sz="1200" b="0" i="0" u="none" strike="noStrike" kern="1200" baseline="0" dirty="0">
-                <a:solidFill>
-                  <a:schemeClr val="tx1"/>
-                </a:solidFill>
-                <a:latin typeface="+mn-lt"/>
-                <a:ea typeface="+mn-ea"/>
-                <a:cs typeface="+mn-cs"/>
-              </a:rPr>
-              <a:t>, ML, baz </a:t>
-            </a:r>
-            <a:r>
-              <a:rPr lang="pl-PL" sz="1200" b="0" i="0" u="none" strike="noStrike" kern="1200" baseline="0" dirty="0" err="1">
-                <a:solidFill>
-                  <a:schemeClr val="tx1"/>
-                </a:solidFill>
-                <a:latin typeface="+mn-lt"/>
-                <a:ea typeface="+mn-ea"/>
-                <a:cs typeface="+mn-cs"/>
-              </a:rPr>
-              <a:t>graphowych</a:t>
-            </a:r>
-            <a:r>
-              <a:rPr lang="pl-PL" sz="1200" b="0" i="0" u="none" strike="noStrike" kern="1200" baseline="0" dirty="0">
-                <a:solidFill>
-                  <a:schemeClr val="tx1"/>
-                </a:solidFill>
-                <a:latin typeface="+mn-lt"/>
-                <a:ea typeface="+mn-ea"/>
-                <a:cs typeface="+mn-cs"/>
-              </a:rPr>
-              <a:t>. Te koszty to nie tylko licencje i hardware, ale również </a:t>
-            </a:r>
-            <a:r>
-              <a:rPr lang="pl-PL" sz="1200" b="0" i="0" u="none" strike="noStrike" kern="1200" baseline="0" dirty="0" err="1">
-                <a:solidFill>
-                  <a:schemeClr val="tx1"/>
-                </a:solidFill>
-                <a:latin typeface="+mn-lt"/>
-                <a:ea typeface="+mn-ea"/>
-                <a:cs typeface="+mn-cs"/>
-              </a:rPr>
-              <a:t>maintenenace</a:t>
-            </a:r>
-            <a:r>
-              <a:rPr lang="pl-PL" sz="1200" b="0" i="0" u="none" strike="noStrike" kern="1200" baseline="0" dirty="0">
-                <a:solidFill>
-                  <a:schemeClr val="tx1"/>
-                </a:solidFill>
-                <a:latin typeface="+mn-lt"/>
-                <a:ea typeface="+mn-ea"/>
-                <a:cs typeface="+mn-cs"/>
-              </a:rPr>
-              <a:t>, deployment, </a:t>
-            </a:r>
-            <a:r>
-              <a:rPr lang="pl-PL" sz="1200" b="0" i="0" u="none" strike="noStrike" kern="1200" baseline="0" dirty="0" err="1">
-                <a:solidFill>
-                  <a:schemeClr val="tx1"/>
-                </a:solidFill>
-                <a:latin typeface="+mn-lt"/>
-                <a:ea typeface="+mn-ea"/>
-                <a:cs typeface="+mn-cs"/>
-              </a:rPr>
-              <a:t>tesowanie</a:t>
-            </a:r>
-            <a:r>
-              <a:rPr lang="pl-PL" sz="1200" b="0" i="0" u="none" strike="noStrike" kern="1200" baseline="0" dirty="0">
-                <a:solidFill>
-                  <a:schemeClr val="tx1"/>
-                </a:solidFill>
-                <a:latin typeface="+mn-lt"/>
-                <a:ea typeface="+mn-ea"/>
-                <a:cs typeface="+mn-cs"/>
-              </a:rPr>
-              <a:t>, support.</a:t>
+              <a:rPr lang="pl-PL" dirty="0" err="1"/>
+              <a:t>worker</a:t>
+            </a:r>
+            <a:r>
+              <a:rPr lang="pl-PL" dirty="0"/>
+              <a:t> </a:t>
+            </a:r>
+            <a:r>
+              <a:rPr lang="pl-PL" dirty="0" err="1"/>
+              <a:t>nodów</a:t>
+            </a:r>
+            <a:r>
+              <a:rPr lang="pl-PL" dirty="0"/>
+              <a:t> (</a:t>
+            </a:r>
+            <a:r>
+              <a:rPr lang="pl-PL" dirty="0" err="1"/>
+              <a:t>executorów</a:t>
+            </a:r>
+            <a:r>
+              <a:rPr lang="pl-PL" dirty="0"/>
+              <a:t>). Znacznie redukuje </a:t>
+            </a:r>
+            <a:r>
+              <a:rPr lang="pl-PL" dirty="0" err="1"/>
+              <a:t>netwokr</a:t>
+            </a:r>
+            <a:r>
+              <a:rPr lang="pl-PL" dirty="0"/>
+              <a:t> transfer. Domyślnie bowiem Spark </a:t>
+            </a:r>
+            <a:r>
+              <a:rPr lang="pl-PL" dirty="0" err="1"/>
+              <a:t>wysyała</a:t>
+            </a:r>
+            <a:r>
+              <a:rPr lang="pl-PL" dirty="0"/>
+              <a:t> każdą zmienna do </a:t>
+            </a:r>
+            <a:r>
+              <a:rPr lang="pl-PL" dirty="0" err="1"/>
+              <a:t>worker</a:t>
+            </a:r>
+            <a:r>
+              <a:rPr lang="pl-PL" dirty="0"/>
+              <a:t> </a:t>
+            </a:r>
+            <a:r>
+              <a:rPr lang="pl-PL" dirty="0" err="1"/>
+              <a:t>nodów</a:t>
+            </a:r>
+            <a:r>
+              <a:rPr lang="pl-PL" dirty="0"/>
+              <a:t> dla każdej operacji </a:t>
+            </a:r>
+            <a:r>
+              <a:rPr lang="pl-PL" dirty="0" err="1"/>
+              <a:t>mna</a:t>
+            </a:r>
+            <a:r>
+              <a:rPr lang="pl-PL" dirty="0"/>
+              <a:t> danych.</a:t>
+            </a:r>
+          </a:p>
+          <a:p>
+            <a:pPr marL="171450" indent="-171450">
+              <a:buFontTx/>
+              <a:buChar char="-"/>
+            </a:pPr>
+            <a:r>
+              <a:rPr lang="pl-PL" b="1" dirty="0" err="1"/>
+              <a:t>DataFramne</a:t>
+            </a:r>
+            <a:r>
+              <a:rPr lang="pl-PL" dirty="0"/>
+              <a:t> – najprościej to tabela z kolumnami i wierszami, jak arkusz kalkulacyjny w Excelu. </a:t>
+            </a:r>
+            <a:r>
+              <a:rPr lang="pl-PL" dirty="0" err="1"/>
+              <a:t>Dataframe</a:t>
+            </a:r>
+            <a:r>
+              <a:rPr lang="pl-PL" dirty="0"/>
+              <a:t> jest jednak rozproszony na całym klastrze, gdyż po pierwsze mógłby nie zmieścić się na jednej maszynie, lub ta maszyna nie byłaby w stanie go przetworzyć albo trwałoby to bardzo długo. </a:t>
             </a:r>
           </a:p>
           <a:p>
@@ -4281,156 +4725,40 @@
               <a:buNone/>
             </a:pPr>
             <a:r>
-              <a:rPr lang="pl-PL" sz="1200" b="0" i="0" u="none" strike="noStrike" kern="1200" baseline="0" dirty="0">
-                <a:solidFill>
-                  <a:schemeClr val="tx1"/>
-                </a:solidFill>
-                <a:latin typeface="+mn-lt"/>
-                <a:ea typeface="+mn-ea"/>
-                <a:cs typeface="+mn-cs"/>
-              </a:rPr>
-              <a:t>-  Możliwość budowy aplikacji łączących różne modele przetwarzania danych. Możemy mieć np. jedną aplikację, gdzie będziemy </a:t>
-            </a:r>
-            <a:r>
-              <a:rPr lang="pl-PL" sz="1200" b="0" i="0" u="none" strike="noStrike" kern="1200" baseline="0" dirty="0" err="1">
-                <a:solidFill>
-                  <a:schemeClr val="tx1"/>
-                </a:solidFill>
-                <a:latin typeface="+mn-lt"/>
-                <a:ea typeface="+mn-ea"/>
-                <a:cs typeface="+mn-cs"/>
-              </a:rPr>
-              <a:t>streamować</a:t>
-            </a:r>
-            <a:r>
-              <a:rPr lang="pl-PL" sz="1200" b="0" i="0" u="none" strike="noStrike" kern="1200" baseline="0" dirty="0">
-                <a:solidFill>
-                  <a:schemeClr val="tx1"/>
-                </a:solidFill>
-                <a:latin typeface="+mn-lt"/>
-                <a:ea typeface="+mn-ea"/>
-                <a:cs typeface="+mn-cs"/>
-              </a:rPr>
-              <a:t> dane, następnie w tym samym </a:t>
-            </a:r>
-            <a:r>
-              <a:rPr lang="pl-PL" sz="1200" b="0" i="0" u="none" strike="noStrike" kern="1200" baseline="0" dirty="0" err="1">
-                <a:solidFill>
-                  <a:schemeClr val="tx1"/>
-                </a:solidFill>
-                <a:latin typeface="+mn-lt"/>
-                <a:ea typeface="+mn-ea"/>
-                <a:cs typeface="+mn-cs"/>
-              </a:rPr>
-              <a:t>pipelinie</a:t>
-            </a:r>
-            <a:r>
-              <a:rPr lang="pl-PL" sz="1200" b="0" i="0" u="none" strike="noStrike" kern="1200" baseline="0" dirty="0">
-                <a:solidFill>
-                  <a:schemeClr val="tx1"/>
-                </a:solidFill>
-                <a:latin typeface="+mn-lt"/>
-                <a:ea typeface="+mn-ea"/>
-                <a:cs typeface="+mn-cs"/>
-              </a:rPr>
-              <a:t> użyć ML to klasyfikacji danych czy umożliwić data </a:t>
-            </a:r>
-            <a:r>
-              <a:rPr lang="pl-PL" sz="1200" b="0" i="0" u="none" strike="noStrike" kern="1200" baseline="0" dirty="0" err="1">
-                <a:solidFill>
-                  <a:schemeClr val="tx1"/>
-                </a:solidFill>
-                <a:latin typeface="+mn-lt"/>
-                <a:ea typeface="+mn-ea"/>
-                <a:cs typeface="+mn-cs"/>
-              </a:rPr>
-              <a:t>scientistom</a:t>
-            </a:r>
-            <a:r>
-              <a:rPr lang="pl-PL" sz="1200" b="0" i="0" u="none" strike="noStrike" kern="1200" baseline="0" dirty="0">
-                <a:solidFill>
-                  <a:schemeClr val="tx1"/>
-                </a:solidFill>
-                <a:latin typeface="+mn-lt"/>
-                <a:ea typeface="+mn-ea"/>
-                <a:cs typeface="+mn-cs"/>
-              </a:rPr>
-              <a:t> i analitykom danych pisanie SQL na danych płynących w naszym </a:t>
-            </a:r>
-            <a:r>
-              <a:rPr lang="pl-PL" sz="1200" b="0" i="0" u="none" strike="noStrike" kern="1200" baseline="0" dirty="0" err="1">
-                <a:solidFill>
-                  <a:schemeClr val="tx1"/>
-                </a:solidFill>
-                <a:latin typeface="+mn-lt"/>
-                <a:ea typeface="+mn-ea"/>
-                <a:cs typeface="+mn-cs"/>
-              </a:rPr>
-              <a:t>streamie</a:t>
-            </a:r>
-            <a:r>
-              <a:rPr lang="pl-PL" sz="1200" b="0" i="0" u="none" strike="noStrike" kern="1200" baseline="0" dirty="0">
-                <a:solidFill>
-                  <a:schemeClr val="tx1"/>
-                </a:solidFill>
-                <a:latin typeface="+mn-lt"/>
-                <a:ea typeface="+mn-ea"/>
-                <a:cs typeface="+mn-cs"/>
-              </a:rPr>
-              <a:t> w czasie rzeczywistym. Aplikacja może też przetwarzać w tym samym czasie dane </a:t>
-            </a:r>
-            <a:r>
-              <a:rPr lang="pl-PL" sz="1200" b="0" i="0" u="none" strike="noStrike" kern="1200" baseline="0" dirty="0" err="1">
-                <a:solidFill>
-                  <a:schemeClr val="tx1"/>
-                </a:solidFill>
-                <a:latin typeface="+mn-lt"/>
-                <a:ea typeface="+mn-ea"/>
-                <a:cs typeface="+mn-cs"/>
-              </a:rPr>
-              <a:t>batchowo</a:t>
-            </a:r>
-            <a:r>
-              <a:rPr lang="pl-PL" sz="1200" b="0" i="0" u="none" strike="noStrike" kern="1200" baseline="0" dirty="0">
-                <a:solidFill>
-                  <a:schemeClr val="tx1"/>
-                </a:solidFill>
-                <a:latin typeface="+mn-lt"/>
-                <a:ea typeface="+mn-ea"/>
-                <a:cs typeface="+mn-cs"/>
-              </a:rPr>
-              <a:t>, wg określonego kalendarza. </a:t>
-            </a:r>
-            <a:r>
-              <a:rPr lang="pl-PL" sz="1200" b="0" i="0" u="none" strike="noStrike" kern="1200" baseline="0" dirty="0" err="1">
-                <a:solidFill>
-                  <a:schemeClr val="tx1"/>
-                </a:solidFill>
-                <a:latin typeface="+mn-lt"/>
-                <a:ea typeface="+mn-ea"/>
-                <a:cs typeface="+mn-cs"/>
-              </a:rPr>
-              <a:t>Wszytsko</a:t>
-            </a:r>
-            <a:r>
-              <a:rPr lang="pl-PL" sz="1200" b="0" i="0" u="none" strike="noStrike" kern="1200" baseline="0" dirty="0">
-                <a:solidFill>
-                  <a:schemeClr val="tx1"/>
-                </a:solidFill>
-                <a:latin typeface="+mn-lt"/>
-                <a:ea typeface="+mn-ea"/>
-                <a:cs typeface="+mn-cs"/>
-              </a:rPr>
-              <a:t> to może być zaimplementowane w jednej aplikacji.</a:t>
-            </a:r>
-            <a:endParaRPr lang="pl-PL" dirty="0"/>
+              <a:rPr lang="pl-PL" dirty="0"/>
+              <a:t>-   </a:t>
+            </a:r>
+            <a:r>
+              <a:rPr lang="pl-PL" b="1" dirty="0" err="1"/>
+              <a:t>Dataset</a:t>
+            </a:r>
+            <a:r>
+              <a:rPr lang="pl-PL" dirty="0"/>
+              <a:t> – </a:t>
+            </a:r>
+            <a:r>
+              <a:rPr lang="pl-PL" dirty="0" err="1"/>
+              <a:t>strongly-typed</a:t>
+            </a:r>
+            <a:r>
+              <a:rPr lang="pl-PL" dirty="0"/>
+              <a:t> </a:t>
+            </a:r>
+            <a:r>
+              <a:rPr lang="pl-PL" dirty="0" err="1"/>
+              <a:t>dafaframe</a:t>
+            </a:r>
+            <a:r>
+              <a:rPr lang="pl-PL" dirty="0"/>
+              <a:t>.</a:t>
+            </a:r>
           </a:p>
         </p:txBody>
       </p:sp>
     </p:spTree>
     <p:extLst>
       <p:ext uri="{BB962C8B-B14F-4D97-AF65-F5344CB8AC3E}">
-        <p14:creationId xmlns:p14="http://schemas.microsoft.com/office/powerpoint/2010/main" val="2187535379"/>
+        <p14:creationId xmlns:p14="http://schemas.microsoft.com/office/powerpoint/2010/main" val="1396449375"/>
       </p:ext>
     </p:extLst>
   </p:cSld>
@@ -4486,327 +4814,29 @@
           <a:p>
             <a:r>
               <a:rPr lang="pl-PL" dirty="0"/>
-              <a:t>Spark (jak każdy </a:t>
-            </a:r>
-            <a:r>
-              <a:rPr lang="pl-PL" dirty="0" err="1"/>
-              <a:t>framework</a:t>
-            </a:r>
-            <a:r>
-              <a:rPr lang="pl-PL" dirty="0"/>
-              <a:t>) wprowadza kilka abstrakcji. Każda z tych abstrakcji w zasadzie reprezentuje rozporoszoną (</a:t>
-            </a:r>
-            <a:r>
-              <a:rPr lang="pl-PL" dirty="0" err="1"/>
-              <a:t>distributed</a:t>
-            </a:r>
-            <a:r>
-              <a:rPr lang="pl-PL" dirty="0"/>
-              <a:t>) kolekcję danych.</a:t>
-            </a:r>
-          </a:p>
-          <a:p>
-            <a:pPr marL="171450" indent="-171450">
-              <a:buFontTx/>
-              <a:buChar char="-"/>
-            </a:pPr>
-            <a:r>
-              <a:rPr lang="pl-PL" b="1" dirty="0"/>
-              <a:t>RDD (</a:t>
-            </a:r>
-            <a:r>
-              <a:rPr lang="pl-PL" b="1" dirty="0" err="1"/>
-              <a:t>Resilient</a:t>
-            </a:r>
-            <a:r>
-              <a:rPr lang="pl-PL" b="1" dirty="0"/>
-              <a:t> Distributed </a:t>
-            </a:r>
-            <a:r>
-              <a:rPr lang="pl-PL" b="1" dirty="0" err="1"/>
-              <a:t>Datasets</a:t>
-            </a:r>
-            <a:r>
-              <a:rPr lang="pl-PL" b="1" dirty="0"/>
-              <a:t>)– </a:t>
-            </a:r>
-            <a:r>
-              <a:rPr lang="pl-PL" dirty="0"/>
-              <a:t>podstawowa abstrakcja Sparka w wersja od 1 do 2, bez względu jaki typ kolekcji użyjemy, ostatecznie Spark kompiluje do RDD.  RDD to </a:t>
-            </a:r>
-            <a:r>
-              <a:rPr lang="pl-PL" dirty="0" err="1"/>
-              <a:t>niemienna</a:t>
-            </a:r>
-            <a:r>
-              <a:rPr lang="pl-PL" dirty="0"/>
-              <a:t> (</a:t>
-            </a:r>
-            <a:r>
-              <a:rPr lang="pl-PL" dirty="0" err="1"/>
-              <a:t>immutable</a:t>
-            </a:r>
-            <a:r>
-              <a:rPr lang="pl-PL" dirty="0"/>
-              <a:t>) kolekcja danych, partycjonowana (dzielona na </a:t>
-            </a:r>
-            <a:r>
-              <a:rPr lang="pl-PL" dirty="0" err="1"/>
-              <a:t>chunki</a:t>
-            </a:r>
-            <a:r>
-              <a:rPr lang="pl-PL" dirty="0"/>
-              <a:t> aby móc wykorzystać cały potencjał </a:t>
-            </a:r>
-            <a:r>
-              <a:rPr lang="pl-PL" dirty="0" err="1"/>
-              <a:t>zasówb</a:t>
-            </a:r>
-            <a:r>
-              <a:rPr lang="pl-PL" dirty="0"/>
-              <a:t> maszyn ma klastrze) na całym klastrze, dzięki czemu może być równolegle </a:t>
-            </a:r>
-            <a:r>
-              <a:rPr lang="pl-PL" dirty="0" err="1"/>
-              <a:t>przetwrzana</a:t>
-            </a:r>
-            <a:r>
-              <a:rPr lang="pl-PL" dirty="0"/>
-              <a:t> (in </a:t>
-            </a:r>
-            <a:r>
-              <a:rPr lang="pl-PL" dirty="0" err="1"/>
-              <a:t>parallel</a:t>
-            </a:r>
-            <a:r>
-              <a:rPr lang="pl-PL" dirty="0"/>
-              <a:t>). Wierszem w takiej kolekcji jest po prostu jakiś obiekt w języku programowania który używasz. Dzięki temu mamy pełną kontrolę na przechowywanymi obiektami, ale nie bez kompromisów. Każda manipulacja na swoich obiektach, zmusza Cię do wynalezienia na nowo koła (np. </a:t>
-            </a:r>
-            <a:r>
-              <a:rPr lang="pl-PL" dirty="0" err="1"/>
-              <a:t>serliazacja</a:t>
-            </a:r>
-            <a:r>
-              <a:rPr lang="pl-PL" dirty="0"/>
-              <a:t>). </a:t>
-            </a:r>
-            <a:r>
-              <a:rPr lang="pl-PL" dirty="0" err="1"/>
-              <a:t>Resilient</a:t>
-            </a:r>
-            <a:r>
-              <a:rPr lang="pl-PL" dirty="0"/>
-              <a:t> oznacza </a:t>
-            </a:r>
-            <a:r>
-              <a:rPr lang="pl-PL" dirty="0" err="1"/>
-              <a:t>fault</a:t>
-            </a:r>
-            <a:r>
-              <a:rPr lang="pl-PL" dirty="0"/>
-              <a:t>-tolerant, czyli jeśli jakaś partycja z powodu awarii </a:t>
-            </a:r>
-            <a:r>
-              <a:rPr lang="pl-PL" dirty="0" err="1"/>
-              <a:t>noda</a:t>
-            </a:r>
-            <a:r>
-              <a:rPr lang="pl-PL" dirty="0"/>
-              <a:t> w </a:t>
-            </a:r>
-            <a:r>
-              <a:rPr lang="pl-PL" dirty="0" err="1"/>
-              <a:t>clustrze</a:t>
-            </a:r>
-            <a:r>
-              <a:rPr lang="pl-PL" dirty="0"/>
-              <a:t> </a:t>
-            </a:r>
-            <a:r>
-              <a:rPr lang="pl-PL" dirty="0" err="1"/>
-              <a:t>nię</a:t>
-            </a:r>
-            <a:r>
-              <a:rPr lang="pl-PL" dirty="0"/>
-              <a:t> będzie </a:t>
-            </a:r>
-            <a:r>
-              <a:rPr lang="pl-PL" dirty="0" err="1"/>
-              <a:t>dostepna</a:t>
-            </a:r>
-            <a:r>
-              <a:rPr lang="pl-PL" dirty="0"/>
-              <a:t>, Spark jest w stanie ją ponownie odbudować (dzięki RDD </a:t>
-            </a:r>
-            <a:r>
-              <a:rPr lang="pl-PL" dirty="0" err="1"/>
-              <a:t>lineage</a:t>
-            </a:r>
-            <a:r>
-              <a:rPr lang="pl-PL" dirty="0"/>
-              <a:t>).</a:t>
-            </a:r>
-          </a:p>
-          <a:p>
-            <a:pPr marL="171450" indent="-171450">
-              <a:buFontTx/>
-              <a:buChar char="-"/>
-            </a:pPr>
-            <a:r>
-              <a:rPr lang="pl-PL" b="1" dirty="0" err="1"/>
-              <a:t>Ditributet</a:t>
-            </a:r>
-            <a:r>
-              <a:rPr lang="pl-PL" b="1" dirty="0"/>
-              <a:t> </a:t>
-            </a:r>
-            <a:r>
-              <a:rPr lang="pl-PL" b="1" dirty="0" err="1"/>
-              <a:t>values</a:t>
-            </a:r>
-            <a:r>
-              <a:rPr lang="pl-PL" b="1" dirty="0"/>
-              <a:t> (broadcast) </a:t>
-            </a:r>
-            <a:r>
-              <a:rPr lang="pl-PL" dirty="0"/>
-              <a:t>– pozwala na </a:t>
-            </a:r>
-            <a:r>
-              <a:rPr lang="pl-PL" dirty="0" err="1"/>
-              <a:t>wyslanie</a:t>
-            </a:r>
-            <a:r>
-              <a:rPr lang="pl-PL" dirty="0"/>
-              <a:t> stosukowo dużych ale tylko do odczytu </a:t>
-            </a:r>
-            <a:r>
-              <a:rPr lang="pl-PL" dirty="0" err="1"/>
-              <a:t>datasetów</a:t>
-            </a:r>
-            <a:r>
-              <a:rPr lang="pl-PL" dirty="0"/>
-              <a:t> do </a:t>
-            </a:r>
-            <a:r>
-              <a:rPr lang="pl-PL" dirty="0" err="1"/>
-              <a:t>worker</a:t>
-            </a:r>
-            <a:r>
-              <a:rPr lang="pl-PL" dirty="0"/>
-              <a:t> </a:t>
-            </a:r>
-            <a:r>
-              <a:rPr lang="pl-PL" dirty="0" err="1"/>
-              <a:t>nodów</a:t>
-            </a:r>
-            <a:r>
-              <a:rPr lang="pl-PL" dirty="0"/>
-              <a:t> (</a:t>
-            </a:r>
-            <a:r>
-              <a:rPr lang="pl-PL" dirty="0" err="1"/>
-              <a:t>executorów</a:t>
-            </a:r>
-            <a:r>
-              <a:rPr lang="pl-PL" dirty="0"/>
-              <a:t>). Znacznie redukuje </a:t>
-            </a:r>
-            <a:r>
-              <a:rPr lang="pl-PL" dirty="0" err="1"/>
-              <a:t>netwokr</a:t>
-            </a:r>
-            <a:r>
-              <a:rPr lang="pl-PL" dirty="0"/>
-              <a:t> transfer. Domyślnie bowiem Spark </a:t>
-            </a:r>
-            <a:r>
-              <a:rPr lang="pl-PL" dirty="0" err="1"/>
-              <a:t>wysyała</a:t>
-            </a:r>
-            <a:r>
-              <a:rPr lang="pl-PL" dirty="0"/>
-              <a:t> każdą zmienna do </a:t>
-            </a:r>
-            <a:r>
-              <a:rPr lang="pl-PL" dirty="0" err="1"/>
-              <a:t>worker</a:t>
-            </a:r>
-            <a:r>
-              <a:rPr lang="pl-PL" dirty="0"/>
-              <a:t> </a:t>
-            </a:r>
-            <a:r>
-              <a:rPr lang="pl-PL" dirty="0" err="1"/>
-              <a:t>nodów</a:t>
-            </a:r>
-            <a:r>
-              <a:rPr lang="pl-PL" dirty="0"/>
-              <a:t> dla każdej operacji </a:t>
-            </a:r>
-            <a:r>
-              <a:rPr lang="pl-PL" dirty="0" err="1"/>
-              <a:t>mna</a:t>
-            </a:r>
-            <a:r>
-              <a:rPr lang="pl-PL" dirty="0"/>
-              <a:t> danych.</a:t>
-            </a:r>
-          </a:p>
-          <a:p>
-            <a:pPr marL="171450" indent="-171450">
-              <a:buFontTx/>
-              <a:buChar char="-"/>
-            </a:pPr>
-            <a:r>
-              <a:rPr lang="pl-PL" b="1" dirty="0" err="1"/>
-              <a:t>DataFramne</a:t>
-            </a:r>
-            <a:r>
-              <a:rPr lang="pl-PL" dirty="0"/>
-              <a:t> – najprościej to tabela z kolumnami i wierszami, jak arkusz kalkulacyjny w Excelu. </a:t>
-            </a:r>
-            <a:r>
-              <a:rPr lang="pl-PL" dirty="0" err="1"/>
-              <a:t>Dataframe</a:t>
-            </a:r>
-            <a:r>
-              <a:rPr lang="pl-PL" dirty="0"/>
-              <a:t> jest jednak rozproszony na całym klastrze, gdyż po pierwsze mógłby nie zmieścić się na jednej maszynie, lub ta maszyna nie byłaby w stanie go przetworzyć albo trwałoby to bardzo długo. </a:t>
-            </a:r>
-          </a:p>
-          <a:p>
-            <a:pPr marL="0" indent="0">
-              <a:buFontTx/>
-              <a:buNone/>
-            </a:pPr>
-            <a:r>
-              <a:rPr lang="pl-PL" dirty="0"/>
-              <a:t>-   </a:t>
-            </a:r>
-            <a:r>
-              <a:rPr lang="pl-PL" b="1" dirty="0" err="1"/>
-              <a:t>Dataset</a:t>
-            </a:r>
-            <a:r>
-              <a:rPr lang="pl-PL" dirty="0"/>
-              <a:t> – </a:t>
-            </a:r>
-            <a:r>
-              <a:rPr lang="pl-PL" dirty="0" err="1"/>
-              <a:t>strongly-typed</a:t>
-            </a:r>
-            <a:r>
-              <a:rPr lang="pl-PL" dirty="0"/>
-              <a:t> </a:t>
-            </a:r>
-            <a:r>
-              <a:rPr lang="pl-PL" dirty="0" err="1"/>
-              <a:t>dafaframe</a:t>
-            </a:r>
-            <a:r>
-              <a:rPr lang="pl-PL" dirty="0"/>
-              <a:t>.</a:t>
+              <a:t>Driver proces jest odpowiedziany za wykonanie naszego programu na wszystkich </a:t>
+            </a:r>
+            <a:r>
+              <a:rPr lang="pl-PL" dirty="0" err="1"/>
+              <a:t>executorach</a:t>
+            </a:r>
+            <a:r>
+              <a:rPr lang="pl-PL" dirty="0"/>
+              <a:t>. W tym celu wykorzystuje </a:t>
+            </a:r>
+            <a:r>
+              <a:rPr lang="pl-PL" dirty="0" err="1"/>
+              <a:t>cluster</a:t>
+            </a:r>
+            <a:r>
+              <a:rPr lang="pl-PL" dirty="0"/>
+              <a:t> managera aby wiedzieć które zasoby są dostępne.</a:t>
+            </a:r>
+          </a:p>
+          <a:p>
+            <a:r>
+              <a:rPr lang="pl-PL" dirty="0"/>
+              <a:t>Cluster managerem może być np. YARN, MESOS czy KUBERNETES.</a:t>
             </a:r>
           </a:p>
         </p:txBody>
@@ -4814,7 +4844,7 @@
     </p:spTree>
     <p:extLst>
       <p:ext uri="{BB962C8B-B14F-4D97-AF65-F5344CB8AC3E}">
-        <p14:creationId xmlns:p14="http://schemas.microsoft.com/office/powerpoint/2010/main" val="1396449375"/>
+        <p14:creationId xmlns:p14="http://schemas.microsoft.com/office/powerpoint/2010/main" val="3532789281"/>
       </p:ext>
     </p:extLst>
   </p:cSld>
@@ -4870,29 +4900,106 @@
           <a:p>
             <a:r>
               <a:rPr lang="pl-PL" dirty="0"/>
-              <a:t>Driver proces jest odpowiedziany za wykonanie naszego programu na wszystkich </a:t>
-            </a:r>
-            <a:r>
-              <a:rPr lang="pl-PL" dirty="0" err="1"/>
-              <a:t>executorach</a:t>
-            </a:r>
-            <a:r>
-              <a:rPr lang="pl-PL" dirty="0"/>
-              <a:t>. W tym celu wykorzystuje </a:t>
-            </a:r>
-            <a:r>
-              <a:rPr lang="pl-PL" dirty="0" err="1"/>
-              <a:t>cluster</a:t>
-            </a:r>
-            <a:r>
-              <a:rPr lang="pl-PL" dirty="0"/>
-              <a:t> managera aby wiedzieć które zasoby są dostępne.</a:t>
-            </a:r>
-          </a:p>
-          <a:p>
-            <a:r>
-              <a:rPr lang="pl-PL" dirty="0"/>
-              <a:t>Cluster managerem może być np. YARN, MESOS czy KUBERNETES.</a:t>
+              <a:t>Spark oferuje 2 typy operacji na </a:t>
+            </a:r>
+            <a:r>
+              <a:rPr lang="pl-PL" dirty="0" err="1"/>
+              <a:t>dancyh</a:t>
+            </a:r>
+            <a:r>
+              <a:rPr lang="pl-PL" dirty="0"/>
+              <a:t>: </a:t>
+            </a:r>
+            <a:r>
+              <a:rPr lang="pl-PL" dirty="0" err="1"/>
+              <a:t>tranformacje</a:t>
+            </a:r>
+            <a:r>
+              <a:rPr lang="pl-PL" dirty="0"/>
+              <a:t> i akcje.</a:t>
+            </a:r>
+          </a:p>
+          <a:p>
+            <a:r>
+              <a:rPr lang="pl-PL" b="1" dirty="0"/>
+              <a:t>Transformacje</a:t>
+            </a:r>
+            <a:r>
+              <a:rPr lang="pl-PL" dirty="0"/>
+              <a:t> – ponieważ RDD jest </a:t>
+            </a:r>
+            <a:r>
+              <a:rPr lang="pl-PL" dirty="0" err="1"/>
+              <a:t>immutable</a:t>
+            </a:r>
+            <a:r>
+              <a:rPr lang="pl-PL" dirty="0"/>
+              <a:t> każda transformacja tworzy nowe RDD z poprzedniego.</a:t>
+            </a:r>
+          </a:p>
+          <a:p>
+            <a:r>
+              <a:rPr lang="pl-PL" b="1" dirty="0"/>
+              <a:t>Akcje</a:t>
+            </a:r>
+            <a:r>
+              <a:rPr lang="pl-PL" dirty="0"/>
+              <a:t> – wyliczają ostateczny rezultat obliczeń zwracając go do </a:t>
+            </a:r>
+            <a:r>
+              <a:rPr lang="pl-PL" dirty="0" err="1"/>
+              <a:t>divera</a:t>
+            </a:r>
+            <a:r>
+              <a:rPr lang="pl-PL" dirty="0"/>
+              <a:t> bądź zapisują w </a:t>
+            </a:r>
+            <a:r>
+              <a:rPr lang="pl-PL" dirty="0" err="1"/>
+              <a:t>external</a:t>
+            </a:r>
+            <a:r>
+              <a:rPr lang="pl-PL" dirty="0"/>
+              <a:t> </a:t>
+            </a:r>
+            <a:r>
+              <a:rPr lang="pl-PL" dirty="0" err="1"/>
+              <a:t>storage</a:t>
+            </a:r>
+            <a:r>
+              <a:rPr lang="pl-PL" dirty="0"/>
+              <a:t> system.</a:t>
+            </a:r>
+          </a:p>
+          <a:p>
+            <a:endParaRPr lang="pl-PL" dirty="0"/>
+          </a:p>
+          <a:p>
+            <a:r>
+              <a:rPr lang="pl-PL" dirty="0"/>
+              <a:t>Transformacje są </a:t>
+            </a:r>
+            <a:r>
+              <a:rPr lang="pl-PL" b="1" dirty="0" err="1"/>
+              <a:t>lazy</a:t>
+            </a:r>
+            <a:r>
+              <a:rPr lang="pl-PL" dirty="0"/>
+              <a:t>! Oznacza, że Spark poczeka możliwe jak najdłużej do wykonania </a:t>
+            </a:r>
+            <a:r>
+              <a:rPr lang="pl-PL" dirty="0" err="1"/>
+              <a:t>transfotmacji</a:t>
+            </a:r>
+            <a:r>
+              <a:rPr lang="pl-PL" dirty="0"/>
+              <a:t>. Zostanie ona wywołana przez akcję.</a:t>
+            </a:r>
+          </a:p>
+          <a:p>
+            <a:r>
+              <a:rPr lang="pl-PL" dirty="0"/>
+              <a:t>Zaleta takiego podejścia jest taka, że Spark może zbudować sobie bardziej efektywny plan zapytania niż wynikałoby to z naszego kodu.</a:t>
             </a:r>
           </a:p>
         </p:txBody>
@@ -4900,7 +5007,7 @@
     </p:spTree>
     <p:extLst>
       <p:ext uri="{BB962C8B-B14F-4D97-AF65-F5344CB8AC3E}">
-        <p14:creationId xmlns:p14="http://schemas.microsoft.com/office/powerpoint/2010/main" val="3532789281"/>
+        <p14:creationId xmlns:p14="http://schemas.microsoft.com/office/powerpoint/2010/main" val="1276424123"/>
       </p:ext>
     </p:extLst>
   </p:cSld>
@@ -4954,116 +5061,14 @@
           <a:bodyPr/>
           <a:lstStyle/>
           <a:p>
-            <a:r>
-              <a:rPr lang="pl-PL" dirty="0"/>
-              <a:t>Spark oferuje 2 typy operacji na </a:t>
-            </a:r>
-            <a:r>
-              <a:rPr lang="pl-PL" dirty="0" err="1"/>
-              <a:t>dancyh</a:t>
-            </a:r>
-            <a:r>
-              <a:rPr lang="pl-PL" dirty="0"/>
-              <a:t>: </a:t>
-            </a:r>
-            <a:r>
-              <a:rPr lang="pl-PL" dirty="0" err="1"/>
-              <a:t>tranformacje</a:t>
-            </a:r>
-            <a:r>
-              <a:rPr lang="pl-PL" dirty="0"/>
-              <a:t> i akcje.</a:t>
-            </a:r>
-          </a:p>
-          <a:p>
-            <a:r>
-              <a:rPr lang="pl-PL" b="1" dirty="0"/>
-              <a:t>Transformacje</a:t>
-            </a:r>
-            <a:r>
-              <a:rPr lang="pl-PL" dirty="0"/>
-              <a:t> – ponieważ RDD jest </a:t>
-            </a:r>
-            <a:r>
-              <a:rPr lang="pl-PL" dirty="0" err="1"/>
-              <a:t>immutable</a:t>
-            </a:r>
-            <a:r>
-              <a:rPr lang="pl-PL" dirty="0"/>
-              <a:t> każda transformacja tworzy nowe RDD z poprzedniego.</a:t>
-            </a:r>
-          </a:p>
-          <a:p>
-            <a:r>
-              <a:rPr lang="pl-PL" b="1" dirty="0"/>
-              <a:t>Akcje</a:t>
-            </a:r>
-            <a:r>
-              <a:rPr lang="pl-PL" dirty="0"/>
-              <a:t> – wyliczają ostateczny rezultat obliczeń zwracając go do </a:t>
-            </a:r>
-            <a:r>
-              <a:rPr lang="pl-PL" dirty="0" err="1"/>
-              <a:t>divera</a:t>
-            </a:r>
-            <a:r>
-              <a:rPr lang="pl-PL" dirty="0"/>
-              <a:t> bądź zapisują w </a:t>
-            </a:r>
-            <a:r>
-              <a:rPr lang="pl-PL" dirty="0" err="1"/>
-              <a:t>external</a:t>
-            </a:r>
-            <a:r>
-              <a:rPr lang="pl-PL" dirty="0"/>
-              <a:t> </a:t>
-            </a:r>
-            <a:r>
-              <a:rPr lang="pl-PL" dirty="0" err="1"/>
-              <a:t>storage</a:t>
-            </a:r>
-            <a:r>
-              <a:rPr lang="pl-PL" dirty="0"/>
-              <a:t> system.</a:t>
-            </a:r>
-          </a:p>
-          <a:p>
             <a:endParaRPr lang="pl-PL" dirty="0"/>
-          </a:p>
-          <a:p>
-            <a:r>
-              <a:rPr lang="pl-PL" dirty="0"/>
-              <a:t>Transformacje są </a:t>
-            </a:r>
-            <a:r>
-              <a:rPr lang="pl-PL" b="1" dirty="0" err="1"/>
-              <a:t>lazy</a:t>
-            </a:r>
-            <a:r>
-              <a:rPr lang="pl-PL" dirty="0"/>
-              <a:t>! Oznacza, że Spark poczeka możliwe jak najdłużej do wykonania </a:t>
-            </a:r>
-            <a:r>
-              <a:rPr lang="pl-PL" dirty="0" err="1"/>
-              <a:t>transfotmacji</a:t>
-            </a:r>
-            <a:r>
-              <a:rPr lang="pl-PL" dirty="0"/>
-              <a:t>. Zostanie ona wywołana przez akcję.</a:t>
-            </a:r>
-          </a:p>
-          <a:p>
-            <a:r>
-              <a:rPr lang="pl-PL" dirty="0"/>
-              <a:t>Zaleta takiego podejścia jest taka, że Spark może zbudować sobie bardziej efektywny plan zapytania niż wynikałoby to z naszego kodu.</a:t>
-            </a:r>
           </a:p>
         </p:txBody>
       </p:sp>
     </p:spTree>
     <p:extLst>
       <p:ext uri="{BB962C8B-B14F-4D97-AF65-F5344CB8AC3E}">
-        <p14:creationId xmlns:p14="http://schemas.microsoft.com/office/powerpoint/2010/main" val="1276424123"/>
+        <p14:creationId xmlns:p14="http://schemas.microsoft.com/office/powerpoint/2010/main" val="4043919891"/>
       </p:ext>
     </p:extLst>
   </p:cSld>
@@ -8223,21 +8228,8 @@
           <a:p>
             <a:r>
               <a:rPr lang="pl-PL" dirty="0"/>
-              <a:t>as a </a:t>
-            </a:r>
-            <a:r>
-              <a:rPr lang="pl-PL" dirty="0" err="1"/>
-              <a:t>next</a:t>
-            </a:r>
-            <a:r>
-              <a:rPr lang="pl-PL" dirty="0"/>
-              <a:t>-gen ETL </a:t>
-            </a:r>
-            <a:r>
-              <a:rPr lang="pl-PL" dirty="0" err="1"/>
-              <a:t>framework</a:t>
-            </a:r>
-            <a:endParaRPr lang="pl-PL" dirty="0"/>
+              <a:t>Krzysztof Stanaszek</a:t>
+            </a:r>
           </a:p>
         </p:txBody>
       </p:sp>
@@ -8263,7 +8255,11 @@
           <a:p>
             <a:r>
               <a:rPr lang="pl-PL" dirty="0"/>
-              <a:t>Apache Spark and Scala in Tandem</a:t>
+              <a:t>Apache Spark with Scala </a:t>
+            </a:r>
+            <a:r>
+              <a:rPr lang="pl-PL" dirty="0" err="1"/>
+              <a:t>Anylitics</a:t>
             </a:r>
             <a:endParaRPr lang="en-US" dirty="0"/>
           </a:p>
@@ -8423,205 +8419,6 @@
 </file>
 
 <file path=ppt/slides/slide10.xml><?xml version="1.0" encoding="utf-8"?>
-<p:sld xmlns:a="http://schemas.openxmlformats.org/drawingml/2006/main" xmlns:r="http://schemas.openxmlformats.org/officeDocument/2006/relationships" xmlns:p="http://schemas.openxmlformats.org/presentationml/2006/main">
-  <p:cSld>
-    <p:spTree>
-      <p:nvGrpSpPr>
-        <p:cNvPr id="1" name=""/>
-        <p:cNvGrpSpPr/>
-        <p:nvPr/>
-      </p:nvGrpSpPr>
-      <p:grpSpPr>
-        <a:xfrm>
-          <a:off x="0" y="0"/>
-          <a:ext cx="0" cy="0"/>
-          <a:chOff x="0" y="0"/>
-          <a:chExt cx="0" cy="0"/>
-        </a:xfrm>
-      </p:grpSpPr>
-      <p:sp>
-        <p:nvSpPr>
-          <p:cNvPr id="2" name="Title 1"/>
-          <p:cNvSpPr>
-            <a:spLocks noGrp="1"/>
-          </p:cNvSpPr>
-          <p:nvPr>
-            <p:ph type="title"/>
-          </p:nvPr>
-        </p:nvSpPr>
-        <p:spPr>
-          <a:xfrm>
-            <a:off x="755650" y="413693"/>
-            <a:ext cx="7632700" cy="357857"/>
-          </a:xfrm>
-        </p:spPr>
-        <p:txBody>
-          <a:bodyPr/>
-          <a:lstStyle/>
-          <a:p>
-            <a:br>
-              <a:rPr lang="pl-PL" dirty="0"/>
-            </a:br>
-            <a:r>
-              <a:rPr lang="pl-PL" dirty="0"/>
-              <a:t>Apache Spark Architecture</a:t>
-            </a:r>
-            <a:endParaRPr lang="en-US" dirty="0"/>
-          </a:p>
-        </p:txBody>
-      </p:sp>
-      <p:sp>
-        <p:nvSpPr>
-          <p:cNvPr id="3" name="Footer Placeholder 2"/>
-          <p:cNvSpPr>
-            <a:spLocks noGrp="1"/>
-          </p:cNvSpPr>
-          <p:nvPr>
-            <p:ph type="ftr" sz="quarter" idx="16"/>
-          </p:nvPr>
-        </p:nvSpPr>
-        <p:spPr/>
-        <p:txBody>
-          <a:bodyPr/>
-          <a:lstStyle/>
-          <a:p>
-            <a:endParaRPr lang="pl-PL" dirty="0"/>
-          </a:p>
-        </p:txBody>
-      </p:sp>
-      <p:sp>
-        <p:nvSpPr>
-          <p:cNvPr id="4" name="Date Placeholder 3"/>
-          <p:cNvSpPr>
-            <a:spLocks noGrp="1"/>
-          </p:cNvSpPr>
-          <p:nvPr>
-            <p:ph type="dt" sz="half" idx="15"/>
-          </p:nvPr>
-        </p:nvSpPr>
-        <p:spPr/>
-        <p:txBody>
-          <a:bodyPr/>
-          <a:lstStyle/>
-          <a:p>
-            <a:endParaRPr lang="pl-PL" dirty="0"/>
-          </a:p>
-        </p:txBody>
-      </p:sp>
-      <p:sp>
-        <p:nvSpPr>
-          <p:cNvPr id="7" name="TextBox 6"/>
-          <p:cNvSpPr txBox="1"/>
-          <p:nvPr/>
-        </p:nvSpPr>
-        <p:spPr>
-          <a:xfrm>
-            <a:off x="8859520" y="1198880"/>
-            <a:ext cx="914400" cy="914400"/>
-          </a:xfrm>
-          <a:prstGeom prst="rect">
-            <a:avLst/>
-          </a:prstGeom>
-          <a:noFill/>
-        </p:spPr>
-        <p:txBody>
-          <a:bodyPr wrap="none" lIns="0" tIns="0" rIns="0" bIns="0" rtlCol="0">
-            <a:noAutofit/>
-          </a:bodyPr>
-          <a:lstStyle/>
-          <a:p>
-            <a:pPr>
-              <a:lnSpc>
-                <a:spcPct val="140000"/>
-              </a:lnSpc>
-            </a:pPr>
-            <a:endParaRPr lang="en-US" dirty="0" err="1">
-              <a:solidFill>
-                <a:schemeClr val="tx1"/>
-              </a:solidFill>
-            </a:endParaRPr>
-          </a:p>
-        </p:txBody>
-      </p:sp>
-      <p:sp>
-        <p:nvSpPr>
-          <p:cNvPr id="11" name="TextBox 10"/>
-          <p:cNvSpPr txBox="1"/>
-          <p:nvPr/>
-        </p:nvSpPr>
-        <p:spPr>
-          <a:xfrm>
-            <a:off x="8524240" y="975360"/>
-            <a:ext cx="914400" cy="914400"/>
-          </a:xfrm>
-          <a:prstGeom prst="rect">
-            <a:avLst/>
-          </a:prstGeom>
-          <a:noFill/>
-        </p:spPr>
-        <p:txBody>
-          <a:bodyPr wrap="none" lIns="0" tIns="0" rIns="0" bIns="0" rtlCol="0">
-            <a:noAutofit/>
-          </a:bodyPr>
-          <a:lstStyle/>
-          <a:p>
-            <a:pPr>
-              <a:lnSpc>
-                <a:spcPct val="140000"/>
-              </a:lnSpc>
-            </a:pPr>
-            <a:endParaRPr lang="en-US" dirty="0" err="1">
-              <a:solidFill>
-                <a:schemeClr val="tx1"/>
-              </a:solidFill>
-            </a:endParaRPr>
-          </a:p>
-        </p:txBody>
-      </p:sp>
-      <p:pic>
-        <p:nvPicPr>
-          <p:cNvPr id="6" name="Picture 5">
-            <a:extLst>
-              <a:ext uri="{FF2B5EF4-FFF2-40B4-BE49-F238E27FC236}">
-                <a16:creationId xmlns:a16="http://schemas.microsoft.com/office/drawing/2014/main" id="{E56C735E-26BD-4FF5-92B6-016E4ACB8DB5}"/>
-              </a:ext>
-            </a:extLst>
-          </p:cNvPr>
-          <p:cNvPicPr>
-            <a:picLocks noChangeAspect="1"/>
-          </p:cNvPicPr>
-          <p:nvPr/>
-        </p:nvPicPr>
-        <p:blipFill>
-          <a:blip r:embed="rId3"/>
-          <a:stretch>
-            <a:fillRect/>
-          </a:stretch>
-        </p:blipFill>
-        <p:spPr>
-          <a:xfrm>
-            <a:off x="1619672" y="926072"/>
-            <a:ext cx="5602965" cy="3592377"/>
-          </a:xfrm>
-          <a:prstGeom prst="rect">
-            <a:avLst/>
-          </a:prstGeom>
-        </p:spPr>
-      </p:pic>
-    </p:spTree>
-    <p:extLst>
-      <p:ext uri="{BB962C8B-B14F-4D97-AF65-F5344CB8AC3E}">
-        <p14:creationId xmlns:p14="http://schemas.microsoft.com/office/powerpoint/2010/main" val="1727686954"/>
-      </p:ext>
-    </p:extLst>
-  </p:cSld>
-  <p:clrMapOvr>
-    <a:masterClrMapping/>
-  </p:clrMapOvr>
-</p:sld>
-</file>
-
-<file path=ppt/slides/slide11.xml><?xml version="1.0" encoding="utf-8"?>
 <p:sld xmlns:a="http://schemas.openxmlformats.org/drawingml/2006/main" xmlns:r="http://schemas.openxmlformats.org/officeDocument/2006/relationships" xmlns:p="http://schemas.openxmlformats.org/presentationml/2006/main">
   <p:cSld>
     <p:spTree>
@@ -8845,7 +8642,7 @@
 </p:sld>
 </file>
 
-<file path=ppt/slides/slide12.xml><?xml version="1.0" encoding="utf-8"?>
+<file path=ppt/slides/slide11.xml><?xml version="1.0" encoding="utf-8"?>
 <p:sld xmlns:a="http://schemas.openxmlformats.org/drawingml/2006/main" xmlns:r="http://schemas.openxmlformats.org/officeDocument/2006/relationships" xmlns:p="http://schemas.openxmlformats.org/presentationml/2006/main">
   <p:cSld>
     <p:spTree>
@@ -9339,7 +9136,7 @@
 </p:sld>
 </file>
 
-<file path=ppt/slides/slide13.xml><?xml version="1.0" encoding="utf-8"?>
+<file path=ppt/slides/slide12.xml><?xml version="1.0" encoding="utf-8"?>
 <p:sld xmlns:a="http://schemas.openxmlformats.org/drawingml/2006/main" xmlns:r="http://schemas.openxmlformats.org/officeDocument/2006/relationships" xmlns:p="http://schemas.openxmlformats.org/presentationml/2006/main">
   <p:cSld>
     <p:spTree>
@@ -9773,7 +9570,7 @@
 </p:sld>
 </file>
 
-<file path=ppt/slides/slide14.xml><?xml version="1.0" encoding="utf-8"?>
+<file path=ppt/slides/slide13.xml><?xml version="1.0" encoding="utf-8"?>
 <p:sld xmlns:a="http://schemas.openxmlformats.org/drawingml/2006/main" xmlns:r="http://schemas.openxmlformats.org/officeDocument/2006/relationships" xmlns:p="http://schemas.openxmlformats.org/presentationml/2006/main">
   <p:cSld>
     <p:spTree>
@@ -10169,7 +9966,7 @@
 </p:sld>
 </file>
 
-<file path=ppt/slides/slide15.xml><?xml version="1.0" encoding="utf-8"?>
+<file path=ppt/slides/slide14.xml><?xml version="1.0" encoding="utf-8"?>
 <p:sld xmlns:a="http://schemas.openxmlformats.org/drawingml/2006/main" xmlns:r="http://schemas.openxmlformats.org/officeDocument/2006/relationships" xmlns:p="http://schemas.openxmlformats.org/presentationml/2006/main">
   <p:cSld>
     <p:spTree>
@@ -10604,6 +10401,384 @@
     <p:extLst>
       <p:ext uri="{BB962C8B-B14F-4D97-AF65-F5344CB8AC3E}">
         <p14:creationId xmlns:p14="http://schemas.microsoft.com/office/powerpoint/2010/main" val="3776656830"/>
+      </p:ext>
+    </p:extLst>
+  </p:cSld>
+  <p:clrMapOvr>
+    <a:masterClrMapping/>
+  </p:clrMapOvr>
+</p:sld>
+</file>
+
+<file path=ppt/slides/slide15.xml><?xml version="1.0" encoding="utf-8"?>
+<p:sld xmlns:a="http://schemas.openxmlformats.org/drawingml/2006/main" xmlns:r="http://schemas.openxmlformats.org/officeDocument/2006/relationships" xmlns:p="http://schemas.openxmlformats.org/presentationml/2006/main">
+  <p:cSld>
+    <p:spTree>
+      <p:nvGrpSpPr>
+        <p:cNvPr id="1" name=""/>
+        <p:cNvGrpSpPr/>
+        <p:nvPr/>
+      </p:nvGrpSpPr>
+      <p:grpSpPr>
+        <a:xfrm>
+          <a:off x="0" y="0"/>
+          <a:ext cx="0" cy="0"/>
+          <a:chOff x="0" y="0"/>
+          <a:chExt cx="0" cy="0"/>
+        </a:xfrm>
+      </p:grpSpPr>
+      <p:sp>
+        <p:nvSpPr>
+          <p:cNvPr id="2" name="Title 1"/>
+          <p:cNvSpPr>
+            <a:spLocks noGrp="1"/>
+          </p:cNvSpPr>
+          <p:nvPr>
+            <p:ph type="title"/>
+          </p:nvPr>
+        </p:nvSpPr>
+        <p:spPr>
+          <a:xfrm>
+            <a:off x="755650" y="413693"/>
+            <a:ext cx="7632700" cy="357857"/>
+          </a:xfrm>
+        </p:spPr>
+        <p:txBody>
+          <a:bodyPr/>
+          <a:lstStyle/>
+          <a:p>
+            <a:r>
+              <a:rPr lang="pl-PL" dirty="0"/>
+              <a:t>Scala: </a:t>
+            </a:r>
+            <a:r>
+              <a:rPr lang="pl-PL" dirty="0" err="1"/>
+              <a:t>Pattern</a:t>
+            </a:r>
+            <a:r>
+              <a:rPr lang="pl-PL" dirty="0"/>
+              <a:t> </a:t>
+            </a:r>
+            <a:r>
+              <a:rPr lang="pl-PL" dirty="0" err="1"/>
+              <a:t>matching</a:t>
+            </a:r>
+            <a:endParaRPr lang="en-US" dirty="0"/>
+          </a:p>
+        </p:txBody>
+      </p:sp>
+      <p:sp>
+        <p:nvSpPr>
+          <p:cNvPr id="3" name="Footer Placeholder 2"/>
+          <p:cNvSpPr>
+            <a:spLocks noGrp="1"/>
+          </p:cNvSpPr>
+          <p:nvPr>
+            <p:ph type="ftr" sz="quarter" idx="16"/>
+          </p:nvPr>
+        </p:nvSpPr>
+        <p:spPr/>
+        <p:txBody>
+          <a:bodyPr/>
+          <a:lstStyle/>
+          <a:p>
+            <a:endParaRPr lang="pl-PL" dirty="0"/>
+          </a:p>
+        </p:txBody>
+      </p:sp>
+      <p:sp>
+        <p:nvSpPr>
+          <p:cNvPr id="4" name="Date Placeholder 3"/>
+          <p:cNvSpPr>
+            <a:spLocks noGrp="1"/>
+          </p:cNvSpPr>
+          <p:nvPr>
+            <p:ph type="dt" sz="half" idx="15"/>
+          </p:nvPr>
+        </p:nvSpPr>
+        <p:spPr/>
+        <p:txBody>
+          <a:bodyPr/>
+          <a:lstStyle/>
+          <a:p>
+            <a:endParaRPr lang="pl-PL" dirty="0"/>
+          </a:p>
+        </p:txBody>
+      </p:sp>
+      <p:sp>
+        <p:nvSpPr>
+          <p:cNvPr id="6" name="Text Placeholder 4"/>
+          <p:cNvSpPr txBox="1">
+            <a:spLocks/>
+          </p:cNvSpPr>
+          <p:nvPr/>
+        </p:nvSpPr>
+        <p:spPr>
+          <a:xfrm>
+            <a:off x="755650" y="915566"/>
+            <a:ext cx="7632700" cy="3797624"/>
+          </a:xfrm>
+          <a:prstGeom prst="rect">
+            <a:avLst/>
+          </a:prstGeom>
+        </p:spPr>
+        <p:txBody>
+          <a:bodyPr vert="horz" lIns="0" tIns="0" rIns="0" bIns="0" anchor="t"/>
+          <a:lstStyle>
+            <a:lvl1pPr marL="165100" indent="-165100" algn="l" defTabSz="914400" rtl="0" eaLnBrk="1" latinLnBrk="0" hangingPunct="1">
+              <a:lnSpc>
+                <a:spcPct val="140000"/>
+              </a:lnSpc>
+              <a:spcBef>
+                <a:spcPts val="0"/>
+              </a:spcBef>
+              <a:buClr>
+                <a:schemeClr val="accent1"/>
+              </a:buClr>
+              <a:buSzPct val="75000"/>
+              <a:buFont typeface="Wingdings" charset="2"/>
+              <a:buChar char="§"/>
+              <a:defRPr sz="1300" kern="1200">
+                <a:solidFill>
+                  <a:schemeClr val="tx1"/>
+                </a:solidFill>
+                <a:latin typeface="+mn-lt"/>
+                <a:ea typeface="+mn-ea"/>
+                <a:cs typeface="+mn-cs"/>
+              </a:defRPr>
+            </a:lvl1pPr>
+            <a:lvl2pPr marL="330200" indent="-165100" algn="l" defTabSz="914400" rtl="0" eaLnBrk="1" latinLnBrk="0" hangingPunct="1">
+              <a:lnSpc>
+                <a:spcPct val="140000"/>
+              </a:lnSpc>
+              <a:spcBef>
+                <a:spcPts val="0"/>
+              </a:spcBef>
+              <a:buClr>
+                <a:schemeClr val="bg2"/>
+              </a:buClr>
+              <a:buSzPct val="75000"/>
+              <a:buFont typeface="Wingdings" charset="2"/>
+              <a:buChar char="§"/>
+              <a:defRPr sz="1300" kern="1200">
+                <a:solidFill>
+                  <a:schemeClr val="tx1"/>
+                </a:solidFill>
+                <a:latin typeface="+mn-lt"/>
+                <a:ea typeface="+mn-ea"/>
+                <a:cs typeface="+mn-cs"/>
+              </a:defRPr>
+            </a:lvl2pPr>
+            <a:lvl3pPr marL="495300" indent="-165100" algn="l" defTabSz="914400" rtl="0" eaLnBrk="1" latinLnBrk="0" hangingPunct="1">
+              <a:lnSpc>
+                <a:spcPct val="140000"/>
+              </a:lnSpc>
+              <a:spcBef>
+                <a:spcPts val="0"/>
+              </a:spcBef>
+              <a:buClr>
+                <a:schemeClr val="bg2"/>
+              </a:buClr>
+              <a:buSzPct val="75000"/>
+              <a:buFont typeface="Wingdings" charset="2"/>
+              <a:buChar char="§"/>
+              <a:defRPr sz="1300" kern="1200">
+                <a:solidFill>
+                  <a:schemeClr val="tx1"/>
+                </a:solidFill>
+                <a:latin typeface="+mn-lt"/>
+                <a:ea typeface="+mn-ea"/>
+                <a:cs typeface="+mn-cs"/>
+              </a:defRPr>
+            </a:lvl3pPr>
+            <a:lvl4pPr marL="660400" indent="-165100" algn="l" defTabSz="914400" rtl="0" eaLnBrk="1" latinLnBrk="0" hangingPunct="1">
+              <a:lnSpc>
+                <a:spcPct val="140000"/>
+              </a:lnSpc>
+              <a:spcBef>
+                <a:spcPts val="0"/>
+              </a:spcBef>
+              <a:buClr>
+                <a:schemeClr val="bg2"/>
+              </a:buClr>
+              <a:buSzPct val="75000"/>
+              <a:buFont typeface="Wingdings" charset="2"/>
+              <a:buChar char="§"/>
+              <a:defRPr sz="1300" kern="1200">
+                <a:solidFill>
+                  <a:schemeClr val="tx1"/>
+                </a:solidFill>
+                <a:latin typeface="+mn-lt"/>
+                <a:ea typeface="+mn-ea"/>
+                <a:cs typeface="+mn-cs"/>
+              </a:defRPr>
+            </a:lvl4pPr>
+            <a:lvl5pPr marL="825500" indent="-165100" algn="l" defTabSz="914400" rtl="0" eaLnBrk="1" latinLnBrk="0" hangingPunct="1">
+              <a:lnSpc>
+                <a:spcPct val="140000"/>
+              </a:lnSpc>
+              <a:spcBef>
+                <a:spcPts val="0"/>
+              </a:spcBef>
+              <a:buClr>
+                <a:schemeClr val="bg2"/>
+              </a:buClr>
+              <a:buSzPct val="75000"/>
+              <a:buFont typeface="Wingdings" charset="2"/>
+              <a:buChar char="§"/>
+              <a:defRPr sz="1300" kern="1200">
+                <a:solidFill>
+                  <a:schemeClr val="tx1"/>
+                </a:solidFill>
+                <a:latin typeface="+mn-lt"/>
+                <a:ea typeface="+mn-ea"/>
+                <a:cs typeface="+mn-cs"/>
+              </a:defRPr>
+            </a:lvl5pPr>
+            <a:lvl6pPr marL="2514600" indent="-228600" algn="l" defTabSz="914400" rtl="0" eaLnBrk="1" latinLnBrk="0" hangingPunct="1">
+              <a:spcBef>
+                <a:spcPct val="20000"/>
+              </a:spcBef>
+              <a:buFont typeface="Arial" pitchFamily="34" charset="0"/>
+              <a:buChar char="•"/>
+              <a:defRPr sz="2000" kern="1200">
+                <a:solidFill>
+                  <a:schemeClr val="tx1"/>
+                </a:solidFill>
+                <a:latin typeface="+mn-lt"/>
+                <a:ea typeface="+mn-ea"/>
+                <a:cs typeface="+mn-cs"/>
+              </a:defRPr>
+            </a:lvl6pPr>
+            <a:lvl7pPr marL="2971800" indent="-228600" algn="l" defTabSz="914400" rtl="0" eaLnBrk="1" latinLnBrk="0" hangingPunct="1">
+              <a:spcBef>
+                <a:spcPct val="20000"/>
+              </a:spcBef>
+              <a:buFont typeface="Arial" pitchFamily="34" charset="0"/>
+              <a:buChar char="•"/>
+              <a:defRPr sz="2000" kern="1200">
+                <a:solidFill>
+                  <a:schemeClr val="tx1"/>
+                </a:solidFill>
+                <a:latin typeface="+mn-lt"/>
+                <a:ea typeface="+mn-ea"/>
+                <a:cs typeface="+mn-cs"/>
+              </a:defRPr>
+            </a:lvl7pPr>
+            <a:lvl8pPr marL="3429000" indent="-228600" algn="l" defTabSz="914400" rtl="0" eaLnBrk="1" latinLnBrk="0" hangingPunct="1">
+              <a:spcBef>
+                <a:spcPct val="20000"/>
+              </a:spcBef>
+              <a:buFont typeface="Arial" pitchFamily="34" charset="0"/>
+              <a:buChar char="•"/>
+              <a:defRPr sz="2000" kern="1200">
+                <a:solidFill>
+                  <a:schemeClr val="tx1"/>
+                </a:solidFill>
+                <a:latin typeface="+mn-lt"/>
+                <a:ea typeface="+mn-ea"/>
+                <a:cs typeface="+mn-cs"/>
+              </a:defRPr>
+            </a:lvl8pPr>
+            <a:lvl9pPr marL="3886200" indent="-228600" algn="l" defTabSz="914400" rtl="0" eaLnBrk="1" latinLnBrk="0" hangingPunct="1">
+              <a:spcBef>
+                <a:spcPct val="20000"/>
+              </a:spcBef>
+              <a:buFont typeface="Arial" pitchFamily="34" charset="0"/>
+              <a:buChar char="•"/>
+              <a:defRPr sz="2000" kern="1200">
+                <a:solidFill>
+                  <a:schemeClr val="tx1"/>
+                </a:solidFill>
+                <a:latin typeface="+mn-lt"/>
+                <a:ea typeface="+mn-ea"/>
+                <a:cs typeface="+mn-cs"/>
+              </a:defRPr>
+            </a:lvl9pPr>
+          </a:lstStyle>
+          <a:p>
+            <a:r>
+              <a:rPr lang="pl-PL" sz="2000" dirty="0"/>
+              <a:t>„</a:t>
+            </a:r>
+            <a:r>
+              <a:rPr lang="pl-PL" sz="2000" dirty="0" err="1"/>
+              <a:t>switch</a:t>
+            </a:r>
+            <a:r>
+              <a:rPr lang="pl-PL" sz="2000" dirty="0"/>
+              <a:t>” on </a:t>
+            </a:r>
+            <a:r>
+              <a:rPr lang="pl-PL" sz="2000" dirty="0" err="1"/>
+              <a:t>steroids</a:t>
+            </a:r>
+            <a:endParaRPr lang="pl-PL" sz="2000" dirty="0"/>
+          </a:p>
+          <a:p>
+            <a:r>
+              <a:rPr lang="en-US" sz="2000" dirty="0"/>
+              <a:t>Match against class hierarchies, sequences, and</a:t>
+            </a:r>
+            <a:r>
+              <a:rPr lang="pl-PL" sz="2000" dirty="0"/>
+              <a:t> </a:t>
+            </a:r>
+            <a:r>
+              <a:rPr lang="pl-PL" sz="2000" dirty="0" err="1"/>
+              <a:t>case</a:t>
+            </a:r>
+            <a:r>
+              <a:rPr lang="pl-PL" sz="2000" dirty="0"/>
+              <a:t> </a:t>
+            </a:r>
+            <a:r>
+              <a:rPr lang="pl-PL" sz="2000" dirty="0" err="1"/>
+              <a:t>classes</a:t>
+            </a:r>
+            <a:endParaRPr lang="pl-PL" sz="2000" dirty="0"/>
+          </a:p>
+          <a:p>
+            <a:r>
+              <a:rPr lang="pl-PL" sz="2000" dirty="0" err="1"/>
+              <a:t>Very</a:t>
+            </a:r>
+            <a:r>
+              <a:rPr lang="pl-PL" sz="2000" dirty="0"/>
+              <a:t> </a:t>
+            </a:r>
+            <a:r>
+              <a:rPr lang="pl-PL" sz="2000" dirty="0" err="1"/>
+              <a:t>powerful</a:t>
+            </a:r>
+            <a:r>
+              <a:rPr lang="pl-PL" sz="2000" dirty="0"/>
+              <a:t> in Spark </a:t>
+            </a:r>
+            <a:r>
+              <a:rPr lang="pl-PL" sz="2000" dirty="0" err="1"/>
+              <a:t>transformations</a:t>
+            </a:r>
+            <a:endParaRPr lang="pl-PL" sz="2000" dirty="0"/>
+          </a:p>
+          <a:p>
+            <a:pPr marL="0" indent="0">
+              <a:buNone/>
+            </a:pPr>
+            <a:endParaRPr lang="en-US" sz="2000" dirty="0"/>
+          </a:p>
+          <a:p>
+            <a:pPr marL="0" indent="0">
+              <a:buNone/>
+            </a:pPr>
+            <a:endParaRPr lang="pl-PL" sz="2000" dirty="0"/>
+          </a:p>
+        </p:txBody>
+      </p:sp>
+    </p:spTree>
+    <p:extLst>
+      <p:ext uri="{BB962C8B-B14F-4D97-AF65-F5344CB8AC3E}">
+        <p14:creationId xmlns:p14="http://schemas.microsoft.com/office/powerpoint/2010/main" val="3173888047"/>
       </p:ext>
     </p:extLst>
   </p:cSld>
@@ -11104,20 +11279,12 @@
           <a:lstStyle/>
           <a:p>
             <a:r>
-              <a:rPr lang="pl-PL" dirty="0"/>
-              <a:t>Scala: </a:t>
-            </a:r>
-            <a:r>
-              <a:rPr lang="pl-PL" dirty="0" err="1"/>
-              <a:t>Pattern</a:t>
-            </a:r>
-            <a:r>
-              <a:rPr lang="pl-PL" dirty="0"/>
-              <a:t> </a:t>
-            </a:r>
-            <a:r>
-              <a:rPr lang="pl-PL" dirty="0" err="1"/>
-              <a:t>matching</a:t>
+              <a:rPr lang="en-US" dirty="0"/>
+              <a:t>Scala: function as a first class </a:t>
+            </a:r>
+            <a:r>
+              <a:rPr lang="en-US" dirty="0" err="1"/>
+              <a:t>citizien</a:t>
             </a:r>
             <a:endParaRPr lang="en-US" dirty="0"/>
           </a:p>
@@ -11354,68 +11521,46 @@
           </a:lstStyle>
           <a:p>
             <a:r>
-              <a:rPr lang="pl-PL" sz="2000" dirty="0"/>
-              <a:t>„</a:t>
-            </a:r>
-            <a:r>
-              <a:rPr lang="pl-PL" sz="2000" dirty="0" err="1"/>
-              <a:t>switch</a:t>
-            </a:r>
-            <a:r>
-              <a:rPr lang="pl-PL" sz="2000" dirty="0"/>
-              <a:t>” on </a:t>
-            </a:r>
-            <a:r>
-              <a:rPr lang="pl-PL" sz="2000" dirty="0" err="1"/>
-              <a:t>steroids</a:t>
-            </a:r>
-            <a:endParaRPr lang="pl-PL" sz="2000" dirty="0"/>
-          </a:p>
-          <a:p>
-            <a:r>
               <a:rPr lang="en-US" sz="2000" dirty="0"/>
-              <a:t>Match against class hierarchies, sequences, and</a:t>
-            </a:r>
-            <a:r>
-              <a:rPr lang="pl-PL" sz="2000" dirty="0"/>
-              <a:t> </a:t>
-            </a:r>
-            <a:r>
-              <a:rPr lang="pl-PL" sz="2000" dirty="0" err="1"/>
-              <a:t>case</a:t>
-            </a:r>
-            <a:r>
-              <a:rPr lang="pl-PL" sz="2000" dirty="0"/>
-              <a:t> </a:t>
-            </a:r>
-            <a:r>
-              <a:rPr lang="pl-PL" sz="2000" dirty="0" err="1"/>
-              <a:t>classes</a:t>
-            </a:r>
-            <a:endParaRPr lang="pl-PL" sz="2000" dirty="0"/>
-          </a:p>
-          <a:p>
-            <a:r>
-              <a:rPr lang="pl-PL" sz="2000" dirty="0" err="1"/>
-              <a:t>Very</a:t>
-            </a:r>
-            <a:r>
-              <a:rPr lang="pl-PL" sz="2000" dirty="0"/>
-              <a:t> </a:t>
-            </a:r>
-            <a:r>
-              <a:rPr lang="pl-PL" sz="2000" dirty="0" err="1"/>
-              <a:t>powerful</a:t>
-            </a:r>
-            <a:r>
-              <a:rPr lang="pl-PL" sz="2000" dirty="0"/>
-              <a:t> in Spark </a:t>
-            </a:r>
-            <a:r>
-              <a:rPr lang="pl-PL" sz="2000" dirty="0" err="1"/>
-              <a:t>transformations</a:t>
-            </a:r>
-            <a:endParaRPr lang="pl-PL" sz="2000" dirty="0"/>
+              <a:t>Pure – no side effects</a:t>
+            </a:r>
+          </a:p>
+          <a:p>
+            <a:r>
+              <a:rPr lang="en-US" sz="2000" dirty="0"/>
+              <a:t>High-Order – can </a:t>
+            </a:r>
+            <a:r>
+              <a:rPr lang="en-US" sz="2000" dirty="0" err="1"/>
+              <a:t>accpet</a:t>
+            </a:r>
+            <a:r>
+              <a:rPr lang="en-US" sz="2000" dirty="0"/>
+              <a:t> as a argument or </a:t>
+            </a:r>
+            <a:r>
+              <a:rPr lang="en-US" sz="2000" dirty="0" err="1"/>
+              <a:t>reurn</a:t>
+            </a:r>
+            <a:r>
+              <a:rPr lang="en-US" sz="2000" dirty="0"/>
+              <a:t> another function</a:t>
+            </a:r>
+          </a:p>
+          <a:p>
+            <a:r>
+              <a:rPr lang="en-US" sz="2000" dirty="0"/>
+              <a:t>Very powerful in Spark transformations</a:t>
+            </a:r>
+          </a:p>
+          <a:p>
+            <a:endParaRPr lang="en-US" sz="2000" dirty="0"/>
+          </a:p>
+          <a:p>
+            <a:endParaRPr lang="en-US" sz="2000" dirty="0"/>
+          </a:p>
+          <a:p>
+            <a:endParaRPr lang="en-US" sz="2000" dirty="0"/>
           </a:p>
           <a:p>
             <a:pPr marL="0" indent="0">
@@ -11423,18 +11568,12 @@
             </a:pPr>
             <a:endParaRPr lang="en-US" sz="2000" dirty="0"/>
           </a:p>
-          <a:p>
-            <a:pPr marL="0" indent="0">
-              <a:buNone/>
-            </a:pPr>
-            <a:endParaRPr lang="pl-PL" sz="2000" dirty="0"/>
-          </a:p>
         </p:txBody>
       </p:sp>
     </p:spTree>
     <p:extLst>
       <p:ext uri="{BB962C8B-B14F-4D97-AF65-F5344CB8AC3E}">
-        <p14:creationId xmlns:p14="http://schemas.microsoft.com/office/powerpoint/2010/main" val="3173888047"/>
+        <p14:creationId xmlns:p14="http://schemas.microsoft.com/office/powerpoint/2010/main" val="2199849601"/>
       </p:ext>
     </p:extLst>
   </p:cSld>
@@ -11487,31 +11626,7 @@
             </a:r>
             <a:r>
               <a:rPr lang="pl-PL" dirty="0" err="1"/>
-              <a:t>function</a:t>
-            </a:r>
-            <a:r>
-              <a:rPr lang="pl-PL" dirty="0"/>
-              <a:t> as a </a:t>
-            </a:r>
-            <a:r>
-              <a:rPr lang="pl-PL" dirty="0" err="1"/>
-              <a:t>first</a:t>
-            </a:r>
-            <a:r>
-              <a:rPr lang="pl-PL" dirty="0"/>
-              <a:t> </a:t>
-            </a:r>
-            <a:r>
-              <a:rPr lang="pl-PL" dirty="0" err="1"/>
-              <a:t>class</a:t>
-            </a:r>
-            <a:r>
-              <a:rPr lang="pl-PL" dirty="0"/>
-              <a:t> </a:t>
-            </a:r>
-            <a:r>
-              <a:rPr lang="pl-PL" dirty="0" err="1"/>
-              <a:t>citizien</a:t>
+              <a:t>collections</a:t>
             </a:r>
             <a:endParaRPr lang="en-US" dirty="0"/>
           </a:p>
@@ -11749,411 +11864,6 @@
           <a:p>
             <a:r>
               <a:rPr lang="pl-PL" sz="2000" dirty="0" err="1"/>
-              <a:t>Pure</a:t>
-            </a:r>
-            <a:r>
-              <a:rPr lang="pl-PL" sz="2000" dirty="0"/>
-              <a:t> – no </a:t>
-            </a:r>
-            <a:r>
-              <a:rPr lang="pl-PL" sz="2000" dirty="0" err="1"/>
-              <a:t>side</a:t>
-            </a:r>
-            <a:r>
-              <a:rPr lang="pl-PL" sz="2000" dirty="0"/>
-              <a:t> </a:t>
-            </a:r>
-            <a:r>
-              <a:rPr lang="pl-PL" sz="2000" dirty="0" err="1"/>
-              <a:t>effects</a:t>
-            </a:r>
-            <a:endParaRPr lang="pl-PL" sz="2000" dirty="0"/>
-          </a:p>
-          <a:p>
-            <a:r>
-              <a:rPr lang="pl-PL" sz="2000" dirty="0"/>
-              <a:t>High-Order – </a:t>
-            </a:r>
-            <a:r>
-              <a:rPr lang="pl-PL" sz="2000" dirty="0" err="1"/>
-              <a:t>can</a:t>
-            </a:r>
-            <a:r>
-              <a:rPr lang="pl-PL" sz="2000" dirty="0"/>
-              <a:t> </a:t>
-            </a:r>
-            <a:r>
-              <a:rPr lang="pl-PL" sz="2000" dirty="0" err="1"/>
-              <a:t>accpet</a:t>
-            </a:r>
-            <a:r>
-              <a:rPr lang="pl-PL" sz="2000" dirty="0"/>
-              <a:t> as a argument </a:t>
-            </a:r>
-            <a:r>
-              <a:rPr lang="pl-PL" sz="2000" dirty="0" err="1"/>
-              <a:t>or</a:t>
-            </a:r>
-            <a:r>
-              <a:rPr lang="pl-PL" sz="2000" dirty="0"/>
-              <a:t> </a:t>
-            </a:r>
-            <a:r>
-              <a:rPr lang="pl-PL" sz="2000" dirty="0" err="1"/>
-              <a:t>reurn</a:t>
-            </a:r>
-            <a:r>
-              <a:rPr lang="pl-PL" sz="2000" dirty="0"/>
-              <a:t> </a:t>
-            </a:r>
-            <a:r>
-              <a:rPr lang="pl-PL" sz="2000" dirty="0" err="1"/>
-              <a:t>another</a:t>
-            </a:r>
-            <a:r>
-              <a:rPr lang="pl-PL" sz="2000" dirty="0"/>
-              <a:t> </a:t>
-            </a:r>
-            <a:r>
-              <a:rPr lang="pl-PL" sz="2000" dirty="0" err="1"/>
-              <a:t>function</a:t>
-            </a:r>
-            <a:endParaRPr lang="pl-PL" sz="2000" dirty="0"/>
-          </a:p>
-          <a:p>
-            <a:r>
-              <a:rPr lang="pl-PL" sz="2000" dirty="0" err="1"/>
-              <a:t>Very</a:t>
-            </a:r>
-            <a:r>
-              <a:rPr lang="pl-PL" sz="2000" dirty="0"/>
-              <a:t> </a:t>
-            </a:r>
-            <a:r>
-              <a:rPr lang="pl-PL" sz="2000" dirty="0" err="1"/>
-              <a:t>powerful</a:t>
-            </a:r>
-            <a:r>
-              <a:rPr lang="pl-PL" sz="2000" dirty="0"/>
-              <a:t> in Spark </a:t>
-            </a:r>
-            <a:r>
-              <a:rPr lang="pl-PL" sz="2000" dirty="0" err="1"/>
-              <a:t>transformations</a:t>
-            </a:r>
-            <a:endParaRPr lang="pl-PL" sz="2000" dirty="0"/>
-          </a:p>
-          <a:p>
-            <a:endParaRPr lang="pl-PL" sz="2000" dirty="0"/>
-          </a:p>
-          <a:p>
-            <a:endParaRPr lang="pl-PL" sz="2000" dirty="0"/>
-          </a:p>
-          <a:p>
-            <a:endParaRPr lang="en-US" sz="2000" dirty="0"/>
-          </a:p>
-          <a:p>
-            <a:pPr marL="0" indent="0">
-              <a:buNone/>
-            </a:pPr>
-            <a:endParaRPr lang="pl-PL" sz="2000" dirty="0"/>
-          </a:p>
-        </p:txBody>
-      </p:sp>
-    </p:spTree>
-    <p:extLst>
-      <p:ext uri="{BB962C8B-B14F-4D97-AF65-F5344CB8AC3E}">
-        <p14:creationId xmlns:p14="http://schemas.microsoft.com/office/powerpoint/2010/main" val="2199849601"/>
-      </p:ext>
-    </p:extLst>
-  </p:cSld>
-  <p:clrMapOvr>
-    <a:masterClrMapping/>
-  </p:clrMapOvr>
-</p:sld>
-</file>
-
-<file path=ppt/slides/slide19.xml><?xml version="1.0" encoding="utf-8"?>
-<p:sld xmlns:a="http://schemas.openxmlformats.org/drawingml/2006/main" xmlns:r="http://schemas.openxmlformats.org/officeDocument/2006/relationships" xmlns:p="http://schemas.openxmlformats.org/presentationml/2006/main">
-  <p:cSld>
-    <p:spTree>
-      <p:nvGrpSpPr>
-        <p:cNvPr id="1" name=""/>
-        <p:cNvGrpSpPr/>
-        <p:nvPr/>
-      </p:nvGrpSpPr>
-      <p:grpSpPr>
-        <a:xfrm>
-          <a:off x="0" y="0"/>
-          <a:ext cx="0" cy="0"/>
-          <a:chOff x="0" y="0"/>
-          <a:chExt cx="0" cy="0"/>
-        </a:xfrm>
-      </p:grpSpPr>
-      <p:sp>
-        <p:nvSpPr>
-          <p:cNvPr id="2" name="Title 1"/>
-          <p:cNvSpPr>
-            <a:spLocks noGrp="1"/>
-          </p:cNvSpPr>
-          <p:nvPr>
-            <p:ph type="title"/>
-          </p:nvPr>
-        </p:nvSpPr>
-        <p:spPr>
-          <a:xfrm>
-            <a:off x="755650" y="413693"/>
-            <a:ext cx="7632700" cy="357857"/>
-          </a:xfrm>
-        </p:spPr>
-        <p:txBody>
-          <a:bodyPr/>
-          <a:lstStyle/>
-          <a:p>
-            <a:r>
-              <a:rPr lang="pl-PL" dirty="0"/>
-              <a:t>Scala: </a:t>
-            </a:r>
-            <a:r>
-              <a:rPr lang="pl-PL" dirty="0" err="1"/>
-              <a:t>collections</a:t>
-            </a:r>
-            <a:endParaRPr lang="en-US" dirty="0"/>
-          </a:p>
-        </p:txBody>
-      </p:sp>
-      <p:sp>
-        <p:nvSpPr>
-          <p:cNvPr id="3" name="Footer Placeholder 2"/>
-          <p:cNvSpPr>
-            <a:spLocks noGrp="1"/>
-          </p:cNvSpPr>
-          <p:nvPr>
-            <p:ph type="ftr" sz="quarter" idx="16"/>
-          </p:nvPr>
-        </p:nvSpPr>
-        <p:spPr/>
-        <p:txBody>
-          <a:bodyPr/>
-          <a:lstStyle/>
-          <a:p>
-            <a:endParaRPr lang="pl-PL" dirty="0"/>
-          </a:p>
-        </p:txBody>
-      </p:sp>
-      <p:sp>
-        <p:nvSpPr>
-          <p:cNvPr id="4" name="Date Placeholder 3"/>
-          <p:cNvSpPr>
-            <a:spLocks noGrp="1"/>
-          </p:cNvSpPr>
-          <p:nvPr>
-            <p:ph type="dt" sz="half" idx="15"/>
-          </p:nvPr>
-        </p:nvSpPr>
-        <p:spPr/>
-        <p:txBody>
-          <a:bodyPr/>
-          <a:lstStyle/>
-          <a:p>
-            <a:endParaRPr lang="pl-PL" dirty="0"/>
-          </a:p>
-        </p:txBody>
-      </p:sp>
-      <p:sp>
-        <p:nvSpPr>
-          <p:cNvPr id="6" name="Text Placeholder 4"/>
-          <p:cNvSpPr txBox="1">
-            <a:spLocks/>
-          </p:cNvSpPr>
-          <p:nvPr/>
-        </p:nvSpPr>
-        <p:spPr>
-          <a:xfrm>
-            <a:off x="755650" y="915566"/>
-            <a:ext cx="7632700" cy="3797624"/>
-          </a:xfrm>
-          <a:prstGeom prst="rect">
-            <a:avLst/>
-          </a:prstGeom>
-        </p:spPr>
-        <p:txBody>
-          <a:bodyPr vert="horz" lIns="0" tIns="0" rIns="0" bIns="0" anchor="t"/>
-          <a:lstStyle>
-            <a:lvl1pPr marL="165100" indent="-165100" algn="l" defTabSz="914400" rtl="0" eaLnBrk="1" latinLnBrk="0" hangingPunct="1">
-              <a:lnSpc>
-                <a:spcPct val="140000"/>
-              </a:lnSpc>
-              <a:spcBef>
-                <a:spcPts val="0"/>
-              </a:spcBef>
-              <a:buClr>
-                <a:schemeClr val="accent1"/>
-              </a:buClr>
-              <a:buSzPct val="75000"/>
-              <a:buFont typeface="Wingdings" charset="2"/>
-              <a:buChar char="§"/>
-              <a:defRPr sz="1300" kern="1200">
-                <a:solidFill>
-                  <a:schemeClr val="tx1"/>
-                </a:solidFill>
-                <a:latin typeface="+mn-lt"/>
-                <a:ea typeface="+mn-ea"/>
-                <a:cs typeface="+mn-cs"/>
-              </a:defRPr>
-            </a:lvl1pPr>
-            <a:lvl2pPr marL="330200" indent="-165100" algn="l" defTabSz="914400" rtl="0" eaLnBrk="1" latinLnBrk="0" hangingPunct="1">
-              <a:lnSpc>
-                <a:spcPct val="140000"/>
-              </a:lnSpc>
-              <a:spcBef>
-                <a:spcPts val="0"/>
-              </a:spcBef>
-              <a:buClr>
-                <a:schemeClr val="bg2"/>
-              </a:buClr>
-              <a:buSzPct val="75000"/>
-              <a:buFont typeface="Wingdings" charset="2"/>
-              <a:buChar char="§"/>
-              <a:defRPr sz="1300" kern="1200">
-                <a:solidFill>
-                  <a:schemeClr val="tx1"/>
-                </a:solidFill>
-                <a:latin typeface="+mn-lt"/>
-                <a:ea typeface="+mn-ea"/>
-                <a:cs typeface="+mn-cs"/>
-              </a:defRPr>
-            </a:lvl2pPr>
-            <a:lvl3pPr marL="495300" indent="-165100" algn="l" defTabSz="914400" rtl="0" eaLnBrk="1" latinLnBrk="0" hangingPunct="1">
-              <a:lnSpc>
-                <a:spcPct val="140000"/>
-              </a:lnSpc>
-              <a:spcBef>
-                <a:spcPts val="0"/>
-              </a:spcBef>
-              <a:buClr>
-                <a:schemeClr val="bg2"/>
-              </a:buClr>
-              <a:buSzPct val="75000"/>
-              <a:buFont typeface="Wingdings" charset="2"/>
-              <a:buChar char="§"/>
-              <a:defRPr sz="1300" kern="1200">
-                <a:solidFill>
-                  <a:schemeClr val="tx1"/>
-                </a:solidFill>
-                <a:latin typeface="+mn-lt"/>
-                <a:ea typeface="+mn-ea"/>
-                <a:cs typeface="+mn-cs"/>
-              </a:defRPr>
-            </a:lvl3pPr>
-            <a:lvl4pPr marL="660400" indent="-165100" algn="l" defTabSz="914400" rtl="0" eaLnBrk="1" latinLnBrk="0" hangingPunct="1">
-              <a:lnSpc>
-                <a:spcPct val="140000"/>
-              </a:lnSpc>
-              <a:spcBef>
-                <a:spcPts val="0"/>
-              </a:spcBef>
-              <a:buClr>
-                <a:schemeClr val="bg2"/>
-              </a:buClr>
-              <a:buSzPct val="75000"/>
-              <a:buFont typeface="Wingdings" charset="2"/>
-              <a:buChar char="§"/>
-              <a:defRPr sz="1300" kern="1200">
-                <a:solidFill>
-                  <a:schemeClr val="tx1"/>
-                </a:solidFill>
-                <a:latin typeface="+mn-lt"/>
-                <a:ea typeface="+mn-ea"/>
-                <a:cs typeface="+mn-cs"/>
-              </a:defRPr>
-            </a:lvl4pPr>
-            <a:lvl5pPr marL="825500" indent="-165100" algn="l" defTabSz="914400" rtl="0" eaLnBrk="1" latinLnBrk="0" hangingPunct="1">
-              <a:lnSpc>
-                <a:spcPct val="140000"/>
-              </a:lnSpc>
-              <a:spcBef>
-                <a:spcPts val="0"/>
-              </a:spcBef>
-              <a:buClr>
-                <a:schemeClr val="bg2"/>
-              </a:buClr>
-              <a:buSzPct val="75000"/>
-              <a:buFont typeface="Wingdings" charset="2"/>
-              <a:buChar char="§"/>
-              <a:defRPr sz="1300" kern="1200">
-                <a:solidFill>
-                  <a:schemeClr val="tx1"/>
-                </a:solidFill>
-                <a:latin typeface="+mn-lt"/>
-                <a:ea typeface="+mn-ea"/>
-                <a:cs typeface="+mn-cs"/>
-              </a:defRPr>
-            </a:lvl5pPr>
-            <a:lvl6pPr marL="2514600" indent="-228600" algn="l" defTabSz="914400" rtl="0" eaLnBrk="1" latinLnBrk="0" hangingPunct="1">
-              <a:spcBef>
-                <a:spcPct val="20000"/>
-              </a:spcBef>
-              <a:buFont typeface="Arial" pitchFamily="34" charset="0"/>
-              <a:buChar char="•"/>
-              <a:defRPr sz="2000" kern="1200">
-                <a:solidFill>
-                  <a:schemeClr val="tx1"/>
-                </a:solidFill>
-                <a:latin typeface="+mn-lt"/>
-                <a:ea typeface="+mn-ea"/>
-                <a:cs typeface="+mn-cs"/>
-              </a:defRPr>
-            </a:lvl6pPr>
-            <a:lvl7pPr marL="2971800" indent="-228600" algn="l" defTabSz="914400" rtl="0" eaLnBrk="1" latinLnBrk="0" hangingPunct="1">
-              <a:spcBef>
-                <a:spcPct val="20000"/>
-              </a:spcBef>
-              <a:buFont typeface="Arial" pitchFamily="34" charset="0"/>
-              <a:buChar char="•"/>
-              <a:defRPr sz="2000" kern="1200">
-                <a:solidFill>
-                  <a:schemeClr val="tx1"/>
-                </a:solidFill>
-                <a:latin typeface="+mn-lt"/>
-                <a:ea typeface="+mn-ea"/>
-                <a:cs typeface="+mn-cs"/>
-              </a:defRPr>
-            </a:lvl7pPr>
-            <a:lvl8pPr marL="3429000" indent="-228600" algn="l" defTabSz="914400" rtl="0" eaLnBrk="1" latinLnBrk="0" hangingPunct="1">
-              <a:spcBef>
-                <a:spcPct val="20000"/>
-              </a:spcBef>
-              <a:buFont typeface="Arial" pitchFamily="34" charset="0"/>
-              <a:buChar char="•"/>
-              <a:defRPr sz="2000" kern="1200">
-                <a:solidFill>
-                  <a:schemeClr val="tx1"/>
-                </a:solidFill>
-                <a:latin typeface="+mn-lt"/>
-                <a:ea typeface="+mn-ea"/>
-                <a:cs typeface="+mn-cs"/>
-              </a:defRPr>
-            </a:lvl8pPr>
-            <a:lvl9pPr marL="3886200" indent="-228600" algn="l" defTabSz="914400" rtl="0" eaLnBrk="1" latinLnBrk="0" hangingPunct="1">
-              <a:spcBef>
-                <a:spcPct val="20000"/>
-              </a:spcBef>
-              <a:buFont typeface="Arial" pitchFamily="34" charset="0"/>
-              <a:buChar char="•"/>
-              <a:defRPr sz="2000" kern="1200">
-                <a:solidFill>
-                  <a:schemeClr val="tx1"/>
-                </a:solidFill>
-                <a:latin typeface="+mn-lt"/>
-                <a:ea typeface="+mn-ea"/>
-                <a:cs typeface="+mn-cs"/>
-              </a:defRPr>
-            </a:lvl9pPr>
-          </a:lstStyle>
-          <a:p>
-            <a:r>
-              <a:rPr lang="pl-PL" sz="2000" dirty="0" err="1"/>
               <a:t>Plethora</a:t>
             </a:r>
             <a:r>
@@ -12351,461 +12061,7 @@
 </p:sld>
 </file>
 
-<file path=ppt/slides/slide2.xml><?xml version="1.0" encoding="utf-8"?>
-<p:sld xmlns:a="http://schemas.openxmlformats.org/drawingml/2006/main" xmlns:r="http://schemas.openxmlformats.org/officeDocument/2006/relationships" xmlns:p="http://schemas.openxmlformats.org/presentationml/2006/main">
-  <p:cSld>
-    <p:spTree>
-      <p:nvGrpSpPr>
-        <p:cNvPr id="1" name=""/>
-        <p:cNvGrpSpPr/>
-        <p:nvPr/>
-      </p:nvGrpSpPr>
-      <p:grpSpPr>
-        <a:xfrm>
-          <a:off x="0" y="0"/>
-          <a:ext cx="0" cy="0"/>
-          <a:chOff x="0" y="0"/>
-          <a:chExt cx="0" cy="0"/>
-        </a:xfrm>
-      </p:grpSpPr>
-      <p:sp>
-        <p:nvSpPr>
-          <p:cNvPr id="2" name="Title 1"/>
-          <p:cNvSpPr>
-            <a:spLocks noGrp="1"/>
-          </p:cNvSpPr>
-          <p:nvPr>
-            <p:ph type="title"/>
-          </p:nvPr>
-        </p:nvSpPr>
-        <p:spPr>
-          <a:xfrm>
-            <a:off x="755650" y="413693"/>
-            <a:ext cx="7632700" cy="357857"/>
-          </a:xfrm>
-        </p:spPr>
-        <p:txBody>
-          <a:bodyPr/>
-          <a:lstStyle/>
-          <a:p>
-            <a:r>
-              <a:rPr lang="pl-PL" dirty="0"/>
-              <a:t>Apache Spark</a:t>
-            </a:r>
-            <a:endParaRPr lang="en-US" dirty="0"/>
-          </a:p>
-        </p:txBody>
-      </p:sp>
-      <p:sp>
-        <p:nvSpPr>
-          <p:cNvPr id="3" name="Footer Placeholder 2"/>
-          <p:cNvSpPr>
-            <a:spLocks noGrp="1"/>
-          </p:cNvSpPr>
-          <p:nvPr>
-            <p:ph type="ftr" sz="quarter" idx="16"/>
-          </p:nvPr>
-        </p:nvSpPr>
-        <p:spPr/>
-        <p:txBody>
-          <a:bodyPr/>
-          <a:lstStyle/>
-          <a:p>
-            <a:endParaRPr lang="pl-PL" dirty="0"/>
-          </a:p>
-        </p:txBody>
-      </p:sp>
-      <p:sp>
-        <p:nvSpPr>
-          <p:cNvPr id="4" name="Date Placeholder 3"/>
-          <p:cNvSpPr>
-            <a:spLocks noGrp="1"/>
-          </p:cNvSpPr>
-          <p:nvPr>
-            <p:ph type="dt" sz="half" idx="15"/>
-          </p:nvPr>
-        </p:nvSpPr>
-        <p:spPr/>
-        <p:txBody>
-          <a:bodyPr/>
-          <a:lstStyle/>
-          <a:p>
-            <a:endParaRPr lang="pl-PL" dirty="0"/>
-          </a:p>
-        </p:txBody>
-      </p:sp>
-      <p:sp>
-        <p:nvSpPr>
-          <p:cNvPr id="6" name="Text Placeholder 4"/>
-          <p:cNvSpPr txBox="1">
-            <a:spLocks/>
-          </p:cNvSpPr>
-          <p:nvPr/>
-        </p:nvSpPr>
-        <p:spPr>
-          <a:xfrm>
-            <a:off x="755650" y="915566"/>
-            <a:ext cx="7632700" cy="3797624"/>
-          </a:xfrm>
-          <a:prstGeom prst="rect">
-            <a:avLst/>
-          </a:prstGeom>
-        </p:spPr>
-        <p:txBody>
-          <a:bodyPr vert="horz" lIns="0" tIns="0" rIns="0" bIns="0" anchor="t"/>
-          <a:lstStyle>
-            <a:lvl1pPr marL="165100" indent="-165100" algn="l" defTabSz="914400" rtl="0" eaLnBrk="1" latinLnBrk="0" hangingPunct="1">
-              <a:lnSpc>
-                <a:spcPct val="140000"/>
-              </a:lnSpc>
-              <a:spcBef>
-                <a:spcPts val="0"/>
-              </a:spcBef>
-              <a:buClr>
-                <a:schemeClr val="accent1"/>
-              </a:buClr>
-              <a:buSzPct val="75000"/>
-              <a:buFont typeface="Wingdings" charset="2"/>
-              <a:buChar char="§"/>
-              <a:defRPr sz="1300" kern="1200">
-                <a:solidFill>
-                  <a:schemeClr val="tx1"/>
-                </a:solidFill>
-                <a:latin typeface="+mn-lt"/>
-                <a:ea typeface="+mn-ea"/>
-                <a:cs typeface="+mn-cs"/>
-              </a:defRPr>
-            </a:lvl1pPr>
-            <a:lvl2pPr marL="330200" indent="-165100" algn="l" defTabSz="914400" rtl="0" eaLnBrk="1" latinLnBrk="0" hangingPunct="1">
-              <a:lnSpc>
-                <a:spcPct val="140000"/>
-              </a:lnSpc>
-              <a:spcBef>
-                <a:spcPts val="0"/>
-              </a:spcBef>
-              <a:buClr>
-                <a:schemeClr val="bg2"/>
-              </a:buClr>
-              <a:buSzPct val="75000"/>
-              <a:buFont typeface="Wingdings" charset="2"/>
-              <a:buChar char="§"/>
-              <a:defRPr sz="1300" kern="1200">
-                <a:solidFill>
-                  <a:schemeClr val="tx1"/>
-                </a:solidFill>
-                <a:latin typeface="+mn-lt"/>
-                <a:ea typeface="+mn-ea"/>
-                <a:cs typeface="+mn-cs"/>
-              </a:defRPr>
-            </a:lvl2pPr>
-            <a:lvl3pPr marL="495300" indent="-165100" algn="l" defTabSz="914400" rtl="0" eaLnBrk="1" latinLnBrk="0" hangingPunct="1">
-              <a:lnSpc>
-                <a:spcPct val="140000"/>
-              </a:lnSpc>
-              <a:spcBef>
-                <a:spcPts val="0"/>
-              </a:spcBef>
-              <a:buClr>
-                <a:schemeClr val="bg2"/>
-              </a:buClr>
-              <a:buSzPct val="75000"/>
-              <a:buFont typeface="Wingdings" charset="2"/>
-              <a:buChar char="§"/>
-              <a:defRPr sz="1300" kern="1200">
-                <a:solidFill>
-                  <a:schemeClr val="tx1"/>
-                </a:solidFill>
-                <a:latin typeface="+mn-lt"/>
-                <a:ea typeface="+mn-ea"/>
-                <a:cs typeface="+mn-cs"/>
-              </a:defRPr>
-            </a:lvl3pPr>
-            <a:lvl4pPr marL="660400" indent="-165100" algn="l" defTabSz="914400" rtl="0" eaLnBrk="1" latinLnBrk="0" hangingPunct="1">
-              <a:lnSpc>
-                <a:spcPct val="140000"/>
-              </a:lnSpc>
-              <a:spcBef>
-                <a:spcPts val="0"/>
-              </a:spcBef>
-              <a:buClr>
-                <a:schemeClr val="bg2"/>
-              </a:buClr>
-              <a:buSzPct val="75000"/>
-              <a:buFont typeface="Wingdings" charset="2"/>
-              <a:buChar char="§"/>
-              <a:defRPr sz="1300" kern="1200">
-                <a:solidFill>
-                  <a:schemeClr val="tx1"/>
-                </a:solidFill>
-                <a:latin typeface="+mn-lt"/>
-                <a:ea typeface="+mn-ea"/>
-                <a:cs typeface="+mn-cs"/>
-              </a:defRPr>
-            </a:lvl4pPr>
-            <a:lvl5pPr marL="825500" indent="-165100" algn="l" defTabSz="914400" rtl="0" eaLnBrk="1" latinLnBrk="0" hangingPunct="1">
-              <a:lnSpc>
-                <a:spcPct val="140000"/>
-              </a:lnSpc>
-              <a:spcBef>
-                <a:spcPts val="0"/>
-              </a:spcBef>
-              <a:buClr>
-                <a:schemeClr val="bg2"/>
-              </a:buClr>
-              <a:buSzPct val="75000"/>
-              <a:buFont typeface="Wingdings" charset="2"/>
-              <a:buChar char="§"/>
-              <a:defRPr sz="1300" kern="1200">
-                <a:solidFill>
-                  <a:schemeClr val="tx1"/>
-                </a:solidFill>
-                <a:latin typeface="+mn-lt"/>
-                <a:ea typeface="+mn-ea"/>
-                <a:cs typeface="+mn-cs"/>
-              </a:defRPr>
-            </a:lvl5pPr>
-            <a:lvl6pPr marL="2514600" indent="-228600" algn="l" defTabSz="914400" rtl="0" eaLnBrk="1" latinLnBrk="0" hangingPunct="1">
-              <a:spcBef>
-                <a:spcPct val="20000"/>
-              </a:spcBef>
-              <a:buFont typeface="Arial" pitchFamily="34" charset="0"/>
-              <a:buChar char="•"/>
-              <a:defRPr sz="2000" kern="1200">
-                <a:solidFill>
-                  <a:schemeClr val="tx1"/>
-                </a:solidFill>
-                <a:latin typeface="+mn-lt"/>
-                <a:ea typeface="+mn-ea"/>
-                <a:cs typeface="+mn-cs"/>
-              </a:defRPr>
-            </a:lvl6pPr>
-            <a:lvl7pPr marL="2971800" indent="-228600" algn="l" defTabSz="914400" rtl="0" eaLnBrk="1" latinLnBrk="0" hangingPunct="1">
-              <a:spcBef>
-                <a:spcPct val="20000"/>
-              </a:spcBef>
-              <a:buFont typeface="Arial" pitchFamily="34" charset="0"/>
-              <a:buChar char="•"/>
-              <a:defRPr sz="2000" kern="1200">
-                <a:solidFill>
-                  <a:schemeClr val="tx1"/>
-                </a:solidFill>
-                <a:latin typeface="+mn-lt"/>
-                <a:ea typeface="+mn-ea"/>
-                <a:cs typeface="+mn-cs"/>
-              </a:defRPr>
-            </a:lvl7pPr>
-            <a:lvl8pPr marL="3429000" indent="-228600" algn="l" defTabSz="914400" rtl="0" eaLnBrk="1" latinLnBrk="0" hangingPunct="1">
-              <a:spcBef>
-                <a:spcPct val="20000"/>
-              </a:spcBef>
-              <a:buFont typeface="Arial" pitchFamily="34" charset="0"/>
-              <a:buChar char="•"/>
-              <a:defRPr sz="2000" kern="1200">
-                <a:solidFill>
-                  <a:schemeClr val="tx1"/>
-                </a:solidFill>
-                <a:latin typeface="+mn-lt"/>
-                <a:ea typeface="+mn-ea"/>
-                <a:cs typeface="+mn-cs"/>
-              </a:defRPr>
-            </a:lvl8pPr>
-            <a:lvl9pPr marL="3886200" indent="-228600" algn="l" defTabSz="914400" rtl="0" eaLnBrk="1" latinLnBrk="0" hangingPunct="1">
-              <a:spcBef>
-                <a:spcPct val="20000"/>
-              </a:spcBef>
-              <a:buFont typeface="Arial" pitchFamily="34" charset="0"/>
-              <a:buChar char="•"/>
-              <a:defRPr sz="2000" kern="1200">
-                <a:solidFill>
-                  <a:schemeClr val="tx1"/>
-                </a:solidFill>
-                <a:latin typeface="+mn-lt"/>
-                <a:ea typeface="+mn-ea"/>
-                <a:cs typeface="+mn-cs"/>
-              </a:defRPr>
-            </a:lvl9pPr>
-          </a:lstStyle>
-          <a:p>
-            <a:pPr marL="0" indent="0">
-              <a:buNone/>
-            </a:pPr>
-            <a:endParaRPr lang="pl-PL" sz="1800" dirty="0">
-              <a:solidFill>
-                <a:srgbClr val="4D4D4D"/>
-              </a:solidFill>
-            </a:endParaRPr>
-          </a:p>
-          <a:p>
-            <a:pPr marL="0" indent="0">
-              <a:buNone/>
-            </a:pPr>
-            <a:r>
-              <a:rPr lang="en-US" sz="1800" dirty="0">
-                <a:solidFill>
-                  <a:srgbClr val="4D4D4D"/>
-                </a:solidFill>
-              </a:rPr>
-              <a:t>A fast and general engine for large-scale data processing</a:t>
-            </a:r>
-            <a:endParaRPr lang="pl-PL" sz="1800" dirty="0">
-              <a:solidFill>
-                <a:srgbClr val="4D4D4D"/>
-              </a:solidFill>
-            </a:endParaRPr>
-          </a:p>
-          <a:p>
-            <a:pPr marL="0" indent="0">
-              <a:buNone/>
-            </a:pPr>
-            <a:endParaRPr lang="pl-PL" sz="1800" dirty="0">
-              <a:solidFill>
-                <a:srgbClr val="4D4D4D"/>
-              </a:solidFill>
-            </a:endParaRPr>
-          </a:p>
-          <a:p>
-            <a:pPr marL="0" indent="0">
-              <a:buNone/>
-            </a:pPr>
-            <a:endParaRPr lang="en-US" sz="1800" dirty="0">
-              <a:solidFill>
-                <a:srgbClr val="4D4D4D"/>
-              </a:solidFill>
-            </a:endParaRPr>
-          </a:p>
-        </p:txBody>
-      </p:sp>
-      <p:sp>
-        <p:nvSpPr>
-          <p:cNvPr id="7" name="TextBox 6"/>
-          <p:cNvSpPr txBox="1"/>
-          <p:nvPr/>
-        </p:nvSpPr>
-        <p:spPr>
-          <a:xfrm>
-            <a:off x="8859520" y="1198880"/>
-            <a:ext cx="914400" cy="914400"/>
-          </a:xfrm>
-          <a:prstGeom prst="rect">
-            <a:avLst/>
-          </a:prstGeom>
-          <a:noFill/>
-        </p:spPr>
-        <p:txBody>
-          <a:bodyPr wrap="none" lIns="0" tIns="0" rIns="0" bIns="0" rtlCol="0">
-            <a:noAutofit/>
-          </a:bodyPr>
-          <a:lstStyle/>
-          <a:p>
-            <a:pPr>
-              <a:lnSpc>
-                <a:spcPct val="140000"/>
-              </a:lnSpc>
-            </a:pPr>
-            <a:endParaRPr lang="en-US" dirty="0" err="1">
-              <a:solidFill>
-                <a:schemeClr val="tx1"/>
-              </a:solidFill>
-            </a:endParaRPr>
-          </a:p>
-        </p:txBody>
-      </p:sp>
-      <p:sp>
-        <p:nvSpPr>
-          <p:cNvPr id="11" name="TextBox 10"/>
-          <p:cNvSpPr txBox="1"/>
-          <p:nvPr/>
-        </p:nvSpPr>
-        <p:spPr>
-          <a:xfrm>
-            <a:off x="8524240" y="975360"/>
-            <a:ext cx="914400" cy="914400"/>
-          </a:xfrm>
-          <a:prstGeom prst="rect">
-            <a:avLst/>
-          </a:prstGeom>
-          <a:noFill/>
-        </p:spPr>
-        <p:txBody>
-          <a:bodyPr wrap="none" lIns="0" tIns="0" rIns="0" bIns="0" rtlCol="0">
-            <a:noAutofit/>
-          </a:bodyPr>
-          <a:lstStyle/>
-          <a:p>
-            <a:pPr>
-              <a:lnSpc>
-                <a:spcPct val="140000"/>
-              </a:lnSpc>
-            </a:pPr>
-            <a:endParaRPr lang="en-US" dirty="0" err="1">
-              <a:solidFill>
-                <a:schemeClr val="tx1"/>
-              </a:solidFill>
-            </a:endParaRPr>
-          </a:p>
-        </p:txBody>
-      </p:sp>
-      <p:pic>
-        <p:nvPicPr>
-          <p:cNvPr id="1026" name="Picture 2" descr="https://spark.apache.org/images/spark-logo-trademark.png">
-            <a:extLst>
-              <a:ext uri="{FF2B5EF4-FFF2-40B4-BE49-F238E27FC236}">
-                <a16:creationId xmlns:a16="http://schemas.microsoft.com/office/drawing/2014/main" id="{972086B1-27A5-47E7-9782-D07219A5886F}"/>
-              </a:ext>
-            </a:extLst>
-          </p:cNvPr>
-          <p:cNvPicPr>
-            <a:picLocks noChangeAspect="1" noChangeArrowheads="1"/>
-          </p:cNvPicPr>
-          <p:nvPr/>
-        </p:nvPicPr>
-        <p:blipFill>
-          <a:blip r:embed="rId3">
-            <a:extLst>
-              <a:ext uri="{28A0092B-C50C-407E-A947-70E740481C1C}">
-                <a14:useLocalDpi xmlns:a14="http://schemas.microsoft.com/office/drawing/2010/main" val="0"/>
-              </a:ext>
-            </a:extLst>
-          </a:blip>
-          <a:srcRect/>
-          <a:stretch>
-            <a:fillRect/>
-          </a:stretch>
-        </p:blipFill>
-        <p:spPr bwMode="auto">
-          <a:xfrm>
-            <a:off x="2718400" y="1962894"/>
-            <a:ext cx="3005728" cy="1598791"/>
-          </a:xfrm>
-          <a:prstGeom prst="rect">
-            <a:avLst/>
-          </a:prstGeom>
-          <a:noFill/>
-          <a:extLst>
-            <a:ext uri="{909E8E84-426E-40DD-AFC4-6F175D3DCCD1}">
-              <a14:hiddenFill xmlns:a14="http://schemas.microsoft.com/office/drawing/2010/main">
-                <a:solidFill>
-                  <a:srgbClr val="FFFFFF"/>
-                </a:solidFill>
-              </a14:hiddenFill>
-            </a:ext>
-          </a:extLst>
-        </p:spPr>
-      </p:pic>
-    </p:spTree>
-    <p:extLst>
-      <p:ext uri="{BB962C8B-B14F-4D97-AF65-F5344CB8AC3E}">
-        <p14:creationId xmlns:p14="http://schemas.microsoft.com/office/powerpoint/2010/main" val="607998509"/>
-      </p:ext>
-    </p:extLst>
-  </p:cSld>
-  <p:clrMapOvr>
-    <a:masterClrMapping/>
-  </p:clrMapOvr>
-</p:sld>
-</file>
-
-<file path=ppt/slides/slide20.xml><?xml version="1.0" encoding="utf-8"?>
+<file path=ppt/slides/slide19.xml><?xml version="1.0" encoding="utf-8"?>
 <p:sld xmlns:a="http://schemas.openxmlformats.org/drawingml/2006/main" xmlns:r="http://schemas.openxmlformats.org/officeDocument/2006/relationships" xmlns:p="http://schemas.openxmlformats.org/presentationml/2006/main">
   <p:cSld>
     <p:spTree>
@@ -12935,7 +12191,7 @@
 </p:sld>
 </file>
 
-<file path=ppt/slides/slide21.xml><?xml version="1.0" encoding="utf-8"?>
+<file path=ppt/slides/slide2.xml><?xml version="1.0" encoding="utf-8"?>
 <p:sld xmlns:a="http://schemas.openxmlformats.org/drawingml/2006/main" xmlns:r="http://schemas.openxmlformats.org/officeDocument/2006/relationships" xmlns:p="http://schemas.openxmlformats.org/presentationml/2006/main">
   <p:cSld>
     <p:spTree>
@@ -12973,12 +12229,8 @@
           <a:lstStyle/>
           <a:p>
             <a:r>
-              <a:rPr lang="pl-PL" dirty="0" err="1"/>
-              <a:t>Next</a:t>
-            </a:r>
-            <a:r>
-              <a:rPr lang="pl-PL" dirty="0"/>
-              <a:t>-gen ETL?	</a:t>
+              <a:rPr lang="pl-PL" dirty="0"/>
+              <a:t>Apache Spark</a:t>
             </a:r>
             <a:endParaRPr lang="en-US" dirty="0"/>
           </a:p>
@@ -13214,6 +12466,464 @@
             </a:lvl9pPr>
           </a:lstStyle>
           <a:p>
+            <a:pPr marL="0" indent="0">
+              <a:buNone/>
+            </a:pPr>
+            <a:endParaRPr lang="pl-PL" sz="1800" dirty="0">
+              <a:solidFill>
+                <a:srgbClr val="4D4D4D"/>
+              </a:solidFill>
+            </a:endParaRPr>
+          </a:p>
+          <a:p>
+            <a:pPr marL="0" indent="0">
+              <a:buNone/>
+            </a:pPr>
+            <a:r>
+              <a:rPr lang="en-US" sz="1800" dirty="0">
+                <a:solidFill>
+                  <a:srgbClr val="4D4D4D"/>
+                </a:solidFill>
+              </a:rPr>
+              <a:t>A fast and general engine for large-scale data processing</a:t>
+            </a:r>
+            <a:endParaRPr lang="pl-PL" sz="1800" dirty="0">
+              <a:solidFill>
+                <a:srgbClr val="4D4D4D"/>
+              </a:solidFill>
+            </a:endParaRPr>
+          </a:p>
+          <a:p>
+            <a:pPr marL="0" indent="0">
+              <a:buNone/>
+            </a:pPr>
+            <a:endParaRPr lang="pl-PL" sz="1800" dirty="0">
+              <a:solidFill>
+                <a:srgbClr val="4D4D4D"/>
+              </a:solidFill>
+            </a:endParaRPr>
+          </a:p>
+          <a:p>
+            <a:pPr marL="0" indent="0">
+              <a:buNone/>
+            </a:pPr>
+            <a:endParaRPr lang="en-US" sz="1800" dirty="0">
+              <a:solidFill>
+                <a:srgbClr val="4D4D4D"/>
+              </a:solidFill>
+            </a:endParaRPr>
+          </a:p>
+        </p:txBody>
+      </p:sp>
+      <p:sp>
+        <p:nvSpPr>
+          <p:cNvPr id="7" name="TextBox 6"/>
+          <p:cNvSpPr txBox="1"/>
+          <p:nvPr/>
+        </p:nvSpPr>
+        <p:spPr>
+          <a:xfrm>
+            <a:off x="8859520" y="1198880"/>
+            <a:ext cx="914400" cy="914400"/>
+          </a:xfrm>
+          <a:prstGeom prst="rect">
+            <a:avLst/>
+          </a:prstGeom>
+          <a:noFill/>
+        </p:spPr>
+        <p:txBody>
+          <a:bodyPr wrap="none" lIns="0" tIns="0" rIns="0" bIns="0" rtlCol="0">
+            <a:noAutofit/>
+          </a:bodyPr>
+          <a:lstStyle/>
+          <a:p>
+            <a:pPr>
+              <a:lnSpc>
+                <a:spcPct val="140000"/>
+              </a:lnSpc>
+            </a:pPr>
+            <a:endParaRPr lang="en-US" dirty="0" err="1">
+              <a:solidFill>
+                <a:schemeClr val="tx1"/>
+              </a:solidFill>
+            </a:endParaRPr>
+          </a:p>
+        </p:txBody>
+      </p:sp>
+      <p:sp>
+        <p:nvSpPr>
+          <p:cNvPr id="11" name="TextBox 10"/>
+          <p:cNvSpPr txBox="1"/>
+          <p:nvPr/>
+        </p:nvSpPr>
+        <p:spPr>
+          <a:xfrm>
+            <a:off x="8524240" y="975360"/>
+            <a:ext cx="914400" cy="914400"/>
+          </a:xfrm>
+          <a:prstGeom prst="rect">
+            <a:avLst/>
+          </a:prstGeom>
+          <a:noFill/>
+        </p:spPr>
+        <p:txBody>
+          <a:bodyPr wrap="none" lIns="0" tIns="0" rIns="0" bIns="0" rtlCol="0">
+            <a:noAutofit/>
+          </a:bodyPr>
+          <a:lstStyle/>
+          <a:p>
+            <a:pPr>
+              <a:lnSpc>
+                <a:spcPct val="140000"/>
+              </a:lnSpc>
+            </a:pPr>
+            <a:endParaRPr lang="en-US" dirty="0" err="1">
+              <a:solidFill>
+                <a:schemeClr val="tx1"/>
+              </a:solidFill>
+            </a:endParaRPr>
+          </a:p>
+        </p:txBody>
+      </p:sp>
+      <p:pic>
+        <p:nvPicPr>
+          <p:cNvPr id="1026" name="Picture 2" descr="https://spark.apache.org/images/spark-logo-trademark.png">
+            <a:extLst>
+              <a:ext uri="{FF2B5EF4-FFF2-40B4-BE49-F238E27FC236}">
+                <a16:creationId xmlns:a16="http://schemas.microsoft.com/office/drawing/2014/main" id="{972086B1-27A5-47E7-9782-D07219A5886F}"/>
+              </a:ext>
+            </a:extLst>
+          </p:cNvPr>
+          <p:cNvPicPr>
+            <a:picLocks noChangeAspect="1" noChangeArrowheads="1"/>
+          </p:cNvPicPr>
+          <p:nvPr/>
+        </p:nvPicPr>
+        <p:blipFill>
+          <a:blip r:embed="rId3">
+            <a:extLst>
+              <a:ext uri="{28A0092B-C50C-407E-A947-70E740481C1C}">
+                <a14:useLocalDpi xmlns:a14="http://schemas.microsoft.com/office/drawing/2010/main" val="0"/>
+              </a:ext>
+            </a:extLst>
+          </a:blip>
+          <a:srcRect/>
+          <a:stretch>
+            <a:fillRect/>
+          </a:stretch>
+        </p:blipFill>
+        <p:spPr bwMode="auto">
+          <a:xfrm>
+            <a:off x="3141144" y="1995686"/>
+            <a:ext cx="2861712" cy="1522187"/>
+          </a:xfrm>
+          <a:prstGeom prst="rect">
+            <a:avLst/>
+          </a:prstGeom>
+          <a:noFill/>
+          <a:extLst>
+            <a:ext uri="{909E8E84-426E-40DD-AFC4-6F175D3DCCD1}">
+              <a14:hiddenFill xmlns:a14="http://schemas.microsoft.com/office/drawing/2010/main">
+                <a:solidFill>
+                  <a:srgbClr val="FFFFFF"/>
+                </a:solidFill>
+              </a14:hiddenFill>
+            </a:ext>
+          </a:extLst>
+        </p:spPr>
+      </p:pic>
+    </p:spTree>
+    <p:extLst>
+      <p:ext uri="{BB962C8B-B14F-4D97-AF65-F5344CB8AC3E}">
+        <p14:creationId xmlns:p14="http://schemas.microsoft.com/office/powerpoint/2010/main" val="607998509"/>
+      </p:ext>
+    </p:extLst>
+  </p:cSld>
+  <p:clrMapOvr>
+    <a:masterClrMapping/>
+  </p:clrMapOvr>
+</p:sld>
+</file>
+
+<file path=ppt/slides/slide20.xml><?xml version="1.0" encoding="utf-8"?>
+<p:sld xmlns:a="http://schemas.openxmlformats.org/drawingml/2006/main" xmlns:r="http://schemas.openxmlformats.org/officeDocument/2006/relationships" xmlns:p="http://schemas.openxmlformats.org/presentationml/2006/main">
+  <p:cSld>
+    <p:spTree>
+      <p:nvGrpSpPr>
+        <p:cNvPr id="1" name=""/>
+        <p:cNvGrpSpPr/>
+        <p:nvPr/>
+      </p:nvGrpSpPr>
+      <p:grpSpPr>
+        <a:xfrm>
+          <a:off x="0" y="0"/>
+          <a:ext cx="0" cy="0"/>
+          <a:chOff x="0" y="0"/>
+          <a:chExt cx="0" cy="0"/>
+        </a:xfrm>
+      </p:grpSpPr>
+      <p:sp>
+        <p:nvSpPr>
+          <p:cNvPr id="2" name="Title 1"/>
+          <p:cNvSpPr>
+            <a:spLocks noGrp="1"/>
+          </p:cNvSpPr>
+          <p:nvPr>
+            <p:ph type="title"/>
+          </p:nvPr>
+        </p:nvSpPr>
+        <p:spPr>
+          <a:xfrm>
+            <a:off x="755650" y="413693"/>
+            <a:ext cx="7632700" cy="357857"/>
+          </a:xfrm>
+        </p:spPr>
+        <p:txBody>
+          <a:bodyPr/>
+          <a:lstStyle/>
+          <a:p>
+            <a:r>
+              <a:rPr lang="pl-PL" dirty="0" err="1"/>
+              <a:t>Next</a:t>
+            </a:r>
+            <a:r>
+              <a:rPr lang="pl-PL" dirty="0"/>
+              <a:t>-gen ETL?	</a:t>
+            </a:r>
+            <a:endParaRPr lang="en-US" dirty="0"/>
+          </a:p>
+        </p:txBody>
+      </p:sp>
+      <p:sp>
+        <p:nvSpPr>
+          <p:cNvPr id="3" name="Footer Placeholder 2"/>
+          <p:cNvSpPr>
+            <a:spLocks noGrp="1"/>
+          </p:cNvSpPr>
+          <p:nvPr>
+            <p:ph type="ftr" sz="quarter" idx="16"/>
+          </p:nvPr>
+        </p:nvSpPr>
+        <p:spPr/>
+        <p:txBody>
+          <a:bodyPr/>
+          <a:lstStyle/>
+          <a:p>
+            <a:endParaRPr lang="pl-PL" dirty="0"/>
+          </a:p>
+        </p:txBody>
+      </p:sp>
+      <p:sp>
+        <p:nvSpPr>
+          <p:cNvPr id="4" name="Date Placeholder 3"/>
+          <p:cNvSpPr>
+            <a:spLocks noGrp="1"/>
+          </p:cNvSpPr>
+          <p:nvPr>
+            <p:ph type="dt" sz="half" idx="15"/>
+          </p:nvPr>
+        </p:nvSpPr>
+        <p:spPr/>
+        <p:txBody>
+          <a:bodyPr/>
+          <a:lstStyle/>
+          <a:p>
+            <a:endParaRPr lang="pl-PL" dirty="0"/>
+          </a:p>
+        </p:txBody>
+      </p:sp>
+      <p:sp>
+        <p:nvSpPr>
+          <p:cNvPr id="6" name="Text Placeholder 4"/>
+          <p:cNvSpPr txBox="1">
+            <a:spLocks/>
+          </p:cNvSpPr>
+          <p:nvPr/>
+        </p:nvSpPr>
+        <p:spPr>
+          <a:xfrm>
+            <a:off x="755650" y="915566"/>
+            <a:ext cx="7632700" cy="3797624"/>
+          </a:xfrm>
+          <a:prstGeom prst="rect">
+            <a:avLst/>
+          </a:prstGeom>
+        </p:spPr>
+        <p:txBody>
+          <a:bodyPr vert="horz" lIns="0" tIns="0" rIns="0" bIns="0" anchor="t"/>
+          <a:lstStyle>
+            <a:lvl1pPr marL="165100" indent="-165100" algn="l" defTabSz="914400" rtl="0" eaLnBrk="1" latinLnBrk="0" hangingPunct="1">
+              <a:lnSpc>
+                <a:spcPct val="140000"/>
+              </a:lnSpc>
+              <a:spcBef>
+                <a:spcPts val="0"/>
+              </a:spcBef>
+              <a:buClr>
+                <a:schemeClr val="accent1"/>
+              </a:buClr>
+              <a:buSzPct val="75000"/>
+              <a:buFont typeface="Wingdings" charset="2"/>
+              <a:buChar char="§"/>
+              <a:defRPr sz="1300" kern="1200">
+                <a:solidFill>
+                  <a:schemeClr val="tx1"/>
+                </a:solidFill>
+                <a:latin typeface="+mn-lt"/>
+                <a:ea typeface="+mn-ea"/>
+                <a:cs typeface="+mn-cs"/>
+              </a:defRPr>
+            </a:lvl1pPr>
+            <a:lvl2pPr marL="330200" indent="-165100" algn="l" defTabSz="914400" rtl="0" eaLnBrk="1" latinLnBrk="0" hangingPunct="1">
+              <a:lnSpc>
+                <a:spcPct val="140000"/>
+              </a:lnSpc>
+              <a:spcBef>
+                <a:spcPts val="0"/>
+              </a:spcBef>
+              <a:buClr>
+                <a:schemeClr val="bg2"/>
+              </a:buClr>
+              <a:buSzPct val="75000"/>
+              <a:buFont typeface="Wingdings" charset="2"/>
+              <a:buChar char="§"/>
+              <a:defRPr sz="1300" kern="1200">
+                <a:solidFill>
+                  <a:schemeClr val="tx1"/>
+                </a:solidFill>
+                <a:latin typeface="+mn-lt"/>
+                <a:ea typeface="+mn-ea"/>
+                <a:cs typeface="+mn-cs"/>
+              </a:defRPr>
+            </a:lvl2pPr>
+            <a:lvl3pPr marL="495300" indent="-165100" algn="l" defTabSz="914400" rtl="0" eaLnBrk="1" latinLnBrk="0" hangingPunct="1">
+              <a:lnSpc>
+                <a:spcPct val="140000"/>
+              </a:lnSpc>
+              <a:spcBef>
+                <a:spcPts val="0"/>
+              </a:spcBef>
+              <a:buClr>
+                <a:schemeClr val="bg2"/>
+              </a:buClr>
+              <a:buSzPct val="75000"/>
+              <a:buFont typeface="Wingdings" charset="2"/>
+              <a:buChar char="§"/>
+              <a:defRPr sz="1300" kern="1200">
+                <a:solidFill>
+                  <a:schemeClr val="tx1"/>
+                </a:solidFill>
+                <a:latin typeface="+mn-lt"/>
+                <a:ea typeface="+mn-ea"/>
+                <a:cs typeface="+mn-cs"/>
+              </a:defRPr>
+            </a:lvl3pPr>
+            <a:lvl4pPr marL="660400" indent="-165100" algn="l" defTabSz="914400" rtl="0" eaLnBrk="1" latinLnBrk="0" hangingPunct="1">
+              <a:lnSpc>
+                <a:spcPct val="140000"/>
+              </a:lnSpc>
+              <a:spcBef>
+                <a:spcPts val="0"/>
+              </a:spcBef>
+              <a:buClr>
+                <a:schemeClr val="bg2"/>
+              </a:buClr>
+              <a:buSzPct val="75000"/>
+              <a:buFont typeface="Wingdings" charset="2"/>
+              <a:buChar char="§"/>
+              <a:defRPr sz="1300" kern="1200">
+                <a:solidFill>
+                  <a:schemeClr val="tx1"/>
+                </a:solidFill>
+                <a:latin typeface="+mn-lt"/>
+                <a:ea typeface="+mn-ea"/>
+                <a:cs typeface="+mn-cs"/>
+              </a:defRPr>
+            </a:lvl4pPr>
+            <a:lvl5pPr marL="825500" indent="-165100" algn="l" defTabSz="914400" rtl="0" eaLnBrk="1" latinLnBrk="0" hangingPunct="1">
+              <a:lnSpc>
+                <a:spcPct val="140000"/>
+              </a:lnSpc>
+              <a:spcBef>
+                <a:spcPts val="0"/>
+              </a:spcBef>
+              <a:buClr>
+                <a:schemeClr val="bg2"/>
+              </a:buClr>
+              <a:buSzPct val="75000"/>
+              <a:buFont typeface="Wingdings" charset="2"/>
+              <a:buChar char="§"/>
+              <a:defRPr sz="1300" kern="1200">
+                <a:solidFill>
+                  <a:schemeClr val="tx1"/>
+                </a:solidFill>
+                <a:latin typeface="+mn-lt"/>
+                <a:ea typeface="+mn-ea"/>
+                <a:cs typeface="+mn-cs"/>
+              </a:defRPr>
+            </a:lvl5pPr>
+            <a:lvl6pPr marL="2514600" indent="-228600" algn="l" defTabSz="914400" rtl="0" eaLnBrk="1" latinLnBrk="0" hangingPunct="1">
+              <a:spcBef>
+                <a:spcPct val="20000"/>
+              </a:spcBef>
+              <a:buFont typeface="Arial" pitchFamily="34" charset="0"/>
+              <a:buChar char="•"/>
+              <a:defRPr sz="2000" kern="1200">
+                <a:solidFill>
+                  <a:schemeClr val="tx1"/>
+                </a:solidFill>
+                <a:latin typeface="+mn-lt"/>
+                <a:ea typeface="+mn-ea"/>
+                <a:cs typeface="+mn-cs"/>
+              </a:defRPr>
+            </a:lvl6pPr>
+            <a:lvl7pPr marL="2971800" indent="-228600" algn="l" defTabSz="914400" rtl="0" eaLnBrk="1" latinLnBrk="0" hangingPunct="1">
+              <a:spcBef>
+                <a:spcPct val="20000"/>
+              </a:spcBef>
+              <a:buFont typeface="Arial" pitchFamily="34" charset="0"/>
+              <a:buChar char="•"/>
+              <a:defRPr sz="2000" kern="1200">
+                <a:solidFill>
+                  <a:schemeClr val="tx1"/>
+                </a:solidFill>
+                <a:latin typeface="+mn-lt"/>
+                <a:ea typeface="+mn-ea"/>
+                <a:cs typeface="+mn-cs"/>
+              </a:defRPr>
+            </a:lvl7pPr>
+            <a:lvl8pPr marL="3429000" indent="-228600" algn="l" defTabSz="914400" rtl="0" eaLnBrk="1" latinLnBrk="0" hangingPunct="1">
+              <a:spcBef>
+                <a:spcPct val="20000"/>
+              </a:spcBef>
+              <a:buFont typeface="Arial" pitchFamily="34" charset="0"/>
+              <a:buChar char="•"/>
+              <a:defRPr sz="2000" kern="1200">
+                <a:solidFill>
+                  <a:schemeClr val="tx1"/>
+                </a:solidFill>
+                <a:latin typeface="+mn-lt"/>
+                <a:ea typeface="+mn-ea"/>
+                <a:cs typeface="+mn-cs"/>
+              </a:defRPr>
+            </a:lvl8pPr>
+            <a:lvl9pPr marL="3886200" indent="-228600" algn="l" defTabSz="914400" rtl="0" eaLnBrk="1" latinLnBrk="0" hangingPunct="1">
+              <a:spcBef>
+                <a:spcPct val="20000"/>
+              </a:spcBef>
+              <a:buFont typeface="Arial" pitchFamily="34" charset="0"/>
+              <a:buChar char="•"/>
+              <a:defRPr sz="2000" kern="1200">
+                <a:solidFill>
+                  <a:schemeClr val="tx1"/>
+                </a:solidFill>
+                <a:latin typeface="+mn-lt"/>
+                <a:ea typeface="+mn-ea"/>
+                <a:cs typeface="+mn-cs"/>
+              </a:defRPr>
+            </a:lvl9pPr>
+          </a:lstStyle>
+          <a:p>
             <a:r>
               <a:rPr lang="pl-PL" sz="2000" dirty="0" err="1"/>
               <a:t>Comparison</a:t>
@@ -13412,7 +13122,7 @@
 </p:sld>
 </file>
 
-<file path=ppt/slides/slide22.xml><?xml version="1.0" encoding="utf-8"?>
+<file path=ppt/slides/slide21.xml><?xml version="1.0" encoding="utf-8"?>
 <p:sld xmlns:a="http://schemas.openxmlformats.org/drawingml/2006/main" xmlns:r="http://schemas.openxmlformats.org/officeDocument/2006/relationships" xmlns:p="http://schemas.openxmlformats.org/presentationml/2006/main">
   <p:cSld>
     <p:spTree>
@@ -13617,6 +13327,152 @@
     <p:extLst>
       <p:ext uri="{BB962C8B-B14F-4D97-AF65-F5344CB8AC3E}">
         <p14:creationId xmlns:p14="http://schemas.microsoft.com/office/powerpoint/2010/main" val="3117407274"/>
+      </p:ext>
+    </p:extLst>
+  </p:cSld>
+  <p:clrMapOvr>
+    <a:masterClrMapping/>
+  </p:clrMapOvr>
+</p:sld>
+</file>
+
+<file path=ppt/slides/slide22.xml><?xml version="1.0" encoding="utf-8"?>
+<p:sld xmlns:a="http://schemas.openxmlformats.org/drawingml/2006/main" xmlns:r="http://schemas.openxmlformats.org/officeDocument/2006/relationships" xmlns:p="http://schemas.openxmlformats.org/presentationml/2006/main">
+  <p:cSld>
+    <p:spTree>
+      <p:nvGrpSpPr>
+        <p:cNvPr id="1" name=""/>
+        <p:cNvGrpSpPr/>
+        <p:nvPr/>
+      </p:nvGrpSpPr>
+      <p:grpSpPr>
+        <a:xfrm>
+          <a:off x="0" y="0"/>
+          <a:ext cx="0" cy="0"/>
+          <a:chOff x="0" y="0"/>
+          <a:chExt cx="0" cy="0"/>
+        </a:xfrm>
+      </p:grpSpPr>
+      <p:sp>
+        <p:nvSpPr>
+          <p:cNvPr id="2" name="Title 1"/>
+          <p:cNvSpPr>
+            <a:spLocks noGrp="1"/>
+          </p:cNvSpPr>
+          <p:nvPr>
+            <p:ph type="title"/>
+          </p:nvPr>
+        </p:nvSpPr>
+        <p:spPr>
+          <a:xfrm>
+            <a:off x="755650" y="413693"/>
+            <a:ext cx="7632700" cy="357857"/>
+          </a:xfrm>
+        </p:spPr>
+        <p:txBody>
+          <a:bodyPr/>
+          <a:lstStyle/>
+          <a:p>
+            <a:r>
+              <a:rPr lang="pl-PL" dirty="0" err="1"/>
+              <a:t>Stack</a:t>
+            </a:r>
+            <a:r>
+              <a:rPr lang="pl-PL" dirty="0"/>
+              <a:t> </a:t>
+            </a:r>
+            <a:r>
+              <a:rPr lang="pl-PL" dirty="0" err="1"/>
+              <a:t>Overflow</a:t>
+            </a:r>
+            <a:r>
+              <a:rPr lang="pl-PL" dirty="0"/>
+              <a:t> </a:t>
+            </a:r>
+            <a:r>
+              <a:rPr lang="pl-PL" dirty="0" err="1"/>
+              <a:t>Survey</a:t>
+            </a:r>
+            <a:r>
+              <a:rPr lang="pl-PL" dirty="0"/>
+              <a:t> 2018</a:t>
+            </a:r>
+            <a:endParaRPr lang="en-US" dirty="0"/>
+          </a:p>
+        </p:txBody>
+      </p:sp>
+      <p:sp>
+        <p:nvSpPr>
+          <p:cNvPr id="3" name="Footer Placeholder 2"/>
+          <p:cNvSpPr>
+            <a:spLocks noGrp="1"/>
+          </p:cNvSpPr>
+          <p:nvPr>
+            <p:ph type="ftr" sz="quarter" idx="16"/>
+          </p:nvPr>
+        </p:nvSpPr>
+        <p:spPr/>
+        <p:txBody>
+          <a:bodyPr/>
+          <a:lstStyle/>
+          <a:p>
+            <a:endParaRPr lang="pl-PL" dirty="0"/>
+          </a:p>
+        </p:txBody>
+      </p:sp>
+      <p:sp>
+        <p:nvSpPr>
+          <p:cNvPr id="4" name="Date Placeholder 3"/>
+          <p:cNvSpPr>
+            <a:spLocks noGrp="1"/>
+          </p:cNvSpPr>
+          <p:nvPr>
+            <p:ph type="dt" sz="half" idx="15"/>
+          </p:nvPr>
+        </p:nvSpPr>
+        <p:spPr/>
+        <p:txBody>
+          <a:bodyPr/>
+          <a:lstStyle/>
+          <a:p>
+            <a:endParaRPr lang="pl-PL" dirty="0"/>
+          </a:p>
+        </p:txBody>
+      </p:sp>
+      <p:pic>
+        <p:nvPicPr>
+          <p:cNvPr id="6" name="Picture 5">
+            <a:extLst>
+              <a:ext uri="{FF2B5EF4-FFF2-40B4-BE49-F238E27FC236}">
+                <a16:creationId xmlns:a16="http://schemas.microsoft.com/office/drawing/2014/main" id="{804CBCF8-6E92-461C-9677-30FBE98A78D7}"/>
+              </a:ext>
+            </a:extLst>
+          </p:cNvPr>
+          <p:cNvPicPr>
+            <a:picLocks noChangeAspect="1"/>
+          </p:cNvPicPr>
+          <p:nvPr/>
+        </p:nvPicPr>
+        <p:blipFill>
+          <a:blip r:embed="rId3"/>
+          <a:stretch>
+            <a:fillRect/>
+          </a:stretch>
+        </p:blipFill>
+        <p:spPr>
+          <a:xfrm>
+            <a:off x="2123728" y="843558"/>
+            <a:ext cx="3852093" cy="4220794"/>
+          </a:xfrm>
+          <a:prstGeom prst="rect">
+            <a:avLst/>
+          </a:prstGeom>
+        </p:spPr>
+      </p:pic>
+    </p:spTree>
+    <p:extLst>
+      <p:ext uri="{BB962C8B-B14F-4D97-AF65-F5344CB8AC3E}">
+        <p14:creationId xmlns:p14="http://schemas.microsoft.com/office/powerpoint/2010/main" val="2503745226"/>
       </p:ext>
     </p:extLst>
   </p:cSld>
@@ -13840,14 +13696,9 @@
           <a:lstStyle/>
           <a:p>
             <a:r>
-              <a:rPr lang="pl-PL" dirty="0" err="1"/>
-              <a:t>Why</a:t>
-            </a:r>
-            <a:r>
-              <a:rPr lang="pl-PL" dirty="0"/>
-              <a:t> Apache Spark?</a:t>
-            </a:r>
-            <a:endParaRPr lang="en-US" dirty="0"/>
+              <a:rPr lang="en-US" dirty="0"/>
+              <a:t>Why Apache Spark?</a:t>
+            </a:r>
           </a:p>
         </p:txBody>
       </p:sp>
@@ -14082,107 +13933,26 @@
           </a:lstStyle>
           <a:p>
             <a:r>
-              <a:rPr lang="pl-PL" sz="2000" dirty="0" err="1"/>
-              <a:t>Excellent</a:t>
-            </a:r>
-            <a:r>
-              <a:rPr lang="pl-PL" sz="2000" dirty="0"/>
-              <a:t> performance</a:t>
-            </a:r>
-          </a:p>
-          <a:p>
-            <a:r>
               <a:rPr lang="en-US" sz="2000" dirty="0"/>
-              <a:t>Intuitive and concise </a:t>
-            </a:r>
-            <a:r>
-              <a:rPr lang="pl-PL" sz="2000" dirty="0"/>
-              <a:t>high-</a:t>
-            </a:r>
-            <a:r>
-              <a:rPr lang="pl-PL" sz="2000" dirty="0" err="1"/>
-              <a:t>level</a:t>
-            </a:r>
-            <a:r>
-              <a:rPr lang="pl-PL" sz="2000" dirty="0"/>
-              <a:t> </a:t>
-            </a:r>
-            <a:r>
-              <a:rPr lang="pl-PL" sz="2000" dirty="0" err="1"/>
-              <a:t>APIs</a:t>
-            </a:r>
-            <a:r>
-              <a:rPr lang="pl-PL" sz="2000" dirty="0"/>
-              <a:t> </a:t>
-            </a:r>
+              <a:t>Excellent performance</a:t>
+            </a:r>
+          </a:p>
+          <a:p>
             <a:r>
               <a:rPr lang="en-US" sz="2000" dirty="0"/>
-              <a:t>in several languages</a:t>
-            </a:r>
-          </a:p>
-          <a:p>
-            <a:r>
-              <a:rPr lang="pl-PL" sz="2000" dirty="0" err="1"/>
-              <a:t>Runs</a:t>
-            </a:r>
-            <a:r>
-              <a:rPr lang="pl-PL" sz="2000" dirty="0"/>
-              <a:t> (</a:t>
-            </a:r>
-            <a:r>
-              <a:rPr lang="pl-PL" sz="2000" dirty="0" err="1"/>
-              <a:t>almost</a:t>
-            </a:r>
-            <a:r>
-              <a:rPr lang="pl-PL" sz="2000" dirty="0"/>
-              <a:t>) </a:t>
-            </a:r>
-            <a:r>
-              <a:rPr lang="pl-PL" sz="2000" dirty="0" err="1"/>
-              <a:t>everywhere</a:t>
-            </a:r>
-            <a:endParaRPr lang="pl-PL" sz="2000" dirty="0"/>
-          </a:p>
-          <a:p>
-            <a:r>
-              <a:rPr lang="pl-PL" sz="2000" dirty="0" err="1"/>
-              <a:t>Generality</a:t>
-            </a:r>
-            <a:r>
-              <a:rPr lang="pl-PL" sz="2000" dirty="0"/>
-              <a:t> - c</a:t>
-            </a:r>
-            <a:r>
-              <a:rPr lang="en-US" sz="2000" dirty="0" err="1"/>
-              <a:t>ombine</a:t>
-            </a:r>
-            <a:r>
-              <a:rPr lang="pl-PL" sz="2000" dirty="0"/>
-              <a:t>s</a:t>
-            </a:r>
+              <a:t>Intuitive and concise high-level APIs in several languages</a:t>
+            </a:r>
+          </a:p>
+          <a:p>
             <a:r>
               <a:rPr lang="en-US" sz="2000" dirty="0"/>
-              <a:t> </a:t>
-            </a:r>
-            <a:r>
-              <a:rPr lang="pl-PL" sz="2000" dirty="0" err="1"/>
-              <a:t>batch</a:t>
-            </a:r>
-            <a:r>
-              <a:rPr lang="pl-PL" sz="2000" dirty="0"/>
-              <a:t> </a:t>
-            </a:r>
-            <a:r>
-              <a:rPr lang="pl-PL" sz="2000" dirty="0" err="1"/>
-              <a:t>processing</a:t>
-            </a:r>
+              <a:t>Runs (almost) everywhere</a:t>
+            </a:r>
+          </a:p>
+          <a:p>
             <a:r>
               <a:rPr lang="en-US" sz="2000" dirty="0"/>
-              <a:t>, streaming, and </a:t>
-            </a:r>
-            <a:r>
-              <a:rPr lang="pl-PL" sz="2000" dirty="0"/>
-              <a:t>ML</a:t>
+              <a:t>Generality - combines batch processing, streaming, and ML</a:t>
             </a:r>
           </a:p>
         </p:txBody>
@@ -16208,152 +15978,6 @@
           <a:p>
             <a:r>
               <a:rPr lang="pl-PL" dirty="0" err="1"/>
-              <a:t>Stack</a:t>
-            </a:r>
-            <a:r>
-              <a:rPr lang="pl-PL" dirty="0"/>
-              <a:t> </a:t>
-            </a:r>
-            <a:r>
-              <a:rPr lang="pl-PL" dirty="0" err="1"/>
-              <a:t>Overflow</a:t>
-            </a:r>
-            <a:r>
-              <a:rPr lang="pl-PL" dirty="0"/>
-              <a:t> </a:t>
-            </a:r>
-            <a:r>
-              <a:rPr lang="pl-PL" dirty="0" err="1"/>
-              <a:t>Survey</a:t>
-            </a:r>
-            <a:r>
-              <a:rPr lang="pl-PL" dirty="0"/>
-              <a:t> 2018</a:t>
-            </a:r>
-            <a:endParaRPr lang="en-US" dirty="0"/>
-          </a:p>
-        </p:txBody>
-      </p:sp>
-      <p:sp>
-        <p:nvSpPr>
-          <p:cNvPr id="3" name="Footer Placeholder 2"/>
-          <p:cNvSpPr>
-            <a:spLocks noGrp="1"/>
-          </p:cNvSpPr>
-          <p:nvPr>
-            <p:ph type="ftr" sz="quarter" idx="16"/>
-          </p:nvPr>
-        </p:nvSpPr>
-        <p:spPr/>
-        <p:txBody>
-          <a:bodyPr/>
-          <a:lstStyle/>
-          <a:p>
-            <a:endParaRPr lang="pl-PL" dirty="0"/>
-          </a:p>
-        </p:txBody>
-      </p:sp>
-      <p:sp>
-        <p:nvSpPr>
-          <p:cNvPr id="4" name="Date Placeholder 3"/>
-          <p:cNvSpPr>
-            <a:spLocks noGrp="1"/>
-          </p:cNvSpPr>
-          <p:nvPr>
-            <p:ph type="dt" sz="half" idx="15"/>
-          </p:nvPr>
-        </p:nvSpPr>
-        <p:spPr/>
-        <p:txBody>
-          <a:bodyPr/>
-          <a:lstStyle/>
-          <a:p>
-            <a:endParaRPr lang="pl-PL" dirty="0"/>
-          </a:p>
-        </p:txBody>
-      </p:sp>
-      <p:pic>
-        <p:nvPicPr>
-          <p:cNvPr id="6" name="Picture 5">
-            <a:extLst>
-              <a:ext uri="{FF2B5EF4-FFF2-40B4-BE49-F238E27FC236}">
-                <a16:creationId xmlns:a16="http://schemas.microsoft.com/office/drawing/2014/main" id="{804CBCF8-6E92-461C-9677-30FBE98A78D7}"/>
-              </a:ext>
-            </a:extLst>
-          </p:cNvPr>
-          <p:cNvPicPr>
-            <a:picLocks noChangeAspect="1"/>
-          </p:cNvPicPr>
-          <p:nvPr/>
-        </p:nvPicPr>
-        <p:blipFill>
-          <a:blip r:embed="rId3"/>
-          <a:stretch>
-            <a:fillRect/>
-          </a:stretch>
-        </p:blipFill>
-        <p:spPr>
-          <a:xfrm>
-            <a:off x="2123728" y="843558"/>
-            <a:ext cx="3852093" cy="4220794"/>
-          </a:xfrm>
-          <a:prstGeom prst="rect">
-            <a:avLst/>
-          </a:prstGeom>
-        </p:spPr>
-      </p:pic>
-    </p:spTree>
-    <p:extLst>
-      <p:ext uri="{BB962C8B-B14F-4D97-AF65-F5344CB8AC3E}">
-        <p14:creationId xmlns:p14="http://schemas.microsoft.com/office/powerpoint/2010/main" val="2503745226"/>
-      </p:ext>
-    </p:extLst>
-  </p:cSld>
-  <p:clrMapOvr>
-    <a:masterClrMapping/>
-  </p:clrMapOvr>
-</p:sld>
-</file>
-
-<file path=ppt/slides/slide6.xml><?xml version="1.0" encoding="utf-8"?>
-<p:sld xmlns:a="http://schemas.openxmlformats.org/drawingml/2006/main" xmlns:r="http://schemas.openxmlformats.org/officeDocument/2006/relationships" xmlns:p="http://schemas.openxmlformats.org/presentationml/2006/main">
-  <p:cSld>
-    <p:spTree>
-      <p:nvGrpSpPr>
-        <p:cNvPr id="1" name=""/>
-        <p:cNvGrpSpPr/>
-        <p:nvPr/>
-      </p:nvGrpSpPr>
-      <p:grpSpPr>
-        <a:xfrm>
-          <a:off x="0" y="0"/>
-          <a:ext cx="0" cy="0"/>
-          <a:chOff x="0" y="0"/>
-          <a:chExt cx="0" cy="0"/>
-        </a:xfrm>
-      </p:grpSpPr>
-      <p:sp>
-        <p:nvSpPr>
-          <p:cNvPr id="2" name="Title 1"/>
-          <p:cNvSpPr>
-            <a:spLocks noGrp="1"/>
-          </p:cNvSpPr>
-          <p:nvPr>
-            <p:ph type="title"/>
-          </p:nvPr>
-        </p:nvSpPr>
-        <p:spPr>
-          <a:xfrm>
-            <a:off x="755650" y="413693"/>
-            <a:ext cx="7632700" cy="357857"/>
-          </a:xfrm>
-        </p:spPr>
-        <p:txBody>
-          <a:bodyPr/>
-          <a:lstStyle/>
-          <a:p>
-            <a:r>
-              <a:rPr lang="pl-PL" dirty="0" err="1"/>
               <a:t>Runs</a:t>
             </a:r>
             <a:r>
@@ -16849,7 +16473,7 @@
 </p:sld>
 </file>
 
-<file path=ppt/slides/slide7.xml><?xml version="1.0" encoding="utf-8"?>
+<file path=ppt/slides/slide6.xml><?xml version="1.0" encoding="utf-8"?>
 <p:sld xmlns:a="http://schemas.openxmlformats.org/drawingml/2006/main" xmlns:r="http://schemas.openxmlformats.org/officeDocument/2006/relationships" xmlns:p="http://schemas.openxmlformats.org/presentationml/2006/main">
   <p:cSld>
     <p:spTree>
@@ -17114,7 +16738,7 @@
 </p:sld>
 </file>
 
-<file path=ppt/slides/slide8.xml><?xml version="1.0" encoding="utf-8"?>
+<file path=ppt/slides/slide7.xml><?xml version="1.0" encoding="utf-8"?>
 <p:sld xmlns:a="http://schemas.openxmlformats.org/drawingml/2006/main" xmlns:r="http://schemas.openxmlformats.org/officeDocument/2006/relationships" xmlns:p="http://schemas.openxmlformats.org/presentationml/2006/main">
   <p:cSld>
     <p:spTree>
@@ -17310,7 +16934,7 @@
 </p:sld>
 </file>
 
-<file path=ppt/slides/slide9.xml><?xml version="1.0" encoding="utf-8"?>
+<file path=ppt/slides/slide8.xml><?xml version="1.0" encoding="utf-8"?>
 <p:sld xmlns:a="http://schemas.openxmlformats.org/drawingml/2006/main" xmlns:r="http://schemas.openxmlformats.org/officeDocument/2006/relationships" xmlns:p="http://schemas.openxmlformats.org/presentationml/2006/main">
   <p:cSld>
     <p:spTree>
@@ -17504,6 +17128,205 @@
     <p:extLst>
       <p:ext uri="{BB962C8B-B14F-4D97-AF65-F5344CB8AC3E}">
         <p14:creationId xmlns:p14="http://schemas.microsoft.com/office/powerpoint/2010/main" val="2390931764"/>
+      </p:ext>
+    </p:extLst>
+  </p:cSld>
+  <p:clrMapOvr>
+    <a:masterClrMapping/>
+  </p:clrMapOvr>
+</p:sld>
+</file>
+
+<file path=ppt/slides/slide9.xml><?xml version="1.0" encoding="utf-8"?>
+<p:sld xmlns:a="http://schemas.openxmlformats.org/drawingml/2006/main" xmlns:r="http://schemas.openxmlformats.org/officeDocument/2006/relationships" xmlns:p="http://schemas.openxmlformats.org/presentationml/2006/main">
+  <p:cSld>
+    <p:spTree>
+      <p:nvGrpSpPr>
+        <p:cNvPr id="1" name=""/>
+        <p:cNvGrpSpPr/>
+        <p:nvPr/>
+      </p:nvGrpSpPr>
+      <p:grpSpPr>
+        <a:xfrm>
+          <a:off x="0" y="0"/>
+          <a:ext cx="0" cy="0"/>
+          <a:chOff x="0" y="0"/>
+          <a:chExt cx="0" cy="0"/>
+        </a:xfrm>
+      </p:grpSpPr>
+      <p:sp>
+        <p:nvSpPr>
+          <p:cNvPr id="2" name="Title 1"/>
+          <p:cNvSpPr>
+            <a:spLocks noGrp="1"/>
+          </p:cNvSpPr>
+          <p:nvPr>
+            <p:ph type="title"/>
+          </p:nvPr>
+        </p:nvSpPr>
+        <p:spPr>
+          <a:xfrm>
+            <a:off x="755650" y="413693"/>
+            <a:ext cx="7632700" cy="357857"/>
+          </a:xfrm>
+        </p:spPr>
+        <p:txBody>
+          <a:bodyPr/>
+          <a:lstStyle/>
+          <a:p>
+            <a:br>
+              <a:rPr lang="pl-PL" dirty="0"/>
+            </a:br>
+            <a:r>
+              <a:rPr lang="pl-PL" dirty="0"/>
+              <a:t>Apache Spark Architecture</a:t>
+            </a:r>
+            <a:endParaRPr lang="en-US" dirty="0"/>
+          </a:p>
+        </p:txBody>
+      </p:sp>
+      <p:sp>
+        <p:nvSpPr>
+          <p:cNvPr id="3" name="Footer Placeholder 2"/>
+          <p:cNvSpPr>
+            <a:spLocks noGrp="1"/>
+          </p:cNvSpPr>
+          <p:nvPr>
+            <p:ph type="ftr" sz="quarter" idx="16"/>
+          </p:nvPr>
+        </p:nvSpPr>
+        <p:spPr/>
+        <p:txBody>
+          <a:bodyPr/>
+          <a:lstStyle/>
+          <a:p>
+            <a:endParaRPr lang="pl-PL" dirty="0"/>
+          </a:p>
+        </p:txBody>
+      </p:sp>
+      <p:sp>
+        <p:nvSpPr>
+          <p:cNvPr id="4" name="Date Placeholder 3"/>
+          <p:cNvSpPr>
+            <a:spLocks noGrp="1"/>
+          </p:cNvSpPr>
+          <p:nvPr>
+            <p:ph type="dt" sz="half" idx="15"/>
+          </p:nvPr>
+        </p:nvSpPr>
+        <p:spPr/>
+        <p:txBody>
+          <a:bodyPr/>
+          <a:lstStyle/>
+          <a:p>
+            <a:endParaRPr lang="pl-PL" dirty="0"/>
+          </a:p>
+        </p:txBody>
+      </p:sp>
+      <p:sp>
+        <p:nvSpPr>
+          <p:cNvPr id="7" name="TextBox 6"/>
+          <p:cNvSpPr txBox="1"/>
+          <p:nvPr/>
+        </p:nvSpPr>
+        <p:spPr>
+          <a:xfrm>
+            <a:off x="8859520" y="1198880"/>
+            <a:ext cx="914400" cy="914400"/>
+          </a:xfrm>
+          <a:prstGeom prst="rect">
+            <a:avLst/>
+          </a:prstGeom>
+          <a:noFill/>
+        </p:spPr>
+        <p:txBody>
+          <a:bodyPr wrap="none" lIns="0" tIns="0" rIns="0" bIns="0" rtlCol="0">
+            <a:noAutofit/>
+          </a:bodyPr>
+          <a:lstStyle/>
+          <a:p>
+            <a:pPr>
+              <a:lnSpc>
+                <a:spcPct val="140000"/>
+              </a:lnSpc>
+            </a:pPr>
+            <a:endParaRPr lang="en-US" dirty="0" err="1">
+              <a:solidFill>
+                <a:schemeClr val="tx1"/>
+              </a:solidFill>
+            </a:endParaRPr>
+          </a:p>
+        </p:txBody>
+      </p:sp>
+      <p:sp>
+        <p:nvSpPr>
+          <p:cNvPr id="11" name="TextBox 10"/>
+          <p:cNvSpPr txBox="1"/>
+          <p:nvPr/>
+        </p:nvSpPr>
+        <p:spPr>
+          <a:xfrm>
+            <a:off x="8524240" y="975360"/>
+            <a:ext cx="914400" cy="914400"/>
+          </a:xfrm>
+          <a:prstGeom prst="rect">
+            <a:avLst/>
+          </a:prstGeom>
+          <a:noFill/>
+        </p:spPr>
+        <p:txBody>
+          <a:bodyPr wrap="none" lIns="0" tIns="0" rIns="0" bIns="0" rtlCol="0">
+            <a:noAutofit/>
+          </a:bodyPr>
+          <a:lstStyle/>
+          <a:p>
+            <a:pPr>
+              <a:lnSpc>
+                <a:spcPct val="140000"/>
+              </a:lnSpc>
+            </a:pPr>
+            <a:endParaRPr lang="en-US" dirty="0" err="1">
+              <a:solidFill>
+                <a:schemeClr val="tx1"/>
+              </a:solidFill>
+            </a:endParaRPr>
+          </a:p>
+        </p:txBody>
+      </p:sp>
+      <p:pic>
+        <p:nvPicPr>
+          <p:cNvPr id="6" name="Picture 5">
+            <a:extLst>
+              <a:ext uri="{FF2B5EF4-FFF2-40B4-BE49-F238E27FC236}">
+                <a16:creationId xmlns:a16="http://schemas.microsoft.com/office/drawing/2014/main" id="{E56C735E-26BD-4FF5-92B6-016E4ACB8DB5}"/>
+              </a:ext>
+            </a:extLst>
+          </p:cNvPr>
+          <p:cNvPicPr>
+            <a:picLocks noChangeAspect="1"/>
+          </p:cNvPicPr>
+          <p:nvPr/>
+        </p:nvPicPr>
+        <p:blipFill>
+          <a:blip r:embed="rId3"/>
+          <a:stretch>
+            <a:fillRect/>
+          </a:stretch>
+        </p:blipFill>
+        <p:spPr>
+          <a:xfrm>
+            <a:off x="1619672" y="926072"/>
+            <a:ext cx="5602965" cy="3592377"/>
+          </a:xfrm>
+          <a:prstGeom prst="rect">
+            <a:avLst/>
+          </a:prstGeom>
+        </p:spPr>
+      </p:pic>
+    </p:spTree>
+    <p:extLst>
+      <p:ext uri="{BB962C8B-B14F-4D97-AF65-F5344CB8AC3E}">
+        <p14:creationId xmlns:p14="http://schemas.microsoft.com/office/powerpoint/2010/main" val="1727686954"/>
       </p:ext>
     </p:extLst>
   </p:cSld>
@@ -18287,6 +18110,31 @@
 </file>
 
 <file path=customXml/item1.xml><?xml version="1.0" encoding="utf-8"?>
+<?mso-contentType ?>
+<FormTemplates xmlns="http://schemas.microsoft.com/sharepoint/v3/contenttype/forms">
+  <Display>DocumentLibraryForm</Display>
+  <Edit>DocumentLibraryForm</Edit>
+  <New>DocumentLibraryForm</New>
+</FormTemplates>
+</file>
+
+<file path=customXml/item2.xml><?xml version="1.0" encoding="utf-8"?>
+<p:properties xmlns:p="http://schemas.microsoft.com/office/2006/metadata/properties" xmlns:xsi="http://www.w3.org/2001/XMLSchema-instance" xmlns:pc="http://schemas.microsoft.com/office/infopath/2007/PartnerControls">
+  <documentManagement>
+    <PublishingExpirationDate xmlns="http://schemas.microsoft.com/sharepoint/v3" xsi:nil="true"/>
+    <PublishingStartDate xmlns="http://schemas.microsoft.com/sharepoint/v3" xsi:nil="true"/>
+    <_dlc_DocId xmlns="3708c738-35ee-46ab-80c7-a8ab2419782e">OBSS-2049071821-626200</_dlc_DocId>
+    <_dlc_DocIdUrl xmlns="3708c738-35ee-46ab-80c7-a8ab2419782e">
+      <Url>https://obss.sharepoint.com/guilds/bids/_layouts/15/DocIdRedir.aspx?ID=OBSS-2049071821-626200</Url>
+      <Description>OBSS-2049071821-626200</Description>
+    </_dlc_DocIdUrl>
+    <TaxCatchAll xmlns="3708c738-35ee-46ab-80c7-a8ab2419782e"/>
+    <Tags xmlns="cb0eccee-0f77-49ec-991a-9389dd455cd9"/>
+  </documentManagement>
+</p:properties>
+</file>
+
+<file path=customXml/item3.xml><?xml version="1.0" encoding="utf-8"?>
 <ct:contentTypeSchema xmlns:ct="http://schemas.microsoft.com/office/2006/metadata/contentType" xmlns:ma="http://schemas.microsoft.com/office/2006/metadata/properties/metaAttributes" ct:_="" ma:_="" ma:contentTypeName="Document" ma:contentTypeID="0x0101004C5700F8113EE4489F80B9033377C718" ma:contentTypeVersion="19" ma:contentTypeDescription="Create a new document." ma:contentTypeScope="" ma:versionID="8d67101e943c232340b05bc442984c99">
   <xsd:schema xmlns:xsd="http://www.w3.org/2001/XMLSchema" xmlns:xs="http://www.w3.org/2001/XMLSchema" xmlns:p="http://schemas.microsoft.com/office/2006/metadata/properties" xmlns:ns1="http://schemas.microsoft.com/sharepoint/v3" xmlns:ns2="3708c738-35ee-46ab-80c7-a8ab2419782e" xmlns:ns3="b6c8aff7-8255-4849-b8e8-fa486e1a95ad" xmlns:ns4="cb0eccee-0f77-49ec-991a-9389dd455cd9" targetNamespace="http://schemas.microsoft.com/office/2006/metadata/properties" ma:root="true" ma:fieldsID="9ddce169edf252f70c1f33ba5a2d8d15" ns1:_="" ns2:_="" ns3:_="" ns4:_="">
     <xsd:import namespace="http://schemas.microsoft.com/sharepoint/v3"/>
@@ -18547,31 +18395,6 @@
 </ct:contentTypeSchema>
 </file>
 
-<file path=customXml/item2.xml><?xml version="1.0" encoding="utf-8"?>
-<p:properties xmlns:p="http://schemas.microsoft.com/office/2006/metadata/properties" xmlns:xsi="http://www.w3.org/2001/XMLSchema-instance" xmlns:pc="http://schemas.microsoft.com/office/infopath/2007/PartnerControls">
-  <documentManagement>
-    <PublishingExpirationDate xmlns="http://schemas.microsoft.com/sharepoint/v3" xsi:nil="true"/>
-    <PublishingStartDate xmlns="http://schemas.microsoft.com/sharepoint/v3" xsi:nil="true"/>
-    <_dlc_DocId xmlns="3708c738-35ee-46ab-80c7-a8ab2419782e">OBSS-2049071821-626200</_dlc_DocId>
-    <_dlc_DocIdUrl xmlns="3708c738-35ee-46ab-80c7-a8ab2419782e">
-      <Url>https://obss.sharepoint.com/guilds/bids/_layouts/15/DocIdRedir.aspx?ID=OBSS-2049071821-626200</Url>
-      <Description>OBSS-2049071821-626200</Description>
-    </_dlc_DocIdUrl>
-    <TaxCatchAll xmlns="3708c738-35ee-46ab-80c7-a8ab2419782e"/>
-    <Tags xmlns="cb0eccee-0f77-49ec-991a-9389dd455cd9"/>
-  </documentManagement>
-</p:properties>
-</file>
-
-<file path=customXml/item3.xml><?xml version="1.0" encoding="utf-8"?>
-<?mso-contentType ?>
-<FormTemplates xmlns="http://schemas.microsoft.com/sharepoint/v3/contenttype/forms">
-  <Display>DocumentLibraryForm</Display>
-  <Edit>DocumentLibraryForm</Edit>
-  <New>DocumentLibraryForm</New>
-</FormTemplates>
-</file>
-
 <file path=customXml/item4.xml><?xml version="1.0" encoding="utf-8"?>
 <?mso-contentType ?>
 <spe:Receivers xmlns:spe="http://schemas.microsoft.com/sharepoint/events">
@@ -18623,6 +18446,26 @@
 </file>
 
 <file path=customXml/itemProps1.xml><?xml version="1.0" encoding="utf-8"?>
+<ds:datastoreItem xmlns:ds="http://schemas.openxmlformats.org/officeDocument/2006/customXml" ds:itemID="{47D6E47B-A0F9-4A9A-A856-AFB8DF7B2758}">
+  <ds:schemaRefs>
+    <ds:schemaRef ds:uri="http://schemas.microsoft.com/sharepoint/v3/contenttype/forms"/>
+  </ds:schemaRefs>
+</ds:datastoreItem>
+</file>
+
+<file path=customXml/itemProps2.xml><?xml version="1.0" encoding="utf-8"?>
+<ds:datastoreItem xmlns:ds="http://schemas.openxmlformats.org/officeDocument/2006/customXml" ds:itemID="{C053F735-BAB9-4147-90B7-05A702639313}">
+  <ds:schemaRefs>
+    <ds:schemaRef ds:uri="http://schemas.microsoft.com/office/2006/metadata/properties"/>
+    <ds:schemaRef ds:uri="http://schemas.microsoft.com/office/infopath/2007/PartnerControls"/>
+    <ds:schemaRef ds:uri="http://schemas.microsoft.com/sharepoint/v3"/>
+    <ds:schemaRef ds:uri="3708c738-35ee-46ab-80c7-a8ab2419782e"/>
+    <ds:schemaRef ds:uri="cb0eccee-0f77-49ec-991a-9389dd455cd9"/>
+  </ds:schemaRefs>
+</ds:datastoreItem>
+</file>
+
+<file path=customXml/itemProps3.xml><?xml version="1.0" encoding="utf-8"?>
 <ds:datastoreItem xmlns:ds="http://schemas.openxmlformats.org/officeDocument/2006/customXml" ds:itemID="{09C3D11A-0D75-4D0F-B6FB-7E9079733382}">
   <ds:schemaRefs>
     <ds:schemaRef ds:uri="http://schemas.microsoft.com/office/2006/metadata/contentType"/>
@@ -18643,26 +18486,6 @@
 </ds:datastoreItem>
 </file>
 
-<file path=customXml/itemProps2.xml><?xml version="1.0" encoding="utf-8"?>
-<ds:datastoreItem xmlns:ds="http://schemas.openxmlformats.org/officeDocument/2006/customXml" ds:itemID="{C053F735-BAB9-4147-90B7-05A702639313}">
-  <ds:schemaRefs>
-    <ds:schemaRef ds:uri="http://schemas.microsoft.com/office/2006/metadata/properties"/>
-    <ds:schemaRef ds:uri="http://schemas.microsoft.com/office/infopath/2007/PartnerControls"/>
-    <ds:schemaRef ds:uri="http://schemas.microsoft.com/sharepoint/v3"/>
-    <ds:schemaRef ds:uri="3708c738-35ee-46ab-80c7-a8ab2419782e"/>
-    <ds:schemaRef ds:uri="cb0eccee-0f77-49ec-991a-9389dd455cd9"/>
-  </ds:schemaRefs>
-</ds:datastoreItem>
-</file>
-
-<file path=customXml/itemProps3.xml><?xml version="1.0" encoding="utf-8"?>
-<ds:datastoreItem xmlns:ds="http://schemas.openxmlformats.org/officeDocument/2006/customXml" ds:itemID="{47D6E47B-A0F9-4A9A-A856-AFB8DF7B2758}">
-  <ds:schemaRefs>
-    <ds:schemaRef ds:uri="http://schemas.microsoft.com/sharepoint/v3/contenttype/forms"/>
-  </ds:schemaRefs>
-</ds:datastoreItem>
-</file>
-
 <file path=customXml/itemProps4.xml><?xml version="1.0" encoding="utf-8"?>
 <ds:datastoreItem xmlns:ds="http://schemas.openxmlformats.org/officeDocument/2006/customXml" ds:itemID="{0971A6D6-1C30-4849-8471-7486F20BE09D}">
   <ds:schemaRefs>

--- a/src/main/resources/slides.pptx
+++ b/src/main/resources/slides.pptx
@@ -5,10 +5,10 @@
     <p:sldMasterId id="2147483684" r:id="rId5"/>
   </p:sldMasterIdLst>
   <p:notesMasterIdLst>
-    <p:notesMasterId r:id="rId28"/>
+    <p:notesMasterId r:id="rId31"/>
   </p:notesMasterIdLst>
   <p:handoutMasterIdLst>
-    <p:handoutMasterId r:id="rId29"/>
+    <p:handoutMasterId r:id="rId32"/>
   </p:handoutMasterIdLst>
   <p:sldIdLst>
     <p:sldId id="258" r:id="rId6"/>
@@ -31,8 +31,11 @@
     <p:sldId id="291" r:id="rId23"/>
     <p:sldId id="292" r:id="rId24"/>
     <p:sldId id="294" r:id="rId25"/>
-    <p:sldId id="295" r:id="rId26"/>
-    <p:sldId id="296" r:id="rId27"/>
+    <p:sldId id="300" r:id="rId26"/>
+    <p:sldId id="295" r:id="rId27"/>
+    <p:sldId id="299" r:id="rId28"/>
+    <p:sldId id="301" r:id="rId29"/>
+    <p:sldId id="296" r:id="rId30"/>
   </p:sldIdLst>
   <p:sldSz cx="9144000" cy="5143500" type="screen16x9"/>
   <p:notesSz cx="6858000" cy="9144000"/>
@@ -285,7 +288,7 @@
           <a:p>
             <a:fld id="{D767EAEA-49F6-47D1-81B5-6AE13276E2F7}" type="datetimeFigureOut">
               <a:rPr lang="pl-PL" smtClean="0"/>
-              <a:t>24.01.2019</a:t>
+              <a:t>29.01.2019</a:t>
             </a:fld>
             <a:endParaRPr lang="pl-PL"/>
           </a:p>
@@ -454,7 +457,7 @@
           <a:p>
             <a:fld id="{153FA37D-DE2B-47E9-A168-88AE1559A114}" type="datetimeFigureOut">
               <a:rPr lang="pl-PL" smtClean="0"/>
-              <a:t>24.01.2019</a:t>
+              <a:t>28.01.2019</a:t>
             </a:fld>
             <a:endParaRPr lang="pl-PL"/>
           </a:p>
@@ -3688,11 +3691,66 @@
           <a:bodyPr/>
           <a:lstStyle/>
           <a:p>
-            <a:r>
-              <a:rPr lang="pl-PL" dirty="0"/>
-              <a:t>https://docs.scala-lang.org/overviews/collections/overview.html</a:t>
-            </a:r>
-          </a:p>
+            <a:endParaRPr lang="pl-PL" dirty="0"/>
+          </a:p>
+        </p:txBody>
+      </p:sp>
+    </p:spTree>
+    <p:extLst>
+      <p:ext uri="{BB962C8B-B14F-4D97-AF65-F5344CB8AC3E}">
+        <p14:creationId xmlns:p14="http://schemas.microsoft.com/office/powerpoint/2010/main" val="3332540915"/>
+      </p:ext>
+    </p:extLst>
+  </p:cSld>
+  <p:clrMapOvr>
+    <a:masterClrMapping/>
+  </p:clrMapOvr>
+</p:notes>
+</file>
+
+<file path=ppt/notesSlides/notesSlide21.xml><?xml version="1.0" encoding="utf-8"?>
+<p:notes xmlns:a="http://schemas.openxmlformats.org/drawingml/2006/main" xmlns:r="http://schemas.openxmlformats.org/officeDocument/2006/relationships" xmlns:p="http://schemas.openxmlformats.org/presentationml/2006/main">
+  <p:cSld>
+    <p:spTree>
+      <p:nvGrpSpPr>
+        <p:cNvPr id="1" name=""/>
+        <p:cNvGrpSpPr/>
+        <p:nvPr/>
+      </p:nvGrpSpPr>
+      <p:grpSpPr>
+        <a:xfrm>
+          <a:off x="0" y="0"/>
+          <a:ext cx="0" cy="0"/>
+          <a:chOff x="0" y="0"/>
+          <a:chExt cx="0" cy="0"/>
+        </a:xfrm>
+      </p:grpSpPr>
+      <p:sp>
+        <p:nvSpPr>
+          <p:cNvPr id="2" name="Slide Image Placeholder 1"/>
+          <p:cNvSpPr>
+            <a:spLocks noGrp="1" noRot="1" noChangeAspect="1"/>
+          </p:cNvSpPr>
+          <p:nvPr>
+            <p:ph type="sldImg"/>
+          </p:nvPr>
+        </p:nvSpPr>
+        <p:spPr/>
+      </p:sp>
+      <p:sp>
+        <p:nvSpPr>
+          <p:cNvPr id="3" name="Notes Placeholder 2"/>
+          <p:cNvSpPr>
+            <a:spLocks noGrp="1"/>
+          </p:cNvSpPr>
+          <p:nvPr>
+            <p:ph type="body" idx="1"/>
+          </p:nvPr>
+        </p:nvSpPr>
+        <p:spPr/>
+        <p:txBody>
+          <a:bodyPr/>
+          <a:lstStyle/>
           <a:p>
             <a:endParaRPr lang="pl-PL" dirty="0"/>
           </a:p>
@@ -3711,7 +3769,129 @@
 </p:notes>
 </file>
 
-<file path=ppt/notesSlides/notesSlide21.xml><?xml version="1.0" encoding="utf-8"?>
+<file path=ppt/notesSlides/notesSlide22.xml><?xml version="1.0" encoding="utf-8"?>
+<p:notes xmlns:a="http://schemas.openxmlformats.org/drawingml/2006/main" xmlns:r="http://schemas.openxmlformats.org/officeDocument/2006/relationships" xmlns:p="http://schemas.openxmlformats.org/presentationml/2006/main">
+  <p:cSld>
+    <p:spTree>
+      <p:nvGrpSpPr>
+        <p:cNvPr id="1" name=""/>
+        <p:cNvGrpSpPr/>
+        <p:nvPr/>
+      </p:nvGrpSpPr>
+      <p:grpSpPr>
+        <a:xfrm>
+          <a:off x="0" y="0"/>
+          <a:ext cx="0" cy="0"/>
+          <a:chOff x="0" y="0"/>
+          <a:chExt cx="0" cy="0"/>
+        </a:xfrm>
+      </p:grpSpPr>
+      <p:sp>
+        <p:nvSpPr>
+          <p:cNvPr id="2" name="Slide Image Placeholder 1"/>
+          <p:cNvSpPr>
+            <a:spLocks noGrp="1" noRot="1" noChangeAspect="1"/>
+          </p:cNvSpPr>
+          <p:nvPr>
+            <p:ph type="sldImg"/>
+          </p:nvPr>
+        </p:nvSpPr>
+        <p:spPr/>
+      </p:sp>
+      <p:sp>
+        <p:nvSpPr>
+          <p:cNvPr id="3" name="Notes Placeholder 2"/>
+          <p:cNvSpPr>
+            <a:spLocks noGrp="1"/>
+          </p:cNvSpPr>
+          <p:nvPr>
+            <p:ph type="body" idx="1"/>
+          </p:nvPr>
+        </p:nvSpPr>
+        <p:spPr/>
+        <p:txBody>
+          <a:bodyPr/>
+          <a:lstStyle/>
+          <a:p>
+            <a:endParaRPr lang="pl-PL" dirty="0"/>
+          </a:p>
+        </p:txBody>
+      </p:sp>
+    </p:spTree>
+    <p:extLst>
+      <p:ext uri="{BB962C8B-B14F-4D97-AF65-F5344CB8AC3E}">
+        <p14:creationId xmlns:p14="http://schemas.microsoft.com/office/powerpoint/2010/main" val="3005456541"/>
+      </p:ext>
+    </p:extLst>
+  </p:cSld>
+  <p:clrMapOvr>
+    <a:masterClrMapping/>
+  </p:clrMapOvr>
+</p:notes>
+</file>
+
+<file path=ppt/notesSlides/notesSlide23.xml><?xml version="1.0" encoding="utf-8"?>
+<p:notes xmlns:a="http://schemas.openxmlformats.org/drawingml/2006/main" xmlns:r="http://schemas.openxmlformats.org/officeDocument/2006/relationships" xmlns:p="http://schemas.openxmlformats.org/presentationml/2006/main">
+  <p:cSld>
+    <p:spTree>
+      <p:nvGrpSpPr>
+        <p:cNvPr id="1" name=""/>
+        <p:cNvGrpSpPr/>
+        <p:nvPr/>
+      </p:nvGrpSpPr>
+      <p:grpSpPr>
+        <a:xfrm>
+          <a:off x="0" y="0"/>
+          <a:ext cx="0" cy="0"/>
+          <a:chOff x="0" y="0"/>
+          <a:chExt cx="0" cy="0"/>
+        </a:xfrm>
+      </p:grpSpPr>
+      <p:sp>
+        <p:nvSpPr>
+          <p:cNvPr id="2" name="Slide Image Placeholder 1"/>
+          <p:cNvSpPr>
+            <a:spLocks noGrp="1" noRot="1" noChangeAspect="1"/>
+          </p:cNvSpPr>
+          <p:nvPr>
+            <p:ph type="sldImg"/>
+          </p:nvPr>
+        </p:nvSpPr>
+        <p:spPr/>
+      </p:sp>
+      <p:sp>
+        <p:nvSpPr>
+          <p:cNvPr id="3" name="Notes Placeholder 2"/>
+          <p:cNvSpPr>
+            <a:spLocks noGrp="1"/>
+          </p:cNvSpPr>
+          <p:nvPr>
+            <p:ph type="body" idx="1"/>
+          </p:nvPr>
+        </p:nvSpPr>
+        <p:spPr/>
+        <p:txBody>
+          <a:bodyPr/>
+          <a:lstStyle/>
+          <a:p>
+            <a:endParaRPr lang="pl-PL" dirty="0"/>
+          </a:p>
+        </p:txBody>
+      </p:sp>
+    </p:spTree>
+    <p:extLst>
+      <p:ext uri="{BB962C8B-B14F-4D97-AF65-F5344CB8AC3E}">
+        <p14:creationId xmlns:p14="http://schemas.microsoft.com/office/powerpoint/2010/main" val="1496112602"/>
+      </p:ext>
+    </p:extLst>
+  </p:cSld>
+  <p:clrMapOvr>
+    <a:masterClrMapping/>
+  </p:clrMapOvr>
+</p:notes>
+</file>
+
+<file path=ppt/notesSlides/notesSlide24.xml><?xml version="1.0" encoding="utf-8"?>
 <p:notes xmlns:a="http://schemas.openxmlformats.org/drawingml/2006/main" xmlns:r="http://schemas.openxmlformats.org/officeDocument/2006/relationships" xmlns:p="http://schemas.openxmlformats.org/presentationml/2006/main">
   <p:cSld>
     <p:spTree>
@@ -10144,12 +10324,8 @@
           <a:lstStyle/>
           <a:p>
             <a:r>
-              <a:rPr lang="pl-PL" dirty="0" err="1"/>
-              <a:t>Why</a:t>
-            </a:r>
-            <a:r>
-              <a:rPr lang="pl-PL" dirty="0"/>
-              <a:t> not Scala for Spark?</a:t>
+              <a:rPr lang="en-GB" dirty="0"/>
+              <a:t>Why not Scala for Spark?</a:t>
             </a:r>
           </a:p>
         </p:txBody>
@@ -10385,27 +10561,27 @@
           </a:lstStyle>
           <a:p>
             <a:r>
-              <a:rPr lang="en-US" sz="2000" dirty="0"/>
+              <a:rPr lang="en-GB" sz="2000" dirty="0"/>
               <a:t>Libraries</a:t>
             </a:r>
           </a:p>
           <a:p>
             <a:r>
-              <a:rPr lang="en-US" sz="2000" dirty="0"/>
+              <a:rPr lang="en-GB" sz="2000" dirty="0"/>
               <a:t>Niche language</a:t>
             </a:r>
           </a:p>
           <a:p>
             <a:r>
-              <a:rPr lang="en-US" sz="2000" dirty="0"/>
-              <a:t>Advanced Language Features</a:t>
+              <a:rPr lang="en-GB" sz="2000" dirty="0"/>
+              <a:t>Advanced language features</a:t>
             </a:r>
           </a:p>
           <a:p>
             <a:pPr marL="0" indent="0">
               <a:buNone/>
             </a:pPr>
-            <a:endParaRPr lang="en-US" sz="2000" dirty="0"/>
+            <a:endParaRPr lang="en-GB" sz="2000" dirty="0"/>
           </a:p>
         </p:txBody>
       </p:sp>
@@ -10786,15 +10962,7 @@
           <a:p>
             <a:r>
               <a:rPr lang="en-US" sz="2000" dirty="0"/>
-              <a:t>Function as a first class </a:t>
-            </a:r>
-            <a:r>
-              <a:rPr lang="en-US" sz="2000" dirty="0" err="1"/>
-              <a:t>citizien</a:t>
-            </a:r>
-            <a:r>
-              <a:rPr lang="en-US" sz="2000" dirty="0"/>
-              <a:t> </a:t>
+              <a:t>Function as a first class citizen </a:t>
             </a:r>
           </a:p>
           <a:p>
@@ -10803,10 +10971,10 @@
               <a:t>Rich collection API and </a:t>
             </a:r>
             <a:r>
-              <a:rPr lang="en-US" sz="2000" dirty="0" err="1"/>
+              <a:rPr lang="en-US" sz="2000" i="1" dirty="0" err="1"/>
               <a:t>implictis</a:t>
             </a:r>
-            <a:endParaRPr lang="en-US" sz="2000" dirty="0"/>
+            <a:endParaRPr lang="en-US" sz="2000" i="1" dirty="0"/>
           </a:p>
           <a:p>
             <a:pPr marL="0" indent="0">
@@ -12717,10 +12885,10 @@
               <a:t>Nicely mixes with Spark thanks to </a:t>
             </a:r>
             <a:r>
-              <a:rPr lang="en-US" sz="2000" dirty="0" err="1"/>
+              <a:rPr lang="en-US" sz="2000" i="1" dirty="0" err="1"/>
               <a:t>implicits</a:t>
             </a:r>
-            <a:endParaRPr lang="en-US" sz="2000" dirty="0"/>
+            <a:endParaRPr lang="en-US" sz="2000" i="1" dirty="0"/>
           </a:p>
           <a:p>
             <a:r>
@@ -12729,9 +12897,39 @@
             </a:r>
           </a:p>
           <a:p>
+            <a:pPr marL="0" indent="0">
+              <a:buNone/>
+            </a:pPr>
+            <a:r>
+              <a:rPr lang="pl-PL" sz="2000" dirty="0"/>
+              <a:t>	</a:t>
+            </a:r>
+          </a:p>
+          <a:p>
+            <a:pPr marL="0" indent="0">
+              <a:buNone/>
+            </a:pPr>
+            <a:r>
+              <a:rPr lang="pl-PL" sz="2000" dirty="0"/>
+              <a:t>	</a:t>
+            </a:r>
             <a:r>
               <a:rPr lang="en-US" sz="2000" dirty="0"/>
-              <a:t>„Spark - The Ultimate Scala Collections” – Martin </a:t>
+              <a:t>„Spark - The Ultimate Scala Collections” </a:t>
+            </a:r>
+            <a:endParaRPr lang="pl-PL" sz="2000" dirty="0"/>
+          </a:p>
+          <a:p>
+            <a:pPr marL="0" indent="0">
+              <a:buNone/>
+            </a:pPr>
+            <a:r>
+              <a:rPr lang="pl-PL" sz="2000" dirty="0"/>
+              <a:t>						</a:t>
+            </a:r>
+            <a:r>
+              <a:rPr lang="en-US" sz="2000" dirty="0"/>
+              <a:t>Martin </a:t>
             </a:r>
             <a:r>
               <a:rPr lang="en-US" sz="2000" dirty="0" err="1"/>
@@ -12753,41 +12951,6 @@
               <a:buNone/>
             </a:pPr>
             <a:endParaRPr lang="en-US" sz="2000" dirty="0"/>
-          </a:p>
-        </p:txBody>
-      </p:sp>
-      <p:sp>
-        <p:nvSpPr>
-          <p:cNvPr id="7" name="TextBox 6"/>
-          <p:cNvSpPr txBox="1"/>
-          <p:nvPr/>
-        </p:nvSpPr>
-        <p:spPr>
-          <a:xfrm>
-            <a:off x="8891051" y="1198880"/>
-            <a:ext cx="914400" cy="914400"/>
-          </a:xfrm>
-          <a:prstGeom prst="rect">
-            <a:avLst/>
-          </a:prstGeom>
-          <a:noFill/>
-        </p:spPr>
-        <p:txBody>
-          <a:bodyPr wrap="none" lIns="0" tIns="0" rIns="0" bIns="0" rtlCol="0">
-            <a:noAutofit/>
-          </a:bodyPr>
-          <a:lstStyle/>
-          <a:p>
-            <a:pPr>
-              <a:lnSpc>
-                <a:spcPct val="140000"/>
-              </a:lnSpc>
-            </a:pPr>
-            <a:endParaRPr lang="en-US" dirty="0" err="1">
-              <a:solidFill>
-                <a:schemeClr val="tx1"/>
-              </a:solidFill>
-            </a:endParaRPr>
           </a:p>
         </p:txBody>
       </p:sp>
@@ -12805,6 +12968,333 @@
 </file>
 
 <file path=ppt/slides/slide21.xml><?xml version="1.0" encoding="utf-8"?>
+<p:sld xmlns:a="http://schemas.openxmlformats.org/drawingml/2006/main" xmlns:r="http://schemas.openxmlformats.org/officeDocument/2006/relationships" xmlns:p="http://schemas.openxmlformats.org/presentationml/2006/main">
+  <p:cSld>
+    <p:spTree>
+      <p:nvGrpSpPr>
+        <p:cNvPr id="1" name=""/>
+        <p:cNvGrpSpPr/>
+        <p:nvPr/>
+      </p:nvGrpSpPr>
+      <p:grpSpPr>
+        <a:xfrm>
+          <a:off x="0" y="0"/>
+          <a:ext cx="0" cy="0"/>
+          <a:chOff x="0" y="0"/>
+          <a:chExt cx="0" cy="0"/>
+        </a:xfrm>
+      </p:grpSpPr>
+      <p:sp>
+        <p:nvSpPr>
+          <p:cNvPr id="3" name="Footer Placeholder 2"/>
+          <p:cNvSpPr>
+            <a:spLocks noGrp="1"/>
+          </p:cNvSpPr>
+          <p:nvPr>
+            <p:ph type="ftr" sz="quarter" idx="16"/>
+          </p:nvPr>
+        </p:nvSpPr>
+        <p:spPr/>
+        <p:txBody>
+          <a:bodyPr/>
+          <a:lstStyle/>
+          <a:p>
+            <a:endParaRPr lang="pl-PL" dirty="0"/>
+          </a:p>
+        </p:txBody>
+      </p:sp>
+      <p:sp>
+        <p:nvSpPr>
+          <p:cNvPr id="4" name="Date Placeholder 3"/>
+          <p:cNvSpPr>
+            <a:spLocks noGrp="1"/>
+          </p:cNvSpPr>
+          <p:nvPr>
+            <p:ph type="dt" sz="half" idx="15"/>
+          </p:nvPr>
+        </p:nvSpPr>
+        <p:spPr/>
+        <p:txBody>
+          <a:bodyPr/>
+          <a:lstStyle/>
+          <a:p>
+            <a:endParaRPr lang="pl-PL" dirty="0"/>
+          </a:p>
+        </p:txBody>
+      </p:sp>
+      <p:pic>
+        <p:nvPicPr>
+          <p:cNvPr id="7" name="Picture 6">
+            <a:extLst>
+              <a:ext uri="{FF2B5EF4-FFF2-40B4-BE49-F238E27FC236}">
+                <a16:creationId xmlns:a16="http://schemas.microsoft.com/office/drawing/2014/main" id="{6C9D6412-FC69-40AA-AC6C-D958A079EA47}"/>
+              </a:ext>
+            </a:extLst>
+          </p:cNvPr>
+          <p:cNvPicPr>
+            <a:picLocks noChangeAspect="1"/>
+          </p:cNvPicPr>
+          <p:nvPr/>
+        </p:nvPicPr>
+        <p:blipFill>
+          <a:blip r:embed="rId3"/>
+          <a:stretch>
+            <a:fillRect/>
+          </a:stretch>
+        </p:blipFill>
+        <p:spPr>
+          <a:xfrm>
+            <a:off x="3956094" y="400114"/>
+            <a:ext cx="4688195" cy="4211752"/>
+          </a:xfrm>
+          <a:prstGeom prst="rect">
+            <a:avLst/>
+          </a:prstGeom>
+        </p:spPr>
+      </p:pic>
+      <p:sp>
+        <p:nvSpPr>
+          <p:cNvPr id="9" name="Title 1">
+            <a:extLst>
+              <a:ext uri="{FF2B5EF4-FFF2-40B4-BE49-F238E27FC236}">
+                <a16:creationId xmlns:a16="http://schemas.microsoft.com/office/drawing/2014/main" id="{82B65652-5EB9-4867-9E15-64C595EA21D0}"/>
+              </a:ext>
+            </a:extLst>
+          </p:cNvPr>
+          <p:cNvSpPr>
+            <a:spLocks noGrp="1"/>
+          </p:cNvSpPr>
+          <p:nvPr>
+            <p:ph type="title"/>
+          </p:nvPr>
+        </p:nvSpPr>
+        <p:spPr>
+          <a:xfrm>
+            <a:off x="755650" y="413693"/>
+            <a:ext cx="3600326" cy="357857"/>
+          </a:xfrm>
+        </p:spPr>
+        <p:txBody>
+          <a:bodyPr/>
+          <a:lstStyle/>
+          <a:p>
+            <a:r>
+              <a:rPr lang="pl-PL" dirty="0"/>
+              <a:t>scala.</a:t>
+            </a:r>
+            <a:r>
+              <a:rPr lang="en-US" dirty="0"/>
+              <a:t>collection</a:t>
+            </a:r>
+          </a:p>
+        </p:txBody>
+      </p:sp>
+      <p:pic>
+        <p:nvPicPr>
+          <p:cNvPr id="10" name="Picture 9">
+            <a:extLst>
+              <a:ext uri="{FF2B5EF4-FFF2-40B4-BE49-F238E27FC236}">
+                <a16:creationId xmlns:a16="http://schemas.microsoft.com/office/drawing/2014/main" id="{3B956DCA-B868-4D47-BD58-83473A5FEC17}"/>
+              </a:ext>
+            </a:extLst>
+          </p:cNvPr>
+          <p:cNvPicPr>
+            <a:picLocks noChangeAspect="1"/>
+          </p:cNvPicPr>
+          <p:nvPr/>
+        </p:nvPicPr>
+        <p:blipFill>
+          <a:blip r:embed="rId4"/>
+          <a:stretch>
+            <a:fillRect/>
+          </a:stretch>
+        </p:blipFill>
+        <p:spPr>
+          <a:xfrm>
+            <a:off x="755651" y="967978"/>
+            <a:ext cx="4464421" cy="1541836"/>
+          </a:xfrm>
+          <a:prstGeom prst="rect">
+            <a:avLst/>
+          </a:prstGeom>
+        </p:spPr>
+      </p:pic>
+    </p:spTree>
+    <p:extLst>
+      <p:ext uri="{BB962C8B-B14F-4D97-AF65-F5344CB8AC3E}">
+        <p14:creationId xmlns:p14="http://schemas.microsoft.com/office/powerpoint/2010/main" val="3060674865"/>
+      </p:ext>
+    </p:extLst>
+  </p:cSld>
+  <p:clrMapOvr>
+    <a:masterClrMapping/>
+  </p:clrMapOvr>
+</p:sld>
+</file>
+
+<file path=ppt/slides/slide22.xml><?xml version="1.0" encoding="utf-8"?>
+<p:sld xmlns:a="http://schemas.openxmlformats.org/drawingml/2006/main" xmlns:r="http://schemas.openxmlformats.org/officeDocument/2006/relationships" xmlns:p="http://schemas.openxmlformats.org/presentationml/2006/main">
+  <p:cSld>
+    <p:spTree>
+      <p:nvGrpSpPr>
+        <p:cNvPr id="1" name=""/>
+        <p:cNvGrpSpPr/>
+        <p:nvPr/>
+      </p:nvGrpSpPr>
+      <p:grpSpPr>
+        <a:xfrm>
+          <a:off x="0" y="0"/>
+          <a:ext cx="0" cy="0"/>
+          <a:chOff x="0" y="0"/>
+          <a:chExt cx="0" cy="0"/>
+        </a:xfrm>
+      </p:grpSpPr>
+      <p:sp>
+        <p:nvSpPr>
+          <p:cNvPr id="3" name="Footer Placeholder 2"/>
+          <p:cNvSpPr>
+            <a:spLocks noGrp="1"/>
+          </p:cNvSpPr>
+          <p:nvPr>
+            <p:ph type="ftr" sz="quarter" idx="16"/>
+          </p:nvPr>
+        </p:nvSpPr>
+        <p:spPr/>
+        <p:txBody>
+          <a:bodyPr/>
+          <a:lstStyle/>
+          <a:p>
+            <a:endParaRPr lang="pl-PL" dirty="0"/>
+          </a:p>
+        </p:txBody>
+      </p:sp>
+      <p:sp>
+        <p:nvSpPr>
+          <p:cNvPr id="4" name="Date Placeholder 3"/>
+          <p:cNvSpPr>
+            <a:spLocks noGrp="1"/>
+          </p:cNvSpPr>
+          <p:nvPr>
+            <p:ph type="dt" sz="half" idx="15"/>
+          </p:nvPr>
+        </p:nvSpPr>
+        <p:spPr/>
+        <p:txBody>
+          <a:bodyPr/>
+          <a:lstStyle/>
+          <a:p>
+            <a:endParaRPr lang="pl-PL" dirty="0"/>
+          </a:p>
+        </p:txBody>
+      </p:sp>
+      <p:pic>
+        <p:nvPicPr>
+          <p:cNvPr id="5" name="Picture 4">
+            <a:extLst>
+              <a:ext uri="{FF2B5EF4-FFF2-40B4-BE49-F238E27FC236}">
+                <a16:creationId xmlns:a16="http://schemas.microsoft.com/office/drawing/2014/main" id="{4A2AE122-B9C7-4721-9FF2-B07CB7F93EA8}"/>
+              </a:ext>
+            </a:extLst>
+          </p:cNvPr>
+          <p:cNvPicPr>
+            <a:picLocks noChangeAspect="1"/>
+          </p:cNvPicPr>
+          <p:nvPr/>
+        </p:nvPicPr>
+        <p:blipFill>
+          <a:blip r:embed="rId3"/>
+          <a:stretch>
+            <a:fillRect/>
+          </a:stretch>
+        </p:blipFill>
+        <p:spPr>
+          <a:xfrm>
+            <a:off x="142508" y="3567573"/>
+            <a:ext cx="1979712" cy="1086690"/>
+          </a:xfrm>
+          <a:prstGeom prst="rect">
+            <a:avLst/>
+          </a:prstGeom>
+        </p:spPr>
+      </p:pic>
+      <p:pic>
+        <p:nvPicPr>
+          <p:cNvPr id="2" name="Picture 1">
+            <a:extLst>
+              <a:ext uri="{FF2B5EF4-FFF2-40B4-BE49-F238E27FC236}">
+                <a16:creationId xmlns:a16="http://schemas.microsoft.com/office/drawing/2014/main" id="{137C5084-7D8F-49B0-84F1-AC4155DBEF98}"/>
+              </a:ext>
+            </a:extLst>
+          </p:cNvPr>
+          <p:cNvPicPr>
+            <a:picLocks noChangeAspect="1"/>
+          </p:cNvPicPr>
+          <p:nvPr/>
+        </p:nvPicPr>
+        <p:blipFill>
+          <a:blip r:embed="rId4"/>
+          <a:stretch>
+            <a:fillRect/>
+          </a:stretch>
+        </p:blipFill>
+        <p:spPr>
+          <a:xfrm>
+            <a:off x="2589392" y="-20538"/>
+            <a:ext cx="6591120" cy="5143500"/>
+          </a:xfrm>
+          <a:prstGeom prst="rect">
+            <a:avLst/>
+          </a:prstGeom>
+        </p:spPr>
+      </p:pic>
+      <p:sp>
+        <p:nvSpPr>
+          <p:cNvPr id="9" name="Title 1">
+            <a:extLst>
+              <a:ext uri="{FF2B5EF4-FFF2-40B4-BE49-F238E27FC236}">
+                <a16:creationId xmlns:a16="http://schemas.microsoft.com/office/drawing/2014/main" id="{82B65652-5EB9-4867-9E15-64C595EA21D0}"/>
+              </a:ext>
+            </a:extLst>
+          </p:cNvPr>
+          <p:cNvSpPr>
+            <a:spLocks noGrp="1"/>
+          </p:cNvSpPr>
+          <p:nvPr>
+            <p:ph type="title"/>
+          </p:nvPr>
+        </p:nvSpPr>
+        <p:spPr>
+          <a:xfrm>
+            <a:off x="755650" y="413693"/>
+            <a:ext cx="3600326" cy="357857"/>
+          </a:xfrm>
+        </p:spPr>
+        <p:txBody>
+          <a:bodyPr/>
+          <a:lstStyle/>
+          <a:p>
+            <a:r>
+              <a:rPr lang="pl-PL" dirty="0" err="1"/>
+              <a:t>scala.collection.immutable</a:t>
+            </a:r>
+            <a:endParaRPr lang="en-US" dirty="0"/>
+          </a:p>
+        </p:txBody>
+      </p:sp>
+    </p:spTree>
+    <p:extLst>
+      <p:ext uri="{BB962C8B-B14F-4D97-AF65-F5344CB8AC3E}">
+        <p14:creationId xmlns:p14="http://schemas.microsoft.com/office/powerpoint/2010/main" val="2036887496"/>
+      </p:ext>
+    </p:extLst>
+  </p:cSld>
+  <p:clrMapOvr>
+    <a:masterClrMapping/>
+  </p:clrMapOvr>
+</p:sld>
+</file>
+
+<file path=ppt/slides/slide23.xml><?xml version="1.0" encoding="utf-8"?>
 <p:sld xmlns:a="http://schemas.openxmlformats.org/drawingml/2006/main" xmlns:r="http://schemas.openxmlformats.org/officeDocument/2006/relationships" xmlns:p="http://schemas.openxmlformats.org/presentationml/2006/main">
   <p:cSld>
     <p:spTree>
@@ -12946,16 +13436,17 @@
           <a:lstStyle/>
           <a:p>
             <a:r>
-              <a:rPr lang="en-US" dirty="0"/>
-              <a:t>Scala: collections</a:t>
-            </a:r>
+              <a:rPr lang="pl-PL" dirty="0" err="1"/>
+              <a:t>scala.collection.mutable</a:t>
+            </a:r>
+            <a:endParaRPr lang="en-US" dirty="0"/>
           </a:p>
         </p:txBody>
       </p:sp>
     </p:spTree>
     <p:extLst>
       <p:ext uri="{BB962C8B-B14F-4D97-AF65-F5344CB8AC3E}">
-        <p14:creationId xmlns:p14="http://schemas.microsoft.com/office/powerpoint/2010/main" val="2036887496"/>
+        <p14:creationId xmlns:p14="http://schemas.microsoft.com/office/powerpoint/2010/main" val="2668818567"/>
       </p:ext>
     </p:extLst>
   </p:cSld>
@@ -12965,7 +13456,117 @@
 </p:sld>
 </file>
 
-<file path=ppt/slides/slide22.xml><?xml version="1.0" encoding="utf-8"?>
+<file path=ppt/slides/slide24.xml><?xml version="1.0" encoding="utf-8"?>
+<p:sld xmlns:a="http://schemas.openxmlformats.org/drawingml/2006/main" xmlns:r="http://schemas.openxmlformats.org/officeDocument/2006/relationships" xmlns:p="http://schemas.openxmlformats.org/presentationml/2006/main">
+  <p:cSld>
+    <p:spTree>
+      <p:nvGrpSpPr>
+        <p:cNvPr id="1" name=""/>
+        <p:cNvGrpSpPr/>
+        <p:nvPr/>
+      </p:nvGrpSpPr>
+      <p:grpSpPr>
+        <a:xfrm>
+          <a:off x="0" y="0"/>
+          <a:ext cx="0" cy="0"/>
+          <a:chOff x="0" y="0"/>
+          <a:chExt cx="0" cy="0"/>
+        </a:xfrm>
+      </p:grpSpPr>
+      <p:sp>
+        <p:nvSpPr>
+          <p:cNvPr id="3" name="Footer Placeholder 2"/>
+          <p:cNvSpPr>
+            <a:spLocks noGrp="1"/>
+          </p:cNvSpPr>
+          <p:nvPr>
+            <p:ph type="ftr" sz="quarter" idx="16"/>
+          </p:nvPr>
+        </p:nvSpPr>
+        <p:spPr/>
+        <p:txBody>
+          <a:bodyPr/>
+          <a:lstStyle/>
+          <a:p>
+            <a:endParaRPr lang="pl-PL" dirty="0"/>
+          </a:p>
+        </p:txBody>
+      </p:sp>
+      <p:sp>
+        <p:nvSpPr>
+          <p:cNvPr id="4" name="Date Placeholder 3"/>
+          <p:cNvSpPr>
+            <a:spLocks noGrp="1"/>
+          </p:cNvSpPr>
+          <p:nvPr>
+            <p:ph type="dt" sz="half" idx="15"/>
+          </p:nvPr>
+        </p:nvSpPr>
+        <p:spPr/>
+        <p:txBody>
+          <a:bodyPr/>
+          <a:lstStyle/>
+          <a:p>
+            <a:endParaRPr lang="pl-PL" dirty="0"/>
+          </a:p>
+        </p:txBody>
+      </p:sp>
+      <p:sp>
+        <p:nvSpPr>
+          <p:cNvPr id="9" name="Title 1">
+            <a:extLst>
+              <a:ext uri="{FF2B5EF4-FFF2-40B4-BE49-F238E27FC236}">
+                <a16:creationId xmlns:a16="http://schemas.microsoft.com/office/drawing/2014/main" id="{82B65652-5EB9-4867-9E15-64C595EA21D0}"/>
+              </a:ext>
+            </a:extLst>
+          </p:cNvPr>
+          <p:cNvSpPr>
+            <a:spLocks noGrp="1"/>
+          </p:cNvSpPr>
+          <p:nvPr>
+            <p:ph type="title"/>
+          </p:nvPr>
+        </p:nvSpPr>
+        <p:spPr>
+          <a:xfrm>
+            <a:off x="3707904" y="2213893"/>
+            <a:ext cx="1800200" cy="357857"/>
+          </a:xfrm>
+        </p:spPr>
+        <p:txBody>
+          <a:bodyPr/>
+          <a:lstStyle/>
+          <a:p>
+            <a:r>
+              <a:rPr lang="pl-PL" dirty="0"/>
+              <a:t>Demo </a:t>
+            </a:r>
+            <a:r>
+              <a:rPr lang="pl-PL" dirty="0" err="1"/>
+              <a:t>time</a:t>
+            </a:r>
+            <a:r>
+              <a:rPr lang="pl-PL" dirty="0"/>
+              <a:t>!</a:t>
+            </a:r>
+            <a:endParaRPr lang="en-US" dirty="0"/>
+          </a:p>
+        </p:txBody>
+      </p:sp>
+    </p:spTree>
+    <p:extLst>
+      <p:ext uri="{BB962C8B-B14F-4D97-AF65-F5344CB8AC3E}">
+        <p14:creationId xmlns:p14="http://schemas.microsoft.com/office/powerpoint/2010/main" val="1604163597"/>
+      </p:ext>
+    </p:extLst>
+  </p:cSld>
+  <p:clrMapOvr>
+    <a:masterClrMapping/>
+  </p:clrMapOvr>
+</p:sld>
+</file>
+
+<file path=ppt/slides/slide25.xml><?xml version="1.0" encoding="utf-8"?>
 <p:sld xmlns:a="http://schemas.openxmlformats.org/drawingml/2006/main" xmlns:r="http://schemas.openxmlformats.org/officeDocument/2006/relationships" xmlns:p="http://schemas.openxmlformats.org/presentationml/2006/main">
   <p:cSld>
     <p:spTree>
@@ -18012,6 +18613,22 @@
 </file>
 
 <file path=customXml/item1.xml><?xml version="1.0" encoding="utf-8"?>
+<p:properties xmlns:p="http://schemas.microsoft.com/office/2006/metadata/properties" xmlns:xsi="http://www.w3.org/2001/XMLSchema-instance" xmlns:pc="http://schemas.microsoft.com/office/infopath/2007/PartnerControls">
+  <documentManagement>
+    <PublishingExpirationDate xmlns="http://schemas.microsoft.com/sharepoint/v3" xsi:nil="true"/>
+    <PublishingStartDate xmlns="http://schemas.microsoft.com/sharepoint/v3" xsi:nil="true"/>
+    <_dlc_DocId xmlns="3708c738-35ee-46ab-80c7-a8ab2419782e">OBSS-2049071821-626200</_dlc_DocId>
+    <_dlc_DocIdUrl xmlns="3708c738-35ee-46ab-80c7-a8ab2419782e">
+      <Url>https://obss.sharepoint.com/guilds/bids/_layouts/15/DocIdRedir.aspx?ID=OBSS-2049071821-626200</Url>
+      <Description>OBSS-2049071821-626200</Description>
+    </_dlc_DocIdUrl>
+    <TaxCatchAll xmlns="3708c738-35ee-46ab-80c7-a8ab2419782e"/>
+    <Tags xmlns="cb0eccee-0f77-49ec-991a-9389dd455cd9"/>
+  </documentManagement>
+</p:properties>
+</file>
+
+<file path=customXml/item2.xml><?xml version="1.0" encoding="utf-8"?>
 <ct:contentTypeSchema xmlns:ct="http://schemas.microsoft.com/office/2006/metadata/contentType" xmlns:ma="http://schemas.microsoft.com/office/2006/metadata/properties/metaAttributes" ct:_="" ma:_="" ma:contentTypeName="Document" ma:contentTypeID="0x0101004C5700F8113EE4489F80B9033377C718" ma:contentTypeVersion="19" ma:contentTypeDescription="Create a new document." ma:contentTypeScope="" ma:versionID="8d67101e943c232340b05bc442984c99">
   <xsd:schema xmlns:xsd="http://www.w3.org/2001/XMLSchema" xmlns:xs="http://www.w3.org/2001/XMLSchema" xmlns:p="http://schemas.microsoft.com/office/2006/metadata/properties" xmlns:ns1="http://schemas.microsoft.com/sharepoint/v3" xmlns:ns2="3708c738-35ee-46ab-80c7-a8ab2419782e" xmlns:ns3="b6c8aff7-8255-4849-b8e8-fa486e1a95ad" xmlns:ns4="cb0eccee-0f77-49ec-991a-9389dd455cd9" targetNamespace="http://schemas.microsoft.com/office/2006/metadata/properties" ma:root="true" ma:fieldsID="9ddce169edf252f70c1f33ba5a2d8d15" ns1:_="" ns2:_="" ns3:_="" ns4:_="">
     <xsd:import namespace="http://schemas.microsoft.com/sharepoint/v3"/>
@@ -18272,32 +18889,7 @@
 </ct:contentTypeSchema>
 </file>
 
-<file path=customXml/item2.xml><?xml version="1.0" encoding="utf-8"?>
-<p:properties xmlns:p="http://schemas.microsoft.com/office/2006/metadata/properties" xmlns:xsi="http://www.w3.org/2001/XMLSchema-instance" xmlns:pc="http://schemas.microsoft.com/office/infopath/2007/PartnerControls">
-  <documentManagement>
-    <PublishingExpirationDate xmlns="http://schemas.microsoft.com/sharepoint/v3" xsi:nil="true"/>
-    <PublishingStartDate xmlns="http://schemas.microsoft.com/sharepoint/v3" xsi:nil="true"/>
-    <_dlc_DocId xmlns="3708c738-35ee-46ab-80c7-a8ab2419782e">OBSS-2049071821-626200</_dlc_DocId>
-    <_dlc_DocIdUrl xmlns="3708c738-35ee-46ab-80c7-a8ab2419782e">
-      <Url>https://obss.sharepoint.com/guilds/bids/_layouts/15/DocIdRedir.aspx?ID=OBSS-2049071821-626200</Url>
-      <Description>OBSS-2049071821-626200</Description>
-    </_dlc_DocIdUrl>
-    <TaxCatchAll xmlns="3708c738-35ee-46ab-80c7-a8ab2419782e"/>
-    <Tags xmlns="cb0eccee-0f77-49ec-991a-9389dd455cd9"/>
-  </documentManagement>
-</p:properties>
-</file>
-
 <file path=customXml/item3.xml><?xml version="1.0" encoding="utf-8"?>
-<?mso-contentType ?>
-<FormTemplates xmlns="http://schemas.microsoft.com/sharepoint/v3/contenttype/forms">
-  <Display>DocumentLibraryForm</Display>
-  <Edit>DocumentLibraryForm</Edit>
-  <New>DocumentLibraryForm</New>
-</FormTemplates>
-</file>
-
-<file path=customXml/item4.xml><?xml version="1.0" encoding="utf-8"?>
 <?mso-contentType ?>
 <spe:Receivers xmlns:spe="http://schemas.microsoft.com/sharepoint/events">
   <Receiver>
@@ -18347,7 +18939,28 @@
 </spe:Receivers>
 </file>
 
+<file path=customXml/item4.xml><?xml version="1.0" encoding="utf-8"?>
+<?mso-contentType ?>
+<FormTemplates xmlns="http://schemas.microsoft.com/sharepoint/v3/contenttype/forms">
+  <Display>DocumentLibraryForm</Display>
+  <Edit>DocumentLibraryForm</Edit>
+  <New>DocumentLibraryForm</New>
+</FormTemplates>
+</file>
+
 <file path=customXml/itemProps1.xml><?xml version="1.0" encoding="utf-8"?>
+<ds:datastoreItem xmlns:ds="http://schemas.openxmlformats.org/officeDocument/2006/customXml" ds:itemID="{C053F735-BAB9-4147-90B7-05A702639313}">
+  <ds:schemaRefs>
+    <ds:schemaRef ds:uri="http://schemas.microsoft.com/office/2006/metadata/properties"/>
+    <ds:schemaRef ds:uri="http://schemas.microsoft.com/office/infopath/2007/PartnerControls"/>
+    <ds:schemaRef ds:uri="http://schemas.microsoft.com/sharepoint/v3"/>
+    <ds:schemaRef ds:uri="3708c738-35ee-46ab-80c7-a8ab2419782e"/>
+    <ds:schemaRef ds:uri="cb0eccee-0f77-49ec-991a-9389dd455cd9"/>
+  </ds:schemaRefs>
+</ds:datastoreItem>
+</file>
+
+<file path=customXml/itemProps2.xml><?xml version="1.0" encoding="utf-8"?>
 <ds:datastoreItem xmlns:ds="http://schemas.openxmlformats.org/officeDocument/2006/customXml" ds:itemID="{09C3D11A-0D75-4D0F-B6FB-7E9079733382}">
   <ds:schemaRefs>
     <ds:schemaRef ds:uri="http://schemas.microsoft.com/office/2006/metadata/contentType"/>
@@ -18368,30 +18981,18 @@
 </ds:datastoreItem>
 </file>
 
-<file path=customXml/itemProps2.xml><?xml version="1.0" encoding="utf-8"?>
-<ds:datastoreItem xmlns:ds="http://schemas.openxmlformats.org/officeDocument/2006/customXml" ds:itemID="{C053F735-BAB9-4147-90B7-05A702639313}">
+<file path=customXml/itemProps3.xml><?xml version="1.0" encoding="utf-8"?>
+<ds:datastoreItem xmlns:ds="http://schemas.openxmlformats.org/officeDocument/2006/customXml" ds:itemID="{0971A6D6-1C30-4849-8471-7486F20BE09D}">
   <ds:schemaRefs>
-    <ds:schemaRef ds:uri="http://schemas.microsoft.com/office/2006/metadata/properties"/>
-    <ds:schemaRef ds:uri="http://schemas.microsoft.com/office/infopath/2007/PartnerControls"/>
-    <ds:schemaRef ds:uri="http://schemas.microsoft.com/sharepoint/v3"/>
-    <ds:schemaRef ds:uri="3708c738-35ee-46ab-80c7-a8ab2419782e"/>
-    <ds:schemaRef ds:uri="cb0eccee-0f77-49ec-991a-9389dd455cd9"/>
+    <ds:schemaRef ds:uri="http://schemas.microsoft.com/sharepoint/events"/>
   </ds:schemaRefs>
 </ds:datastoreItem>
 </file>
 
-<file path=customXml/itemProps3.xml><?xml version="1.0" encoding="utf-8"?>
+<file path=customXml/itemProps4.xml><?xml version="1.0" encoding="utf-8"?>
 <ds:datastoreItem xmlns:ds="http://schemas.openxmlformats.org/officeDocument/2006/customXml" ds:itemID="{47D6E47B-A0F9-4A9A-A856-AFB8DF7B2758}">
   <ds:schemaRefs>
     <ds:schemaRef ds:uri="http://schemas.microsoft.com/sharepoint/v3/contenttype/forms"/>
   </ds:schemaRefs>
 </ds:datastoreItem>
-</file>
-
-<file path=customXml/itemProps4.xml><?xml version="1.0" encoding="utf-8"?>
-<ds:datastoreItem xmlns:ds="http://schemas.openxmlformats.org/officeDocument/2006/customXml" ds:itemID="{0971A6D6-1C30-4849-8471-7486F20BE09D}">
-  <ds:schemaRefs>
-    <ds:schemaRef ds:uri="http://schemas.microsoft.com/sharepoint/events"/>
-  </ds:schemaRefs>
-</ds:datastoreItem>
 </file>
--- a/src/main/resources/slides.pptx
+++ b/src/main/resources/slides.pptx
@@ -5,10 +5,10 @@
     <p:sldMasterId id="2147483684" r:id="rId5"/>
   </p:sldMasterIdLst>
   <p:notesMasterIdLst>
-    <p:notesMasterId r:id="rId31"/>
+    <p:notesMasterId r:id="rId29"/>
   </p:notesMasterIdLst>
   <p:handoutMasterIdLst>
-    <p:handoutMasterId r:id="rId32"/>
+    <p:handoutMasterId r:id="rId30"/>
   </p:handoutMasterIdLst>
   <p:sldIdLst>
     <p:sldId id="258" r:id="rId6"/>
@@ -27,15 +27,13 @@
     <p:sldId id="287" r:id="rId19"/>
     <p:sldId id="288" r:id="rId20"/>
     <p:sldId id="289" r:id="rId21"/>
-    <p:sldId id="293" r:id="rId22"/>
-    <p:sldId id="291" r:id="rId23"/>
+    <p:sldId id="291" r:id="rId22"/>
+    <p:sldId id="293" r:id="rId23"/>
     <p:sldId id="292" r:id="rId24"/>
     <p:sldId id="294" r:id="rId25"/>
     <p:sldId id="300" r:id="rId26"/>
-    <p:sldId id="295" r:id="rId27"/>
-    <p:sldId id="299" r:id="rId28"/>
-    <p:sldId id="301" r:id="rId29"/>
-    <p:sldId id="296" r:id="rId30"/>
+    <p:sldId id="301" r:id="rId27"/>
+    <p:sldId id="296" r:id="rId28"/>
   </p:sldIdLst>
   <p:sldSz cx="9144000" cy="5143500" type="screen16x9"/>
   <p:notesSz cx="6858000" cy="9144000"/>
@@ -457,7 +455,7 @@
           <a:p>
             <a:fld id="{153FA37D-DE2B-47E9-A168-88AE1559A114}" type="datetimeFigureOut">
               <a:rPr lang="pl-PL" smtClean="0"/>
-              <a:t>28.01.2019</a:t>
+              <a:t>29.01.2019</a:t>
             </a:fld>
             <a:endParaRPr lang="pl-PL"/>
           </a:p>
@@ -1184,6 +1182,78 @@
             </a:r>
           </a:p>
           <a:p>
+            <a:pPr marL="0" marR="0" lvl="0" indent="0" algn="l" defTabSz="914400" rtl="0" eaLnBrk="1" fontAlgn="auto" latinLnBrk="0" hangingPunct="1">
+              <a:lnSpc>
+                <a:spcPct val="100000"/>
+              </a:lnSpc>
+              <a:spcBef>
+                <a:spcPts val="0"/>
+              </a:spcBef>
+              <a:spcAft>
+                <a:spcPts val="0"/>
+              </a:spcAft>
+              <a:buClrTx/>
+              <a:buSzTx/>
+              <a:buFontTx/>
+              <a:buNone/>
+              <a:tabLst/>
+              <a:defRPr/>
+            </a:pPr>
+            <a:r>
+              <a:rPr lang="pl-PL" b="1" dirty="0" err="1"/>
+              <a:t>Immutable</a:t>
+            </a:r>
+            <a:r>
+              <a:rPr lang="pl-PL" b="1" dirty="0"/>
+              <a:t> data </a:t>
+            </a:r>
+            <a:r>
+              <a:rPr lang="pl-PL" b="1" dirty="0" err="1"/>
+              <a:t>structrues</a:t>
+            </a:r>
+            <a:r>
+              <a:rPr lang="pl-PL" dirty="0"/>
+              <a:t> – </a:t>
+            </a:r>
+            <a:r>
+              <a:rPr lang="pl-PL" dirty="0" err="1"/>
+              <a:t>e.g</a:t>
+            </a:r>
+            <a:r>
+              <a:rPr lang="pl-PL" dirty="0"/>
+              <a:t>. </a:t>
+            </a:r>
+            <a:r>
+              <a:rPr lang="pl-PL" dirty="0" err="1"/>
+              <a:t>case</a:t>
+            </a:r>
+            <a:r>
+              <a:rPr lang="pl-PL" dirty="0"/>
+              <a:t> </a:t>
+            </a:r>
+            <a:r>
+              <a:rPr lang="pl-PL" dirty="0" err="1"/>
+              <a:t>clasess</a:t>
+            </a:r>
+            <a:r>
+              <a:rPr lang="pl-PL" dirty="0"/>
+              <a:t>, </a:t>
+            </a:r>
+            <a:r>
+              <a:rPr lang="pl-PL" dirty="0" err="1"/>
+              <a:t>collections</a:t>
+            </a:r>
+            <a:r>
+              <a:rPr lang="pl-PL" dirty="0"/>
+              <a:t> - </a:t>
+            </a:r>
+            <a:r>
+              <a:rPr lang="en-US" sz="1200" dirty="0"/>
+              <a:t>allowing for parallel, lock-free data processing</a:t>
+            </a:r>
+            <a:endParaRPr lang="pl-PL" dirty="0"/>
+          </a:p>
+          <a:p>
             <a:r>
               <a:rPr lang="en-US" b="1" dirty="0"/>
               <a:t>Type Safety</a:t>
@@ -1194,15 +1264,7 @@
             </a:r>
             <a:r>
               <a:rPr lang="pl-PL" dirty="0"/>
-              <a:t>– w </a:t>
-            </a:r>
-            <a:r>
-              <a:rPr lang="pl-PL" dirty="0" err="1"/>
-              <a:t>prówaniu</a:t>
-            </a:r>
-            <a:r>
-              <a:rPr lang="pl-PL" dirty="0"/>
-              <a:t> do </a:t>
+              <a:t>– w porównaniu do </a:t>
             </a:r>
             <a:r>
               <a:rPr lang="pl-PL" dirty="0" err="1"/>
@@ -1210,7 +1272,15 @@
             </a:r>
             <a:r>
               <a:rPr lang="pl-PL" dirty="0"/>
-              <a:t> i R, korzyści ze Scali to </a:t>
+              <a:t> (poniżej 3.5 – </a:t>
+            </a:r>
+            <a:r>
+              <a:rPr lang="pl-PL" dirty="0" err="1"/>
+              <a:t>mypy</a:t>
+            </a:r>
+            <a:r>
+              <a:rPr lang="pl-PL" dirty="0"/>
+              <a:t>, https://docs.python.org/3/library/typing.html) i R, korzyści ze Scali to </a:t>
             </a:r>
             <a:r>
               <a:rPr lang="pl-PL" dirty="0" err="1"/>
@@ -1226,7 +1296,7 @@
             </a:r>
             <a:r>
               <a:rPr lang="pl-PL" dirty="0"/>
-              <a:t>) i  </a:t>
+              <a:t>) i </a:t>
             </a:r>
             <a:r>
               <a:rPr lang="en-US" dirty="0"/>
@@ -1267,29 +1337,6 @@
           </a:p>
           <a:p>
             <a:r>
-              <a:rPr lang="pl-PL" b="1" dirty="0" err="1"/>
-              <a:t>Immutable</a:t>
-            </a:r>
-            <a:r>
-              <a:rPr lang="pl-PL" b="1" dirty="0"/>
-              <a:t> data </a:t>
-            </a:r>
-            <a:r>
-              <a:rPr lang="pl-PL" b="1" dirty="0" err="1"/>
-              <a:t>structrues</a:t>
-            </a:r>
-            <a:r>
-              <a:rPr lang="pl-PL" dirty="0"/>
-              <a:t> - </a:t>
-            </a:r>
-            <a:r>
-              <a:rPr lang="en-US" sz="1200" dirty="0"/>
-              <a:t>allowing for parallel, lock-free data processing,</a:t>
-            </a:r>
-            <a:endParaRPr lang="pl-PL" dirty="0"/>
-          </a:p>
-          <a:p>
-            <a:r>
               <a:rPr lang="en-US" b="1" dirty="0"/>
               <a:t>Concise, Expressive Code</a:t>
             </a:r>
@@ -1311,7 +1358,7 @@
             </a:r>
             <a:r>
               <a:rPr lang="en-US" dirty="0"/>
-              <a:t>and several features of Scala make your code even more concise. This elevates your productivity and makes it easier to imagine a design approach and then write it down without having to translate the idea to a less flexible API that reflects idiomatic language constraints. (You'll see this in action as we go.)</a:t>
+              <a:t>and several features of Scala make your code even more concise. </a:t>
             </a:r>
             <a:endParaRPr lang="pl-PL" dirty="0"/>
           </a:p>
@@ -1725,149 +1772,490 @@
           <a:bodyPr/>
           <a:lstStyle/>
           <a:p>
-            <a:pPr marL="0" indent="0">
-              <a:buNone/>
-            </a:pPr>
-            <a:r>
-              <a:rPr lang="pl-PL" sz="1200" dirty="0">
-                <a:latin typeface="Courier New" panose="02070309020205020404" pitchFamily="49" charset="0"/>
-                <a:cs typeface="Courier New" panose="02070309020205020404" pitchFamily="49" charset="0"/>
+            <a:r>
+              <a:rPr lang="pl-PL" sz="1200" b="0" i="0" u="none" strike="noStrike" kern="1200" baseline="0" dirty="0">
+                <a:solidFill>
+                  <a:schemeClr val="tx1"/>
+                </a:solidFill>
+                <a:latin typeface="+mn-lt"/>
+                <a:ea typeface="+mn-ea"/>
+                <a:cs typeface="+mn-cs"/>
               </a:rPr>
-              <a:t>&lt;</a:t>
-            </a:r>
-            <a:r>
-              <a:rPr lang="pl-PL" sz="1200" dirty="0" err="1">
-                <a:latin typeface="Courier New" panose="02070309020205020404" pitchFamily="49" charset="0"/>
-                <a:cs typeface="Courier New" panose="02070309020205020404" pitchFamily="49" charset="0"/>
+              <a:t>Case </a:t>
+            </a:r>
+            <a:r>
+              <a:rPr lang="pl-PL" sz="1200" b="0" i="0" u="none" strike="noStrike" kern="1200" baseline="0" dirty="0" err="1">
+                <a:solidFill>
+                  <a:schemeClr val="tx1"/>
+                </a:solidFill>
+                <a:latin typeface="+mn-lt"/>
+                <a:ea typeface="+mn-ea"/>
+                <a:cs typeface="+mn-cs"/>
               </a:rPr>
-              <a:t>expression</a:t>
-            </a:r>
-            <a:r>
-              <a:rPr lang="pl-PL" sz="1200" dirty="0">
-                <a:latin typeface="Courier New" panose="02070309020205020404" pitchFamily="49" charset="0"/>
-                <a:cs typeface="Courier New" panose="02070309020205020404" pitchFamily="49" charset="0"/>
+              <a:t>classes</a:t>
+            </a:r>
+            <a:r>
+              <a:rPr lang="pl-PL" sz="1200" b="0" i="0" u="none" strike="noStrike" kern="1200" baseline="0" dirty="0">
+                <a:solidFill>
+                  <a:schemeClr val="tx1"/>
+                </a:solidFill>
+                <a:latin typeface="+mn-lt"/>
+                <a:ea typeface="+mn-ea"/>
+                <a:cs typeface="+mn-cs"/>
               </a:rPr>
-              <a:t>&gt; </a:t>
-            </a:r>
-            <a:r>
-              <a:rPr lang="pl-PL" sz="1200" dirty="0" err="1">
-                <a:latin typeface="Courier New" panose="02070309020205020404" pitchFamily="49" charset="0"/>
-                <a:cs typeface="Courier New" panose="02070309020205020404" pitchFamily="49" charset="0"/>
+              <a:t> to sposób Scali na umożliwienie </a:t>
+            </a:r>
+            <a:r>
+              <a:rPr lang="pl-PL" sz="1200" b="0" i="0" u="none" strike="noStrike" kern="1200" baseline="0" dirty="0" err="1">
+                <a:solidFill>
+                  <a:schemeClr val="tx1"/>
+                </a:solidFill>
+                <a:latin typeface="+mn-lt"/>
+                <a:ea typeface="+mn-ea"/>
+                <a:cs typeface="+mn-cs"/>
               </a:rPr>
-              <a:t>match</a:t>
-            </a:r>
-            <a:r>
-              <a:rPr lang="pl-PL" sz="1200" dirty="0">
-                <a:latin typeface="Courier New" panose="02070309020205020404" pitchFamily="49" charset="0"/>
-                <a:cs typeface="Courier New" panose="02070309020205020404" pitchFamily="49" charset="0"/>
+              <a:t>pattern</a:t>
+            </a:r>
+            <a:r>
+              <a:rPr lang="pl-PL" sz="1200" b="0" i="0" u="none" strike="noStrike" kern="1200" baseline="0" dirty="0">
+                <a:solidFill>
+                  <a:schemeClr val="tx1"/>
+                </a:solidFill>
+                <a:latin typeface="+mn-lt"/>
+                <a:ea typeface="+mn-ea"/>
+                <a:cs typeface="+mn-cs"/>
               </a:rPr>
-              <a:t> {</a:t>
-            </a:r>
-          </a:p>
-          <a:p>
-            <a:pPr marL="0" indent="0">
-              <a:buNone/>
-            </a:pPr>
-            <a:r>
-              <a:rPr lang="pl-PL" sz="1200" dirty="0" err="1">
-                <a:latin typeface="Courier New" panose="02070309020205020404" pitchFamily="49" charset="0"/>
-                <a:cs typeface="Courier New" panose="02070309020205020404" pitchFamily="49" charset="0"/>
+              <a:t> </a:t>
+            </a:r>
+            <a:r>
+              <a:rPr lang="pl-PL" sz="1200" b="0" i="0" u="none" strike="noStrike" kern="1200" baseline="0" dirty="0" err="1">
+                <a:solidFill>
+                  <a:schemeClr val="tx1"/>
+                </a:solidFill>
+                <a:latin typeface="+mn-lt"/>
+                <a:ea typeface="+mn-ea"/>
+                <a:cs typeface="+mn-cs"/>
+              </a:rPr>
+              <a:t>matchingu</a:t>
+            </a:r>
+            <a:r>
+              <a:rPr lang="pl-PL" sz="1200" b="0" i="0" u="none" strike="noStrike" kern="1200" baseline="0" dirty="0">
+                <a:solidFill>
+                  <a:schemeClr val="tx1"/>
+                </a:solidFill>
+                <a:latin typeface="+mn-lt"/>
+                <a:ea typeface="+mn-ea"/>
+                <a:cs typeface="+mn-cs"/>
+              </a:rPr>
+              <a:t> na obiektach bez konieczności pisanie dużej ilości </a:t>
+            </a:r>
+            <a:r>
+              <a:rPr lang="pl-PL" sz="1200" b="0" i="0" u="none" strike="noStrike" kern="1200" baseline="0" dirty="0" err="1">
+                <a:solidFill>
+                  <a:schemeClr val="tx1"/>
+                </a:solidFill>
+                <a:latin typeface="+mn-lt"/>
+                <a:ea typeface="+mn-ea"/>
+                <a:cs typeface="+mn-cs"/>
+              </a:rPr>
+              <a:t>boiler</a:t>
+            </a:r>
+            <a:r>
+              <a:rPr lang="pl-PL" sz="1200" b="0" i="0" u="none" strike="noStrike" kern="1200" baseline="0" dirty="0">
+                <a:solidFill>
+                  <a:schemeClr val="tx1"/>
+                </a:solidFill>
+                <a:latin typeface="+mn-lt"/>
+                <a:ea typeface="+mn-ea"/>
+                <a:cs typeface="+mn-cs"/>
+              </a:rPr>
+              <a:t> </a:t>
+            </a:r>
+            <a:r>
+              <a:rPr lang="pl-PL" sz="1200" b="0" i="0" u="none" strike="noStrike" kern="1200" baseline="0" dirty="0" err="1">
+                <a:solidFill>
+                  <a:schemeClr val="tx1"/>
+                </a:solidFill>
+                <a:latin typeface="+mn-lt"/>
+                <a:ea typeface="+mn-ea"/>
+                <a:cs typeface="+mn-cs"/>
+              </a:rPr>
+              <a:t>plate’u</a:t>
+            </a:r>
+            <a:r>
+              <a:rPr lang="pl-PL" sz="1200" b="0" i="0" u="none" strike="noStrike" kern="1200" baseline="0" dirty="0">
+                <a:solidFill>
+                  <a:schemeClr val="tx1"/>
+                </a:solidFill>
+                <a:latin typeface="+mn-lt"/>
+                <a:ea typeface="+mn-ea"/>
+                <a:cs typeface="+mn-cs"/>
+              </a:rPr>
+              <a:t>.</a:t>
+            </a:r>
+          </a:p>
+          <a:p>
+            <a:r>
+              <a:rPr lang="pl-PL" sz="1200" b="0" i="0" u="none" strike="noStrike" kern="1200" baseline="0" dirty="0">
+                <a:solidFill>
+                  <a:schemeClr val="tx1"/>
+                </a:solidFill>
+                <a:latin typeface="+mn-lt"/>
+                <a:ea typeface="+mn-ea"/>
+                <a:cs typeface="+mn-cs"/>
+              </a:rPr>
+              <a:t>Wszystko co musisz zrobić to dodać </a:t>
+            </a:r>
+            <a:r>
+              <a:rPr lang="pl-PL" sz="1200" b="0" i="0" u="none" strike="noStrike" kern="1200" baseline="0" dirty="0" err="1">
+                <a:solidFill>
+                  <a:schemeClr val="tx1"/>
+                </a:solidFill>
+                <a:latin typeface="+mn-lt"/>
+                <a:ea typeface="+mn-ea"/>
+                <a:cs typeface="+mn-cs"/>
               </a:rPr>
               <a:t>case</a:t>
             </a:r>
             <a:r>
-              <a:rPr lang="pl-PL" sz="1200" dirty="0">
-                <a:latin typeface="Courier New" panose="02070309020205020404" pitchFamily="49" charset="0"/>
-                <a:cs typeface="Courier New" panose="02070309020205020404" pitchFamily="49" charset="0"/>
+              <a:rPr lang="pl-PL" sz="1200" b="0" i="0" u="none" strike="noStrike" kern="1200" baseline="0" dirty="0">
+                <a:solidFill>
+                  <a:schemeClr val="tx1"/>
+                </a:solidFill>
+                <a:latin typeface="+mn-lt"/>
+                <a:ea typeface="+mn-ea"/>
+                <a:cs typeface="+mn-cs"/>
               </a:rPr>
-              <a:t> &lt;</a:t>
-            </a:r>
-            <a:r>
-              <a:rPr lang="pl-PL" sz="1200" dirty="0" err="1">
-                <a:latin typeface="Courier New" panose="02070309020205020404" pitchFamily="49" charset="0"/>
-                <a:cs typeface="Courier New" panose="02070309020205020404" pitchFamily="49" charset="0"/>
+              <a:t> </a:t>
+            </a:r>
+            <a:r>
+              <a:rPr lang="pl-PL" sz="1200" b="0" i="0" u="none" strike="noStrike" kern="1200" baseline="0" dirty="0" err="1">
+                <a:solidFill>
+                  <a:schemeClr val="tx1"/>
+                </a:solidFill>
+                <a:latin typeface="+mn-lt"/>
+                <a:ea typeface="+mn-ea"/>
+                <a:cs typeface="+mn-cs"/>
+              </a:rPr>
+              <a:t>keyword</a:t>
+            </a:r>
+            <a:r>
+              <a:rPr lang="pl-PL" sz="1200" b="0" i="0" u="none" strike="noStrike" kern="1200" baseline="0" dirty="0">
+                <a:solidFill>
+                  <a:schemeClr val="tx1"/>
+                </a:solidFill>
+                <a:latin typeface="+mn-lt"/>
+                <a:ea typeface="+mn-ea"/>
+                <a:cs typeface="+mn-cs"/>
+              </a:rPr>
+              <a:t> do definicji klasy i dzięki temu na klasie może być wykonany </a:t>
+            </a:r>
+            <a:r>
+              <a:rPr lang="pl-PL" sz="1200" b="0" i="0" u="none" strike="noStrike" kern="1200" baseline="0" dirty="0" err="1">
+                <a:solidFill>
+                  <a:schemeClr val="tx1"/>
+                </a:solidFill>
+                <a:latin typeface="+mn-lt"/>
+                <a:ea typeface="+mn-ea"/>
+                <a:cs typeface="+mn-cs"/>
               </a:rPr>
               <a:t>pattern</a:t>
             </a:r>
             <a:r>
-              <a:rPr lang="pl-PL" sz="1200" dirty="0">
-                <a:latin typeface="Courier New" panose="02070309020205020404" pitchFamily="49" charset="0"/>
-                <a:cs typeface="Courier New" panose="02070309020205020404" pitchFamily="49" charset="0"/>
+              <a:rPr lang="pl-PL" sz="1200" b="0" i="0" u="none" strike="noStrike" kern="1200" baseline="0" dirty="0">
+                <a:solidFill>
+                  <a:schemeClr val="tx1"/>
+                </a:solidFill>
+                <a:latin typeface="+mn-lt"/>
+                <a:ea typeface="+mn-ea"/>
+                <a:cs typeface="+mn-cs"/>
               </a:rPr>
               <a:t> </a:t>
             </a:r>
             <a:r>
-              <a:rPr lang="pl-PL" sz="1200" dirty="0" err="1">
-                <a:latin typeface="Courier New" panose="02070309020205020404" pitchFamily="49" charset="0"/>
-                <a:cs typeface="Courier New" panose="02070309020205020404" pitchFamily="49" charset="0"/>
+              <a:rPr lang="pl-PL" sz="1200" b="0" i="0" u="none" strike="noStrike" kern="1200" baseline="0" dirty="0" err="1">
+                <a:solidFill>
+                  <a:schemeClr val="tx1"/>
+                </a:solidFill>
+                <a:latin typeface="+mn-lt"/>
+                <a:ea typeface="+mn-ea"/>
+                <a:cs typeface="+mn-cs"/>
               </a:rPr>
-              <a:t>match</a:t>
-            </a:r>
-            <a:r>
-              <a:rPr lang="pl-PL" sz="1200" dirty="0">
-                <a:latin typeface="Courier New" panose="02070309020205020404" pitchFamily="49" charset="0"/>
-                <a:cs typeface="Courier New" panose="02070309020205020404" pitchFamily="49" charset="0"/>
+              <a:t>matching</a:t>
+            </a:r>
+            <a:r>
+              <a:rPr lang="pl-PL" sz="1200" b="0" i="0" u="none" strike="noStrike" kern="1200" baseline="0" dirty="0">
+                <a:solidFill>
+                  <a:schemeClr val="tx1"/>
+                </a:solidFill>
+                <a:latin typeface="+mn-lt"/>
+                <a:ea typeface="+mn-ea"/>
+                <a:cs typeface="+mn-cs"/>
               </a:rPr>
-              <a:t>&gt; =&gt; &lt;</a:t>
-            </a:r>
-            <a:r>
-              <a:rPr lang="pl-PL" sz="1200" dirty="0" err="1">
-                <a:latin typeface="Courier New" panose="02070309020205020404" pitchFamily="49" charset="0"/>
-                <a:cs typeface="Courier New" panose="02070309020205020404" pitchFamily="49" charset="0"/>
-              </a:rPr>
-              <a:t>expression</a:t>
-            </a:r>
-            <a:r>
-              <a:rPr lang="pl-PL" sz="1200" dirty="0">
-                <a:latin typeface="Courier New" panose="02070309020205020404" pitchFamily="49" charset="0"/>
-                <a:cs typeface="Courier New" panose="02070309020205020404" pitchFamily="49" charset="0"/>
-              </a:rPr>
-              <a:t>&gt;</a:t>
-            </a:r>
-          </a:p>
-          <a:p>
-            <a:pPr marL="0" indent="0">
+              <a:t>.</a:t>
+            </a:r>
+          </a:p>
+          <a:p>
+            <a:endParaRPr lang="pl-PL" dirty="0"/>
+          </a:p>
+          <a:p>
+            <a:pPr marL="0" marR="0" lvl="0" indent="0" algn="l" defTabSz="914400" rtl="0" eaLnBrk="1" fontAlgn="auto" latinLnBrk="0" hangingPunct="1">
+              <a:lnSpc>
+                <a:spcPct val="100000"/>
+              </a:lnSpc>
+              <a:spcBef>
+                <a:spcPts val="0"/>
+              </a:spcBef>
+              <a:spcAft>
+                <a:spcPts val="0"/>
+              </a:spcAft>
+              <a:buClrTx/>
+              <a:buSzTx/>
+              <a:buFontTx/>
               <a:buNone/>
+              <a:tabLst/>
+              <a:defRPr/>
             </a:pPr>
             <a:r>
-              <a:rPr lang="pl-PL" sz="1200" dirty="0">
-                <a:latin typeface="Courier New" panose="02070309020205020404" pitchFamily="49" charset="0"/>
-                <a:cs typeface="Courier New" panose="02070309020205020404" pitchFamily="49" charset="0"/>
-              </a:rPr>
-              <a:t>[</a:t>
-            </a:r>
-            <a:r>
-              <a:rPr lang="pl-PL" sz="1200" dirty="0" err="1">
-                <a:latin typeface="Courier New" panose="02070309020205020404" pitchFamily="49" charset="0"/>
-                <a:cs typeface="Courier New" panose="02070309020205020404" pitchFamily="49" charset="0"/>
-              </a:rPr>
-              <a:t>case</a:t>
-            </a:r>
-            <a:r>
-              <a:rPr lang="pl-PL" sz="1200" dirty="0">
-                <a:latin typeface="Courier New" panose="02070309020205020404" pitchFamily="49" charset="0"/>
-                <a:cs typeface="Courier New" panose="02070309020205020404" pitchFamily="49" charset="0"/>
-              </a:rPr>
-              <a:t>...]</a:t>
-            </a:r>
-          </a:p>
-          <a:p>
-            <a:pPr marL="0" indent="0">
+              <a:rPr lang="pl-PL" sz="1200" b="1" dirty="0" err="1"/>
+              <a:t>Immutable</a:t>
+            </a:r>
+            <a:r>
+              <a:rPr lang="pl-PL" sz="1200" b="1" dirty="0"/>
+              <a:t> by </a:t>
+            </a:r>
+            <a:r>
+              <a:rPr lang="pl-PL" sz="1200" b="1" dirty="0" err="1"/>
+              <a:t>default</a:t>
+            </a:r>
+            <a:r>
+              <a:rPr lang="pl-PL" sz="1200" b="1" dirty="0"/>
+              <a:t> </a:t>
+            </a:r>
+            <a:r>
+              <a:rPr lang="pl-PL" sz="1200" dirty="0"/>
+              <a:t>– </a:t>
+            </a:r>
+            <a:r>
+              <a:rPr lang="pl-PL" sz="1200" dirty="0" err="1"/>
+              <a:t>paramtery</a:t>
+            </a:r>
+            <a:r>
+              <a:rPr lang="pl-PL" sz="1200" dirty="0"/>
+              <a:t> w konstruktorze klasy to domyślnie </a:t>
+            </a:r>
+            <a:r>
+              <a:rPr lang="pl-PL" sz="1200" dirty="0" err="1"/>
+              <a:t>val</a:t>
+            </a:r>
+            <a:r>
+              <a:rPr lang="pl-PL" sz="1200" dirty="0"/>
+              <a:t>, tak </a:t>
+            </a:r>
+            <a:r>
+              <a:rPr lang="pl-PL" sz="1200" dirty="0" err="1"/>
+              <a:t>wieć</a:t>
+            </a:r>
+            <a:r>
+              <a:rPr lang="pl-PL" sz="1200" dirty="0"/>
+              <a:t> </a:t>
+            </a:r>
+            <a:r>
+              <a:rPr lang="pl-PL" sz="1200" dirty="0" err="1"/>
+              <a:t>automatucznie</a:t>
+            </a:r>
+            <a:r>
+              <a:rPr lang="pl-PL" sz="1200" dirty="0"/>
+              <a:t> generowane są gettery dla każdego parametry al. </a:t>
+            </a:r>
+            <a:r>
+              <a:rPr lang="pl-PL" sz="1200" dirty="0" err="1"/>
+              <a:t>Enie</a:t>
+            </a:r>
+            <a:r>
+              <a:rPr lang="pl-PL" sz="1200" dirty="0"/>
+              <a:t> ma już </a:t>
+            </a:r>
+            <a:r>
+              <a:rPr lang="pl-PL" sz="1200" dirty="0" err="1"/>
+              <a:t>setterów</a:t>
+            </a:r>
+            <a:r>
+              <a:rPr lang="pl-PL" sz="1200" dirty="0"/>
+              <a:t>.</a:t>
+            </a:r>
+            <a:endParaRPr lang="pl-PL" dirty="0"/>
+          </a:p>
+          <a:p>
+            <a:pPr marL="0" marR="0" lvl="0" indent="0" algn="l" defTabSz="914400" rtl="0" eaLnBrk="1" fontAlgn="auto" latinLnBrk="0" hangingPunct="1">
+              <a:lnSpc>
+                <a:spcPct val="100000"/>
+              </a:lnSpc>
+              <a:spcBef>
+                <a:spcPts val="0"/>
+              </a:spcBef>
+              <a:spcAft>
+                <a:spcPts val="0"/>
+              </a:spcAft>
+              <a:buClrTx/>
+              <a:buSzTx/>
+              <a:buFontTx/>
               <a:buNone/>
+              <a:tabLst/>
+              <a:defRPr/>
             </a:pPr>
             <a:r>
-              <a:rPr lang="pl-PL" sz="1200" dirty="0">
-                <a:latin typeface="Courier New" panose="02070309020205020404" pitchFamily="49" charset="0"/>
-                <a:cs typeface="Courier New" panose="02070309020205020404" pitchFamily="49" charset="0"/>
-              </a:rPr>
-              <a:t>}</a:t>
-            </a:r>
-            <a:endParaRPr lang="pl-PL" sz="2000" dirty="0">
-              <a:latin typeface="Courier New" panose="02070309020205020404" pitchFamily="49" charset="0"/>
-              <a:cs typeface="Courier New" panose="02070309020205020404" pitchFamily="49" charset="0"/>
-            </a:endParaRPr>
-          </a:p>
-          <a:p>
+              <a:rPr lang="en-US" sz="1200" b="1" dirty="0"/>
+              <a:t>Companion object </a:t>
+            </a:r>
+            <a:r>
+              <a:rPr lang="pl-PL" sz="1200" b="1" dirty="0"/>
+              <a:t>and </a:t>
+            </a:r>
+            <a:r>
+              <a:rPr lang="pl-PL" sz="1200" b="1" dirty="0" err="1"/>
+              <a:t>factory</a:t>
+            </a:r>
+            <a:r>
+              <a:rPr lang="pl-PL" sz="1200" b="1" dirty="0"/>
+              <a:t> </a:t>
+            </a:r>
+            <a:r>
+              <a:rPr lang="pl-PL" sz="1200" b="1" dirty="0" err="1"/>
+              <a:t>methods</a:t>
+            </a:r>
+            <a:r>
+              <a:rPr lang="pl-PL" sz="1200" b="1" dirty="0"/>
+              <a:t> </a:t>
+            </a:r>
+            <a:r>
+              <a:rPr lang="en-US" sz="1200" b="1" dirty="0"/>
+              <a:t>out of the box</a:t>
+            </a:r>
+            <a:r>
+              <a:rPr lang="pl-PL" sz="1200" b="1" dirty="0"/>
+              <a:t> </a:t>
+            </a:r>
+            <a:r>
+              <a:rPr lang="pl-PL" sz="1200" dirty="0"/>
+              <a:t>– w skrócie oznacza to, że nie musimy używać </a:t>
+            </a:r>
+            <a:r>
+              <a:rPr lang="pl-PL" sz="1200" dirty="0" err="1"/>
+              <a:t>keworda</a:t>
+            </a:r>
+            <a:r>
+              <a:rPr lang="pl-PL" sz="1200" dirty="0"/>
+              <a:t> </a:t>
+            </a:r>
+            <a:r>
+              <a:rPr lang="pl-PL" sz="1200" dirty="0" err="1"/>
+              <a:t>new</a:t>
+            </a:r>
+            <a:r>
+              <a:rPr lang="pl-PL" sz="1200" dirty="0"/>
+              <a:t> aby stworzyć instancję klasy.</a:t>
+            </a:r>
+          </a:p>
+          <a:p>
+            <a:pPr marL="0" marR="0" lvl="0" indent="0" algn="l" defTabSz="914400" rtl="0" eaLnBrk="1" fontAlgn="auto" latinLnBrk="0" hangingPunct="1">
+              <a:lnSpc>
+                <a:spcPct val="100000"/>
+              </a:lnSpc>
+              <a:spcBef>
+                <a:spcPts val="0"/>
+              </a:spcBef>
+              <a:spcAft>
+                <a:spcPts val="0"/>
+              </a:spcAft>
+              <a:buClrTx/>
+              <a:buSzTx/>
+              <a:buFontTx/>
+              <a:buNone/>
+              <a:tabLst/>
+              <a:defRPr/>
+            </a:pPr>
+            <a:r>
+              <a:rPr lang="pl-PL" sz="1200" dirty="0"/>
+              <a:t>Wszystko to dzięki automatycznie dodanej metodzie </a:t>
+            </a:r>
+            <a:r>
+              <a:rPr lang="pl-PL" sz="1200" dirty="0" err="1"/>
+              <a:t>apply</a:t>
+            </a:r>
+            <a:r>
+              <a:rPr lang="pl-PL" sz="1200" dirty="0"/>
+              <a:t>.</a:t>
+            </a:r>
+          </a:p>
+          <a:p>
+            <a:pPr marL="0" marR="0" lvl="0" indent="0" algn="l" defTabSz="914400" rtl="0" eaLnBrk="1" fontAlgn="auto" latinLnBrk="0" hangingPunct="1">
+              <a:lnSpc>
+                <a:spcPct val="100000"/>
+              </a:lnSpc>
+              <a:spcBef>
+                <a:spcPts val="0"/>
+              </a:spcBef>
+              <a:spcAft>
+                <a:spcPts val="0"/>
+              </a:spcAft>
+              <a:buClrTx/>
+              <a:buSzTx/>
+              <a:buFontTx/>
+              <a:buNone/>
+              <a:tabLst/>
+              <a:defRPr/>
+            </a:pPr>
+            <a:r>
+              <a:rPr lang="en-GB" sz="1200" b="1" dirty="0"/>
+              <a:t>Ability to be deconstructed with pattern matching</a:t>
+            </a:r>
+            <a:r>
+              <a:rPr lang="pl-PL" sz="1200" b="1" dirty="0"/>
+              <a:t> – </a:t>
+            </a:r>
+            <a:r>
+              <a:rPr lang="pl-PL" sz="1200" b="0" dirty="0"/>
+              <a:t>obok metody </a:t>
+            </a:r>
+            <a:r>
+              <a:rPr lang="pl-PL" sz="1200" b="0" dirty="0" err="1"/>
+              <a:t>apply</a:t>
+            </a:r>
+            <a:r>
+              <a:rPr lang="pl-PL" sz="1200" b="0" dirty="0"/>
+              <a:t> dostajemy również metodę </a:t>
+            </a:r>
+            <a:r>
+              <a:rPr lang="pl-PL" sz="1200" b="0" dirty="0" err="1"/>
+              <a:t>unapply</a:t>
+            </a:r>
+            <a:endParaRPr lang="pl-PL" sz="1200" b="0" dirty="0"/>
+          </a:p>
+          <a:p>
+            <a:pPr marL="0" marR="0" lvl="0" indent="0" algn="l" defTabSz="914400" rtl="0" eaLnBrk="1" fontAlgn="auto" latinLnBrk="0" hangingPunct="1">
+              <a:lnSpc>
+                <a:spcPct val="100000"/>
+              </a:lnSpc>
+              <a:spcBef>
+                <a:spcPts val="0"/>
+              </a:spcBef>
+              <a:spcAft>
+                <a:spcPts val="0"/>
+              </a:spcAft>
+              <a:buClrTx/>
+              <a:buSzTx/>
+              <a:buFontTx/>
+              <a:buNone/>
+              <a:tabLst/>
+              <a:defRPr/>
+            </a:pPr>
+            <a:endParaRPr lang="en-US" sz="1200" dirty="0"/>
+          </a:p>
+          <a:p>
+            <a:br>
+              <a:rPr lang="pl-PL" dirty="0"/>
+            </a:br>
             <a:endParaRPr lang="pl-PL" dirty="0"/>
           </a:p>
         </p:txBody>
@@ -1875,7 +2263,7 @@
     </p:spTree>
     <p:extLst>
       <p:ext uri="{BB962C8B-B14F-4D97-AF65-F5344CB8AC3E}">
-        <p14:creationId xmlns:p14="http://schemas.microsoft.com/office/powerpoint/2010/main" val="3272114557"/>
+        <p14:creationId xmlns:p14="http://schemas.microsoft.com/office/powerpoint/2010/main" val="3267287691"/>
       </p:ext>
     </p:extLst>
   </p:cSld>
@@ -1929,29 +2317,345 @@
           <a:bodyPr/>
           <a:lstStyle/>
           <a:p>
-            <a:r>
-              <a:rPr lang="en-US" sz="1200" b="0" i="0" u="none" strike="noStrike" kern="1200" baseline="0" dirty="0">
-                <a:solidFill>
-                  <a:schemeClr val="tx1"/>
-                </a:solidFill>
-                <a:latin typeface="+mn-lt"/>
-                <a:ea typeface="+mn-ea"/>
-                <a:cs typeface="+mn-cs"/>
+            <a:pPr marL="0" indent="0">
+              <a:buNone/>
+            </a:pPr>
+            <a:r>
+              <a:rPr lang="pl-PL" sz="1200" dirty="0">
+                <a:latin typeface="Courier New" panose="02070309020205020404" pitchFamily="49" charset="0"/>
+                <a:cs typeface="Courier New" panose="02070309020205020404" pitchFamily="49" charset="0"/>
               </a:rPr>
-              <a:t>Case classes are Scala’s way to allow pattern matching on objects without</a:t>
-            </a:r>
-            <a:r>
-              <a:rPr lang="pl-PL" sz="1200" b="0" i="0" u="none" strike="noStrike" kern="1200" baseline="0" dirty="0">
-                <a:solidFill>
-                  <a:schemeClr val="tx1"/>
-                </a:solidFill>
-                <a:latin typeface="+mn-lt"/>
-                <a:ea typeface="+mn-ea"/>
-                <a:cs typeface="+mn-cs"/>
+              <a:t>&lt;</a:t>
+            </a:r>
+            <a:r>
+              <a:rPr lang="pl-PL" sz="1200" dirty="0" err="1">
+                <a:latin typeface="Courier New" panose="02070309020205020404" pitchFamily="49" charset="0"/>
+                <a:cs typeface="Courier New" panose="02070309020205020404" pitchFamily="49" charset="0"/>
+              </a:rPr>
+              <a:t>expression</a:t>
+            </a:r>
+            <a:r>
+              <a:rPr lang="pl-PL" sz="1200" dirty="0">
+                <a:latin typeface="Courier New" panose="02070309020205020404" pitchFamily="49" charset="0"/>
+                <a:cs typeface="Courier New" panose="02070309020205020404" pitchFamily="49" charset="0"/>
+              </a:rPr>
+              <a:t>&gt; </a:t>
+            </a:r>
+            <a:r>
+              <a:rPr lang="pl-PL" sz="1200" dirty="0" err="1">
+                <a:latin typeface="Courier New" panose="02070309020205020404" pitchFamily="49" charset="0"/>
+                <a:cs typeface="Courier New" panose="02070309020205020404" pitchFamily="49" charset="0"/>
+              </a:rPr>
+              <a:t>match</a:t>
+            </a:r>
+            <a:r>
+              <a:rPr lang="pl-PL" sz="1200" dirty="0">
+                <a:latin typeface="Courier New" panose="02070309020205020404" pitchFamily="49" charset="0"/>
+                <a:cs typeface="Courier New" panose="02070309020205020404" pitchFamily="49" charset="0"/>
+              </a:rPr>
+              <a:t> {</a:t>
+            </a:r>
+          </a:p>
+          <a:p>
+            <a:pPr marL="0" indent="0">
+              <a:buNone/>
+            </a:pPr>
+            <a:r>
+              <a:rPr lang="pl-PL" sz="1200" dirty="0" err="1">
+                <a:latin typeface="Courier New" panose="02070309020205020404" pitchFamily="49" charset="0"/>
+                <a:cs typeface="Courier New" panose="02070309020205020404" pitchFamily="49" charset="0"/>
+              </a:rPr>
+              <a:t>case</a:t>
+            </a:r>
+            <a:r>
+              <a:rPr lang="pl-PL" sz="1200" dirty="0">
+                <a:latin typeface="Courier New" panose="02070309020205020404" pitchFamily="49" charset="0"/>
+                <a:cs typeface="Courier New" panose="02070309020205020404" pitchFamily="49" charset="0"/>
+              </a:rPr>
+              <a:t> &lt;</a:t>
+            </a:r>
+            <a:r>
+              <a:rPr lang="pl-PL" sz="1200" dirty="0" err="1">
+                <a:latin typeface="Courier New" panose="02070309020205020404" pitchFamily="49" charset="0"/>
+                <a:cs typeface="Courier New" panose="02070309020205020404" pitchFamily="49" charset="0"/>
+              </a:rPr>
+              <a:t>pattern</a:t>
+            </a:r>
+            <a:r>
+              <a:rPr lang="pl-PL" sz="1200" dirty="0">
+                <a:latin typeface="Courier New" panose="02070309020205020404" pitchFamily="49" charset="0"/>
+                <a:cs typeface="Courier New" panose="02070309020205020404" pitchFamily="49" charset="0"/>
               </a:rPr>
               <a:t> </a:t>
             </a:r>
             <a:r>
+              <a:rPr lang="pl-PL" sz="1200" dirty="0" err="1">
+                <a:latin typeface="Courier New" panose="02070309020205020404" pitchFamily="49" charset="0"/>
+                <a:cs typeface="Courier New" panose="02070309020205020404" pitchFamily="49" charset="0"/>
+              </a:rPr>
+              <a:t>match</a:t>
+            </a:r>
+            <a:r>
+              <a:rPr lang="pl-PL" sz="1200" dirty="0">
+                <a:latin typeface="Courier New" panose="02070309020205020404" pitchFamily="49" charset="0"/>
+                <a:cs typeface="Courier New" panose="02070309020205020404" pitchFamily="49" charset="0"/>
+              </a:rPr>
+              <a:t>&gt; =&gt; &lt;</a:t>
+            </a:r>
+            <a:r>
+              <a:rPr lang="pl-PL" sz="1200" dirty="0" err="1">
+                <a:latin typeface="Courier New" panose="02070309020205020404" pitchFamily="49" charset="0"/>
+                <a:cs typeface="Courier New" panose="02070309020205020404" pitchFamily="49" charset="0"/>
+              </a:rPr>
+              <a:t>expression</a:t>
+            </a:r>
+            <a:r>
+              <a:rPr lang="pl-PL" sz="1200" dirty="0">
+                <a:latin typeface="Courier New" panose="02070309020205020404" pitchFamily="49" charset="0"/>
+                <a:cs typeface="Courier New" panose="02070309020205020404" pitchFamily="49" charset="0"/>
+              </a:rPr>
+              <a:t>&gt;</a:t>
+            </a:r>
+          </a:p>
+          <a:p>
+            <a:pPr marL="0" indent="0">
+              <a:buNone/>
+            </a:pPr>
+            <a:r>
+              <a:rPr lang="pl-PL" sz="1200" dirty="0">
+                <a:latin typeface="Courier New" panose="02070309020205020404" pitchFamily="49" charset="0"/>
+                <a:cs typeface="Courier New" panose="02070309020205020404" pitchFamily="49" charset="0"/>
+              </a:rPr>
+              <a:t>[</a:t>
+            </a:r>
+            <a:r>
+              <a:rPr lang="pl-PL" sz="1200" dirty="0" err="1">
+                <a:latin typeface="Courier New" panose="02070309020205020404" pitchFamily="49" charset="0"/>
+                <a:cs typeface="Courier New" panose="02070309020205020404" pitchFamily="49" charset="0"/>
+              </a:rPr>
+              <a:t>case</a:t>
+            </a:r>
+            <a:r>
+              <a:rPr lang="pl-PL" sz="1200" dirty="0">
+                <a:latin typeface="Courier New" panose="02070309020205020404" pitchFamily="49" charset="0"/>
+                <a:cs typeface="Courier New" panose="02070309020205020404" pitchFamily="49" charset="0"/>
+              </a:rPr>
+              <a:t>...]</a:t>
+            </a:r>
+          </a:p>
+          <a:p>
+            <a:pPr marL="0" indent="0">
+              <a:buNone/>
+            </a:pPr>
+            <a:r>
+              <a:rPr lang="pl-PL" sz="1200" dirty="0">
+                <a:latin typeface="Courier New" panose="02070309020205020404" pitchFamily="49" charset="0"/>
+                <a:cs typeface="Courier New" panose="02070309020205020404" pitchFamily="49" charset="0"/>
+              </a:rPr>
+              <a:t>}</a:t>
+            </a:r>
+          </a:p>
+          <a:p>
+            <a:pPr marL="0" marR="0" lvl="0" indent="0" algn="l" defTabSz="914400" rtl="0" eaLnBrk="1" fontAlgn="auto" latinLnBrk="0" hangingPunct="1">
+              <a:lnSpc>
+                <a:spcPct val="100000"/>
+              </a:lnSpc>
+              <a:spcBef>
+                <a:spcPts val="0"/>
+              </a:spcBef>
+              <a:spcAft>
+                <a:spcPts val="0"/>
+              </a:spcAft>
+              <a:buClrTx/>
+              <a:buSzTx/>
+              <a:buFontTx/>
+              <a:buNone/>
+              <a:tabLst/>
+              <a:defRPr/>
+            </a:pPr>
+            <a:r>
+              <a:rPr lang="en-GB" sz="1200" b="1" dirty="0"/>
+              <a:t>Patterns everywhere</a:t>
+            </a:r>
+            <a:r>
+              <a:rPr lang="pl-PL" sz="1200" b="1" dirty="0"/>
+              <a:t> –</a:t>
+            </a:r>
+            <a:r>
+              <a:rPr lang="pl-PL" sz="1200" b="0" dirty="0"/>
+              <a:t> bardzo przydatne do dekonstrukcji </a:t>
+            </a:r>
+            <a:r>
+              <a:rPr lang="pl-PL" sz="1200" b="0" dirty="0" err="1"/>
+              <a:t>tupli</a:t>
+            </a:r>
+            <a:r>
+              <a:rPr lang="pl-PL" sz="1200" b="0" dirty="0"/>
+              <a:t> czy </a:t>
+            </a:r>
+            <a:r>
+              <a:rPr lang="pl-PL" sz="1200" b="0" dirty="0" err="1"/>
+              <a:t>case</a:t>
+            </a:r>
+            <a:r>
+              <a:rPr lang="pl-PL" sz="1200" b="0" dirty="0"/>
+              <a:t> </a:t>
+            </a:r>
+            <a:r>
+              <a:rPr lang="pl-PL" sz="1200" b="0" dirty="0" err="1"/>
+              <a:t>class</a:t>
+            </a:r>
+            <a:r>
+              <a:rPr lang="pl-PL" sz="1200" b="0" dirty="0"/>
+              <a:t>. </a:t>
+            </a:r>
+          </a:p>
+          <a:p>
+            <a:pPr marL="0" marR="0" lvl="0" indent="0" algn="l" defTabSz="914400" rtl="0" eaLnBrk="1" fontAlgn="auto" latinLnBrk="0" hangingPunct="1">
+              <a:lnSpc>
+                <a:spcPct val="100000"/>
+              </a:lnSpc>
+              <a:spcBef>
+                <a:spcPts val="0"/>
+              </a:spcBef>
+              <a:spcAft>
+                <a:spcPts val="0"/>
+              </a:spcAft>
+              <a:buClrTx/>
+              <a:buSzTx/>
+              <a:buFontTx/>
+              <a:buNone/>
+              <a:tabLst/>
+              <a:defRPr/>
+            </a:pPr>
+            <a:r>
+              <a:rPr lang="pl-PL" sz="1200" b="0" dirty="0"/>
+              <a:t>W zasadzie </a:t>
+            </a:r>
+            <a:r>
+              <a:rPr lang="en-US" sz="1200" b="1" i="0" u="none" strike="noStrike" kern="1200" baseline="0" dirty="0">
+                <a:solidFill>
+                  <a:schemeClr val="tx1"/>
+                </a:solidFill>
+                <a:latin typeface="+mn-lt"/>
+                <a:ea typeface="+mn-ea"/>
+                <a:cs typeface="+mn-cs"/>
+              </a:rPr>
+              <a:t>case sequence </a:t>
+            </a:r>
+            <a:r>
+              <a:rPr lang="pl-PL" sz="1200" b="0" i="0" u="none" strike="noStrike" kern="1200" baseline="0" dirty="0">
+                <a:solidFill>
+                  <a:schemeClr val="tx1"/>
+                </a:solidFill>
+                <a:latin typeface="+mn-lt"/>
+                <a:ea typeface="+mn-ea"/>
+                <a:cs typeface="+mn-cs"/>
+              </a:rPr>
+              <a:t> użyte w nawiasach wąsatych (</a:t>
+            </a:r>
+            <a:r>
+              <a:rPr lang="pl-PL" sz="1200" b="0" i="0" u="none" strike="noStrike" kern="1200" baseline="0" dirty="0" err="1">
+                <a:solidFill>
+                  <a:schemeClr val="tx1"/>
+                </a:solidFill>
+                <a:latin typeface="+mn-lt"/>
+                <a:ea typeface="+mn-ea"/>
+                <a:cs typeface="+mn-cs"/>
+              </a:rPr>
+              <a:t>curly</a:t>
+            </a:r>
+            <a:r>
+              <a:rPr lang="pl-PL" sz="1200" b="0" i="0" u="none" strike="noStrike" kern="1200" baseline="0" dirty="0">
+                <a:solidFill>
+                  <a:schemeClr val="tx1"/>
+                </a:solidFill>
+                <a:latin typeface="+mn-lt"/>
+                <a:ea typeface="+mn-ea"/>
+                <a:cs typeface="+mn-cs"/>
+              </a:rPr>
+              <a:t> </a:t>
+            </a:r>
+            <a:r>
+              <a:rPr lang="pl-PL" sz="1200" b="0" i="0" u="none" strike="noStrike" kern="1200" baseline="0" dirty="0" err="1">
+                <a:solidFill>
+                  <a:schemeClr val="tx1"/>
+                </a:solidFill>
+                <a:latin typeface="+mn-lt"/>
+                <a:ea typeface="+mn-ea"/>
+                <a:cs typeface="+mn-cs"/>
+              </a:rPr>
+              <a:t>braces</a:t>
+            </a:r>
+            <a:r>
+              <a:rPr lang="pl-PL" sz="1200" b="0" i="0" u="none" strike="noStrike" kern="1200" baseline="0" dirty="0">
+                <a:solidFill>
+                  <a:schemeClr val="tx1"/>
+                </a:solidFill>
+                <a:latin typeface="+mn-lt"/>
+                <a:ea typeface="+mn-ea"/>
+                <a:cs typeface="+mn-cs"/>
+              </a:rPr>
+              <a:t>) mogą być użyte wszędzie tam gdzie można użyć literału funkcji.</a:t>
+            </a:r>
+          </a:p>
+          <a:p>
+            <a:pPr marL="0" marR="0" lvl="0" indent="0" algn="l" defTabSz="914400" rtl="0" eaLnBrk="1" fontAlgn="auto" latinLnBrk="0" hangingPunct="1">
+              <a:lnSpc>
+                <a:spcPct val="100000"/>
+              </a:lnSpc>
+              <a:spcBef>
+                <a:spcPts val="0"/>
+              </a:spcBef>
+              <a:spcAft>
+                <a:spcPts val="0"/>
+              </a:spcAft>
+              <a:buClrTx/>
+              <a:buSzTx/>
+              <a:buFontTx/>
+              <a:buNone/>
+              <a:tabLst/>
+              <a:defRPr/>
+            </a:pPr>
+            <a:endParaRPr lang="pl-PL" dirty="0"/>
+          </a:p>
+          <a:p>
+            <a:pPr marL="0" marR="0" lvl="0" indent="0" algn="l" defTabSz="914400" rtl="0" eaLnBrk="1" fontAlgn="auto" latinLnBrk="0" hangingPunct="1">
+              <a:lnSpc>
+                <a:spcPct val="100000"/>
+              </a:lnSpc>
+              <a:spcBef>
+                <a:spcPts val="0"/>
+              </a:spcBef>
+              <a:spcAft>
+                <a:spcPts val="0"/>
+              </a:spcAft>
+              <a:buClrTx/>
+              <a:buSzTx/>
+              <a:buFontTx/>
+              <a:buNone/>
+              <a:tabLst/>
+              <a:defRPr/>
+            </a:pPr>
+            <a:r>
+              <a:rPr lang="pl-PL" sz="1200" b="1" dirty="0" err="1"/>
+              <a:t>Comparison</a:t>
+            </a:r>
+            <a:r>
+              <a:rPr lang="pl-PL" sz="1200" b="1" dirty="0"/>
+              <a:t> to Java </a:t>
+            </a:r>
+            <a:r>
+              <a:rPr lang="pl-PL" sz="1200" b="1" dirty="0" err="1"/>
+              <a:t>match</a:t>
+            </a:r>
+            <a:r>
+              <a:rPr lang="pl-PL" sz="1200" b="1" dirty="0"/>
+              <a:t>:</a:t>
+            </a:r>
+          </a:p>
+          <a:p>
+            <a:r>
               <a:rPr lang="en-US" sz="1200" b="0" i="0" u="none" strike="noStrike" kern="1200" baseline="0" dirty="0">
                 <a:solidFill>
                   <a:schemeClr val="tx1"/>
@@ -1960,7 +2664,7 @@
                 <a:ea typeface="+mn-ea"/>
                 <a:cs typeface="+mn-cs"/>
               </a:rPr>
-              <a:t>requiring a large amount of boilerplate. </a:t>
+              <a:t>However, there are three differences to keep in mind: </a:t>
             </a:r>
             <a:endParaRPr lang="pl-PL" sz="1200" b="0" i="0" u="none" strike="noStrike" kern="1200" baseline="0" dirty="0">
               <a:solidFill>
@@ -1981,10 +2685,21 @@
                 <a:ea typeface="+mn-ea"/>
                 <a:cs typeface="+mn-cs"/>
               </a:rPr>
-              <a:t>Generally, all you need to do is add</a:t>
-            </a:r>
-            <a:r>
-              <a:rPr lang="pl-PL" sz="1200" b="0" i="0" u="none" strike="noStrike" kern="1200" baseline="0" dirty="0">
+              <a:t>First, </a:t>
+            </a:r>
+            <a:r>
+              <a:rPr lang="en-US" sz="1200" b="1" i="0" u="none" strike="noStrike" kern="1200" baseline="0" dirty="0">
+                <a:solidFill>
+                  <a:schemeClr val="tx1"/>
+                </a:solidFill>
+                <a:latin typeface="+mn-lt"/>
+                <a:ea typeface="+mn-ea"/>
+                <a:cs typeface="+mn-cs"/>
+              </a:rPr>
+              <a:t>match is an</a:t>
+            </a:r>
+            <a:r>
+              <a:rPr lang="pl-PL" sz="1200" b="1" i="0" u="none" strike="noStrike" kern="1200" baseline="0" dirty="0">
                 <a:solidFill>
                   <a:schemeClr val="tx1"/>
                 </a:solidFill>
@@ -1995,6 +2710,17 @@
               <a:t> </a:t>
             </a:r>
             <a:r>
+              <a:rPr lang="en-US" sz="1200" b="1" i="0" u="none" strike="noStrike" kern="1200" baseline="0" dirty="0">
+                <a:solidFill>
+                  <a:schemeClr val="tx1"/>
+                </a:solidFill>
+                <a:latin typeface="+mn-lt"/>
+                <a:ea typeface="+mn-ea"/>
+                <a:cs typeface="+mn-cs"/>
+              </a:rPr>
+              <a:t>expression in Scala </a:t>
+            </a:r>
+            <a:r>
               <a:rPr lang="en-US" sz="1200" b="0" i="0" u="none" strike="noStrike" kern="1200" baseline="0" dirty="0">
                 <a:solidFill>
                   <a:schemeClr val="tx1"/>
@@ -2003,29 +2729,7 @@
                 <a:ea typeface="+mn-ea"/>
                 <a:cs typeface="+mn-cs"/>
               </a:rPr>
-              <a:t>a single case keyword to each class that you want to be pattern </a:t>
-            </a:r>
-            <a:r>
-              <a:rPr lang="en-US" sz="1200" b="0" i="0" u="none" strike="noStrike" kern="1200" baseline="0" dirty="0" err="1">
-                <a:solidFill>
-                  <a:schemeClr val="tx1"/>
-                </a:solidFill>
-                <a:latin typeface="+mn-lt"/>
-                <a:ea typeface="+mn-ea"/>
-                <a:cs typeface="+mn-cs"/>
-              </a:rPr>
-              <a:t>matchable</a:t>
-            </a:r>
-            <a:r>
-              <a:rPr lang="en-US" sz="1200" b="0" i="0" u="none" strike="noStrike" kern="1200" baseline="0" dirty="0">
-                <a:solidFill>
-                  <a:schemeClr val="tx1"/>
-                </a:solidFill>
-                <a:latin typeface="+mn-lt"/>
-                <a:ea typeface="+mn-ea"/>
-                <a:cs typeface="+mn-cs"/>
-              </a:rPr>
-              <a:t>.</a:t>
+              <a:t>(i.e., it always results in a value). </a:t>
             </a:r>
             <a:endParaRPr lang="pl-PL" sz="1200" b="0" i="0" u="none" strike="noStrike" kern="1200" baseline="0" dirty="0">
               <a:solidFill>
@@ -2037,6 +2741,61 @@
             </a:endParaRPr>
           </a:p>
           <a:p>
+            <a:r>
+              <a:rPr lang="en-US" sz="1200" b="0" i="0" u="none" strike="noStrike" kern="1200" baseline="0" dirty="0">
+                <a:solidFill>
+                  <a:schemeClr val="tx1"/>
+                </a:solidFill>
+                <a:latin typeface="+mn-lt"/>
+                <a:ea typeface="+mn-ea"/>
+                <a:cs typeface="+mn-cs"/>
+              </a:rPr>
+              <a:t>Second, Scala’s alternative</a:t>
+            </a:r>
+            <a:r>
+              <a:rPr lang="pl-PL" sz="1200" b="0" i="0" u="none" strike="noStrike" kern="1200" baseline="0" dirty="0">
+                <a:solidFill>
+                  <a:schemeClr val="tx1"/>
+                </a:solidFill>
+                <a:latin typeface="+mn-lt"/>
+                <a:ea typeface="+mn-ea"/>
+                <a:cs typeface="+mn-cs"/>
+              </a:rPr>
+              <a:t> </a:t>
+            </a:r>
+            <a:r>
+              <a:rPr lang="en-US" sz="1200" b="0" i="0" u="none" strike="noStrike" kern="1200" baseline="0" dirty="0">
+                <a:solidFill>
+                  <a:schemeClr val="tx1"/>
+                </a:solidFill>
+                <a:latin typeface="+mn-lt"/>
+                <a:ea typeface="+mn-ea"/>
+                <a:cs typeface="+mn-cs"/>
+              </a:rPr>
+              <a:t>expressions </a:t>
+            </a:r>
+            <a:r>
+              <a:rPr lang="en-US" sz="1200" b="1" i="0" u="none" strike="noStrike" kern="1200" baseline="0" dirty="0">
+                <a:solidFill>
+                  <a:schemeClr val="tx1"/>
+                </a:solidFill>
+                <a:latin typeface="+mn-lt"/>
+                <a:ea typeface="+mn-ea"/>
+                <a:cs typeface="+mn-cs"/>
+              </a:rPr>
+              <a:t>never “fall through” into the next case</a:t>
+            </a:r>
+            <a:r>
+              <a:rPr lang="en-US" sz="1200" b="0" i="0" u="none" strike="noStrike" kern="1200" baseline="0" dirty="0">
+                <a:solidFill>
+                  <a:schemeClr val="tx1"/>
+                </a:solidFill>
+                <a:latin typeface="+mn-lt"/>
+                <a:ea typeface="+mn-ea"/>
+                <a:cs typeface="+mn-cs"/>
+              </a:rPr>
+              <a:t>. </a:t>
+            </a:r>
             <a:endParaRPr lang="pl-PL" sz="1200" b="0" i="0" u="none" strike="noStrike" kern="1200" baseline="0" dirty="0">
               <a:solidFill>
                 <a:schemeClr val="tx1"/>
@@ -2048,23 +2807,32 @@
           </a:p>
           <a:p>
             <a:r>
-              <a:rPr lang="pl-PL" sz="1200" b="1" kern="1200" dirty="0" err="1">
-                <a:solidFill>
-                  <a:schemeClr val="tx1"/>
-                </a:solidFill>
-                <a:effectLst/>
+              <a:rPr lang="en-US" sz="1200" b="0" i="0" u="none" strike="noStrike" kern="1200" baseline="0" dirty="0">
+                <a:solidFill>
+                  <a:schemeClr val="tx1"/>
+                </a:solidFill>
                 <a:latin typeface="+mn-lt"/>
                 <a:ea typeface="+mn-ea"/>
                 <a:cs typeface="+mn-cs"/>
               </a:rPr>
-              <a:t>object</a:t>
-            </a:r>
-            <a:r>
-              <a:rPr lang="pl-PL" sz="1200" b="1" kern="1200" dirty="0">
-                <a:solidFill>
-                  <a:schemeClr val="tx1"/>
-                </a:solidFill>
-                <a:effectLst/>
+              <a:t>Third, </a:t>
+            </a:r>
+            <a:r>
+              <a:rPr lang="en-US" sz="1200" b="1" i="0" u="none" strike="noStrike" kern="1200" baseline="0" dirty="0">
+                <a:solidFill>
+                  <a:schemeClr val="tx1"/>
+                </a:solidFill>
+                <a:latin typeface="+mn-lt"/>
+                <a:ea typeface="+mn-ea"/>
+                <a:cs typeface="+mn-cs"/>
+              </a:rPr>
+              <a:t>if none of</a:t>
+            </a:r>
+            <a:r>
+              <a:rPr lang="pl-PL" sz="1200" b="1" i="0" u="none" strike="noStrike" kern="1200" baseline="0" dirty="0">
+                <a:solidFill>
+                  <a:schemeClr val="tx1"/>
+                </a:solidFill>
                 <a:latin typeface="+mn-lt"/>
                 <a:ea typeface="+mn-ea"/>
                 <a:cs typeface="+mn-cs"/>
@@ -2072,803 +2840,52 @@
               <a:t> </a:t>
             </a:r>
             <a:r>
-              <a:rPr lang="pl-PL" dirty="0" err="1"/>
-              <a:t>CaseClasses</a:t>
-            </a:r>
-            <a:r>
-              <a:rPr lang="pl-PL" dirty="0"/>
-              <a:t> </a:t>
-            </a:r>
-            <a:r>
-              <a:rPr lang="pl-PL" sz="1200" b="1" kern="1200" dirty="0" err="1">
-                <a:solidFill>
-                  <a:schemeClr val="tx1"/>
-                </a:solidFill>
-                <a:effectLst/>
+              <a:rPr lang="en-US" sz="1200" b="1" i="0" u="none" strike="noStrike" kern="1200" baseline="0" dirty="0">
+                <a:solidFill>
+                  <a:schemeClr val="tx1"/>
+                </a:solidFill>
                 <a:latin typeface="+mn-lt"/>
                 <a:ea typeface="+mn-ea"/>
                 <a:cs typeface="+mn-cs"/>
               </a:rPr>
-              <a:t>extends</a:t>
-            </a:r>
-            <a:r>
-              <a:rPr lang="pl-PL" sz="1200" b="1" kern="1200" dirty="0">
-                <a:solidFill>
-                  <a:schemeClr val="tx1"/>
-                </a:solidFill>
-                <a:effectLst/>
+              <a:t>the patterns match, an exception named </a:t>
+            </a:r>
+            <a:r>
+              <a:rPr lang="en-US" sz="1200" b="1" i="0" u="none" strike="noStrike" kern="1200" baseline="0" dirty="0" err="1">
+                <a:solidFill>
+                  <a:schemeClr val="tx1"/>
+                </a:solidFill>
                 <a:latin typeface="+mn-lt"/>
                 <a:ea typeface="+mn-ea"/>
                 <a:cs typeface="+mn-cs"/>
               </a:rPr>
-              <a:t> </a:t>
-            </a:r>
-            <a:r>
-              <a:rPr lang="pl-PL" dirty="0" err="1"/>
-              <a:t>App</a:t>
-            </a:r>
-            <a:r>
-              <a:rPr lang="pl-PL" dirty="0"/>
-              <a:t> {</a:t>
-            </a:r>
-            <a:br>
-              <a:rPr lang="pl-PL" dirty="0"/>
-            </a:br>
-            <a:br>
-              <a:rPr lang="pl-PL" dirty="0"/>
-            </a:br>
-            <a:r>
-              <a:rPr lang="pl-PL" dirty="0"/>
-              <a:t>  </a:t>
-            </a:r>
-            <a:r>
-              <a:rPr lang="pl-PL" sz="1200" b="1" kern="1200" dirty="0" err="1">
-                <a:solidFill>
-                  <a:schemeClr val="tx1"/>
-                </a:solidFill>
-                <a:effectLst/>
+              <a:t>MatchError</a:t>
+            </a:r>
+            <a:r>
+              <a:rPr lang="en-US" sz="1200" b="1" i="0" u="none" strike="noStrike" kern="1200" baseline="0" dirty="0">
+                <a:solidFill>
+                  <a:schemeClr val="tx1"/>
+                </a:solidFill>
                 <a:latin typeface="+mn-lt"/>
                 <a:ea typeface="+mn-ea"/>
                 <a:cs typeface="+mn-cs"/>
               </a:rPr>
-              <a:t>case</a:t>
-            </a:r>
-            <a:r>
-              <a:rPr lang="pl-PL" sz="1200" b="1" kern="1200" dirty="0">
-                <a:solidFill>
-                  <a:schemeClr val="tx1"/>
-                </a:solidFill>
-                <a:effectLst/>
+              <a:t> is thrown</a:t>
+            </a:r>
+            <a:r>
+              <a:rPr lang="en-US" sz="1200" b="0" i="0" u="none" strike="noStrike" kern="1200" baseline="0" dirty="0">
+                <a:solidFill>
+                  <a:schemeClr val="tx1"/>
+                </a:solidFill>
                 <a:latin typeface="+mn-lt"/>
                 <a:ea typeface="+mn-ea"/>
                 <a:cs typeface="+mn-cs"/>
               </a:rPr>
-              <a:t> </a:t>
-            </a:r>
-            <a:r>
-              <a:rPr lang="pl-PL" sz="1200" b="1" kern="1200" dirty="0" err="1">
-                <a:solidFill>
-                  <a:schemeClr val="tx1"/>
-                </a:solidFill>
-                <a:effectLst/>
-                <a:latin typeface="+mn-lt"/>
-                <a:ea typeface="+mn-ea"/>
-                <a:cs typeface="+mn-cs"/>
-              </a:rPr>
-              <a:t>class</a:t>
-            </a:r>
-            <a:r>
-              <a:rPr lang="pl-PL" sz="1200" b="1" kern="1200" dirty="0">
-                <a:solidFill>
-                  <a:schemeClr val="tx1"/>
-                </a:solidFill>
-                <a:effectLst/>
-                <a:latin typeface="+mn-lt"/>
-                <a:ea typeface="+mn-ea"/>
-                <a:cs typeface="+mn-cs"/>
-              </a:rPr>
-              <a:t> </a:t>
-            </a:r>
-            <a:r>
-              <a:rPr lang="pl-PL" dirty="0" err="1"/>
-              <a:t>Character</a:t>
-            </a:r>
-            <a:r>
-              <a:rPr lang="pl-PL" dirty="0"/>
-              <a:t>(</a:t>
-            </a:r>
-            <a:r>
-              <a:rPr lang="pl-PL" dirty="0" err="1"/>
-              <a:t>PrimaryName</a:t>
-            </a:r>
-            <a:r>
-              <a:rPr lang="pl-PL" dirty="0"/>
-              <a:t>: </a:t>
-            </a:r>
-            <a:r>
-              <a:rPr lang="pl-PL" sz="1200" kern="1200" dirty="0">
-                <a:solidFill>
-                  <a:schemeClr val="tx1"/>
-                </a:solidFill>
-                <a:effectLst/>
-                <a:latin typeface="+mn-lt"/>
-                <a:ea typeface="+mn-ea"/>
-                <a:cs typeface="+mn-cs"/>
-              </a:rPr>
-              <a:t>String, </a:t>
-            </a:r>
-            <a:r>
-              <a:rPr lang="pl-PL" dirty="0" err="1"/>
-              <a:t>isbThief</a:t>
-            </a:r>
-            <a:r>
-              <a:rPr lang="pl-PL" dirty="0"/>
-              <a:t>: </a:t>
-            </a:r>
-            <a:r>
-              <a:rPr lang="pl-PL" sz="1200" kern="1200" dirty="0" err="1">
-                <a:solidFill>
-                  <a:schemeClr val="tx1"/>
-                </a:solidFill>
-                <a:effectLst/>
-                <a:latin typeface="+mn-lt"/>
-                <a:ea typeface="+mn-ea"/>
-                <a:cs typeface="+mn-cs"/>
-              </a:rPr>
-              <a:t>Boolean</a:t>
-            </a:r>
-            <a:r>
-              <a:rPr lang="pl-PL" dirty="0"/>
-              <a:t>) {</a:t>
-            </a:r>
-            <a:br>
-              <a:rPr lang="pl-PL" dirty="0"/>
-            </a:br>
-            <a:r>
-              <a:rPr lang="pl-PL" dirty="0"/>
-              <a:t>  }</a:t>
-            </a:r>
-            <a:br>
-              <a:rPr lang="pl-PL" dirty="0"/>
-            </a:br>
-            <a:br>
-              <a:rPr lang="pl-PL" dirty="0"/>
-            </a:br>
-            <a:r>
-              <a:rPr lang="pl-PL" dirty="0"/>
-              <a:t>  </a:t>
-            </a:r>
-            <a:r>
-              <a:rPr lang="pl-PL" sz="1200" b="1" kern="1200" dirty="0" err="1">
-                <a:solidFill>
-                  <a:schemeClr val="tx1"/>
-                </a:solidFill>
-                <a:effectLst/>
-                <a:latin typeface="+mn-lt"/>
-                <a:ea typeface="+mn-ea"/>
-                <a:cs typeface="+mn-cs"/>
-              </a:rPr>
-              <a:t>val</a:t>
-            </a:r>
-            <a:r>
-              <a:rPr lang="pl-PL" sz="1200" b="1" kern="1200" dirty="0">
-                <a:solidFill>
-                  <a:schemeClr val="tx1"/>
-                </a:solidFill>
-                <a:effectLst/>
-                <a:latin typeface="+mn-lt"/>
-                <a:ea typeface="+mn-ea"/>
-                <a:cs typeface="+mn-cs"/>
-              </a:rPr>
-              <a:t> </a:t>
-            </a:r>
-            <a:r>
-              <a:rPr lang="pl-PL" sz="1200" i="1" kern="1200" dirty="0">
-                <a:solidFill>
-                  <a:schemeClr val="tx1"/>
-                </a:solidFill>
-                <a:effectLst/>
-                <a:latin typeface="+mn-lt"/>
-                <a:ea typeface="+mn-ea"/>
-                <a:cs typeface="+mn-cs"/>
-              </a:rPr>
-              <a:t>h </a:t>
-            </a:r>
-            <a:r>
-              <a:rPr lang="pl-PL" dirty="0"/>
-              <a:t>= </a:t>
-            </a:r>
-            <a:r>
-              <a:rPr lang="pl-PL" i="1" dirty="0" err="1">
-                <a:effectLst/>
-              </a:rPr>
-              <a:t>Character</a:t>
-            </a:r>
-            <a:r>
-              <a:rPr lang="pl-PL" dirty="0"/>
-              <a:t>(</a:t>
-            </a:r>
-            <a:r>
-              <a:rPr lang="pl-PL" sz="1200" kern="1200" dirty="0">
-                <a:solidFill>
-                  <a:schemeClr val="tx1"/>
-                </a:solidFill>
-                <a:effectLst/>
-                <a:latin typeface="+mn-lt"/>
-                <a:ea typeface="+mn-ea"/>
-                <a:cs typeface="+mn-cs"/>
-              </a:rPr>
-              <a:t>"</a:t>
-            </a:r>
-            <a:r>
-              <a:rPr lang="pl-PL" sz="1200" kern="1200" dirty="0" err="1">
-                <a:solidFill>
-                  <a:schemeClr val="tx1"/>
-                </a:solidFill>
-                <a:effectLst/>
-                <a:latin typeface="+mn-lt"/>
-                <a:ea typeface="+mn-ea"/>
-                <a:cs typeface="+mn-cs"/>
-              </a:rPr>
-              <a:t>Frodo</a:t>
-            </a:r>
-            <a:r>
-              <a:rPr lang="pl-PL" sz="1200" kern="1200" dirty="0">
-                <a:solidFill>
-                  <a:schemeClr val="tx1"/>
-                </a:solidFill>
-                <a:effectLst/>
-                <a:latin typeface="+mn-lt"/>
-                <a:ea typeface="+mn-ea"/>
-                <a:cs typeface="+mn-cs"/>
-              </a:rPr>
-              <a:t> </a:t>
-            </a:r>
-            <a:r>
-              <a:rPr lang="pl-PL" sz="1200" kern="1200" dirty="0" err="1">
-                <a:solidFill>
-                  <a:schemeClr val="tx1"/>
-                </a:solidFill>
-                <a:effectLst/>
-                <a:latin typeface="+mn-lt"/>
-                <a:ea typeface="+mn-ea"/>
-                <a:cs typeface="+mn-cs"/>
-              </a:rPr>
-              <a:t>Baggins</a:t>
-            </a:r>
-            <a:r>
-              <a:rPr lang="pl-PL" sz="1200" kern="1200" dirty="0">
-                <a:solidFill>
-                  <a:schemeClr val="tx1"/>
-                </a:solidFill>
-                <a:effectLst/>
-                <a:latin typeface="+mn-lt"/>
-                <a:ea typeface="+mn-ea"/>
-                <a:cs typeface="+mn-cs"/>
-              </a:rPr>
-              <a:t>", </a:t>
-            </a:r>
-            <a:r>
-              <a:rPr lang="pl-PL" sz="1200" b="1" kern="1200" dirty="0" err="1">
-                <a:solidFill>
-                  <a:schemeClr val="tx1"/>
-                </a:solidFill>
-                <a:effectLst/>
-                <a:latin typeface="+mn-lt"/>
-                <a:ea typeface="+mn-ea"/>
-                <a:cs typeface="+mn-cs"/>
-              </a:rPr>
-              <a:t>false</a:t>
-            </a:r>
-            <a:r>
-              <a:rPr lang="pl-PL" dirty="0"/>
-              <a:t>)</a:t>
-            </a:r>
-            <a:br>
-              <a:rPr lang="pl-PL" dirty="0"/>
-            </a:br>
-            <a:br>
-              <a:rPr lang="pl-PL" dirty="0"/>
-            </a:br>
-            <a:r>
-              <a:rPr lang="pl-PL" dirty="0"/>
-              <a:t>  </a:t>
-            </a:r>
-            <a:r>
-              <a:rPr lang="pl-PL" sz="1200" b="1" kern="1200" dirty="0" err="1">
-                <a:solidFill>
-                  <a:schemeClr val="tx1"/>
-                </a:solidFill>
-                <a:effectLst/>
-                <a:latin typeface="+mn-lt"/>
-                <a:ea typeface="+mn-ea"/>
-                <a:cs typeface="+mn-cs"/>
-              </a:rPr>
-              <a:t>val</a:t>
-            </a:r>
-            <a:r>
-              <a:rPr lang="pl-PL" sz="1200" b="1" kern="1200" dirty="0">
-                <a:solidFill>
-                  <a:schemeClr val="tx1"/>
-                </a:solidFill>
-                <a:effectLst/>
-                <a:latin typeface="+mn-lt"/>
-                <a:ea typeface="+mn-ea"/>
-                <a:cs typeface="+mn-cs"/>
-              </a:rPr>
-              <a:t> </a:t>
-            </a:r>
-            <a:r>
-              <a:rPr lang="pl-PL" sz="1200" i="1" kern="1200" dirty="0" err="1">
-                <a:solidFill>
-                  <a:schemeClr val="tx1"/>
-                </a:solidFill>
-                <a:effectLst/>
-                <a:latin typeface="+mn-lt"/>
-                <a:ea typeface="+mn-ea"/>
-                <a:cs typeface="+mn-cs"/>
-              </a:rPr>
-              <a:t>resp</a:t>
-            </a:r>
-            <a:r>
-              <a:rPr lang="pl-PL" sz="1200" i="1" kern="1200" dirty="0">
-                <a:solidFill>
-                  <a:schemeClr val="tx1"/>
-                </a:solidFill>
-                <a:effectLst/>
-                <a:latin typeface="+mn-lt"/>
-                <a:ea typeface="+mn-ea"/>
-                <a:cs typeface="+mn-cs"/>
-              </a:rPr>
-              <a:t> </a:t>
-            </a:r>
-            <a:r>
-              <a:rPr lang="pl-PL" dirty="0"/>
-              <a:t>= </a:t>
-            </a:r>
-            <a:r>
-              <a:rPr lang="pl-PL" sz="1200" i="1" kern="1200" dirty="0">
-                <a:solidFill>
-                  <a:schemeClr val="tx1"/>
-                </a:solidFill>
-                <a:effectLst/>
-                <a:latin typeface="+mn-lt"/>
-                <a:ea typeface="+mn-ea"/>
-                <a:cs typeface="+mn-cs"/>
-              </a:rPr>
-              <a:t>h </a:t>
-            </a:r>
-            <a:r>
-              <a:rPr lang="pl-PL" sz="1200" b="1" kern="1200" dirty="0" err="1">
-                <a:solidFill>
-                  <a:schemeClr val="tx1"/>
-                </a:solidFill>
-                <a:effectLst/>
-                <a:latin typeface="+mn-lt"/>
-                <a:ea typeface="+mn-ea"/>
-                <a:cs typeface="+mn-cs"/>
-              </a:rPr>
-              <a:t>match</a:t>
-            </a:r>
-            <a:r>
-              <a:rPr lang="pl-PL" sz="1200" b="1" kern="1200" dirty="0">
-                <a:solidFill>
-                  <a:schemeClr val="tx1"/>
-                </a:solidFill>
-                <a:effectLst/>
-                <a:latin typeface="+mn-lt"/>
-                <a:ea typeface="+mn-ea"/>
-                <a:cs typeface="+mn-cs"/>
-              </a:rPr>
-              <a:t> </a:t>
-            </a:r>
-            <a:r>
-              <a:rPr lang="pl-PL" dirty="0"/>
-              <a:t>{</a:t>
-            </a:r>
-            <a:br>
-              <a:rPr lang="pl-PL" dirty="0"/>
-            </a:br>
-            <a:r>
-              <a:rPr lang="pl-PL" dirty="0"/>
-              <a:t>    </a:t>
-            </a:r>
-            <a:r>
-              <a:rPr lang="pl-PL" sz="1200" b="1" kern="1200" dirty="0" err="1">
-                <a:solidFill>
-                  <a:schemeClr val="tx1"/>
-                </a:solidFill>
-                <a:effectLst/>
-                <a:latin typeface="+mn-lt"/>
-                <a:ea typeface="+mn-ea"/>
-                <a:cs typeface="+mn-cs"/>
-              </a:rPr>
-              <a:t>case</a:t>
-            </a:r>
-            <a:r>
-              <a:rPr lang="pl-PL" sz="1200" b="1" kern="1200" dirty="0">
-                <a:solidFill>
-                  <a:schemeClr val="tx1"/>
-                </a:solidFill>
-                <a:effectLst/>
-                <a:latin typeface="+mn-lt"/>
-                <a:ea typeface="+mn-ea"/>
-                <a:cs typeface="+mn-cs"/>
-              </a:rPr>
-              <a:t> </a:t>
-            </a:r>
-            <a:r>
-              <a:rPr lang="pl-PL" i="1" dirty="0" err="1">
-                <a:effectLst/>
-              </a:rPr>
-              <a:t>Character</a:t>
-            </a:r>
-            <a:r>
-              <a:rPr lang="pl-PL" dirty="0"/>
-              <a:t>(x</a:t>
-            </a:r>
-            <a:r>
-              <a:rPr lang="pl-PL" sz="1200" kern="1200" dirty="0">
-                <a:solidFill>
-                  <a:schemeClr val="tx1"/>
-                </a:solidFill>
-                <a:effectLst/>
-                <a:latin typeface="+mn-lt"/>
-                <a:ea typeface="+mn-ea"/>
-                <a:cs typeface="+mn-cs"/>
-              </a:rPr>
-              <a:t>, </a:t>
-            </a:r>
-            <a:r>
-              <a:rPr lang="pl-PL" sz="1200" b="1" kern="1200" dirty="0" err="1">
-                <a:solidFill>
-                  <a:schemeClr val="tx1"/>
-                </a:solidFill>
-                <a:effectLst/>
-                <a:latin typeface="+mn-lt"/>
-                <a:ea typeface="+mn-ea"/>
-                <a:cs typeface="+mn-cs"/>
-              </a:rPr>
-              <a:t>true</a:t>
-            </a:r>
-            <a:r>
-              <a:rPr lang="pl-PL" dirty="0"/>
-              <a:t>) =&gt; </a:t>
-            </a:r>
-            <a:r>
-              <a:rPr lang="pl-PL" sz="1200" kern="1200" dirty="0" err="1">
-                <a:solidFill>
-                  <a:schemeClr val="tx1"/>
-                </a:solidFill>
-                <a:effectLst/>
-                <a:latin typeface="+mn-lt"/>
-                <a:ea typeface="+mn-ea"/>
-                <a:cs typeface="+mn-cs"/>
-              </a:rPr>
-              <a:t>s"</a:t>
-            </a:r>
-            <a:r>
-              <a:rPr lang="pl-PL" sz="1200" b="1" kern="1200" dirty="0" err="1">
-                <a:solidFill>
-                  <a:schemeClr val="tx1"/>
-                </a:solidFill>
-                <a:effectLst/>
-                <a:latin typeface="+mn-lt"/>
-                <a:ea typeface="+mn-ea"/>
-                <a:cs typeface="+mn-cs"/>
-              </a:rPr>
-              <a:t>$</a:t>
-            </a:r>
-            <a:r>
-              <a:rPr lang="pl-PL" dirty="0" err="1"/>
-              <a:t>x</a:t>
-            </a:r>
-            <a:r>
-              <a:rPr lang="pl-PL" sz="1200" kern="1200" dirty="0">
-                <a:solidFill>
-                  <a:schemeClr val="tx1"/>
-                </a:solidFill>
-                <a:effectLst/>
-                <a:latin typeface="+mn-lt"/>
-                <a:ea typeface="+mn-ea"/>
-                <a:cs typeface="+mn-cs"/>
-              </a:rPr>
-              <a:t> </a:t>
-            </a:r>
-            <a:r>
-              <a:rPr lang="pl-PL" sz="1200" kern="1200" dirty="0" err="1">
-                <a:solidFill>
-                  <a:schemeClr val="tx1"/>
-                </a:solidFill>
-                <a:effectLst/>
-                <a:latin typeface="+mn-lt"/>
-                <a:ea typeface="+mn-ea"/>
-                <a:cs typeface="+mn-cs"/>
-              </a:rPr>
-              <a:t>is</a:t>
-            </a:r>
-            <a:r>
-              <a:rPr lang="pl-PL" sz="1200" kern="1200" dirty="0">
-                <a:solidFill>
-                  <a:schemeClr val="tx1"/>
-                </a:solidFill>
-                <a:effectLst/>
-                <a:latin typeface="+mn-lt"/>
-                <a:ea typeface="+mn-ea"/>
-                <a:cs typeface="+mn-cs"/>
-              </a:rPr>
-              <a:t> a </a:t>
-            </a:r>
-            <a:r>
-              <a:rPr lang="pl-PL" sz="1200" kern="1200" dirty="0" err="1">
-                <a:solidFill>
-                  <a:schemeClr val="tx1"/>
-                </a:solidFill>
-                <a:effectLst/>
-                <a:latin typeface="+mn-lt"/>
-                <a:ea typeface="+mn-ea"/>
-                <a:cs typeface="+mn-cs"/>
-              </a:rPr>
-              <a:t>thief</a:t>
-            </a:r>
-            <a:r>
-              <a:rPr lang="pl-PL" sz="1200" kern="1200" dirty="0">
-                <a:solidFill>
-                  <a:schemeClr val="tx1"/>
-                </a:solidFill>
-                <a:effectLst/>
-                <a:latin typeface="+mn-lt"/>
-                <a:ea typeface="+mn-ea"/>
-                <a:cs typeface="+mn-cs"/>
-              </a:rPr>
-              <a:t>"</a:t>
-            </a:r>
-            <a:br>
-              <a:rPr lang="pl-PL" sz="1200" kern="1200" dirty="0">
-                <a:solidFill>
-                  <a:schemeClr val="tx1"/>
-                </a:solidFill>
-                <a:effectLst/>
-                <a:latin typeface="+mn-lt"/>
-                <a:ea typeface="+mn-ea"/>
-                <a:cs typeface="+mn-cs"/>
-              </a:rPr>
-            </a:br>
-            <a:r>
-              <a:rPr lang="pl-PL" sz="1200" kern="1200" dirty="0">
-                <a:solidFill>
-                  <a:schemeClr val="tx1"/>
-                </a:solidFill>
-                <a:effectLst/>
-                <a:latin typeface="+mn-lt"/>
-                <a:ea typeface="+mn-ea"/>
-                <a:cs typeface="+mn-cs"/>
-              </a:rPr>
-              <a:t>    </a:t>
-            </a:r>
-            <a:r>
-              <a:rPr lang="pl-PL" sz="1200" b="1" kern="1200" dirty="0" err="1">
-                <a:solidFill>
-                  <a:schemeClr val="tx1"/>
-                </a:solidFill>
-                <a:effectLst/>
-                <a:latin typeface="+mn-lt"/>
-                <a:ea typeface="+mn-ea"/>
-                <a:cs typeface="+mn-cs"/>
-              </a:rPr>
-              <a:t>case</a:t>
-            </a:r>
-            <a:r>
-              <a:rPr lang="pl-PL" sz="1200" b="1" kern="1200" dirty="0">
-                <a:solidFill>
-                  <a:schemeClr val="tx1"/>
-                </a:solidFill>
-                <a:effectLst/>
-                <a:latin typeface="+mn-lt"/>
-                <a:ea typeface="+mn-ea"/>
-                <a:cs typeface="+mn-cs"/>
-              </a:rPr>
-              <a:t> </a:t>
-            </a:r>
-            <a:r>
-              <a:rPr lang="pl-PL" i="1" dirty="0" err="1">
-                <a:effectLst/>
-              </a:rPr>
-              <a:t>Character</a:t>
-            </a:r>
-            <a:r>
-              <a:rPr lang="pl-PL" dirty="0"/>
-              <a:t>(x</a:t>
-            </a:r>
-            <a:r>
-              <a:rPr lang="pl-PL" sz="1200" kern="1200" dirty="0">
-                <a:solidFill>
-                  <a:schemeClr val="tx1"/>
-                </a:solidFill>
-                <a:effectLst/>
-                <a:latin typeface="+mn-lt"/>
-                <a:ea typeface="+mn-ea"/>
-                <a:cs typeface="+mn-cs"/>
-              </a:rPr>
-              <a:t>, </a:t>
-            </a:r>
-            <a:r>
-              <a:rPr lang="pl-PL" sz="1200" b="1" kern="1200" dirty="0" err="1">
-                <a:solidFill>
-                  <a:schemeClr val="tx1"/>
-                </a:solidFill>
-                <a:effectLst/>
-                <a:latin typeface="+mn-lt"/>
-                <a:ea typeface="+mn-ea"/>
-                <a:cs typeface="+mn-cs"/>
-              </a:rPr>
-              <a:t>false</a:t>
-            </a:r>
-            <a:r>
-              <a:rPr lang="pl-PL" dirty="0"/>
-              <a:t>) =&gt; </a:t>
-            </a:r>
-            <a:r>
-              <a:rPr lang="pl-PL" sz="1200" kern="1200" dirty="0" err="1">
-                <a:solidFill>
-                  <a:schemeClr val="tx1"/>
-                </a:solidFill>
-                <a:effectLst/>
-                <a:latin typeface="+mn-lt"/>
-                <a:ea typeface="+mn-ea"/>
-                <a:cs typeface="+mn-cs"/>
-              </a:rPr>
-              <a:t>s"</a:t>
-            </a:r>
-            <a:r>
-              <a:rPr lang="pl-PL" sz="1200" b="1" kern="1200" dirty="0" err="1">
-                <a:solidFill>
-                  <a:schemeClr val="tx1"/>
-                </a:solidFill>
-                <a:effectLst/>
-                <a:latin typeface="+mn-lt"/>
-                <a:ea typeface="+mn-ea"/>
-                <a:cs typeface="+mn-cs"/>
-              </a:rPr>
-              <a:t>$</a:t>
-            </a:r>
-            <a:r>
-              <a:rPr lang="pl-PL" dirty="0" err="1"/>
-              <a:t>x</a:t>
-            </a:r>
-            <a:r>
-              <a:rPr lang="pl-PL" sz="1200" kern="1200" dirty="0">
-                <a:solidFill>
-                  <a:schemeClr val="tx1"/>
-                </a:solidFill>
-                <a:effectLst/>
-                <a:latin typeface="+mn-lt"/>
-                <a:ea typeface="+mn-ea"/>
-                <a:cs typeface="+mn-cs"/>
-              </a:rPr>
-              <a:t> </a:t>
-            </a:r>
-            <a:r>
-              <a:rPr lang="pl-PL" sz="1200" kern="1200" dirty="0" err="1">
-                <a:solidFill>
-                  <a:schemeClr val="tx1"/>
-                </a:solidFill>
-                <a:effectLst/>
-                <a:latin typeface="+mn-lt"/>
-                <a:ea typeface="+mn-ea"/>
-                <a:cs typeface="+mn-cs"/>
-              </a:rPr>
-              <a:t>is</a:t>
-            </a:r>
-            <a:r>
-              <a:rPr lang="pl-PL" sz="1200" kern="1200" dirty="0">
-                <a:solidFill>
-                  <a:schemeClr val="tx1"/>
-                </a:solidFill>
-                <a:effectLst/>
-                <a:latin typeface="+mn-lt"/>
-                <a:ea typeface="+mn-ea"/>
-                <a:cs typeface="+mn-cs"/>
-              </a:rPr>
-              <a:t> not a </a:t>
-            </a:r>
-            <a:r>
-              <a:rPr lang="pl-PL" sz="1200" kern="1200" dirty="0" err="1">
-                <a:solidFill>
-                  <a:schemeClr val="tx1"/>
-                </a:solidFill>
-                <a:effectLst/>
-                <a:latin typeface="+mn-lt"/>
-                <a:ea typeface="+mn-ea"/>
-                <a:cs typeface="+mn-cs"/>
-              </a:rPr>
-              <a:t>thief</a:t>
-            </a:r>
-            <a:r>
-              <a:rPr lang="pl-PL" sz="1200" kern="1200" dirty="0">
-                <a:solidFill>
-                  <a:schemeClr val="tx1"/>
-                </a:solidFill>
-                <a:effectLst/>
-                <a:latin typeface="+mn-lt"/>
-                <a:ea typeface="+mn-ea"/>
-                <a:cs typeface="+mn-cs"/>
-              </a:rPr>
-              <a:t>"</a:t>
-            </a:r>
-            <a:br>
-              <a:rPr lang="pl-PL" sz="1200" kern="1200" dirty="0">
-                <a:solidFill>
-                  <a:schemeClr val="tx1"/>
-                </a:solidFill>
-                <a:effectLst/>
-                <a:latin typeface="+mn-lt"/>
-                <a:ea typeface="+mn-ea"/>
-                <a:cs typeface="+mn-cs"/>
-              </a:rPr>
-            </a:br>
-            <a:r>
-              <a:rPr lang="pl-PL" sz="1200" kern="1200" dirty="0">
-                <a:solidFill>
-                  <a:schemeClr val="tx1"/>
-                </a:solidFill>
-                <a:effectLst/>
-                <a:latin typeface="+mn-lt"/>
-                <a:ea typeface="+mn-ea"/>
-                <a:cs typeface="+mn-cs"/>
-              </a:rPr>
-              <a:t>  </a:t>
-            </a:r>
-            <a:r>
-              <a:rPr lang="pl-PL" dirty="0"/>
-              <a:t>}</a:t>
-            </a:r>
-            <a:br>
-              <a:rPr lang="pl-PL" dirty="0"/>
-            </a:br>
-            <a:br>
-              <a:rPr lang="pl-PL" dirty="0"/>
-            </a:br>
-            <a:r>
-              <a:rPr lang="pl-PL" dirty="0"/>
-              <a:t>  </a:t>
-            </a:r>
-            <a:r>
-              <a:rPr lang="pl-PL" i="1" dirty="0" err="1">
-                <a:effectLst/>
-              </a:rPr>
-              <a:t>println</a:t>
-            </a:r>
-            <a:r>
-              <a:rPr lang="pl-PL" dirty="0"/>
-              <a:t>(</a:t>
-            </a:r>
-            <a:r>
-              <a:rPr lang="pl-PL" sz="1200" i="1" kern="1200" dirty="0" err="1">
-                <a:solidFill>
-                  <a:schemeClr val="tx1"/>
-                </a:solidFill>
-                <a:effectLst/>
-                <a:latin typeface="+mn-lt"/>
-                <a:ea typeface="+mn-ea"/>
-                <a:cs typeface="+mn-cs"/>
-              </a:rPr>
-              <a:t>resp</a:t>
-            </a:r>
-            <a:r>
-              <a:rPr lang="pl-PL" dirty="0"/>
-              <a:t>)</a:t>
-            </a:r>
-            <a:br>
-              <a:rPr lang="pl-PL" dirty="0"/>
-            </a:br>
-            <a:r>
-              <a:rPr lang="pl-PL" dirty="0"/>
-              <a:t>}</a:t>
-            </a:r>
-            <a:br>
-              <a:rPr lang="pl-PL" dirty="0"/>
-            </a:br>
+              <a:t>.</a:t>
+            </a:r>
+            <a:endParaRPr lang="en-GB" sz="1200" b="1" dirty="0"/>
+          </a:p>
+          <a:p>
             <a:endParaRPr lang="pl-PL" dirty="0"/>
           </a:p>
         </p:txBody>
@@ -2876,7 +2893,7 @@
     </p:spTree>
     <p:extLst>
       <p:ext uri="{BB962C8B-B14F-4D97-AF65-F5344CB8AC3E}">
-        <p14:creationId xmlns:p14="http://schemas.microsoft.com/office/powerpoint/2010/main" val="3267287691"/>
+        <p14:creationId xmlns:p14="http://schemas.microsoft.com/office/powerpoint/2010/main" val="3272114557"/>
       </p:ext>
     </p:extLst>
   </p:cSld>
@@ -2960,37 +2977,13 @@
             </a:r>
             <a:r>
               <a:rPr lang="pl-PL" dirty="0"/>
-              <a:t> wszechobecne, nie są tylko deklarowane i wykonywane ale mogą być </a:t>
-            </a:r>
-            <a:r>
-              <a:rPr lang="pl-PL" dirty="0" err="1"/>
-              <a:t>uzyte</a:t>
-            </a:r>
-            <a:r>
-              <a:rPr lang="pl-PL" dirty="0"/>
-              <a:t> jako po </a:t>
-            </a:r>
-            <a:r>
-              <a:rPr lang="pl-PL" dirty="0" err="1"/>
-              <a:t>prstu</a:t>
-            </a:r>
-            <a:r>
-              <a:rPr lang="pl-PL" dirty="0"/>
-              <a:t> typ danych.</a:t>
-            </a:r>
-          </a:p>
-          <a:p>
-            <a:r>
-              <a:rPr lang="pl-PL" dirty="0"/>
-              <a:t>Mogą wiec być </a:t>
-            </a:r>
-            <a:r>
-              <a:rPr lang="pl-PL" dirty="0" err="1"/>
-              <a:t>zdefinowane</a:t>
-            </a:r>
-            <a:r>
-              <a:rPr lang="pl-PL" dirty="0"/>
-              <a:t> jako literał, jako literał bez nazwy (czyli to co znamy z </a:t>
+              <a:t> wszechobecne, nie są tylko deklarowane i wykonywane ale mogą być użyte jako po prostu typ danych.</a:t>
+            </a:r>
+          </a:p>
+          <a:p>
+            <a:r>
+              <a:rPr lang="pl-PL" dirty="0"/>
+              <a:t>Mogą wiec być zdefiniowane jako literał, jako literał bez nazwy (czyli to co znamy z </a:t>
             </a:r>
             <a:r>
               <a:rPr lang="pl-PL" dirty="0" err="1"/>
@@ -2998,7 +2991,7 @@
             </a:r>
             <a:r>
               <a:rPr lang="pl-PL" dirty="0"/>
-              <a:t> </a:t>
+              <a:t>/</a:t>
             </a:r>
             <a:r>
               <a:rPr lang="pl-PL" dirty="0" err="1"/>
@@ -3006,15 +2999,7 @@
             </a:r>
             <a:r>
               <a:rPr lang="pl-PL" dirty="0"/>
-              <a:t> jako </a:t>
-            </a:r>
-            <a:r>
-              <a:rPr lang="pl-PL" dirty="0" err="1"/>
-              <a:t>lampda</a:t>
-            </a:r>
-            <a:r>
-              <a:rPr lang="pl-PL" dirty="0"/>
-              <a:t>, bądź anonimowa funkcja), mogą być zapisane jako </a:t>
+              <a:t> jako lambda, bądź anonimowa funkcja), mogą być zapisane jako </a:t>
             </a:r>
             <a:r>
               <a:rPr lang="pl-PL" dirty="0" err="1"/>
@@ -3030,23 +3015,7 @@
             </a:r>
             <a:r>
               <a:rPr lang="pl-PL" dirty="0"/>
-              <a:t> oraz </a:t>
-            </a:r>
-            <a:r>
-              <a:rPr lang="pl-PL" dirty="0" err="1"/>
-              <a:t>uzyte</a:t>
-            </a:r>
-            <a:r>
-              <a:rPr lang="pl-PL" dirty="0"/>
-              <a:t> jako </a:t>
-            </a:r>
-            <a:r>
-              <a:rPr lang="pl-PL" dirty="0" err="1"/>
-              <a:t>paramter</a:t>
-            </a:r>
-            <a:r>
-              <a:rPr lang="pl-PL" dirty="0"/>
-              <a:t> do innej funkcji bądź nawet zwrócone z innej funkcji.</a:t>
+              <a:t> oraz użyte jako parametr do innej funkcji bądź nawet zwrócone z innej funkcji.</a:t>
             </a:r>
           </a:p>
           <a:p>
@@ -3691,6 +3660,421 @@
           <a:bodyPr/>
           <a:lstStyle/>
           <a:p>
+            <a:pPr marL="0" indent="0">
+              <a:buFont typeface="Arial" panose="020B0604020202020204" pitchFamily="34" charset="0"/>
+              <a:buNone/>
+            </a:pPr>
+            <a:r>
+              <a:rPr lang="pl-PL" dirty="0"/>
+              <a:t>Powyższy schemat pokazuje wszystkie dostępne kolekcje w pakiecie </a:t>
+            </a:r>
+            <a:r>
+              <a:rPr lang="pl-PL" dirty="0" err="1"/>
+              <a:t>scala.collection</a:t>
+            </a:r>
+            <a:r>
+              <a:rPr lang="pl-PL" dirty="0"/>
+              <a:t>. Są to zazwyczaj </a:t>
+            </a:r>
+            <a:r>
+              <a:rPr lang="pl-PL" dirty="0" err="1"/>
+              <a:t>traity</a:t>
+            </a:r>
+            <a:r>
+              <a:rPr lang="pl-PL" dirty="0"/>
+              <a:t> arbo </a:t>
+            </a:r>
+            <a:r>
+              <a:rPr lang="pl-PL" dirty="0" err="1"/>
+              <a:t>higl-level</a:t>
+            </a:r>
+            <a:r>
+              <a:rPr lang="pl-PL" dirty="0"/>
+              <a:t> </a:t>
+            </a:r>
+            <a:r>
+              <a:rPr lang="pl-PL" dirty="0" err="1"/>
+              <a:t>abtrakcyjne</a:t>
+            </a:r>
+            <a:r>
+              <a:rPr lang="pl-PL" dirty="0"/>
+              <a:t> klasy., które posiadają zarówno </a:t>
+            </a:r>
+            <a:r>
+              <a:rPr lang="pl-PL" dirty="0" err="1"/>
+              <a:t>niemutowalną</a:t>
+            </a:r>
+            <a:r>
+              <a:rPr lang="pl-PL" dirty="0"/>
+              <a:t> jak i </a:t>
+            </a:r>
+            <a:r>
+              <a:rPr lang="pl-PL" dirty="0" err="1"/>
+              <a:t>mutowalną</a:t>
+            </a:r>
+            <a:r>
+              <a:rPr lang="pl-PL" dirty="0"/>
+              <a:t> implementację.</a:t>
+            </a:r>
+          </a:p>
+          <a:p>
+            <a:pPr marL="171450" indent="-171450">
+              <a:buFont typeface="Arial" panose="020B0604020202020204" pitchFamily="34" charset="0"/>
+              <a:buChar char="•"/>
+            </a:pPr>
+            <a:endParaRPr lang="pl-PL" dirty="0"/>
+          </a:p>
+          <a:p>
+            <a:pPr marL="171450" indent="-171450">
+              <a:buFont typeface="Arial" panose="020B0604020202020204" pitchFamily="34" charset="0"/>
+              <a:buChar char="•"/>
+            </a:pPr>
+            <a:r>
+              <a:rPr lang="pl-PL" dirty="0"/>
+              <a:t>Każdy rodzaj kolekcji może być stworzony używając tego samego wspólnego </a:t>
+            </a:r>
+            <a:r>
+              <a:rPr lang="pl-PL" dirty="0" err="1"/>
+              <a:t>syntaxu</a:t>
+            </a:r>
+            <a:r>
+              <a:rPr lang="pl-PL" dirty="0"/>
+              <a:t>, nazwa kolekcji i następnie jej elementy.</a:t>
+            </a:r>
+          </a:p>
+          <a:p>
+            <a:pPr marL="171450" indent="-171450">
+              <a:buFont typeface="Arial" panose="020B0604020202020204" pitchFamily="34" charset="0"/>
+              <a:buChar char="•"/>
+            </a:pPr>
+            <a:r>
+              <a:rPr lang="pl-PL" dirty="0"/>
+              <a:t>Domyślnie, Scala preferuje </a:t>
+            </a:r>
+            <a:r>
+              <a:rPr lang="pl-PL" dirty="0" err="1"/>
+              <a:t>niemutowalne</a:t>
+            </a:r>
+            <a:r>
+              <a:rPr lang="pl-PL" dirty="0"/>
+              <a:t> kolekcje, więc jeśli napiszemy w kodzie Set bez żadnego </a:t>
+            </a:r>
+            <a:r>
+              <a:rPr lang="pl-PL" dirty="0" err="1"/>
+              <a:t>prefixu</a:t>
+            </a:r>
+            <a:r>
+              <a:rPr lang="pl-PL" dirty="0"/>
+              <a:t>, Scala wybierze </a:t>
+            </a:r>
+            <a:r>
+              <a:rPr lang="pl-PL" dirty="0" err="1"/>
+              <a:t>niemutowalny</a:t>
+            </a:r>
+            <a:r>
+              <a:rPr lang="pl-PL" dirty="0"/>
+              <a:t> Set.</a:t>
+            </a:r>
+          </a:p>
+          <a:p>
+            <a:pPr marL="171450" indent="-171450">
+              <a:buFont typeface="Arial" panose="020B0604020202020204" pitchFamily="34" charset="0"/>
+              <a:buChar char="•"/>
+            </a:pPr>
+            <a:r>
+              <a:rPr lang="pl-PL" dirty="0"/>
+              <a:t>Podobnie jeśli wybierzemy </a:t>
+            </a:r>
+            <a:r>
+              <a:rPr lang="pl-PL" dirty="0" err="1"/>
+              <a:t>Iterable</a:t>
+            </a:r>
+            <a:r>
+              <a:rPr lang="pl-PL" dirty="0"/>
+              <a:t> otrzymamy </a:t>
+            </a:r>
+            <a:r>
+              <a:rPr lang="pl-PL" dirty="0" err="1"/>
+              <a:t>niemutowalną</a:t>
+            </a:r>
+            <a:r>
+              <a:rPr lang="pl-PL" dirty="0"/>
+              <a:t> kolekcje typu </a:t>
+            </a:r>
+            <a:r>
+              <a:rPr lang="pl-PL" dirty="0" err="1"/>
+              <a:t>iterable</a:t>
+            </a:r>
+            <a:r>
+              <a:rPr lang="pl-PL" dirty="0"/>
+              <a:t>. Wynika to z domyślnego </a:t>
+            </a:r>
+            <a:r>
+              <a:rPr lang="pl-PL" dirty="0" err="1"/>
+              <a:t>bindingu</a:t>
+            </a:r>
+            <a:r>
+              <a:rPr lang="pl-PL" dirty="0"/>
+              <a:t> w </a:t>
+            </a:r>
+            <a:r>
+              <a:rPr lang="pl-PL" dirty="0" err="1"/>
+              <a:t>scalapackage</a:t>
+            </a:r>
+            <a:r>
+              <a:rPr lang="pl-PL" dirty="0"/>
+              <a:t>.</a:t>
+            </a:r>
+          </a:p>
+          <a:p>
+            <a:pPr marL="0" indent="0">
+              <a:buFont typeface="Arial" panose="020B0604020202020204" pitchFamily="34" charset="0"/>
+              <a:buNone/>
+            </a:pPr>
+            <a:r>
+              <a:rPr lang="pl-PL" dirty="0"/>
+              <a:t>Przykład: </a:t>
+            </a:r>
+          </a:p>
+          <a:p>
+            <a:pPr marL="457200" lvl="1" indent="0">
+              <a:buFont typeface="Arial" panose="020B0604020202020204" pitchFamily="34" charset="0"/>
+              <a:buNone/>
+            </a:pPr>
+            <a:r>
+              <a:rPr lang="en-US" sz="1200" b="0" i="0" kern="1200" dirty="0" err="1">
+                <a:solidFill>
+                  <a:schemeClr val="tx1"/>
+                </a:solidFill>
+                <a:effectLst/>
+                <a:latin typeface="+mn-lt"/>
+                <a:ea typeface="+mn-ea"/>
+                <a:cs typeface="+mn-cs"/>
+              </a:rPr>
+              <a:t>scala.collection.immutable.</a:t>
+            </a:r>
+            <a:r>
+              <a:rPr lang="en-US" sz="1200" b="1" i="0" kern="1200" dirty="0" err="1">
+                <a:solidFill>
+                  <a:schemeClr val="tx1"/>
+                </a:solidFill>
+                <a:effectLst/>
+                <a:latin typeface="+mn-lt"/>
+                <a:ea typeface="+mn-ea"/>
+                <a:cs typeface="+mn-cs"/>
+              </a:rPr>
+              <a:t>List</a:t>
+            </a:r>
+            <a:r>
+              <a:rPr lang="en-US" sz="1200" b="0" i="0" kern="1200" dirty="0">
+                <a:solidFill>
+                  <a:schemeClr val="tx1"/>
+                </a:solidFill>
+                <a:effectLst/>
+                <a:latin typeface="+mn-lt"/>
+                <a:ea typeface="+mn-ea"/>
+                <a:cs typeface="+mn-cs"/>
+              </a:rPr>
+              <a:t> </a:t>
+            </a:r>
+            <a:r>
+              <a:rPr lang="en-US" sz="1200" b="0" i="1" kern="1200" dirty="0">
+                <a:solidFill>
+                  <a:schemeClr val="tx1"/>
+                </a:solidFill>
+                <a:effectLst/>
+                <a:latin typeface="+mn-lt"/>
+                <a:ea typeface="+mn-ea"/>
+                <a:cs typeface="+mn-cs"/>
+              </a:rPr>
+              <a:t>// that's where it is defined</a:t>
+            </a:r>
+            <a:endParaRPr lang="pl-PL" sz="1200" b="0" i="1" kern="1200" dirty="0">
+              <a:solidFill>
+                <a:schemeClr val="tx1"/>
+              </a:solidFill>
+              <a:effectLst/>
+              <a:latin typeface="+mn-lt"/>
+              <a:ea typeface="+mn-ea"/>
+              <a:cs typeface="+mn-cs"/>
+            </a:endParaRPr>
+          </a:p>
+          <a:p>
+            <a:pPr marL="457200" lvl="1" indent="0">
+              <a:buFont typeface="Arial" panose="020B0604020202020204" pitchFamily="34" charset="0"/>
+              <a:buNone/>
+            </a:pPr>
+            <a:r>
+              <a:rPr lang="en-US" sz="1200" b="0" i="0" kern="1200" dirty="0" err="1">
+                <a:solidFill>
+                  <a:schemeClr val="tx1"/>
+                </a:solidFill>
+                <a:effectLst/>
+                <a:latin typeface="+mn-lt"/>
+                <a:ea typeface="+mn-ea"/>
+                <a:cs typeface="+mn-cs"/>
+              </a:rPr>
+              <a:t>scala.</a:t>
+            </a:r>
+            <a:r>
+              <a:rPr lang="en-US" sz="1200" b="1" i="0" kern="1200" dirty="0" err="1">
+                <a:solidFill>
+                  <a:schemeClr val="tx1"/>
+                </a:solidFill>
+                <a:effectLst/>
+                <a:latin typeface="+mn-lt"/>
+                <a:ea typeface="+mn-ea"/>
+                <a:cs typeface="+mn-cs"/>
+              </a:rPr>
+              <a:t>List</a:t>
+            </a:r>
+            <a:r>
+              <a:rPr lang="en-US" sz="1200" b="0" i="0" kern="1200" dirty="0">
+                <a:solidFill>
+                  <a:schemeClr val="tx1"/>
+                </a:solidFill>
+                <a:effectLst/>
+                <a:latin typeface="+mn-lt"/>
+                <a:ea typeface="+mn-ea"/>
+                <a:cs typeface="+mn-cs"/>
+              </a:rPr>
+              <a:t> </a:t>
+            </a:r>
+            <a:r>
+              <a:rPr lang="en-US" sz="1200" b="0" i="1" kern="1200" dirty="0">
+                <a:solidFill>
+                  <a:schemeClr val="tx1"/>
+                </a:solidFill>
+                <a:effectLst/>
+                <a:latin typeface="+mn-lt"/>
+                <a:ea typeface="+mn-ea"/>
+                <a:cs typeface="+mn-cs"/>
+              </a:rPr>
+              <a:t>// via the alias in the </a:t>
+            </a:r>
+            <a:r>
+              <a:rPr lang="en-US" sz="1200" b="0" i="1" kern="1200" dirty="0" err="1">
+                <a:solidFill>
+                  <a:schemeClr val="tx1"/>
+                </a:solidFill>
+                <a:effectLst/>
+                <a:latin typeface="+mn-lt"/>
+                <a:ea typeface="+mn-ea"/>
+                <a:cs typeface="+mn-cs"/>
+              </a:rPr>
+              <a:t>scala</a:t>
+            </a:r>
+            <a:r>
+              <a:rPr lang="en-US" sz="1200" b="0" i="1" kern="1200" dirty="0">
+                <a:solidFill>
+                  <a:schemeClr val="tx1"/>
+                </a:solidFill>
+                <a:effectLst/>
+                <a:latin typeface="+mn-lt"/>
+                <a:ea typeface="+mn-ea"/>
+                <a:cs typeface="+mn-cs"/>
+              </a:rPr>
+              <a:t> package</a:t>
+            </a:r>
+            <a:endParaRPr lang="pl-PL" sz="1200" b="0" i="1" kern="1200" dirty="0">
+              <a:solidFill>
+                <a:schemeClr val="tx1"/>
+              </a:solidFill>
+              <a:effectLst/>
+              <a:latin typeface="+mn-lt"/>
+              <a:ea typeface="+mn-ea"/>
+              <a:cs typeface="+mn-cs"/>
+            </a:endParaRPr>
+          </a:p>
+          <a:p>
+            <a:pPr marL="457200" lvl="1" indent="0">
+              <a:buFont typeface="Arial" panose="020B0604020202020204" pitchFamily="34" charset="0"/>
+              <a:buNone/>
+            </a:pPr>
+            <a:r>
+              <a:rPr lang="en-US" sz="1200" b="1" i="0" kern="1200" dirty="0">
+                <a:solidFill>
+                  <a:schemeClr val="tx1"/>
+                </a:solidFill>
+                <a:effectLst/>
+                <a:latin typeface="+mn-lt"/>
+                <a:ea typeface="+mn-ea"/>
+                <a:cs typeface="+mn-cs"/>
+              </a:rPr>
+              <a:t>List</a:t>
+            </a:r>
+            <a:r>
+              <a:rPr lang="en-US" sz="1200" b="0" i="0" kern="1200" dirty="0">
+                <a:solidFill>
+                  <a:schemeClr val="tx1"/>
+                </a:solidFill>
+                <a:effectLst/>
+                <a:latin typeface="+mn-lt"/>
+                <a:ea typeface="+mn-ea"/>
+                <a:cs typeface="+mn-cs"/>
+              </a:rPr>
+              <a:t> </a:t>
+            </a:r>
+            <a:r>
+              <a:rPr lang="en-US" sz="1200" b="0" i="1" kern="1200" dirty="0">
+                <a:solidFill>
+                  <a:schemeClr val="tx1"/>
+                </a:solidFill>
+                <a:effectLst/>
+                <a:latin typeface="+mn-lt"/>
+                <a:ea typeface="+mn-ea"/>
+                <a:cs typeface="+mn-cs"/>
+              </a:rPr>
+              <a:t>// because </a:t>
+            </a:r>
+            <a:r>
+              <a:rPr lang="en-US" sz="1200" b="0" i="1" kern="1200" dirty="0" err="1">
+                <a:solidFill>
+                  <a:schemeClr val="tx1"/>
+                </a:solidFill>
+                <a:effectLst/>
+                <a:latin typeface="+mn-lt"/>
+                <a:ea typeface="+mn-ea"/>
+                <a:cs typeface="+mn-cs"/>
+              </a:rPr>
+              <a:t>scala</a:t>
+            </a:r>
+            <a:r>
+              <a:rPr lang="en-US" sz="1200" b="0" i="1" kern="1200" dirty="0">
+                <a:solidFill>
+                  <a:schemeClr val="tx1"/>
+                </a:solidFill>
+                <a:effectLst/>
+                <a:latin typeface="+mn-lt"/>
+                <a:ea typeface="+mn-ea"/>
+                <a:cs typeface="+mn-cs"/>
+              </a:rPr>
+              <a:t>._</a:t>
+            </a:r>
+            <a:r>
+              <a:rPr lang="en-US" sz="1200" b="0" i="0" kern="1200" dirty="0">
+                <a:solidFill>
+                  <a:schemeClr val="tx1"/>
+                </a:solidFill>
+                <a:effectLst/>
+                <a:latin typeface="+mn-lt"/>
+                <a:ea typeface="+mn-ea"/>
+                <a:cs typeface="+mn-cs"/>
+              </a:rPr>
+              <a:t> </a:t>
+            </a:r>
+            <a:r>
+              <a:rPr lang="en-US" sz="1200" b="0" i="1" kern="1200" dirty="0">
+                <a:solidFill>
+                  <a:schemeClr val="tx1"/>
+                </a:solidFill>
+                <a:effectLst/>
+                <a:latin typeface="+mn-lt"/>
+                <a:ea typeface="+mn-ea"/>
+                <a:cs typeface="+mn-cs"/>
+              </a:rPr>
+              <a:t>is always automatically imported</a:t>
+            </a:r>
             <a:endParaRPr lang="pl-PL" dirty="0"/>
           </a:p>
         </p:txBody>
@@ -3759,7 +4143,7 @@
     </p:spTree>
     <p:extLst>
       <p:ext uri="{BB962C8B-B14F-4D97-AF65-F5344CB8AC3E}">
-        <p14:creationId xmlns:p14="http://schemas.microsoft.com/office/powerpoint/2010/main" val="3376764379"/>
+        <p14:creationId xmlns:p14="http://schemas.microsoft.com/office/powerpoint/2010/main" val="1496112602"/>
       </p:ext>
     </p:extLst>
   </p:cSld>
@@ -3770,128 +4154,6 @@
 </file>
 
 <file path=ppt/notesSlides/notesSlide22.xml><?xml version="1.0" encoding="utf-8"?>
-<p:notes xmlns:a="http://schemas.openxmlformats.org/drawingml/2006/main" xmlns:r="http://schemas.openxmlformats.org/officeDocument/2006/relationships" xmlns:p="http://schemas.openxmlformats.org/presentationml/2006/main">
-  <p:cSld>
-    <p:spTree>
-      <p:nvGrpSpPr>
-        <p:cNvPr id="1" name=""/>
-        <p:cNvGrpSpPr/>
-        <p:nvPr/>
-      </p:nvGrpSpPr>
-      <p:grpSpPr>
-        <a:xfrm>
-          <a:off x="0" y="0"/>
-          <a:ext cx="0" cy="0"/>
-          <a:chOff x="0" y="0"/>
-          <a:chExt cx="0" cy="0"/>
-        </a:xfrm>
-      </p:grpSpPr>
-      <p:sp>
-        <p:nvSpPr>
-          <p:cNvPr id="2" name="Slide Image Placeholder 1"/>
-          <p:cNvSpPr>
-            <a:spLocks noGrp="1" noRot="1" noChangeAspect="1"/>
-          </p:cNvSpPr>
-          <p:nvPr>
-            <p:ph type="sldImg"/>
-          </p:nvPr>
-        </p:nvSpPr>
-        <p:spPr/>
-      </p:sp>
-      <p:sp>
-        <p:nvSpPr>
-          <p:cNvPr id="3" name="Notes Placeholder 2"/>
-          <p:cNvSpPr>
-            <a:spLocks noGrp="1"/>
-          </p:cNvSpPr>
-          <p:nvPr>
-            <p:ph type="body" idx="1"/>
-          </p:nvPr>
-        </p:nvSpPr>
-        <p:spPr/>
-        <p:txBody>
-          <a:bodyPr/>
-          <a:lstStyle/>
-          <a:p>
-            <a:endParaRPr lang="pl-PL" dirty="0"/>
-          </a:p>
-        </p:txBody>
-      </p:sp>
-    </p:spTree>
-    <p:extLst>
-      <p:ext uri="{BB962C8B-B14F-4D97-AF65-F5344CB8AC3E}">
-        <p14:creationId xmlns:p14="http://schemas.microsoft.com/office/powerpoint/2010/main" val="3005456541"/>
-      </p:ext>
-    </p:extLst>
-  </p:cSld>
-  <p:clrMapOvr>
-    <a:masterClrMapping/>
-  </p:clrMapOvr>
-</p:notes>
-</file>
-
-<file path=ppt/notesSlides/notesSlide23.xml><?xml version="1.0" encoding="utf-8"?>
-<p:notes xmlns:a="http://schemas.openxmlformats.org/drawingml/2006/main" xmlns:r="http://schemas.openxmlformats.org/officeDocument/2006/relationships" xmlns:p="http://schemas.openxmlformats.org/presentationml/2006/main">
-  <p:cSld>
-    <p:spTree>
-      <p:nvGrpSpPr>
-        <p:cNvPr id="1" name=""/>
-        <p:cNvGrpSpPr/>
-        <p:nvPr/>
-      </p:nvGrpSpPr>
-      <p:grpSpPr>
-        <a:xfrm>
-          <a:off x="0" y="0"/>
-          <a:ext cx="0" cy="0"/>
-          <a:chOff x="0" y="0"/>
-          <a:chExt cx="0" cy="0"/>
-        </a:xfrm>
-      </p:grpSpPr>
-      <p:sp>
-        <p:nvSpPr>
-          <p:cNvPr id="2" name="Slide Image Placeholder 1"/>
-          <p:cNvSpPr>
-            <a:spLocks noGrp="1" noRot="1" noChangeAspect="1"/>
-          </p:cNvSpPr>
-          <p:nvPr>
-            <p:ph type="sldImg"/>
-          </p:nvPr>
-        </p:nvSpPr>
-        <p:spPr/>
-      </p:sp>
-      <p:sp>
-        <p:nvSpPr>
-          <p:cNvPr id="3" name="Notes Placeholder 2"/>
-          <p:cNvSpPr>
-            <a:spLocks noGrp="1"/>
-          </p:cNvSpPr>
-          <p:nvPr>
-            <p:ph type="body" idx="1"/>
-          </p:nvPr>
-        </p:nvSpPr>
-        <p:spPr/>
-        <p:txBody>
-          <a:bodyPr/>
-          <a:lstStyle/>
-          <a:p>
-            <a:endParaRPr lang="pl-PL" dirty="0"/>
-          </a:p>
-        </p:txBody>
-      </p:sp>
-    </p:spTree>
-    <p:extLst>
-      <p:ext uri="{BB962C8B-B14F-4D97-AF65-F5344CB8AC3E}">
-        <p14:creationId xmlns:p14="http://schemas.microsoft.com/office/powerpoint/2010/main" val="1496112602"/>
-      </p:ext>
-    </p:extLst>
-  </p:cSld>
-  <p:clrMapOvr>
-    <a:masterClrMapping/>
-  </p:clrMapOvr>
-</p:notes>
-</file>
-
-<file path=ppt/notesSlides/notesSlide24.xml><?xml version="1.0" encoding="utf-8"?>
 <p:notes xmlns:a="http://schemas.openxmlformats.org/drawingml/2006/main" xmlns:r="http://schemas.openxmlformats.org/officeDocument/2006/relationships" xmlns:p="http://schemas.openxmlformats.org/presentationml/2006/main">
   <p:cSld>
     <p:spTree>
@@ -9985,7 +10247,7 @@
         <p:spPr>
           <a:xfrm>
             <a:off x="755650" y="915566"/>
-            <a:ext cx="7632700" cy="3797624"/>
+            <a:ext cx="7920806" cy="3797624"/>
           </a:xfrm>
           <a:prstGeom prst="rect">
             <a:avLst/>
@@ -10167,38 +10429,32 @@
           </a:lstStyle>
           <a:p>
             <a:r>
-              <a:rPr lang="en-US" sz="2000" dirty="0"/>
-              <a:t>Performance</a:t>
-            </a:r>
-          </a:p>
-          <a:p>
-            <a:r>
-              <a:rPr lang="en-US" sz="2000" dirty="0"/>
+              <a:rPr lang="en-GB" sz="2000" dirty="0"/>
+              <a:t>Performance and access to the latest and greatest features of Spark</a:t>
+            </a:r>
+          </a:p>
+          <a:p>
+            <a:r>
+              <a:rPr lang="en-GB" sz="2000" dirty="0"/>
+              <a:t>Immutable data structures</a:t>
+            </a:r>
+          </a:p>
+          <a:p>
+            <a:r>
+              <a:rPr lang="en-GB" sz="2000" dirty="0"/>
               <a:t>Type safety and inference</a:t>
             </a:r>
           </a:p>
           <a:p>
             <a:r>
-              <a:rPr lang="en-US" sz="2000" dirty="0"/>
-              <a:t>Immutable data structures</a:t>
-            </a:r>
-          </a:p>
-          <a:p>
-            <a:r>
-              <a:rPr lang="en-US" sz="2000" dirty="0"/>
+              <a:rPr lang="en-GB" sz="2000" dirty="0"/>
               <a:t>Concise, Expressive Code</a:t>
             </a:r>
           </a:p>
           <a:p>
             <a:r>
-              <a:rPr lang="en-US" sz="2000" dirty="0"/>
+              <a:rPr lang="en-GB" sz="2000" dirty="0"/>
               <a:t>Debugging</a:t>
-            </a:r>
-          </a:p>
-          <a:p>
-            <a:r>
-              <a:rPr lang="en-US" sz="2000" dirty="0"/>
-              <a:t>Access to the latest and greatest features of Spark</a:t>
             </a:r>
           </a:p>
         </p:txBody>
@@ -11071,8 +11327,13 @@
           <a:p>
             <a:r>
               <a:rPr lang="en-US" dirty="0"/>
-              <a:t>Scala: Pattern matching</a:t>
-            </a:r>
+              <a:t>Scala: case class</a:t>
+            </a:r>
+            <a:r>
+              <a:rPr lang="pl-PL" dirty="0"/>
+              <a:t>es</a:t>
+            </a:r>
+            <a:endParaRPr lang="en-US" dirty="0"/>
           </a:p>
         </p:txBody>
       </p:sp>
@@ -11307,40 +11568,82 @@
           </a:lstStyle>
           <a:p>
             <a:r>
-              <a:rPr lang="en-US" sz="2000" dirty="0"/>
-              <a:t>„switch” on steroids</a:t>
-            </a:r>
-          </a:p>
-          <a:p>
-            <a:r>
-              <a:rPr lang="en-US" sz="2000" dirty="0"/>
-              <a:t>Match against class hierarchies, sequences, and case classes</a:t>
-            </a:r>
-          </a:p>
-          <a:p>
-            <a:r>
-              <a:rPr lang="en-US" sz="2000" dirty="0"/>
-              <a:t>Very powerful in Spark transformations</a:t>
-            </a:r>
+              <a:rPr lang="en-GB" sz="2000" dirty="0"/>
+              <a:t>Immutable by default</a:t>
+            </a:r>
+          </a:p>
+          <a:p>
+            <a:r>
+              <a:rPr lang="en-GB" sz="2000" dirty="0"/>
+              <a:t>Companion object and factory methods out of the box</a:t>
+            </a:r>
+          </a:p>
+          <a:p>
+            <a:r>
+              <a:rPr lang="en-GB" sz="2000" dirty="0"/>
+              <a:t>Implicitly equip the class with meaningful </a:t>
+            </a:r>
+            <a:r>
+              <a:rPr lang="en-GB" sz="2000" i="1" dirty="0" err="1"/>
+              <a:t>toString</a:t>
+            </a:r>
+            <a:r>
+              <a:rPr lang="en-GB" sz="2000" dirty="0"/>
+              <a:t>, </a:t>
+            </a:r>
+            <a:r>
+              <a:rPr lang="en-GB" sz="2000" i="1" dirty="0"/>
+              <a:t>equals</a:t>
+            </a:r>
+            <a:r>
+              <a:rPr lang="en-GB" sz="2000" dirty="0"/>
+              <a:t> and </a:t>
+            </a:r>
+            <a:r>
+              <a:rPr lang="en-GB" sz="2000" i="1" dirty="0" err="1"/>
+              <a:t>hashCode</a:t>
+            </a:r>
+            <a:endParaRPr lang="en-GB" sz="2000" i="1" dirty="0"/>
+          </a:p>
+          <a:p>
+            <a:r>
+              <a:rPr lang="en-GB" sz="2000" dirty="0"/>
+              <a:t>Ability to be deconstructed with pattern matching.</a:t>
+            </a:r>
+          </a:p>
+          <a:p>
+            <a:r>
+              <a:rPr lang="en-GB" sz="2000" dirty="0"/>
+              <a:t>Perfect for structural data types</a:t>
+            </a:r>
+          </a:p>
+          <a:p>
+            <a:r>
+              <a:rPr lang="en-GB" sz="2000" dirty="0"/>
+              <a:t>Nicely integrates with Spark Dataset</a:t>
+            </a:r>
+          </a:p>
+          <a:p>
+            <a:endParaRPr lang="en-GB" sz="2000" dirty="0"/>
+          </a:p>
+          <a:p>
+            <a:endParaRPr lang="en-GB" sz="2000" dirty="0"/>
+          </a:p>
+          <a:p>
+            <a:endParaRPr lang="en-GB" sz="2000" dirty="0"/>
           </a:p>
           <a:p>
             <a:pPr marL="0" indent="0">
               <a:buNone/>
             </a:pPr>
-            <a:endParaRPr lang="en-US" sz="2000" dirty="0"/>
-          </a:p>
-          <a:p>
-            <a:pPr marL="0" indent="0">
-              <a:buNone/>
-            </a:pPr>
-            <a:endParaRPr lang="en-US" sz="2000" dirty="0"/>
+            <a:endParaRPr lang="en-GB" sz="2000" dirty="0"/>
           </a:p>
         </p:txBody>
       </p:sp>
     </p:spTree>
     <p:extLst>
       <p:ext uri="{BB962C8B-B14F-4D97-AF65-F5344CB8AC3E}">
-        <p14:creationId xmlns:p14="http://schemas.microsoft.com/office/powerpoint/2010/main" val="3173888047"/>
+        <p14:creationId xmlns:p14="http://schemas.microsoft.com/office/powerpoint/2010/main" val="4240594428"/>
       </p:ext>
     </p:extLst>
   </p:cSld>
@@ -11389,7 +11692,19 @@
           <a:p>
             <a:r>
               <a:rPr lang="en-US" dirty="0"/>
-              <a:t>Scala: case class</a:t>
+              <a:t>Scala: </a:t>
+            </a:r>
+            <a:r>
+              <a:rPr lang="pl-PL" dirty="0"/>
+              <a:t>p</a:t>
+            </a:r>
+            <a:r>
+              <a:rPr lang="en-US" dirty="0" err="1"/>
+              <a:t>attern</a:t>
+            </a:r>
+            <a:r>
+              <a:rPr lang="en-US" dirty="0"/>
+              <a:t> matching</a:t>
             </a:r>
           </a:p>
         </p:txBody>
@@ -11626,70 +11941,31 @@
           <a:p>
             <a:r>
               <a:rPr lang="en-US" sz="2000" dirty="0"/>
-              <a:t>Companion object out of the box</a:t>
+              <a:t>„switch” on steroids</a:t>
             </a:r>
           </a:p>
           <a:p>
             <a:r>
               <a:rPr lang="en-US" sz="2000" dirty="0"/>
-              <a:t>Implicitly equip the class with meaningful </a:t>
-            </a:r>
-            <a:r>
-              <a:rPr lang="en-US" sz="2000" i="1" dirty="0" err="1"/>
-              <a:t>toString</a:t>
-            </a:r>
+              <a:t>Match against class hierarchies, sequences, and case classes</a:t>
+            </a:r>
+            <a:r>
+              <a:rPr lang="pl-PL" sz="2000" dirty="0"/>
+              <a:t> …</a:t>
+            </a:r>
+          </a:p>
+          <a:p>
+            <a:r>
+              <a:rPr lang="en-GB" sz="2000" dirty="0"/>
+              <a:t>Patterns everywhere</a:t>
+            </a:r>
+            <a:endParaRPr lang="en-US" sz="2000" dirty="0"/>
+          </a:p>
+          <a:p>
             <a:r>
               <a:rPr lang="en-US" sz="2000" dirty="0"/>
-              <a:t>, </a:t>
-            </a:r>
-            <a:r>
-              <a:rPr lang="en-US" sz="2000" i="1" dirty="0"/>
-              <a:t>equals</a:t>
-            </a:r>
-            <a:r>
-              <a:rPr lang="en-US" sz="2000" dirty="0"/>
-              <a:t> and </a:t>
-            </a:r>
-            <a:r>
-              <a:rPr lang="en-US" sz="2000" i="1" dirty="0" err="1"/>
-              <a:t>hashCode</a:t>
-            </a:r>
-            <a:endParaRPr lang="en-US" sz="2000" i="1" dirty="0"/>
-          </a:p>
-          <a:p>
-            <a:r>
-              <a:rPr lang="en-US" sz="2000" dirty="0"/>
-              <a:t>Ability to be deconstructed with pattern matching.</a:t>
-            </a:r>
-          </a:p>
-          <a:p>
-            <a:r>
-              <a:rPr lang="en-US" sz="2000" dirty="0"/>
-              <a:t>Perfect for structural data types</a:t>
-            </a:r>
-          </a:p>
-          <a:p>
-            <a:r>
-              <a:rPr lang="en-US" sz="2000" dirty="0"/>
-              <a:t>Nicely integrate</a:t>
-            </a:r>
-            <a:r>
-              <a:rPr lang="pl-PL" sz="2000" dirty="0"/>
-              <a:t>s</a:t>
-            </a:r>
-            <a:r>
-              <a:rPr lang="en-US" sz="2000" dirty="0"/>
-              <a:t> with Spark Dataset</a:t>
-            </a:r>
-          </a:p>
-          <a:p>
-            <a:endParaRPr lang="en-US" sz="2000" dirty="0"/>
-          </a:p>
-          <a:p>
-            <a:endParaRPr lang="en-US" sz="2000" dirty="0"/>
-          </a:p>
-          <a:p>
-            <a:endParaRPr lang="en-US" sz="2000" dirty="0"/>
+              <a:t>Very powerful in Spark transformations</a:t>
+            </a:r>
           </a:p>
           <a:p>
             <a:pPr marL="0" indent="0">
@@ -11697,47 +11973,18 @@
             </a:pPr>
             <a:endParaRPr lang="en-US" sz="2000" dirty="0"/>
           </a:p>
-        </p:txBody>
-      </p:sp>
-      <p:sp>
-        <p:nvSpPr>
-          <p:cNvPr id="7" name="TextBox 6"/>
-          <p:cNvSpPr txBox="1"/>
-          <p:nvPr/>
-        </p:nvSpPr>
-        <p:spPr>
-          <a:xfrm>
-            <a:off x="8891051" y="1198880"/>
-            <a:ext cx="914400" cy="914400"/>
-          </a:xfrm>
-          <a:prstGeom prst="rect">
-            <a:avLst/>
-          </a:prstGeom>
-          <a:noFill/>
-        </p:spPr>
-        <p:txBody>
-          <a:bodyPr wrap="none" lIns="0" tIns="0" rIns="0" bIns="0" rtlCol="0">
-            <a:noAutofit/>
-          </a:bodyPr>
-          <a:lstStyle/>
-          <a:p>
-            <a:pPr>
-              <a:lnSpc>
-                <a:spcPct val="140000"/>
-              </a:lnSpc>
+          <a:p>
+            <a:pPr marL="0" indent="0">
+              <a:buNone/>
             </a:pPr>
-            <a:endParaRPr lang="en-US" dirty="0" err="1">
-              <a:solidFill>
-                <a:schemeClr val="tx1"/>
-              </a:solidFill>
-            </a:endParaRPr>
+            <a:endParaRPr lang="en-US" sz="2000" dirty="0"/>
           </a:p>
         </p:txBody>
       </p:sp>
     </p:spTree>
     <p:extLst>
       <p:ext uri="{BB962C8B-B14F-4D97-AF65-F5344CB8AC3E}">
-        <p14:creationId xmlns:p14="http://schemas.microsoft.com/office/powerpoint/2010/main" val="4240594428"/>
+        <p14:creationId xmlns:p14="http://schemas.microsoft.com/office/powerpoint/2010/main" val="3173888047"/>
       </p:ext>
     </p:extLst>
   </p:cSld>
@@ -13187,66 +13434,6 @@
           </a:p>
         </p:txBody>
       </p:sp>
-      <p:pic>
-        <p:nvPicPr>
-          <p:cNvPr id="5" name="Picture 4">
-            <a:extLst>
-              <a:ext uri="{FF2B5EF4-FFF2-40B4-BE49-F238E27FC236}">
-                <a16:creationId xmlns:a16="http://schemas.microsoft.com/office/drawing/2014/main" id="{4A2AE122-B9C7-4721-9FF2-B07CB7F93EA8}"/>
-              </a:ext>
-            </a:extLst>
-          </p:cNvPr>
-          <p:cNvPicPr>
-            <a:picLocks noChangeAspect="1"/>
-          </p:cNvPicPr>
-          <p:nvPr/>
-        </p:nvPicPr>
-        <p:blipFill>
-          <a:blip r:embed="rId3"/>
-          <a:stretch>
-            <a:fillRect/>
-          </a:stretch>
-        </p:blipFill>
-        <p:spPr>
-          <a:xfrm>
-            <a:off x="142508" y="3567573"/>
-            <a:ext cx="1979712" cy="1086690"/>
-          </a:xfrm>
-          <a:prstGeom prst="rect">
-            <a:avLst/>
-          </a:prstGeom>
-        </p:spPr>
-      </p:pic>
-      <p:pic>
-        <p:nvPicPr>
-          <p:cNvPr id="2" name="Picture 1">
-            <a:extLst>
-              <a:ext uri="{FF2B5EF4-FFF2-40B4-BE49-F238E27FC236}">
-                <a16:creationId xmlns:a16="http://schemas.microsoft.com/office/drawing/2014/main" id="{137C5084-7D8F-49B0-84F1-AC4155DBEF98}"/>
-              </a:ext>
-            </a:extLst>
-          </p:cNvPr>
-          <p:cNvPicPr>
-            <a:picLocks noChangeAspect="1"/>
-          </p:cNvPicPr>
-          <p:nvPr/>
-        </p:nvPicPr>
-        <p:blipFill>
-          <a:blip r:embed="rId4"/>
-          <a:stretch>
-            <a:fillRect/>
-          </a:stretch>
-        </p:blipFill>
-        <p:spPr>
-          <a:xfrm>
-            <a:off x="2589392" y="-20538"/>
-            <a:ext cx="6591120" cy="5143500"/>
-          </a:xfrm>
-          <a:prstGeom prst="rect">
-            <a:avLst/>
-          </a:prstGeom>
-        </p:spPr>
-      </p:pic>
       <p:sp>
         <p:nvSpPr>
           <p:cNvPr id="9" name="Title 1">
@@ -13265,270 +13452,6 @@
         </p:nvSpPr>
         <p:spPr>
           <a:xfrm>
-            <a:off x="755650" y="413693"/>
-            <a:ext cx="3600326" cy="357857"/>
-          </a:xfrm>
-        </p:spPr>
-        <p:txBody>
-          <a:bodyPr/>
-          <a:lstStyle/>
-          <a:p>
-            <a:r>
-              <a:rPr lang="pl-PL" dirty="0" err="1"/>
-              <a:t>scala.collection.immutable</a:t>
-            </a:r>
-            <a:endParaRPr lang="en-US" dirty="0"/>
-          </a:p>
-        </p:txBody>
-      </p:sp>
-    </p:spTree>
-    <p:extLst>
-      <p:ext uri="{BB962C8B-B14F-4D97-AF65-F5344CB8AC3E}">
-        <p14:creationId xmlns:p14="http://schemas.microsoft.com/office/powerpoint/2010/main" val="2036887496"/>
-      </p:ext>
-    </p:extLst>
-  </p:cSld>
-  <p:clrMapOvr>
-    <a:masterClrMapping/>
-  </p:clrMapOvr>
-</p:sld>
-</file>
-
-<file path=ppt/slides/slide23.xml><?xml version="1.0" encoding="utf-8"?>
-<p:sld xmlns:a="http://schemas.openxmlformats.org/drawingml/2006/main" xmlns:r="http://schemas.openxmlformats.org/officeDocument/2006/relationships" xmlns:p="http://schemas.openxmlformats.org/presentationml/2006/main">
-  <p:cSld>
-    <p:spTree>
-      <p:nvGrpSpPr>
-        <p:cNvPr id="1" name=""/>
-        <p:cNvGrpSpPr/>
-        <p:nvPr/>
-      </p:nvGrpSpPr>
-      <p:grpSpPr>
-        <a:xfrm>
-          <a:off x="0" y="0"/>
-          <a:ext cx="0" cy="0"/>
-          <a:chOff x="0" y="0"/>
-          <a:chExt cx="0" cy="0"/>
-        </a:xfrm>
-      </p:grpSpPr>
-      <p:sp>
-        <p:nvSpPr>
-          <p:cNvPr id="3" name="Footer Placeholder 2"/>
-          <p:cNvSpPr>
-            <a:spLocks noGrp="1"/>
-          </p:cNvSpPr>
-          <p:nvPr>
-            <p:ph type="ftr" sz="quarter" idx="16"/>
-          </p:nvPr>
-        </p:nvSpPr>
-        <p:spPr/>
-        <p:txBody>
-          <a:bodyPr/>
-          <a:lstStyle/>
-          <a:p>
-            <a:endParaRPr lang="pl-PL" dirty="0"/>
-          </a:p>
-        </p:txBody>
-      </p:sp>
-      <p:sp>
-        <p:nvSpPr>
-          <p:cNvPr id="4" name="Date Placeholder 3"/>
-          <p:cNvSpPr>
-            <a:spLocks noGrp="1"/>
-          </p:cNvSpPr>
-          <p:nvPr>
-            <p:ph type="dt" sz="half" idx="15"/>
-          </p:nvPr>
-        </p:nvSpPr>
-        <p:spPr/>
-        <p:txBody>
-          <a:bodyPr/>
-          <a:lstStyle/>
-          <a:p>
-            <a:endParaRPr lang="pl-PL" dirty="0"/>
-          </a:p>
-        </p:txBody>
-      </p:sp>
-      <p:pic>
-        <p:nvPicPr>
-          <p:cNvPr id="8" name="Picture 7">
-            <a:extLst>
-              <a:ext uri="{FF2B5EF4-FFF2-40B4-BE49-F238E27FC236}">
-                <a16:creationId xmlns:a16="http://schemas.microsoft.com/office/drawing/2014/main" id="{DB232E9D-EB12-4AC2-8FAE-28F6486007D3}"/>
-              </a:ext>
-            </a:extLst>
-          </p:cNvPr>
-          <p:cNvPicPr>
-            <a:picLocks noChangeAspect="1"/>
-          </p:cNvPicPr>
-          <p:nvPr/>
-        </p:nvPicPr>
-        <p:blipFill>
-          <a:blip r:embed="rId3"/>
-          <a:stretch>
-            <a:fillRect/>
-          </a:stretch>
-        </p:blipFill>
-        <p:spPr>
-          <a:xfrm>
-            <a:off x="142508" y="275397"/>
-            <a:ext cx="8965996" cy="4240570"/>
-          </a:xfrm>
-          <a:prstGeom prst="rect">
-            <a:avLst/>
-          </a:prstGeom>
-        </p:spPr>
-      </p:pic>
-      <p:pic>
-        <p:nvPicPr>
-          <p:cNvPr id="5" name="Picture 4">
-            <a:extLst>
-              <a:ext uri="{FF2B5EF4-FFF2-40B4-BE49-F238E27FC236}">
-                <a16:creationId xmlns:a16="http://schemas.microsoft.com/office/drawing/2014/main" id="{4A2AE122-B9C7-4721-9FF2-B07CB7F93EA8}"/>
-              </a:ext>
-            </a:extLst>
-          </p:cNvPr>
-          <p:cNvPicPr>
-            <a:picLocks noChangeAspect="1"/>
-          </p:cNvPicPr>
-          <p:nvPr/>
-        </p:nvPicPr>
-        <p:blipFill>
-          <a:blip r:embed="rId4"/>
-          <a:stretch>
-            <a:fillRect/>
-          </a:stretch>
-        </p:blipFill>
-        <p:spPr>
-          <a:xfrm>
-            <a:off x="142508" y="3567573"/>
-            <a:ext cx="1979712" cy="1086690"/>
-          </a:xfrm>
-          <a:prstGeom prst="rect">
-            <a:avLst/>
-          </a:prstGeom>
-        </p:spPr>
-      </p:pic>
-      <p:sp>
-        <p:nvSpPr>
-          <p:cNvPr id="9" name="Title 1">
-            <a:extLst>
-              <a:ext uri="{FF2B5EF4-FFF2-40B4-BE49-F238E27FC236}">
-                <a16:creationId xmlns:a16="http://schemas.microsoft.com/office/drawing/2014/main" id="{82B65652-5EB9-4867-9E15-64C595EA21D0}"/>
-              </a:ext>
-            </a:extLst>
-          </p:cNvPr>
-          <p:cNvSpPr>
-            <a:spLocks noGrp="1"/>
-          </p:cNvSpPr>
-          <p:nvPr>
-            <p:ph type="title"/>
-          </p:nvPr>
-        </p:nvSpPr>
-        <p:spPr>
-          <a:xfrm>
-            <a:off x="755650" y="413693"/>
-            <a:ext cx="3600326" cy="357857"/>
-          </a:xfrm>
-        </p:spPr>
-        <p:txBody>
-          <a:bodyPr/>
-          <a:lstStyle/>
-          <a:p>
-            <a:r>
-              <a:rPr lang="pl-PL" dirty="0" err="1"/>
-              <a:t>scala.collection.mutable</a:t>
-            </a:r>
-            <a:endParaRPr lang="en-US" dirty="0"/>
-          </a:p>
-        </p:txBody>
-      </p:sp>
-    </p:spTree>
-    <p:extLst>
-      <p:ext uri="{BB962C8B-B14F-4D97-AF65-F5344CB8AC3E}">
-        <p14:creationId xmlns:p14="http://schemas.microsoft.com/office/powerpoint/2010/main" val="2668818567"/>
-      </p:ext>
-    </p:extLst>
-  </p:cSld>
-  <p:clrMapOvr>
-    <a:masterClrMapping/>
-  </p:clrMapOvr>
-</p:sld>
-</file>
-
-<file path=ppt/slides/slide24.xml><?xml version="1.0" encoding="utf-8"?>
-<p:sld xmlns:a="http://schemas.openxmlformats.org/drawingml/2006/main" xmlns:r="http://schemas.openxmlformats.org/officeDocument/2006/relationships" xmlns:p="http://schemas.openxmlformats.org/presentationml/2006/main">
-  <p:cSld>
-    <p:spTree>
-      <p:nvGrpSpPr>
-        <p:cNvPr id="1" name=""/>
-        <p:cNvGrpSpPr/>
-        <p:nvPr/>
-      </p:nvGrpSpPr>
-      <p:grpSpPr>
-        <a:xfrm>
-          <a:off x="0" y="0"/>
-          <a:ext cx="0" cy="0"/>
-          <a:chOff x="0" y="0"/>
-          <a:chExt cx="0" cy="0"/>
-        </a:xfrm>
-      </p:grpSpPr>
-      <p:sp>
-        <p:nvSpPr>
-          <p:cNvPr id="3" name="Footer Placeholder 2"/>
-          <p:cNvSpPr>
-            <a:spLocks noGrp="1"/>
-          </p:cNvSpPr>
-          <p:nvPr>
-            <p:ph type="ftr" sz="quarter" idx="16"/>
-          </p:nvPr>
-        </p:nvSpPr>
-        <p:spPr/>
-        <p:txBody>
-          <a:bodyPr/>
-          <a:lstStyle/>
-          <a:p>
-            <a:endParaRPr lang="pl-PL" dirty="0"/>
-          </a:p>
-        </p:txBody>
-      </p:sp>
-      <p:sp>
-        <p:nvSpPr>
-          <p:cNvPr id="4" name="Date Placeholder 3"/>
-          <p:cNvSpPr>
-            <a:spLocks noGrp="1"/>
-          </p:cNvSpPr>
-          <p:nvPr>
-            <p:ph type="dt" sz="half" idx="15"/>
-          </p:nvPr>
-        </p:nvSpPr>
-        <p:spPr/>
-        <p:txBody>
-          <a:bodyPr/>
-          <a:lstStyle/>
-          <a:p>
-            <a:endParaRPr lang="pl-PL" dirty="0"/>
-          </a:p>
-        </p:txBody>
-      </p:sp>
-      <p:sp>
-        <p:nvSpPr>
-          <p:cNvPr id="9" name="Title 1">
-            <a:extLst>
-              <a:ext uri="{FF2B5EF4-FFF2-40B4-BE49-F238E27FC236}">
-                <a16:creationId xmlns:a16="http://schemas.microsoft.com/office/drawing/2014/main" id="{82B65652-5EB9-4867-9E15-64C595EA21D0}"/>
-              </a:ext>
-            </a:extLst>
-          </p:cNvPr>
-          <p:cNvSpPr>
-            <a:spLocks noGrp="1"/>
-          </p:cNvSpPr>
-          <p:nvPr>
-            <p:ph type="title"/>
-          </p:nvPr>
-        </p:nvSpPr>
-        <p:spPr>
-          <a:xfrm>
             <a:off x="3707904" y="2213893"/>
             <a:ext cx="1800200" cy="357857"/>
           </a:xfrm>
@@ -13566,7 +13489,7 @@
 </p:sld>
 </file>
 
-<file path=ppt/slides/slide25.xml><?xml version="1.0" encoding="utf-8"?>
+<file path=ppt/slides/slide23.xml><?xml version="1.0" encoding="utf-8"?>
 <p:sld xmlns:a="http://schemas.openxmlformats.org/drawingml/2006/main" xmlns:r="http://schemas.openxmlformats.org/officeDocument/2006/relationships" xmlns:p="http://schemas.openxmlformats.org/presentationml/2006/main">
   <p:cSld>
     <p:spTree>
@@ -18613,22 +18536,6 @@
 </file>
 
 <file path=customXml/item1.xml><?xml version="1.0" encoding="utf-8"?>
-<p:properties xmlns:p="http://schemas.microsoft.com/office/2006/metadata/properties" xmlns:xsi="http://www.w3.org/2001/XMLSchema-instance" xmlns:pc="http://schemas.microsoft.com/office/infopath/2007/PartnerControls">
-  <documentManagement>
-    <PublishingExpirationDate xmlns="http://schemas.microsoft.com/sharepoint/v3" xsi:nil="true"/>
-    <PublishingStartDate xmlns="http://schemas.microsoft.com/sharepoint/v3" xsi:nil="true"/>
-    <_dlc_DocId xmlns="3708c738-35ee-46ab-80c7-a8ab2419782e">OBSS-2049071821-626200</_dlc_DocId>
-    <_dlc_DocIdUrl xmlns="3708c738-35ee-46ab-80c7-a8ab2419782e">
-      <Url>https://obss.sharepoint.com/guilds/bids/_layouts/15/DocIdRedir.aspx?ID=OBSS-2049071821-626200</Url>
-      <Description>OBSS-2049071821-626200</Description>
-    </_dlc_DocIdUrl>
-    <TaxCatchAll xmlns="3708c738-35ee-46ab-80c7-a8ab2419782e"/>
-    <Tags xmlns="cb0eccee-0f77-49ec-991a-9389dd455cd9"/>
-  </documentManagement>
-</p:properties>
-</file>
-
-<file path=customXml/item2.xml><?xml version="1.0" encoding="utf-8"?>
 <ct:contentTypeSchema xmlns:ct="http://schemas.microsoft.com/office/2006/metadata/contentType" xmlns:ma="http://schemas.microsoft.com/office/2006/metadata/properties/metaAttributes" ct:_="" ma:_="" ma:contentTypeName="Document" ma:contentTypeID="0x0101004C5700F8113EE4489F80B9033377C718" ma:contentTypeVersion="19" ma:contentTypeDescription="Create a new document." ma:contentTypeScope="" ma:versionID="8d67101e943c232340b05bc442984c99">
   <xsd:schema xmlns:xsd="http://www.w3.org/2001/XMLSchema" xmlns:xs="http://www.w3.org/2001/XMLSchema" xmlns:p="http://schemas.microsoft.com/office/2006/metadata/properties" xmlns:ns1="http://schemas.microsoft.com/sharepoint/v3" xmlns:ns2="3708c738-35ee-46ab-80c7-a8ab2419782e" xmlns:ns3="b6c8aff7-8255-4849-b8e8-fa486e1a95ad" xmlns:ns4="cb0eccee-0f77-49ec-991a-9389dd455cd9" targetNamespace="http://schemas.microsoft.com/office/2006/metadata/properties" ma:root="true" ma:fieldsID="9ddce169edf252f70c1f33ba5a2d8d15" ns1:_="" ns2:_="" ns3:_="" ns4:_="">
     <xsd:import namespace="http://schemas.microsoft.com/sharepoint/v3"/>
@@ -18889,7 +18796,32 @@
 </ct:contentTypeSchema>
 </file>
 
+<file path=customXml/item2.xml><?xml version="1.0" encoding="utf-8"?>
+<p:properties xmlns:p="http://schemas.microsoft.com/office/2006/metadata/properties" xmlns:xsi="http://www.w3.org/2001/XMLSchema-instance" xmlns:pc="http://schemas.microsoft.com/office/infopath/2007/PartnerControls">
+  <documentManagement>
+    <PublishingExpirationDate xmlns="http://schemas.microsoft.com/sharepoint/v3" xsi:nil="true"/>
+    <PublishingStartDate xmlns="http://schemas.microsoft.com/sharepoint/v3" xsi:nil="true"/>
+    <_dlc_DocId xmlns="3708c738-35ee-46ab-80c7-a8ab2419782e">OBSS-2049071821-626200</_dlc_DocId>
+    <_dlc_DocIdUrl xmlns="3708c738-35ee-46ab-80c7-a8ab2419782e">
+      <Url>https://obss.sharepoint.com/guilds/bids/_layouts/15/DocIdRedir.aspx?ID=OBSS-2049071821-626200</Url>
+      <Description>OBSS-2049071821-626200</Description>
+    </_dlc_DocIdUrl>
+    <TaxCatchAll xmlns="3708c738-35ee-46ab-80c7-a8ab2419782e"/>
+    <Tags xmlns="cb0eccee-0f77-49ec-991a-9389dd455cd9"/>
+  </documentManagement>
+</p:properties>
+</file>
+
 <file path=customXml/item3.xml><?xml version="1.0" encoding="utf-8"?>
+<?mso-contentType ?>
+<FormTemplates xmlns="http://schemas.microsoft.com/sharepoint/v3/contenttype/forms">
+  <Display>DocumentLibraryForm</Display>
+  <Edit>DocumentLibraryForm</Edit>
+  <New>DocumentLibraryForm</New>
+</FormTemplates>
+</file>
+
+<file path=customXml/item4.xml><?xml version="1.0" encoding="utf-8"?>
 <?mso-contentType ?>
 <spe:Receivers xmlns:spe="http://schemas.microsoft.com/sharepoint/events">
   <Receiver>
@@ -18939,28 +18871,7 @@
 </spe:Receivers>
 </file>
 
-<file path=customXml/item4.xml><?xml version="1.0" encoding="utf-8"?>
-<?mso-contentType ?>
-<FormTemplates xmlns="http://schemas.microsoft.com/sharepoint/v3/contenttype/forms">
-  <Display>DocumentLibraryForm</Display>
-  <Edit>DocumentLibraryForm</Edit>
-  <New>DocumentLibraryForm</New>
-</FormTemplates>
-</file>
-
 <file path=customXml/itemProps1.xml><?xml version="1.0" encoding="utf-8"?>
-<ds:datastoreItem xmlns:ds="http://schemas.openxmlformats.org/officeDocument/2006/customXml" ds:itemID="{C053F735-BAB9-4147-90B7-05A702639313}">
-  <ds:schemaRefs>
-    <ds:schemaRef ds:uri="http://schemas.microsoft.com/office/2006/metadata/properties"/>
-    <ds:schemaRef ds:uri="http://schemas.microsoft.com/office/infopath/2007/PartnerControls"/>
-    <ds:schemaRef ds:uri="http://schemas.microsoft.com/sharepoint/v3"/>
-    <ds:schemaRef ds:uri="3708c738-35ee-46ab-80c7-a8ab2419782e"/>
-    <ds:schemaRef ds:uri="cb0eccee-0f77-49ec-991a-9389dd455cd9"/>
-  </ds:schemaRefs>
-</ds:datastoreItem>
-</file>
-
-<file path=customXml/itemProps2.xml><?xml version="1.0" encoding="utf-8"?>
 <ds:datastoreItem xmlns:ds="http://schemas.openxmlformats.org/officeDocument/2006/customXml" ds:itemID="{09C3D11A-0D75-4D0F-B6FB-7E9079733382}">
   <ds:schemaRefs>
     <ds:schemaRef ds:uri="http://schemas.microsoft.com/office/2006/metadata/contentType"/>
@@ -18981,18 +18892,30 @@
 </ds:datastoreItem>
 </file>
 
+<file path=customXml/itemProps2.xml><?xml version="1.0" encoding="utf-8"?>
+<ds:datastoreItem xmlns:ds="http://schemas.openxmlformats.org/officeDocument/2006/customXml" ds:itemID="{C053F735-BAB9-4147-90B7-05A702639313}">
+  <ds:schemaRefs>
+    <ds:schemaRef ds:uri="http://schemas.microsoft.com/office/2006/metadata/properties"/>
+    <ds:schemaRef ds:uri="http://schemas.microsoft.com/office/infopath/2007/PartnerControls"/>
+    <ds:schemaRef ds:uri="http://schemas.microsoft.com/sharepoint/v3"/>
+    <ds:schemaRef ds:uri="3708c738-35ee-46ab-80c7-a8ab2419782e"/>
+    <ds:schemaRef ds:uri="cb0eccee-0f77-49ec-991a-9389dd455cd9"/>
+  </ds:schemaRefs>
+</ds:datastoreItem>
+</file>
+
 <file path=customXml/itemProps3.xml><?xml version="1.0" encoding="utf-8"?>
+<ds:datastoreItem xmlns:ds="http://schemas.openxmlformats.org/officeDocument/2006/customXml" ds:itemID="{47D6E47B-A0F9-4A9A-A856-AFB8DF7B2758}">
+  <ds:schemaRefs>
+    <ds:schemaRef ds:uri="http://schemas.microsoft.com/sharepoint/v3/contenttype/forms"/>
+  </ds:schemaRefs>
+</ds:datastoreItem>
+</file>
+
+<file path=customXml/itemProps4.xml><?xml version="1.0" encoding="utf-8"?>
 <ds:datastoreItem xmlns:ds="http://schemas.openxmlformats.org/officeDocument/2006/customXml" ds:itemID="{0971A6D6-1C30-4849-8471-7486F20BE09D}">
   <ds:schemaRefs>
     <ds:schemaRef ds:uri="http://schemas.microsoft.com/sharepoint/events"/>
   </ds:schemaRefs>
 </ds:datastoreItem>
-</file>
-
-<file path=customXml/itemProps4.xml><?xml version="1.0" encoding="utf-8"?>
-<ds:datastoreItem xmlns:ds="http://schemas.openxmlformats.org/officeDocument/2006/customXml" ds:itemID="{47D6E47B-A0F9-4A9A-A856-AFB8DF7B2758}">
-  <ds:schemaRefs>
-    <ds:schemaRef ds:uri="http://schemas.microsoft.com/sharepoint/v3/contenttype/forms"/>
-  </ds:schemaRefs>
-</ds:datastoreItem>
 </file>
--- a/src/main/resources/slides.pptx
+++ b/src/main/resources/slides.pptx
@@ -5,10 +5,10 @@
     <p:sldMasterId id="2147483684" r:id="rId5"/>
   </p:sldMasterIdLst>
   <p:notesMasterIdLst>
-    <p:notesMasterId r:id="rId29"/>
+    <p:notesMasterId r:id="rId30"/>
   </p:notesMasterIdLst>
   <p:handoutMasterIdLst>
-    <p:handoutMasterId r:id="rId30"/>
+    <p:handoutMasterId r:id="rId31"/>
   </p:handoutMasterIdLst>
   <p:sldIdLst>
     <p:sldId id="258" r:id="rId6"/>
@@ -17,23 +17,24 @@
     <p:sldId id="297" r:id="rId9"/>
     <p:sldId id="277" r:id="rId10"/>
     <p:sldId id="278" r:id="rId11"/>
-    <p:sldId id="279" r:id="rId12"/>
-    <p:sldId id="281" r:id="rId13"/>
-    <p:sldId id="282" r:id="rId14"/>
-    <p:sldId id="283" r:id="rId15"/>
-    <p:sldId id="284" r:id="rId16"/>
-    <p:sldId id="285" r:id="rId17"/>
+    <p:sldId id="281" r:id="rId12"/>
+    <p:sldId id="282" r:id="rId13"/>
+    <p:sldId id="283" r:id="rId14"/>
+    <p:sldId id="284" r:id="rId15"/>
+    <p:sldId id="285" r:id="rId16"/>
+    <p:sldId id="279" r:id="rId17"/>
     <p:sldId id="286" r:id="rId18"/>
     <p:sldId id="287" r:id="rId19"/>
     <p:sldId id="288" r:id="rId20"/>
     <p:sldId id="289" r:id="rId21"/>
     <p:sldId id="291" r:id="rId22"/>
     <p:sldId id="293" r:id="rId23"/>
-    <p:sldId id="292" r:id="rId24"/>
-    <p:sldId id="294" r:id="rId25"/>
-    <p:sldId id="300" r:id="rId26"/>
-    <p:sldId id="301" r:id="rId27"/>
-    <p:sldId id="296" r:id="rId28"/>
+    <p:sldId id="302" r:id="rId24"/>
+    <p:sldId id="292" r:id="rId25"/>
+    <p:sldId id="294" r:id="rId26"/>
+    <p:sldId id="300" r:id="rId27"/>
+    <p:sldId id="301" r:id="rId28"/>
+    <p:sldId id="296" r:id="rId29"/>
   </p:sldIdLst>
   <p:sldSz cx="9144000" cy="5143500" type="screen16x9"/>
   <p:notesSz cx="6858000" cy="9144000"/>
@@ -286,7 +287,7 @@
           <a:p>
             <a:fld id="{D767EAEA-49F6-47D1-81B5-6AE13276E2F7}" type="datetimeFigureOut">
               <a:rPr lang="pl-PL" smtClean="0"/>
-              <a:t>29.01.2019</a:t>
+              <a:t>31.01.2019</a:t>
             </a:fld>
             <a:endParaRPr lang="pl-PL"/>
           </a:p>
@@ -455,7 +456,7 @@
           <a:p>
             <a:fld id="{153FA37D-DE2B-47E9-A168-88AE1559A114}" type="datetimeFigureOut">
               <a:rPr lang="pl-PL" smtClean="0"/>
-              <a:t>29.01.2019</a:t>
+              <a:t>31.01.2019</a:t>
             </a:fld>
             <a:endParaRPr lang="pl-PL"/>
           </a:p>
@@ -872,11 +873,61 @@
           <a:p>
             <a:r>
               <a:rPr lang="pl-PL" dirty="0"/>
-              <a:t>Driver proces jest odpowiedziany za wykonanie naszego programu na wszystkich </a:t>
-            </a:r>
-            <a:r>
-              <a:rPr lang="pl-PL" dirty="0" err="1"/>
-              <a:t>executorach</a:t>
+              <a:t>Nasza aplikacja składa się z </a:t>
+            </a:r>
+            <a:r>
+              <a:rPr lang="pl-PL" b="1" dirty="0"/>
+              <a:t>driver procesu </a:t>
+            </a:r>
+            <a:r>
+              <a:rPr lang="pl-PL" dirty="0"/>
+              <a:t>i </a:t>
+            </a:r>
+            <a:r>
+              <a:rPr lang="pl-PL" b="1" dirty="0" err="1"/>
+              <a:t>executor</a:t>
+            </a:r>
+            <a:r>
+              <a:rPr lang="pl-PL" b="1" dirty="0"/>
+              <a:t> procesów</a:t>
+            </a:r>
+            <a:r>
+              <a:rPr lang="pl-PL" dirty="0"/>
+              <a:t>. </a:t>
+            </a:r>
+          </a:p>
+          <a:p>
+            <a:r>
+              <a:rPr lang="pl-PL" dirty="0"/>
+              <a:t>Driver proces to serce aplikacji, uruchamiania on funkcje </a:t>
+            </a:r>
+            <a:r>
+              <a:rPr lang="pl-PL" dirty="0" err="1"/>
+              <a:t>main</a:t>
+            </a:r>
+            <a:r>
+              <a:rPr lang="pl-PL" dirty="0"/>
+              <a:t>() naszej aplikacji, działa na jednym z </a:t>
+            </a:r>
+            <a:r>
+              <a:rPr lang="pl-PL" dirty="0" err="1"/>
+              <a:t>node’ów</a:t>
+            </a:r>
+            <a:r>
+              <a:rPr lang="pl-PL" dirty="0"/>
+              <a:t> na klastrze i jest odpowiedzialny za dystrybucje i </a:t>
+            </a:r>
+            <a:r>
+              <a:rPr lang="pl-PL" dirty="0" err="1"/>
+              <a:t>scheduling</a:t>
+            </a:r>
+            <a:r>
+              <a:rPr lang="pl-PL" dirty="0"/>
+              <a:t> pracy do wykonania między </a:t>
+            </a:r>
+            <a:r>
+              <a:rPr lang="pl-PL" dirty="0" err="1"/>
+              <a:t>executory</a:t>
             </a:r>
             <a:r>
               <a:rPr lang="pl-PL" dirty="0"/>
@@ -894,7 +945,39 @@
           <a:p>
             <a:r>
               <a:rPr lang="pl-PL" dirty="0"/>
-              <a:t>Cluster managerem może być np. YARN, MESOS czy KUBERNETES.</a:t>
+              <a:t>Cluster managerem może być np. YARN, MESOS.</a:t>
+            </a:r>
+          </a:p>
+          <a:p>
+            <a:r>
+              <a:rPr lang="pl-PL" b="1" dirty="0" err="1"/>
+              <a:t>Execuotry</a:t>
+            </a:r>
+            <a:r>
+              <a:rPr lang="pl-PL" dirty="0"/>
+              <a:t> odpowiedzialne są za wykonanie pracy delegowanej przez driver i raportowanie postępu z powrotem do drivera.</a:t>
+            </a:r>
+          </a:p>
+          <a:p>
+            <a:r>
+              <a:rPr lang="pl-PL" dirty="0"/>
+              <a:t>Spark </a:t>
+            </a:r>
+            <a:r>
+              <a:rPr lang="pl-PL" dirty="0" err="1"/>
+              <a:t>Session</a:t>
+            </a:r>
+            <a:r>
+              <a:rPr lang="pl-PL" dirty="0"/>
+              <a:t> to punkt wejściowy do </a:t>
+            </a:r>
+            <a:r>
+              <a:rPr lang="pl-PL" dirty="0" err="1"/>
+              <a:t>framworka</a:t>
+            </a:r>
+            <a:r>
+              <a:rPr lang="pl-PL" dirty="0"/>
+              <a:t> Sparka.</a:t>
             </a:r>
           </a:p>
         </p:txBody>
@@ -1111,14 +1194,67 @@
           <a:bodyPr/>
           <a:lstStyle/>
           <a:p>
-            <a:endParaRPr lang="pl-PL" dirty="0"/>
+            <a:r>
+              <a:rPr lang="pl-PL" dirty="0"/>
+              <a:t>Scala/Java bardziej dla software </a:t>
+            </a:r>
+            <a:r>
+              <a:rPr lang="pl-PL" dirty="0" err="1"/>
+              <a:t>engineerów</a:t>
+            </a:r>
+            <a:r>
+              <a:rPr lang="pl-PL" dirty="0"/>
+              <a:t>. </a:t>
+            </a:r>
+            <a:r>
+              <a:rPr lang="pl-PL" dirty="0" err="1"/>
+              <a:t>Python</a:t>
+            </a:r>
+            <a:r>
+              <a:rPr lang="pl-PL" dirty="0"/>
+              <a:t>/R bardziej dla data </a:t>
+            </a:r>
+            <a:r>
+              <a:rPr lang="pl-PL" dirty="0" err="1"/>
+              <a:t>scientistów</a:t>
+            </a:r>
+            <a:r>
+              <a:rPr lang="pl-PL" dirty="0"/>
+              <a:t>. SQL to DBA. </a:t>
+            </a:r>
+          </a:p>
+          <a:p>
+            <a:r>
+              <a:rPr lang="pl-PL" dirty="0"/>
+              <a:t>Obecnie najbardziej rozwijane to Scala i </a:t>
+            </a:r>
+            <a:r>
+              <a:rPr lang="pl-PL" dirty="0" err="1"/>
+              <a:t>Python</a:t>
+            </a:r>
+            <a:r>
+              <a:rPr lang="pl-PL" dirty="0"/>
+              <a:t>.</a:t>
+            </a:r>
+          </a:p>
+          <a:p>
+            <a:r>
+              <a:rPr lang="pl-PL" dirty="0"/>
+              <a:t>Z racji że Spark jest napisany w Scali, jest ona obecnie najpowszechniej używanym językiem Big Data.</a:t>
+            </a:r>
+          </a:p>
+          <a:p>
+            <a:r>
+              <a:rPr lang="pl-PL" dirty="0"/>
+              <a:t>Sam Spark mocno się przyczynił to popularyzacji Scali.</a:t>
+            </a:r>
           </a:p>
         </p:txBody>
       </p:sp>
     </p:spTree>
     <p:extLst>
       <p:ext uri="{BB962C8B-B14F-4D97-AF65-F5344CB8AC3E}">
-        <p14:creationId xmlns:p14="http://schemas.microsoft.com/office/powerpoint/2010/main" val="4043919891"/>
+        <p14:creationId xmlns:p14="http://schemas.microsoft.com/office/powerpoint/2010/main" val="329979926"/>
       </p:ext>
     </p:extLst>
   </p:cSld>
@@ -1172,241 +1308,6 @@
           <a:bodyPr/>
           <a:lstStyle/>
           <a:p>
-            <a:r>
-              <a:rPr lang="en-US" b="1" dirty="0"/>
-              <a:t>Performance</a:t>
-            </a:r>
-            <a:r>
-              <a:rPr lang="pl-PL" dirty="0"/>
-              <a:t> - Spark jest napisany w Scali, dzięki czemu uzyskujemy najlepszą (native) wydajność i największą spójność i pokrycie między API Scali i API Sparka.</a:t>
-            </a:r>
-          </a:p>
-          <a:p>
-            <a:pPr marL="0" marR="0" lvl="0" indent="0" algn="l" defTabSz="914400" rtl="0" eaLnBrk="1" fontAlgn="auto" latinLnBrk="0" hangingPunct="1">
-              <a:lnSpc>
-                <a:spcPct val="100000"/>
-              </a:lnSpc>
-              <a:spcBef>
-                <a:spcPts val="0"/>
-              </a:spcBef>
-              <a:spcAft>
-                <a:spcPts val="0"/>
-              </a:spcAft>
-              <a:buClrTx/>
-              <a:buSzTx/>
-              <a:buFontTx/>
-              <a:buNone/>
-              <a:tabLst/>
-              <a:defRPr/>
-            </a:pPr>
-            <a:r>
-              <a:rPr lang="pl-PL" b="1" dirty="0" err="1"/>
-              <a:t>Immutable</a:t>
-            </a:r>
-            <a:r>
-              <a:rPr lang="pl-PL" b="1" dirty="0"/>
-              <a:t> data </a:t>
-            </a:r>
-            <a:r>
-              <a:rPr lang="pl-PL" b="1" dirty="0" err="1"/>
-              <a:t>structrues</a:t>
-            </a:r>
-            <a:r>
-              <a:rPr lang="pl-PL" dirty="0"/>
-              <a:t> – </a:t>
-            </a:r>
-            <a:r>
-              <a:rPr lang="pl-PL" dirty="0" err="1"/>
-              <a:t>e.g</a:t>
-            </a:r>
-            <a:r>
-              <a:rPr lang="pl-PL" dirty="0"/>
-              <a:t>. </a:t>
-            </a:r>
-            <a:r>
-              <a:rPr lang="pl-PL" dirty="0" err="1"/>
-              <a:t>case</a:t>
-            </a:r>
-            <a:r>
-              <a:rPr lang="pl-PL" dirty="0"/>
-              <a:t> </a:t>
-            </a:r>
-            <a:r>
-              <a:rPr lang="pl-PL" dirty="0" err="1"/>
-              <a:t>clasess</a:t>
-            </a:r>
-            <a:r>
-              <a:rPr lang="pl-PL" dirty="0"/>
-              <a:t>, </a:t>
-            </a:r>
-            <a:r>
-              <a:rPr lang="pl-PL" dirty="0" err="1"/>
-              <a:t>collections</a:t>
-            </a:r>
-            <a:r>
-              <a:rPr lang="pl-PL" dirty="0"/>
-              <a:t> - </a:t>
-            </a:r>
-            <a:r>
-              <a:rPr lang="en-US" sz="1200" dirty="0"/>
-              <a:t>allowing for parallel, lock-free data processing</a:t>
-            </a:r>
-            <a:endParaRPr lang="pl-PL" dirty="0"/>
-          </a:p>
-          <a:p>
-            <a:r>
-              <a:rPr lang="en-US" b="1" dirty="0"/>
-              <a:t>Type Safety</a:t>
-            </a:r>
-            <a:r>
-              <a:rPr lang="pl-PL" b="1" dirty="0"/>
-              <a:t> </a:t>
-            </a:r>
-            <a:r>
-              <a:rPr lang="pl-PL" dirty="0"/>
-              <a:t>– w porównaniu do </a:t>
-            </a:r>
-            <a:r>
-              <a:rPr lang="pl-PL" dirty="0" err="1"/>
-              <a:t>Pythona</a:t>
-            </a:r>
-            <a:r>
-              <a:rPr lang="pl-PL" dirty="0"/>
-              <a:t> (poniżej 3.5 – </a:t>
-            </a:r>
-            <a:r>
-              <a:rPr lang="pl-PL" dirty="0" err="1"/>
-              <a:t>mypy</a:t>
-            </a:r>
-            <a:r>
-              <a:rPr lang="pl-PL" dirty="0"/>
-              <a:t>, https://docs.python.org/3/library/typing.html) i R, korzyści ze Scali to </a:t>
-            </a:r>
-            <a:r>
-              <a:rPr lang="pl-PL" dirty="0" err="1"/>
-              <a:t>statycze</a:t>
-            </a:r>
-            <a:r>
-              <a:rPr lang="pl-PL" dirty="0"/>
-              <a:t> typowanie (</a:t>
-            </a:r>
-            <a:r>
-              <a:rPr lang="en-US" dirty="0"/>
-              <a:t>static typing</a:t>
-            </a:r>
-            <a:r>
-              <a:rPr lang="pl-PL" dirty="0"/>
-              <a:t>) i </a:t>
-            </a:r>
-            <a:r>
-              <a:rPr lang="en-US" dirty="0"/>
-              <a:t>type inference</a:t>
-            </a:r>
-            <a:r>
-              <a:rPr lang="pl-PL" dirty="0"/>
-              <a:t> </a:t>
-            </a:r>
-            <a:r>
-              <a:rPr lang="pl-PL" b="0" dirty="0"/>
-              <a:t>(</a:t>
-            </a:r>
-            <a:r>
-              <a:rPr lang="pl-PL" sz="1200" b="0" i="0" kern="1200" dirty="0">
-                <a:solidFill>
-                  <a:schemeClr val="tx1"/>
-                </a:solidFill>
-                <a:effectLst/>
-                <a:latin typeface="+mn-lt"/>
-                <a:ea typeface="+mn-ea"/>
-                <a:cs typeface="+mn-cs"/>
-              </a:rPr>
-              <a:t>wywodzenie typów)</a:t>
-            </a:r>
-            <a:r>
-              <a:rPr lang="pl-PL" dirty="0"/>
-              <a:t>. Wg Martina </a:t>
-            </a:r>
-            <a:r>
-              <a:rPr lang="pl-PL" dirty="0" err="1"/>
-              <a:t>Odersky’ego</a:t>
-            </a:r>
-            <a:r>
-              <a:rPr lang="pl-PL" dirty="0"/>
-              <a:t> większość logicznych błędów w aplikacji napisanych w Sparku wynika z błędnie zdefiniowanych czy tez w powstałych w wyniku transformacji błędów.  Statycznie typowanie kolekcji w Scali bardzo w tym pomaga.</a:t>
-            </a:r>
-          </a:p>
-          <a:p>
-            <a:r>
-              <a:rPr lang="en-US" b="1" dirty="0"/>
-              <a:t>Concise, Expressive Code</a:t>
-            </a:r>
-            <a:r>
-              <a:rPr lang="pl-PL" b="1" dirty="0"/>
-              <a:t> </a:t>
-            </a:r>
-            <a:r>
-              <a:rPr lang="pl-PL" dirty="0"/>
-              <a:t>–  w porównaniu do Javy, kod jest bardziej zwięzły (</a:t>
-            </a:r>
-            <a:r>
-              <a:rPr lang="pl-PL" dirty="0" err="1"/>
-              <a:t>concise</a:t>
-            </a:r>
-            <a:r>
-              <a:rPr lang="pl-PL" dirty="0"/>
-              <a:t>) dzięki czumu zwiększa Twoją produktywność. </a:t>
-            </a:r>
-            <a:r>
-              <a:rPr lang="en-US" dirty="0"/>
-              <a:t>and several features of Scala make your code even more concise. </a:t>
-            </a:r>
-            <a:endParaRPr lang="pl-PL" dirty="0"/>
-          </a:p>
-          <a:p>
-            <a:r>
-              <a:rPr lang="pl-PL" b="1" dirty="0"/>
-              <a:t>Debugging</a:t>
-            </a:r>
-            <a:r>
-              <a:rPr lang="pl-PL" dirty="0"/>
-              <a:t> – kiedy pojawiają się problemy z kodem, zrozumie </a:t>
-            </a:r>
-            <a:r>
-              <a:rPr lang="pl-PL" dirty="0" err="1"/>
-              <a:t>exception</a:t>
-            </a:r>
-            <a:r>
-              <a:rPr lang="pl-PL" dirty="0"/>
-              <a:t> </a:t>
-            </a:r>
-            <a:r>
-              <a:rPr lang="pl-PL" dirty="0" err="1"/>
-              <a:t>stack</a:t>
-            </a:r>
-            <a:r>
-              <a:rPr lang="pl-PL" dirty="0"/>
-              <a:t> </a:t>
-            </a:r>
-            <a:r>
-              <a:rPr lang="pl-PL" dirty="0" err="1"/>
-              <a:t>trace</a:t>
-            </a:r>
-            <a:r>
-              <a:rPr lang="pl-PL" dirty="0"/>
-              <a:t> jest prostsze jeśli znasz </a:t>
-            </a:r>
-            <a:r>
-              <a:rPr lang="pl-PL" dirty="0" err="1"/>
-              <a:t>Scale</a:t>
-            </a:r>
-            <a:r>
-              <a:rPr lang="pl-PL" dirty="0"/>
-              <a:t>. </a:t>
-            </a:r>
-            <a:r>
-              <a:rPr lang="en-US" dirty="0"/>
-              <a:t>Unfortunately, the "abstraction leaks" when problems occur.</a:t>
-            </a:r>
             <a:endParaRPr lang="pl-PL" dirty="0"/>
           </a:p>
         </p:txBody>
@@ -1414,7 +1315,7 @@
     </p:spTree>
     <p:extLst>
       <p:ext uri="{BB962C8B-B14F-4D97-AF65-F5344CB8AC3E}">
-        <p14:creationId xmlns:p14="http://schemas.microsoft.com/office/powerpoint/2010/main" val="3904810144"/>
+        <p14:creationId xmlns:p14="http://schemas.microsoft.com/office/powerpoint/2010/main" val="4043919891"/>
       </p:ext>
     </p:extLst>
   </p:cSld>
@@ -1469,94 +1370,244 @@
           <a:lstStyle/>
           <a:p>
             <a:r>
-              <a:rPr lang="en-US" dirty="0"/>
-              <a:t>Why Not Scala?</a:t>
-            </a:r>
-          </a:p>
-          <a:p>
-            <a:r>
-              <a:rPr lang="en-US" dirty="0"/>
-              <a:t>Scala </a:t>
-            </a:r>
-            <a:r>
-              <a:rPr lang="pl-PL" dirty="0"/>
-              <a:t>nie jest doskonała, jak każdy język. Są dwie główne wady w porównaniu do </a:t>
-            </a:r>
-            <a:r>
-              <a:rPr lang="en-US" dirty="0"/>
-              <a:t>Python</a:t>
-            </a:r>
-            <a:r>
-              <a:rPr lang="pl-PL" dirty="0"/>
-              <a:t>a czy</a:t>
-            </a:r>
-            <a:r>
-              <a:rPr lang="en-US" dirty="0"/>
-              <a:t> R:</a:t>
-            </a:r>
-          </a:p>
-          <a:p>
-            <a:pPr marL="171450" indent="-171450">
-              <a:buFont typeface="Arial" panose="020B0604020202020204" pitchFamily="34" charset="0"/>
-              <a:buChar char="•"/>
+              <a:rPr lang="en-US" b="1" dirty="0"/>
+              <a:t>Performance</a:t>
+            </a:r>
+            <a:r>
+              <a:rPr lang="pl-PL" dirty="0"/>
+              <a:t> - Spark jest napisany w Scali, dzięki czemu uzyskujemy najlepszą (native) wydajność i największą spójność i pokrycie między API Scali i API Sparka.  </a:t>
+            </a:r>
+            <a:r>
+              <a:rPr lang="pl-PL" sz="1200" b="0" i="0" u="none" strike="noStrike" kern="1200" baseline="0" dirty="0">
+                <a:solidFill>
+                  <a:schemeClr val="tx1"/>
+                </a:solidFill>
+                <a:latin typeface="+mn-lt"/>
+                <a:ea typeface="+mn-ea"/>
+                <a:cs typeface="+mn-cs"/>
+              </a:rPr>
+              <a:t>Jeśli piszemy kod w </a:t>
+            </a:r>
+            <a:r>
+              <a:rPr lang="pl-PL" sz="1200" b="0" i="0" u="none" strike="noStrike" kern="1200" baseline="0" dirty="0" err="1">
+                <a:solidFill>
+                  <a:schemeClr val="tx1"/>
+                </a:solidFill>
+                <a:latin typeface="+mn-lt"/>
+                <a:ea typeface="+mn-ea"/>
+                <a:cs typeface="+mn-cs"/>
+              </a:rPr>
+              <a:t>Pythonie</a:t>
+            </a:r>
+            <a:r>
+              <a:rPr lang="pl-PL" sz="1200" b="0" i="0" u="none" strike="noStrike" kern="1200" baseline="0" dirty="0">
+                <a:solidFill>
+                  <a:schemeClr val="tx1"/>
+                </a:solidFill>
+                <a:latin typeface="+mn-lt"/>
+                <a:ea typeface="+mn-ea"/>
+                <a:cs typeface="+mn-cs"/>
+              </a:rPr>
+              <a:t> lub R, Spark </a:t>
+            </a:r>
+            <a:r>
+              <a:rPr lang="pl-PL" sz="1200" b="0" i="0" u="none" strike="noStrike" kern="1200" baseline="0" dirty="0" err="1">
+                <a:solidFill>
+                  <a:schemeClr val="tx1"/>
+                </a:solidFill>
+                <a:latin typeface="+mn-lt"/>
+                <a:ea typeface="+mn-ea"/>
+                <a:cs typeface="+mn-cs"/>
+              </a:rPr>
+              <a:t>Session</a:t>
+            </a:r>
+            <a:r>
+              <a:rPr lang="pl-PL" sz="1200" b="0" i="0" u="none" strike="noStrike" kern="1200" baseline="0" dirty="0">
+                <a:solidFill>
+                  <a:schemeClr val="tx1"/>
+                </a:solidFill>
+                <a:latin typeface="+mn-lt"/>
+                <a:ea typeface="+mn-ea"/>
+                <a:cs typeface="+mn-cs"/>
+              </a:rPr>
+              <a:t> musi najpierw przetłumaczyć kod na </a:t>
+            </a:r>
+            <a:r>
+              <a:rPr lang="pl-PL" sz="1200" b="0" i="0" u="none" strike="noStrike" kern="1200" baseline="0" dirty="0" err="1">
+                <a:solidFill>
+                  <a:schemeClr val="tx1"/>
+                </a:solidFill>
+                <a:latin typeface="+mn-lt"/>
+                <a:ea typeface="+mn-ea"/>
+                <a:cs typeface="+mn-cs"/>
+              </a:rPr>
+              <a:t>bytecode</a:t>
+            </a:r>
+            <a:r>
+              <a:rPr lang="pl-PL" sz="1200" b="0" i="0" u="none" strike="noStrike" kern="1200" baseline="0" dirty="0">
+                <a:solidFill>
+                  <a:schemeClr val="tx1"/>
+                </a:solidFill>
+                <a:latin typeface="+mn-lt"/>
+                <a:ea typeface="+mn-ea"/>
+                <a:cs typeface="+mn-cs"/>
+              </a:rPr>
+              <a:t> uruchamiany na JVM i dalej przekazać do wykonania na </a:t>
+            </a:r>
+            <a:r>
+              <a:rPr lang="pl-PL" sz="1200" b="0" i="0" u="none" strike="noStrike" kern="1200" baseline="0" dirty="0" err="1">
+                <a:solidFill>
+                  <a:schemeClr val="tx1"/>
+                </a:solidFill>
+                <a:latin typeface="+mn-lt"/>
+                <a:ea typeface="+mn-ea"/>
+                <a:cs typeface="+mn-cs"/>
+              </a:rPr>
+              <a:t>executorach</a:t>
+            </a:r>
+            <a:r>
+              <a:rPr lang="pl-PL" sz="1200" b="0" i="0" u="none" strike="noStrike" kern="1200" baseline="0" dirty="0">
+                <a:solidFill>
+                  <a:schemeClr val="tx1"/>
+                </a:solidFill>
+                <a:latin typeface="+mn-lt"/>
+                <a:ea typeface="+mn-ea"/>
+                <a:cs typeface="+mn-cs"/>
+              </a:rPr>
+              <a:t>. Jeśli jednak używamy </a:t>
+            </a:r>
+            <a:r>
+              <a:rPr lang="en-US" sz="1200" b="0" i="0" u="none" strike="noStrike" kern="1200" baseline="0" dirty="0">
+                <a:solidFill>
+                  <a:schemeClr val="tx1"/>
+                </a:solidFill>
+                <a:latin typeface="+mn-lt"/>
+                <a:ea typeface="+mn-ea"/>
+                <a:cs typeface="+mn-cs"/>
+              </a:rPr>
+              <a:t>Structured APIs</a:t>
+            </a:r>
+            <a:r>
+              <a:rPr lang="pl-PL" sz="1200" b="0" i="0" u="none" strike="noStrike" kern="1200" baseline="0" dirty="0">
+                <a:solidFill>
+                  <a:schemeClr val="tx1"/>
+                </a:solidFill>
+                <a:latin typeface="+mn-lt"/>
+                <a:ea typeface="+mn-ea"/>
+                <a:cs typeface="+mn-cs"/>
+              </a:rPr>
+              <a:t> wydajność jest zbliżona dla każdego języka,</a:t>
+            </a:r>
+          </a:p>
+          <a:p>
+            <a:endParaRPr lang="pl-PL" sz="1200" b="0" i="0" u="none" strike="noStrike" kern="1200" baseline="0" dirty="0">
+              <a:solidFill>
+                <a:schemeClr val="tx1"/>
+              </a:solidFill>
+              <a:latin typeface="+mn-lt"/>
+              <a:ea typeface="+mn-ea"/>
+              <a:cs typeface="+mn-cs"/>
+            </a:endParaRPr>
+          </a:p>
+          <a:p>
+            <a:pPr marL="0" marR="0" lvl="0" indent="0" algn="l" defTabSz="914400" rtl="0" eaLnBrk="1" fontAlgn="auto" latinLnBrk="0" hangingPunct="1">
+              <a:lnSpc>
+                <a:spcPct val="100000"/>
+              </a:lnSpc>
+              <a:spcBef>
+                <a:spcPts val="0"/>
+              </a:spcBef>
+              <a:spcAft>
+                <a:spcPts val="0"/>
+              </a:spcAft>
+              <a:buClrTx/>
+              <a:buSzTx/>
+              <a:buFontTx/>
+              <a:buNone/>
+              <a:tabLst/>
+              <a:defRPr/>
             </a:pPr>
             <a:r>
+              <a:rPr lang="pl-PL" b="1" dirty="0" err="1"/>
+              <a:t>Immutable</a:t>
+            </a:r>
+            <a:r>
+              <a:rPr lang="pl-PL" b="1" dirty="0"/>
+              <a:t> data </a:t>
+            </a:r>
+            <a:r>
+              <a:rPr lang="pl-PL" b="1" dirty="0" err="1"/>
+              <a:t>structrues</a:t>
+            </a:r>
+            <a:r>
+              <a:rPr lang="pl-PL" dirty="0"/>
+              <a:t> – </a:t>
+            </a:r>
+            <a:r>
+              <a:rPr lang="pl-PL" dirty="0" err="1"/>
+              <a:t>e.g</a:t>
+            </a:r>
+            <a:r>
+              <a:rPr lang="pl-PL" dirty="0"/>
+              <a:t>. </a:t>
+            </a:r>
+            <a:r>
+              <a:rPr lang="pl-PL" dirty="0" err="1"/>
+              <a:t>case</a:t>
+            </a:r>
+            <a:r>
+              <a:rPr lang="pl-PL" dirty="0"/>
+              <a:t> </a:t>
+            </a:r>
+            <a:r>
+              <a:rPr lang="pl-PL" dirty="0" err="1"/>
+              <a:t>clasess</a:t>
+            </a:r>
+            <a:r>
+              <a:rPr lang="pl-PL" dirty="0"/>
+              <a:t>, </a:t>
+            </a:r>
+            <a:r>
+              <a:rPr lang="pl-PL" dirty="0" err="1"/>
+              <a:t>collections</a:t>
+            </a:r>
+            <a:r>
+              <a:rPr lang="pl-PL" dirty="0"/>
+              <a:t> – pozwalające na współbieżne,</a:t>
+            </a:r>
+            <a:r>
+              <a:rPr lang="en-US" sz="1200" dirty="0"/>
+              <a:t> </a:t>
+            </a:r>
+            <a:r>
+              <a:rPr lang="pl-PL" sz="1200" dirty="0"/>
+              <a:t>nieblokujące przetwarzanie danych.</a:t>
+            </a:r>
+          </a:p>
+          <a:p>
+            <a:pPr marL="0" marR="0" lvl="0" indent="0" algn="l" defTabSz="914400" rtl="0" eaLnBrk="1" fontAlgn="auto" latinLnBrk="0" hangingPunct="1">
+              <a:lnSpc>
+                <a:spcPct val="100000"/>
+              </a:lnSpc>
+              <a:spcBef>
+                <a:spcPts val="0"/>
+              </a:spcBef>
+              <a:spcAft>
+                <a:spcPts val="0"/>
+              </a:spcAft>
+              <a:buClrTx/>
+              <a:buSzTx/>
+              <a:buFontTx/>
+              <a:buNone/>
+              <a:tabLst/>
+              <a:defRPr/>
+            </a:pPr>
+            <a:endParaRPr lang="pl-PL" dirty="0"/>
+          </a:p>
+          <a:p>
+            <a:r>
               <a:rPr lang="en-US" b="1" dirty="0"/>
-              <a:t>Libraries</a:t>
-            </a:r>
-            <a:r>
-              <a:rPr lang="pl-PL" dirty="0"/>
-              <a:t> - </a:t>
-            </a:r>
-            <a:r>
-              <a:rPr lang="en-US" dirty="0"/>
-              <a:t>Python </a:t>
-            </a:r>
-            <a:r>
-              <a:rPr lang="pl-PL" dirty="0"/>
-              <a:t>i</a:t>
-            </a:r>
-            <a:r>
-              <a:rPr lang="en-US" dirty="0"/>
-              <a:t> R </a:t>
-            </a:r>
-            <a:r>
-              <a:rPr lang="pl-PL" dirty="0"/>
-              <a:t> posiada bogaty </a:t>
-            </a:r>
-            <a:r>
-              <a:rPr lang="pl-PL" dirty="0" err="1"/>
-              <a:t>echosytem</a:t>
-            </a:r>
-            <a:r>
-              <a:rPr lang="pl-PL" dirty="0"/>
-              <a:t> bibliotek i duże </a:t>
-            </a:r>
-            <a:r>
-              <a:rPr lang="pl-PL" dirty="0" err="1"/>
-              <a:t>community</a:t>
-            </a:r>
-            <a:r>
-              <a:rPr lang="pl-PL" dirty="0"/>
-              <a:t>. Scala stara się gonić </a:t>
-            </a:r>
-            <a:r>
-              <a:rPr lang="pl-PL" dirty="0" err="1"/>
-              <a:t>Pythona</a:t>
-            </a:r>
-            <a:r>
-              <a:rPr lang="pl-PL" dirty="0"/>
-              <a:t>, ale to jak z analogią do „psa i uciekającego królika”. </a:t>
-            </a:r>
-          </a:p>
-          <a:p>
-            <a:pPr marL="171450" indent="-171450">
-              <a:buFont typeface="Arial" panose="020B0604020202020204" pitchFamily="34" charset="0"/>
-              <a:buChar char="•"/>
-            </a:pPr>
-            <a:r>
-              <a:rPr lang="en-US" b="1" dirty="0"/>
-              <a:t>Advanced Language Features:</a:t>
+              <a:t>Type Safety</a:t>
             </a:r>
             <a:r>
               <a:rPr lang="pl-PL" b="1" dirty="0"/>
@@ -1564,47 +1615,152 @@
             </a:r>
             <a:r>
               <a:rPr lang="pl-PL" dirty="0"/>
-              <a:t>- opanowanie API Scali to nie lada wyczyn. Jeśli nie rozumiesz jak działa bardziej wyszukane konstrukcje jak </a:t>
-            </a:r>
-            <a:r>
-              <a:rPr lang="pl-PL" dirty="0" err="1"/>
-              <a:t>patter</a:t>
+              <a:t>– w porównaniu do </a:t>
+            </a:r>
+            <a:r>
+              <a:rPr lang="pl-PL" dirty="0" err="1"/>
+              <a:t>Pythona</a:t>
+            </a:r>
+            <a:r>
+              <a:rPr lang="pl-PL" dirty="0"/>
+              <a:t> (poniżej 3.5 – </a:t>
+            </a:r>
+            <a:r>
+              <a:rPr lang="pl-PL" dirty="0" err="1"/>
+              <a:t>mypy</a:t>
+            </a:r>
+            <a:r>
+              <a:rPr lang="pl-PL" dirty="0"/>
+              <a:t>, https://docs.python.org/3/library/typing.html) i R, korzyści ze Scali to </a:t>
+            </a:r>
+            <a:r>
+              <a:rPr lang="pl-PL" dirty="0" err="1"/>
+              <a:t>statycze</a:t>
+            </a:r>
+            <a:r>
+              <a:rPr lang="pl-PL" dirty="0"/>
+              <a:t> typowanie (</a:t>
+            </a:r>
+            <a:r>
+              <a:rPr lang="en-US" dirty="0"/>
+              <a:t>static typing</a:t>
+            </a:r>
+            <a:r>
+              <a:rPr lang="pl-PL" dirty="0"/>
+              <a:t>) i </a:t>
+            </a:r>
+            <a:r>
+              <a:rPr lang="en-US" dirty="0"/>
+              <a:t>type inference</a:t>
             </a:r>
             <a:r>
               <a:rPr lang="pl-PL" dirty="0"/>
               <a:t> </a:t>
             </a:r>
             <a:r>
-              <a:rPr lang="pl-PL" dirty="0" err="1"/>
-              <a:t>matching</a:t>
-            </a:r>
-            <a:r>
-              <a:rPr lang="pl-PL" dirty="0"/>
-              <a:t>, </a:t>
-            </a:r>
-            <a:r>
-              <a:rPr lang="pl-PL" dirty="0" err="1"/>
-              <a:t>implicits</a:t>
-            </a:r>
-            <a:r>
-              <a:rPr lang="pl-PL" dirty="0"/>
-              <a:t>, </a:t>
-            </a:r>
-            <a:r>
-              <a:rPr lang="pl-PL" dirty="0" err="1"/>
-              <a:t>lineralization</a:t>
-            </a:r>
-            <a:r>
-              <a:rPr lang="pl-PL" dirty="0"/>
-              <a:t> można się sfrustrować. Całe szczęście Spark ukrywa większość zaawansowanych konstrukcji Scali przed nami.</a:t>
-            </a:r>
+              <a:rPr lang="pl-PL" b="0" dirty="0"/>
+              <a:t>(</a:t>
+            </a:r>
+            <a:r>
+              <a:rPr lang="pl-PL" sz="1200" b="0" i="0" kern="1200" dirty="0">
+                <a:solidFill>
+                  <a:schemeClr val="tx1"/>
+                </a:solidFill>
+                <a:effectLst/>
+                <a:latin typeface="+mn-lt"/>
+                <a:ea typeface="+mn-ea"/>
+                <a:cs typeface="+mn-cs"/>
+              </a:rPr>
+              <a:t>wywodzenie typów)</a:t>
+            </a:r>
+            <a:r>
+              <a:rPr lang="pl-PL" dirty="0"/>
+              <a:t>. Wg Martina </a:t>
+            </a:r>
+            <a:r>
+              <a:rPr lang="pl-PL" dirty="0" err="1"/>
+              <a:t>Odersky’ego</a:t>
+            </a:r>
+            <a:r>
+              <a:rPr lang="pl-PL" dirty="0"/>
+              <a:t> większość logicznych błędów w aplikacji napisanych w Sparku wynika z błędnie zdefiniowanych czy tez w powstałych w wyniku transformacji błędów.  Statycznie typowanie kolekcji w Scali bardzo w tym pomaga.</a:t>
+            </a:r>
+          </a:p>
+          <a:p>
+            <a:r>
+              <a:rPr lang="en-US" b="1" dirty="0"/>
+              <a:t>Concise, Expressive Code</a:t>
+            </a:r>
+            <a:r>
+              <a:rPr lang="pl-PL" b="1" dirty="0"/>
+              <a:t> </a:t>
+            </a:r>
+            <a:r>
+              <a:rPr lang="pl-PL" dirty="0"/>
+              <a:t>–  w porównaniu do Javy, kod jest bardziej zwięzły (</a:t>
+            </a:r>
+            <a:r>
+              <a:rPr lang="pl-PL" dirty="0" err="1"/>
+              <a:t>concise</a:t>
+            </a:r>
+            <a:r>
+              <a:rPr lang="pl-PL" dirty="0"/>
+              <a:t>) dzięki czumu zwiększa Twoją produktywność. </a:t>
+            </a:r>
+          </a:p>
+          <a:p>
+            <a:r>
+              <a:rPr lang="pl-PL" b="1" dirty="0"/>
+              <a:t>Debugging</a:t>
+            </a:r>
+            <a:r>
+              <a:rPr lang="pl-PL" dirty="0"/>
+              <a:t> – kiedy pojawiają się problemy z kodem, zrozumie </a:t>
+            </a:r>
+            <a:r>
+              <a:rPr lang="pl-PL" dirty="0" err="1"/>
+              <a:t>exception</a:t>
+            </a:r>
+            <a:r>
+              <a:rPr lang="pl-PL" dirty="0"/>
+              <a:t> </a:t>
+            </a:r>
+            <a:r>
+              <a:rPr lang="pl-PL" dirty="0" err="1"/>
+              <a:t>stack</a:t>
+            </a:r>
+            <a:r>
+              <a:rPr lang="pl-PL" dirty="0"/>
+              <a:t> </a:t>
+            </a:r>
+            <a:r>
+              <a:rPr lang="pl-PL" dirty="0" err="1"/>
+              <a:t>trace</a:t>
+            </a:r>
+            <a:r>
+              <a:rPr lang="pl-PL" dirty="0"/>
+              <a:t> jest prostsze jeśli znasz </a:t>
+            </a:r>
+            <a:r>
+              <a:rPr lang="pl-PL" dirty="0" err="1"/>
+              <a:t>Scale</a:t>
+            </a:r>
+            <a:r>
+              <a:rPr lang="pl-PL" dirty="0"/>
+              <a:t>. </a:t>
+            </a:r>
+            <a:r>
+              <a:rPr lang="en-US" dirty="0"/>
+              <a:t>Unfortunately, the "abstraction leaks" when problems occur.</a:t>
+            </a:r>
+            <a:endParaRPr lang="pl-PL" dirty="0"/>
           </a:p>
         </p:txBody>
       </p:sp>
     </p:spTree>
     <p:extLst>
       <p:ext uri="{BB962C8B-B14F-4D97-AF65-F5344CB8AC3E}">
-        <p14:creationId xmlns:p14="http://schemas.microsoft.com/office/powerpoint/2010/main" val="1147915891"/>
+        <p14:creationId xmlns:p14="http://schemas.microsoft.com/office/powerpoint/2010/main" val="3904810144"/>
       </p:ext>
     </p:extLst>
   </p:cSld>
@@ -1659,58 +1815,134 @@
           <a:lstStyle/>
           <a:p>
             <a:r>
-              <a:rPr lang="pl-PL" b="1" dirty="0" err="1"/>
-              <a:t>Tuples</a:t>
-            </a:r>
-            <a:r>
-              <a:rPr lang="pl-PL" dirty="0"/>
-              <a:t> – podobno do kolekcji, </a:t>
-            </a:r>
-            <a:r>
-              <a:rPr lang="pl-PL" dirty="0" err="1"/>
-              <a:t>niemutowalne</a:t>
-            </a:r>
-            <a:r>
-              <a:rPr lang="pl-PL" dirty="0"/>
-              <a:t> (</a:t>
-            </a:r>
-            <a:r>
-              <a:rPr lang="pl-PL" dirty="0" err="1"/>
-              <a:t>immutable</a:t>
-            </a:r>
-            <a:r>
-              <a:rPr lang="pl-PL" dirty="0"/>
-              <a:t>), ale w odróżnieniu od kolekcji mogą posiadać różne typy danych. Bardzo przydatne, np. jak chcesz zwrócić wiele obiektów z metody.</a:t>
-            </a:r>
-          </a:p>
-          <a:p>
-            <a:r>
-              <a:rPr lang="pl-PL" dirty="0"/>
-              <a:t>Po zdefiniowaniu, mamy dostęp do elementów =&gt; kropka, </a:t>
-            </a:r>
-            <a:r>
-              <a:rPr lang="pl-PL" dirty="0" err="1"/>
-              <a:t>podkreślnik</a:t>
-            </a:r>
-            <a:r>
-              <a:rPr lang="pl-PL" dirty="0"/>
-              <a:t> oraz „one-</a:t>
-            </a:r>
-            <a:r>
-              <a:rPr lang="pl-PL" dirty="0" err="1"/>
-              <a:t>based</a:t>
-            </a:r>
-            <a:r>
-              <a:rPr lang="pl-PL" dirty="0"/>
-              <a:t> index” (tradycja z </a:t>
-            </a:r>
-            <a:r>
-              <a:rPr lang="pl-PL" dirty="0" err="1"/>
-              <a:t>Haskella</a:t>
-            </a:r>
-            <a:r>
-              <a:rPr lang="pl-PL" dirty="0"/>
-              <a:t>).</a:t>
+              <a:rPr lang="en-US" dirty="0"/>
+              <a:t>Why Not Scala?</a:t>
+            </a:r>
+          </a:p>
+          <a:p>
+            <a:r>
+              <a:rPr lang="en-US" dirty="0"/>
+              <a:t>Scala </a:t>
+            </a:r>
+            <a:r>
+              <a:rPr lang="pl-PL" dirty="0"/>
+              <a:t>nie jest doskonała, jak każdy język. Są dwie główne wady w porównaniu do </a:t>
+            </a:r>
+            <a:r>
+              <a:rPr lang="en-US" dirty="0"/>
+              <a:t>Python</a:t>
+            </a:r>
+            <a:r>
+              <a:rPr lang="pl-PL" dirty="0"/>
+              <a:t>a czy</a:t>
+            </a:r>
+            <a:r>
+              <a:rPr lang="en-US" dirty="0"/>
+              <a:t> R:</a:t>
+            </a:r>
+          </a:p>
+          <a:p>
+            <a:pPr marL="171450" indent="-171450">
+              <a:buFont typeface="Arial" panose="020B0604020202020204" pitchFamily="34" charset="0"/>
+              <a:buChar char="•"/>
+            </a:pPr>
+            <a:r>
+              <a:rPr lang="en-US" b="1" dirty="0"/>
+              <a:t>Libraries</a:t>
+            </a:r>
+            <a:r>
+              <a:rPr lang="pl-PL" dirty="0"/>
+              <a:t> - </a:t>
+            </a:r>
+            <a:r>
+              <a:rPr lang="en-US" dirty="0"/>
+              <a:t>Python </a:t>
+            </a:r>
+            <a:r>
+              <a:rPr lang="pl-PL" dirty="0"/>
+              <a:t>i</a:t>
+            </a:r>
+            <a:r>
+              <a:rPr lang="en-US" dirty="0"/>
+              <a:t> R </a:t>
+            </a:r>
+            <a:r>
+              <a:rPr lang="pl-PL" dirty="0"/>
+              <a:t> posiada bogaty </a:t>
+            </a:r>
+            <a:r>
+              <a:rPr lang="pl-PL" dirty="0" err="1"/>
+              <a:t>echosytem</a:t>
+            </a:r>
+            <a:r>
+              <a:rPr lang="pl-PL" dirty="0"/>
+              <a:t> bibliotek i duże </a:t>
+            </a:r>
+            <a:r>
+              <a:rPr lang="pl-PL" dirty="0" err="1"/>
+              <a:t>community</a:t>
+            </a:r>
+            <a:r>
+              <a:rPr lang="pl-PL" dirty="0"/>
+              <a:t>. Scala stara się gonić </a:t>
+            </a:r>
+            <a:r>
+              <a:rPr lang="pl-PL" dirty="0" err="1"/>
+              <a:t>Pythona</a:t>
+            </a:r>
+            <a:r>
+              <a:rPr lang="pl-PL" dirty="0"/>
+              <a:t>, ale to jak z analogią do „psa i uciekającego królika”. </a:t>
+            </a:r>
+          </a:p>
+          <a:p>
+            <a:pPr marL="171450" indent="-171450">
+              <a:buFont typeface="Arial" panose="020B0604020202020204" pitchFamily="34" charset="0"/>
+              <a:buChar char="•"/>
+            </a:pPr>
+            <a:r>
+              <a:rPr lang="en-US" b="1" dirty="0"/>
+              <a:t>Advanced Language Features:</a:t>
+            </a:r>
+            <a:r>
+              <a:rPr lang="pl-PL" b="1" dirty="0"/>
+              <a:t> </a:t>
+            </a:r>
+            <a:r>
+              <a:rPr lang="pl-PL" dirty="0"/>
+              <a:t>- opanowanie API Scali to nie lada wyczyn. Jeśli nie rozumiesz jak działa bardziej wyszukane konstrukcje jak </a:t>
+            </a:r>
+            <a:r>
+              <a:rPr lang="pl-PL" dirty="0" err="1"/>
+              <a:t>patter</a:t>
+            </a:r>
+            <a:r>
+              <a:rPr lang="pl-PL" dirty="0"/>
+              <a:t> </a:t>
+            </a:r>
+            <a:r>
+              <a:rPr lang="pl-PL" dirty="0" err="1"/>
+              <a:t>matching</a:t>
+            </a:r>
+            <a:r>
+              <a:rPr lang="pl-PL" dirty="0"/>
+              <a:t>, </a:t>
+            </a:r>
+            <a:r>
+              <a:rPr lang="pl-PL" dirty="0" err="1"/>
+              <a:t>implicits</a:t>
+            </a:r>
+            <a:r>
+              <a:rPr lang="pl-PL" dirty="0"/>
+              <a:t>, </a:t>
+            </a:r>
+            <a:r>
+              <a:rPr lang="pl-PL" dirty="0" err="1"/>
+              <a:t>lineralization</a:t>
+            </a:r>
+            <a:r>
+              <a:rPr lang="pl-PL" dirty="0"/>
+              <a:t> można się sfrustrować. Całe szczęście Spark ukrywa większość zaawansowanych konstrukcji Scali przed nami.</a:t>
             </a:r>
           </a:p>
         </p:txBody>
@@ -1718,7 +1950,7 @@
     </p:spTree>
     <p:extLst>
       <p:ext uri="{BB962C8B-B14F-4D97-AF65-F5344CB8AC3E}">
-        <p14:creationId xmlns:p14="http://schemas.microsoft.com/office/powerpoint/2010/main" val="730357486"/>
+        <p14:creationId xmlns:p14="http://schemas.microsoft.com/office/powerpoint/2010/main" val="1147915891"/>
       </p:ext>
     </p:extLst>
   </p:cSld>
@@ -1773,497 +2005,106 @@
           <a:lstStyle/>
           <a:p>
             <a:r>
-              <a:rPr lang="pl-PL" sz="1200" b="0" i="0" u="none" strike="noStrike" kern="1200" baseline="0" dirty="0">
-                <a:solidFill>
-                  <a:schemeClr val="tx1"/>
-                </a:solidFill>
-                <a:latin typeface="+mn-lt"/>
-                <a:ea typeface="+mn-ea"/>
-                <a:cs typeface="+mn-cs"/>
-              </a:rPr>
-              <a:t>Case </a:t>
-            </a:r>
-            <a:r>
-              <a:rPr lang="pl-PL" sz="1200" b="0" i="0" u="none" strike="noStrike" kern="1200" baseline="0" dirty="0" err="1">
-                <a:solidFill>
-                  <a:schemeClr val="tx1"/>
-                </a:solidFill>
-                <a:latin typeface="+mn-lt"/>
-                <a:ea typeface="+mn-ea"/>
-                <a:cs typeface="+mn-cs"/>
-              </a:rPr>
-              <a:t>classes</a:t>
-            </a:r>
-            <a:r>
-              <a:rPr lang="pl-PL" sz="1200" b="0" i="0" u="none" strike="noStrike" kern="1200" baseline="0" dirty="0">
-                <a:solidFill>
-                  <a:schemeClr val="tx1"/>
-                </a:solidFill>
-                <a:latin typeface="+mn-lt"/>
-                <a:ea typeface="+mn-ea"/>
-                <a:cs typeface="+mn-cs"/>
-              </a:rPr>
-              <a:t> to sposób Scali na umożliwienie </a:t>
-            </a:r>
-            <a:r>
-              <a:rPr lang="pl-PL" sz="1200" b="0" i="0" u="none" strike="noStrike" kern="1200" baseline="0" dirty="0" err="1">
-                <a:solidFill>
-                  <a:schemeClr val="tx1"/>
-                </a:solidFill>
-                <a:latin typeface="+mn-lt"/>
-                <a:ea typeface="+mn-ea"/>
-                <a:cs typeface="+mn-cs"/>
-              </a:rPr>
-              <a:t>pattern</a:t>
-            </a:r>
-            <a:r>
-              <a:rPr lang="pl-PL" sz="1200" b="0" i="0" u="none" strike="noStrike" kern="1200" baseline="0" dirty="0">
-                <a:solidFill>
-                  <a:schemeClr val="tx1"/>
-                </a:solidFill>
-                <a:latin typeface="+mn-lt"/>
-                <a:ea typeface="+mn-ea"/>
-                <a:cs typeface="+mn-cs"/>
-              </a:rPr>
+              <a:rPr lang="pl-PL" b="1" dirty="0" err="1"/>
+              <a:t>Tuples</a:t>
+            </a:r>
+            <a:r>
+              <a:rPr lang="pl-PL" dirty="0"/>
+              <a:t> – podobno do kolekcji, </a:t>
+            </a:r>
+            <a:r>
+              <a:rPr lang="pl-PL" dirty="0" err="1"/>
+              <a:t>niemutowalne</a:t>
+            </a:r>
+            <a:r>
+              <a:rPr lang="pl-PL" dirty="0"/>
+              <a:t> (</a:t>
+            </a:r>
+            <a:r>
+              <a:rPr lang="pl-PL" dirty="0" err="1"/>
+              <a:t>immutable</a:t>
+            </a:r>
+            <a:r>
+              <a:rPr lang="pl-PL" dirty="0"/>
+              <a:t>), ale w odróżnieniu od kolekcji mogą posiadać różne typy danych. Bardzo przydatne, np. jak chcesz zwrócić wiele obiektów z metody.</a:t>
+            </a:r>
+          </a:p>
+          <a:p>
+            <a:r>
+              <a:rPr lang="pl-PL" dirty="0"/>
+              <a:t>Po zdefiniowaniu, mamy dostęp do elementów =&gt; kropka, </a:t>
+            </a:r>
+            <a:r>
+              <a:rPr lang="pl-PL" dirty="0" err="1"/>
+              <a:t>podkreślnik</a:t>
+            </a:r>
+            <a:r>
+              <a:rPr lang="pl-PL" dirty="0"/>
+              <a:t> oraz „one-</a:t>
+            </a:r>
+            <a:r>
+              <a:rPr lang="pl-PL" dirty="0" err="1"/>
+              <a:t>based</a:t>
+            </a:r>
+            <a:r>
+              <a:rPr lang="pl-PL" dirty="0"/>
+              <a:t> index” (tradycja z </a:t>
+            </a:r>
+            <a:r>
+              <a:rPr lang="pl-PL" dirty="0" err="1"/>
+              <a:t>Haskella</a:t>
+            </a:r>
+            <a:r>
+              <a:rPr lang="pl-PL" dirty="0"/>
+              <a:t>).</a:t>
+            </a:r>
+          </a:p>
+          <a:p>
+            <a:r>
+              <a:rPr lang="pl-PL" b="1" dirty="0" err="1"/>
+              <a:t>Implicits</a:t>
+            </a:r>
+            <a:r>
+              <a:rPr lang="pl-PL" dirty="0"/>
+              <a:t> – w najprostszej postaci to sposób na rozszerzenie obiektu o dodatkowe metody bez modyfikowania kodu źródłowego obiektu. </a:t>
+            </a:r>
+          </a:p>
+          <a:p>
+            <a:r>
+              <a:rPr lang="pl-PL" dirty="0"/>
+              <a:t>Intensywnie używane przez Sparka, np. aby przekształcać </a:t>
+            </a:r>
+            <a:r>
+              <a:rPr lang="pl-PL" dirty="0" err="1"/>
+              <a:t>kolekecje</a:t>
+            </a:r>
+            <a:r>
+              <a:rPr lang="pl-PL" dirty="0"/>
               <a:t> </a:t>
             </a:r>
             <a:r>
-              <a:rPr lang="pl-PL" sz="1200" b="0" i="0" u="none" strike="noStrike" kern="1200" baseline="0" dirty="0" err="1">
-                <a:solidFill>
-                  <a:schemeClr val="tx1"/>
-                </a:solidFill>
-                <a:latin typeface="+mn-lt"/>
-                <a:ea typeface="+mn-ea"/>
-                <a:cs typeface="+mn-cs"/>
-              </a:rPr>
-              <a:t>matchingu</a:t>
-            </a:r>
-            <a:r>
-              <a:rPr lang="pl-PL" sz="1200" b="0" i="0" u="none" strike="noStrike" kern="1200" baseline="0" dirty="0">
-                <a:solidFill>
-                  <a:schemeClr val="tx1"/>
-                </a:solidFill>
-                <a:latin typeface="+mn-lt"/>
-                <a:ea typeface="+mn-ea"/>
-                <a:cs typeface="+mn-cs"/>
-              </a:rPr>
-              <a:t> na obiektach bez konieczności pisanie dużej ilości </a:t>
-            </a:r>
-            <a:r>
-              <a:rPr lang="pl-PL" sz="1200" b="0" i="0" u="none" strike="noStrike" kern="1200" baseline="0" dirty="0" err="1">
-                <a:solidFill>
-                  <a:schemeClr val="tx1"/>
-                </a:solidFill>
-                <a:latin typeface="+mn-lt"/>
-                <a:ea typeface="+mn-ea"/>
-                <a:cs typeface="+mn-cs"/>
-              </a:rPr>
-              <a:t>boiler</a:t>
-            </a:r>
-            <a:r>
-              <a:rPr lang="pl-PL" sz="1200" b="0" i="0" u="none" strike="noStrike" kern="1200" baseline="0" dirty="0">
-                <a:solidFill>
-                  <a:schemeClr val="tx1"/>
-                </a:solidFill>
-                <a:latin typeface="+mn-lt"/>
-                <a:ea typeface="+mn-ea"/>
-                <a:cs typeface="+mn-cs"/>
-              </a:rPr>
-              <a:t> </a:t>
-            </a:r>
-            <a:r>
-              <a:rPr lang="pl-PL" sz="1200" b="0" i="0" u="none" strike="noStrike" kern="1200" baseline="0" dirty="0" err="1">
-                <a:solidFill>
-                  <a:schemeClr val="tx1"/>
-                </a:solidFill>
-                <a:latin typeface="+mn-lt"/>
-                <a:ea typeface="+mn-ea"/>
-                <a:cs typeface="+mn-cs"/>
-              </a:rPr>
-              <a:t>plate’u</a:t>
-            </a:r>
-            <a:r>
-              <a:rPr lang="pl-PL" sz="1200" b="0" i="0" u="none" strike="noStrike" kern="1200" baseline="0" dirty="0">
-                <a:solidFill>
-                  <a:schemeClr val="tx1"/>
-                </a:solidFill>
-                <a:latin typeface="+mn-lt"/>
-                <a:ea typeface="+mn-ea"/>
-                <a:cs typeface="+mn-cs"/>
-              </a:rPr>
-              <a:t>.</a:t>
-            </a:r>
-          </a:p>
-          <a:p>
-            <a:r>
-              <a:rPr lang="pl-PL" sz="1200" b="0" i="0" u="none" strike="noStrike" kern="1200" baseline="0" dirty="0">
-                <a:solidFill>
-                  <a:schemeClr val="tx1"/>
-                </a:solidFill>
-                <a:latin typeface="+mn-lt"/>
-                <a:ea typeface="+mn-ea"/>
-                <a:cs typeface="+mn-cs"/>
-              </a:rPr>
-              <a:t>Wszystko co musisz zrobić to dodać </a:t>
-            </a:r>
-            <a:r>
-              <a:rPr lang="pl-PL" sz="1200" b="0" i="0" u="none" strike="noStrike" kern="1200" baseline="0" dirty="0" err="1">
-                <a:solidFill>
-                  <a:schemeClr val="tx1"/>
-                </a:solidFill>
-                <a:latin typeface="+mn-lt"/>
-                <a:ea typeface="+mn-ea"/>
-                <a:cs typeface="+mn-cs"/>
-              </a:rPr>
-              <a:t>case</a:t>
-            </a:r>
-            <a:r>
-              <a:rPr lang="pl-PL" sz="1200" b="0" i="0" u="none" strike="noStrike" kern="1200" baseline="0" dirty="0">
-                <a:solidFill>
-                  <a:schemeClr val="tx1"/>
-                </a:solidFill>
-                <a:latin typeface="+mn-lt"/>
-                <a:ea typeface="+mn-ea"/>
-                <a:cs typeface="+mn-cs"/>
-              </a:rPr>
-              <a:t> </a:t>
-            </a:r>
-            <a:r>
-              <a:rPr lang="pl-PL" sz="1200" b="0" i="0" u="none" strike="noStrike" kern="1200" baseline="0" dirty="0" err="1">
-                <a:solidFill>
-                  <a:schemeClr val="tx1"/>
-                </a:solidFill>
-                <a:latin typeface="+mn-lt"/>
-                <a:ea typeface="+mn-ea"/>
-                <a:cs typeface="+mn-cs"/>
-              </a:rPr>
-              <a:t>keyword</a:t>
-            </a:r>
-            <a:r>
-              <a:rPr lang="pl-PL" sz="1200" b="0" i="0" u="none" strike="noStrike" kern="1200" baseline="0" dirty="0">
-                <a:solidFill>
-                  <a:schemeClr val="tx1"/>
-                </a:solidFill>
-                <a:latin typeface="+mn-lt"/>
-                <a:ea typeface="+mn-ea"/>
-                <a:cs typeface="+mn-cs"/>
-              </a:rPr>
-              <a:t> do definicji klasy i dzięki temu na klasie może być wykonany </a:t>
-            </a:r>
-            <a:r>
-              <a:rPr lang="pl-PL" sz="1200" b="0" i="0" u="none" strike="noStrike" kern="1200" baseline="0" dirty="0" err="1">
-                <a:solidFill>
-                  <a:schemeClr val="tx1"/>
-                </a:solidFill>
-                <a:latin typeface="+mn-lt"/>
-                <a:ea typeface="+mn-ea"/>
-                <a:cs typeface="+mn-cs"/>
-              </a:rPr>
-              <a:t>pattern</a:t>
-            </a:r>
-            <a:r>
-              <a:rPr lang="pl-PL" sz="1200" b="0" i="0" u="none" strike="noStrike" kern="1200" baseline="0" dirty="0">
-                <a:solidFill>
-                  <a:schemeClr val="tx1"/>
-                </a:solidFill>
-                <a:latin typeface="+mn-lt"/>
-                <a:ea typeface="+mn-ea"/>
-                <a:cs typeface="+mn-cs"/>
-              </a:rPr>
-              <a:t> </a:t>
-            </a:r>
-            <a:r>
-              <a:rPr lang="pl-PL" sz="1200" b="0" i="0" u="none" strike="noStrike" kern="1200" baseline="0" dirty="0" err="1">
-                <a:solidFill>
-                  <a:schemeClr val="tx1"/>
-                </a:solidFill>
-                <a:latin typeface="+mn-lt"/>
-                <a:ea typeface="+mn-ea"/>
-                <a:cs typeface="+mn-cs"/>
-              </a:rPr>
-              <a:t>matching</a:t>
-            </a:r>
-            <a:r>
-              <a:rPr lang="pl-PL" sz="1200" b="0" i="0" u="none" strike="noStrike" kern="1200" baseline="0" dirty="0">
-                <a:solidFill>
-                  <a:schemeClr val="tx1"/>
-                </a:solidFill>
-                <a:latin typeface="+mn-lt"/>
-                <a:ea typeface="+mn-ea"/>
-                <a:cs typeface="+mn-cs"/>
-              </a:rPr>
-              <a:t>.</a:t>
-            </a:r>
-          </a:p>
-          <a:p>
-            <a:endParaRPr lang="pl-PL" dirty="0"/>
-          </a:p>
-          <a:p>
-            <a:pPr marL="0" marR="0" lvl="0" indent="0" algn="l" defTabSz="914400" rtl="0" eaLnBrk="1" fontAlgn="auto" latinLnBrk="0" hangingPunct="1">
-              <a:lnSpc>
-                <a:spcPct val="100000"/>
-              </a:lnSpc>
-              <a:spcBef>
-                <a:spcPts val="0"/>
-              </a:spcBef>
-              <a:spcAft>
-                <a:spcPts val="0"/>
-              </a:spcAft>
-              <a:buClrTx/>
-              <a:buSzTx/>
-              <a:buFontTx/>
-              <a:buNone/>
-              <a:tabLst/>
-              <a:defRPr/>
-            </a:pPr>
-            <a:r>
-              <a:rPr lang="pl-PL" sz="1200" b="1" dirty="0" err="1"/>
-              <a:t>Immutable</a:t>
-            </a:r>
-            <a:r>
-              <a:rPr lang="pl-PL" sz="1200" b="1" dirty="0"/>
-              <a:t> by </a:t>
-            </a:r>
-            <a:r>
-              <a:rPr lang="pl-PL" sz="1200" b="1" dirty="0" err="1"/>
-              <a:t>default</a:t>
-            </a:r>
-            <a:r>
-              <a:rPr lang="pl-PL" sz="1200" b="1" dirty="0"/>
-              <a:t> </a:t>
-            </a:r>
-            <a:r>
-              <a:rPr lang="pl-PL" sz="1200" dirty="0"/>
-              <a:t>– </a:t>
-            </a:r>
-            <a:r>
-              <a:rPr lang="pl-PL" sz="1200" dirty="0" err="1"/>
-              <a:t>paramtery</a:t>
-            </a:r>
-            <a:r>
-              <a:rPr lang="pl-PL" sz="1200" dirty="0"/>
-              <a:t> w konstruktorze klasy to domyślnie </a:t>
-            </a:r>
-            <a:r>
-              <a:rPr lang="pl-PL" sz="1200" dirty="0" err="1"/>
-              <a:t>val</a:t>
-            </a:r>
-            <a:r>
-              <a:rPr lang="pl-PL" sz="1200" dirty="0"/>
-              <a:t>, tak </a:t>
-            </a:r>
-            <a:r>
-              <a:rPr lang="pl-PL" sz="1200" dirty="0" err="1"/>
-              <a:t>wieć</a:t>
-            </a:r>
-            <a:r>
-              <a:rPr lang="pl-PL" sz="1200" dirty="0"/>
-              <a:t> </a:t>
-            </a:r>
-            <a:r>
-              <a:rPr lang="pl-PL" sz="1200" dirty="0" err="1"/>
-              <a:t>automatucznie</a:t>
-            </a:r>
-            <a:r>
-              <a:rPr lang="pl-PL" sz="1200" dirty="0"/>
-              <a:t> generowane są gettery dla każdego parametry al. </a:t>
-            </a:r>
-            <a:r>
-              <a:rPr lang="pl-PL" sz="1200" dirty="0" err="1"/>
-              <a:t>Enie</a:t>
-            </a:r>
-            <a:r>
-              <a:rPr lang="pl-PL" sz="1200" dirty="0"/>
-              <a:t> ma już </a:t>
-            </a:r>
-            <a:r>
-              <a:rPr lang="pl-PL" sz="1200" dirty="0" err="1"/>
-              <a:t>setterów</a:t>
-            </a:r>
-            <a:r>
-              <a:rPr lang="pl-PL" sz="1200" dirty="0"/>
-              <a:t>.</a:t>
-            </a:r>
-            <a:endParaRPr lang="pl-PL" dirty="0"/>
-          </a:p>
-          <a:p>
-            <a:pPr marL="0" marR="0" lvl="0" indent="0" algn="l" defTabSz="914400" rtl="0" eaLnBrk="1" fontAlgn="auto" latinLnBrk="0" hangingPunct="1">
-              <a:lnSpc>
-                <a:spcPct val="100000"/>
-              </a:lnSpc>
-              <a:spcBef>
-                <a:spcPts val="0"/>
-              </a:spcBef>
-              <a:spcAft>
-                <a:spcPts val="0"/>
-              </a:spcAft>
-              <a:buClrTx/>
-              <a:buSzTx/>
-              <a:buFontTx/>
-              <a:buNone/>
-              <a:tabLst/>
-              <a:defRPr/>
-            </a:pPr>
-            <a:r>
-              <a:rPr lang="en-US" sz="1200" b="1" dirty="0"/>
-              <a:t>Companion object </a:t>
-            </a:r>
-            <a:r>
-              <a:rPr lang="pl-PL" sz="1200" b="1" dirty="0"/>
-              <a:t>and </a:t>
-            </a:r>
-            <a:r>
-              <a:rPr lang="pl-PL" sz="1200" b="1" dirty="0" err="1"/>
-              <a:t>factory</a:t>
-            </a:r>
-            <a:r>
-              <a:rPr lang="pl-PL" sz="1200" b="1" dirty="0"/>
-              <a:t> </a:t>
-            </a:r>
-            <a:r>
-              <a:rPr lang="pl-PL" sz="1200" b="1" dirty="0" err="1"/>
-              <a:t>methods</a:t>
-            </a:r>
-            <a:r>
-              <a:rPr lang="pl-PL" sz="1200" b="1" dirty="0"/>
-              <a:t> </a:t>
-            </a:r>
-            <a:r>
-              <a:rPr lang="en-US" sz="1200" b="1" dirty="0"/>
-              <a:t>out of the box</a:t>
-            </a:r>
-            <a:r>
-              <a:rPr lang="pl-PL" sz="1200" b="1" dirty="0"/>
-              <a:t> </a:t>
-            </a:r>
-            <a:r>
-              <a:rPr lang="pl-PL" sz="1200" dirty="0"/>
-              <a:t>– w skrócie oznacza to, że nie musimy używać </a:t>
-            </a:r>
-            <a:r>
-              <a:rPr lang="pl-PL" sz="1200" dirty="0" err="1"/>
-              <a:t>keworda</a:t>
-            </a:r>
-            <a:r>
-              <a:rPr lang="pl-PL" sz="1200" dirty="0"/>
-              <a:t> </a:t>
-            </a:r>
-            <a:r>
-              <a:rPr lang="pl-PL" sz="1200" dirty="0" err="1"/>
-              <a:t>new</a:t>
-            </a:r>
-            <a:r>
-              <a:rPr lang="pl-PL" sz="1200" dirty="0"/>
-              <a:t> aby stworzyć instancję klasy.</a:t>
-            </a:r>
-          </a:p>
-          <a:p>
-            <a:pPr marL="0" marR="0" lvl="0" indent="0" algn="l" defTabSz="914400" rtl="0" eaLnBrk="1" fontAlgn="auto" latinLnBrk="0" hangingPunct="1">
-              <a:lnSpc>
-                <a:spcPct val="100000"/>
-              </a:lnSpc>
-              <a:spcBef>
-                <a:spcPts val="0"/>
-              </a:spcBef>
-              <a:spcAft>
-                <a:spcPts val="0"/>
-              </a:spcAft>
-              <a:buClrTx/>
-              <a:buSzTx/>
-              <a:buFontTx/>
-              <a:buNone/>
-              <a:tabLst/>
-              <a:defRPr/>
-            </a:pPr>
-            <a:r>
-              <a:rPr lang="pl-PL" sz="1200" dirty="0"/>
-              <a:t>Wszystko to dzięki automatycznie dodanej metodzie </a:t>
-            </a:r>
-            <a:r>
-              <a:rPr lang="pl-PL" sz="1200" dirty="0" err="1"/>
-              <a:t>apply</a:t>
-            </a:r>
-            <a:r>
-              <a:rPr lang="pl-PL" sz="1200" dirty="0"/>
-              <a:t>.</a:t>
-            </a:r>
-          </a:p>
-          <a:p>
-            <a:pPr marL="0" marR="0" lvl="0" indent="0" algn="l" defTabSz="914400" rtl="0" eaLnBrk="1" fontAlgn="auto" latinLnBrk="0" hangingPunct="1">
-              <a:lnSpc>
-                <a:spcPct val="100000"/>
-              </a:lnSpc>
-              <a:spcBef>
-                <a:spcPts val="0"/>
-              </a:spcBef>
-              <a:spcAft>
-                <a:spcPts val="0"/>
-              </a:spcAft>
-              <a:buClrTx/>
-              <a:buSzTx/>
-              <a:buFontTx/>
-              <a:buNone/>
-              <a:tabLst/>
-              <a:defRPr/>
-            </a:pPr>
-            <a:r>
-              <a:rPr lang="en-GB" sz="1200" b="1" dirty="0"/>
-              <a:t>Ability to be deconstructed with pattern matching</a:t>
-            </a:r>
-            <a:r>
-              <a:rPr lang="pl-PL" sz="1200" b="1" dirty="0"/>
-              <a:t> – </a:t>
-            </a:r>
-            <a:r>
-              <a:rPr lang="pl-PL" sz="1200" b="0" dirty="0"/>
-              <a:t>obok metody </a:t>
-            </a:r>
-            <a:r>
-              <a:rPr lang="pl-PL" sz="1200" b="0" dirty="0" err="1"/>
-              <a:t>apply</a:t>
-            </a:r>
-            <a:r>
-              <a:rPr lang="pl-PL" sz="1200" b="0" dirty="0"/>
-              <a:t> dostajemy również metodę </a:t>
-            </a:r>
-            <a:r>
-              <a:rPr lang="pl-PL" sz="1200" b="0" dirty="0" err="1"/>
-              <a:t>unapply</a:t>
-            </a:r>
-            <a:endParaRPr lang="pl-PL" sz="1200" b="0" dirty="0"/>
-          </a:p>
-          <a:p>
-            <a:pPr marL="0" marR="0" lvl="0" indent="0" algn="l" defTabSz="914400" rtl="0" eaLnBrk="1" fontAlgn="auto" latinLnBrk="0" hangingPunct="1">
-              <a:lnSpc>
-                <a:spcPct val="100000"/>
-              </a:lnSpc>
-              <a:spcBef>
-                <a:spcPts val="0"/>
-              </a:spcBef>
-              <a:spcAft>
-                <a:spcPts val="0"/>
-              </a:spcAft>
-              <a:buClrTx/>
-              <a:buSzTx/>
-              <a:buFontTx/>
-              <a:buNone/>
-              <a:tabLst/>
-              <a:defRPr/>
-            </a:pPr>
-            <a:endParaRPr lang="en-US" sz="1200" dirty="0"/>
-          </a:p>
-          <a:p>
-            <a:br>
-              <a:rPr lang="pl-PL" dirty="0"/>
-            </a:br>
-            <a:endParaRPr lang="pl-PL" dirty="0"/>
+              <a:rPr lang="pl-PL" dirty="0" err="1"/>
+              <a:t>Scalowe</a:t>
+            </a:r>
+            <a:r>
+              <a:rPr lang="pl-PL" dirty="0"/>
+              <a:t> na data </a:t>
+            </a:r>
+            <a:r>
+              <a:rPr lang="pl-PL" dirty="0" err="1"/>
+              <a:t>framey</a:t>
+            </a:r>
+            <a:r>
+              <a:rPr lang="pl-PL" dirty="0"/>
+              <a:t> Sparka.</a:t>
+            </a:r>
           </a:p>
         </p:txBody>
       </p:sp>
     </p:spTree>
     <p:extLst>
       <p:ext uri="{BB962C8B-B14F-4D97-AF65-F5344CB8AC3E}">
-        <p14:creationId xmlns:p14="http://schemas.microsoft.com/office/powerpoint/2010/main" val="3267287691"/>
+        <p14:creationId xmlns:p14="http://schemas.microsoft.com/office/powerpoint/2010/main" val="730357486"/>
       </p:ext>
     </p:extLst>
   </p:cSld>
@@ -2317,143 +2158,231 @@
           <a:bodyPr/>
           <a:lstStyle/>
           <a:p>
-            <a:pPr marL="0" indent="0">
-              <a:buNone/>
-            </a:pPr>
-            <a:r>
-              <a:rPr lang="pl-PL" sz="1200" dirty="0">
-                <a:latin typeface="Courier New" panose="02070309020205020404" pitchFamily="49" charset="0"/>
-                <a:cs typeface="Courier New" panose="02070309020205020404" pitchFamily="49" charset="0"/>
+            <a:r>
+              <a:rPr lang="pl-PL" sz="1200" b="0" i="0" u="none" strike="noStrike" kern="1200" baseline="0" dirty="0">
+                <a:solidFill>
+                  <a:schemeClr val="tx1"/>
+                </a:solidFill>
+                <a:latin typeface="+mn-lt"/>
+                <a:ea typeface="+mn-ea"/>
+                <a:cs typeface="+mn-cs"/>
               </a:rPr>
-              <a:t>&lt;</a:t>
-            </a:r>
-            <a:r>
-              <a:rPr lang="pl-PL" sz="1200" dirty="0" err="1">
-                <a:latin typeface="Courier New" panose="02070309020205020404" pitchFamily="49" charset="0"/>
-                <a:cs typeface="Courier New" panose="02070309020205020404" pitchFamily="49" charset="0"/>
+              <a:t>Case </a:t>
+            </a:r>
+            <a:r>
+              <a:rPr lang="pl-PL" sz="1200" b="0" i="0" u="none" strike="noStrike" kern="1200" baseline="0" dirty="0" err="1">
+                <a:solidFill>
+                  <a:schemeClr val="tx1"/>
+                </a:solidFill>
+                <a:latin typeface="+mn-lt"/>
+                <a:ea typeface="+mn-ea"/>
+                <a:cs typeface="+mn-cs"/>
               </a:rPr>
-              <a:t>expression</a:t>
-            </a:r>
-            <a:r>
-              <a:rPr lang="pl-PL" sz="1200" dirty="0">
-                <a:latin typeface="Courier New" panose="02070309020205020404" pitchFamily="49" charset="0"/>
-                <a:cs typeface="Courier New" panose="02070309020205020404" pitchFamily="49" charset="0"/>
+              <a:t>classes</a:t>
+            </a:r>
+            <a:r>
+              <a:rPr lang="pl-PL" sz="1200" b="0" i="0" u="none" strike="noStrike" kern="1200" baseline="0" dirty="0">
+                <a:solidFill>
+                  <a:schemeClr val="tx1"/>
+                </a:solidFill>
+                <a:latin typeface="+mn-lt"/>
+                <a:ea typeface="+mn-ea"/>
+                <a:cs typeface="+mn-cs"/>
               </a:rPr>
-              <a:t>&gt; </a:t>
-            </a:r>
-            <a:r>
-              <a:rPr lang="pl-PL" sz="1200" dirty="0" err="1">
-                <a:latin typeface="Courier New" panose="02070309020205020404" pitchFamily="49" charset="0"/>
-                <a:cs typeface="Courier New" panose="02070309020205020404" pitchFamily="49" charset="0"/>
+              <a:t> to sposób Scali na umożliwienie </a:t>
+            </a:r>
+            <a:r>
+              <a:rPr lang="pl-PL" sz="1200" b="0" i="0" u="none" strike="noStrike" kern="1200" baseline="0" dirty="0" err="1">
+                <a:solidFill>
+                  <a:schemeClr val="tx1"/>
+                </a:solidFill>
+                <a:latin typeface="+mn-lt"/>
+                <a:ea typeface="+mn-ea"/>
+                <a:cs typeface="+mn-cs"/>
               </a:rPr>
-              <a:t>match</a:t>
-            </a:r>
-            <a:r>
-              <a:rPr lang="pl-PL" sz="1200" dirty="0">
-                <a:latin typeface="Courier New" panose="02070309020205020404" pitchFamily="49" charset="0"/>
-                <a:cs typeface="Courier New" panose="02070309020205020404" pitchFamily="49" charset="0"/>
+              <a:t>pattern</a:t>
+            </a:r>
+            <a:r>
+              <a:rPr lang="pl-PL" sz="1200" b="0" i="0" u="none" strike="noStrike" kern="1200" baseline="0" dirty="0">
+                <a:solidFill>
+                  <a:schemeClr val="tx1"/>
+                </a:solidFill>
+                <a:latin typeface="+mn-lt"/>
+                <a:ea typeface="+mn-ea"/>
+                <a:cs typeface="+mn-cs"/>
               </a:rPr>
-              <a:t> {</a:t>
-            </a:r>
-          </a:p>
-          <a:p>
-            <a:pPr marL="0" indent="0">
-              <a:buNone/>
-            </a:pPr>
-            <a:r>
-              <a:rPr lang="pl-PL" sz="1200" dirty="0" err="1">
-                <a:latin typeface="Courier New" panose="02070309020205020404" pitchFamily="49" charset="0"/>
-                <a:cs typeface="Courier New" panose="02070309020205020404" pitchFamily="49" charset="0"/>
+              <a:t> </a:t>
+            </a:r>
+            <a:r>
+              <a:rPr lang="pl-PL" sz="1200" b="0" i="0" u="none" strike="noStrike" kern="1200" baseline="0" dirty="0" err="1">
+                <a:solidFill>
+                  <a:schemeClr val="tx1"/>
+                </a:solidFill>
+                <a:latin typeface="+mn-lt"/>
+                <a:ea typeface="+mn-ea"/>
+                <a:cs typeface="+mn-cs"/>
+              </a:rPr>
+              <a:t>matchingu</a:t>
+            </a:r>
+            <a:r>
+              <a:rPr lang="pl-PL" sz="1200" b="0" i="0" u="none" strike="noStrike" kern="1200" baseline="0" dirty="0">
+                <a:solidFill>
+                  <a:schemeClr val="tx1"/>
+                </a:solidFill>
+                <a:latin typeface="+mn-lt"/>
+                <a:ea typeface="+mn-ea"/>
+                <a:cs typeface="+mn-cs"/>
+              </a:rPr>
+              <a:t> na obiektach bez konieczności pisanie dużej ilości </a:t>
+            </a:r>
+            <a:r>
+              <a:rPr lang="pl-PL" sz="1200" b="0" i="0" u="none" strike="noStrike" kern="1200" baseline="0" dirty="0" err="1">
+                <a:solidFill>
+                  <a:schemeClr val="tx1"/>
+                </a:solidFill>
+                <a:latin typeface="+mn-lt"/>
+                <a:ea typeface="+mn-ea"/>
+                <a:cs typeface="+mn-cs"/>
+              </a:rPr>
+              <a:t>boiler</a:t>
+            </a:r>
+            <a:r>
+              <a:rPr lang="pl-PL" sz="1200" b="0" i="0" u="none" strike="noStrike" kern="1200" baseline="0" dirty="0">
+                <a:solidFill>
+                  <a:schemeClr val="tx1"/>
+                </a:solidFill>
+                <a:latin typeface="+mn-lt"/>
+                <a:ea typeface="+mn-ea"/>
+                <a:cs typeface="+mn-cs"/>
+              </a:rPr>
+              <a:t> </a:t>
+            </a:r>
+            <a:r>
+              <a:rPr lang="pl-PL" sz="1200" b="0" i="0" u="none" strike="noStrike" kern="1200" baseline="0" dirty="0" err="1">
+                <a:solidFill>
+                  <a:schemeClr val="tx1"/>
+                </a:solidFill>
+                <a:latin typeface="+mn-lt"/>
+                <a:ea typeface="+mn-ea"/>
+                <a:cs typeface="+mn-cs"/>
+              </a:rPr>
+              <a:t>plate’u</a:t>
+            </a:r>
+            <a:r>
+              <a:rPr lang="pl-PL" sz="1200" b="0" i="0" u="none" strike="noStrike" kern="1200" baseline="0" dirty="0">
+                <a:solidFill>
+                  <a:schemeClr val="tx1"/>
+                </a:solidFill>
+                <a:latin typeface="+mn-lt"/>
+                <a:ea typeface="+mn-ea"/>
+                <a:cs typeface="+mn-cs"/>
+              </a:rPr>
+              <a:t>.</a:t>
+            </a:r>
+          </a:p>
+          <a:p>
+            <a:r>
+              <a:rPr lang="pl-PL" sz="1200" b="0" i="0" u="none" strike="noStrike" kern="1200" baseline="0" dirty="0">
+                <a:solidFill>
+                  <a:schemeClr val="tx1"/>
+                </a:solidFill>
+                <a:latin typeface="+mn-lt"/>
+                <a:ea typeface="+mn-ea"/>
+                <a:cs typeface="+mn-cs"/>
+              </a:rPr>
+              <a:t>Wszystko co musisz zrobić to dodać </a:t>
+            </a:r>
+            <a:r>
+              <a:rPr lang="pl-PL" sz="1200" b="0" i="0" u="none" strike="noStrike" kern="1200" baseline="0" dirty="0" err="1">
+                <a:solidFill>
+                  <a:schemeClr val="tx1"/>
+                </a:solidFill>
+                <a:latin typeface="+mn-lt"/>
+                <a:ea typeface="+mn-ea"/>
+                <a:cs typeface="+mn-cs"/>
               </a:rPr>
               <a:t>case</a:t>
             </a:r>
             <a:r>
-              <a:rPr lang="pl-PL" sz="1200" dirty="0">
-                <a:latin typeface="Courier New" panose="02070309020205020404" pitchFamily="49" charset="0"/>
-                <a:cs typeface="Courier New" panose="02070309020205020404" pitchFamily="49" charset="0"/>
+              <a:rPr lang="pl-PL" sz="1200" b="0" i="0" u="none" strike="noStrike" kern="1200" baseline="0" dirty="0">
+                <a:solidFill>
+                  <a:schemeClr val="tx1"/>
+                </a:solidFill>
+                <a:latin typeface="+mn-lt"/>
+                <a:ea typeface="+mn-ea"/>
+                <a:cs typeface="+mn-cs"/>
               </a:rPr>
-              <a:t> &lt;</a:t>
-            </a:r>
-            <a:r>
-              <a:rPr lang="pl-PL" sz="1200" dirty="0" err="1">
-                <a:latin typeface="Courier New" panose="02070309020205020404" pitchFamily="49" charset="0"/>
-                <a:cs typeface="Courier New" panose="02070309020205020404" pitchFamily="49" charset="0"/>
+              <a:t> </a:t>
+            </a:r>
+            <a:r>
+              <a:rPr lang="pl-PL" sz="1200" b="0" i="0" u="none" strike="noStrike" kern="1200" baseline="0" dirty="0" err="1">
+                <a:solidFill>
+                  <a:schemeClr val="tx1"/>
+                </a:solidFill>
+                <a:latin typeface="+mn-lt"/>
+                <a:ea typeface="+mn-ea"/>
+                <a:cs typeface="+mn-cs"/>
+              </a:rPr>
+              <a:t>keyword</a:t>
+            </a:r>
+            <a:r>
+              <a:rPr lang="pl-PL" sz="1200" b="0" i="0" u="none" strike="noStrike" kern="1200" baseline="0" dirty="0">
+                <a:solidFill>
+                  <a:schemeClr val="tx1"/>
+                </a:solidFill>
+                <a:latin typeface="+mn-lt"/>
+                <a:ea typeface="+mn-ea"/>
+                <a:cs typeface="+mn-cs"/>
+              </a:rPr>
+              <a:t> do definicji klasy i dzięki temu na klasie może być wykonany </a:t>
+            </a:r>
+            <a:r>
+              <a:rPr lang="pl-PL" sz="1200" b="0" i="0" u="none" strike="noStrike" kern="1200" baseline="0" dirty="0" err="1">
+                <a:solidFill>
+                  <a:schemeClr val="tx1"/>
+                </a:solidFill>
+                <a:latin typeface="+mn-lt"/>
+                <a:ea typeface="+mn-ea"/>
+                <a:cs typeface="+mn-cs"/>
               </a:rPr>
               <a:t>pattern</a:t>
             </a:r>
             <a:r>
-              <a:rPr lang="pl-PL" sz="1200" dirty="0">
-                <a:latin typeface="Courier New" panose="02070309020205020404" pitchFamily="49" charset="0"/>
-                <a:cs typeface="Courier New" panose="02070309020205020404" pitchFamily="49" charset="0"/>
+              <a:rPr lang="pl-PL" sz="1200" b="0" i="0" u="none" strike="noStrike" kern="1200" baseline="0" dirty="0">
+                <a:solidFill>
+                  <a:schemeClr val="tx1"/>
+                </a:solidFill>
+                <a:latin typeface="+mn-lt"/>
+                <a:ea typeface="+mn-ea"/>
+                <a:cs typeface="+mn-cs"/>
               </a:rPr>
               <a:t> </a:t>
             </a:r>
             <a:r>
-              <a:rPr lang="pl-PL" sz="1200" dirty="0" err="1">
-                <a:latin typeface="Courier New" panose="02070309020205020404" pitchFamily="49" charset="0"/>
-                <a:cs typeface="Courier New" panose="02070309020205020404" pitchFamily="49" charset="0"/>
+              <a:rPr lang="pl-PL" sz="1200" b="0" i="0" u="none" strike="noStrike" kern="1200" baseline="0" dirty="0" err="1">
+                <a:solidFill>
+                  <a:schemeClr val="tx1"/>
+                </a:solidFill>
+                <a:latin typeface="+mn-lt"/>
+                <a:ea typeface="+mn-ea"/>
+                <a:cs typeface="+mn-cs"/>
               </a:rPr>
-              <a:t>match</a:t>
-            </a:r>
-            <a:r>
-              <a:rPr lang="pl-PL" sz="1200" dirty="0">
-                <a:latin typeface="Courier New" panose="02070309020205020404" pitchFamily="49" charset="0"/>
-                <a:cs typeface="Courier New" panose="02070309020205020404" pitchFamily="49" charset="0"/>
+              <a:t>matching</a:t>
+            </a:r>
+            <a:r>
+              <a:rPr lang="pl-PL" sz="1200" b="0" i="0" u="none" strike="noStrike" kern="1200" baseline="0" dirty="0">
+                <a:solidFill>
+                  <a:schemeClr val="tx1"/>
+                </a:solidFill>
+                <a:latin typeface="+mn-lt"/>
+                <a:ea typeface="+mn-ea"/>
+                <a:cs typeface="+mn-cs"/>
               </a:rPr>
-              <a:t>&gt; =&gt; &lt;</a:t>
-            </a:r>
-            <a:r>
-              <a:rPr lang="pl-PL" sz="1200" dirty="0" err="1">
-                <a:latin typeface="Courier New" panose="02070309020205020404" pitchFamily="49" charset="0"/>
-                <a:cs typeface="Courier New" panose="02070309020205020404" pitchFamily="49" charset="0"/>
-              </a:rPr>
-              <a:t>expression</a:t>
-            </a:r>
-            <a:r>
-              <a:rPr lang="pl-PL" sz="1200" dirty="0">
-                <a:latin typeface="Courier New" panose="02070309020205020404" pitchFamily="49" charset="0"/>
-                <a:cs typeface="Courier New" panose="02070309020205020404" pitchFamily="49" charset="0"/>
-              </a:rPr>
-              <a:t>&gt;</a:t>
-            </a:r>
-          </a:p>
-          <a:p>
-            <a:pPr marL="0" indent="0">
-              <a:buNone/>
-            </a:pPr>
-            <a:r>
-              <a:rPr lang="pl-PL" sz="1200" dirty="0">
-                <a:latin typeface="Courier New" panose="02070309020205020404" pitchFamily="49" charset="0"/>
-                <a:cs typeface="Courier New" panose="02070309020205020404" pitchFamily="49" charset="0"/>
-              </a:rPr>
-              <a:t>[</a:t>
-            </a:r>
-            <a:r>
-              <a:rPr lang="pl-PL" sz="1200" dirty="0" err="1">
-                <a:latin typeface="Courier New" panose="02070309020205020404" pitchFamily="49" charset="0"/>
-                <a:cs typeface="Courier New" panose="02070309020205020404" pitchFamily="49" charset="0"/>
-              </a:rPr>
-              <a:t>case</a:t>
-            </a:r>
-            <a:r>
-              <a:rPr lang="pl-PL" sz="1200" dirty="0">
-                <a:latin typeface="Courier New" panose="02070309020205020404" pitchFamily="49" charset="0"/>
-                <a:cs typeface="Courier New" panose="02070309020205020404" pitchFamily="49" charset="0"/>
-              </a:rPr>
-              <a:t>...]</a:t>
-            </a:r>
-          </a:p>
-          <a:p>
-            <a:pPr marL="0" indent="0">
-              <a:buNone/>
-            </a:pPr>
-            <a:r>
-              <a:rPr lang="pl-PL" sz="1200" dirty="0">
-                <a:latin typeface="Courier New" panose="02070309020205020404" pitchFamily="49" charset="0"/>
-                <a:cs typeface="Courier New" panose="02070309020205020404" pitchFamily="49" charset="0"/>
-              </a:rPr>
-              <a:t>}</a:t>
-            </a:r>
+              <a:t>.</a:t>
+            </a:r>
+          </a:p>
+          <a:p>
+            <a:endParaRPr lang="pl-PL" dirty="0"/>
           </a:p>
           <a:p>
             <a:pPr marL="0" marR="0" lvl="0" indent="0" algn="l" defTabSz="914400" rtl="0" eaLnBrk="1" fontAlgn="auto" latinLnBrk="0" hangingPunct="1">
@@ -2474,41 +2403,74 @@
               <a:defRPr/>
             </a:pPr>
             <a:r>
-              <a:rPr lang="en-GB" sz="1200" b="1" dirty="0"/>
-              <a:t>Patterns everywhere</a:t>
+              <a:rPr lang="pl-PL" sz="1200" b="1" dirty="0" err="1"/>
+              <a:t>Immutable</a:t>
             </a:r>
             <a:r>
               <a:rPr lang="pl-PL" sz="1200" b="1" dirty="0"/>
-              <a:t> –</a:t>
-            </a:r>
-            <a:r>
-              <a:rPr lang="pl-PL" sz="1200" b="0" dirty="0"/>
-              <a:t> bardzo przydatne do dekonstrukcji </a:t>
-            </a:r>
-            <a:r>
-              <a:rPr lang="pl-PL" sz="1200" b="0" dirty="0" err="1"/>
-              <a:t>tupli</a:t>
-            </a:r>
-            <a:r>
-              <a:rPr lang="pl-PL" sz="1200" b="0" dirty="0"/>
-              <a:t> czy </a:t>
-            </a:r>
-            <a:r>
-              <a:rPr lang="pl-PL" sz="1200" b="0" dirty="0" err="1"/>
-              <a:t>case</a:t>
-            </a:r>
-            <a:r>
-              <a:rPr lang="pl-PL" sz="1200" b="0" dirty="0"/>
+              <a:t> by </a:t>
+            </a:r>
+            <a:r>
+              <a:rPr lang="pl-PL" sz="1200" b="1" dirty="0" err="1"/>
+              <a:t>default</a:t>
+            </a:r>
+            <a:r>
+              <a:rPr lang="pl-PL" sz="1200" b="1" dirty="0"/>
               <a:t> </a:t>
             </a:r>
             <a:r>
-              <a:rPr lang="pl-PL" sz="1200" b="0" dirty="0" err="1"/>
-              <a:t>class</a:t>
-            </a:r>
-            <a:r>
-              <a:rPr lang="pl-PL" sz="1200" b="0" dirty="0"/>
-              <a:t>. </a:t>
-            </a:r>
+              <a:rPr lang="pl-PL" sz="1200" dirty="0"/>
+              <a:t>– </a:t>
+            </a:r>
+            <a:r>
+              <a:rPr lang="pl-PL" sz="1200" dirty="0" err="1"/>
+              <a:t>paramtery</a:t>
+            </a:r>
+            <a:r>
+              <a:rPr lang="pl-PL" sz="1200" dirty="0"/>
+              <a:t> w konstruktorze klasy to domyślnie </a:t>
+            </a:r>
+            <a:r>
+              <a:rPr lang="pl-PL" sz="1200" dirty="0" err="1"/>
+              <a:t>val</a:t>
+            </a:r>
+            <a:r>
+              <a:rPr lang="pl-PL" sz="1200" dirty="0"/>
+              <a:t>, tak </a:t>
+            </a:r>
+            <a:r>
+              <a:rPr lang="pl-PL" sz="1200" dirty="0" err="1"/>
+              <a:t>wieć</a:t>
+            </a:r>
+            <a:r>
+              <a:rPr lang="pl-PL" sz="1200" dirty="0"/>
+              <a:t> </a:t>
+            </a:r>
+            <a:r>
+              <a:rPr lang="pl-PL" sz="1200" dirty="0" err="1"/>
+              <a:t>automatucznie</a:t>
+            </a:r>
+            <a:r>
+              <a:rPr lang="pl-PL" sz="1200" dirty="0"/>
+              <a:t> generowane są gettery dla każdego parametry al. </a:t>
+            </a:r>
+            <a:r>
+              <a:rPr lang="pl-PL" sz="1200" dirty="0" err="1"/>
+              <a:t>Enie</a:t>
+            </a:r>
+            <a:r>
+              <a:rPr lang="pl-PL" sz="1200" dirty="0"/>
+              <a:t> ma już </a:t>
+            </a:r>
+            <a:r>
+              <a:rPr lang="pl-PL" sz="1200" dirty="0" err="1"/>
+              <a:t>setterów</a:t>
+            </a:r>
+            <a:r>
+              <a:rPr lang="pl-PL" sz="1200" dirty="0"/>
+              <a:t>.</a:t>
+            </a:r>
+            <a:endParaRPr lang="pl-PL" dirty="0"/>
           </a:p>
           <a:p>
             <a:pPr marL="0" marR="0" lvl="0" indent="0" algn="l" defTabSz="914400" rtl="0" eaLnBrk="1" fontAlgn="auto" latinLnBrk="0" hangingPunct="1">
@@ -2529,74 +2491,56 @@
               <a:defRPr/>
             </a:pPr>
             <a:r>
-              <a:rPr lang="pl-PL" sz="1200" b="0" dirty="0"/>
-              <a:t>W zasadzie </a:t>
-            </a:r>
-            <a:r>
-              <a:rPr lang="en-US" sz="1200" b="1" i="0" u="none" strike="noStrike" kern="1200" baseline="0" dirty="0">
-                <a:solidFill>
-                  <a:schemeClr val="tx1"/>
-                </a:solidFill>
-                <a:latin typeface="+mn-lt"/>
-                <a:ea typeface="+mn-ea"/>
-                <a:cs typeface="+mn-cs"/>
-              </a:rPr>
-              <a:t>case sequence </a:t>
-            </a:r>
-            <a:r>
-              <a:rPr lang="pl-PL" sz="1200" b="0" i="0" u="none" strike="noStrike" kern="1200" baseline="0" dirty="0">
-                <a:solidFill>
-                  <a:schemeClr val="tx1"/>
-                </a:solidFill>
-                <a:latin typeface="+mn-lt"/>
-                <a:ea typeface="+mn-ea"/>
-                <a:cs typeface="+mn-cs"/>
-              </a:rPr>
-              <a:t> użyte w nawiasach wąsatych (</a:t>
-            </a:r>
-            <a:r>
-              <a:rPr lang="pl-PL" sz="1200" b="0" i="0" u="none" strike="noStrike" kern="1200" baseline="0" dirty="0" err="1">
-                <a:solidFill>
-                  <a:schemeClr val="tx1"/>
-                </a:solidFill>
-                <a:latin typeface="+mn-lt"/>
-                <a:ea typeface="+mn-ea"/>
-                <a:cs typeface="+mn-cs"/>
-              </a:rPr>
-              <a:t>curly</a:t>
-            </a:r>
-            <a:r>
-              <a:rPr lang="pl-PL" sz="1200" b="0" i="0" u="none" strike="noStrike" kern="1200" baseline="0" dirty="0">
-                <a:solidFill>
-                  <a:schemeClr val="tx1"/>
-                </a:solidFill>
-                <a:latin typeface="+mn-lt"/>
-                <a:ea typeface="+mn-ea"/>
-                <a:cs typeface="+mn-cs"/>
-              </a:rPr>
+              <a:rPr lang="en-US" sz="1200" b="1" dirty="0"/>
+              <a:t>Companion object </a:t>
+            </a:r>
+            <a:r>
+              <a:rPr lang="pl-PL" sz="1200" b="1" dirty="0"/>
+              <a:t>and </a:t>
+            </a:r>
+            <a:r>
+              <a:rPr lang="pl-PL" sz="1200" b="1" dirty="0" err="1"/>
+              <a:t>factory</a:t>
+            </a:r>
+            <a:r>
+              <a:rPr lang="pl-PL" sz="1200" b="1" dirty="0"/>
               <a:t> </a:t>
             </a:r>
             <a:r>
-              <a:rPr lang="pl-PL" sz="1200" b="0" i="0" u="none" strike="noStrike" kern="1200" baseline="0" dirty="0" err="1">
-                <a:solidFill>
-                  <a:schemeClr val="tx1"/>
-                </a:solidFill>
-                <a:latin typeface="+mn-lt"/>
-                <a:ea typeface="+mn-ea"/>
-                <a:cs typeface="+mn-cs"/>
-              </a:rPr>
-              <a:t>braces</a:t>
-            </a:r>
-            <a:r>
-              <a:rPr lang="pl-PL" sz="1200" b="0" i="0" u="none" strike="noStrike" kern="1200" baseline="0" dirty="0">
-                <a:solidFill>
-                  <a:schemeClr val="tx1"/>
-                </a:solidFill>
-                <a:latin typeface="+mn-lt"/>
-                <a:ea typeface="+mn-ea"/>
-                <a:cs typeface="+mn-cs"/>
-              </a:rPr>
-              <a:t>) mogą być użyte wszędzie tam gdzie można użyć literału funkcji.</a:t>
+              <a:rPr lang="pl-PL" sz="1200" b="1" dirty="0" err="1"/>
+              <a:t>methods</a:t>
+            </a:r>
+            <a:r>
+              <a:rPr lang="pl-PL" sz="1200" b="1" dirty="0"/>
+              <a:t> </a:t>
+            </a:r>
+            <a:r>
+              <a:rPr lang="en-US" sz="1200" b="1" dirty="0"/>
+              <a:t>out of the box</a:t>
+            </a:r>
+            <a:r>
+              <a:rPr lang="pl-PL" sz="1200" b="1" dirty="0"/>
+              <a:t> </a:t>
+            </a:r>
+            <a:r>
+              <a:rPr lang="pl-PL" sz="1200" dirty="0"/>
+              <a:t>– w skrócie oznacza to, że nie musimy używać </a:t>
+            </a:r>
+            <a:r>
+              <a:rPr lang="pl-PL" sz="1200" dirty="0" err="1"/>
+              <a:t>keworda</a:t>
+            </a:r>
+            <a:r>
+              <a:rPr lang="pl-PL" sz="1200" dirty="0"/>
+              <a:t> </a:t>
+            </a:r>
+            <a:r>
+              <a:rPr lang="pl-PL" sz="1200" dirty="0" err="1"/>
+              <a:t>new</a:t>
+            </a:r>
+            <a:r>
+              <a:rPr lang="pl-PL" sz="1200" dirty="0"/>
+              <a:t> aby stworzyć instancję klasy.</a:t>
             </a:r>
           </a:p>
           <a:p>
@@ -2617,7 +2561,18 @@
               <a:tabLst/>
               <a:defRPr/>
             </a:pPr>
-            <a:endParaRPr lang="pl-PL" dirty="0"/>
+            <a:r>
+              <a:rPr lang="pl-PL" sz="1200" dirty="0"/>
+              <a:t>Wszystko to dzięki automatycznie dodanej metodzie </a:t>
+            </a:r>
+            <a:r>
+              <a:rPr lang="pl-PL" sz="1200" dirty="0" err="1"/>
+              <a:t>apply</a:t>
+            </a:r>
+            <a:r>
+              <a:rPr lang="pl-PL" sz="1200" dirty="0"/>
+              <a:t>.</a:t>
+            </a:r>
           </a:p>
           <a:p>
             <a:pPr marL="0" marR="0" lvl="0" indent="0" algn="l" defTabSz="914400" rtl="0" eaLnBrk="1" fontAlgn="auto" latinLnBrk="0" hangingPunct="1">
@@ -2638,254 +2593,55 @@
               <a:defRPr/>
             </a:pPr>
             <a:r>
-              <a:rPr lang="pl-PL" sz="1200" b="1" dirty="0" err="1"/>
-              <a:t>Comparison</a:t>
+              <a:rPr lang="en-GB" sz="1200" b="1" dirty="0"/>
+              <a:t>Ability to be deconstructed with pattern matching</a:t>
             </a:r>
             <a:r>
               <a:rPr lang="pl-PL" sz="1200" b="1" dirty="0"/>
-              <a:t> to Java </a:t>
-            </a:r>
-            <a:r>
-              <a:rPr lang="pl-PL" sz="1200" b="1" dirty="0" err="1"/>
-              <a:t>match</a:t>
-            </a:r>
-            <a:r>
-              <a:rPr lang="pl-PL" sz="1200" b="1" dirty="0"/>
-              <a:t>:</a:t>
-            </a:r>
-          </a:p>
-          <a:p>
-            <a:r>
-              <a:rPr lang="en-US" sz="1200" b="0" i="0" u="none" strike="noStrike" kern="1200" baseline="0" dirty="0">
-                <a:solidFill>
-                  <a:schemeClr val="tx1"/>
-                </a:solidFill>
-                <a:latin typeface="+mn-lt"/>
-                <a:ea typeface="+mn-ea"/>
-                <a:cs typeface="+mn-cs"/>
-              </a:rPr>
-              <a:t>However, there are three differences to keep in mind: </a:t>
-            </a:r>
-            <a:endParaRPr lang="pl-PL" sz="1200" b="0" i="0" u="none" strike="noStrike" kern="1200" baseline="0" dirty="0">
-              <a:solidFill>
-                <a:schemeClr val="tx1"/>
-              </a:solidFill>
-              <a:latin typeface="+mn-lt"/>
-              <a:ea typeface="+mn-ea"/>
-              <a:cs typeface="+mn-cs"/>
-            </a:endParaRPr>
-          </a:p>
-          <a:p>
-            <a:r>
-              <a:rPr lang="en-US" sz="1200" b="0" i="0" u="none" strike="noStrike" kern="1200" baseline="0" dirty="0">
-                <a:solidFill>
-                  <a:schemeClr val="tx1"/>
-                </a:solidFill>
-                <a:latin typeface="+mn-lt"/>
-                <a:ea typeface="+mn-ea"/>
-                <a:cs typeface="+mn-cs"/>
-              </a:rPr>
-              <a:t>First, </a:t>
-            </a:r>
-            <a:r>
-              <a:rPr lang="en-US" sz="1200" b="1" i="0" u="none" strike="noStrike" kern="1200" baseline="0" dirty="0">
-                <a:solidFill>
-                  <a:schemeClr val="tx1"/>
-                </a:solidFill>
-                <a:latin typeface="+mn-lt"/>
-                <a:ea typeface="+mn-ea"/>
-                <a:cs typeface="+mn-cs"/>
-              </a:rPr>
-              <a:t>match is an</a:t>
-            </a:r>
-            <a:r>
-              <a:rPr lang="pl-PL" sz="1200" b="1" i="0" u="none" strike="noStrike" kern="1200" baseline="0" dirty="0">
-                <a:solidFill>
-                  <a:schemeClr val="tx1"/>
-                </a:solidFill>
-                <a:latin typeface="+mn-lt"/>
-                <a:ea typeface="+mn-ea"/>
-                <a:cs typeface="+mn-cs"/>
-              </a:rPr>
-              <a:t> </a:t>
-            </a:r>
-            <a:r>
-              <a:rPr lang="en-US" sz="1200" b="1" i="0" u="none" strike="noStrike" kern="1200" baseline="0" dirty="0">
-                <a:solidFill>
-                  <a:schemeClr val="tx1"/>
-                </a:solidFill>
-                <a:latin typeface="+mn-lt"/>
-                <a:ea typeface="+mn-ea"/>
-                <a:cs typeface="+mn-cs"/>
-              </a:rPr>
-              <a:t>expression in Scala </a:t>
-            </a:r>
-            <a:r>
-              <a:rPr lang="en-US" sz="1200" b="0" i="0" u="none" strike="noStrike" kern="1200" baseline="0" dirty="0">
-                <a:solidFill>
-                  <a:schemeClr val="tx1"/>
-                </a:solidFill>
-                <a:latin typeface="+mn-lt"/>
-                <a:ea typeface="+mn-ea"/>
-                <a:cs typeface="+mn-cs"/>
-              </a:rPr>
-              <a:t>(i.e., it always results in a value). </a:t>
-            </a:r>
-            <a:endParaRPr lang="pl-PL" sz="1200" b="0" i="0" u="none" strike="noStrike" kern="1200" baseline="0" dirty="0">
-              <a:solidFill>
-                <a:schemeClr val="tx1"/>
-              </a:solidFill>
-              <a:latin typeface="+mn-lt"/>
-              <a:ea typeface="+mn-ea"/>
-              <a:cs typeface="+mn-cs"/>
-            </a:endParaRPr>
-          </a:p>
-          <a:p>
-            <a:r>
-              <a:rPr lang="en-US" sz="1200" b="0" i="0" u="none" strike="noStrike" kern="1200" baseline="0" dirty="0">
-                <a:solidFill>
-                  <a:schemeClr val="tx1"/>
-                </a:solidFill>
-                <a:latin typeface="+mn-lt"/>
-                <a:ea typeface="+mn-ea"/>
-                <a:cs typeface="+mn-cs"/>
-              </a:rPr>
-              <a:t>Second, Scala’s alternative</a:t>
-            </a:r>
-            <a:r>
-              <a:rPr lang="pl-PL" sz="1200" b="0" i="0" u="none" strike="noStrike" kern="1200" baseline="0" dirty="0">
-                <a:solidFill>
-                  <a:schemeClr val="tx1"/>
-                </a:solidFill>
-                <a:latin typeface="+mn-lt"/>
-                <a:ea typeface="+mn-ea"/>
-                <a:cs typeface="+mn-cs"/>
-              </a:rPr>
-              <a:t> </a:t>
-            </a:r>
-            <a:r>
-              <a:rPr lang="en-US" sz="1200" b="0" i="0" u="none" strike="noStrike" kern="1200" baseline="0" dirty="0">
-                <a:solidFill>
-                  <a:schemeClr val="tx1"/>
-                </a:solidFill>
-                <a:latin typeface="+mn-lt"/>
-                <a:ea typeface="+mn-ea"/>
-                <a:cs typeface="+mn-cs"/>
-              </a:rPr>
-              <a:t>expressions </a:t>
-            </a:r>
-            <a:r>
-              <a:rPr lang="en-US" sz="1200" b="1" i="0" u="none" strike="noStrike" kern="1200" baseline="0" dirty="0">
-                <a:solidFill>
-                  <a:schemeClr val="tx1"/>
-                </a:solidFill>
-                <a:latin typeface="+mn-lt"/>
-                <a:ea typeface="+mn-ea"/>
-                <a:cs typeface="+mn-cs"/>
-              </a:rPr>
-              <a:t>never “fall through” into the next case</a:t>
-            </a:r>
-            <a:r>
-              <a:rPr lang="en-US" sz="1200" b="0" i="0" u="none" strike="noStrike" kern="1200" baseline="0" dirty="0">
-                <a:solidFill>
-                  <a:schemeClr val="tx1"/>
-                </a:solidFill>
-                <a:latin typeface="+mn-lt"/>
-                <a:ea typeface="+mn-ea"/>
-                <a:cs typeface="+mn-cs"/>
-              </a:rPr>
-              <a:t>. </a:t>
-            </a:r>
-            <a:endParaRPr lang="pl-PL" sz="1200" b="0" i="0" u="none" strike="noStrike" kern="1200" baseline="0" dirty="0">
-              <a:solidFill>
-                <a:schemeClr val="tx1"/>
-              </a:solidFill>
-              <a:latin typeface="+mn-lt"/>
-              <a:ea typeface="+mn-ea"/>
-              <a:cs typeface="+mn-cs"/>
-            </a:endParaRPr>
-          </a:p>
-          <a:p>
-            <a:r>
-              <a:rPr lang="en-US" sz="1200" b="0" i="0" u="none" strike="noStrike" kern="1200" baseline="0" dirty="0">
-                <a:solidFill>
-                  <a:schemeClr val="tx1"/>
-                </a:solidFill>
-                <a:latin typeface="+mn-lt"/>
-                <a:ea typeface="+mn-ea"/>
-                <a:cs typeface="+mn-cs"/>
-              </a:rPr>
-              <a:t>Third, </a:t>
-            </a:r>
-            <a:r>
-              <a:rPr lang="en-US" sz="1200" b="1" i="0" u="none" strike="noStrike" kern="1200" baseline="0" dirty="0">
-                <a:solidFill>
-                  <a:schemeClr val="tx1"/>
-                </a:solidFill>
-                <a:latin typeface="+mn-lt"/>
-                <a:ea typeface="+mn-ea"/>
-                <a:cs typeface="+mn-cs"/>
-              </a:rPr>
-              <a:t>if none of</a:t>
-            </a:r>
-            <a:r>
-              <a:rPr lang="pl-PL" sz="1200" b="1" i="0" u="none" strike="noStrike" kern="1200" baseline="0" dirty="0">
-                <a:solidFill>
-                  <a:schemeClr val="tx1"/>
-                </a:solidFill>
-                <a:latin typeface="+mn-lt"/>
-                <a:ea typeface="+mn-ea"/>
-                <a:cs typeface="+mn-cs"/>
-              </a:rPr>
-              <a:t> </a:t>
-            </a:r>
-            <a:r>
-              <a:rPr lang="en-US" sz="1200" b="1" i="0" u="none" strike="noStrike" kern="1200" baseline="0" dirty="0">
-                <a:solidFill>
-                  <a:schemeClr val="tx1"/>
-                </a:solidFill>
-                <a:latin typeface="+mn-lt"/>
-                <a:ea typeface="+mn-ea"/>
-                <a:cs typeface="+mn-cs"/>
-              </a:rPr>
-              <a:t>the patterns match, an exception named </a:t>
-            </a:r>
-            <a:r>
-              <a:rPr lang="en-US" sz="1200" b="1" i="0" u="none" strike="noStrike" kern="1200" baseline="0" dirty="0" err="1">
-                <a:solidFill>
-                  <a:schemeClr val="tx1"/>
-                </a:solidFill>
-                <a:latin typeface="+mn-lt"/>
-                <a:ea typeface="+mn-ea"/>
-                <a:cs typeface="+mn-cs"/>
-              </a:rPr>
-              <a:t>MatchError</a:t>
-            </a:r>
-            <a:r>
-              <a:rPr lang="en-US" sz="1200" b="1" i="0" u="none" strike="noStrike" kern="1200" baseline="0" dirty="0">
-                <a:solidFill>
-                  <a:schemeClr val="tx1"/>
-                </a:solidFill>
-                <a:latin typeface="+mn-lt"/>
-                <a:ea typeface="+mn-ea"/>
-                <a:cs typeface="+mn-cs"/>
-              </a:rPr>
-              <a:t> is thrown</a:t>
-            </a:r>
-            <a:r>
-              <a:rPr lang="en-US" sz="1200" b="0" i="0" u="none" strike="noStrike" kern="1200" baseline="0" dirty="0">
-                <a:solidFill>
-                  <a:schemeClr val="tx1"/>
-                </a:solidFill>
-                <a:latin typeface="+mn-lt"/>
-                <a:ea typeface="+mn-ea"/>
-                <a:cs typeface="+mn-cs"/>
-              </a:rPr>
-              <a:t>.</a:t>
-            </a:r>
-            <a:endParaRPr lang="en-GB" sz="1200" b="1" dirty="0"/>
-          </a:p>
-          <a:p>
+              <a:t> – </a:t>
+            </a:r>
+            <a:r>
+              <a:rPr lang="pl-PL" sz="1200" b="0" dirty="0"/>
+              <a:t>obok metody </a:t>
+            </a:r>
+            <a:r>
+              <a:rPr lang="pl-PL" sz="1200" b="0" dirty="0" err="1"/>
+              <a:t>apply</a:t>
+            </a:r>
+            <a:r>
+              <a:rPr lang="pl-PL" sz="1200" b="0" dirty="0"/>
+              <a:t> dostajemy również metodę </a:t>
+            </a:r>
+            <a:r>
+              <a:rPr lang="pl-PL" sz="1200" b="0" dirty="0" err="1"/>
+              <a:t>unapply</a:t>
+            </a:r>
+            <a:endParaRPr lang="pl-PL" sz="1200" b="0" dirty="0"/>
+          </a:p>
+          <a:p>
+            <a:pPr marL="0" marR="0" lvl="0" indent="0" algn="l" defTabSz="914400" rtl="0" eaLnBrk="1" fontAlgn="auto" latinLnBrk="0" hangingPunct="1">
+              <a:lnSpc>
+                <a:spcPct val="100000"/>
+              </a:lnSpc>
+              <a:spcBef>
+                <a:spcPts val="0"/>
+              </a:spcBef>
+              <a:spcAft>
+                <a:spcPts val="0"/>
+              </a:spcAft>
+              <a:buClrTx/>
+              <a:buSzTx/>
+              <a:buFontTx/>
+              <a:buNone/>
+              <a:tabLst/>
+              <a:defRPr/>
+            </a:pPr>
+            <a:endParaRPr lang="en-US" sz="1200" dirty="0"/>
+          </a:p>
+          <a:p>
+            <a:br>
+              <a:rPr lang="pl-PL" dirty="0"/>
+            </a:br>
             <a:endParaRPr lang="pl-PL" dirty="0"/>
           </a:p>
         </p:txBody>
@@ -2893,7 +2649,7 @@
     </p:spTree>
     <p:extLst>
       <p:ext uri="{BB962C8B-B14F-4D97-AF65-F5344CB8AC3E}">
-        <p14:creationId xmlns:p14="http://schemas.microsoft.com/office/powerpoint/2010/main" val="3272114557"/>
+        <p14:creationId xmlns:p14="http://schemas.microsoft.com/office/powerpoint/2010/main" val="3267287691"/>
       </p:ext>
     </p:extLst>
   </p:cSld>
@@ -2947,139 +2703,346 @@
           <a:bodyPr/>
           <a:lstStyle/>
           <a:p>
-            <a:r>
-              <a:rPr lang="pl-PL" b="1" dirty="0"/>
-              <a:t>First </a:t>
-            </a:r>
-            <a:r>
-              <a:rPr lang="pl-PL" b="1" dirty="0" err="1"/>
+            <a:pPr marL="0" indent="0">
+              <a:buNone/>
+            </a:pPr>
+            <a:r>
+              <a:rPr lang="pl-PL" sz="1200" dirty="0">
+                <a:latin typeface="Courier New" panose="02070309020205020404" pitchFamily="49" charset="0"/>
+                <a:cs typeface="Courier New" panose="02070309020205020404" pitchFamily="49" charset="0"/>
+              </a:rPr>
+              <a:t>&lt;</a:t>
+            </a:r>
+            <a:r>
+              <a:rPr lang="pl-PL" sz="1200" dirty="0" err="1">
+                <a:latin typeface="Courier New" panose="02070309020205020404" pitchFamily="49" charset="0"/>
+                <a:cs typeface="Courier New" panose="02070309020205020404" pitchFamily="49" charset="0"/>
+              </a:rPr>
+              <a:t>expression</a:t>
+            </a:r>
+            <a:r>
+              <a:rPr lang="pl-PL" sz="1200" dirty="0">
+                <a:latin typeface="Courier New" panose="02070309020205020404" pitchFamily="49" charset="0"/>
+                <a:cs typeface="Courier New" panose="02070309020205020404" pitchFamily="49" charset="0"/>
+              </a:rPr>
+              <a:t>&gt; </a:t>
+            </a:r>
+            <a:r>
+              <a:rPr lang="pl-PL" sz="1200" dirty="0" err="1">
+                <a:latin typeface="Courier New" panose="02070309020205020404" pitchFamily="49" charset="0"/>
+                <a:cs typeface="Courier New" panose="02070309020205020404" pitchFamily="49" charset="0"/>
+              </a:rPr>
+              <a:t>match</a:t>
+            </a:r>
+            <a:r>
+              <a:rPr lang="pl-PL" sz="1200" dirty="0">
+                <a:latin typeface="Courier New" panose="02070309020205020404" pitchFamily="49" charset="0"/>
+                <a:cs typeface="Courier New" panose="02070309020205020404" pitchFamily="49" charset="0"/>
+              </a:rPr>
+              <a:t> {</a:t>
+            </a:r>
+          </a:p>
+          <a:p>
+            <a:pPr marL="0" indent="0">
+              <a:buNone/>
+            </a:pPr>
+            <a:r>
+              <a:rPr lang="pl-PL" sz="1200" dirty="0" err="1">
+                <a:latin typeface="Courier New" panose="02070309020205020404" pitchFamily="49" charset="0"/>
+                <a:cs typeface="Courier New" panose="02070309020205020404" pitchFamily="49" charset="0"/>
+              </a:rPr>
+              <a:t>case</a:t>
+            </a:r>
+            <a:r>
+              <a:rPr lang="pl-PL" sz="1200" dirty="0">
+                <a:latin typeface="Courier New" panose="02070309020205020404" pitchFamily="49" charset="0"/>
+                <a:cs typeface="Courier New" panose="02070309020205020404" pitchFamily="49" charset="0"/>
+              </a:rPr>
+              <a:t> &lt;</a:t>
+            </a:r>
+            <a:r>
+              <a:rPr lang="pl-PL" sz="1200" dirty="0" err="1">
+                <a:latin typeface="Courier New" panose="02070309020205020404" pitchFamily="49" charset="0"/>
+                <a:cs typeface="Courier New" panose="02070309020205020404" pitchFamily="49" charset="0"/>
+              </a:rPr>
+              <a:t>pattern</a:t>
+            </a:r>
+            <a:r>
+              <a:rPr lang="pl-PL" sz="1200" dirty="0">
+                <a:latin typeface="Courier New" panose="02070309020205020404" pitchFamily="49" charset="0"/>
+                <a:cs typeface="Courier New" panose="02070309020205020404" pitchFamily="49" charset="0"/>
+              </a:rPr>
+              <a:t> </a:t>
+            </a:r>
+            <a:r>
+              <a:rPr lang="pl-PL" sz="1200" dirty="0" err="1">
+                <a:latin typeface="Courier New" panose="02070309020205020404" pitchFamily="49" charset="0"/>
+                <a:cs typeface="Courier New" panose="02070309020205020404" pitchFamily="49" charset="0"/>
+              </a:rPr>
+              <a:t>match</a:t>
+            </a:r>
+            <a:r>
+              <a:rPr lang="pl-PL" sz="1200" dirty="0">
+                <a:latin typeface="Courier New" panose="02070309020205020404" pitchFamily="49" charset="0"/>
+                <a:cs typeface="Courier New" panose="02070309020205020404" pitchFamily="49" charset="0"/>
+              </a:rPr>
+              <a:t>&gt; =&gt; &lt;</a:t>
+            </a:r>
+            <a:r>
+              <a:rPr lang="pl-PL" sz="1200" dirty="0" err="1">
+                <a:latin typeface="Courier New" panose="02070309020205020404" pitchFamily="49" charset="0"/>
+                <a:cs typeface="Courier New" panose="02070309020205020404" pitchFamily="49" charset="0"/>
+              </a:rPr>
+              <a:t>expression</a:t>
+            </a:r>
+            <a:r>
+              <a:rPr lang="pl-PL" sz="1200" dirty="0">
+                <a:latin typeface="Courier New" panose="02070309020205020404" pitchFamily="49" charset="0"/>
+                <a:cs typeface="Courier New" panose="02070309020205020404" pitchFamily="49" charset="0"/>
+              </a:rPr>
+              <a:t>&gt;</a:t>
+            </a:r>
+          </a:p>
+          <a:p>
+            <a:pPr marL="0" indent="0">
+              <a:buNone/>
+            </a:pPr>
+            <a:r>
+              <a:rPr lang="pl-PL" sz="1200" dirty="0">
+                <a:latin typeface="Courier New" panose="02070309020205020404" pitchFamily="49" charset="0"/>
+                <a:cs typeface="Courier New" panose="02070309020205020404" pitchFamily="49" charset="0"/>
+              </a:rPr>
+              <a:t>[</a:t>
+            </a:r>
+            <a:r>
+              <a:rPr lang="pl-PL" sz="1200" dirty="0" err="1">
+                <a:latin typeface="Courier New" panose="02070309020205020404" pitchFamily="49" charset="0"/>
+                <a:cs typeface="Courier New" panose="02070309020205020404" pitchFamily="49" charset="0"/>
+              </a:rPr>
+              <a:t>case</a:t>
+            </a:r>
+            <a:r>
+              <a:rPr lang="pl-PL" sz="1200" dirty="0">
+                <a:latin typeface="Courier New" panose="02070309020205020404" pitchFamily="49" charset="0"/>
+                <a:cs typeface="Courier New" panose="02070309020205020404" pitchFamily="49" charset="0"/>
+              </a:rPr>
+              <a:t>...]</a:t>
+            </a:r>
+          </a:p>
+          <a:p>
+            <a:pPr marL="0" indent="0">
+              <a:buNone/>
+            </a:pPr>
+            <a:r>
+              <a:rPr lang="pl-PL" sz="1200" dirty="0">
+                <a:latin typeface="Courier New" panose="02070309020205020404" pitchFamily="49" charset="0"/>
+                <a:cs typeface="Courier New" panose="02070309020205020404" pitchFamily="49" charset="0"/>
+              </a:rPr>
+              <a:t>}</a:t>
+            </a:r>
+          </a:p>
+          <a:p>
+            <a:pPr marL="0" marR="0" lvl="0" indent="0" algn="l" defTabSz="914400" rtl="0" eaLnBrk="1" fontAlgn="auto" latinLnBrk="0" hangingPunct="1">
+              <a:lnSpc>
+                <a:spcPct val="100000"/>
+              </a:lnSpc>
+              <a:spcBef>
+                <a:spcPts val="0"/>
+              </a:spcBef>
+              <a:spcAft>
+                <a:spcPts val="0"/>
+              </a:spcAft>
+              <a:buClrTx/>
+              <a:buSzTx/>
+              <a:buFontTx/>
+              <a:buNone/>
+              <a:tabLst/>
+              <a:defRPr/>
+            </a:pPr>
+            <a:r>
+              <a:rPr lang="en-GB" sz="1200" b="1" dirty="0"/>
+              <a:t>Patterns everywhere</a:t>
+            </a:r>
+            <a:r>
+              <a:rPr lang="pl-PL" sz="1200" b="1" dirty="0"/>
+              <a:t> –</a:t>
+            </a:r>
+            <a:r>
+              <a:rPr lang="pl-PL" sz="1200" b="0" dirty="0"/>
+              <a:t> bardzo przydatne do dekonstrukcji </a:t>
+            </a:r>
+            <a:r>
+              <a:rPr lang="pl-PL" sz="1200" b="0" dirty="0" err="1"/>
+              <a:t>tupli</a:t>
+            </a:r>
+            <a:r>
+              <a:rPr lang="pl-PL" sz="1200" b="0" dirty="0"/>
+              <a:t> czy </a:t>
+            </a:r>
+            <a:r>
+              <a:rPr lang="pl-PL" sz="1200" b="0" dirty="0" err="1"/>
+              <a:t>case</a:t>
+            </a:r>
+            <a:r>
+              <a:rPr lang="pl-PL" sz="1200" b="0" dirty="0"/>
+              <a:t> </a:t>
+            </a:r>
+            <a:r>
+              <a:rPr lang="pl-PL" sz="1200" b="0" dirty="0" err="1"/>
               <a:t>class</a:t>
             </a:r>
             <a:r>
-              <a:rPr lang="pl-PL" b="1" dirty="0"/>
+              <a:rPr lang="pl-PL" sz="1200" b="0" dirty="0"/>
+              <a:t>. </a:t>
+            </a:r>
+          </a:p>
+          <a:p>
+            <a:pPr marL="0" marR="0" lvl="0" indent="0" algn="l" defTabSz="914400" rtl="0" eaLnBrk="1" fontAlgn="auto" latinLnBrk="0" hangingPunct="1">
+              <a:lnSpc>
+                <a:spcPct val="100000"/>
+              </a:lnSpc>
+              <a:spcBef>
+                <a:spcPts val="0"/>
+              </a:spcBef>
+              <a:spcAft>
+                <a:spcPts val="0"/>
+              </a:spcAft>
+              <a:buClrTx/>
+              <a:buSzTx/>
+              <a:buFontTx/>
+              <a:buNone/>
+              <a:tabLst/>
+              <a:defRPr/>
+            </a:pPr>
+            <a:r>
+              <a:rPr lang="pl-PL" sz="1200" b="0" dirty="0"/>
+              <a:t>W zasadzie </a:t>
+            </a:r>
+            <a:r>
+              <a:rPr lang="en-US" sz="1200" b="1" i="0" u="none" strike="noStrike" kern="1200" baseline="0" dirty="0">
+                <a:solidFill>
+                  <a:schemeClr val="tx1"/>
+                </a:solidFill>
+                <a:latin typeface="+mn-lt"/>
+                <a:ea typeface="+mn-ea"/>
+                <a:cs typeface="+mn-cs"/>
+              </a:rPr>
+              <a:t>case sequence </a:t>
+            </a:r>
+            <a:r>
+              <a:rPr lang="pl-PL" sz="1200" b="0" i="0" u="none" strike="noStrike" kern="1200" baseline="0" dirty="0">
+                <a:solidFill>
+                  <a:schemeClr val="tx1"/>
+                </a:solidFill>
+                <a:latin typeface="+mn-lt"/>
+                <a:ea typeface="+mn-ea"/>
+                <a:cs typeface="+mn-cs"/>
+              </a:rPr>
+              <a:t> użyte w nawiasach wąsatych (</a:t>
+            </a:r>
+            <a:r>
+              <a:rPr lang="pl-PL" sz="1200" b="0" i="0" u="none" strike="noStrike" kern="1200" baseline="0" dirty="0" err="1">
+                <a:solidFill>
+                  <a:schemeClr val="tx1"/>
+                </a:solidFill>
+                <a:latin typeface="+mn-lt"/>
+                <a:ea typeface="+mn-ea"/>
+                <a:cs typeface="+mn-cs"/>
+              </a:rPr>
+              <a:t>curly</a:t>
+            </a:r>
+            <a:r>
+              <a:rPr lang="pl-PL" sz="1200" b="0" i="0" u="none" strike="noStrike" kern="1200" baseline="0" dirty="0">
+                <a:solidFill>
+                  <a:schemeClr val="tx1"/>
+                </a:solidFill>
+                <a:latin typeface="+mn-lt"/>
+                <a:ea typeface="+mn-ea"/>
+                <a:cs typeface="+mn-cs"/>
+              </a:rPr>
               <a:t> </a:t>
             </a:r>
             <a:r>
-              <a:rPr lang="pl-PL" b="1" dirty="0" err="1"/>
-              <a:t>citizien</a:t>
-            </a:r>
-            <a:r>
-              <a:rPr lang="pl-PL" b="1" dirty="0"/>
-              <a:t> </a:t>
-            </a:r>
-            <a:r>
-              <a:rPr lang="pl-PL" dirty="0"/>
-              <a:t>– </a:t>
-            </a:r>
-            <a:r>
-              <a:rPr lang="pl-PL" dirty="0" err="1"/>
-              <a:t>sa</a:t>
-            </a:r>
-            <a:r>
-              <a:rPr lang="pl-PL" dirty="0"/>
-              <a:t> wszechobecne, nie są tylko deklarowane i wykonywane ale mogą być użyte jako po prostu typ danych.</a:t>
-            </a:r>
-          </a:p>
-          <a:p>
-            <a:r>
-              <a:rPr lang="pl-PL" dirty="0"/>
-              <a:t>Mogą wiec być zdefiniowane jako literał, jako literał bez nazwy (czyli to co znamy z </a:t>
-            </a:r>
-            <a:r>
-              <a:rPr lang="pl-PL" dirty="0" err="1"/>
-              <a:t>javy</a:t>
-            </a:r>
-            <a:r>
-              <a:rPr lang="pl-PL" dirty="0"/>
-              <a:t>/</a:t>
-            </a:r>
-            <a:r>
-              <a:rPr lang="pl-PL" dirty="0" err="1"/>
-              <a:t>javascirpt</a:t>
-            </a:r>
-            <a:r>
-              <a:rPr lang="pl-PL" dirty="0"/>
-              <a:t> jako lambda, bądź anonimowa funkcja), mogą być zapisane jako </a:t>
-            </a:r>
-            <a:r>
-              <a:rPr lang="pl-PL" dirty="0" err="1"/>
-              <a:t>value</a:t>
-            </a:r>
-            <a:r>
-              <a:rPr lang="pl-PL" dirty="0"/>
-              <a:t> bądź </a:t>
-            </a:r>
-            <a:r>
-              <a:rPr lang="pl-PL" dirty="0" err="1"/>
-              <a:t>variable</a:t>
-            </a:r>
-            <a:r>
-              <a:rPr lang="pl-PL" dirty="0"/>
-              <a:t> oraz użyte jako parametr do innej funkcji bądź nawet zwrócone z innej funkcji.</a:t>
-            </a:r>
-          </a:p>
-          <a:p>
-            <a:r>
-              <a:rPr lang="pl-PL" b="1" dirty="0" err="1"/>
-              <a:t>Pure</a:t>
-            </a:r>
-            <a:r>
-              <a:rPr lang="pl-PL" b="1" dirty="0"/>
-              <a:t> </a:t>
-            </a:r>
-            <a:r>
-              <a:rPr lang="pl-PL" b="1" dirty="0" err="1"/>
-              <a:t>functions</a:t>
-            </a:r>
-            <a:r>
-              <a:rPr lang="pl-PL" b="1" dirty="0"/>
-              <a:t> </a:t>
-            </a:r>
-            <a:r>
-              <a:rPr lang="pl-PL" dirty="0"/>
-              <a:t>– nie maja </a:t>
-            </a:r>
-            <a:r>
-              <a:rPr lang="pl-PL" dirty="0" err="1"/>
-              <a:t>side</a:t>
-            </a:r>
-            <a:r>
-              <a:rPr lang="pl-PL" dirty="0"/>
-              <a:t> </a:t>
-            </a:r>
-            <a:r>
-              <a:rPr lang="pl-PL" dirty="0" err="1"/>
-              <a:t>effectów</a:t>
-            </a:r>
-            <a:r>
-              <a:rPr lang="pl-PL" dirty="0"/>
-              <a:t>, czyli nie modyfikują stanu, są </a:t>
-            </a:r>
-            <a:r>
-              <a:rPr lang="pl-PL" dirty="0" err="1"/>
-              <a:t>stateless</a:t>
-            </a:r>
+              <a:rPr lang="pl-PL" sz="1200" b="0" i="0" u="none" strike="noStrike" kern="1200" baseline="0" dirty="0" err="1">
+                <a:solidFill>
+                  <a:schemeClr val="tx1"/>
+                </a:solidFill>
+                <a:latin typeface="+mn-lt"/>
+                <a:ea typeface="+mn-ea"/>
+                <a:cs typeface="+mn-cs"/>
+              </a:rPr>
+              <a:t>braces</a:t>
+            </a:r>
+            <a:r>
+              <a:rPr lang="pl-PL" sz="1200" b="0" i="0" u="none" strike="noStrike" kern="1200" baseline="0" dirty="0">
+                <a:solidFill>
+                  <a:schemeClr val="tx1"/>
+                </a:solidFill>
+                <a:latin typeface="+mn-lt"/>
+                <a:ea typeface="+mn-ea"/>
+                <a:cs typeface="+mn-cs"/>
+              </a:rPr>
+              <a:t>) mogą być użyte wszędzie tam gdzie można użyć literału funkcji.</a:t>
+            </a:r>
+          </a:p>
+          <a:p>
+            <a:pPr marL="0" marR="0" lvl="0" indent="0" algn="l" defTabSz="914400" rtl="0" eaLnBrk="1" fontAlgn="auto" latinLnBrk="0" hangingPunct="1">
+              <a:lnSpc>
+                <a:spcPct val="100000"/>
+              </a:lnSpc>
+              <a:spcBef>
+                <a:spcPts val="0"/>
+              </a:spcBef>
+              <a:spcAft>
+                <a:spcPts val="0"/>
+              </a:spcAft>
+              <a:buClrTx/>
+              <a:buSzTx/>
+              <a:buFontTx/>
+              <a:buNone/>
+              <a:tabLst/>
+              <a:defRPr/>
+            </a:pPr>
             <a:endParaRPr lang="pl-PL" dirty="0"/>
           </a:p>
           <a:p>
-            <a:r>
-              <a:rPr lang="pl-PL" b="1" dirty="0"/>
-              <a:t>High-order </a:t>
-            </a:r>
-            <a:r>
-              <a:rPr lang="pl-PL" b="1" dirty="0" err="1"/>
-              <a:t>funcions</a:t>
-            </a:r>
-            <a:r>
-              <a:rPr lang="pl-PL" b="1" dirty="0"/>
-              <a:t> </a:t>
-            </a:r>
-            <a:r>
-              <a:rPr lang="pl-PL" dirty="0"/>
-              <a:t>– przyjmują w argumencie inna funkcje bądź zwracają funkcje. Najbardziej znane to </a:t>
-            </a:r>
-            <a:r>
-              <a:rPr lang="pl-PL" sz="1200" b="0" i="0" u="none" strike="noStrike" kern="1200" baseline="0" dirty="0">
+            <a:pPr marL="0" marR="0" lvl="0" indent="0" algn="l" defTabSz="914400" rtl="0" eaLnBrk="1" fontAlgn="auto" latinLnBrk="0" hangingPunct="1">
+              <a:lnSpc>
+                <a:spcPct val="100000"/>
+              </a:lnSpc>
+              <a:spcBef>
+                <a:spcPts val="0"/>
+              </a:spcBef>
+              <a:spcAft>
+                <a:spcPts val="0"/>
+              </a:spcAft>
+              <a:buClrTx/>
+              <a:buSzTx/>
+              <a:buFontTx/>
+              <a:buNone/>
+              <a:tabLst/>
+              <a:defRPr/>
+            </a:pPr>
+            <a:r>
+              <a:rPr lang="pl-PL" sz="1200" b="1" dirty="0" err="1"/>
+              <a:t>Comparison</a:t>
+            </a:r>
+            <a:r>
+              <a:rPr lang="pl-PL" sz="1200" b="1" dirty="0"/>
+              <a:t> to Java </a:t>
+            </a:r>
+            <a:r>
+              <a:rPr lang="pl-PL" sz="1200" b="1" dirty="0" err="1"/>
+              <a:t>match</a:t>
+            </a:r>
+            <a:r>
+              <a:rPr lang="pl-PL" sz="1200" b="1" dirty="0"/>
+              <a:t>:</a:t>
+            </a:r>
+          </a:p>
+          <a:p>
+            <a:r>
+              <a:rPr lang="en-US" sz="1200" b="0" i="0" u="none" strike="noStrike" kern="1200" baseline="0" dirty="0">
                 <a:solidFill>
                   <a:schemeClr val="tx1"/>
                 </a:solidFill>
@@ -3087,32 +3050,8 @@
                 <a:ea typeface="+mn-ea"/>
                 <a:cs typeface="+mn-cs"/>
               </a:rPr>
-              <a:t>map() i </a:t>
-            </a:r>
-            <a:r>
-              <a:rPr lang="pl-PL" sz="1200" b="0" i="0" u="none" strike="noStrike" kern="1200" baseline="0" dirty="0" err="1">
-                <a:solidFill>
-                  <a:schemeClr val="tx1"/>
-                </a:solidFill>
-                <a:latin typeface="+mn-lt"/>
-                <a:ea typeface="+mn-ea"/>
-                <a:cs typeface="+mn-cs"/>
-              </a:rPr>
-              <a:t>reduce</a:t>
-            </a:r>
-            <a:r>
-              <a:rPr lang="pl-PL" sz="1200" b="0" i="0" u="none" strike="noStrike" kern="1200" baseline="0" dirty="0">
-                <a:solidFill>
-                  <a:schemeClr val="tx1"/>
-                </a:solidFill>
-                <a:latin typeface="+mn-lt"/>
-                <a:ea typeface="+mn-ea"/>
-                <a:cs typeface="+mn-cs"/>
-              </a:rPr>
-              <a:t>().</a:t>
-            </a:r>
-          </a:p>
-          <a:p>
+              <a:t>However, there are three differences to keep in mind: </a:t>
+            </a:r>
             <a:endParaRPr lang="pl-PL" sz="1200" b="0" i="0" u="none" strike="noStrike" kern="1200" baseline="0" dirty="0">
               <a:solidFill>
                 <a:schemeClr val="tx1"/>
@@ -3124,7 +3063,7 @@
           </a:p>
           <a:p>
             <a:r>
-              <a:rPr lang="pl-PL" sz="1200" b="0" i="0" u="none" strike="noStrike" kern="1200" baseline="0" dirty="0">
+              <a:rPr lang="en-US" sz="1200" b="0" i="0" u="none" strike="noStrike" kern="1200" baseline="0" dirty="0">
                 <a:solidFill>
                   <a:schemeClr val="tx1"/>
                 </a:solidFill>
@@ -3132,10 +3071,10 @@
                 <a:ea typeface="+mn-ea"/>
                 <a:cs typeface="+mn-cs"/>
               </a:rPr>
-              <a:t>The map() </a:t>
-            </a:r>
-            <a:r>
-              <a:rPr lang="pl-PL" sz="1200" b="0" i="0" u="none" strike="noStrike" kern="1200" baseline="0" dirty="0" err="1">
+              <a:t>First, </a:t>
+            </a:r>
+            <a:r>
+              <a:rPr lang="en-US" sz="1200" b="1" i="0" u="none" strike="noStrike" kern="1200" baseline="0" dirty="0">
                 <a:solidFill>
                   <a:schemeClr val="tx1"/>
                 </a:solidFill>
@@ -3143,32 +3082,10 @@
                 <a:ea typeface="+mn-ea"/>
                 <a:cs typeface="+mn-cs"/>
               </a:rPr>
-              <a:t>higher</a:t>
-            </a:r>
-            <a:r>
-              <a:rPr lang="pl-PL" sz="1200" b="0" i="0" u="none" strike="noStrike" kern="1200" baseline="0" dirty="0">
-                <a:solidFill>
-                  <a:schemeClr val="tx1"/>
-                </a:solidFill>
-                <a:latin typeface="+mn-lt"/>
-                <a:ea typeface="+mn-ea"/>
-                <a:cs typeface="+mn-cs"/>
-              </a:rPr>
-              <a:t>-order </a:t>
-            </a:r>
-            <a:r>
-              <a:rPr lang="pl-PL" sz="1200" b="0" i="0" u="none" strike="noStrike" kern="1200" baseline="0" dirty="0" err="1">
-                <a:solidFill>
-                  <a:schemeClr val="tx1"/>
-                </a:solidFill>
-                <a:latin typeface="+mn-lt"/>
-                <a:ea typeface="+mn-ea"/>
-                <a:cs typeface="+mn-cs"/>
-              </a:rPr>
-              <a:t>function</a:t>
-            </a:r>
-            <a:r>
-              <a:rPr lang="pl-PL" sz="1200" b="0" i="0" u="none" strike="noStrike" kern="1200" baseline="0" dirty="0">
+              <a:t>match is an</a:t>
+            </a:r>
+            <a:r>
+              <a:rPr lang="pl-PL" sz="1200" b="1" i="0" u="none" strike="noStrike" kern="1200" baseline="0" dirty="0">
                 <a:solidFill>
                   <a:schemeClr val="tx1"/>
                 </a:solidFill>
@@ -3179,6 +3096,17 @@
               <a:t> </a:t>
             </a:r>
             <a:r>
+              <a:rPr lang="en-US" sz="1200" b="1" i="0" u="none" strike="noStrike" kern="1200" baseline="0" dirty="0">
+                <a:solidFill>
+                  <a:schemeClr val="tx1"/>
+                </a:solidFill>
+                <a:latin typeface="+mn-lt"/>
+                <a:ea typeface="+mn-ea"/>
+                <a:cs typeface="+mn-cs"/>
+              </a:rPr>
+              <a:t>expression in Scala </a:t>
+            </a:r>
+            <a:r>
               <a:rPr lang="en-US" sz="1200" b="0" i="0" u="none" strike="noStrike" kern="1200" baseline="0" dirty="0">
                 <a:solidFill>
                   <a:schemeClr val="tx1"/>
@@ -3187,29 +3115,7 @@
                 <a:ea typeface="+mn-ea"/>
                 <a:cs typeface="+mn-cs"/>
               </a:rPr>
-              <a:t>takes a function parameter and uses it to convert one or more items to a new value</a:t>
-            </a:r>
-            <a:r>
-              <a:rPr lang="pl-PL" sz="1200" b="0" i="0" u="none" strike="noStrike" kern="1200" baseline="0" dirty="0">
-                <a:solidFill>
-                  <a:schemeClr val="tx1"/>
-                </a:solidFill>
-                <a:latin typeface="+mn-lt"/>
-                <a:ea typeface="+mn-ea"/>
-                <a:cs typeface="+mn-cs"/>
-              </a:rPr>
-              <a:t> </a:t>
-            </a:r>
-            <a:r>
-              <a:rPr lang="en-US" sz="1200" b="0" i="0" u="none" strike="noStrike" kern="1200" baseline="0" dirty="0">
-                <a:solidFill>
-                  <a:schemeClr val="tx1"/>
-                </a:solidFill>
-                <a:latin typeface="+mn-lt"/>
-                <a:ea typeface="+mn-ea"/>
-                <a:cs typeface="+mn-cs"/>
-              </a:rPr>
-              <a:t>and/or type. </a:t>
+              <a:t>(i.e., it always results in a value). </a:t>
             </a:r>
             <a:endParaRPr lang="pl-PL" sz="1200" b="0" i="0" u="none" strike="noStrike" kern="1200" baseline="0" dirty="0">
               <a:solidFill>
@@ -3230,7 +3136,7 @@
                 <a:ea typeface="+mn-ea"/>
                 <a:cs typeface="+mn-cs"/>
               </a:rPr>
-              <a:t>The reduce() higher-order function takes a function parameter and uses</a:t>
+              <a:t>Second, Scala’s alternative</a:t>
             </a:r>
             <a:r>
               <a:rPr lang="pl-PL" sz="1200" b="0" i="0" u="none" strike="noStrike" kern="1200" baseline="0" dirty="0">
@@ -3252,7 +3158,29 @@
                 <a:ea typeface="+mn-ea"/>
                 <a:cs typeface="+mn-cs"/>
               </a:rPr>
-              <a:t>it to reduce a collection of multiple items down to a single item.</a:t>
+              <a:t>expressions </a:t>
+            </a:r>
+            <a:r>
+              <a:rPr lang="en-US" sz="1200" b="1" i="0" u="none" strike="noStrike" kern="1200" baseline="0" dirty="0">
+                <a:solidFill>
+                  <a:schemeClr val="tx1"/>
+                </a:solidFill>
+                <a:latin typeface="+mn-lt"/>
+                <a:ea typeface="+mn-ea"/>
+                <a:cs typeface="+mn-cs"/>
+              </a:rPr>
+              <a:t>never “fall through” into the next case</a:t>
+            </a:r>
+            <a:r>
+              <a:rPr lang="en-US" sz="1200" b="0" i="0" u="none" strike="noStrike" kern="1200" baseline="0" dirty="0">
+                <a:solidFill>
+                  <a:schemeClr val="tx1"/>
+                </a:solidFill>
+                <a:latin typeface="+mn-lt"/>
+                <a:ea typeface="+mn-ea"/>
+                <a:cs typeface="+mn-cs"/>
+              </a:rPr>
+              <a:t>. </a:t>
             </a:r>
             <a:endParaRPr lang="pl-PL" sz="1200" b="0" i="0" u="none" strike="noStrike" kern="1200" baseline="0" dirty="0">
               <a:solidFill>
@@ -3264,16 +3192,6 @@
             </a:endParaRPr>
           </a:p>
           <a:p>
-            <a:endParaRPr lang="pl-PL" sz="1200" b="0" i="0" u="none" strike="noStrike" kern="1200" baseline="0" dirty="0">
-              <a:solidFill>
-                <a:schemeClr val="tx1"/>
-              </a:solidFill>
-              <a:latin typeface="+mn-lt"/>
-              <a:ea typeface="+mn-ea"/>
-              <a:cs typeface="+mn-cs"/>
-            </a:endParaRPr>
-          </a:p>
-          <a:p>
             <a:r>
               <a:rPr lang="en-US" sz="1200" b="0" i="0" u="none" strike="noStrike" kern="1200" baseline="0" dirty="0">
                 <a:solidFill>
@@ -3283,12 +3201,10 @@
                 <a:ea typeface="+mn-ea"/>
                 <a:cs typeface="+mn-cs"/>
               </a:rPr>
-              <a:t>The popular Map/Reduce computing paradigm uses this concept to tackle large computing challenges, by</a:t>
-            </a:r>
-          </a:p>
-          <a:p>
-            <a:r>
-              <a:rPr lang="en-US" sz="1200" b="0" i="0" u="none" strike="noStrike" kern="1200" baseline="0" dirty="0">
+              <a:t>Third, </a:t>
+            </a:r>
+            <a:r>
+              <a:rPr lang="en-US" sz="1200" b="1" i="0" u="none" strike="noStrike" kern="1200" baseline="0" dirty="0">
                 <a:solidFill>
                   <a:schemeClr val="tx1"/>
                 </a:solidFill>
@@ -3296,10 +3212,10 @@
                 <a:ea typeface="+mn-ea"/>
                 <a:cs typeface="+mn-cs"/>
               </a:rPr>
-              <a:t>mapping the computation across a range of distributed nodes and reducing their results</a:t>
-            </a:r>
-            <a:r>
-              <a:rPr lang="pl-PL" sz="1200" b="0" i="0" u="none" strike="noStrike" kern="1200" baseline="0" dirty="0">
+              <a:t>if none of</a:t>
+            </a:r>
+            <a:r>
+              <a:rPr lang="pl-PL" sz="1200" b="1" i="0" u="none" strike="noStrike" kern="1200" baseline="0" dirty="0">
                 <a:solidFill>
                   <a:schemeClr val="tx1"/>
                 </a:solidFill>
@@ -3310,6 +3226,39 @@
               <a:t> </a:t>
             </a:r>
             <a:r>
+              <a:rPr lang="en-US" sz="1200" b="1" i="0" u="none" strike="noStrike" kern="1200" baseline="0" dirty="0">
+                <a:solidFill>
+                  <a:schemeClr val="tx1"/>
+                </a:solidFill>
+                <a:latin typeface="+mn-lt"/>
+                <a:ea typeface="+mn-ea"/>
+                <a:cs typeface="+mn-cs"/>
+              </a:rPr>
+              <a:t>the patterns match, an exception named </a:t>
+            </a:r>
+            <a:r>
+              <a:rPr lang="en-US" sz="1200" b="1" i="0" u="none" strike="noStrike" kern="1200" baseline="0" dirty="0" err="1">
+                <a:solidFill>
+                  <a:schemeClr val="tx1"/>
+                </a:solidFill>
+                <a:latin typeface="+mn-lt"/>
+                <a:ea typeface="+mn-ea"/>
+                <a:cs typeface="+mn-cs"/>
+              </a:rPr>
+              <a:t>MatchError</a:t>
+            </a:r>
+            <a:r>
+              <a:rPr lang="en-US" sz="1200" b="1" i="0" u="none" strike="noStrike" kern="1200" baseline="0" dirty="0">
+                <a:solidFill>
+                  <a:schemeClr val="tx1"/>
+                </a:solidFill>
+                <a:latin typeface="+mn-lt"/>
+                <a:ea typeface="+mn-ea"/>
+                <a:cs typeface="+mn-cs"/>
+              </a:rPr>
+              <a:t> is thrown</a:t>
+            </a:r>
+            <a:r>
               <a:rPr lang="en-US" sz="1200" b="0" i="0" u="none" strike="noStrike" kern="1200" baseline="0" dirty="0">
                 <a:solidFill>
                   <a:schemeClr val="tx1"/>
@@ -3318,8 +3267,11 @@
                 <a:ea typeface="+mn-ea"/>
                 <a:cs typeface="+mn-cs"/>
               </a:rPr>
-              <a:t>back to a meaningful size.</a:t>
-            </a:r>
+              <a:t>.</a:t>
+            </a:r>
+            <a:endParaRPr lang="en-GB" sz="1200" b="1" dirty="0"/>
+          </a:p>
+          <a:p>
             <a:endParaRPr lang="pl-PL" dirty="0"/>
           </a:p>
         </p:txBody>
@@ -3327,7 +3279,7 @@
     </p:spTree>
     <p:extLst>
       <p:ext uri="{BB962C8B-B14F-4D97-AF65-F5344CB8AC3E}">
-        <p14:creationId xmlns:p14="http://schemas.microsoft.com/office/powerpoint/2010/main" val="1359792266"/>
+        <p14:creationId xmlns:p14="http://schemas.microsoft.com/office/powerpoint/2010/main" val="3272114557"/>
       </p:ext>
     </p:extLst>
   </p:cSld>
@@ -3388,7 +3340,7 @@
     </p:spTree>
     <p:extLst>
       <p:ext uri="{BB962C8B-B14F-4D97-AF65-F5344CB8AC3E}">
-        <p14:creationId xmlns:p14="http://schemas.microsoft.com/office/powerpoint/2010/main" val="2988260470"/>
+        <p14:creationId xmlns:p14="http://schemas.microsoft.com/office/powerpoint/2010/main" val="2721272171"/>
       </p:ext>
     </p:extLst>
   </p:cSld>
@@ -3660,217 +3612,173 @@
           <a:bodyPr/>
           <a:lstStyle/>
           <a:p>
-            <a:pPr marL="0" indent="0">
-              <a:buFont typeface="Arial" panose="020B0604020202020204" pitchFamily="34" charset="0"/>
-              <a:buNone/>
-            </a:pPr>
-            <a:r>
-              <a:rPr lang="pl-PL" dirty="0"/>
-              <a:t>Powyższy schemat pokazuje wszystkie dostępne kolekcje w pakiecie </a:t>
-            </a:r>
-            <a:r>
-              <a:rPr lang="pl-PL" dirty="0" err="1"/>
-              <a:t>scala.collection</a:t>
-            </a:r>
-            <a:r>
-              <a:rPr lang="pl-PL" dirty="0"/>
-              <a:t>. Są to zazwyczaj </a:t>
-            </a:r>
-            <a:r>
-              <a:rPr lang="pl-PL" dirty="0" err="1"/>
-              <a:t>traity</a:t>
-            </a:r>
-            <a:r>
-              <a:rPr lang="pl-PL" dirty="0"/>
-              <a:t> arbo </a:t>
-            </a:r>
-            <a:r>
-              <a:rPr lang="pl-PL" dirty="0" err="1"/>
-              <a:t>higl-level</a:t>
-            </a:r>
-            <a:r>
-              <a:rPr lang="pl-PL" dirty="0"/>
+            <a:r>
+              <a:rPr lang="pl-PL" b="1" dirty="0"/>
+              <a:t>First </a:t>
+            </a:r>
+            <a:r>
+              <a:rPr lang="pl-PL" b="1" dirty="0" err="1"/>
+              <a:t>class</a:t>
+            </a:r>
+            <a:r>
+              <a:rPr lang="pl-PL" b="1" dirty="0"/>
               <a:t> </a:t>
             </a:r>
             <a:r>
-              <a:rPr lang="pl-PL" dirty="0" err="1"/>
-              <a:t>abtrakcyjne</a:t>
-            </a:r>
-            <a:r>
-              <a:rPr lang="pl-PL" dirty="0"/>
-              <a:t> klasy., które posiadają zarówno </a:t>
-            </a:r>
-            <a:r>
-              <a:rPr lang="pl-PL" dirty="0" err="1"/>
-              <a:t>niemutowalną</a:t>
-            </a:r>
-            <a:r>
-              <a:rPr lang="pl-PL" dirty="0"/>
-              <a:t> jak i </a:t>
-            </a:r>
-            <a:r>
-              <a:rPr lang="pl-PL" dirty="0" err="1"/>
-              <a:t>mutowalną</a:t>
-            </a:r>
-            <a:r>
-              <a:rPr lang="pl-PL" dirty="0"/>
-              <a:t> implementację.</a:t>
-            </a:r>
-          </a:p>
-          <a:p>
-            <a:pPr marL="171450" indent="-171450">
-              <a:buFont typeface="Arial" panose="020B0604020202020204" pitchFamily="34" charset="0"/>
-              <a:buChar char="•"/>
-            </a:pPr>
+              <a:rPr lang="pl-PL" b="1" dirty="0" err="1"/>
+              <a:t>citizien</a:t>
+            </a:r>
+            <a:r>
+              <a:rPr lang="pl-PL" b="1" dirty="0"/>
+              <a:t> </a:t>
+            </a:r>
+            <a:r>
+              <a:rPr lang="pl-PL" dirty="0"/>
+              <a:t>– </a:t>
+            </a:r>
+            <a:r>
+              <a:rPr lang="pl-PL" dirty="0" err="1"/>
+              <a:t>sa</a:t>
+            </a:r>
+            <a:r>
+              <a:rPr lang="pl-PL" dirty="0"/>
+              <a:t> wszechobecne, nie są tylko deklarowane i wykonywane ale mogą być użyte jako po prostu typ danych.</a:t>
+            </a:r>
+          </a:p>
+          <a:p>
+            <a:r>
+              <a:rPr lang="pl-PL" dirty="0"/>
+              <a:t>Mogą wiec być zdefiniowane jako literał, jako literał bez nazwy (czyli to co znamy z </a:t>
+            </a:r>
+            <a:r>
+              <a:rPr lang="pl-PL" dirty="0" err="1"/>
+              <a:t>javy</a:t>
+            </a:r>
+            <a:r>
+              <a:rPr lang="pl-PL" dirty="0"/>
+              <a:t>/</a:t>
+            </a:r>
+            <a:r>
+              <a:rPr lang="pl-PL" dirty="0" err="1"/>
+              <a:t>javascirpt</a:t>
+            </a:r>
+            <a:r>
+              <a:rPr lang="pl-PL" dirty="0"/>
+              <a:t> jako lambda, bądź anonimowa funkcja), mogą być zapisane jako </a:t>
+            </a:r>
+            <a:r>
+              <a:rPr lang="pl-PL" dirty="0" err="1"/>
+              <a:t>value</a:t>
+            </a:r>
+            <a:r>
+              <a:rPr lang="pl-PL" dirty="0"/>
+              <a:t> bądź </a:t>
+            </a:r>
+            <a:r>
+              <a:rPr lang="pl-PL" dirty="0" err="1"/>
+              <a:t>variable</a:t>
+            </a:r>
+            <a:r>
+              <a:rPr lang="pl-PL" dirty="0"/>
+              <a:t> oraz użyte jako parametr do innej funkcji bądź nawet zwrócone z innej funkcji.</a:t>
+            </a:r>
+          </a:p>
+          <a:p>
+            <a:r>
+              <a:rPr lang="pl-PL" b="1" dirty="0" err="1"/>
+              <a:t>Pure</a:t>
+            </a:r>
+            <a:r>
+              <a:rPr lang="pl-PL" b="1" dirty="0"/>
+              <a:t> </a:t>
+            </a:r>
+            <a:r>
+              <a:rPr lang="pl-PL" b="1" dirty="0" err="1"/>
+              <a:t>functions</a:t>
+            </a:r>
+            <a:r>
+              <a:rPr lang="pl-PL" b="1" dirty="0"/>
+              <a:t> </a:t>
+            </a:r>
+            <a:r>
+              <a:rPr lang="pl-PL" dirty="0"/>
+              <a:t>– nie maja </a:t>
+            </a:r>
+            <a:r>
+              <a:rPr lang="pl-PL" dirty="0" err="1"/>
+              <a:t>side</a:t>
+            </a:r>
+            <a:r>
+              <a:rPr lang="pl-PL" dirty="0"/>
+              <a:t> </a:t>
+            </a:r>
+            <a:r>
+              <a:rPr lang="pl-PL" dirty="0" err="1"/>
+              <a:t>effectów</a:t>
+            </a:r>
+            <a:r>
+              <a:rPr lang="pl-PL" dirty="0"/>
+              <a:t>, czyli nie modyfikują stanu, są </a:t>
+            </a:r>
+            <a:r>
+              <a:rPr lang="pl-PL" dirty="0" err="1"/>
+              <a:t>stateless</a:t>
+            </a:r>
             <a:endParaRPr lang="pl-PL" dirty="0"/>
           </a:p>
           <a:p>
-            <a:pPr marL="171450" indent="-171450">
-              <a:buFont typeface="Arial" panose="020B0604020202020204" pitchFamily="34" charset="0"/>
-              <a:buChar char="•"/>
-            </a:pPr>
-            <a:r>
-              <a:rPr lang="pl-PL" dirty="0"/>
-              <a:t>Każdy rodzaj kolekcji może być stworzony używając tego samego wspólnego </a:t>
-            </a:r>
-            <a:r>
-              <a:rPr lang="pl-PL" dirty="0" err="1"/>
-              <a:t>syntaxu</a:t>
-            </a:r>
-            <a:r>
-              <a:rPr lang="pl-PL" dirty="0"/>
-              <a:t>, nazwa kolekcji i następnie jej elementy.</a:t>
-            </a:r>
-          </a:p>
-          <a:p>
-            <a:pPr marL="171450" indent="-171450">
-              <a:buFont typeface="Arial" panose="020B0604020202020204" pitchFamily="34" charset="0"/>
-              <a:buChar char="•"/>
-            </a:pPr>
-            <a:r>
-              <a:rPr lang="pl-PL" dirty="0"/>
-              <a:t>Domyślnie, Scala preferuje </a:t>
-            </a:r>
-            <a:r>
-              <a:rPr lang="pl-PL" dirty="0" err="1"/>
-              <a:t>niemutowalne</a:t>
-            </a:r>
-            <a:r>
-              <a:rPr lang="pl-PL" dirty="0"/>
-              <a:t> kolekcje, więc jeśli napiszemy w kodzie Set bez żadnego </a:t>
-            </a:r>
-            <a:r>
-              <a:rPr lang="pl-PL" dirty="0" err="1"/>
-              <a:t>prefixu</a:t>
-            </a:r>
-            <a:r>
-              <a:rPr lang="pl-PL" dirty="0"/>
-              <a:t>, Scala wybierze </a:t>
-            </a:r>
-            <a:r>
-              <a:rPr lang="pl-PL" dirty="0" err="1"/>
-              <a:t>niemutowalny</a:t>
-            </a:r>
-            <a:r>
-              <a:rPr lang="pl-PL" dirty="0"/>
-              <a:t> Set.</a:t>
-            </a:r>
-          </a:p>
-          <a:p>
-            <a:pPr marL="171450" indent="-171450">
-              <a:buFont typeface="Arial" panose="020B0604020202020204" pitchFamily="34" charset="0"/>
-              <a:buChar char="•"/>
-            </a:pPr>
-            <a:r>
-              <a:rPr lang="pl-PL" dirty="0"/>
-              <a:t>Podobnie jeśli wybierzemy </a:t>
-            </a:r>
-            <a:r>
-              <a:rPr lang="pl-PL" dirty="0" err="1"/>
-              <a:t>Iterable</a:t>
-            </a:r>
-            <a:r>
-              <a:rPr lang="pl-PL" dirty="0"/>
-              <a:t> otrzymamy </a:t>
-            </a:r>
-            <a:r>
-              <a:rPr lang="pl-PL" dirty="0" err="1"/>
-              <a:t>niemutowalną</a:t>
-            </a:r>
-            <a:r>
-              <a:rPr lang="pl-PL" dirty="0"/>
-              <a:t> kolekcje typu </a:t>
-            </a:r>
-            <a:r>
-              <a:rPr lang="pl-PL" dirty="0" err="1"/>
-              <a:t>iterable</a:t>
-            </a:r>
-            <a:r>
-              <a:rPr lang="pl-PL" dirty="0"/>
-              <a:t>. Wynika to z domyślnego </a:t>
-            </a:r>
-            <a:r>
-              <a:rPr lang="pl-PL" dirty="0" err="1"/>
-              <a:t>bindingu</a:t>
-            </a:r>
-            <a:r>
-              <a:rPr lang="pl-PL" dirty="0"/>
-              <a:t> w </a:t>
-            </a:r>
-            <a:r>
-              <a:rPr lang="pl-PL" dirty="0" err="1"/>
-              <a:t>scalapackage</a:t>
-            </a:r>
-            <a:r>
-              <a:rPr lang="pl-PL" dirty="0"/>
-              <a:t>.</a:t>
-            </a:r>
-          </a:p>
-          <a:p>
-            <a:pPr marL="0" indent="0">
-              <a:buFont typeface="Arial" panose="020B0604020202020204" pitchFamily="34" charset="0"/>
-              <a:buNone/>
-            </a:pPr>
-            <a:r>
-              <a:rPr lang="pl-PL" dirty="0"/>
-              <a:t>Przykład: </a:t>
-            </a:r>
-          </a:p>
-          <a:p>
-            <a:pPr marL="457200" lvl="1" indent="0">
-              <a:buFont typeface="Arial" panose="020B0604020202020204" pitchFamily="34" charset="0"/>
-              <a:buNone/>
-            </a:pPr>
-            <a:r>
-              <a:rPr lang="en-US" sz="1200" b="0" i="0" kern="1200" dirty="0" err="1">
-                <a:solidFill>
-                  <a:schemeClr val="tx1"/>
-                </a:solidFill>
-                <a:effectLst/>
+            <a:r>
+              <a:rPr lang="pl-PL" b="1" dirty="0"/>
+              <a:t>High-order </a:t>
+            </a:r>
+            <a:r>
+              <a:rPr lang="pl-PL" b="1" dirty="0" err="1"/>
+              <a:t>functions</a:t>
+            </a:r>
+            <a:r>
+              <a:rPr lang="pl-PL" b="1" dirty="0"/>
+              <a:t> </a:t>
+            </a:r>
+            <a:r>
+              <a:rPr lang="pl-PL" dirty="0"/>
+              <a:t>– przyjmują w argumencie inna funkcje bądź zwracają funkcje.</a:t>
+            </a:r>
+          </a:p>
+          <a:p>
+            <a:endParaRPr lang="pl-PL" dirty="0"/>
+          </a:p>
+          <a:p>
+            <a:r>
+              <a:rPr lang="pl-PL" dirty="0"/>
+              <a:t>Najbardziej znane to </a:t>
+            </a:r>
+            <a:r>
+              <a:rPr lang="pl-PL" sz="1200" b="1" i="0" u="none" strike="noStrike" kern="1200" baseline="0" dirty="0">
+                <a:solidFill>
+                  <a:schemeClr val="tx1"/>
+                </a:solidFill>
                 <a:latin typeface="+mn-lt"/>
                 <a:ea typeface="+mn-ea"/>
                 <a:cs typeface="+mn-cs"/>
               </a:rPr>
-              <a:t>scala.collection.immutable.</a:t>
-            </a:r>
-            <a:r>
-              <a:rPr lang="en-US" sz="1200" b="1" i="0" kern="1200" dirty="0" err="1">
-                <a:solidFill>
-                  <a:schemeClr val="tx1"/>
-                </a:solidFill>
-                <a:effectLst/>
+              <a:t>map() </a:t>
+            </a:r>
+            <a:r>
+              <a:rPr lang="pl-PL" sz="1200" b="0" i="0" u="none" strike="noStrike" kern="1200" baseline="0" dirty="0">
+                <a:solidFill>
+                  <a:schemeClr val="tx1"/>
+                </a:solidFill>
                 <a:latin typeface="+mn-lt"/>
                 <a:ea typeface="+mn-ea"/>
                 <a:cs typeface="+mn-cs"/>
               </a:rPr>
-              <a:t>List</a:t>
-            </a:r>
-            <a:r>
-              <a:rPr lang="en-US" sz="1200" b="0" i="0" kern="1200" dirty="0">
-                <a:solidFill>
-                  <a:schemeClr val="tx1"/>
-                </a:solidFill>
-                <a:effectLst/>
+              <a:t>i</a:t>
+            </a:r>
+            <a:r>
+              <a:rPr lang="pl-PL" sz="1200" b="1" i="0" u="none" strike="noStrike" kern="1200" baseline="0" dirty="0">
+                <a:solidFill>
+                  <a:schemeClr val="tx1"/>
+                </a:solidFill>
                 <a:latin typeface="+mn-lt"/>
                 <a:ea typeface="+mn-ea"/>
                 <a:cs typeface="+mn-cs"/>
@@ -3878,62 +3786,143 @@
               <a:t> </a:t>
             </a:r>
             <a:r>
-              <a:rPr lang="en-US" sz="1200" b="0" i="1" kern="1200" dirty="0">
-                <a:solidFill>
-                  <a:schemeClr val="tx1"/>
-                </a:solidFill>
-                <a:effectLst/>
+              <a:rPr lang="pl-PL" sz="1200" b="1" i="0" u="none" strike="noStrike" kern="1200" baseline="0" dirty="0" err="1">
+                <a:solidFill>
+                  <a:schemeClr val="tx1"/>
+                </a:solidFill>
                 <a:latin typeface="+mn-lt"/>
                 <a:ea typeface="+mn-ea"/>
                 <a:cs typeface="+mn-cs"/>
               </a:rPr>
-              <a:t>// that's where it is defined</a:t>
-            </a:r>
-            <a:endParaRPr lang="pl-PL" sz="1200" b="0" i="1" kern="1200" dirty="0">
+              <a:t>reduce</a:t>
+            </a:r>
+            <a:r>
+              <a:rPr lang="pl-PL" sz="1200" b="1" i="0" u="none" strike="noStrike" kern="1200" baseline="0" dirty="0">
+                <a:solidFill>
+                  <a:schemeClr val="tx1"/>
+                </a:solidFill>
+                <a:latin typeface="+mn-lt"/>
+                <a:ea typeface="+mn-ea"/>
+                <a:cs typeface="+mn-cs"/>
+              </a:rPr>
+              <a:t>().</a:t>
+            </a:r>
+          </a:p>
+          <a:p>
+            <a:r>
+              <a:rPr lang="pl-PL" sz="1200" b="0" i="0" u="none" strike="noStrike" kern="1200" baseline="0" dirty="0">
+                <a:solidFill>
+                  <a:schemeClr val="tx1"/>
+                </a:solidFill>
+                <a:latin typeface="+mn-lt"/>
+                <a:ea typeface="+mn-ea"/>
+                <a:cs typeface="+mn-cs"/>
+              </a:rPr>
+              <a:t>The map() </a:t>
+            </a:r>
+            <a:r>
+              <a:rPr lang="pl-PL" sz="1200" b="0" i="0" u="none" strike="noStrike" kern="1200" baseline="0" dirty="0" err="1">
+                <a:solidFill>
+                  <a:schemeClr val="tx1"/>
+                </a:solidFill>
+                <a:latin typeface="+mn-lt"/>
+                <a:ea typeface="+mn-ea"/>
+                <a:cs typeface="+mn-cs"/>
+              </a:rPr>
+              <a:t>higher</a:t>
+            </a:r>
+            <a:r>
+              <a:rPr lang="pl-PL" sz="1200" b="0" i="0" u="none" strike="noStrike" kern="1200" baseline="0" dirty="0">
+                <a:solidFill>
+                  <a:schemeClr val="tx1"/>
+                </a:solidFill>
+                <a:latin typeface="+mn-lt"/>
+                <a:ea typeface="+mn-ea"/>
+                <a:cs typeface="+mn-cs"/>
+              </a:rPr>
+              <a:t>-order </a:t>
+            </a:r>
+            <a:r>
+              <a:rPr lang="pl-PL" sz="1200" b="0" i="0" u="none" strike="noStrike" kern="1200" baseline="0" dirty="0" err="1">
+                <a:solidFill>
+                  <a:schemeClr val="tx1"/>
+                </a:solidFill>
+                <a:latin typeface="+mn-lt"/>
+                <a:ea typeface="+mn-ea"/>
+                <a:cs typeface="+mn-cs"/>
+              </a:rPr>
+              <a:t>function</a:t>
+            </a:r>
+            <a:r>
+              <a:rPr lang="pl-PL" sz="1200" b="0" i="0" u="none" strike="noStrike" kern="1200" baseline="0" dirty="0">
+                <a:solidFill>
+                  <a:schemeClr val="tx1"/>
+                </a:solidFill>
+                <a:latin typeface="+mn-lt"/>
+                <a:ea typeface="+mn-ea"/>
+                <a:cs typeface="+mn-cs"/>
+              </a:rPr>
+              <a:t> </a:t>
+            </a:r>
+            <a:r>
+              <a:rPr lang="en-US" sz="1200" b="0" i="0" u="none" strike="noStrike" kern="1200" baseline="0" dirty="0">
+                <a:solidFill>
+                  <a:schemeClr val="tx1"/>
+                </a:solidFill>
+                <a:latin typeface="+mn-lt"/>
+                <a:ea typeface="+mn-ea"/>
+                <a:cs typeface="+mn-cs"/>
+              </a:rPr>
+              <a:t>takes a function parameter and uses it to convert one or more items to a new value</a:t>
+            </a:r>
+            <a:r>
+              <a:rPr lang="pl-PL" sz="1200" b="0" i="0" u="none" strike="noStrike" kern="1200" baseline="0" dirty="0">
+                <a:solidFill>
+                  <a:schemeClr val="tx1"/>
+                </a:solidFill>
+                <a:latin typeface="+mn-lt"/>
+                <a:ea typeface="+mn-ea"/>
+                <a:cs typeface="+mn-cs"/>
+              </a:rPr>
+              <a:t> </a:t>
+            </a:r>
+            <a:r>
+              <a:rPr lang="en-US" sz="1200" b="0" i="0" u="none" strike="noStrike" kern="1200" baseline="0" dirty="0">
+                <a:solidFill>
+                  <a:schemeClr val="tx1"/>
+                </a:solidFill>
+                <a:latin typeface="+mn-lt"/>
+                <a:ea typeface="+mn-ea"/>
+                <a:cs typeface="+mn-cs"/>
+              </a:rPr>
+              <a:t>and/or type. </a:t>
+            </a:r>
+            <a:endParaRPr lang="pl-PL" sz="1200" b="0" i="0" u="none" strike="noStrike" kern="1200" baseline="0" dirty="0">
               <a:solidFill>
                 <a:schemeClr val="tx1"/>
               </a:solidFill>
-              <a:effectLst/>
               <a:latin typeface="+mn-lt"/>
               <a:ea typeface="+mn-ea"/>
               <a:cs typeface="+mn-cs"/>
             </a:endParaRPr>
           </a:p>
           <a:p>
-            <a:pPr marL="457200" lvl="1" indent="0">
-              <a:buFont typeface="Arial" panose="020B0604020202020204" pitchFamily="34" charset="0"/>
-              <a:buNone/>
-            </a:pPr>
-            <a:r>
-              <a:rPr lang="en-US" sz="1200" b="0" i="0" kern="1200" dirty="0" err="1">
-                <a:solidFill>
-                  <a:schemeClr val="tx1"/>
-                </a:solidFill>
-                <a:effectLst/>
+            <a:r>
+              <a:rPr lang="en-US" sz="1200" b="0" i="0" u="none" strike="noStrike" kern="1200" baseline="0" dirty="0">
+                <a:solidFill>
+                  <a:schemeClr val="tx1"/>
+                </a:solidFill>
                 <a:latin typeface="+mn-lt"/>
                 <a:ea typeface="+mn-ea"/>
                 <a:cs typeface="+mn-cs"/>
               </a:rPr>
-              <a:t>scala.</a:t>
-            </a:r>
-            <a:r>
-              <a:rPr lang="en-US" sz="1200" b="1" i="0" kern="1200" dirty="0" err="1">
-                <a:solidFill>
-                  <a:schemeClr val="tx1"/>
-                </a:solidFill>
-                <a:effectLst/>
-                <a:latin typeface="+mn-lt"/>
-                <a:ea typeface="+mn-ea"/>
-                <a:cs typeface="+mn-cs"/>
-              </a:rPr>
-              <a:t>List</a:t>
-            </a:r>
-            <a:r>
-              <a:rPr lang="en-US" sz="1200" b="0" i="0" kern="1200" dirty="0">
-                <a:solidFill>
-                  <a:schemeClr val="tx1"/>
-                </a:solidFill>
-                <a:effectLst/>
+              <a:t>The reduce() higher-order function takes a function parameter and uses</a:t>
+            </a:r>
+            <a:r>
+              <a:rPr lang="pl-PL" sz="1200" b="0" i="0" u="none" strike="noStrike" kern="1200" baseline="0" dirty="0">
+                <a:solidFill>
+                  <a:schemeClr val="tx1"/>
+                </a:solidFill>
                 <a:latin typeface="+mn-lt"/>
                 <a:ea typeface="+mn-ea"/>
                 <a:cs typeface="+mn-cs"/>
@@ -3941,74 +3930,65 @@
               <a:t> </a:t>
             </a:r>
             <a:r>
-              <a:rPr lang="en-US" sz="1200" b="0" i="1" kern="1200" dirty="0">
-                <a:solidFill>
-                  <a:schemeClr val="tx1"/>
-                </a:solidFill>
-                <a:effectLst/>
+              <a:rPr lang="en-US" sz="1200" b="0" i="0" u="none" strike="noStrike" kern="1200" baseline="0" dirty="0">
+                <a:solidFill>
+                  <a:schemeClr val="tx1"/>
+                </a:solidFill>
                 <a:latin typeface="+mn-lt"/>
                 <a:ea typeface="+mn-ea"/>
                 <a:cs typeface="+mn-cs"/>
               </a:rPr>
-              <a:t>// via the alias in the </a:t>
-            </a:r>
-            <a:r>
-              <a:rPr lang="en-US" sz="1200" b="0" i="1" kern="1200" dirty="0" err="1">
-                <a:solidFill>
-                  <a:schemeClr val="tx1"/>
-                </a:solidFill>
-                <a:effectLst/>
-                <a:latin typeface="+mn-lt"/>
-                <a:ea typeface="+mn-ea"/>
-                <a:cs typeface="+mn-cs"/>
-              </a:rPr>
-              <a:t>scala</a:t>
-            </a:r>
-            <a:r>
-              <a:rPr lang="en-US" sz="1200" b="0" i="1" kern="1200" dirty="0">
-                <a:solidFill>
-                  <a:schemeClr val="tx1"/>
-                </a:solidFill>
-                <a:effectLst/>
-                <a:latin typeface="+mn-lt"/>
-                <a:ea typeface="+mn-ea"/>
-                <a:cs typeface="+mn-cs"/>
-              </a:rPr>
-              <a:t> package</a:t>
-            </a:r>
-            <a:endParaRPr lang="pl-PL" sz="1200" b="0" i="1" kern="1200" dirty="0">
+              <a:t>it to reduce a collection of multiple items down to a single item.</a:t>
+            </a:r>
+            <a:endParaRPr lang="pl-PL" sz="1200" b="0" i="0" u="none" strike="noStrike" kern="1200" baseline="0" dirty="0">
               <a:solidFill>
                 <a:schemeClr val="tx1"/>
               </a:solidFill>
-              <a:effectLst/>
               <a:latin typeface="+mn-lt"/>
               <a:ea typeface="+mn-ea"/>
               <a:cs typeface="+mn-cs"/>
             </a:endParaRPr>
           </a:p>
           <a:p>
-            <a:pPr marL="457200" lvl="1" indent="0">
-              <a:buFont typeface="Arial" panose="020B0604020202020204" pitchFamily="34" charset="0"/>
-              <a:buNone/>
-            </a:pPr>
-            <a:r>
-              <a:rPr lang="en-US" sz="1200" b="1" i="0" kern="1200" dirty="0">
-                <a:solidFill>
-                  <a:schemeClr val="tx1"/>
-                </a:solidFill>
-                <a:effectLst/>
+            <a:endParaRPr lang="pl-PL" sz="1200" b="0" i="0" u="none" strike="noStrike" kern="1200" baseline="0" dirty="0">
+              <a:solidFill>
+                <a:schemeClr val="tx1"/>
+              </a:solidFill>
+              <a:latin typeface="+mn-lt"/>
+              <a:ea typeface="+mn-ea"/>
+              <a:cs typeface="+mn-cs"/>
+            </a:endParaRPr>
+          </a:p>
+          <a:p>
+            <a:r>
+              <a:rPr lang="en-US" sz="1200" b="0" i="0" u="none" strike="noStrike" kern="1200" baseline="0" dirty="0">
+                <a:solidFill>
+                  <a:schemeClr val="tx1"/>
+                </a:solidFill>
                 <a:latin typeface="+mn-lt"/>
                 <a:ea typeface="+mn-ea"/>
                 <a:cs typeface="+mn-cs"/>
               </a:rPr>
-              <a:t>List</a:t>
-            </a:r>
-            <a:r>
-              <a:rPr lang="en-US" sz="1200" b="0" i="0" kern="1200" dirty="0">
-                <a:solidFill>
-                  <a:schemeClr val="tx1"/>
-                </a:solidFill>
-                <a:effectLst/>
+              <a:t>The popular Map/Reduce computing paradigm uses this concept to tackle large computing challenges, by</a:t>
+            </a:r>
+          </a:p>
+          <a:p>
+            <a:r>
+              <a:rPr lang="en-US" sz="1200" b="0" i="0" u="none" strike="noStrike" kern="1200" baseline="0" dirty="0">
+                <a:solidFill>
+                  <a:schemeClr val="tx1"/>
+                </a:solidFill>
+                <a:latin typeface="+mn-lt"/>
+                <a:ea typeface="+mn-ea"/>
+                <a:cs typeface="+mn-cs"/>
+              </a:rPr>
+              <a:t>mapping the computation across a range of distributed nodes and reducing their results</a:t>
+            </a:r>
+            <a:r>
+              <a:rPr lang="pl-PL" sz="1200" b="0" i="0" u="none" strike="noStrike" kern="1200" baseline="0" dirty="0">
+                <a:solidFill>
+                  <a:schemeClr val="tx1"/>
+                </a:solidFill>
                 <a:latin typeface="+mn-lt"/>
                 <a:ea typeface="+mn-ea"/>
                 <a:cs typeface="+mn-cs"/>
@@ -4016,64 +3996,15 @@
               <a:t> </a:t>
             </a:r>
             <a:r>
-              <a:rPr lang="en-US" sz="1200" b="0" i="1" kern="1200" dirty="0">
-                <a:solidFill>
-                  <a:schemeClr val="tx1"/>
-                </a:solidFill>
-                <a:effectLst/>
+              <a:rPr lang="en-US" sz="1200" b="0" i="0" u="none" strike="noStrike" kern="1200" baseline="0" dirty="0">
+                <a:solidFill>
+                  <a:schemeClr val="tx1"/>
+                </a:solidFill>
                 <a:latin typeface="+mn-lt"/>
                 <a:ea typeface="+mn-ea"/>
                 <a:cs typeface="+mn-cs"/>
               </a:rPr>
-              <a:t>// because </a:t>
-            </a:r>
-            <a:r>
-              <a:rPr lang="en-US" sz="1200" b="0" i="1" kern="1200" dirty="0" err="1">
-                <a:solidFill>
-                  <a:schemeClr val="tx1"/>
-                </a:solidFill>
-                <a:effectLst/>
-                <a:latin typeface="+mn-lt"/>
-                <a:ea typeface="+mn-ea"/>
-                <a:cs typeface="+mn-cs"/>
-              </a:rPr>
-              <a:t>scala</a:t>
-            </a:r>
-            <a:r>
-              <a:rPr lang="en-US" sz="1200" b="0" i="1" kern="1200" dirty="0">
-                <a:solidFill>
-                  <a:schemeClr val="tx1"/>
-                </a:solidFill>
-                <a:effectLst/>
-                <a:latin typeface="+mn-lt"/>
-                <a:ea typeface="+mn-ea"/>
-                <a:cs typeface="+mn-cs"/>
-              </a:rPr>
-              <a:t>._</a:t>
-            </a:r>
-            <a:r>
-              <a:rPr lang="en-US" sz="1200" b="0" i="0" kern="1200" dirty="0">
-                <a:solidFill>
-                  <a:schemeClr val="tx1"/>
-                </a:solidFill>
-                <a:effectLst/>
-                <a:latin typeface="+mn-lt"/>
-                <a:ea typeface="+mn-ea"/>
-                <a:cs typeface="+mn-cs"/>
-              </a:rPr>
-              <a:t> </a:t>
-            </a:r>
-            <a:r>
-              <a:rPr lang="en-US" sz="1200" b="0" i="1" kern="1200" dirty="0">
-                <a:solidFill>
-                  <a:schemeClr val="tx1"/>
-                </a:solidFill>
-                <a:effectLst/>
-                <a:latin typeface="+mn-lt"/>
-                <a:ea typeface="+mn-ea"/>
-                <a:cs typeface="+mn-cs"/>
-              </a:rPr>
-              <a:t>is always automatically imported</a:t>
+              <a:t>back to a meaningful size.</a:t>
             </a:r>
             <a:endParaRPr lang="pl-PL" dirty="0"/>
           </a:p>
@@ -4082,7 +4013,7 @@
     </p:spTree>
     <p:extLst>
       <p:ext uri="{BB962C8B-B14F-4D97-AF65-F5344CB8AC3E}">
-        <p14:creationId xmlns:p14="http://schemas.microsoft.com/office/powerpoint/2010/main" val="3332540915"/>
+        <p14:creationId xmlns:p14="http://schemas.microsoft.com/office/powerpoint/2010/main" val="1359792266"/>
       </p:ext>
     </p:extLst>
   </p:cSld>
@@ -4143,6 +4074,555 @@
     </p:spTree>
     <p:extLst>
       <p:ext uri="{BB962C8B-B14F-4D97-AF65-F5344CB8AC3E}">
+        <p14:creationId xmlns:p14="http://schemas.microsoft.com/office/powerpoint/2010/main" val="2988260470"/>
+      </p:ext>
+    </p:extLst>
+  </p:cSld>
+  <p:clrMapOvr>
+    <a:masterClrMapping/>
+  </p:clrMapOvr>
+</p:notes>
+</file>
+
+<file path=ppt/notesSlides/notesSlide22.xml><?xml version="1.0" encoding="utf-8"?>
+<p:notes xmlns:a="http://schemas.openxmlformats.org/drawingml/2006/main" xmlns:r="http://schemas.openxmlformats.org/officeDocument/2006/relationships" xmlns:p="http://schemas.openxmlformats.org/presentationml/2006/main">
+  <p:cSld>
+    <p:spTree>
+      <p:nvGrpSpPr>
+        <p:cNvPr id="1" name=""/>
+        <p:cNvGrpSpPr/>
+        <p:nvPr/>
+      </p:nvGrpSpPr>
+      <p:grpSpPr>
+        <a:xfrm>
+          <a:off x="0" y="0"/>
+          <a:ext cx="0" cy="0"/>
+          <a:chOff x="0" y="0"/>
+          <a:chExt cx="0" cy="0"/>
+        </a:xfrm>
+      </p:grpSpPr>
+      <p:sp>
+        <p:nvSpPr>
+          <p:cNvPr id="2" name="Slide Image Placeholder 1"/>
+          <p:cNvSpPr>
+            <a:spLocks noGrp="1" noRot="1" noChangeAspect="1"/>
+          </p:cNvSpPr>
+          <p:nvPr>
+            <p:ph type="sldImg"/>
+          </p:nvPr>
+        </p:nvSpPr>
+        <p:spPr/>
+      </p:sp>
+      <p:sp>
+        <p:nvSpPr>
+          <p:cNvPr id="3" name="Notes Placeholder 2"/>
+          <p:cNvSpPr>
+            <a:spLocks noGrp="1"/>
+          </p:cNvSpPr>
+          <p:nvPr>
+            <p:ph type="body" idx="1"/>
+          </p:nvPr>
+        </p:nvSpPr>
+        <p:spPr/>
+        <p:txBody>
+          <a:bodyPr/>
+          <a:lstStyle/>
+          <a:p>
+            <a:pPr marL="0" indent="0">
+              <a:buFont typeface="Arial" panose="020B0604020202020204" pitchFamily="34" charset="0"/>
+              <a:buNone/>
+            </a:pPr>
+            <a:r>
+              <a:rPr lang="pl-PL" dirty="0"/>
+              <a:t>Powyższy schemat pokazuje wszystkie dostępne kolekcje w pakiecie </a:t>
+            </a:r>
+            <a:r>
+              <a:rPr lang="pl-PL" dirty="0" err="1"/>
+              <a:t>scala.collection</a:t>
+            </a:r>
+            <a:r>
+              <a:rPr lang="pl-PL" dirty="0"/>
+              <a:t>. Są to zazwyczaj </a:t>
+            </a:r>
+            <a:r>
+              <a:rPr lang="pl-PL" dirty="0" err="1"/>
+              <a:t>traity</a:t>
+            </a:r>
+            <a:r>
+              <a:rPr lang="pl-PL" dirty="0"/>
+              <a:t> arbo </a:t>
+            </a:r>
+            <a:r>
+              <a:rPr lang="pl-PL" dirty="0" err="1"/>
+              <a:t>higl-level</a:t>
+            </a:r>
+            <a:r>
+              <a:rPr lang="pl-PL" dirty="0"/>
+              <a:t> </a:t>
+            </a:r>
+            <a:r>
+              <a:rPr lang="pl-PL" dirty="0" err="1"/>
+              <a:t>abtrakcyjne</a:t>
+            </a:r>
+            <a:r>
+              <a:rPr lang="pl-PL" dirty="0"/>
+              <a:t> klasy, które posiadają zarówno </a:t>
+            </a:r>
+            <a:r>
+              <a:rPr lang="pl-PL" dirty="0" err="1"/>
+              <a:t>niemutowalną</a:t>
+            </a:r>
+            <a:r>
+              <a:rPr lang="pl-PL" dirty="0"/>
+              <a:t> jak i </a:t>
+            </a:r>
+            <a:r>
+              <a:rPr lang="pl-PL" dirty="0" err="1"/>
+              <a:t>mutowalną</a:t>
+            </a:r>
+            <a:r>
+              <a:rPr lang="pl-PL" dirty="0"/>
+              <a:t> implementację.</a:t>
+            </a:r>
+          </a:p>
+          <a:p>
+            <a:pPr marL="171450" indent="-171450">
+              <a:buFont typeface="Arial" panose="020B0604020202020204" pitchFamily="34" charset="0"/>
+              <a:buChar char="•"/>
+            </a:pPr>
+            <a:endParaRPr lang="pl-PL" dirty="0"/>
+          </a:p>
+          <a:p>
+            <a:pPr marL="171450" indent="-171450">
+              <a:buFont typeface="Arial" panose="020B0604020202020204" pitchFamily="34" charset="0"/>
+              <a:buChar char="•"/>
+            </a:pPr>
+            <a:r>
+              <a:rPr lang="pl-PL" dirty="0"/>
+              <a:t>Każdy rodzaj kolekcji może być stworzony używając tego samego </a:t>
+            </a:r>
+            <a:r>
+              <a:rPr lang="pl-PL" b="1" dirty="0"/>
+              <a:t>wspólnego </a:t>
+            </a:r>
+            <a:r>
+              <a:rPr lang="pl-PL" b="1" dirty="0" err="1"/>
+              <a:t>syntaxu</a:t>
+            </a:r>
+            <a:r>
+              <a:rPr lang="pl-PL" b="1" dirty="0"/>
+              <a:t>, </a:t>
+            </a:r>
+            <a:r>
+              <a:rPr lang="pl-PL" dirty="0"/>
+              <a:t>nazwa kolekcji i następnie jej elementy.</a:t>
+            </a:r>
+          </a:p>
+          <a:p>
+            <a:pPr marL="171450" indent="-171450">
+              <a:buFont typeface="Arial" panose="020B0604020202020204" pitchFamily="34" charset="0"/>
+              <a:buChar char="•"/>
+            </a:pPr>
+            <a:r>
+              <a:rPr lang="pl-PL" dirty="0"/>
+              <a:t>Domyślnie, Scala preferuje </a:t>
+            </a:r>
+            <a:r>
+              <a:rPr lang="pl-PL" b="1" dirty="0" err="1"/>
+              <a:t>niemutowalne</a:t>
+            </a:r>
+            <a:r>
+              <a:rPr lang="pl-PL" b="1" dirty="0"/>
+              <a:t> kolekcje</a:t>
+            </a:r>
+            <a:r>
+              <a:rPr lang="pl-PL" dirty="0"/>
+              <a:t>, więc jeśli napiszemy w kodzie Set bez żadnego </a:t>
+            </a:r>
+            <a:r>
+              <a:rPr lang="pl-PL" dirty="0" err="1"/>
+              <a:t>prefixu</a:t>
+            </a:r>
+            <a:r>
+              <a:rPr lang="pl-PL" dirty="0"/>
+              <a:t>, Scala wybierze </a:t>
+            </a:r>
+            <a:r>
+              <a:rPr lang="pl-PL" dirty="0" err="1"/>
+              <a:t>niemutowalny</a:t>
+            </a:r>
+            <a:r>
+              <a:rPr lang="pl-PL" dirty="0"/>
+              <a:t> Set.</a:t>
+            </a:r>
+          </a:p>
+          <a:p>
+            <a:pPr marL="171450" indent="-171450">
+              <a:buFont typeface="Arial" panose="020B0604020202020204" pitchFamily="34" charset="0"/>
+              <a:buChar char="•"/>
+            </a:pPr>
+            <a:r>
+              <a:rPr lang="pl-PL" dirty="0"/>
+              <a:t>Podobnie jeśli wybierzemy </a:t>
+            </a:r>
+            <a:r>
+              <a:rPr lang="pl-PL" dirty="0" err="1"/>
+              <a:t>Iterable</a:t>
+            </a:r>
+            <a:r>
+              <a:rPr lang="pl-PL" dirty="0"/>
+              <a:t> otrzymamy </a:t>
+            </a:r>
+            <a:r>
+              <a:rPr lang="pl-PL" dirty="0" err="1"/>
+              <a:t>niemutowalną</a:t>
+            </a:r>
+            <a:r>
+              <a:rPr lang="pl-PL" dirty="0"/>
+              <a:t> kolekcje typu </a:t>
+            </a:r>
+            <a:r>
+              <a:rPr lang="pl-PL" dirty="0" err="1"/>
+              <a:t>iterable</a:t>
+            </a:r>
+            <a:r>
+              <a:rPr lang="pl-PL" dirty="0"/>
+              <a:t>. Wynika to z domyślnego </a:t>
+            </a:r>
+            <a:r>
+              <a:rPr lang="pl-PL" dirty="0" err="1"/>
+              <a:t>bindingu</a:t>
+            </a:r>
+            <a:r>
+              <a:rPr lang="pl-PL" dirty="0"/>
+              <a:t> w </a:t>
+            </a:r>
+            <a:r>
+              <a:rPr lang="pl-PL" dirty="0" err="1"/>
+              <a:t>scalapackage</a:t>
+            </a:r>
+            <a:r>
+              <a:rPr lang="pl-PL" dirty="0"/>
+              <a:t>.</a:t>
+            </a:r>
+          </a:p>
+          <a:p>
+            <a:pPr marL="0" indent="0">
+              <a:buFont typeface="Arial" panose="020B0604020202020204" pitchFamily="34" charset="0"/>
+              <a:buNone/>
+            </a:pPr>
+            <a:r>
+              <a:rPr lang="pl-PL" dirty="0"/>
+              <a:t>Przykład: </a:t>
+            </a:r>
+          </a:p>
+          <a:p>
+            <a:pPr marL="457200" lvl="1" indent="0">
+              <a:buFont typeface="Arial" panose="020B0604020202020204" pitchFamily="34" charset="0"/>
+              <a:buNone/>
+            </a:pPr>
+            <a:r>
+              <a:rPr lang="en-US" sz="1200" b="0" i="0" kern="1200" dirty="0" err="1">
+                <a:solidFill>
+                  <a:schemeClr val="tx1"/>
+                </a:solidFill>
+                <a:effectLst/>
+                <a:latin typeface="+mn-lt"/>
+                <a:ea typeface="+mn-ea"/>
+                <a:cs typeface="+mn-cs"/>
+              </a:rPr>
+              <a:t>scala.collection.immutable.</a:t>
+            </a:r>
+            <a:r>
+              <a:rPr lang="en-US" sz="1200" b="1" i="0" kern="1200" dirty="0" err="1">
+                <a:solidFill>
+                  <a:schemeClr val="tx1"/>
+                </a:solidFill>
+                <a:effectLst/>
+                <a:latin typeface="+mn-lt"/>
+                <a:ea typeface="+mn-ea"/>
+                <a:cs typeface="+mn-cs"/>
+              </a:rPr>
+              <a:t>List</a:t>
+            </a:r>
+            <a:r>
+              <a:rPr lang="en-US" sz="1200" b="0" i="0" kern="1200" dirty="0">
+                <a:solidFill>
+                  <a:schemeClr val="tx1"/>
+                </a:solidFill>
+                <a:effectLst/>
+                <a:latin typeface="+mn-lt"/>
+                <a:ea typeface="+mn-ea"/>
+                <a:cs typeface="+mn-cs"/>
+              </a:rPr>
+              <a:t> </a:t>
+            </a:r>
+            <a:r>
+              <a:rPr lang="en-US" sz="1200" b="0" i="1" kern="1200" dirty="0">
+                <a:solidFill>
+                  <a:schemeClr val="tx1"/>
+                </a:solidFill>
+                <a:effectLst/>
+                <a:latin typeface="+mn-lt"/>
+                <a:ea typeface="+mn-ea"/>
+                <a:cs typeface="+mn-cs"/>
+              </a:rPr>
+              <a:t>// that's where it is defined</a:t>
+            </a:r>
+            <a:endParaRPr lang="pl-PL" sz="1200" b="0" i="1" kern="1200" dirty="0">
+              <a:solidFill>
+                <a:schemeClr val="tx1"/>
+              </a:solidFill>
+              <a:effectLst/>
+              <a:latin typeface="+mn-lt"/>
+              <a:ea typeface="+mn-ea"/>
+              <a:cs typeface="+mn-cs"/>
+            </a:endParaRPr>
+          </a:p>
+          <a:p>
+            <a:pPr marL="457200" lvl="1" indent="0">
+              <a:buFont typeface="Arial" panose="020B0604020202020204" pitchFamily="34" charset="0"/>
+              <a:buNone/>
+            </a:pPr>
+            <a:r>
+              <a:rPr lang="en-US" sz="1200" b="0" i="0" kern="1200" dirty="0" err="1">
+                <a:solidFill>
+                  <a:schemeClr val="tx1"/>
+                </a:solidFill>
+                <a:effectLst/>
+                <a:latin typeface="+mn-lt"/>
+                <a:ea typeface="+mn-ea"/>
+                <a:cs typeface="+mn-cs"/>
+              </a:rPr>
+              <a:t>scala.</a:t>
+            </a:r>
+            <a:r>
+              <a:rPr lang="en-US" sz="1200" b="1" i="0" kern="1200" dirty="0" err="1">
+                <a:solidFill>
+                  <a:schemeClr val="tx1"/>
+                </a:solidFill>
+                <a:effectLst/>
+                <a:latin typeface="+mn-lt"/>
+                <a:ea typeface="+mn-ea"/>
+                <a:cs typeface="+mn-cs"/>
+              </a:rPr>
+              <a:t>List</a:t>
+            </a:r>
+            <a:r>
+              <a:rPr lang="en-US" sz="1200" b="0" i="0" kern="1200" dirty="0">
+                <a:solidFill>
+                  <a:schemeClr val="tx1"/>
+                </a:solidFill>
+                <a:effectLst/>
+                <a:latin typeface="+mn-lt"/>
+                <a:ea typeface="+mn-ea"/>
+                <a:cs typeface="+mn-cs"/>
+              </a:rPr>
+              <a:t> </a:t>
+            </a:r>
+            <a:r>
+              <a:rPr lang="en-US" sz="1200" b="0" i="1" kern="1200" dirty="0">
+                <a:solidFill>
+                  <a:schemeClr val="tx1"/>
+                </a:solidFill>
+                <a:effectLst/>
+                <a:latin typeface="+mn-lt"/>
+                <a:ea typeface="+mn-ea"/>
+                <a:cs typeface="+mn-cs"/>
+              </a:rPr>
+              <a:t>// via the alias in the </a:t>
+            </a:r>
+            <a:r>
+              <a:rPr lang="en-US" sz="1200" b="0" i="1" kern="1200" dirty="0" err="1">
+                <a:solidFill>
+                  <a:schemeClr val="tx1"/>
+                </a:solidFill>
+                <a:effectLst/>
+                <a:latin typeface="+mn-lt"/>
+                <a:ea typeface="+mn-ea"/>
+                <a:cs typeface="+mn-cs"/>
+              </a:rPr>
+              <a:t>scala</a:t>
+            </a:r>
+            <a:r>
+              <a:rPr lang="en-US" sz="1200" b="0" i="1" kern="1200" dirty="0">
+                <a:solidFill>
+                  <a:schemeClr val="tx1"/>
+                </a:solidFill>
+                <a:effectLst/>
+                <a:latin typeface="+mn-lt"/>
+                <a:ea typeface="+mn-ea"/>
+                <a:cs typeface="+mn-cs"/>
+              </a:rPr>
+              <a:t> package</a:t>
+            </a:r>
+            <a:endParaRPr lang="pl-PL" sz="1200" b="0" i="1" kern="1200" dirty="0">
+              <a:solidFill>
+                <a:schemeClr val="tx1"/>
+              </a:solidFill>
+              <a:effectLst/>
+              <a:latin typeface="+mn-lt"/>
+              <a:ea typeface="+mn-ea"/>
+              <a:cs typeface="+mn-cs"/>
+            </a:endParaRPr>
+          </a:p>
+          <a:p>
+            <a:pPr marL="457200" lvl="1" indent="0">
+              <a:buFont typeface="Arial" panose="020B0604020202020204" pitchFamily="34" charset="0"/>
+              <a:buNone/>
+            </a:pPr>
+            <a:r>
+              <a:rPr lang="en-US" sz="1200" b="1" i="0" kern="1200" dirty="0">
+                <a:solidFill>
+                  <a:schemeClr val="tx1"/>
+                </a:solidFill>
+                <a:effectLst/>
+                <a:latin typeface="+mn-lt"/>
+                <a:ea typeface="+mn-ea"/>
+                <a:cs typeface="+mn-cs"/>
+              </a:rPr>
+              <a:t>List</a:t>
+            </a:r>
+            <a:r>
+              <a:rPr lang="en-US" sz="1200" b="0" i="0" kern="1200" dirty="0">
+                <a:solidFill>
+                  <a:schemeClr val="tx1"/>
+                </a:solidFill>
+                <a:effectLst/>
+                <a:latin typeface="+mn-lt"/>
+                <a:ea typeface="+mn-ea"/>
+                <a:cs typeface="+mn-cs"/>
+              </a:rPr>
+              <a:t> </a:t>
+            </a:r>
+            <a:r>
+              <a:rPr lang="en-US" sz="1200" b="0" i="1" kern="1200" dirty="0">
+                <a:solidFill>
+                  <a:schemeClr val="tx1"/>
+                </a:solidFill>
+                <a:effectLst/>
+                <a:latin typeface="+mn-lt"/>
+                <a:ea typeface="+mn-ea"/>
+                <a:cs typeface="+mn-cs"/>
+              </a:rPr>
+              <a:t>// because </a:t>
+            </a:r>
+            <a:r>
+              <a:rPr lang="en-US" sz="1200" b="0" i="1" kern="1200" dirty="0" err="1">
+                <a:solidFill>
+                  <a:schemeClr val="tx1"/>
+                </a:solidFill>
+                <a:effectLst/>
+                <a:latin typeface="+mn-lt"/>
+                <a:ea typeface="+mn-ea"/>
+                <a:cs typeface="+mn-cs"/>
+              </a:rPr>
+              <a:t>scala</a:t>
+            </a:r>
+            <a:r>
+              <a:rPr lang="en-US" sz="1200" b="0" i="1" kern="1200" dirty="0">
+                <a:solidFill>
+                  <a:schemeClr val="tx1"/>
+                </a:solidFill>
+                <a:effectLst/>
+                <a:latin typeface="+mn-lt"/>
+                <a:ea typeface="+mn-ea"/>
+                <a:cs typeface="+mn-cs"/>
+              </a:rPr>
+              <a:t>._</a:t>
+            </a:r>
+            <a:r>
+              <a:rPr lang="en-US" sz="1200" b="0" i="0" kern="1200" dirty="0">
+                <a:solidFill>
+                  <a:schemeClr val="tx1"/>
+                </a:solidFill>
+                <a:effectLst/>
+                <a:latin typeface="+mn-lt"/>
+                <a:ea typeface="+mn-ea"/>
+                <a:cs typeface="+mn-cs"/>
+              </a:rPr>
+              <a:t> </a:t>
+            </a:r>
+            <a:r>
+              <a:rPr lang="en-US" sz="1200" b="0" i="1" kern="1200" dirty="0">
+                <a:solidFill>
+                  <a:schemeClr val="tx1"/>
+                </a:solidFill>
+                <a:effectLst/>
+                <a:latin typeface="+mn-lt"/>
+                <a:ea typeface="+mn-ea"/>
+                <a:cs typeface="+mn-cs"/>
+              </a:rPr>
+              <a:t>is always automatically imported</a:t>
+            </a:r>
+            <a:endParaRPr lang="pl-PL" dirty="0"/>
+          </a:p>
+        </p:txBody>
+      </p:sp>
+    </p:spTree>
+    <p:extLst>
+      <p:ext uri="{BB962C8B-B14F-4D97-AF65-F5344CB8AC3E}">
+        <p14:creationId xmlns:p14="http://schemas.microsoft.com/office/powerpoint/2010/main" val="3332540915"/>
+      </p:ext>
+    </p:extLst>
+  </p:cSld>
+  <p:clrMapOvr>
+    <a:masterClrMapping/>
+  </p:clrMapOvr>
+</p:notes>
+</file>
+
+<file path=ppt/notesSlides/notesSlide23.xml><?xml version="1.0" encoding="utf-8"?>
+<p:notes xmlns:a="http://schemas.openxmlformats.org/drawingml/2006/main" xmlns:r="http://schemas.openxmlformats.org/officeDocument/2006/relationships" xmlns:p="http://schemas.openxmlformats.org/presentationml/2006/main">
+  <p:cSld>
+    <p:spTree>
+      <p:nvGrpSpPr>
+        <p:cNvPr id="1" name=""/>
+        <p:cNvGrpSpPr/>
+        <p:nvPr/>
+      </p:nvGrpSpPr>
+      <p:grpSpPr>
+        <a:xfrm>
+          <a:off x="0" y="0"/>
+          <a:ext cx="0" cy="0"/>
+          <a:chOff x="0" y="0"/>
+          <a:chExt cx="0" cy="0"/>
+        </a:xfrm>
+      </p:grpSpPr>
+      <p:sp>
+        <p:nvSpPr>
+          <p:cNvPr id="2" name="Slide Image Placeholder 1"/>
+          <p:cNvSpPr>
+            <a:spLocks noGrp="1" noRot="1" noChangeAspect="1"/>
+          </p:cNvSpPr>
+          <p:nvPr>
+            <p:ph type="sldImg"/>
+          </p:nvPr>
+        </p:nvSpPr>
+        <p:spPr/>
+      </p:sp>
+      <p:sp>
+        <p:nvSpPr>
+          <p:cNvPr id="3" name="Notes Placeholder 2"/>
+          <p:cNvSpPr>
+            <a:spLocks noGrp="1"/>
+          </p:cNvSpPr>
+          <p:nvPr>
+            <p:ph type="body" idx="1"/>
+          </p:nvPr>
+        </p:nvSpPr>
+        <p:spPr/>
+        <p:txBody>
+          <a:bodyPr/>
+          <a:lstStyle/>
+          <a:p>
+            <a:endParaRPr lang="pl-PL" dirty="0"/>
+          </a:p>
+        </p:txBody>
+      </p:sp>
+    </p:spTree>
+    <p:extLst>
+      <p:ext uri="{BB962C8B-B14F-4D97-AF65-F5344CB8AC3E}">
         <p14:creationId xmlns:p14="http://schemas.microsoft.com/office/powerpoint/2010/main" val="1496112602"/>
       </p:ext>
     </p:extLst>
@@ -4153,7 +4633,7 @@
 </p:notes>
 </file>
 
-<file path=ppt/notesSlides/notesSlide22.xml><?xml version="1.0" encoding="utf-8"?>
+<file path=ppt/notesSlides/notesSlide24.xml><?xml version="1.0" encoding="utf-8"?>
 <p:notes xmlns:a="http://schemas.openxmlformats.org/drawingml/2006/main" xmlns:r="http://schemas.openxmlformats.org/officeDocument/2006/relationships" xmlns:p="http://schemas.openxmlformats.org/presentationml/2006/main">
   <p:cSld>
     <p:spTree>
@@ -4354,6 +4834,125 @@
               <a:t>”</a:t>
             </a:r>
           </a:p>
+          <a:p>
+            <a:r>
+              <a:rPr lang="pl-PL" sz="1200" b="1" i="0" kern="1200" dirty="0">
+                <a:solidFill>
+                  <a:schemeClr val="tx1"/>
+                </a:solidFill>
+                <a:effectLst/>
+                <a:latin typeface="+mn-lt"/>
+                <a:ea typeface="+mn-ea"/>
+                <a:cs typeface="+mn-cs"/>
+              </a:rPr>
+              <a:t>For single-</a:t>
+            </a:r>
+            <a:r>
+              <a:rPr lang="pl-PL" sz="1200" b="1" i="0" kern="1200" dirty="0" err="1">
+                <a:solidFill>
+                  <a:schemeClr val="tx1"/>
+                </a:solidFill>
+                <a:effectLst/>
+                <a:latin typeface="+mn-lt"/>
+                <a:ea typeface="+mn-ea"/>
+                <a:cs typeface="+mn-cs"/>
+              </a:rPr>
+              <a:t>node</a:t>
+            </a:r>
+            <a:r>
+              <a:rPr lang="pl-PL" sz="1200" b="1" i="0" kern="1200" dirty="0">
+                <a:solidFill>
+                  <a:schemeClr val="tx1"/>
+                </a:solidFill>
+                <a:effectLst/>
+                <a:latin typeface="+mn-lt"/>
+                <a:ea typeface="+mn-ea"/>
+                <a:cs typeface="+mn-cs"/>
+              </a:rPr>
+              <a:t> </a:t>
+            </a:r>
+            <a:r>
+              <a:rPr lang="pl-PL" sz="1200" b="1" i="0" kern="1200" dirty="0" err="1">
+                <a:solidFill>
+                  <a:schemeClr val="tx1"/>
+                </a:solidFill>
+                <a:effectLst/>
+                <a:latin typeface="+mn-lt"/>
+                <a:ea typeface="+mn-ea"/>
+                <a:cs typeface="+mn-cs"/>
+              </a:rPr>
+              <a:t>analytics</a:t>
+            </a:r>
+            <a:r>
+              <a:rPr lang="pl-PL" sz="1200" b="1" i="0" kern="1200" dirty="0">
+                <a:solidFill>
+                  <a:schemeClr val="tx1"/>
+                </a:solidFill>
+                <a:effectLst/>
+                <a:latin typeface="+mn-lt"/>
+                <a:ea typeface="+mn-ea"/>
+                <a:cs typeface="+mn-cs"/>
+              </a:rPr>
+              <a:t>: </a:t>
+            </a:r>
+            <a:r>
+              <a:rPr lang="pl-PL" dirty="0"/>
+              <a:t>Porównanie </a:t>
+            </a:r>
+            <a:r>
+              <a:rPr lang="pl-PL" dirty="0" err="1"/>
+              <a:t>Pandas</a:t>
+            </a:r>
+            <a:r>
+              <a:rPr lang="pl-PL" dirty="0"/>
+              <a:t> i Sparka: https://databricks.com/blog/2018/05/03/benchmarking-apache-spark-on-a-single-node-machine.html</a:t>
+            </a:r>
+          </a:p>
+          <a:p>
+            <a:endParaRPr lang="pl-PL" dirty="0"/>
+          </a:p>
+          <a:p>
+            <a:r>
+              <a:rPr lang="pl-PL" sz="1200" b="0" i="0" kern="1200" dirty="0">
+                <a:solidFill>
+                  <a:schemeClr val="tx1"/>
+                </a:solidFill>
+                <a:effectLst/>
+                <a:latin typeface="+mn-lt"/>
+                <a:ea typeface="+mn-ea"/>
+                <a:cs typeface="+mn-cs"/>
+              </a:rPr>
+              <a:t>S</a:t>
+            </a:r>
+            <a:r>
+              <a:rPr lang="en-US" sz="1200" b="0" i="0" kern="1200" dirty="0" err="1">
+                <a:solidFill>
+                  <a:schemeClr val="tx1"/>
+                </a:solidFill>
+                <a:effectLst/>
+                <a:latin typeface="+mn-lt"/>
+                <a:ea typeface="+mn-ea"/>
+                <a:cs typeface="+mn-cs"/>
+              </a:rPr>
+              <a:t>cales</a:t>
+            </a:r>
+            <a:r>
+              <a:rPr lang="en-US" sz="1200" b="0" i="0" kern="1200" dirty="0">
+                <a:solidFill>
+                  <a:schemeClr val="tx1"/>
+                </a:solidFill>
+                <a:effectLst/>
+                <a:latin typeface="+mn-lt"/>
+                <a:ea typeface="+mn-ea"/>
+                <a:cs typeface="+mn-cs"/>
+              </a:rPr>
+              <a:t> from “small data” on a laptop to “‘big data” on a cluster</a:t>
+            </a:r>
+            <a:endParaRPr lang="pl-PL" dirty="0"/>
+          </a:p>
+          <a:p>
+            <a:endParaRPr lang="pl-PL" dirty="0"/>
+          </a:p>
         </p:txBody>
       </p:sp>
     </p:spTree>
@@ -4413,6 +5012,109 @@
           <a:bodyPr/>
           <a:lstStyle/>
           <a:p>
+            <a:pPr marL="0" marR="0" lvl="0" indent="0" algn="l" defTabSz="914400" rtl="0" eaLnBrk="1" fontAlgn="auto" latinLnBrk="0" hangingPunct="1">
+              <a:lnSpc>
+                <a:spcPct val="100000"/>
+              </a:lnSpc>
+              <a:spcBef>
+                <a:spcPts val="0"/>
+              </a:spcBef>
+              <a:spcAft>
+                <a:spcPts val="0"/>
+              </a:spcAft>
+              <a:buClrTx/>
+              <a:buSzTx/>
+              <a:buFontTx/>
+              <a:buNone/>
+              <a:tabLst/>
+              <a:defRPr/>
+            </a:pPr>
+            <a:r>
+              <a:rPr lang="pl-PL" sz="1200" b="1" dirty="0" err="1"/>
+              <a:t>Polyglot</a:t>
+            </a:r>
+            <a:r>
+              <a:rPr lang="pl-PL" sz="1200" b="1" dirty="0"/>
+              <a:t> </a:t>
+            </a:r>
+            <a:r>
+              <a:rPr lang="pl-PL" sz="1200" b="1" dirty="0" err="1"/>
+              <a:t>programming</a:t>
+            </a:r>
+            <a:r>
+              <a:rPr lang="pl-PL" sz="1200" b="1" dirty="0"/>
+              <a:t> </a:t>
+            </a:r>
+            <a:r>
+              <a:rPr lang="pl-PL" sz="1200" b="1" dirty="0" err="1"/>
+              <a:t>mode</a:t>
+            </a:r>
+            <a:r>
+              <a:rPr lang="pl-PL" sz="1200" b="1" dirty="0"/>
+              <a:t> </a:t>
+            </a:r>
+            <a:r>
+              <a:rPr lang="pl-PL" sz="1200" dirty="0"/>
+              <a:t>- i</a:t>
+            </a:r>
+            <a:r>
+              <a:rPr lang="en-US" sz="1200" dirty="0" err="1"/>
+              <a:t>ntuitive</a:t>
+            </a:r>
+            <a:r>
+              <a:rPr lang="en-US" sz="1200" dirty="0"/>
+              <a:t> and concise high-level APIs in several languages</a:t>
+            </a:r>
+            <a:endParaRPr lang="pl-PL" sz="1200" dirty="0"/>
+          </a:p>
+          <a:p>
+            <a:pPr marL="0" marR="0" lvl="0" indent="0" algn="l" defTabSz="914400" rtl="0" eaLnBrk="1" fontAlgn="auto" latinLnBrk="0" hangingPunct="1">
+              <a:lnSpc>
+                <a:spcPct val="100000"/>
+              </a:lnSpc>
+              <a:spcBef>
+                <a:spcPts val="0"/>
+              </a:spcBef>
+              <a:spcAft>
+                <a:spcPts val="0"/>
+              </a:spcAft>
+              <a:buClrTx/>
+              <a:buSzTx/>
+              <a:buFontTx/>
+              <a:buNone/>
+              <a:tabLst/>
+              <a:defRPr/>
+            </a:pPr>
+            <a:r>
+              <a:rPr lang="en-US" sz="1200" b="1" dirty="0"/>
+              <a:t>Generality</a:t>
+            </a:r>
+            <a:r>
+              <a:rPr lang="en-US" sz="1200" dirty="0"/>
+              <a:t> - combines batch processing, streaming, and ML</a:t>
+            </a:r>
+          </a:p>
+          <a:p>
+            <a:pPr marL="0" marR="0" lvl="0" indent="0" algn="l" defTabSz="914400" rtl="0" eaLnBrk="1" fontAlgn="auto" latinLnBrk="0" hangingPunct="1">
+              <a:lnSpc>
+                <a:spcPct val="100000"/>
+              </a:lnSpc>
+              <a:spcBef>
+                <a:spcPts val="0"/>
+              </a:spcBef>
+              <a:spcAft>
+                <a:spcPts val="0"/>
+              </a:spcAft>
+              <a:buClrTx/>
+              <a:buSzTx/>
+              <a:buFontTx/>
+              <a:buNone/>
+              <a:tabLst/>
+              <a:defRPr/>
+            </a:pPr>
+            <a:endParaRPr lang="en-US" sz="1200" dirty="0"/>
+          </a:p>
+          <a:p>
             <a:endParaRPr lang="en-US" dirty="0"/>
           </a:p>
         </p:txBody>
@@ -4474,67 +5176,14 @@
           <a:bodyPr/>
           <a:lstStyle/>
           <a:p>
-            <a:r>
-              <a:rPr lang="pl-PL" dirty="0"/>
-              <a:t>Scala/Java bardziej dla software </a:t>
-            </a:r>
-            <a:r>
-              <a:rPr lang="pl-PL" dirty="0" err="1"/>
-              <a:t>engineerów</a:t>
-            </a:r>
-            <a:r>
-              <a:rPr lang="pl-PL" dirty="0"/>
-              <a:t>. </a:t>
-            </a:r>
-            <a:r>
-              <a:rPr lang="pl-PL" dirty="0" err="1"/>
-              <a:t>Python</a:t>
-            </a:r>
-            <a:r>
-              <a:rPr lang="pl-PL" dirty="0"/>
-              <a:t>/R bardziej dla data </a:t>
-            </a:r>
-            <a:r>
-              <a:rPr lang="pl-PL" dirty="0" err="1"/>
-              <a:t>scientistów</a:t>
-            </a:r>
-            <a:r>
-              <a:rPr lang="pl-PL" dirty="0"/>
-              <a:t>. SQL to DBA. </a:t>
-            </a:r>
-          </a:p>
-          <a:p>
-            <a:r>
-              <a:rPr lang="pl-PL" dirty="0"/>
-              <a:t>Obecnie najbardziej rozwijane to Scala i </a:t>
-            </a:r>
-            <a:r>
-              <a:rPr lang="pl-PL" dirty="0" err="1"/>
-              <a:t>Python</a:t>
-            </a:r>
-            <a:r>
-              <a:rPr lang="pl-PL" dirty="0"/>
-              <a:t>.</a:t>
-            </a:r>
-          </a:p>
-          <a:p>
-            <a:r>
-              <a:rPr lang="pl-PL" dirty="0"/>
-              <a:t>Z racji że Spark jest napisany w Scali, jest ona obecnie najpowszechniej używanym językiem Big Data.</a:t>
-            </a:r>
-          </a:p>
-          <a:p>
-            <a:r>
-              <a:rPr lang="pl-PL" dirty="0"/>
-              <a:t>Sam Spark mocno się przyczynił to popularyzacji Scali.</a:t>
-            </a:r>
+            <a:endParaRPr lang="en-GB" dirty="0"/>
           </a:p>
         </p:txBody>
       </p:sp>
     </p:spTree>
     <p:extLst>
       <p:ext uri="{BB962C8B-B14F-4D97-AF65-F5344CB8AC3E}">
-        <p14:creationId xmlns:p14="http://schemas.microsoft.com/office/powerpoint/2010/main" val="329979926"/>
+        <p14:creationId xmlns:p14="http://schemas.microsoft.com/office/powerpoint/2010/main" val="2677883990"/>
       </p:ext>
     </p:extLst>
   </p:cSld>
@@ -5039,7 +5688,7 @@
               <a:buChar char="-"/>
             </a:pPr>
             <a:r>
-              <a:rPr lang="pl-PL" sz="1200" b="0" i="0" u="none" strike="noStrike" kern="1200" baseline="0" dirty="0">
+              <a:rPr lang="pl-PL" sz="1200" b="1" i="0" u="none" strike="noStrike" kern="1200" baseline="0" dirty="0">
                 <a:solidFill>
                   <a:schemeClr val="tx1"/>
                 </a:solidFill>
@@ -5050,7 +5699,7 @@
               <a:t>Koszty utrzymania jednego </a:t>
             </a:r>
             <a:r>
-              <a:rPr lang="pl-PL" sz="1200" b="0" i="0" u="none" strike="noStrike" kern="1200" baseline="0" dirty="0" err="1">
+              <a:rPr lang="pl-PL" sz="1200" b="1" i="0" u="none" strike="noStrike" kern="1200" baseline="0" dirty="0" err="1">
                 <a:solidFill>
                   <a:schemeClr val="tx1"/>
                 </a:solidFill>
@@ -5196,7 +5845,29 @@
                 <a:ea typeface="+mn-ea"/>
                 <a:cs typeface="+mn-cs"/>
               </a:rPr>
-              <a:t>-  Możliwość budowy aplikacji łączących różne modele przetwarzania danych. Możemy mieć np. jedną aplikację, gdzie będziemy </a:t>
+              <a:t>-  </a:t>
+            </a:r>
+            <a:r>
+              <a:rPr lang="pl-PL" sz="1200" b="1" i="0" u="none" strike="noStrike" kern="1200" baseline="0" dirty="0">
+                <a:solidFill>
+                  <a:schemeClr val="tx1"/>
+                </a:solidFill>
+                <a:latin typeface="+mn-lt"/>
+                <a:ea typeface="+mn-ea"/>
+                <a:cs typeface="+mn-cs"/>
+              </a:rPr>
+              <a:t>Możliwość budowy aplikacji łączących różne modele przetwarzania danych</a:t>
+            </a:r>
+            <a:r>
+              <a:rPr lang="pl-PL" sz="1200" b="0" i="0" u="none" strike="noStrike" kern="1200" baseline="0" dirty="0">
+                <a:solidFill>
+                  <a:schemeClr val="tx1"/>
+                </a:solidFill>
+                <a:latin typeface="+mn-lt"/>
+                <a:ea typeface="+mn-ea"/>
+                <a:cs typeface="+mn-cs"/>
+              </a:rPr>
+              <a:t>. Możemy mieć np. jedną aplikację, gdzie będziemy </a:t>
             </a:r>
             <a:r>
               <a:rPr lang="pl-PL" sz="1200" b="0" i="0" u="none" strike="noStrike" kern="1200" baseline="0" dirty="0" err="1">
@@ -5306,29 +5977,7 @@
                 <a:ea typeface="+mn-ea"/>
                 <a:cs typeface="+mn-cs"/>
               </a:rPr>
-              <a:t>, wg określonego kalendarza. </a:t>
-            </a:r>
-            <a:r>
-              <a:rPr lang="pl-PL" sz="1200" b="0" i="0" u="none" strike="noStrike" kern="1200" baseline="0" dirty="0" err="1">
-                <a:solidFill>
-                  <a:schemeClr val="tx1"/>
-                </a:solidFill>
-                <a:latin typeface="+mn-lt"/>
-                <a:ea typeface="+mn-ea"/>
-                <a:cs typeface="+mn-cs"/>
-              </a:rPr>
-              <a:t>Wszytsko</a:t>
-            </a:r>
-            <a:r>
-              <a:rPr lang="pl-PL" sz="1200" b="0" i="0" u="none" strike="noStrike" kern="1200" baseline="0" dirty="0">
-                <a:solidFill>
-                  <a:schemeClr val="tx1"/>
-                </a:solidFill>
-                <a:latin typeface="+mn-lt"/>
-                <a:ea typeface="+mn-ea"/>
-                <a:cs typeface="+mn-cs"/>
-              </a:rPr>
-              <a:t> to może być zaimplementowane w jednej aplikacji.</a:t>
+              <a:t>, wg określonego kalendarza. Wszystko to może być zaimplementowane w jednej aplikacji.</a:t>
             </a:r>
             <a:endParaRPr lang="pl-PL" dirty="0"/>
           </a:p>
@@ -9127,7 +9776,7 @@
             </a:br>
             <a:r>
               <a:rPr lang="en-US" dirty="0"/>
-              <a:t>Apache Spark APIs</a:t>
+              <a:t>Apache Spark Architecture</a:t>
             </a:r>
           </a:p>
         </p:txBody>
@@ -9147,6 +9796,22 @@
           <a:bodyPr/>
           <a:lstStyle/>
           <a:p>
+            <a:r>
+              <a:rPr lang="pl-PL" dirty="0"/>
+              <a:t>Krzysztof Stanaszek</a:t>
+            </a:r>
+          </a:p>
+          <a:p>
+            <a:r>
+              <a:rPr lang="pl-PL" dirty="0" err="1"/>
+              <a:t>zJava</a:t>
+            </a:r>
+            <a:r>
+              <a:rPr lang="pl-PL" dirty="0"/>
+              <a:t>, 06.02.2019</a:t>
+            </a:r>
+          </a:p>
+          <a:p>
             <a:endParaRPr lang="pl-PL" dirty="0"/>
           </a:p>
         </p:txBody>
@@ -9166,203 +9831,18 @@
           <a:bodyPr/>
           <a:lstStyle/>
           <a:p>
+            <a:r>
+              <a:rPr lang="en-US" dirty="0"/>
+              <a:t>SMACK Reference Architecture</a:t>
+            </a:r>
             <a:endParaRPr lang="pl-PL" dirty="0"/>
           </a:p>
-        </p:txBody>
-      </p:sp>
-      <p:sp>
-        <p:nvSpPr>
-          <p:cNvPr id="7" name="TextBox 6"/>
-          <p:cNvSpPr txBox="1"/>
-          <p:nvPr/>
-        </p:nvSpPr>
-        <p:spPr>
-          <a:xfrm>
-            <a:off x="8859520" y="1198880"/>
-            <a:ext cx="914400" cy="914400"/>
-          </a:xfrm>
-          <a:prstGeom prst="rect">
-            <a:avLst/>
-          </a:prstGeom>
-          <a:noFill/>
-        </p:spPr>
-        <p:txBody>
-          <a:bodyPr wrap="none" lIns="0" tIns="0" rIns="0" bIns="0" rtlCol="0">
-            <a:noAutofit/>
-          </a:bodyPr>
-          <a:lstStyle/>
-          <a:p>
-            <a:pPr>
-              <a:lnSpc>
-                <a:spcPct val="140000"/>
-              </a:lnSpc>
-            </a:pPr>
-            <a:endParaRPr lang="en-US" dirty="0" err="1">
-              <a:solidFill>
-                <a:schemeClr val="tx1"/>
-              </a:solidFill>
-            </a:endParaRPr>
-          </a:p>
-        </p:txBody>
-      </p:sp>
-      <p:sp>
-        <p:nvSpPr>
-          <p:cNvPr id="11" name="TextBox 10"/>
-          <p:cNvSpPr txBox="1"/>
-          <p:nvPr/>
-        </p:nvSpPr>
-        <p:spPr>
-          <a:xfrm>
-            <a:off x="8524240" y="975360"/>
-            <a:ext cx="914400" cy="914400"/>
-          </a:xfrm>
-          <a:prstGeom prst="rect">
-            <a:avLst/>
-          </a:prstGeom>
-          <a:noFill/>
-        </p:spPr>
-        <p:txBody>
-          <a:bodyPr wrap="none" lIns="0" tIns="0" rIns="0" bIns="0" rtlCol="0">
-            <a:noAutofit/>
-          </a:bodyPr>
-          <a:lstStyle/>
-          <a:p>
-            <a:pPr>
-              <a:lnSpc>
-                <a:spcPct val="140000"/>
-              </a:lnSpc>
-            </a:pPr>
-            <a:endParaRPr lang="en-US" dirty="0" err="1">
-              <a:solidFill>
-                <a:schemeClr val="tx1"/>
-              </a:solidFill>
-            </a:endParaRPr>
-          </a:p>
-        </p:txBody>
-      </p:sp>
-      <p:pic>
-        <p:nvPicPr>
-          <p:cNvPr id="8" name="Picture 7">
-            <a:extLst>
-              <a:ext uri="{FF2B5EF4-FFF2-40B4-BE49-F238E27FC236}">
-                <a16:creationId xmlns:a16="http://schemas.microsoft.com/office/drawing/2014/main" id="{AE13E914-2E72-4257-A276-A23EC8662AFE}"/>
-              </a:ext>
-            </a:extLst>
-          </p:cNvPr>
-          <p:cNvPicPr>
-            <a:picLocks noChangeAspect="1"/>
-          </p:cNvPicPr>
-          <p:nvPr/>
-        </p:nvPicPr>
-        <p:blipFill>
-          <a:blip r:embed="rId3"/>
-          <a:stretch>
-            <a:fillRect/>
-          </a:stretch>
-        </p:blipFill>
-        <p:spPr>
-          <a:xfrm>
-            <a:off x="2168436" y="975360"/>
-            <a:ext cx="4807128" cy="3240360"/>
-          </a:xfrm>
-          <a:prstGeom prst="rect">
-            <a:avLst/>
-          </a:prstGeom>
-        </p:spPr>
-      </p:pic>
-    </p:spTree>
-    <p:extLst>
-      <p:ext uri="{BB962C8B-B14F-4D97-AF65-F5344CB8AC3E}">
-        <p14:creationId xmlns:p14="http://schemas.microsoft.com/office/powerpoint/2010/main" val="2390931764"/>
-      </p:ext>
-    </p:extLst>
-  </p:cSld>
-  <p:clrMapOvr>
-    <a:masterClrMapping/>
-  </p:clrMapOvr>
-</p:sld>
-</file>
-
-<file path=ppt/slides/slide11.xml><?xml version="1.0" encoding="utf-8"?>
-<p:sld xmlns:a="http://schemas.openxmlformats.org/drawingml/2006/main" xmlns:r="http://schemas.openxmlformats.org/officeDocument/2006/relationships" xmlns:p="http://schemas.openxmlformats.org/presentationml/2006/main">
-  <p:cSld>
-    <p:spTree>
-      <p:nvGrpSpPr>
-        <p:cNvPr id="1" name=""/>
-        <p:cNvGrpSpPr/>
-        <p:nvPr/>
-      </p:nvGrpSpPr>
-      <p:grpSpPr>
-        <a:xfrm>
-          <a:off x="0" y="0"/>
-          <a:ext cx="0" cy="0"/>
-          <a:chOff x="0" y="0"/>
-          <a:chExt cx="0" cy="0"/>
-        </a:xfrm>
-      </p:grpSpPr>
-      <p:sp>
-        <p:nvSpPr>
-          <p:cNvPr id="2" name="Title 1"/>
-          <p:cNvSpPr>
-            <a:spLocks noGrp="1"/>
-          </p:cNvSpPr>
-          <p:nvPr>
-            <p:ph type="title"/>
-          </p:nvPr>
-        </p:nvSpPr>
-        <p:spPr>
-          <a:xfrm>
-            <a:off x="755650" y="413693"/>
-            <a:ext cx="7632700" cy="357857"/>
-          </a:xfrm>
-        </p:spPr>
-        <p:txBody>
-          <a:bodyPr/>
-          <a:lstStyle/>
-          <a:p>
-            <a:br>
-              <a:rPr lang="en-US" dirty="0"/>
-            </a:br>
-            <a:r>
-              <a:rPr lang="en-US" dirty="0"/>
-              <a:t>Apache Spark Architecture</a:t>
-            </a:r>
-          </a:p>
-        </p:txBody>
-      </p:sp>
-      <p:sp>
-        <p:nvSpPr>
-          <p:cNvPr id="3" name="Footer Placeholder 2"/>
-          <p:cNvSpPr>
-            <a:spLocks noGrp="1"/>
-          </p:cNvSpPr>
-          <p:nvPr>
-            <p:ph type="ftr" sz="quarter" idx="16"/>
-          </p:nvPr>
-        </p:nvSpPr>
-        <p:spPr/>
-        <p:txBody>
-          <a:bodyPr/>
-          <a:lstStyle/>
-          <a:p>
-            <a:endParaRPr lang="pl-PL" dirty="0"/>
-          </a:p>
-        </p:txBody>
-      </p:sp>
-      <p:sp>
-        <p:nvSpPr>
-          <p:cNvPr id="4" name="Date Placeholder 3"/>
-          <p:cNvSpPr>
-            <a:spLocks noGrp="1"/>
-          </p:cNvSpPr>
-          <p:nvPr>
-            <p:ph type="dt" sz="half" idx="15"/>
-          </p:nvPr>
-        </p:nvSpPr>
-        <p:spPr/>
-        <p:txBody>
-          <a:bodyPr/>
-          <a:lstStyle/>
+          <a:p>
+            <a:r>
+              <a:rPr lang="pl-PL" dirty="0"/>
+              <a:t>Apache Spark &amp; Scala</a:t>
+            </a:r>
+          </a:p>
           <a:p>
             <a:endParaRPr lang="pl-PL" dirty="0"/>
           </a:p>
@@ -9481,7 +9961,7 @@
 </p:sld>
 </file>
 
-<file path=ppt/slides/slide12.xml><?xml version="1.0" encoding="utf-8"?>
+<file path=ppt/slides/slide11.xml><?xml version="1.0" encoding="utf-8"?>
 <p:sld xmlns:a="http://schemas.openxmlformats.org/drawingml/2006/main" xmlns:r="http://schemas.openxmlformats.org/officeDocument/2006/relationships" xmlns:p="http://schemas.openxmlformats.org/presentationml/2006/main">
   <p:cSld>
     <p:spTree>
@@ -9552,6 +10032,22 @@
           <a:bodyPr/>
           <a:lstStyle/>
           <a:p>
+            <a:r>
+              <a:rPr lang="pl-PL" dirty="0"/>
+              <a:t>Krzysztof Stanaszek</a:t>
+            </a:r>
+          </a:p>
+          <a:p>
+            <a:r>
+              <a:rPr lang="pl-PL" dirty="0" err="1"/>
+              <a:t>zJava</a:t>
+            </a:r>
+            <a:r>
+              <a:rPr lang="pl-PL" dirty="0"/>
+              <a:t>, 06.02.2019</a:t>
+            </a:r>
+          </a:p>
+          <a:p>
             <a:endParaRPr lang="pl-PL" dirty="0"/>
           </a:p>
         </p:txBody>
@@ -9570,6 +10066,19 @@
         <p:txBody>
           <a:bodyPr/>
           <a:lstStyle/>
+          <a:p>
+            <a:r>
+              <a:rPr lang="en-US" dirty="0"/>
+              <a:t>SMACK Reference Architecture</a:t>
+            </a:r>
+            <a:endParaRPr lang="pl-PL" dirty="0"/>
+          </a:p>
+          <a:p>
+            <a:r>
+              <a:rPr lang="pl-PL" dirty="0"/>
+              <a:t>Apache Spark &amp; Scala</a:t>
+            </a:r>
+          </a:p>
           <a:p>
             <a:endParaRPr lang="pl-PL" dirty="0"/>
           </a:p>
@@ -9705,6 +10214,233 @@
 </p:sld>
 </file>
 
+<file path=ppt/slides/slide12.xml><?xml version="1.0" encoding="utf-8"?>
+<p:sld xmlns:a="http://schemas.openxmlformats.org/drawingml/2006/main" xmlns:r="http://schemas.openxmlformats.org/officeDocument/2006/relationships" xmlns:p="http://schemas.openxmlformats.org/presentationml/2006/main">
+  <p:cSld>
+    <p:spTree>
+      <p:nvGrpSpPr>
+        <p:cNvPr id="1" name=""/>
+        <p:cNvGrpSpPr/>
+        <p:nvPr/>
+      </p:nvGrpSpPr>
+      <p:grpSpPr>
+        <a:xfrm>
+          <a:off x="0" y="0"/>
+          <a:ext cx="0" cy="0"/>
+          <a:chOff x="0" y="0"/>
+          <a:chExt cx="0" cy="0"/>
+        </a:xfrm>
+      </p:grpSpPr>
+      <p:sp>
+        <p:nvSpPr>
+          <p:cNvPr id="2" name="Title 1"/>
+          <p:cNvSpPr>
+            <a:spLocks noGrp="1"/>
+          </p:cNvSpPr>
+          <p:nvPr>
+            <p:ph type="title"/>
+          </p:nvPr>
+        </p:nvSpPr>
+        <p:spPr>
+          <a:xfrm>
+            <a:off x="755650" y="413693"/>
+            <a:ext cx="7632700" cy="357857"/>
+          </a:xfrm>
+        </p:spPr>
+        <p:txBody>
+          <a:bodyPr/>
+          <a:lstStyle/>
+          <a:p>
+            <a:br>
+              <a:rPr lang="en-US" dirty="0"/>
+            </a:br>
+            <a:r>
+              <a:rPr lang="en-US" dirty="0"/>
+              <a:t>High-level APIs in several languages</a:t>
+            </a:r>
+          </a:p>
+        </p:txBody>
+      </p:sp>
+      <p:sp>
+        <p:nvSpPr>
+          <p:cNvPr id="3" name="Footer Placeholder 2"/>
+          <p:cNvSpPr>
+            <a:spLocks noGrp="1"/>
+          </p:cNvSpPr>
+          <p:nvPr>
+            <p:ph type="ftr" sz="quarter" idx="16"/>
+          </p:nvPr>
+        </p:nvSpPr>
+        <p:spPr/>
+        <p:txBody>
+          <a:bodyPr/>
+          <a:lstStyle/>
+          <a:p>
+            <a:r>
+              <a:rPr lang="pl-PL" dirty="0"/>
+              <a:t>Krzysztof Stanaszek</a:t>
+            </a:r>
+          </a:p>
+          <a:p>
+            <a:r>
+              <a:rPr lang="pl-PL" dirty="0" err="1"/>
+              <a:t>zJava</a:t>
+            </a:r>
+            <a:r>
+              <a:rPr lang="pl-PL" dirty="0"/>
+              <a:t>, 06.02.2019</a:t>
+            </a:r>
+          </a:p>
+          <a:p>
+            <a:endParaRPr lang="pl-PL" dirty="0"/>
+          </a:p>
+        </p:txBody>
+      </p:sp>
+      <p:sp>
+        <p:nvSpPr>
+          <p:cNvPr id="4" name="Date Placeholder 3"/>
+          <p:cNvSpPr>
+            <a:spLocks noGrp="1"/>
+          </p:cNvSpPr>
+          <p:nvPr>
+            <p:ph type="dt" sz="half" idx="15"/>
+          </p:nvPr>
+        </p:nvSpPr>
+        <p:spPr/>
+        <p:txBody>
+          <a:bodyPr/>
+          <a:lstStyle/>
+          <a:p>
+            <a:r>
+              <a:rPr lang="en-US" dirty="0"/>
+              <a:t>SMACK Reference Architecture</a:t>
+            </a:r>
+            <a:endParaRPr lang="pl-PL" dirty="0"/>
+          </a:p>
+          <a:p>
+            <a:r>
+              <a:rPr lang="pl-PL" dirty="0"/>
+              <a:t>Apache Spark &amp; Scala</a:t>
+            </a:r>
+          </a:p>
+          <a:p>
+            <a:endParaRPr lang="pl-PL" dirty="0"/>
+          </a:p>
+        </p:txBody>
+      </p:sp>
+      <p:sp>
+        <p:nvSpPr>
+          <p:cNvPr id="7" name="TextBox 6"/>
+          <p:cNvSpPr txBox="1"/>
+          <p:nvPr/>
+        </p:nvSpPr>
+        <p:spPr>
+          <a:xfrm>
+            <a:off x="8859520" y="1198880"/>
+            <a:ext cx="914400" cy="914400"/>
+          </a:xfrm>
+          <a:prstGeom prst="rect">
+            <a:avLst/>
+          </a:prstGeom>
+          <a:noFill/>
+        </p:spPr>
+        <p:txBody>
+          <a:bodyPr wrap="none" lIns="0" tIns="0" rIns="0" bIns="0" rtlCol="0">
+            <a:noAutofit/>
+          </a:bodyPr>
+          <a:lstStyle/>
+          <a:p>
+            <a:pPr>
+              <a:lnSpc>
+                <a:spcPct val="140000"/>
+              </a:lnSpc>
+            </a:pPr>
+            <a:endParaRPr lang="en-US" dirty="0" err="1">
+              <a:solidFill>
+                <a:schemeClr val="tx1"/>
+              </a:solidFill>
+            </a:endParaRPr>
+          </a:p>
+        </p:txBody>
+      </p:sp>
+      <p:sp>
+        <p:nvSpPr>
+          <p:cNvPr id="11" name="TextBox 10"/>
+          <p:cNvSpPr txBox="1"/>
+          <p:nvPr/>
+        </p:nvSpPr>
+        <p:spPr>
+          <a:xfrm>
+            <a:off x="8524240" y="975360"/>
+            <a:ext cx="914400" cy="914400"/>
+          </a:xfrm>
+          <a:prstGeom prst="rect">
+            <a:avLst/>
+          </a:prstGeom>
+          <a:noFill/>
+        </p:spPr>
+        <p:txBody>
+          <a:bodyPr wrap="none" lIns="0" tIns="0" rIns="0" bIns="0" rtlCol="0">
+            <a:noAutofit/>
+          </a:bodyPr>
+          <a:lstStyle/>
+          <a:p>
+            <a:pPr>
+              <a:lnSpc>
+                <a:spcPct val="140000"/>
+              </a:lnSpc>
+            </a:pPr>
+            <a:endParaRPr lang="en-US" dirty="0" err="1">
+              <a:solidFill>
+                <a:schemeClr val="tx1"/>
+              </a:solidFill>
+            </a:endParaRPr>
+          </a:p>
+        </p:txBody>
+      </p:sp>
+      <p:pic>
+        <p:nvPicPr>
+          <p:cNvPr id="5" name="Picture 4">
+            <a:extLst>
+              <a:ext uri="{FF2B5EF4-FFF2-40B4-BE49-F238E27FC236}">
+                <a16:creationId xmlns:a16="http://schemas.microsoft.com/office/drawing/2014/main" id="{68464D9F-9CD0-467E-8F72-257570441C7A}"/>
+              </a:ext>
+            </a:extLst>
+          </p:cNvPr>
+          <p:cNvPicPr>
+            <a:picLocks noChangeAspect="1"/>
+          </p:cNvPicPr>
+          <p:nvPr/>
+        </p:nvPicPr>
+        <p:blipFill>
+          <a:blip r:embed="rId3"/>
+          <a:stretch>
+            <a:fillRect/>
+          </a:stretch>
+        </p:blipFill>
+        <p:spPr>
+          <a:xfrm>
+            <a:off x="2231740" y="1656080"/>
+            <a:ext cx="4680520" cy="1718816"/>
+          </a:xfrm>
+          <a:prstGeom prst="rect">
+            <a:avLst/>
+          </a:prstGeom>
+        </p:spPr>
+      </p:pic>
+    </p:spTree>
+    <p:extLst>
+      <p:ext uri="{BB962C8B-B14F-4D97-AF65-F5344CB8AC3E}">
+        <p14:creationId xmlns:p14="http://schemas.microsoft.com/office/powerpoint/2010/main" val="2826400824"/>
+      </p:ext>
+    </p:extLst>
+  </p:cSld>
+  <p:clrMapOvr>
+    <a:masterClrMapping/>
+  </p:clrMapOvr>
+</p:sld>
+</file>
+
 <file path=ppt/slides/slide13.xml><?xml version="1.0" encoding="utf-8"?>
 <p:sld xmlns:a="http://schemas.openxmlformats.org/drawingml/2006/main" xmlns:r="http://schemas.openxmlformats.org/officeDocument/2006/relationships" xmlns:p="http://schemas.openxmlformats.org/presentationml/2006/main">
   <p:cSld>
@@ -9765,6 +10501,22 @@
           <a:bodyPr/>
           <a:lstStyle/>
           <a:p>
+            <a:r>
+              <a:rPr lang="pl-PL" dirty="0"/>
+              <a:t>Krzysztof Stanaszek</a:t>
+            </a:r>
+          </a:p>
+          <a:p>
+            <a:r>
+              <a:rPr lang="pl-PL" dirty="0" err="1"/>
+              <a:t>zJava</a:t>
+            </a:r>
+            <a:r>
+              <a:rPr lang="pl-PL" dirty="0"/>
+              <a:t>, 06.02.2019</a:t>
+            </a:r>
+          </a:p>
+          <a:p>
             <a:endParaRPr lang="pl-PL" dirty="0"/>
           </a:p>
         </p:txBody>
@@ -9783,6 +10535,19 @@
         <p:txBody>
           <a:bodyPr/>
           <a:lstStyle/>
+          <a:p>
+            <a:r>
+              <a:rPr lang="en-US" dirty="0"/>
+              <a:t>SMACK Reference Architecture</a:t>
+            </a:r>
+            <a:endParaRPr lang="pl-PL" dirty="0"/>
+          </a:p>
+          <a:p>
+            <a:r>
+              <a:rPr lang="pl-PL" dirty="0"/>
+              <a:t>Apache Spark &amp; Scala</a:t>
+            </a:r>
+          </a:p>
           <a:p>
             <a:endParaRPr lang="pl-PL" dirty="0"/>
           </a:p>
@@ -10001,6 +10766,19 @@
               </a:rPr>
               <a:t>Object-Oriented Meets Functional</a:t>
             </a:r>
+            <a:r>
+              <a:rPr lang="pl-PL" sz="1800" dirty="0">
+                <a:solidFill>
+                  <a:srgbClr val="4D4D4D"/>
+                </a:solidFill>
+              </a:rPr>
+              <a:t>.</a:t>
+            </a:r>
+            <a:endParaRPr lang="en-US" sz="1800" dirty="0">
+              <a:solidFill>
+                <a:srgbClr val="4D4D4D"/>
+              </a:solidFill>
+            </a:endParaRPr>
           </a:p>
           <a:p>
             <a:pPr marL="0" indent="0">
@@ -10213,6 +10991,22 @@
           <a:bodyPr/>
           <a:lstStyle/>
           <a:p>
+            <a:r>
+              <a:rPr lang="pl-PL" dirty="0"/>
+              <a:t>Krzysztof Stanaszek</a:t>
+            </a:r>
+          </a:p>
+          <a:p>
+            <a:r>
+              <a:rPr lang="pl-PL" dirty="0" err="1"/>
+              <a:t>zJava</a:t>
+            </a:r>
+            <a:r>
+              <a:rPr lang="pl-PL" dirty="0"/>
+              <a:t>, 06.02.2019</a:t>
+            </a:r>
+          </a:p>
+          <a:p>
             <a:endParaRPr lang="pl-PL" dirty="0"/>
           </a:p>
         </p:txBody>
@@ -10232,10 +11026,123 @@
           <a:bodyPr/>
           <a:lstStyle/>
           <a:p>
+            <a:r>
+              <a:rPr lang="en-US" dirty="0"/>
+              <a:t>SMACK Reference Architecture</a:t>
+            </a:r>
             <a:endParaRPr lang="pl-PL" dirty="0"/>
           </a:p>
+          <a:p>
+            <a:r>
+              <a:rPr lang="pl-PL" dirty="0"/>
+              <a:t>Apache Spark &amp; Scala</a:t>
+            </a:r>
+          </a:p>
+          <a:p>
+            <a:endParaRPr lang="pl-PL" dirty="0"/>
+          </a:p>
         </p:txBody>
       </p:sp>
+      <p:sp>
+        <p:nvSpPr>
+          <p:cNvPr id="7" name="TextBox 6"/>
+          <p:cNvSpPr txBox="1"/>
+          <p:nvPr/>
+        </p:nvSpPr>
+        <p:spPr>
+          <a:xfrm>
+            <a:off x="8859520" y="1198880"/>
+            <a:ext cx="914400" cy="914400"/>
+          </a:xfrm>
+          <a:prstGeom prst="rect">
+            <a:avLst/>
+          </a:prstGeom>
+          <a:noFill/>
+        </p:spPr>
+        <p:txBody>
+          <a:bodyPr wrap="none" lIns="0" tIns="0" rIns="0" bIns="0" rtlCol="0">
+            <a:noAutofit/>
+          </a:bodyPr>
+          <a:lstStyle/>
+          <a:p>
+            <a:pPr>
+              <a:lnSpc>
+                <a:spcPct val="140000"/>
+              </a:lnSpc>
+            </a:pPr>
+            <a:endParaRPr lang="en-US" dirty="0" err="1">
+              <a:solidFill>
+                <a:schemeClr val="tx1"/>
+              </a:solidFill>
+            </a:endParaRPr>
+          </a:p>
+        </p:txBody>
+      </p:sp>
+      <p:sp>
+        <p:nvSpPr>
+          <p:cNvPr id="11" name="TextBox 10"/>
+          <p:cNvSpPr txBox="1"/>
+          <p:nvPr/>
+        </p:nvSpPr>
+        <p:spPr>
+          <a:xfrm>
+            <a:off x="8524240" y="975360"/>
+            <a:ext cx="914400" cy="914400"/>
+          </a:xfrm>
+          <a:prstGeom prst="rect">
+            <a:avLst/>
+          </a:prstGeom>
+          <a:noFill/>
+        </p:spPr>
+        <p:txBody>
+          <a:bodyPr wrap="none" lIns="0" tIns="0" rIns="0" bIns="0" rtlCol="0">
+            <a:noAutofit/>
+          </a:bodyPr>
+          <a:lstStyle/>
+          <a:p>
+            <a:pPr>
+              <a:lnSpc>
+                <a:spcPct val="140000"/>
+              </a:lnSpc>
+            </a:pPr>
+            <a:endParaRPr lang="en-US" dirty="0" err="1">
+              <a:solidFill>
+                <a:schemeClr val="tx1"/>
+              </a:solidFill>
+            </a:endParaRPr>
+          </a:p>
+        </p:txBody>
+      </p:sp>
+      <p:pic>
+        <p:nvPicPr>
+          <p:cNvPr id="5" name="Picture 4">
+            <a:extLst>
+              <a:ext uri="{FF2B5EF4-FFF2-40B4-BE49-F238E27FC236}">
+                <a16:creationId xmlns:a16="http://schemas.microsoft.com/office/drawing/2014/main" id="{29255354-6C0F-4EE3-86D6-DBBFB70E7760}"/>
+              </a:ext>
+            </a:extLst>
+          </p:cNvPr>
+          <p:cNvPicPr>
+            <a:picLocks noChangeAspect="1"/>
+          </p:cNvPicPr>
+          <p:nvPr/>
+        </p:nvPicPr>
+        <p:blipFill>
+          <a:blip r:embed="rId3"/>
+          <a:stretch>
+            <a:fillRect/>
+          </a:stretch>
+        </p:blipFill>
+        <p:spPr>
+          <a:xfrm>
+            <a:off x="2256661" y="2267594"/>
+            <a:ext cx="6393859" cy="2067761"/>
+          </a:xfrm>
+          <a:prstGeom prst="rect">
+            <a:avLst/>
+          </a:prstGeom>
+        </p:spPr>
+      </p:pic>
       <p:sp>
         <p:nvSpPr>
           <p:cNvPr id="6" name="Text Placeholder 4"/>
@@ -10448,7 +11355,19 @@
           <a:p>
             <a:r>
               <a:rPr lang="en-GB" sz="2000" dirty="0"/>
-              <a:t>Concise, Expressive Code</a:t>
+              <a:t>Concise, </a:t>
+            </a:r>
+            <a:r>
+              <a:rPr lang="pl-PL" sz="2000" dirty="0"/>
+              <a:t>e</a:t>
+            </a:r>
+            <a:r>
+              <a:rPr lang="en-GB" sz="2000" dirty="0" err="1"/>
+              <a:t>xpressive</a:t>
+            </a:r>
+            <a:r>
+              <a:rPr lang="en-GB" sz="2000" dirty="0"/>
+              <a:t> Code</a:t>
             </a:r>
           </a:p>
           <a:p>
@@ -10456,76 +11375,6 @@
               <a:rPr lang="en-GB" sz="2000" dirty="0"/>
               <a:t>Debugging</a:t>
             </a:r>
-          </a:p>
-        </p:txBody>
-      </p:sp>
-      <p:sp>
-        <p:nvSpPr>
-          <p:cNvPr id="7" name="TextBox 6"/>
-          <p:cNvSpPr txBox="1"/>
-          <p:nvPr/>
-        </p:nvSpPr>
-        <p:spPr>
-          <a:xfrm>
-            <a:off x="8859520" y="1198880"/>
-            <a:ext cx="914400" cy="914400"/>
-          </a:xfrm>
-          <a:prstGeom prst="rect">
-            <a:avLst/>
-          </a:prstGeom>
-          <a:noFill/>
-        </p:spPr>
-        <p:txBody>
-          <a:bodyPr wrap="none" lIns="0" tIns="0" rIns="0" bIns="0" rtlCol="0">
-            <a:noAutofit/>
-          </a:bodyPr>
-          <a:lstStyle/>
-          <a:p>
-            <a:pPr>
-              <a:lnSpc>
-                <a:spcPct val="140000"/>
-              </a:lnSpc>
-            </a:pPr>
-            <a:endParaRPr lang="en-US" dirty="0" err="1">
-              <a:solidFill>
-                <a:schemeClr val="tx1"/>
-              </a:solidFill>
-            </a:endParaRPr>
-          </a:p>
-        </p:txBody>
-      </p:sp>
-      <p:sp>
-        <p:nvSpPr>
-          <p:cNvPr id="11" name="TextBox 10"/>
-          <p:cNvSpPr txBox="1"/>
-          <p:nvPr/>
-        </p:nvSpPr>
-        <p:spPr>
-          <a:xfrm>
-            <a:off x="8524240" y="975360"/>
-            <a:ext cx="914400" cy="914400"/>
-          </a:xfrm>
-          <a:prstGeom prst="rect">
-            <a:avLst/>
-          </a:prstGeom>
-          <a:noFill/>
-        </p:spPr>
-        <p:txBody>
-          <a:bodyPr wrap="none" lIns="0" tIns="0" rIns="0" bIns="0" rtlCol="0">
-            <a:noAutofit/>
-          </a:bodyPr>
-          <a:lstStyle/>
-          <a:p>
-            <a:pPr>
-              <a:lnSpc>
-                <a:spcPct val="140000"/>
-              </a:lnSpc>
-            </a:pPr>
-            <a:endParaRPr lang="en-US" dirty="0" err="1">
-              <a:solidFill>
-                <a:schemeClr val="tx1"/>
-              </a:solidFill>
-            </a:endParaRPr>
           </a:p>
         </p:txBody>
       </p:sp>
@@ -10601,6 +11450,22 @@
           <a:bodyPr/>
           <a:lstStyle/>
           <a:p>
+            <a:r>
+              <a:rPr lang="pl-PL" dirty="0"/>
+              <a:t>Krzysztof Stanaszek</a:t>
+            </a:r>
+          </a:p>
+          <a:p>
+            <a:r>
+              <a:rPr lang="pl-PL" dirty="0" err="1"/>
+              <a:t>zJava</a:t>
+            </a:r>
+            <a:r>
+              <a:rPr lang="pl-PL" dirty="0"/>
+              <a:t>, 06.02.2019</a:t>
+            </a:r>
+          </a:p>
+          <a:p>
             <a:endParaRPr lang="pl-PL" dirty="0"/>
           </a:p>
         </p:txBody>
@@ -10619,6 +11484,19 @@
         <p:txBody>
           <a:bodyPr/>
           <a:lstStyle/>
+          <a:p>
+            <a:r>
+              <a:rPr lang="en-US" dirty="0"/>
+              <a:t>SMACK Reference Architecture</a:t>
+            </a:r>
+            <a:endParaRPr lang="pl-PL" dirty="0"/>
+          </a:p>
+          <a:p>
+            <a:r>
+              <a:rPr lang="pl-PL" dirty="0"/>
+              <a:t>Apache Spark &amp; Scala</a:t>
+            </a:r>
+          </a:p>
           <a:p>
             <a:endParaRPr lang="pl-PL" dirty="0"/>
           </a:p>
@@ -10983,6 +11861,22 @@
           <a:bodyPr/>
           <a:lstStyle/>
           <a:p>
+            <a:r>
+              <a:rPr lang="pl-PL" dirty="0"/>
+              <a:t>Krzysztof Stanaszek</a:t>
+            </a:r>
+          </a:p>
+          <a:p>
+            <a:r>
+              <a:rPr lang="pl-PL" dirty="0" err="1"/>
+              <a:t>zJava</a:t>
+            </a:r>
+            <a:r>
+              <a:rPr lang="pl-PL" dirty="0"/>
+              <a:t>, 06.02.2019</a:t>
+            </a:r>
+          </a:p>
+          <a:p>
             <a:endParaRPr lang="pl-PL" dirty="0"/>
           </a:p>
         </p:txBody>
@@ -11001,6 +11895,19 @@
         <p:txBody>
           <a:bodyPr/>
           <a:lstStyle/>
+          <a:p>
+            <a:r>
+              <a:rPr lang="en-US" dirty="0"/>
+              <a:t>SMACK Reference Architecture</a:t>
+            </a:r>
+            <a:endParaRPr lang="pl-PL" dirty="0"/>
+          </a:p>
+          <a:p>
+            <a:r>
+              <a:rPr lang="pl-PL" dirty="0"/>
+              <a:t>Apache Spark &amp; Scala</a:t>
+            </a:r>
+          </a:p>
           <a:p>
             <a:endParaRPr lang="pl-PL" dirty="0"/>
           </a:p>
@@ -11228,9 +12135,16 @@
             </a:r>
             <a:r>
               <a:rPr lang="en-US" sz="2000" i="1" dirty="0" err="1"/>
-              <a:t>implictis</a:t>
-            </a:r>
-            <a:endParaRPr lang="en-US" sz="2000" i="1" dirty="0"/>
+              <a:t>implici</a:t>
+            </a:r>
+            <a:r>
+              <a:rPr lang="pl-PL" sz="2000" i="1" dirty="0"/>
+              <a:t>t</a:t>
+            </a:r>
+            <a:r>
+              <a:rPr lang="en-US" sz="2000" i="1" dirty="0"/>
+              <a:t>s</a:t>
+            </a:r>
           </a:p>
           <a:p>
             <a:pPr marL="0" indent="0">
@@ -11339,44 +12253,6 @@
       </p:sp>
       <p:sp>
         <p:nvSpPr>
-          <p:cNvPr id="3" name="Footer Placeholder 2"/>
-          <p:cNvSpPr>
-            <a:spLocks noGrp="1"/>
-          </p:cNvSpPr>
-          <p:nvPr>
-            <p:ph type="ftr" sz="quarter" idx="16"/>
-          </p:nvPr>
-        </p:nvSpPr>
-        <p:spPr/>
-        <p:txBody>
-          <a:bodyPr/>
-          <a:lstStyle/>
-          <a:p>
-            <a:endParaRPr lang="pl-PL" dirty="0"/>
-          </a:p>
-        </p:txBody>
-      </p:sp>
-      <p:sp>
-        <p:nvSpPr>
-          <p:cNvPr id="4" name="Date Placeholder 3"/>
-          <p:cNvSpPr>
-            <a:spLocks noGrp="1"/>
-          </p:cNvSpPr>
-          <p:nvPr>
-            <p:ph type="dt" sz="half" idx="15"/>
-          </p:nvPr>
-        </p:nvSpPr>
-        <p:spPr/>
-        <p:txBody>
-          <a:bodyPr/>
-          <a:lstStyle/>
-          <a:p>
-            <a:endParaRPr lang="pl-PL" dirty="0"/>
-          </a:p>
-        </p:txBody>
-      </p:sp>
-      <p:sp>
-        <p:nvSpPr>
           <p:cNvPr id="6" name="Text Placeholder 4"/>
           <p:cNvSpPr txBox="1">
             <a:spLocks/>
@@ -11630,13 +12506,105 @@
             <a:endParaRPr lang="en-GB" sz="2000" dirty="0"/>
           </a:p>
           <a:p>
-            <a:endParaRPr lang="en-GB" sz="2000" dirty="0"/>
-          </a:p>
-          <a:p>
             <a:pPr marL="0" indent="0">
               <a:buNone/>
             </a:pPr>
             <a:endParaRPr lang="en-GB" sz="2000" dirty="0"/>
+          </a:p>
+          <a:p>
+            <a:pPr marL="0" indent="0">
+              <a:buNone/>
+            </a:pPr>
+            <a:endParaRPr lang="en-GB" sz="2000" dirty="0"/>
+          </a:p>
+        </p:txBody>
+      </p:sp>
+      <p:sp>
+        <p:nvSpPr>
+          <p:cNvPr id="7" name="Date Placeholder 3">
+            <a:extLst>
+              <a:ext uri="{FF2B5EF4-FFF2-40B4-BE49-F238E27FC236}">
+                <a16:creationId xmlns:a16="http://schemas.microsoft.com/office/drawing/2014/main" id="{46F1665E-1B6C-4E09-8D29-00E49FF55FAE}"/>
+              </a:ext>
+            </a:extLst>
+          </p:cNvPr>
+          <p:cNvSpPr>
+            <a:spLocks noGrp="1"/>
+          </p:cNvSpPr>
+          <p:nvPr>
+            <p:ph type="dt" sz="half" idx="15"/>
+          </p:nvPr>
+        </p:nvSpPr>
+        <p:spPr>
+          <a:xfrm>
+            <a:off x="764322" y="4748752"/>
+            <a:ext cx="5535870" cy="394748"/>
+          </a:xfrm>
+        </p:spPr>
+        <p:txBody>
+          <a:bodyPr/>
+          <a:lstStyle/>
+          <a:p>
+            <a:r>
+              <a:rPr lang="en-US" dirty="0"/>
+              <a:t>SMACK Reference Architecture</a:t>
+            </a:r>
+            <a:endParaRPr lang="pl-PL" dirty="0"/>
+          </a:p>
+          <a:p>
+            <a:r>
+              <a:rPr lang="pl-PL" dirty="0"/>
+              <a:t>Apache Spark &amp; Scala</a:t>
+            </a:r>
+          </a:p>
+          <a:p>
+            <a:endParaRPr lang="pl-PL" dirty="0"/>
+          </a:p>
+        </p:txBody>
+      </p:sp>
+      <p:sp>
+        <p:nvSpPr>
+          <p:cNvPr id="8" name="Footer Placeholder 2">
+            <a:extLst>
+              <a:ext uri="{FF2B5EF4-FFF2-40B4-BE49-F238E27FC236}">
+                <a16:creationId xmlns:a16="http://schemas.microsoft.com/office/drawing/2014/main" id="{11CAE852-93CB-4B8F-966A-CF1580746440}"/>
+              </a:ext>
+            </a:extLst>
+          </p:cNvPr>
+          <p:cNvSpPr>
+            <a:spLocks noGrp="1"/>
+          </p:cNvSpPr>
+          <p:nvPr>
+            <p:ph type="ftr" sz="quarter" idx="16"/>
+          </p:nvPr>
+        </p:nvSpPr>
+        <p:spPr>
+          <a:xfrm>
+            <a:off x="6588224" y="4731544"/>
+            <a:ext cx="1800126" cy="411956"/>
+          </a:xfrm>
+        </p:spPr>
+        <p:txBody>
+          <a:bodyPr/>
+          <a:lstStyle/>
+          <a:p>
+            <a:r>
+              <a:rPr lang="pl-PL" dirty="0"/>
+              <a:t>Krzysztof Stanaszek</a:t>
+            </a:r>
+          </a:p>
+          <a:p>
+            <a:r>
+              <a:rPr lang="pl-PL" dirty="0" err="1"/>
+              <a:t>zJava</a:t>
+            </a:r>
+            <a:r>
+              <a:rPr lang="pl-PL" dirty="0"/>
+              <a:t>, 06.02.2019</a:t>
+            </a:r>
+          </a:p>
+          <a:p>
+            <a:endParaRPr lang="pl-PL" dirty="0"/>
           </a:p>
         </p:txBody>
       </p:sp>
@@ -11724,6 +12692,22 @@
           <a:bodyPr/>
           <a:lstStyle/>
           <a:p>
+            <a:r>
+              <a:rPr lang="pl-PL" dirty="0"/>
+              <a:t>Krzysztof Stanaszek</a:t>
+            </a:r>
+          </a:p>
+          <a:p>
+            <a:r>
+              <a:rPr lang="pl-PL" dirty="0" err="1"/>
+              <a:t>zJava</a:t>
+            </a:r>
+            <a:r>
+              <a:rPr lang="pl-PL" dirty="0"/>
+              <a:t>, 06.02.2019</a:t>
+            </a:r>
+          </a:p>
+          <a:p>
             <a:endParaRPr lang="pl-PL" dirty="0"/>
           </a:p>
         </p:txBody>
@@ -11742,6 +12726,19 @@
         <p:txBody>
           <a:bodyPr/>
           <a:lstStyle/>
+          <a:p>
+            <a:r>
+              <a:rPr lang="en-US" dirty="0"/>
+              <a:t>SMACK Reference Architecture</a:t>
+            </a:r>
+            <a:endParaRPr lang="pl-PL" dirty="0"/>
+          </a:p>
+          <a:p>
+            <a:r>
+              <a:rPr lang="pl-PL" dirty="0"/>
+              <a:t>Apache Spark &amp; Scala</a:t>
+            </a:r>
+          </a:p>
           <a:p>
             <a:endParaRPr lang="pl-PL" dirty="0"/>
           </a:p>
@@ -12013,41 +13010,6 @@
       </p:grpSpPr>
       <p:sp>
         <p:nvSpPr>
-          <p:cNvPr id="2" name="Title 1"/>
-          <p:cNvSpPr>
-            <a:spLocks noGrp="1"/>
-          </p:cNvSpPr>
-          <p:nvPr>
-            <p:ph type="title"/>
-          </p:nvPr>
-        </p:nvSpPr>
-        <p:spPr>
-          <a:xfrm>
-            <a:off x="755650" y="413693"/>
-            <a:ext cx="7632700" cy="357857"/>
-          </a:xfrm>
-        </p:spPr>
-        <p:txBody>
-          <a:bodyPr/>
-          <a:lstStyle/>
-          <a:p>
-            <a:r>
-              <a:rPr lang="en-US" dirty="0"/>
-              <a:t>Scala: function as a first class</a:t>
-            </a:r>
-            <a:r>
-              <a:rPr lang="pl-PL" dirty="0"/>
-              <a:t> </a:t>
-            </a:r>
-            <a:r>
-              <a:rPr lang="en-US" dirty="0"/>
-              <a:t>citizen</a:t>
-            </a:r>
-          </a:p>
-        </p:txBody>
-      </p:sp>
-      <p:sp>
-        <p:nvSpPr>
           <p:cNvPr id="3" name="Footer Placeholder 2"/>
           <p:cNvSpPr>
             <a:spLocks noGrp="1"/>
@@ -12276,35 +13238,56 @@
             </a:lvl9pPr>
           </a:lstStyle>
           <a:p>
-            <a:r>
-              <a:rPr lang="en-US" sz="2000" dirty="0"/>
-              <a:t>Pure – no side effects</a:t>
-            </a:r>
-          </a:p>
-          <a:p>
-            <a:r>
-              <a:rPr lang="en-US" sz="2000" dirty="0"/>
-              <a:t>High-Order – can accept as a argument or return another function</a:t>
-            </a:r>
-          </a:p>
-          <a:p>
-            <a:r>
-              <a:rPr lang="en-US" sz="2000" dirty="0"/>
-              <a:t>Very powerful in Spark transformations</a:t>
-            </a:r>
-          </a:p>
-          <a:p>
             <a:pPr marL="0" indent="0">
               <a:buNone/>
             </a:pPr>
             <a:endParaRPr lang="en-US" sz="2000" dirty="0"/>
           </a:p>
+          <a:p>
+            <a:pPr marL="0" indent="0">
+              <a:buNone/>
+            </a:pPr>
+            <a:endParaRPr lang="en-US" sz="2000" dirty="0"/>
+          </a:p>
+        </p:txBody>
+      </p:sp>
+      <p:sp>
+        <p:nvSpPr>
+          <p:cNvPr id="7" name="Title 6">
+            <a:extLst>
+              <a:ext uri="{FF2B5EF4-FFF2-40B4-BE49-F238E27FC236}">
+                <a16:creationId xmlns:a16="http://schemas.microsoft.com/office/drawing/2014/main" id="{BFA69262-7BCD-47BE-B50E-B12FC2C89FFE}"/>
+              </a:ext>
+            </a:extLst>
+          </p:cNvPr>
+          <p:cNvSpPr>
+            <a:spLocks noGrp="1"/>
+          </p:cNvSpPr>
+          <p:nvPr>
+            <p:ph type="title"/>
+          </p:nvPr>
+        </p:nvSpPr>
+        <p:spPr>
+          <a:xfrm>
+            <a:off x="3707922" y="2241203"/>
+            <a:ext cx="1728155" cy="357857"/>
+          </a:xfrm>
+        </p:spPr>
+        <p:txBody>
+          <a:bodyPr/>
+          <a:lstStyle/>
+          <a:p>
+            <a:r>
+              <a:rPr lang="en-GB" dirty="0"/>
+              <a:t>Quick demo</a:t>
+            </a:r>
+          </a:p>
         </p:txBody>
       </p:sp>
     </p:spTree>
     <p:extLst>
       <p:ext uri="{BB962C8B-B14F-4D97-AF65-F5344CB8AC3E}">
-        <p14:creationId xmlns:p14="http://schemas.microsoft.com/office/powerpoint/2010/main" val="2199849601"/>
+        <p14:creationId xmlns:p14="http://schemas.microsoft.com/office/powerpoint/2010/main" val="1856016363"/>
       </p:ext>
     </p:extLst>
   </p:cSld>
@@ -12368,10 +13351,31 @@
             <p:ph type="ftr" sz="quarter" idx="16"/>
           </p:nvPr>
         </p:nvSpPr>
-        <p:spPr/>
+        <p:spPr>
+          <a:xfrm>
+            <a:off x="6588224" y="4713615"/>
+            <a:ext cx="1800126" cy="411956"/>
+          </a:xfrm>
+        </p:spPr>
         <p:txBody>
           <a:bodyPr/>
           <a:lstStyle/>
+          <a:p>
+            <a:r>
+              <a:rPr lang="pl-PL" dirty="0"/>
+              <a:t>Krzysztof Stanaszek</a:t>
+            </a:r>
+          </a:p>
+          <a:p>
+            <a:r>
+              <a:rPr lang="pl-PL" dirty="0" err="1"/>
+              <a:t>zJava</a:t>
+            </a:r>
+            <a:r>
+              <a:rPr lang="pl-PL" dirty="0"/>
+              <a:t>, 06.02.2019</a:t>
+            </a:r>
+          </a:p>
           <a:p>
             <a:endParaRPr lang="pl-PL" dirty="0"/>
           </a:p>
@@ -12387,10 +13391,31 @@
             <p:ph type="dt" sz="half" idx="15"/>
           </p:nvPr>
         </p:nvSpPr>
-        <p:spPr/>
+        <p:spPr>
+          <a:xfrm>
+            <a:off x="764322" y="4730823"/>
+            <a:ext cx="5535870" cy="394748"/>
+          </a:xfrm>
+        </p:spPr>
         <p:txBody>
           <a:bodyPr/>
           <a:lstStyle/>
+          <a:p>
+            <a:r>
+              <a:rPr lang="en-US" dirty="0"/>
+              <a:t>SMACK Reference Architecture</a:t>
+            </a:r>
+            <a:endParaRPr lang="pl-PL" dirty="0"/>
+          </a:p>
+          <a:p>
+            <a:r>
+              <a:rPr lang="pl-PL" dirty="0"/>
+              <a:t>Apache Spark &amp; Scala</a:t>
+            </a:r>
+          </a:p>
+          <a:p>
+            <a:endParaRPr lang="pl-PL" dirty="0"/>
+          </a:p>
           <a:p>
             <a:endParaRPr lang="pl-PL" dirty="0"/>
           </a:p>
@@ -12880,7 +13905,15 @@
           <a:p>
             <a:r>
               <a:rPr lang="en-US" dirty="0"/>
-              <a:t>Scala: collections</a:t>
+              <a:t>Scala: function as a first class</a:t>
+            </a:r>
+            <a:r>
+              <a:rPr lang="pl-PL" dirty="0"/>
+              <a:t> </a:t>
+            </a:r>
+            <a:r>
+              <a:rPr lang="en-US" dirty="0"/>
+              <a:t>citizen</a:t>
             </a:r>
           </a:p>
         </p:txBody>
@@ -12900,6 +13933,22 @@
           <a:bodyPr/>
           <a:lstStyle/>
           <a:p>
+            <a:r>
+              <a:rPr lang="pl-PL" dirty="0"/>
+              <a:t>Krzysztof Stanaszek</a:t>
+            </a:r>
+          </a:p>
+          <a:p>
+            <a:r>
+              <a:rPr lang="pl-PL" dirty="0" err="1"/>
+              <a:t>zJava</a:t>
+            </a:r>
+            <a:r>
+              <a:rPr lang="pl-PL" dirty="0"/>
+              <a:t>, 06.02.2019</a:t>
+            </a:r>
+          </a:p>
+          <a:p>
             <a:endParaRPr lang="pl-PL" dirty="0"/>
           </a:p>
         </p:txBody>
@@ -12918,6 +13967,19 @@
         <p:txBody>
           <a:bodyPr/>
           <a:lstStyle/>
+          <a:p>
+            <a:r>
+              <a:rPr lang="en-US" dirty="0"/>
+              <a:t>SMACK Reference Architecture</a:t>
+            </a:r>
+            <a:endParaRPr lang="pl-PL" dirty="0"/>
+          </a:p>
+          <a:p>
+            <a:r>
+              <a:rPr lang="pl-PL" dirty="0"/>
+              <a:t>Apache Spark &amp; Scala</a:t>
+            </a:r>
+          </a:p>
           <a:p>
             <a:endParaRPr lang="pl-PL" dirty="0"/>
           </a:p>
@@ -13117,81 +14179,20 @@
           <a:p>
             <a:r>
               <a:rPr lang="en-US" sz="2000" dirty="0"/>
-              <a:t>Plethora of types: immutable and mutable types</a:t>
+              <a:t>Pure – no side effects</a:t>
             </a:r>
           </a:p>
           <a:p>
             <a:r>
               <a:rPr lang="en-US" sz="2000" dirty="0"/>
-              <a:t>Wide range of operations making your life easy dealing with any kind of data.</a:t>
+              <a:t>High-Order – can accept as a argument or return another function</a:t>
             </a:r>
           </a:p>
           <a:p>
             <a:r>
               <a:rPr lang="en-US" sz="2000" dirty="0"/>
-              <a:t>Nicely mixes with Spark thanks to </a:t>
-            </a:r>
-            <a:r>
-              <a:rPr lang="en-US" sz="2000" i="1" dirty="0" err="1"/>
-              <a:t>implicits</a:t>
-            </a:r>
-            <a:endParaRPr lang="en-US" sz="2000" i="1" dirty="0"/>
-          </a:p>
-          <a:p>
-            <a:r>
-              <a:rPr lang="en-US" sz="2000" dirty="0"/>
-              <a:t>Extremely utilized by Spark internals</a:t>
-            </a:r>
-          </a:p>
-          <a:p>
-            <a:pPr marL="0" indent="0">
-              <a:buNone/>
-            </a:pPr>
-            <a:r>
-              <a:rPr lang="pl-PL" sz="2000" dirty="0"/>
-              <a:t>	</a:t>
-            </a:r>
-          </a:p>
-          <a:p>
-            <a:pPr marL="0" indent="0">
-              <a:buNone/>
-            </a:pPr>
-            <a:r>
-              <a:rPr lang="pl-PL" sz="2000" dirty="0"/>
-              <a:t>	</a:t>
-            </a:r>
-            <a:r>
-              <a:rPr lang="en-US" sz="2000" dirty="0"/>
-              <a:t>„Spark - The Ultimate Scala Collections” </a:t>
-            </a:r>
-            <a:endParaRPr lang="pl-PL" sz="2000" dirty="0"/>
-          </a:p>
-          <a:p>
-            <a:pPr marL="0" indent="0">
-              <a:buNone/>
-            </a:pPr>
-            <a:r>
-              <a:rPr lang="pl-PL" sz="2000" dirty="0"/>
-              <a:t>						</a:t>
-            </a:r>
-            <a:r>
-              <a:rPr lang="en-US" sz="2000" dirty="0"/>
-              <a:t>Martin </a:t>
-            </a:r>
-            <a:r>
-              <a:rPr lang="en-US" sz="2000" dirty="0" err="1"/>
-              <a:t>Odersky</a:t>
-            </a:r>
-            <a:endParaRPr lang="en-US" sz="2000" dirty="0"/>
-          </a:p>
-          <a:p>
-            <a:endParaRPr lang="en-US" sz="2000" dirty="0"/>
-          </a:p>
-          <a:p>
-            <a:endParaRPr lang="en-US" sz="2000" dirty="0"/>
-          </a:p>
-          <a:p>
-            <a:endParaRPr lang="en-US" sz="2000" dirty="0"/>
+              <a:t>Very powerful in Spark transformations</a:t>
+            </a:r>
           </a:p>
           <a:p>
             <a:pPr marL="0" indent="0">
@@ -13204,7 +14205,7 @@
     </p:spTree>
     <p:extLst>
       <p:ext uri="{BB962C8B-B14F-4D97-AF65-F5344CB8AC3E}">
-        <p14:creationId xmlns:p14="http://schemas.microsoft.com/office/powerpoint/2010/main" val="4029362264"/>
+        <p14:creationId xmlns:p14="http://schemas.microsoft.com/office/powerpoint/2010/main" val="2199849601"/>
       </p:ext>
     </p:extLst>
   </p:cSld>
@@ -13233,6 +14234,33 @@
       </p:grpSpPr>
       <p:sp>
         <p:nvSpPr>
+          <p:cNvPr id="2" name="Title 1"/>
+          <p:cNvSpPr>
+            <a:spLocks noGrp="1"/>
+          </p:cNvSpPr>
+          <p:nvPr>
+            <p:ph type="title"/>
+          </p:nvPr>
+        </p:nvSpPr>
+        <p:spPr>
+          <a:xfrm>
+            <a:off x="755650" y="413693"/>
+            <a:ext cx="7632700" cy="357857"/>
+          </a:xfrm>
+        </p:spPr>
+        <p:txBody>
+          <a:bodyPr/>
+          <a:lstStyle/>
+          <a:p>
+            <a:r>
+              <a:rPr lang="en-US" dirty="0"/>
+              <a:t>Scala: collections</a:t>
+            </a:r>
+          </a:p>
+        </p:txBody>
+      </p:sp>
+      <p:sp>
+        <p:nvSpPr>
           <p:cNvPr id="3" name="Footer Placeholder 2"/>
           <p:cNvSpPr>
             <a:spLocks noGrp="1"/>
@@ -13246,6 +14274,22 @@
           <a:bodyPr/>
           <a:lstStyle/>
           <a:p>
+            <a:r>
+              <a:rPr lang="pl-PL" dirty="0"/>
+              <a:t>Krzysztof Stanaszek</a:t>
+            </a:r>
+          </a:p>
+          <a:p>
+            <a:r>
+              <a:rPr lang="pl-PL" dirty="0" err="1"/>
+              <a:t>zJava</a:t>
+            </a:r>
+            <a:r>
+              <a:rPr lang="pl-PL" dirty="0"/>
+              <a:t>, 06.02.2019</a:t>
+            </a:r>
+          </a:p>
+          <a:p>
             <a:endParaRPr lang="pl-PL" dirty="0"/>
           </a:p>
         </p:txBody>
@@ -13264,6 +14308,424 @@
         <p:txBody>
           <a:bodyPr/>
           <a:lstStyle/>
+          <a:p>
+            <a:endParaRPr lang="pl-PL" dirty="0"/>
+          </a:p>
+        </p:txBody>
+      </p:sp>
+      <p:sp>
+        <p:nvSpPr>
+          <p:cNvPr id="6" name="Text Placeholder 4"/>
+          <p:cNvSpPr txBox="1">
+            <a:spLocks/>
+          </p:cNvSpPr>
+          <p:nvPr/>
+        </p:nvSpPr>
+        <p:spPr>
+          <a:xfrm>
+            <a:off x="755650" y="951128"/>
+            <a:ext cx="7632700" cy="3797624"/>
+          </a:xfrm>
+          <a:prstGeom prst="rect">
+            <a:avLst/>
+          </a:prstGeom>
+        </p:spPr>
+        <p:txBody>
+          <a:bodyPr vert="horz" lIns="0" tIns="0" rIns="0" bIns="0" anchor="t"/>
+          <a:lstStyle>
+            <a:lvl1pPr marL="165100" indent="-165100" algn="l" defTabSz="914400" rtl="0" eaLnBrk="1" latinLnBrk="0" hangingPunct="1">
+              <a:lnSpc>
+                <a:spcPct val="140000"/>
+              </a:lnSpc>
+              <a:spcBef>
+                <a:spcPts val="0"/>
+              </a:spcBef>
+              <a:buClr>
+                <a:schemeClr val="accent1"/>
+              </a:buClr>
+              <a:buSzPct val="75000"/>
+              <a:buFont typeface="Wingdings" charset="2"/>
+              <a:buChar char="§"/>
+              <a:defRPr sz="1300" kern="1200">
+                <a:solidFill>
+                  <a:schemeClr val="tx1"/>
+                </a:solidFill>
+                <a:latin typeface="+mn-lt"/>
+                <a:ea typeface="+mn-ea"/>
+                <a:cs typeface="+mn-cs"/>
+              </a:defRPr>
+            </a:lvl1pPr>
+            <a:lvl2pPr marL="330200" indent="-165100" algn="l" defTabSz="914400" rtl="0" eaLnBrk="1" latinLnBrk="0" hangingPunct="1">
+              <a:lnSpc>
+                <a:spcPct val="140000"/>
+              </a:lnSpc>
+              <a:spcBef>
+                <a:spcPts val="0"/>
+              </a:spcBef>
+              <a:buClr>
+                <a:schemeClr val="bg2"/>
+              </a:buClr>
+              <a:buSzPct val="75000"/>
+              <a:buFont typeface="Wingdings" charset="2"/>
+              <a:buChar char="§"/>
+              <a:defRPr sz="1300" kern="1200">
+                <a:solidFill>
+                  <a:schemeClr val="tx1"/>
+                </a:solidFill>
+                <a:latin typeface="+mn-lt"/>
+                <a:ea typeface="+mn-ea"/>
+                <a:cs typeface="+mn-cs"/>
+              </a:defRPr>
+            </a:lvl2pPr>
+            <a:lvl3pPr marL="495300" indent="-165100" algn="l" defTabSz="914400" rtl="0" eaLnBrk="1" latinLnBrk="0" hangingPunct="1">
+              <a:lnSpc>
+                <a:spcPct val="140000"/>
+              </a:lnSpc>
+              <a:spcBef>
+                <a:spcPts val="0"/>
+              </a:spcBef>
+              <a:buClr>
+                <a:schemeClr val="bg2"/>
+              </a:buClr>
+              <a:buSzPct val="75000"/>
+              <a:buFont typeface="Wingdings" charset="2"/>
+              <a:buChar char="§"/>
+              <a:defRPr sz="1300" kern="1200">
+                <a:solidFill>
+                  <a:schemeClr val="tx1"/>
+                </a:solidFill>
+                <a:latin typeface="+mn-lt"/>
+                <a:ea typeface="+mn-ea"/>
+                <a:cs typeface="+mn-cs"/>
+              </a:defRPr>
+            </a:lvl3pPr>
+            <a:lvl4pPr marL="660400" indent="-165100" algn="l" defTabSz="914400" rtl="0" eaLnBrk="1" latinLnBrk="0" hangingPunct="1">
+              <a:lnSpc>
+                <a:spcPct val="140000"/>
+              </a:lnSpc>
+              <a:spcBef>
+                <a:spcPts val="0"/>
+              </a:spcBef>
+              <a:buClr>
+                <a:schemeClr val="bg2"/>
+              </a:buClr>
+              <a:buSzPct val="75000"/>
+              <a:buFont typeface="Wingdings" charset="2"/>
+              <a:buChar char="§"/>
+              <a:defRPr sz="1300" kern="1200">
+                <a:solidFill>
+                  <a:schemeClr val="tx1"/>
+                </a:solidFill>
+                <a:latin typeface="+mn-lt"/>
+                <a:ea typeface="+mn-ea"/>
+                <a:cs typeface="+mn-cs"/>
+              </a:defRPr>
+            </a:lvl4pPr>
+            <a:lvl5pPr marL="825500" indent="-165100" algn="l" defTabSz="914400" rtl="0" eaLnBrk="1" latinLnBrk="0" hangingPunct="1">
+              <a:lnSpc>
+                <a:spcPct val="140000"/>
+              </a:lnSpc>
+              <a:spcBef>
+                <a:spcPts val="0"/>
+              </a:spcBef>
+              <a:buClr>
+                <a:schemeClr val="bg2"/>
+              </a:buClr>
+              <a:buSzPct val="75000"/>
+              <a:buFont typeface="Wingdings" charset="2"/>
+              <a:buChar char="§"/>
+              <a:defRPr sz="1300" kern="1200">
+                <a:solidFill>
+                  <a:schemeClr val="tx1"/>
+                </a:solidFill>
+                <a:latin typeface="+mn-lt"/>
+                <a:ea typeface="+mn-ea"/>
+                <a:cs typeface="+mn-cs"/>
+              </a:defRPr>
+            </a:lvl5pPr>
+            <a:lvl6pPr marL="2514600" indent="-228600" algn="l" defTabSz="914400" rtl="0" eaLnBrk="1" latinLnBrk="0" hangingPunct="1">
+              <a:spcBef>
+                <a:spcPct val="20000"/>
+              </a:spcBef>
+              <a:buFont typeface="Arial" pitchFamily="34" charset="0"/>
+              <a:buChar char="•"/>
+              <a:defRPr sz="2000" kern="1200">
+                <a:solidFill>
+                  <a:schemeClr val="tx1"/>
+                </a:solidFill>
+                <a:latin typeface="+mn-lt"/>
+                <a:ea typeface="+mn-ea"/>
+                <a:cs typeface="+mn-cs"/>
+              </a:defRPr>
+            </a:lvl6pPr>
+            <a:lvl7pPr marL="2971800" indent="-228600" algn="l" defTabSz="914400" rtl="0" eaLnBrk="1" latinLnBrk="0" hangingPunct="1">
+              <a:spcBef>
+                <a:spcPct val="20000"/>
+              </a:spcBef>
+              <a:buFont typeface="Arial" pitchFamily="34" charset="0"/>
+              <a:buChar char="•"/>
+              <a:defRPr sz="2000" kern="1200">
+                <a:solidFill>
+                  <a:schemeClr val="tx1"/>
+                </a:solidFill>
+                <a:latin typeface="+mn-lt"/>
+                <a:ea typeface="+mn-ea"/>
+                <a:cs typeface="+mn-cs"/>
+              </a:defRPr>
+            </a:lvl7pPr>
+            <a:lvl8pPr marL="3429000" indent="-228600" algn="l" defTabSz="914400" rtl="0" eaLnBrk="1" latinLnBrk="0" hangingPunct="1">
+              <a:spcBef>
+                <a:spcPct val="20000"/>
+              </a:spcBef>
+              <a:buFont typeface="Arial" pitchFamily="34" charset="0"/>
+              <a:buChar char="•"/>
+              <a:defRPr sz="2000" kern="1200">
+                <a:solidFill>
+                  <a:schemeClr val="tx1"/>
+                </a:solidFill>
+                <a:latin typeface="+mn-lt"/>
+                <a:ea typeface="+mn-ea"/>
+                <a:cs typeface="+mn-cs"/>
+              </a:defRPr>
+            </a:lvl8pPr>
+            <a:lvl9pPr marL="3886200" indent="-228600" algn="l" defTabSz="914400" rtl="0" eaLnBrk="1" latinLnBrk="0" hangingPunct="1">
+              <a:spcBef>
+                <a:spcPct val="20000"/>
+              </a:spcBef>
+              <a:buFont typeface="Arial" pitchFamily="34" charset="0"/>
+              <a:buChar char="•"/>
+              <a:defRPr sz="2000" kern="1200">
+                <a:solidFill>
+                  <a:schemeClr val="tx1"/>
+                </a:solidFill>
+                <a:latin typeface="+mn-lt"/>
+                <a:ea typeface="+mn-ea"/>
+                <a:cs typeface="+mn-cs"/>
+              </a:defRPr>
+            </a:lvl9pPr>
+          </a:lstStyle>
+          <a:p>
+            <a:r>
+              <a:rPr lang="en-US" sz="2000" dirty="0"/>
+              <a:t>Plethora of types: immutable and mutable types</a:t>
+            </a:r>
+          </a:p>
+          <a:p>
+            <a:r>
+              <a:rPr lang="en-US" sz="2000" dirty="0"/>
+              <a:t>Wide range of operations making your life easy dealing with any kind of data.</a:t>
+            </a:r>
+          </a:p>
+          <a:p>
+            <a:r>
+              <a:rPr lang="en-US" sz="2000" dirty="0"/>
+              <a:t>Nicely mixes with Spark thanks to </a:t>
+            </a:r>
+            <a:r>
+              <a:rPr lang="en-US" sz="2000" i="1" dirty="0" err="1"/>
+              <a:t>implicits</a:t>
+            </a:r>
+            <a:endParaRPr lang="en-US" sz="2000" i="1" dirty="0"/>
+          </a:p>
+          <a:p>
+            <a:r>
+              <a:rPr lang="en-US" sz="2000" dirty="0"/>
+              <a:t>Extremely utilized by Spark internals</a:t>
+            </a:r>
+          </a:p>
+          <a:p>
+            <a:pPr marL="0" indent="0">
+              <a:buNone/>
+            </a:pPr>
+            <a:r>
+              <a:rPr lang="pl-PL" sz="2000" dirty="0"/>
+              <a:t>	</a:t>
+            </a:r>
+          </a:p>
+          <a:p>
+            <a:pPr marL="0" indent="0">
+              <a:buNone/>
+            </a:pPr>
+            <a:r>
+              <a:rPr lang="pl-PL" sz="2000" dirty="0"/>
+              <a:t>	</a:t>
+            </a:r>
+            <a:r>
+              <a:rPr lang="en-US" sz="2000" dirty="0"/>
+              <a:t>„Spark - The Ultimate Scala Collections” </a:t>
+            </a:r>
+            <a:endParaRPr lang="pl-PL" sz="2000" dirty="0"/>
+          </a:p>
+          <a:p>
+            <a:pPr marL="0" indent="0">
+              <a:buNone/>
+            </a:pPr>
+            <a:r>
+              <a:rPr lang="pl-PL" sz="2000" dirty="0"/>
+              <a:t>						</a:t>
+            </a:r>
+            <a:r>
+              <a:rPr lang="en-US" sz="2000" dirty="0"/>
+              <a:t>Martin </a:t>
+            </a:r>
+            <a:r>
+              <a:rPr lang="en-US" sz="2000" dirty="0" err="1"/>
+              <a:t>Odersky</a:t>
+            </a:r>
+            <a:endParaRPr lang="en-US" sz="2000" dirty="0"/>
+          </a:p>
+          <a:p>
+            <a:endParaRPr lang="en-US" sz="2000" dirty="0"/>
+          </a:p>
+          <a:p>
+            <a:pPr marL="0" indent="0">
+              <a:lnSpc>
+                <a:spcPct val="100000"/>
+              </a:lnSpc>
+              <a:buNone/>
+            </a:pPr>
+            <a:r>
+              <a:rPr lang="en-US" sz="900" dirty="0">
+                <a:solidFill>
+                  <a:schemeClr val="bg2"/>
+                </a:solidFill>
+              </a:rPr>
+              <a:t>SMACK Reference Architecture</a:t>
+            </a:r>
+            <a:r>
+              <a:rPr lang="pl-PL" sz="900" dirty="0">
+                <a:solidFill>
+                  <a:schemeClr val="bg2"/>
+                </a:solidFill>
+              </a:rPr>
+              <a:t>	</a:t>
+            </a:r>
+          </a:p>
+          <a:p>
+            <a:pPr marL="0" indent="0">
+              <a:lnSpc>
+                <a:spcPct val="100000"/>
+              </a:lnSpc>
+              <a:buNone/>
+            </a:pPr>
+            <a:r>
+              <a:rPr lang="pl-PL" sz="900" dirty="0">
+                <a:solidFill>
+                  <a:schemeClr val="bg2"/>
+                </a:solidFill>
+              </a:rPr>
+              <a:t>Apache Spark &amp; Scala</a:t>
+            </a:r>
+          </a:p>
+          <a:p>
+            <a:pPr marL="0" indent="0">
+              <a:buNone/>
+            </a:pPr>
+            <a:endParaRPr lang="en-US" sz="2000" dirty="0"/>
+          </a:p>
+          <a:p>
+            <a:endParaRPr lang="en-US" sz="2000" dirty="0"/>
+          </a:p>
+          <a:p>
+            <a:pPr marL="0" indent="0">
+              <a:buNone/>
+            </a:pPr>
+            <a:endParaRPr lang="en-US" sz="2000" dirty="0"/>
+          </a:p>
+        </p:txBody>
+      </p:sp>
+    </p:spTree>
+    <p:extLst>
+      <p:ext uri="{BB962C8B-B14F-4D97-AF65-F5344CB8AC3E}">
+        <p14:creationId xmlns:p14="http://schemas.microsoft.com/office/powerpoint/2010/main" val="4029362264"/>
+      </p:ext>
+    </p:extLst>
+  </p:cSld>
+  <p:clrMapOvr>
+    <a:masterClrMapping/>
+  </p:clrMapOvr>
+</p:sld>
+</file>
+
+<file path=ppt/slides/slide22.xml><?xml version="1.0" encoding="utf-8"?>
+<p:sld xmlns:a="http://schemas.openxmlformats.org/drawingml/2006/main" xmlns:r="http://schemas.openxmlformats.org/officeDocument/2006/relationships" xmlns:p="http://schemas.openxmlformats.org/presentationml/2006/main">
+  <p:cSld>
+    <p:spTree>
+      <p:nvGrpSpPr>
+        <p:cNvPr id="1" name=""/>
+        <p:cNvGrpSpPr/>
+        <p:nvPr/>
+      </p:nvGrpSpPr>
+      <p:grpSpPr>
+        <a:xfrm>
+          <a:off x="0" y="0"/>
+          <a:ext cx="0" cy="0"/>
+          <a:chOff x="0" y="0"/>
+          <a:chExt cx="0" cy="0"/>
+        </a:xfrm>
+      </p:grpSpPr>
+      <p:sp>
+        <p:nvSpPr>
+          <p:cNvPr id="3" name="Footer Placeholder 2"/>
+          <p:cNvSpPr>
+            <a:spLocks noGrp="1"/>
+          </p:cNvSpPr>
+          <p:nvPr>
+            <p:ph type="ftr" sz="quarter" idx="16"/>
+          </p:nvPr>
+        </p:nvSpPr>
+        <p:spPr/>
+        <p:txBody>
+          <a:bodyPr/>
+          <a:lstStyle/>
+          <a:p>
+            <a:r>
+              <a:rPr lang="pl-PL" dirty="0"/>
+              <a:t>Krzysztof Stanaszek</a:t>
+            </a:r>
+          </a:p>
+          <a:p>
+            <a:r>
+              <a:rPr lang="pl-PL" dirty="0" err="1"/>
+              <a:t>zJava</a:t>
+            </a:r>
+            <a:r>
+              <a:rPr lang="pl-PL" dirty="0"/>
+              <a:t>, 06.02.2019</a:t>
+            </a:r>
+          </a:p>
+          <a:p>
+            <a:endParaRPr lang="pl-PL" dirty="0"/>
+          </a:p>
+        </p:txBody>
+      </p:sp>
+      <p:sp>
+        <p:nvSpPr>
+          <p:cNvPr id="4" name="Date Placeholder 3"/>
+          <p:cNvSpPr>
+            <a:spLocks noGrp="1"/>
+          </p:cNvSpPr>
+          <p:nvPr>
+            <p:ph type="dt" sz="half" idx="15"/>
+          </p:nvPr>
+        </p:nvSpPr>
+        <p:spPr/>
+        <p:txBody>
+          <a:bodyPr/>
+          <a:lstStyle/>
+          <a:p>
+            <a:r>
+              <a:rPr lang="en-US" dirty="0"/>
+              <a:t>SMACK Reference Architecture</a:t>
+            </a:r>
+            <a:endParaRPr lang="pl-PL" dirty="0"/>
+          </a:p>
+          <a:p>
+            <a:r>
+              <a:rPr lang="pl-PL" dirty="0"/>
+              <a:t>Apache Spark &amp; Scala</a:t>
+            </a:r>
+          </a:p>
           <a:p>
             <a:endParaRPr lang="pl-PL" dirty="0"/>
           </a:p>
@@ -13379,116 +14841,6 @@
 </p:sld>
 </file>
 
-<file path=ppt/slides/slide22.xml><?xml version="1.0" encoding="utf-8"?>
-<p:sld xmlns:a="http://schemas.openxmlformats.org/drawingml/2006/main" xmlns:r="http://schemas.openxmlformats.org/officeDocument/2006/relationships" xmlns:p="http://schemas.openxmlformats.org/presentationml/2006/main">
-  <p:cSld>
-    <p:spTree>
-      <p:nvGrpSpPr>
-        <p:cNvPr id="1" name=""/>
-        <p:cNvGrpSpPr/>
-        <p:nvPr/>
-      </p:nvGrpSpPr>
-      <p:grpSpPr>
-        <a:xfrm>
-          <a:off x="0" y="0"/>
-          <a:ext cx="0" cy="0"/>
-          <a:chOff x="0" y="0"/>
-          <a:chExt cx="0" cy="0"/>
-        </a:xfrm>
-      </p:grpSpPr>
-      <p:sp>
-        <p:nvSpPr>
-          <p:cNvPr id="3" name="Footer Placeholder 2"/>
-          <p:cNvSpPr>
-            <a:spLocks noGrp="1"/>
-          </p:cNvSpPr>
-          <p:nvPr>
-            <p:ph type="ftr" sz="quarter" idx="16"/>
-          </p:nvPr>
-        </p:nvSpPr>
-        <p:spPr/>
-        <p:txBody>
-          <a:bodyPr/>
-          <a:lstStyle/>
-          <a:p>
-            <a:endParaRPr lang="pl-PL" dirty="0"/>
-          </a:p>
-        </p:txBody>
-      </p:sp>
-      <p:sp>
-        <p:nvSpPr>
-          <p:cNvPr id="4" name="Date Placeholder 3"/>
-          <p:cNvSpPr>
-            <a:spLocks noGrp="1"/>
-          </p:cNvSpPr>
-          <p:nvPr>
-            <p:ph type="dt" sz="half" idx="15"/>
-          </p:nvPr>
-        </p:nvSpPr>
-        <p:spPr/>
-        <p:txBody>
-          <a:bodyPr/>
-          <a:lstStyle/>
-          <a:p>
-            <a:endParaRPr lang="pl-PL" dirty="0"/>
-          </a:p>
-        </p:txBody>
-      </p:sp>
-      <p:sp>
-        <p:nvSpPr>
-          <p:cNvPr id="9" name="Title 1">
-            <a:extLst>
-              <a:ext uri="{FF2B5EF4-FFF2-40B4-BE49-F238E27FC236}">
-                <a16:creationId xmlns:a16="http://schemas.microsoft.com/office/drawing/2014/main" id="{82B65652-5EB9-4867-9E15-64C595EA21D0}"/>
-              </a:ext>
-            </a:extLst>
-          </p:cNvPr>
-          <p:cNvSpPr>
-            <a:spLocks noGrp="1"/>
-          </p:cNvSpPr>
-          <p:nvPr>
-            <p:ph type="title"/>
-          </p:nvPr>
-        </p:nvSpPr>
-        <p:spPr>
-          <a:xfrm>
-            <a:off x="3707904" y="2213893"/>
-            <a:ext cx="1800200" cy="357857"/>
-          </a:xfrm>
-        </p:spPr>
-        <p:txBody>
-          <a:bodyPr/>
-          <a:lstStyle/>
-          <a:p>
-            <a:r>
-              <a:rPr lang="pl-PL" dirty="0"/>
-              <a:t>Demo </a:t>
-            </a:r>
-            <a:r>
-              <a:rPr lang="pl-PL" dirty="0" err="1"/>
-              <a:t>time</a:t>
-            </a:r>
-            <a:r>
-              <a:rPr lang="pl-PL" dirty="0"/>
-              <a:t>!</a:t>
-            </a:r>
-            <a:endParaRPr lang="en-US" dirty="0"/>
-          </a:p>
-        </p:txBody>
-      </p:sp>
-    </p:spTree>
-    <p:extLst>
-      <p:ext uri="{BB962C8B-B14F-4D97-AF65-F5344CB8AC3E}">
-        <p14:creationId xmlns:p14="http://schemas.microsoft.com/office/powerpoint/2010/main" val="1604163597"/>
-      </p:ext>
-    </p:extLst>
-  </p:cSld>
-  <p:clrMapOvr>
-    <a:masterClrMapping/>
-  </p:clrMapOvr>
-</p:sld>
-</file>
-
 <file path=ppt/slides/slide23.xml><?xml version="1.0" encoding="utf-8"?>
 <p:sld xmlns:a="http://schemas.openxmlformats.org/drawingml/2006/main" xmlns:r="http://schemas.openxmlformats.org/officeDocument/2006/relationships" xmlns:p="http://schemas.openxmlformats.org/presentationml/2006/main">
   <p:cSld>
@@ -13508,6 +14860,116 @@
       </p:grpSpPr>
       <p:sp>
         <p:nvSpPr>
+          <p:cNvPr id="3" name="Footer Placeholder 2"/>
+          <p:cNvSpPr>
+            <a:spLocks noGrp="1"/>
+          </p:cNvSpPr>
+          <p:nvPr>
+            <p:ph type="ftr" sz="quarter" idx="16"/>
+          </p:nvPr>
+        </p:nvSpPr>
+        <p:spPr/>
+        <p:txBody>
+          <a:bodyPr/>
+          <a:lstStyle/>
+          <a:p>
+            <a:endParaRPr lang="pl-PL" dirty="0"/>
+          </a:p>
+        </p:txBody>
+      </p:sp>
+      <p:sp>
+        <p:nvSpPr>
+          <p:cNvPr id="4" name="Date Placeholder 3"/>
+          <p:cNvSpPr>
+            <a:spLocks noGrp="1"/>
+          </p:cNvSpPr>
+          <p:nvPr>
+            <p:ph type="dt" sz="half" idx="15"/>
+          </p:nvPr>
+        </p:nvSpPr>
+        <p:spPr/>
+        <p:txBody>
+          <a:bodyPr/>
+          <a:lstStyle/>
+          <a:p>
+            <a:endParaRPr lang="pl-PL" dirty="0"/>
+          </a:p>
+        </p:txBody>
+      </p:sp>
+      <p:sp>
+        <p:nvSpPr>
+          <p:cNvPr id="9" name="Title 1">
+            <a:extLst>
+              <a:ext uri="{FF2B5EF4-FFF2-40B4-BE49-F238E27FC236}">
+                <a16:creationId xmlns:a16="http://schemas.microsoft.com/office/drawing/2014/main" id="{82B65652-5EB9-4867-9E15-64C595EA21D0}"/>
+              </a:ext>
+            </a:extLst>
+          </p:cNvPr>
+          <p:cNvSpPr>
+            <a:spLocks noGrp="1"/>
+          </p:cNvSpPr>
+          <p:nvPr>
+            <p:ph type="title"/>
+          </p:nvPr>
+        </p:nvSpPr>
+        <p:spPr>
+          <a:xfrm>
+            <a:off x="3707904" y="2213893"/>
+            <a:ext cx="1800200" cy="357857"/>
+          </a:xfrm>
+        </p:spPr>
+        <p:txBody>
+          <a:bodyPr/>
+          <a:lstStyle/>
+          <a:p>
+            <a:r>
+              <a:rPr lang="pl-PL" dirty="0"/>
+              <a:t>Demo </a:t>
+            </a:r>
+            <a:r>
+              <a:rPr lang="pl-PL" dirty="0" err="1"/>
+              <a:t>time</a:t>
+            </a:r>
+            <a:r>
+              <a:rPr lang="pl-PL" dirty="0"/>
+              <a:t>!</a:t>
+            </a:r>
+            <a:endParaRPr lang="en-US" dirty="0"/>
+          </a:p>
+        </p:txBody>
+      </p:sp>
+    </p:spTree>
+    <p:extLst>
+      <p:ext uri="{BB962C8B-B14F-4D97-AF65-F5344CB8AC3E}">
+        <p14:creationId xmlns:p14="http://schemas.microsoft.com/office/powerpoint/2010/main" val="1604163597"/>
+      </p:ext>
+    </p:extLst>
+  </p:cSld>
+  <p:clrMapOvr>
+    <a:masterClrMapping/>
+  </p:clrMapOvr>
+</p:sld>
+</file>
+
+<file path=ppt/slides/slide24.xml><?xml version="1.0" encoding="utf-8"?>
+<p:sld xmlns:a="http://schemas.openxmlformats.org/drawingml/2006/main" xmlns:r="http://schemas.openxmlformats.org/officeDocument/2006/relationships" xmlns:p="http://schemas.openxmlformats.org/presentationml/2006/main">
+  <p:cSld>
+    <p:spTree>
+      <p:nvGrpSpPr>
+        <p:cNvPr id="1" name=""/>
+        <p:cNvGrpSpPr/>
+        <p:nvPr/>
+      </p:nvGrpSpPr>
+      <p:grpSpPr>
+        <a:xfrm>
+          <a:off x="0" y="0"/>
+          <a:ext cx="0" cy="0"/>
+          <a:chOff x="0" y="0"/>
+          <a:chExt cx="0" cy="0"/>
+        </a:xfrm>
+      </p:grpSpPr>
+      <p:sp>
+        <p:nvSpPr>
           <p:cNvPr id="2" name="Title 1"/>
           <p:cNvSpPr>
             <a:spLocks noGrp="1"/>
@@ -13548,6 +15010,22 @@
           <a:bodyPr/>
           <a:lstStyle/>
           <a:p>
+            <a:r>
+              <a:rPr lang="pl-PL" dirty="0"/>
+              <a:t>Krzysztof Stanaszek</a:t>
+            </a:r>
+          </a:p>
+          <a:p>
+            <a:r>
+              <a:rPr lang="pl-PL" dirty="0" err="1"/>
+              <a:t>zJava</a:t>
+            </a:r>
+            <a:r>
+              <a:rPr lang="pl-PL" dirty="0"/>
+              <a:t>, 06.02.2019</a:t>
+            </a:r>
+          </a:p>
+          <a:p>
             <a:endParaRPr lang="pl-PL" dirty="0"/>
           </a:p>
         </p:txBody>
@@ -13566,6 +15044,19 @@
         <p:txBody>
           <a:bodyPr/>
           <a:lstStyle/>
+          <a:p>
+            <a:r>
+              <a:rPr lang="en-US" dirty="0"/>
+              <a:t>SMACK Reference Architecture</a:t>
+            </a:r>
+            <a:endParaRPr lang="pl-PL" dirty="0"/>
+          </a:p>
+          <a:p>
+            <a:r>
+              <a:rPr lang="pl-PL" dirty="0"/>
+              <a:t>Apache Spark &amp; Scala</a:t>
+            </a:r>
+          </a:p>
           <a:p>
             <a:endParaRPr lang="pl-PL" dirty="0"/>
           </a:p>
@@ -13777,44 +15268,6 @@
               <a:rPr lang="en-US" dirty="0"/>
               <a:t>S stands for Spark/Scala</a:t>
             </a:r>
-          </a:p>
-        </p:txBody>
-      </p:sp>
-      <p:sp>
-        <p:nvSpPr>
-          <p:cNvPr id="3" name="Footer Placeholder 2"/>
-          <p:cNvSpPr>
-            <a:spLocks noGrp="1"/>
-          </p:cNvSpPr>
-          <p:nvPr>
-            <p:ph type="ftr" sz="quarter" idx="16"/>
-          </p:nvPr>
-        </p:nvSpPr>
-        <p:spPr/>
-        <p:txBody>
-          <a:bodyPr/>
-          <a:lstStyle/>
-          <a:p>
-            <a:endParaRPr lang="pl-PL" dirty="0"/>
-          </a:p>
-        </p:txBody>
-      </p:sp>
-      <p:sp>
-        <p:nvSpPr>
-          <p:cNvPr id="4" name="Date Placeholder 3"/>
-          <p:cNvSpPr>
-            <a:spLocks noGrp="1"/>
-          </p:cNvSpPr>
-          <p:nvPr>
-            <p:ph type="dt" sz="half" idx="15"/>
-          </p:nvPr>
-        </p:nvSpPr>
-        <p:spPr/>
-        <p:txBody>
-          <a:bodyPr/>
-          <a:lstStyle/>
-          <a:p>
-            <a:endParaRPr lang="pl-PL" dirty="0"/>
           </a:p>
         </p:txBody>
       </p:sp>
@@ -14177,6 +15630,98 @@
           </a:prstGeom>
         </p:spPr>
       </p:pic>
+      <p:sp>
+        <p:nvSpPr>
+          <p:cNvPr id="14" name="Date Placeholder 3">
+            <a:extLst>
+              <a:ext uri="{FF2B5EF4-FFF2-40B4-BE49-F238E27FC236}">
+                <a16:creationId xmlns:a16="http://schemas.microsoft.com/office/drawing/2014/main" id="{18EC1C6C-9913-4DEA-97B6-32853FA54E6F}"/>
+              </a:ext>
+            </a:extLst>
+          </p:cNvPr>
+          <p:cNvSpPr>
+            <a:spLocks noGrp="1"/>
+          </p:cNvSpPr>
+          <p:nvPr>
+            <p:ph type="dt" sz="half" idx="15"/>
+          </p:nvPr>
+        </p:nvSpPr>
+        <p:spPr>
+          <a:xfrm>
+            <a:off x="764322" y="4730823"/>
+            <a:ext cx="5535870" cy="394748"/>
+          </a:xfrm>
+        </p:spPr>
+        <p:txBody>
+          <a:bodyPr/>
+          <a:lstStyle/>
+          <a:p>
+            <a:r>
+              <a:rPr lang="en-US" dirty="0"/>
+              <a:t>SMACK Reference Architecture</a:t>
+            </a:r>
+            <a:endParaRPr lang="pl-PL" dirty="0"/>
+          </a:p>
+          <a:p>
+            <a:r>
+              <a:rPr lang="pl-PL" dirty="0"/>
+              <a:t>Apache Spark &amp; Scala</a:t>
+            </a:r>
+          </a:p>
+          <a:p>
+            <a:endParaRPr lang="pl-PL" dirty="0"/>
+          </a:p>
+          <a:p>
+            <a:endParaRPr lang="pl-PL" dirty="0"/>
+          </a:p>
+        </p:txBody>
+      </p:sp>
+      <p:sp>
+        <p:nvSpPr>
+          <p:cNvPr id="15" name="Footer Placeholder 2">
+            <a:extLst>
+              <a:ext uri="{FF2B5EF4-FFF2-40B4-BE49-F238E27FC236}">
+                <a16:creationId xmlns:a16="http://schemas.microsoft.com/office/drawing/2014/main" id="{54D3E4DF-9A96-4536-A838-48C4693D2400}"/>
+              </a:ext>
+            </a:extLst>
+          </p:cNvPr>
+          <p:cNvSpPr>
+            <a:spLocks noGrp="1"/>
+          </p:cNvSpPr>
+          <p:nvPr>
+            <p:ph type="ftr" sz="quarter" idx="16"/>
+          </p:nvPr>
+        </p:nvSpPr>
+        <p:spPr>
+          <a:xfrm>
+            <a:off x="6588224" y="4713615"/>
+            <a:ext cx="1800126" cy="411956"/>
+          </a:xfrm>
+        </p:spPr>
+        <p:txBody>
+          <a:bodyPr/>
+          <a:lstStyle/>
+          <a:p>
+            <a:r>
+              <a:rPr lang="pl-PL" dirty="0"/>
+              <a:t>Krzysztof Stanaszek</a:t>
+            </a:r>
+          </a:p>
+          <a:p>
+            <a:r>
+              <a:rPr lang="pl-PL" dirty="0" err="1"/>
+              <a:t>zJava</a:t>
+            </a:r>
+            <a:r>
+              <a:rPr lang="pl-PL" dirty="0"/>
+              <a:t>, 06.02.2019</a:t>
+            </a:r>
+          </a:p>
+          <a:p>
+            <a:endParaRPr lang="pl-PL" dirty="0"/>
+          </a:p>
+        </p:txBody>
+      </p:sp>
     </p:spTree>
     <p:extLst>
       <p:ext uri="{BB962C8B-B14F-4D97-AF65-F5344CB8AC3E}">
@@ -14250,6 +15795,22 @@
           <a:bodyPr/>
           <a:lstStyle/>
           <a:p>
+            <a:r>
+              <a:rPr lang="pl-PL" dirty="0"/>
+              <a:t>Krzysztof Stanaszek</a:t>
+            </a:r>
+          </a:p>
+          <a:p>
+            <a:r>
+              <a:rPr lang="pl-PL" dirty="0" err="1"/>
+              <a:t>zJava</a:t>
+            </a:r>
+            <a:r>
+              <a:rPr lang="pl-PL" dirty="0"/>
+              <a:t>, 06.02.2019</a:t>
+            </a:r>
+          </a:p>
+          <a:p>
             <a:endParaRPr lang="pl-PL" dirty="0"/>
           </a:p>
         </p:txBody>
@@ -14268,6 +15829,19 @@
         <p:txBody>
           <a:bodyPr/>
           <a:lstStyle/>
+          <a:p>
+            <a:r>
+              <a:rPr lang="en-US" dirty="0"/>
+              <a:t>SMACK Reference Architecture</a:t>
+            </a:r>
+            <a:endParaRPr lang="pl-PL" dirty="0"/>
+          </a:p>
+          <a:p>
+            <a:r>
+              <a:rPr lang="pl-PL" dirty="0"/>
+              <a:t>Apache Spark &amp; Scala</a:t>
+            </a:r>
+          </a:p>
           <a:p>
             <a:endParaRPr lang="pl-PL" dirty="0"/>
           </a:p>
@@ -14703,6 +16277,22 @@
           <a:bodyPr/>
           <a:lstStyle/>
           <a:p>
+            <a:r>
+              <a:rPr lang="pl-PL" dirty="0"/>
+              <a:t>Krzysztof Stanaszek</a:t>
+            </a:r>
+          </a:p>
+          <a:p>
+            <a:r>
+              <a:rPr lang="pl-PL" dirty="0" err="1"/>
+              <a:t>zJava</a:t>
+            </a:r>
+            <a:r>
+              <a:rPr lang="pl-PL" dirty="0"/>
+              <a:t>, 06.02.2019</a:t>
+            </a:r>
+          </a:p>
+          <a:p>
             <a:endParaRPr lang="pl-PL" dirty="0"/>
           </a:p>
         </p:txBody>
@@ -14721,6 +16311,19 @@
         <p:txBody>
           <a:bodyPr/>
           <a:lstStyle/>
+          <a:p>
+            <a:r>
+              <a:rPr lang="en-US" dirty="0"/>
+              <a:t>SMACK Reference Architecture</a:t>
+            </a:r>
+            <a:endParaRPr lang="pl-PL" dirty="0"/>
+          </a:p>
+          <a:p>
+            <a:r>
+              <a:rPr lang="pl-PL" dirty="0"/>
+              <a:t>Apache Spark &amp; Scala</a:t>
+            </a:r>
+          </a:p>
           <a:p>
             <a:endParaRPr lang="pl-PL" dirty="0"/>
           </a:p>
@@ -14919,97 +16522,27 @@
           </a:lstStyle>
           <a:p>
             <a:r>
-              <a:rPr lang="en-US" sz="2000" dirty="0"/>
+              <a:rPr lang="en-GB" sz="2000" dirty="0"/>
               <a:t>Excellent performance</a:t>
             </a:r>
           </a:p>
           <a:p>
             <a:r>
-              <a:rPr lang="en-US" sz="2000" dirty="0"/>
-              <a:t>Intuitive and concise high-level APIs in several languages</a:t>
-            </a:r>
-          </a:p>
-          <a:p>
-            <a:r>
-              <a:rPr lang="en-US" sz="2000" dirty="0"/>
+              <a:rPr lang="en-GB" sz="2000" dirty="0"/>
+              <a:t>Polyglot programming mode</a:t>
+            </a:r>
+          </a:p>
+          <a:p>
+            <a:r>
+              <a:rPr lang="en-GB" sz="2000" dirty="0"/>
               <a:t>Runs (almost) everywhere</a:t>
             </a:r>
           </a:p>
           <a:p>
             <a:r>
-              <a:rPr lang="en-US" sz="2000" dirty="0"/>
-              <a:t>Generality - combines batch processing, streaming, and ML</a:t>
-            </a:r>
-          </a:p>
-        </p:txBody>
-      </p:sp>
-      <p:sp>
-        <p:nvSpPr>
-          <p:cNvPr id="7" name="TextBox 6"/>
-          <p:cNvSpPr txBox="1"/>
-          <p:nvPr/>
-        </p:nvSpPr>
-        <p:spPr>
-          <a:xfrm>
-            <a:off x="8859520" y="1198880"/>
-            <a:ext cx="914400" cy="914400"/>
-          </a:xfrm>
-          <a:prstGeom prst="rect">
-            <a:avLst/>
-          </a:prstGeom>
-          <a:noFill/>
-        </p:spPr>
-        <p:txBody>
-          <a:bodyPr wrap="none" lIns="0" tIns="0" rIns="0" bIns="0" rtlCol="0">
-            <a:noAutofit/>
-          </a:bodyPr>
-          <a:lstStyle/>
-          <a:p>
-            <a:pPr>
-              <a:lnSpc>
-                <a:spcPct val="140000"/>
-              </a:lnSpc>
-            </a:pPr>
-            <a:endParaRPr lang="en-US" dirty="0" err="1">
-              <a:solidFill>
-                <a:schemeClr val="tx1"/>
-              </a:solidFill>
-            </a:endParaRPr>
-          </a:p>
-        </p:txBody>
-      </p:sp>
-      <p:sp>
-        <p:nvSpPr>
-          <p:cNvPr id="11" name="TextBox 10"/>
-          <p:cNvSpPr txBox="1"/>
-          <p:nvPr/>
-        </p:nvSpPr>
-        <p:spPr>
-          <a:xfrm>
-            <a:off x="8524240" y="975360"/>
-            <a:ext cx="914400" cy="914400"/>
-          </a:xfrm>
-          <a:prstGeom prst="rect">
-            <a:avLst/>
-          </a:prstGeom>
-          <a:noFill/>
-        </p:spPr>
-        <p:txBody>
-          <a:bodyPr wrap="none" lIns="0" tIns="0" rIns="0" bIns="0" rtlCol="0">
-            <a:noAutofit/>
-          </a:bodyPr>
-          <a:lstStyle/>
-          <a:p>
-            <a:pPr>
-              <a:lnSpc>
-                <a:spcPct val="140000"/>
-              </a:lnSpc>
-            </a:pPr>
-            <a:endParaRPr lang="en-US" dirty="0" err="1">
-              <a:solidFill>
-                <a:schemeClr val="tx1"/>
-              </a:solidFill>
-            </a:endParaRPr>
+              <a:rPr lang="en-GB" sz="2000" dirty="0"/>
+              <a:t>Generality</a:t>
+            </a:r>
           </a:p>
         </p:txBody>
       </p:sp>
@@ -15068,7 +16601,15 @@
             </a:br>
             <a:r>
               <a:rPr lang="en-US" dirty="0"/>
-              <a:t>Excellent performance: 100TB Sort Contest</a:t>
+              <a:t>Excellent performance: 100</a:t>
+            </a:r>
+            <a:r>
+              <a:rPr lang="pl-PL" dirty="0"/>
+              <a:t> </a:t>
+            </a:r>
+            <a:r>
+              <a:rPr lang="en-US" dirty="0"/>
+              <a:t>TB Sort Contest</a:t>
             </a:r>
           </a:p>
         </p:txBody>
@@ -15088,6 +16629,22 @@
           <a:bodyPr/>
           <a:lstStyle/>
           <a:p>
+            <a:r>
+              <a:rPr lang="pl-PL" dirty="0"/>
+              <a:t>Krzysztof Stanaszek</a:t>
+            </a:r>
+          </a:p>
+          <a:p>
+            <a:r>
+              <a:rPr lang="pl-PL" dirty="0" err="1"/>
+              <a:t>zJava</a:t>
+            </a:r>
+            <a:r>
+              <a:rPr lang="pl-PL" dirty="0"/>
+              <a:t>, 06.02.2019</a:t>
+            </a:r>
+          </a:p>
+          <a:p>
             <a:endParaRPr lang="pl-PL" dirty="0"/>
           </a:p>
         </p:txBody>
@@ -15107,7 +16664,20 @@
           <a:bodyPr/>
           <a:lstStyle/>
           <a:p>
+            <a:r>
+              <a:rPr lang="en-US" dirty="0"/>
+              <a:t>SMACK Reference Architecture</a:t>
+            </a:r>
             <a:endParaRPr lang="pl-PL" dirty="0"/>
+          </a:p>
+          <a:p>
+            <a:r>
+              <a:rPr lang="pl-PL" dirty="0"/>
+              <a:t>Apache Spark &amp; Scala</a:t>
+            </a:r>
+          </a:p>
+          <a:p>
+            <a:endParaRPr lang="pl-PL" b="1" dirty="0"/>
           </a:p>
         </p:txBody>
       </p:sp>
@@ -15481,7 +17051,7 @@
                             <a:schemeClr val="bg1"/>
                           </a:solidFill>
                           <a:effectLst/>
-                          <a:hlinkClick r:id="rId2">
+                          <a:hlinkClick r:id="rId3">
                             <a:extLst>
                               <a:ext uri="{A12FA001-AC4F-418D-AE19-62706E023703}">
                                 <ahyp:hlinkClr xmlns:ahyp="http://schemas.microsoft.com/office/drawing/2018/hyperlinkcolor" val="tx"/>
@@ -15612,7 +17182,7 @@
                             <a:schemeClr val="bg1"/>
                           </a:solidFill>
                           <a:effectLst/>
-                          <a:hlinkClick r:id="rId2">
+                          <a:hlinkClick r:id="rId3">
                             <a:extLst>
                               <a:ext uri="{A12FA001-AC4F-418D-AE19-62706E023703}">
                                 <ahyp:hlinkClr xmlns:ahyp="http://schemas.microsoft.com/office/drawing/2018/hyperlinkcolor" val="tx"/>
@@ -15628,7 +17198,7 @@
                             <a:schemeClr val="bg1"/>
                           </a:solidFill>
                           <a:effectLst/>
-                          <a:hlinkClick r:id="rId2">
+                          <a:hlinkClick r:id="rId3">
                             <a:extLst>
                               <a:ext uri="{A12FA001-AC4F-418D-AE19-62706E023703}">
                                 <ahyp:hlinkClr xmlns:ahyp="http://schemas.microsoft.com/office/drawing/2018/hyperlinkcolor" val="tx"/>
@@ -16895,7 +18465,7 @@
             <a:pPr algn="r"/>
             <a:r>
               <a:rPr lang="pl-PL" sz="900" dirty="0">
-                <a:hlinkClick r:id="rId3"/>
+                <a:hlinkClick r:id="rId4"/>
               </a:rPr>
               <a:t>https://databricks.com/blog/2014/10/10/spark-petabyte-sort.html</a:t>
             </a:r>
@@ -16953,12 +18523,9 @@
           <a:bodyPr/>
           <a:lstStyle/>
           <a:p>
-            <a:br>
+            <a:r>
               <a:rPr lang="en-US" dirty="0"/>
-            </a:br>
-            <a:r>
-              <a:rPr lang="en-US" dirty="0"/>
-              <a:t>High-level APIs in several languages</a:t>
+              <a:t>Runs (almost) everywhere</a:t>
             </a:r>
           </a:p>
         </p:txBody>
@@ -16978,6 +18545,22 @@
           <a:bodyPr/>
           <a:lstStyle/>
           <a:p>
+            <a:r>
+              <a:rPr lang="pl-PL" dirty="0"/>
+              <a:t>Krzysztof Stanaszek</a:t>
+            </a:r>
+          </a:p>
+          <a:p>
+            <a:r>
+              <a:rPr lang="pl-PL" dirty="0" err="1"/>
+              <a:t>zJava</a:t>
+            </a:r>
+            <a:r>
+              <a:rPr lang="pl-PL" dirty="0"/>
+              <a:t>, 06.02.2019</a:t>
+            </a:r>
+          </a:p>
+          <a:p>
             <a:endParaRPr lang="pl-PL" dirty="0"/>
           </a:p>
         </p:txBody>
@@ -16997,200 +18580,18 @@
           <a:bodyPr/>
           <a:lstStyle/>
           <a:p>
+            <a:r>
+              <a:rPr lang="en-US" dirty="0"/>
+              <a:t>SMACK Reference Architecture</a:t>
+            </a:r>
             <a:endParaRPr lang="pl-PL" dirty="0"/>
           </a:p>
-        </p:txBody>
-      </p:sp>
-      <p:sp>
-        <p:nvSpPr>
-          <p:cNvPr id="7" name="TextBox 6"/>
-          <p:cNvSpPr txBox="1"/>
-          <p:nvPr/>
-        </p:nvSpPr>
-        <p:spPr>
-          <a:xfrm>
-            <a:off x="8859520" y="1198880"/>
-            <a:ext cx="914400" cy="914400"/>
-          </a:xfrm>
-          <a:prstGeom prst="rect">
-            <a:avLst/>
-          </a:prstGeom>
-          <a:noFill/>
-        </p:spPr>
-        <p:txBody>
-          <a:bodyPr wrap="none" lIns="0" tIns="0" rIns="0" bIns="0" rtlCol="0">
-            <a:noAutofit/>
-          </a:bodyPr>
-          <a:lstStyle/>
-          <a:p>
-            <a:pPr>
-              <a:lnSpc>
-                <a:spcPct val="140000"/>
-              </a:lnSpc>
-            </a:pPr>
-            <a:endParaRPr lang="en-US" dirty="0" err="1">
-              <a:solidFill>
-                <a:schemeClr val="tx1"/>
-              </a:solidFill>
-            </a:endParaRPr>
-          </a:p>
-        </p:txBody>
-      </p:sp>
-      <p:sp>
-        <p:nvSpPr>
-          <p:cNvPr id="11" name="TextBox 10"/>
-          <p:cNvSpPr txBox="1"/>
-          <p:nvPr/>
-        </p:nvSpPr>
-        <p:spPr>
-          <a:xfrm>
-            <a:off x="8524240" y="975360"/>
-            <a:ext cx="914400" cy="914400"/>
-          </a:xfrm>
-          <a:prstGeom prst="rect">
-            <a:avLst/>
-          </a:prstGeom>
-          <a:noFill/>
-        </p:spPr>
-        <p:txBody>
-          <a:bodyPr wrap="none" lIns="0" tIns="0" rIns="0" bIns="0" rtlCol="0">
-            <a:noAutofit/>
-          </a:bodyPr>
-          <a:lstStyle/>
-          <a:p>
-            <a:pPr>
-              <a:lnSpc>
-                <a:spcPct val="140000"/>
-              </a:lnSpc>
-            </a:pPr>
-            <a:endParaRPr lang="en-US" dirty="0" err="1">
-              <a:solidFill>
-                <a:schemeClr val="tx1"/>
-              </a:solidFill>
-            </a:endParaRPr>
-          </a:p>
-        </p:txBody>
-      </p:sp>
-      <p:pic>
-        <p:nvPicPr>
-          <p:cNvPr id="5" name="Picture 4">
-            <a:extLst>
-              <a:ext uri="{FF2B5EF4-FFF2-40B4-BE49-F238E27FC236}">
-                <a16:creationId xmlns:a16="http://schemas.microsoft.com/office/drawing/2014/main" id="{68464D9F-9CD0-467E-8F72-257570441C7A}"/>
-              </a:ext>
-            </a:extLst>
-          </p:cNvPr>
-          <p:cNvPicPr>
-            <a:picLocks noChangeAspect="1"/>
-          </p:cNvPicPr>
-          <p:nvPr/>
-        </p:nvPicPr>
-        <p:blipFill>
-          <a:blip r:embed="rId3"/>
-          <a:stretch>
-            <a:fillRect/>
-          </a:stretch>
-        </p:blipFill>
-        <p:spPr>
-          <a:xfrm>
-            <a:off x="2231740" y="1656080"/>
-            <a:ext cx="4680520" cy="1718816"/>
-          </a:xfrm>
-          <a:prstGeom prst="rect">
-            <a:avLst/>
-          </a:prstGeom>
-        </p:spPr>
-      </p:pic>
-    </p:spTree>
-    <p:extLst>
-      <p:ext uri="{BB962C8B-B14F-4D97-AF65-F5344CB8AC3E}">
-        <p14:creationId xmlns:p14="http://schemas.microsoft.com/office/powerpoint/2010/main" val="2826400824"/>
-      </p:ext>
-    </p:extLst>
-  </p:cSld>
-  <p:clrMapOvr>
-    <a:masterClrMapping/>
-  </p:clrMapOvr>
-</p:sld>
-</file>
-
-<file path=ppt/slides/slide8.xml><?xml version="1.0" encoding="utf-8"?>
-<p:sld xmlns:a="http://schemas.openxmlformats.org/drawingml/2006/main" xmlns:r="http://schemas.openxmlformats.org/officeDocument/2006/relationships" xmlns:p="http://schemas.openxmlformats.org/presentationml/2006/main">
-  <p:cSld>
-    <p:spTree>
-      <p:nvGrpSpPr>
-        <p:cNvPr id="1" name=""/>
-        <p:cNvGrpSpPr/>
-        <p:nvPr/>
-      </p:nvGrpSpPr>
-      <p:grpSpPr>
-        <a:xfrm>
-          <a:off x="0" y="0"/>
-          <a:ext cx="0" cy="0"/>
-          <a:chOff x="0" y="0"/>
-          <a:chExt cx="0" cy="0"/>
-        </a:xfrm>
-      </p:grpSpPr>
-      <p:sp>
-        <p:nvSpPr>
-          <p:cNvPr id="2" name="Title 1"/>
-          <p:cNvSpPr>
-            <a:spLocks noGrp="1"/>
-          </p:cNvSpPr>
-          <p:nvPr>
-            <p:ph type="title"/>
-          </p:nvPr>
-        </p:nvSpPr>
-        <p:spPr>
-          <a:xfrm>
-            <a:off x="755650" y="413693"/>
-            <a:ext cx="7632700" cy="357857"/>
-          </a:xfrm>
-        </p:spPr>
-        <p:txBody>
-          <a:bodyPr/>
-          <a:lstStyle/>
-          <a:p>
-            <a:r>
-              <a:rPr lang="en-US" dirty="0"/>
-              <a:t>Runs (almost) everywhere</a:t>
-            </a:r>
-          </a:p>
-        </p:txBody>
-      </p:sp>
-      <p:sp>
-        <p:nvSpPr>
-          <p:cNvPr id="3" name="Footer Placeholder 2"/>
-          <p:cNvSpPr>
-            <a:spLocks noGrp="1"/>
-          </p:cNvSpPr>
-          <p:nvPr>
-            <p:ph type="ftr" sz="quarter" idx="16"/>
-          </p:nvPr>
-        </p:nvSpPr>
-        <p:spPr/>
-        <p:txBody>
-          <a:bodyPr/>
-          <a:lstStyle/>
-          <a:p>
-            <a:endParaRPr lang="pl-PL" dirty="0"/>
-          </a:p>
-        </p:txBody>
-      </p:sp>
-      <p:sp>
-        <p:nvSpPr>
-          <p:cNvPr id="4" name="Date Placeholder 3"/>
-          <p:cNvSpPr>
-            <a:spLocks noGrp="1"/>
-          </p:cNvSpPr>
-          <p:nvPr>
-            <p:ph type="dt" sz="half" idx="15"/>
-          </p:nvPr>
-        </p:nvSpPr>
-        <p:spPr/>
-        <p:txBody>
-          <a:bodyPr/>
-          <a:lstStyle/>
+          <a:p>
+            <a:r>
+              <a:rPr lang="pl-PL" dirty="0"/>
+              <a:t>Apache Spark &amp; Scala</a:t>
+            </a:r>
+          </a:p>
           <a:p>
             <a:endParaRPr lang="pl-PL" dirty="0"/>
           </a:p>
@@ -17567,7 +18968,7 @@
 </p:sld>
 </file>
 
-<file path=ppt/slides/slide9.xml><?xml version="1.0" encoding="utf-8"?>
+<file path=ppt/slides/slide8.xml><?xml version="1.0" encoding="utf-8"?>
 <p:sld xmlns:a="http://schemas.openxmlformats.org/drawingml/2006/main" xmlns:r="http://schemas.openxmlformats.org/officeDocument/2006/relationships" xmlns:p="http://schemas.openxmlformats.org/presentationml/2006/main">
   <p:cSld>
     <p:spTree>
@@ -17626,6 +19027,22 @@
           <a:bodyPr/>
           <a:lstStyle/>
           <a:p>
+            <a:r>
+              <a:rPr lang="pl-PL" dirty="0"/>
+              <a:t>Krzysztof Stanaszek</a:t>
+            </a:r>
+          </a:p>
+          <a:p>
+            <a:r>
+              <a:rPr lang="pl-PL" dirty="0" err="1"/>
+              <a:t>zJava</a:t>
+            </a:r>
+            <a:r>
+              <a:rPr lang="pl-PL" dirty="0"/>
+              <a:t>, 06.02.2019</a:t>
+            </a:r>
+          </a:p>
+          <a:p>
             <a:endParaRPr lang="pl-PL" dirty="0"/>
           </a:p>
         </p:txBody>
@@ -17644,6 +19061,19 @@
         <p:txBody>
           <a:bodyPr/>
           <a:lstStyle/>
+          <a:p>
+            <a:r>
+              <a:rPr lang="en-US" dirty="0"/>
+              <a:t>SMACK Reference Architecture</a:t>
+            </a:r>
+            <a:endParaRPr lang="pl-PL" dirty="0"/>
+          </a:p>
+          <a:p>
+            <a:r>
+              <a:rPr lang="pl-PL" dirty="0"/>
+              <a:t>Apache Spark &amp; Scala</a:t>
+            </a:r>
+          </a:p>
           <a:p>
             <a:endParaRPr lang="pl-PL" dirty="0"/>
           </a:p>
@@ -17753,6 +19183,233 @@
     <p:extLst>
       <p:ext uri="{BB962C8B-B14F-4D97-AF65-F5344CB8AC3E}">
         <p14:creationId xmlns:p14="http://schemas.microsoft.com/office/powerpoint/2010/main" val="1049252869"/>
+      </p:ext>
+    </p:extLst>
+  </p:cSld>
+  <p:clrMapOvr>
+    <a:masterClrMapping/>
+  </p:clrMapOvr>
+</p:sld>
+</file>
+
+<file path=ppt/slides/slide9.xml><?xml version="1.0" encoding="utf-8"?>
+<p:sld xmlns:a="http://schemas.openxmlformats.org/drawingml/2006/main" xmlns:r="http://schemas.openxmlformats.org/officeDocument/2006/relationships" xmlns:p="http://schemas.openxmlformats.org/presentationml/2006/main">
+  <p:cSld>
+    <p:spTree>
+      <p:nvGrpSpPr>
+        <p:cNvPr id="1" name=""/>
+        <p:cNvGrpSpPr/>
+        <p:nvPr/>
+      </p:nvGrpSpPr>
+      <p:grpSpPr>
+        <a:xfrm>
+          <a:off x="0" y="0"/>
+          <a:ext cx="0" cy="0"/>
+          <a:chOff x="0" y="0"/>
+          <a:chExt cx="0" cy="0"/>
+        </a:xfrm>
+      </p:grpSpPr>
+      <p:sp>
+        <p:nvSpPr>
+          <p:cNvPr id="2" name="Title 1"/>
+          <p:cNvSpPr>
+            <a:spLocks noGrp="1"/>
+          </p:cNvSpPr>
+          <p:nvPr>
+            <p:ph type="title"/>
+          </p:nvPr>
+        </p:nvSpPr>
+        <p:spPr>
+          <a:xfrm>
+            <a:off x="755650" y="413693"/>
+            <a:ext cx="7632700" cy="357857"/>
+          </a:xfrm>
+        </p:spPr>
+        <p:txBody>
+          <a:bodyPr/>
+          <a:lstStyle/>
+          <a:p>
+            <a:br>
+              <a:rPr lang="en-US" dirty="0"/>
+            </a:br>
+            <a:r>
+              <a:rPr lang="en-US" dirty="0"/>
+              <a:t>Apache Spark APIs</a:t>
+            </a:r>
+          </a:p>
+        </p:txBody>
+      </p:sp>
+      <p:sp>
+        <p:nvSpPr>
+          <p:cNvPr id="3" name="Footer Placeholder 2"/>
+          <p:cNvSpPr>
+            <a:spLocks noGrp="1"/>
+          </p:cNvSpPr>
+          <p:nvPr>
+            <p:ph type="ftr" sz="quarter" idx="16"/>
+          </p:nvPr>
+        </p:nvSpPr>
+        <p:spPr/>
+        <p:txBody>
+          <a:bodyPr/>
+          <a:lstStyle/>
+          <a:p>
+            <a:r>
+              <a:rPr lang="pl-PL" dirty="0"/>
+              <a:t>Krzysztof Stanaszek</a:t>
+            </a:r>
+          </a:p>
+          <a:p>
+            <a:r>
+              <a:rPr lang="pl-PL" dirty="0" err="1"/>
+              <a:t>zJava</a:t>
+            </a:r>
+            <a:r>
+              <a:rPr lang="pl-PL" dirty="0"/>
+              <a:t>, 06.02.2019</a:t>
+            </a:r>
+          </a:p>
+          <a:p>
+            <a:endParaRPr lang="pl-PL" dirty="0"/>
+          </a:p>
+        </p:txBody>
+      </p:sp>
+      <p:sp>
+        <p:nvSpPr>
+          <p:cNvPr id="4" name="Date Placeholder 3"/>
+          <p:cNvSpPr>
+            <a:spLocks noGrp="1"/>
+          </p:cNvSpPr>
+          <p:nvPr>
+            <p:ph type="dt" sz="half" idx="15"/>
+          </p:nvPr>
+        </p:nvSpPr>
+        <p:spPr/>
+        <p:txBody>
+          <a:bodyPr/>
+          <a:lstStyle/>
+          <a:p>
+            <a:r>
+              <a:rPr lang="en-US" dirty="0"/>
+              <a:t>SMACK Reference Architecture</a:t>
+            </a:r>
+            <a:endParaRPr lang="pl-PL" dirty="0"/>
+          </a:p>
+          <a:p>
+            <a:r>
+              <a:rPr lang="pl-PL" dirty="0"/>
+              <a:t>Apache Spark &amp; Scala</a:t>
+            </a:r>
+          </a:p>
+          <a:p>
+            <a:endParaRPr lang="pl-PL" dirty="0"/>
+          </a:p>
+        </p:txBody>
+      </p:sp>
+      <p:sp>
+        <p:nvSpPr>
+          <p:cNvPr id="7" name="TextBox 6"/>
+          <p:cNvSpPr txBox="1"/>
+          <p:nvPr/>
+        </p:nvSpPr>
+        <p:spPr>
+          <a:xfrm>
+            <a:off x="8859520" y="1198880"/>
+            <a:ext cx="914400" cy="914400"/>
+          </a:xfrm>
+          <a:prstGeom prst="rect">
+            <a:avLst/>
+          </a:prstGeom>
+          <a:noFill/>
+        </p:spPr>
+        <p:txBody>
+          <a:bodyPr wrap="none" lIns="0" tIns="0" rIns="0" bIns="0" rtlCol="0">
+            <a:noAutofit/>
+          </a:bodyPr>
+          <a:lstStyle/>
+          <a:p>
+            <a:pPr>
+              <a:lnSpc>
+                <a:spcPct val="140000"/>
+              </a:lnSpc>
+            </a:pPr>
+            <a:endParaRPr lang="en-US" dirty="0" err="1">
+              <a:solidFill>
+                <a:schemeClr val="tx1"/>
+              </a:solidFill>
+            </a:endParaRPr>
+          </a:p>
+        </p:txBody>
+      </p:sp>
+      <p:sp>
+        <p:nvSpPr>
+          <p:cNvPr id="11" name="TextBox 10"/>
+          <p:cNvSpPr txBox="1"/>
+          <p:nvPr/>
+        </p:nvSpPr>
+        <p:spPr>
+          <a:xfrm>
+            <a:off x="8524240" y="975360"/>
+            <a:ext cx="914400" cy="914400"/>
+          </a:xfrm>
+          <a:prstGeom prst="rect">
+            <a:avLst/>
+          </a:prstGeom>
+          <a:noFill/>
+        </p:spPr>
+        <p:txBody>
+          <a:bodyPr wrap="none" lIns="0" tIns="0" rIns="0" bIns="0" rtlCol="0">
+            <a:noAutofit/>
+          </a:bodyPr>
+          <a:lstStyle/>
+          <a:p>
+            <a:pPr>
+              <a:lnSpc>
+                <a:spcPct val="140000"/>
+              </a:lnSpc>
+            </a:pPr>
+            <a:endParaRPr lang="en-US" dirty="0" err="1">
+              <a:solidFill>
+                <a:schemeClr val="tx1"/>
+              </a:solidFill>
+            </a:endParaRPr>
+          </a:p>
+        </p:txBody>
+      </p:sp>
+      <p:pic>
+        <p:nvPicPr>
+          <p:cNvPr id="8" name="Picture 7">
+            <a:extLst>
+              <a:ext uri="{FF2B5EF4-FFF2-40B4-BE49-F238E27FC236}">
+                <a16:creationId xmlns:a16="http://schemas.microsoft.com/office/drawing/2014/main" id="{AE13E914-2E72-4257-A276-A23EC8662AFE}"/>
+              </a:ext>
+            </a:extLst>
+          </p:cNvPr>
+          <p:cNvPicPr>
+            <a:picLocks noChangeAspect="1"/>
+          </p:cNvPicPr>
+          <p:nvPr/>
+        </p:nvPicPr>
+        <p:blipFill>
+          <a:blip r:embed="rId3"/>
+          <a:stretch>
+            <a:fillRect/>
+          </a:stretch>
+        </p:blipFill>
+        <p:spPr>
+          <a:xfrm>
+            <a:off x="2168436" y="975360"/>
+            <a:ext cx="4807128" cy="3240360"/>
+          </a:xfrm>
+          <a:prstGeom prst="rect">
+            <a:avLst/>
+          </a:prstGeom>
+        </p:spPr>
+      </p:pic>
+    </p:spTree>
+    <p:extLst>
+      <p:ext uri="{BB962C8B-B14F-4D97-AF65-F5344CB8AC3E}">
+        <p14:creationId xmlns:p14="http://schemas.microsoft.com/office/powerpoint/2010/main" val="2390931764"/>
       </p:ext>
     </p:extLst>
   </p:cSld>
@@ -18536,6 +20193,22 @@
 </file>
 
 <file path=customXml/item1.xml><?xml version="1.0" encoding="utf-8"?>
+<p:properties xmlns:p="http://schemas.microsoft.com/office/2006/metadata/properties" xmlns:xsi="http://www.w3.org/2001/XMLSchema-instance" xmlns:pc="http://schemas.microsoft.com/office/infopath/2007/PartnerControls">
+  <documentManagement>
+    <PublishingExpirationDate xmlns="http://schemas.microsoft.com/sharepoint/v3" xsi:nil="true"/>
+    <PublishingStartDate xmlns="http://schemas.microsoft.com/sharepoint/v3" xsi:nil="true"/>
+    <_dlc_DocId xmlns="3708c738-35ee-46ab-80c7-a8ab2419782e">OBSS-2049071821-626200</_dlc_DocId>
+    <_dlc_DocIdUrl xmlns="3708c738-35ee-46ab-80c7-a8ab2419782e">
+      <Url>https://obss.sharepoint.com/guilds/bids/_layouts/15/DocIdRedir.aspx?ID=OBSS-2049071821-626200</Url>
+      <Description>OBSS-2049071821-626200</Description>
+    </_dlc_DocIdUrl>
+    <TaxCatchAll xmlns="3708c738-35ee-46ab-80c7-a8ab2419782e"/>
+    <Tags xmlns="cb0eccee-0f77-49ec-991a-9389dd455cd9"/>
+  </documentManagement>
+</p:properties>
+</file>
+
+<file path=customXml/item2.xml><?xml version="1.0" encoding="utf-8"?>
 <ct:contentTypeSchema xmlns:ct="http://schemas.microsoft.com/office/2006/metadata/contentType" xmlns:ma="http://schemas.microsoft.com/office/2006/metadata/properties/metaAttributes" ct:_="" ma:_="" ma:contentTypeName="Document" ma:contentTypeID="0x0101004C5700F8113EE4489F80B9033377C718" ma:contentTypeVersion="19" ma:contentTypeDescription="Create a new document." ma:contentTypeScope="" ma:versionID="8d67101e943c232340b05bc442984c99">
   <xsd:schema xmlns:xsd="http://www.w3.org/2001/XMLSchema" xmlns:xs="http://www.w3.org/2001/XMLSchema" xmlns:p="http://schemas.microsoft.com/office/2006/metadata/properties" xmlns:ns1="http://schemas.microsoft.com/sharepoint/v3" xmlns:ns2="3708c738-35ee-46ab-80c7-a8ab2419782e" xmlns:ns3="b6c8aff7-8255-4849-b8e8-fa486e1a95ad" xmlns:ns4="cb0eccee-0f77-49ec-991a-9389dd455cd9" targetNamespace="http://schemas.microsoft.com/office/2006/metadata/properties" ma:root="true" ma:fieldsID="9ddce169edf252f70c1f33ba5a2d8d15" ns1:_="" ns2:_="" ns3:_="" ns4:_="">
     <xsd:import namespace="http://schemas.microsoft.com/sharepoint/v3"/>
@@ -18796,32 +20469,7 @@
 </ct:contentTypeSchema>
 </file>
 
-<file path=customXml/item2.xml><?xml version="1.0" encoding="utf-8"?>
-<p:properties xmlns:p="http://schemas.microsoft.com/office/2006/metadata/properties" xmlns:xsi="http://www.w3.org/2001/XMLSchema-instance" xmlns:pc="http://schemas.microsoft.com/office/infopath/2007/PartnerControls">
-  <documentManagement>
-    <PublishingExpirationDate xmlns="http://schemas.microsoft.com/sharepoint/v3" xsi:nil="true"/>
-    <PublishingStartDate xmlns="http://schemas.microsoft.com/sharepoint/v3" xsi:nil="true"/>
-    <_dlc_DocId xmlns="3708c738-35ee-46ab-80c7-a8ab2419782e">OBSS-2049071821-626200</_dlc_DocId>
-    <_dlc_DocIdUrl xmlns="3708c738-35ee-46ab-80c7-a8ab2419782e">
-      <Url>https://obss.sharepoint.com/guilds/bids/_layouts/15/DocIdRedir.aspx?ID=OBSS-2049071821-626200</Url>
-      <Description>OBSS-2049071821-626200</Description>
-    </_dlc_DocIdUrl>
-    <TaxCatchAll xmlns="3708c738-35ee-46ab-80c7-a8ab2419782e"/>
-    <Tags xmlns="cb0eccee-0f77-49ec-991a-9389dd455cd9"/>
-  </documentManagement>
-</p:properties>
-</file>
-
 <file path=customXml/item3.xml><?xml version="1.0" encoding="utf-8"?>
-<?mso-contentType ?>
-<FormTemplates xmlns="http://schemas.microsoft.com/sharepoint/v3/contenttype/forms">
-  <Display>DocumentLibraryForm</Display>
-  <Edit>DocumentLibraryForm</Edit>
-  <New>DocumentLibraryForm</New>
-</FormTemplates>
-</file>
-
-<file path=customXml/item4.xml><?xml version="1.0" encoding="utf-8"?>
 <?mso-contentType ?>
 <spe:Receivers xmlns:spe="http://schemas.microsoft.com/sharepoint/events">
   <Receiver>
@@ -18871,7 +20519,28 @@
 </spe:Receivers>
 </file>
 
+<file path=customXml/item4.xml><?xml version="1.0" encoding="utf-8"?>
+<?mso-contentType ?>
+<FormTemplates xmlns="http://schemas.microsoft.com/sharepoint/v3/contenttype/forms">
+  <Display>DocumentLibraryForm</Display>
+  <Edit>DocumentLibraryForm</Edit>
+  <New>DocumentLibraryForm</New>
+</FormTemplates>
+</file>
+
 <file path=customXml/itemProps1.xml><?xml version="1.0" encoding="utf-8"?>
+<ds:datastoreItem xmlns:ds="http://schemas.openxmlformats.org/officeDocument/2006/customXml" ds:itemID="{C053F735-BAB9-4147-90B7-05A702639313}">
+  <ds:schemaRefs>
+    <ds:schemaRef ds:uri="http://schemas.microsoft.com/office/2006/metadata/properties"/>
+    <ds:schemaRef ds:uri="http://schemas.microsoft.com/office/infopath/2007/PartnerControls"/>
+    <ds:schemaRef ds:uri="http://schemas.microsoft.com/sharepoint/v3"/>
+    <ds:schemaRef ds:uri="3708c738-35ee-46ab-80c7-a8ab2419782e"/>
+    <ds:schemaRef ds:uri="cb0eccee-0f77-49ec-991a-9389dd455cd9"/>
+  </ds:schemaRefs>
+</ds:datastoreItem>
+</file>
+
+<file path=customXml/itemProps2.xml><?xml version="1.0" encoding="utf-8"?>
 <ds:datastoreItem xmlns:ds="http://schemas.openxmlformats.org/officeDocument/2006/customXml" ds:itemID="{09C3D11A-0D75-4D0F-B6FB-7E9079733382}">
   <ds:schemaRefs>
     <ds:schemaRef ds:uri="http://schemas.microsoft.com/office/2006/metadata/contentType"/>
@@ -18892,30 +20561,18 @@
 </ds:datastoreItem>
 </file>
 
-<file path=customXml/itemProps2.xml><?xml version="1.0" encoding="utf-8"?>
-<ds:datastoreItem xmlns:ds="http://schemas.openxmlformats.org/officeDocument/2006/customXml" ds:itemID="{C053F735-BAB9-4147-90B7-05A702639313}">
+<file path=customXml/itemProps3.xml><?xml version="1.0" encoding="utf-8"?>
+<ds:datastoreItem xmlns:ds="http://schemas.openxmlformats.org/officeDocument/2006/customXml" ds:itemID="{0971A6D6-1C30-4849-8471-7486F20BE09D}">
   <ds:schemaRefs>
-    <ds:schemaRef ds:uri="http://schemas.microsoft.com/office/2006/metadata/properties"/>
-    <ds:schemaRef ds:uri="http://schemas.microsoft.com/office/infopath/2007/PartnerControls"/>
-    <ds:schemaRef ds:uri="http://schemas.microsoft.com/sharepoint/v3"/>
-    <ds:schemaRef ds:uri="3708c738-35ee-46ab-80c7-a8ab2419782e"/>
-    <ds:schemaRef ds:uri="cb0eccee-0f77-49ec-991a-9389dd455cd9"/>
+    <ds:schemaRef ds:uri="http://schemas.microsoft.com/sharepoint/events"/>
   </ds:schemaRefs>
 </ds:datastoreItem>
 </file>
 
-<file path=customXml/itemProps3.xml><?xml version="1.0" encoding="utf-8"?>
+<file path=customXml/itemProps4.xml><?xml version="1.0" encoding="utf-8"?>
 <ds:datastoreItem xmlns:ds="http://schemas.openxmlformats.org/officeDocument/2006/customXml" ds:itemID="{47D6E47B-A0F9-4A9A-A856-AFB8DF7B2758}">
   <ds:schemaRefs>
     <ds:schemaRef ds:uri="http://schemas.microsoft.com/sharepoint/v3/contenttype/forms"/>
   </ds:schemaRefs>
 </ds:datastoreItem>
-</file>
-
-<file path=customXml/itemProps4.xml><?xml version="1.0" encoding="utf-8"?>
-<ds:datastoreItem xmlns:ds="http://schemas.openxmlformats.org/officeDocument/2006/customXml" ds:itemID="{0971A6D6-1C30-4849-8471-7486F20BE09D}">
-  <ds:schemaRefs>
-    <ds:schemaRef ds:uri="http://schemas.microsoft.com/sharepoint/events"/>
-  </ds:schemaRefs>
-</ds:datastoreItem>
 </file>
--- a/src/main/resources/slides.pptx
+++ b/src/main/resources/slides.pptx
@@ -287,7 +287,7 @@
           <a:p>
             <a:fld id="{D767EAEA-49F6-47D1-81B5-6AE13276E2F7}" type="datetimeFigureOut">
               <a:rPr lang="pl-PL" smtClean="0"/>
-              <a:t>31.01.2019</a:t>
+              <a:t>04.02.2019</a:t>
             </a:fld>
             <a:endParaRPr lang="pl-PL"/>
           </a:p>
@@ -456,7 +456,7 @@
           <a:p>
             <a:fld id="{153FA37D-DE2B-47E9-A168-88AE1559A114}" type="datetimeFigureOut">
               <a:rPr lang="pl-PL" smtClean="0"/>
-              <a:t>31.01.2019</a:t>
+              <a:t>04.02.2019</a:t>
             </a:fld>
             <a:endParaRPr lang="pl-PL"/>
           </a:p>
@@ -6088,15 +6088,7 @@
             </a:r>
             <a:r>
               <a:rPr lang="pl-PL" dirty="0"/>
-              <a:t>podstawowa abstrakcja Sparka w wersja od 1 do 2, bez względu jaki typ kolekcji użyjemy, ostatecznie Spark kompiluje do RDD.  RDD to </a:t>
-            </a:r>
-            <a:r>
-              <a:rPr lang="pl-PL" dirty="0" err="1"/>
-              <a:t>niemienna</a:t>
-            </a:r>
-            <a:r>
-              <a:rPr lang="pl-PL" dirty="0"/>
-              <a:t> (</a:t>
+              <a:t>podstawowa abstrakcja Sparka w wersja od 1 do 2, bez względu jaki typ kolekcji użyjemy, ostatecznie Spark kompiluje do RDD.  RDD to niezmienna (</a:t>
             </a:r>
             <a:r>
               <a:rPr lang="pl-PL" dirty="0" err="1"/>
@@ -6112,23 +6104,7 @@
             </a:r>
             <a:r>
               <a:rPr lang="pl-PL" dirty="0"/>
-              <a:t> aby móc wykorzystać cały potencjał </a:t>
-            </a:r>
-            <a:r>
-              <a:rPr lang="pl-PL" dirty="0" err="1"/>
-              <a:t>zasówb</a:t>
-            </a:r>
-            <a:r>
-              <a:rPr lang="pl-PL" dirty="0"/>
-              <a:t> maszyn ma klastrze) na całym klastrze, dzięki czemu może być równolegle </a:t>
-            </a:r>
-            <a:r>
-              <a:rPr lang="pl-PL" dirty="0" err="1"/>
-              <a:t>przetwrzana</a:t>
-            </a:r>
-            <a:r>
-              <a:rPr lang="pl-PL" dirty="0"/>
-              <a:t> (in </a:t>
+              <a:t> aby móc wykorzystać cały potencjał zasób maszyn ma klastrze) na całym klastrze, dzięki czemu może być równolegle przetwarzania (in </a:t>
             </a:r>
             <a:r>
               <a:rPr lang="pl-PL" dirty="0" err="1"/>
@@ -6184,15 +6160,7 @@
             </a:r>
             <a:r>
               <a:rPr lang="pl-PL" dirty="0"/>
-              <a:t> będzie </a:t>
-            </a:r>
-            <a:r>
-              <a:rPr lang="pl-PL" dirty="0" err="1"/>
-              <a:t>dostepna</a:t>
-            </a:r>
-            <a:r>
-              <a:rPr lang="pl-PL" dirty="0"/>
-              <a:t>, Spark jest w stanie ją ponownie odbudować (dzięki RDD </a:t>
+              <a:t> będzie dostępna, Spark jest w stanie ją ponownie odbudować (dzięki RDD </a:t>
             </a:r>
             <a:r>
               <a:rPr lang="pl-PL" dirty="0" err="1"/>
@@ -6274,15 +6242,7 @@
             </a:r>
             <a:r>
               <a:rPr lang="pl-PL" dirty="0"/>
-              <a:t> transfer. Domyślnie bowiem Spark </a:t>
-            </a:r>
-            <a:r>
-              <a:rPr lang="pl-PL" dirty="0" err="1"/>
-              <a:t>wysyała</a:t>
-            </a:r>
-            <a:r>
-              <a:rPr lang="pl-PL" dirty="0"/>
-              <a:t> każdą zmienna do </a:t>
+              <a:t> transfer. Domyślnie bowiem Spark wysyłała każdą zmienna do </a:t>
             </a:r>
             <a:r>
               <a:rPr lang="pl-PL" dirty="0" err="1"/>
@@ -20193,19 +20153,53 @@
 </file>
 
 <file path=customXml/item1.xml><?xml version="1.0" encoding="utf-8"?>
-<p:properties xmlns:p="http://schemas.microsoft.com/office/2006/metadata/properties" xmlns:xsi="http://www.w3.org/2001/XMLSchema-instance" xmlns:pc="http://schemas.microsoft.com/office/infopath/2007/PartnerControls">
-  <documentManagement>
-    <PublishingExpirationDate xmlns="http://schemas.microsoft.com/sharepoint/v3" xsi:nil="true"/>
-    <PublishingStartDate xmlns="http://schemas.microsoft.com/sharepoint/v3" xsi:nil="true"/>
-    <_dlc_DocId xmlns="3708c738-35ee-46ab-80c7-a8ab2419782e">OBSS-2049071821-626200</_dlc_DocId>
-    <_dlc_DocIdUrl xmlns="3708c738-35ee-46ab-80c7-a8ab2419782e">
-      <Url>https://obss.sharepoint.com/guilds/bids/_layouts/15/DocIdRedir.aspx?ID=OBSS-2049071821-626200</Url>
-      <Description>OBSS-2049071821-626200</Description>
-    </_dlc_DocIdUrl>
-    <TaxCatchAll xmlns="3708c738-35ee-46ab-80c7-a8ab2419782e"/>
-    <Tags xmlns="cb0eccee-0f77-49ec-991a-9389dd455cd9"/>
-  </documentManagement>
-</p:properties>
+<?mso-contentType ?>
+<spe:Receivers xmlns:spe="http://schemas.microsoft.com/sharepoint/events">
+  <Receiver>
+    <Name>Document ID Generator</Name>
+    <Synchronization>Synchronous</Synchronization>
+    <Type>10001</Type>
+    <SequenceNumber>1000</SequenceNumber>
+    <Url/>
+    <Assembly>Microsoft.Office.DocumentManagement, Version=16.0.0.0, Culture=neutral, PublicKeyToken=71e9bce111e9429c</Assembly>
+    <Class>Microsoft.Office.DocumentManagement.Internal.DocIdHandler</Class>
+    <Data/>
+    <Filter/>
+  </Receiver>
+  <Receiver>
+    <Name>Document ID Generator</Name>
+    <Synchronization>Synchronous</Synchronization>
+    <Type>10002</Type>
+    <SequenceNumber>1001</SequenceNumber>
+    <Url/>
+    <Assembly>Microsoft.Office.DocumentManagement, Version=16.0.0.0, Culture=neutral, PublicKeyToken=71e9bce111e9429c</Assembly>
+    <Class>Microsoft.Office.DocumentManagement.Internal.DocIdHandler</Class>
+    <Data/>
+    <Filter/>
+  </Receiver>
+  <Receiver>
+    <Name>Document ID Generator</Name>
+    <Synchronization>Synchronous</Synchronization>
+    <Type>10004</Type>
+    <SequenceNumber>1002</SequenceNumber>
+    <Url/>
+    <Assembly>Microsoft.Office.DocumentManagement, Version=16.0.0.0, Culture=neutral, PublicKeyToken=71e9bce111e9429c</Assembly>
+    <Class>Microsoft.Office.DocumentManagement.Internal.DocIdHandler</Class>
+    <Data/>
+    <Filter/>
+  </Receiver>
+  <Receiver>
+    <Name>Document ID Generator</Name>
+    <Synchronization>Synchronous</Synchronization>
+    <Type>10006</Type>
+    <SequenceNumber>1003</SequenceNumber>
+    <Url/>
+    <Assembly>Microsoft.Office.DocumentManagement, Version=16.0.0.0, Culture=neutral, PublicKeyToken=71e9bce111e9429c</Assembly>
+    <Class>Microsoft.Office.DocumentManagement.Internal.DocIdHandler</Class>
+    <Data/>
+    <Filter/>
+  </Receiver>
+</spe:Receivers>
 </file>
 
 <file path=customXml/item2.xml><?xml version="1.0" encoding="utf-8"?>
@@ -20470,53 +20464,19 @@
 </file>
 
 <file path=customXml/item3.xml><?xml version="1.0" encoding="utf-8"?>
-<?mso-contentType ?>
-<spe:Receivers xmlns:spe="http://schemas.microsoft.com/sharepoint/events">
-  <Receiver>
-    <Name>Document ID Generator</Name>
-    <Synchronization>Synchronous</Synchronization>
-    <Type>10001</Type>
-    <SequenceNumber>1000</SequenceNumber>
-    <Url/>
-    <Assembly>Microsoft.Office.DocumentManagement, Version=16.0.0.0, Culture=neutral, PublicKeyToken=71e9bce111e9429c</Assembly>
-    <Class>Microsoft.Office.DocumentManagement.Internal.DocIdHandler</Class>
-    <Data/>
-    <Filter/>
-  </Receiver>
-  <Receiver>
-    <Name>Document ID Generator</Name>
-    <Synchronization>Synchronous</Synchronization>
-    <Type>10002</Type>
-    <SequenceNumber>1001</SequenceNumber>
-    <Url/>
-    <Assembly>Microsoft.Office.DocumentManagement, Version=16.0.0.0, Culture=neutral, PublicKeyToken=71e9bce111e9429c</Assembly>
-    <Class>Microsoft.Office.DocumentManagement.Internal.DocIdHandler</Class>
-    <Data/>
-    <Filter/>
-  </Receiver>
-  <Receiver>
-    <Name>Document ID Generator</Name>
-    <Synchronization>Synchronous</Synchronization>
-    <Type>10004</Type>
-    <SequenceNumber>1002</SequenceNumber>
-    <Url/>
-    <Assembly>Microsoft.Office.DocumentManagement, Version=16.0.0.0, Culture=neutral, PublicKeyToken=71e9bce111e9429c</Assembly>
-    <Class>Microsoft.Office.DocumentManagement.Internal.DocIdHandler</Class>
-    <Data/>
-    <Filter/>
-  </Receiver>
-  <Receiver>
-    <Name>Document ID Generator</Name>
-    <Synchronization>Synchronous</Synchronization>
-    <Type>10006</Type>
-    <SequenceNumber>1003</SequenceNumber>
-    <Url/>
-    <Assembly>Microsoft.Office.DocumentManagement, Version=16.0.0.0, Culture=neutral, PublicKeyToken=71e9bce111e9429c</Assembly>
-    <Class>Microsoft.Office.DocumentManagement.Internal.DocIdHandler</Class>
-    <Data/>
-    <Filter/>
-  </Receiver>
-</spe:Receivers>
+<p:properties xmlns:p="http://schemas.microsoft.com/office/2006/metadata/properties" xmlns:xsi="http://www.w3.org/2001/XMLSchema-instance" xmlns:pc="http://schemas.microsoft.com/office/infopath/2007/PartnerControls">
+  <documentManagement>
+    <PublishingExpirationDate xmlns="http://schemas.microsoft.com/sharepoint/v3" xsi:nil="true"/>
+    <PublishingStartDate xmlns="http://schemas.microsoft.com/sharepoint/v3" xsi:nil="true"/>
+    <_dlc_DocId xmlns="3708c738-35ee-46ab-80c7-a8ab2419782e">OBSS-2049071821-626200</_dlc_DocId>
+    <_dlc_DocIdUrl xmlns="3708c738-35ee-46ab-80c7-a8ab2419782e">
+      <Url>https://obss.sharepoint.com/guilds/bids/_layouts/15/DocIdRedir.aspx?ID=OBSS-2049071821-626200</Url>
+      <Description>OBSS-2049071821-626200</Description>
+    </_dlc_DocIdUrl>
+    <TaxCatchAll xmlns="3708c738-35ee-46ab-80c7-a8ab2419782e"/>
+    <Tags xmlns="cb0eccee-0f77-49ec-991a-9389dd455cd9"/>
+  </documentManagement>
+</p:properties>
 </file>
 
 <file path=customXml/item4.xml><?xml version="1.0" encoding="utf-8"?>
@@ -20529,13 +20489,9 @@
 </file>
 
 <file path=customXml/itemProps1.xml><?xml version="1.0" encoding="utf-8"?>
-<ds:datastoreItem xmlns:ds="http://schemas.openxmlformats.org/officeDocument/2006/customXml" ds:itemID="{C053F735-BAB9-4147-90B7-05A702639313}">
+<ds:datastoreItem xmlns:ds="http://schemas.openxmlformats.org/officeDocument/2006/customXml" ds:itemID="{0971A6D6-1C30-4849-8471-7486F20BE09D}">
   <ds:schemaRefs>
-    <ds:schemaRef ds:uri="http://schemas.microsoft.com/office/2006/metadata/properties"/>
-    <ds:schemaRef ds:uri="http://schemas.microsoft.com/office/infopath/2007/PartnerControls"/>
-    <ds:schemaRef ds:uri="http://schemas.microsoft.com/sharepoint/v3"/>
-    <ds:schemaRef ds:uri="3708c738-35ee-46ab-80c7-a8ab2419782e"/>
-    <ds:schemaRef ds:uri="cb0eccee-0f77-49ec-991a-9389dd455cd9"/>
+    <ds:schemaRef ds:uri="http://schemas.microsoft.com/sharepoint/events"/>
   </ds:schemaRefs>
 </ds:datastoreItem>
 </file>
@@ -20562,9 +20518,13 @@
 </file>
 
 <file path=customXml/itemProps3.xml><?xml version="1.0" encoding="utf-8"?>
-<ds:datastoreItem xmlns:ds="http://schemas.openxmlformats.org/officeDocument/2006/customXml" ds:itemID="{0971A6D6-1C30-4849-8471-7486F20BE09D}">
+<ds:datastoreItem xmlns:ds="http://schemas.openxmlformats.org/officeDocument/2006/customXml" ds:itemID="{C053F735-BAB9-4147-90B7-05A702639313}">
   <ds:schemaRefs>
-    <ds:schemaRef ds:uri="http://schemas.microsoft.com/sharepoint/events"/>
+    <ds:schemaRef ds:uri="http://schemas.microsoft.com/office/2006/metadata/properties"/>
+    <ds:schemaRef ds:uri="http://schemas.microsoft.com/office/infopath/2007/PartnerControls"/>
+    <ds:schemaRef ds:uri="http://schemas.microsoft.com/sharepoint/v3"/>
+    <ds:schemaRef ds:uri="3708c738-35ee-46ab-80c7-a8ab2419782e"/>
+    <ds:schemaRef ds:uri="cb0eccee-0f77-49ec-991a-9389dd455cd9"/>
   </ds:schemaRefs>
 </ds:datastoreItem>
 </file>

--- a/src/main/resources/slides.pptx
+++ b/src/main/resources/slides.pptx
@@ -769,6 +769,53 @@
           <a:bodyPr/>
           <a:lstStyle/>
           <a:p>
+            <a:pPr marL="171450" marR="0" lvl="0" indent="-171450" algn="l" defTabSz="914400" rtl="0" eaLnBrk="1" fontAlgn="auto" latinLnBrk="0" hangingPunct="1">
+              <a:lnSpc>
+                <a:spcPct val="100000"/>
+              </a:lnSpc>
+              <a:spcBef>
+                <a:spcPts val="0"/>
+              </a:spcBef>
+              <a:spcAft>
+                <a:spcPts val="0"/>
+              </a:spcAft>
+              <a:buClrTx/>
+              <a:buSzTx/>
+              <a:buFontTx/>
+              <a:buChar char="-"/>
+              <a:tabLst/>
+              <a:defRPr/>
+            </a:pPr>
+            <a:r>
+              <a:rPr lang="pl-PL" dirty="0"/>
+              <a:t>Komercyjne doświadczenia jakie mamy w naszej firmie ze Sparkiem i Scalą (</a:t>
+            </a:r>
+            <a:r>
+              <a:rPr lang="pl-PL" dirty="0" err="1"/>
+              <a:t>Firehose</a:t>
+            </a:r>
+            <a:r>
+              <a:rPr lang="pl-PL" dirty="0"/>
+              <a:t>) i SMACKIEM (Spark, </a:t>
+            </a:r>
+            <a:r>
+              <a:rPr lang="pl-PL" dirty="0" err="1"/>
+              <a:t>Yarn</a:t>
+            </a:r>
+            <a:r>
+              <a:rPr lang="pl-PL" dirty="0"/>
+              <a:t>, </a:t>
+            </a:r>
+            <a:r>
+              <a:rPr lang="pl-PL" dirty="0" err="1"/>
+              <a:t>Hbase</a:t>
+            </a:r>
+            <a:r>
+              <a:rPr lang="pl-PL" dirty="0"/>
+              <a:t>)</a:t>
+            </a:r>
+          </a:p>
+          <a:p>
             <a:pPr marL="171450" indent="-171450">
               <a:buFontTx/>
               <a:buChar char="-"/>
@@ -785,31 +832,7 @@
             </a:pPr>
             <a:r>
               <a:rPr lang="pl-PL" dirty="0"/>
-              <a:t>Komercyjne doświadczenia jakie mamy w naszej firmie ze Sparkiem i Scalą (</a:t>
-            </a:r>
-            <a:r>
-              <a:rPr lang="pl-PL" dirty="0" err="1"/>
-              <a:t>Firehose</a:t>
-            </a:r>
-            <a:r>
-              <a:rPr lang="pl-PL" dirty="0"/>
-              <a:t>) i SMACKIEM (Spark, </a:t>
-            </a:r>
-            <a:r>
-              <a:rPr lang="pl-PL" dirty="0" err="1"/>
-              <a:t>Yarn</a:t>
-            </a:r>
-            <a:r>
-              <a:rPr lang="pl-PL" dirty="0"/>
-              <a:t>, </a:t>
-            </a:r>
-            <a:r>
-              <a:rPr lang="pl-PL" dirty="0" err="1"/>
-              <a:t>Hbase</a:t>
-            </a:r>
-            <a:r>
-              <a:rPr lang="pl-PL" dirty="0"/>
-              <a:t>)</a:t>
+              <a:t>Jeśli będą pytania, to proszę na końcu, gdyż chciałbym wiedzieć ile czasu potrzebuję na samą prezentacje i demo, aby zdążyć.</a:t>
             </a:r>
           </a:p>
         </p:txBody>
@@ -1821,12 +1844,16 @@
           </a:p>
           <a:p>
             <a:r>
-              <a:rPr lang="en-US" dirty="0"/>
+              <a:rPr lang="en-US" b="1" dirty="0"/>
               <a:t>Scala </a:t>
             </a:r>
             <a:r>
-              <a:rPr lang="pl-PL" dirty="0"/>
-              <a:t>nie jest doskonała, jak każdy język. Są dwie główne wady w porównaniu do </a:t>
+              <a:rPr lang="pl-PL" b="1" dirty="0"/>
+              <a:t>nie jest doskonała, jak każdy język. </a:t>
+            </a:r>
+            <a:r>
+              <a:rPr lang="pl-PL" dirty="0"/>
+              <a:t>Są dwie główne wady w porównaniu do </a:t>
             </a:r>
             <a:r>
               <a:rPr lang="en-US" dirty="0"/>
@@ -3403,7 +3430,29 @@
                 <a:ea typeface="+mn-ea"/>
                 <a:cs typeface="+mn-cs"/>
               </a:rPr>
-              <a:t>The SMACK acronym was coined by</a:t>
+              <a:t>The </a:t>
+            </a:r>
+            <a:r>
+              <a:rPr lang="en-US" sz="1200" b="1" i="0" u="none" strike="noStrike" kern="1200" baseline="0" dirty="0">
+                <a:solidFill>
+                  <a:schemeClr val="tx1"/>
+                </a:solidFill>
+                <a:latin typeface="+mn-lt"/>
+                <a:ea typeface="+mn-ea"/>
+                <a:cs typeface="+mn-cs"/>
+              </a:rPr>
+              <a:t>SMACK</a:t>
+            </a:r>
+            <a:r>
+              <a:rPr lang="en-US" sz="1200" b="0" i="0" u="none" strike="noStrike" kern="1200" baseline="0" dirty="0">
+                <a:solidFill>
+                  <a:schemeClr val="tx1"/>
+                </a:solidFill>
+                <a:latin typeface="+mn-lt"/>
+                <a:ea typeface="+mn-ea"/>
+                <a:cs typeface="+mn-cs"/>
+              </a:rPr>
+              <a:t> acronym was coined by</a:t>
             </a:r>
             <a:r>
               <a:rPr lang="pl-PL" sz="1200" b="0" i="0" u="none" strike="noStrike" kern="1200" baseline="0" dirty="0">
@@ -3461,6 +3510,18 @@
           </a:p>
           <a:p>
             <a:r>
+              <a:rPr lang="en-US" sz="1200" b="1" i="0" kern="1200" dirty="0">
+                <a:solidFill>
+                  <a:schemeClr val="tx1"/>
+                </a:solidFill>
+                <a:effectLst/>
+                <a:latin typeface="+mn-lt"/>
+                <a:ea typeface="+mn-ea"/>
+                <a:cs typeface="+mn-cs"/>
+              </a:rPr>
+              <a:t>Spark</a:t>
+            </a:r>
+            <a:r>
               <a:rPr lang="en-US" sz="1200" b="0" i="0" kern="1200" dirty="0">
                 <a:solidFill>
                   <a:schemeClr val="tx1"/>
@@ -3470,10 +3531,22 @@
                 <a:ea typeface="+mn-ea"/>
                 <a:cs typeface="+mn-cs"/>
               </a:rPr>
-              <a:t>Spark — a fast and general engine for distributed large-scale data processing.</a:t>
-            </a:r>
-          </a:p>
-          <a:p>
+              <a:t> — a fast and general engine for distributed large-scale data processing.</a:t>
+            </a:r>
+          </a:p>
+          <a:p>
+            <a:r>
+              <a:rPr lang="en-US" sz="1200" b="1" i="0" kern="1200" dirty="0">
+                <a:solidFill>
+                  <a:schemeClr val="tx1"/>
+                </a:solidFill>
+                <a:effectLst/>
+                <a:latin typeface="+mn-lt"/>
+                <a:ea typeface="+mn-ea"/>
+                <a:cs typeface="+mn-cs"/>
+              </a:rPr>
+              <a:t>Mesos</a:t>
+            </a:r>
             <a:r>
               <a:rPr lang="en-US" sz="1200" b="0" i="0" kern="1200" dirty="0">
                 <a:solidFill>
@@ -3484,12 +3557,12 @@
                 <a:ea typeface="+mn-ea"/>
                 <a:cs typeface="+mn-cs"/>
               </a:rPr>
-              <a:t>Mesos — a cluster resource management system that provides efficient resource isolation and sharing across distributed applications.</a:t>
-            </a:r>
-          </a:p>
-          <a:p>
-            <a:r>
-              <a:rPr lang="en-US" sz="1200" b="0" i="0" kern="1200" dirty="0" err="1">
+              <a:t> — a cluster resource management system that provides efficient resource isolation and sharing across distributed applications.</a:t>
+            </a:r>
+          </a:p>
+          <a:p>
+            <a:r>
+              <a:rPr lang="en-US" sz="1200" b="1" i="0" kern="1200" dirty="0" err="1">
                 <a:solidFill>
                   <a:schemeClr val="tx1"/>
                 </a:solidFill>
@@ -3515,6 +3588,18 @@
           </a:p>
           <a:p>
             <a:r>
+              <a:rPr lang="en-US" sz="1200" b="1" i="0" kern="1200" dirty="0">
+                <a:solidFill>
+                  <a:schemeClr val="tx1"/>
+                </a:solidFill>
+                <a:effectLst/>
+                <a:latin typeface="+mn-lt"/>
+                <a:ea typeface="+mn-ea"/>
+                <a:cs typeface="+mn-cs"/>
+              </a:rPr>
+              <a:t>Cassandra</a:t>
+            </a:r>
+            <a:r>
               <a:rPr lang="en-US" sz="1200" b="0" i="0" kern="1200" dirty="0">
                 <a:solidFill>
                   <a:schemeClr val="tx1"/>
@@ -3524,10 +3609,22 @@
                 <a:ea typeface="+mn-ea"/>
                 <a:cs typeface="+mn-cs"/>
               </a:rPr>
-              <a:t>Cassandra — a distributed highly available database designed to handle large amounts of data across multiple datacenters.</a:t>
-            </a:r>
-          </a:p>
-          <a:p>
+              <a:t> — a distributed highly available database designed to handle large amounts of data across multiple datacenters.</a:t>
+            </a:r>
+          </a:p>
+          <a:p>
+            <a:r>
+              <a:rPr lang="en-US" sz="1200" b="1" i="0" kern="1200" dirty="0">
+                <a:solidFill>
+                  <a:schemeClr val="tx1"/>
+                </a:solidFill>
+                <a:effectLst/>
+                <a:latin typeface="+mn-lt"/>
+                <a:ea typeface="+mn-ea"/>
+                <a:cs typeface="+mn-cs"/>
+              </a:rPr>
+              <a:t>Kafka</a:t>
+            </a:r>
             <a:r>
               <a:rPr lang="en-US" sz="1200" b="0" i="0" kern="1200" dirty="0">
                 <a:solidFill>
@@ -3538,11 +3635,17 @@
                 <a:ea typeface="+mn-ea"/>
                 <a:cs typeface="+mn-cs"/>
               </a:rPr>
-              <a:t>Kafka — a high-throughput, low-latency distributed messaging system/commit log designed for handling real-time data feeds.</a:t>
+              <a:t> — a high-throughput, low-latency distributed messaging system/commit log designed for handling real-time data feeds.</a:t>
             </a:r>
           </a:p>
           <a:p>
             <a:endParaRPr lang="pl-PL" dirty="0"/>
+          </a:p>
+          <a:p>
+            <a:r>
+              <a:rPr lang="pl-PL" dirty="0"/>
+              <a:t>Krótko o doświadczeniach z każdą technologią w naszej firmie.</a:t>
+            </a:r>
           </a:p>
           <a:p>
             <a:endParaRPr lang="pl-PL" dirty="0"/>

--- a/src/main/resources/slides.pptx
+++ b/src/main/resources/slides.pptx
@@ -5,10 +5,10 @@
     <p:sldMasterId id="2147483684" r:id="rId5"/>
   </p:sldMasterIdLst>
   <p:notesMasterIdLst>
-    <p:notesMasterId r:id="rId30"/>
+    <p:notesMasterId r:id="rId29"/>
   </p:notesMasterIdLst>
   <p:handoutMasterIdLst>
-    <p:handoutMasterId r:id="rId31"/>
+    <p:handoutMasterId r:id="rId30"/>
   </p:handoutMasterIdLst>
   <p:sldIdLst>
     <p:sldId id="258" r:id="rId6"/>
@@ -19,22 +19,21 @@
     <p:sldId id="278" r:id="rId11"/>
     <p:sldId id="281" r:id="rId12"/>
     <p:sldId id="282" r:id="rId13"/>
-    <p:sldId id="283" r:id="rId14"/>
-    <p:sldId id="284" r:id="rId15"/>
+    <p:sldId id="284" r:id="rId14"/>
+    <p:sldId id="283" r:id="rId15"/>
     <p:sldId id="285" r:id="rId16"/>
     <p:sldId id="279" r:id="rId17"/>
     <p:sldId id="286" r:id="rId18"/>
     <p:sldId id="287" r:id="rId19"/>
     <p:sldId id="288" r:id="rId20"/>
     <p:sldId id="289" r:id="rId21"/>
-    <p:sldId id="291" r:id="rId22"/>
-    <p:sldId id="293" r:id="rId23"/>
-    <p:sldId id="302" r:id="rId24"/>
-    <p:sldId id="292" r:id="rId25"/>
-    <p:sldId id="294" r:id="rId26"/>
-    <p:sldId id="300" r:id="rId27"/>
-    <p:sldId id="301" r:id="rId28"/>
-    <p:sldId id="296" r:id="rId29"/>
+    <p:sldId id="301" r:id="rId22"/>
+    <p:sldId id="296" r:id="rId23"/>
+    <p:sldId id="292" r:id="rId24"/>
+    <p:sldId id="294" r:id="rId25"/>
+    <p:sldId id="291" r:id="rId26"/>
+    <p:sldId id="293" r:id="rId27"/>
+    <p:sldId id="300" r:id="rId28"/>
   </p:sldIdLst>
   <p:sldSz cx="9144000" cy="5143500" type="screen16x9"/>
   <p:notesSz cx="6858000" cy="9144000"/>
@@ -896,111 +895,287 @@
           <a:p>
             <a:r>
               <a:rPr lang="pl-PL" dirty="0"/>
-              <a:t>Nasza aplikacja składa się z </a:t>
-            </a:r>
+              <a:t>Spark (jak każdy </a:t>
+            </a:r>
+            <a:r>
+              <a:rPr lang="pl-PL" dirty="0" err="1"/>
+              <a:t>framework</a:t>
+            </a:r>
+            <a:r>
+              <a:rPr lang="pl-PL" dirty="0"/>
+              <a:t>) wprowadza kilka abstrakcji. Każda z tych abstrakcji w zasadzie reprezentuje rozporoszoną (</a:t>
+            </a:r>
+            <a:r>
+              <a:rPr lang="pl-PL" dirty="0" err="1"/>
+              <a:t>distributed</a:t>
+            </a:r>
+            <a:r>
+              <a:rPr lang="pl-PL" dirty="0"/>
+              <a:t>) kolekcję danych.</a:t>
+            </a:r>
+          </a:p>
+          <a:p>
+            <a:pPr marL="171450" indent="-171450">
+              <a:buFontTx/>
+              <a:buChar char="-"/>
+            </a:pPr>
             <a:r>
               <a:rPr lang="pl-PL" b="1" dirty="0"/>
-              <a:t>driver procesu </a:t>
-            </a:r>
-            <a:r>
-              <a:rPr lang="pl-PL" dirty="0"/>
-              <a:t>i </a:t>
+              <a:t>RDD (</a:t>
             </a:r>
             <a:r>
               <a:rPr lang="pl-PL" b="1" dirty="0" err="1"/>
-              <a:t>executor</a:t>
+              <a:t>Resilient</a:t>
             </a:r>
             <a:r>
               <a:rPr lang="pl-PL" b="1" dirty="0"/>
-              <a:t> procesów</a:t>
-            </a:r>
-            <a:r>
-              <a:rPr lang="pl-PL" dirty="0"/>
-              <a:t>. </a:t>
-            </a:r>
-          </a:p>
-          <a:p>
-            <a:r>
-              <a:rPr lang="pl-PL" dirty="0"/>
-              <a:t>Driver proces to serce aplikacji, uruchamiania on funkcje </a:t>
+              <a:t> Distributed </a:t>
+            </a:r>
+            <a:r>
+              <a:rPr lang="pl-PL" b="1" dirty="0" err="1"/>
+              <a:t>Datasets</a:t>
+            </a:r>
+            <a:r>
+              <a:rPr lang="pl-PL" b="1" dirty="0"/>
+              <a:t>)– </a:t>
+            </a:r>
+            <a:r>
+              <a:rPr lang="pl-PL" dirty="0"/>
+              <a:t>podstawowa abstrakcja Sparka w wersja od 1 do 2, bez względu jaki typ kolekcji użyjemy, ostatecznie Spark kompiluje do RDD.  RDD to niezmienna (</a:t>
             </a:r>
             <a:r>
               <a:rPr lang="pl-PL" dirty="0" err="1"/>
-              <a:t>main</a:t>
-            </a:r>
-            <a:r>
-              <a:rPr lang="pl-PL" dirty="0"/>
-              <a:t>() naszej aplikacji, działa na jednym z </a:t>
+              <a:t>immutable</a:t>
+            </a:r>
+            <a:r>
+              <a:rPr lang="pl-PL" dirty="0"/>
+              <a:t>) kolekcja danych, partycjonowana (dzielona na </a:t>
             </a:r>
             <a:r>
               <a:rPr lang="pl-PL" dirty="0" err="1"/>
-              <a:t>node’ów</a:t>
-            </a:r>
-            <a:r>
-              <a:rPr lang="pl-PL" dirty="0"/>
-              <a:t> na klastrze i jest odpowiedzialny za dystrybucje i </a:t>
+              <a:t>chunki</a:t>
+            </a:r>
+            <a:r>
+              <a:rPr lang="pl-PL" dirty="0"/>
+              <a:t> aby móc wykorzystać cały potencjał zasób maszyn ma klastrze) na całym klastrze, dzięki czemu może być równolegle przetwarzania (in </a:t>
             </a:r>
             <a:r>
               <a:rPr lang="pl-PL" dirty="0" err="1"/>
-              <a:t>scheduling</a:t>
-            </a:r>
-            <a:r>
-              <a:rPr lang="pl-PL" dirty="0"/>
-              <a:t> pracy do wykonania między </a:t>
+              <a:t>parallel</a:t>
+            </a:r>
+            <a:r>
+              <a:rPr lang="pl-PL" dirty="0"/>
+              <a:t>). Wierszem w takiej kolekcji jest po prostu jakiś obiekt w języku programowania który używasz. Dzięki temu mamy pełną kontrolę na przechowywanymi obiektami, ale nie bez kompromisów. Każda manipulacja na swoich obiektach, zmusza Cię do wynalezienia na nowo koła (np. </a:t>
             </a:r>
             <a:r>
               <a:rPr lang="pl-PL" dirty="0" err="1"/>
-              <a:t>executory</a:t>
-            </a:r>
-            <a:r>
-              <a:rPr lang="pl-PL" dirty="0"/>
-              <a:t>. W tym celu wykorzystuje </a:t>
+              <a:t>serliazacja</a:t>
+            </a:r>
+            <a:r>
+              <a:rPr lang="pl-PL" dirty="0"/>
+              <a:t>). </a:t>
             </a:r>
             <a:r>
               <a:rPr lang="pl-PL" dirty="0" err="1"/>
-              <a:t>cluster</a:t>
-            </a:r>
-            <a:r>
-              <a:rPr lang="pl-PL" dirty="0"/>
-              <a:t> managera aby wiedzieć które zasoby są dostępne.</a:t>
-            </a:r>
-          </a:p>
-          <a:p>
-            <a:r>
-              <a:rPr lang="pl-PL" dirty="0"/>
-              <a:t>Cluster managerem może być np. YARN, MESOS.</a:t>
-            </a:r>
-          </a:p>
-          <a:p>
+              <a:t>Resilient</a:t>
+            </a:r>
+            <a:r>
+              <a:rPr lang="pl-PL" dirty="0"/>
+              <a:t> oznacza </a:t>
+            </a:r>
+            <a:r>
+              <a:rPr lang="pl-PL" dirty="0" err="1"/>
+              <a:t>fault</a:t>
+            </a:r>
+            <a:r>
+              <a:rPr lang="pl-PL" dirty="0"/>
+              <a:t>-tolerant, czyli jeśli jakaś partycja z powodu awarii </a:t>
+            </a:r>
+            <a:r>
+              <a:rPr lang="pl-PL" dirty="0" err="1"/>
+              <a:t>noda</a:t>
+            </a:r>
+            <a:r>
+              <a:rPr lang="pl-PL" dirty="0"/>
+              <a:t> w </a:t>
+            </a:r>
+            <a:r>
+              <a:rPr lang="pl-PL" dirty="0" err="1"/>
+              <a:t>clustrze</a:t>
+            </a:r>
+            <a:r>
+              <a:rPr lang="pl-PL" dirty="0"/>
+              <a:t> </a:t>
+            </a:r>
+            <a:r>
+              <a:rPr lang="pl-PL" dirty="0" err="1"/>
+              <a:t>nię</a:t>
+            </a:r>
+            <a:r>
+              <a:rPr lang="pl-PL" dirty="0"/>
+              <a:t> będzie dostępna, Spark jest w stanie ją ponownie odbudować (dzięki RDD </a:t>
+            </a:r>
+            <a:r>
+              <a:rPr lang="pl-PL" dirty="0" err="1"/>
+              <a:t>lineage</a:t>
+            </a:r>
+            <a:r>
+              <a:rPr lang="pl-PL" dirty="0"/>
+              <a:t>).</a:t>
+            </a:r>
+          </a:p>
+          <a:p>
+            <a:pPr marL="171450" indent="-171450">
+              <a:buFontTx/>
+              <a:buChar char="-"/>
+            </a:pPr>
             <a:r>
               <a:rPr lang="pl-PL" b="1" dirty="0" err="1"/>
-              <a:t>Execuotry</a:t>
-            </a:r>
-            <a:r>
-              <a:rPr lang="pl-PL" dirty="0"/>
-              <a:t> odpowiedzialne są za wykonanie pracy delegowanej przez driver i raportowanie postępu z powrotem do drivera.</a:t>
-            </a:r>
-          </a:p>
-          <a:p>
-            <a:r>
-              <a:rPr lang="pl-PL" dirty="0"/>
-              <a:t>Spark </a:t>
+              <a:t>Ditributet</a:t>
+            </a:r>
+            <a:r>
+              <a:rPr lang="pl-PL" b="1" dirty="0"/>
+              <a:t> </a:t>
+            </a:r>
+            <a:r>
+              <a:rPr lang="pl-PL" b="1" dirty="0" err="1"/>
+              <a:t>values</a:t>
+            </a:r>
+            <a:r>
+              <a:rPr lang="pl-PL" b="1" dirty="0"/>
+              <a:t> (broadcast) </a:t>
+            </a:r>
+            <a:r>
+              <a:rPr lang="pl-PL" dirty="0"/>
+              <a:t>– pozwala na </a:t>
             </a:r>
             <a:r>
               <a:rPr lang="pl-PL" dirty="0" err="1"/>
-              <a:t>Session</a:t>
-            </a:r>
-            <a:r>
-              <a:rPr lang="pl-PL" dirty="0"/>
-              <a:t> to punkt wejściowy do </a:t>
+              <a:t>wyslanie</a:t>
+            </a:r>
+            <a:r>
+              <a:rPr lang="pl-PL" dirty="0"/>
+              <a:t> stosukowo dużych ale tylko do odczytu </a:t>
             </a:r>
             <a:r>
               <a:rPr lang="pl-PL" dirty="0" err="1"/>
-              <a:t>framworka</a:t>
-            </a:r>
-            <a:r>
-              <a:rPr lang="pl-PL" dirty="0"/>
-              <a:t> Sparka.</a:t>
+              <a:t>datasetów</a:t>
+            </a:r>
+            <a:r>
+              <a:rPr lang="pl-PL" dirty="0"/>
+              <a:t> do </a:t>
+            </a:r>
+            <a:r>
+              <a:rPr lang="pl-PL" dirty="0" err="1"/>
+              <a:t>worker</a:t>
+            </a:r>
+            <a:r>
+              <a:rPr lang="pl-PL" dirty="0"/>
+              <a:t> </a:t>
+            </a:r>
+            <a:r>
+              <a:rPr lang="pl-PL" dirty="0" err="1"/>
+              <a:t>nodów</a:t>
+            </a:r>
+            <a:r>
+              <a:rPr lang="pl-PL" dirty="0"/>
+              <a:t> (</a:t>
+            </a:r>
+            <a:r>
+              <a:rPr lang="pl-PL" dirty="0" err="1"/>
+              <a:t>executorów</a:t>
+            </a:r>
+            <a:r>
+              <a:rPr lang="pl-PL" dirty="0"/>
+              <a:t>). Znacznie redukuje </a:t>
+            </a:r>
+            <a:r>
+              <a:rPr lang="pl-PL" dirty="0" err="1"/>
+              <a:t>netwokr</a:t>
+            </a:r>
+            <a:r>
+              <a:rPr lang="pl-PL" dirty="0"/>
+              <a:t> transfer. Domyślnie bowiem Spark wysyłała każdą zmienna do </a:t>
+            </a:r>
+            <a:r>
+              <a:rPr lang="pl-PL" dirty="0" err="1"/>
+              <a:t>worker</a:t>
+            </a:r>
+            <a:r>
+              <a:rPr lang="pl-PL" dirty="0"/>
+              <a:t> </a:t>
+            </a:r>
+            <a:r>
+              <a:rPr lang="pl-PL" dirty="0" err="1"/>
+              <a:t>nodów</a:t>
+            </a:r>
+            <a:r>
+              <a:rPr lang="pl-PL" dirty="0"/>
+              <a:t> dla każdej operacji </a:t>
+            </a:r>
+            <a:r>
+              <a:rPr lang="pl-PL" dirty="0" err="1"/>
+              <a:t>mna</a:t>
+            </a:r>
+            <a:r>
+              <a:rPr lang="pl-PL" dirty="0"/>
+              <a:t> danych.</a:t>
+            </a:r>
+          </a:p>
+          <a:p>
+            <a:pPr marL="171450" indent="-171450">
+              <a:buFontTx/>
+              <a:buChar char="-"/>
+            </a:pPr>
+            <a:r>
+              <a:rPr lang="pl-PL" b="1" dirty="0" err="1"/>
+              <a:t>DataFramne</a:t>
+            </a:r>
+            <a:r>
+              <a:rPr lang="pl-PL" dirty="0"/>
+              <a:t> – najprościej to tabela z kolumnami i wierszami, jak arkusz kalkulacyjny w Excelu. </a:t>
+            </a:r>
+            <a:r>
+              <a:rPr lang="pl-PL" dirty="0" err="1"/>
+              <a:t>Dataframe</a:t>
+            </a:r>
+            <a:r>
+              <a:rPr lang="pl-PL" dirty="0"/>
+              <a:t> jest jednak rozproszony na całym klastrze, gdyż po pierwsze mógłby nie zmieścić się na jednej maszynie, lub ta maszyna nie byłaby w stanie go przetworzyć albo trwałoby to bardzo długo. </a:t>
+            </a:r>
+          </a:p>
+          <a:p>
+            <a:pPr marL="0" indent="0">
+              <a:buFontTx/>
+              <a:buNone/>
+            </a:pPr>
+            <a:r>
+              <a:rPr lang="pl-PL" dirty="0"/>
+              <a:t>-   </a:t>
+            </a:r>
+            <a:r>
+              <a:rPr lang="pl-PL" b="1" dirty="0" err="1"/>
+              <a:t>Dataset</a:t>
+            </a:r>
+            <a:r>
+              <a:rPr lang="pl-PL" dirty="0"/>
+              <a:t> – </a:t>
+            </a:r>
+            <a:r>
+              <a:rPr lang="pl-PL" dirty="0" err="1"/>
+              <a:t>strongly-typed</a:t>
+            </a:r>
+            <a:r>
+              <a:rPr lang="pl-PL" dirty="0"/>
+              <a:t> </a:t>
+            </a:r>
+            <a:r>
+              <a:rPr lang="pl-PL" dirty="0" err="1"/>
+              <a:t>dafaframe</a:t>
+            </a:r>
+            <a:r>
+              <a:rPr lang="pl-PL" dirty="0"/>
+              <a:t>.</a:t>
             </a:r>
           </a:p>
         </p:txBody>
@@ -1008,7 +1183,7 @@
     </p:spTree>
     <p:extLst>
       <p:ext uri="{BB962C8B-B14F-4D97-AF65-F5344CB8AC3E}">
-        <p14:creationId xmlns:p14="http://schemas.microsoft.com/office/powerpoint/2010/main" val="3532789281"/>
+        <p14:creationId xmlns:p14="http://schemas.microsoft.com/office/powerpoint/2010/main" val="1396449375"/>
       </p:ext>
     </p:extLst>
   </p:cSld>
@@ -2185,490 +2360,6 @@
           <a:bodyPr/>
           <a:lstStyle/>
           <a:p>
-            <a:r>
-              <a:rPr lang="pl-PL" sz="1200" b="0" i="0" u="none" strike="noStrike" kern="1200" baseline="0" dirty="0">
-                <a:solidFill>
-                  <a:schemeClr val="tx1"/>
-                </a:solidFill>
-                <a:latin typeface="+mn-lt"/>
-                <a:ea typeface="+mn-ea"/>
-                <a:cs typeface="+mn-cs"/>
-              </a:rPr>
-              <a:t>Case </a:t>
-            </a:r>
-            <a:r>
-              <a:rPr lang="pl-PL" sz="1200" b="0" i="0" u="none" strike="noStrike" kern="1200" baseline="0" dirty="0" err="1">
-                <a:solidFill>
-                  <a:schemeClr val="tx1"/>
-                </a:solidFill>
-                <a:latin typeface="+mn-lt"/>
-                <a:ea typeface="+mn-ea"/>
-                <a:cs typeface="+mn-cs"/>
-              </a:rPr>
-              <a:t>classes</a:t>
-            </a:r>
-            <a:r>
-              <a:rPr lang="pl-PL" sz="1200" b="0" i="0" u="none" strike="noStrike" kern="1200" baseline="0" dirty="0">
-                <a:solidFill>
-                  <a:schemeClr val="tx1"/>
-                </a:solidFill>
-                <a:latin typeface="+mn-lt"/>
-                <a:ea typeface="+mn-ea"/>
-                <a:cs typeface="+mn-cs"/>
-              </a:rPr>
-              <a:t> to sposób Scali na umożliwienie </a:t>
-            </a:r>
-            <a:r>
-              <a:rPr lang="pl-PL" sz="1200" b="0" i="0" u="none" strike="noStrike" kern="1200" baseline="0" dirty="0" err="1">
-                <a:solidFill>
-                  <a:schemeClr val="tx1"/>
-                </a:solidFill>
-                <a:latin typeface="+mn-lt"/>
-                <a:ea typeface="+mn-ea"/>
-                <a:cs typeface="+mn-cs"/>
-              </a:rPr>
-              <a:t>pattern</a:t>
-            </a:r>
-            <a:r>
-              <a:rPr lang="pl-PL" sz="1200" b="0" i="0" u="none" strike="noStrike" kern="1200" baseline="0" dirty="0">
-                <a:solidFill>
-                  <a:schemeClr val="tx1"/>
-                </a:solidFill>
-                <a:latin typeface="+mn-lt"/>
-                <a:ea typeface="+mn-ea"/>
-                <a:cs typeface="+mn-cs"/>
-              </a:rPr>
-              <a:t> </a:t>
-            </a:r>
-            <a:r>
-              <a:rPr lang="pl-PL" sz="1200" b="0" i="0" u="none" strike="noStrike" kern="1200" baseline="0" dirty="0" err="1">
-                <a:solidFill>
-                  <a:schemeClr val="tx1"/>
-                </a:solidFill>
-                <a:latin typeface="+mn-lt"/>
-                <a:ea typeface="+mn-ea"/>
-                <a:cs typeface="+mn-cs"/>
-              </a:rPr>
-              <a:t>matchingu</a:t>
-            </a:r>
-            <a:r>
-              <a:rPr lang="pl-PL" sz="1200" b="0" i="0" u="none" strike="noStrike" kern="1200" baseline="0" dirty="0">
-                <a:solidFill>
-                  <a:schemeClr val="tx1"/>
-                </a:solidFill>
-                <a:latin typeface="+mn-lt"/>
-                <a:ea typeface="+mn-ea"/>
-                <a:cs typeface="+mn-cs"/>
-              </a:rPr>
-              <a:t> na obiektach bez konieczności pisanie dużej ilości </a:t>
-            </a:r>
-            <a:r>
-              <a:rPr lang="pl-PL" sz="1200" b="0" i="0" u="none" strike="noStrike" kern="1200" baseline="0" dirty="0" err="1">
-                <a:solidFill>
-                  <a:schemeClr val="tx1"/>
-                </a:solidFill>
-                <a:latin typeface="+mn-lt"/>
-                <a:ea typeface="+mn-ea"/>
-                <a:cs typeface="+mn-cs"/>
-              </a:rPr>
-              <a:t>boiler</a:t>
-            </a:r>
-            <a:r>
-              <a:rPr lang="pl-PL" sz="1200" b="0" i="0" u="none" strike="noStrike" kern="1200" baseline="0" dirty="0">
-                <a:solidFill>
-                  <a:schemeClr val="tx1"/>
-                </a:solidFill>
-                <a:latin typeface="+mn-lt"/>
-                <a:ea typeface="+mn-ea"/>
-                <a:cs typeface="+mn-cs"/>
-              </a:rPr>
-              <a:t> </a:t>
-            </a:r>
-            <a:r>
-              <a:rPr lang="pl-PL" sz="1200" b="0" i="0" u="none" strike="noStrike" kern="1200" baseline="0" dirty="0" err="1">
-                <a:solidFill>
-                  <a:schemeClr val="tx1"/>
-                </a:solidFill>
-                <a:latin typeface="+mn-lt"/>
-                <a:ea typeface="+mn-ea"/>
-                <a:cs typeface="+mn-cs"/>
-              </a:rPr>
-              <a:t>plate’u</a:t>
-            </a:r>
-            <a:r>
-              <a:rPr lang="pl-PL" sz="1200" b="0" i="0" u="none" strike="noStrike" kern="1200" baseline="0" dirty="0">
-                <a:solidFill>
-                  <a:schemeClr val="tx1"/>
-                </a:solidFill>
-                <a:latin typeface="+mn-lt"/>
-                <a:ea typeface="+mn-ea"/>
-                <a:cs typeface="+mn-cs"/>
-              </a:rPr>
-              <a:t>.</a:t>
-            </a:r>
-          </a:p>
-          <a:p>
-            <a:r>
-              <a:rPr lang="pl-PL" sz="1200" b="0" i="0" u="none" strike="noStrike" kern="1200" baseline="0" dirty="0">
-                <a:solidFill>
-                  <a:schemeClr val="tx1"/>
-                </a:solidFill>
-                <a:latin typeface="+mn-lt"/>
-                <a:ea typeface="+mn-ea"/>
-                <a:cs typeface="+mn-cs"/>
-              </a:rPr>
-              <a:t>Wszystko co musisz zrobić to dodać </a:t>
-            </a:r>
-            <a:r>
-              <a:rPr lang="pl-PL" sz="1200" b="0" i="0" u="none" strike="noStrike" kern="1200" baseline="0" dirty="0" err="1">
-                <a:solidFill>
-                  <a:schemeClr val="tx1"/>
-                </a:solidFill>
-                <a:latin typeface="+mn-lt"/>
-                <a:ea typeface="+mn-ea"/>
-                <a:cs typeface="+mn-cs"/>
-              </a:rPr>
-              <a:t>case</a:t>
-            </a:r>
-            <a:r>
-              <a:rPr lang="pl-PL" sz="1200" b="0" i="0" u="none" strike="noStrike" kern="1200" baseline="0" dirty="0">
-                <a:solidFill>
-                  <a:schemeClr val="tx1"/>
-                </a:solidFill>
-                <a:latin typeface="+mn-lt"/>
-                <a:ea typeface="+mn-ea"/>
-                <a:cs typeface="+mn-cs"/>
-              </a:rPr>
-              <a:t> </a:t>
-            </a:r>
-            <a:r>
-              <a:rPr lang="pl-PL" sz="1200" b="0" i="0" u="none" strike="noStrike" kern="1200" baseline="0" dirty="0" err="1">
-                <a:solidFill>
-                  <a:schemeClr val="tx1"/>
-                </a:solidFill>
-                <a:latin typeface="+mn-lt"/>
-                <a:ea typeface="+mn-ea"/>
-                <a:cs typeface="+mn-cs"/>
-              </a:rPr>
-              <a:t>keyword</a:t>
-            </a:r>
-            <a:r>
-              <a:rPr lang="pl-PL" sz="1200" b="0" i="0" u="none" strike="noStrike" kern="1200" baseline="0" dirty="0">
-                <a:solidFill>
-                  <a:schemeClr val="tx1"/>
-                </a:solidFill>
-                <a:latin typeface="+mn-lt"/>
-                <a:ea typeface="+mn-ea"/>
-                <a:cs typeface="+mn-cs"/>
-              </a:rPr>
-              <a:t> do definicji klasy i dzięki temu na klasie może być wykonany </a:t>
-            </a:r>
-            <a:r>
-              <a:rPr lang="pl-PL" sz="1200" b="0" i="0" u="none" strike="noStrike" kern="1200" baseline="0" dirty="0" err="1">
-                <a:solidFill>
-                  <a:schemeClr val="tx1"/>
-                </a:solidFill>
-                <a:latin typeface="+mn-lt"/>
-                <a:ea typeface="+mn-ea"/>
-                <a:cs typeface="+mn-cs"/>
-              </a:rPr>
-              <a:t>pattern</a:t>
-            </a:r>
-            <a:r>
-              <a:rPr lang="pl-PL" sz="1200" b="0" i="0" u="none" strike="noStrike" kern="1200" baseline="0" dirty="0">
-                <a:solidFill>
-                  <a:schemeClr val="tx1"/>
-                </a:solidFill>
-                <a:latin typeface="+mn-lt"/>
-                <a:ea typeface="+mn-ea"/>
-                <a:cs typeface="+mn-cs"/>
-              </a:rPr>
-              <a:t> </a:t>
-            </a:r>
-            <a:r>
-              <a:rPr lang="pl-PL" sz="1200" b="0" i="0" u="none" strike="noStrike" kern="1200" baseline="0" dirty="0" err="1">
-                <a:solidFill>
-                  <a:schemeClr val="tx1"/>
-                </a:solidFill>
-                <a:latin typeface="+mn-lt"/>
-                <a:ea typeface="+mn-ea"/>
-                <a:cs typeface="+mn-cs"/>
-              </a:rPr>
-              <a:t>matching</a:t>
-            </a:r>
-            <a:r>
-              <a:rPr lang="pl-PL" sz="1200" b="0" i="0" u="none" strike="noStrike" kern="1200" baseline="0" dirty="0">
-                <a:solidFill>
-                  <a:schemeClr val="tx1"/>
-                </a:solidFill>
-                <a:latin typeface="+mn-lt"/>
-                <a:ea typeface="+mn-ea"/>
-                <a:cs typeface="+mn-cs"/>
-              </a:rPr>
-              <a:t>.</a:t>
-            </a:r>
-          </a:p>
-          <a:p>
-            <a:endParaRPr lang="pl-PL" dirty="0"/>
-          </a:p>
-          <a:p>
-            <a:pPr marL="0" marR="0" lvl="0" indent="0" algn="l" defTabSz="914400" rtl="0" eaLnBrk="1" fontAlgn="auto" latinLnBrk="0" hangingPunct="1">
-              <a:lnSpc>
-                <a:spcPct val="100000"/>
-              </a:lnSpc>
-              <a:spcBef>
-                <a:spcPts val="0"/>
-              </a:spcBef>
-              <a:spcAft>
-                <a:spcPts val="0"/>
-              </a:spcAft>
-              <a:buClrTx/>
-              <a:buSzTx/>
-              <a:buFontTx/>
-              <a:buNone/>
-              <a:tabLst/>
-              <a:defRPr/>
-            </a:pPr>
-            <a:r>
-              <a:rPr lang="pl-PL" sz="1200" b="1" dirty="0" err="1"/>
-              <a:t>Immutable</a:t>
-            </a:r>
-            <a:r>
-              <a:rPr lang="pl-PL" sz="1200" b="1" dirty="0"/>
-              <a:t> by </a:t>
-            </a:r>
-            <a:r>
-              <a:rPr lang="pl-PL" sz="1200" b="1" dirty="0" err="1"/>
-              <a:t>default</a:t>
-            </a:r>
-            <a:r>
-              <a:rPr lang="pl-PL" sz="1200" b="1" dirty="0"/>
-              <a:t> </a:t>
-            </a:r>
-            <a:r>
-              <a:rPr lang="pl-PL" sz="1200" dirty="0"/>
-              <a:t>– </a:t>
-            </a:r>
-            <a:r>
-              <a:rPr lang="pl-PL" sz="1200" dirty="0" err="1"/>
-              <a:t>paramtery</a:t>
-            </a:r>
-            <a:r>
-              <a:rPr lang="pl-PL" sz="1200" dirty="0"/>
-              <a:t> w konstruktorze klasy to domyślnie </a:t>
-            </a:r>
-            <a:r>
-              <a:rPr lang="pl-PL" sz="1200" dirty="0" err="1"/>
-              <a:t>val</a:t>
-            </a:r>
-            <a:r>
-              <a:rPr lang="pl-PL" sz="1200" dirty="0"/>
-              <a:t>, tak </a:t>
-            </a:r>
-            <a:r>
-              <a:rPr lang="pl-PL" sz="1200" dirty="0" err="1"/>
-              <a:t>wieć</a:t>
-            </a:r>
-            <a:r>
-              <a:rPr lang="pl-PL" sz="1200" dirty="0"/>
-              <a:t> </a:t>
-            </a:r>
-            <a:r>
-              <a:rPr lang="pl-PL" sz="1200" dirty="0" err="1"/>
-              <a:t>automatucznie</a:t>
-            </a:r>
-            <a:r>
-              <a:rPr lang="pl-PL" sz="1200" dirty="0"/>
-              <a:t> generowane są gettery dla każdego parametry al. </a:t>
-            </a:r>
-            <a:r>
-              <a:rPr lang="pl-PL" sz="1200" dirty="0" err="1"/>
-              <a:t>Enie</a:t>
-            </a:r>
-            <a:r>
-              <a:rPr lang="pl-PL" sz="1200" dirty="0"/>
-              <a:t> ma już </a:t>
-            </a:r>
-            <a:r>
-              <a:rPr lang="pl-PL" sz="1200" dirty="0" err="1"/>
-              <a:t>setterów</a:t>
-            </a:r>
-            <a:r>
-              <a:rPr lang="pl-PL" sz="1200" dirty="0"/>
-              <a:t>.</a:t>
-            </a:r>
-            <a:endParaRPr lang="pl-PL" dirty="0"/>
-          </a:p>
-          <a:p>
-            <a:pPr marL="0" marR="0" lvl="0" indent="0" algn="l" defTabSz="914400" rtl="0" eaLnBrk="1" fontAlgn="auto" latinLnBrk="0" hangingPunct="1">
-              <a:lnSpc>
-                <a:spcPct val="100000"/>
-              </a:lnSpc>
-              <a:spcBef>
-                <a:spcPts val="0"/>
-              </a:spcBef>
-              <a:spcAft>
-                <a:spcPts val="0"/>
-              </a:spcAft>
-              <a:buClrTx/>
-              <a:buSzTx/>
-              <a:buFontTx/>
-              <a:buNone/>
-              <a:tabLst/>
-              <a:defRPr/>
-            </a:pPr>
-            <a:r>
-              <a:rPr lang="en-US" sz="1200" b="1" dirty="0"/>
-              <a:t>Companion object </a:t>
-            </a:r>
-            <a:r>
-              <a:rPr lang="pl-PL" sz="1200" b="1" dirty="0"/>
-              <a:t>and </a:t>
-            </a:r>
-            <a:r>
-              <a:rPr lang="pl-PL" sz="1200" b="1" dirty="0" err="1"/>
-              <a:t>factory</a:t>
-            </a:r>
-            <a:r>
-              <a:rPr lang="pl-PL" sz="1200" b="1" dirty="0"/>
-              <a:t> </a:t>
-            </a:r>
-            <a:r>
-              <a:rPr lang="pl-PL" sz="1200" b="1" dirty="0" err="1"/>
-              <a:t>methods</a:t>
-            </a:r>
-            <a:r>
-              <a:rPr lang="pl-PL" sz="1200" b="1" dirty="0"/>
-              <a:t> </a:t>
-            </a:r>
-            <a:r>
-              <a:rPr lang="en-US" sz="1200" b="1" dirty="0"/>
-              <a:t>out of the box</a:t>
-            </a:r>
-            <a:r>
-              <a:rPr lang="pl-PL" sz="1200" b="1" dirty="0"/>
-              <a:t> </a:t>
-            </a:r>
-            <a:r>
-              <a:rPr lang="pl-PL" sz="1200" dirty="0"/>
-              <a:t>– w skrócie oznacza to, że nie musimy używać </a:t>
-            </a:r>
-            <a:r>
-              <a:rPr lang="pl-PL" sz="1200" dirty="0" err="1"/>
-              <a:t>keworda</a:t>
-            </a:r>
-            <a:r>
-              <a:rPr lang="pl-PL" sz="1200" dirty="0"/>
-              <a:t> </a:t>
-            </a:r>
-            <a:r>
-              <a:rPr lang="pl-PL" sz="1200" dirty="0" err="1"/>
-              <a:t>new</a:t>
-            </a:r>
-            <a:r>
-              <a:rPr lang="pl-PL" sz="1200" dirty="0"/>
-              <a:t> aby stworzyć instancję klasy.</a:t>
-            </a:r>
-          </a:p>
-          <a:p>
-            <a:pPr marL="0" marR="0" lvl="0" indent="0" algn="l" defTabSz="914400" rtl="0" eaLnBrk="1" fontAlgn="auto" latinLnBrk="0" hangingPunct="1">
-              <a:lnSpc>
-                <a:spcPct val="100000"/>
-              </a:lnSpc>
-              <a:spcBef>
-                <a:spcPts val="0"/>
-              </a:spcBef>
-              <a:spcAft>
-                <a:spcPts val="0"/>
-              </a:spcAft>
-              <a:buClrTx/>
-              <a:buSzTx/>
-              <a:buFontTx/>
-              <a:buNone/>
-              <a:tabLst/>
-              <a:defRPr/>
-            </a:pPr>
-            <a:r>
-              <a:rPr lang="pl-PL" sz="1200" dirty="0"/>
-              <a:t>Wszystko to dzięki automatycznie dodanej metodzie </a:t>
-            </a:r>
-            <a:r>
-              <a:rPr lang="pl-PL" sz="1200" dirty="0" err="1"/>
-              <a:t>apply</a:t>
-            </a:r>
-            <a:r>
-              <a:rPr lang="pl-PL" sz="1200" dirty="0"/>
-              <a:t>.</a:t>
-            </a:r>
-          </a:p>
-          <a:p>
-            <a:pPr marL="0" marR="0" lvl="0" indent="0" algn="l" defTabSz="914400" rtl="0" eaLnBrk="1" fontAlgn="auto" latinLnBrk="0" hangingPunct="1">
-              <a:lnSpc>
-                <a:spcPct val="100000"/>
-              </a:lnSpc>
-              <a:spcBef>
-                <a:spcPts val="0"/>
-              </a:spcBef>
-              <a:spcAft>
-                <a:spcPts val="0"/>
-              </a:spcAft>
-              <a:buClrTx/>
-              <a:buSzTx/>
-              <a:buFontTx/>
-              <a:buNone/>
-              <a:tabLst/>
-              <a:defRPr/>
-            </a:pPr>
-            <a:r>
-              <a:rPr lang="en-GB" sz="1200" b="1" dirty="0"/>
-              <a:t>Ability to be deconstructed with pattern matching</a:t>
-            </a:r>
-            <a:r>
-              <a:rPr lang="pl-PL" sz="1200" b="1" dirty="0"/>
-              <a:t> – </a:t>
-            </a:r>
-            <a:r>
-              <a:rPr lang="pl-PL" sz="1200" b="0" dirty="0"/>
-              <a:t>obok metody </a:t>
-            </a:r>
-            <a:r>
-              <a:rPr lang="pl-PL" sz="1200" b="0" dirty="0" err="1"/>
-              <a:t>apply</a:t>
-            </a:r>
-            <a:r>
-              <a:rPr lang="pl-PL" sz="1200" b="0" dirty="0"/>
-              <a:t> dostajemy również metodę </a:t>
-            </a:r>
-            <a:r>
-              <a:rPr lang="pl-PL" sz="1200" b="0" dirty="0" err="1"/>
-              <a:t>unapply</a:t>
-            </a:r>
-            <a:endParaRPr lang="pl-PL" sz="1200" b="0" dirty="0"/>
-          </a:p>
-          <a:p>
-            <a:pPr marL="0" marR="0" lvl="0" indent="0" algn="l" defTabSz="914400" rtl="0" eaLnBrk="1" fontAlgn="auto" latinLnBrk="0" hangingPunct="1">
-              <a:lnSpc>
-                <a:spcPct val="100000"/>
-              </a:lnSpc>
-              <a:spcBef>
-                <a:spcPts val="0"/>
-              </a:spcBef>
-              <a:spcAft>
-                <a:spcPts val="0"/>
-              </a:spcAft>
-              <a:buClrTx/>
-              <a:buSzTx/>
-              <a:buFontTx/>
-              <a:buNone/>
-              <a:tabLst/>
-              <a:defRPr/>
-            </a:pPr>
-            <a:endParaRPr lang="en-US" sz="1200" dirty="0"/>
-          </a:p>
-          <a:p>
-            <a:br>
-              <a:rPr lang="pl-PL" dirty="0"/>
-            </a:br>
             <a:endParaRPr lang="pl-PL" dirty="0"/>
           </a:p>
         </p:txBody>
@@ -2676,7 +2367,7 @@
     </p:spTree>
     <p:extLst>
       <p:ext uri="{BB962C8B-B14F-4D97-AF65-F5344CB8AC3E}">
-        <p14:creationId xmlns:p14="http://schemas.microsoft.com/office/powerpoint/2010/main" val="3267287691"/>
+        <p14:creationId xmlns:p14="http://schemas.microsoft.com/office/powerpoint/2010/main" val="1496112602"/>
       </p:ext>
     </p:extLst>
   </p:cSld>
@@ -2730,575 +2421,6 @@
           <a:bodyPr/>
           <a:lstStyle/>
           <a:p>
-            <a:pPr marL="0" indent="0">
-              <a:buNone/>
-            </a:pPr>
-            <a:r>
-              <a:rPr lang="pl-PL" sz="1200" dirty="0">
-                <a:latin typeface="Courier New" panose="02070309020205020404" pitchFamily="49" charset="0"/>
-                <a:cs typeface="Courier New" panose="02070309020205020404" pitchFamily="49" charset="0"/>
-              </a:rPr>
-              <a:t>&lt;</a:t>
-            </a:r>
-            <a:r>
-              <a:rPr lang="pl-PL" sz="1200" dirty="0" err="1">
-                <a:latin typeface="Courier New" panose="02070309020205020404" pitchFamily="49" charset="0"/>
-                <a:cs typeface="Courier New" panose="02070309020205020404" pitchFamily="49" charset="0"/>
-              </a:rPr>
-              <a:t>expression</a:t>
-            </a:r>
-            <a:r>
-              <a:rPr lang="pl-PL" sz="1200" dirty="0">
-                <a:latin typeface="Courier New" panose="02070309020205020404" pitchFamily="49" charset="0"/>
-                <a:cs typeface="Courier New" panose="02070309020205020404" pitchFamily="49" charset="0"/>
-              </a:rPr>
-              <a:t>&gt; </a:t>
-            </a:r>
-            <a:r>
-              <a:rPr lang="pl-PL" sz="1200" dirty="0" err="1">
-                <a:latin typeface="Courier New" panose="02070309020205020404" pitchFamily="49" charset="0"/>
-                <a:cs typeface="Courier New" panose="02070309020205020404" pitchFamily="49" charset="0"/>
-              </a:rPr>
-              <a:t>match</a:t>
-            </a:r>
-            <a:r>
-              <a:rPr lang="pl-PL" sz="1200" dirty="0">
-                <a:latin typeface="Courier New" panose="02070309020205020404" pitchFamily="49" charset="0"/>
-                <a:cs typeface="Courier New" panose="02070309020205020404" pitchFamily="49" charset="0"/>
-              </a:rPr>
-              <a:t> {</a:t>
-            </a:r>
-          </a:p>
-          <a:p>
-            <a:pPr marL="0" indent="0">
-              <a:buNone/>
-            </a:pPr>
-            <a:r>
-              <a:rPr lang="pl-PL" sz="1200" dirty="0" err="1">
-                <a:latin typeface="Courier New" panose="02070309020205020404" pitchFamily="49" charset="0"/>
-                <a:cs typeface="Courier New" panose="02070309020205020404" pitchFamily="49" charset="0"/>
-              </a:rPr>
-              <a:t>case</a:t>
-            </a:r>
-            <a:r>
-              <a:rPr lang="pl-PL" sz="1200" dirty="0">
-                <a:latin typeface="Courier New" panose="02070309020205020404" pitchFamily="49" charset="0"/>
-                <a:cs typeface="Courier New" panose="02070309020205020404" pitchFamily="49" charset="0"/>
-              </a:rPr>
-              <a:t> &lt;</a:t>
-            </a:r>
-            <a:r>
-              <a:rPr lang="pl-PL" sz="1200" dirty="0" err="1">
-                <a:latin typeface="Courier New" panose="02070309020205020404" pitchFamily="49" charset="0"/>
-                <a:cs typeface="Courier New" panose="02070309020205020404" pitchFamily="49" charset="0"/>
-              </a:rPr>
-              <a:t>pattern</a:t>
-            </a:r>
-            <a:r>
-              <a:rPr lang="pl-PL" sz="1200" dirty="0">
-                <a:latin typeface="Courier New" panose="02070309020205020404" pitchFamily="49" charset="0"/>
-                <a:cs typeface="Courier New" panose="02070309020205020404" pitchFamily="49" charset="0"/>
-              </a:rPr>
-              <a:t> </a:t>
-            </a:r>
-            <a:r>
-              <a:rPr lang="pl-PL" sz="1200" dirty="0" err="1">
-                <a:latin typeface="Courier New" panose="02070309020205020404" pitchFamily="49" charset="0"/>
-                <a:cs typeface="Courier New" panose="02070309020205020404" pitchFamily="49" charset="0"/>
-              </a:rPr>
-              <a:t>match</a:t>
-            </a:r>
-            <a:r>
-              <a:rPr lang="pl-PL" sz="1200" dirty="0">
-                <a:latin typeface="Courier New" panose="02070309020205020404" pitchFamily="49" charset="0"/>
-                <a:cs typeface="Courier New" panose="02070309020205020404" pitchFamily="49" charset="0"/>
-              </a:rPr>
-              <a:t>&gt; =&gt; &lt;</a:t>
-            </a:r>
-            <a:r>
-              <a:rPr lang="pl-PL" sz="1200" dirty="0" err="1">
-                <a:latin typeface="Courier New" panose="02070309020205020404" pitchFamily="49" charset="0"/>
-                <a:cs typeface="Courier New" panose="02070309020205020404" pitchFamily="49" charset="0"/>
-              </a:rPr>
-              <a:t>expression</a:t>
-            </a:r>
-            <a:r>
-              <a:rPr lang="pl-PL" sz="1200" dirty="0">
-                <a:latin typeface="Courier New" panose="02070309020205020404" pitchFamily="49" charset="0"/>
-                <a:cs typeface="Courier New" panose="02070309020205020404" pitchFamily="49" charset="0"/>
-              </a:rPr>
-              <a:t>&gt;</a:t>
-            </a:r>
-          </a:p>
-          <a:p>
-            <a:pPr marL="0" indent="0">
-              <a:buNone/>
-            </a:pPr>
-            <a:r>
-              <a:rPr lang="pl-PL" sz="1200" dirty="0">
-                <a:latin typeface="Courier New" panose="02070309020205020404" pitchFamily="49" charset="0"/>
-                <a:cs typeface="Courier New" panose="02070309020205020404" pitchFamily="49" charset="0"/>
-              </a:rPr>
-              <a:t>[</a:t>
-            </a:r>
-            <a:r>
-              <a:rPr lang="pl-PL" sz="1200" dirty="0" err="1">
-                <a:latin typeface="Courier New" panose="02070309020205020404" pitchFamily="49" charset="0"/>
-                <a:cs typeface="Courier New" panose="02070309020205020404" pitchFamily="49" charset="0"/>
-              </a:rPr>
-              <a:t>case</a:t>
-            </a:r>
-            <a:r>
-              <a:rPr lang="pl-PL" sz="1200" dirty="0">
-                <a:latin typeface="Courier New" panose="02070309020205020404" pitchFamily="49" charset="0"/>
-                <a:cs typeface="Courier New" panose="02070309020205020404" pitchFamily="49" charset="0"/>
-              </a:rPr>
-              <a:t>...]</a:t>
-            </a:r>
-          </a:p>
-          <a:p>
-            <a:pPr marL="0" indent="0">
-              <a:buNone/>
-            </a:pPr>
-            <a:r>
-              <a:rPr lang="pl-PL" sz="1200" dirty="0">
-                <a:latin typeface="Courier New" panose="02070309020205020404" pitchFamily="49" charset="0"/>
-                <a:cs typeface="Courier New" panose="02070309020205020404" pitchFamily="49" charset="0"/>
-              </a:rPr>
-              <a:t>}</a:t>
-            </a:r>
-          </a:p>
-          <a:p>
-            <a:pPr marL="0" marR="0" lvl="0" indent="0" algn="l" defTabSz="914400" rtl="0" eaLnBrk="1" fontAlgn="auto" latinLnBrk="0" hangingPunct="1">
-              <a:lnSpc>
-                <a:spcPct val="100000"/>
-              </a:lnSpc>
-              <a:spcBef>
-                <a:spcPts val="0"/>
-              </a:spcBef>
-              <a:spcAft>
-                <a:spcPts val="0"/>
-              </a:spcAft>
-              <a:buClrTx/>
-              <a:buSzTx/>
-              <a:buFontTx/>
-              <a:buNone/>
-              <a:tabLst/>
-              <a:defRPr/>
-            </a:pPr>
-            <a:r>
-              <a:rPr lang="en-GB" sz="1200" b="1" dirty="0"/>
-              <a:t>Patterns everywhere</a:t>
-            </a:r>
-            <a:r>
-              <a:rPr lang="pl-PL" sz="1200" b="1" dirty="0"/>
-              <a:t> –</a:t>
-            </a:r>
-            <a:r>
-              <a:rPr lang="pl-PL" sz="1200" b="0" dirty="0"/>
-              <a:t> bardzo przydatne do dekonstrukcji </a:t>
-            </a:r>
-            <a:r>
-              <a:rPr lang="pl-PL" sz="1200" b="0" dirty="0" err="1"/>
-              <a:t>tupli</a:t>
-            </a:r>
-            <a:r>
-              <a:rPr lang="pl-PL" sz="1200" b="0" dirty="0"/>
-              <a:t> czy </a:t>
-            </a:r>
-            <a:r>
-              <a:rPr lang="pl-PL" sz="1200" b="0" dirty="0" err="1"/>
-              <a:t>case</a:t>
-            </a:r>
-            <a:r>
-              <a:rPr lang="pl-PL" sz="1200" b="0" dirty="0"/>
-              <a:t> </a:t>
-            </a:r>
-            <a:r>
-              <a:rPr lang="pl-PL" sz="1200" b="0" dirty="0" err="1"/>
-              <a:t>class</a:t>
-            </a:r>
-            <a:r>
-              <a:rPr lang="pl-PL" sz="1200" b="0" dirty="0"/>
-              <a:t>. </a:t>
-            </a:r>
-          </a:p>
-          <a:p>
-            <a:pPr marL="0" marR="0" lvl="0" indent="0" algn="l" defTabSz="914400" rtl="0" eaLnBrk="1" fontAlgn="auto" latinLnBrk="0" hangingPunct="1">
-              <a:lnSpc>
-                <a:spcPct val="100000"/>
-              </a:lnSpc>
-              <a:spcBef>
-                <a:spcPts val="0"/>
-              </a:spcBef>
-              <a:spcAft>
-                <a:spcPts val="0"/>
-              </a:spcAft>
-              <a:buClrTx/>
-              <a:buSzTx/>
-              <a:buFontTx/>
-              <a:buNone/>
-              <a:tabLst/>
-              <a:defRPr/>
-            </a:pPr>
-            <a:r>
-              <a:rPr lang="pl-PL" sz="1200" b="0" dirty="0"/>
-              <a:t>W zasadzie </a:t>
-            </a:r>
-            <a:r>
-              <a:rPr lang="en-US" sz="1200" b="1" i="0" u="none" strike="noStrike" kern="1200" baseline="0" dirty="0">
-                <a:solidFill>
-                  <a:schemeClr val="tx1"/>
-                </a:solidFill>
-                <a:latin typeface="+mn-lt"/>
-                <a:ea typeface="+mn-ea"/>
-                <a:cs typeface="+mn-cs"/>
-              </a:rPr>
-              <a:t>case sequence </a:t>
-            </a:r>
-            <a:r>
-              <a:rPr lang="pl-PL" sz="1200" b="0" i="0" u="none" strike="noStrike" kern="1200" baseline="0" dirty="0">
-                <a:solidFill>
-                  <a:schemeClr val="tx1"/>
-                </a:solidFill>
-                <a:latin typeface="+mn-lt"/>
-                <a:ea typeface="+mn-ea"/>
-                <a:cs typeface="+mn-cs"/>
-              </a:rPr>
-              <a:t> użyte w nawiasach wąsatych (</a:t>
-            </a:r>
-            <a:r>
-              <a:rPr lang="pl-PL" sz="1200" b="0" i="0" u="none" strike="noStrike" kern="1200" baseline="0" dirty="0" err="1">
-                <a:solidFill>
-                  <a:schemeClr val="tx1"/>
-                </a:solidFill>
-                <a:latin typeface="+mn-lt"/>
-                <a:ea typeface="+mn-ea"/>
-                <a:cs typeface="+mn-cs"/>
-              </a:rPr>
-              <a:t>curly</a:t>
-            </a:r>
-            <a:r>
-              <a:rPr lang="pl-PL" sz="1200" b="0" i="0" u="none" strike="noStrike" kern="1200" baseline="0" dirty="0">
-                <a:solidFill>
-                  <a:schemeClr val="tx1"/>
-                </a:solidFill>
-                <a:latin typeface="+mn-lt"/>
-                <a:ea typeface="+mn-ea"/>
-                <a:cs typeface="+mn-cs"/>
-              </a:rPr>
-              <a:t> </a:t>
-            </a:r>
-            <a:r>
-              <a:rPr lang="pl-PL" sz="1200" b="0" i="0" u="none" strike="noStrike" kern="1200" baseline="0" dirty="0" err="1">
-                <a:solidFill>
-                  <a:schemeClr val="tx1"/>
-                </a:solidFill>
-                <a:latin typeface="+mn-lt"/>
-                <a:ea typeface="+mn-ea"/>
-                <a:cs typeface="+mn-cs"/>
-              </a:rPr>
-              <a:t>braces</a:t>
-            </a:r>
-            <a:r>
-              <a:rPr lang="pl-PL" sz="1200" b="0" i="0" u="none" strike="noStrike" kern="1200" baseline="0" dirty="0">
-                <a:solidFill>
-                  <a:schemeClr val="tx1"/>
-                </a:solidFill>
-                <a:latin typeface="+mn-lt"/>
-                <a:ea typeface="+mn-ea"/>
-                <a:cs typeface="+mn-cs"/>
-              </a:rPr>
-              <a:t>) mogą być użyte wszędzie tam gdzie można użyć literału funkcji.</a:t>
-            </a:r>
-          </a:p>
-          <a:p>
-            <a:pPr marL="0" marR="0" lvl="0" indent="0" algn="l" defTabSz="914400" rtl="0" eaLnBrk="1" fontAlgn="auto" latinLnBrk="0" hangingPunct="1">
-              <a:lnSpc>
-                <a:spcPct val="100000"/>
-              </a:lnSpc>
-              <a:spcBef>
-                <a:spcPts val="0"/>
-              </a:spcBef>
-              <a:spcAft>
-                <a:spcPts val="0"/>
-              </a:spcAft>
-              <a:buClrTx/>
-              <a:buSzTx/>
-              <a:buFontTx/>
-              <a:buNone/>
-              <a:tabLst/>
-              <a:defRPr/>
-            </a:pPr>
-            <a:endParaRPr lang="pl-PL" dirty="0"/>
-          </a:p>
-          <a:p>
-            <a:pPr marL="0" marR="0" lvl="0" indent="0" algn="l" defTabSz="914400" rtl="0" eaLnBrk="1" fontAlgn="auto" latinLnBrk="0" hangingPunct="1">
-              <a:lnSpc>
-                <a:spcPct val="100000"/>
-              </a:lnSpc>
-              <a:spcBef>
-                <a:spcPts val="0"/>
-              </a:spcBef>
-              <a:spcAft>
-                <a:spcPts val="0"/>
-              </a:spcAft>
-              <a:buClrTx/>
-              <a:buSzTx/>
-              <a:buFontTx/>
-              <a:buNone/>
-              <a:tabLst/>
-              <a:defRPr/>
-            </a:pPr>
-            <a:r>
-              <a:rPr lang="pl-PL" sz="1200" b="1" dirty="0" err="1"/>
-              <a:t>Comparison</a:t>
-            </a:r>
-            <a:r>
-              <a:rPr lang="pl-PL" sz="1200" b="1" dirty="0"/>
-              <a:t> to Java </a:t>
-            </a:r>
-            <a:r>
-              <a:rPr lang="pl-PL" sz="1200" b="1" dirty="0" err="1"/>
-              <a:t>match</a:t>
-            </a:r>
-            <a:r>
-              <a:rPr lang="pl-PL" sz="1200" b="1" dirty="0"/>
-              <a:t>:</a:t>
-            </a:r>
-          </a:p>
-          <a:p>
-            <a:r>
-              <a:rPr lang="en-US" sz="1200" b="0" i="0" u="none" strike="noStrike" kern="1200" baseline="0" dirty="0">
-                <a:solidFill>
-                  <a:schemeClr val="tx1"/>
-                </a:solidFill>
-                <a:latin typeface="+mn-lt"/>
-                <a:ea typeface="+mn-ea"/>
-                <a:cs typeface="+mn-cs"/>
-              </a:rPr>
-              <a:t>However, there are three differences to keep in mind: </a:t>
-            </a:r>
-            <a:endParaRPr lang="pl-PL" sz="1200" b="0" i="0" u="none" strike="noStrike" kern="1200" baseline="0" dirty="0">
-              <a:solidFill>
-                <a:schemeClr val="tx1"/>
-              </a:solidFill>
-              <a:latin typeface="+mn-lt"/>
-              <a:ea typeface="+mn-ea"/>
-              <a:cs typeface="+mn-cs"/>
-            </a:endParaRPr>
-          </a:p>
-          <a:p>
-            <a:r>
-              <a:rPr lang="en-US" sz="1200" b="0" i="0" u="none" strike="noStrike" kern="1200" baseline="0" dirty="0">
-                <a:solidFill>
-                  <a:schemeClr val="tx1"/>
-                </a:solidFill>
-                <a:latin typeface="+mn-lt"/>
-                <a:ea typeface="+mn-ea"/>
-                <a:cs typeface="+mn-cs"/>
-              </a:rPr>
-              <a:t>First, </a:t>
-            </a:r>
-            <a:r>
-              <a:rPr lang="en-US" sz="1200" b="1" i="0" u="none" strike="noStrike" kern="1200" baseline="0" dirty="0">
-                <a:solidFill>
-                  <a:schemeClr val="tx1"/>
-                </a:solidFill>
-                <a:latin typeface="+mn-lt"/>
-                <a:ea typeface="+mn-ea"/>
-                <a:cs typeface="+mn-cs"/>
-              </a:rPr>
-              <a:t>match is an</a:t>
-            </a:r>
-            <a:r>
-              <a:rPr lang="pl-PL" sz="1200" b="1" i="0" u="none" strike="noStrike" kern="1200" baseline="0" dirty="0">
-                <a:solidFill>
-                  <a:schemeClr val="tx1"/>
-                </a:solidFill>
-                <a:latin typeface="+mn-lt"/>
-                <a:ea typeface="+mn-ea"/>
-                <a:cs typeface="+mn-cs"/>
-              </a:rPr>
-              <a:t> </a:t>
-            </a:r>
-            <a:r>
-              <a:rPr lang="en-US" sz="1200" b="1" i="0" u="none" strike="noStrike" kern="1200" baseline="0" dirty="0">
-                <a:solidFill>
-                  <a:schemeClr val="tx1"/>
-                </a:solidFill>
-                <a:latin typeface="+mn-lt"/>
-                <a:ea typeface="+mn-ea"/>
-                <a:cs typeface="+mn-cs"/>
-              </a:rPr>
-              <a:t>expression in Scala </a:t>
-            </a:r>
-            <a:r>
-              <a:rPr lang="en-US" sz="1200" b="0" i="0" u="none" strike="noStrike" kern="1200" baseline="0" dirty="0">
-                <a:solidFill>
-                  <a:schemeClr val="tx1"/>
-                </a:solidFill>
-                <a:latin typeface="+mn-lt"/>
-                <a:ea typeface="+mn-ea"/>
-                <a:cs typeface="+mn-cs"/>
-              </a:rPr>
-              <a:t>(i.e., it always results in a value). </a:t>
-            </a:r>
-            <a:endParaRPr lang="pl-PL" sz="1200" b="0" i="0" u="none" strike="noStrike" kern="1200" baseline="0" dirty="0">
-              <a:solidFill>
-                <a:schemeClr val="tx1"/>
-              </a:solidFill>
-              <a:latin typeface="+mn-lt"/>
-              <a:ea typeface="+mn-ea"/>
-              <a:cs typeface="+mn-cs"/>
-            </a:endParaRPr>
-          </a:p>
-          <a:p>
-            <a:r>
-              <a:rPr lang="en-US" sz="1200" b="0" i="0" u="none" strike="noStrike" kern="1200" baseline="0" dirty="0">
-                <a:solidFill>
-                  <a:schemeClr val="tx1"/>
-                </a:solidFill>
-                <a:latin typeface="+mn-lt"/>
-                <a:ea typeface="+mn-ea"/>
-                <a:cs typeface="+mn-cs"/>
-              </a:rPr>
-              <a:t>Second, Scala’s alternative</a:t>
-            </a:r>
-            <a:r>
-              <a:rPr lang="pl-PL" sz="1200" b="0" i="0" u="none" strike="noStrike" kern="1200" baseline="0" dirty="0">
-                <a:solidFill>
-                  <a:schemeClr val="tx1"/>
-                </a:solidFill>
-                <a:latin typeface="+mn-lt"/>
-                <a:ea typeface="+mn-ea"/>
-                <a:cs typeface="+mn-cs"/>
-              </a:rPr>
-              <a:t> </a:t>
-            </a:r>
-            <a:r>
-              <a:rPr lang="en-US" sz="1200" b="0" i="0" u="none" strike="noStrike" kern="1200" baseline="0" dirty="0">
-                <a:solidFill>
-                  <a:schemeClr val="tx1"/>
-                </a:solidFill>
-                <a:latin typeface="+mn-lt"/>
-                <a:ea typeface="+mn-ea"/>
-                <a:cs typeface="+mn-cs"/>
-              </a:rPr>
-              <a:t>expressions </a:t>
-            </a:r>
-            <a:r>
-              <a:rPr lang="en-US" sz="1200" b="1" i="0" u="none" strike="noStrike" kern="1200" baseline="0" dirty="0">
-                <a:solidFill>
-                  <a:schemeClr val="tx1"/>
-                </a:solidFill>
-                <a:latin typeface="+mn-lt"/>
-                <a:ea typeface="+mn-ea"/>
-                <a:cs typeface="+mn-cs"/>
-              </a:rPr>
-              <a:t>never “fall through” into the next case</a:t>
-            </a:r>
-            <a:r>
-              <a:rPr lang="en-US" sz="1200" b="0" i="0" u="none" strike="noStrike" kern="1200" baseline="0" dirty="0">
-                <a:solidFill>
-                  <a:schemeClr val="tx1"/>
-                </a:solidFill>
-                <a:latin typeface="+mn-lt"/>
-                <a:ea typeface="+mn-ea"/>
-                <a:cs typeface="+mn-cs"/>
-              </a:rPr>
-              <a:t>. </a:t>
-            </a:r>
-            <a:endParaRPr lang="pl-PL" sz="1200" b="0" i="0" u="none" strike="noStrike" kern="1200" baseline="0" dirty="0">
-              <a:solidFill>
-                <a:schemeClr val="tx1"/>
-              </a:solidFill>
-              <a:latin typeface="+mn-lt"/>
-              <a:ea typeface="+mn-ea"/>
-              <a:cs typeface="+mn-cs"/>
-            </a:endParaRPr>
-          </a:p>
-          <a:p>
-            <a:r>
-              <a:rPr lang="en-US" sz="1200" b="0" i="0" u="none" strike="noStrike" kern="1200" baseline="0" dirty="0">
-                <a:solidFill>
-                  <a:schemeClr val="tx1"/>
-                </a:solidFill>
-                <a:latin typeface="+mn-lt"/>
-                <a:ea typeface="+mn-ea"/>
-                <a:cs typeface="+mn-cs"/>
-              </a:rPr>
-              <a:t>Third, </a:t>
-            </a:r>
-            <a:r>
-              <a:rPr lang="en-US" sz="1200" b="1" i="0" u="none" strike="noStrike" kern="1200" baseline="0" dirty="0">
-                <a:solidFill>
-                  <a:schemeClr val="tx1"/>
-                </a:solidFill>
-                <a:latin typeface="+mn-lt"/>
-                <a:ea typeface="+mn-ea"/>
-                <a:cs typeface="+mn-cs"/>
-              </a:rPr>
-              <a:t>if none of</a:t>
-            </a:r>
-            <a:r>
-              <a:rPr lang="pl-PL" sz="1200" b="1" i="0" u="none" strike="noStrike" kern="1200" baseline="0" dirty="0">
-                <a:solidFill>
-                  <a:schemeClr val="tx1"/>
-                </a:solidFill>
-                <a:latin typeface="+mn-lt"/>
-                <a:ea typeface="+mn-ea"/>
-                <a:cs typeface="+mn-cs"/>
-              </a:rPr>
-              <a:t> </a:t>
-            </a:r>
-            <a:r>
-              <a:rPr lang="en-US" sz="1200" b="1" i="0" u="none" strike="noStrike" kern="1200" baseline="0" dirty="0">
-                <a:solidFill>
-                  <a:schemeClr val="tx1"/>
-                </a:solidFill>
-                <a:latin typeface="+mn-lt"/>
-                <a:ea typeface="+mn-ea"/>
-                <a:cs typeface="+mn-cs"/>
-              </a:rPr>
-              <a:t>the patterns match, an exception named </a:t>
-            </a:r>
-            <a:r>
-              <a:rPr lang="en-US" sz="1200" b="1" i="0" u="none" strike="noStrike" kern="1200" baseline="0" dirty="0" err="1">
-                <a:solidFill>
-                  <a:schemeClr val="tx1"/>
-                </a:solidFill>
-                <a:latin typeface="+mn-lt"/>
-                <a:ea typeface="+mn-ea"/>
-                <a:cs typeface="+mn-cs"/>
-              </a:rPr>
-              <a:t>MatchError</a:t>
-            </a:r>
-            <a:r>
-              <a:rPr lang="en-US" sz="1200" b="1" i="0" u="none" strike="noStrike" kern="1200" baseline="0" dirty="0">
-                <a:solidFill>
-                  <a:schemeClr val="tx1"/>
-                </a:solidFill>
-                <a:latin typeface="+mn-lt"/>
-                <a:ea typeface="+mn-ea"/>
-                <a:cs typeface="+mn-cs"/>
-              </a:rPr>
-              <a:t> is thrown</a:t>
-            </a:r>
-            <a:r>
-              <a:rPr lang="en-US" sz="1200" b="0" i="0" u="none" strike="noStrike" kern="1200" baseline="0" dirty="0">
-                <a:solidFill>
-                  <a:schemeClr val="tx1"/>
-                </a:solidFill>
-                <a:latin typeface="+mn-lt"/>
-                <a:ea typeface="+mn-ea"/>
-                <a:cs typeface="+mn-cs"/>
-              </a:rPr>
-              <a:t>.</a:t>
-            </a:r>
-            <a:endParaRPr lang="en-GB" sz="1200" b="1" dirty="0"/>
-          </a:p>
-          <a:p>
             <a:endParaRPr lang="pl-PL" dirty="0"/>
           </a:p>
         </p:txBody>
@@ -3306,7 +2428,7 @@
     </p:spTree>
     <p:extLst>
       <p:ext uri="{BB962C8B-B14F-4D97-AF65-F5344CB8AC3E}">
-        <p14:creationId xmlns:p14="http://schemas.microsoft.com/office/powerpoint/2010/main" val="3272114557"/>
+        <p14:creationId xmlns:p14="http://schemas.microsoft.com/office/powerpoint/2010/main" val="1578492328"/>
       </p:ext>
     </p:extLst>
   </p:cSld>
@@ -3360,6 +2482,400 @@
           <a:bodyPr/>
           <a:lstStyle/>
           <a:p>
+            <a:r>
+              <a:rPr lang="pl-PL" b="1" dirty="0"/>
+              <a:t>First </a:t>
+            </a:r>
+            <a:r>
+              <a:rPr lang="pl-PL" b="1" dirty="0" err="1"/>
+              <a:t>class</a:t>
+            </a:r>
+            <a:r>
+              <a:rPr lang="pl-PL" b="1" dirty="0"/>
+              <a:t> </a:t>
+            </a:r>
+            <a:r>
+              <a:rPr lang="pl-PL" b="1" dirty="0" err="1"/>
+              <a:t>citizien</a:t>
+            </a:r>
+            <a:r>
+              <a:rPr lang="pl-PL" b="1" dirty="0"/>
+              <a:t> </a:t>
+            </a:r>
+            <a:r>
+              <a:rPr lang="pl-PL" dirty="0"/>
+              <a:t>– </a:t>
+            </a:r>
+            <a:r>
+              <a:rPr lang="pl-PL" dirty="0" err="1"/>
+              <a:t>sa</a:t>
+            </a:r>
+            <a:r>
+              <a:rPr lang="pl-PL" dirty="0"/>
+              <a:t> wszechobecne, nie są tylko deklarowane i wykonywane ale mogą być użyte jako po prostu typ danych.</a:t>
+            </a:r>
+          </a:p>
+          <a:p>
+            <a:r>
+              <a:rPr lang="pl-PL" dirty="0"/>
+              <a:t>Mogą wiec być zdefiniowane jako literał, jako literał bez nazwy (czyli to co znamy z </a:t>
+            </a:r>
+            <a:r>
+              <a:rPr lang="pl-PL" dirty="0" err="1"/>
+              <a:t>javy</a:t>
+            </a:r>
+            <a:r>
+              <a:rPr lang="pl-PL" dirty="0"/>
+              <a:t>/</a:t>
+            </a:r>
+            <a:r>
+              <a:rPr lang="pl-PL" dirty="0" err="1"/>
+              <a:t>javascirpt</a:t>
+            </a:r>
+            <a:r>
+              <a:rPr lang="pl-PL" dirty="0"/>
+              <a:t> jako lambda, bądź anonimowa funkcja), mogą być zapisane jako </a:t>
+            </a:r>
+            <a:r>
+              <a:rPr lang="pl-PL" dirty="0" err="1"/>
+              <a:t>value</a:t>
+            </a:r>
+            <a:r>
+              <a:rPr lang="pl-PL" dirty="0"/>
+              <a:t> bądź </a:t>
+            </a:r>
+            <a:r>
+              <a:rPr lang="pl-PL" dirty="0" err="1"/>
+              <a:t>variable</a:t>
+            </a:r>
+            <a:r>
+              <a:rPr lang="pl-PL" dirty="0"/>
+              <a:t> oraz użyte jako parametr do innej funkcji bądź nawet zwrócone z innej funkcji.</a:t>
+            </a:r>
+          </a:p>
+          <a:p>
+            <a:r>
+              <a:rPr lang="pl-PL" b="1" dirty="0" err="1"/>
+              <a:t>Pure</a:t>
+            </a:r>
+            <a:r>
+              <a:rPr lang="pl-PL" b="1" dirty="0"/>
+              <a:t> </a:t>
+            </a:r>
+            <a:r>
+              <a:rPr lang="pl-PL" b="1" dirty="0" err="1"/>
+              <a:t>functions</a:t>
+            </a:r>
+            <a:r>
+              <a:rPr lang="pl-PL" b="1" dirty="0"/>
+              <a:t> </a:t>
+            </a:r>
+            <a:r>
+              <a:rPr lang="pl-PL" dirty="0"/>
+              <a:t>– nie maja </a:t>
+            </a:r>
+            <a:r>
+              <a:rPr lang="pl-PL" dirty="0" err="1"/>
+              <a:t>side</a:t>
+            </a:r>
+            <a:r>
+              <a:rPr lang="pl-PL" dirty="0"/>
+              <a:t> </a:t>
+            </a:r>
+            <a:r>
+              <a:rPr lang="pl-PL" dirty="0" err="1"/>
+              <a:t>effectów</a:t>
+            </a:r>
+            <a:r>
+              <a:rPr lang="pl-PL" dirty="0"/>
+              <a:t>, czyli nie modyfikują stanu, są </a:t>
+            </a:r>
+            <a:r>
+              <a:rPr lang="pl-PL" dirty="0" err="1"/>
+              <a:t>stateless</a:t>
+            </a:r>
+            <a:endParaRPr lang="pl-PL" dirty="0"/>
+          </a:p>
+          <a:p>
+            <a:r>
+              <a:rPr lang="pl-PL" b="1" dirty="0"/>
+              <a:t>High-order </a:t>
+            </a:r>
+            <a:r>
+              <a:rPr lang="pl-PL" b="1" dirty="0" err="1"/>
+              <a:t>functions</a:t>
+            </a:r>
+            <a:r>
+              <a:rPr lang="pl-PL" b="1" dirty="0"/>
+              <a:t> </a:t>
+            </a:r>
+            <a:r>
+              <a:rPr lang="pl-PL" dirty="0"/>
+              <a:t>– przyjmują w argumencie inna funkcje bądź zwracają funkcje.</a:t>
+            </a:r>
+          </a:p>
+          <a:p>
+            <a:endParaRPr lang="pl-PL" dirty="0"/>
+          </a:p>
+          <a:p>
+            <a:r>
+              <a:rPr lang="pl-PL" dirty="0"/>
+              <a:t>Najbardziej znane to </a:t>
+            </a:r>
+            <a:r>
+              <a:rPr lang="pl-PL" sz="1200" b="1" i="0" u="none" strike="noStrike" kern="1200" baseline="0" dirty="0">
+                <a:solidFill>
+                  <a:schemeClr val="tx1"/>
+                </a:solidFill>
+                <a:latin typeface="+mn-lt"/>
+                <a:ea typeface="+mn-ea"/>
+                <a:cs typeface="+mn-cs"/>
+              </a:rPr>
+              <a:t>map() </a:t>
+            </a:r>
+            <a:r>
+              <a:rPr lang="pl-PL" sz="1200" b="0" i="0" u="none" strike="noStrike" kern="1200" baseline="0" dirty="0">
+                <a:solidFill>
+                  <a:schemeClr val="tx1"/>
+                </a:solidFill>
+                <a:latin typeface="+mn-lt"/>
+                <a:ea typeface="+mn-ea"/>
+                <a:cs typeface="+mn-cs"/>
+              </a:rPr>
+              <a:t>i</a:t>
+            </a:r>
+            <a:r>
+              <a:rPr lang="pl-PL" sz="1200" b="1" i="0" u="none" strike="noStrike" kern="1200" baseline="0" dirty="0">
+                <a:solidFill>
+                  <a:schemeClr val="tx1"/>
+                </a:solidFill>
+                <a:latin typeface="+mn-lt"/>
+                <a:ea typeface="+mn-ea"/>
+                <a:cs typeface="+mn-cs"/>
+              </a:rPr>
+              <a:t> </a:t>
+            </a:r>
+            <a:r>
+              <a:rPr lang="pl-PL" sz="1200" b="1" i="0" u="none" strike="noStrike" kern="1200" baseline="0" dirty="0" err="1">
+                <a:solidFill>
+                  <a:schemeClr val="tx1"/>
+                </a:solidFill>
+                <a:latin typeface="+mn-lt"/>
+                <a:ea typeface="+mn-ea"/>
+                <a:cs typeface="+mn-cs"/>
+              </a:rPr>
+              <a:t>reduce</a:t>
+            </a:r>
+            <a:r>
+              <a:rPr lang="pl-PL" sz="1200" b="1" i="0" u="none" strike="noStrike" kern="1200" baseline="0" dirty="0">
+                <a:solidFill>
+                  <a:schemeClr val="tx1"/>
+                </a:solidFill>
+                <a:latin typeface="+mn-lt"/>
+                <a:ea typeface="+mn-ea"/>
+                <a:cs typeface="+mn-cs"/>
+              </a:rPr>
+              <a:t>().</a:t>
+            </a:r>
+          </a:p>
+          <a:p>
+            <a:r>
+              <a:rPr lang="pl-PL" sz="1200" b="0" i="0" u="none" strike="noStrike" kern="1200" baseline="0" dirty="0">
+                <a:solidFill>
+                  <a:schemeClr val="tx1"/>
+                </a:solidFill>
+                <a:latin typeface="+mn-lt"/>
+                <a:ea typeface="+mn-ea"/>
+                <a:cs typeface="+mn-cs"/>
+              </a:rPr>
+              <a:t>The map() </a:t>
+            </a:r>
+            <a:r>
+              <a:rPr lang="pl-PL" sz="1200" b="0" i="0" u="none" strike="noStrike" kern="1200" baseline="0" dirty="0" err="1">
+                <a:solidFill>
+                  <a:schemeClr val="tx1"/>
+                </a:solidFill>
+                <a:latin typeface="+mn-lt"/>
+                <a:ea typeface="+mn-ea"/>
+                <a:cs typeface="+mn-cs"/>
+              </a:rPr>
+              <a:t>higher</a:t>
+            </a:r>
+            <a:r>
+              <a:rPr lang="pl-PL" sz="1200" b="0" i="0" u="none" strike="noStrike" kern="1200" baseline="0" dirty="0">
+                <a:solidFill>
+                  <a:schemeClr val="tx1"/>
+                </a:solidFill>
+                <a:latin typeface="+mn-lt"/>
+                <a:ea typeface="+mn-ea"/>
+                <a:cs typeface="+mn-cs"/>
+              </a:rPr>
+              <a:t>-order </a:t>
+            </a:r>
+            <a:r>
+              <a:rPr lang="pl-PL" sz="1200" b="0" i="0" u="none" strike="noStrike" kern="1200" baseline="0" dirty="0" err="1">
+                <a:solidFill>
+                  <a:schemeClr val="tx1"/>
+                </a:solidFill>
+                <a:latin typeface="+mn-lt"/>
+                <a:ea typeface="+mn-ea"/>
+                <a:cs typeface="+mn-cs"/>
+              </a:rPr>
+              <a:t>function</a:t>
+            </a:r>
+            <a:r>
+              <a:rPr lang="pl-PL" sz="1200" b="0" i="0" u="none" strike="noStrike" kern="1200" baseline="0" dirty="0">
+                <a:solidFill>
+                  <a:schemeClr val="tx1"/>
+                </a:solidFill>
+                <a:latin typeface="+mn-lt"/>
+                <a:ea typeface="+mn-ea"/>
+                <a:cs typeface="+mn-cs"/>
+              </a:rPr>
+              <a:t> </a:t>
+            </a:r>
+            <a:r>
+              <a:rPr lang="en-US" sz="1200" b="0" i="0" u="none" strike="noStrike" kern="1200" baseline="0" dirty="0">
+                <a:solidFill>
+                  <a:schemeClr val="tx1"/>
+                </a:solidFill>
+                <a:latin typeface="+mn-lt"/>
+                <a:ea typeface="+mn-ea"/>
+                <a:cs typeface="+mn-cs"/>
+              </a:rPr>
+              <a:t>takes a function parameter and uses it to convert one or more items to a new value</a:t>
+            </a:r>
+            <a:r>
+              <a:rPr lang="pl-PL" sz="1200" b="0" i="0" u="none" strike="noStrike" kern="1200" baseline="0" dirty="0">
+                <a:solidFill>
+                  <a:schemeClr val="tx1"/>
+                </a:solidFill>
+                <a:latin typeface="+mn-lt"/>
+                <a:ea typeface="+mn-ea"/>
+                <a:cs typeface="+mn-cs"/>
+              </a:rPr>
+              <a:t> </a:t>
+            </a:r>
+            <a:r>
+              <a:rPr lang="en-US" sz="1200" b="0" i="0" u="none" strike="noStrike" kern="1200" baseline="0" dirty="0">
+                <a:solidFill>
+                  <a:schemeClr val="tx1"/>
+                </a:solidFill>
+                <a:latin typeface="+mn-lt"/>
+                <a:ea typeface="+mn-ea"/>
+                <a:cs typeface="+mn-cs"/>
+              </a:rPr>
+              <a:t>and/or type. </a:t>
+            </a:r>
+            <a:endParaRPr lang="pl-PL" sz="1200" b="0" i="0" u="none" strike="noStrike" kern="1200" baseline="0" dirty="0">
+              <a:solidFill>
+                <a:schemeClr val="tx1"/>
+              </a:solidFill>
+              <a:latin typeface="+mn-lt"/>
+              <a:ea typeface="+mn-ea"/>
+              <a:cs typeface="+mn-cs"/>
+            </a:endParaRPr>
+          </a:p>
+          <a:p>
+            <a:r>
+              <a:rPr lang="en-US" sz="1200" b="0" i="0" u="none" strike="noStrike" kern="1200" baseline="0" dirty="0">
+                <a:solidFill>
+                  <a:schemeClr val="tx1"/>
+                </a:solidFill>
+                <a:latin typeface="+mn-lt"/>
+                <a:ea typeface="+mn-ea"/>
+                <a:cs typeface="+mn-cs"/>
+              </a:rPr>
+              <a:t>The reduce() higher-order function takes a function parameter and uses</a:t>
+            </a:r>
+            <a:r>
+              <a:rPr lang="pl-PL" sz="1200" b="0" i="0" u="none" strike="noStrike" kern="1200" baseline="0" dirty="0">
+                <a:solidFill>
+                  <a:schemeClr val="tx1"/>
+                </a:solidFill>
+                <a:latin typeface="+mn-lt"/>
+                <a:ea typeface="+mn-ea"/>
+                <a:cs typeface="+mn-cs"/>
+              </a:rPr>
+              <a:t> </a:t>
+            </a:r>
+            <a:r>
+              <a:rPr lang="en-US" sz="1200" b="0" i="0" u="none" strike="noStrike" kern="1200" baseline="0" dirty="0">
+                <a:solidFill>
+                  <a:schemeClr val="tx1"/>
+                </a:solidFill>
+                <a:latin typeface="+mn-lt"/>
+                <a:ea typeface="+mn-ea"/>
+                <a:cs typeface="+mn-cs"/>
+              </a:rPr>
+              <a:t>it to reduce a collection of multiple items down to a single item.</a:t>
+            </a:r>
+            <a:endParaRPr lang="pl-PL" sz="1200" b="0" i="0" u="none" strike="noStrike" kern="1200" baseline="0" dirty="0">
+              <a:solidFill>
+                <a:schemeClr val="tx1"/>
+              </a:solidFill>
+              <a:latin typeface="+mn-lt"/>
+              <a:ea typeface="+mn-ea"/>
+              <a:cs typeface="+mn-cs"/>
+            </a:endParaRPr>
+          </a:p>
+          <a:p>
+            <a:endParaRPr lang="pl-PL" sz="1200" b="0" i="0" u="none" strike="noStrike" kern="1200" baseline="0" dirty="0">
+              <a:solidFill>
+                <a:schemeClr val="tx1"/>
+              </a:solidFill>
+              <a:latin typeface="+mn-lt"/>
+              <a:ea typeface="+mn-ea"/>
+              <a:cs typeface="+mn-cs"/>
+            </a:endParaRPr>
+          </a:p>
+          <a:p>
+            <a:r>
+              <a:rPr lang="en-US" sz="1200" b="0" i="0" u="none" strike="noStrike" kern="1200" baseline="0" dirty="0">
+                <a:solidFill>
+                  <a:schemeClr val="tx1"/>
+                </a:solidFill>
+                <a:latin typeface="+mn-lt"/>
+                <a:ea typeface="+mn-ea"/>
+                <a:cs typeface="+mn-cs"/>
+              </a:rPr>
+              <a:t>The popular Map/Reduce computing paradigm uses this concept to tackle large computing challenges, by</a:t>
+            </a:r>
+          </a:p>
+          <a:p>
+            <a:r>
+              <a:rPr lang="en-US" sz="1200" b="0" i="0" u="none" strike="noStrike" kern="1200" baseline="0" dirty="0">
+                <a:solidFill>
+                  <a:schemeClr val="tx1"/>
+                </a:solidFill>
+                <a:latin typeface="+mn-lt"/>
+                <a:ea typeface="+mn-ea"/>
+                <a:cs typeface="+mn-cs"/>
+              </a:rPr>
+              <a:t>mapping the computation across a range of distributed nodes and reducing their results</a:t>
+            </a:r>
+            <a:r>
+              <a:rPr lang="pl-PL" sz="1200" b="0" i="0" u="none" strike="noStrike" kern="1200" baseline="0" dirty="0">
+                <a:solidFill>
+                  <a:schemeClr val="tx1"/>
+                </a:solidFill>
+                <a:latin typeface="+mn-lt"/>
+                <a:ea typeface="+mn-ea"/>
+                <a:cs typeface="+mn-cs"/>
+              </a:rPr>
+              <a:t> </a:t>
+            </a:r>
+            <a:r>
+              <a:rPr lang="en-US" sz="1200" b="0" i="0" u="none" strike="noStrike" kern="1200" baseline="0" dirty="0">
+                <a:solidFill>
+                  <a:schemeClr val="tx1"/>
+                </a:solidFill>
+                <a:latin typeface="+mn-lt"/>
+                <a:ea typeface="+mn-ea"/>
+                <a:cs typeface="+mn-cs"/>
+              </a:rPr>
+              <a:t>back to a meaningful size.</a:t>
+            </a:r>
             <a:endParaRPr lang="pl-PL" dirty="0"/>
           </a:p>
         </p:txBody>
@@ -3367,7 +2883,7 @@
     </p:spTree>
     <p:extLst>
       <p:ext uri="{BB962C8B-B14F-4D97-AF65-F5344CB8AC3E}">
-        <p14:creationId xmlns:p14="http://schemas.microsoft.com/office/powerpoint/2010/main" val="2721272171"/>
+        <p14:creationId xmlns:p14="http://schemas.microsoft.com/office/powerpoint/2010/main" val="1359792266"/>
       </p:ext>
     </p:extLst>
   </p:cSld>
@@ -3715,400 +3231,6 @@
           <a:bodyPr/>
           <a:lstStyle/>
           <a:p>
-            <a:r>
-              <a:rPr lang="pl-PL" b="1" dirty="0"/>
-              <a:t>First </a:t>
-            </a:r>
-            <a:r>
-              <a:rPr lang="pl-PL" b="1" dirty="0" err="1"/>
-              <a:t>class</a:t>
-            </a:r>
-            <a:r>
-              <a:rPr lang="pl-PL" b="1" dirty="0"/>
-              <a:t> </a:t>
-            </a:r>
-            <a:r>
-              <a:rPr lang="pl-PL" b="1" dirty="0" err="1"/>
-              <a:t>citizien</a:t>
-            </a:r>
-            <a:r>
-              <a:rPr lang="pl-PL" b="1" dirty="0"/>
-              <a:t> </a:t>
-            </a:r>
-            <a:r>
-              <a:rPr lang="pl-PL" dirty="0"/>
-              <a:t>– </a:t>
-            </a:r>
-            <a:r>
-              <a:rPr lang="pl-PL" dirty="0" err="1"/>
-              <a:t>sa</a:t>
-            </a:r>
-            <a:r>
-              <a:rPr lang="pl-PL" dirty="0"/>
-              <a:t> wszechobecne, nie są tylko deklarowane i wykonywane ale mogą być użyte jako po prostu typ danych.</a:t>
-            </a:r>
-          </a:p>
-          <a:p>
-            <a:r>
-              <a:rPr lang="pl-PL" dirty="0"/>
-              <a:t>Mogą wiec być zdefiniowane jako literał, jako literał bez nazwy (czyli to co znamy z </a:t>
-            </a:r>
-            <a:r>
-              <a:rPr lang="pl-PL" dirty="0" err="1"/>
-              <a:t>javy</a:t>
-            </a:r>
-            <a:r>
-              <a:rPr lang="pl-PL" dirty="0"/>
-              <a:t>/</a:t>
-            </a:r>
-            <a:r>
-              <a:rPr lang="pl-PL" dirty="0" err="1"/>
-              <a:t>javascirpt</a:t>
-            </a:r>
-            <a:r>
-              <a:rPr lang="pl-PL" dirty="0"/>
-              <a:t> jako lambda, bądź anonimowa funkcja), mogą być zapisane jako </a:t>
-            </a:r>
-            <a:r>
-              <a:rPr lang="pl-PL" dirty="0" err="1"/>
-              <a:t>value</a:t>
-            </a:r>
-            <a:r>
-              <a:rPr lang="pl-PL" dirty="0"/>
-              <a:t> bądź </a:t>
-            </a:r>
-            <a:r>
-              <a:rPr lang="pl-PL" dirty="0" err="1"/>
-              <a:t>variable</a:t>
-            </a:r>
-            <a:r>
-              <a:rPr lang="pl-PL" dirty="0"/>
-              <a:t> oraz użyte jako parametr do innej funkcji bądź nawet zwrócone z innej funkcji.</a:t>
-            </a:r>
-          </a:p>
-          <a:p>
-            <a:r>
-              <a:rPr lang="pl-PL" b="1" dirty="0" err="1"/>
-              <a:t>Pure</a:t>
-            </a:r>
-            <a:r>
-              <a:rPr lang="pl-PL" b="1" dirty="0"/>
-              <a:t> </a:t>
-            </a:r>
-            <a:r>
-              <a:rPr lang="pl-PL" b="1" dirty="0" err="1"/>
-              <a:t>functions</a:t>
-            </a:r>
-            <a:r>
-              <a:rPr lang="pl-PL" b="1" dirty="0"/>
-              <a:t> </a:t>
-            </a:r>
-            <a:r>
-              <a:rPr lang="pl-PL" dirty="0"/>
-              <a:t>– nie maja </a:t>
-            </a:r>
-            <a:r>
-              <a:rPr lang="pl-PL" dirty="0" err="1"/>
-              <a:t>side</a:t>
-            </a:r>
-            <a:r>
-              <a:rPr lang="pl-PL" dirty="0"/>
-              <a:t> </a:t>
-            </a:r>
-            <a:r>
-              <a:rPr lang="pl-PL" dirty="0" err="1"/>
-              <a:t>effectów</a:t>
-            </a:r>
-            <a:r>
-              <a:rPr lang="pl-PL" dirty="0"/>
-              <a:t>, czyli nie modyfikują stanu, są </a:t>
-            </a:r>
-            <a:r>
-              <a:rPr lang="pl-PL" dirty="0" err="1"/>
-              <a:t>stateless</a:t>
-            </a:r>
-            <a:endParaRPr lang="pl-PL" dirty="0"/>
-          </a:p>
-          <a:p>
-            <a:r>
-              <a:rPr lang="pl-PL" b="1" dirty="0"/>
-              <a:t>High-order </a:t>
-            </a:r>
-            <a:r>
-              <a:rPr lang="pl-PL" b="1" dirty="0" err="1"/>
-              <a:t>functions</a:t>
-            </a:r>
-            <a:r>
-              <a:rPr lang="pl-PL" b="1" dirty="0"/>
-              <a:t> </a:t>
-            </a:r>
-            <a:r>
-              <a:rPr lang="pl-PL" dirty="0"/>
-              <a:t>– przyjmują w argumencie inna funkcje bądź zwracają funkcje.</a:t>
-            </a:r>
-          </a:p>
-          <a:p>
-            <a:endParaRPr lang="pl-PL" dirty="0"/>
-          </a:p>
-          <a:p>
-            <a:r>
-              <a:rPr lang="pl-PL" dirty="0"/>
-              <a:t>Najbardziej znane to </a:t>
-            </a:r>
-            <a:r>
-              <a:rPr lang="pl-PL" sz="1200" b="1" i="0" u="none" strike="noStrike" kern="1200" baseline="0" dirty="0">
-                <a:solidFill>
-                  <a:schemeClr val="tx1"/>
-                </a:solidFill>
-                <a:latin typeface="+mn-lt"/>
-                <a:ea typeface="+mn-ea"/>
-                <a:cs typeface="+mn-cs"/>
-              </a:rPr>
-              <a:t>map() </a:t>
-            </a:r>
-            <a:r>
-              <a:rPr lang="pl-PL" sz="1200" b="0" i="0" u="none" strike="noStrike" kern="1200" baseline="0" dirty="0">
-                <a:solidFill>
-                  <a:schemeClr val="tx1"/>
-                </a:solidFill>
-                <a:latin typeface="+mn-lt"/>
-                <a:ea typeface="+mn-ea"/>
-                <a:cs typeface="+mn-cs"/>
-              </a:rPr>
-              <a:t>i</a:t>
-            </a:r>
-            <a:r>
-              <a:rPr lang="pl-PL" sz="1200" b="1" i="0" u="none" strike="noStrike" kern="1200" baseline="0" dirty="0">
-                <a:solidFill>
-                  <a:schemeClr val="tx1"/>
-                </a:solidFill>
-                <a:latin typeface="+mn-lt"/>
-                <a:ea typeface="+mn-ea"/>
-                <a:cs typeface="+mn-cs"/>
-              </a:rPr>
-              <a:t> </a:t>
-            </a:r>
-            <a:r>
-              <a:rPr lang="pl-PL" sz="1200" b="1" i="0" u="none" strike="noStrike" kern="1200" baseline="0" dirty="0" err="1">
-                <a:solidFill>
-                  <a:schemeClr val="tx1"/>
-                </a:solidFill>
-                <a:latin typeface="+mn-lt"/>
-                <a:ea typeface="+mn-ea"/>
-                <a:cs typeface="+mn-cs"/>
-              </a:rPr>
-              <a:t>reduce</a:t>
-            </a:r>
-            <a:r>
-              <a:rPr lang="pl-PL" sz="1200" b="1" i="0" u="none" strike="noStrike" kern="1200" baseline="0" dirty="0">
-                <a:solidFill>
-                  <a:schemeClr val="tx1"/>
-                </a:solidFill>
-                <a:latin typeface="+mn-lt"/>
-                <a:ea typeface="+mn-ea"/>
-                <a:cs typeface="+mn-cs"/>
-              </a:rPr>
-              <a:t>().</a:t>
-            </a:r>
-          </a:p>
-          <a:p>
-            <a:r>
-              <a:rPr lang="pl-PL" sz="1200" b="0" i="0" u="none" strike="noStrike" kern="1200" baseline="0" dirty="0">
-                <a:solidFill>
-                  <a:schemeClr val="tx1"/>
-                </a:solidFill>
-                <a:latin typeface="+mn-lt"/>
-                <a:ea typeface="+mn-ea"/>
-                <a:cs typeface="+mn-cs"/>
-              </a:rPr>
-              <a:t>The map() </a:t>
-            </a:r>
-            <a:r>
-              <a:rPr lang="pl-PL" sz="1200" b="0" i="0" u="none" strike="noStrike" kern="1200" baseline="0" dirty="0" err="1">
-                <a:solidFill>
-                  <a:schemeClr val="tx1"/>
-                </a:solidFill>
-                <a:latin typeface="+mn-lt"/>
-                <a:ea typeface="+mn-ea"/>
-                <a:cs typeface="+mn-cs"/>
-              </a:rPr>
-              <a:t>higher</a:t>
-            </a:r>
-            <a:r>
-              <a:rPr lang="pl-PL" sz="1200" b="0" i="0" u="none" strike="noStrike" kern="1200" baseline="0" dirty="0">
-                <a:solidFill>
-                  <a:schemeClr val="tx1"/>
-                </a:solidFill>
-                <a:latin typeface="+mn-lt"/>
-                <a:ea typeface="+mn-ea"/>
-                <a:cs typeface="+mn-cs"/>
-              </a:rPr>
-              <a:t>-order </a:t>
-            </a:r>
-            <a:r>
-              <a:rPr lang="pl-PL" sz="1200" b="0" i="0" u="none" strike="noStrike" kern="1200" baseline="0" dirty="0" err="1">
-                <a:solidFill>
-                  <a:schemeClr val="tx1"/>
-                </a:solidFill>
-                <a:latin typeface="+mn-lt"/>
-                <a:ea typeface="+mn-ea"/>
-                <a:cs typeface="+mn-cs"/>
-              </a:rPr>
-              <a:t>function</a:t>
-            </a:r>
-            <a:r>
-              <a:rPr lang="pl-PL" sz="1200" b="0" i="0" u="none" strike="noStrike" kern="1200" baseline="0" dirty="0">
-                <a:solidFill>
-                  <a:schemeClr val="tx1"/>
-                </a:solidFill>
-                <a:latin typeface="+mn-lt"/>
-                <a:ea typeface="+mn-ea"/>
-                <a:cs typeface="+mn-cs"/>
-              </a:rPr>
-              <a:t> </a:t>
-            </a:r>
-            <a:r>
-              <a:rPr lang="en-US" sz="1200" b="0" i="0" u="none" strike="noStrike" kern="1200" baseline="0" dirty="0">
-                <a:solidFill>
-                  <a:schemeClr val="tx1"/>
-                </a:solidFill>
-                <a:latin typeface="+mn-lt"/>
-                <a:ea typeface="+mn-ea"/>
-                <a:cs typeface="+mn-cs"/>
-              </a:rPr>
-              <a:t>takes a function parameter and uses it to convert one or more items to a new value</a:t>
-            </a:r>
-            <a:r>
-              <a:rPr lang="pl-PL" sz="1200" b="0" i="0" u="none" strike="noStrike" kern="1200" baseline="0" dirty="0">
-                <a:solidFill>
-                  <a:schemeClr val="tx1"/>
-                </a:solidFill>
-                <a:latin typeface="+mn-lt"/>
-                <a:ea typeface="+mn-ea"/>
-                <a:cs typeface="+mn-cs"/>
-              </a:rPr>
-              <a:t> </a:t>
-            </a:r>
-            <a:r>
-              <a:rPr lang="en-US" sz="1200" b="0" i="0" u="none" strike="noStrike" kern="1200" baseline="0" dirty="0">
-                <a:solidFill>
-                  <a:schemeClr val="tx1"/>
-                </a:solidFill>
-                <a:latin typeface="+mn-lt"/>
-                <a:ea typeface="+mn-ea"/>
-                <a:cs typeface="+mn-cs"/>
-              </a:rPr>
-              <a:t>and/or type. </a:t>
-            </a:r>
-            <a:endParaRPr lang="pl-PL" sz="1200" b="0" i="0" u="none" strike="noStrike" kern="1200" baseline="0" dirty="0">
-              <a:solidFill>
-                <a:schemeClr val="tx1"/>
-              </a:solidFill>
-              <a:latin typeface="+mn-lt"/>
-              <a:ea typeface="+mn-ea"/>
-              <a:cs typeface="+mn-cs"/>
-            </a:endParaRPr>
-          </a:p>
-          <a:p>
-            <a:r>
-              <a:rPr lang="en-US" sz="1200" b="0" i="0" u="none" strike="noStrike" kern="1200" baseline="0" dirty="0">
-                <a:solidFill>
-                  <a:schemeClr val="tx1"/>
-                </a:solidFill>
-                <a:latin typeface="+mn-lt"/>
-                <a:ea typeface="+mn-ea"/>
-                <a:cs typeface="+mn-cs"/>
-              </a:rPr>
-              <a:t>The reduce() higher-order function takes a function parameter and uses</a:t>
-            </a:r>
-            <a:r>
-              <a:rPr lang="pl-PL" sz="1200" b="0" i="0" u="none" strike="noStrike" kern="1200" baseline="0" dirty="0">
-                <a:solidFill>
-                  <a:schemeClr val="tx1"/>
-                </a:solidFill>
-                <a:latin typeface="+mn-lt"/>
-                <a:ea typeface="+mn-ea"/>
-                <a:cs typeface="+mn-cs"/>
-              </a:rPr>
-              <a:t> </a:t>
-            </a:r>
-            <a:r>
-              <a:rPr lang="en-US" sz="1200" b="0" i="0" u="none" strike="noStrike" kern="1200" baseline="0" dirty="0">
-                <a:solidFill>
-                  <a:schemeClr val="tx1"/>
-                </a:solidFill>
-                <a:latin typeface="+mn-lt"/>
-                <a:ea typeface="+mn-ea"/>
-                <a:cs typeface="+mn-cs"/>
-              </a:rPr>
-              <a:t>it to reduce a collection of multiple items down to a single item.</a:t>
-            </a:r>
-            <a:endParaRPr lang="pl-PL" sz="1200" b="0" i="0" u="none" strike="noStrike" kern="1200" baseline="0" dirty="0">
-              <a:solidFill>
-                <a:schemeClr val="tx1"/>
-              </a:solidFill>
-              <a:latin typeface="+mn-lt"/>
-              <a:ea typeface="+mn-ea"/>
-              <a:cs typeface="+mn-cs"/>
-            </a:endParaRPr>
-          </a:p>
-          <a:p>
-            <a:endParaRPr lang="pl-PL" sz="1200" b="0" i="0" u="none" strike="noStrike" kern="1200" baseline="0" dirty="0">
-              <a:solidFill>
-                <a:schemeClr val="tx1"/>
-              </a:solidFill>
-              <a:latin typeface="+mn-lt"/>
-              <a:ea typeface="+mn-ea"/>
-              <a:cs typeface="+mn-cs"/>
-            </a:endParaRPr>
-          </a:p>
-          <a:p>
-            <a:r>
-              <a:rPr lang="en-US" sz="1200" b="0" i="0" u="none" strike="noStrike" kern="1200" baseline="0" dirty="0">
-                <a:solidFill>
-                  <a:schemeClr val="tx1"/>
-                </a:solidFill>
-                <a:latin typeface="+mn-lt"/>
-                <a:ea typeface="+mn-ea"/>
-                <a:cs typeface="+mn-cs"/>
-              </a:rPr>
-              <a:t>The popular Map/Reduce computing paradigm uses this concept to tackle large computing challenges, by</a:t>
-            </a:r>
-          </a:p>
-          <a:p>
-            <a:r>
-              <a:rPr lang="en-US" sz="1200" b="0" i="0" u="none" strike="noStrike" kern="1200" baseline="0" dirty="0">
-                <a:solidFill>
-                  <a:schemeClr val="tx1"/>
-                </a:solidFill>
-                <a:latin typeface="+mn-lt"/>
-                <a:ea typeface="+mn-ea"/>
-                <a:cs typeface="+mn-cs"/>
-              </a:rPr>
-              <a:t>mapping the computation across a range of distributed nodes and reducing their results</a:t>
-            </a:r>
-            <a:r>
-              <a:rPr lang="pl-PL" sz="1200" b="0" i="0" u="none" strike="noStrike" kern="1200" baseline="0" dirty="0">
-                <a:solidFill>
-                  <a:schemeClr val="tx1"/>
-                </a:solidFill>
-                <a:latin typeface="+mn-lt"/>
-                <a:ea typeface="+mn-ea"/>
-                <a:cs typeface="+mn-cs"/>
-              </a:rPr>
-              <a:t> </a:t>
-            </a:r>
-            <a:r>
-              <a:rPr lang="en-US" sz="1200" b="0" i="0" u="none" strike="noStrike" kern="1200" baseline="0" dirty="0">
-                <a:solidFill>
-                  <a:schemeClr val="tx1"/>
-                </a:solidFill>
-                <a:latin typeface="+mn-lt"/>
-                <a:ea typeface="+mn-ea"/>
-                <a:cs typeface="+mn-cs"/>
-              </a:rPr>
-              <a:t>back to a meaningful size.</a:t>
-            </a:r>
             <a:endParaRPr lang="pl-PL" dirty="0"/>
           </a:p>
         </p:txBody>
@@ -4116,7 +3238,7 @@
     </p:spTree>
     <p:extLst>
       <p:ext uri="{BB962C8B-B14F-4D97-AF65-F5344CB8AC3E}">
-        <p14:creationId xmlns:p14="http://schemas.microsoft.com/office/powerpoint/2010/main" val="1359792266"/>
+        <p14:creationId xmlns:p14="http://schemas.microsoft.com/office/powerpoint/2010/main" val="2988260470"/>
       </p:ext>
     </p:extLst>
   </p:cSld>
@@ -4170,6 +3292,490 @@
           <a:bodyPr/>
           <a:lstStyle/>
           <a:p>
+            <a:r>
+              <a:rPr lang="pl-PL" sz="1200" b="0" i="0" u="none" strike="noStrike" kern="1200" baseline="0" dirty="0">
+                <a:solidFill>
+                  <a:schemeClr val="tx1"/>
+                </a:solidFill>
+                <a:latin typeface="+mn-lt"/>
+                <a:ea typeface="+mn-ea"/>
+                <a:cs typeface="+mn-cs"/>
+              </a:rPr>
+              <a:t>Case </a:t>
+            </a:r>
+            <a:r>
+              <a:rPr lang="pl-PL" sz="1200" b="0" i="0" u="none" strike="noStrike" kern="1200" baseline="0" dirty="0" err="1">
+                <a:solidFill>
+                  <a:schemeClr val="tx1"/>
+                </a:solidFill>
+                <a:latin typeface="+mn-lt"/>
+                <a:ea typeface="+mn-ea"/>
+                <a:cs typeface="+mn-cs"/>
+              </a:rPr>
+              <a:t>classes</a:t>
+            </a:r>
+            <a:r>
+              <a:rPr lang="pl-PL" sz="1200" b="0" i="0" u="none" strike="noStrike" kern="1200" baseline="0" dirty="0">
+                <a:solidFill>
+                  <a:schemeClr val="tx1"/>
+                </a:solidFill>
+                <a:latin typeface="+mn-lt"/>
+                <a:ea typeface="+mn-ea"/>
+                <a:cs typeface="+mn-cs"/>
+              </a:rPr>
+              <a:t> to sposób Scali na umożliwienie </a:t>
+            </a:r>
+            <a:r>
+              <a:rPr lang="pl-PL" sz="1200" b="0" i="0" u="none" strike="noStrike" kern="1200" baseline="0" dirty="0" err="1">
+                <a:solidFill>
+                  <a:schemeClr val="tx1"/>
+                </a:solidFill>
+                <a:latin typeface="+mn-lt"/>
+                <a:ea typeface="+mn-ea"/>
+                <a:cs typeface="+mn-cs"/>
+              </a:rPr>
+              <a:t>pattern</a:t>
+            </a:r>
+            <a:r>
+              <a:rPr lang="pl-PL" sz="1200" b="0" i="0" u="none" strike="noStrike" kern="1200" baseline="0" dirty="0">
+                <a:solidFill>
+                  <a:schemeClr val="tx1"/>
+                </a:solidFill>
+                <a:latin typeface="+mn-lt"/>
+                <a:ea typeface="+mn-ea"/>
+                <a:cs typeface="+mn-cs"/>
+              </a:rPr>
+              <a:t> </a:t>
+            </a:r>
+            <a:r>
+              <a:rPr lang="pl-PL" sz="1200" b="0" i="0" u="none" strike="noStrike" kern="1200" baseline="0" dirty="0" err="1">
+                <a:solidFill>
+                  <a:schemeClr val="tx1"/>
+                </a:solidFill>
+                <a:latin typeface="+mn-lt"/>
+                <a:ea typeface="+mn-ea"/>
+                <a:cs typeface="+mn-cs"/>
+              </a:rPr>
+              <a:t>matchingu</a:t>
+            </a:r>
+            <a:r>
+              <a:rPr lang="pl-PL" sz="1200" b="0" i="0" u="none" strike="noStrike" kern="1200" baseline="0" dirty="0">
+                <a:solidFill>
+                  <a:schemeClr val="tx1"/>
+                </a:solidFill>
+                <a:latin typeface="+mn-lt"/>
+                <a:ea typeface="+mn-ea"/>
+                <a:cs typeface="+mn-cs"/>
+              </a:rPr>
+              <a:t> na obiektach bez konieczności pisanie dużej ilości </a:t>
+            </a:r>
+            <a:r>
+              <a:rPr lang="pl-PL" sz="1200" b="0" i="0" u="none" strike="noStrike" kern="1200" baseline="0" dirty="0" err="1">
+                <a:solidFill>
+                  <a:schemeClr val="tx1"/>
+                </a:solidFill>
+                <a:latin typeface="+mn-lt"/>
+                <a:ea typeface="+mn-ea"/>
+                <a:cs typeface="+mn-cs"/>
+              </a:rPr>
+              <a:t>boiler</a:t>
+            </a:r>
+            <a:r>
+              <a:rPr lang="pl-PL" sz="1200" b="0" i="0" u="none" strike="noStrike" kern="1200" baseline="0" dirty="0">
+                <a:solidFill>
+                  <a:schemeClr val="tx1"/>
+                </a:solidFill>
+                <a:latin typeface="+mn-lt"/>
+                <a:ea typeface="+mn-ea"/>
+                <a:cs typeface="+mn-cs"/>
+              </a:rPr>
+              <a:t> </a:t>
+            </a:r>
+            <a:r>
+              <a:rPr lang="pl-PL" sz="1200" b="0" i="0" u="none" strike="noStrike" kern="1200" baseline="0" dirty="0" err="1">
+                <a:solidFill>
+                  <a:schemeClr val="tx1"/>
+                </a:solidFill>
+                <a:latin typeface="+mn-lt"/>
+                <a:ea typeface="+mn-ea"/>
+                <a:cs typeface="+mn-cs"/>
+              </a:rPr>
+              <a:t>plate’u</a:t>
+            </a:r>
+            <a:r>
+              <a:rPr lang="pl-PL" sz="1200" b="0" i="0" u="none" strike="noStrike" kern="1200" baseline="0" dirty="0">
+                <a:solidFill>
+                  <a:schemeClr val="tx1"/>
+                </a:solidFill>
+                <a:latin typeface="+mn-lt"/>
+                <a:ea typeface="+mn-ea"/>
+                <a:cs typeface="+mn-cs"/>
+              </a:rPr>
+              <a:t>.</a:t>
+            </a:r>
+          </a:p>
+          <a:p>
+            <a:r>
+              <a:rPr lang="pl-PL" sz="1200" b="0" i="0" u="none" strike="noStrike" kern="1200" baseline="0" dirty="0">
+                <a:solidFill>
+                  <a:schemeClr val="tx1"/>
+                </a:solidFill>
+                <a:latin typeface="+mn-lt"/>
+                <a:ea typeface="+mn-ea"/>
+                <a:cs typeface="+mn-cs"/>
+              </a:rPr>
+              <a:t>Wszystko co musisz zrobić to dodać </a:t>
+            </a:r>
+            <a:r>
+              <a:rPr lang="pl-PL" sz="1200" b="0" i="0" u="none" strike="noStrike" kern="1200" baseline="0" dirty="0" err="1">
+                <a:solidFill>
+                  <a:schemeClr val="tx1"/>
+                </a:solidFill>
+                <a:latin typeface="+mn-lt"/>
+                <a:ea typeface="+mn-ea"/>
+                <a:cs typeface="+mn-cs"/>
+              </a:rPr>
+              <a:t>case</a:t>
+            </a:r>
+            <a:r>
+              <a:rPr lang="pl-PL" sz="1200" b="0" i="0" u="none" strike="noStrike" kern="1200" baseline="0" dirty="0">
+                <a:solidFill>
+                  <a:schemeClr val="tx1"/>
+                </a:solidFill>
+                <a:latin typeface="+mn-lt"/>
+                <a:ea typeface="+mn-ea"/>
+                <a:cs typeface="+mn-cs"/>
+              </a:rPr>
+              <a:t> </a:t>
+            </a:r>
+            <a:r>
+              <a:rPr lang="pl-PL" sz="1200" b="0" i="0" u="none" strike="noStrike" kern="1200" baseline="0" dirty="0" err="1">
+                <a:solidFill>
+                  <a:schemeClr val="tx1"/>
+                </a:solidFill>
+                <a:latin typeface="+mn-lt"/>
+                <a:ea typeface="+mn-ea"/>
+                <a:cs typeface="+mn-cs"/>
+              </a:rPr>
+              <a:t>keyword</a:t>
+            </a:r>
+            <a:r>
+              <a:rPr lang="pl-PL" sz="1200" b="0" i="0" u="none" strike="noStrike" kern="1200" baseline="0" dirty="0">
+                <a:solidFill>
+                  <a:schemeClr val="tx1"/>
+                </a:solidFill>
+                <a:latin typeface="+mn-lt"/>
+                <a:ea typeface="+mn-ea"/>
+                <a:cs typeface="+mn-cs"/>
+              </a:rPr>
+              <a:t> do definicji klasy i dzięki temu na klasie może być wykonany </a:t>
+            </a:r>
+            <a:r>
+              <a:rPr lang="pl-PL" sz="1200" b="0" i="0" u="none" strike="noStrike" kern="1200" baseline="0" dirty="0" err="1">
+                <a:solidFill>
+                  <a:schemeClr val="tx1"/>
+                </a:solidFill>
+                <a:latin typeface="+mn-lt"/>
+                <a:ea typeface="+mn-ea"/>
+                <a:cs typeface="+mn-cs"/>
+              </a:rPr>
+              <a:t>pattern</a:t>
+            </a:r>
+            <a:r>
+              <a:rPr lang="pl-PL" sz="1200" b="0" i="0" u="none" strike="noStrike" kern="1200" baseline="0" dirty="0">
+                <a:solidFill>
+                  <a:schemeClr val="tx1"/>
+                </a:solidFill>
+                <a:latin typeface="+mn-lt"/>
+                <a:ea typeface="+mn-ea"/>
+                <a:cs typeface="+mn-cs"/>
+              </a:rPr>
+              <a:t> </a:t>
+            </a:r>
+            <a:r>
+              <a:rPr lang="pl-PL" sz="1200" b="0" i="0" u="none" strike="noStrike" kern="1200" baseline="0" dirty="0" err="1">
+                <a:solidFill>
+                  <a:schemeClr val="tx1"/>
+                </a:solidFill>
+                <a:latin typeface="+mn-lt"/>
+                <a:ea typeface="+mn-ea"/>
+                <a:cs typeface="+mn-cs"/>
+              </a:rPr>
+              <a:t>matching</a:t>
+            </a:r>
+            <a:r>
+              <a:rPr lang="pl-PL" sz="1200" b="0" i="0" u="none" strike="noStrike" kern="1200" baseline="0" dirty="0">
+                <a:solidFill>
+                  <a:schemeClr val="tx1"/>
+                </a:solidFill>
+                <a:latin typeface="+mn-lt"/>
+                <a:ea typeface="+mn-ea"/>
+                <a:cs typeface="+mn-cs"/>
+              </a:rPr>
+              <a:t>.</a:t>
+            </a:r>
+          </a:p>
+          <a:p>
+            <a:endParaRPr lang="pl-PL" dirty="0"/>
+          </a:p>
+          <a:p>
+            <a:pPr marL="0" marR="0" lvl="0" indent="0" algn="l" defTabSz="914400" rtl="0" eaLnBrk="1" fontAlgn="auto" latinLnBrk="0" hangingPunct="1">
+              <a:lnSpc>
+                <a:spcPct val="100000"/>
+              </a:lnSpc>
+              <a:spcBef>
+                <a:spcPts val="0"/>
+              </a:spcBef>
+              <a:spcAft>
+                <a:spcPts val="0"/>
+              </a:spcAft>
+              <a:buClrTx/>
+              <a:buSzTx/>
+              <a:buFontTx/>
+              <a:buNone/>
+              <a:tabLst/>
+              <a:defRPr/>
+            </a:pPr>
+            <a:r>
+              <a:rPr lang="pl-PL" sz="1200" b="1" dirty="0" err="1"/>
+              <a:t>Immutable</a:t>
+            </a:r>
+            <a:r>
+              <a:rPr lang="pl-PL" sz="1200" b="1" dirty="0"/>
+              <a:t> by </a:t>
+            </a:r>
+            <a:r>
+              <a:rPr lang="pl-PL" sz="1200" b="1" dirty="0" err="1"/>
+              <a:t>default</a:t>
+            </a:r>
+            <a:r>
+              <a:rPr lang="pl-PL" sz="1200" b="1" dirty="0"/>
+              <a:t> </a:t>
+            </a:r>
+            <a:r>
+              <a:rPr lang="pl-PL" sz="1200" dirty="0"/>
+              <a:t>– </a:t>
+            </a:r>
+            <a:r>
+              <a:rPr lang="pl-PL" sz="1200" dirty="0" err="1"/>
+              <a:t>paramtery</a:t>
+            </a:r>
+            <a:r>
+              <a:rPr lang="pl-PL" sz="1200" dirty="0"/>
+              <a:t> w konstruktorze klasy to domyślnie </a:t>
+            </a:r>
+            <a:r>
+              <a:rPr lang="pl-PL" sz="1200" dirty="0" err="1"/>
+              <a:t>val</a:t>
+            </a:r>
+            <a:r>
+              <a:rPr lang="pl-PL" sz="1200" dirty="0"/>
+              <a:t>, tak </a:t>
+            </a:r>
+            <a:r>
+              <a:rPr lang="pl-PL" sz="1200" dirty="0" err="1"/>
+              <a:t>wieć</a:t>
+            </a:r>
+            <a:r>
+              <a:rPr lang="pl-PL" sz="1200" dirty="0"/>
+              <a:t> </a:t>
+            </a:r>
+            <a:r>
+              <a:rPr lang="pl-PL" sz="1200" dirty="0" err="1"/>
+              <a:t>automatucznie</a:t>
+            </a:r>
+            <a:r>
+              <a:rPr lang="pl-PL" sz="1200" dirty="0"/>
+              <a:t> generowane są gettery dla każdego parametry al. </a:t>
+            </a:r>
+            <a:r>
+              <a:rPr lang="pl-PL" sz="1200" dirty="0" err="1"/>
+              <a:t>Enie</a:t>
+            </a:r>
+            <a:r>
+              <a:rPr lang="pl-PL" sz="1200" dirty="0"/>
+              <a:t> ma już </a:t>
+            </a:r>
+            <a:r>
+              <a:rPr lang="pl-PL" sz="1200" dirty="0" err="1"/>
+              <a:t>setterów</a:t>
+            </a:r>
+            <a:r>
+              <a:rPr lang="pl-PL" sz="1200" dirty="0"/>
+              <a:t>.</a:t>
+            </a:r>
+            <a:endParaRPr lang="pl-PL" dirty="0"/>
+          </a:p>
+          <a:p>
+            <a:pPr marL="0" marR="0" lvl="0" indent="0" algn="l" defTabSz="914400" rtl="0" eaLnBrk="1" fontAlgn="auto" latinLnBrk="0" hangingPunct="1">
+              <a:lnSpc>
+                <a:spcPct val="100000"/>
+              </a:lnSpc>
+              <a:spcBef>
+                <a:spcPts val="0"/>
+              </a:spcBef>
+              <a:spcAft>
+                <a:spcPts val="0"/>
+              </a:spcAft>
+              <a:buClrTx/>
+              <a:buSzTx/>
+              <a:buFontTx/>
+              <a:buNone/>
+              <a:tabLst/>
+              <a:defRPr/>
+            </a:pPr>
+            <a:r>
+              <a:rPr lang="en-US" sz="1200" b="1" dirty="0"/>
+              <a:t>Companion object </a:t>
+            </a:r>
+            <a:r>
+              <a:rPr lang="pl-PL" sz="1200" b="1" dirty="0"/>
+              <a:t>and </a:t>
+            </a:r>
+            <a:r>
+              <a:rPr lang="pl-PL" sz="1200" b="1" dirty="0" err="1"/>
+              <a:t>factory</a:t>
+            </a:r>
+            <a:r>
+              <a:rPr lang="pl-PL" sz="1200" b="1" dirty="0"/>
+              <a:t> </a:t>
+            </a:r>
+            <a:r>
+              <a:rPr lang="pl-PL" sz="1200" b="1" dirty="0" err="1"/>
+              <a:t>methods</a:t>
+            </a:r>
+            <a:r>
+              <a:rPr lang="pl-PL" sz="1200" b="1" dirty="0"/>
+              <a:t> </a:t>
+            </a:r>
+            <a:r>
+              <a:rPr lang="en-US" sz="1200" b="1" dirty="0"/>
+              <a:t>out of the box</a:t>
+            </a:r>
+            <a:r>
+              <a:rPr lang="pl-PL" sz="1200" b="1" dirty="0"/>
+              <a:t> </a:t>
+            </a:r>
+            <a:r>
+              <a:rPr lang="pl-PL" sz="1200" dirty="0"/>
+              <a:t>– w skrócie oznacza to, że nie musimy używać </a:t>
+            </a:r>
+            <a:r>
+              <a:rPr lang="pl-PL" sz="1200" dirty="0" err="1"/>
+              <a:t>keworda</a:t>
+            </a:r>
+            <a:r>
+              <a:rPr lang="pl-PL" sz="1200" dirty="0"/>
+              <a:t> </a:t>
+            </a:r>
+            <a:r>
+              <a:rPr lang="pl-PL" sz="1200" dirty="0" err="1"/>
+              <a:t>new</a:t>
+            </a:r>
+            <a:r>
+              <a:rPr lang="pl-PL" sz="1200" dirty="0"/>
+              <a:t> aby stworzyć instancję klasy.</a:t>
+            </a:r>
+          </a:p>
+          <a:p>
+            <a:pPr marL="0" marR="0" lvl="0" indent="0" algn="l" defTabSz="914400" rtl="0" eaLnBrk="1" fontAlgn="auto" latinLnBrk="0" hangingPunct="1">
+              <a:lnSpc>
+                <a:spcPct val="100000"/>
+              </a:lnSpc>
+              <a:spcBef>
+                <a:spcPts val="0"/>
+              </a:spcBef>
+              <a:spcAft>
+                <a:spcPts val="0"/>
+              </a:spcAft>
+              <a:buClrTx/>
+              <a:buSzTx/>
+              <a:buFontTx/>
+              <a:buNone/>
+              <a:tabLst/>
+              <a:defRPr/>
+            </a:pPr>
+            <a:r>
+              <a:rPr lang="pl-PL" sz="1200" dirty="0"/>
+              <a:t>Wszystko to dzięki automatycznie dodanej metodzie </a:t>
+            </a:r>
+            <a:r>
+              <a:rPr lang="pl-PL" sz="1200" dirty="0" err="1"/>
+              <a:t>apply</a:t>
+            </a:r>
+            <a:r>
+              <a:rPr lang="pl-PL" sz="1200" dirty="0"/>
+              <a:t>.</a:t>
+            </a:r>
+          </a:p>
+          <a:p>
+            <a:pPr marL="0" marR="0" lvl="0" indent="0" algn="l" defTabSz="914400" rtl="0" eaLnBrk="1" fontAlgn="auto" latinLnBrk="0" hangingPunct="1">
+              <a:lnSpc>
+                <a:spcPct val="100000"/>
+              </a:lnSpc>
+              <a:spcBef>
+                <a:spcPts val="0"/>
+              </a:spcBef>
+              <a:spcAft>
+                <a:spcPts val="0"/>
+              </a:spcAft>
+              <a:buClrTx/>
+              <a:buSzTx/>
+              <a:buFontTx/>
+              <a:buNone/>
+              <a:tabLst/>
+              <a:defRPr/>
+            </a:pPr>
+            <a:r>
+              <a:rPr lang="en-GB" sz="1200" b="1" dirty="0"/>
+              <a:t>Ability to be deconstructed with pattern matching</a:t>
+            </a:r>
+            <a:r>
+              <a:rPr lang="pl-PL" sz="1200" b="1" dirty="0"/>
+              <a:t> – </a:t>
+            </a:r>
+            <a:r>
+              <a:rPr lang="pl-PL" sz="1200" b="0" dirty="0"/>
+              <a:t>obok metody </a:t>
+            </a:r>
+            <a:r>
+              <a:rPr lang="pl-PL" sz="1200" b="0" dirty="0" err="1"/>
+              <a:t>apply</a:t>
+            </a:r>
+            <a:r>
+              <a:rPr lang="pl-PL" sz="1200" b="0" dirty="0"/>
+              <a:t> dostajemy również metodę </a:t>
+            </a:r>
+            <a:r>
+              <a:rPr lang="pl-PL" sz="1200" b="0" dirty="0" err="1"/>
+              <a:t>unapply</a:t>
+            </a:r>
+            <a:endParaRPr lang="pl-PL" sz="1200" b="0" dirty="0"/>
+          </a:p>
+          <a:p>
+            <a:pPr marL="0" marR="0" lvl="0" indent="0" algn="l" defTabSz="914400" rtl="0" eaLnBrk="1" fontAlgn="auto" latinLnBrk="0" hangingPunct="1">
+              <a:lnSpc>
+                <a:spcPct val="100000"/>
+              </a:lnSpc>
+              <a:spcBef>
+                <a:spcPts val="0"/>
+              </a:spcBef>
+              <a:spcAft>
+                <a:spcPts val="0"/>
+              </a:spcAft>
+              <a:buClrTx/>
+              <a:buSzTx/>
+              <a:buFontTx/>
+              <a:buNone/>
+              <a:tabLst/>
+              <a:defRPr/>
+            </a:pPr>
+            <a:endParaRPr lang="en-US" sz="1200" dirty="0"/>
+          </a:p>
+          <a:p>
+            <a:br>
+              <a:rPr lang="pl-PL" dirty="0"/>
+            </a:br>
             <a:endParaRPr lang="pl-PL" dirty="0"/>
           </a:p>
         </p:txBody>
@@ -4177,7 +3783,7 @@
     </p:spTree>
     <p:extLst>
       <p:ext uri="{BB962C8B-B14F-4D97-AF65-F5344CB8AC3E}">
-        <p14:creationId xmlns:p14="http://schemas.microsoft.com/office/powerpoint/2010/main" val="2988260470"/>
+        <p14:creationId xmlns:p14="http://schemas.microsoft.com/office/powerpoint/2010/main" val="3267287691"/>
       </p:ext>
     </p:extLst>
   </p:cSld>
@@ -4232,291 +3838,391 @@
           <a:lstStyle/>
           <a:p>
             <a:pPr marL="0" indent="0">
-              <a:buFont typeface="Arial" panose="020B0604020202020204" pitchFamily="34" charset="0"/>
               <a:buNone/>
             </a:pPr>
             <a:r>
-              <a:rPr lang="pl-PL" dirty="0"/>
-              <a:t>Powyższy schemat pokazuje wszystkie dostępne kolekcje w pakiecie </a:t>
-            </a:r>
-            <a:r>
-              <a:rPr lang="pl-PL" dirty="0" err="1"/>
-              <a:t>scala.collection</a:t>
-            </a:r>
-            <a:r>
-              <a:rPr lang="pl-PL" dirty="0"/>
-              <a:t>. Są to zazwyczaj </a:t>
-            </a:r>
-            <a:r>
-              <a:rPr lang="pl-PL" dirty="0" err="1"/>
-              <a:t>traity</a:t>
-            </a:r>
-            <a:r>
-              <a:rPr lang="pl-PL" dirty="0"/>
-              <a:t> arbo </a:t>
-            </a:r>
-            <a:r>
-              <a:rPr lang="pl-PL" dirty="0" err="1"/>
-              <a:t>higl-level</a:t>
-            </a:r>
-            <a:r>
-              <a:rPr lang="pl-PL" dirty="0"/>
+              <a:rPr lang="pl-PL" sz="1200" dirty="0">
+                <a:latin typeface="Courier New" panose="02070309020205020404" pitchFamily="49" charset="0"/>
+                <a:cs typeface="Courier New" panose="02070309020205020404" pitchFamily="49" charset="0"/>
+              </a:rPr>
+              <a:t>&lt;</a:t>
+            </a:r>
+            <a:r>
+              <a:rPr lang="pl-PL" sz="1200" dirty="0" err="1">
+                <a:latin typeface="Courier New" panose="02070309020205020404" pitchFamily="49" charset="0"/>
+                <a:cs typeface="Courier New" panose="02070309020205020404" pitchFamily="49" charset="0"/>
+              </a:rPr>
+              <a:t>expression</a:t>
+            </a:r>
+            <a:r>
+              <a:rPr lang="pl-PL" sz="1200" dirty="0">
+                <a:latin typeface="Courier New" panose="02070309020205020404" pitchFamily="49" charset="0"/>
+                <a:cs typeface="Courier New" panose="02070309020205020404" pitchFamily="49" charset="0"/>
+              </a:rPr>
+              <a:t>&gt; </a:t>
+            </a:r>
+            <a:r>
+              <a:rPr lang="pl-PL" sz="1200" dirty="0" err="1">
+                <a:latin typeface="Courier New" panose="02070309020205020404" pitchFamily="49" charset="0"/>
+                <a:cs typeface="Courier New" panose="02070309020205020404" pitchFamily="49" charset="0"/>
+              </a:rPr>
+              <a:t>match</a:t>
+            </a:r>
+            <a:r>
+              <a:rPr lang="pl-PL" sz="1200" dirty="0">
+                <a:latin typeface="Courier New" panose="02070309020205020404" pitchFamily="49" charset="0"/>
+                <a:cs typeface="Courier New" panose="02070309020205020404" pitchFamily="49" charset="0"/>
+              </a:rPr>
+              <a:t> {</a:t>
+            </a:r>
+          </a:p>
+          <a:p>
+            <a:pPr marL="0" indent="0">
+              <a:buNone/>
+            </a:pPr>
+            <a:r>
+              <a:rPr lang="pl-PL" sz="1200" dirty="0" err="1">
+                <a:latin typeface="Courier New" panose="02070309020205020404" pitchFamily="49" charset="0"/>
+                <a:cs typeface="Courier New" panose="02070309020205020404" pitchFamily="49" charset="0"/>
+              </a:rPr>
+              <a:t>case</a:t>
+            </a:r>
+            <a:r>
+              <a:rPr lang="pl-PL" sz="1200" dirty="0">
+                <a:latin typeface="Courier New" panose="02070309020205020404" pitchFamily="49" charset="0"/>
+                <a:cs typeface="Courier New" panose="02070309020205020404" pitchFamily="49" charset="0"/>
+              </a:rPr>
+              <a:t> &lt;</a:t>
+            </a:r>
+            <a:r>
+              <a:rPr lang="pl-PL" sz="1200" dirty="0" err="1">
+                <a:latin typeface="Courier New" panose="02070309020205020404" pitchFamily="49" charset="0"/>
+                <a:cs typeface="Courier New" panose="02070309020205020404" pitchFamily="49" charset="0"/>
+              </a:rPr>
+              <a:t>pattern</a:t>
+            </a:r>
+            <a:r>
+              <a:rPr lang="pl-PL" sz="1200" dirty="0">
+                <a:latin typeface="Courier New" panose="02070309020205020404" pitchFamily="49" charset="0"/>
+                <a:cs typeface="Courier New" panose="02070309020205020404" pitchFamily="49" charset="0"/>
+              </a:rPr>
               <a:t> </a:t>
             </a:r>
             <a:r>
-              <a:rPr lang="pl-PL" dirty="0" err="1"/>
-              <a:t>abtrakcyjne</a:t>
-            </a:r>
-            <a:r>
-              <a:rPr lang="pl-PL" dirty="0"/>
-              <a:t> klasy, które posiadają zarówno </a:t>
-            </a:r>
-            <a:r>
-              <a:rPr lang="pl-PL" dirty="0" err="1"/>
-              <a:t>niemutowalną</a:t>
-            </a:r>
-            <a:r>
-              <a:rPr lang="pl-PL" dirty="0"/>
-              <a:t> jak i </a:t>
-            </a:r>
-            <a:r>
-              <a:rPr lang="pl-PL" dirty="0" err="1"/>
-              <a:t>mutowalną</a:t>
-            </a:r>
-            <a:r>
-              <a:rPr lang="pl-PL" dirty="0"/>
-              <a:t> implementację.</a:t>
-            </a:r>
-          </a:p>
-          <a:p>
-            <a:pPr marL="171450" indent="-171450">
-              <a:buFont typeface="Arial" panose="020B0604020202020204" pitchFamily="34" charset="0"/>
-              <a:buChar char="•"/>
+              <a:rPr lang="pl-PL" sz="1200" dirty="0" err="1">
+                <a:latin typeface="Courier New" panose="02070309020205020404" pitchFamily="49" charset="0"/>
+                <a:cs typeface="Courier New" panose="02070309020205020404" pitchFamily="49" charset="0"/>
+              </a:rPr>
+              <a:t>match</a:t>
+            </a:r>
+            <a:r>
+              <a:rPr lang="pl-PL" sz="1200" dirty="0">
+                <a:latin typeface="Courier New" panose="02070309020205020404" pitchFamily="49" charset="0"/>
+                <a:cs typeface="Courier New" panose="02070309020205020404" pitchFamily="49" charset="0"/>
+              </a:rPr>
+              <a:t>&gt; =&gt; &lt;</a:t>
+            </a:r>
+            <a:r>
+              <a:rPr lang="pl-PL" sz="1200" dirty="0" err="1">
+                <a:latin typeface="Courier New" panose="02070309020205020404" pitchFamily="49" charset="0"/>
+                <a:cs typeface="Courier New" panose="02070309020205020404" pitchFamily="49" charset="0"/>
+              </a:rPr>
+              <a:t>expression</a:t>
+            </a:r>
+            <a:r>
+              <a:rPr lang="pl-PL" sz="1200" dirty="0">
+                <a:latin typeface="Courier New" panose="02070309020205020404" pitchFamily="49" charset="0"/>
+                <a:cs typeface="Courier New" panose="02070309020205020404" pitchFamily="49" charset="0"/>
+              </a:rPr>
+              <a:t>&gt;</a:t>
+            </a:r>
+          </a:p>
+          <a:p>
+            <a:pPr marL="0" indent="0">
+              <a:buNone/>
+            </a:pPr>
+            <a:r>
+              <a:rPr lang="pl-PL" sz="1200" dirty="0">
+                <a:latin typeface="Courier New" panose="02070309020205020404" pitchFamily="49" charset="0"/>
+                <a:cs typeface="Courier New" panose="02070309020205020404" pitchFamily="49" charset="0"/>
+              </a:rPr>
+              <a:t>[</a:t>
+            </a:r>
+            <a:r>
+              <a:rPr lang="pl-PL" sz="1200" dirty="0" err="1">
+                <a:latin typeface="Courier New" panose="02070309020205020404" pitchFamily="49" charset="0"/>
+                <a:cs typeface="Courier New" panose="02070309020205020404" pitchFamily="49" charset="0"/>
+              </a:rPr>
+              <a:t>case</a:t>
+            </a:r>
+            <a:r>
+              <a:rPr lang="pl-PL" sz="1200" dirty="0">
+                <a:latin typeface="Courier New" panose="02070309020205020404" pitchFamily="49" charset="0"/>
+                <a:cs typeface="Courier New" panose="02070309020205020404" pitchFamily="49" charset="0"/>
+              </a:rPr>
+              <a:t>...]</a:t>
+            </a:r>
+          </a:p>
+          <a:p>
+            <a:pPr marL="0" indent="0">
+              <a:buNone/>
+            </a:pPr>
+            <a:r>
+              <a:rPr lang="pl-PL" sz="1200" dirty="0">
+                <a:latin typeface="Courier New" panose="02070309020205020404" pitchFamily="49" charset="0"/>
+                <a:cs typeface="Courier New" panose="02070309020205020404" pitchFamily="49" charset="0"/>
+              </a:rPr>
+              <a:t>}</a:t>
+            </a:r>
+          </a:p>
+          <a:p>
+            <a:pPr marL="0" marR="0" lvl="0" indent="0" algn="l" defTabSz="914400" rtl="0" eaLnBrk="1" fontAlgn="auto" latinLnBrk="0" hangingPunct="1">
+              <a:lnSpc>
+                <a:spcPct val="100000"/>
+              </a:lnSpc>
+              <a:spcBef>
+                <a:spcPts val="0"/>
+              </a:spcBef>
+              <a:spcAft>
+                <a:spcPts val="0"/>
+              </a:spcAft>
+              <a:buClrTx/>
+              <a:buSzTx/>
+              <a:buFontTx/>
+              <a:buNone/>
+              <a:tabLst/>
+              <a:defRPr/>
+            </a:pPr>
+            <a:r>
+              <a:rPr lang="en-GB" sz="1200" b="1" dirty="0"/>
+              <a:t>Patterns everywhere</a:t>
+            </a:r>
+            <a:r>
+              <a:rPr lang="pl-PL" sz="1200" b="1" dirty="0"/>
+              <a:t> –</a:t>
+            </a:r>
+            <a:r>
+              <a:rPr lang="pl-PL" sz="1200" b="0" dirty="0"/>
+              <a:t> bardzo przydatne do dekonstrukcji </a:t>
+            </a:r>
+            <a:r>
+              <a:rPr lang="pl-PL" sz="1200" b="0" dirty="0" err="1"/>
+              <a:t>tupli</a:t>
+            </a:r>
+            <a:r>
+              <a:rPr lang="pl-PL" sz="1200" b="0" dirty="0"/>
+              <a:t> czy </a:t>
+            </a:r>
+            <a:r>
+              <a:rPr lang="pl-PL" sz="1200" b="0" dirty="0" err="1"/>
+              <a:t>case</a:t>
+            </a:r>
+            <a:r>
+              <a:rPr lang="pl-PL" sz="1200" b="0" dirty="0"/>
+              <a:t> </a:t>
+            </a:r>
+            <a:r>
+              <a:rPr lang="pl-PL" sz="1200" b="0" dirty="0" err="1"/>
+              <a:t>class</a:t>
+            </a:r>
+            <a:r>
+              <a:rPr lang="pl-PL" sz="1200" b="0" dirty="0"/>
+              <a:t>. </a:t>
+            </a:r>
+          </a:p>
+          <a:p>
+            <a:pPr marL="0" marR="0" lvl="0" indent="0" algn="l" defTabSz="914400" rtl="0" eaLnBrk="1" fontAlgn="auto" latinLnBrk="0" hangingPunct="1">
+              <a:lnSpc>
+                <a:spcPct val="100000"/>
+              </a:lnSpc>
+              <a:spcBef>
+                <a:spcPts val="0"/>
+              </a:spcBef>
+              <a:spcAft>
+                <a:spcPts val="0"/>
+              </a:spcAft>
+              <a:buClrTx/>
+              <a:buSzTx/>
+              <a:buFontTx/>
+              <a:buNone/>
+              <a:tabLst/>
+              <a:defRPr/>
+            </a:pPr>
+            <a:r>
+              <a:rPr lang="pl-PL" sz="1200" b="0" dirty="0"/>
+              <a:t>W zasadzie </a:t>
+            </a:r>
+            <a:r>
+              <a:rPr lang="en-US" sz="1200" b="1" i="0" u="none" strike="noStrike" kern="1200" baseline="0" dirty="0">
+                <a:solidFill>
+                  <a:schemeClr val="tx1"/>
+                </a:solidFill>
+                <a:latin typeface="+mn-lt"/>
+                <a:ea typeface="+mn-ea"/>
+                <a:cs typeface="+mn-cs"/>
+              </a:rPr>
+              <a:t>case sequence </a:t>
+            </a:r>
+            <a:r>
+              <a:rPr lang="pl-PL" sz="1200" b="0" i="0" u="none" strike="noStrike" kern="1200" baseline="0" dirty="0">
+                <a:solidFill>
+                  <a:schemeClr val="tx1"/>
+                </a:solidFill>
+                <a:latin typeface="+mn-lt"/>
+                <a:ea typeface="+mn-ea"/>
+                <a:cs typeface="+mn-cs"/>
+              </a:rPr>
+              <a:t> użyte w nawiasach wąsatych (</a:t>
+            </a:r>
+            <a:r>
+              <a:rPr lang="pl-PL" sz="1200" b="0" i="0" u="none" strike="noStrike" kern="1200" baseline="0" dirty="0" err="1">
+                <a:solidFill>
+                  <a:schemeClr val="tx1"/>
+                </a:solidFill>
+                <a:latin typeface="+mn-lt"/>
+                <a:ea typeface="+mn-ea"/>
+                <a:cs typeface="+mn-cs"/>
+              </a:rPr>
+              <a:t>curly</a:t>
+            </a:r>
+            <a:r>
+              <a:rPr lang="pl-PL" sz="1200" b="0" i="0" u="none" strike="noStrike" kern="1200" baseline="0" dirty="0">
+                <a:solidFill>
+                  <a:schemeClr val="tx1"/>
+                </a:solidFill>
+                <a:latin typeface="+mn-lt"/>
+                <a:ea typeface="+mn-ea"/>
+                <a:cs typeface="+mn-cs"/>
+              </a:rPr>
+              <a:t> </a:t>
+            </a:r>
+            <a:r>
+              <a:rPr lang="pl-PL" sz="1200" b="0" i="0" u="none" strike="noStrike" kern="1200" baseline="0" dirty="0" err="1">
+                <a:solidFill>
+                  <a:schemeClr val="tx1"/>
+                </a:solidFill>
+                <a:latin typeface="+mn-lt"/>
+                <a:ea typeface="+mn-ea"/>
+                <a:cs typeface="+mn-cs"/>
+              </a:rPr>
+              <a:t>braces</a:t>
+            </a:r>
+            <a:r>
+              <a:rPr lang="pl-PL" sz="1200" b="0" i="0" u="none" strike="noStrike" kern="1200" baseline="0" dirty="0">
+                <a:solidFill>
+                  <a:schemeClr val="tx1"/>
+                </a:solidFill>
+                <a:latin typeface="+mn-lt"/>
+                <a:ea typeface="+mn-ea"/>
+                <a:cs typeface="+mn-cs"/>
+              </a:rPr>
+              <a:t>) mogą być użyte wszędzie tam gdzie można użyć literału funkcji.</a:t>
+            </a:r>
+          </a:p>
+          <a:p>
+            <a:pPr marL="0" marR="0" lvl="0" indent="0" algn="l" defTabSz="914400" rtl="0" eaLnBrk="1" fontAlgn="auto" latinLnBrk="0" hangingPunct="1">
+              <a:lnSpc>
+                <a:spcPct val="100000"/>
+              </a:lnSpc>
+              <a:spcBef>
+                <a:spcPts val="0"/>
+              </a:spcBef>
+              <a:spcAft>
+                <a:spcPts val="0"/>
+              </a:spcAft>
+              <a:buClrTx/>
+              <a:buSzTx/>
+              <a:buFontTx/>
+              <a:buNone/>
+              <a:tabLst/>
+              <a:defRPr/>
             </a:pPr>
             <a:endParaRPr lang="pl-PL" dirty="0"/>
           </a:p>
           <a:p>
-            <a:pPr marL="171450" indent="-171450">
-              <a:buFont typeface="Arial" panose="020B0604020202020204" pitchFamily="34" charset="0"/>
-              <a:buChar char="•"/>
+            <a:pPr marL="0" marR="0" lvl="0" indent="0" algn="l" defTabSz="914400" rtl="0" eaLnBrk="1" fontAlgn="auto" latinLnBrk="0" hangingPunct="1">
+              <a:lnSpc>
+                <a:spcPct val="100000"/>
+              </a:lnSpc>
+              <a:spcBef>
+                <a:spcPts val="0"/>
+              </a:spcBef>
+              <a:spcAft>
+                <a:spcPts val="0"/>
+              </a:spcAft>
+              <a:buClrTx/>
+              <a:buSzTx/>
+              <a:buFontTx/>
+              <a:buNone/>
+              <a:tabLst/>
+              <a:defRPr/>
             </a:pPr>
             <a:r>
-              <a:rPr lang="pl-PL" dirty="0"/>
-              <a:t>Każdy rodzaj kolekcji może być stworzony używając tego samego </a:t>
-            </a:r>
-            <a:r>
-              <a:rPr lang="pl-PL" b="1" dirty="0"/>
-              <a:t>wspólnego </a:t>
-            </a:r>
-            <a:r>
-              <a:rPr lang="pl-PL" b="1" dirty="0" err="1"/>
-              <a:t>syntaxu</a:t>
-            </a:r>
-            <a:r>
-              <a:rPr lang="pl-PL" b="1" dirty="0"/>
-              <a:t>, </a:t>
-            </a:r>
-            <a:r>
-              <a:rPr lang="pl-PL" dirty="0"/>
-              <a:t>nazwa kolekcji i następnie jej elementy.</a:t>
-            </a:r>
-          </a:p>
-          <a:p>
-            <a:pPr marL="171450" indent="-171450">
-              <a:buFont typeface="Arial" panose="020B0604020202020204" pitchFamily="34" charset="0"/>
-              <a:buChar char="•"/>
-            </a:pPr>
-            <a:r>
-              <a:rPr lang="pl-PL" dirty="0"/>
-              <a:t>Domyślnie, Scala preferuje </a:t>
-            </a:r>
-            <a:r>
-              <a:rPr lang="pl-PL" b="1" dirty="0" err="1"/>
-              <a:t>niemutowalne</a:t>
-            </a:r>
-            <a:r>
-              <a:rPr lang="pl-PL" b="1" dirty="0"/>
-              <a:t> kolekcje</a:t>
-            </a:r>
-            <a:r>
-              <a:rPr lang="pl-PL" dirty="0"/>
-              <a:t>, więc jeśli napiszemy w kodzie Set bez żadnego </a:t>
-            </a:r>
-            <a:r>
-              <a:rPr lang="pl-PL" dirty="0" err="1"/>
-              <a:t>prefixu</a:t>
-            </a:r>
-            <a:r>
-              <a:rPr lang="pl-PL" dirty="0"/>
-              <a:t>, Scala wybierze </a:t>
-            </a:r>
-            <a:r>
-              <a:rPr lang="pl-PL" dirty="0" err="1"/>
-              <a:t>niemutowalny</a:t>
-            </a:r>
-            <a:r>
-              <a:rPr lang="pl-PL" dirty="0"/>
-              <a:t> Set.</a:t>
-            </a:r>
-          </a:p>
-          <a:p>
-            <a:pPr marL="171450" indent="-171450">
-              <a:buFont typeface="Arial" panose="020B0604020202020204" pitchFamily="34" charset="0"/>
-              <a:buChar char="•"/>
-            </a:pPr>
-            <a:r>
-              <a:rPr lang="pl-PL" dirty="0"/>
-              <a:t>Podobnie jeśli wybierzemy </a:t>
-            </a:r>
-            <a:r>
-              <a:rPr lang="pl-PL" dirty="0" err="1"/>
-              <a:t>Iterable</a:t>
-            </a:r>
-            <a:r>
-              <a:rPr lang="pl-PL" dirty="0"/>
-              <a:t> otrzymamy </a:t>
-            </a:r>
-            <a:r>
-              <a:rPr lang="pl-PL" dirty="0" err="1"/>
-              <a:t>niemutowalną</a:t>
-            </a:r>
-            <a:r>
-              <a:rPr lang="pl-PL" dirty="0"/>
-              <a:t> kolekcje typu </a:t>
-            </a:r>
-            <a:r>
-              <a:rPr lang="pl-PL" dirty="0" err="1"/>
-              <a:t>iterable</a:t>
-            </a:r>
-            <a:r>
-              <a:rPr lang="pl-PL" dirty="0"/>
-              <a:t>. Wynika to z domyślnego </a:t>
-            </a:r>
-            <a:r>
-              <a:rPr lang="pl-PL" dirty="0" err="1"/>
-              <a:t>bindingu</a:t>
-            </a:r>
-            <a:r>
-              <a:rPr lang="pl-PL" dirty="0"/>
-              <a:t> w </a:t>
-            </a:r>
-            <a:r>
-              <a:rPr lang="pl-PL" dirty="0" err="1"/>
-              <a:t>scalapackage</a:t>
-            </a:r>
-            <a:r>
-              <a:rPr lang="pl-PL" dirty="0"/>
-              <a:t>.</a:t>
-            </a:r>
-          </a:p>
-          <a:p>
-            <a:pPr marL="0" indent="0">
-              <a:buFont typeface="Arial" panose="020B0604020202020204" pitchFamily="34" charset="0"/>
-              <a:buNone/>
-            </a:pPr>
-            <a:r>
-              <a:rPr lang="pl-PL" dirty="0"/>
-              <a:t>Przykład: </a:t>
-            </a:r>
-          </a:p>
-          <a:p>
-            <a:pPr marL="457200" lvl="1" indent="0">
-              <a:buFont typeface="Arial" panose="020B0604020202020204" pitchFamily="34" charset="0"/>
-              <a:buNone/>
-            </a:pPr>
-            <a:r>
-              <a:rPr lang="en-US" sz="1200" b="0" i="0" kern="1200" dirty="0" err="1">
-                <a:solidFill>
-                  <a:schemeClr val="tx1"/>
-                </a:solidFill>
-                <a:effectLst/>
+              <a:rPr lang="pl-PL" sz="1200" b="1" dirty="0" err="1"/>
+              <a:t>Comparison</a:t>
+            </a:r>
+            <a:r>
+              <a:rPr lang="pl-PL" sz="1200" b="1" dirty="0"/>
+              <a:t> to Java </a:t>
+            </a:r>
+            <a:r>
+              <a:rPr lang="pl-PL" sz="1200" b="1" dirty="0" err="1"/>
+              <a:t>match</a:t>
+            </a:r>
+            <a:r>
+              <a:rPr lang="pl-PL" sz="1200" b="1" dirty="0"/>
+              <a:t>:</a:t>
+            </a:r>
+          </a:p>
+          <a:p>
+            <a:r>
+              <a:rPr lang="en-US" sz="1200" b="0" i="0" u="none" strike="noStrike" kern="1200" baseline="0" dirty="0">
+                <a:solidFill>
+                  <a:schemeClr val="tx1"/>
+                </a:solidFill>
                 <a:latin typeface="+mn-lt"/>
                 <a:ea typeface="+mn-ea"/>
                 <a:cs typeface="+mn-cs"/>
               </a:rPr>
-              <a:t>scala.collection.immutable.</a:t>
-            </a:r>
-            <a:r>
-              <a:rPr lang="en-US" sz="1200" b="1" i="0" kern="1200" dirty="0" err="1">
-                <a:solidFill>
-                  <a:schemeClr val="tx1"/>
-                </a:solidFill>
-                <a:effectLst/>
-                <a:latin typeface="+mn-lt"/>
-                <a:ea typeface="+mn-ea"/>
-                <a:cs typeface="+mn-cs"/>
-              </a:rPr>
-              <a:t>List</a:t>
-            </a:r>
-            <a:r>
-              <a:rPr lang="en-US" sz="1200" b="0" i="0" kern="1200" dirty="0">
-                <a:solidFill>
-                  <a:schemeClr val="tx1"/>
-                </a:solidFill>
-                <a:effectLst/>
-                <a:latin typeface="+mn-lt"/>
-                <a:ea typeface="+mn-ea"/>
-                <a:cs typeface="+mn-cs"/>
-              </a:rPr>
-              <a:t> </a:t>
-            </a:r>
-            <a:r>
-              <a:rPr lang="en-US" sz="1200" b="0" i="1" kern="1200" dirty="0">
-                <a:solidFill>
-                  <a:schemeClr val="tx1"/>
-                </a:solidFill>
-                <a:effectLst/>
-                <a:latin typeface="+mn-lt"/>
-                <a:ea typeface="+mn-ea"/>
-                <a:cs typeface="+mn-cs"/>
-              </a:rPr>
-              <a:t>// that's where it is defined</a:t>
-            </a:r>
-            <a:endParaRPr lang="pl-PL" sz="1200" b="0" i="1" kern="1200" dirty="0">
+              <a:t>However, there are three differences to keep in mind: </a:t>
+            </a:r>
+            <a:endParaRPr lang="pl-PL" sz="1200" b="0" i="0" u="none" strike="noStrike" kern="1200" baseline="0" dirty="0">
               <a:solidFill>
                 <a:schemeClr val="tx1"/>
               </a:solidFill>
-              <a:effectLst/>
               <a:latin typeface="+mn-lt"/>
               <a:ea typeface="+mn-ea"/>
               <a:cs typeface="+mn-cs"/>
             </a:endParaRPr>
           </a:p>
           <a:p>
-            <a:pPr marL="457200" lvl="1" indent="0">
-              <a:buFont typeface="Arial" panose="020B0604020202020204" pitchFamily="34" charset="0"/>
-              <a:buNone/>
-            </a:pPr>
-            <a:r>
-              <a:rPr lang="en-US" sz="1200" b="0" i="0" kern="1200" dirty="0" err="1">
-                <a:solidFill>
-                  <a:schemeClr val="tx1"/>
-                </a:solidFill>
-                <a:effectLst/>
+            <a:r>
+              <a:rPr lang="en-US" sz="1200" b="0" i="0" u="none" strike="noStrike" kern="1200" baseline="0" dirty="0">
+                <a:solidFill>
+                  <a:schemeClr val="tx1"/>
+                </a:solidFill>
                 <a:latin typeface="+mn-lt"/>
                 <a:ea typeface="+mn-ea"/>
                 <a:cs typeface="+mn-cs"/>
               </a:rPr>
-              <a:t>scala.</a:t>
-            </a:r>
-            <a:r>
-              <a:rPr lang="en-US" sz="1200" b="1" i="0" kern="1200" dirty="0" err="1">
-                <a:solidFill>
-                  <a:schemeClr val="tx1"/>
-                </a:solidFill>
-                <a:effectLst/>
+              <a:t>First, </a:t>
+            </a:r>
+            <a:r>
+              <a:rPr lang="en-US" sz="1200" b="1" i="0" u="none" strike="noStrike" kern="1200" baseline="0" dirty="0">
+                <a:solidFill>
+                  <a:schemeClr val="tx1"/>
+                </a:solidFill>
                 <a:latin typeface="+mn-lt"/>
                 <a:ea typeface="+mn-ea"/>
                 <a:cs typeface="+mn-cs"/>
               </a:rPr>
-              <a:t>List</a:t>
-            </a:r>
-            <a:r>
-              <a:rPr lang="en-US" sz="1200" b="0" i="0" kern="1200" dirty="0">
-                <a:solidFill>
-                  <a:schemeClr val="tx1"/>
-                </a:solidFill>
-                <a:effectLst/>
+              <a:t>match is an</a:t>
+            </a:r>
+            <a:r>
+              <a:rPr lang="pl-PL" sz="1200" b="1" i="0" u="none" strike="noStrike" kern="1200" baseline="0" dirty="0">
+                <a:solidFill>
+                  <a:schemeClr val="tx1"/>
+                </a:solidFill>
                 <a:latin typeface="+mn-lt"/>
                 <a:ea typeface="+mn-ea"/>
                 <a:cs typeface="+mn-cs"/>
@@ -4524,74 +4230,53 @@
               <a:t> </a:t>
             </a:r>
             <a:r>
-              <a:rPr lang="en-US" sz="1200" b="0" i="1" kern="1200" dirty="0">
-                <a:solidFill>
-                  <a:schemeClr val="tx1"/>
-                </a:solidFill>
-                <a:effectLst/>
+              <a:rPr lang="en-US" sz="1200" b="1" i="0" u="none" strike="noStrike" kern="1200" baseline="0" dirty="0">
+                <a:solidFill>
+                  <a:schemeClr val="tx1"/>
+                </a:solidFill>
                 <a:latin typeface="+mn-lt"/>
                 <a:ea typeface="+mn-ea"/>
                 <a:cs typeface="+mn-cs"/>
               </a:rPr>
-              <a:t>// via the alias in the </a:t>
-            </a:r>
-            <a:r>
-              <a:rPr lang="en-US" sz="1200" b="0" i="1" kern="1200" dirty="0" err="1">
-                <a:solidFill>
-                  <a:schemeClr val="tx1"/>
-                </a:solidFill>
-                <a:effectLst/>
+              <a:t>expression in Scala </a:t>
+            </a:r>
+            <a:r>
+              <a:rPr lang="en-US" sz="1200" b="0" i="0" u="none" strike="noStrike" kern="1200" baseline="0" dirty="0">
+                <a:solidFill>
+                  <a:schemeClr val="tx1"/>
+                </a:solidFill>
                 <a:latin typeface="+mn-lt"/>
                 <a:ea typeface="+mn-ea"/>
                 <a:cs typeface="+mn-cs"/>
               </a:rPr>
-              <a:t>scala</a:t>
-            </a:r>
-            <a:r>
-              <a:rPr lang="en-US" sz="1200" b="0" i="1" kern="1200" dirty="0">
-                <a:solidFill>
-                  <a:schemeClr val="tx1"/>
-                </a:solidFill>
-                <a:effectLst/>
-                <a:latin typeface="+mn-lt"/>
-                <a:ea typeface="+mn-ea"/>
-                <a:cs typeface="+mn-cs"/>
-              </a:rPr>
-              <a:t> package</a:t>
-            </a:r>
-            <a:endParaRPr lang="pl-PL" sz="1200" b="0" i="1" kern="1200" dirty="0">
+              <a:t>(i.e., it always results in a value). </a:t>
+            </a:r>
+            <a:endParaRPr lang="pl-PL" sz="1200" b="0" i="0" u="none" strike="noStrike" kern="1200" baseline="0" dirty="0">
               <a:solidFill>
                 <a:schemeClr val="tx1"/>
               </a:solidFill>
-              <a:effectLst/>
               <a:latin typeface="+mn-lt"/>
               <a:ea typeface="+mn-ea"/>
               <a:cs typeface="+mn-cs"/>
             </a:endParaRPr>
           </a:p>
           <a:p>
-            <a:pPr marL="457200" lvl="1" indent="0">
-              <a:buFont typeface="Arial" panose="020B0604020202020204" pitchFamily="34" charset="0"/>
-              <a:buNone/>
-            </a:pPr>
-            <a:r>
-              <a:rPr lang="en-US" sz="1200" b="1" i="0" kern="1200" dirty="0">
-                <a:solidFill>
-                  <a:schemeClr val="tx1"/>
-                </a:solidFill>
-                <a:effectLst/>
+            <a:r>
+              <a:rPr lang="en-US" sz="1200" b="0" i="0" u="none" strike="noStrike" kern="1200" baseline="0" dirty="0">
+                <a:solidFill>
+                  <a:schemeClr val="tx1"/>
+                </a:solidFill>
                 <a:latin typeface="+mn-lt"/>
                 <a:ea typeface="+mn-ea"/>
                 <a:cs typeface="+mn-cs"/>
               </a:rPr>
-              <a:t>List</a:t>
-            </a:r>
-            <a:r>
-              <a:rPr lang="en-US" sz="1200" b="0" i="0" kern="1200" dirty="0">
-                <a:solidFill>
-                  <a:schemeClr val="tx1"/>
-                </a:solidFill>
-                <a:effectLst/>
+              <a:t>Second, Scala’s alternative</a:t>
+            </a:r>
+            <a:r>
+              <a:rPr lang="pl-PL" sz="1200" b="0" i="0" u="none" strike="noStrike" kern="1200" baseline="0" dirty="0">
+                <a:solidFill>
+                  <a:schemeClr val="tx1"/>
+                </a:solidFill>
                 <a:latin typeface="+mn-lt"/>
                 <a:ea typeface="+mn-ea"/>
                 <a:cs typeface="+mn-cs"/>
@@ -4599,47 +4284,75 @@
               <a:t> </a:t>
             </a:r>
             <a:r>
-              <a:rPr lang="en-US" sz="1200" b="0" i="1" kern="1200" dirty="0">
-                <a:solidFill>
-                  <a:schemeClr val="tx1"/>
-                </a:solidFill>
-                <a:effectLst/>
+              <a:rPr lang="en-US" sz="1200" b="0" i="0" u="none" strike="noStrike" kern="1200" baseline="0" dirty="0">
+                <a:solidFill>
+                  <a:schemeClr val="tx1"/>
+                </a:solidFill>
                 <a:latin typeface="+mn-lt"/>
                 <a:ea typeface="+mn-ea"/>
                 <a:cs typeface="+mn-cs"/>
               </a:rPr>
-              <a:t>// because </a:t>
-            </a:r>
-            <a:r>
-              <a:rPr lang="en-US" sz="1200" b="0" i="1" kern="1200" dirty="0" err="1">
-                <a:solidFill>
-                  <a:schemeClr val="tx1"/>
-                </a:solidFill>
-                <a:effectLst/>
+              <a:t>expressions </a:t>
+            </a:r>
+            <a:r>
+              <a:rPr lang="en-US" sz="1200" b="1" i="0" u="none" strike="noStrike" kern="1200" baseline="0" dirty="0">
+                <a:solidFill>
+                  <a:schemeClr val="tx1"/>
+                </a:solidFill>
                 <a:latin typeface="+mn-lt"/>
                 <a:ea typeface="+mn-ea"/>
                 <a:cs typeface="+mn-cs"/>
               </a:rPr>
-              <a:t>scala</a:t>
-            </a:r>
-            <a:r>
-              <a:rPr lang="en-US" sz="1200" b="0" i="1" kern="1200" dirty="0">
-                <a:solidFill>
-                  <a:schemeClr val="tx1"/>
-                </a:solidFill>
-                <a:effectLst/>
+              <a:t>never “fall through” into the next case</a:t>
+            </a:r>
+            <a:r>
+              <a:rPr lang="en-US" sz="1200" b="0" i="0" u="none" strike="noStrike" kern="1200" baseline="0" dirty="0">
+                <a:solidFill>
+                  <a:schemeClr val="tx1"/>
+                </a:solidFill>
                 <a:latin typeface="+mn-lt"/>
                 <a:ea typeface="+mn-ea"/>
                 <a:cs typeface="+mn-cs"/>
               </a:rPr>
-              <a:t>._</a:t>
-            </a:r>
-            <a:r>
-              <a:rPr lang="en-US" sz="1200" b="0" i="0" kern="1200" dirty="0">
-                <a:solidFill>
-                  <a:schemeClr val="tx1"/>
-                </a:solidFill>
-                <a:effectLst/>
+              <a:t>. </a:t>
+            </a:r>
+            <a:endParaRPr lang="pl-PL" sz="1200" b="0" i="0" u="none" strike="noStrike" kern="1200" baseline="0" dirty="0">
+              <a:solidFill>
+                <a:schemeClr val="tx1"/>
+              </a:solidFill>
+              <a:latin typeface="+mn-lt"/>
+              <a:ea typeface="+mn-ea"/>
+              <a:cs typeface="+mn-cs"/>
+            </a:endParaRPr>
+          </a:p>
+          <a:p>
+            <a:r>
+              <a:rPr lang="en-US" sz="1200" b="0" i="0" u="none" strike="noStrike" kern="1200" baseline="0" dirty="0">
+                <a:solidFill>
+                  <a:schemeClr val="tx1"/>
+                </a:solidFill>
+                <a:latin typeface="+mn-lt"/>
+                <a:ea typeface="+mn-ea"/>
+                <a:cs typeface="+mn-cs"/>
+              </a:rPr>
+              <a:t>Third, </a:t>
+            </a:r>
+            <a:r>
+              <a:rPr lang="en-US" sz="1200" b="1" i="0" u="none" strike="noStrike" kern="1200" baseline="0" dirty="0">
+                <a:solidFill>
+                  <a:schemeClr val="tx1"/>
+                </a:solidFill>
+                <a:latin typeface="+mn-lt"/>
+                <a:ea typeface="+mn-ea"/>
+                <a:cs typeface="+mn-cs"/>
+              </a:rPr>
+              <a:t>if none of</a:t>
+            </a:r>
+            <a:r>
+              <a:rPr lang="pl-PL" sz="1200" b="1" i="0" u="none" strike="noStrike" kern="1200" baseline="0" dirty="0">
+                <a:solidFill>
+                  <a:schemeClr val="tx1"/>
+                </a:solidFill>
                 <a:latin typeface="+mn-lt"/>
                 <a:ea typeface="+mn-ea"/>
                 <a:cs typeface="+mn-cs"/>
@@ -4647,17 +4360,52 @@
               <a:t> </a:t>
             </a:r>
             <a:r>
-              <a:rPr lang="en-US" sz="1200" b="0" i="1" kern="1200" dirty="0">
-                <a:solidFill>
-                  <a:schemeClr val="tx1"/>
-                </a:solidFill>
-                <a:effectLst/>
+              <a:rPr lang="en-US" sz="1200" b="1" i="0" u="none" strike="noStrike" kern="1200" baseline="0" dirty="0">
+                <a:solidFill>
+                  <a:schemeClr val="tx1"/>
+                </a:solidFill>
                 <a:latin typeface="+mn-lt"/>
                 <a:ea typeface="+mn-ea"/>
                 <a:cs typeface="+mn-cs"/>
               </a:rPr>
-              <a:t>is always automatically imported</a:t>
-            </a:r>
+              <a:t>the patterns match, an exception named </a:t>
+            </a:r>
+            <a:r>
+              <a:rPr lang="en-US" sz="1200" b="1" i="0" u="none" strike="noStrike" kern="1200" baseline="0" dirty="0" err="1">
+                <a:solidFill>
+                  <a:schemeClr val="tx1"/>
+                </a:solidFill>
+                <a:latin typeface="+mn-lt"/>
+                <a:ea typeface="+mn-ea"/>
+                <a:cs typeface="+mn-cs"/>
+              </a:rPr>
+              <a:t>MatchError</a:t>
+            </a:r>
+            <a:r>
+              <a:rPr lang="en-US" sz="1200" b="1" i="0" u="none" strike="noStrike" kern="1200" baseline="0" dirty="0">
+                <a:solidFill>
+                  <a:schemeClr val="tx1"/>
+                </a:solidFill>
+                <a:latin typeface="+mn-lt"/>
+                <a:ea typeface="+mn-ea"/>
+                <a:cs typeface="+mn-cs"/>
+              </a:rPr>
+              <a:t> is thrown</a:t>
+            </a:r>
+            <a:r>
+              <a:rPr lang="en-US" sz="1200" b="0" i="0" u="none" strike="noStrike" kern="1200" baseline="0" dirty="0">
+                <a:solidFill>
+                  <a:schemeClr val="tx1"/>
+                </a:solidFill>
+                <a:latin typeface="+mn-lt"/>
+                <a:ea typeface="+mn-ea"/>
+                <a:cs typeface="+mn-cs"/>
+              </a:rPr>
+              <a:t>.</a:t>
+            </a:r>
+            <a:endParaRPr lang="en-GB" sz="1200" b="1" dirty="0"/>
+          </a:p>
+          <a:p>
             <a:endParaRPr lang="pl-PL" dirty="0"/>
           </a:p>
         </p:txBody>
@@ -4665,7 +4413,7 @@
     </p:spTree>
     <p:extLst>
       <p:ext uri="{BB962C8B-B14F-4D97-AF65-F5344CB8AC3E}">
-        <p14:creationId xmlns:p14="http://schemas.microsoft.com/office/powerpoint/2010/main" val="3332540915"/>
+        <p14:creationId xmlns:p14="http://schemas.microsoft.com/office/powerpoint/2010/main" val="3272114557"/>
       </p:ext>
     </p:extLst>
   </p:cSld>
@@ -4719,6 +4467,433 @@
           <a:bodyPr/>
           <a:lstStyle/>
           <a:p>
+            <a:pPr marL="0" indent="0">
+              <a:buFont typeface="Arial" panose="020B0604020202020204" pitchFamily="34" charset="0"/>
+              <a:buNone/>
+            </a:pPr>
+            <a:r>
+              <a:rPr lang="pl-PL" dirty="0"/>
+              <a:t>Powyższy schemat pokazuje wszystkie dostępne kolekcje w pakiecie </a:t>
+            </a:r>
+            <a:r>
+              <a:rPr lang="pl-PL" dirty="0" err="1"/>
+              <a:t>scala.collection</a:t>
+            </a:r>
+            <a:r>
+              <a:rPr lang="pl-PL" dirty="0"/>
+              <a:t>. Są to zazwyczaj </a:t>
+            </a:r>
+            <a:r>
+              <a:rPr lang="pl-PL" dirty="0" err="1"/>
+              <a:t>traity</a:t>
+            </a:r>
+            <a:r>
+              <a:rPr lang="pl-PL" dirty="0"/>
+              <a:t> arbo </a:t>
+            </a:r>
+            <a:r>
+              <a:rPr lang="pl-PL" dirty="0" err="1"/>
+              <a:t>higl-level</a:t>
+            </a:r>
+            <a:r>
+              <a:rPr lang="pl-PL" dirty="0"/>
+              <a:t> </a:t>
+            </a:r>
+            <a:r>
+              <a:rPr lang="pl-PL" dirty="0" err="1"/>
+              <a:t>abtrakcyjne</a:t>
+            </a:r>
+            <a:r>
+              <a:rPr lang="pl-PL" dirty="0"/>
+              <a:t> klasy, które posiadają zarówno </a:t>
+            </a:r>
+            <a:r>
+              <a:rPr lang="pl-PL" dirty="0" err="1"/>
+              <a:t>niemutowalną</a:t>
+            </a:r>
+            <a:r>
+              <a:rPr lang="pl-PL" dirty="0"/>
+              <a:t> jak i </a:t>
+            </a:r>
+            <a:r>
+              <a:rPr lang="pl-PL" dirty="0" err="1"/>
+              <a:t>mutowalną</a:t>
+            </a:r>
+            <a:r>
+              <a:rPr lang="pl-PL" dirty="0"/>
+              <a:t> implementację.</a:t>
+            </a:r>
+          </a:p>
+          <a:p>
+            <a:pPr marL="171450" indent="-171450">
+              <a:buFont typeface="Arial" panose="020B0604020202020204" pitchFamily="34" charset="0"/>
+              <a:buChar char="•"/>
+            </a:pPr>
+            <a:endParaRPr lang="pl-PL" dirty="0"/>
+          </a:p>
+          <a:p>
+            <a:pPr marL="171450" indent="-171450">
+              <a:buFont typeface="Arial" panose="020B0604020202020204" pitchFamily="34" charset="0"/>
+              <a:buChar char="•"/>
+            </a:pPr>
+            <a:r>
+              <a:rPr lang="pl-PL" dirty="0"/>
+              <a:t>Każdy rodzaj kolekcji może być stworzony używając tego samego </a:t>
+            </a:r>
+            <a:r>
+              <a:rPr lang="pl-PL" b="1" dirty="0"/>
+              <a:t>wspólnego </a:t>
+            </a:r>
+            <a:r>
+              <a:rPr lang="pl-PL" b="1" dirty="0" err="1"/>
+              <a:t>syntaxu</a:t>
+            </a:r>
+            <a:r>
+              <a:rPr lang="pl-PL" b="1" dirty="0"/>
+              <a:t>, </a:t>
+            </a:r>
+            <a:r>
+              <a:rPr lang="pl-PL" dirty="0"/>
+              <a:t>nazwa kolekcji i następnie jej elementy.</a:t>
+            </a:r>
+          </a:p>
+          <a:p>
+            <a:pPr marL="171450" indent="-171450">
+              <a:buFont typeface="Arial" panose="020B0604020202020204" pitchFamily="34" charset="0"/>
+              <a:buChar char="•"/>
+            </a:pPr>
+            <a:r>
+              <a:rPr lang="pl-PL" dirty="0"/>
+              <a:t>Domyślnie, Scala preferuje </a:t>
+            </a:r>
+            <a:r>
+              <a:rPr lang="pl-PL" b="1" dirty="0" err="1"/>
+              <a:t>niemutowalne</a:t>
+            </a:r>
+            <a:r>
+              <a:rPr lang="pl-PL" b="1" dirty="0"/>
+              <a:t> kolekcje</a:t>
+            </a:r>
+            <a:r>
+              <a:rPr lang="pl-PL" dirty="0"/>
+              <a:t>, więc jeśli napiszemy w kodzie Set bez żadnego </a:t>
+            </a:r>
+            <a:r>
+              <a:rPr lang="pl-PL" dirty="0" err="1"/>
+              <a:t>prefixu</a:t>
+            </a:r>
+            <a:r>
+              <a:rPr lang="pl-PL" dirty="0"/>
+              <a:t>, Scala wybierze </a:t>
+            </a:r>
+            <a:r>
+              <a:rPr lang="pl-PL" dirty="0" err="1"/>
+              <a:t>niemutowalny</a:t>
+            </a:r>
+            <a:r>
+              <a:rPr lang="pl-PL" dirty="0"/>
+              <a:t> Set.</a:t>
+            </a:r>
+          </a:p>
+          <a:p>
+            <a:pPr marL="171450" indent="-171450">
+              <a:buFont typeface="Arial" panose="020B0604020202020204" pitchFamily="34" charset="0"/>
+              <a:buChar char="•"/>
+            </a:pPr>
+            <a:r>
+              <a:rPr lang="pl-PL" dirty="0"/>
+              <a:t>Podobnie jeśli wybierzemy </a:t>
+            </a:r>
+            <a:r>
+              <a:rPr lang="pl-PL" dirty="0" err="1"/>
+              <a:t>Iterable</a:t>
+            </a:r>
+            <a:r>
+              <a:rPr lang="pl-PL" dirty="0"/>
+              <a:t> otrzymamy </a:t>
+            </a:r>
+            <a:r>
+              <a:rPr lang="pl-PL" dirty="0" err="1"/>
+              <a:t>niemutowalną</a:t>
+            </a:r>
+            <a:r>
+              <a:rPr lang="pl-PL" dirty="0"/>
+              <a:t> kolekcje typu </a:t>
+            </a:r>
+            <a:r>
+              <a:rPr lang="pl-PL" dirty="0" err="1"/>
+              <a:t>iterable</a:t>
+            </a:r>
+            <a:r>
+              <a:rPr lang="pl-PL" dirty="0"/>
+              <a:t>. Wynika to z domyślnego </a:t>
+            </a:r>
+            <a:r>
+              <a:rPr lang="pl-PL" dirty="0" err="1"/>
+              <a:t>bindingu</a:t>
+            </a:r>
+            <a:r>
+              <a:rPr lang="pl-PL" dirty="0"/>
+              <a:t> w </a:t>
+            </a:r>
+            <a:r>
+              <a:rPr lang="pl-PL" dirty="0" err="1"/>
+              <a:t>scalapackage</a:t>
+            </a:r>
+            <a:r>
+              <a:rPr lang="pl-PL" dirty="0"/>
+              <a:t>.</a:t>
+            </a:r>
+          </a:p>
+          <a:p>
+            <a:pPr marL="0" indent="0">
+              <a:buFont typeface="Arial" panose="020B0604020202020204" pitchFamily="34" charset="0"/>
+              <a:buNone/>
+            </a:pPr>
+            <a:r>
+              <a:rPr lang="pl-PL" dirty="0"/>
+              <a:t>Przykład: </a:t>
+            </a:r>
+          </a:p>
+          <a:p>
+            <a:pPr marL="457200" lvl="1" indent="0">
+              <a:buFont typeface="Arial" panose="020B0604020202020204" pitchFamily="34" charset="0"/>
+              <a:buNone/>
+            </a:pPr>
+            <a:r>
+              <a:rPr lang="en-US" sz="1200" b="0" i="0" kern="1200" dirty="0" err="1">
+                <a:solidFill>
+                  <a:schemeClr val="tx1"/>
+                </a:solidFill>
+                <a:effectLst/>
+                <a:latin typeface="+mn-lt"/>
+                <a:ea typeface="+mn-ea"/>
+                <a:cs typeface="+mn-cs"/>
+              </a:rPr>
+              <a:t>scala.collection.immutable.</a:t>
+            </a:r>
+            <a:r>
+              <a:rPr lang="en-US" sz="1200" b="1" i="0" kern="1200" dirty="0" err="1">
+                <a:solidFill>
+                  <a:schemeClr val="tx1"/>
+                </a:solidFill>
+                <a:effectLst/>
+                <a:latin typeface="+mn-lt"/>
+                <a:ea typeface="+mn-ea"/>
+                <a:cs typeface="+mn-cs"/>
+              </a:rPr>
+              <a:t>List</a:t>
+            </a:r>
+            <a:r>
+              <a:rPr lang="en-US" sz="1200" b="0" i="0" kern="1200" dirty="0">
+                <a:solidFill>
+                  <a:schemeClr val="tx1"/>
+                </a:solidFill>
+                <a:effectLst/>
+                <a:latin typeface="+mn-lt"/>
+                <a:ea typeface="+mn-ea"/>
+                <a:cs typeface="+mn-cs"/>
+              </a:rPr>
+              <a:t> </a:t>
+            </a:r>
+            <a:r>
+              <a:rPr lang="en-US" sz="1200" b="0" i="1" kern="1200" dirty="0">
+                <a:solidFill>
+                  <a:schemeClr val="tx1"/>
+                </a:solidFill>
+                <a:effectLst/>
+                <a:latin typeface="+mn-lt"/>
+                <a:ea typeface="+mn-ea"/>
+                <a:cs typeface="+mn-cs"/>
+              </a:rPr>
+              <a:t>// that's where it is defined</a:t>
+            </a:r>
+            <a:endParaRPr lang="pl-PL" sz="1200" b="0" i="1" kern="1200" dirty="0">
+              <a:solidFill>
+                <a:schemeClr val="tx1"/>
+              </a:solidFill>
+              <a:effectLst/>
+              <a:latin typeface="+mn-lt"/>
+              <a:ea typeface="+mn-ea"/>
+              <a:cs typeface="+mn-cs"/>
+            </a:endParaRPr>
+          </a:p>
+          <a:p>
+            <a:pPr marL="457200" lvl="1" indent="0">
+              <a:buFont typeface="Arial" panose="020B0604020202020204" pitchFamily="34" charset="0"/>
+              <a:buNone/>
+            </a:pPr>
+            <a:r>
+              <a:rPr lang="en-US" sz="1200" b="0" i="0" kern="1200" dirty="0" err="1">
+                <a:solidFill>
+                  <a:schemeClr val="tx1"/>
+                </a:solidFill>
+                <a:effectLst/>
+                <a:latin typeface="+mn-lt"/>
+                <a:ea typeface="+mn-ea"/>
+                <a:cs typeface="+mn-cs"/>
+              </a:rPr>
+              <a:t>scala.</a:t>
+            </a:r>
+            <a:r>
+              <a:rPr lang="en-US" sz="1200" b="1" i="0" kern="1200" dirty="0" err="1">
+                <a:solidFill>
+                  <a:schemeClr val="tx1"/>
+                </a:solidFill>
+                <a:effectLst/>
+                <a:latin typeface="+mn-lt"/>
+                <a:ea typeface="+mn-ea"/>
+                <a:cs typeface="+mn-cs"/>
+              </a:rPr>
+              <a:t>List</a:t>
+            </a:r>
+            <a:r>
+              <a:rPr lang="en-US" sz="1200" b="0" i="0" kern="1200" dirty="0">
+                <a:solidFill>
+                  <a:schemeClr val="tx1"/>
+                </a:solidFill>
+                <a:effectLst/>
+                <a:latin typeface="+mn-lt"/>
+                <a:ea typeface="+mn-ea"/>
+                <a:cs typeface="+mn-cs"/>
+              </a:rPr>
+              <a:t> </a:t>
+            </a:r>
+            <a:r>
+              <a:rPr lang="en-US" sz="1200" b="0" i="1" kern="1200" dirty="0">
+                <a:solidFill>
+                  <a:schemeClr val="tx1"/>
+                </a:solidFill>
+                <a:effectLst/>
+                <a:latin typeface="+mn-lt"/>
+                <a:ea typeface="+mn-ea"/>
+                <a:cs typeface="+mn-cs"/>
+              </a:rPr>
+              <a:t>// via the alias in the </a:t>
+            </a:r>
+            <a:r>
+              <a:rPr lang="en-US" sz="1200" b="0" i="1" kern="1200" dirty="0" err="1">
+                <a:solidFill>
+                  <a:schemeClr val="tx1"/>
+                </a:solidFill>
+                <a:effectLst/>
+                <a:latin typeface="+mn-lt"/>
+                <a:ea typeface="+mn-ea"/>
+                <a:cs typeface="+mn-cs"/>
+              </a:rPr>
+              <a:t>scala</a:t>
+            </a:r>
+            <a:r>
+              <a:rPr lang="en-US" sz="1200" b="0" i="1" kern="1200" dirty="0">
+                <a:solidFill>
+                  <a:schemeClr val="tx1"/>
+                </a:solidFill>
+                <a:effectLst/>
+                <a:latin typeface="+mn-lt"/>
+                <a:ea typeface="+mn-ea"/>
+                <a:cs typeface="+mn-cs"/>
+              </a:rPr>
+              <a:t> package</a:t>
+            </a:r>
+            <a:endParaRPr lang="pl-PL" sz="1200" b="0" i="1" kern="1200" dirty="0">
+              <a:solidFill>
+                <a:schemeClr val="tx1"/>
+              </a:solidFill>
+              <a:effectLst/>
+              <a:latin typeface="+mn-lt"/>
+              <a:ea typeface="+mn-ea"/>
+              <a:cs typeface="+mn-cs"/>
+            </a:endParaRPr>
+          </a:p>
+          <a:p>
+            <a:pPr marL="457200" lvl="1" indent="0">
+              <a:buFont typeface="Arial" panose="020B0604020202020204" pitchFamily="34" charset="0"/>
+              <a:buNone/>
+            </a:pPr>
+            <a:r>
+              <a:rPr lang="en-US" sz="1200" b="1" i="0" kern="1200" dirty="0">
+                <a:solidFill>
+                  <a:schemeClr val="tx1"/>
+                </a:solidFill>
+                <a:effectLst/>
+                <a:latin typeface="+mn-lt"/>
+                <a:ea typeface="+mn-ea"/>
+                <a:cs typeface="+mn-cs"/>
+              </a:rPr>
+              <a:t>List</a:t>
+            </a:r>
+            <a:r>
+              <a:rPr lang="en-US" sz="1200" b="0" i="0" kern="1200" dirty="0">
+                <a:solidFill>
+                  <a:schemeClr val="tx1"/>
+                </a:solidFill>
+                <a:effectLst/>
+                <a:latin typeface="+mn-lt"/>
+                <a:ea typeface="+mn-ea"/>
+                <a:cs typeface="+mn-cs"/>
+              </a:rPr>
+              <a:t> </a:t>
+            </a:r>
+            <a:r>
+              <a:rPr lang="en-US" sz="1200" b="0" i="1" kern="1200" dirty="0">
+                <a:solidFill>
+                  <a:schemeClr val="tx1"/>
+                </a:solidFill>
+                <a:effectLst/>
+                <a:latin typeface="+mn-lt"/>
+                <a:ea typeface="+mn-ea"/>
+                <a:cs typeface="+mn-cs"/>
+              </a:rPr>
+              <a:t>// because </a:t>
+            </a:r>
+            <a:r>
+              <a:rPr lang="en-US" sz="1200" b="0" i="1" kern="1200" dirty="0" err="1">
+                <a:solidFill>
+                  <a:schemeClr val="tx1"/>
+                </a:solidFill>
+                <a:effectLst/>
+                <a:latin typeface="+mn-lt"/>
+                <a:ea typeface="+mn-ea"/>
+                <a:cs typeface="+mn-cs"/>
+              </a:rPr>
+              <a:t>scala</a:t>
+            </a:r>
+            <a:r>
+              <a:rPr lang="en-US" sz="1200" b="0" i="1" kern="1200" dirty="0">
+                <a:solidFill>
+                  <a:schemeClr val="tx1"/>
+                </a:solidFill>
+                <a:effectLst/>
+                <a:latin typeface="+mn-lt"/>
+                <a:ea typeface="+mn-ea"/>
+                <a:cs typeface="+mn-cs"/>
+              </a:rPr>
+              <a:t>._</a:t>
+            </a:r>
+            <a:r>
+              <a:rPr lang="en-US" sz="1200" b="0" i="0" kern="1200" dirty="0">
+                <a:solidFill>
+                  <a:schemeClr val="tx1"/>
+                </a:solidFill>
+                <a:effectLst/>
+                <a:latin typeface="+mn-lt"/>
+                <a:ea typeface="+mn-ea"/>
+                <a:cs typeface="+mn-cs"/>
+              </a:rPr>
+              <a:t> </a:t>
+            </a:r>
+            <a:r>
+              <a:rPr lang="en-US" sz="1200" b="0" i="1" kern="1200" dirty="0">
+                <a:solidFill>
+                  <a:schemeClr val="tx1"/>
+                </a:solidFill>
+                <a:effectLst/>
+                <a:latin typeface="+mn-lt"/>
+                <a:ea typeface="+mn-ea"/>
+                <a:cs typeface="+mn-cs"/>
+              </a:rPr>
+              <a:t>is always automatically imported</a:t>
+            </a:r>
             <a:endParaRPr lang="pl-PL" dirty="0"/>
           </a:p>
         </p:txBody>
@@ -4726,68 +4901,7 @@
     </p:spTree>
     <p:extLst>
       <p:ext uri="{BB962C8B-B14F-4D97-AF65-F5344CB8AC3E}">
-        <p14:creationId xmlns:p14="http://schemas.microsoft.com/office/powerpoint/2010/main" val="1496112602"/>
-      </p:ext>
-    </p:extLst>
-  </p:cSld>
-  <p:clrMapOvr>
-    <a:masterClrMapping/>
-  </p:clrMapOvr>
-</p:notes>
-</file>
-
-<file path=ppt/notesSlides/notesSlide24.xml><?xml version="1.0" encoding="utf-8"?>
-<p:notes xmlns:a="http://schemas.openxmlformats.org/drawingml/2006/main" xmlns:r="http://schemas.openxmlformats.org/officeDocument/2006/relationships" xmlns:p="http://schemas.openxmlformats.org/presentationml/2006/main">
-  <p:cSld>
-    <p:spTree>
-      <p:nvGrpSpPr>
-        <p:cNvPr id="1" name=""/>
-        <p:cNvGrpSpPr/>
-        <p:nvPr/>
-      </p:nvGrpSpPr>
-      <p:grpSpPr>
-        <a:xfrm>
-          <a:off x="0" y="0"/>
-          <a:ext cx="0" cy="0"/>
-          <a:chOff x="0" y="0"/>
-          <a:chExt cx="0" cy="0"/>
-        </a:xfrm>
-      </p:grpSpPr>
-      <p:sp>
-        <p:nvSpPr>
-          <p:cNvPr id="2" name="Slide Image Placeholder 1"/>
-          <p:cNvSpPr>
-            <a:spLocks noGrp="1" noRot="1" noChangeAspect="1"/>
-          </p:cNvSpPr>
-          <p:nvPr>
-            <p:ph type="sldImg"/>
-          </p:nvPr>
-        </p:nvSpPr>
-        <p:spPr/>
-      </p:sp>
-      <p:sp>
-        <p:nvSpPr>
-          <p:cNvPr id="3" name="Notes Placeholder 2"/>
-          <p:cNvSpPr>
-            <a:spLocks noGrp="1"/>
-          </p:cNvSpPr>
-          <p:nvPr>
-            <p:ph type="body" idx="1"/>
-          </p:nvPr>
-        </p:nvSpPr>
-        <p:spPr/>
-        <p:txBody>
-          <a:bodyPr/>
-          <a:lstStyle/>
-          <a:p>
-            <a:endParaRPr lang="pl-PL" dirty="0"/>
-          </a:p>
-        </p:txBody>
-      </p:sp>
-    </p:spTree>
-    <p:extLst>
-      <p:ext uri="{BB962C8B-B14F-4D97-AF65-F5344CB8AC3E}">
-        <p14:creationId xmlns:p14="http://schemas.microsoft.com/office/powerpoint/2010/main" val="1578492328"/>
+        <p14:creationId xmlns:p14="http://schemas.microsoft.com/office/powerpoint/2010/main" val="3332540915"/>
       </p:ext>
     </p:extLst>
   </p:cSld>
@@ -6145,287 +6259,111 @@
           <a:p>
             <a:r>
               <a:rPr lang="pl-PL" dirty="0"/>
-              <a:t>Spark (jak każdy </a:t>
+              <a:t>Nasza aplikacja składa się z </a:t>
+            </a:r>
+            <a:r>
+              <a:rPr lang="pl-PL" b="1" dirty="0"/>
+              <a:t>driver procesu </a:t>
+            </a:r>
+            <a:r>
+              <a:rPr lang="pl-PL" dirty="0"/>
+              <a:t>i </a:t>
+            </a:r>
+            <a:r>
+              <a:rPr lang="pl-PL" b="1" dirty="0" err="1"/>
+              <a:t>executor</a:t>
+            </a:r>
+            <a:r>
+              <a:rPr lang="pl-PL" b="1" dirty="0"/>
+              <a:t> procesów</a:t>
+            </a:r>
+            <a:r>
+              <a:rPr lang="pl-PL" dirty="0"/>
+              <a:t>. </a:t>
+            </a:r>
+          </a:p>
+          <a:p>
+            <a:r>
+              <a:rPr lang="pl-PL" dirty="0"/>
+              <a:t>Driver proces to serce aplikacji, uruchamiania on funkcje </a:t>
             </a:r>
             <a:r>
               <a:rPr lang="pl-PL" dirty="0" err="1"/>
-              <a:t>framework</a:t>
-            </a:r>
-            <a:r>
-              <a:rPr lang="pl-PL" dirty="0"/>
-              <a:t>) wprowadza kilka abstrakcji. Każda z tych abstrakcji w zasadzie reprezentuje rozporoszoną (</a:t>
+              <a:t>main</a:t>
+            </a:r>
+            <a:r>
+              <a:rPr lang="pl-PL" dirty="0"/>
+              <a:t>() naszej aplikacji, działa na jednym z </a:t>
             </a:r>
             <a:r>
               <a:rPr lang="pl-PL" dirty="0" err="1"/>
-              <a:t>distributed</a:t>
-            </a:r>
-            <a:r>
-              <a:rPr lang="pl-PL" dirty="0"/>
-              <a:t>) kolekcję danych.</a:t>
-            </a:r>
-          </a:p>
-          <a:p>
-            <a:pPr marL="171450" indent="-171450">
-              <a:buFontTx/>
-              <a:buChar char="-"/>
-            </a:pPr>
-            <a:r>
-              <a:rPr lang="pl-PL" b="1" dirty="0"/>
-              <a:t>RDD (</a:t>
-            </a:r>
+              <a:t>node’ów</a:t>
+            </a:r>
+            <a:r>
+              <a:rPr lang="pl-PL" dirty="0"/>
+              <a:t> na klastrze i jest odpowiedzialny za dystrybucje i </a:t>
+            </a:r>
+            <a:r>
+              <a:rPr lang="pl-PL" dirty="0" err="1"/>
+              <a:t>scheduling</a:t>
+            </a:r>
+            <a:r>
+              <a:rPr lang="pl-PL" dirty="0"/>
+              <a:t> pracy do wykonania między </a:t>
+            </a:r>
+            <a:r>
+              <a:rPr lang="pl-PL" dirty="0" err="1"/>
+              <a:t>executory</a:t>
+            </a:r>
+            <a:r>
+              <a:rPr lang="pl-PL" dirty="0"/>
+              <a:t>. W tym celu wykorzystuje </a:t>
+            </a:r>
+            <a:r>
+              <a:rPr lang="pl-PL" dirty="0" err="1"/>
+              <a:t>cluster</a:t>
+            </a:r>
+            <a:r>
+              <a:rPr lang="pl-PL" dirty="0"/>
+              <a:t> managera aby wiedzieć które zasoby są dostępne.</a:t>
+            </a:r>
+          </a:p>
+          <a:p>
+            <a:r>
+              <a:rPr lang="pl-PL" dirty="0"/>
+              <a:t>Cluster managerem może być np. YARN, MESOS.</a:t>
+            </a:r>
+          </a:p>
+          <a:p>
             <a:r>
               <a:rPr lang="pl-PL" b="1" dirty="0" err="1"/>
-              <a:t>Resilient</a:t>
-            </a:r>
-            <a:r>
-              <a:rPr lang="pl-PL" b="1" dirty="0"/>
-              <a:t> Distributed </a:t>
-            </a:r>
-            <a:r>
-              <a:rPr lang="pl-PL" b="1" dirty="0" err="1"/>
-              <a:t>Datasets</a:t>
-            </a:r>
-            <a:r>
-              <a:rPr lang="pl-PL" b="1" dirty="0"/>
-              <a:t>)– </a:t>
-            </a:r>
-            <a:r>
-              <a:rPr lang="pl-PL" dirty="0"/>
-              <a:t>podstawowa abstrakcja Sparka w wersja od 1 do 2, bez względu jaki typ kolekcji użyjemy, ostatecznie Spark kompiluje do RDD.  RDD to niezmienna (</a:t>
+              <a:t>Execuotry</a:t>
+            </a:r>
+            <a:r>
+              <a:rPr lang="pl-PL" dirty="0"/>
+              <a:t> odpowiedzialne są za wykonanie pracy delegowanej przez driver i raportowanie postępu z powrotem do drivera.</a:t>
+            </a:r>
+          </a:p>
+          <a:p>
+            <a:r>
+              <a:rPr lang="pl-PL" dirty="0"/>
+              <a:t>Spark </a:t>
             </a:r>
             <a:r>
               <a:rPr lang="pl-PL" dirty="0" err="1"/>
-              <a:t>immutable</a:t>
-            </a:r>
-            <a:r>
-              <a:rPr lang="pl-PL" dirty="0"/>
-              <a:t>) kolekcja danych, partycjonowana (dzielona na </a:t>
+              <a:t>Session</a:t>
+            </a:r>
+            <a:r>
+              <a:rPr lang="pl-PL" dirty="0"/>
+              <a:t> to punkt wejściowy do </a:t>
             </a:r>
             <a:r>
               <a:rPr lang="pl-PL" dirty="0" err="1"/>
-              <a:t>chunki</a:t>
-            </a:r>
-            <a:r>
-              <a:rPr lang="pl-PL" dirty="0"/>
-              <a:t> aby móc wykorzystać cały potencjał zasób maszyn ma klastrze) na całym klastrze, dzięki czemu może być równolegle przetwarzania (in </a:t>
-            </a:r>
-            <a:r>
-              <a:rPr lang="pl-PL" dirty="0" err="1"/>
-              <a:t>parallel</a:t>
-            </a:r>
-            <a:r>
-              <a:rPr lang="pl-PL" dirty="0"/>
-              <a:t>). Wierszem w takiej kolekcji jest po prostu jakiś obiekt w języku programowania który używasz. Dzięki temu mamy pełną kontrolę na przechowywanymi obiektami, ale nie bez kompromisów. Każda manipulacja na swoich obiektach, zmusza Cię do wynalezienia na nowo koła (np. </a:t>
-            </a:r>
-            <a:r>
-              <a:rPr lang="pl-PL" dirty="0" err="1"/>
-              <a:t>serliazacja</a:t>
-            </a:r>
-            <a:r>
-              <a:rPr lang="pl-PL" dirty="0"/>
-              <a:t>). </a:t>
-            </a:r>
-            <a:r>
-              <a:rPr lang="pl-PL" dirty="0" err="1"/>
-              <a:t>Resilient</a:t>
-            </a:r>
-            <a:r>
-              <a:rPr lang="pl-PL" dirty="0"/>
-              <a:t> oznacza </a:t>
-            </a:r>
-            <a:r>
-              <a:rPr lang="pl-PL" dirty="0" err="1"/>
-              <a:t>fault</a:t>
-            </a:r>
-            <a:r>
-              <a:rPr lang="pl-PL" dirty="0"/>
-              <a:t>-tolerant, czyli jeśli jakaś partycja z powodu awarii </a:t>
-            </a:r>
-            <a:r>
-              <a:rPr lang="pl-PL" dirty="0" err="1"/>
-              <a:t>noda</a:t>
-            </a:r>
-            <a:r>
-              <a:rPr lang="pl-PL" dirty="0"/>
-              <a:t> w </a:t>
-            </a:r>
-            <a:r>
-              <a:rPr lang="pl-PL" dirty="0" err="1"/>
-              <a:t>clustrze</a:t>
-            </a:r>
-            <a:r>
-              <a:rPr lang="pl-PL" dirty="0"/>
-              <a:t> </a:t>
-            </a:r>
-            <a:r>
-              <a:rPr lang="pl-PL" dirty="0" err="1"/>
-              <a:t>nię</a:t>
-            </a:r>
-            <a:r>
-              <a:rPr lang="pl-PL" dirty="0"/>
-              <a:t> będzie dostępna, Spark jest w stanie ją ponownie odbudować (dzięki RDD </a:t>
-            </a:r>
-            <a:r>
-              <a:rPr lang="pl-PL" dirty="0" err="1"/>
-              <a:t>lineage</a:t>
-            </a:r>
-            <a:r>
-              <a:rPr lang="pl-PL" dirty="0"/>
-              <a:t>).</a:t>
-            </a:r>
-          </a:p>
-          <a:p>
-            <a:pPr marL="171450" indent="-171450">
-              <a:buFontTx/>
-              <a:buChar char="-"/>
-            </a:pPr>
-            <a:r>
-              <a:rPr lang="pl-PL" b="1" dirty="0" err="1"/>
-              <a:t>Ditributet</a:t>
-            </a:r>
-            <a:r>
-              <a:rPr lang="pl-PL" b="1" dirty="0"/>
-              <a:t> </a:t>
-            </a:r>
-            <a:r>
-              <a:rPr lang="pl-PL" b="1" dirty="0" err="1"/>
-              <a:t>values</a:t>
-            </a:r>
-            <a:r>
-              <a:rPr lang="pl-PL" b="1" dirty="0"/>
-              <a:t> (broadcast) </a:t>
-            </a:r>
-            <a:r>
-              <a:rPr lang="pl-PL" dirty="0"/>
-              <a:t>– pozwala na </a:t>
-            </a:r>
-            <a:r>
-              <a:rPr lang="pl-PL" dirty="0" err="1"/>
-              <a:t>wyslanie</a:t>
-            </a:r>
-            <a:r>
-              <a:rPr lang="pl-PL" dirty="0"/>
-              <a:t> stosukowo dużych ale tylko do odczytu </a:t>
-            </a:r>
-            <a:r>
-              <a:rPr lang="pl-PL" dirty="0" err="1"/>
-              <a:t>datasetów</a:t>
-            </a:r>
-            <a:r>
-              <a:rPr lang="pl-PL" dirty="0"/>
-              <a:t> do </a:t>
-            </a:r>
-            <a:r>
-              <a:rPr lang="pl-PL" dirty="0" err="1"/>
-              <a:t>worker</a:t>
-            </a:r>
-            <a:r>
-              <a:rPr lang="pl-PL" dirty="0"/>
-              <a:t> </a:t>
-            </a:r>
-            <a:r>
-              <a:rPr lang="pl-PL" dirty="0" err="1"/>
-              <a:t>nodów</a:t>
-            </a:r>
-            <a:r>
-              <a:rPr lang="pl-PL" dirty="0"/>
-              <a:t> (</a:t>
-            </a:r>
-            <a:r>
-              <a:rPr lang="pl-PL" dirty="0" err="1"/>
-              <a:t>executorów</a:t>
-            </a:r>
-            <a:r>
-              <a:rPr lang="pl-PL" dirty="0"/>
-              <a:t>). Znacznie redukuje </a:t>
-            </a:r>
-            <a:r>
-              <a:rPr lang="pl-PL" dirty="0" err="1"/>
-              <a:t>netwokr</a:t>
-            </a:r>
-            <a:r>
-              <a:rPr lang="pl-PL" dirty="0"/>
-              <a:t> transfer. Domyślnie bowiem Spark wysyłała każdą zmienna do </a:t>
-            </a:r>
-            <a:r>
-              <a:rPr lang="pl-PL" dirty="0" err="1"/>
-              <a:t>worker</a:t>
-            </a:r>
-            <a:r>
-              <a:rPr lang="pl-PL" dirty="0"/>
-              <a:t> </a:t>
-            </a:r>
-            <a:r>
-              <a:rPr lang="pl-PL" dirty="0" err="1"/>
-              <a:t>nodów</a:t>
-            </a:r>
-            <a:r>
-              <a:rPr lang="pl-PL" dirty="0"/>
-              <a:t> dla każdej operacji </a:t>
-            </a:r>
-            <a:r>
-              <a:rPr lang="pl-PL" dirty="0" err="1"/>
-              <a:t>mna</a:t>
-            </a:r>
-            <a:r>
-              <a:rPr lang="pl-PL" dirty="0"/>
-              <a:t> danych.</a:t>
-            </a:r>
-          </a:p>
-          <a:p>
-            <a:pPr marL="171450" indent="-171450">
-              <a:buFontTx/>
-              <a:buChar char="-"/>
-            </a:pPr>
-            <a:r>
-              <a:rPr lang="pl-PL" b="1" dirty="0" err="1"/>
-              <a:t>DataFramne</a:t>
-            </a:r>
-            <a:r>
-              <a:rPr lang="pl-PL" dirty="0"/>
-              <a:t> – najprościej to tabela z kolumnami i wierszami, jak arkusz kalkulacyjny w Excelu. </a:t>
-            </a:r>
-            <a:r>
-              <a:rPr lang="pl-PL" dirty="0" err="1"/>
-              <a:t>Dataframe</a:t>
-            </a:r>
-            <a:r>
-              <a:rPr lang="pl-PL" dirty="0"/>
-              <a:t> jest jednak rozproszony na całym klastrze, gdyż po pierwsze mógłby nie zmieścić się na jednej maszynie, lub ta maszyna nie byłaby w stanie go przetworzyć albo trwałoby to bardzo długo. </a:t>
-            </a:r>
-          </a:p>
-          <a:p>
-            <a:pPr marL="0" indent="0">
-              <a:buFontTx/>
-              <a:buNone/>
-            </a:pPr>
-            <a:r>
-              <a:rPr lang="pl-PL" dirty="0"/>
-              <a:t>-   </a:t>
-            </a:r>
-            <a:r>
-              <a:rPr lang="pl-PL" b="1" dirty="0" err="1"/>
-              <a:t>Dataset</a:t>
-            </a:r>
-            <a:r>
-              <a:rPr lang="pl-PL" dirty="0"/>
-              <a:t> – </a:t>
-            </a:r>
-            <a:r>
-              <a:rPr lang="pl-PL" dirty="0" err="1"/>
-              <a:t>strongly-typed</a:t>
-            </a:r>
-            <a:r>
-              <a:rPr lang="pl-PL" dirty="0"/>
-              <a:t> </a:t>
-            </a:r>
-            <a:r>
-              <a:rPr lang="pl-PL" dirty="0" err="1"/>
-              <a:t>dafaframe</a:t>
-            </a:r>
-            <a:r>
-              <a:rPr lang="pl-PL" dirty="0"/>
-              <a:t>.</a:t>
+              <a:t>framworka</a:t>
+            </a:r>
+            <a:r>
+              <a:rPr lang="pl-PL" dirty="0"/>
+              <a:t> Sparka.</a:t>
             </a:r>
           </a:p>
         </p:txBody>
@@ -6433,7 +6371,7 @@
     </p:spTree>
     <p:extLst>
       <p:ext uri="{BB962C8B-B14F-4D97-AF65-F5344CB8AC3E}">
-        <p14:creationId xmlns:p14="http://schemas.microsoft.com/office/powerpoint/2010/main" val="1396449375"/>
+        <p14:creationId xmlns:p14="http://schemas.microsoft.com/office/powerpoint/2010/main" val="3532789281"/>
       </p:ext>
     </p:extLst>
   </p:cSld>
@@ -9839,7 +9777,7 @@
             </a:br>
             <a:r>
               <a:rPr lang="en-US" dirty="0"/>
-              <a:t>Apache Spark Architecture</a:t>
+              <a:t>Apache Spark APIs</a:t>
             </a:r>
           </a:p>
         </p:txBody>
@@ -9983,10 +9921,10 @@
       </p:sp>
       <p:pic>
         <p:nvPicPr>
-          <p:cNvPr id="6" name="Picture 5">
+          <p:cNvPr id="8" name="Picture 7">
             <a:extLst>
               <a:ext uri="{FF2B5EF4-FFF2-40B4-BE49-F238E27FC236}">
-                <a16:creationId xmlns:a16="http://schemas.microsoft.com/office/drawing/2014/main" id="{E56C735E-26BD-4FF5-92B6-016E4ACB8DB5}"/>
+                <a16:creationId xmlns:a16="http://schemas.microsoft.com/office/drawing/2014/main" id="{AE13E914-2E72-4257-A276-A23EC8662AFE}"/>
               </a:ext>
             </a:extLst>
           </p:cNvPr>
@@ -10003,8 +9941,8 @@
         </p:blipFill>
         <p:spPr>
           <a:xfrm>
-            <a:off x="1770517" y="975360"/>
-            <a:ext cx="5602965" cy="3592377"/>
+            <a:off x="2168436" y="975360"/>
+            <a:ext cx="4807128" cy="3240360"/>
           </a:xfrm>
           <a:prstGeom prst="rect">
             <a:avLst/>
@@ -10014,7 +9952,7 @@
     </p:spTree>
     <p:extLst>
       <p:ext uri="{BB962C8B-B14F-4D97-AF65-F5344CB8AC3E}">
-        <p14:creationId xmlns:p14="http://schemas.microsoft.com/office/powerpoint/2010/main" val="1727686954"/>
+        <p14:creationId xmlns:p14="http://schemas.microsoft.com/office/powerpoint/2010/main" val="2390931764"/>
       </p:ext>
     </p:extLst>
   </p:cSld>
@@ -12178,11 +12116,17 @@
               <a:rPr lang="en-US" sz="2000" dirty="0"/>
               <a:t>Case classes</a:t>
             </a:r>
-          </a:p>
-          <a:p>
+            <a:r>
+              <a:rPr lang="pl-PL" sz="2000" dirty="0"/>
+              <a:t> and p</a:t>
+            </a:r>
+            <a:r>
+              <a:rPr lang="en-US" sz="2000" dirty="0" err="1"/>
+              <a:t>attern</a:t>
+            </a:r>
             <a:r>
               <a:rPr lang="en-US" sz="2000" dirty="0"/>
-              <a:t>Pattern matching</a:t>
+              <a:t> matching</a:t>
             </a:r>
           </a:p>
           <a:p>
@@ -12284,7 +12228,51 @@
       </p:grpSpPr>
       <p:sp>
         <p:nvSpPr>
-          <p:cNvPr id="2" name="Title 1"/>
+          <p:cNvPr id="3" name="Footer Placeholder 2"/>
+          <p:cNvSpPr>
+            <a:spLocks noGrp="1"/>
+          </p:cNvSpPr>
+          <p:nvPr>
+            <p:ph type="ftr" sz="quarter" idx="16"/>
+          </p:nvPr>
+        </p:nvSpPr>
+        <p:spPr/>
+        <p:txBody>
+          <a:bodyPr/>
+          <a:lstStyle/>
+          <a:p>
+            <a:endParaRPr lang="pl-PL" dirty="0"/>
+          </a:p>
+        </p:txBody>
+      </p:sp>
+      <p:sp>
+        <p:nvSpPr>
+          <p:cNvPr id="4" name="Date Placeholder 3"/>
+          <p:cNvSpPr>
+            <a:spLocks noGrp="1"/>
+          </p:cNvSpPr>
+          <p:nvPr>
+            <p:ph type="dt" sz="half" idx="15"/>
+          </p:nvPr>
+        </p:nvSpPr>
+        <p:spPr/>
+        <p:txBody>
+          <a:bodyPr/>
+          <a:lstStyle/>
+          <a:p>
+            <a:endParaRPr lang="pl-PL" dirty="0"/>
+          </a:p>
+        </p:txBody>
+      </p:sp>
+      <p:sp>
+        <p:nvSpPr>
+          <p:cNvPr id="9" name="Title 1">
+            <a:extLst>
+              <a:ext uri="{FF2B5EF4-FFF2-40B4-BE49-F238E27FC236}">
+                <a16:creationId xmlns:a16="http://schemas.microsoft.com/office/drawing/2014/main" id="{82B65652-5EB9-4867-9E15-64C595EA21D0}"/>
+              </a:ext>
+            </a:extLst>
+          </p:cNvPr>
           <p:cNvSpPr>
             <a:spLocks noGrp="1"/>
           </p:cNvSpPr>
@@ -12294,8 +12282,8 @@
         </p:nvSpPr>
         <p:spPr>
           <a:xfrm>
-            <a:off x="755650" y="413693"/>
-            <a:ext cx="7632700" cy="357857"/>
+            <a:off x="3707904" y="2213893"/>
+            <a:ext cx="1800200" cy="357857"/>
           </a:xfrm>
         </p:spPr>
         <p:txBody>
@@ -12303,378 +12291,25 @@
           <a:lstStyle/>
           <a:p>
             <a:r>
-              <a:rPr lang="en-US" dirty="0"/>
-              <a:t>Scala: case class</a:t>
-            </a:r>
-            <a:r>
-              <a:rPr lang="pl-PL" dirty="0"/>
-              <a:t>es</a:t>
+              <a:rPr lang="pl-PL" dirty="0"/>
+              <a:t>Demo </a:t>
+            </a:r>
+            <a:r>
+              <a:rPr lang="pl-PL" dirty="0" err="1"/>
+              <a:t>time</a:t>
+            </a:r>
+            <a:r>
+              <a:rPr lang="pl-PL" dirty="0"/>
+              <a:t>!</a:t>
             </a:r>
             <a:endParaRPr lang="en-US" dirty="0"/>
-          </a:p>
-        </p:txBody>
-      </p:sp>
-      <p:sp>
-        <p:nvSpPr>
-          <p:cNvPr id="6" name="Text Placeholder 4"/>
-          <p:cNvSpPr txBox="1">
-            <a:spLocks/>
-          </p:cNvSpPr>
-          <p:nvPr/>
-        </p:nvSpPr>
-        <p:spPr>
-          <a:xfrm>
-            <a:off x="755650" y="915566"/>
-            <a:ext cx="7632700" cy="3797624"/>
-          </a:xfrm>
-          <a:prstGeom prst="rect">
-            <a:avLst/>
-          </a:prstGeom>
-        </p:spPr>
-        <p:txBody>
-          <a:bodyPr vert="horz" lIns="0" tIns="0" rIns="0" bIns="0" anchor="t"/>
-          <a:lstStyle>
-            <a:lvl1pPr marL="165100" indent="-165100" algn="l" defTabSz="914400" rtl="0" eaLnBrk="1" latinLnBrk="0" hangingPunct="1">
-              <a:lnSpc>
-                <a:spcPct val="140000"/>
-              </a:lnSpc>
-              <a:spcBef>
-                <a:spcPts val="0"/>
-              </a:spcBef>
-              <a:buClr>
-                <a:schemeClr val="accent1"/>
-              </a:buClr>
-              <a:buSzPct val="75000"/>
-              <a:buFont typeface="Wingdings" charset="2"/>
-              <a:buChar char="§"/>
-              <a:defRPr sz="1300" kern="1200">
-                <a:solidFill>
-                  <a:schemeClr val="tx1"/>
-                </a:solidFill>
-                <a:latin typeface="+mn-lt"/>
-                <a:ea typeface="+mn-ea"/>
-                <a:cs typeface="+mn-cs"/>
-              </a:defRPr>
-            </a:lvl1pPr>
-            <a:lvl2pPr marL="330200" indent="-165100" algn="l" defTabSz="914400" rtl="0" eaLnBrk="1" latinLnBrk="0" hangingPunct="1">
-              <a:lnSpc>
-                <a:spcPct val="140000"/>
-              </a:lnSpc>
-              <a:spcBef>
-                <a:spcPts val="0"/>
-              </a:spcBef>
-              <a:buClr>
-                <a:schemeClr val="bg2"/>
-              </a:buClr>
-              <a:buSzPct val="75000"/>
-              <a:buFont typeface="Wingdings" charset="2"/>
-              <a:buChar char="§"/>
-              <a:defRPr sz="1300" kern="1200">
-                <a:solidFill>
-                  <a:schemeClr val="tx1"/>
-                </a:solidFill>
-                <a:latin typeface="+mn-lt"/>
-                <a:ea typeface="+mn-ea"/>
-                <a:cs typeface="+mn-cs"/>
-              </a:defRPr>
-            </a:lvl2pPr>
-            <a:lvl3pPr marL="495300" indent="-165100" algn="l" defTabSz="914400" rtl="0" eaLnBrk="1" latinLnBrk="0" hangingPunct="1">
-              <a:lnSpc>
-                <a:spcPct val="140000"/>
-              </a:lnSpc>
-              <a:spcBef>
-                <a:spcPts val="0"/>
-              </a:spcBef>
-              <a:buClr>
-                <a:schemeClr val="bg2"/>
-              </a:buClr>
-              <a:buSzPct val="75000"/>
-              <a:buFont typeface="Wingdings" charset="2"/>
-              <a:buChar char="§"/>
-              <a:defRPr sz="1300" kern="1200">
-                <a:solidFill>
-                  <a:schemeClr val="tx1"/>
-                </a:solidFill>
-                <a:latin typeface="+mn-lt"/>
-                <a:ea typeface="+mn-ea"/>
-                <a:cs typeface="+mn-cs"/>
-              </a:defRPr>
-            </a:lvl3pPr>
-            <a:lvl4pPr marL="660400" indent="-165100" algn="l" defTabSz="914400" rtl="0" eaLnBrk="1" latinLnBrk="0" hangingPunct="1">
-              <a:lnSpc>
-                <a:spcPct val="140000"/>
-              </a:lnSpc>
-              <a:spcBef>
-                <a:spcPts val="0"/>
-              </a:spcBef>
-              <a:buClr>
-                <a:schemeClr val="bg2"/>
-              </a:buClr>
-              <a:buSzPct val="75000"/>
-              <a:buFont typeface="Wingdings" charset="2"/>
-              <a:buChar char="§"/>
-              <a:defRPr sz="1300" kern="1200">
-                <a:solidFill>
-                  <a:schemeClr val="tx1"/>
-                </a:solidFill>
-                <a:latin typeface="+mn-lt"/>
-                <a:ea typeface="+mn-ea"/>
-                <a:cs typeface="+mn-cs"/>
-              </a:defRPr>
-            </a:lvl4pPr>
-            <a:lvl5pPr marL="825500" indent="-165100" algn="l" defTabSz="914400" rtl="0" eaLnBrk="1" latinLnBrk="0" hangingPunct="1">
-              <a:lnSpc>
-                <a:spcPct val="140000"/>
-              </a:lnSpc>
-              <a:spcBef>
-                <a:spcPts val="0"/>
-              </a:spcBef>
-              <a:buClr>
-                <a:schemeClr val="bg2"/>
-              </a:buClr>
-              <a:buSzPct val="75000"/>
-              <a:buFont typeface="Wingdings" charset="2"/>
-              <a:buChar char="§"/>
-              <a:defRPr sz="1300" kern="1200">
-                <a:solidFill>
-                  <a:schemeClr val="tx1"/>
-                </a:solidFill>
-                <a:latin typeface="+mn-lt"/>
-                <a:ea typeface="+mn-ea"/>
-                <a:cs typeface="+mn-cs"/>
-              </a:defRPr>
-            </a:lvl5pPr>
-            <a:lvl6pPr marL="2514600" indent="-228600" algn="l" defTabSz="914400" rtl="0" eaLnBrk="1" latinLnBrk="0" hangingPunct="1">
-              <a:spcBef>
-                <a:spcPct val="20000"/>
-              </a:spcBef>
-              <a:buFont typeface="Arial" pitchFamily="34" charset="0"/>
-              <a:buChar char="•"/>
-              <a:defRPr sz="2000" kern="1200">
-                <a:solidFill>
-                  <a:schemeClr val="tx1"/>
-                </a:solidFill>
-                <a:latin typeface="+mn-lt"/>
-                <a:ea typeface="+mn-ea"/>
-                <a:cs typeface="+mn-cs"/>
-              </a:defRPr>
-            </a:lvl6pPr>
-            <a:lvl7pPr marL="2971800" indent="-228600" algn="l" defTabSz="914400" rtl="0" eaLnBrk="1" latinLnBrk="0" hangingPunct="1">
-              <a:spcBef>
-                <a:spcPct val="20000"/>
-              </a:spcBef>
-              <a:buFont typeface="Arial" pitchFamily="34" charset="0"/>
-              <a:buChar char="•"/>
-              <a:defRPr sz="2000" kern="1200">
-                <a:solidFill>
-                  <a:schemeClr val="tx1"/>
-                </a:solidFill>
-                <a:latin typeface="+mn-lt"/>
-                <a:ea typeface="+mn-ea"/>
-                <a:cs typeface="+mn-cs"/>
-              </a:defRPr>
-            </a:lvl7pPr>
-            <a:lvl8pPr marL="3429000" indent="-228600" algn="l" defTabSz="914400" rtl="0" eaLnBrk="1" latinLnBrk="0" hangingPunct="1">
-              <a:spcBef>
-                <a:spcPct val="20000"/>
-              </a:spcBef>
-              <a:buFont typeface="Arial" pitchFamily="34" charset="0"/>
-              <a:buChar char="•"/>
-              <a:defRPr sz="2000" kern="1200">
-                <a:solidFill>
-                  <a:schemeClr val="tx1"/>
-                </a:solidFill>
-                <a:latin typeface="+mn-lt"/>
-                <a:ea typeface="+mn-ea"/>
-                <a:cs typeface="+mn-cs"/>
-              </a:defRPr>
-            </a:lvl8pPr>
-            <a:lvl9pPr marL="3886200" indent="-228600" algn="l" defTabSz="914400" rtl="0" eaLnBrk="1" latinLnBrk="0" hangingPunct="1">
-              <a:spcBef>
-                <a:spcPct val="20000"/>
-              </a:spcBef>
-              <a:buFont typeface="Arial" pitchFamily="34" charset="0"/>
-              <a:buChar char="•"/>
-              <a:defRPr sz="2000" kern="1200">
-                <a:solidFill>
-                  <a:schemeClr val="tx1"/>
-                </a:solidFill>
-                <a:latin typeface="+mn-lt"/>
-                <a:ea typeface="+mn-ea"/>
-                <a:cs typeface="+mn-cs"/>
-              </a:defRPr>
-            </a:lvl9pPr>
-          </a:lstStyle>
-          <a:p>
-            <a:r>
-              <a:rPr lang="en-GB" sz="2000" dirty="0"/>
-              <a:t>Immutable by default</a:t>
-            </a:r>
-          </a:p>
-          <a:p>
-            <a:r>
-              <a:rPr lang="en-GB" sz="2000" dirty="0"/>
-              <a:t>Companion object and factory methods out of the box</a:t>
-            </a:r>
-          </a:p>
-          <a:p>
-            <a:r>
-              <a:rPr lang="en-GB" sz="2000" dirty="0"/>
-              <a:t>Implicitly equip the class with meaningful </a:t>
-            </a:r>
-            <a:r>
-              <a:rPr lang="en-GB" sz="2000" i="1" dirty="0" err="1"/>
-              <a:t>toString</a:t>
-            </a:r>
-            <a:r>
-              <a:rPr lang="en-GB" sz="2000" dirty="0"/>
-              <a:t>, </a:t>
-            </a:r>
-            <a:r>
-              <a:rPr lang="en-GB" sz="2000" i="1" dirty="0"/>
-              <a:t>equals</a:t>
-            </a:r>
-            <a:r>
-              <a:rPr lang="en-GB" sz="2000" dirty="0"/>
-              <a:t> and </a:t>
-            </a:r>
-            <a:r>
-              <a:rPr lang="en-GB" sz="2000" i="1" dirty="0" err="1"/>
-              <a:t>hashCode</a:t>
-            </a:r>
-            <a:endParaRPr lang="en-GB" sz="2000" i="1" dirty="0"/>
-          </a:p>
-          <a:p>
-            <a:r>
-              <a:rPr lang="en-GB" sz="2000" dirty="0"/>
-              <a:t>Ability to be deconstructed with pattern matching.</a:t>
-            </a:r>
-          </a:p>
-          <a:p>
-            <a:r>
-              <a:rPr lang="en-GB" sz="2000" dirty="0"/>
-              <a:t>Perfect for structural data types</a:t>
-            </a:r>
-          </a:p>
-          <a:p>
-            <a:r>
-              <a:rPr lang="en-GB" sz="2000" dirty="0"/>
-              <a:t>Nicely integrates with Spark Dataset</a:t>
-            </a:r>
-          </a:p>
-          <a:p>
-            <a:endParaRPr lang="en-GB" sz="2000" dirty="0"/>
-          </a:p>
-          <a:p>
-            <a:endParaRPr lang="en-GB" sz="2000" dirty="0"/>
-          </a:p>
-          <a:p>
-            <a:pPr marL="0" indent="0">
-              <a:buNone/>
-            </a:pPr>
-            <a:endParaRPr lang="en-GB" sz="2000" dirty="0"/>
-          </a:p>
-          <a:p>
-            <a:pPr marL="0" indent="0">
-              <a:buNone/>
-            </a:pPr>
-            <a:endParaRPr lang="en-GB" sz="2000" dirty="0"/>
-          </a:p>
-        </p:txBody>
-      </p:sp>
-      <p:sp>
-        <p:nvSpPr>
-          <p:cNvPr id="7" name="Date Placeholder 3">
-            <a:extLst>
-              <a:ext uri="{FF2B5EF4-FFF2-40B4-BE49-F238E27FC236}">
-                <a16:creationId xmlns:a16="http://schemas.microsoft.com/office/drawing/2014/main" id="{46F1665E-1B6C-4E09-8D29-00E49FF55FAE}"/>
-              </a:ext>
-            </a:extLst>
-          </p:cNvPr>
-          <p:cNvSpPr>
-            <a:spLocks noGrp="1"/>
-          </p:cNvSpPr>
-          <p:nvPr>
-            <p:ph type="dt" sz="half" idx="15"/>
-          </p:nvPr>
-        </p:nvSpPr>
-        <p:spPr>
-          <a:xfrm>
-            <a:off x="764322" y="4748752"/>
-            <a:ext cx="5535870" cy="394748"/>
-          </a:xfrm>
-        </p:spPr>
-        <p:txBody>
-          <a:bodyPr/>
-          <a:lstStyle/>
-          <a:p>
-            <a:r>
-              <a:rPr lang="en-US" dirty="0"/>
-              <a:t>SMACK Reference Architecture</a:t>
-            </a:r>
-            <a:endParaRPr lang="pl-PL" dirty="0"/>
-          </a:p>
-          <a:p>
-            <a:r>
-              <a:rPr lang="pl-PL" dirty="0"/>
-              <a:t>Apache Spark &amp; Scala</a:t>
-            </a:r>
-          </a:p>
-          <a:p>
-            <a:endParaRPr lang="pl-PL" dirty="0"/>
-          </a:p>
-        </p:txBody>
-      </p:sp>
-      <p:sp>
-        <p:nvSpPr>
-          <p:cNvPr id="8" name="Footer Placeholder 2">
-            <a:extLst>
-              <a:ext uri="{FF2B5EF4-FFF2-40B4-BE49-F238E27FC236}">
-                <a16:creationId xmlns:a16="http://schemas.microsoft.com/office/drawing/2014/main" id="{11CAE852-93CB-4B8F-966A-CF1580746440}"/>
-              </a:ext>
-            </a:extLst>
-          </p:cNvPr>
-          <p:cNvSpPr>
-            <a:spLocks noGrp="1"/>
-          </p:cNvSpPr>
-          <p:nvPr>
-            <p:ph type="ftr" sz="quarter" idx="16"/>
-          </p:nvPr>
-        </p:nvSpPr>
-        <p:spPr>
-          <a:xfrm>
-            <a:off x="6588224" y="4731544"/>
-            <a:ext cx="1800126" cy="411956"/>
-          </a:xfrm>
-        </p:spPr>
-        <p:txBody>
-          <a:bodyPr/>
-          <a:lstStyle/>
-          <a:p>
-            <a:r>
-              <a:rPr lang="pl-PL" dirty="0"/>
-              <a:t>Krzysztof Stanaszek</a:t>
-            </a:r>
-          </a:p>
-          <a:p>
-            <a:r>
-              <a:rPr lang="pl-PL" dirty="0" err="1"/>
-              <a:t>zJava</a:t>
-            </a:r>
-            <a:r>
-              <a:rPr lang="pl-PL" dirty="0"/>
-              <a:t>, 06.02.2019</a:t>
-            </a:r>
-          </a:p>
-          <a:p>
-            <a:endParaRPr lang="pl-PL" dirty="0"/>
           </a:p>
         </p:txBody>
       </p:sp>
     </p:spTree>
     <p:extLst>
       <p:ext uri="{BB962C8B-B14F-4D97-AF65-F5344CB8AC3E}">
-        <p14:creationId xmlns:p14="http://schemas.microsoft.com/office/powerpoint/2010/main" val="4240594428"/>
+        <p14:creationId xmlns:p14="http://schemas.microsoft.com/office/powerpoint/2010/main" val="1604163597"/>
       </p:ext>
     </p:extLst>
   </p:cSld>
@@ -12723,19 +12358,291 @@
           <a:p>
             <a:r>
               <a:rPr lang="en-US" dirty="0"/>
-              <a:t>Scala: </a:t>
-            </a:r>
-            <a:r>
-              <a:rPr lang="pl-PL" dirty="0"/>
-              <a:t>p</a:t>
-            </a:r>
-            <a:r>
-              <a:rPr lang="en-US" dirty="0" err="1"/>
-              <a:t>attern</a:t>
-            </a:r>
+              <a:t>Instead of summary	</a:t>
+            </a:r>
+          </a:p>
+        </p:txBody>
+      </p:sp>
+      <p:sp>
+        <p:nvSpPr>
+          <p:cNvPr id="3" name="Footer Placeholder 2"/>
+          <p:cNvSpPr>
+            <a:spLocks noGrp="1"/>
+          </p:cNvSpPr>
+          <p:nvPr>
+            <p:ph type="ftr" sz="quarter" idx="16"/>
+          </p:nvPr>
+        </p:nvSpPr>
+        <p:spPr/>
+        <p:txBody>
+          <a:bodyPr/>
+          <a:lstStyle/>
+          <a:p>
+            <a:r>
+              <a:rPr lang="pl-PL" dirty="0"/>
+              <a:t>Krzysztof Stanaszek</a:t>
+            </a:r>
+          </a:p>
+          <a:p>
+            <a:r>
+              <a:rPr lang="pl-PL" dirty="0" err="1"/>
+              <a:t>zJava</a:t>
+            </a:r>
+            <a:r>
+              <a:rPr lang="pl-PL" dirty="0"/>
+              <a:t>, 06.02.2019</a:t>
+            </a:r>
+          </a:p>
+          <a:p>
+            <a:endParaRPr lang="pl-PL" dirty="0"/>
+          </a:p>
+        </p:txBody>
+      </p:sp>
+      <p:sp>
+        <p:nvSpPr>
+          <p:cNvPr id="4" name="Date Placeholder 3"/>
+          <p:cNvSpPr>
+            <a:spLocks noGrp="1"/>
+          </p:cNvSpPr>
+          <p:nvPr>
+            <p:ph type="dt" sz="half" idx="15"/>
+          </p:nvPr>
+        </p:nvSpPr>
+        <p:spPr/>
+        <p:txBody>
+          <a:bodyPr/>
+          <a:lstStyle/>
+          <a:p>
             <a:r>
               <a:rPr lang="en-US" dirty="0"/>
-              <a:t> matching</a:t>
+              <a:t>SMACK Reference Architecture</a:t>
+            </a:r>
+            <a:endParaRPr lang="pl-PL" dirty="0"/>
+          </a:p>
+          <a:p>
+            <a:r>
+              <a:rPr lang="pl-PL" dirty="0"/>
+              <a:t>Apache Spark &amp; Scala</a:t>
+            </a:r>
+          </a:p>
+          <a:p>
+            <a:endParaRPr lang="pl-PL" dirty="0"/>
+          </a:p>
+        </p:txBody>
+      </p:sp>
+      <p:sp>
+        <p:nvSpPr>
+          <p:cNvPr id="7" name="TextBox 6"/>
+          <p:cNvSpPr txBox="1"/>
+          <p:nvPr/>
+        </p:nvSpPr>
+        <p:spPr>
+          <a:xfrm>
+            <a:off x="8891051" y="1198880"/>
+            <a:ext cx="914400" cy="914400"/>
+          </a:xfrm>
+          <a:prstGeom prst="rect">
+            <a:avLst/>
+          </a:prstGeom>
+          <a:noFill/>
+        </p:spPr>
+        <p:txBody>
+          <a:bodyPr wrap="none" lIns="0" tIns="0" rIns="0" bIns="0" rtlCol="0">
+            <a:noAutofit/>
+          </a:bodyPr>
+          <a:lstStyle/>
+          <a:p>
+            <a:pPr>
+              <a:lnSpc>
+                <a:spcPct val="140000"/>
+              </a:lnSpc>
+            </a:pPr>
+            <a:endParaRPr lang="en-US" dirty="0" err="1">
+              <a:solidFill>
+                <a:schemeClr val="tx1"/>
+              </a:solidFill>
+            </a:endParaRPr>
+          </a:p>
+        </p:txBody>
+      </p:sp>
+      <p:sp>
+        <p:nvSpPr>
+          <p:cNvPr id="5" name="Rectangle 4">
+            <a:hlinkClick r:id="rId3"/>
+            <a:extLst>
+              <a:ext uri="{FF2B5EF4-FFF2-40B4-BE49-F238E27FC236}">
+                <a16:creationId xmlns:a16="http://schemas.microsoft.com/office/drawing/2014/main" id="{E2235CDF-EF62-486E-8EBB-310A2294A914}"/>
+              </a:ext>
+            </a:extLst>
+          </p:cNvPr>
+          <p:cNvSpPr/>
+          <p:nvPr/>
+        </p:nvSpPr>
+        <p:spPr>
+          <a:xfrm>
+            <a:off x="4543669" y="2988032"/>
+            <a:ext cx="2907924" cy="338554"/>
+          </a:xfrm>
+          <a:prstGeom prst="rect">
+            <a:avLst/>
+          </a:prstGeom>
+        </p:spPr>
+        <p:txBody>
+          <a:bodyPr wrap="square">
+            <a:spAutoFit/>
+          </a:bodyPr>
+          <a:lstStyle/>
+          <a:p>
+            <a:pPr algn="r"/>
+            <a:r>
+              <a:rPr lang="pl-PL" sz="1600" dirty="0"/>
+              <a:t>Martin </a:t>
+            </a:r>
+            <a:r>
+              <a:rPr lang="pl-PL" sz="1600" dirty="0" err="1"/>
+              <a:t>Odersky</a:t>
+            </a:r>
+            <a:endParaRPr lang="pl-PL" sz="1600" dirty="0"/>
+          </a:p>
+        </p:txBody>
+      </p:sp>
+      <p:sp>
+        <p:nvSpPr>
+          <p:cNvPr id="6" name="Rectangle 5">
+            <a:extLst>
+              <a:ext uri="{FF2B5EF4-FFF2-40B4-BE49-F238E27FC236}">
+                <a16:creationId xmlns:a16="http://schemas.microsoft.com/office/drawing/2014/main" id="{596307F1-AB44-4D02-9B91-44D2BB2A9CF5}"/>
+              </a:ext>
+            </a:extLst>
+          </p:cNvPr>
+          <p:cNvSpPr/>
+          <p:nvPr/>
+        </p:nvSpPr>
+        <p:spPr>
+          <a:xfrm>
+            <a:off x="1403648" y="974837"/>
+            <a:ext cx="6336704" cy="1754326"/>
+          </a:xfrm>
+          <a:prstGeom prst="rect">
+            <a:avLst/>
+          </a:prstGeom>
+        </p:spPr>
+        <p:txBody>
+          <a:bodyPr wrap="square">
+            <a:spAutoFit/>
+          </a:bodyPr>
+          <a:lstStyle/>
+          <a:p>
+            <a:r>
+              <a:rPr lang="en-US" dirty="0">
+                <a:solidFill>
+                  <a:srgbClr val="3B3835"/>
+                </a:solidFill>
+                <a:latin typeface="Helvetica Neue"/>
+              </a:rPr>
+              <a:t>Spark and Scala are beautiful examples of what can be achieved by a bunch of dedicated grad students using a language &amp; system originally written by another bunch of dedicated grad students. </a:t>
+            </a:r>
+            <a:endParaRPr lang="pl-PL" dirty="0">
+              <a:solidFill>
+                <a:srgbClr val="3B3835"/>
+              </a:solidFill>
+              <a:latin typeface="Helvetica Neue"/>
+            </a:endParaRPr>
+          </a:p>
+          <a:p>
+            <a:pPr algn="just"/>
+            <a:endParaRPr lang="pl-PL" dirty="0">
+              <a:solidFill>
+                <a:srgbClr val="3B3835"/>
+              </a:solidFill>
+              <a:latin typeface="Helvetica Neue"/>
+            </a:endParaRPr>
+          </a:p>
+          <a:p>
+            <a:pPr algn="just"/>
+            <a:r>
+              <a:rPr lang="en-US" dirty="0">
+                <a:solidFill>
+                  <a:srgbClr val="3B3835"/>
+                </a:solidFill>
+                <a:latin typeface="Helvetica Neue"/>
+              </a:rPr>
+              <a:t>I am looking forward to the next steps of their co-evolution</a:t>
+            </a:r>
+            <a:r>
+              <a:rPr lang="pl-PL" dirty="0">
+                <a:solidFill>
+                  <a:srgbClr val="3B3835"/>
+                </a:solidFill>
+                <a:latin typeface="Helvetica Neue"/>
+              </a:rPr>
+              <a:t>.</a:t>
+            </a:r>
+            <a:endParaRPr lang="en-US" dirty="0"/>
+          </a:p>
+        </p:txBody>
+      </p:sp>
+    </p:spTree>
+    <p:extLst>
+      <p:ext uri="{BB962C8B-B14F-4D97-AF65-F5344CB8AC3E}">
+        <p14:creationId xmlns:p14="http://schemas.microsoft.com/office/powerpoint/2010/main" val="3117407274"/>
+      </p:ext>
+    </p:extLst>
+  </p:cSld>
+  <p:clrMapOvr>
+    <a:masterClrMapping/>
+  </p:clrMapOvr>
+</p:sld>
+</file>
+
+<file path=ppt/slides/slide19.xml><?xml version="1.0" encoding="utf-8"?>
+<p:sld xmlns:a="http://schemas.openxmlformats.org/drawingml/2006/main" xmlns:r="http://schemas.openxmlformats.org/officeDocument/2006/relationships" xmlns:p="http://schemas.openxmlformats.org/presentationml/2006/main">
+  <p:cSld>
+    <p:spTree>
+      <p:nvGrpSpPr>
+        <p:cNvPr id="1" name=""/>
+        <p:cNvGrpSpPr/>
+        <p:nvPr/>
+      </p:nvGrpSpPr>
+      <p:grpSpPr>
+        <a:xfrm>
+          <a:off x="0" y="0"/>
+          <a:ext cx="0" cy="0"/>
+          <a:chOff x="0" y="0"/>
+          <a:chExt cx="0" cy="0"/>
+        </a:xfrm>
+      </p:grpSpPr>
+      <p:sp>
+        <p:nvSpPr>
+          <p:cNvPr id="2" name="Title 1"/>
+          <p:cNvSpPr>
+            <a:spLocks noGrp="1"/>
+          </p:cNvSpPr>
+          <p:nvPr>
+            <p:ph type="title"/>
+          </p:nvPr>
+        </p:nvSpPr>
+        <p:spPr>
+          <a:xfrm>
+            <a:off x="755650" y="413693"/>
+            <a:ext cx="7632700" cy="357857"/>
+          </a:xfrm>
+        </p:spPr>
+        <p:txBody>
+          <a:bodyPr/>
+          <a:lstStyle/>
+          <a:p>
+            <a:r>
+              <a:rPr lang="en-US" dirty="0"/>
+              <a:t>Scala: function as a first class</a:t>
+            </a:r>
+            <a:r>
+              <a:rPr lang="pl-PL" dirty="0"/>
+              <a:t> </a:t>
+            </a:r>
+            <a:r>
+              <a:rPr lang="en-US" dirty="0"/>
+              <a:t>citizen</a:t>
             </a:r>
           </a:p>
         </p:txBody>
@@ -13001,37 +12908,20 @@
           <a:p>
             <a:r>
               <a:rPr lang="en-US" sz="2000" dirty="0"/>
-              <a:t>„switch” on steroids</a:t>
+              <a:t>Pure – no side effects</a:t>
             </a:r>
           </a:p>
           <a:p>
             <a:r>
               <a:rPr lang="en-US" sz="2000" dirty="0"/>
-              <a:t>Match against class hierarchies, sequences, and case classes</a:t>
-            </a:r>
-            <a:r>
-              <a:rPr lang="pl-PL" sz="2000" dirty="0"/>
-              <a:t> …</a:t>
-            </a:r>
-          </a:p>
-          <a:p>
-            <a:r>
-              <a:rPr lang="en-GB" sz="2000" dirty="0"/>
-              <a:t>Patterns everywhere</a:t>
-            </a:r>
-            <a:endParaRPr lang="en-US" sz="2000" dirty="0"/>
+              <a:t>High-Order – can accept as a argument or return another function</a:t>
+            </a:r>
           </a:p>
           <a:p>
             <a:r>
               <a:rPr lang="en-US" sz="2000" dirty="0"/>
               <a:t>Very powerful in Spark transformations</a:t>
             </a:r>
-          </a:p>
-          <a:p>
-            <a:pPr marL="0" indent="0">
-              <a:buNone/>
-            </a:pPr>
-            <a:endParaRPr lang="en-US" sz="2000" dirty="0"/>
           </a:p>
           <a:p>
             <a:pPr marL="0" indent="0">
@@ -13044,313 +12934,7 @@
     </p:spTree>
     <p:extLst>
       <p:ext uri="{BB962C8B-B14F-4D97-AF65-F5344CB8AC3E}">
-        <p14:creationId xmlns:p14="http://schemas.microsoft.com/office/powerpoint/2010/main" val="3173888047"/>
-      </p:ext>
-    </p:extLst>
-  </p:cSld>
-  <p:clrMapOvr>
-    <a:masterClrMapping/>
-  </p:clrMapOvr>
-</p:sld>
-</file>
-
-<file path=ppt/slides/slide19.xml><?xml version="1.0" encoding="utf-8"?>
-<p:sld xmlns:a="http://schemas.openxmlformats.org/drawingml/2006/main" xmlns:r="http://schemas.openxmlformats.org/officeDocument/2006/relationships" xmlns:p="http://schemas.openxmlformats.org/presentationml/2006/main">
-  <p:cSld>
-    <p:spTree>
-      <p:nvGrpSpPr>
-        <p:cNvPr id="1" name=""/>
-        <p:cNvGrpSpPr/>
-        <p:nvPr/>
-      </p:nvGrpSpPr>
-      <p:grpSpPr>
-        <a:xfrm>
-          <a:off x="0" y="0"/>
-          <a:ext cx="0" cy="0"/>
-          <a:chOff x="0" y="0"/>
-          <a:chExt cx="0" cy="0"/>
-        </a:xfrm>
-      </p:grpSpPr>
-      <p:sp>
-        <p:nvSpPr>
-          <p:cNvPr id="3" name="Footer Placeholder 2"/>
-          <p:cNvSpPr>
-            <a:spLocks noGrp="1"/>
-          </p:cNvSpPr>
-          <p:nvPr>
-            <p:ph type="ftr" sz="quarter" idx="16"/>
-          </p:nvPr>
-        </p:nvSpPr>
-        <p:spPr/>
-        <p:txBody>
-          <a:bodyPr/>
-          <a:lstStyle/>
-          <a:p>
-            <a:endParaRPr lang="pl-PL" dirty="0"/>
-          </a:p>
-        </p:txBody>
-      </p:sp>
-      <p:sp>
-        <p:nvSpPr>
-          <p:cNvPr id="4" name="Date Placeholder 3"/>
-          <p:cNvSpPr>
-            <a:spLocks noGrp="1"/>
-          </p:cNvSpPr>
-          <p:nvPr>
-            <p:ph type="dt" sz="half" idx="15"/>
-          </p:nvPr>
-        </p:nvSpPr>
-        <p:spPr/>
-        <p:txBody>
-          <a:bodyPr/>
-          <a:lstStyle/>
-          <a:p>
-            <a:endParaRPr lang="pl-PL" dirty="0"/>
-          </a:p>
-        </p:txBody>
-      </p:sp>
-      <p:sp>
-        <p:nvSpPr>
-          <p:cNvPr id="6" name="Text Placeholder 4"/>
-          <p:cNvSpPr txBox="1">
-            <a:spLocks/>
-          </p:cNvSpPr>
-          <p:nvPr/>
-        </p:nvSpPr>
-        <p:spPr>
-          <a:xfrm>
-            <a:off x="755650" y="915566"/>
-            <a:ext cx="7632700" cy="3797624"/>
-          </a:xfrm>
-          <a:prstGeom prst="rect">
-            <a:avLst/>
-          </a:prstGeom>
-        </p:spPr>
-        <p:txBody>
-          <a:bodyPr vert="horz" lIns="0" tIns="0" rIns="0" bIns="0" anchor="t"/>
-          <a:lstStyle>
-            <a:lvl1pPr marL="165100" indent="-165100" algn="l" defTabSz="914400" rtl="0" eaLnBrk="1" latinLnBrk="0" hangingPunct="1">
-              <a:lnSpc>
-                <a:spcPct val="140000"/>
-              </a:lnSpc>
-              <a:spcBef>
-                <a:spcPts val="0"/>
-              </a:spcBef>
-              <a:buClr>
-                <a:schemeClr val="accent1"/>
-              </a:buClr>
-              <a:buSzPct val="75000"/>
-              <a:buFont typeface="Wingdings" charset="2"/>
-              <a:buChar char="§"/>
-              <a:defRPr sz="1300" kern="1200">
-                <a:solidFill>
-                  <a:schemeClr val="tx1"/>
-                </a:solidFill>
-                <a:latin typeface="+mn-lt"/>
-                <a:ea typeface="+mn-ea"/>
-                <a:cs typeface="+mn-cs"/>
-              </a:defRPr>
-            </a:lvl1pPr>
-            <a:lvl2pPr marL="330200" indent="-165100" algn="l" defTabSz="914400" rtl="0" eaLnBrk="1" latinLnBrk="0" hangingPunct="1">
-              <a:lnSpc>
-                <a:spcPct val="140000"/>
-              </a:lnSpc>
-              <a:spcBef>
-                <a:spcPts val="0"/>
-              </a:spcBef>
-              <a:buClr>
-                <a:schemeClr val="bg2"/>
-              </a:buClr>
-              <a:buSzPct val="75000"/>
-              <a:buFont typeface="Wingdings" charset="2"/>
-              <a:buChar char="§"/>
-              <a:defRPr sz="1300" kern="1200">
-                <a:solidFill>
-                  <a:schemeClr val="tx1"/>
-                </a:solidFill>
-                <a:latin typeface="+mn-lt"/>
-                <a:ea typeface="+mn-ea"/>
-                <a:cs typeface="+mn-cs"/>
-              </a:defRPr>
-            </a:lvl2pPr>
-            <a:lvl3pPr marL="495300" indent="-165100" algn="l" defTabSz="914400" rtl="0" eaLnBrk="1" latinLnBrk="0" hangingPunct="1">
-              <a:lnSpc>
-                <a:spcPct val="140000"/>
-              </a:lnSpc>
-              <a:spcBef>
-                <a:spcPts val="0"/>
-              </a:spcBef>
-              <a:buClr>
-                <a:schemeClr val="bg2"/>
-              </a:buClr>
-              <a:buSzPct val="75000"/>
-              <a:buFont typeface="Wingdings" charset="2"/>
-              <a:buChar char="§"/>
-              <a:defRPr sz="1300" kern="1200">
-                <a:solidFill>
-                  <a:schemeClr val="tx1"/>
-                </a:solidFill>
-                <a:latin typeface="+mn-lt"/>
-                <a:ea typeface="+mn-ea"/>
-                <a:cs typeface="+mn-cs"/>
-              </a:defRPr>
-            </a:lvl3pPr>
-            <a:lvl4pPr marL="660400" indent="-165100" algn="l" defTabSz="914400" rtl="0" eaLnBrk="1" latinLnBrk="0" hangingPunct="1">
-              <a:lnSpc>
-                <a:spcPct val="140000"/>
-              </a:lnSpc>
-              <a:spcBef>
-                <a:spcPts val="0"/>
-              </a:spcBef>
-              <a:buClr>
-                <a:schemeClr val="bg2"/>
-              </a:buClr>
-              <a:buSzPct val="75000"/>
-              <a:buFont typeface="Wingdings" charset="2"/>
-              <a:buChar char="§"/>
-              <a:defRPr sz="1300" kern="1200">
-                <a:solidFill>
-                  <a:schemeClr val="tx1"/>
-                </a:solidFill>
-                <a:latin typeface="+mn-lt"/>
-                <a:ea typeface="+mn-ea"/>
-                <a:cs typeface="+mn-cs"/>
-              </a:defRPr>
-            </a:lvl4pPr>
-            <a:lvl5pPr marL="825500" indent="-165100" algn="l" defTabSz="914400" rtl="0" eaLnBrk="1" latinLnBrk="0" hangingPunct="1">
-              <a:lnSpc>
-                <a:spcPct val="140000"/>
-              </a:lnSpc>
-              <a:spcBef>
-                <a:spcPts val="0"/>
-              </a:spcBef>
-              <a:buClr>
-                <a:schemeClr val="bg2"/>
-              </a:buClr>
-              <a:buSzPct val="75000"/>
-              <a:buFont typeface="Wingdings" charset="2"/>
-              <a:buChar char="§"/>
-              <a:defRPr sz="1300" kern="1200">
-                <a:solidFill>
-                  <a:schemeClr val="tx1"/>
-                </a:solidFill>
-                <a:latin typeface="+mn-lt"/>
-                <a:ea typeface="+mn-ea"/>
-                <a:cs typeface="+mn-cs"/>
-              </a:defRPr>
-            </a:lvl5pPr>
-            <a:lvl6pPr marL="2514600" indent="-228600" algn="l" defTabSz="914400" rtl="0" eaLnBrk="1" latinLnBrk="0" hangingPunct="1">
-              <a:spcBef>
-                <a:spcPct val="20000"/>
-              </a:spcBef>
-              <a:buFont typeface="Arial" pitchFamily="34" charset="0"/>
-              <a:buChar char="•"/>
-              <a:defRPr sz="2000" kern="1200">
-                <a:solidFill>
-                  <a:schemeClr val="tx1"/>
-                </a:solidFill>
-                <a:latin typeface="+mn-lt"/>
-                <a:ea typeface="+mn-ea"/>
-                <a:cs typeface="+mn-cs"/>
-              </a:defRPr>
-            </a:lvl6pPr>
-            <a:lvl7pPr marL="2971800" indent="-228600" algn="l" defTabSz="914400" rtl="0" eaLnBrk="1" latinLnBrk="0" hangingPunct="1">
-              <a:spcBef>
-                <a:spcPct val="20000"/>
-              </a:spcBef>
-              <a:buFont typeface="Arial" pitchFamily="34" charset="0"/>
-              <a:buChar char="•"/>
-              <a:defRPr sz="2000" kern="1200">
-                <a:solidFill>
-                  <a:schemeClr val="tx1"/>
-                </a:solidFill>
-                <a:latin typeface="+mn-lt"/>
-                <a:ea typeface="+mn-ea"/>
-                <a:cs typeface="+mn-cs"/>
-              </a:defRPr>
-            </a:lvl7pPr>
-            <a:lvl8pPr marL="3429000" indent="-228600" algn="l" defTabSz="914400" rtl="0" eaLnBrk="1" latinLnBrk="0" hangingPunct="1">
-              <a:spcBef>
-                <a:spcPct val="20000"/>
-              </a:spcBef>
-              <a:buFont typeface="Arial" pitchFamily="34" charset="0"/>
-              <a:buChar char="•"/>
-              <a:defRPr sz="2000" kern="1200">
-                <a:solidFill>
-                  <a:schemeClr val="tx1"/>
-                </a:solidFill>
-                <a:latin typeface="+mn-lt"/>
-                <a:ea typeface="+mn-ea"/>
-                <a:cs typeface="+mn-cs"/>
-              </a:defRPr>
-            </a:lvl8pPr>
-            <a:lvl9pPr marL="3886200" indent="-228600" algn="l" defTabSz="914400" rtl="0" eaLnBrk="1" latinLnBrk="0" hangingPunct="1">
-              <a:spcBef>
-                <a:spcPct val="20000"/>
-              </a:spcBef>
-              <a:buFont typeface="Arial" pitchFamily="34" charset="0"/>
-              <a:buChar char="•"/>
-              <a:defRPr sz="2000" kern="1200">
-                <a:solidFill>
-                  <a:schemeClr val="tx1"/>
-                </a:solidFill>
-                <a:latin typeface="+mn-lt"/>
-                <a:ea typeface="+mn-ea"/>
-                <a:cs typeface="+mn-cs"/>
-              </a:defRPr>
-            </a:lvl9pPr>
-          </a:lstStyle>
-          <a:p>
-            <a:pPr marL="0" indent="0">
-              <a:buNone/>
-            </a:pPr>
-            <a:endParaRPr lang="en-US" sz="2000" dirty="0"/>
-          </a:p>
-          <a:p>
-            <a:pPr marL="0" indent="0">
-              <a:buNone/>
-            </a:pPr>
-            <a:endParaRPr lang="en-US" sz="2000" dirty="0"/>
-          </a:p>
-        </p:txBody>
-      </p:sp>
-      <p:sp>
-        <p:nvSpPr>
-          <p:cNvPr id="7" name="Title 6">
-            <a:extLst>
-              <a:ext uri="{FF2B5EF4-FFF2-40B4-BE49-F238E27FC236}">
-                <a16:creationId xmlns:a16="http://schemas.microsoft.com/office/drawing/2014/main" id="{BFA69262-7BCD-47BE-B50E-B12FC2C89FFE}"/>
-              </a:ext>
-            </a:extLst>
-          </p:cNvPr>
-          <p:cNvSpPr>
-            <a:spLocks noGrp="1"/>
-          </p:cNvSpPr>
-          <p:nvPr>
-            <p:ph type="title"/>
-          </p:nvPr>
-        </p:nvSpPr>
-        <p:spPr>
-          <a:xfrm>
-            <a:off x="3707922" y="2241203"/>
-            <a:ext cx="1728155" cy="357857"/>
-          </a:xfrm>
-        </p:spPr>
-        <p:txBody>
-          <a:bodyPr/>
-          <a:lstStyle/>
-          <a:p>
-            <a:r>
-              <a:rPr lang="en-GB" dirty="0"/>
-              <a:t>Quick demo</a:t>
-            </a:r>
-          </a:p>
-        </p:txBody>
-      </p:sp>
-    </p:spTree>
-    <p:extLst>
-      <p:ext uri="{BB962C8B-B14F-4D97-AF65-F5344CB8AC3E}">
-        <p14:creationId xmlns:p14="http://schemas.microsoft.com/office/powerpoint/2010/main" val="1856016363"/>
+        <p14:creationId xmlns:p14="http://schemas.microsoft.com/office/powerpoint/2010/main" val="2199849601"/>
       </p:ext>
     </p:extLst>
   </p:cSld>
@@ -13968,15 +13552,7 @@
           <a:p>
             <a:r>
               <a:rPr lang="en-US" dirty="0"/>
-              <a:t>Scala: function as a first class</a:t>
-            </a:r>
-            <a:r>
-              <a:rPr lang="pl-PL" dirty="0"/>
-              <a:t> </a:t>
-            </a:r>
-            <a:r>
-              <a:rPr lang="en-US" dirty="0"/>
-              <a:t>citizen</a:t>
+              <a:t>Scala: collections</a:t>
             </a:r>
           </a:p>
         </p:txBody>
@@ -14031,19 +13607,6 @@
           <a:bodyPr/>
           <a:lstStyle/>
           <a:p>
-            <a:r>
-              <a:rPr lang="en-US" dirty="0"/>
-              <a:t>SMACK Reference Architecture</a:t>
-            </a:r>
-            <a:endParaRPr lang="pl-PL" dirty="0"/>
-          </a:p>
-          <a:p>
-            <a:r>
-              <a:rPr lang="pl-PL" dirty="0"/>
-              <a:t>Apache Spark &amp; Scala</a:t>
-            </a:r>
-          </a:p>
-          <a:p>
             <a:endParaRPr lang="pl-PL" dirty="0"/>
           </a:p>
         </p:txBody>
@@ -14058,7 +13621,7 @@
         </p:nvSpPr>
         <p:spPr>
           <a:xfrm>
-            <a:off x="755650" y="915566"/>
+            <a:off x="755650" y="951128"/>
             <a:ext cx="7632700" cy="3797624"/>
           </a:xfrm>
           <a:prstGeom prst="rect">
@@ -14242,20 +13805,124 @@
           <a:p>
             <a:r>
               <a:rPr lang="en-US" sz="2000" dirty="0"/>
-              <a:t>Pure – no side effects</a:t>
+              <a:t>Plethora of types: immutable and mutable types</a:t>
             </a:r>
           </a:p>
           <a:p>
             <a:r>
               <a:rPr lang="en-US" sz="2000" dirty="0"/>
-              <a:t>High-Order – can accept as a argument or return another function</a:t>
+              <a:t>Wide range of operations making your life easy dealing with any kind of data.</a:t>
             </a:r>
           </a:p>
           <a:p>
             <a:r>
               <a:rPr lang="en-US" sz="2000" dirty="0"/>
-              <a:t>Very powerful in Spark transformations</a:t>
-            </a:r>
+              <a:t>Nicely mixes with Spark thanks to </a:t>
+            </a:r>
+            <a:r>
+              <a:rPr lang="en-US" sz="2000" i="1" dirty="0" err="1"/>
+              <a:t>implicits</a:t>
+            </a:r>
+            <a:endParaRPr lang="en-US" sz="2000" i="1" dirty="0"/>
+          </a:p>
+          <a:p>
+            <a:r>
+              <a:rPr lang="en-US" sz="2000" dirty="0"/>
+              <a:t>Extremely utilized by Spark internals</a:t>
+            </a:r>
+          </a:p>
+          <a:p>
+            <a:pPr marL="0" indent="0">
+              <a:buNone/>
+            </a:pPr>
+            <a:r>
+              <a:rPr lang="pl-PL" sz="2000" dirty="0"/>
+              <a:t>	</a:t>
+            </a:r>
+          </a:p>
+          <a:p>
+            <a:pPr marL="0" indent="0">
+              <a:buNone/>
+            </a:pPr>
+            <a:r>
+              <a:rPr lang="pl-PL" sz="2000" dirty="0"/>
+              <a:t>	</a:t>
+            </a:r>
+            <a:r>
+              <a:rPr lang="en-US" sz="2000" dirty="0"/>
+              <a:t>„Spark - The Ultimate Scala Collections” </a:t>
+            </a:r>
+            <a:endParaRPr lang="pl-PL" sz="2000" dirty="0"/>
+          </a:p>
+          <a:p>
+            <a:pPr marL="0" indent="0">
+              <a:buNone/>
+            </a:pPr>
+            <a:r>
+              <a:rPr lang="pl-PL" sz="2000" dirty="0"/>
+              <a:t>						</a:t>
+            </a:r>
+            <a:r>
+              <a:rPr lang="en-US" sz="2000" dirty="0"/>
+              <a:t>Martin </a:t>
+            </a:r>
+            <a:r>
+              <a:rPr lang="en-US" sz="2000" dirty="0" err="1"/>
+              <a:t>Odersky</a:t>
+            </a:r>
+            <a:endParaRPr lang="en-US" sz="2000" dirty="0"/>
+          </a:p>
+          <a:p>
+            <a:endParaRPr lang="en-US" sz="2000" dirty="0"/>
+          </a:p>
+          <a:p>
+            <a:pPr marL="0" indent="0">
+              <a:lnSpc>
+                <a:spcPct val="100000"/>
+              </a:lnSpc>
+              <a:buNone/>
+            </a:pPr>
+            <a:r>
+              <a:rPr lang="en-US" sz="900" dirty="0">
+                <a:solidFill>
+                  <a:schemeClr val="bg2"/>
+                </a:solidFill>
+              </a:rPr>
+              <a:t>SMACK Reference Architecture</a:t>
+            </a:r>
+            <a:r>
+              <a:rPr lang="pl-PL" sz="900" dirty="0">
+                <a:solidFill>
+                  <a:schemeClr val="bg2"/>
+                </a:solidFill>
+              </a:rPr>
+              <a:t>	</a:t>
+            </a:r>
+          </a:p>
+          <a:p>
+            <a:pPr marL="0" indent="0">
+              <a:lnSpc>
+                <a:spcPct val="100000"/>
+              </a:lnSpc>
+              <a:buNone/>
+            </a:pPr>
+            <a:r>
+              <a:rPr lang="pl-PL" sz="900" dirty="0">
+                <a:solidFill>
+                  <a:schemeClr val="bg2"/>
+                </a:solidFill>
+              </a:rPr>
+              <a:t>Apache Spark &amp; Scala</a:t>
+            </a:r>
+          </a:p>
+          <a:p>
+            <a:pPr marL="0" indent="0">
+              <a:buNone/>
+            </a:pPr>
+            <a:endParaRPr lang="en-US" sz="2000" dirty="0"/>
+          </a:p>
+          <a:p>
+            <a:endParaRPr lang="en-US" sz="2000" dirty="0"/>
           </a:p>
           <a:p>
             <a:pPr marL="0" indent="0">
@@ -14268,7 +13935,7 @@
     </p:spTree>
     <p:extLst>
       <p:ext uri="{BB962C8B-B14F-4D97-AF65-F5344CB8AC3E}">
-        <p14:creationId xmlns:p14="http://schemas.microsoft.com/office/powerpoint/2010/main" val="2199849601"/>
+        <p14:creationId xmlns:p14="http://schemas.microsoft.com/office/powerpoint/2010/main" val="4029362264"/>
       </p:ext>
     </p:extLst>
   </p:cSld>
@@ -14317,62 +13984,13 @@
           <a:p>
             <a:r>
               <a:rPr lang="en-US" dirty="0"/>
-              <a:t>Scala: collections</a:t>
-            </a:r>
-          </a:p>
-        </p:txBody>
-      </p:sp>
-      <p:sp>
-        <p:nvSpPr>
-          <p:cNvPr id="3" name="Footer Placeholder 2"/>
-          <p:cNvSpPr>
-            <a:spLocks noGrp="1"/>
-          </p:cNvSpPr>
-          <p:nvPr>
-            <p:ph type="ftr" sz="quarter" idx="16"/>
-          </p:nvPr>
-        </p:nvSpPr>
-        <p:spPr/>
-        <p:txBody>
-          <a:bodyPr/>
-          <a:lstStyle/>
-          <a:p>
-            <a:r>
-              <a:rPr lang="pl-PL" dirty="0"/>
-              <a:t>Krzysztof Stanaszek</a:t>
-            </a:r>
-          </a:p>
-          <a:p>
-            <a:r>
-              <a:rPr lang="pl-PL" dirty="0" err="1"/>
-              <a:t>zJava</a:t>
-            </a:r>
-            <a:r>
-              <a:rPr lang="pl-PL" dirty="0"/>
-              <a:t>, 06.02.2019</a:t>
-            </a:r>
-          </a:p>
-          <a:p>
-            <a:endParaRPr lang="pl-PL" dirty="0"/>
-          </a:p>
-        </p:txBody>
-      </p:sp>
-      <p:sp>
-        <p:nvSpPr>
-          <p:cNvPr id="4" name="Date Placeholder 3"/>
-          <p:cNvSpPr>
-            <a:spLocks noGrp="1"/>
-          </p:cNvSpPr>
-          <p:nvPr>
-            <p:ph type="dt" sz="half" idx="15"/>
-          </p:nvPr>
-        </p:nvSpPr>
-        <p:spPr/>
-        <p:txBody>
-          <a:bodyPr/>
-          <a:lstStyle/>
-          <a:p>
-            <a:endParaRPr lang="pl-PL" dirty="0"/>
+              <a:t>Scala: case class</a:t>
+            </a:r>
+            <a:r>
+              <a:rPr lang="pl-PL" dirty="0"/>
+              <a:t>es</a:t>
+            </a:r>
+            <a:endParaRPr lang="en-US" dirty="0"/>
           </a:p>
         </p:txBody>
       </p:sp>
@@ -14386,7 +14004,7 @@
         </p:nvSpPr>
         <p:spPr>
           <a:xfrm>
-            <a:off x="755650" y="951128"/>
+            <a:off x="755650" y="915566"/>
             <a:ext cx="7632700" cy="3797624"/>
           </a:xfrm>
           <a:prstGeom prst="rect">
@@ -14569,138 +14187,174 @@
           </a:lstStyle>
           <a:p>
             <a:r>
-              <a:rPr lang="en-US" sz="2000" dirty="0"/>
-              <a:t>Plethora of types: immutable and mutable types</a:t>
-            </a:r>
-          </a:p>
-          <a:p>
-            <a:r>
-              <a:rPr lang="en-US" sz="2000" dirty="0"/>
-              <a:t>Wide range of operations making your life easy dealing with any kind of data.</a:t>
-            </a:r>
-          </a:p>
-          <a:p>
-            <a:r>
-              <a:rPr lang="en-US" sz="2000" dirty="0"/>
-              <a:t>Nicely mixes with Spark thanks to </a:t>
-            </a:r>
-            <a:r>
-              <a:rPr lang="en-US" sz="2000" i="1" dirty="0" err="1"/>
-              <a:t>implicits</a:t>
-            </a:r>
-            <a:endParaRPr lang="en-US" sz="2000" i="1" dirty="0"/>
-          </a:p>
-          <a:p>
-            <a:r>
-              <a:rPr lang="en-US" sz="2000" dirty="0"/>
-              <a:t>Extremely utilized by Spark internals</a:t>
-            </a:r>
+              <a:rPr lang="en-GB" sz="2000" dirty="0"/>
+              <a:t>Immutable by default</a:t>
+            </a:r>
+          </a:p>
+          <a:p>
+            <a:r>
+              <a:rPr lang="en-GB" sz="2000" dirty="0"/>
+              <a:t>Companion object and factory methods out of the box</a:t>
+            </a:r>
+          </a:p>
+          <a:p>
+            <a:r>
+              <a:rPr lang="en-GB" sz="2000" dirty="0"/>
+              <a:t>Implicitly equip the class with meaningful </a:t>
+            </a:r>
+            <a:r>
+              <a:rPr lang="en-GB" sz="2000" i="1" dirty="0" err="1"/>
+              <a:t>toString</a:t>
+            </a:r>
+            <a:r>
+              <a:rPr lang="en-GB" sz="2000" dirty="0"/>
+              <a:t>, </a:t>
+            </a:r>
+            <a:r>
+              <a:rPr lang="en-GB" sz="2000" i="1" dirty="0"/>
+              <a:t>equals</a:t>
+            </a:r>
+            <a:r>
+              <a:rPr lang="en-GB" sz="2000" dirty="0"/>
+              <a:t> and </a:t>
+            </a:r>
+            <a:r>
+              <a:rPr lang="en-GB" sz="2000" i="1" dirty="0" err="1"/>
+              <a:t>hashCode</a:t>
+            </a:r>
+            <a:endParaRPr lang="en-GB" sz="2000" i="1" dirty="0"/>
+          </a:p>
+          <a:p>
+            <a:r>
+              <a:rPr lang="en-GB" sz="2000" dirty="0"/>
+              <a:t>Ability to be deconstructed with pattern matching.</a:t>
+            </a:r>
+          </a:p>
+          <a:p>
+            <a:r>
+              <a:rPr lang="en-GB" sz="2000" dirty="0"/>
+              <a:t>Perfect for structural data types</a:t>
+            </a:r>
+          </a:p>
+          <a:p>
+            <a:r>
+              <a:rPr lang="en-GB" sz="2000" dirty="0"/>
+              <a:t>Nicely integrates with Spark Dataset</a:t>
+            </a:r>
+          </a:p>
+          <a:p>
+            <a:endParaRPr lang="en-GB" sz="2000" dirty="0"/>
+          </a:p>
+          <a:p>
+            <a:endParaRPr lang="en-GB" sz="2000" dirty="0"/>
           </a:p>
           <a:p>
             <a:pPr marL="0" indent="0">
               <a:buNone/>
             </a:pPr>
-            <a:r>
-              <a:rPr lang="pl-PL" sz="2000" dirty="0"/>
-              <a:t>	</a:t>
-            </a:r>
+            <a:endParaRPr lang="en-GB" sz="2000" dirty="0"/>
           </a:p>
           <a:p>
             <a:pPr marL="0" indent="0">
               <a:buNone/>
             </a:pPr>
-            <a:r>
-              <a:rPr lang="pl-PL" sz="2000" dirty="0"/>
-              <a:t>	</a:t>
-            </a:r>
-            <a:r>
-              <a:rPr lang="en-US" sz="2000" dirty="0"/>
-              <a:t>„Spark - The Ultimate Scala Collections” </a:t>
-            </a:r>
-            <a:endParaRPr lang="pl-PL" sz="2000" dirty="0"/>
-          </a:p>
-          <a:p>
-            <a:pPr marL="0" indent="0">
-              <a:buNone/>
-            </a:pPr>
-            <a:r>
-              <a:rPr lang="pl-PL" sz="2000" dirty="0"/>
-              <a:t>						</a:t>
-            </a:r>
-            <a:r>
-              <a:rPr lang="en-US" sz="2000" dirty="0"/>
-              <a:t>Martin </a:t>
-            </a:r>
-            <a:r>
-              <a:rPr lang="en-US" sz="2000" dirty="0" err="1"/>
-              <a:t>Odersky</a:t>
-            </a:r>
-            <a:endParaRPr lang="en-US" sz="2000" dirty="0"/>
-          </a:p>
-          <a:p>
-            <a:endParaRPr lang="en-US" sz="2000" dirty="0"/>
-          </a:p>
-          <a:p>
-            <a:pPr marL="0" indent="0">
-              <a:lnSpc>
-                <a:spcPct val="100000"/>
-              </a:lnSpc>
-              <a:buNone/>
-            </a:pPr>
-            <a:r>
-              <a:rPr lang="en-US" sz="900" dirty="0">
-                <a:solidFill>
-                  <a:schemeClr val="bg2"/>
-                </a:solidFill>
-              </a:rPr>
+            <a:endParaRPr lang="en-GB" sz="2000" dirty="0"/>
+          </a:p>
+        </p:txBody>
+      </p:sp>
+      <p:sp>
+        <p:nvSpPr>
+          <p:cNvPr id="7" name="Date Placeholder 3">
+            <a:extLst>
+              <a:ext uri="{FF2B5EF4-FFF2-40B4-BE49-F238E27FC236}">
+                <a16:creationId xmlns:a16="http://schemas.microsoft.com/office/drawing/2014/main" id="{46F1665E-1B6C-4E09-8D29-00E49FF55FAE}"/>
+              </a:ext>
+            </a:extLst>
+          </p:cNvPr>
+          <p:cNvSpPr>
+            <a:spLocks noGrp="1"/>
+          </p:cNvSpPr>
+          <p:nvPr>
+            <p:ph type="dt" sz="half" idx="15"/>
+          </p:nvPr>
+        </p:nvSpPr>
+        <p:spPr>
+          <a:xfrm>
+            <a:off x="764322" y="4748752"/>
+            <a:ext cx="5535870" cy="394748"/>
+          </a:xfrm>
+        </p:spPr>
+        <p:txBody>
+          <a:bodyPr/>
+          <a:lstStyle/>
+          <a:p>
+            <a:r>
+              <a:rPr lang="en-US" dirty="0"/>
               <a:t>SMACK Reference Architecture</a:t>
             </a:r>
-            <a:r>
-              <a:rPr lang="pl-PL" sz="900" dirty="0">
-                <a:solidFill>
-                  <a:schemeClr val="bg2"/>
-                </a:solidFill>
-              </a:rPr>
-              <a:t>	</a:t>
-            </a:r>
-          </a:p>
-          <a:p>
-            <a:pPr marL="0" indent="0">
-              <a:lnSpc>
-                <a:spcPct val="100000"/>
-              </a:lnSpc>
-              <a:buNone/>
-            </a:pPr>
-            <a:r>
-              <a:rPr lang="pl-PL" sz="900" dirty="0">
-                <a:solidFill>
-                  <a:schemeClr val="bg2"/>
-                </a:solidFill>
-              </a:rPr>
+            <a:endParaRPr lang="pl-PL" dirty="0"/>
+          </a:p>
+          <a:p>
+            <a:r>
+              <a:rPr lang="pl-PL" dirty="0"/>
               <a:t>Apache Spark &amp; Scala</a:t>
             </a:r>
           </a:p>
           <a:p>
-            <a:pPr marL="0" indent="0">
-              <a:buNone/>
-            </a:pPr>
-            <a:endParaRPr lang="en-US" sz="2000" dirty="0"/>
-          </a:p>
-          <a:p>
-            <a:endParaRPr lang="en-US" sz="2000" dirty="0"/>
-          </a:p>
-          <a:p>
-            <a:pPr marL="0" indent="0">
-              <a:buNone/>
-            </a:pPr>
-            <a:endParaRPr lang="en-US" sz="2000" dirty="0"/>
+            <a:endParaRPr lang="pl-PL" dirty="0"/>
+          </a:p>
+        </p:txBody>
+      </p:sp>
+      <p:sp>
+        <p:nvSpPr>
+          <p:cNvPr id="8" name="Footer Placeholder 2">
+            <a:extLst>
+              <a:ext uri="{FF2B5EF4-FFF2-40B4-BE49-F238E27FC236}">
+                <a16:creationId xmlns:a16="http://schemas.microsoft.com/office/drawing/2014/main" id="{11CAE852-93CB-4B8F-966A-CF1580746440}"/>
+              </a:ext>
+            </a:extLst>
+          </p:cNvPr>
+          <p:cNvSpPr>
+            <a:spLocks noGrp="1"/>
+          </p:cNvSpPr>
+          <p:nvPr>
+            <p:ph type="ftr" sz="quarter" idx="16"/>
+          </p:nvPr>
+        </p:nvSpPr>
+        <p:spPr>
+          <a:xfrm>
+            <a:off x="6588224" y="4731544"/>
+            <a:ext cx="1800126" cy="411956"/>
+          </a:xfrm>
+        </p:spPr>
+        <p:txBody>
+          <a:bodyPr/>
+          <a:lstStyle/>
+          <a:p>
+            <a:r>
+              <a:rPr lang="pl-PL" dirty="0"/>
+              <a:t>Krzysztof Stanaszek</a:t>
+            </a:r>
+          </a:p>
+          <a:p>
+            <a:r>
+              <a:rPr lang="pl-PL" dirty="0" err="1"/>
+              <a:t>zJava</a:t>
+            </a:r>
+            <a:r>
+              <a:rPr lang="pl-PL" dirty="0"/>
+              <a:t>, 06.02.2019</a:t>
+            </a:r>
+          </a:p>
+          <a:p>
+            <a:endParaRPr lang="pl-PL" dirty="0"/>
           </a:p>
         </p:txBody>
       </p:sp>
     </p:spTree>
     <p:extLst>
       <p:ext uri="{BB962C8B-B14F-4D97-AF65-F5344CB8AC3E}">
-        <p14:creationId xmlns:p14="http://schemas.microsoft.com/office/powerpoint/2010/main" val="4029362264"/>
+        <p14:creationId xmlns:p14="http://schemas.microsoft.com/office/powerpoint/2010/main" val="4240594428"/>
       </p:ext>
     </p:extLst>
   </p:cSld>
@@ -14711,6 +14365,376 @@
 </file>
 
 <file path=ppt/slides/slide22.xml><?xml version="1.0" encoding="utf-8"?>
+<p:sld xmlns:a="http://schemas.openxmlformats.org/drawingml/2006/main" xmlns:r="http://schemas.openxmlformats.org/officeDocument/2006/relationships" xmlns:p="http://schemas.openxmlformats.org/presentationml/2006/main">
+  <p:cSld>
+    <p:spTree>
+      <p:nvGrpSpPr>
+        <p:cNvPr id="1" name=""/>
+        <p:cNvGrpSpPr/>
+        <p:nvPr/>
+      </p:nvGrpSpPr>
+      <p:grpSpPr>
+        <a:xfrm>
+          <a:off x="0" y="0"/>
+          <a:ext cx="0" cy="0"/>
+          <a:chOff x="0" y="0"/>
+          <a:chExt cx="0" cy="0"/>
+        </a:xfrm>
+      </p:grpSpPr>
+      <p:sp>
+        <p:nvSpPr>
+          <p:cNvPr id="2" name="Title 1"/>
+          <p:cNvSpPr>
+            <a:spLocks noGrp="1"/>
+          </p:cNvSpPr>
+          <p:nvPr>
+            <p:ph type="title"/>
+          </p:nvPr>
+        </p:nvSpPr>
+        <p:spPr>
+          <a:xfrm>
+            <a:off x="755650" y="413693"/>
+            <a:ext cx="7632700" cy="357857"/>
+          </a:xfrm>
+        </p:spPr>
+        <p:txBody>
+          <a:bodyPr/>
+          <a:lstStyle/>
+          <a:p>
+            <a:r>
+              <a:rPr lang="en-US" dirty="0"/>
+              <a:t>Scala: </a:t>
+            </a:r>
+            <a:r>
+              <a:rPr lang="pl-PL" dirty="0"/>
+              <a:t>p</a:t>
+            </a:r>
+            <a:r>
+              <a:rPr lang="en-US" dirty="0" err="1"/>
+              <a:t>attern</a:t>
+            </a:r>
+            <a:r>
+              <a:rPr lang="en-US" dirty="0"/>
+              <a:t> matching</a:t>
+            </a:r>
+          </a:p>
+        </p:txBody>
+      </p:sp>
+      <p:sp>
+        <p:nvSpPr>
+          <p:cNvPr id="3" name="Footer Placeholder 2"/>
+          <p:cNvSpPr>
+            <a:spLocks noGrp="1"/>
+          </p:cNvSpPr>
+          <p:nvPr>
+            <p:ph type="ftr" sz="quarter" idx="16"/>
+          </p:nvPr>
+        </p:nvSpPr>
+        <p:spPr/>
+        <p:txBody>
+          <a:bodyPr/>
+          <a:lstStyle/>
+          <a:p>
+            <a:r>
+              <a:rPr lang="pl-PL" dirty="0"/>
+              <a:t>Krzysztof Stanaszek</a:t>
+            </a:r>
+          </a:p>
+          <a:p>
+            <a:r>
+              <a:rPr lang="pl-PL" dirty="0" err="1"/>
+              <a:t>zJava</a:t>
+            </a:r>
+            <a:r>
+              <a:rPr lang="pl-PL" dirty="0"/>
+              <a:t>, 06.02.2019</a:t>
+            </a:r>
+          </a:p>
+          <a:p>
+            <a:endParaRPr lang="pl-PL" dirty="0"/>
+          </a:p>
+        </p:txBody>
+      </p:sp>
+      <p:sp>
+        <p:nvSpPr>
+          <p:cNvPr id="4" name="Date Placeholder 3"/>
+          <p:cNvSpPr>
+            <a:spLocks noGrp="1"/>
+          </p:cNvSpPr>
+          <p:nvPr>
+            <p:ph type="dt" sz="half" idx="15"/>
+          </p:nvPr>
+        </p:nvSpPr>
+        <p:spPr/>
+        <p:txBody>
+          <a:bodyPr/>
+          <a:lstStyle/>
+          <a:p>
+            <a:r>
+              <a:rPr lang="en-US" dirty="0"/>
+              <a:t>SMACK Reference Architecture</a:t>
+            </a:r>
+            <a:endParaRPr lang="pl-PL" dirty="0"/>
+          </a:p>
+          <a:p>
+            <a:r>
+              <a:rPr lang="pl-PL" dirty="0"/>
+              <a:t>Apache Spark &amp; Scala</a:t>
+            </a:r>
+          </a:p>
+          <a:p>
+            <a:endParaRPr lang="pl-PL" dirty="0"/>
+          </a:p>
+        </p:txBody>
+      </p:sp>
+      <p:sp>
+        <p:nvSpPr>
+          <p:cNvPr id="6" name="Text Placeholder 4"/>
+          <p:cNvSpPr txBox="1">
+            <a:spLocks/>
+          </p:cNvSpPr>
+          <p:nvPr/>
+        </p:nvSpPr>
+        <p:spPr>
+          <a:xfrm>
+            <a:off x="755650" y="915566"/>
+            <a:ext cx="7632700" cy="3797624"/>
+          </a:xfrm>
+          <a:prstGeom prst="rect">
+            <a:avLst/>
+          </a:prstGeom>
+        </p:spPr>
+        <p:txBody>
+          <a:bodyPr vert="horz" lIns="0" tIns="0" rIns="0" bIns="0" anchor="t"/>
+          <a:lstStyle>
+            <a:lvl1pPr marL="165100" indent="-165100" algn="l" defTabSz="914400" rtl="0" eaLnBrk="1" latinLnBrk="0" hangingPunct="1">
+              <a:lnSpc>
+                <a:spcPct val="140000"/>
+              </a:lnSpc>
+              <a:spcBef>
+                <a:spcPts val="0"/>
+              </a:spcBef>
+              <a:buClr>
+                <a:schemeClr val="accent1"/>
+              </a:buClr>
+              <a:buSzPct val="75000"/>
+              <a:buFont typeface="Wingdings" charset="2"/>
+              <a:buChar char="§"/>
+              <a:defRPr sz="1300" kern="1200">
+                <a:solidFill>
+                  <a:schemeClr val="tx1"/>
+                </a:solidFill>
+                <a:latin typeface="+mn-lt"/>
+                <a:ea typeface="+mn-ea"/>
+                <a:cs typeface="+mn-cs"/>
+              </a:defRPr>
+            </a:lvl1pPr>
+            <a:lvl2pPr marL="330200" indent="-165100" algn="l" defTabSz="914400" rtl="0" eaLnBrk="1" latinLnBrk="0" hangingPunct="1">
+              <a:lnSpc>
+                <a:spcPct val="140000"/>
+              </a:lnSpc>
+              <a:spcBef>
+                <a:spcPts val="0"/>
+              </a:spcBef>
+              <a:buClr>
+                <a:schemeClr val="bg2"/>
+              </a:buClr>
+              <a:buSzPct val="75000"/>
+              <a:buFont typeface="Wingdings" charset="2"/>
+              <a:buChar char="§"/>
+              <a:defRPr sz="1300" kern="1200">
+                <a:solidFill>
+                  <a:schemeClr val="tx1"/>
+                </a:solidFill>
+                <a:latin typeface="+mn-lt"/>
+                <a:ea typeface="+mn-ea"/>
+                <a:cs typeface="+mn-cs"/>
+              </a:defRPr>
+            </a:lvl2pPr>
+            <a:lvl3pPr marL="495300" indent="-165100" algn="l" defTabSz="914400" rtl="0" eaLnBrk="1" latinLnBrk="0" hangingPunct="1">
+              <a:lnSpc>
+                <a:spcPct val="140000"/>
+              </a:lnSpc>
+              <a:spcBef>
+                <a:spcPts val="0"/>
+              </a:spcBef>
+              <a:buClr>
+                <a:schemeClr val="bg2"/>
+              </a:buClr>
+              <a:buSzPct val="75000"/>
+              <a:buFont typeface="Wingdings" charset="2"/>
+              <a:buChar char="§"/>
+              <a:defRPr sz="1300" kern="1200">
+                <a:solidFill>
+                  <a:schemeClr val="tx1"/>
+                </a:solidFill>
+                <a:latin typeface="+mn-lt"/>
+                <a:ea typeface="+mn-ea"/>
+                <a:cs typeface="+mn-cs"/>
+              </a:defRPr>
+            </a:lvl3pPr>
+            <a:lvl4pPr marL="660400" indent="-165100" algn="l" defTabSz="914400" rtl="0" eaLnBrk="1" latinLnBrk="0" hangingPunct="1">
+              <a:lnSpc>
+                <a:spcPct val="140000"/>
+              </a:lnSpc>
+              <a:spcBef>
+                <a:spcPts val="0"/>
+              </a:spcBef>
+              <a:buClr>
+                <a:schemeClr val="bg2"/>
+              </a:buClr>
+              <a:buSzPct val="75000"/>
+              <a:buFont typeface="Wingdings" charset="2"/>
+              <a:buChar char="§"/>
+              <a:defRPr sz="1300" kern="1200">
+                <a:solidFill>
+                  <a:schemeClr val="tx1"/>
+                </a:solidFill>
+                <a:latin typeface="+mn-lt"/>
+                <a:ea typeface="+mn-ea"/>
+                <a:cs typeface="+mn-cs"/>
+              </a:defRPr>
+            </a:lvl4pPr>
+            <a:lvl5pPr marL="825500" indent="-165100" algn="l" defTabSz="914400" rtl="0" eaLnBrk="1" latinLnBrk="0" hangingPunct="1">
+              <a:lnSpc>
+                <a:spcPct val="140000"/>
+              </a:lnSpc>
+              <a:spcBef>
+                <a:spcPts val="0"/>
+              </a:spcBef>
+              <a:buClr>
+                <a:schemeClr val="bg2"/>
+              </a:buClr>
+              <a:buSzPct val="75000"/>
+              <a:buFont typeface="Wingdings" charset="2"/>
+              <a:buChar char="§"/>
+              <a:defRPr sz="1300" kern="1200">
+                <a:solidFill>
+                  <a:schemeClr val="tx1"/>
+                </a:solidFill>
+                <a:latin typeface="+mn-lt"/>
+                <a:ea typeface="+mn-ea"/>
+                <a:cs typeface="+mn-cs"/>
+              </a:defRPr>
+            </a:lvl5pPr>
+            <a:lvl6pPr marL="2514600" indent="-228600" algn="l" defTabSz="914400" rtl="0" eaLnBrk="1" latinLnBrk="0" hangingPunct="1">
+              <a:spcBef>
+                <a:spcPct val="20000"/>
+              </a:spcBef>
+              <a:buFont typeface="Arial" pitchFamily="34" charset="0"/>
+              <a:buChar char="•"/>
+              <a:defRPr sz="2000" kern="1200">
+                <a:solidFill>
+                  <a:schemeClr val="tx1"/>
+                </a:solidFill>
+                <a:latin typeface="+mn-lt"/>
+                <a:ea typeface="+mn-ea"/>
+                <a:cs typeface="+mn-cs"/>
+              </a:defRPr>
+            </a:lvl6pPr>
+            <a:lvl7pPr marL="2971800" indent="-228600" algn="l" defTabSz="914400" rtl="0" eaLnBrk="1" latinLnBrk="0" hangingPunct="1">
+              <a:spcBef>
+                <a:spcPct val="20000"/>
+              </a:spcBef>
+              <a:buFont typeface="Arial" pitchFamily="34" charset="0"/>
+              <a:buChar char="•"/>
+              <a:defRPr sz="2000" kern="1200">
+                <a:solidFill>
+                  <a:schemeClr val="tx1"/>
+                </a:solidFill>
+                <a:latin typeface="+mn-lt"/>
+                <a:ea typeface="+mn-ea"/>
+                <a:cs typeface="+mn-cs"/>
+              </a:defRPr>
+            </a:lvl7pPr>
+            <a:lvl8pPr marL="3429000" indent="-228600" algn="l" defTabSz="914400" rtl="0" eaLnBrk="1" latinLnBrk="0" hangingPunct="1">
+              <a:spcBef>
+                <a:spcPct val="20000"/>
+              </a:spcBef>
+              <a:buFont typeface="Arial" pitchFamily="34" charset="0"/>
+              <a:buChar char="•"/>
+              <a:defRPr sz="2000" kern="1200">
+                <a:solidFill>
+                  <a:schemeClr val="tx1"/>
+                </a:solidFill>
+                <a:latin typeface="+mn-lt"/>
+                <a:ea typeface="+mn-ea"/>
+                <a:cs typeface="+mn-cs"/>
+              </a:defRPr>
+            </a:lvl8pPr>
+            <a:lvl9pPr marL="3886200" indent="-228600" algn="l" defTabSz="914400" rtl="0" eaLnBrk="1" latinLnBrk="0" hangingPunct="1">
+              <a:spcBef>
+                <a:spcPct val="20000"/>
+              </a:spcBef>
+              <a:buFont typeface="Arial" pitchFamily="34" charset="0"/>
+              <a:buChar char="•"/>
+              <a:defRPr sz="2000" kern="1200">
+                <a:solidFill>
+                  <a:schemeClr val="tx1"/>
+                </a:solidFill>
+                <a:latin typeface="+mn-lt"/>
+                <a:ea typeface="+mn-ea"/>
+                <a:cs typeface="+mn-cs"/>
+              </a:defRPr>
+            </a:lvl9pPr>
+          </a:lstStyle>
+          <a:p>
+            <a:r>
+              <a:rPr lang="en-US" sz="2000" dirty="0"/>
+              <a:t>„switch” on steroids</a:t>
+            </a:r>
+          </a:p>
+          <a:p>
+            <a:r>
+              <a:rPr lang="en-US" sz="2000" dirty="0"/>
+              <a:t>Match against class hierarchies, sequences, and case classes</a:t>
+            </a:r>
+            <a:r>
+              <a:rPr lang="pl-PL" sz="2000" dirty="0"/>
+              <a:t> …</a:t>
+            </a:r>
+          </a:p>
+          <a:p>
+            <a:r>
+              <a:rPr lang="en-GB" sz="2000" dirty="0"/>
+              <a:t>Patterns everywhere</a:t>
+            </a:r>
+            <a:endParaRPr lang="en-US" sz="2000" dirty="0"/>
+          </a:p>
+          <a:p>
+            <a:r>
+              <a:rPr lang="en-US" sz="2000" dirty="0"/>
+              <a:t>Very powerful in Spark transformations</a:t>
+            </a:r>
+          </a:p>
+          <a:p>
+            <a:pPr marL="0" indent="0">
+              <a:buNone/>
+            </a:pPr>
+            <a:endParaRPr lang="en-US" sz="2000" dirty="0"/>
+          </a:p>
+          <a:p>
+            <a:pPr marL="0" indent="0">
+              <a:buNone/>
+            </a:pPr>
+            <a:endParaRPr lang="en-US" sz="2000" dirty="0"/>
+          </a:p>
+        </p:txBody>
+      </p:sp>
+    </p:spTree>
+    <p:extLst>
+      <p:ext uri="{BB962C8B-B14F-4D97-AF65-F5344CB8AC3E}">
+        <p14:creationId xmlns:p14="http://schemas.microsoft.com/office/powerpoint/2010/main" val="3173888047"/>
+      </p:ext>
+    </p:extLst>
+  </p:cSld>
+  <p:clrMapOvr>
+    <a:masterClrMapping/>
+  </p:clrMapOvr>
+</p:sld>
+</file>
+
+<file path=ppt/slides/slide23.xml><?xml version="1.0" encoding="utf-8"?>
 <p:sld xmlns:a="http://schemas.openxmlformats.org/drawingml/2006/main" xmlns:r="http://schemas.openxmlformats.org/officeDocument/2006/relationships" xmlns:p="http://schemas.openxmlformats.org/presentationml/2006/main">
   <p:cSld>
     <p:spTree>
@@ -14895,392 +14919,6 @@
     <p:extLst>
       <p:ext uri="{BB962C8B-B14F-4D97-AF65-F5344CB8AC3E}">
         <p14:creationId xmlns:p14="http://schemas.microsoft.com/office/powerpoint/2010/main" val="3060674865"/>
-      </p:ext>
-    </p:extLst>
-  </p:cSld>
-  <p:clrMapOvr>
-    <a:masterClrMapping/>
-  </p:clrMapOvr>
-</p:sld>
-</file>
-
-<file path=ppt/slides/slide23.xml><?xml version="1.0" encoding="utf-8"?>
-<p:sld xmlns:a="http://schemas.openxmlformats.org/drawingml/2006/main" xmlns:r="http://schemas.openxmlformats.org/officeDocument/2006/relationships" xmlns:p="http://schemas.openxmlformats.org/presentationml/2006/main">
-  <p:cSld>
-    <p:spTree>
-      <p:nvGrpSpPr>
-        <p:cNvPr id="1" name=""/>
-        <p:cNvGrpSpPr/>
-        <p:nvPr/>
-      </p:nvGrpSpPr>
-      <p:grpSpPr>
-        <a:xfrm>
-          <a:off x="0" y="0"/>
-          <a:ext cx="0" cy="0"/>
-          <a:chOff x="0" y="0"/>
-          <a:chExt cx="0" cy="0"/>
-        </a:xfrm>
-      </p:grpSpPr>
-      <p:sp>
-        <p:nvSpPr>
-          <p:cNvPr id="3" name="Footer Placeholder 2"/>
-          <p:cNvSpPr>
-            <a:spLocks noGrp="1"/>
-          </p:cNvSpPr>
-          <p:nvPr>
-            <p:ph type="ftr" sz="quarter" idx="16"/>
-          </p:nvPr>
-        </p:nvSpPr>
-        <p:spPr/>
-        <p:txBody>
-          <a:bodyPr/>
-          <a:lstStyle/>
-          <a:p>
-            <a:endParaRPr lang="pl-PL" dirty="0"/>
-          </a:p>
-        </p:txBody>
-      </p:sp>
-      <p:sp>
-        <p:nvSpPr>
-          <p:cNvPr id="4" name="Date Placeholder 3"/>
-          <p:cNvSpPr>
-            <a:spLocks noGrp="1"/>
-          </p:cNvSpPr>
-          <p:nvPr>
-            <p:ph type="dt" sz="half" idx="15"/>
-          </p:nvPr>
-        </p:nvSpPr>
-        <p:spPr/>
-        <p:txBody>
-          <a:bodyPr/>
-          <a:lstStyle/>
-          <a:p>
-            <a:endParaRPr lang="pl-PL" dirty="0"/>
-          </a:p>
-        </p:txBody>
-      </p:sp>
-      <p:sp>
-        <p:nvSpPr>
-          <p:cNvPr id="9" name="Title 1">
-            <a:extLst>
-              <a:ext uri="{FF2B5EF4-FFF2-40B4-BE49-F238E27FC236}">
-                <a16:creationId xmlns:a16="http://schemas.microsoft.com/office/drawing/2014/main" id="{82B65652-5EB9-4867-9E15-64C595EA21D0}"/>
-              </a:ext>
-            </a:extLst>
-          </p:cNvPr>
-          <p:cNvSpPr>
-            <a:spLocks noGrp="1"/>
-          </p:cNvSpPr>
-          <p:nvPr>
-            <p:ph type="title"/>
-          </p:nvPr>
-        </p:nvSpPr>
-        <p:spPr>
-          <a:xfrm>
-            <a:off x="3707904" y="2213893"/>
-            <a:ext cx="1800200" cy="357857"/>
-          </a:xfrm>
-        </p:spPr>
-        <p:txBody>
-          <a:bodyPr/>
-          <a:lstStyle/>
-          <a:p>
-            <a:r>
-              <a:rPr lang="pl-PL" dirty="0"/>
-              <a:t>Demo </a:t>
-            </a:r>
-            <a:r>
-              <a:rPr lang="pl-PL" dirty="0" err="1"/>
-              <a:t>time</a:t>
-            </a:r>
-            <a:r>
-              <a:rPr lang="pl-PL" dirty="0"/>
-              <a:t>!</a:t>
-            </a:r>
-            <a:endParaRPr lang="en-US" dirty="0"/>
-          </a:p>
-        </p:txBody>
-      </p:sp>
-    </p:spTree>
-    <p:extLst>
-      <p:ext uri="{BB962C8B-B14F-4D97-AF65-F5344CB8AC3E}">
-        <p14:creationId xmlns:p14="http://schemas.microsoft.com/office/powerpoint/2010/main" val="1604163597"/>
-      </p:ext>
-    </p:extLst>
-  </p:cSld>
-  <p:clrMapOvr>
-    <a:masterClrMapping/>
-  </p:clrMapOvr>
-</p:sld>
-</file>
-
-<file path=ppt/slides/slide24.xml><?xml version="1.0" encoding="utf-8"?>
-<p:sld xmlns:a="http://schemas.openxmlformats.org/drawingml/2006/main" xmlns:r="http://schemas.openxmlformats.org/officeDocument/2006/relationships" xmlns:p="http://schemas.openxmlformats.org/presentationml/2006/main">
-  <p:cSld>
-    <p:spTree>
-      <p:nvGrpSpPr>
-        <p:cNvPr id="1" name=""/>
-        <p:cNvGrpSpPr/>
-        <p:nvPr/>
-      </p:nvGrpSpPr>
-      <p:grpSpPr>
-        <a:xfrm>
-          <a:off x="0" y="0"/>
-          <a:ext cx="0" cy="0"/>
-          <a:chOff x="0" y="0"/>
-          <a:chExt cx="0" cy="0"/>
-        </a:xfrm>
-      </p:grpSpPr>
-      <p:sp>
-        <p:nvSpPr>
-          <p:cNvPr id="2" name="Title 1"/>
-          <p:cNvSpPr>
-            <a:spLocks noGrp="1"/>
-          </p:cNvSpPr>
-          <p:nvPr>
-            <p:ph type="title"/>
-          </p:nvPr>
-        </p:nvSpPr>
-        <p:spPr>
-          <a:xfrm>
-            <a:off x="755650" y="413693"/>
-            <a:ext cx="7632700" cy="357857"/>
-          </a:xfrm>
-        </p:spPr>
-        <p:txBody>
-          <a:bodyPr/>
-          <a:lstStyle/>
-          <a:p>
-            <a:r>
-              <a:rPr lang="en-US" dirty="0"/>
-              <a:t>Instead of summary	</a:t>
-            </a:r>
-          </a:p>
-        </p:txBody>
-      </p:sp>
-      <p:sp>
-        <p:nvSpPr>
-          <p:cNvPr id="3" name="Footer Placeholder 2"/>
-          <p:cNvSpPr>
-            <a:spLocks noGrp="1"/>
-          </p:cNvSpPr>
-          <p:nvPr>
-            <p:ph type="ftr" sz="quarter" idx="16"/>
-          </p:nvPr>
-        </p:nvSpPr>
-        <p:spPr/>
-        <p:txBody>
-          <a:bodyPr/>
-          <a:lstStyle/>
-          <a:p>
-            <a:r>
-              <a:rPr lang="pl-PL" dirty="0"/>
-              <a:t>Krzysztof Stanaszek</a:t>
-            </a:r>
-          </a:p>
-          <a:p>
-            <a:r>
-              <a:rPr lang="pl-PL" dirty="0" err="1"/>
-              <a:t>zJava</a:t>
-            </a:r>
-            <a:r>
-              <a:rPr lang="pl-PL" dirty="0"/>
-              <a:t>, 06.02.2019</a:t>
-            </a:r>
-          </a:p>
-          <a:p>
-            <a:endParaRPr lang="pl-PL" dirty="0"/>
-          </a:p>
-        </p:txBody>
-      </p:sp>
-      <p:sp>
-        <p:nvSpPr>
-          <p:cNvPr id="4" name="Date Placeholder 3"/>
-          <p:cNvSpPr>
-            <a:spLocks noGrp="1"/>
-          </p:cNvSpPr>
-          <p:nvPr>
-            <p:ph type="dt" sz="half" idx="15"/>
-          </p:nvPr>
-        </p:nvSpPr>
-        <p:spPr/>
-        <p:txBody>
-          <a:bodyPr/>
-          <a:lstStyle/>
-          <a:p>
-            <a:r>
-              <a:rPr lang="en-US" dirty="0"/>
-              <a:t>SMACK Reference Architecture</a:t>
-            </a:r>
-            <a:endParaRPr lang="pl-PL" dirty="0"/>
-          </a:p>
-          <a:p>
-            <a:r>
-              <a:rPr lang="pl-PL" dirty="0"/>
-              <a:t>Apache Spark &amp; Scala</a:t>
-            </a:r>
-          </a:p>
-          <a:p>
-            <a:endParaRPr lang="pl-PL" dirty="0"/>
-          </a:p>
-        </p:txBody>
-      </p:sp>
-      <p:sp>
-        <p:nvSpPr>
-          <p:cNvPr id="7" name="TextBox 6"/>
-          <p:cNvSpPr txBox="1"/>
-          <p:nvPr/>
-        </p:nvSpPr>
-        <p:spPr>
-          <a:xfrm>
-            <a:off x="8891051" y="1198880"/>
-            <a:ext cx="914400" cy="914400"/>
-          </a:xfrm>
-          <a:prstGeom prst="rect">
-            <a:avLst/>
-          </a:prstGeom>
-          <a:noFill/>
-        </p:spPr>
-        <p:txBody>
-          <a:bodyPr wrap="none" lIns="0" tIns="0" rIns="0" bIns="0" rtlCol="0">
-            <a:noAutofit/>
-          </a:bodyPr>
-          <a:lstStyle/>
-          <a:p>
-            <a:pPr>
-              <a:lnSpc>
-                <a:spcPct val="140000"/>
-              </a:lnSpc>
-            </a:pPr>
-            <a:endParaRPr lang="en-US" dirty="0" err="1">
-              <a:solidFill>
-                <a:schemeClr val="tx1"/>
-              </a:solidFill>
-            </a:endParaRPr>
-          </a:p>
-        </p:txBody>
-      </p:sp>
-      <p:sp>
-        <p:nvSpPr>
-          <p:cNvPr id="5" name="Rectangle 4">
-            <a:hlinkClick r:id="rId3"/>
-            <a:extLst>
-              <a:ext uri="{FF2B5EF4-FFF2-40B4-BE49-F238E27FC236}">
-                <a16:creationId xmlns:a16="http://schemas.microsoft.com/office/drawing/2014/main" id="{E2235CDF-EF62-486E-8EBB-310A2294A914}"/>
-              </a:ext>
-            </a:extLst>
-          </p:cNvPr>
-          <p:cNvSpPr/>
-          <p:nvPr/>
-        </p:nvSpPr>
-        <p:spPr>
-          <a:xfrm>
-            <a:off x="4543669" y="2988032"/>
-            <a:ext cx="2907924" cy="338554"/>
-          </a:xfrm>
-          <a:prstGeom prst="rect">
-            <a:avLst/>
-          </a:prstGeom>
-        </p:spPr>
-        <p:txBody>
-          <a:bodyPr wrap="square">
-            <a:spAutoFit/>
-          </a:bodyPr>
-          <a:lstStyle/>
-          <a:p>
-            <a:pPr algn="r"/>
-            <a:r>
-              <a:rPr lang="pl-PL" sz="1600" dirty="0"/>
-              <a:t>Martin </a:t>
-            </a:r>
-            <a:r>
-              <a:rPr lang="pl-PL" sz="1600" dirty="0" err="1"/>
-              <a:t>Odersky</a:t>
-            </a:r>
-            <a:endParaRPr lang="pl-PL" sz="1600" dirty="0"/>
-          </a:p>
-        </p:txBody>
-      </p:sp>
-      <p:sp>
-        <p:nvSpPr>
-          <p:cNvPr id="6" name="Rectangle 5">
-            <a:extLst>
-              <a:ext uri="{FF2B5EF4-FFF2-40B4-BE49-F238E27FC236}">
-                <a16:creationId xmlns:a16="http://schemas.microsoft.com/office/drawing/2014/main" id="{596307F1-AB44-4D02-9B91-44D2BB2A9CF5}"/>
-              </a:ext>
-            </a:extLst>
-          </p:cNvPr>
-          <p:cNvSpPr/>
-          <p:nvPr/>
-        </p:nvSpPr>
-        <p:spPr>
-          <a:xfrm>
-            <a:off x="1403648" y="974837"/>
-            <a:ext cx="6336704" cy="1754326"/>
-          </a:xfrm>
-          <a:prstGeom prst="rect">
-            <a:avLst/>
-          </a:prstGeom>
-        </p:spPr>
-        <p:txBody>
-          <a:bodyPr wrap="square">
-            <a:spAutoFit/>
-          </a:bodyPr>
-          <a:lstStyle/>
-          <a:p>
-            <a:r>
-              <a:rPr lang="en-US" dirty="0">
-                <a:solidFill>
-                  <a:srgbClr val="3B3835"/>
-                </a:solidFill>
-                <a:latin typeface="Helvetica Neue"/>
-              </a:rPr>
-              <a:t>Spark and Scala are beautiful examples of what can be achieved by a bunch of dedicated grad students using a language &amp; system originally written by another bunch of dedicated grad students. </a:t>
-            </a:r>
-            <a:endParaRPr lang="pl-PL" dirty="0">
-              <a:solidFill>
-                <a:srgbClr val="3B3835"/>
-              </a:solidFill>
-              <a:latin typeface="Helvetica Neue"/>
-            </a:endParaRPr>
-          </a:p>
-          <a:p>
-            <a:pPr algn="just"/>
-            <a:endParaRPr lang="pl-PL" dirty="0">
-              <a:solidFill>
-                <a:srgbClr val="3B3835"/>
-              </a:solidFill>
-              <a:latin typeface="Helvetica Neue"/>
-            </a:endParaRPr>
-          </a:p>
-          <a:p>
-            <a:pPr algn="just"/>
-            <a:r>
-              <a:rPr lang="en-US" dirty="0">
-                <a:solidFill>
-                  <a:srgbClr val="3B3835"/>
-                </a:solidFill>
-                <a:latin typeface="Helvetica Neue"/>
-              </a:rPr>
-              <a:t>I am looking forward to the next steps of their co-evolution</a:t>
-            </a:r>
-            <a:r>
-              <a:rPr lang="pl-PL" dirty="0">
-                <a:solidFill>
-                  <a:srgbClr val="3B3835"/>
-                </a:solidFill>
-                <a:latin typeface="Helvetica Neue"/>
-              </a:rPr>
-              <a:t>.</a:t>
-            </a:r>
-            <a:endParaRPr lang="en-US" dirty="0"/>
-          </a:p>
-        </p:txBody>
-      </p:sp>
-    </p:spTree>
-    <p:extLst>
-      <p:ext uri="{BB962C8B-B14F-4D97-AF65-F5344CB8AC3E}">
-        <p14:creationId xmlns:p14="http://schemas.microsoft.com/office/powerpoint/2010/main" val="3117407274"/>
       </p:ext>
     </p:extLst>
   </p:cSld>
@@ -19297,7 +18935,7 @@
             </a:br>
             <a:r>
               <a:rPr lang="en-US" dirty="0"/>
-              <a:t>Apache Spark APIs</a:t>
+              <a:t>Apache Spark Architecture</a:t>
             </a:r>
           </a:p>
         </p:txBody>
@@ -19441,10 +19079,10 @@
       </p:sp>
       <p:pic>
         <p:nvPicPr>
-          <p:cNvPr id="8" name="Picture 7">
+          <p:cNvPr id="6" name="Picture 5">
             <a:extLst>
               <a:ext uri="{FF2B5EF4-FFF2-40B4-BE49-F238E27FC236}">
-                <a16:creationId xmlns:a16="http://schemas.microsoft.com/office/drawing/2014/main" id="{AE13E914-2E72-4257-A276-A23EC8662AFE}"/>
+                <a16:creationId xmlns:a16="http://schemas.microsoft.com/office/drawing/2014/main" id="{E56C735E-26BD-4FF5-92B6-016E4ACB8DB5}"/>
               </a:ext>
             </a:extLst>
           </p:cNvPr>
@@ -19461,8 +19099,8 @@
         </p:blipFill>
         <p:spPr>
           <a:xfrm>
-            <a:off x="2168436" y="975360"/>
-            <a:ext cx="4807128" cy="3240360"/>
+            <a:off x="1770517" y="975360"/>
+            <a:ext cx="5602965" cy="3592377"/>
           </a:xfrm>
           <a:prstGeom prst="rect">
             <a:avLst/>
@@ -19472,7 +19110,7 @@
     </p:spTree>
     <p:extLst>
       <p:ext uri="{BB962C8B-B14F-4D97-AF65-F5344CB8AC3E}">
-        <p14:creationId xmlns:p14="http://schemas.microsoft.com/office/powerpoint/2010/main" val="2390931764"/>
+        <p14:creationId xmlns:p14="http://schemas.microsoft.com/office/powerpoint/2010/main" val="1727686954"/>
       </p:ext>
     </p:extLst>
   </p:cSld>

--- a/src/main/resources/slides.pptx
+++ b/src/main/resources/slides.pptx
@@ -5,10 +5,10 @@
     <p:sldMasterId id="2147483684" r:id="rId5"/>
   </p:sldMasterIdLst>
   <p:notesMasterIdLst>
-    <p:notesMasterId r:id="rId29"/>
+    <p:notesMasterId r:id="rId30"/>
   </p:notesMasterIdLst>
   <p:handoutMasterIdLst>
-    <p:handoutMasterId r:id="rId30"/>
+    <p:handoutMasterId r:id="rId31"/>
   </p:handoutMasterIdLst>
   <p:sldIdLst>
     <p:sldId id="258" r:id="rId6"/>
@@ -29,11 +29,12 @@
     <p:sldId id="289" r:id="rId21"/>
     <p:sldId id="301" r:id="rId22"/>
     <p:sldId id="296" r:id="rId23"/>
-    <p:sldId id="292" r:id="rId24"/>
-    <p:sldId id="294" r:id="rId25"/>
-    <p:sldId id="291" r:id="rId26"/>
-    <p:sldId id="293" r:id="rId27"/>
-    <p:sldId id="300" r:id="rId28"/>
+    <p:sldId id="302" r:id="rId24"/>
+    <p:sldId id="292" r:id="rId25"/>
+    <p:sldId id="294" r:id="rId26"/>
+    <p:sldId id="291" r:id="rId27"/>
+    <p:sldId id="293" r:id="rId28"/>
+    <p:sldId id="300" r:id="rId29"/>
   </p:sldIdLst>
   <p:sldSz cx="9144000" cy="5143500" type="screen16x9"/>
   <p:notesSz cx="6858000" cy="9144000"/>
@@ -286,7 +287,7 @@
           <a:p>
             <a:fld id="{D767EAEA-49F6-47D1-81B5-6AE13276E2F7}" type="datetimeFigureOut">
               <a:rPr lang="pl-PL" smtClean="0"/>
-              <a:t>04.02.2019</a:t>
+              <a:t>06.02.2019</a:t>
             </a:fld>
             <a:endParaRPr lang="pl-PL"/>
           </a:p>
@@ -455,7 +456,7 @@
           <a:p>
             <a:fld id="{153FA37D-DE2B-47E9-A168-88AE1559A114}" type="datetimeFigureOut">
               <a:rPr lang="pl-PL" smtClean="0"/>
-              <a:t>04.02.2019</a:t>
+              <a:t>06.02.2019</a:t>
             </a:fld>
             <a:endParaRPr lang="pl-PL"/>
           </a:p>
@@ -2482,400 +2483,6 @@
           <a:bodyPr/>
           <a:lstStyle/>
           <a:p>
-            <a:r>
-              <a:rPr lang="pl-PL" b="1" dirty="0"/>
-              <a:t>First </a:t>
-            </a:r>
-            <a:r>
-              <a:rPr lang="pl-PL" b="1" dirty="0" err="1"/>
-              <a:t>class</a:t>
-            </a:r>
-            <a:r>
-              <a:rPr lang="pl-PL" b="1" dirty="0"/>
-              <a:t> </a:t>
-            </a:r>
-            <a:r>
-              <a:rPr lang="pl-PL" b="1" dirty="0" err="1"/>
-              <a:t>citizien</a:t>
-            </a:r>
-            <a:r>
-              <a:rPr lang="pl-PL" b="1" dirty="0"/>
-              <a:t> </a:t>
-            </a:r>
-            <a:r>
-              <a:rPr lang="pl-PL" dirty="0"/>
-              <a:t>– </a:t>
-            </a:r>
-            <a:r>
-              <a:rPr lang="pl-PL" dirty="0" err="1"/>
-              <a:t>sa</a:t>
-            </a:r>
-            <a:r>
-              <a:rPr lang="pl-PL" dirty="0"/>
-              <a:t> wszechobecne, nie są tylko deklarowane i wykonywane ale mogą być użyte jako po prostu typ danych.</a:t>
-            </a:r>
-          </a:p>
-          <a:p>
-            <a:r>
-              <a:rPr lang="pl-PL" dirty="0"/>
-              <a:t>Mogą wiec być zdefiniowane jako literał, jako literał bez nazwy (czyli to co znamy z </a:t>
-            </a:r>
-            <a:r>
-              <a:rPr lang="pl-PL" dirty="0" err="1"/>
-              <a:t>javy</a:t>
-            </a:r>
-            <a:r>
-              <a:rPr lang="pl-PL" dirty="0"/>
-              <a:t>/</a:t>
-            </a:r>
-            <a:r>
-              <a:rPr lang="pl-PL" dirty="0" err="1"/>
-              <a:t>javascirpt</a:t>
-            </a:r>
-            <a:r>
-              <a:rPr lang="pl-PL" dirty="0"/>
-              <a:t> jako lambda, bądź anonimowa funkcja), mogą być zapisane jako </a:t>
-            </a:r>
-            <a:r>
-              <a:rPr lang="pl-PL" dirty="0" err="1"/>
-              <a:t>value</a:t>
-            </a:r>
-            <a:r>
-              <a:rPr lang="pl-PL" dirty="0"/>
-              <a:t> bądź </a:t>
-            </a:r>
-            <a:r>
-              <a:rPr lang="pl-PL" dirty="0" err="1"/>
-              <a:t>variable</a:t>
-            </a:r>
-            <a:r>
-              <a:rPr lang="pl-PL" dirty="0"/>
-              <a:t> oraz użyte jako parametr do innej funkcji bądź nawet zwrócone z innej funkcji.</a:t>
-            </a:r>
-          </a:p>
-          <a:p>
-            <a:r>
-              <a:rPr lang="pl-PL" b="1" dirty="0" err="1"/>
-              <a:t>Pure</a:t>
-            </a:r>
-            <a:r>
-              <a:rPr lang="pl-PL" b="1" dirty="0"/>
-              <a:t> </a:t>
-            </a:r>
-            <a:r>
-              <a:rPr lang="pl-PL" b="1" dirty="0" err="1"/>
-              <a:t>functions</a:t>
-            </a:r>
-            <a:r>
-              <a:rPr lang="pl-PL" b="1" dirty="0"/>
-              <a:t> </a:t>
-            </a:r>
-            <a:r>
-              <a:rPr lang="pl-PL" dirty="0"/>
-              <a:t>– nie maja </a:t>
-            </a:r>
-            <a:r>
-              <a:rPr lang="pl-PL" dirty="0" err="1"/>
-              <a:t>side</a:t>
-            </a:r>
-            <a:r>
-              <a:rPr lang="pl-PL" dirty="0"/>
-              <a:t> </a:t>
-            </a:r>
-            <a:r>
-              <a:rPr lang="pl-PL" dirty="0" err="1"/>
-              <a:t>effectów</a:t>
-            </a:r>
-            <a:r>
-              <a:rPr lang="pl-PL" dirty="0"/>
-              <a:t>, czyli nie modyfikują stanu, są </a:t>
-            </a:r>
-            <a:r>
-              <a:rPr lang="pl-PL" dirty="0" err="1"/>
-              <a:t>stateless</a:t>
-            </a:r>
-            <a:endParaRPr lang="pl-PL" dirty="0"/>
-          </a:p>
-          <a:p>
-            <a:r>
-              <a:rPr lang="pl-PL" b="1" dirty="0"/>
-              <a:t>High-order </a:t>
-            </a:r>
-            <a:r>
-              <a:rPr lang="pl-PL" b="1" dirty="0" err="1"/>
-              <a:t>functions</a:t>
-            </a:r>
-            <a:r>
-              <a:rPr lang="pl-PL" b="1" dirty="0"/>
-              <a:t> </a:t>
-            </a:r>
-            <a:r>
-              <a:rPr lang="pl-PL" dirty="0"/>
-              <a:t>– przyjmują w argumencie inna funkcje bądź zwracają funkcje.</a:t>
-            </a:r>
-          </a:p>
-          <a:p>
-            <a:endParaRPr lang="pl-PL" dirty="0"/>
-          </a:p>
-          <a:p>
-            <a:r>
-              <a:rPr lang="pl-PL" dirty="0"/>
-              <a:t>Najbardziej znane to </a:t>
-            </a:r>
-            <a:r>
-              <a:rPr lang="pl-PL" sz="1200" b="1" i="0" u="none" strike="noStrike" kern="1200" baseline="0" dirty="0">
-                <a:solidFill>
-                  <a:schemeClr val="tx1"/>
-                </a:solidFill>
-                <a:latin typeface="+mn-lt"/>
-                <a:ea typeface="+mn-ea"/>
-                <a:cs typeface="+mn-cs"/>
-              </a:rPr>
-              <a:t>map() </a:t>
-            </a:r>
-            <a:r>
-              <a:rPr lang="pl-PL" sz="1200" b="0" i="0" u="none" strike="noStrike" kern="1200" baseline="0" dirty="0">
-                <a:solidFill>
-                  <a:schemeClr val="tx1"/>
-                </a:solidFill>
-                <a:latin typeface="+mn-lt"/>
-                <a:ea typeface="+mn-ea"/>
-                <a:cs typeface="+mn-cs"/>
-              </a:rPr>
-              <a:t>i</a:t>
-            </a:r>
-            <a:r>
-              <a:rPr lang="pl-PL" sz="1200" b="1" i="0" u="none" strike="noStrike" kern="1200" baseline="0" dirty="0">
-                <a:solidFill>
-                  <a:schemeClr val="tx1"/>
-                </a:solidFill>
-                <a:latin typeface="+mn-lt"/>
-                <a:ea typeface="+mn-ea"/>
-                <a:cs typeface="+mn-cs"/>
-              </a:rPr>
-              <a:t> </a:t>
-            </a:r>
-            <a:r>
-              <a:rPr lang="pl-PL" sz="1200" b="1" i="0" u="none" strike="noStrike" kern="1200" baseline="0" dirty="0" err="1">
-                <a:solidFill>
-                  <a:schemeClr val="tx1"/>
-                </a:solidFill>
-                <a:latin typeface="+mn-lt"/>
-                <a:ea typeface="+mn-ea"/>
-                <a:cs typeface="+mn-cs"/>
-              </a:rPr>
-              <a:t>reduce</a:t>
-            </a:r>
-            <a:r>
-              <a:rPr lang="pl-PL" sz="1200" b="1" i="0" u="none" strike="noStrike" kern="1200" baseline="0" dirty="0">
-                <a:solidFill>
-                  <a:schemeClr val="tx1"/>
-                </a:solidFill>
-                <a:latin typeface="+mn-lt"/>
-                <a:ea typeface="+mn-ea"/>
-                <a:cs typeface="+mn-cs"/>
-              </a:rPr>
-              <a:t>().</a:t>
-            </a:r>
-          </a:p>
-          <a:p>
-            <a:r>
-              <a:rPr lang="pl-PL" sz="1200" b="0" i="0" u="none" strike="noStrike" kern="1200" baseline="0" dirty="0">
-                <a:solidFill>
-                  <a:schemeClr val="tx1"/>
-                </a:solidFill>
-                <a:latin typeface="+mn-lt"/>
-                <a:ea typeface="+mn-ea"/>
-                <a:cs typeface="+mn-cs"/>
-              </a:rPr>
-              <a:t>The map() </a:t>
-            </a:r>
-            <a:r>
-              <a:rPr lang="pl-PL" sz="1200" b="0" i="0" u="none" strike="noStrike" kern="1200" baseline="0" dirty="0" err="1">
-                <a:solidFill>
-                  <a:schemeClr val="tx1"/>
-                </a:solidFill>
-                <a:latin typeface="+mn-lt"/>
-                <a:ea typeface="+mn-ea"/>
-                <a:cs typeface="+mn-cs"/>
-              </a:rPr>
-              <a:t>higher</a:t>
-            </a:r>
-            <a:r>
-              <a:rPr lang="pl-PL" sz="1200" b="0" i="0" u="none" strike="noStrike" kern="1200" baseline="0" dirty="0">
-                <a:solidFill>
-                  <a:schemeClr val="tx1"/>
-                </a:solidFill>
-                <a:latin typeface="+mn-lt"/>
-                <a:ea typeface="+mn-ea"/>
-                <a:cs typeface="+mn-cs"/>
-              </a:rPr>
-              <a:t>-order </a:t>
-            </a:r>
-            <a:r>
-              <a:rPr lang="pl-PL" sz="1200" b="0" i="0" u="none" strike="noStrike" kern="1200" baseline="0" dirty="0" err="1">
-                <a:solidFill>
-                  <a:schemeClr val="tx1"/>
-                </a:solidFill>
-                <a:latin typeface="+mn-lt"/>
-                <a:ea typeface="+mn-ea"/>
-                <a:cs typeface="+mn-cs"/>
-              </a:rPr>
-              <a:t>function</a:t>
-            </a:r>
-            <a:r>
-              <a:rPr lang="pl-PL" sz="1200" b="0" i="0" u="none" strike="noStrike" kern="1200" baseline="0" dirty="0">
-                <a:solidFill>
-                  <a:schemeClr val="tx1"/>
-                </a:solidFill>
-                <a:latin typeface="+mn-lt"/>
-                <a:ea typeface="+mn-ea"/>
-                <a:cs typeface="+mn-cs"/>
-              </a:rPr>
-              <a:t> </a:t>
-            </a:r>
-            <a:r>
-              <a:rPr lang="en-US" sz="1200" b="0" i="0" u="none" strike="noStrike" kern="1200" baseline="0" dirty="0">
-                <a:solidFill>
-                  <a:schemeClr val="tx1"/>
-                </a:solidFill>
-                <a:latin typeface="+mn-lt"/>
-                <a:ea typeface="+mn-ea"/>
-                <a:cs typeface="+mn-cs"/>
-              </a:rPr>
-              <a:t>takes a function parameter and uses it to convert one or more items to a new value</a:t>
-            </a:r>
-            <a:r>
-              <a:rPr lang="pl-PL" sz="1200" b="0" i="0" u="none" strike="noStrike" kern="1200" baseline="0" dirty="0">
-                <a:solidFill>
-                  <a:schemeClr val="tx1"/>
-                </a:solidFill>
-                <a:latin typeface="+mn-lt"/>
-                <a:ea typeface="+mn-ea"/>
-                <a:cs typeface="+mn-cs"/>
-              </a:rPr>
-              <a:t> </a:t>
-            </a:r>
-            <a:r>
-              <a:rPr lang="en-US" sz="1200" b="0" i="0" u="none" strike="noStrike" kern="1200" baseline="0" dirty="0">
-                <a:solidFill>
-                  <a:schemeClr val="tx1"/>
-                </a:solidFill>
-                <a:latin typeface="+mn-lt"/>
-                <a:ea typeface="+mn-ea"/>
-                <a:cs typeface="+mn-cs"/>
-              </a:rPr>
-              <a:t>and/or type. </a:t>
-            </a:r>
-            <a:endParaRPr lang="pl-PL" sz="1200" b="0" i="0" u="none" strike="noStrike" kern="1200" baseline="0" dirty="0">
-              <a:solidFill>
-                <a:schemeClr val="tx1"/>
-              </a:solidFill>
-              <a:latin typeface="+mn-lt"/>
-              <a:ea typeface="+mn-ea"/>
-              <a:cs typeface="+mn-cs"/>
-            </a:endParaRPr>
-          </a:p>
-          <a:p>
-            <a:r>
-              <a:rPr lang="en-US" sz="1200" b="0" i="0" u="none" strike="noStrike" kern="1200" baseline="0" dirty="0">
-                <a:solidFill>
-                  <a:schemeClr val="tx1"/>
-                </a:solidFill>
-                <a:latin typeface="+mn-lt"/>
-                <a:ea typeface="+mn-ea"/>
-                <a:cs typeface="+mn-cs"/>
-              </a:rPr>
-              <a:t>The reduce() higher-order function takes a function parameter and uses</a:t>
-            </a:r>
-            <a:r>
-              <a:rPr lang="pl-PL" sz="1200" b="0" i="0" u="none" strike="noStrike" kern="1200" baseline="0" dirty="0">
-                <a:solidFill>
-                  <a:schemeClr val="tx1"/>
-                </a:solidFill>
-                <a:latin typeface="+mn-lt"/>
-                <a:ea typeface="+mn-ea"/>
-                <a:cs typeface="+mn-cs"/>
-              </a:rPr>
-              <a:t> </a:t>
-            </a:r>
-            <a:r>
-              <a:rPr lang="en-US" sz="1200" b="0" i="0" u="none" strike="noStrike" kern="1200" baseline="0" dirty="0">
-                <a:solidFill>
-                  <a:schemeClr val="tx1"/>
-                </a:solidFill>
-                <a:latin typeface="+mn-lt"/>
-                <a:ea typeface="+mn-ea"/>
-                <a:cs typeface="+mn-cs"/>
-              </a:rPr>
-              <a:t>it to reduce a collection of multiple items down to a single item.</a:t>
-            </a:r>
-            <a:endParaRPr lang="pl-PL" sz="1200" b="0" i="0" u="none" strike="noStrike" kern="1200" baseline="0" dirty="0">
-              <a:solidFill>
-                <a:schemeClr val="tx1"/>
-              </a:solidFill>
-              <a:latin typeface="+mn-lt"/>
-              <a:ea typeface="+mn-ea"/>
-              <a:cs typeface="+mn-cs"/>
-            </a:endParaRPr>
-          </a:p>
-          <a:p>
-            <a:endParaRPr lang="pl-PL" sz="1200" b="0" i="0" u="none" strike="noStrike" kern="1200" baseline="0" dirty="0">
-              <a:solidFill>
-                <a:schemeClr val="tx1"/>
-              </a:solidFill>
-              <a:latin typeface="+mn-lt"/>
-              <a:ea typeface="+mn-ea"/>
-              <a:cs typeface="+mn-cs"/>
-            </a:endParaRPr>
-          </a:p>
-          <a:p>
-            <a:r>
-              <a:rPr lang="en-US" sz="1200" b="0" i="0" u="none" strike="noStrike" kern="1200" baseline="0" dirty="0">
-                <a:solidFill>
-                  <a:schemeClr val="tx1"/>
-                </a:solidFill>
-                <a:latin typeface="+mn-lt"/>
-                <a:ea typeface="+mn-ea"/>
-                <a:cs typeface="+mn-cs"/>
-              </a:rPr>
-              <a:t>The popular Map/Reduce computing paradigm uses this concept to tackle large computing challenges, by</a:t>
-            </a:r>
-          </a:p>
-          <a:p>
-            <a:r>
-              <a:rPr lang="en-US" sz="1200" b="0" i="0" u="none" strike="noStrike" kern="1200" baseline="0" dirty="0">
-                <a:solidFill>
-                  <a:schemeClr val="tx1"/>
-                </a:solidFill>
-                <a:latin typeface="+mn-lt"/>
-                <a:ea typeface="+mn-ea"/>
-                <a:cs typeface="+mn-cs"/>
-              </a:rPr>
-              <a:t>mapping the computation across a range of distributed nodes and reducing their results</a:t>
-            </a:r>
-            <a:r>
-              <a:rPr lang="pl-PL" sz="1200" b="0" i="0" u="none" strike="noStrike" kern="1200" baseline="0" dirty="0">
-                <a:solidFill>
-                  <a:schemeClr val="tx1"/>
-                </a:solidFill>
-                <a:latin typeface="+mn-lt"/>
-                <a:ea typeface="+mn-ea"/>
-                <a:cs typeface="+mn-cs"/>
-              </a:rPr>
-              <a:t> </a:t>
-            </a:r>
-            <a:r>
-              <a:rPr lang="en-US" sz="1200" b="0" i="0" u="none" strike="noStrike" kern="1200" baseline="0" dirty="0">
-                <a:solidFill>
-                  <a:schemeClr val="tx1"/>
-                </a:solidFill>
-                <a:latin typeface="+mn-lt"/>
-                <a:ea typeface="+mn-ea"/>
-                <a:cs typeface="+mn-cs"/>
-              </a:rPr>
-              <a:t>back to a meaningful size.</a:t>
-            </a:r>
             <a:endParaRPr lang="pl-PL" dirty="0"/>
           </a:p>
         </p:txBody>
@@ -2883,7 +2490,7 @@
     </p:spTree>
     <p:extLst>
       <p:ext uri="{BB962C8B-B14F-4D97-AF65-F5344CB8AC3E}">
-        <p14:creationId xmlns:p14="http://schemas.microsoft.com/office/powerpoint/2010/main" val="1359792266"/>
+        <p14:creationId xmlns:p14="http://schemas.microsoft.com/office/powerpoint/2010/main" val="1785866387"/>
       </p:ext>
     </p:extLst>
   </p:cSld>
@@ -3231,6 +2838,400 @@
           <a:bodyPr/>
           <a:lstStyle/>
           <a:p>
+            <a:r>
+              <a:rPr lang="pl-PL" b="1" dirty="0"/>
+              <a:t>First </a:t>
+            </a:r>
+            <a:r>
+              <a:rPr lang="pl-PL" b="1" dirty="0" err="1"/>
+              <a:t>class</a:t>
+            </a:r>
+            <a:r>
+              <a:rPr lang="pl-PL" b="1" dirty="0"/>
+              <a:t> </a:t>
+            </a:r>
+            <a:r>
+              <a:rPr lang="pl-PL" b="1" dirty="0" err="1"/>
+              <a:t>citizien</a:t>
+            </a:r>
+            <a:r>
+              <a:rPr lang="pl-PL" b="1" dirty="0"/>
+              <a:t> </a:t>
+            </a:r>
+            <a:r>
+              <a:rPr lang="pl-PL" dirty="0"/>
+              <a:t>– </a:t>
+            </a:r>
+            <a:r>
+              <a:rPr lang="pl-PL" dirty="0" err="1"/>
+              <a:t>sa</a:t>
+            </a:r>
+            <a:r>
+              <a:rPr lang="pl-PL" dirty="0"/>
+              <a:t> wszechobecne, nie są tylko deklarowane i wykonywane ale mogą być użyte jako po prostu typ danych.</a:t>
+            </a:r>
+          </a:p>
+          <a:p>
+            <a:r>
+              <a:rPr lang="pl-PL" dirty="0"/>
+              <a:t>Mogą wiec być zdefiniowane jako literał, jako literał bez nazwy (czyli to co znamy z </a:t>
+            </a:r>
+            <a:r>
+              <a:rPr lang="pl-PL" dirty="0" err="1"/>
+              <a:t>javy</a:t>
+            </a:r>
+            <a:r>
+              <a:rPr lang="pl-PL" dirty="0"/>
+              <a:t>/</a:t>
+            </a:r>
+            <a:r>
+              <a:rPr lang="pl-PL" dirty="0" err="1"/>
+              <a:t>javascirpt</a:t>
+            </a:r>
+            <a:r>
+              <a:rPr lang="pl-PL" dirty="0"/>
+              <a:t> jako lambda, bądź anonimowa funkcja), mogą być zapisane jako </a:t>
+            </a:r>
+            <a:r>
+              <a:rPr lang="pl-PL" dirty="0" err="1"/>
+              <a:t>value</a:t>
+            </a:r>
+            <a:r>
+              <a:rPr lang="pl-PL" dirty="0"/>
+              <a:t> bądź </a:t>
+            </a:r>
+            <a:r>
+              <a:rPr lang="pl-PL" dirty="0" err="1"/>
+              <a:t>variable</a:t>
+            </a:r>
+            <a:r>
+              <a:rPr lang="pl-PL" dirty="0"/>
+              <a:t> oraz użyte jako parametr do innej funkcji bądź nawet zwrócone z innej funkcji.</a:t>
+            </a:r>
+          </a:p>
+          <a:p>
+            <a:r>
+              <a:rPr lang="pl-PL" b="1" dirty="0" err="1"/>
+              <a:t>Pure</a:t>
+            </a:r>
+            <a:r>
+              <a:rPr lang="pl-PL" b="1" dirty="0"/>
+              <a:t> </a:t>
+            </a:r>
+            <a:r>
+              <a:rPr lang="pl-PL" b="1" dirty="0" err="1"/>
+              <a:t>functions</a:t>
+            </a:r>
+            <a:r>
+              <a:rPr lang="pl-PL" b="1" dirty="0"/>
+              <a:t> </a:t>
+            </a:r>
+            <a:r>
+              <a:rPr lang="pl-PL" dirty="0"/>
+              <a:t>– nie maja </a:t>
+            </a:r>
+            <a:r>
+              <a:rPr lang="pl-PL" dirty="0" err="1"/>
+              <a:t>side</a:t>
+            </a:r>
+            <a:r>
+              <a:rPr lang="pl-PL" dirty="0"/>
+              <a:t> </a:t>
+            </a:r>
+            <a:r>
+              <a:rPr lang="pl-PL" dirty="0" err="1"/>
+              <a:t>effectów</a:t>
+            </a:r>
+            <a:r>
+              <a:rPr lang="pl-PL" dirty="0"/>
+              <a:t>, czyli nie modyfikują stanu, są </a:t>
+            </a:r>
+            <a:r>
+              <a:rPr lang="pl-PL" dirty="0" err="1"/>
+              <a:t>stateless</a:t>
+            </a:r>
+            <a:endParaRPr lang="pl-PL" dirty="0"/>
+          </a:p>
+          <a:p>
+            <a:r>
+              <a:rPr lang="pl-PL" b="1" dirty="0"/>
+              <a:t>High-order </a:t>
+            </a:r>
+            <a:r>
+              <a:rPr lang="pl-PL" b="1" dirty="0" err="1"/>
+              <a:t>functions</a:t>
+            </a:r>
+            <a:r>
+              <a:rPr lang="pl-PL" b="1" dirty="0"/>
+              <a:t> </a:t>
+            </a:r>
+            <a:r>
+              <a:rPr lang="pl-PL" dirty="0"/>
+              <a:t>– przyjmują w argumencie inna funkcje bądź zwracają funkcje.</a:t>
+            </a:r>
+          </a:p>
+          <a:p>
+            <a:endParaRPr lang="pl-PL" dirty="0"/>
+          </a:p>
+          <a:p>
+            <a:r>
+              <a:rPr lang="pl-PL" dirty="0"/>
+              <a:t>Najbardziej znane to </a:t>
+            </a:r>
+            <a:r>
+              <a:rPr lang="pl-PL" sz="1200" b="1" i="0" u="none" strike="noStrike" kern="1200" baseline="0" dirty="0">
+                <a:solidFill>
+                  <a:schemeClr val="tx1"/>
+                </a:solidFill>
+                <a:latin typeface="+mn-lt"/>
+                <a:ea typeface="+mn-ea"/>
+                <a:cs typeface="+mn-cs"/>
+              </a:rPr>
+              <a:t>map() </a:t>
+            </a:r>
+            <a:r>
+              <a:rPr lang="pl-PL" sz="1200" b="0" i="0" u="none" strike="noStrike" kern="1200" baseline="0" dirty="0">
+                <a:solidFill>
+                  <a:schemeClr val="tx1"/>
+                </a:solidFill>
+                <a:latin typeface="+mn-lt"/>
+                <a:ea typeface="+mn-ea"/>
+                <a:cs typeface="+mn-cs"/>
+              </a:rPr>
+              <a:t>i</a:t>
+            </a:r>
+            <a:r>
+              <a:rPr lang="pl-PL" sz="1200" b="1" i="0" u="none" strike="noStrike" kern="1200" baseline="0" dirty="0">
+                <a:solidFill>
+                  <a:schemeClr val="tx1"/>
+                </a:solidFill>
+                <a:latin typeface="+mn-lt"/>
+                <a:ea typeface="+mn-ea"/>
+                <a:cs typeface="+mn-cs"/>
+              </a:rPr>
+              <a:t> </a:t>
+            </a:r>
+            <a:r>
+              <a:rPr lang="pl-PL" sz="1200" b="1" i="0" u="none" strike="noStrike" kern="1200" baseline="0" dirty="0" err="1">
+                <a:solidFill>
+                  <a:schemeClr val="tx1"/>
+                </a:solidFill>
+                <a:latin typeface="+mn-lt"/>
+                <a:ea typeface="+mn-ea"/>
+                <a:cs typeface="+mn-cs"/>
+              </a:rPr>
+              <a:t>reduce</a:t>
+            </a:r>
+            <a:r>
+              <a:rPr lang="pl-PL" sz="1200" b="1" i="0" u="none" strike="noStrike" kern="1200" baseline="0" dirty="0">
+                <a:solidFill>
+                  <a:schemeClr val="tx1"/>
+                </a:solidFill>
+                <a:latin typeface="+mn-lt"/>
+                <a:ea typeface="+mn-ea"/>
+                <a:cs typeface="+mn-cs"/>
+              </a:rPr>
+              <a:t>().</a:t>
+            </a:r>
+          </a:p>
+          <a:p>
+            <a:r>
+              <a:rPr lang="pl-PL" sz="1200" b="0" i="0" u="none" strike="noStrike" kern="1200" baseline="0" dirty="0">
+                <a:solidFill>
+                  <a:schemeClr val="tx1"/>
+                </a:solidFill>
+                <a:latin typeface="+mn-lt"/>
+                <a:ea typeface="+mn-ea"/>
+                <a:cs typeface="+mn-cs"/>
+              </a:rPr>
+              <a:t>The map() </a:t>
+            </a:r>
+            <a:r>
+              <a:rPr lang="pl-PL" sz="1200" b="0" i="0" u="none" strike="noStrike" kern="1200" baseline="0" dirty="0" err="1">
+                <a:solidFill>
+                  <a:schemeClr val="tx1"/>
+                </a:solidFill>
+                <a:latin typeface="+mn-lt"/>
+                <a:ea typeface="+mn-ea"/>
+                <a:cs typeface="+mn-cs"/>
+              </a:rPr>
+              <a:t>higher</a:t>
+            </a:r>
+            <a:r>
+              <a:rPr lang="pl-PL" sz="1200" b="0" i="0" u="none" strike="noStrike" kern="1200" baseline="0" dirty="0">
+                <a:solidFill>
+                  <a:schemeClr val="tx1"/>
+                </a:solidFill>
+                <a:latin typeface="+mn-lt"/>
+                <a:ea typeface="+mn-ea"/>
+                <a:cs typeface="+mn-cs"/>
+              </a:rPr>
+              <a:t>-order </a:t>
+            </a:r>
+            <a:r>
+              <a:rPr lang="pl-PL" sz="1200" b="0" i="0" u="none" strike="noStrike" kern="1200" baseline="0" dirty="0" err="1">
+                <a:solidFill>
+                  <a:schemeClr val="tx1"/>
+                </a:solidFill>
+                <a:latin typeface="+mn-lt"/>
+                <a:ea typeface="+mn-ea"/>
+                <a:cs typeface="+mn-cs"/>
+              </a:rPr>
+              <a:t>function</a:t>
+            </a:r>
+            <a:r>
+              <a:rPr lang="pl-PL" sz="1200" b="0" i="0" u="none" strike="noStrike" kern="1200" baseline="0" dirty="0">
+                <a:solidFill>
+                  <a:schemeClr val="tx1"/>
+                </a:solidFill>
+                <a:latin typeface="+mn-lt"/>
+                <a:ea typeface="+mn-ea"/>
+                <a:cs typeface="+mn-cs"/>
+              </a:rPr>
+              <a:t> </a:t>
+            </a:r>
+            <a:r>
+              <a:rPr lang="en-US" sz="1200" b="0" i="0" u="none" strike="noStrike" kern="1200" baseline="0" dirty="0">
+                <a:solidFill>
+                  <a:schemeClr val="tx1"/>
+                </a:solidFill>
+                <a:latin typeface="+mn-lt"/>
+                <a:ea typeface="+mn-ea"/>
+                <a:cs typeface="+mn-cs"/>
+              </a:rPr>
+              <a:t>takes a function parameter and uses it to convert one or more items to a new value</a:t>
+            </a:r>
+            <a:r>
+              <a:rPr lang="pl-PL" sz="1200" b="0" i="0" u="none" strike="noStrike" kern="1200" baseline="0" dirty="0">
+                <a:solidFill>
+                  <a:schemeClr val="tx1"/>
+                </a:solidFill>
+                <a:latin typeface="+mn-lt"/>
+                <a:ea typeface="+mn-ea"/>
+                <a:cs typeface="+mn-cs"/>
+              </a:rPr>
+              <a:t> </a:t>
+            </a:r>
+            <a:r>
+              <a:rPr lang="en-US" sz="1200" b="0" i="0" u="none" strike="noStrike" kern="1200" baseline="0" dirty="0">
+                <a:solidFill>
+                  <a:schemeClr val="tx1"/>
+                </a:solidFill>
+                <a:latin typeface="+mn-lt"/>
+                <a:ea typeface="+mn-ea"/>
+                <a:cs typeface="+mn-cs"/>
+              </a:rPr>
+              <a:t>and/or type. </a:t>
+            </a:r>
+            <a:endParaRPr lang="pl-PL" sz="1200" b="0" i="0" u="none" strike="noStrike" kern="1200" baseline="0" dirty="0">
+              <a:solidFill>
+                <a:schemeClr val="tx1"/>
+              </a:solidFill>
+              <a:latin typeface="+mn-lt"/>
+              <a:ea typeface="+mn-ea"/>
+              <a:cs typeface="+mn-cs"/>
+            </a:endParaRPr>
+          </a:p>
+          <a:p>
+            <a:r>
+              <a:rPr lang="en-US" sz="1200" b="0" i="0" u="none" strike="noStrike" kern="1200" baseline="0" dirty="0">
+                <a:solidFill>
+                  <a:schemeClr val="tx1"/>
+                </a:solidFill>
+                <a:latin typeface="+mn-lt"/>
+                <a:ea typeface="+mn-ea"/>
+                <a:cs typeface="+mn-cs"/>
+              </a:rPr>
+              <a:t>The reduce() higher-order function takes a function parameter and uses</a:t>
+            </a:r>
+            <a:r>
+              <a:rPr lang="pl-PL" sz="1200" b="0" i="0" u="none" strike="noStrike" kern="1200" baseline="0" dirty="0">
+                <a:solidFill>
+                  <a:schemeClr val="tx1"/>
+                </a:solidFill>
+                <a:latin typeface="+mn-lt"/>
+                <a:ea typeface="+mn-ea"/>
+                <a:cs typeface="+mn-cs"/>
+              </a:rPr>
+              <a:t> </a:t>
+            </a:r>
+            <a:r>
+              <a:rPr lang="en-US" sz="1200" b="0" i="0" u="none" strike="noStrike" kern="1200" baseline="0" dirty="0">
+                <a:solidFill>
+                  <a:schemeClr val="tx1"/>
+                </a:solidFill>
+                <a:latin typeface="+mn-lt"/>
+                <a:ea typeface="+mn-ea"/>
+                <a:cs typeface="+mn-cs"/>
+              </a:rPr>
+              <a:t>it to reduce a collection of multiple items down to a single item.</a:t>
+            </a:r>
+            <a:endParaRPr lang="pl-PL" sz="1200" b="0" i="0" u="none" strike="noStrike" kern="1200" baseline="0" dirty="0">
+              <a:solidFill>
+                <a:schemeClr val="tx1"/>
+              </a:solidFill>
+              <a:latin typeface="+mn-lt"/>
+              <a:ea typeface="+mn-ea"/>
+              <a:cs typeface="+mn-cs"/>
+            </a:endParaRPr>
+          </a:p>
+          <a:p>
+            <a:endParaRPr lang="pl-PL" sz="1200" b="0" i="0" u="none" strike="noStrike" kern="1200" baseline="0" dirty="0">
+              <a:solidFill>
+                <a:schemeClr val="tx1"/>
+              </a:solidFill>
+              <a:latin typeface="+mn-lt"/>
+              <a:ea typeface="+mn-ea"/>
+              <a:cs typeface="+mn-cs"/>
+            </a:endParaRPr>
+          </a:p>
+          <a:p>
+            <a:r>
+              <a:rPr lang="en-US" sz="1200" b="0" i="0" u="none" strike="noStrike" kern="1200" baseline="0" dirty="0">
+                <a:solidFill>
+                  <a:schemeClr val="tx1"/>
+                </a:solidFill>
+                <a:latin typeface="+mn-lt"/>
+                <a:ea typeface="+mn-ea"/>
+                <a:cs typeface="+mn-cs"/>
+              </a:rPr>
+              <a:t>The popular Map/Reduce computing paradigm uses this concept to tackle large computing challenges, by</a:t>
+            </a:r>
+          </a:p>
+          <a:p>
+            <a:r>
+              <a:rPr lang="en-US" sz="1200" b="0" i="0" u="none" strike="noStrike" kern="1200" baseline="0" dirty="0">
+                <a:solidFill>
+                  <a:schemeClr val="tx1"/>
+                </a:solidFill>
+                <a:latin typeface="+mn-lt"/>
+                <a:ea typeface="+mn-ea"/>
+                <a:cs typeface="+mn-cs"/>
+              </a:rPr>
+              <a:t>mapping the computation across a range of distributed nodes and reducing their results</a:t>
+            </a:r>
+            <a:r>
+              <a:rPr lang="pl-PL" sz="1200" b="0" i="0" u="none" strike="noStrike" kern="1200" baseline="0" dirty="0">
+                <a:solidFill>
+                  <a:schemeClr val="tx1"/>
+                </a:solidFill>
+                <a:latin typeface="+mn-lt"/>
+                <a:ea typeface="+mn-ea"/>
+                <a:cs typeface="+mn-cs"/>
+              </a:rPr>
+              <a:t> </a:t>
+            </a:r>
+            <a:r>
+              <a:rPr lang="en-US" sz="1200" b="0" i="0" u="none" strike="noStrike" kern="1200" baseline="0" dirty="0">
+                <a:solidFill>
+                  <a:schemeClr val="tx1"/>
+                </a:solidFill>
+                <a:latin typeface="+mn-lt"/>
+                <a:ea typeface="+mn-ea"/>
+                <a:cs typeface="+mn-cs"/>
+              </a:rPr>
+              <a:t>back to a meaningful size.</a:t>
+            </a:r>
             <a:endParaRPr lang="pl-PL" dirty="0"/>
           </a:p>
         </p:txBody>
@@ -3238,7 +3239,7 @@
     </p:spTree>
     <p:extLst>
       <p:ext uri="{BB962C8B-B14F-4D97-AF65-F5344CB8AC3E}">
-        <p14:creationId xmlns:p14="http://schemas.microsoft.com/office/powerpoint/2010/main" val="2988260470"/>
+        <p14:creationId xmlns:p14="http://schemas.microsoft.com/office/powerpoint/2010/main" val="1359792266"/>
       </p:ext>
     </p:extLst>
   </p:cSld>
@@ -3292,490 +3293,6 @@
           <a:bodyPr/>
           <a:lstStyle/>
           <a:p>
-            <a:r>
-              <a:rPr lang="pl-PL" sz="1200" b="0" i="0" u="none" strike="noStrike" kern="1200" baseline="0" dirty="0">
-                <a:solidFill>
-                  <a:schemeClr val="tx1"/>
-                </a:solidFill>
-                <a:latin typeface="+mn-lt"/>
-                <a:ea typeface="+mn-ea"/>
-                <a:cs typeface="+mn-cs"/>
-              </a:rPr>
-              <a:t>Case </a:t>
-            </a:r>
-            <a:r>
-              <a:rPr lang="pl-PL" sz="1200" b="0" i="0" u="none" strike="noStrike" kern="1200" baseline="0" dirty="0" err="1">
-                <a:solidFill>
-                  <a:schemeClr val="tx1"/>
-                </a:solidFill>
-                <a:latin typeface="+mn-lt"/>
-                <a:ea typeface="+mn-ea"/>
-                <a:cs typeface="+mn-cs"/>
-              </a:rPr>
-              <a:t>classes</a:t>
-            </a:r>
-            <a:r>
-              <a:rPr lang="pl-PL" sz="1200" b="0" i="0" u="none" strike="noStrike" kern="1200" baseline="0" dirty="0">
-                <a:solidFill>
-                  <a:schemeClr val="tx1"/>
-                </a:solidFill>
-                <a:latin typeface="+mn-lt"/>
-                <a:ea typeface="+mn-ea"/>
-                <a:cs typeface="+mn-cs"/>
-              </a:rPr>
-              <a:t> to sposób Scali na umożliwienie </a:t>
-            </a:r>
-            <a:r>
-              <a:rPr lang="pl-PL" sz="1200" b="0" i="0" u="none" strike="noStrike" kern="1200" baseline="0" dirty="0" err="1">
-                <a:solidFill>
-                  <a:schemeClr val="tx1"/>
-                </a:solidFill>
-                <a:latin typeface="+mn-lt"/>
-                <a:ea typeface="+mn-ea"/>
-                <a:cs typeface="+mn-cs"/>
-              </a:rPr>
-              <a:t>pattern</a:t>
-            </a:r>
-            <a:r>
-              <a:rPr lang="pl-PL" sz="1200" b="0" i="0" u="none" strike="noStrike" kern="1200" baseline="0" dirty="0">
-                <a:solidFill>
-                  <a:schemeClr val="tx1"/>
-                </a:solidFill>
-                <a:latin typeface="+mn-lt"/>
-                <a:ea typeface="+mn-ea"/>
-                <a:cs typeface="+mn-cs"/>
-              </a:rPr>
-              <a:t> </a:t>
-            </a:r>
-            <a:r>
-              <a:rPr lang="pl-PL" sz="1200" b="0" i="0" u="none" strike="noStrike" kern="1200" baseline="0" dirty="0" err="1">
-                <a:solidFill>
-                  <a:schemeClr val="tx1"/>
-                </a:solidFill>
-                <a:latin typeface="+mn-lt"/>
-                <a:ea typeface="+mn-ea"/>
-                <a:cs typeface="+mn-cs"/>
-              </a:rPr>
-              <a:t>matchingu</a:t>
-            </a:r>
-            <a:r>
-              <a:rPr lang="pl-PL" sz="1200" b="0" i="0" u="none" strike="noStrike" kern="1200" baseline="0" dirty="0">
-                <a:solidFill>
-                  <a:schemeClr val="tx1"/>
-                </a:solidFill>
-                <a:latin typeface="+mn-lt"/>
-                <a:ea typeface="+mn-ea"/>
-                <a:cs typeface="+mn-cs"/>
-              </a:rPr>
-              <a:t> na obiektach bez konieczności pisanie dużej ilości </a:t>
-            </a:r>
-            <a:r>
-              <a:rPr lang="pl-PL" sz="1200" b="0" i="0" u="none" strike="noStrike" kern="1200" baseline="0" dirty="0" err="1">
-                <a:solidFill>
-                  <a:schemeClr val="tx1"/>
-                </a:solidFill>
-                <a:latin typeface="+mn-lt"/>
-                <a:ea typeface="+mn-ea"/>
-                <a:cs typeface="+mn-cs"/>
-              </a:rPr>
-              <a:t>boiler</a:t>
-            </a:r>
-            <a:r>
-              <a:rPr lang="pl-PL" sz="1200" b="0" i="0" u="none" strike="noStrike" kern="1200" baseline="0" dirty="0">
-                <a:solidFill>
-                  <a:schemeClr val="tx1"/>
-                </a:solidFill>
-                <a:latin typeface="+mn-lt"/>
-                <a:ea typeface="+mn-ea"/>
-                <a:cs typeface="+mn-cs"/>
-              </a:rPr>
-              <a:t> </a:t>
-            </a:r>
-            <a:r>
-              <a:rPr lang="pl-PL" sz="1200" b="0" i="0" u="none" strike="noStrike" kern="1200" baseline="0" dirty="0" err="1">
-                <a:solidFill>
-                  <a:schemeClr val="tx1"/>
-                </a:solidFill>
-                <a:latin typeface="+mn-lt"/>
-                <a:ea typeface="+mn-ea"/>
-                <a:cs typeface="+mn-cs"/>
-              </a:rPr>
-              <a:t>plate’u</a:t>
-            </a:r>
-            <a:r>
-              <a:rPr lang="pl-PL" sz="1200" b="0" i="0" u="none" strike="noStrike" kern="1200" baseline="0" dirty="0">
-                <a:solidFill>
-                  <a:schemeClr val="tx1"/>
-                </a:solidFill>
-                <a:latin typeface="+mn-lt"/>
-                <a:ea typeface="+mn-ea"/>
-                <a:cs typeface="+mn-cs"/>
-              </a:rPr>
-              <a:t>.</a:t>
-            </a:r>
-          </a:p>
-          <a:p>
-            <a:r>
-              <a:rPr lang="pl-PL" sz="1200" b="0" i="0" u="none" strike="noStrike" kern="1200" baseline="0" dirty="0">
-                <a:solidFill>
-                  <a:schemeClr val="tx1"/>
-                </a:solidFill>
-                <a:latin typeface="+mn-lt"/>
-                <a:ea typeface="+mn-ea"/>
-                <a:cs typeface="+mn-cs"/>
-              </a:rPr>
-              <a:t>Wszystko co musisz zrobić to dodać </a:t>
-            </a:r>
-            <a:r>
-              <a:rPr lang="pl-PL" sz="1200" b="0" i="0" u="none" strike="noStrike" kern="1200" baseline="0" dirty="0" err="1">
-                <a:solidFill>
-                  <a:schemeClr val="tx1"/>
-                </a:solidFill>
-                <a:latin typeface="+mn-lt"/>
-                <a:ea typeface="+mn-ea"/>
-                <a:cs typeface="+mn-cs"/>
-              </a:rPr>
-              <a:t>case</a:t>
-            </a:r>
-            <a:r>
-              <a:rPr lang="pl-PL" sz="1200" b="0" i="0" u="none" strike="noStrike" kern="1200" baseline="0" dirty="0">
-                <a:solidFill>
-                  <a:schemeClr val="tx1"/>
-                </a:solidFill>
-                <a:latin typeface="+mn-lt"/>
-                <a:ea typeface="+mn-ea"/>
-                <a:cs typeface="+mn-cs"/>
-              </a:rPr>
-              <a:t> </a:t>
-            </a:r>
-            <a:r>
-              <a:rPr lang="pl-PL" sz="1200" b="0" i="0" u="none" strike="noStrike" kern="1200" baseline="0" dirty="0" err="1">
-                <a:solidFill>
-                  <a:schemeClr val="tx1"/>
-                </a:solidFill>
-                <a:latin typeface="+mn-lt"/>
-                <a:ea typeface="+mn-ea"/>
-                <a:cs typeface="+mn-cs"/>
-              </a:rPr>
-              <a:t>keyword</a:t>
-            </a:r>
-            <a:r>
-              <a:rPr lang="pl-PL" sz="1200" b="0" i="0" u="none" strike="noStrike" kern="1200" baseline="0" dirty="0">
-                <a:solidFill>
-                  <a:schemeClr val="tx1"/>
-                </a:solidFill>
-                <a:latin typeface="+mn-lt"/>
-                <a:ea typeface="+mn-ea"/>
-                <a:cs typeface="+mn-cs"/>
-              </a:rPr>
-              <a:t> do definicji klasy i dzięki temu na klasie może być wykonany </a:t>
-            </a:r>
-            <a:r>
-              <a:rPr lang="pl-PL" sz="1200" b="0" i="0" u="none" strike="noStrike" kern="1200" baseline="0" dirty="0" err="1">
-                <a:solidFill>
-                  <a:schemeClr val="tx1"/>
-                </a:solidFill>
-                <a:latin typeface="+mn-lt"/>
-                <a:ea typeface="+mn-ea"/>
-                <a:cs typeface="+mn-cs"/>
-              </a:rPr>
-              <a:t>pattern</a:t>
-            </a:r>
-            <a:r>
-              <a:rPr lang="pl-PL" sz="1200" b="0" i="0" u="none" strike="noStrike" kern="1200" baseline="0" dirty="0">
-                <a:solidFill>
-                  <a:schemeClr val="tx1"/>
-                </a:solidFill>
-                <a:latin typeface="+mn-lt"/>
-                <a:ea typeface="+mn-ea"/>
-                <a:cs typeface="+mn-cs"/>
-              </a:rPr>
-              <a:t> </a:t>
-            </a:r>
-            <a:r>
-              <a:rPr lang="pl-PL" sz="1200" b="0" i="0" u="none" strike="noStrike" kern="1200" baseline="0" dirty="0" err="1">
-                <a:solidFill>
-                  <a:schemeClr val="tx1"/>
-                </a:solidFill>
-                <a:latin typeface="+mn-lt"/>
-                <a:ea typeface="+mn-ea"/>
-                <a:cs typeface="+mn-cs"/>
-              </a:rPr>
-              <a:t>matching</a:t>
-            </a:r>
-            <a:r>
-              <a:rPr lang="pl-PL" sz="1200" b="0" i="0" u="none" strike="noStrike" kern="1200" baseline="0" dirty="0">
-                <a:solidFill>
-                  <a:schemeClr val="tx1"/>
-                </a:solidFill>
-                <a:latin typeface="+mn-lt"/>
-                <a:ea typeface="+mn-ea"/>
-                <a:cs typeface="+mn-cs"/>
-              </a:rPr>
-              <a:t>.</a:t>
-            </a:r>
-          </a:p>
-          <a:p>
-            <a:endParaRPr lang="pl-PL" dirty="0"/>
-          </a:p>
-          <a:p>
-            <a:pPr marL="0" marR="0" lvl="0" indent="0" algn="l" defTabSz="914400" rtl="0" eaLnBrk="1" fontAlgn="auto" latinLnBrk="0" hangingPunct="1">
-              <a:lnSpc>
-                <a:spcPct val="100000"/>
-              </a:lnSpc>
-              <a:spcBef>
-                <a:spcPts val="0"/>
-              </a:spcBef>
-              <a:spcAft>
-                <a:spcPts val="0"/>
-              </a:spcAft>
-              <a:buClrTx/>
-              <a:buSzTx/>
-              <a:buFontTx/>
-              <a:buNone/>
-              <a:tabLst/>
-              <a:defRPr/>
-            </a:pPr>
-            <a:r>
-              <a:rPr lang="pl-PL" sz="1200" b="1" dirty="0" err="1"/>
-              <a:t>Immutable</a:t>
-            </a:r>
-            <a:r>
-              <a:rPr lang="pl-PL" sz="1200" b="1" dirty="0"/>
-              <a:t> by </a:t>
-            </a:r>
-            <a:r>
-              <a:rPr lang="pl-PL" sz="1200" b="1" dirty="0" err="1"/>
-              <a:t>default</a:t>
-            </a:r>
-            <a:r>
-              <a:rPr lang="pl-PL" sz="1200" b="1" dirty="0"/>
-              <a:t> </a:t>
-            </a:r>
-            <a:r>
-              <a:rPr lang="pl-PL" sz="1200" dirty="0"/>
-              <a:t>– </a:t>
-            </a:r>
-            <a:r>
-              <a:rPr lang="pl-PL" sz="1200" dirty="0" err="1"/>
-              <a:t>paramtery</a:t>
-            </a:r>
-            <a:r>
-              <a:rPr lang="pl-PL" sz="1200" dirty="0"/>
-              <a:t> w konstruktorze klasy to domyślnie </a:t>
-            </a:r>
-            <a:r>
-              <a:rPr lang="pl-PL" sz="1200" dirty="0" err="1"/>
-              <a:t>val</a:t>
-            </a:r>
-            <a:r>
-              <a:rPr lang="pl-PL" sz="1200" dirty="0"/>
-              <a:t>, tak </a:t>
-            </a:r>
-            <a:r>
-              <a:rPr lang="pl-PL" sz="1200" dirty="0" err="1"/>
-              <a:t>wieć</a:t>
-            </a:r>
-            <a:r>
-              <a:rPr lang="pl-PL" sz="1200" dirty="0"/>
-              <a:t> </a:t>
-            </a:r>
-            <a:r>
-              <a:rPr lang="pl-PL" sz="1200" dirty="0" err="1"/>
-              <a:t>automatucznie</a:t>
-            </a:r>
-            <a:r>
-              <a:rPr lang="pl-PL" sz="1200" dirty="0"/>
-              <a:t> generowane są gettery dla każdego parametry al. </a:t>
-            </a:r>
-            <a:r>
-              <a:rPr lang="pl-PL" sz="1200" dirty="0" err="1"/>
-              <a:t>Enie</a:t>
-            </a:r>
-            <a:r>
-              <a:rPr lang="pl-PL" sz="1200" dirty="0"/>
-              <a:t> ma już </a:t>
-            </a:r>
-            <a:r>
-              <a:rPr lang="pl-PL" sz="1200" dirty="0" err="1"/>
-              <a:t>setterów</a:t>
-            </a:r>
-            <a:r>
-              <a:rPr lang="pl-PL" sz="1200" dirty="0"/>
-              <a:t>.</a:t>
-            </a:r>
-            <a:endParaRPr lang="pl-PL" dirty="0"/>
-          </a:p>
-          <a:p>
-            <a:pPr marL="0" marR="0" lvl="0" indent="0" algn="l" defTabSz="914400" rtl="0" eaLnBrk="1" fontAlgn="auto" latinLnBrk="0" hangingPunct="1">
-              <a:lnSpc>
-                <a:spcPct val="100000"/>
-              </a:lnSpc>
-              <a:spcBef>
-                <a:spcPts val="0"/>
-              </a:spcBef>
-              <a:spcAft>
-                <a:spcPts val="0"/>
-              </a:spcAft>
-              <a:buClrTx/>
-              <a:buSzTx/>
-              <a:buFontTx/>
-              <a:buNone/>
-              <a:tabLst/>
-              <a:defRPr/>
-            </a:pPr>
-            <a:r>
-              <a:rPr lang="en-US" sz="1200" b="1" dirty="0"/>
-              <a:t>Companion object </a:t>
-            </a:r>
-            <a:r>
-              <a:rPr lang="pl-PL" sz="1200" b="1" dirty="0"/>
-              <a:t>and </a:t>
-            </a:r>
-            <a:r>
-              <a:rPr lang="pl-PL" sz="1200" b="1" dirty="0" err="1"/>
-              <a:t>factory</a:t>
-            </a:r>
-            <a:r>
-              <a:rPr lang="pl-PL" sz="1200" b="1" dirty="0"/>
-              <a:t> </a:t>
-            </a:r>
-            <a:r>
-              <a:rPr lang="pl-PL" sz="1200" b="1" dirty="0" err="1"/>
-              <a:t>methods</a:t>
-            </a:r>
-            <a:r>
-              <a:rPr lang="pl-PL" sz="1200" b="1" dirty="0"/>
-              <a:t> </a:t>
-            </a:r>
-            <a:r>
-              <a:rPr lang="en-US" sz="1200" b="1" dirty="0"/>
-              <a:t>out of the box</a:t>
-            </a:r>
-            <a:r>
-              <a:rPr lang="pl-PL" sz="1200" b="1" dirty="0"/>
-              <a:t> </a:t>
-            </a:r>
-            <a:r>
-              <a:rPr lang="pl-PL" sz="1200" dirty="0"/>
-              <a:t>– w skrócie oznacza to, że nie musimy używać </a:t>
-            </a:r>
-            <a:r>
-              <a:rPr lang="pl-PL" sz="1200" dirty="0" err="1"/>
-              <a:t>keworda</a:t>
-            </a:r>
-            <a:r>
-              <a:rPr lang="pl-PL" sz="1200" dirty="0"/>
-              <a:t> </a:t>
-            </a:r>
-            <a:r>
-              <a:rPr lang="pl-PL" sz="1200" dirty="0" err="1"/>
-              <a:t>new</a:t>
-            </a:r>
-            <a:r>
-              <a:rPr lang="pl-PL" sz="1200" dirty="0"/>
-              <a:t> aby stworzyć instancję klasy.</a:t>
-            </a:r>
-          </a:p>
-          <a:p>
-            <a:pPr marL="0" marR="0" lvl="0" indent="0" algn="l" defTabSz="914400" rtl="0" eaLnBrk="1" fontAlgn="auto" latinLnBrk="0" hangingPunct="1">
-              <a:lnSpc>
-                <a:spcPct val="100000"/>
-              </a:lnSpc>
-              <a:spcBef>
-                <a:spcPts val="0"/>
-              </a:spcBef>
-              <a:spcAft>
-                <a:spcPts val="0"/>
-              </a:spcAft>
-              <a:buClrTx/>
-              <a:buSzTx/>
-              <a:buFontTx/>
-              <a:buNone/>
-              <a:tabLst/>
-              <a:defRPr/>
-            </a:pPr>
-            <a:r>
-              <a:rPr lang="pl-PL" sz="1200" dirty="0"/>
-              <a:t>Wszystko to dzięki automatycznie dodanej metodzie </a:t>
-            </a:r>
-            <a:r>
-              <a:rPr lang="pl-PL" sz="1200" dirty="0" err="1"/>
-              <a:t>apply</a:t>
-            </a:r>
-            <a:r>
-              <a:rPr lang="pl-PL" sz="1200" dirty="0"/>
-              <a:t>.</a:t>
-            </a:r>
-          </a:p>
-          <a:p>
-            <a:pPr marL="0" marR="0" lvl="0" indent="0" algn="l" defTabSz="914400" rtl="0" eaLnBrk="1" fontAlgn="auto" latinLnBrk="0" hangingPunct="1">
-              <a:lnSpc>
-                <a:spcPct val="100000"/>
-              </a:lnSpc>
-              <a:spcBef>
-                <a:spcPts val="0"/>
-              </a:spcBef>
-              <a:spcAft>
-                <a:spcPts val="0"/>
-              </a:spcAft>
-              <a:buClrTx/>
-              <a:buSzTx/>
-              <a:buFontTx/>
-              <a:buNone/>
-              <a:tabLst/>
-              <a:defRPr/>
-            </a:pPr>
-            <a:r>
-              <a:rPr lang="en-GB" sz="1200" b="1" dirty="0"/>
-              <a:t>Ability to be deconstructed with pattern matching</a:t>
-            </a:r>
-            <a:r>
-              <a:rPr lang="pl-PL" sz="1200" b="1" dirty="0"/>
-              <a:t> – </a:t>
-            </a:r>
-            <a:r>
-              <a:rPr lang="pl-PL" sz="1200" b="0" dirty="0"/>
-              <a:t>obok metody </a:t>
-            </a:r>
-            <a:r>
-              <a:rPr lang="pl-PL" sz="1200" b="0" dirty="0" err="1"/>
-              <a:t>apply</a:t>
-            </a:r>
-            <a:r>
-              <a:rPr lang="pl-PL" sz="1200" b="0" dirty="0"/>
-              <a:t> dostajemy również metodę </a:t>
-            </a:r>
-            <a:r>
-              <a:rPr lang="pl-PL" sz="1200" b="0" dirty="0" err="1"/>
-              <a:t>unapply</a:t>
-            </a:r>
-            <a:endParaRPr lang="pl-PL" sz="1200" b="0" dirty="0"/>
-          </a:p>
-          <a:p>
-            <a:pPr marL="0" marR="0" lvl="0" indent="0" algn="l" defTabSz="914400" rtl="0" eaLnBrk="1" fontAlgn="auto" latinLnBrk="0" hangingPunct="1">
-              <a:lnSpc>
-                <a:spcPct val="100000"/>
-              </a:lnSpc>
-              <a:spcBef>
-                <a:spcPts val="0"/>
-              </a:spcBef>
-              <a:spcAft>
-                <a:spcPts val="0"/>
-              </a:spcAft>
-              <a:buClrTx/>
-              <a:buSzTx/>
-              <a:buFontTx/>
-              <a:buNone/>
-              <a:tabLst/>
-              <a:defRPr/>
-            </a:pPr>
-            <a:endParaRPr lang="en-US" sz="1200" dirty="0"/>
-          </a:p>
-          <a:p>
-            <a:br>
-              <a:rPr lang="pl-PL" dirty="0"/>
-            </a:br>
             <a:endParaRPr lang="pl-PL" dirty="0"/>
           </a:p>
         </p:txBody>
@@ -3783,7 +3300,7 @@
     </p:spTree>
     <p:extLst>
       <p:ext uri="{BB962C8B-B14F-4D97-AF65-F5344CB8AC3E}">
-        <p14:creationId xmlns:p14="http://schemas.microsoft.com/office/powerpoint/2010/main" val="3267287691"/>
+        <p14:creationId xmlns:p14="http://schemas.microsoft.com/office/powerpoint/2010/main" val="2988260470"/>
       </p:ext>
     </p:extLst>
   </p:cSld>
@@ -3837,6 +3354,551 @@
           <a:bodyPr/>
           <a:lstStyle/>
           <a:p>
+            <a:r>
+              <a:rPr lang="pl-PL" sz="1200" b="0" i="0" u="none" strike="noStrike" kern="1200" baseline="0" dirty="0">
+                <a:solidFill>
+                  <a:schemeClr val="tx1"/>
+                </a:solidFill>
+                <a:latin typeface="+mn-lt"/>
+                <a:ea typeface="+mn-ea"/>
+                <a:cs typeface="+mn-cs"/>
+              </a:rPr>
+              <a:t>Case </a:t>
+            </a:r>
+            <a:r>
+              <a:rPr lang="pl-PL" sz="1200" b="0" i="0" u="none" strike="noStrike" kern="1200" baseline="0" dirty="0" err="1">
+                <a:solidFill>
+                  <a:schemeClr val="tx1"/>
+                </a:solidFill>
+                <a:latin typeface="+mn-lt"/>
+                <a:ea typeface="+mn-ea"/>
+                <a:cs typeface="+mn-cs"/>
+              </a:rPr>
+              <a:t>classes</a:t>
+            </a:r>
+            <a:r>
+              <a:rPr lang="pl-PL" sz="1200" b="0" i="0" u="none" strike="noStrike" kern="1200" baseline="0" dirty="0">
+                <a:solidFill>
+                  <a:schemeClr val="tx1"/>
+                </a:solidFill>
+                <a:latin typeface="+mn-lt"/>
+                <a:ea typeface="+mn-ea"/>
+                <a:cs typeface="+mn-cs"/>
+              </a:rPr>
+              <a:t> to sposób Scali na umożliwienie </a:t>
+            </a:r>
+            <a:r>
+              <a:rPr lang="pl-PL" sz="1200" b="0" i="0" u="none" strike="noStrike" kern="1200" baseline="0" dirty="0" err="1">
+                <a:solidFill>
+                  <a:schemeClr val="tx1"/>
+                </a:solidFill>
+                <a:latin typeface="+mn-lt"/>
+                <a:ea typeface="+mn-ea"/>
+                <a:cs typeface="+mn-cs"/>
+              </a:rPr>
+              <a:t>pattern</a:t>
+            </a:r>
+            <a:r>
+              <a:rPr lang="pl-PL" sz="1200" b="0" i="0" u="none" strike="noStrike" kern="1200" baseline="0" dirty="0">
+                <a:solidFill>
+                  <a:schemeClr val="tx1"/>
+                </a:solidFill>
+                <a:latin typeface="+mn-lt"/>
+                <a:ea typeface="+mn-ea"/>
+                <a:cs typeface="+mn-cs"/>
+              </a:rPr>
+              <a:t> </a:t>
+            </a:r>
+            <a:r>
+              <a:rPr lang="pl-PL" sz="1200" b="0" i="0" u="none" strike="noStrike" kern="1200" baseline="0" dirty="0" err="1">
+                <a:solidFill>
+                  <a:schemeClr val="tx1"/>
+                </a:solidFill>
+                <a:latin typeface="+mn-lt"/>
+                <a:ea typeface="+mn-ea"/>
+                <a:cs typeface="+mn-cs"/>
+              </a:rPr>
+              <a:t>matchingu</a:t>
+            </a:r>
+            <a:r>
+              <a:rPr lang="pl-PL" sz="1200" b="0" i="0" u="none" strike="noStrike" kern="1200" baseline="0" dirty="0">
+                <a:solidFill>
+                  <a:schemeClr val="tx1"/>
+                </a:solidFill>
+                <a:latin typeface="+mn-lt"/>
+                <a:ea typeface="+mn-ea"/>
+                <a:cs typeface="+mn-cs"/>
+              </a:rPr>
+              <a:t> na obiektach bez konieczności pisanie dużej ilości </a:t>
+            </a:r>
+            <a:r>
+              <a:rPr lang="pl-PL" sz="1200" b="0" i="0" u="none" strike="noStrike" kern="1200" baseline="0" dirty="0" err="1">
+                <a:solidFill>
+                  <a:schemeClr val="tx1"/>
+                </a:solidFill>
+                <a:latin typeface="+mn-lt"/>
+                <a:ea typeface="+mn-ea"/>
+                <a:cs typeface="+mn-cs"/>
+              </a:rPr>
+              <a:t>boiler</a:t>
+            </a:r>
+            <a:r>
+              <a:rPr lang="pl-PL" sz="1200" b="0" i="0" u="none" strike="noStrike" kern="1200" baseline="0" dirty="0">
+                <a:solidFill>
+                  <a:schemeClr val="tx1"/>
+                </a:solidFill>
+                <a:latin typeface="+mn-lt"/>
+                <a:ea typeface="+mn-ea"/>
+                <a:cs typeface="+mn-cs"/>
+              </a:rPr>
+              <a:t> </a:t>
+            </a:r>
+            <a:r>
+              <a:rPr lang="pl-PL" sz="1200" b="0" i="0" u="none" strike="noStrike" kern="1200" baseline="0" dirty="0" err="1">
+                <a:solidFill>
+                  <a:schemeClr val="tx1"/>
+                </a:solidFill>
+                <a:latin typeface="+mn-lt"/>
+                <a:ea typeface="+mn-ea"/>
+                <a:cs typeface="+mn-cs"/>
+              </a:rPr>
+              <a:t>plate’u</a:t>
+            </a:r>
+            <a:r>
+              <a:rPr lang="pl-PL" sz="1200" b="0" i="0" u="none" strike="noStrike" kern="1200" baseline="0" dirty="0">
+                <a:solidFill>
+                  <a:schemeClr val="tx1"/>
+                </a:solidFill>
+                <a:latin typeface="+mn-lt"/>
+                <a:ea typeface="+mn-ea"/>
+                <a:cs typeface="+mn-cs"/>
+              </a:rPr>
+              <a:t>.</a:t>
+            </a:r>
+          </a:p>
+          <a:p>
+            <a:r>
+              <a:rPr lang="pl-PL" sz="1200" b="0" i="0" u="none" strike="noStrike" kern="1200" baseline="0" dirty="0">
+                <a:solidFill>
+                  <a:schemeClr val="tx1"/>
+                </a:solidFill>
+                <a:latin typeface="+mn-lt"/>
+                <a:ea typeface="+mn-ea"/>
+                <a:cs typeface="+mn-cs"/>
+              </a:rPr>
+              <a:t>Wszystko co musisz zrobić to dodać </a:t>
+            </a:r>
+            <a:r>
+              <a:rPr lang="pl-PL" sz="1200" b="0" i="0" u="none" strike="noStrike" kern="1200" baseline="0" dirty="0" err="1">
+                <a:solidFill>
+                  <a:schemeClr val="tx1"/>
+                </a:solidFill>
+                <a:latin typeface="+mn-lt"/>
+                <a:ea typeface="+mn-ea"/>
+                <a:cs typeface="+mn-cs"/>
+              </a:rPr>
+              <a:t>case</a:t>
+            </a:r>
+            <a:r>
+              <a:rPr lang="pl-PL" sz="1200" b="0" i="0" u="none" strike="noStrike" kern="1200" baseline="0" dirty="0">
+                <a:solidFill>
+                  <a:schemeClr val="tx1"/>
+                </a:solidFill>
+                <a:latin typeface="+mn-lt"/>
+                <a:ea typeface="+mn-ea"/>
+                <a:cs typeface="+mn-cs"/>
+              </a:rPr>
+              <a:t> </a:t>
+            </a:r>
+            <a:r>
+              <a:rPr lang="pl-PL" sz="1200" b="0" i="0" u="none" strike="noStrike" kern="1200" baseline="0" dirty="0" err="1">
+                <a:solidFill>
+                  <a:schemeClr val="tx1"/>
+                </a:solidFill>
+                <a:latin typeface="+mn-lt"/>
+                <a:ea typeface="+mn-ea"/>
+                <a:cs typeface="+mn-cs"/>
+              </a:rPr>
+              <a:t>keyword</a:t>
+            </a:r>
+            <a:r>
+              <a:rPr lang="pl-PL" sz="1200" b="0" i="0" u="none" strike="noStrike" kern="1200" baseline="0" dirty="0">
+                <a:solidFill>
+                  <a:schemeClr val="tx1"/>
+                </a:solidFill>
+                <a:latin typeface="+mn-lt"/>
+                <a:ea typeface="+mn-ea"/>
+                <a:cs typeface="+mn-cs"/>
+              </a:rPr>
+              <a:t> do definicji klasy i dzięki temu na klasie może być wykonany </a:t>
+            </a:r>
+            <a:r>
+              <a:rPr lang="pl-PL" sz="1200" b="0" i="0" u="none" strike="noStrike" kern="1200" baseline="0" dirty="0" err="1">
+                <a:solidFill>
+                  <a:schemeClr val="tx1"/>
+                </a:solidFill>
+                <a:latin typeface="+mn-lt"/>
+                <a:ea typeface="+mn-ea"/>
+                <a:cs typeface="+mn-cs"/>
+              </a:rPr>
+              <a:t>pattern</a:t>
+            </a:r>
+            <a:r>
+              <a:rPr lang="pl-PL" sz="1200" b="0" i="0" u="none" strike="noStrike" kern="1200" baseline="0" dirty="0">
+                <a:solidFill>
+                  <a:schemeClr val="tx1"/>
+                </a:solidFill>
+                <a:latin typeface="+mn-lt"/>
+                <a:ea typeface="+mn-ea"/>
+                <a:cs typeface="+mn-cs"/>
+              </a:rPr>
+              <a:t> </a:t>
+            </a:r>
+            <a:r>
+              <a:rPr lang="pl-PL" sz="1200" b="0" i="0" u="none" strike="noStrike" kern="1200" baseline="0" dirty="0" err="1">
+                <a:solidFill>
+                  <a:schemeClr val="tx1"/>
+                </a:solidFill>
+                <a:latin typeface="+mn-lt"/>
+                <a:ea typeface="+mn-ea"/>
+                <a:cs typeface="+mn-cs"/>
+              </a:rPr>
+              <a:t>matching</a:t>
+            </a:r>
+            <a:r>
+              <a:rPr lang="pl-PL" sz="1200" b="0" i="0" u="none" strike="noStrike" kern="1200" baseline="0" dirty="0">
+                <a:solidFill>
+                  <a:schemeClr val="tx1"/>
+                </a:solidFill>
+                <a:latin typeface="+mn-lt"/>
+                <a:ea typeface="+mn-ea"/>
+                <a:cs typeface="+mn-cs"/>
+              </a:rPr>
+              <a:t>.</a:t>
+            </a:r>
+          </a:p>
+          <a:p>
+            <a:endParaRPr lang="pl-PL" dirty="0"/>
+          </a:p>
+          <a:p>
+            <a:pPr marL="0" marR="0" lvl="0" indent="0" algn="l" defTabSz="914400" rtl="0" eaLnBrk="1" fontAlgn="auto" latinLnBrk="0" hangingPunct="1">
+              <a:lnSpc>
+                <a:spcPct val="100000"/>
+              </a:lnSpc>
+              <a:spcBef>
+                <a:spcPts val="0"/>
+              </a:spcBef>
+              <a:spcAft>
+                <a:spcPts val="0"/>
+              </a:spcAft>
+              <a:buClrTx/>
+              <a:buSzTx/>
+              <a:buFontTx/>
+              <a:buNone/>
+              <a:tabLst/>
+              <a:defRPr/>
+            </a:pPr>
+            <a:r>
+              <a:rPr lang="pl-PL" sz="1200" b="1" dirty="0" err="1"/>
+              <a:t>Immutable</a:t>
+            </a:r>
+            <a:r>
+              <a:rPr lang="pl-PL" sz="1200" b="1" dirty="0"/>
+              <a:t> by </a:t>
+            </a:r>
+            <a:r>
+              <a:rPr lang="pl-PL" sz="1200" b="1" dirty="0" err="1"/>
+              <a:t>default</a:t>
+            </a:r>
+            <a:r>
+              <a:rPr lang="pl-PL" sz="1200" b="1" dirty="0"/>
+              <a:t> </a:t>
+            </a:r>
+            <a:r>
+              <a:rPr lang="pl-PL" sz="1200" dirty="0"/>
+              <a:t>– </a:t>
+            </a:r>
+            <a:r>
+              <a:rPr lang="pl-PL" sz="1200" dirty="0" err="1"/>
+              <a:t>paramtery</a:t>
+            </a:r>
+            <a:r>
+              <a:rPr lang="pl-PL" sz="1200" dirty="0"/>
+              <a:t> w konstruktorze klasy to domyślnie </a:t>
+            </a:r>
+            <a:r>
+              <a:rPr lang="pl-PL" sz="1200" dirty="0" err="1"/>
+              <a:t>val</a:t>
+            </a:r>
+            <a:r>
+              <a:rPr lang="pl-PL" sz="1200" dirty="0"/>
+              <a:t>, tak </a:t>
+            </a:r>
+            <a:r>
+              <a:rPr lang="pl-PL" sz="1200" dirty="0" err="1"/>
+              <a:t>wieć</a:t>
+            </a:r>
+            <a:r>
+              <a:rPr lang="pl-PL" sz="1200" dirty="0"/>
+              <a:t> </a:t>
+            </a:r>
+            <a:r>
+              <a:rPr lang="pl-PL" sz="1200" dirty="0" err="1"/>
+              <a:t>automatucznie</a:t>
+            </a:r>
+            <a:r>
+              <a:rPr lang="pl-PL" sz="1200" dirty="0"/>
+              <a:t> generowane są gettery dla każdego parametry al. </a:t>
+            </a:r>
+            <a:r>
+              <a:rPr lang="pl-PL" sz="1200" dirty="0" err="1"/>
+              <a:t>Enie</a:t>
+            </a:r>
+            <a:r>
+              <a:rPr lang="pl-PL" sz="1200" dirty="0"/>
+              <a:t> ma już </a:t>
+            </a:r>
+            <a:r>
+              <a:rPr lang="pl-PL" sz="1200" dirty="0" err="1"/>
+              <a:t>setterów</a:t>
+            </a:r>
+            <a:r>
+              <a:rPr lang="pl-PL" sz="1200" dirty="0"/>
+              <a:t>.</a:t>
+            </a:r>
+            <a:endParaRPr lang="pl-PL" dirty="0"/>
+          </a:p>
+          <a:p>
+            <a:pPr marL="0" marR="0" lvl="0" indent="0" algn="l" defTabSz="914400" rtl="0" eaLnBrk="1" fontAlgn="auto" latinLnBrk="0" hangingPunct="1">
+              <a:lnSpc>
+                <a:spcPct val="100000"/>
+              </a:lnSpc>
+              <a:spcBef>
+                <a:spcPts val="0"/>
+              </a:spcBef>
+              <a:spcAft>
+                <a:spcPts val="0"/>
+              </a:spcAft>
+              <a:buClrTx/>
+              <a:buSzTx/>
+              <a:buFontTx/>
+              <a:buNone/>
+              <a:tabLst/>
+              <a:defRPr/>
+            </a:pPr>
+            <a:r>
+              <a:rPr lang="en-US" sz="1200" b="1" dirty="0"/>
+              <a:t>Companion object </a:t>
+            </a:r>
+            <a:r>
+              <a:rPr lang="pl-PL" sz="1200" b="1" dirty="0"/>
+              <a:t>and </a:t>
+            </a:r>
+            <a:r>
+              <a:rPr lang="pl-PL" sz="1200" b="1" dirty="0" err="1"/>
+              <a:t>factory</a:t>
+            </a:r>
+            <a:r>
+              <a:rPr lang="pl-PL" sz="1200" b="1" dirty="0"/>
+              <a:t> </a:t>
+            </a:r>
+            <a:r>
+              <a:rPr lang="pl-PL" sz="1200" b="1" dirty="0" err="1"/>
+              <a:t>methods</a:t>
+            </a:r>
+            <a:r>
+              <a:rPr lang="pl-PL" sz="1200" b="1" dirty="0"/>
+              <a:t> </a:t>
+            </a:r>
+            <a:r>
+              <a:rPr lang="en-US" sz="1200" b="1" dirty="0"/>
+              <a:t>out of the box</a:t>
+            </a:r>
+            <a:r>
+              <a:rPr lang="pl-PL" sz="1200" b="1" dirty="0"/>
+              <a:t> </a:t>
+            </a:r>
+            <a:r>
+              <a:rPr lang="pl-PL" sz="1200" dirty="0"/>
+              <a:t>– w skrócie oznacza to, że nie musimy używać </a:t>
+            </a:r>
+            <a:r>
+              <a:rPr lang="pl-PL" sz="1200" dirty="0" err="1"/>
+              <a:t>keworda</a:t>
+            </a:r>
+            <a:r>
+              <a:rPr lang="pl-PL" sz="1200" dirty="0"/>
+              <a:t> </a:t>
+            </a:r>
+            <a:r>
+              <a:rPr lang="pl-PL" sz="1200" dirty="0" err="1"/>
+              <a:t>new</a:t>
+            </a:r>
+            <a:r>
+              <a:rPr lang="pl-PL" sz="1200" dirty="0"/>
+              <a:t> aby stworzyć instancję klasy.</a:t>
+            </a:r>
+          </a:p>
+          <a:p>
+            <a:pPr marL="0" marR="0" lvl="0" indent="0" algn="l" defTabSz="914400" rtl="0" eaLnBrk="1" fontAlgn="auto" latinLnBrk="0" hangingPunct="1">
+              <a:lnSpc>
+                <a:spcPct val="100000"/>
+              </a:lnSpc>
+              <a:spcBef>
+                <a:spcPts val="0"/>
+              </a:spcBef>
+              <a:spcAft>
+                <a:spcPts val="0"/>
+              </a:spcAft>
+              <a:buClrTx/>
+              <a:buSzTx/>
+              <a:buFontTx/>
+              <a:buNone/>
+              <a:tabLst/>
+              <a:defRPr/>
+            </a:pPr>
+            <a:r>
+              <a:rPr lang="pl-PL" sz="1200" dirty="0"/>
+              <a:t>Wszystko to dzięki automatycznie dodanej metodzie </a:t>
+            </a:r>
+            <a:r>
+              <a:rPr lang="pl-PL" sz="1200" dirty="0" err="1"/>
+              <a:t>apply</a:t>
+            </a:r>
+            <a:r>
+              <a:rPr lang="pl-PL" sz="1200" dirty="0"/>
+              <a:t>.</a:t>
+            </a:r>
+          </a:p>
+          <a:p>
+            <a:pPr marL="0" marR="0" lvl="0" indent="0" algn="l" defTabSz="914400" rtl="0" eaLnBrk="1" fontAlgn="auto" latinLnBrk="0" hangingPunct="1">
+              <a:lnSpc>
+                <a:spcPct val="100000"/>
+              </a:lnSpc>
+              <a:spcBef>
+                <a:spcPts val="0"/>
+              </a:spcBef>
+              <a:spcAft>
+                <a:spcPts val="0"/>
+              </a:spcAft>
+              <a:buClrTx/>
+              <a:buSzTx/>
+              <a:buFontTx/>
+              <a:buNone/>
+              <a:tabLst/>
+              <a:defRPr/>
+            </a:pPr>
+            <a:r>
+              <a:rPr lang="en-GB" sz="1200" b="1" dirty="0"/>
+              <a:t>Ability to be deconstructed with pattern matching</a:t>
+            </a:r>
+            <a:r>
+              <a:rPr lang="pl-PL" sz="1200" b="1" dirty="0"/>
+              <a:t> – </a:t>
+            </a:r>
+            <a:r>
+              <a:rPr lang="pl-PL" sz="1200" b="0" dirty="0"/>
+              <a:t>obok metody </a:t>
+            </a:r>
+            <a:r>
+              <a:rPr lang="pl-PL" sz="1200" b="0" dirty="0" err="1"/>
+              <a:t>apply</a:t>
+            </a:r>
+            <a:r>
+              <a:rPr lang="pl-PL" sz="1200" b="0" dirty="0"/>
+              <a:t> dostajemy również metodę </a:t>
+            </a:r>
+            <a:r>
+              <a:rPr lang="pl-PL" sz="1200" b="0" dirty="0" err="1"/>
+              <a:t>unapply</a:t>
+            </a:r>
+            <a:endParaRPr lang="pl-PL" sz="1200" b="0" dirty="0"/>
+          </a:p>
+          <a:p>
+            <a:pPr marL="0" marR="0" lvl="0" indent="0" algn="l" defTabSz="914400" rtl="0" eaLnBrk="1" fontAlgn="auto" latinLnBrk="0" hangingPunct="1">
+              <a:lnSpc>
+                <a:spcPct val="100000"/>
+              </a:lnSpc>
+              <a:spcBef>
+                <a:spcPts val="0"/>
+              </a:spcBef>
+              <a:spcAft>
+                <a:spcPts val="0"/>
+              </a:spcAft>
+              <a:buClrTx/>
+              <a:buSzTx/>
+              <a:buFontTx/>
+              <a:buNone/>
+              <a:tabLst/>
+              <a:defRPr/>
+            </a:pPr>
+            <a:endParaRPr lang="en-US" sz="1200" dirty="0"/>
+          </a:p>
+          <a:p>
+            <a:br>
+              <a:rPr lang="pl-PL" dirty="0"/>
+            </a:br>
+            <a:endParaRPr lang="pl-PL" dirty="0"/>
+          </a:p>
+        </p:txBody>
+      </p:sp>
+    </p:spTree>
+    <p:extLst>
+      <p:ext uri="{BB962C8B-B14F-4D97-AF65-F5344CB8AC3E}">
+        <p14:creationId xmlns:p14="http://schemas.microsoft.com/office/powerpoint/2010/main" val="3267287691"/>
+      </p:ext>
+    </p:extLst>
+  </p:cSld>
+  <p:clrMapOvr>
+    <a:masterClrMapping/>
+  </p:clrMapOvr>
+</p:notes>
+</file>
+
+<file path=ppt/notesSlides/notesSlide23.xml><?xml version="1.0" encoding="utf-8"?>
+<p:notes xmlns:a="http://schemas.openxmlformats.org/drawingml/2006/main" xmlns:r="http://schemas.openxmlformats.org/officeDocument/2006/relationships" xmlns:p="http://schemas.openxmlformats.org/presentationml/2006/main">
+  <p:cSld>
+    <p:spTree>
+      <p:nvGrpSpPr>
+        <p:cNvPr id="1" name=""/>
+        <p:cNvGrpSpPr/>
+        <p:nvPr/>
+      </p:nvGrpSpPr>
+      <p:grpSpPr>
+        <a:xfrm>
+          <a:off x="0" y="0"/>
+          <a:ext cx="0" cy="0"/>
+          <a:chOff x="0" y="0"/>
+          <a:chExt cx="0" cy="0"/>
+        </a:xfrm>
+      </p:grpSpPr>
+      <p:sp>
+        <p:nvSpPr>
+          <p:cNvPr id="2" name="Slide Image Placeholder 1"/>
+          <p:cNvSpPr>
+            <a:spLocks noGrp="1" noRot="1" noChangeAspect="1"/>
+          </p:cNvSpPr>
+          <p:nvPr>
+            <p:ph type="sldImg"/>
+          </p:nvPr>
+        </p:nvSpPr>
+        <p:spPr/>
+      </p:sp>
+      <p:sp>
+        <p:nvSpPr>
+          <p:cNvPr id="3" name="Notes Placeholder 2"/>
+          <p:cNvSpPr>
+            <a:spLocks noGrp="1"/>
+          </p:cNvSpPr>
+          <p:nvPr>
+            <p:ph type="body" idx="1"/>
+          </p:nvPr>
+        </p:nvSpPr>
+        <p:spPr/>
+        <p:txBody>
+          <a:bodyPr/>
+          <a:lstStyle/>
+          <a:p>
             <a:pPr marL="0" indent="0">
               <a:buNone/>
             </a:pPr>
@@ -4423,7 +4485,7 @@
 </p:notes>
 </file>
 
-<file path=ppt/notesSlides/notesSlide23.xml><?xml version="1.0" encoding="utf-8"?>
+<file path=ppt/notesSlides/notesSlide24.xml><?xml version="1.0" encoding="utf-8"?>
 <p:notes xmlns:a="http://schemas.openxmlformats.org/drawingml/2006/main" xmlns:r="http://schemas.openxmlformats.org/officeDocument/2006/relationships" xmlns:p="http://schemas.openxmlformats.org/presentationml/2006/main">
   <p:cSld>
     <p:spTree>
@@ -5759,7 +5821,7 @@
               <a:t>, odpowiedzialny za </a:t>
             </a:r>
             <a:r>
-              <a:rPr lang="pl-PL" sz="1200" b="0" i="0" u="none" strike="noStrike" kern="1200" baseline="0" dirty="0" err="1">
+              <a:rPr lang="pl-PL" sz="1200" b="1" i="0" u="none" strike="noStrike" kern="1200" baseline="0" dirty="0" err="1">
                 <a:solidFill>
                   <a:schemeClr val="tx1"/>
                 </a:solidFill>
@@ -5770,6 +5832,17 @@
               <a:t>shedulling</a:t>
             </a:r>
             <a:r>
+              <a:rPr lang="pl-PL" sz="1200" b="1" i="0" u="none" strike="noStrike" kern="1200" baseline="0" dirty="0">
+                <a:solidFill>
+                  <a:schemeClr val="tx1"/>
+                </a:solidFill>
+                <a:latin typeface="+mn-lt"/>
+                <a:ea typeface="+mn-ea"/>
+                <a:cs typeface="+mn-cs"/>
+              </a:rPr>
+              <a:t> i dystrybucje operacji na rozproszonym środowisku, </a:t>
+            </a:r>
+            <a:r>
               <a:rPr lang="pl-PL" sz="1200" b="0" i="0" u="none" strike="noStrike" kern="1200" baseline="0" dirty="0">
                 <a:solidFill>
                   <a:schemeClr val="tx1"/>
@@ -5778,7 +5851,7 @@
                 <a:ea typeface="+mn-ea"/>
                 <a:cs typeface="+mn-cs"/>
               </a:rPr>
-              <a:t> i dystrybucje operacji na rozproszonym środowisku, jakimi jest klaster.</a:t>
+              <a:t>jakimi jest klaster.</a:t>
             </a:r>
           </a:p>
           <a:p>
@@ -11368,7 +11441,15 @@
             </a:r>
             <a:r>
               <a:rPr lang="en-GB" sz="2000" dirty="0"/>
-              <a:t> Code</a:t>
+              <a:t> </a:t>
+            </a:r>
+            <a:r>
+              <a:rPr lang="pl-PL" sz="2000" dirty="0"/>
+              <a:t>c</a:t>
+            </a:r>
+            <a:r>
+              <a:rPr lang="en-GB" sz="2000" dirty="0"/>
+              <a:t>ode</a:t>
             </a:r>
           </a:p>
           <a:p>
@@ -12348,7 +12429,7 @@
         </p:nvSpPr>
         <p:spPr>
           <a:xfrm>
-            <a:off x="755650" y="413693"/>
+            <a:off x="755650" y="173663"/>
             <a:ext cx="7632700" cy="357857"/>
           </a:xfrm>
         </p:spPr>
@@ -12358,7 +12439,7 @@
           <a:p>
             <a:r>
               <a:rPr lang="en-US" dirty="0"/>
-              <a:t>Instead of summary	</a:t>
+              <a:t>One Ring to rule them all</a:t>
             </a:r>
           </a:p>
         </p:txBody>
@@ -12391,38 +12472,6 @@
             <a:r>
               <a:rPr lang="pl-PL" dirty="0"/>
               <a:t>, 06.02.2019</a:t>
-            </a:r>
-          </a:p>
-          <a:p>
-            <a:endParaRPr lang="pl-PL" dirty="0"/>
-          </a:p>
-        </p:txBody>
-      </p:sp>
-      <p:sp>
-        <p:nvSpPr>
-          <p:cNvPr id="4" name="Date Placeholder 3"/>
-          <p:cNvSpPr>
-            <a:spLocks noGrp="1"/>
-          </p:cNvSpPr>
-          <p:nvPr>
-            <p:ph type="dt" sz="half" idx="15"/>
-          </p:nvPr>
-        </p:nvSpPr>
-        <p:spPr/>
-        <p:txBody>
-          <a:bodyPr/>
-          <a:lstStyle/>
-          <a:p>
-            <a:r>
-              <a:rPr lang="en-US" dirty="0"/>
-              <a:t>SMACK Reference Architecture</a:t>
-            </a:r>
-            <a:endParaRPr lang="pl-PL" dirty="0"/>
-          </a:p>
-          <a:p>
-            <a:r>
-              <a:rPr lang="pl-PL" dirty="0"/>
-              <a:t>Apache Spark &amp; Scala</a:t>
             </a:r>
           </a:p>
           <a:p>
@@ -12465,120 +12514,76 @@
           </a:p>
         </p:txBody>
       </p:sp>
-      <p:sp>
-        <p:nvSpPr>
-          <p:cNvPr id="5" name="Rectangle 4">
-            <a:hlinkClick r:id="rId3"/>
+      <p:pic>
+        <p:nvPicPr>
+          <p:cNvPr id="11" name="Picture 10">
             <a:extLst>
               <a:ext uri="{FF2B5EF4-FFF2-40B4-BE49-F238E27FC236}">
-                <a16:creationId xmlns:a16="http://schemas.microsoft.com/office/drawing/2014/main" id="{E2235CDF-EF62-486E-8EBB-310A2294A914}"/>
+                <a16:creationId xmlns:a16="http://schemas.microsoft.com/office/drawing/2014/main" id="{047EAADA-B3B8-4AB5-854E-F6A835A7C0B4}"/>
               </a:ext>
             </a:extLst>
           </p:cNvPr>
-          <p:cNvSpPr/>
+          <p:cNvPicPr>
+            <a:picLocks noChangeAspect="1"/>
+          </p:cNvPicPr>
           <p:nvPr/>
-        </p:nvSpPr>
+        </p:nvPicPr>
+        <p:blipFill>
+          <a:blip r:embed="rId3" cstate="print">
+            <a:extLst>
+              <a:ext uri="{28A0092B-C50C-407E-A947-70E740481C1C}">
+                <a14:useLocalDpi xmlns:a14="http://schemas.microsoft.com/office/drawing/2010/main" val="0"/>
+              </a:ext>
+            </a:extLst>
+          </a:blip>
+          <a:stretch>
+            <a:fillRect/>
+          </a:stretch>
+        </p:blipFill>
         <p:spPr>
           <a:xfrm>
-            <a:off x="4543669" y="2988032"/>
-            <a:ext cx="2907924" cy="338554"/>
+            <a:off x="-1044624" y="14868"/>
+            <a:ext cx="11032628" cy="5516314"/>
           </a:xfrm>
           <a:prstGeom prst="rect">
             <a:avLst/>
           </a:prstGeom>
         </p:spPr>
-        <p:txBody>
-          <a:bodyPr wrap="square">
-            <a:spAutoFit/>
-          </a:bodyPr>
-          <a:lstStyle/>
-          <a:p>
-            <a:pPr algn="r"/>
-            <a:r>
-              <a:rPr lang="pl-PL" sz="1600" dirty="0"/>
-              <a:t>Martin </a:t>
-            </a:r>
-            <a:r>
-              <a:rPr lang="pl-PL" sz="1600" dirty="0" err="1"/>
-              <a:t>Odersky</a:t>
-            </a:r>
-            <a:endParaRPr lang="pl-PL" sz="1600" dirty="0"/>
-          </a:p>
-        </p:txBody>
-      </p:sp>
+      </p:pic>
       <p:sp>
         <p:nvSpPr>
-          <p:cNvPr id="6" name="Rectangle 5">
-            <a:extLst>
-              <a:ext uri="{FF2B5EF4-FFF2-40B4-BE49-F238E27FC236}">
-                <a16:creationId xmlns:a16="http://schemas.microsoft.com/office/drawing/2014/main" id="{596307F1-AB44-4D02-9B91-44D2BB2A9CF5}"/>
-              </a:ext>
-            </a:extLst>
-          </p:cNvPr>
-          <p:cNvSpPr/>
-          <p:nvPr/>
+          <p:cNvPr id="4" name="Date Placeholder 3"/>
+          <p:cNvSpPr>
+            <a:spLocks noGrp="1"/>
+          </p:cNvSpPr>
+          <p:nvPr>
+            <p:ph type="dt" sz="half" idx="15"/>
+          </p:nvPr>
         </p:nvSpPr>
         <p:spPr>
           <a:xfrm>
-            <a:off x="1403648" y="974837"/>
-            <a:ext cx="6336704" cy="1754326"/>
+            <a:off x="764322" y="4748752"/>
+            <a:ext cx="1935470" cy="394748"/>
           </a:xfrm>
-          <a:prstGeom prst="rect">
-            <a:avLst/>
-          </a:prstGeom>
         </p:spPr>
         <p:txBody>
-          <a:bodyPr wrap="square">
-            <a:spAutoFit/>
-          </a:bodyPr>
+          <a:bodyPr/>
           <a:lstStyle/>
           <a:p>
             <a:r>
-              <a:rPr lang="en-US" dirty="0">
-                <a:solidFill>
-                  <a:srgbClr val="3B3835"/>
-                </a:solidFill>
-                <a:latin typeface="Helvetica Neue"/>
-              </a:rPr>
-              <a:t>Spark and Scala are beautiful examples of what can be achieved by a bunch of dedicated grad students using a language &amp; system originally written by another bunch of dedicated grad students. </a:t>
-            </a:r>
-            <a:endParaRPr lang="pl-PL" dirty="0">
-              <a:solidFill>
-                <a:srgbClr val="3B3835"/>
-              </a:solidFill>
-              <a:latin typeface="Helvetica Neue"/>
-            </a:endParaRPr>
-          </a:p>
-          <a:p>
-            <a:pPr algn="just"/>
-            <a:endParaRPr lang="pl-PL" dirty="0">
-              <a:solidFill>
-                <a:srgbClr val="3B3835"/>
-              </a:solidFill>
-              <a:latin typeface="Helvetica Neue"/>
-            </a:endParaRPr>
-          </a:p>
-          <a:p>
-            <a:pPr algn="just"/>
-            <a:r>
-              <a:rPr lang="en-US" dirty="0">
-                <a:solidFill>
-                  <a:srgbClr val="3B3835"/>
-                </a:solidFill>
-                <a:latin typeface="Helvetica Neue"/>
-              </a:rPr>
-              <a:t>I am looking forward to the next steps of their co-evolution</a:t>
-            </a:r>
-            <a:r>
-              <a:rPr lang="pl-PL" dirty="0">
-                <a:solidFill>
-                  <a:srgbClr val="3B3835"/>
-                </a:solidFill>
-                <a:latin typeface="Helvetica Neue"/>
-              </a:rPr>
-              <a:t>.</a:t>
-            </a:r>
-            <a:endParaRPr lang="en-US" dirty="0"/>
+              <a:rPr lang="en-US" dirty="0"/>
+              <a:t>SMACK Reference Architecture</a:t>
+            </a:r>
+            <a:endParaRPr lang="pl-PL" dirty="0"/>
+          </a:p>
+          <a:p>
+            <a:r>
+              <a:rPr lang="pl-PL" dirty="0"/>
+              <a:t>Apache Spark &amp; Scala</a:t>
+            </a:r>
+          </a:p>
+          <a:p>
+            <a:endParaRPr lang="pl-PL" dirty="0"/>
           </a:p>
         </p:txBody>
       </p:sp>
@@ -12614,41 +12619,6 @@
       </p:grpSpPr>
       <p:sp>
         <p:nvSpPr>
-          <p:cNvPr id="2" name="Title 1"/>
-          <p:cNvSpPr>
-            <a:spLocks noGrp="1"/>
-          </p:cNvSpPr>
-          <p:nvPr>
-            <p:ph type="title"/>
-          </p:nvPr>
-        </p:nvSpPr>
-        <p:spPr>
-          <a:xfrm>
-            <a:off x="755650" y="413693"/>
-            <a:ext cx="7632700" cy="357857"/>
-          </a:xfrm>
-        </p:spPr>
-        <p:txBody>
-          <a:bodyPr/>
-          <a:lstStyle/>
-          <a:p>
-            <a:r>
-              <a:rPr lang="en-US" dirty="0"/>
-              <a:t>Scala: function as a first class</a:t>
-            </a:r>
-            <a:r>
-              <a:rPr lang="pl-PL" dirty="0"/>
-              <a:t> </a:t>
-            </a:r>
-            <a:r>
-              <a:rPr lang="en-US" dirty="0"/>
-              <a:t>citizen</a:t>
-            </a:r>
-          </a:p>
-        </p:txBody>
-      </p:sp>
-      <p:sp>
-        <p:nvSpPr>
           <p:cNvPr id="3" name="Footer Placeholder 2"/>
           <p:cNvSpPr>
             <a:spLocks noGrp="1"/>
@@ -12661,22 +12631,6 @@
         <p:txBody>
           <a:bodyPr/>
           <a:lstStyle/>
-          <a:p>
-            <a:r>
-              <a:rPr lang="pl-PL" dirty="0"/>
-              <a:t>Krzysztof Stanaszek</a:t>
-            </a:r>
-          </a:p>
-          <a:p>
-            <a:r>
-              <a:rPr lang="pl-PL" dirty="0" err="1"/>
-              <a:t>zJava</a:t>
-            </a:r>
-            <a:r>
-              <a:rPr lang="pl-PL" dirty="0"/>
-              <a:t>, 06.02.2019</a:t>
-            </a:r>
-          </a:p>
           <a:p>
             <a:endParaRPr lang="pl-PL" dirty="0"/>
           </a:p>
@@ -12697,244 +12651,47 @@
           <a:bodyPr/>
           <a:lstStyle/>
           <a:p>
-            <a:r>
-              <a:rPr lang="en-US" dirty="0"/>
-              <a:t>SMACK Reference Architecture</a:t>
-            </a:r>
-            <a:endParaRPr lang="pl-PL" dirty="0"/>
-          </a:p>
-          <a:p>
-            <a:r>
-              <a:rPr lang="pl-PL" dirty="0"/>
-              <a:t>Apache Spark &amp; Scala</a:t>
-            </a:r>
-          </a:p>
-          <a:p>
             <a:endParaRPr lang="pl-PL" dirty="0"/>
           </a:p>
         </p:txBody>
       </p:sp>
       <p:sp>
         <p:nvSpPr>
-          <p:cNvPr id="6" name="Text Placeholder 4"/>
-          <p:cNvSpPr txBox="1">
-            <a:spLocks/>
+          <p:cNvPr id="9" name="Title 1">
+            <a:extLst>
+              <a:ext uri="{FF2B5EF4-FFF2-40B4-BE49-F238E27FC236}">
+                <a16:creationId xmlns:a16="http://schemas.microsoft.com/office/drawing/2014/main" id="{82B65652-5EB9-4867-9E15-64C595EA21D0}"/>
+              </a:ext>
+            </a:extLst>
+          </p:cNvPr>
+          <p:cNvSpPr>
+            <a:spLocks noGrp="1"/>
           </p:cNvSpPr>
-          <p:nvPr/>
+          <p:nvPr>
+            <p:ph type="title"/>
+          </p:nvPr>
         </p:nvSpPr>
         <p:spPr>
           <a:xfrm>
-            <a:off x="755650" y="915566"/>
-            <a:ext cx="7632700" cy="3797624"/>
+            <a:off x="3833918" y="2392821"/>
+            <a:ext cx="1476164" cy="357857"/>
           </a:xfrm>
-          <a:prstGeom prst="rect">
-            <a:avLst/>
-          </a:prstGeom>
         </p:spPr>
         <p:txBody>
-          <a:bodyPr vert="horz" lIns="0" tIns="0" rIns="0" bIns="0" anchor="t"/>
-          <a:lstStyle>
-            <a:lvl1pPr marL="165100" indent="-165100" algn="l" defTabSz="914400" rtl="0" eaLnBrk="1" latinLnBrk="0" hangingPunct="1">
-              <a:lnSpc>
-                <a:spcPct val="140000"/>
-              </a:lnSpc>
-              <a:spcBef>
-                <a:spcPts val="0"/>
-              </a:spcBef>
-              <a:buClr>
-                <a:schemeClr val="accent1"/>
-              </a:buClr>
-              <a:buSzPct val="75000"/>
-              <a:buFont typeface="Wingdings" charset="2"/>
-              <a:buChar char="§"/>
-              <a:defRPr sz="1300" kern="1200">
-                <a:solidFill>
-                  <a:schemeClr val="tx1"/>
-                </a:solidFill>
-                <a:latin typeface="+mn-lt"/>
-                <a:ea typeface="+mn-ea"/>
-                <a:cs typeface="+mn-cs"/>
-              </a:defRPr>
-            </a:lvl1pPr>
-            <a:lvl2pPr marL="330200" indent="-165100" algn="l" defTabSz="914400" rtl="0" eaLnBrk="1" latinLnBrk="0" hangingPunct="1">
-              <a:lnSpc>
-                <a:spcPct val="140000"/>
-              </a:lnSpc>
-              <a:spcBef>
-                <a:spcPts val="0"/>
-              </a:spcBef>
-              <a:buClr>
-                <a:schemeClr val="bg2"/>
-              </a:buClr>
-              <a:buSzPct val="75000"/>
-              <a:buFont typeface="Wingdings" charset="2"/>
-              <a:buChar char="§"/>
-              <a:defRPr sz="1300" kern="1200">
-                <a:solidFill>
-                  <a:schemeClr val="tx1"/>
-                </a:solidFill>
-                <a:latin typeface="+mn-lt"/>
-                <a:ea typeface="+mn-ea"/>
-                <a:cs typeface="+mn-cs"/>
-              </a:defRPr>
-            </a:lvl2pPr>
-            <a:lvl3pPr marL="495300" indent="-165100" algn="l" defTabSz="914400" rtl="0" eaLnBrk="1" latinLnBrk="0" hangingPunct="1">
-              <a:lnSpc>
-                <a:spcPct val="140000"/>
-              </a:lnSpc>
-              <a:spcBef>
-                <a:spcPts val="0"/>
-              </a:spcBef>
-              <a:buClr>
-                <a:schemeClr val="bg2"/>
-              </a:buClr>
-              <a:buSzPct val="75000"/>
-              <a:buFont typeface="Wingdings" charset="2"/>
-              <a:buChar char="§"/>
-              <a:defRPr sz="1300" kern="1200">
-                <a:solidFill>
-                  <a:schemeClr val="tx1"/>
-                </a:solidFill>
-                <a:latin typeface="+mn-lt"/>
-                <a:ea typeface="+mn-ea"/>
-                <a:cs typeface="+mn-cs"/>
-              </a:defRPr>
-            </a:lvl3pPr>
-            <a:lvl4pPr marL="660400" indent="-165100" algn="l" defTabSz="914400" rtl="0" eaLnBrk="1" latinLnBrk="0" hangingPunct="1">
-              <a:lnSpc>
-                <a:spcPct val="140000"/>
-              </a:lnSpc>
-              <a:spcBef>
-                <a:spcPts val="0"/>
-              </a:spcBef>
-              <a:buClr>
-                <a:schemeClr val="bg2"/>
-              </a:buClr>
-              <a:buSzPct val="75000"/>
-              <a:buFont typeface="Wingdings" charset="2"/>
-              <a:buChar char="§"/>
-              <a:defRPr sz="1300" kern="1200">
-                <a:solidFill>
-                  <a:schemeClr val="tx1"/>
-                </a:solidFill>
-                <a:latin typeface="+mn-lt"/>
-                <a:ea typeface="+mn-ea"/>
-                <a:cs typeface="+mn-cs"/>
-              </a:defRPr>
-            </a:lvl4pPr>
-            <a:lvl5pPr marL="825500" indent="-165100" algn="l" defTabSz="914400" rtl="0" eaLnBrk="1" latinLnBrk="0" hangingPunct="1">
-              <a:lnSpc>
-                <a:spcPct val="140000"/>
-              </a:lnSpc>
-              <a:spcBef>
-                <a:spcPts val="0"/>
-              </a:spcBef>
-              <a:buClr>
-                <a:schemeClr val="bg2"/>
-              </a:buClr>
-              <a:buSzPct val="75000"/>
-              <a:buFont typeface="Wingdings" charset="2"/>
-              <a:buChar char="§"/>
-              <a:defRPr sz="1300" kern="1200">
-                <a:solidFill>
-                  <a:schemeClr val="tx1"/>
-                </a:solidFill>
-                <a:latin typeface="+mn-lt"/>
-                <a:ea typeface="+mn-ea"/>
-                <a:cs typeface="+mn-cs"/>
-              </a:defRPr>
-            </a:lvl5pPr>
-            <a:lvl6pPr marL="2514600" indent="-228600" algn="l" defTabSz="914400" rtl="0" eaLnBrk="1" latinLnBrk="0" hangingPunct="1">
-              <a:spcBef>
-                <a:spcPct val="20000"/>
-              </a:spcBef>
-              <a:buFont typeface="Arial" pitchFamily="34" charset="0"/>
-              <a:buChar char="•"/>
-              <a:defRPr sz="2000" kern="1200">
-                <a:solidFill>
-                  <a:schemeClr val="tx1"/>
-                </a:solidFill>
-                <a:latin typeface="+mn-lt"/>
-                <a:ea typeface="+mn-ea"/>
-                <a:cs typeface="+mn-cs"/>
-              </a:defRPr>
-            </a:lvl6pPr>
-            <a:lvl7pPr marL="2971800" indent="-228600" algn="l" defTabSz="914400" rtl="0" eaLnBrk="1" latinLnBrk="0" hangingPunct="1">
-              <a:spcBef>
-                <a:spcPct val="20000"/>
-              </a:spcBef>
-              <a:buFont typeface="Arial" pitchFamily="34" charset="0"/>
-              <a:buChar char="•"/>
-              <a:defRPr sz="2000" kern="1200">
-                <a:solidFill>
-                  <a:schemeClr val="tx1"/>
-                </a:solidFill>
-                <a:latin typeface="+mn-lt"/>
-                <a:ea typeface="+mn-ea"/>
-                <a:cs typeface="+mn-cs"/>
-              </a:defRPr>
-            </a:lvl7pPr>
-            <a:lvl8pPr marL="3429000" indent="-228600" algn="l" defTabSz="914400" rtl="0" eaLnBrk="1" latinLnBrk="0" hangingPunct="1">
-              <a:spcBef>
-                <a:spcPct val="20000"/>
-              </a:spcBef>
-              <a:buFont typeface="Arial" pitchFamily="34" charset="0"/>
-              <a:buChar char="•"/>
-              <a:defRPr sz="2000" kern="1200">
-                <a:solidFill>
-                  <a:schemeClr val="tx1"/>
-                </a:solidFill>
-                <a:latin typeface="+mn-lt"/>
-                <a:ea typeface="+mn-ea"/>
-                <a:cs typeface="+mn-cs"/>
-              </a:defRPr>
-            </a:lvl8pPr>
-            <a:lvl9pPr marL="3886200" indent="-228600" algn="l" defTabSz="914400" rtl="0" eaLnBrk="1" latinLnBrk="0" hangingPunct="1">
-              <a:spcBef>
-                <a:spcPct val="20000"/>
-              </a:spcBef>
-              <a:buFont typeface="Arial" pitchFamily="34" charset="0"/>
-              <a:buChar char="•"/>
-              <a:defRPr sz="2000" kern="1200">
-                <a:solidFill>
-                  <a:schemeClr val="tx1"/>
-                </a:solidFill>
-                <a:latin typeface="+mn-lt"/>
-                <a:ea typeface="+mn-ea"/>
-                <a:cs typeface="+mn-cs"/>
-              </a:defRPr>
-            </a:lvl9pPr>
-          </a:lstStyle>
-          <a:p>
-            <a:r>
-              <a:rPr lang="en-US" sz="2000" dirty="0"/>
-              <a:t>Pure – no side effects</a:t>
-            </a:r>
-          </a:p>
-          <a:p>
-            <a:r>
-              <a:rPr lang="en-US" sz="2000" dirty="0"/>
-              <a:t>High-Order – can accept as a argument or return another function</a:t>
-            </a:r>
-          </a:p>
-          <a:p>
-            <a:r>
-              <a:rPr lang="en-US" sz="2000" dirty="0"/>
-              <a:t>Very powerful in Spark transformations</a:t>
-            </a:r>
-          </a:p>
-          <a:p>
-            <a:pPr marL="0" indent="0">
-              <a:buNone/>
-            </a:pPr>
-            <a:endParaRPr lang="en-US" sz="2000" dirty="0"/>
+          <a:bodyPr/>
+          <a:lstStyle/>
+          <a:p>
+            <a:r>
+              <a:rPr lang="en-US" dirty="0"/>
+              <a:t>Thank you</a:t>
+            </a:r>
           </a:p>
         </p:txBody>
       </p:sp>
     </p:spTree>
     <p:extLst>
       <p:ext uri="{BB962C8B-B14F-4D97-AF65-F5344CB8AC3E}">
-        <p14:creationId xmlns:p14="http://schemas.microsoft.com/office/powerpoint/2010/main" val="2199849601"/>
+        <p14:creationId xmlns:p14="http://schemas.microsoft.com/office/powerpoint/2010/main" val="3319423896"/>
       </p:ext>
     </p:extLst>
   </p:cSld>
@@ -13552,7 +13309,15 @@
           <a:p>
             <a:r>
               <a:rPr lang="en-US" dirty="0"/>
-              <a:t>Scala: collections</a:t>
+              <a:t>Scala: function as a first class</a:t>
+            </a:r>
+            <a:r>
+              <a:rPr lang="pl-PL" dirty="0"/>
+              <a:t> </a:t>
+            </a:r>
+            <a:r>
+              <a:rPr lang="en-US" dirty="0"/>
+              <a:t>citizen</a:t>
             </a:r>
           </a:p>
         </p:txBody>
@@ -13607,6 +13372,19 @@
           <a:bodyPr/>
           <a:lstStyle/>
           <a:p>
+            <a:r>
+              <a:rPr lang="en-US" dirty="0"/>
+              <a:t>SMACK Reference Architecture</a:t>
+            </a:r>
+            <a:endParaRPr lang="pl-PL" dirty="0"/>
+          </a:p>
+          <a:p>
+            <a:r>
+              <a:rPr lang="pl-PL" dirty="0"/>
+              <a:t>Apache Spark &amp; Scala</a:t>
+            </a:r>
+          </a:p>
+          <a:p>
             <a:endParaRPr lang="pl-PL" dirty="0"/>
           </a:p>
         </p:txBody>
@@ -13621,7 +13399,7 @@
         </p:nvSpPr>
         <p:spPr>
           <a:xfrm>
-            <a:off x="755650" y="951128"/>
+            <a:off x="755650" y="915566"/>
             <a:ext cx="7632700" cy="3797624"/>
           </a:xfrm>
           <a:prstGeom prst="rect">
@@ -13805,124 +13583,20 @@
           <a:p>
             <a:r>
               <a:rPr lang="en-US" sz="2000" dirty="0"/>
-              <a:t>Plethora of types: immutable and mutable types</a:t>
+              <a:t>Pure – no side effects</a:t>
             </a:r>
           </a:p>
           <a:p>
             <a:r>
               <a:rPr lang="en-US" sz="2000" dirty="0"/>
-              <a:t>Wide range of operations making your life easy dealing with any kind of data.</a:t>
+              <a:t>High-Order – can accept as a argument or return another function</a:t>
             </a:r>
           </a:p>
           <a:p>
             <a:r>
               <a:rPr lang="en-US" sz="2000" dirty="0"/>
-              <a:t>Nicely mixes with Spark thanks to </a:t>
-            </a:r>
-            <a:r>
-              <a:rPr lang="en-US" sz="2000" i="1" dirty="0" err="1"/>
-              <a:t>implicits</a:t>
-            </a:r>
-            <a:endParaRPr lang="en-US" sz="2000" i="1" dirty="0"/>
-          </a:p>
-          <a:p>
-            <a:r>
-              <a:rPr lang="en-US" sz="2000" dirty="0"/>
-              <a:t>Extremely utilized by Spark internals</a:t>
-            </a:r>
-          </a:p>
-          <a:p>
-            <a:pPr marL="0" indent="0">
-              <a:buNone/>
-            </a:pPr>
-            <a:r>
-              <a:rPr lang="pl-PL" sz="2000" dirty="0"/>
-              <a:t>	</a:t>
-            </a:r>
-          </a:p>
-          <a:p>
-            <a:pPr marL="0" indent="0">
-              <a:buNone/>
-            </a:pPr>
-            <a:r>
-              <a:rPr lang="pl-PL" sz="2000" dirty="0"/>
-              <a:t>	</a:t>
-            </a:r>
-            <a:r>
-              <a:rPr lang="en-US" sz="2000" dirty="0"/>
-              <a:t>„Spark - The Ultimate Scala Collections” </a:t>
-            </a:r>
-            <a:endParaRPr lang="pl-PL" sz="2000" dirty="0"/>
-          </a:p>
-          <a:p>
-            <a:pPr marL="0" indent="0">
-              <a:buNone/>
-            </a:pPr>
-            <a:r>
-              <a:rPr lang="pl-PL" sz="2000" dirty="0"/>
-              <a:t>						</a:t>
-            </a:r>
-            <a:r>
-              <a:rPr lang="en-US" sz="2000" dirty="0"/>
-              <a:t>Martin </a:t>
-            </a:r>
-            <a:r>
-              <a:rPr lang="en-US" sz="2000" dirty="0" err="1"/>
-              <a:t>Odersky</a:t>
-            </a:r>
-            <a:endParaRPr lang="en-US" sz="2000" dirty="0"/>
-          </a:p>
-          <a:p>
-            <a:endParaRPr lang="en-US" sz="2000" dirty="0"/>
-          </a:p>
-          <a:p>
-            <a:pPr marL="0" indent="0">
-              <a:lnSpc>
-                <a:spcPct val="100000"/>
-              </a:lnSpc>
-              <a:buNone/>
-            </a:pPr>
-            <a:r>
-              <a:rPr lang="en-US" sz="900" dirty="0">
-                <a:solidFill>
-                  <a:schemeClr val="bg2"/>
-                </a:solidFill>
-              </a:rPr>
-              <a:t>SMACK Reference Architecture</a:t>
-            </a:r>
-            <a:r>
-              <a:rPr lang="pl-PL" sz="900" dirty="0">
-                <a:solidFill>
-                  <a:schemeClr val="bg2"/>
-                </a:solidFill>
-              </a:rPr>
-              <a:t>	</a:t>
-            </a:r>
-          </a:p>
-          <a:p>
-            <a:pPr marL="0" indent="0">
-              <a:lnSpc>
-                <a:spcPct val="100000"/>
-              </a:lnSpc>
-              <a:buNone/>
-            </a:pPr>
-            <a:r>
-              <a:rPr lang="pl-PL" sz="900" dirty="0">
-                <a:solidFill>
-                  <a:schemeClr val="bg2"/>
-                </a:solidFill>
-              </a:rPr>
-              <a:t>Apache Spark &amp; Scala</a:t>
-            </a:r>
-          </a:p>
-          <a:p>
-            <a:pPr marL="0" indent="0">
-              <a:buNone/>
-            </a:pPr>
-            <a:endParaRPr lang="en-US" sz="2000" dirty="0"/>
-          </a:p>
-          <a:p>
-            <a:endParaRPr lang="en-US" sz="2000" dirty="0"/>
+              <a:t>Very powerful in Spark transformations</a:t>
+            </a:r>
           </a:p>
           <a:p>
             <a:pPr marL="0" indent="0">
@@ -13935,7 +13609,7 @@
     </p:spTree>
     <p:extLst>
       <p:ext uri="{BB962C8B-B14F-4D97-AF65-F5344CB8AC3E}">
-        <p14:creationId xmlns:p14="http://schemas.microsoft.com/office/powerpoint/2010/main" val="4029362264"/>
+        <p14:creationId xmlns:p14="http://schemas.microsoft.com/office/powerpoint/2010/main" val="2199849601"/>
       </p:ext>
     </p:extLst>
   </p:cSld>
@@ -13984,13 +13658,62 @@
           <a:p>
             <a:r>
               <a:rPr lang="en-US" dirty="0"/>
-              <a:t>Scala: case class</a:t>
-            </a:r>
-            <a:r>
-              <a:rPr lang="pl-PL" dirty="0"/>
-              <a:t>es</a:t>
-            </a:r>
-            <a:endParaRPr lang="en-US" dirty="0"/>
+              <a:t>Scala: collections</a:t>
+            </a:r>
+          </a:p>
+        </p:txBody>
+      </p:sp>
+      <p:sp>
+        <p:nvSpPr>
+          <p:cNvPr id="3" name="Footer Placeholder 2"/>
+          <p:cNvSpPr>
+            <a:spLocks noGrp="1"/>
+          </p:cNvSpPr>
+          <p:nvPr>
+            <p:ph type="ftr" sz="quarter" idx="16"/>
+          </p:nvPr>
+        </p:nvSpPr>
+        <p:spPr/>
+        <p:txBody>
+          <a:bodyPr/>
+          <a:lstStyle/>
+          <a:p>
+            <a:r>
+              <a:rPr lang="pl-PL" dirty="0"/>
+              <a:t>Krzysztof Stanaszek</a:t>
+            </a:r>
+          </a:p>
+          <a:p>
+            <a:r>
+              <a:rPr lang="pl-PL" dirty="0" err="1"/>
+              <a:t>zJava</a:t>
+            </a:r>
+            <a:r>
+              <a:rPr lang="pl-PL" dirty="0"/>
+              <a:t>, 06.02.2019</a:t>
+            </a:r>
+          </a:p>
+          <a:p>
+            <a:endParaRPr lang="pl-PL" dirty="0"/>
+          </a:p>
+        </p:txBody>
+      </p:sp>
+      <p:sp>
+        <p:nvSpPr>
+          <p:cNvPr id="4" name="Date Placeholder 3"/>
+          <p:cNvSpPr>
+            <a:spLocks noGrp="1"/>
+          </p:cNvSpPr>
+          <p:nvPr>
+            <p:ph type="dt" sz="half" idx="15"/>
+          </p:nvPr>
+        </p:nvSpPr>
+        <p:spPr/>
+        <p:txBody>
+          <a:bodyPr/>
+          <a:lstStyle/>
+          <a:p>
+            <a:endParaRPr lang="pl-PL" dirty="0"/>
           </a:p>
         </p:txBody>
       </p:sp>
@@ -14004,7 +13727,7 @@
         </p:nvSpPr>
         <p:spPr>
           <a:xfrm>
-            <a:off x="755650" y="915566"/>
+            <a:off x="755650" y="951128"/>
             <a:ext cx="7632700" cy="3797624"/>
           </a:xfrm>
           <a:prstGeom prst="rect">
@@ -14187,174 +13910,138 @@
           </a:lstStyle>
           <a:p>
             <a:r>
-              <a:rPr lang="en-GB" sz="2000" dirty="0"/>
-              <a:t>Immutable by default</a:t>
-            </a:r>
-          </a:p>
-          <a:p>
-            <a:r>
-              <a:rPr lang="en-GB" sz="2000" dirty="0"/>
-              <a:t>Companion object and factory methods out of the box</a:t>
-            </a:r>
-          </a:p>
-          <a:p>
-            <a:r>
-              <a:rPr lang="en-GB" sz="2000" dirty="0"/>
-              <a:t>Implicitly equip the class with meaningful </a:t>
-            </a:r>
-            <a:r>
-              <a:rPr lang="en-GB" sz="2000" i="1" dirty="0" err="1"/>
-              <a:t>toString</a:t>
-            </a:r>
-            <a:r>
-              <a:rPr lang="en-GB" sz="2000" dirty="0"/>
-              <a:t>, </a:t>
-            </a:r>
-            <a:r>
-              <a:rPr lang="en-GB" sz="2000" i="1" dirty="0"/>
-              <a:t>equals</a:t>
-            </a:r>
-            <a:r>
-              <a:rPr lang="en-GB" sz="2000" dirty="0"/>
-              <a:t> and </a:t>
-            </a:r>
-            <a:r>
-              <a:rPr lang="en-GB" sz="2000" i="1" dirty="0" err="1"/>
-              <a:t>hashCode</a:t>
-            </a:r>
-            <a:endParaRPr lang="en-GB" sz="2000" i="1" dirty="0"/>
-          </a:p>
-          <a:p>
-            <a:r>
-              <a:rPr lang="en-GB" sz="2000" dirty="0"/>
-              <a:t>Ability to be deconstructed with pattern matching.</a:t>
-            </a:r>
-          </a:p>
-          <a:p>
-            <a:r>
-              <a:rPr lang="en-GB" sz="2000" dirty="0"/>
-              <a:t>Perfect for structural data types</a:t>
-            </a:r>
-          </a:p>
-          <a:p>
-            <a:r>
-              <a:rPr lang="en-GB" sz="2000" dirty="0"/>
-              <a:t>Nicely integrates with Spark Dataset</a:t>
-            </a:r>
-          </a:p>
-          <a:p>
-            <a:endParaRPr lang="en-GB" sz="2000" dirty="0"/>
-          </a:p>
-          <a:p>
-            <a:endParaRPr lang="en-GB" sz="2000" dirty="0"/>
+              <a:rPr lang="en-US" sz="2000" dirty="0"/>
+              <a:t>Plethora of types: immutable and mutable types</a:t>
+            </a:r>
+          </a:p>
+          <a:p>
+            <a:r>
+              <a:rPr lang="en-US" sz="2000" dirty="0"/>
+              <a:t>Wide range of operations making your life easy dealing with any kind of data.</a:t>
+            </a:r>
+          </a:p>
+          <a:p>
+            <a:r>
+              <a:rPr lang="en-US" sz="2000" dirty="0"/>
+              <a:t>Nicely mixes with Spark thanks to </a:t>
+            </a:r>
+            <a:r>
+              <a:rPr lang="en-US" sz="2000" i="1" dirty="0" err="1"/>
+              <a:t>implicits</a:t>
+            </a:r>
+            <a:endParaRPr lang="en-US" sz="2000" i="1" dirty="0"/>
+          </a:p>
+          <a:p>
+            <a:r>
+              <a:rPr lang="en-US" sz="2000" dirty="0"/>
+              <a:t>Extremely utilized by Spark internals</a:t>
+            </a:r>
           </a:p>
           <a:p>
             <a:pPr marL="0" indent="0">
               <a:buNone/>
             </a:pPr>
-            <a:endParaRPr lang="en-GB" sz="2000" dirty="0"/>
+            <a:r>
+              <a:rPr lang="pl-PL" sz="2000" dirty="0"/>
+              <a:t>	</a:t>
+            </a:r>
           </a:p>
           <a:p>
             <a:pPr marL="0" indent="0">
               <a:buNone/>
             </a:pPr>
-            <a:endParaRPr lang="en-GB" sz="2000" dirty="0"/>
-          </a:p>
-        </p:txBody>
-      </p:sp>
-      <p:sp>
-        <p:nvSpPr>
-          <p:cNvPr id="7" name="Date Placeholder 3">
-            <a:extLst>
-              <a:ext uri="{FF2B5EF4-FFF2-40B4-BE49-F238E27FC236}">
-                <a16:creationId xmlns:a16="http://schemas.microsoft.com/office/drawing/2014/main" id="{46F1665E-1B6C-4E09-8D29-00E49FF55FAE}"/>
-              </a:ext>
-            </a:extLst>
-          </p:cNvPr>
-          <p:cNvSpPr>
-            <a:spLocks noGrp="1"/>
-          </p:cNvSpPr>
-          <p:nvPr>
-            <p:ph type="dt" sz="half" idx="15"/>
-          </p:nvPr>
-        </p:nvSpPr>
-        <p:spPr>
-          <a:xfrm>
-            <a:off x="764322" y="4748752"/>
-            <a:ext cx="5535870" cy="394748"/>
-          </a:xfrm>
-        </p:spPr>
-        <p:txBody>
-          <a:bodyPr/>
-          <a:lstStyle/>
-          <a:p>
-            <a:r>
-              <a:rPr lang="en-US" dirty="0"/>
+            <a:r>
+              <a:rPr lang="pl-PL" sz="2000" dirty="0"/>
+              <a:t>	</a:t>
+            </a:r>
+            <a:r>
+              <a:rPr lang="en-US" sz="2000" dirty="0"/>
+              <a:t>„Spark - The Ultimate Scala Collections” </a:t>
+            </a:r>
+            <a:endParaRPr lang="pl-PL" sz="2000" dirty="0"/>
+          </a:p>
+          <a:p>
+            <a:pPr marL="0" indent="0">
+              <a:buNone/>
+            </a:pPr>
+            <a:r>
+              <a:rPr lang="pl-PL" sz="2000" dirty="0"/>
+              <a:t>						</a:t>
+            </a:r>
+            <a:r>
+              <a:rPr lang="en-US" sz="2000" dirty="0"/>
+              <a:t>Martin </a:t>
+            </a:r>
+            <a:r>
+              <a:rPr lang="en-US" sz="2000" dirty="0" err="1"/>
+              <a:t>Odersky</a:t>
+            </a:r>
+            <a:endParaRPr lang="en-US" sz="2000" dirty="0"/>
+          </a:p>
+          <a:p>
+            <a:endParaRPr lang="en-US" sz="2000" dirty="0"/>
+          </a:p>
+          <a:p>
+            <a:pPr marL="0" indent="0">
+              <a:lnSpc>
+                <a:spcPct val="100000"/>
+              </a:lnSpc>
+              <a:buNone/>
+            </a:pPr>
+            <a:r>
+              <a:rPr lang="en-US" sz="900" dirty="0">
+                <a:solidFill>
+                  <a:schemeClr val="bg2"/>
+                </a:solidFill>
+              </a:rPr>
               <a:t>SMACK Reference Architecture</a:t>
             </a:r>
-            <a:endParaRPr lang="pl-PL" dirty="0"/>
-          </a:p>
-          <a:p>
-            <a:r>
-              <a:rPr lang="pl-PL" dirty="0"/>
+            <a:r>
+              <a:rPr lang="pl-PL" sz="900" dirty="0">
+                <a:solidFill>
+                  <a:schemeClr val="bg2"/>
+                </a:solidFill>
+              </a:rPr>
+              <a:t>	</a:t>
+            </a:r>
+          </a:p>
+          <a:p>
+            <a:pPr marL="0" indent="0">
+              <a:lnSpc>
+                <a:spcPct val="100000"/>
+              </a:lnSpc>
+              <a:buNone/>
+            </a:pPr>
+            <a:r>
+              <a:rPr lang="pl-PL" sz="900" dirty="0">
+                <a:solidFill>
+                  <a:schemeClr val="bg2"/>
+                </a:solidFill>
+              </a:rPr>
               <a:t>Apache Spark &amp; Scala</a:t>
             </a:r>
           </a:p>
           <a:p>
-            <a:endParaRPr lang="pl-PL" dirty="0"/>
-          </a:p>
-        </p:txBody>
-      </p:sp>
-      <p:sp>
-        <p:nvSpPr>
-          <p:cNvPr id="8" name="Footer Placeholder 2">
-            <a:extLst>
-              <a:ext uri="{FF2B5EF4-FFF2-40B4-BE49-F238E27FC236}">
-                <a16:creationId xmlns:a16="http://schemas.microsoft.com/office/drawing/2014/main" id="{11CAE852-93CB-4B8F-966A-CF1580746440}"/>
-              </a:ext>
-            </a:extLst>
-          </p:cNvPr>
-          <p:cNvSpPr>
-            <a:spLocks noGrp="1"/>
-          </p:cNvSpPr>
-          <p:nvPr>
-            <p:ph type="ftr" sz="quarter" idx="16"/>
-          </p:nvPr>
-        </p:nvSpPr>
-        <p:spPr>
-          <a:xfrm>
-            <a:off x="6588224" y="4731544"/>
-            <a:ext cx="1800126" cy="411956"/>
-          </a:xfrm>
-        </p:spPr>
-        <p:txBody>
-          <a:bodyPr/>
-          <a:lstStyle/>
-          <a:p>
-            <a:r>
-              <a:rPr lang="pl-PL" dirty="0"/>
-              <a:t>Krzysztof Stanaszek</a:t>
-            </a:r>
-          </a:p>
-          <a:p>
-            <a:r>
-              <a:rPr lang="pl-PL" dirty="0" err="1"/>
-              <a:t>zJava</a:t>
-            </a:r>
-            <a:r>
-              <a:rPr lang="pl-PL" dirty="0"/>
-              <a:t>, 06.02.2019</a:t>
-            </a:r>
-          </a:p>
-          <a:p>
-            <a:endParaRPr lang="pl-PL" dirty="0"/>
+            <a:pPr marL="0" indent="0">
+              <a:buNone/>
+            </a:pPr>
+            <a:endParaRPr lang="en-US" sz="2000" dirty="0"/>
+          </a:p>
+          <a:p>
+            <a:endParaRPr lang="en-US" sz="2000" dirty="0"/>
+          </a:p>
+          <a:p>
+            <a:pPr marL="0" indent="0">
+              <a:buNone/>
+            </a:pPr>
+            <a:endParaRPr lang="en-US" sz="2000" dirty="0"/>
           </a:p>
         </p:txBody>
       </p:sp>
     </p:spTree>
     <p:extLst>
       <p:ext uri="{BB962C8B-B14F-4D97-AF65-F5344CB8AC3E}">
-        <p14:creationId xmlns:p14="http://schemas.microsoft.com/office/powerpoint/2010/main" val="4240594428"/>
+        <p14:creationId xmlns:p14="http://schemas.microsoft.com/office/powerpoint/2010/main" val="4029362264"/>
       </p:ext>
     </p:extLst>
   </p:cSld>
@@ -14403,87 +14090,13 @@
           <a:p>
             <a:r>
               <a:rPr lang="en-US" dirty="0"/>
-              <a:t>Scala: </a:t>
-            </a:r>
-            <a:r>
-              <a:rPr lang="pl-PL" dirty="0"/>
-              <a:t>p</a:t>
-            </a:r>
-            <a:r>
-              <a:rPr lang="en-US" dirty="0" err="1"/>
-              <a:t>attern</a:t>
-            </a:r>
-            <a:r>
-              <a:rPr lang="en-US" dirty="0"/>
-              <a:t> matching</a:t>
-            </a:r>
-          </a:p>
-        </p:txBody>
-      </p:sp>
-      <p:sp>
-        <p:nvSpPr>
-          <p:cNvPr id="3" name="Footer Placeholder 2"/>
-          <p:cNvSpPr>
-            <a:spLocks noGrp="1"/>
-          </p:cNvSpPr>
-          <p:nvPr>
-            <p:ph type="ftr" sz="quarter" idx="16"/>
-          </p:nvPr>
-        </p:nvSpPr>
-        <p:spPr/>
-        <p:txBody>
-          <a:bodyPr/>
-          <a:lstStyle/>
-          <a:p>
-            <a:r>
-              <a:rPr lang="pl-PL" dirty="0"/>
-              <a:t>Krzysztof Stanaszek</a:t>
-            </a:r>
-          </a:p>
-          <a:p>
-            <a:r>
-              <a:rPr lang="pl-PL" dirty="0" err="1"/>
-              <a:t>zJava</a:t>
-            </a:r>
-            <a:r>
-              <a:rPr lang="pl-PL" dirty="0"/>
-              <a:t>, 06.02.2019</a:t>
-            </a:r>
-          </a:p>
-          <a:p>
-            <a:endParaRPr lang="pl-PL" dirty="0"/>
-          </a:p>
-        </p:txBody>
-      </p:sp>
-      <p:sp>
-        <p:nvSpPr>
-          <p:cNvPr id="4" name="Date Placeholder 3"/>
-          <p:cNvSpPr>
-            <a:spLocks noGrp="1"/>
-          </p:cNvSpPr>
-          <p:nvPr>
-            <p:ph type="dt" sz="half" idx="15"/>
-          </p:nvPr>
-        </p:nvSpPr>
-        <p:spPr/>
-        <p:txBody>
-          <a:bodyPr/>
-          <a:lstStyle/>
-          <a:p>
-            <a:r>
-              <a:rPr lang="en-US" dirty="0"/>
-              <a:t>SMACK Reference Architecture</a:t>
-            </a:r>
-            <a:endParaRPr lang="pl-PL" dirty="0"/>
-          </a:p>
-          <a:p>
-            <a:r>
-              <a:rPr lang="pl-PL" dirty="0"/>
-              <a:t>Apache Spark &amp; Scala</a:t>
-            </a:r>
-          </a:p>
-          <a:p>
-            <a:endParaRPr lang="pl-PL" dirty="0"/>
+              <a:t>Scala: case class</a:t>
+            </a:r>
+            <a:r>
+              <a:rPr lang="pl-PL" dirty="0"/>
+              <a:t>es</a:t>
+            </a:r>
+            <a:endParaRPr lang="en-US" dirty="0"/>
           </a:p>
         </p:txBody>
       </p:sp>
@@ -14680,6 +14293,499 @@
           </a:lstStyle>
           <a:p>
             <a:r>
+              <a:rPr lang="en-GB" sz="2000" dirty="0"/>
+              <a:t>Immutable by default</a:t>
+            </a:r>
+          </a:p>
+          <a:p>
+            <a:r>
+              <a:rPr lang="en-GB" sz="2000" dirty="0"/>
+              <a:t>Companion object and factory methods out of the box</a:t>
+            </a:r>
+          </a:p>
+          <a:p>
+            <a:r>
+              <a:rPr lang="en-GB" sz="2000" dirty="0"/>
+              <a:t>Implicitly equip the class with meaningful </a:t>
+            </a:r>
+            <a:r>
+              <a:rPr lang="en-GB" sz="2000" i="1" dirty="0" err="1"/>
+              <a:t>toString</a:t>
+            </a:r>
+            <a:r>
+              <a:rPr lang="en-GB" sz="2000" dirty="0"/>
+              <a:t>, </a:t>
+            </a:r>
+            <a:r>
+              <a:rPr lang="en-GB" sz="2000" i="1" dirty="0"/>
+              <a:t>equals</a:t>
+            </a:r>
+            <a:r>
+              <a:rPr lang="en-GB" sz="2000" dirty="0"/>
+              <a:t> and </a:t>
+            </a:r>
+            <a:r>
+              <a:rPr lang="en-GB" sz="2000" i="1" dirty="0" err="1"/>
+              <a:t>hashCode</a:t>
+            </a:r>
+            <a:endParaRPr lang="en-GB" sz="2000" i="1" dirty="0"/>
+          </a:p>
+          <a:p>
+            <a:r>
+              <a:rPr lang="en-GB" sz="2000" dirty="0"/>
+              <a:t>Ability to be deconstructed with pattern matching.</a:t>
+            </a:r>
+          </a:p>
+          <a:p>
+            <a:r>
+              <a:rPr lang="en-GB" sz="2000" dirty="0"/>
+              <a:t>Perfect for structural data types</a:t>
+            </a:r>
+          </a:p>
+          <a:p>
+            <a:r>
+              <a:rPr lang="en-GB" sz="2000" dirty="0"/>
+              <a:t>Nicely integrates with Spark Dataset</a:t>
+            </a:r>
+          </a:p>
+          <a:p>
+            <a:endParaRPr lang="en-GB" sz="2000" dirty="0"/>
+          </a:p>
+          <a:p>
+            <a:endParaRPr lang="en-GB" sz="2000" dirty="0"/>
+          </a:p>
+          <a:p>
+            <a:pPr marL="0" indent="0">
+              <a:buNone/>
+            </a:pPr>
+            <a:endParaRPr lang="en-GB" sz="2000" dirty="0"/>
+          </a:p>
+          <a:p>
+            <a:pPr marL="0" indent="0">
+              <a:buNone/>
+            </a:pPr>
+            <a:endParaRPr lang="en-GB" sz="2000" dirty="0"/>
+          </a:p>
+        </p:txBody>
+      </p:sp>
+      <p:sp>
+        <p:nvSpPr>
+          <p:cNvPr id="7" name="Date Placeholder 3">
+            <a:extLst>
+              <a:ext uri="{FF2B5EF4-FFF2-40B4-BE49-F238E27FC236}">
+                <a16:creationId xmlns:a16="http://schemas.microsoft.com/office/drawing/2014/main" id="{46F1665E-1B6C-4E09-8D29-00E49FF55FAE}"/>
+              </a:ext>
+            </a:extLst>
+          </p:cNvPr>
+          <p:cNvSpPr>
+            <a:spLocks noGrp="1"/>
+          </p:cNvSpPr>
+          <p:nvPr>
+            <p:ph type="dt" sz="half" idx="15"/>
+          </p:nvPr>
+        </p:nvSpPr>
+        <p:spPr>
+          <a:xfrm>
+            <a:off x="764322" y="4748752"/>
+            <a:ext cx="5535870" cy="394748"/>
+          </a:xfrm>
+        </p:spPr>
+        <p:txBody>
+          <a:bodyPr/>
+          <a:lstStyle/>
+          <a:p>
+            <a:r>
+              <a:rPr lang="en-US" dirty="0"/>
+              <a:t>SMACK Reference Architecture</a:t>
+            </a:r>
+            <a:endParaRPr lang="pl-PL" dirty="0"/>
+          </a:p>
+          <a:p>
+            <a:r>
+              <a:rPr lang="pl-PL" dirty="0"/>
+              <a:t>Apache Spark &amp; Scala</a:t>
+            </a:r>
+          </a:p>
+          <a:p>
+            <a:endParaRPr lang="pl-PL" dirty="0"/>
+          </a:p>
+        </p:txBody>
+      </p:sp>
+      <p:sp>
+        <p:nvSpPr>
+          <p:cNvPr id="8" name="Footer Placeholder 2">
+            <a:extLst>
+              <a:ext uri="{FF2B5EF4-FFF2-40B4-BE49-F238E27FC236}">
+                <a16:creationId xmlns:a16="http://schemas.microsoft.com/office/drawing/2014/main" id="{11CAE852-93CB-4B8F-966A-CF1580746440}"/>
+              </a:ext>
+            </a:extLst>
+          </p:cNvPr>
+          <p:cNvSpPr>
+            <a:spLocks noGrp="1"/>
+          </p:cNvSpPr>
+          <p:nvPr>
+            <p:ph type="ftr" sz="quarter" idx="16"/>
+          </p:nvPr>
+        </p:nvSpPr>
+        <p:spPr>
+          <a:xfrm>
+            <a:off x="6588224" y="4731544"/>
+            <a:ext cx="1800126" cy="411956"/>
+          </a:xfrm>
+        </p:spPr>
+        <p:txBody>
+          <a:bodyPr/>
+          <a:lstStyle/>
+          <a:p>
+            <a:r>
+              <a:rPr lang="pl-PL" dirty="0"/>
+              <a:t>Krzysztof Stanaszek</a:t>
+            </a:r>
+          </a:p>
+          <a:p>
+            <a:r>
+              <a:rPr lang="pl-PL" dirty="0" err="1"/>
+              <a:t>zJava</a:t>
+            </a:r>
+            <a:r>
+              <a:rPr lang="pl-PL" dirty="0"/>
+              <a:t>, 06.02.2019</a:t>
+            </a:r>
+          </a:p>
+          <a:p>
+            <a:endParaRPr lang="pl-PL" dirty="0"/>
+          </a:p>
+        </p:txBody>
+      </p:sp>
+    </p:spTree>
+    <p:extLst>
+      <p:ext uri="{BB962C8B-B14F-4D97-AF65-F5344CB8AC3E}">
+        <p14:creationId xmlns:p14="http://schemas.microsoft.com/office/powerpoint/2010/main" val="4240594428"/>
+      </p:ext>
+    </p:extLst>
+  </p:cSld>
+  <p:clrMapOvr>
+    <a:masterClrMapping/>
+  </p:clrMapOvr>
+</p:sld>
+</file>
+
+<file path=ppt/slides/slide23.xml><?xml version="1.0" encoding="utf-8"?>
+<p:sld xmlns:a="http://schemas.openxmlformats.org/drawingml/2006/main" xmlns:r="http://schemas.openxmlformats.org/officeDocument/2006/relationships" xmlns:p="http://schemas.openxmlformats.org/presentationml/2006/main">
+  <p:cSld>
+    <p:spTree>
+      <p:nvGrpSpPr>
+        <p:cNvPr id="1" name=""/>
+        <p:cNvGrpSpPr/>
+        <p:nvPr/>
+      </p:nvGrpSpPr>
+      <p:grpSpPr>
+        <a:xfrm>
+          <a:off x="0" y="0"/>
+          <a:ext cx="0" cy="0"/>
+          <a:chOff x="0" y="0"/>
+          <a:chExt cx="0" cy="0"/>
+        </a:xfrm>
+      </p:grpSpPr>
+      <p:sp>
+        <p:nvSpPr>
+          <p:cNvPr id="2" name="Title 1"/>
+          <p:cNvSpPr>
+            <a:spLocks noGrp="1"/>
+          </p:cNvSpPr>
+          <p:nvPr>
+            <p:ph type="title"/>
+          </p:nvPr>
+        </p:nvSpPr>
+        <p:spPr>
+          <a:xfrm>
+            <a:off x="755650" y="413693"/>
+            <a:ext cx="7632700" cy="357857"/>
+          </a:xfrm>
+        </p:spPr>
+        <p:txBody>
+          <a:bodyPr/>
+          <a:lstStyle/>
+          <a:p>
+            <a:r>
+              <a:rPr lang="en-US" dirty="0"/>
+              <a:t>Scala: </a:t>
+            </a:r>
+            <a:r>
+              <a:rPr lang="pl-PL" dirty="0"/>
+              <a:t>p</a:t>
+            </a:r>
+            <a:r>
+              <a:rPr lang="en-US" dirty="0" err="1"/>
+              <a:t>attern</a:t>
+            </a:r>
+            <a:r>
+              <a:rPr lang="en-US" dirty="0"/>
+              <a:t> matching</a:t>
+            </a:r>
+          </a:p>
+        </p:txBody>
+      </p:sp>
+      <p:sp>
+        <p:nvSpPr>
+          <p:cNvPr id="3" name="Footer Placeholder 2"/>
+          <p:cNvSpPr>
+            <a:spLocks noGrp="1"/>
+          </p:cNvSpPr>
+          <p:nvPr>
+            <p:ph type="ftr" sz="quarter" idx="16"/>
+          </p:nvPr>
+        </p:nvSpPr>
+        <p:spPr/>
+        <p:txBody>
+          <a:bodyPr/>
+          <a:lstStyle/>
+          <a:p>
+            <a:r>
+              <a:rPr lang="pl-PL" dirty="0"/>
+              <a:t>Krzysztof Stanaszek</a:t>
+            </a:r>
+          </a:p>
+          <a:p>
+            <a:r>
+              <a:rPr lang="pl-PL" dirty="0" err="1"/>
+              <a:t>zJava</a:t>
+            </a:r>
+            <a:r>
+              <a:rPr lang="pl-PL" dirty="0"/>
+              <a:t>, 06.02.2019</a:t>
+            </a:r>
+          </a:p>
+          <a:p>
+            <a:endParaRPr lang="pl-PL" dirty="0"/>
+          </a:p>
+        </p:txBody>
+      </p:sp>
+      <p:sp>
+        <p:nvSpPr>
+          <p:cNvPr id="4" name="Date Placeholder 3"/>
+          <p:cNvSpPr>
+            <a:spLocks noGrp="1"/>
+          </p:cNvSpPr>
+          <p:nvPr>
+            <p:ph type="dt" sz="half" idx="15"/>
+          </p:nvPr>
+        </p:nvSpPr>
+        <p:spPr/>
+        <p:txBody>
+          <a:bodyPr/>
+          <a:lstStyle/>
+          <a:p>
+            <a:r>
+              <a:rPr lang="en-US" dirty="0"/>
+              <a:t>SMACK Reference Architecture</a:t>
+            </a:r>
+            <a:endParaRPr lang="pl-PL" dirty="0"/>
+          </a:p>
+          <a:p>
+            <a:r>
+              <a:rPr lang="pl-PL" dirty="0"/>
+              <a:t>Apache Spark &amp; Scala</a:t>
+            </a:r>
+          </a:p>
+          <a:p>
+            <a:endParaRPr lang="pl-PL" dirty="0"/>
+          </a:p>
+        </p:txBody>
+      </p:sp>
+      <p:sp>
+        <p:nvSpPr>
+          <p:cNvPr id="6" name="Text Placeholder 4"/>
+          <p:cNvSpPr txBox="1">
+            <a:spLocks/>
+          </p:cNvSpPr>
+          <p:nvPr/>
+        </p:nvSpPr>
+        <p:spPr>
+          <a:xfrm>
+            <a:off x="755650" y="915566"/>
+            <a:ext cx="7632700" cy="3797624"/>
+          </a:xfrm>
+          <a:prstGeom prst="rect">
+            <a:avLst/>
+          </a:prstGeom>
+        </p:spPr>
+        <p:txBody>
+          <a:bodyPr vert="horz" lIns="0" tIns="0" rIns="0" bIns="0" anchor="t"/>
+          <a:lstStyle>
+            <a:lvl1pPr marL="165100" indent="-165100" algn="l" defTabSz="914400" rtl="0" eaLnBrk="1" latinLnBrk="0" hangingPunct="1">
+              <a:lnSpc>
+                <a:spcPct val="140000"/>
+              </a:lnSpc>
+              <a:spcBef>
+                <a:spcPts val="0"/>
+              </a:spcBef>
+              <a:buClr>
+                <a:schemeClr val="accent1"/>
+              </a:buClr>
+              <a:buSzPct val="75000"/>
+              <a:buFont typeface="Wingdings" charset="2"/>
+              <a:buChar char="§"/>
+              <a:defRPr sz="1300" kern="1200">
+                <a:solidFill>
+                  <a:schemeClr val="tx1"/>
+                </a:solidFill>
+                <a:latin typeface="+mn-lt"/>
+                <a:ea typeface="+mn-ea"/>
+                <a:cs typeface="+mn-cs"/>
+              </a:defRPr>
+            </a:lvl1pPr>
+            <a:lvl2pPr marL="330200" indent="-165100" algn="l" defTabSz="914400" rtl="0" eaLnBrk="1" latinLnBrk="0" hangingPunct="1">
+              <a:lnSpc>
+                <a:spcPct val="140000"/>
+              </a:lnSpc>
+              <a:spcBef>
+                <a:spcPts val="0"/>
+              </a:spcBef>
+              <a:buClr>
+                <a:schemeClr val="bg2"/>
+              </a:buClr>
+              <a:buSzPct val="75000"/>
+              <a:buFont typeface="Wingdings" charset="2"/>
+              <a:buChar char="§"/>
+              <a:defRPr sz="1300" kern="1200">
+                <a:solidFill>
+                  <a:schemeClr val="tx1"/>
+                </a:solidFill>
+                <a:latin typeface="+mn-lt"/>
+                <a:ea typeface="+mn-ea"/>
+                <a:cs typeface="+mn-cs"/>
+              </a:defRPr>
+            </a:lvl2pPr>
+            <a:lvl3pPr marL="495300" indent="-165100" algn="l" defTabSz="914400" rtl="0" eaLnBrk="1" latinLnBrk="0" hangingPunct="1">
+              <a:lnSpc>
+                <a:spcPct val="140000"/>
+              </a:lnSpc>
+              <a:spcBef>
+                <a:spcPts val="0"/>
+              </a:spcBef>
+              <a:buClr>
+                <a:schemeClr val="bg2"/>
+              </a:buClr>
+              <a:buSzPct val="75000"/>
+              <a:buFont typeface="Wingdings" charset="2"/>
+              <a:buChar char="§"/>
+              <a:defRPr sz="1300" kern="1200">
+                <a:solidFill>
+                  <a:schemeClr val="tx1"/>
+                </a:solidFill>
+                <a:latin typeface="+mn-lt"/>
+                <a:ea typeface="+mn-ea"/>
+                <a:cs typeface="+mn-cs"/>
+              </a:defRPr>
+            </a:lvl3pPr>
+            <a:lvl4pPr marL="660400" indent="-165100" algn="l" defTabSz="914400" rtl="0" eaLnBrk="1" latinLnBrk="0" hangingPunct="1">
+              <a:lnSpc>
+                <a:spcPct val="140000"/>
+              </a:lnSpc>
+              <a:spcBef>
+                <a:spcPts val="0"/>
+              </a:spcBef>
+              <a:buClr>
+                <a:schemeClr val="bg2"/>
+              </a:buClr>
+              <a:buSzPct val="75000"/>
+              <a:buFont typeface="Wingdings" charset="2"/>
+              <a:buChar char="§"/>
+              <a:defRPr sz="1300" kern="1200">
+                <a:solidFill>
+                  <a:schemeClr val="tx1"/>
+                </a:solidFill>
+                <a:latin typeface="+mn-lt"/>
+                <a:ea typeface="+mn-ea"/>
+                <a:cs typeface="+mn-cs"/>
+              </a:defRPr>
+            </a:lvl4pPr>
+            <a:lvl5pPr marL="825500" indent="-165100" algn="l" defTabSz="914400" rtl="0" eaLnBrk="1" latinLnBrk="0" hangingPunct="1">
+              <a:lnSpc>
+                <a:spcPct val="140000"/>
+              </a:lnSpc>
+              <a:spcBef>
+                <a:spcPts val="0"/>
+              </a:spcBef>
+              <a:buClr>
+                <a:schemeClr val="bg2"/>
+              </a:buClr>
+              <a:buSzPct val="75000"/>
+              <a:buFont typeface="Wingdings" charset="2"/>
+              <a:buChar char="§"/>
+              <a:defRPr sz="1300" kern="1200">
+                <a:solidFill>
+                  <a:schemeClr val="tx1"/>
+                </a:solidFill>
+                <a:latin typeface="+mn-lt"/>
+                <a:ea typeface="+mn-ea"/>
+                <a:cs typeface="+mn-cs"/>
+              </a:defRPr>
+            </a:lvl5pPr>
+            <a:lvl6pPr marL="2514600" indent="-228600" algn="l" defTabSz="914400" rtl="0" eaLnBrk="1" latinLnBrk="0" hangingPunct="1">
+              <a:spcBef>
+                <a:spcPct val="20000"/>
+              </a:spcBef>
+              <a:buFont typeface="Arial" pitchFamily="34" charset="0"/>
+              <a:buChar char="•"/>
+              <a:defRPr sz="2000" kern="1200">
+                <a:solidFill>
+                  <a:schemeClr val="tx1"/>
+                </a:solidFill>
+                <a:latin typeface="+mn-lt"/>
+                <a:ea typeface="+mn-ea"/>
+                <a:cs typeface="+mn-cs"/>
+              </a:defRPr>
+            </a:lvl6pPr>
+            <a:lvl7pPr marL="2971800" indent="-228600" algn="l" defTabSz="914400" rtl="0" eaLnBrk="1" latinLnBrk="0" hangingPunct="1">
+              <a:spcBef>
+                <a:spcPct val="20000"/>
+              </a:spcBef>
+              <a:buFont typeface="Arial" pitchFamily="34" charset="0"/>
+              <a:buChar char="•"/>
+              <a:defRPr sz="2000" kern="1200">
+                <a:solidFill>
+                  <a:schemeClr val="tx1"/>
+                </a:solidFill>
+                <a:latin typeface="+mn-lt"/>
+                <a:ea typeface="+mn-ea"/>
+                <a:cs typeface="+mn-cs"/>
+              </a:defRPr>
+            </a:lvl7pPr>
+            <a:lvl8pPr marL="3429000" indent="-228600" algn="l" defTabSz="914400" rtl="0" eaLnBrk="1" latinLnBrk="0" hangingPunct="1">
+              <a:spcBef>
+                <a:spcPct val="20000"/>
+              </a:spcBef>
+              <a:buFont typeface="Arial" pitchFamily="34" charset="0"/>
+              <a:buChar char="•"/>
+              <a:defRPr sz="2000" kern="1200">
+                <a:solidFill>
+                  <a:schemeClr val="tx1"/>
+                </a:solidFill>
+                <a:latin typeface="+mn-lt"/>
+                <a:ea typeface="+mn-ea"/>
+                <a:cs typeface="+mn-cs"/>
+              </a:defRPr>
+            </a:lvl8pPr>
+            <a:lvl9pPr marL="3886200" indent="-228600" algn="l" defTabSz="914400" rtl="0" eaLnBrk="1" latinLnBrk="0" hangingPunct="1">
+              <a:spcBef>
+                <a:spcPct val="20000"/>
+              </a:spcBef>
+              <a:buFont typeface="Arial" pitchFamily="34" charset="0"/>
+              <a:buChar char="•"/>
+              <a:defRPr sz="2000" kern="1200">
+                <a:solidFill>
+                  <a:schemeClr val="tx1"/>
+                </a:solidFill>
+                <a:latin typeface="+mn-lt"/>
+                <a:ea typeface="+mn-ea"/>
+                <a:cs typeface="+mn-cs"/>
+              </a:defRPr>
+            </a:lvl9pPr>
+          </a:lstStyle>
+          <a:p>
+            <a:r>
               <a:rPr lang="en-US" sz="2000" dirty="0"/>
               <a:t>„switch” on steroids</a:t>
             </a:r>
@@ -14734,7 +14840,7 @@
 </p:sld>
 </file>
 
-<file path=ppt/slides/slide23.xml><?xml version="1.0" encoding="utf-8"?>
+<file path=ppt/slides/slide24.xml><?xml version="1.0" encoding="utf-8"?>
 <p:sld xmlns:a="http://schemas.openxmlformats.org/drawingml/2006/main" xmlns:r="http://schemas.openxmlformats.org/officeDocument/2006/relationships" xmlns:p="http://schemas.openxmlformats.org/presentationml/2006/main">
   <p:cSld>
     <p:spTree>
@@ -16230,12 +16336,6 @@
           <a:p>
             <a:r>
               <a:rPr lang="en-GB" sz="2000" dirty="0"/>
-              <a:t>Polyglot programming mode</a:t>
-            </a:r>
-          </a:p>
-          <a:p>
-            <a:r>
-              <a:rPr lang="en-GB" sz="2000" dirty="0"/>
               <a:t>Runs (almost) everywhere</a:t>
             </a:r>
           </a:p>
@@ -16244,6 +16344,19 @@
               <a:rPr lang="en-GB" sz="2000" dirty="0"/>
               <a:t>Generality</a:t>
             </a:r>
+            <a:endParaRPr lang="pl-PL" sz="2000" dirty="0"/>
+          </a:p>
+          <a:p>
+            <a:r>
+              <a:rPr lang="en-GB" sz="2000" dirty="0"/>
+              <a:t>Polyglot programming mode</a:t>
+            </a:r>
+          </a:p>
+          <a:p>
+            <a:pPr marL="0" indent="0">
+              <a:buNone/>
+            </a:pPr>
+            <a:endParaRPr lang="en-GB" sz="2000" dirty="0"/>
           </a:p>
         </p:txBody>
       </p:sp>
@@ -20261,11 +20374,18 @@
 <file path=customXml/itemProps3.xml><?xml version="1.0" encoding="utf-8"?>
 <ds:datastoreItem xmlns:ds="http://schemas.openxmlformats.org/officeDocument/2006/customXml" ds:itemID="{C053F735-BAB9-4147-90B7-05A702639313}">
   <ds:schemaRefs>
+    <ds:schemaRef ds:uri="http://schemas.microsoft.com/office/2006/documentManagement/types"/>
+    <ds:schemaRef ds:uri="http://schemas.microsoft.com/office/infopath/2007/PartnerControls"/>
+    <ds:schemaRef ds:uri="http://purl.org/dc/elements/1.1/"/>
+    <ds:schemaRef ds:uri="http://schemas.openxmlformats.org/package/2006/metadata/core-properties"/>
     <ds:schemaRef ds:uri="http://schemas.microsoft.com/office/2006/metadata/properties"/>
-    <ds:schemaRef ds:uri="http://schemas.microsoft.com/office/infopath/2007/PartnerControls"/>
+    <ds:schemaRef ds:uri="b6c8aff7-8255-4849-b8e8-fa486e1a95ad"/>
+    <ds:schemaRef ds:uri="cb0eccee-0f77-49ec-991a-9389dd455cd9"/>
+    <ds:schemaRef ds:uri="http://purl.org/dc/terms/"/>
+    <ds:schemaRef ds:uri="3708c738-35ee-46ab-80c7-a8ab2419782e"/>
     <ds:schemaRef ds:uri="http://schemas.microsoft.com/sharepoint/v3"/>
-    <ds:schemaRef ds:uri="3708c738-35ee-46ab-80c7-a8ab2419782e"/>
-    <ds:schemaRef ds:uri="cb0eccee-0f77-49ec-991a-9389dd455cd9"/>
+    <ds:schemaRef ds:uri="http://www.w3.org/XML/1998/namespace"/>
+    <ds:schemaRef ds:uri="http://purl.org/dc/dcmitype/"/>
   </ds:schemaRefs>
 </ds:datastoreItem>
 </file>

--- a/src/main/resources/slides.pptx
+++ b/src/main/resources/slides.pptx
@@ -2261,6 +2261,474 @@
               <a:rPr lang="pl-PL" dirty="0"/>
               <a:t>).</a:t>
             </a:r>
+          </a:p>
+          <a:p>
+            <a:pPr marL="0" marR="0" lvl="0" indent="0" algn="l" defTabSz="914400" rtl="0" eaLnBrk="1" fontAlgn="auto" latinLnBrk="0" hangingPunct="1">
+              <a:lnSpc>
+                <a:spcPct val="100000"/>
+              </a:lnSpc>
+              <a:spcBef>
+                <a:spcPts val="0"/>
+              </a:spcBef>
+              <a:spcAft>
+                <a:spcPts val="0"/>
+              </a:spcAft>
+              <a:buClrTx/>
+              <a:buSzTx/>
+              <a:buFontTx/>
+              <a:buNone/>
+              <a:tabLst/>
+              <a:defRPr/>
+            </a:pPr>
+            <a:endParaRPr lang="pl-PL" sz="1200" b="1" dirty="0"/>
+          </a:p>
+          <a:p>
+            <a:pPr marL="0" marR="0" lvl="0" indent="0" algn="l" defTabSz="914400" rtl="0" eaLnBrk="1" fontAlgn="auto" latinLnBrk="0" hangingPunct="1">
+              <a:lnSpc>
+                <a:spcPct val="100000"/>
+              </a:lnSpc>
+              <a:spcBef>
+                <a:spcPts val="0"/>
+              </a:spcBef>
+              <a:spcAft>
+                <a:spcPts val="0"/>
+              </a:spcAft>
+              <a:buClrTx/>
+              <a:buSzTx/>
+              <a:buFontTx/>
+              <a:buNone/>
+              <a:tabLst/>
+              <a:defRPr/>
+            </a:pPr>
+            <a:r>
+              <a:rPr lang="en-US" sz="1200" b="1" dirty="0"/>
+              <a:t>Case classes</a:t>
+            </a:r>
+            <a:r>
+              <a:rPr lang="pl-PL" sz="1200" b="1" dirty="0"/>
+              <a:t> </a:t>
+            </a:r>
+          </a:p>
+          <a:p>
+            <a:pPr marL="171450" indent="-171450">
+              <a:buFont typeface="Arial" panose="020B0604020202020204" pitchFamily="34" charset="0"/>
+              <a:buChar char="•"/>
+            </a:pPr>
+            <a:r>
+              <a:rPr lang="en-GB" sz="1200" dirty="0"/>
+              <a:t>Immutable by default</a:t>
+            </a:r>
+          </a:p>
+          <a:p>
+            <a:pPr marL="171450" indent="-171450">
+              <a:buFont typeface="Arial" panose="020B0604020202020204" pitchFamily="34" charset="0"/>
+              <a:buChar char="•"/>
+            </a:pPr>
+            <a:r>
+              <a:rPr lang="en-GB" sz="1200" dirty="0"/>
+              <a:t>Companion object and factory methods out of the box</a:t>
+            </a:r>
+          </a:p>
+          <a:p>
+            <a:pPr marL="171450" indent="-171450">
+              <a:buFont typeface="Arial" panose="020B0604020202020204" pitchFamily="34" charset="0"/>
+              <a:buChar char="•"/>
+            </a:pPr>
+            <a:r>
+              <a:rPr lang="en-GB" sz="1200" dirty="0"/>
+              <a:t>Implicitly equip the class with meaningful </a:t>
+            </a:r>
+            <a:r>
+              <a:rPr lang="en-GB" sz="1200" i="1" dirty="0" err="1"/>
+              <a:t>toString</a:t>
+            </a:r>
+            <a:r>
+              <a:rPr lang="en-GB" sz="1200" dirty="0"/>
+              <a:t>, </a:t>
+            </a:r>
+            <a:r>
+              <a:rPr lang="en-GB" sz="1200" i="1" dirty="0"/>
+              <a:t>equals</a:t>
+            </a:r>
+            <a:r>
+              <a:rPr lang="en-GB" sz="1200" dirty="0"/>
+              <a:t> and </a:t>
+            </a:r>
+            <a:r>
+              <a:rPr lang="en-GB" sz="1200" i="1" dirty="0" err="1"/>
+              <a:t>hashCode</a:t>
+            </a:r>
+            <a:endParaRPr lang="en-GB" sz="1200" i="1" dirty="0"/>
+          </a:p>
+          <a:p>
+            <a:pPr marL="171450" indent="-171450">
+              <a:buFont typeface="Arial" panose="020B0604020202020204" pitchFamily="34" charset="0"/>
+              <a:buChar char="•"/>
+            </a:pPr>
+            <a:r>
+              <a:rPr lang="en-GB" sz="1200" dirty="0"/>
+              <a:t>Ability to be deconstructed with pattern matching.</a:t>
+            </a:r>
+          </a:p>
+          <a:p>
+            <a:pPr marL="171450" indent="-171450">
+              <a:buFont typeface="Arial" panose="020B0604020202020204" pitchFamily="34" charset="0"/>
+              <a:buChar char="•"/>
+            </a:pPr>
+            <a:r>
+              <a:rPr lang="en-GB" sz="1200" dirty="0"/>
+              <a:t>Perfect for structural data types</a:t>
+            </a:r>
+          </a:p>
+          <a:p>
+            <a:pPr marL="171450" indent="-171450">
+              <a:buFont typeface="Arial" panose="020B0604020202020204" pitchFamily="34" charset="0"/>
+              <a:buChar char="•"/>
+            </a:pPr>
+            <a:r>
+              <a:rPr lang="en-GB" sz="1200" dirty="0"/>
+              <a:t>Nicely integrates with Spark Dataset</a:t>
+            </a:r>
+          </a:p>
+          <a:p>
+            <a:pPr marL="0" marR="0" lvl="0" indent="0" algn="l" defTabSz="914400" rtl="0" eaLnBrk="1" fontAlgn="auto" latinLnBrk="0" hangingPunct="1">
+              <a:lnSpc>
+                <a:spcPct val="100000"/>
+              </a:lnSpc>
+              <a:spcBef>
+                <a:spcPts val="0"/>
+              </a:spcBef>
+              <a:spcAft>
+                <a:spcPts val="0"/>
+              </a:spcAft>
+              <a:buClrTx/>
+              <a:buSzTx/>
+              <a:buFontTx/>
+              <a:buNone/>
+              <a:tabLst/>
+              <a:defRPr/>
+            </a:pPr>
+            <a:endParaRPr lang="pl-PL" sz="1200" b="1" dirty="0"/>
+          </a:p>
+          <a:p>
+            <a:pPr marL="0" marR="0" lvl="0" indent="0" algn="l" defTabSz="914400" rtl="0" eaLnBrk="1" fontAlgn="auto" latinLnBrk="0" hangingPunct="1">
+              <a:lnSpc>
+                <a:spcPct val="100000"/>
+              </a:lnSpc>
+              <a:spcBef>
+                <a:spcPts val="0"/>
+              </a:spcBef>
+              <a:spcAft>
+                <a:spcPts val="0"/>
+              </a:spcAft>
+              <a:buClrTx/>
+              <a:buSzTx/>
+              <a:buFontTx/>
+              <a:buNone/>
+              <a:tabLst/>
+              <a:defRPr/>
+            </a:pPr>
+            <a:r>
+              <a:rPr lang="pl-PL" sz="1200" b="1" dirty="0"/>
+              <a:t>P</a:t>
+            </a:r>
+            <a:r>
+              <a:rPr lang="en-US" sz="1200" b="1" dirty="0" err="1"/>
+              <a:t>attern</a:t>
+            </a:r>
+            <a:r>
+              <a:rPr lang="en-US" sz="1200" b="1" dirty="0"/>
+              <a:t> matching</a:t>
+            </a:r>
+            <a:r>
+              <a:rPr lang="pl-PL" sz="1200" b="1" dirty="0"/>
+              <a:t> </a:t>
+            </a:r>
+            <a:r>
+              <a:rPr lang="pl-PL" sz="1200" dirty="0"/>
+              <a:t>- </a:t>
+            </a:r>
+            <a:r>
+              <a:rPr lang="en-US" sz="1200" dirty="0"/>
+              <a:t>„switch” on steroids</a:t>
+            </a:r>
+          </a:p>
+          <a:p>
+            <a:pPr marL="171450" indent="-171450">
+              <a:buFont typeface="Arial" panose="020B0604020202020204" pitchFamily="34" charset="0"/>
+              <a:buChar char="•"/>
+            </a:pPr>
+            <a:r>
+              <a:rPr lang="en-US" sz="1200" dirty="0"/>
+              <a:t>Match against class hierarchies, sequences, and case classes</a:t>
+            </a:r>
+            <a:r>
+              <a:rPr lang="pl-PL" sz="1200" dirty="0"/>
+              <a:t> …</a:t>
+            </a:r>
+          </a:p>
+          <a:p>
+            <a:pPr marL="171450" marR="0" lvl="0" indent="-171450" algn="l" defTabSz="914400" rtl="0" eaLnBrk="1" fontAlgn="auto" latinLnBrk="0" hangingPunct="1">
+              <a:lnSpc>
+                <a:spcPct val="100000"/>
+              </a:lnSpc>
+              <a:spcBef>
+                <a:spcPts val="0"/>
+              </a:spcBef>
+              <a:spcAft>
+                <a:spcPts val="0"/>
+              </a:spcAft>
+              <a:buClrTx/>
+              <a:buSzTx/>
+              <a:buFont typeface="Arial" panose="020B0604020202020204" pitchFamily="34" charset="0"/>
+              <a:buChar char="•"/>
+              <a:tabLst/>
+              <a:defRPr/>
+            </a:pPr>
+            <a:r>
+              <a:rPr lang="en-GB" sz="1200" dirty="0"/>
+              <a:t>Patterns everywhere</a:t>
+            </a:r>
+            <a:r>
+              <a:rPr lang="pl-PL" sz="1200" dirty="0"/>
+              <a:t> (</a:t>
+            </a:r>
+            <a:r>
+              <a:rPr lang="pl-PL" sz="1200" b="0" dirty="0"/>
+              <a:t>bardzo przydatne do dekonstrukcji </a:t>
+            </a:r>
+            <a:r>
+              <a:rPr lang="pl-PL" sz="1200" b="0" dirty="0" err="1"/>
+              <a:t>tupli</a:t>
+            </a:r>
+            <a:r>
+              <a:rPr lang="pl-PL" sz="1200" b="0" dirty="0"/>
+              <a:t> czy </a:t>
+            </a:r>
+            <a:r>
+              <a:rPr lang="pl-PL" sz="1200" b="0" dirty="0" err="1"/>
+              <a:t>case</a:t>
+            </a:r>
+            <a:r>
+              <a:rPr lang="pl-PL" sz="1200" b="0" dirty="0"/>
+              <a:t> </a:t>
+            </a:r>
+            <a:r>
+              <a:rPr lang="pl-PL" sz="1200" b="0" dirty="0" err="1"/>
+              <a:t>class</a:t>
+            </a:r>
+            <a:r>
+              <a:rPr lang="pl-PL" sz="1200" b="0" dirty="0"/>
+              <a:t>; </a:t>
+            </a:r>
+            <a:r>
+              <a:rPr lang="en-US" sz="1200" b="1" i="0" u="none" strike="noStrike" kern="1200" baseline="0" dirty="0">
+                <a:solidFill>
+                  <a:schemeClr val="tx1"/>
+                </a:solidFill>
+                <a:latin typeface="+mn-lt"/>
+                <a:ea typeface="+mn-ea"/>
+                <a:cs typeface="+mn-cs"/>
+              </a:rPr>
+              <a:t>case sequence </a:t>
+            </a:r>
+            <a:r>
+              <a:rPr lang="pl-PL" sz="1200" b="0" i="0" u="none" strike="noStrike" kern="1200" baseline="0" dirty="0">
+                <a:solidFill>
+                  <a:schemeClr val="tx1"/>
+                </a:solidFill>
+                <a:latin typeface="+mn-lt"/>
+                <a:ea typeface="+mn-ea"/>
+                <a:cs typeface="+mn-cs"/>
+              </a:rPr>
+              <a:t> użyte w nawiasach wąsatych (</a:t>
+            </a:r>
+            <a:r>
+              <a:rPr lang="pl-PL" sz="1200" b="0" i="0" u="none" strike="noStrike" kern="1200" baseline="0" dirty="0" err="1">
+                <a:solidFill>
+                  <a:schemeClr val="tx1"/>
+                </a:solidFill>
+                <a:latin typeface="+mn-lt"/>
+                <a:ea typeface="+mn-ea"/>
+                <a:cs typeface="+mn-cs"/>
+              </a:rPr>
+              <a:t>curly</a:t>
+            </a:r>
+            <a:r>
+              <a:rPr lang="pl-PL" sz="1200" b="0" i="0" u="none" strike="noStrike" kern="1200" baseline="0" dirty="0">
+                <a:solidFill>
+                  <a:schemeClr val="tx1"/>
+                </a:solidFill>
+                <a:latin typeface="+mn-lt"/>
+                <a:ea typeface="+mn-ea"/>
+                <a:cs typeface="+mn-cs"/>
+              </a:rPr>
+              <a:t> </a:t>
+            </a:r>
+            <a:r>
+              <a:rPr lang="pl-PL" sz="1200" b="0" i="0" u="none" strike="noStrike" kern="1200" baseline="0" dirty="0" err="1">
+                <a:solidFill>
+                  <a:schemeClr val="tx1"/>
+                </a:solidFill>
+                <a:latin typeface="+mn-lt"/>
+                <a:ea typeface="+mn-ea"/>
+                <a:cs typeface="+mn-cs"/>
+              </a:rPr>
+              <a:t>braces</a:t>
+            </a:r>
+            <a:r>
+              <a:rPr lang="pl-PL" sz="1200" b="0" i="0" u="none" strike="noStrike" kern="1200" baseline="0" dirty="0">
+                <a:solidFill>
+                  <a:schemeClr val="tx1"/>
+                </a:solidFill>
+                <a:latin typeface="+mn-lt"/>
+                <a:ea typeface="+mn-ea"/>
+                <a:cs typeface="+mn-cs"/>
+              </a:rPr>
+              <a:t>) mogą być użyte wszędzie tam gdzie można użyć literału funkcji)</a:t>
+            </a:r>
+          </a:p>
+          <a:p>
+            <a:pPr marL="171450" indent="-171450">
+              <a:buFont typeface="Arial" panose="020B0604020202020204" pitchFamily="34" charset="0"/>
+              <a:buChar char="•"/>
+            </a:pPr>
+            <a:r>
+              <a:rPr lang="en-US" sz="1200" dirty="0"/>
+              <a:t>Very powerful in Spark transformations</a:t>
+            </a:r>
+          </a:p>
+          <a:p>
+            <a:endParaRPr lang="pl-PL" b="1" dirty="0"/>
+          </a:p>
+          <a:p>
+            <a:r>
+              <a:rPr lang="pl-PL" sz="1200" b="1" dirty="0"/>
+              <a:t>C</a:t>
+            </a:r>
+            <a:r>
+              <a:rPr lang="en-US" sz="1200" b="1" dirty="0" err="1"/>
+              <a:t>ollection</a:t>
+            </a:r>
+            <a:r>
+              <a:rPr lang="pl-PL" sz="1200" b="1" dirty="0"/>
+              <a:t>s </a:t>
+            </a:r>
+            <a:r>
+              <a:rPr lang="pl-PL" sz="1200" b="0" dirty="0"/>
+              <a:t>- p</a:t>
+            </a:r>
+            <a:r>
+              <a:rPr lang="en-US" sz="1200" dirty="0" err="1"/>
+              <a:t>lethora</a:t>
+            </a:r>
+            <a:r>
+              <a:rPr lang="en-US" sz="1200" dirty="0"/>
+              <a:t> of types: immutable and mutable types</a:t>
+            </a:r>
+          </a:p>
+          <a:p>
+            <a:pPr marL="171450" indent="-171450">
+              <a:buFont typeface="Arial" panose="020B0604020202020204" pitchFamily="34" charset="0"/>
+              <a:buChar char="•"/>
+            </a:pPr>
+            <a:r>
+              <a:rPr lang="en-US" sz="1200" dirty="0"/>
+              <a:t>Wide range of operations making your life easy dealing with any kind of data.</a:t>
+            </a:r>
+            <a:r>
+              <a:rPr lang="pl-PL" sz="1200" dirty="0"/>
+              <a:t> (</a:t>
+            </a:r>
+            <a:r>
+              <a:rPr lang="pl-PL" sz="1200" dirty="0" err="1"/>
+              <a:t>e.g</a:t>
+            </a:r>
+            <a:r>
+              <a:rPr lang="pl-PL" sz="1200" dirty="0"/>
+              <a:t>. the List </a:t>
+            </a:r>
+            <a:r>
+              <a:rPr lang="pl-PL" sz="1200" dirty="0" err="1"/>
+              <a:t>contains</a:t>
+            </a:r>
+            <a:r>
+              <a:rPr lang="pl-PL" sz="1200" dirty="0"/>
+              <a:t> </a:t>
+            </a:r>
+            <a:r>
+              <a:rPr lang="pl-PL" sz="1200" dirty="0" err="1"/>
+              <a:t>more</a:t>
+            </a:r>
+            <a:r>
+              <a:rPr lang="pl-PL" sz="1200" dirty="0"/>
+              <a:t> </a:t>
+            </a:r>
+            <a:r>
+              <a:rPr lang="pl-PL" sz="1200" dirty="0" err="1"/>
+              <a:t>than</a:t>
+            </a:r>
+            <a:r>
+              <a:rPr lang="pl-PL" sz="1200" dirty="0"/>
+              <a:t> 200 </a:t>
+            </a:r>
+            <a:r>
+              <a:rPr lang="pl-PL" sz="1200" dirty="0" err="1"/>
+              <a:t>methods</a:t>
+            </a:r>
+            <a:r>
+              <a:rPr lang="pl-PL" sz="1200" dirty="0"/>
+              <a:t>)</a:t>
+            </a:r>
+            <a:endParaRPr lang="en-US" sz="1200" dirty="0"/>
+          </a:p>
+          <a:p>
+            <a:pPr marL="171450" indent="-171450">
+              <a:buFont typeface="Arial" panose="020B0604020202020204" pitchFamily="34" charset="0"/>
+              <a:buChar char="•"/>
+            </a:pPr>
+            <a:r>
+              <a:rPr lang="en-US" sz="1200" dirty="0"/>
+              <a:t>Nicely mixes with Spark thanks to </a:t>
+            </a:r>
+            <a:r>
+              <a:rPr lang="en-US" sz="1200" i="1" dirty="0" err="1"/>
+              <a:t>implicits</a:t>
+            </a:r>
+            <a:endParaRPr lang="en-US" sz="1200" i="1" dirty="0"/>
+          </a:p>
+          <a:p>
+            <a:pPr marL="171450" indent="-171450">
+              <a:buFont typeface="Arial" panose="020B0604020202020204" pitchFamily="34" charset="0"/>
+              <a:buChar char="•"/>
+            </a:pPr>
+            <a:r>
+              <a:rPr lang="en-US" sz="1200" dirty="0"/>
+              <a:t>Extremely utilized by Spark internals</a:t>
+            </a:r>
+          </a:p>
+          <a:p>
+            <a:pPr marL="171450" indent="-171450">
+              <a:buFont typeface="Arial" panose="020B0604020202020204" pitchFamily="34" charset="0"/>
+              <a:buChar char="•"/>
+            </a:pPr>
+            <a:r>
+              <a:rPr lang="en-US" sz="1200" dirty="0"/>
+              <a:t>„Spark - The Ultimate Scala Collections” </a:t>
+            </a:r>
+            <a:r>
+              <a:rPr lang="pl-PL" sz="1200" dirty="0"/>
+              <a:t> - </a:t>
+            </a:r>
+            <a:r>
+              <a:rPr lang="en-US" sz="1200" dirty="0"/>
+              <a:t>Martin </a:t>
+            </a:r>
+            <a:r>
+              <a:rPr lang="en-US" sz="1200" dirty="0" err="1"/>
+              <a:t>Odersky</a:t>
+            </a:r>
+            <a:endParaRPr lang="en-US" sz="1200" dirty="0"/>
           </a:p>
           <a:p>
             <a:r>
@@ -20374,18 +20842,18 @@
 <file path=customXml/itemProps3.xml><?xml version="1.0" encoding="utf-8"?>
 <ds:datastoreItem xmlns:ds="http://schemas.openxmlformats.org/officeDocument/2006/customXml" ds:itemID="{C053F735-BAB9-4147-90B7-05A702639313}">
   <ds:schemaRefs>
-    <ds:schemaRef ds:uri="http://schemas.microsoft.com/office/2006/documentManagement/types"/>
     <ds:schemaRef ds:uri="http://schemas.microsoft.com/office/infopath/2007/PartnerControls"/>
-    <ds:schemaRef ds:uri="http://purl.org/dc/elements/1.1/"/>
-    <ds:schemaRef ds:uri="http://schemas.openxmlformats.org/package/2006/metadata/core-properties"/>
     <ds:schemaRef ds:uri="http://schemas.microsoft.com/office/2006/metadata/properties"/>
     <ds:schemaRef ds:uri="b6c8aff7-8255-4849-b8e8-fa486e1a95ad"/>
+    <ds:schemaRef ds:uri="http://schemas.microsoft.com/sharepoint/v3"/>
+    <ds:schemaRef ds:uri="3708c738-35ee-46ab-80c7-a8ab2419782e"/>
+    <ds:schemaRef ds:uri="http://schemas.microsoft.com/office/2006/documentManagement/types"/>
+    <ds:schemaRef ds:uri="http://schemas.openxmlformats.org/package/2006/metadata/core-properties"/>
     <ds:schemaRef ds:uri="cb0eccee-0f77-49ec-991a-9389dd455cd9"/>
-    <ds:schemaRef ds:uri="http://purl.org/dc/terms/"/>
-    <ds:schemaRef ds:uri="3708c738-35ee-46ab-80c7-a8ab2419782e"/>
-    <ds:schemaRef ds:uri="http://schemas.microsoft.com/sharepoint/v3"/>
+    <ds:schemaRef ds:uri="http://purl.org/dc/elements/1.1/"/>
     <ds:schemaRef ds:uri="http://www.w3.org/XML/1998/namespace"/>
     <ds:schemaRef ds:uri="http://purl.org/dc/dcmitype/"/>
+    <ds:schemaRef ds:uri="http://purl.org/dc/terms/"/>
   </ds:schemaRefs>
 </ds:datastoreItem>
 </file>

--- a/src/main/resources/slides.pptx
+++ b/src/main/resources/slides.pptx
@@ -28,8 +28,8 @@
     <p:sldId id="288" r:id="rId20"/>
     <p:sldId id="289" r:id="rId21"/>
     <p:sldId id="301" r:id="rId22"/>
-    <p:sldId id="296" r:id="rId23"/>
-    <p:sldId id="302" r:id="rId24"/>
+    <p:sldId id="302" r:id="rId23"/>
+    <p:sldId id="296" r:id="rId24"/>
     <p:sldId id="292" r:id="rId25"/>
     <p:sldId id="294" r:id="rId26"/>
     <p:sldId id="291" r:id="rId27"/>
@@ -1240,15 +1240,7 @@
           <a:p>
             <a:r>
               <a:rPr lang="pl-PL" dirty="0"/>
-              <a:t>Spark oferuje 2 typy operacji na danych: </a:t>
-            </a:r>
-            <a:r>
-              <a:rPr lang="pl-PL" dirty="0" err="1"/>
-              <a:t>tranformacje</a:t>
-            </a:r>
-            <a:r>
-              <a:rPr lang="pl-PL" dirty="0"/>
-              <a:t> i akcje.</a:t>
+              <a:t>Spark oferuje 2 typy operacji na danych: transformacje i akcje.</a:t>
             </a:r>
           </a:p>
           <a:p>
@@ -1394,31 +1386,31 @@
           <a:lstStyle/>
           <a:p>
             <a:r>
-              <a:rPr lang="pl-PL" dirty="0"/>
+              <a:rPr lang="pl-PL" b="1" dirty="0"/>
               <a:t>Scala/Java bardziej dla software </a:t>
             </a:r>
             <a:r>
-              <a:rPr lang="pl-PL" dirty="0" err="1"/>
+              <a:rPr lang="pl-PL" b="1" dirty="0" err="1"/>
               <a:t>engineerów</a:t>
             </a:r>
             <a:r>
-              <a:rPr lang="pl-PL" dirty="0"/>
+              <a:rPr lang="pl-PL" b="1" dirty="0"/>
               <a:t>. </a:t>
             </a:r>
             <a:r>
-              <a:rPr lang="pl-PL" dirty="0" err="1"/>
+              <a:rPr lang="pl-PL" b="1" dirty="0" err="1"/>
               <a:t>Python</a:t>
             </a:r>
             <a:r>
-              <a:rPr lang="pl-PL" dirty="0"/>
+              <a:rPr lang="pl-PL" b="1" dirty="0"/>
               <a:t>/R bardziej dla data </a:t>
             </a:r>
             <a:r>
-              <a:rPr lang="pl-PL" dirty="0" err="1"/>
+              <a:rPr lang="pl-PL" b="1" dirty="0" err="1"/>
               <a:t>scientistów</a:t>
             </a:r>
             <a:r>
-              <a:rPr lang="pl-PL" dirty="0"/>
+              <a:rPr lang="pl-PL" b="1" dirty="0"/>
               <a:t>. SQL to DBA. </a:t>
             </a:r>
           </a:p>
@@ -2113,11 +2105,11 @@
             </a:r>
             <a:r>
               <a:rPr lang="pl-PL" dirty="0"/>
-              <a:t>- opanowanie API Scali to nie lada wyczyn. Jeśli nie rozumiesz jak działa bardziej wyszukane konstrukcje jak </a:t>
+              <a:t>- opanowanie API Scali to nie lada wyczyn. Jeśli nie rozumiesz jak działa bardziej wyszukane konstrukcje jak monady, </a:t>
             </a:r>
             <a:r>
               <a:rPr lang="pl-PL" dirty="0" err="1"/>
-              <a:t>patter</a:t>
+              <a:t>infix</a:t>
             </a:r>
             <a:r>
               <a:rPr lang="pl-PL" dirty="0"/>
@@ -2125,19 +2117,11 @@
             </a:r>
             <a:r>
               <a:rPr lang="pl-PL" dirty="0" err="1"/>
-              <a:t>matching</a:t>
-            </a:r>
-            <a:r>
-              <a:rPr lang="pl-PL" dirty="0"/>
-              <a:t>, </a:t>
-            </a:r>
-            <a:r>
-              <a:rPr lang="pl-PL" dirty="0" err="1"/>
-              <a:t>implicits</a:t>
-            </a:r>
-            <a:r>
-              <a:rPr lang="pl-PL" dirty="0"/>
-              <a:t>, </a:t>
+              <a:t>notation</a:t>
+            </a:r>
+            <a:r>
+              <a:rPr lang="pl-PL" dirty="0"/>
+              <a:t> czy </a:t>
             </a:r>
             <a:r>
               <a:rPr lang="pl-PL" dirty="0" err="1"/>
@@ -2597,6 +2581,441 @@
               <a:rPr lang="en-US" sz="1200" dirty="0"/>
               <a:t>Very powerful in Spark transformations</a:t>
             </a:r>
+            <a:endParaRPr lang="pl-PL" sz="1200" dirty="0"/>
+          </a:p>
+          <a:p>
+            <a:pPr marL="171450" indent="-171450">
+              <a:buFont typeface="Arial" panose="020B0604020202020204" pitchFamily="34" charset="0"/>
+              <a:buChar char="•"/>
+            </a:pPr>
+            <a:endParaRPr lang="pl-PL" sz="1200" dirty="0"/>
+          </a:p>
+          <a:p>
+            <a:r>
+              <a:rPr lang="en-US" sz="1200" b="1" dirty="0"/>
+              <a:t>Function</a:t>
+            </a:r>
+            <a:r>
+              <a:rPr lang="pl-PL" sz="1200" b="1" dirty="0"/>
+              <a:t> as </a:t>
+            </a:r>
+            <a:r>
+              <a:rPr lang="pl-PL" sz="1200" b="1"/>
+              <a:t>f</a:t>
+            </a:r>
+            <a:r>
+              <a:rPr lang="pl-PL" b="1"/>
+              <a:t>irst</a:t>
+            </a:r>
+            <a:r>
+              <a:rPr lang="pl-PL" b="1" dirty="0"/>
+              <a:t> </a:t>
+            </a:r>
+            <a:r>
+              <a:rPr lang="pl-PL" b="1" dirty="0" err="1"/>
+              <a:t>class</a:t>
+            </a:r>
+            <a:r>
+              <a:rPr lang="pl-PL" b="1" dirty="0"/>
+              <a:t> </a:t>
+            </a:r>
+            <a:r>
+              <a:rPr lang="pl-PL" b="1" dirty="0" err="1"/>
+              <a:t>citizien</a:t>
+            </a:r>
+            <a:r>
+              <a:rPr lang="pl-PL" b="1" dirty="0"/>
+              <a:t> </a:t>
+            </a:r>
+            <a:r>
+              <a:rPr lang="pl-PL" dirty="0"/>
+              <a:t>– </a:t>
+            </a:r>
+            <a:r>
+              <a:rPr lang="pl-PL" dirty="0" err="1"/>
+              <a:t>sa</a:t>
+            </a:r>
+            <a:r>
+              <a:rPr lang="pl-PL" dirty="0"/>
+              <a:t> wszechobecne, nie są tylko deklarowane i wykonywane ale mogą być użyte jako po prostu typ danych.</a:t>
+            </a:r>
+          </a:p>
+          <a:p>
+            <a:r>
+              <a:rPr lang="pl-PL" dirty="0"/>
+              <a:t>Mogą wiec być zdefiniowane jako literał, jako literał bez nazwy (czyli to co znamy z </a:t>
+            </a:r>
+            <a:r>
+              <a:rPr lang="pl-PL" dirty="0" err="1"/>
+              <a:t>javy</a:t>
+            </a:r>
+            <a:r>
+              <a:rPr lang="pl-PL" dirty="0"/>
+              <a:t>/</a:t>
+            </a:r>
+            <a:r>
+              <a:rPr lang="pl-PL" dirty="0" err="1"/>
+              <a:t>javascirpt</a:t>
+            </a:r>
+            <a:r>
+              <a:rPr lang="pl-PL" dirty="0"/>
+              <a:t> jako lambda, bądź anonimowa funkcja), mogą być zapisane jako </a:t>
+            </a:r>
+            <a:r>
+              <a:rPr lang="pl-PL" dirty="0" err="1"/>
+              <a:t>value</a:t>
+            </a:r>
+            <a:r>
+              <a:rPr lang="pl-PL" dirty="0"/>
+              <a:t> bądź </a:t>
+            </a:r>
+            <a:r>
+              <a:rPr lang="pl-PL" dirty="0" err="1"/>
+              <a:t>variable</a:t>
+            </a:r>
+            <a:r>
+              <a:rPr lang="pl-PL" dirty="0"/>
+              <a:t> oraz użyte jako parametr do innej funkcji bądź nawet zwrócone z innej funkcji.</a:t>
+            </a:r>
+          </a:p>
+          <a:p>
+            <a:r>
+              <a:rPr lang="pl-PL" b="1" dirty="0" err="1"/>
+              <a:t>Pure</a:t>
+            </a:r>
+            <a:r>
+              <a:rPr lang="pl-PL" b="1" dirty="0"/>
+              <a:t> </a:t>
+            </a:r>
+            <a:r>
+              <a:rPr lang="pl-PL" b="1" dirty="0" err="1"/>
+              <a:t>functions</a:t>
+            </a:r>
+            <a:r>
+              <a:rPr lang="pl-PL" b="1" dirty="0"/>
+              <a:t> </a:t>
+            </a:r>
+            <a:r>
+              <a:rPr lang="pl-PL" dirty="0"/>
+              <a:t>– nie maja </a:t>
+            </a:r>
+            <a:r>
+              <a:rPr lang="pl-PL" dirty="0" err="1"/>
+              <a:t>side</a:t>
+            </a:r>
+            <a:r>
+              <a:rPr lang="pl-PL" dirty="0"/>
+              <a:t> </a:t>
+            </a:r>
+            <a:r>
+              <a:rPr lang="pl-PL" dirty="0" err="1"/>
+              <a:t>effectów</a:t>
+            </a:r>
+            <a:r>
+              <a:rPr lang="pl-PL" dirty="0"/>
+              <a:t>, czyli nie modyfikują stanu, są </a:t>
+            </a:r>
+            <a:r>
+              <a:rPr lang="pl-PL" dirty="0" err="1"/>
+              <a:t>stateless</a:t>
+            </a:r>
+            <a:endParaRPr lang="pl-PL" dirty="0"/>
+          </a:p>
+          <a:p>
+            <a:r>
+              <a:rPr lang="pl-PL" b="1" dirty="0"/>
+              <a:t>High-order </a:t>
+            </a:r>
+            <a:r>
+              <a:rPr lang="pl-PL" b="1" dirty="0" err="1"/>
+              <a:t>functions</a:t>
+            </a:r>
+            <a:r>
+              <a:rPr lang="pl-PL" b="1" dirty="0"/>
+              <a:t> </a:t>
+            </a:r>
+            <a:r>
+              <a:rPr lang="pl-PL" dirty="0"/>
+              <a:t>– przyjmują w argumencie inna funkcje bądź zwracają funkcje.</a:t>
+            </a:r>
+          </a:p>
+          <a:p>
+            <a:endParaRPr lang="pl-PL" dirty="0"/>
+          </a:p>
+          <a:p>
+            <a:r>
+              <a:rPr lang="pl-PL" dirty="0"/>
+              <a:t>Najbardziej znane to </a:t>
+            </a:r>
+            <a:r>
+              <a:rPr lang="pl-PL" sz="1200" b="1" i="0" u="none" strike="noStrike" kern="1200" baseline="0" dirty="0">
+                <a:solidFill>
+                  <a:schemeClr val="tx1"/>
+                </a:solidFill>
+                <a:latin typeface="+mn-lt"/>
+                <a:ea typeface="+mn-ea"/>
+                <a:cs typeface="+mn-cs"/>
+              </a:rPr>
+              <a:t>map() </a:t>
+            </a:r>
+            <a:r>
+              <a:rPr lang="pl-PL" sz="1200" b="0" i="0" u="none" strike="noStrike" kern="1200" baseline="0" dirty="0">
+                <a:solidFill>
+                  <a:schemeClr val="tx1"/>
+                </a:solidFill>
+                <a:latin typeface="+mn-lt"/>
+                <a:ea typeface="+mn-ea"/>
+                <a:cs typeface="+mn-cs"/>
+              </a:rPr>
+              <a:t>i</a:t>
+            </a:r>
+            <a:r>
+              <a:rPr lang="pl-PL" sz="1200" b="1" i="0" u="none" strike="noStrike" kern="1200" baseline="0" dirty="0">
+                <a:solidFill>
+                  <a:schemeClr val="tx1"/>
+                </a:solidFill>
+                <a:latin typeface="+mn-lt"/>
+                <a:ea typeface="+mn-ea"/>
+                <a:cs typeface="+mn-cs"/>
+              </a:rPr>
+              <a:t> </a:t>
+            </a:r>
+            <a:r>
+              <a:rPr lang="pl-PL" sz="1200" b="1" i="0" u="none" strike="noStrike" kern="1200" baseline="0" dirty="0" err="1">
+                <a:solidFill>
+                  <a:schemeClr val="tx1"/>
+                </a:solidFill>
+                <a:latin typeface="+mn-lt"/>
+                <a:ea typeface="+mn-ea"/>
+                <a:cs typeface="+mn-cs"/>
+              </a:rPr>
+              <a:t>reduce</a:t>
+            </a:r>
+            <a:r>
+              <a:rPr lang="pl-PL" sz="1200" b="1" i="0" u="none" strike="noStrike" kern="1200" baseline="0" dirty="0">
+                <a:solidFill>
+                  <a:schemeClr val="tx1"/>
+                </a:solidFill>
+                <a:latin typeface="+mn-lt"/>
+                <a:ea typeface="+mn-ea"/>
+                <a:cs typeface="+mn-cs"/>
+              </a:rPr>
+              <a:t>().</a:t>
+            </a:r>
+          </a:p>
+          <a:p>
+            <a:r>
+              <a:rPr lang="pl-PL" sz="1200" b="0" i="0" u="none" strike="noStrike" kern="1200" baseline="0" dirty="0">
+                <a:solidFill>
+                  <a:schemeClr val="tx1"/>
+                </a:solidFill>
+                <a:latin typeface="+mn-lt"/>
+                <a:ea typeface="+mn-ea"/>
+                <a:cs typeface="+mn-cs"/>
+              </a:rPr>
+              <a:t>The map() </a:t>
+            </a:r>
+            <a:r>
+              <a:rPr lang="pl-PL" sz="1200" b="0" i="0" u="none" strike="noStrike" kern="1200" baseline="0" dirty="0" err="1">
+                <a:solidFill>
+                  <a:schemeClr val="tx1"/>
+                </a:solidFill>
+                <a:latin typeface="+mn-lt"/>
+                <a:ea typeface="+mn-ea"/>
+                <a:cs typeface="+mn-cs"/>
+              </a:rPr>
+              <a:t>higher</a:t>
+            </a:r>
+            <a:r>
+              <a:rPr lang="pl-PL" sz="1200" b="0" i="0" u="none" strike="noStrike" kern="1200" baseline="0" dirty="0">
+                <a:solidFill>
+                  <a:schemeClr val="tx1"/>
+                </a:solidFill>
+                <a:latin typeface="+mn-lt"/>
+                <a:ea typeface="+mn-ea"/>
+                <a:cs typeface="+mn-cs"/>
+              </a:rPr>
+              <a:t>-order </a:t>
+            </a:r>
+            <a:r>
+              <a:rPr lang="pl-PL" sz="1200" b="0" i="0" u="none" strike="noStrike" kern="1200" baseline="0" dirty="0" err="1">
+                <a:solidFill>
+                  <a:schemeClr val="tx1"/>
+                </a:solidFill>
+                <a:latin typeface="+mn-lt"/>
+                <a:ea typeface="+mn-ea"/>
+                <a:cs typeface="+mn-cs"/>
+              </a:rPr>
+              <a:t>function</a:t>
+            </a:r>
+            <a:r>
+              <a:rPr lang="pl-PL" sz="1200" b="0" i="0" u="none" strike="noStrike" kern="1200" baseline="0" dirty="0">
+                <a:solidFill>
+                  <a:schemeClr val="tx1"/>
+                </a:solidFill>
+                <a:latin typeface="+mn-lt"/>
+                <a:ea typeface="+mn-ea"/>
+                <a:cs typeface="+mn-cs"/>
+              </a:rPr>
+              <a:t> </a:t>
+            </a:r>
+            <a:r>
+              <a:rPr lang="en-US" sz="1200" b="0" i="0" u="none" strike="noStrike" kern="1200" baseline="0" dirty="0">
+                <a:solidFill>
+                  <a:schemeClr val="tx1"/>
+                </a:solidFill>
+                <a:latin typeface="+mn-lt"/>
+                <a:ea typeface="+mn-ea"/>
+                <a:cs typeface="+mn-cs"/>
+              </a:rPr>
+              <a:t>takes a function parameter and uses it to convert one or more items to a new value</a:t>
+            </a:r>
+            <a:r>
+              <a:rPr lang="pl-PL" sz="1200" b="0" i="0" u="none" strike="noStrike" kern="1200" baseline="0" dirty="0">
+                <a:solidFill>
+                  <a:schemeClr val="tx1"/>
+                </a:solidFill>
+                <a:latin typeface="+mn-lt"/>
+                <a:ea typeface="+mn-ea"/>
+                <a:cs typeface="+mn-cs"/>
+              </a:rPr>
+              <a:t> </a:t>
+            </a:r>
+            <a:r>
+              <a:rPr lang="en-US" sz="1200" b="0" i="0" u="none" strike="noStrike" kern="1200" baseline="0" dirty="0">
+                <a:solidFill>
+                  <a:schemeClr val="tx1"/>
+                </a:solidFill>
+                <a:latin typeface="+mn-lt"/>
+                <a:ea typeface="+mn-ea"/>
+                <a:cs typeface="+mn-cs"/>
+              </a:rPr>
+              <a:t>and/or type. </a:t>
+            </a:r>
+            <a:endParaRPr lang="pl-PL" sz="1200" b="0" i="0" u="none" strike="noStrike" kern="1200" baseline="0" dirty="0">
+              <a:solidFill>
+                <a:schemeClr val="tx1"/>
+              </a:solidFill>
+              <a:latin typeface="+mn-lt"/>
+              <a:ea typeface="+mn-ea"/>
+              <a:cs typeface="+mn-cs"/>
+            </a:endParaRPr>
+          </a:p>
+          <a:p>
+            <a:r>
+              <a:rPr lang="en-US" sz="1200" b="0" i="0" u="none" strike="noStrike" kern="1200" baseline="0" dirty="0">
+                <a:solidFill>
+                  <a:schemeClr val="tx1"/>
+                </a:solidFill>
+                <a:latin typeface="+mn-lt"/>
+                <a:ea typeface="+mn-ea"/>
+                <a:cs typeface="+mn-cs"/>
+              </a:rPr>
+              <a:t>The reduce() higher-order function takes a function parameter and uses</a:t>
+            </a:r>
+            <a:r>
+              <a:rPr lang="pl-PL" sz="1200" b="0" i="0" u="none" strike="noStrike" kern="1200" baseline="0" dirty="0">
+                <a:solidFill>
+                  <a:schemeClr val="tx1"/>
+                </a:solidFill>
+                <a:latin typeface="+mn-lt"/>
+                <a:ea typeface="+mn-ea"/>
+                <a:cs typeface="+mn-cs"/>
+              </a:rPr>
+              <a:t> </a:t>
+            </a:r>
+            <a:r>
+              <a:rPr lang="en-US" sz="1200" b="0" i="0" u="none" strike="noStrike" kern="1200" baseline="0" dirty="0">
+                <a:solidFill>
+                  <a:schemeClr val="tx1"/>
+                </a:solidFill>
+                <a:latin typeface="+mn-lt"/>
+                <a:ea typeface="+mn-ea"/>
+                <a:cs typeface="+mn-cs"/>
+              </a:rPr>
+              <a:t>it to reduce a collection of multiple items down to a single item.</a:t>
+            </a:r>
+            <a:endParaRPr lang="pl-PL" sz="1200" b="0" i="0" u="none" strike="noStrike" kern="1200" baseline="0" dirty="0">
+              <a:solidFill>
+                <a:schemeClr val="tx1"/>
+              </a:solidFill>
+              <a:latin typeface="+mn-lt"/>
+              <a:ea typeface="+mn-ea"/>
+              <a:cs typeface="+mn-cs"/>
+            </a:endParaRPr>
+          </a:p>
+          <a:p>
+            <a:endParaRPr lang="pl-PL" sz="1200" b="0" i="0" u="none" strike="noStrike" kern="1200" baseline="0" dirty="0">
+              <a:solidFill>
+                <a:schemeClr val="tx1"/>
+              </a:solidFill>
+              <a:latin typeface="+mn-lt"/>
+              <a:ea typeface="+mn-ea"/>
+              <a:cs typeface="+mn-cs"/>
+            </a:endParaRPr>
+          </a:p>
+          <a:p>
+            <a:r>
+              <a:rPr lang="en-US" sz="1200" b="0" i="0" u="none" strike="noStrike" kern="1200" baseline="0" dirty="0">
+                <a:solidFill>
+                  <a:schemeClr val="tx1"/>
+                </a:solidFill>
+                <a:latin typeface="+mn-lt"/>
+                <a:ea typeface="+mn-ea"/>
+                <a:cs typeface="+mn-cs"/>
+              </a:rPr>
+              <a:t>The popular Map/Reduce computing paradigm uses this concept to tackle large computing challenges, by</a:t>
+            </a:r>
+          </a:p>
+          <a:p>
+            <a:r>
+              <a:rPr lang="en-US" sz="1200" b="0" i="0" u="none" strike="noStrike" kern="1200" baseline="0" dirty="0">
+                <a:solidFill>
+                  <a:schemeClr val="tx1"/>
+                </a:solidFill>
+                <a:latin typeface="+mn-lt"/>
+                <a:ea typeface="+mn-ea"/>
+                <a:cs typeface="+mn-cs"/>
+              </a:rPr>
+              <a:t>mapping the computation across a range of distributed nodes and reducing their results</a:t>
+            </a:r>
+            <a:r>
+              <a:rPr lang="pl-PL" sz="1200" b="0" i="0" u="none" strike="noStrike" kern="1200" baseline="0" dirty="0">
+                <a:solidFill>
+                  <a:schemeClr val="tx1"/>
+                </a:solidFill>
+                <a:latin typeface="+mn-lt"/>
+                <a:ea typeface="+mn-ea"/>
+                <a:cs typeface="+mn-cs"/>
+              </a:rPr>
+              <a:t> </a:t>
+            </a:r>
+            <a:r>
+              <a:rPr lang="en-US" sz="1200" b="0" i="0" u="none" strike="noStrike" kern="1200" baseline="0" dirty="0">
+                <a:solidFill>
+                  <a:schemeClr val="tx1"/>
+                </a:solidFill>
+                <a:latin typeface="+mn-lt"/>
+                <a:ea typeface="+mn-ea"/>
+                <a:cs typeface="+mn-cs"/>
+              </a:rPr>
+              <a:t>back to a meaningful size.</a:t>
+            </a:r>
+            <a:endParaRPr lang="pl-PL" dirty="0"/>
+          </a:p>
+          <a:p>
+            <a:pPr marL="171450" indent="-171450">
+              <a:buFont typeface="Arial" panose="020B0604020202020204" pitchFamily="34" charset="0"/>
+              <a:buChar char="•"/>
+            </a:pPr>
+            <a:endParaRPr lang="pl-PL" sz="1200" dirty="0"/>
+          </a:p>
+          <a:p>
+            <a:pPr marL="171450" indent="-171450">
+              <a:buFont typeface="Arial" panose="020B0604020202020204" pitchFamily="34" charset="0"/>
+              <a:buChar char="•"/>
+            </a:pPr>
+            <a:endParaRPr lang="en-US" sz="1200" dirty="0"/>
           </a:p>
           <a:p>
             <a:endParaRPr lang="pl-PL" b="1" dirty="0"/>
@@ -2897,7 +3316,7 @@
     </p:spTree>
     <p:extLst>
       <p:ext uri="{BB962C8B-B14F-4D97-AF65-F5344CB8AC3E}">
-        <p14:creationId xmlns:p14="http://schemas.microsoft.com/office/powerpoint/2010/main" val="1578492328"/>
+        <p14:creationId xmlns:p14="http://schemas.microsoft.com/office/powerpoint/2010/main" val="1785866387"/>
       </p:ext>
     </p:extLst>
   </p:cSld>
@@ -2958,7 +3377,7 @@
     </p:spTree>
     <p:extLst>
       <p:ext uri="{BB962C8B-B14F-4D97-AF65-F5344CB8AC3E}">
-        <p14:creationId xmlns:p14="http://schemas.microsoft.com/office/powerpoint/2010/main" val="1785866387"/>
+        <p14:creationId xmlns:p14="http://schemas.microsoft.com/office/powerpoint/2010/main" val="1578492328"/>
       </p:ext>
     </p:extLst>
   </p:cSld>
@@ -5658,48 +6077,6 @@
           <a:p>
             <a:endParaRPr lang="pl-PL" dirty="0"/>
           </a:p>
-          <a:p>
-            <a:r>
-              <a:rPr lang="pl-PL" sz="1200" b="0" i="0" kern="1200" dirty="0">
-                <a:solidFill>
-                  <a:schemeClr val="tx1"/>
-                </a:solidFill>
-                <a:effectLst/>
-                <a:latin typeface="+mn-lt"/>
-                <a:ea typeface="+mn-ea"/>
-                <a:cs typeface="+mn-cs"/>
-              </a:rPr>
-              <a:t>S</a:t>
-            </a:r>
-            <a:r>
-              <a:rPr lang="en-US" sz="1200" b="0" i="0" kern="1200" dirty="0" err="1">
-                <a:solidFill>
-                  <a:schemeClr val="tx1"/>
-                </a:solidFill>
-                <a:effectLst/>
-                <a:latin typeface="+mn-lt"/>
-                <a:ea typeface="+mn-ea"/>
-                <a:cs typeface="+mn-cs"/>
-              </a:rPr>
-              <a:t>cales</a:t>
-            </a:r>
-            <a:r>
-              <a:rPr lang="en-US" sz="1200" b="0" i="0" kern="1200" dirty="0">
-                <a:solidFill>
-                  <a:schemeClr val="tx1"/>
-                </a:solidFill>
-                <a:effectLst/>
-                <a:latin typeface="+mn-lt"/>
-                <a:ea typeface="+mn-ea"/>
-                <a:cs typeface="+mn-cs"/>
-              </a:rPr>
-              <a:t> from “small data” on a laptop to “‘big data” on a cluster</a:t>
-            </a:r>
-            <a:endParaRPr lang="pl-PL" dirty="0"/>
-          </a:p>
-          <a:p>
-            <a:endParaRPr lang="pl-PL" dirty="0"/>
-          </a:p>
         </p:txBody>
       </p:sp>
     </p:spTree>
@@ -5984,6 +6361,10 @@
           <a:bodyPr/>
           <a:lstStyle/>
           <a:p>
+            <a:pPr marL="171450" indent="-171450">
+              <a:buFont typeface="Arial" panose="020B0604020202020204" pitchFamily="34" charset="0"/>
+              <a:buChar char="•"/>
+            </a:pPr>
             <a:r>
               <a:rPr lang="pl-PL" sz="1200" dirty="0" err="1"/>
               <a:t>Runs</a:t>
@@ -6007,6 +6388,10 @@
             <a:endParaRPr lang="pl-PL" sz="1200" dirty="0"/>
           </a:p>
           <a:p>
+            <a:pPr marL="171450" indent="-171450">
+              <a:buFont typeface="Arial" panose="020B0604020202020204" pitchFamily="34" charset="0"/>
+              <a:buChar char="•"/>
+            </a:pPr>
             <a:r>
               <a:rPr lang="pl-PL" sz="1200" dirty="0" err="1"/>
               <a:t>Can</a:t>
@@ -6054,6 +6439,10 @@
             <a:endParaRPr lang="pl-PL" sz="1200" dirty="0"/>
           </a:p>
           <a:p>
+            <a:pPr marL="171450" indent="-171450">
+              <a:buFont typeface="Arial" panose="020B0604020202020204" pitchFamily="34" charset="0"/>
+              <a:buChar char="•"/>
+            </a:pPr>
             <a:r>
               <a:rPr lang="pl-PL" sz="1200" dirty="0" err="1"/>
               <a:t>Supports</a:t>
@@ -6101,6 +6490,10 @@
             <a:endParaRPr lang="pl-PL" sz="1200" dirty="0"/>
           </a:p>
           <a:p>
+            <a:pPr marL="171450" indent="-171450">
+              <a:buFont typeface="Arial" panose="020B0604020202020204" pitchFamily="34" charset="0"/>
+              <a:buChar char="•"/>
+            </a:pPr>
             <a:r>
               <a:rPr lang="en-US" sz="1200" dirty="0"/>
               <a:t>Deployed on </a:t>
@@ -6136,6 +6529,10 @@
             <a:endParaRPr lang="pl-PL" sz="1200" dirty="0"/>
           </a:p>
           <a:p>
+            <a:pPr marL="171450" indent="-171450">
+              <a:buFont typeface="Arial" panose="020B0604020202020204" pitchFamily="34" charset="0"/>
+              <a:buChar char="•"/>
+            </a:pPr>
             <a:r>
               <a:rPr lang="pl-PL" sz="1200" dirty="0" err="1"/>
               <a:t>Can</a:t>
@@ -6192,6 +6589,111 @@
               <a:rPr lang="pl-PL" sz="1200" dirty="0"/>
               <a:t>)</a:t>
             </a:r>
+          </a:p>
+          <a:p>
+            <a:pPr marL="171450" marR="0" lvl="0" indent="-171450" algn="l" defTabSz="914400" rtl="0" eaLnBrk="1" fontAlgn="auto" latinLnBrk="0" hangingPunct="1">
+              <a:lnSpc>
+                <a:spcPct val="100000"/>
+              </a:lnSpc>
+              <a:spcBef>
+                <a:spcPts val="0"/>
+              </a:spcBef>
+              <a:spcAft>
+                <a:spcPts val="0"/>
+              </a:spcAft>
+              <a:buClrTx/>
+              <a:buSzTx/>
+              <a:buFont typeface="Arial" panose="020B0604020202020204" pitchFamily="34" charset="0"/>
+              <a:buChar char="•"/>
+              <a:tabLst/>
+              <a:defRPr/>
+            </a:pPr>
+            <a:r>
+              <a:rPr lang="pl-PL" sz="1200" b="1" i="0" kern="1200" dirty="0">
+                <a:solidFill>
+                  <a:schemeClr val="tx1"/>
+                </a:solidFill>
+                <a:effectLst/>
+                <a:latin typeface="+mn-lt"/>
+                <a:ea typeface="+mn-ea"/>
+                <a:cs typeface="+mn-cs"/>
+              </a:rPr>
+              <a:t>For single-</a:t>
+            </a:r>
+            <a:r>
+              <a:rPr lang="pl-PL" sz="1200" b="1" i="0" kern="1200" dirty="0" err="1">
+                <a:solidFill>
+                  <a:schemeClr val="tx1"/>
+                </a:solidFill>
+                <a:effectLst/>
+                <a:latin typeface="+mn-lt"/>
+                <a:ea typeface="+mn-ea"/>
+                <a:cs typeface="+mn-cs"/>
+              </a:rPr>
+              <a:t>node</a:t>
+            </a:r>
+            <a:r>
+              <a:rPr lang="pl-PL" sz="1200" b="1" i="0" kern="1200" dirty="0">
+                <a:solidFill>
+                  <a:schemeClr val="tx1"/>
+                </a:solidFill>
+                <a:effectLst/>
+                <a:latin typeface="+mn-lt"/>
+                <a:ea typeface="+mn-ea"/>
+                <a:cs typeface="+mn-cs"/>
+              </a:rPr>
+              <a:t> </a:t>
+            </a:r>
+            <a:r>
+              <a:rPr lang="pl-PL" sz="1200" b="1" i="0" kern="1200" dirty="0" err="1">
+                <a:solidFill>
+                  <a:schemeClr val="tx1"/>
+                </a:solidFill>
+                <a:effectLst/>
+                <a:latin typeface="+mn-lt"/>
+                <a:ea typeface="+mn-ea"/>
+                <a:cs typeface="+mn-cs"/>
+              </a:rPr>
+              <a:t>analytics</a:t>
+            </a:r>
+            <a:r>
+              <a:rPr lang="pl-PL" sz="1200" b="1" i="0" kern="1200" dirty="0">
+                <a:solidFill>
+                  <a:schemeClr val="tx1"/>
+                </a:solidFill>
+                <a:effectLst/>
+                <a:latin typeface="+mn-lt"/>
+                <a:ea typeface="+mn-ea"/>
+                <a:cs typeface="+mn-cs"/>
+              </a:rPr>
+              <a:t>: </a:t>
+            </a:r>
+            <a:r>
+              <a:rPr lang="pl-PL" dirty="0"/>
+              <a:t>Porównanie </a:t>
+            </a:r>
+            <a:r>
+              <a:rPr lang="pl-PL" dirty="0" err="1"/>
+              <a:t>Pandas</a:t>
+            </a:r>
+            <a:r>
+              <a:rPr lang="pl-PL" dirty="0"/>
+              <a:t> i Sparka: https://databricks.com/blog/2018/05/03/benchmarking-apache-spark-on-a-single-node-machine.html</a:t>
+            </a:r>
+          </a:p>
+          <a:p>
+            <a:pPr marL="171450" indent="-171450">
+              <a:buFont typeface="Arial" panose="020B0604020202020204" pitchFamily="34" charset="0"/>
+              <a:buChar char="•"/>
+            </a:pPr>
+            <a:endParaRPr lang="pl-PL" sz="1200" dirty="0"/>
+          </a:p>
+          <a:p>
+            <a:pPr marL="0" indent="0">
+              <a:buFont typeface="Arial" panose="020B0604020202020204" pitchFamily="34" charset="0"/>
+              <a:buNone/>
+            </a:pPr>
+            <a:endParaRPr lang="pl-PL" sz="1200" dirty="0"/>
           </a:p>
           <a:p>
             <a:endParaRPr lang="pl-PL" dirty="0"/>
@@ -6393,7 +6895,29 @@
                 <a:ea typeface="+mn-ea"/>
                 <a:cs typeface="+mn-cs"/>
               </a:rPr>
-              <a:t> otrzymuje korzyści z optymalizacji na niższym poziomie. Np. jeśli wprowadzana jest jakaś zmiana w Spark </a:t>
+              <a:t> </a:t>
+            </a:r>
+            <a:r>
+              <a:rPr lang="pl-PL" sz="1200" b="1" i="0" u="none" strike="noStrike" kern="1200" baseline="0" dirty="0">
+                <a:solidFill>
+                  <a:schemeClr val="tx1"/>
+                </a:solidFill>
+                <a:latin typeface="+mn-lt"/>
+                <a:ea typeface="+mn-ea"/>
+                <a:cs typeface="+mn-cs"/>
+              </a:rPr>
+              <a:t>otrzymuje korzyści z optymalizacji na niższym poziomie</a:t>
+            </a:r>
+            <a:r>
+              <a:rPr lang="pl-PL" sz="1200" b="0" i="0" u="none" strike="noStrike" kern="1200" baseline="0" dirty="0">
+                <a:solidFill>
+                  <a:schemeClr val="tx1"/>
+                </a:solidFill>
+                <a:latin typeface="+mn-lt"/>
+                <a:ea typeface="+mn-ea"/>
+                <a:cs typeface="+mn-cs"/>
+              </a:rPr>
+              <a:t>. Np. jeśli wprowadzana jest jakaś zmiana w Spark </a:t>
             </a:r>
             <a:r>
               <a:rPr lang="pl-PL" sz="1200" b="0" i="0" u="none" strike="noStrike" kern="1200" baseline="0" dirty="0" err="1">
@@ -10793,12 +11317,9 @@
           <a:bodyPr/>
           <a:lstStyle/>
           <a:p>
-            <a:br>
+            <a:r>
               <a:rPr lang="en-US" dirty="0"/>
-            </a:br>
-            <a:r>
-              <a:rPr lang="en-US" dirty="0"/>
-              <a:t>High-level APIs in several languages</a:t>
+              <a:t>Polyglot programming mode</a:t>
             </a:r>
           </a:p>
         </p:txBody>
@@ -10962,7 +11483,7 @@
         </p:blipFill>
         <p:spPr>
           <a:xfrm>
-            <a:off x="2231740" y="1656080"/>
+            <a:off x="2231740" y="2152747"/>
             <a:ext cx="4680520" cy="1718816"/>
           </a:xfrm>
           <a:prstGeom prst="rect">
@@ -10970,6 +11491,238 @@
           </a:prstGeom>
         </p:spPr>
       </p:pic>
+      <p:sp>
+        <p:nvSpPr>
+          <p:cNvPr id="8" name="Text Placeholder 4">
+            <a:extLst>
+              <a:ext uri="{FF2B5EF4-FFF2-40B4-BE49-F238E27FC236}">
+                <a16:creationId xmlns:a16="http://schemas.microsoft.com/office/drawing/2014/main" id="{3A72E06C-3AEF-4BF5-ACE8-28575FF28535}"/>
+              </a:ext>
+            </a:extLst>
+          </p:cNvPr>
+          <p:cNvSpPr txBox="1">
+            <a:spLocks/>
+          </p:cNvSpPr>
+          <p:nvPr/>
+        </p:nvSpPr>
+        <p:spPr>
+          <a:xfrm>
+            <a:off x="755650" y="915566"/>
+            <a:ext cx="7632700" cy="3797624"/>
+          </a:xfrm>
+          <a:prstGeom prst="rect">
+            <a:avLst/>
+          </a:prstGeom>
+        </p:spPr>
+        <p:txBody>
+          <a:bodyPr vert="horz" lIns="0" tIns="0" rIns="0" bIns="0" anchor="t"/>
+          <a:lstStyle>
+            <a:lvl1pPr marL="165100" indent="-165100" algn="l" defTabSz="914400" rtl="0" eaLnBrk="1" latinLnBrk="0" hangingPunct="1">
+              <a:lnSpc>
+                <a:spcPct val="140000"/>
+              </a:lnSpc>
+              <a:spcBef>
+                <a:spcPts val="0"/>
+              </a:spcBef>
+              <a:buClr>
+                <a:schemeClr val="accent1"/>
+              </a:buClr>
+              <a:buSzPct val="75000"/>
+              <a:buFont typeface="Wingdings" charset="2"/>
+              <a:buChar char="§"/>
+              <a:defRPr sz="1300" kern="1200">
+                <a:solidFill>
+                  <a:schemeClr val="tx1"/>
+                </a:solidFill>
+                <a:latin typeface="+mn-lt"/>
+                <a:ea typeface="+mn-ea"/>
+                <a:cs typeface="+mn-cs"/>
+              </a:defRPr>
+            </a:lvl1pPr>
+            <a:lvl2pPr marL="330200" indent="-165100" algn="l" defTabSz="914400" rtl="0" eaLnBrk="1" latinLnBrk="0" hangingPunct="1">
+              <a:lnSpc>
+                <a:spcPct val="140000"/>
+              </a:lnSpc>
+              <a:spcBef>
+                <a:spcPts val="0"/>
+              </a:spcBef>
+              <a:buClr>
+                <a:schemeClr val="bg2"/>
+              </a:buClr>
+              <a:buSzPct val="75000"/>
+              <a:buFont typeface="Wingdings" charset="2"/>
+              <a:buChar char="§"/>
+              <a:defRPr sz="1300" kern="1200">
+                <a:solidFill>
+                  <a:schemeClr val="tx1"/>
+                </a:solidFill>
+                <a:latin typeface="+mn-lt"/>
+                <a:ea typeface="+mn-ea"/>
+                <a:cs typeface="+mn-cs"/>
+              </a:defRPr>
+            </a:lvl2pPr>
+            <a:lvl3pPr marL="495300" indent="-165100" algn="l" defTabSz="914400" rtl="0" eaLnBrk="1" latinLnBrk="0" hangingPunct="1">
+              <a:lnSpc>
+                <a:spcPct val="140000"/>
+              </a:lnSpc>
+              <a:spcBef>
+                <a:spcPts val="0"/>
+              </a:spcBef>
+              <a:buClr>
+                <a:schemeClr val="bg2"/>
+              </a:buClr>
+              <a:buSzPct val="75000"/>
+              <a:buFont typeface="Wingdings" charset="2"/>
+              <a:buChar char="§"/>
+              <a:defRPr sz="1300" kern="1200">
+                <a:solidFill>
+                  <a:schemeClr val="tx1"/>
+                </a:solidFill>
+                <a:latin typeface="+mn-lt"/>
+                <a:ea typeface="+mn-ea"/>
+                <a:cs typeface="+mn-cs"/>
+              </a:defRPr>
+            </a:lvl3pPr>
+            <a:lvl4pPr marL="660400" indent="-165100" algn="l" defTabSz="914400" rtl="0" eaLnBrk="1" latinLnBrk="0" hangingPunct="1">
+              <a:lnSpc>
+                <a:spcPct val="140000"/>
+              </a:lnSpc>
+              <a:spcBef>
+                <a:spcPts val="0"/>
+              </a:spcBef>
+              <a:buClr>
+                <a:schemeClr val="bg2"/>
+              </a:buClr>
+              <a:buSzPct val="75000"/>
+              <a:buFont typeface="Wingdings" charset="2"/>
+              <a:buChar char="§"/>
+              <a:defRPr sz="1300" kern="1200">
+                <a:solidFill>
+                  <a:schemeClr val="tx1"/>
+                </a:solidFill>
+                <a:latin typeface="+mn-lt"/>
+                <a:ea typeface="+mn-ea"/>
+                <a:cs typeface="+mn-cs"/>
+              </a:defRPr>
+            </a:lvl4pPr>
+            <a:lvl5pPr marL="825500" indent="-165100" algn="l" defTabSz="914400" rtl="0" eaLnBrk="1" latinLnBrk="0" hangingPunct="1">
+              <a:lnSpc>
+                <a:spcPct val="140000"/>
+              </a:lnSpc>
+              <a:spcBef>
+                <a:spcPts val="0"/>
+              </a:spcBef>
+              <a:buClr>
+                <a:schemeClr val="bg2"/>
+              </a:buClr>
+              <a:buSzPct val="75000"/>
+              <a:buFont typeface="Wingdings" charset="2"/>
+              <a:buChar char="§"/>
+              <a:defRPr sz="1300" kern="1200">
+                <a:solidFill>
+                  <a:schemeClr val="tx1"/>
+                </a:solidFill>
+                <a:latin typeface="+mn-lt"/>
+                <a:ea typeface="+mn-ea"/>
+                <a:cs typeface="+mn-cs"/>
+              </a:defRPr>
+            </a:lvl5pPr>
+            <a:lvl6pPr marL="2514600" indent="-228600" algn="l" defTabSz="914400" rtl="0" eaLnBrk="1" latinLnBrk="0" hangingPunct="1">
+              <a:spcBef>
+                <a:spcPct val="20000"/>
+              </a:spcBef>
+              <a:buFont typeface="Arial" pitchFamily="34" charset="0"/>
+              <a:buChar char="•"/>
+              <a:defRPr sz="2000" kern="1200">
+                <a:solidFill>
+                  <a:schemeClr val="tx1"/>
+                </a:solidFill>
+                <a:latin typeface="+mn-lt"/>
+                <a:ea typeface="+mn-ea"/>
+                <a:cs typeface="+mn-cs"/>
+              </a:defRPr>
+            </a:lvl6pPr>
+            <a:lvl7pPr marL="2971800" indent="-228600" algn="l" defTabSz="914400" rtl="0" eaLnBrk="1" latinLnBrk="0" hangingPunct="1">
+              <a:spcBef>
+                <a:spcPct val="20000"/>
+              </a:spcBef>
+              <a:buFont typeface="Arial" pitchFamily="34" charset="0"/>
+              <a:buChar char="•"/>
+              <a:defRPr sz="2000" kern="1200">
+                <a:solidFill>
+                  <a:schemeClr val="tx1"/>
+                </a:solidFill>
+                <a:latin typeface="+mn-lt"/>
+                <a:ea typeface="+mn-ea"/>
+                <a:cs typeface="+mn-cs"/>
+              </a:defRPr>
+            </a:lvl7pPr>
+            <a:lvl8pPr marL="3429000" indent="-228600" algn="l" defTabSz="914400" rtl="0" eaLnBrk="1" latinLnBrk="0" hangingPunct="1">
+              <a:spcBef>
+                <a:spcPct val="20000"/>
+              </a:spcBef>
+              <a:buFont typeface="Arial" pitchFamily="34" charset="0"/>
+              <a:buChar char="•"/>
+              <a:defRPr sz="2000" kern="1200">
+                <a:solidFill>
+                  <a:schemeClr val="tx1"/>
+                </a:solidFill>
+                <a:latin typeface="+mn-lt"/>
+                <a:ea typeface="+mn-ea"/>
+                <a:cs typeface="+mn-cs"/>
+              </a:defRPr>
+            </a:lvl8pPr>
+            <a:lvl9pPr marL="3886200" indent="-228600" algn="l" defTabSz="914400" rtl="0" eaLnBrk="1" latinLnBrk="0" hangingPunct="1">
+              <a:spcBef>
+                <a:spcPct val="20000"/>
+              </a:spcBef>
+              <a:buFont typeface="Arial" pitchFamily="34" charset="0"/>
+              <a:buChar char="•"/>
+              <a:defRPr sz="2000" kern="1200">
+                <a:solidFill>
+                  <a:schemeClr val="tx1"/>
+                </a:solidFill>
+                <a:latin typeface="+mn-lt"/>
+                <a:ea typeface="+mn-ea"/>
+                <a:cs typeface="+mn-cs"/>
+              </a:defRPr>
+            </a:lvl9pPr>
+          </a:lstStyle>
+          <a:p>
+            <a:pPr marL="0" indent="0">
+              <a:buNone/>
+            </a:pPr>
+            <a:endParaRPr lang="en-US" sz="1800" dirty="0">
+              <a:solidFill>
+                <a:srgbClr val="4D4D4D"/>
+              </a:solidFill>
+            </a:endParaRPr>
+          </a:p>
+          <a:p>
+            <a:pPr marL="0" indent="0">
+              <a:buNone/>
+            </a:pPr>
+            <a:r>
+              <a:rPr lang="en-US" sz="1800" dirty="0">
+                <a:solidFill>
+                  <a:srgbClr val="4D4D4D"/>
+                </a:solidFill>
+              </a:rPr>
+              <a:t>High-level APIs in several languages</a:t>
+            </a:r>
+          </a:p>
+          <a:p>
+            <a:pPr marL="0" indent="0">
+              <a:buNone/>
+            </a:pPr>
+            <a:endParaRPr lang="en-US" sz="1800" dirty="0">
+              <a:solidFill>
+                <a:srgbClr val="4D4D4D"/>
+              </a:solidFill>
+            </a:endParaRPr>
+          </a:p>
+        </p:txBody>
+      </p:sp>
     </p:spTree>
     <p:extLst>
       <p:ext uri="{BB962C8B-B14F-4D97-AF65-F5344CB8AC3E}">
@@ -11878,51 +12631,31 @@
           </a:lstStyle>
           <a:p>
             <a:r>
-              <a:rPr lang="en-GB" sz="2000" dirty="0"/>
-              <a:t>Performance and access to the latest and greatest features of Spark</a:t>
-            </a:r>
-          </a:p>
-          <a:p>
-            <a:r>
-              <a:rPr lang="en-GB" sz="2000" dirty="0"/>
+              <a:rPr lang="en-US" sz="2000" dirty="0"/>
+              <a:t>Performance and access to the latest features of Spark</a:t>
+            </a:r>
+          </a:p>
+          <a:p>
+            <a:r>
+              <a:rPr lang="en-US" sz="2000" dirty="0"/>
               <a:t>Immutable data structures</a:t>
             </a:r>
           </a:p>
           <a:p>
             <a:r>
-              <a:rPr lang="en-GB" sz="2000" dirty="0"/>
+              <a:rPr lang="en-US" sz="2000" dirty="0"/>
               <a:t>Type safety and inference</a:t>
             </a:r>
           </a:p>
           <a:p>
             <a:r>
-              <a:rPr lang="en-GB" sz="2000" dirty="0"/>
-              <a:t>Concise, </a:t>
-            </a:r>
-            <a:r>
-              <a:rPr lang="pl-PL" sz="2000" dirty="0"/>
-              <a:t>e</a:t>
-            </a:r>
-            <a:r>
-              <a:rPr lang="en-GB" sz="2000" dirty="0" err="1"/>
-              <a:t>xpressive</a:t>
-            </a:r>
-            <a:r>
-              <a:rPr lang="en-GB" sz="2000" dirty="0"/>
-              <a:t> </a:t>
-            </a:r>
-            <a:r>
-              <a:rPr lang="pl-PL" sz="2000" dirty="0"/>
-              <a:t>c</a:t>
-            </a:r>
-            <a:r>
-              <a:rPr lang="en-GB" sz="2000" dirty="0"/>
-              <a:t>ode</a:t>
-            </a:r>
-          </a:p>
-          <a:p>
-            <a:r>
-              <a:rPr lang="en-GB" sz="2000" dirty="0"/>
+              <a:rPr lang="en-US" sz="2000" dirty="0"/>
+              <a:t>Concise, expressive code</a:t>
+            </a:r>
+          </a:p>
+          <a:p>
+            <a:r>
+              <a:rPr lang="en-US" sz="2000" dirty="0"/>
               <a:t>Debugging</a:t>
             </a:r>
           </a:p>
@@ -12245,27 +12978,50 @@
           </a:lstStyle>
           <a:p>
             <a:r>
-              <a:rPr lang="en-GB" sz="2000" dirty="0"/>
+              <a:rPr lang="en-US" sz="2000" dirty="0"/>
               <a:t>Libraries</a:t>
             </a:r>
           </a:p>
           <a:p>
             <a:r>
-              <a:rPr lang="en-GB" sz="2000" dirty="0"/>
-              <a:t>Niche language</a:t>
-            </a:r>
-          </a:p>
-          <a:p>
-            <a:r>
-              <a:rPr lang="en-GB" sz="2000" dirty="0"/>
-              <a:t>Advanced language features</a:t>
+              <a:rPr lang="en-US" sz="2000" dirty="0"/>
+              <a:t>Niche language with advanced features</a:t>
+            </a:r>
+          </a:p>
+          <a:p>
+            <a:pPr lvl="1"/>
+            <a:r>
+              <a:rPr lang="en-US" sz="2000" dirty="0"/>
+              <a:t>Monadic composition</a:t>
+            </a:r>
+          </a:p>
+          <a:p>
+            <a:pPr lvl="1"/>
+            <a:r>
+              <a:rPr lang="en-US" sz="2000" dirty="0"/>
+              <a:t>Infix notation</a:t>
+            </a:r>
+          </a:p>
+          <a:p>
+            <a:pPr lvl="1"/>
+            <a:r>
+              <a:rPr lang="en-US" sz="2000" dirty="0" err="1"/>
+              <a:t>Lineralization</a:t>
+            </a:r>
+            <a:endParaRPr lang="en-US" sz="2000" dirty="0"/>
+          </a:p>
+          <a:p>
+            <a:pPr lvl="1"/>
+            <a:r>
+              <a:rPr lang="en-US" sz="2000" dirty="0"/>
+              <a:t>… to name a few</a:t>
             </a:r>
           </a:p>
           <a:p>
             <a:pPr marL="0" indent="0">
               <a:buNone/>
             </a:pPr>
-            <a:endParaRPr lang="en-GB" sz="2000" dirty="0"/>
+            <a:endParaRPr lang="en-US" sz="2000" dirty="0"/>
           </a:p>
         </p:txBody>
       </p:sp>
@@ -12869,6 +13625,107 @@
 </file>
 
 <file path=ppt/slides/slide18.xml><?xml version="1.0" encoding="utf-8"?>
+<p:sld xmlns:a="http://schemas.openxmlformats.org/drawingml/2006/main" xmlns:r="http://schemas.openxmlformats.org/officeDocument/2006/relationships" xmlns:p="http://schemas.openxmlformats.org/presentationml/2006/main">
+  <p:cSld>
+    <p:spTree>
+      <p:nvGrpSpPr>
+        <p:cNvPr id="1" name=""/>
+        <p:cNvGrpSpPr/>
+        <p:nvPr/>
+      </p:nvGrpSpPr>
+      <p:grpSpPr>
+        <a:xfrm>
+          <a:off x="0" y="0"/>
+          <a:ext cx="0" cy="0"/>
+          <a:chOff x="0" y="0"/>
+          <a:chExt cx="0" cy="0"/>
+        </a:xfrm>
+      </p:grpSpPr>
+      <p:sp>
+        <p:nvSpPr>
+          <p:cNvPr id="3" name="Footer Placeholder 2"/>
+          <p:cNvSpPr>
+            <a:spLocks noGrp="1"/>
+          </p:cNvSpPr>
+          <p:nvPr>
+            <p:ph type="ftr" sz="quarter" idx="16"/>
+          </p:nvPr>
+        </p:nvSpPr>
+        <p:spPr/>
+        <p:txBody>
+          <a:bodyPr/>
+          <a:lstStyle/>
+          <a:p>
+            <a:endParaRPr lang="pl-PL" dirty="0"/>
+          </a:p>
+        </p:txBody>
+      </p:sp>
+      <p:sp>
+        <p:nvSpPr>
+          <p:cNvPr id="4" name="Date Placeholder 3"/>
+          <p:cNvSpPr>
+            <a:spLocks noGrp="1"/>
+          </p:cNvSpPr>
+          <p:nvPr>
+            <p:ph type="dt" sz="half" idx="15"/>
+          </p:nvPr>
+        </p:nvSpPr>
+        <p:spPr/>
+        <p:txBody>
+          <a:bodyPr/>
+          <a:lstStyle/>
+          <a:p>
+            <a:endParaRPr lang="pl-PL" dirty="0"/>
+          </a:p>
+        </p:txBody>
+      </p:sp>
+      <p:sp>
+        <p:nvSpPr>
+          <p:cNvPr id="9" name="Title 1">
+            <a:extLst>
+              <a:ext uri="{FF2B5EF4-FFF2-40B4-BE49-F238E27FC236}">
+                <a16:creationId xmlns:a16="http://schemas.microsoft.com/office/drawing/2014/main" id="{82B65652-5EB9-4867-9E15-64C595EA21D0}"/>
+              </a:ext>
+            </a:extLst>
+          </p:cNvPr>
+          <p:cNvSpPr>
+            <a:spLocks noGrp="1"/>
+          </p:cNvSpPr>
+          <p:nvPr>
+            <p:ph type="title"/>
+          </p:nvPr>
+        </p:nvSpPr>
+        <p:spPr>
+          <a:xfrm>
+            <a:off x="3833918" y="2392821"/>
+            <a:ext cx="1476164" cy="357857"/>
+          </a:xfrm>
+        </p:spPr>
+        <p:txBody>
+          <a:bodyPr/>
+          <a:lstStyle/>
+          <a:p>
+            <a:r>
+              <a:rPr lang="en-US" dirty="0"/>
+              <a:t>Thank you</a:t>
+            </a:r>
+          </a:p>
+        </p:txBody>
+      </p:sp>
+    </p:spTree>
+    <p:extLst>
+      <p:ext uri="{BB962C8B-B14F-4D97-AF65-F5344CB8AC3E}">
+        <p14:creationId xmlns:p14="http://schemas.microsoft.com/office/powerpoint/2010/main" val="3319423896"/>
+      </p:ext>
+    </p:extLst>
+  </p:cSld>
+  <p:clrMapOvr>
+    <a:masterClrMapping/>
+  </p:clrMapOvr>
+</p:sld>
+</file>
+
+<file path=ppt/slides/slide19.xml><?xml version="1.0" encoding="utf-8"?>
 <p:sld xmlns:a="http://schemas.openxmlformats.org/drawingml/2006/main" xmlns:r="http://schemas.openxmlformats.org/officeDocument/2006/relationships" xmlns:p="http://schemas.openxmlformats.org/presentationml/2006/main">
   <p:cSld>
     <p:spTree>
@@ -13059,107 +13916,6 @@
     <p:extLst>
       <p:ext uri="{BB962C8B-B14F-4D97-AF65-F5344CB8AC3E}">
         <p14:creationId xmlns:p14="http://schemas.microsoft.com/office/powerpoint/2010/main" val="3117407274"/>
-      </p:ext>
-    </p:extLst>
-  </p:cSld>
-  <p:clrMapOvr>
-    <a:masterClrMapping/>
-  </p:clrMapOvr>
-</p:sld>
-</file>
-
-<file path=ppt/slides/slide19.xml><?xml version="1.0" encoding="utf-8"?>
-<p:sld xmlns:a="http://schemas.openxmlformats.org/drawingml/2006/main" xmlns:r="http://schemas.openxmlformats.org/officeDocument/2006/relationships" xmlns:p="http://schemas.openxmlformats.org/presentationml/2006/main">
-  <p:cSld>
-    <p:spTree>
-      <p:nvGrpSpPr>
-        <p:cNvPr id="1" name=""/>
-        <p:cNvGrpSpPr/>
-        <p:nvPr/>
-      </p:nvGrpSpPr>
-      <p:grpSpPr>
-        <a:xfrm>
-          <a:off x="0" y="0"/>
-          <a:ext cx="0" cy="0"/>
-          <a:chOff x="0" y="0"/>
-          <a:chExt cx="0" cy="0"/>
-        </a:xfrm>
-      </p:grpSpPr>
-      <p:sp>
-        <p:nvSpPr>
-          <p:cNvPr id="3" name="Footer Placeholder 2"/>
-          <p:cNvSpPr>
-            <a:spLocks noGrp="1"/>
-          </p:cNvSpPr>
-          <p:nvPr>
-            <p:ph type="ftr" sz="quarter" idx="16"/>
-          </p:nvPr>
-        </p:nvSpPr>
-        <p:spPr/>
-        <p:txBody>
-          <a:bodyPr/>
-          <a:lstStyle/>
-          <a:p>
-            <a:endParaRPr lang="pl-PL" dirty="0"/>
-          </a:p>
-        </p:txBody>
-      </p:sp>
-      <p:sp>
-        <p:nvSpPr>
-          <p:cNvPr id="4" name="Date Placeholder 3"/>
-          <p:cNvSpPr>
-            <a:spLocks noGrp="1"/>
-          </p:cNvSpPr>
-          <p:nvPr>
-            <p:ph type="dt" sz="half" idx="15"/>
-          </p:nvPr>
-        </p:nvSpPr>
-        <p:spPr/>
-        <p:txBody>
-          <a:bodyPr/>
-          <a:lstStyle/>
-          <a:p>
-            <a:endParaRPr lang="pl-PL" dirty="0"/>
-          </a:p>
-        </p:txBody>
-      </p:sp>
-      <p:sp>
-        <p:nvSpPr>
-          <p:cNvPr id="9" name="Title 1">
-            <a:extLst>
-              <a:ext uri="{FF2B5EF4-FFF2-40B4-BE49-F238E27FC236}">
-                <a16:creationId xmlns:a16="http://schemas.microsoft.com/office/drawing/2014/main" id="{82B65652-5EB9-4867-9E15-64C595EA21D0}"/>
-              </a:ext>
-            </a:extLst>
-          </p:cNvPr>
-          <p:cNvSpPr>
-            <a:spLocks noGrp="1"/>
-          </p:cNvSpPr>
-          <p:nvPr>
-            <p:ph type="title"/>
-          </p:nvPr>
-        </p:nvSpPr>
-        <p:spPr>
-          <a:xfrm>
-            <a:off x="3833918" y="2392821"/>
-            <a:ext cx="1476164" cy="357857"/>
-          </a:xfrm>
-        </p:spPr>
-        <p:txBody>
-          <a:bodyPr/>
-          <a:lstStyle/>
-          <a:p>
-            <a:r>
-              <a:rPr lang="en-US" dirty="0"/>
-              <a:t>Thank you</a:t>
-            </a:r>
-          </a:p>
-        </p:txBody>
-      </p:sp>
-    </p:spTree>
-    <p:extLst>
-      <p:ext uri="{BB962C8B-B14F-4D97-AF65-F5344CB8AC3E}">
-        <p14:creationId xmlns:p14="http://schemas.microsoft.com/office/powerpoint/2010/main" val="3319423896"/>
       </p:ext>
     </p:extLst>
   </p:cSld>
@@ -18881,247 +19637,6 @@
       </p:sp>
       <p:sp>
         <p:nvSpPr>
-          <p:cNvPr id="6" name="Text Placeholder 4"/>
-          <p:cNvSpPr txBox="1">
-            <a:spLocks/>
-          </p:cNvSpPr>
-          <p:nvPr/>
-        </p:nvSpPr>
-        <p:spPr>
-          <a:xfrm>
-            <a:off x="3347864" y="915566"/>
-            <a:ext cx="5040486" cy="3797624"/>
-          </a:xfrm>
-          <a:prstGeom prst="rect">
-            <a:avLst/>
-          </a:prstGeom>
-        </p:spPr>
-        <p:txBody>
-          <a:bodyPr vert="horz" lIns="0" tIns="0" rIns="0" bIns="0" anchor="t"/>
-          <a:lstStyle>
-            <a:lvl1pPr marL="165100" indent="-165100" algn="l" defTabSz="914400" rtl="0" eaLnBrk="1" latinLnBrk="0" hangingPunct="1">
-              <a:lnSpc>
-                <a:spcPct val="140000"/>
-              </a:lnSpc>
-              <a:spcBef>
-                <a:spcPts val="0"/>
-              </a:spcBef>
-              <a:buClr>
-                <a:schemeClr val="accent1"/>
-              </a:buClr>
-              <a:buSzPct val="75000"/>
-              <a:buFont typeface="Wingdings" charset="2"/>
-              <a:buChar char="§"/>
-              <a:defRPr sz="1300" kern="1200">
-                <a:solidFill>
-                  <a:schemeClr val="tx1"/>
-                </a:solidFill>
-                <a:latin typeface="+mn-lt"/>
-                <a:ea typeface="+mn-ea"/>
-                <a:cs typeface="+mn-cs"/>
-              </a:defRPr>
-            </a:lvl1pPr>
-            <a:lvl2pPr marL="330200" indent="-165100" algn="l" defTabSz="914400" rtl="0" eaLnBrk="1" latinLnBrk="0" hangingPunct="1">
-              <a:lnSpc>
-                <a:spcPct val="140000"/>
-              </a:lnSpc>
-              <a:spcBef>
-                <a:spcPts val="0"/>
-              </a:spcBef>
-              <a:buClr>
-                <a:schemeClr val="bg2"/>
-              </a:buClr>
-              <a:buSzPct val="75000"/>
-              <a:buFont typeface="Wingdings" charset="2"/>
-              <a:buChar char="§"/>
-              <a:defRPr sz="1300" kern="1200">
-                <a:solidFill>
-                  <a:schemeClr val="tx1"/>
-                </a:solidFill>
-                <a:latin typeface="+mn-lt"/>
-                <a:ea typeface="+mn-ea"/>
-                <a:cs typeface="+mn-cs"/>
-              </a:defRPr>
-            </a:lvl2pPr>
-            <a:lvl3pPr marL="495300" indent="-165100" algn="l" defTabSz="914400" rtl="0" eaLnBrk="1" latinLnBrk="0" hangingPunct="1">
-              <a:lnSpc>
-                <a:spcPct val="140000"/>
-              </a:lnSpc>
-              <a:spcBef>
-                <a:spcPts val="0"/>
-              </a:spcBef>
-              <a:buClr>
-                <a:schemeClr val="bg2"/>
-              </a:buClr>
-              <a:buSzPct val="75000"/>
-              <a:buFont typeface="Wingdings" charset="2"/>
-              <a:buChar char="§"/>
-              <a:defRPr sz="1300" kern="1200">
-                <a:solidFill>
-                  <a:schemeClr val="tx1"/>
-                </a:solidFill>
-                <a:latin typeface="+mn-lt"/>
-                <a:ea typeface="+mn-ea"/>
-                <a:cs typeface="+mn-cs"/>
-              </a:defRPr>
-            </a:lvl3pPr>
-            <a:lvl4pPr marL="660400" indent="-165100" algn="l" defTabSz="914400" rtl="0" eaLnBrk="1" latinLnBrk="0" hangingPunct="1">
-              <a:lnSpc>
-                <a:spcPct val="140000"/>
-              </a:lnSpc>
-              <a:spcBef>
-                <a:spcPts val="0"/>
-              </a:spcBef>
-              <a:buClr>
-                <a:schemeClr val="bg2"/>
-              </a:buClr>
-              <a:buSzPct val="75000"/>
-              <a:buFont typeface="Wingdings" charset="2"/>
-              <a:buChar char="§"/>
-              <a:defRPr sz="1300" kern="1200">
-                <a:solidFill>
-                  <a:schemeClr val="tx1"/>
-                </a:solidFill>
-                <a:latin typeface="+mn-lt"/>
-                <a:ea typeface="+mn-ea"/>
-                <a:cs typeface="+mn-cs"/>
-              </a:defRPr>
-            </a:lvl4pPr>
-            <a:lvl5pPr marL="825500" indent="-165100" algn="l" defTabSz="914400" rtl="0" eaLnBrk="1" latinLnBrk="0" hangingPunct="1">
-              <a:lnSpc>
-                <a:spcPct val="140000"/>
-              </a:lnSpc>
-              <a:spcBef>
-                <a:spcPts val="0"/>
-              </a:spcBef>
-              <a:buClr>
-                <a:schemeClr val="bg2"/>
-              </a:buClr>
-              <a:buSzPct val="75000"/>
-              <a:buFont typeface="Wingdings" charset="2"/>
-              <a:buChar char="§"/>
-              <a:defRPr sz="1300" kern="1200">
-                <a:solidFill>
-                  <a:schemeClr val="tx1"/>
-                </a:solidFill>
-                <a:latin typeface="+mn-lt"/>
-                <a:ea typeface="+mn-ea"/>
-                <a:cs typeface="+mn-cs"/>
-              </a:defRPr>
-            </a:lvl5pPr>
-            <a:lvl6pPr marL="2514600" indent="-228600" algn="l" defTabSz="914400" rtl="0" eaLnBrk="1" latinLnBrk="0" hangingPunct="1">
-              <a:spcBef>
-                <a:spcPct val="20000"/>
-              </a:spcBef>
-              <a:buFont typeface="Arial" pitchFamily="34" charset="0"/>
-              <a:buChar char="•"/>
-              <a:defRPr sz="2000" kern="1200">
-                <a:solidFill>
-                  <a:schemeClr val="tx1"/>
-                </a:solidFill>
-                <a:latin typeface="+mn-lt"/>
-                <a:ea typeface="+mn-ea"/>
-                <a:cs typeface="+mn-cs"/>
-              </a:defRPr>
-            </a:lvl6pPr>
-            <a:lvl7pPr marL="2971800" indent="-228600" algn="l" defTabSz="914400" rtl="0" eaLnBrk="1" latinLnBrk="0" hangingPunct="1">
-              <a:spcBef>
-                <a:spcPct val="20000"/>
-              </a:spcBef>
-              <a:buFont typeface="Arial" pitchFamily="34" charset="0"/>
-              <a:buChar char="•"/>
-              <a:defRPr sz="2000" kern="1200">
-                <a:solidFill>
-                  <a:schemeClr val="tx1"/>
-                </a:solidFill>
-                <a:latin typeface="+mn-lt"/>
-                <a:ea typeface="+mn-ea"/>
-                <a:cs typeface="+mn-cs"/>
-              </a:defRPr>
-            </a:lvl7pPr>
-            <a:lvl8pPr marL="3429000" indent="-228600" algn="l" defTabSz="914400" rtl="0" eaLnBrk="1" latinLnBrk="0" hangingPunct="1">
-              <a:spcBef>
-                <a:spcPct val="20000"/>
-              </a:spcBef>
-              <a:buFont typeface="Arial" pitchFamily="34" charset="0"/>
-              <a:buChar char="•"/>
-              <a:defRPr sz="2000" kern="1200">
-                <a:solidFill>
-                  <a:schemeClr val="tx1"/>
-                </a:solidFill>
-                <a:latin typeface="+mn-lt"/>
-                <a:ea typeface="+mn-ea"/>
-                <a:cs typeface="+mn-cs"/>
-              </a:defRPr>
-            </a:lvl8pPr>
-            <a:lvl9pPr marL="3886200" indent="-228600" algn="l" defTabSz="914400" rtl="0" eaLnBrk="1" latinLnBrk="0" hangingPunct="1">
-              <a:spcBef>
-                <a:spcPct val="20000"/>
-              </a:spcBef>
-              <a:buFont typeface="Arial" pitchFamily="34" charset="0"/>
-              <a:buChar char="•"/>
-              <a:defRPr sz="2000" kern="1200">
-                <a:solidFill>
-                  <a:schemeClr val="tx1"/>
-                </a:solidFill>
-                <a:latin typeface="+mn-lt"/>
-                <a:ea typeface="+mn-ea"/>
-                <a:cs typeface="+mn-cs"/>
-              </a:defRPr>
-            </a:lvl9pPr>
-          </a:lstStyle>
-          <a:p>
-            <a:r>
-              <a:rPr lang="en-US" sz="2000" dirty="0"/>
-              <a:t>Hadoop (HDFS) clusters</a:t>
-            </a:r>
-          </a:p>
-          <a:p>
-            <a:r>
-              <a:rPr lang="en-US" sz="2000" dirty="0"/>
-              <a:t>HBase, Cassandra - integrates nicely with </a:t>
-            </a:r>
-            <a:r>
-              <a:rPr lang="pl-PL" sz="2000" dirty="0"/>
-              <a:t>N</a:t>
-            </a:r>
-            <a:r>
-              <a:rPr lang="en-US" sz="2000" dirty="0" err="1"/>
-              <a:t>oSQL</a:t>
-            </a:r>
-            <a:endParaRPr lang="en-US" sz="2000" dirty="0"/>
-          </a:p>
-          <a:p>
-            <a:r>
-              <a:rPr lang="en-US" sz="2000" dirty="0"/>
-              <a:t>From CSV to Parquet</a:t>
-            </a:r>
-          </a:p>
-          <a:p>
-            <a:r>
-              <a:rPr lang="en-US" sz="2000" dirty="0"/>
-              <a:t>Deployed on YARN/Mesos and Docker/Kubernetes </a:t>
-            </a:r>
-          </a:p>
-          <a:p>
-            <a:r>
-              <a:rPr lang="en-US" sz="2000" dirty="0"/>
-              <a:t>Cloud: AWS, Azure and GCP</a:t>
-            </a:r>
-          </a:p>
-          <a:p>
-            <a:r>
-              <a:rPr lang="en-US" sz="2000" dirty="0"/>
-              <a:t>Development: Linux/Win/Mac</a:t>
-            </a:r>
-          </a:p>
-          <a:p>
-            <a:endParaRPr lang="en-US" sz="2000" dirty="0"/>
-          </a:p>
-        </p:txBody>
-      </p:sp>
-      <p:sp>
-        <p:nvSpPr>
           <p:cNvPr id="7" name="TextBox 6"/>
           <p:cNvSpPr txBox="1"/>
           <p:nvPr/>
@@ -19219,8 +19734,8 @@
         </p:blipFill>
         <p:spPr bwMode="auto">
           <a:xfrm>
-            <a:off x="656627" y="1224550"/>
-            <a:ext cx="2553859" cy="2694400"/>
+            <a:off x="5930324" y="1587760"/>
+            <a:ext cx="2553859" cy="2694401"/>
           </a:xfrm>
           <a:prstGeom prst="rect">
             <a:avLst/>
@@ -19237,6 +19752,238 @@
           </a:extLst>
         </p:spPr>
       </p:pic>
+      <p:sp>
+        <p:nvSpPr>
+          <p:cNvPr id="6" name="Text Placeholder 4"/>
+          <p:cNvSpPr txBox="1">
+            <a:spLocks/>
+          </p:cNvSpPr>
+          <p:nvPr/>
+        </p:nvSpPr>
+        <p:spPr>
+          <a:xfrm>
+            <a:off x="659817" y="861339"/>
+            <a:ext cx="8001023" cy="3797624"/>
+          </a:xfrm>
+          <a:prstGeom prst="rect">
+            <a:avLst/>
+          </a:prstGeom>
+        </p:spPr>
+        <p:txBody>
+          <a:bodyPr vert="horz" lIns="0" tIns="0" rIns="0" bIns="0" anchor="t"/>
+          <a:lstStyle>
+            <a:lvl1pPr marL="165100" indent="-165100" algn="l" defTabSz="914400" rtl="0" eaLnBrk="1" latinLnBrk="0" hangingPunct="1">
+              <a:lnSpc>
+                <a:spcPct val="140000"/>
+              </a:lnSpc>
+              <a:spcBef>
+                <a:spcPts val="0"/>
+              </a:spcBef>
+              <a:buClr>
+                <a:schemeClr val="accent1"/>
+              </a:buClr>
+              <a:buSzPct val="75000"/>
+              <a:buFont typeface="Wingdings" charset="2"/>
+              <a:buChar char="§"/>
+              <a:defRPr sz="1300" kern="1200">
+                <a:solidFill>
+                  <a:schemeClr val="tx1"/>
+                </a:solidFill>
+                <a:latin typeface="+mn-lt"/>
+                <a:ea typeface="+mn-ea"/>
+                <a:cs typeface="+mn-cs"/>
+              </a:defRPr>
+            </a:lvl1pPr>
+            <a:lvl2pPr marL="330200" indent="-165100" algn="l" defTabSz="914400" rtl="0" eaLnBrk="1" latinLnBrk="0" hangingPunct="1">
+              <a:lnSpc>
+                <a:spcPct val="140000"/>
+              </a:lnSpc>
+              <a:spcBef>
+                <a:spcPts val="0"/>
+              </a:spcBef>
+              <a:buClr>
+                <a:schemeClr val="bg2"/>
+              </a:buClr>
+              <a:buSzPct val="75000"/>
+              <a:buFont typeface="Wingdings" charset="2"/>
+              <a:buChar char="§"/>
+              <a:defRPr sz="1300" kern="1200">
+                <a:solidFill>
+                  <a:schemeClr val="tx1"/>
+                </a:solidFill>
+                <a:latin typeface="+mn-lt"/>
+                <a:ea typeface="+mn-ea"/>
+                <a:cs typeface="+mn-cs"/>
+              </a:defRPr>
+            </a:lvl2pPr>
+            <a:lvl3pPr marL="495300" indent="-165100" algn="l" defTabSz="914400" rtl="0" eaLnBrk="1" latinLnBrk="0" hangingPunct="1">
+              <a:lnSpc>
+                <a:spcPct val="140000"/>
+              </a:lnSpc>
+              <a:spcBef>
+                <a:spcPts val="0"/>
+              </a:spcBef>
+              <a:buClr>
+                <a:schemeClr val="bg2"/>
+              </a:buClr>
+              <a:buSzPct val="75000"/>
+              <a:buFont typeface="Wingdings" charset="2"/>
+              <a:buChar char="§"/>
+              <a:defRPr sz="1300" kern="1200">
+                <a:solidFill>
+                  <a:schemeClr val="tx1"/>
+                </a:solidFill>
+                <a:latin typeface="+mn-lt"/>
+                <a:ea typeface="+mn-ea"/>
+                <a:cs typeface="+mn-cs"/>
+              </a:defRPr>
+            </a:lvl3pPr>
+            <a:lvl4pPr marL="660400" indent="-165100" algn="l" defTabSz="914400" rtl="0" eaLnBrk="1" latinLnBrk="0" hangingPunct="1">
+              <a:lnSpc>
+                <a:spcPct val="140000"/>
+              </a:lnSpc>
+              <a:spcBef>
+                <a:spcPts val="0"/>
+              </a:spcBef>
+              <a:buClr>
+                <a:schemeClr val="bg2"/>
+              </a:buClr>
+              <a:buSzPct val="75000"/>
+              <a:buFont typeface="Wingdings" charset="2"/>
+              <a:buChar char="§"/>
+              <a:defRPr sz="1300" kern="1200">
+                <a:solidFill>
+                  <a:schemeClr val="tx1"/>
+                </a:solidFill>
+                <a:latin typeface="+mn-lt"/>
+                <a:ea typeface="+mn-ea"/>
+                <a:cs typeface="+mn-cs"/>
+              </a:defRPr>
+            </a:lvl4pPr>
+            <a:lvl5pPr marL="825500" indent="-165100" algn="l" defTabSz="914400" rtl="0" eaLnBrk="1" latinLnBrk="0" hangingPunct="1">
+              <a:lnSpc>
+                <a:spcPct val="140000"/>
+              </a:lnSpc>
+              <a:spcBef>
+                <a:spcPts val="0"/>
+              </a:spcBef>
+              <a:buClr>
+                <a:schemeClr val="bg2"/>
+              </a:buClr>
+              <a:buSzPct val="75000"/>
+              <a:buFont typeface="Wingdings" charset="2"/>
+              <a:buChar char="§"/>
+              <a:defRPr sz="1300" kern="1200">
+                <a:solidFill>
+                  <a:schemeClr val="tx1"/>
+                </a:solidFill>
+                <a:latin typeface="+mn-lt"/>
+                <a:ea typeface="+mn-ea"/>
+                <a:cs typeface="+mn-cs"/>
+              </a:defRPr>
+            </a:lvl5pPr>
+            <a:lvl6pPr marL="2514600" indent="-228600" algn="l" defTabSz="914400" rtl="0" eaLnBrk="1" latinLnBrk="0" hangingPunct="1">
+              <a:spcBef>
+                <a:spcPct val="20000"/>
+              </a:spcBef>
+              <a:buFont typeface="Arial" pitchFamily="34" charset="0"/>
+              <a:buChar char="•"/>
+              <a:defRPr sz="2000" kern="1200">
+                <a:solidFill>
+                  <a:schemeClr val="tx1"/>
+                </a:solidFill>
+                <a:latin typeface="+mn-lt"/>
+                <a:ea typeface="+mn-ea"/>
+                <a:cs typeface="+mn-cs"/>
+              </a:defRPr>
+            </a:lvl6pPr>
+            <a:lvl7pPr marL="2971800" indent="-228600" algn="l" defTabSz="914400" rtl="0" eaLnBrk="1" latinLnBrk="0" hangingPunct="1">
+              <a:spcBef>
+                <a:spcPct val="20000"/>
+              </a:spcBef>
+              <a:buFont typeface="Arial" pitchFamily="34" charset="0"/>
+              <a:buChar char="•"/>
+              <a:defRPr sz="2000" kern="1200">
+                <a:solidFill>
+                  <a:schemeClr val="tx1"/>
+                </a:solidFill>
+                <a:latin typeface="+mn-lt"/>
+                <a:ea typeface="+mn-ea"/>
+                <a:cs typeface="+mn-cs"/>
+              </a:defRPr>
+            </a:lvl7pPr>
+            <a:lvl8pPr marL="3429000" indent="-228600" algn="l" defTabSz="914400" rtl="0" eaLnBrk="1" latinLnBrk="0" hangingPunct="1">
+              <a:spcBef>
+                <a:spcPct val="20000"/>
+              </a:spcBef>
+              <a:buFont typeface="Arial" pitchFamily="34" charset="0"/>
+              <a:buChar char="•"/>
+              <a:defRPr sz="2000" kern="1200">
+                <a:solidFill>
+                  <a:schemeClr val="tx1"/>
+                </a:solidFill>
+                <a:latin typeface="+mn-lt"/>
+                <a:ea typeface="+mn-ea"/>
+                <a:cs typeface="+mn-cs"/>
+              </a:defRPr>
+            </a:lvl8pPr>
+            <a:lvl9pPr marL="3886200" indent="-228600" algn="l" defTabSz="914400" rtl="0" eaLnBrk="1" latinLnBrk="0" hangingPunct="1">
+              <a:spcBef>
+                <a:spcPct val="20000"/>
+              </a:spcBef>
+              <a:buFont typeface="Arial" pitchFamily="34" charset="0"/>
+              <a:buChar char="•"/>
+              <a:defRPr sz="2000" kern="1200">
+                <a:solidFill>
+                  <a:schemeClr val="tx1"/>
+                </a:solidFill>
+                <a:latin typeface="+mn-lt"/>
+                <a:ea typeface="+mn-ea"/>
+                <a:cs typeface="+mn-cs"/>
+              </a:defRPr>
+            </a:lvl9pPr>
+          </a:lstStyle>
+          <a:p>
+            <a:r>
+              <a:rPr lang="en-US" sz="2000" dirty="0"/>
+              <a:t>Scales from “small data” on a laptop to “‘big data” on a cluster</a:t>
+            </a:r>
+          </a:p>
+          <a:p>
+            <a:r>
+              <a:rPr lang="en-US" sz="2000" dirty="0"/>